--- a/Dokumente/Abschlusspr�si/Abschlusspr�sentation.pptx
+++ b/Dokumente/Abschlusspr�si/Abschlusspr�sentation.pptx
@@ -5,26 +5,27 @@
     <p:sldMasterId id="2147483744" r:id="rId1"/>
   </p:sldMasterIdLst>
   <p:notesMasterIdLst>
-    <p:notesMasterId r:id="rId19"/>
+    <p:notesMasterId r:id="rId20"/>
   </p:notesMasterIdLst>
   <p:sldIdLst>
     <p:sldId id="256" r:id="rId2"/>
     <p:sldId id="259" r:id="rId3"/>
     <p:sldId id="295" r:id="rId4"/>
-    <p:sldId id="304" r:id="rId5"/>
-    <p:sldId id="293" r:id="rId6"/>
-    <p:sldId id="260" r:id="rId7"/>
-    <p:sldId id="294" r:id="rId8"/>
-    <p:sldId id="298" r:id="rId9"/>
-    <p:sldId id="305" r:id="rId10"/>
-    <p:sldId id="297" r:id="rId11"/>
-    <p:sldId id="306" r:id="rId12"/>
-    <p:sldId id="296" r:id="rId13"/>
-    <p:sldId id="307" r:id="rId14"/>
-    <p:sldId id="301" r:id="rId15"/>
-    <p:sldId id="300" r:id="rId16"/>
-    <p:sldId id="303" r:id="rId17"/>
-    <p:sldId id="290" r:id="rId18"/>
+    <p:sldId id="308" r:id="rId5"/>
+    <p:sldId id="304" r:id="rId6"/>
+    <p:sldId id="293" r:id="rId7"/>
+    <p:sldId id="260" r:id="rId8"/>
+    <p:sldId id="294" r:id="rId9"/>
+    <p:sldId id="298" r:id="rId10"/>
+    <p:sldId id="305" r:id="rId11"/>
+    <p:sldId id="297" r:id="rId12"/>
+    <p:sldId id="306" r:id="rId13"/>
+    <p:sldId id="296" r:id="rId14"/>
+    <p:sldId id="307" r:id="rId15"/>
+    <p:sldId id="301" r:id="rId16"/>
+    <p:sldId id="300" r:id="rId17"/>
+    <p:sldId id="303" r:id="rId18"/>
+    <p:sldId id="290" r:id="rId19"/>
   </p:sldIdLst>
   <p:sldSz cx="9144000" cy="6858000" type="screen4x3"/>
   <p:notesSz cx="6858000" cy="9144000"/>
@@ -399,7 +400,7 @@
     </p:spTree>
     <p:extLst>
       <p:ext uri="{BB962C8B-B14F-4D97-AF65-F5344CB8AC3E}">
-        <p14:creationId xmlns:p14="http://schemas.microsoft.com/office/powerpoint/2010/main" val="2610097957"/>
+        <p14:creationId xmlns:p14="http://schemas.microsoft.com/office/powerpoint/2010/main" xmlns="" val="2610097957"/>
       </p:ext>
     </p:extLst>
   </p:cSld>
@@ -574,7 +575,7 @@
     </p:spTree>
     <p:extLst>
       <p:ext uri="{BB962C8B-B14F-4D97-AF65-F5344CB8AC3E}">
-        <p14:creationId xmlns:p14="http://schemas.microsoft.com/office/powerpoint/2010/main" val="2116472317"/>
+        <p14:creationId xmlns:p14="http://schemas.microsoft.com/office/powerpoint/2010/main" xmlns="" val="2116472317"/>
       </p:ext>
     </p:extLst>
   </p:cSld>
@@ -630,43 +631,51 @@
           <a:p>
             <a:r>
               <a:rPr lang="de-DE" dirty="0" smtClean="0"/>
-              <a:t>Zeitplan</a:t>
-            </a:r>
-          </a:p>
-          <a:p>
-            <a:r>
-              <a:rPr lang="de-DE" dirty="0" smtClean="0"/>
-              <a:t>Fokus aus </a:t>
+              <a:t>Blau: Event </a:t>
             </a:r>
             <a:r>
               <a:rPr lang="de-DE" dirty="0" err="1" smtClean="0"/>
-              <a:t>Inception</a:t>
-            </a:r>
-            <a:r>
-              <a:rPr lang="de-DE" dirty="0" smtClean="0"/>
-              <a:t> / Elaboration</a:t>
-            </a:r>
-          </a:p>
-          <a:p>
-            <a:r>
-              <a:rPr lang="de-DE" dirty="0" smtClean="0"/>
-              <a:t>Aufgrund der Enge des Zeitplans jeweils zwei Iterationen mit</a:t>
+              <a:t>anlage</a:t>
+            </a:r>
+            <a:endParaRPr lang="de-DE" dirty="0" smtClean="0"/>
+          </a:p>
+          <a:p>
+            <a:r>
+              <a:rPr lang="de-DE" dirty="0" smtClean="0"/>
+              <a:t>DB Table Event, </a:t>
+            </a:r>
+            <a:r>
+              <a:rPr lang="de-DE" dirty="0" err="1" smtClean="0"/>
+              <a:t>normaliserte</a:t>
             </a:r>
             <a:r>
               <a:rPr lang="de-DE" baseline="0" dirty="0" smtClean="0"/>
-              <a:t> festen Reviews der Ergebnisse etc.</a:t>
-            </a:r>
+              <a:t> Teilnehmerliste und Ort</a:t>
+            </a:r>
+          </a:p>
+          <a:p>
+            <a:endParaRPr lang="de-DE" baseline="0" dirty="0" smtClean="0"/>
           </a:p>
           <a:p>
             <a:r>
               <a:rPr lang="de-DE" baseline="0" dirty="0" smtClean="0"/>
-              <a:t>Aber auch: RUP! Jederzeit auch bei kleineren Änderungen/Feststellungen usw. Überarbeitung.</a:t>
-            </a:r>
-          </a:p>
-          <a:p>
+              <a:t>Rot: Login Verknüpfung Session ID aus </a:t>
+            </a:r>
+            <a:r>
+              <a:rPr lang="de-DE" baseline="0" dirty="0" err="1" smtClean="0"/>
+              <a:t>oAuth</a:t>
+            </a:r>
             <a:r>
               <a:rPr lang="de-DE" baseline="0" dirty="0" smtClean="0"/>
-              <a:t>Ziel: 11.06. eine prototypische Implementierung der Plattform fertigstellen</a:t>
+              <a:t>, Grunddaten (</a:t>
+            </a:r>
+            <a:r>
+              <a:rPr lang="de-DE" baseline="0" dirty="0" err="1" smtClean="0"/>
+              <a:t>name</a:t>
+            </a:r>
+            <a:r>
+              <a:rPr lang="de-DE" baseline="0" dirty="0" smtClean="0"/>
+              <a:t>, E-Mail-Adresse etc.) werden ausgelesen und persistent gespeichert.</a:t>
             </a:r>
             <a:endParaRPr lang="de-DE" dirty="0"/>
           </a:p>
@@ -690,7 +699,7 @@
             <a:fld id="{F7EBFB8C-BBFF-4397-A51C-1E92596422A9}" type="slidenum">
               <a:rPr lang="en-US" smtClean="0"/>
               <a:pPr/>
-              <a:t>14</a:t>
+              <a:t>13</a:t>
             </a:fld>
             <a:endParaRPr lang="en-US" dirty="0"/>
           </a:p>
@@ -699,7 +708,7 @@
     </p:spTree>
     <p:extLst>
       <p:ext uri="{BB962C8B-B14F-4D97-AF65-F5344CB8AC3E}">
-        <p14:creationId xmlns:p14="http://schemas.microsoft.com/office/powerpoint/2010/main" val="3931682397"/>
+        <p14:creationId xmlns:p14="http://schemas.microsoft.com/office/powerpoint/2010/main" xmlns="" val="802076649"/>
       </p:ext>
     </p:extLst>
   </p:cSld>
@@ -750,11 +759,49 @@
         </p:nvSpPr>
         <p:spPr/>
         <p:txBody>
-          <a:bodyPr>
-            <a:normAutofit/>
-          </a:bodyPr>
+          <a:bodyPr/>
           <a:lstStyle/>
           <a:p>
+            <a:r>
+              <a:rPr lang="de-DE" dirty="0" smtClean="0"/>
+              <a:t>Zeitplan</a:t>
+            </a:r>
+          </a:p>
+          <a:p>
+            <a:r>
+              <a:rPr lang="de-DE" dirty="0" smtClean="0"/>
+              <a:t>Fokus aus </a:t>
+            </a:r>
+            <a:r>
+              <a:rPr lang="de-DE" dirty="0" err="1" smtClean="0"/>
+              <a:t>Inception</a:t>
+            </a:r>
+            <a:r>
+              <a:rPr lang="de-DE" dirty="0" smtClean="0"/>
+              <a:t> / Elaboration</a:t>
+            </a:r>
+          </a:p>
+          <a:p>
+            <a:r>
+              <a:rPr lang="de-DE" dirty="0" smtClean="0"/>
+              <a:t>Aufgrund der Enge des Zeitplans jeweils zwei Iterationen mit</a:t>
+            </a:r>
+            <a:r>
+              <a:rPr lang="de-DE" baseline="0" dirty="0" smtClean="0"/>
+              <a:t> festen Reviews der Ergebnisse etc.</a:t>
+            </a:r>
+          </a:p>
+          <a:p>
+            <a:r>
+              <a:rPr lang="de-DE" baseline="0" dirty="0" smtClean="0"/>
+              <a:t>Aber auch: RUP! Jederzeit auch bei kleineren Änderungen/Feststellungen usw. Überarbeitung.</a:t>
+            </a:r>
+          </a:p>
+          <a:p>
+            <a:r>
+              <a:rPr lang="de-DE" baseline="0" dirty="0" smtClean="0"/>
+              <a:t>Ziel: 11.06. eine prototypische Implementierung der Plattform fertigstellen</a:t>
+            </a:r>
             <a:endParaRPr lang="de-DE" dirty="0"/>
           </a:p>
         </p:txBody>
@@ -774,16 +821,21 @@
           <a:bodyPr/>
           <a:lstStyle/>
           <a:p>
-            <a:fld id="{1EBFF01C-F984-4A51-AF10-254043F7C542}" type="slidenum">
-              <a:rPr lang="de-DE" smtClean="0"/>
+            <a:fld id="{F7EBFB8C-BBFF-4397-A51C-1E92596422A9}" type="slidenum">
+              <a:rPr lang="en-US" smtClean="0"/>
               <a:pPr/>
-              <a:t>16</a:t>
+              <a:t>15</a:t>
             </a:fld>
-            <a:endParaRPr lang="de-DE"/>
+            <a:endParaRPr lang="en-US" dirty="0"/>
           </a:p>
         </p:txBody>
       </p:sp>
     </p:spTree>
+    <p:extLst>
+      <p:ext uri="{BB962C8B-B14F-4D97-AF65-F5344CB8AC3E}">
+        <p14:creationId xmlns:p14="http://schemas.microsoft.com/office/powerpoint/2010/main" xmlns="" val="3931682397"/>
+      </p:ext>
+    </p:extLst>
   </p:cSld>
   <p:clrMapOvr>
     <a:masterClrMapping/>
@@ -832,6 +884,88 @@
         </p:nvSpPr>
         <p:spPr/>
         <p:txBody>
+          <a:bodyPr>
+            <a:normAutofit/>
+          </a:bodyPr>
+          <a:lstStyle/>
+          <a:p>
+            <a:endParaRPr lang="de-DE" dirty="0"/>
+          </a:p>
+        </p:txBody>
+      </p:sp>
+      <p:sp>
+        <p:nvSpPr>
+          <p:cNvPr id="4" name="Foliennummernplatzhalter 3"/>
+          <p:cNvSpPr>
+            <a:spLocks noGrp="1"/>
+          </p:cNvSpPr>
+          <p:nvPr>
+            <p:ph type="sldNum" sz="quarter" idx="10"/>
+          </p:nvPr>
+        </p:nvSpPr>
+        <p:spPr/>
+        <p:txBody>
+          <a:bodyPr/>
+          <a:lstStyle/>
+          <a:p>
+            <a:fld id="{1EBFF01C-F984-4A51-AF10-254043F7C542}" type="slidenum">
+              <a:rPr lang="de-DE" smtClean="0"/>
+              <a:pPr/>
+              <a:t>17</a:t>
+            </a:fld>
+            <a:endParaRPr lang="de-DE"/>
+          </a:p>
+        </p:txBody>
+      </p:sp>
+    </p:spTree>
+  </p:cSld>
+  <p:clrMapOvr>
+    <a:masterClrMapping/>
+  </p:clrMapOvr>
+</p:notes>
+</file>
+
+<file path=ppt/notesSlides/notesSlide13.xml><?xml version="1.0" encoding="utf-8"?>
+<p:notes xmlns:a="http://schemas.openxmlformats.org/drawingml/2006/main" xmlns:r="http://schemas.openxmlformats.org/officeDocument/2006/relationships" xmlns:p="http://schemas.openxmlformats.org/presentationml/2006/main">
+  <p:cSld>
+    <p:spTree>
+      <p:nvGrpSpPr>
+        <p:cNvPr id="1" name=""/>
+        <p:cNvGrpSpPr/>
+        <p:nvPr/>
+      </p:nvGrpSpPr>
+      <p:grpSpPr>
+        <a:xfrm>
+          <a:off x="0" y="0"/>
+          <a:ext cx="0" cy="0"/>
+          <a:chOff x="0" y="0"/>
+          <a:chExt cx="0" cy="0"/>
+        </a:xfrm>
+      </p:grpSpPr>
+      <p:sp>
+        <p:nvSpPr>
+          <p:cNvPr id="2" name="Folienbildplatzhalter 1"/>
+          <p:cNvSpPr>
+            <a:spLocks noGrp="1" noRot="1" noChangeAspect="1"/>
+          </p:cNvSpPr>
+          <p:nvPr>
+            <p:ph type="sldImg"/>
+          </p:nvPr>
+        </p:nvSpPr>
+        <p:spPr/>
+      </p:sp>
+      <p:sp>
+        <p:nvSpPr>
+          <p:cNvPr id="3" name="Notizenplatzhalter 2"/>
+          <p:cNvSpPr>
+            <a:spLocks noGrp="1"/>
+          </p:cNvSpPr>
+          <p:nvPr>
+            <p:ph type="body" idx="1"/>
+          </p:nvPr>
+        </p:nvSpPr>
+        <p:spPr/>
+        <p:txBody>
           <a:bodyPr/>
           <a:lstStyle/>
           <a:p>
@@ -857,7 +991,7 @@
             <a:fld id="{F7EBFB8C-BBFF-4397-A51C-1E92596422A9}" type="slidenum">
               <a:rPr lang="en-US" smtClean="0"/>
               <a:pPr/>
-              <a:t>17</a:t>
+              <a:t>18</a:t>
             </a:fld>
             <a:endParaRPr lang="en-US" dirty="0"/>
           </a:p>
@@ -866,7 +1000,7 @@
     </p:spTree>
     <p:extLst>
       <p:ext uri="{BB962C8B-B14F-4D97-AF65-F5344CB8AC3E}">
-        <p14:creationId xmlns:p14="http://schemas.microsoft.com/office/powerpoint/2010/main" val="2116472317"/>
+        <p14:creationId xmlns:p14="http://schemas.microsoft.com/office/powerpoint/2010/main" xmlns="" val="2116472317"/>
       </p:ext>
     </p:extLst>
   </p:cSld>
@@ -1192,7 +1326,7 @@
     </p:spTree>
     <p:extLst>
       <p:ext uri="{BB962C8B-B14F-4D97-AF65-F5344CB8AC3E}">
-        <p14:creationId xmlns:p14="http://schemas.microsoft.com/office/powerpoint/2010/main" val="517533983"/>
+        <p14:creationId xmlns:p14="http://schemas.microsoft.com/office/powerpoint/2010/main" xmlns="" val="517533983"/>
       </p:ext>
     </p:extLst>
   </p:cSld>
@@ -1602,7 +1736,7 @@
     </p:spTree>
     <p:extLst>
       <p:ext uri="{BB962C8B-B14F-4D97-AF65-F5344CB8AC3E}">
-        <p14:creationId xmlns:p14="http://schemas.microsoft.com/office/powerpoint/2010/main" val="2934279750"/>
+        <p14:creationId xmlns:p14="http://schemas.microsoft.com/office/powerpoint/2010/main" xmlns="" val="2934279750"/>
       </p:ext>
     </p:extLst>
   </p:cSld>
@@ -2012,7 +2146,7 @@
     </p:spTree>
     <p:extLst>
       <p:ext uri="{BB962C8B-B14F-4D97-AF65-F5344CB8AC3E}">
-        <p14:creationId xmlns:p14="http://schemas.microsoft.com/office/powerpoint/2010/main" val="2934279750"/>
+        <p14:creationId xmlns:p14="http://schemas.microsoft.com/office/powerpoint/2010/main" xmlns="" val="2934279750"/>
       </p:ext>
     </p:extLst>
   </p:cSld>
@@ -2422,7 +2556,7 @@
     </p:spTree>
     <p:extLst>
       <p:ext uri="{BB962C8B-B14F-4D97-AF65-F5344CB8AC3E}">
-        <p14:creationId xmlns:p14="http://schemas.microsoft.com/office/powerpoint/2010/main" val="2934279750"/>
+        <p14:creationId xmlns:p14="http://schemas.microsoft.com/office/powerpoint/2010/main" xmlns="" val="2934279750"/>
       </p:ext>
     </p:extLst>
   </p:cSld>
@@ -2476,6 +2610,331 @@
           <a:bodyPr/>
           <a:lstStyle/>
           <a:p>
+            <a:r>
+              <a:rPr lang="de-DE" dirty="0" smtClean="0"/>
+              <a:t>Funktionale Anforderung per </a:t>
+            </a:r>
+            <a:r>
+              <a:rPr lang="de-DE" dirty="0" err="1" smtClean="0"/>
+              <a:t>Mockup</a:t>
+            </a:r>
+            <a:r>
+              <a:rPr lang="de-DE" dirty="0" smtClean="0"/>
+              <a:t> dargestellt und textuell ergänzt:</a:t>
+            </a:r>
+          </a:p>
+          <a:p>
+            <a:r>
+              <a:rPr lang="de-DE" sz="1200" kern="1200" dirty="0" smtClean="0">
+                <a:solidFill>
+                  <a:schemeClr val="tx1"/>
+                </a:solidFill>
+                <a:effectLst/>
+                <a:latin typeface="+mn-lt"/>
+                <a:ea typeface="+mn-ea"/>
+                <a:cs typeface="+mn-cs"/>
+              </a:rPr>
+              <a:t>Der beliebiger Internetnutzer kann sich über </a:t>
+            </a:r>
+            <a:r>
+              <a:rPr lang="de-DE" sz="1200" kern="1200" dirty="0" err="1" smtClean="0">
+                <a:solidFill>
+                  <a:schemeClr val="tx1"/>
+                </a:solidFill>
+                <a:effectLst/>
+                <a:latin typeface="+mn-lt"/>
+                <a:ea typeface="+mn-ea"/>
+                <a:cs typeface="+mn-cs"/>
+              </a:rPr>
+              <a:t>oAuth</a:t>
+            </a:r>
+            <a:r>
+              <a:rPr lang="de-DE" sz="1200" kern="1200" dirty="0" smtClean="0">
+                <a:solidFill>
+                  <a:schemeClr val="tx1"/>
+                </a:solidFill>
+                <a:effectLst/>
+                <a:latin typeface="+mn-lt"/>
+                <a:ea typeface="+mn-ea"/>
+                <a:cs typeface="+mn-cs"/>
+              </a:rPr>
+              <a:t> (Google oder Facebook-Account) auf der folgenden Eingabemaske an der Internetplattform </a:t>
+            </a:r>
+            <a:r>
+              <a:rPr lang="de-DE" sz="1200" kern="1200" dirty="0" err="1" smtClean="0">
+                <a:solidFill>
+                  <a:schemeClr val="tx1"/>
+                </a:solidFill>
+                <a:effectLst/>
+                <a:latin typeface="+mn-lt"/>
+                <a:ea typeface="+mn-ea"/>
+                <a:cs typeface="+mn-cs"/>
+              </a:rPr>
+              <a:t>Eventalizer</a:t>
+            </a:r>
+            <a:r>
+              <a:rPr lang="de-DE" sz="1200" kern="1200" dirty="0" smtClean="0">
+                <a:solidFill>
+                  <a:schemeClr val="tx1"/>
+                </a:solidFill>
+                <a:effectLst/>
+                <a:latin typeface="+mn-lt"/>
+                <a:ea typeface="+mn-ea"/>
+                <a:cs typeface="+mn-cs"/>
+              </a:rPr>
+              <a:t> anmelden:</a:t>
+            </a:r>
+            <a:br>
+              <a:rPr lang="de-DE" sz="1200" kern="1200" dirty="0" smtClean="0">
+                <a:solidFill>
+                  <a:schemeClr val="tx1"/>
+                </a:solidFill>
+                <a:effectLst/>
+                <a:latin typeface="+mn-lt"/>
+                <a:ea typeface="+mn-ea"/>
+                <a:cs typeface="+mn-cs"/>
+              </a:rPr>
+            </a:br>
+            <a:r>
+              <a:rPr lang="de-DE" sz="1200" kern="1200" dirty="0" smtClean="0">
+                <a:solidFill>
+                  <a:schemeClr val="tx1"/>
+                </a:solidFill>
+                <a:effectLst/>
+                <a:latin typeface="+mn-lt"/>
+                <a:ea typeface="+mn-ea"/>
+                <a:cs typeface="+mn-cs"/>
+              </a:rPr>
+              <a:t> </a:t>
+            </a:r>
+            <a:br>
+              <a:rPr lang="de-DE" sz="1200" kern="1200" dirty="0" smtClean="0">
+                <a:solidFill>
+                  <a:schemeClr val="tx1"/>
+                </a:solidFill>
+                <a:effectLst/>
+                <a:latin typeface="+mn-lt"/>
+                <a:ea typeface="+mn-ea"/>
+                <a:cs typeface="+mn-cs"/>
+              </a:rPr>
+            </a:br>
+            <a:r>
+              <a:rPr lang="de-DE" sz="1200" kern="1200" dirty="0" smtClean="0">
+                <a:solidFill>
+                  <a:schemeClr val="tx1"/>
+                </a:solidFill>
+                <a:effectLst/>
+                <a:latin typeface="+mn-lt"/>
+                <a:ea typeface="+mn-ea"/>
+                <a:cs typeface="+mn-cs"/>
+              </a:rPr>
+              <a:t>Für eine erfolgreiche Anmeldung ist die Angabe der folgenden Informationen notwendig:</a:t>
+            </a:r>
+          </a:p>
+          <a:p>
+            <a:pPr lvl="0"/>
+            <a:r>
+              <a:rPr lang="de-DE" sz="1200" kern="1200" dirty="0" err="1" smtClean="0">
+                <a:solidFill>
+                  <a:schemeClr val="tx1"/>
+                </a:solidFill>
+                <a:effectLst/>
+                <a:latin typeface="+mn-lt"/>
+                <a:ea typeface="+mn-ea"/>
+                <a:cs typeface="+mn-cs"/>
+              </a:rPr>
+              <a:t>Social</a:t>
+            </a:r>
+            <a:r>
+              <a:rPr lang="de-DE" sz="1200" kern="1200" dirty="0" smtClean="0">
+                <a:solidFill>
+                  <a:schemeClr val="tx1"/>
+                </a:solidFill>
+                <a:effectLst/>
+                <a:latin typeface="+mn-lt"/>
+                <a:ea typeface="+mn-ea"/>
+                <a:cs typeface="+mn-cs"/>
+              </a:rPr>
+              <a:t>-Network-Anbieter</a:t>
+            </a:r>
+          </a:p>
+          <a:p>
+            <a:pPr lvl="0"/>
+            <a:r>
+              <a:rPr lang="de-DE" sz="1200" kern="1200" dirty="0" smtClean="0">
+                <a:solidFill>
+                  <a:schemeClr val="tx1"/>
+                </a:solidFill>
+                <a:effectLst/>
+                <a:latin typeface="+mn-lt"/>
+                <a:ea typeface="+mn-ea"/>
+                <a:cs typeface="+mn-cs"/>
+              </a:rPr>
+              <a:t>Der dort verwendete Benutzername</a:t>
+            </a:r>
+          </a:p>
+          <a:p>
+            <a:pPr lvl="0"/>
+            <a:r>
+              <a:rPr lang="de-DE" sz="1200" kern="1200" dirty="0" smtClean="0">
+                <a:solidFill>
+                  <a:schemeClr val="tx1"/>
+                </a:solidFill>
+                <a:effectLst/>
+                <a:latin typeface="+mn-lt"/>
+                <a:ea typeface="+mn-ea"/>
+                <a:cs typeface="+mn-cs"/>
+              </a:rPr>
+              <a:t>Das dort verwendete persönliche Passwort</a:t>
+            </a:r>
+          </a:p>
+          <a:p>
+            <a:r>
+              <a:rPr lang="de-DE" sz="1200" kern="1200" dirty="0" smtClean="0">
+                <a:solidFill>
+                  <a:schemeClr val="tx1"/>
+                </a:solidFill>
+                <a:effectLst/>
+                <a:latin typeface="+mn-lt"/>
+                <a:ea typeface="+mn-ea"/>
+                <a:cs typeface="+mn-cs"/>
+              </a:rPr>
+              <a:t>Die möglichen </a:t>
+            </a:r>
+            <a:r>
+              <a:rPr lang="de-DE" sz="1200" kern="1200" dirty="0" err="1" smtClean="0">
+                <a:solidFill>
+                  <a:schemeClr val="tx1"/>
+                </a:solidFill>
+                <a:effectLst/>
+                <a:latin typeface="+mn-lt"/>
+                <a:ea typeface="+mn-ea"/>
+                <a:cs typeface="+mn-cs"/>
+              </a:rPr>
+              <a:t>Social</a:t>
+            </a:r>
+            <a:r>
+              <a:rPr lang="de-DE" sz="1200" kern="1200" dirty="0" smtClean="0">
+                <a:solidFill>
+                  <a:schemeClr val="tx1"/>
+                </a:solidFill>
+                <a:effectLst/>
+                <a:latin typeface="+mn-lt"/>
+                <a:ea typeface="+mn-ea"/>
+                <a:cs typeface="+mn-cs"/>
+              </a:rPr>
+              <a:t>-Network-Anbieter werden auf der Eingabemaske aufgeführt. </a:t>
+            </a:r>
+            <a:br>
+              <a:rPr lang="de-DE" sz="1200" kern="1200" dirty="0" smtClean="0">
+                <a:solidFill>
+                  <a:schemeClr val="tx1"/>
+                </a:solidFill>
+                <a:effectLst/>
+                <a:latin typeface="+mn-lt"/>
+                <a:ea typeface="+mn-ea"/>
+                <a:cs typeface="+mn-cs"/>
+              </a:rPr>
+            </a:br>
+            <a:r>
+              <a:rPr lang="de-DE" sz="1200" kern="1200" dirty="0" smtClean="0">
+                <a:solidFill>
+                  <a:schemeClr val="tx1"/>
+                </a:solidFill>
+                <a:effectLst/>
+                <a:latin typeface="+mn-lt"/>
+                <a:ea typeface="+mn-ea"/>
+                <a:cs typeface="+mn-cs"/>
+              </a:rPr>
+              <a:t>Die Anmeldung an der Internetplattform ist erfolgreich, wenn die Antwort des </a:t>
+            </a:r>
+            <a:r>
+              <a:rPr lang="de-DE" sz="1200" kern="1200" dirty="0" err="1" smtClean="0">
+                <a:solidFill>
+                  <a:schemeClr val="tx1"/>
+                </a:solidFill>
+                <a:effectLst/>
+                <a:latin typeface="+mn-lt"/>
+                <a:ea typeface="+mn-ea"/>
+                <a:cs typeface="+mn-cs"/>
+              </a:rPr>
+              <a:t>Social</a:t>
+            </a:r>
+            <a:r>
+              <a:rPr lang="de-DE" sz="1200" kern="1200" dirty="0" smtClean="0">
+                <a:solidFill>
+                  <a:schemeClr val="tx1"/>
+                </a:solidFill>
+                <a:effectLst/>
+                <a:latin typeface="+mn-lt"/>
+                <a:ea typeface="+mn-ea"/>
+                <a:cs typeface="+mn-cs"/>
+              </a:rPr>
+              <a:t>-Network-Anbieters positiv ist, d.h. ist der Benutzer dort authentifiziert wurde und die Benutzerdaten übermittelt worden sind. Kann der Benutzer nicht über den </a:t>
+            </a:r>
+            <a:r>
+              <a:rPr lang="de-DE" sz="1200" kern="1200" dirty="0" err="1" smtClean="0">
+                <a:solidFill>
+                  <a:schemeClr val="tx1"/>
+                </a:solidFill>
+                <a:effectLst/>
+                <a:latin typeface="+mn-lt"/>
+                <a:ea typeface="+mn-ea"/>
+                <a:cs typeface="+mn-cs"/>
+              </a:rPr>
+              <a:t>Social</a:t>
+            </a:r>
+            <a:r>
+              <a:rPr lang="de-DE" sz="1200" kern="1200" dirty="0" smtClean="0">
+                <a:solidFill>
+                  <a:schemeClr val="tx1"/>
+                </a:solidFill>
+                <a:effectLst/>
+                <a:latin typeface="+mn-lt"/>
+                <a:ea typeface="+mn-ea"/>
+                <a:cs typeface="+mn-cs"/>
+              </a:rPr>
+              <a:t>-Network-Anbieter authentifiziert werden, erfolgt auch keine Anmeldung.</a:t>
+            </a:r>
+          </a:p>
+          <a:p>
+            <a:r>
+              <a:rPr lang="de-DE" sz="1200" kern="1200" dirty="0" smtClean="0">
+                <a:solidFill>
+                  <a:schemeClr val="tx1"/>
+                </a:solidFill>
+                <a:effectLst/>
+                <a:latin typeface="+mn-lt"/>
+                <a:ea typeface="+mn-ea"/>
+                <a:cs typeface="+mn-cs"/>
+              </a:rPr>
+              <a:t/>
+            </a:r>
+            <a:br>
+              <a:rPr lang="de-DE" sz="1200" kern="1200" dirty="0" smtClean="0">
+                <a:solidFill>
+                  <a:schemeClr val="tx1"/>
+                </a:solidFill>
+                <a:effectLst/>
+                <a:latin typeface="+mn-lt"/>
+                <a:ea typeface="+mn-ea"/>
+                <a:cs typeface="+mn-cs"/>
+              </a:rPr>
+            </a:br>
+            <a:r>
+              <a:rPr lang="de-DE" sz="1200" kern="1200" dirty="0" smtClean="0">
+                <a:solidFill>
+                  <a:schemeClr val="tx1"/>
+                </a:solidFill>
+                <a:effectLst/>
+                <a:latin typeface="+mn-lt"/>
+                <a:ea typeface="+mn-ea"/>
+                <a:cs typeface="+mn-cs"/>
+              </a:rPr>
+              <a:t>@FSM:  Updaten</a:t>
+            </a:r>
+          </a:p>
+          <a:p>
             <a:endParaRPr lang="de-DE" dirty="0"/>
           </a:p>
         </p:txBody>
@@ -2495,19 +2954,19 @@
           <a:bodyPr/>
           <a:lstStyle/>
           <a:p>
-            <a:fld id="{1EBFF01C-F984-4A51-AF10-254043F7C542}" type="slidenum">
-              <a:rPr lang="de-DE" smtClean="0"/>
+            <a:fld id="{F7EBFB8C-BBFF-4397-A51C-1E92596422A9}" type="slidenum">
+              <a:rPr lang="en-US" smtClean="0"/>
               <a:pPr/>
               <a:t>6</a:t>
             </a:fld>
-            <a:endParaRPr lang="de-DE"/>
+            <a:endParaRPr lang="en-US" dirty="0"/>
           </a:p>
         </p:txBody>
       </p:sp>
     </p:spTree>
     <p:extLst>
       <p:ext uri="{BB962C8B-B14F-4D97-AF65-F5344CB8AC3E}">
-        <p14:creationId xmlns:p14="http://schemas.microsoft.com/office/powerpoint/2010/main" val="3860513045"/>
+        <p14:creationId xmlns:p14="http://schemas.microsoft.com/office/powerpoint/2010/main" xmlns="" val="2934279750"/>
       </p:ext>
     </p:extLst>
   </p:cSld>
@@ -2561,40 +3020,6 @@
           <a:bodyPr/>
           <a:lstStyle/>
           <a:p>
-            <a:r>
-              <a:rPr lang="de-DE" dirty="0" smtClean="0"/>
-              <a:t>Ist evtl. überflüssig, da grob in </a:t>
-            </a:r>
-            <a:r>
-              <a:rPr lang="de-DE" dirty="0" err="1" smtClean="0"/>
-              <a:t>Zwischenpräsi</a:t>
-            </a:r>
-            <a:r>
-              <a:rPr lang="de-DE" dirty="0" smtClean="0"/>
-              <a:t> erwähnt?</a:t>
-            </a:r>
-          </a:p>
-          <a:p>
-            <a:r>
-              <a:rPr lang="de-DE" dirty="0" smtClean="0"/>
-              <a:t>Können wir </a:t>
-            </a:r>
-            <a:r>
-              <a:rPr lang="de-DE" dirty="0" err="1" smtClean="0"/>
-              <a:t>Roo</a:t>
-            </a:r>
-            <a:r>
-              <a:rPr lang="de-DE" baseline="0" dirty="0" smtClean="0"/>
-              <a:t> als Vorlage für die Agenda nehmen? Oder doch eher die technische Umsetzungsfolge </a:t>
-            </a:r>
-            <a:r>
-              <a:rPr lang="de-DE" baseline="0" dirty="0" err="1" smtClean="0"/>
-              <a:t>alá</a:t>
-            </a:r>
-            <a:r>
-              <a:rPr lang="de-DE" baseline="0" dirty="0" smtClean="0"/>
-              <a:t> RUP?</a:t>
-            </a:r>
             <a:endParaRPr lang="de-DE" dirty="0"/>
           </a:p>
         </p:txBody>
@@ -2614,19 +3039,19 @@
           <a:bodyPr/>
           <a:lstStyle/>
           <a:p>
-            <a:fld id="{F7EBFB8C-BBFF-4397-A51C-1E92596422A9}" type="slidenum">
-              <a:rPr lang="en-US" smtClean="0"/>
+            <a:fld id="{1EBFF01C-F984-4A51-AF10-254043F7C542}" type="slidenum">
+              <a:rPr lang="de-DE" smtClean="0"/>
               <a:pPr/>
-              <a:t>8</a:t>
+              <a:t>7</a:t>
             </a:fld>
-            <a:endParaRPr lang="en-US" dirty="0"/>
+            <a:endParaRPr lang="de-DE"/>
           </a:p>
         </p:txBody>
       </p:sp>
     </p:spTree>
     <p:extLst>
       <p:ext uri="{BB962C8B-B14F-4D97-AF65-F5344CB8AC3E}">
-        <p14:creationId xmlns:p14="http://schemas.microsoft.com/office/powerpoint/2010/main" val="135288531"/>
+        <p14:creationId xmlns:p14="http://schemas.microsoft.com/office/powerpoint/2010/main" xmlns="" val="3860513045"/>
       </p:ext>
     </p:extLst>
   </p:cSld>
@@ -2682,51 +3107,37 @@
           <a:p>
             <a:r>
               <a:rPr lang="de-DE" dirty="0" smtClean="0"/>
-              <a:t>Blau: Event </a:t>
+              <a:t>Ist evtl. überflüssig, da grob in </a:t>
             </a:r>
             <a:r>
               <a:rPr lang="de-DE" dirty="0" err="1" smtClean="0"/>
-              <a:t>anlage</a:t>
-            </a:r>
-            <a:endParaRPr lang="de-DE" dirty="0" smtClean="0"/>
-          </a:p>
-          <a:p>
-            <a:r>
-              <a:rPr lang="de-DE" dirty="0" smtClean="0"/>
-              <a:t>DB Table Event, </a:t>
+              <a:t>Zwischenpräsi</a:t>
+            </a:r>
+            <a:r>
+              <a:rPr lang="de-DE" dirty="0" smtClean="0"/>
+              <a:t> erwähnt?</a:t>
+            </a:r>
+          </a:p>
+          <a:p>
+            <a:r>
+              <a:rPr lang="de-DE" dirty="0" smtClean="0"/>
+              <a:t>Können wir </a:t>
             </a:r>
             <a:r>
               <a:rPr lang="de-DE" dirty="0" err="1" smtClean="0"/>
-              <a:t>normaliserte</a:t>
+              <a:t>Roo</a:t>
             </a:r>
             <a:r>
               <a:rPr lang="de-DE" baseline="0" dirty="0" smtClean="0"/>
-              <a:t> Teilnehmerliste und Ort</a:t>
-            </a:r>
-          </a:p>
-          <a:p>
-            <a:endParaRPr lang="de-DE" baseline="0" dirty="0" smtClean="0"/>
-          </a:p>
-          <a:p>
+              <a:t> als Vorlage für die Agenda nehmen? Oder doch eher die technische Umsetzungsfolge </a:t>
+            </a:r>
+            <a:r>
+              <a:rPr lang="de-DE" baseline="0" dirty="0" err="1" smtClean="0"/>
+              <a:t>alá</a:t>
+            </a:r>
             <a:r>
               <a:rPr lang="de-DE" baseline="0" dirty="0" smtClean="0"/>
-              <a:t>Rot: Login Verknüpfung Session ID aus </a:t>
-            </a:r>
-            <a:r>
-              <a:rPr lang="de-DE" baseline="0" dirty="0" err="1" smtClean="0"/>
-              <a:t>oAuth</a:t>
-            </a:r>
-            <a:r>
-              <a:rPr lang="de-DE" baseline="0" dirty="0" smtClean="0"/>
-              <a:t>, Grunddaten (</a:t>
-            </a:r>
-            <a:r>
-              <a:rPr lang="de-DE" baseline="0" dirty="0" err="1" smtClean="0"/>
-              <a:t>name</a:t>
-            </a:r>
-            <a:r>
-              <a:rPr lang="de-DE" baseline="0" dirty="0" smtClean="0"/>
-              <a:t>, E-Mail-Adresse etc.) werden ausgelesen und persistent gespeichert.</a:t>
+              <a:t> RUP?</a:t>
             </a:r>
             <a:endParaRPr lang="de-DE" dirty="0"/>
           </a:p>
@@ -2750,7 +3161,7 @@
             <a:fld id="{F7EBFB8C-BBFF-4397-A51C-1E92596422A9}" type="slidenum">
               <a:rPr lang="en-US" smtClean="0"/>
               <a:pPr/>
-              <a:t>11</a:t>
+              <a:t>9</a:t>
             </a:fld>
             <a:endParaRPr lang="en-US" dirty="0"/>
           </a:p>
@@ -2759,7 +3170,7 @@
     </p:spTree>
     <p:extLst>
       <p:ext uri="{BB962C8B-B14F-4D97-AF65-F5344CB8AC3E}">
-        <p14:creationId xmlns:p14="http://schemas.microsoft.com/office/powerpoint/2010/main" val="802076649"/>
+        <p14:creationId xmlns:p14="http://schemas.microsoft.com/office/powerpoint/2010/main" xmlns="" val="135288531"/>
       </p:ext>
     </p:extLst>
   </p:cSld>
@@ -2892,7 +3303,7 @@
     </p:spTree>
     <p:extLst>
       <p:ext uri="{BB962C8B-B14F-4D97-AF65-F5344CB8AC3E}">
-        <p14:creationId xmlns:p14="http://schemas.microsoft.com/office/powerpoint/2010/main" val="802076649"/>
+        <p14:creationId xmlns:p14="http://schemas.microsoft.com/office/powerpoint/2010/main" xmlns="" val="802076649"/>
       </p:ext>
     </p:extLst>
   </p:cSld>
@@ -7132,7 +7543,7 @@
           <a:blip r:embed="rId13" cstate="print">
             <a:extLst>
               <a:ext uri="{28A0092B-C50C-407E-A947-70E740481C1C}">
-                <a14:useLocalDpi xmlns:a14="http://schemas.microsoft.com/office/drawing/2010/main" val="0"/>
+                <a14:useLocalDpi xmlns:a14="http://schemas.microsoft.com/office/drawing/2010/main" xmlns="" val="0"/>
               </a:ext>
             </a:extLst>
           </a:blip>
@@ -7630,7 +8041,7 @@
           <a:blip r:embed="rId3" cstate="print">
             <a:extLst>
               <a:ext uri="{28A0092B-C50C-407E-A947-70E740481C1C}">
-                <a14:useLocalDpi xmlns:a14="http://schemas.microsoft.com/office/drawing/2010/main" val="0"/>
+                <a14:useLocalDpi xmlns:a14="http://schemas.microsoft.com/office/drawing/2010/main" xmlns="" val="0"/>
               </a:ext>
             </a:extLst>
           </a:blip>
@@ -7660,7 +8071,7 @@
           <a:blip r:embed="rId4" cstate="print">
             <a:extLst>
               <a:ext uri="{28A0092B-C50C-407E-A947-70E740481C1C}">
-                <a14:useLocalDpi xmlns:a14="http://schemas.microsoft.com/office/drawing/2010/main" val="0"/>
+                <a14:useLocalDpi xmlns:a14="http://schemas.microsoft.com/office/drawing/2010/main" xmlns="" val="0"/>
               </a:ext>
             </a:extLst>
           </a:blip>
@@ -7712,7 +8123,7 @@
       </p:grpSpPr>
       <p:sp>
         <p:nvSpPr>
-          <p:cNvPr id="10" name="Titel 9"/>
+          <p:cNvPr id="2" name="Titel 1"/>
           <p:cNvSpPr>
             <a:spLocks noGrp="1"/>
           </p:cNvSpPr>
@@ -7722,12 +8133,18 @@
         </p:nvSpPr>
         <p:spPr/>
         <p:txBody>
-          <a:bodyPr/>
+          <a:bodyPr>
+            <a:normAutofit/>
+          </a:bodyPr>
           <a:lstStyle/>
           <a:p>
             <a:r>
+              <a:rPr lang="de-DE" dirty="0" smtClean="0"/>
+              <a:t>Sequenzdiagramm Spring </a:t>
+            </a:r>
+            <a:r>
               <a:rPr lang="de-DE" dirty="0" err="1" smtClean="0"/>
-              <a:t>LiveDemo</a:t>
+              <a:t>Roo</a:t>
             </a:r>
             <a:endParaRPr lang="de-DE" dirty="0"/>
           </a:p>
@@ -7735,12 +8152,12 @@
       </p:sp>
       <p:sp>
         <p:nvSpPr>
-          <p:cNvPr id="11" name="Textplatzhalter 10"/>
-          <p:cNvSpPr>
-            <a:spLocks noGrp="1"/>
-          </p:cNvSpPr>
-          <p:nvPr>
-            <p:ph type="body" idx="1"/>
+          <p:cNvPr id="10" name="Inhaltsplatzhalter 9"/>
+          <p:cNvSpPr>
+            <a:spLocks noGrp="1"/>
+          </p:cNvSpPr>
+          <p:nvPr>
+            <p:ph idx="1"/>
           </p:nvPr>
         </p:nvSpPr>
         <p:spPr/>
@@ -7748,7 +8165,7 @@
           <a:bodyPr/>
           <a:lstStyle/>
           <a:p>
-            <a:endParaRPr lang="de-DE" dirty="0"/>
+            <a:endParaRPr lang="de-DE"/>
           </a:p>
         </p:txBody>
       </p:sp>
@@ -7823,11 +8240,6 @@
         </p:txBody>
       </p:sp>
     </p:spTree>
-    <p:extLst>
-      <p:ext uri="{BB962C8B-B14F-4D97-AF65-F5344CB8AC3E}">
-        <p14:creationId xmlns:p14="http://schemas.microsoft.com/office/powerpoint/2010/main" val="2634211947"/>
-      </p:ext>
-    </p:extLst>
   </p:cSld>
   <p:clrMapOvr>
     <a:masterClrMapping/>
@@ -7854,7 +8266,7 @@
       </p:grpSpPr>
       <p:sp>
         <p:nvSpPr>
-          <p:cNvPr id="2" name="Titel 1"/>
+          <p:cNvPr id="10" name="Titel 9"/>
           <p:cNvSpPr>
             <a:spLocks noGrp="1"/>
           </p:cNvSpPr>
@@ -7864,14 +8276,12 @@
         </p:nvSpPr>
         <p:spPr/>
         <p:txBody>
-          <a:bodyPr>
-            <a:normAutofit fontScale="90000"/>
-          </a:bodyPr>
+          <a:bodyPr/>
           <a:lstStyle/>
           <a:p>
             <a:r>
-              <a:rPr lang="de-DE" dirty="0" smtClean="0"/>
-              <a:t>Domänenklassendiagramm - Event</a:t>
+              <a:rPr lang="de-DE" dirty="0" err="1" smtClean="0"/>
+              <a:t>LiveDemo</a:t>
             </a:r>
             <a:endParaRPr lang="de-DE" dirty="0"/>
           </a:p>
@@ -7879,12 +8289,12 @@
       </p:sp>
       <p:sp>
         <p:nvSpPr>
-          <p:cNvPr id="3" name="Inhaltsplatzhalter 2"/>
-          <p:cNvSpPr>
-            <a:spLocks noGrp="1"/>
-          </p:cNvSpPr>
-          <p:nvPr>
-            <p:ph idx="1"/>
+          <p:cNvPr id="11" name="Textplatzhalter 10"/>
+          <p:cNvSpPr>
+            <a:spLocks noGrp="1"/>
+          </p:cNvSpPr>
+          <p:nvPr>
+            <p:ph type="body" idx="1"/>
           </p:nvPr>
         </p:nvSpPr>
         <p:spPr/>
@@ -7892,17 +8302,13 @@
           <a:bodyPr/>
           <a:lstStyle/>
           <a:p>
-            <a:r>
-              <a:rPr lang="de-DE" dirty="0" smtClean="0"/>
-              <a:t>TODO</a:t>
-            </a:r>
             <a:endParaRPr lang="de-DE" dirty="0"/>
           </a:p>
         </p:txBody>
       </p:sp>
       <p:sp>
         <p:nvSpPr>
-          <p:cNvPr id="4" name="Datumsplatzhalter 3"/>
+          <p:cNvPr id="7" name="Datumsplatzhalter 6"/>
           <p:cNvSpPr>
             <a:spLocks noGrp="1"/>
           </p:cNvSpPr>
@@ -7925,7 +8331,7 @@
       </p:sp>
       <p:sp>
         <p:nvSpPr>
-          <p:cNvPr id="5" name="Fußzeilenplatzhalter 4"/>
+          <p:cNvPr id="8" name="Fußzeilenplatzhalter 7"/>
           <p:cNvSpPr>
             <a:spLocks noGrp="1"/>
           </p:cNvSpPr>
@@ -7948,7 +8354,7 @@
       </p:sp>
       <p:sp>
         <p:nvSpPr>
-          <p:cNvPr id="6" name="Foliennummernplatzhalter 5"/>
+          <p:cNvPr id="9" name="Foliennummernplatzhalter 8"/>
           <p:cNvSpPr>
             <a:spLocks noGrp="1"/>
           </p:cNvSpPr>
@@ -7973,7 +8379,7 @@
     </p:spTree>
     <p:extLst>
       <p:ext uri="{BB962C8B-B14F-4D97-AF65-F5344CB8AC3E}">
-        <p14:creationId xmlns:p14="http://schemas.microsoft.com/office/powerpoint/2010/main" val="3243626544"/>
+        <p14:creationId xmlns:p14="http://schemas.microsoft.com/office/powerpoint/2010/main" xmlns="" val="2634211947"/>
       </p:ext>
     </p:extLst>
   </p:cSld>
@@ -8019,14 +8425,7 @@
           <a:p>
             <a:r>
               <a:rPr lang="de-DE" dirty="0" smtClean="0"/>
-              <a:t>Detailkonzept</a:t>
-            </a:r>
-            <a:br>
-              <a:rPr lang="de-DE" dirty="0" smtClean="0"/>
-            </a:br>
-            <a:r>
-              <a:rPr lang="de-DE" dirty="0" smtClean="0"/>
-              <a:t>Datenbankschema - Event</a:t>
+              <a:t>Domänenklassendiagramm - Event</a:t>
             </a:r>
             <a:endParaRPr lang="de-DE" dirty="0"/>
           </a:p>
@@ -8047,6 +8446,10 @@
           <a:bodyPr/>
           <a:lstStyle/>
           <a:p>
+            <a:r>
+              <a:rPr lang="de-DE" dirty="0" smtClean="0"/>
+              <a:t>TODO</a:t>
+            </a:r>
             <a:endParaRPr lang="de-DE" dirty="0"/>
           </a:p>
         </p:txBody>
@@ -8116,6 +8519,157 @@
               <a:rPr lang="en-US" smtClean="0"/>
               <a:pPr/>
               <a:t>12</a:t>
+            </a:fld>
+            <a:endParaRPr lang="en-US"/>
+          </a:p>
+        </p:txBody>
+      </p:sp>
+    </p:spTree>
+    <p:extLst>
+      <p:ext uri="{BB962C8B-B14F-4D97-AF65-F5344CB8AC3E}">
+        <p14:creationId xmlns:p14="http://schemas.microsoft.com/office/powerpoint/2010/main" xmlns="" val="3243626544"/>
+      </p:ext>
+    </p:extLst>
+  </p:cSld>
+  <p:clrMapOvr>
+    <a:masterClrMapping/>
+  </p:clrMapOvr>
+</p:sld>
+</file>
+
+<file path=ppt/slides/slide13.xml><?xml version="1.0" encoding="utf-8"?>
+<p:sld xmlns:a="http://schemas.openxmlformats.org/drawingml/2006/main" xmlns:r="http://schemas.openxmlformats.org/officeDocument/2006/relationships" xmlns:p="http://schemas.openxmlformats.org/presentationml/2006/main">
+  <p:cSld>
+    <p:spTree>
+      <p:nvGrpSpPr>
+        <p:cNvPr id="1" name=""/>
+        <p:cNvGrpSpPr/>
+        <p:nvPr/>
+      </p:nvGrpSpPr>
+      <p:grpSpPr>
+        <a:xfrm>
+          <a:off x="0" y="0"/>
+          <a:ext cx="0" cy="0"/>
+          <a:chOff x="0" y="0"/>
+          <a:chExt cx="0" cy="0"/>
+        </a:xfrm>
+      </p:grpSpPr>
+      <p:sp>
+        <p:nvSpPr>
+          <p:cNvPr id="2" name="Titel 1"/>
+          <p:cNvSpPr>
+            <a:spLocks noGrp="1"/>
+          </p:cNvSpPr>
+          <p:nvPr>
+            <p:ph type="title"/>
+          </p:nvPr>
+        </p:nvSpPr>
+        <p:spPr/>
+        <p:txBody>
+          <a:bodyPr>
+            <a:normAutofit fontScale="90000"/>
+          </a:bodyPr>
+          <a:lstStyle/>
+          <a:p>
+            <a:r>
+              <a:rPr lang="de-DE" dirty="0" smtClean="0"/>
+              <a:t>Detailkonzept</a:t>
+            </a:r>
+            <a:br>
+              <a:rPr lang="de-DE" dirty="0" smtClean="0"/>
+            </a:br>
+            <a:r>
+              <a:rPr lang="de-DE" dirty="0" smtClean="0"/>
+              <a:t>Datenbankschema - Event</a:t>
+            </a:r>
+            <a:endParaRPr lang="de-DE" dirty="0"/>
+          </a:p>
+        </p:txBody>
+      </p:sp>
+      <p:sp>
+        <p:nvSpPr>
+          <p:cNvPr id="3" name="Inhaltsplatzhalter 2"/>
+          <p:cNvSpPr>
+            <a:spLocks noGrp="1"/>
+          </p:cNvSpPr>
+          <p:nvPr>
+            <p:ph idx="1"/>
+          </p:nvPr>
+        </p:nvSpPr>
+        <p:spPr/>
+        <p:txBody>
+          <a:bodyPr/>
+          <a:lstStyle/>
+          <a:p>
+            <a:endParaRPr lang="de-DE" dirty="0"/>
+          </a:p>
+        </p:txBody>
+      </p:sp>
+      <p:sp>
+        <p:nvSpPr>
+          <p:cNvPr id="4" name="Datumsplatzhalter 3"/>
+          <p:cNvSpPr>
+            <a:spLocks noGrp="1"/>
+          </p:cNvSpPr>
+          <p:nvPr>
+            <p:ph type="dt" sz="half" idx="10"/>
+          </p:nvPr>
+        </p:nvSpPr>
+        <p:spPr/>
+        <p:txBody>
+          <a:bodyPr/>
+          <a:lstStyle/>
+          <a:p>
+            <a:r>
+              <a:rPr lang="de-DE" smtClean="0"/>
+              <a:t>21.04.2012</a:t>
+            </a:r>
+            <a:endParaRPr lang="en-US"/>
+          </a:p>
+        </p:txBody>
+      </p:sp>
+      <p:sp>
+        <p:nvSpPr>
+          <p:cNvPr id="5" name="Fußzeilenplatzhalter 4"/>
+          <p:cNvSpPr>
+            <a:spLocks noGrp="1"/>
+          </p:cNvSpPr>
+          <p:nvPr>
+            <p:ph type="ftr" sz="quarter" idx="11"/>
+          </p:nvPr>
+        </p:nvSpPr>
+        <p:spPr/>
+        <p:txBody>
+          <a:bodyPr/>
+          <a:lstStyle/>
+          <a:p>
+            <a:r>
+              <a:rPr lang="de-DE" smtClean="0"/>
+              <a:t>FST Projekt "Eventalizer" (SS 2012) Team 5</a:t>
+            </a:r>
+            <a:endParaRPr lang="de-DE" dirty="0"/>
+          </a:p>
+        </p:txBody>
+      </p:sp>
+      <p:sp>
+        <p:nvSpPr>
+          <p:cNvPr id="6" name="Foliennummernplatzhalter 5"/>
+          <p:cNvSpPr>
+            <a:spLocks noGrp="1"/>
+          </p:cNvSpPr>
+          <p:nvPr>
+            <p:ph type="sldNum" sz="quarter" idx="12"/>
+          </p:nvPr>
+        </p:nvSpPr>
+        <p:spPr/>
+        <p:txBody>
+          <a:bodyPr/>
+          <a:lstStyle/>
+          <a:p>
+            <a:fld id="{990B41CA-569D-40E7-8E58-026C0338B2C8}" type="slidenum">
+              <a:rPr lang="en-US" smtClean="0"/>
+              <a:pPr/>
+              <a:t>13</a:t>
             </a:fld>
             <a:endParaRPr lang="en-US"/>
           </a:p>
@@ -8133,7 +8687,7 @@
           <a:blip r:embed="rId3" cstate="print">
             <a:extLst>
               <a:ext uri="{28A0092B-C50C-407E-A947-70E740481C1C}">
-                <a14:useLocalDpi xmlns:a14="http://schemas.microsoft.com/office/drawing/2010/main" val="0"/>
+                <a14:useLocalDpi xmlns:a14="http://schemas.microsoft.com/office/drawing/2010/main" xmlns="" val="0"/>
               </a:ext>
             </a:extLst>
           </a:blip>
@@ -8157,14 +8711,14 @@
           <a:effectLst/>
           <a:extLst>
             <a:ext uri="{909E8E84-426E-40DD-AFC4-6F175D3DCCD1}">
-              <a14:hiddenFill xmlns:a14="http://schemas.microsoft.com/office/drawing/2010/main">
+              <a14:hiddenFill xmlns:a14="http://schemas.microsoft.com/office/drawing/2010/main" xmlns="">
                 <a:solidFill>
                   <a:schemeClr val="accent1"/>
                 </a:solidFill>
               </a14:hiddenFill>
             </a:ext>
             <a:ext uri="{91240B29-F687-4F45-9708-019B960494DF}">
-              <a14:hiddenLine xmlns:a14="http://schemas.microsoft.com/office/drawing/2010/main" w="9525">
+              <a14:hiddenLine xmlns:a14="http://schemas.microsoft.com/office/drawing/2010/main" xmlns="" w="9525">
                 <a:solidFill>
                   <a:schemeClr val="tx1"/>
                 </a:solidFill>
@@ -8174,7 +8728,7 @@
               </a14:hiddenLine>
             </a:ext>
             <a:ext uri="{AF507438-7753-43E0-B8FC-AC1667EBCBE1}">
-              <a14:hiddenEffects xmlns:a14="http://schemas.microsoft.com/office/drawing/2010/main">
+              <a14:hiddenEffects xmlns:a14="http://schemas.microsoft.com/office/drawing/2010/main" xmlns="">
                 <a:effectLst>
                   <a:outerShdw dist="35921" dir="2700000" algn="ctr" rotWithShape="0">
                     <a:schemeClr val="bg2"/>
@@ -8309,211 +8863,9 @@
     </p:spTree>
     <p:extLst>
       <p:ext uri="{BB962C8B-B14F-4D97-AF65-F5344CB8AC3E}">
-        <p14:creationId xmlns:p14="http://schemas.microsoft.com/office/powerpoint/2010/main" val="3243626544"/>
+        <p14:creationId xmlns:p14="http://schemas.microsoft.com/office/powerpoint/2010/main" xmlns="" val="3243626544"/>
       </p:ext>
     </p:extLst>
-  </p:cSld>
-  <p:clrMapOvr>
-    <a:masterClrMapping/>
-  </p:clrMapOvr>
-</p:sld>
-</file>
-
-<file path=ppt/slides/slide13.xml><?xml version="1.0" encoding="utf-8"?>
-<p:sld xmlns:a="http://schemas.openxmlformats.org/drawingml/2006/main" xmlns:r="http://schemas.openxmlformats.org/officeDocument/2006/relationships" xmlns:p="http://schemas.openxmlformats.org/presentationml/2006/main">
-  <p:cSld>
-    <p:spTree>
-      <p:nvGrpSpPr>
-        <p:cNvPr id="1" name=""/>
-        <p:cNvGrpSpPr/>
-        <p:nvPr/>
-      </p:nvGrpSpPr>
-      <p:grpSpPr>
-        <a:xfrm>
-          <a:off x="0" y="0"/>
-          <a:ext cx="0" cy="0"/>
-          <a:chOff x="0" y="0"/>
-          <a:chExt cx="0" cy="0"/>
-        </a:xfrm>
-      </p:grpSpPr>
-      <p:sp>
-        <p:nvSpPr>
-          <p:cNvPr id="2" name="Titel 1"/>
-          <p:cNvSpPr>
-            <a:spLocks noGrp="1"/>
-          </p:cNvSpPr>
-          <p:nvPr>
-            <p:ph type="title"/>
-          </p:nvPr>
-        </p:nvSpPr>
-        <p:spPr/>
-        <p:txBody>
-          <a:bodyPr/>
-          <a:lstStyle/>
-          <a:p>
-            <a:r>
-              <a:rPr lang="de-DE" dirty="0" smtClean="0"/>
-              <a:t>Zusätzlich</a:t>
-            </a:r>
-            <a:endParaRPr lang="de-DE" dirty="0"/>
-          </a:p>
-        </p:txBody>
-      </p:sp>
-      <p:sp>
-        <p:nvSpPr>
-          <p:cNvPr id="3" name="Inhaltsplatzhalter 2"/>
-          <p:cNvSpPr>
-            <a:spLocks noGrp="1"/>
-          </p:cNvSpPr>
-          <p:nvPr>
-            <p:ph idx="1"/>
-          </p:nvPr>
-        </p:nvSpPr>
-        <p:spPr/>
-        <p:txBody>
-          <a:bodyPr/>
-          <a:lstStyle/>
-          <a:p>
-            <a:r>
-              <a:rPr lang="de-DE" dirty="0" smtClean="0"/>
-              <a:t>Nicht funktionale Anforderungen = Qualitätsanforderungen</a:t>
-            </a:r>
-          </a:p>
-          <a:p>
-            <a:endParaRPr lang="de-DE" dirty="0" smtClean="0"/>
-          </a:p>
-          <a:p>
-            <a:r>
-              <a:rPr lang="de-DE" dirty="0" smtClean="0"/>
-              <a:t>Abnahmekriterien </a:t>
-            </a:r>
-            <a:r>
-              <a:rPr lang="de-DE" dirty="0" smtClean="0"/>
-              <a:t>-&gt; </a:t>
-            </a:r>
-            <a:r>
-              <a:rPr lang="de-DE" dirty="0" smtClean="0"/>
-              <a:t>PAW </a:t>
-            </a:r>
-            <a:r>
-              <a:rPr lang="de-DE" dirty="0" smtClean="0">
-                <a:sym typeface="Wingdings" pitchFamily="2" charset="2"/>
-              </a:rPr>
-              <a:t></a:t>
-            </a:r>
-          </a:p>
-          <a:p>
-            <a:endParaRPr lang="de-DE" dirty="0">
-              <a:sym typeface="Wingdings" pitchFamily="2" charset="2"/>
-            </a:endParaRPr>
-          </a:p>
-          <a:p>
-            <a:endParaRPr lang="de-DE" dirty="0" smtClean="0">
-              <a:sym typeface="Wingdings" pitchFamily="2" charset="2"/>
-            </a:endParaRPr>
-          </a:p>
-          <a:p>
-            <a:r>
-              <a:rPr lang="de-DE" dirty="0" err="1" smtClean="0">
-                <a:sym typeface="Wingdings" pitchFamily="2" charset="2"/>
-              </a:rPr>
-              <a:t>ToDo</a:t>
-            </a:r>
-            <a:r>
-              <a:rPr lang="de-DE" dirty="0" smtClean="0">
-                <a:sym typeface="Wingdings" pitchFamily="2" charset="2"/>
-              </a:rPr>
-              <a:t>:</a:t>
-            </a:r>
-          </a:p>
-          <a:p>
-            <a:r>
-              <a:rPr lang="de-DE" dirty="0" smtClean="0">
-                <a:sym typeface="Wingdings" pitchFamily="2" charset="2"/>
-              </a:rPr>
-              <a:t>Topics aus unsere LH/PH für Qualitätsanforderungen </a:t>
-            </a:r>
-            <a:r>
-              <a:rPr lang="de-DE" dirty="0" err="1" smtClean="0">
-                <a:sym typeface="Wingdings" pitchFamily="2" charset="2"/>
-              </a:rPr>
-              <a:t>copy&amp;pasten</a:t>
-            </a:r>
-            <a:endParaRPr lang="de-DE" dirty="0"/>
-          </a:p>
-        </p:txBody>
-      </p:sp>
-      <p:sp>
-        <p:nvSpPr>
-          <p:cNvPr id="4" name="Datumsplatzhalter 3"/>
-          <p:cNvSpPr>
-            <a:spLocks noGrp="1"/>
-          </p:cNvSpPr>
-          <p:nvPr>
-            <p:ph type="dt" sz="half" idx="10"/>
-          </p:nvPr>
-        </p:nvSpPr>
-        <p:spPr/>
-        <p:txBody>
-          <a:bodyPr/>
-          <a:lstStyle/>
-          <a:p>
-            <a:r>
-              <a:rPr lang="de-DE" smtClean="0"/>
-              <a:t>21.04.2012</a:t>
-            </a:r>
-            <a:endParaRPr lang="en-US"/>
-          </a:p>
-        </p:txBody>
-      </p:sp>
-      <p:sp>
-        <p:nvSpPr>
-          <p:cNvPr id="5" name="Fußzeilenplatzhalter 4"/>
-          <p:cNvSpPr>
-            <a:spLocks noGrp="1"/>
-          </p:cNvSpPr>
-          <p:nvPr>
-            <p:ph type="ftr" sz="quarter" idx="11"/>
-          </p:nvPr>
-        </p:nvSpPr>
-        <p:spPr/>
-        <p:txBody>
-          <a:bodyPr/>
-          <a:lstStyle/>
-          <a:p>
-            <a:r>
-              <a:rPr lang="de-DE" smtClean="0"/>
-              <a:t>FST Projekt "Eventalizer" (SS 2012) Team 5</a:t>
-            </a:r>
-            <a:endParaRPr lang="de-DE" dirty="0"/>
-          </a:p>
-        </p:txBody>
-      </p:sp>
-      <p:sp>
-        <p:nvSpPr>
-          <p:cNvPr id="6" name="Foliennummernplatzhalter 5"/>
-          <p:cNvSpPr>
-            <a:spLocks noGrp="1"/>
-          </p:cNvSpPr>
-          <p:nvPr>
-            <p:ph type="sldNum" sz="quarter" idx="12"/>
-          </p:nvPr>
-        </p:nvSpPr>
-        <p:spPr/>
-        <p:txBody>
-          <a:bodyPr/>
-          <a:lstStyle/>
-          <a:p>
-            <a:fld id="{990B41CA-569D-40E7-8E58-026C0338B2C8}" type="slidenum">
-              <a:rPr lang="en-US" smtClean="0"/>
-              <a:pPr/>
-              <a:t>13</a:t>
-            </a:fld>
-            <a:endParaRPr lang="en-US"/>
-          </a:p>
-        </p:txBody>
-      </p:sp>
-    </p:spTree>
   </p:cSld>
   <p:clrMapOvr>
     <a:masterClrMapping/>
@@ -8555,6 +8907,200 @@
           <a:p>
             <a:r>
               <a:rPr lang="de-DE" dirty="0" smtClean="0"/>
+              <a:t>Zusätzlich</a:t>
+            </a:r>
+            <a:endParaRPr lang="de-DE" dirty="0"/>
+          </a:p>
+        </p:txBody>
+      </p:sp>
+      <p:sp>
+        <p:nvSpPr>
+          <p:cNvPr id="3" name="Inhaltsplatzhalter 2"/>
+          <p:cNvSpPr>
+            <a:spLocks noGrp="1"/>
+          </p:cNvSpPr>
+          <p:nvPr>
+            <p:ph idx="1"/>
+          </p:nvPr>
+        </p:nvSpPr>
+        <p:spPr/>
+        <p:txBody>
+          <a:bodyPr/>
+          <a:lstStyle/>
+          <a:p>
+            <a:r>
+              <a:rPr lang="de-DE" dirty="0" smtClean="0"/>
+              <a:t>Nicht funktionale Anforderungen = Qualitätsanforderungen</a:t>
+            </a:r>
+          </a:p>
+          <a:p>
+            <a:endParaRPr lang="de-DE" dirty="0" smtClean="0"/>
+          </a:p>
+          <a:p>
+            <a:r>
+              <a:rPr lang="de-DE" dirty="0" smtClean="0"/>
+              <a:t>Abnahmekriterien -&gt; PAW </a:t>
+            </a:r>
+            <a:r>
+              <a:rPr lang="de-DE" dirty="0" smtClean="0">
+                <a:sym typeface="Wingdings" pitchFamily="2" charset="2"/>
+              </a:rPr>
+              <a:t></a:t>
+            </a:r>
+          </a:p>
+          <a:p>
+            <a:endParaRPr lang="de-DE" dirty="0">
+              <a:sym typeface="Wingdings" pitchFamily="2" charset="2"/>
+            </a:endParaRPr>
+          </a:p>
+          <a:p>
+            <a:endParaRPr lang="de-DE" dirty="0" smtClean="0">
+              <a:sym typeface="Wingdings" pitchFamily="2" charset="2"/>
+            </a:endParaRPr>
+          </a:p>
+          <a:p>
+            <a:r>
+              <a:rPr lang="de-DE" dirty="0" err="1" smtClean="0">
+                <a:sym typeface="Wingdings" pitchFamily="2" charset="2"/>
+              </a:rPr>
+              <a:t>ToDo</a:t>
+            </a:r>
+            <a:r>
+              <a:rPr lang="de-DE" dirty="0" smtClean="0">
+                <a:sym typeface="Wingdings" pitchFamily="2" charset="2"/>
+              </a:rPr>
+              <a:t>:</a:t>
+            </a:r>
+          </a:p>
+          <a:p>
+            <a:r>
+              <a:rPr lang="de-DE" dirty="0" smtClean="0">
+                <a:sym typeface="Wingdings" pitchFamily="2" charset="2"/>
+              </a:rPr>
+              <a:t>Topics aus unsere LH/PH für Qualitätsanforderungen </a:t>
+            </a:r>
+            <a:r>
+              <a:rPr lang="de-DE" dirty="0" err="1" smtClean="0">
+                <a:sym typeface="Wingdings" pitchFamily="2" charset="2"/>
+              </a:rPr>
+              <a:t>copy&amp;pasten</a:t>
+            </a:r>
+            <a:endParaRPr lang="de-DE" dirty="0"/>
+          </a:p>
+        </p:txBody>
+      </p:sp>
+      <p:sp>
+        <p:nvSpPr>
+          <p:cNvPr id="4" name="Datumsplatzhalter 3"/>
+          <p:cNvSpPr>
+            <a:spLocks noGrp="1"/>
+          </p:cNvSpPr>
+          <p:nvPr>
+            <p:ph type="dt" sz="half" idx="10"/>
+          </p:nvPr>
+        </p:nvSpPr>
+        <p:spPr/>
+        <p:txBody>
+          <a:bodyPr/>
+          <a:lstStyle/>
+          <a:p>
+            <a:r>
+              <a:rPr lang="de-DE" smtClean="0"/>
+              <a:t>21.04.2012</a:t>
+            </a:r>
+            <a:endParaRPr lang="en-US"/>
+          </a:p>
+        </p:txBody>
+      </p:sp>
+      <p:sp>
+        <p:nvSpPr>
+          <p:cNvPr id="5" name="Fußzeilenplatzhalter 4"/>
+          <p:cNvSpPr>
+            <a:spLocks noGrp="1"/>
+          </p:cNvSpPr>
+          <p:nvPr>
+            <p:ph type="ftr" sz="quarter" idx="11"/>
+          </p:nvPr>
+        </p:nvSpPr>
+        <p:spPr/>
+        <p:txBody>
+          <a:bodyPr/>
+          <a:lstStyle/>
+          <a:p>
+            <a:r>
+              <a:rPr lang="de-DE" smtClean="0"/>
+              <a:t>FST Projekt "Eventalizer" (SS 2012) Team 5</a:t>
+            </a:r>
+            <a:endParaRPr lang="de-DE" dirty="0"/>
+          </a:p>
+        </p:txBody>
+      </p:sp>
+      <p:sp>
+        <p:nvSpPr>
+          <p:cNvPr id="6" name="Foliennummernplatzhalter 5"/>
+          <p:cNvSpPr>
+            <a:spLocks noGrp="1"/>
+          </p:cNvSpPr>
+          <p:nvPr>
+            <p:ph type="sldNum" sz="quarter" idx="12"/>
+          </p:nvPr>
+        </p:nvSpPr>
+        <p:spPr/>
+        <p:txBody>
+          <a:bodyPr/>
+          <a:lstStyle/>
+          <a:p>
+            <a:fld id="{990B41CA-569D-40E7-8E58-026C0338B2C8}" type="slidenum">
+              <a:rPr lang="en-US" smtClean="0"/>
+              <a:pPr/>
+              <a:t>14</a:t>
+            </a:fld>
+            <a:endParaRPr lang="en-US"/>
+          </a:p>
+        </p:txBody>
+      </p:sp>
+    </p:spTree>
+  </p:cSld>
+  <p:clrMapOvr>
+    <a:masterClrMapping/>
+  </p:clrMapOvr>
+</p:sld>
+</file>
+
+<file path=ppt/slides/slide15.xml><?xml version="1.0" encoding="utf-8"?>
+<p:sld xmlns:a="http://schemas.openxmlformats.org/drawingml/2006/main" xmlns:r="http://schemas.openxmlformats.org/officeDocument/2006/relationships" xmlns:p="http://schemas.openxmlformats.org/presentationml/2006/main">
+  <p:cSld>
+    <p:spTree>
+      <p:nvGrpSpPr>
+        <p:cNvPr id="1" name=""/>
+        <p:cNvGrpSpPr/>
+        <p:nvPr/>
+      </p:nvGrpSpPr>
+      <p:grpSpPr>
+        <a:xfrm>
+          <a:off x="0" y="0"/>
+          <a:ext cx="0" cy="0"/>
+          <a:chOff x="0" y="0"/>
+          <a:chExt cx="0" cy="0"/>
+        </a:xfrm>
+      </p:grpSpPr>
+      <p:sp>
+        <p:nvSpPr>
+          <p:cNvPr id="2" name="Titel 1"/>
+          <p:cNvSpPr>
+            <a:spLocks noGrp="1"/>
+          </p:cNvSpPr>
+          <p:nvPr>
+            <p:ph type="title"/>
+          </p:nvPr>
+        </p:nvSpPr>
+        <p:spPr/>
+        <p:txBody>
+          <a:bodyPr/>
+          <a:lstStyle/>
+          <a:p>
+            <a:r>
+              <a:rPr lang="de-DE" dirty="0" smtClean="0"/>
               <a:t>Projektplan</a:t>
             </a:r>
             <a:endParaRPr lang="de-DE" dirty="0"/>
@@ -8659,7 +9205,7 @@
             <a:fld id="{6C6AE60A-B69C-4790-82F7-3882EDF23186}" type="slidenum">
               <a:rPr lang="de-DE" smtClean="0"/>
               <a:pPr/>
-              <a:t>14</a:t>
+              <a:t>15</a:t>
             </a:fld>
             <a:endParaRPr lang="de-DE" dirty="0"/>
           </a:p>
@@ -8703,7 +9249,7 @@
     </p:spTree>
     <p:extLst>
       <p:ext uri="{BB962C8B-B14F-4D97-AF65-F5344CB8AC3E}">
-        <p14:creationId xmlns:p14="http://schemas.microsoft.com/office/powerpoint/2010/main" val="1012322072"/>
+        <p14:creationId xmlns:p14="http://schemas.microsoft.com/office/powerpoint/2010/main" xmlns="" val="1012322072"/>
       </p:ext>
     </p:extLst>
   </p:cSld>
@@ -8720,7 +9266,7 @@
 </p:sld>
 </file>
 
-<file path=ppt/slides/slide15.xml><?xml version="1.0" encoding="utf-8"?>
+<file path=ppt/slides/slide16.xml><?xml version="1.0" encoding="utf-8"?>
 <p:sld xmlns:a="http://schemas.openxmlformats.org/drawingml/2006/main" xmlns:r="http://schemas.openxmlformats.org/officeDocument/2006/relationships" xmlns:p="http://schemas.openxmlformats.org/presentationml/2006/main">
   <p:cSld>
     <p:spTree>
@@ -8904,7 +9450,7 @@
             <a:fld id="{990B41CA-569D-40E7-8E58-026C0338B2C8}" type="slidenum">
               <a:rPr lang="en-US" smtClean="0"/>
               <a:pPr/>
-              <a:t>15</a:t>
+              <a:t>16</a:t>
             </a:fld>
             <a:endParaRPr lang="en-US"/>
           </a:p>
@@ -8922,7 +9468,7 @@
           <a:blip r:embed="rId2" cstate="print">
             <a:extLst>
               <a:ext uri="{BEBA8EAE-BF5A-486C-A8C5-ECC9F3942E4B}">
-                <a14:imgProps xmlns:a14="http://schemas.microsoft.com/office/drawing/2010/main">
+                <a14:imgProps xmlns:a14="http://schemas.microsoft.com/office/drawing/2010/main" xmlns="">
                   <a14:imgLayer r:embed="rId3">
                     <a14:imgEffect>
                       <a14:backgroundRemoval t="6057" b="22942" l="7000" r="29162"/>
@@ -8931,7 +9477,7 @@
                 </a14:imgProps>
               </a:ext>
               <a:ext uri="{28A0092B-C50C-407E-A947-70E740481C1C}">
-                <a14:useLocalDpi xmlns:a14="http://schemas.microsoft.com/office/drawing/2010/main" val="0"/>
+                <a14:useLocalDpi xmlns:a14="http://schemas.microsoft.com/office/drawing/2010/main" xmlns="" val="0"/>
               </a:ext>
             </a:extLst>
           </a:blip>
@@ -8949,7 +9495,7 @@
           <a:noFill/>
           <a:extLst>
             <a:ext uri="{909E8E84-426E-40DD-AFC4-6F175D3DCCD1}">
-              <a14:hiddenFill xmlns:a14="http://schemas.microsoft.com/office/drawing/2010/main">
+              <a14:hiddenFill xmlns:a14="http://schemas.microsoft.com/office/drawing/2010/main" xmlns="">
                 <a:solidFill>
                   <a:srgbClr val="FFFFFF"/>
                 </a:solidFill>
@@ -8970,7 +9516,7 @@
           <a:blip r:embed="rId2" cstate="print">
             <a:extLst>
               <a:ext uri="{BEBA8EAE-BF5A-486C-A8C5-ECC9F3942E4B}">
-                <a14:imgProps xmlns:a14="http://schemas.microsoft.com/office/drawing/2010/main">
+                <a14:imgProps xmlns:a14="http://schemas.microsoft.com/office/drawing/2010/main" xmlns="">
                   <a14:imgLayer r:embed="rId3">
                     <a14:imgEffect>
                       <a14:backgroundRemoval t="6057" b="22942" l="7000" r="29162"/>
@@ -8979,7 +9525,7 @@
                 </a14:imgProps>
               </a:ext>
               <a:ext uri="{28A0092B-C50C-407E-A947-70E740481C1C}">
-                <a14:useLocalDpi xmlns:a14="http://schemas.microsoft.com/office/drawing/2010/main" val="0"/>
+                <a14:useLocalDpi xmlns:a14="http://schemas.microsoft.com/office/drawing/2010/main" xmlns="" val="0"/>
               </a:ext>
             </a:extLst>
           </a:blip>
@@ -8997,7 +9543,7 @@
           <a:noFill/>
           <a:extLst>
             <a:ext uri="{909E8E84-426E-40DD-AFC4-6F175D3DCCD1}">
-              <a14:hiddenFill xmlns:a14="http://schemas.microsoft.com/office/drawing/2010/main">
+              <a14:hiddenFill xmlns:a14="http://schemas.microsoft.com/office/drawing/2010/main" xmlns="">
                 <a:solidFill>
                   <a:srgbClr val="FFFFFF"/>
                 </a:solidFill>
@@ -9009,7 +9555,7 @@
     </p:spTree>
     <p:extLst>
       <p:ext uri="{BB962C8B-B14F-4D97-AF65-F5344CB8AC3E}">
-        <p14:creationId xmlns:p14="http://schemas.microsoft.com/office/powerpoint/2010/main" val="2645794681"/>
+        <p14:creationId xmlns:p14="http://schemas.microsoft.com/office/powerpoint/2010/main" xmlns="" val="2645794681"/>
       </p:ext>
     </p:extLst>
   </p:cSld>
@@ -9019,7 +9565,7 @@
 </p:sld>
 </file>
 
-<file path=ppt/slides/slide16.xml><?xml version="1.0" encoding="utf-8"?>
+<file path=ppt/slides/slide17.xml><?xml version="1.0" encoding="utf-8"?>
 <p:sld xmlns:a="http://schemas.openxmlformats.org/drawingml/2006/main" xmlns:r="http://schemas.openxmlformats.org/officeDocument/2006/relationships" xmlns:p="http://schemas.openxmlformats.org/presentationml/2006/main">
   <p:cSld>
     <p:spTree>
@@ -9226,7 +9772,7 @@
             <a:fld id="{6C6AE60A-B69C-4790-82F7-3882EDF23186}" type="slidenum">
               <a:rPr lang="de-DE" smtClean="0"/>
               <a:pPr/>
-              <a:t>16</a:t>
+              <a:t>17</a:t>
             </a:fld>
             <a:endParaRPr lang="de-DE" dirty="0"/>
           </a:p>
@@ -9244,7 +9790,7 @@
           <a:blip r:embed="rId3" cstate="print">
             <a:extLst>
               <a:ext uri="{28A0092B-C50C-407E-A947-70E740481C1C}">
-                <a14:useLocalDpi xmlns:a14="http://schemas.microsoft.com/office/drawing/2010/main" val="0"/>
+                <a14:useLocalDpi xmlns:a14="http://schemas.microsoft.com/office/drawing/2010/main" xmlns="" val="0"/>
               </a:ext>
             </a:extLst>
           </a:blip>
@@ -9276,7 +9822,7 @@
           </a:effectLst>
           <a:extLst>
             <a:ext uri="{91240B29-F687-4F45-9708-019B960494DF}">
-              <a14:hiddenLine xmlns:a14="http://schemas.microsoft.com/office/drawing/2010/main" w="9525">
+              <a14:hiddenLine xmlns:a14="http://schemas.microsoft.com/office/drawing/2010/main" xmlns="" w="9525">
                 <a:solidFill>
                   <a:schemeClr val="tx1"/>
                 </a:solidFill>
@@ -9291,7 +9837,7 @@
     </p:spTree>
     <p:extLst>
       <p:ext uri="{BB962C8B-B14F-4D97-AF65-F5344CB8AC3E}">
-        <p14:creationId xmlns:p14="http://schemas.microsoft.com/office/powerpoint/2010/main" val="313312729"/>
+        <p14:creationId xmlns:p14="http://schemas.microsoft.com/office/powerpoint/2010/main" xmlns="" val="313312729"/>
       </p:ext>
     </p:extLst>
   </p:cSld>
@@ -9308,7 +9854,7 @@
 </p:sld>
 </file>
 
-<file path=ppt/slides/slide17.xml><?xml version="1.0" encoding="utf-8"?>
+<file path=ppt/slides/slide18.xml><?xml version="1.0" encoding="utf-8"?>
 <p:sld xmlns:a="http://schemas.openxmlformats.org/drawingml/2006/main" xmlns:r="http://schemas.openxmlformats.org/officeDocument/2006/relationships" xmlns:p="http://schemas.openxmlformats.org/presentationml/2006/main">
   <p:cSld>
     <p:spTree>
@@ -9392,7 +9938,7 @@
           <a:blip r:embed="rId3" cstate="print">
             <a:extLst>
               <a:ext uri="{28A0092B-C50C-407E-A947-70E740481C1C}">
-                <a14:useLocalDpi xmlns:a14="http://schemas.microsoft.com/office/drawing/2010/main" val="0"/>
+                <a14:useLocalDpi xmlns:a14="http://schemas.microsoft.com/office/drawing/2010/main" xmlns="" val="0"/>
               </a:ext>
             </a:extLst>
           </a:blip>
@@ -9422,7 +9968,7 @@
           <a:blip r:embed="rId4" cstate="print">
             <a:extLst>
               <a:ext uri="{28A0092B-C50C-407E-A947-70E740481C1C}">
-                <a14:useLocalDpi xmlns:a14="http://schemas.microsoft.com/office/drawing/2010/main" val="0"/>
+                <a14:useLocalDpi xmlns:a14="http://schemas.microsoft.com/office/drawing/2010/main" xmlns="" val="0"/>
               </a:ext>
             </a:extLst>
           </a:blip>
@@ -9443,7 +9989,7 @@
     </p:spTree>
     <p:extLst>
       <p:ext uri="{BB962C8B-B14F-4D97-AF65-F5344CB8AC3E}">
-        <p14:creationId xmlns:p14="http://schemas.microsoft.com/office/powerpoint/2010/main" val="2565098391"/>
+        <p14:creationId xmlns:p14="http://schemas.microsoft.com/office/powerpoint/2010/main" xmlns="" val="2565098391"/>
       </p:ext>
     </p:extLst>
   </p:cSld>
@@ -9546,11 +10092,7 @@
             <a:pPr lvl="3"/>
             <a:r>
               <a:rPr lang="de-DE" dirty="0" smtClean="0"/>
-              <a:t>LH -&gt; </a:t>
-            </a:r>
-            <a:r>
-              <a:rPr lang="de-DE" dirty="0" smtClean="0"/>
-              <a:t>PH (</a:t>
+              <a:t>LH -&gt; PH (</a:t>
             </a:r>
             <a:r>
               <a:rPr lang="de-DE" dirty="0" err="1" smtClean="0"/>
@@ -9558,11 +10100,7 @@
             </a:r>
             <a:r>
               <a:rPr lang="de-DE" dirty="0" smtClean="0"/>
-              <a:t>, Aktivitätsdiagramm, </a:t>
-            </a:r>
-            <a:r>
-              <a:rPr lang="de-DE" dirty="0" smtClean="0"/>
-              <a:t>Sequenz) -&gt; Live</a:t>
+              <a:t>, Aktivitätsdiagramm, Sequenz) -&gt; Live</a:t>
             </a:r>
           </a:p>
           <a:p>
@@ -9744,7 +10282,7 @@
     </p:spTree>
     <p:extLst>
       <p:ext uri="{BB962C8B-B14F-4D97-AF65-F5344CB8AC3E}">
-        <p14:creationId xmlns:p14="http://schemas.microsoft.com/office/powerpoint/2010/main" val="3616670450"/>
+        <p14:creationId xmlns:p14="http://schemas.microsoft.com/office/powerpoint/2010/main" xmlns="" val="3616670450"/>
       </p:ext>
     </p:extLst>
   </p:cSld>
@@ -9778,6 +10316,32 @@
           <a:chExt cx="0" cy="0"/>
         </a:xfrm>
       </p:grpSpPr>
+      <p:pic>
+        <p:nvPicPr>
+          <p:cNvPr id="1027" name="Picture 3" descr="C:\Users\Alexander\Desktop\Anwendungsfalldiagramm Benutzer und Eventfunktionen.png"/>
+          <p:cNvPicPr>
+            <a:picLocks noChangeAspect="1" noChangeArrowheads="1"/>
+          </p:cNvPicPr>
+          <p:nvPr/>
+        </p:nvPicPr>
+        <p:blipFill>
+          <a:blip r:embed="rId3" cstate="print"/>
+          <a:srcRect/>
+          <a:stretch>
+            <a:fillRect/>
+          </a:stretch>
+        </p:blipFill>
+        <p:spPr bwMode="auto">
+          <a:xfrm>
+            <a:off x="1475656" y="1268760"/>
+            <a:ext cx="5508000" cy="5173026"/>
+          </a:xfrm>
+          <a:prstGeom prst="rect">
+            <a:avLst/>
+          </a:prstGeom>
+          <a:noFill/>
+        </p:spPr>
+      </p:pic>
       <p:sp>
         <p:nvSpPr>
           <p:cNvPr id="2" name="Titel 1"/>
@@ -9796,46 +10360,13 @@
           <a:lstStyle/>
           <a:p>
             <a:r>
-              <a:rPr lang="de-DE" dirty="0" err="1" smtClean="0"/>
-              <a:t>Use</a:t>
-            </a:r>
-            <a:r>
-              <a:rPr lang="de-DE" dirty="0" smtClean="0"/>
-              <a:t>-Case</a:t>
+              <a:rPr lang="de-DE" dirty="0" smtClean="0"/>
+              <a:t>Anwendungsfalldiagramm</a:t>
             </a:r>
             <a:endParaRPr lang="de-DE" dirty="0"/>
           </a:p>
         </p:txBody>
       </p:sp>
-      <p:pic>
-        <p:nvPicPr>
-          <p:cNvPr id="9" name="Inhaltsplatzhalter 8"/>
-          <p:cNvPicPr>
-            <a:picLocks noGrp="1" noChangeAspect="1"/>
-          </p:cNvPicPr>
-          <p:nvPr>
-            <p:ph idx="1"/>
-          </p:nvPr>
-        </p:nvPicPr>
-        <p:blipFill>
-          <a:blip r:embed="rId3" cstate="print">
-            <a:extLst>
-              <a:ext uri="{28A0092B-C50C-407E-A947-70E740481C1C}">
-                <a14:useLocalDpi xmlns:a14="http://schemas.microsoft.com/office/drawing/2010/main" val="0"/>
-              </a:ext>
-            </a:extLst>
-          </a:blip>
-          <a:stretch>
-            <a:fillRect/>
-          </a:stretch>
-        </p:blipFill>
-        <p:spPr>
-          <a:xfrm>
-            <a:off x="1977015" y="1447800"/>
-            <a:ext cx="6415519" cy="4800600"/>
-          </a:xfrm>
-        </p:spPr>
-      </p:pic>
       <p:sp>
         <p:nvSpPr>
           <p:cNvPr id="4" name="Datumsplatzhalter 3"/>
@@ -9909,17 +10440,99 @@
     </p:spTree>
     <p:extLst>
       <p:ext uri="{BB962C8B-B14F-4D97-AF65-F5344CB8AC3E}">
-        <p14:creationId xmlns:p14="http://schemas.microsoft.com/office/powerpoint/2010/main" val="351671181"/>
+        <p14:creationId xmlns:p14="http://schemas.microsoft.com/office/powerpoint/2010/main" xmlns="" val="351671181"/>
       </p:ext>
     </p:extLst>
   </p:cSld>
   <p:clrMapOvr>
     <a:masterClrMapping/>
   </p:clrMapOvr>
+  <p:transition advClick="0" advTm="2000"/>
   <p:timing>
     <p:tnLst>
       <p:par>
-        <p:cTn id="1" dur="indefinite" restart="never" nodeType="tmRoot"/>
+        <p:cTn id="1" dur="indefinite" restart="never" nodeType="tmRoot">
+          <p:childTnLst>
+            <p:seq concurrent="1" nextAc="seek">
+              <p:cTn id="2" dur="indefinite" nodeType="mainSeq">
+                <p:childTnLst>
+                  <p:par>
+                    <p:cTn id="3" fill="hold">
+                      <p:stCondLst>
+                        <p:cond delay="indefinite"/>
+                      </p:stCondLst>
+                      <p:childTnLst>
+                        <p:par>
+                          <p:cTn id="4" fill="hold">
+                            <p:stCondLst>
+                              <p:cond delay="0"/>
+                            </p:stCondLst>
+                            <p:childTnLst>
+                              <p:par>
+                                <p:cTn id="5" presetID="6" presetClass="emph" presetSubtype="0" fill="hold" nodeType="clickEffect">
+                                  <p:stCondLst>
+                                    <p:cond delay="0"/>
+                                  </p:stCondLst>
+                                  <p:childTnLst>
+                                    <p:animScale>
+                                      <p:cBhvr>
+                                        <p:cTn id="6" dur="1000" fill="hold"/>
+                                        <p:tgtEl>
+                                          <p:spTgt spid="1027"/>
+                                        </p:tgtEl>
+                                      </p:cBhvr>
+                                      <p:by x="50000" y="50000"/>
+                                    </p:animScale>
+                                  </p:childTnLst>
+                                </p:cTn>
+                              </p:par>
+                              <p:par>
+                                <p:cTn id="7" presetID="0" presetClass="path" presetSubtype="0" accel="50000" decel="50000" fill="hold" nodeType="withEffect">
+                                  <p:stCondLst>
+                                    <p:cond delay="0"/>
+                                  </p:stCondLst>
+                                  <p:childTnLst>
+                                    <p:animMotion origin="layout" path="M 0 2.96296E-6 L -0.14358 -0.18797 " pathEditMode="relative" rAng="0" ptsTypes="AA">
+                                      <p:cBhvr>
+                                        <p:cTn id="8" dur="1000" fill="hold"/>
+                                        <p:tgtEl>
+                                          <p:spTgt spid="1027"/>
+                                        </p:tgtEl>
+                                        <p:attrNameLst>
+                                          <p:attrName>ppt_x</p:attrName>
+                                          <p:attrName>ppt_y</p:attrName>
+                                        </p:attrNameLst>
+                                      </p:cBhvr>
+                                      <p:rCtr x="-72" y="-94"/>
+                                    </p:animMotion>
+                                  </p:childTnLst>
+                                </p:cTn>
+                              </p:par>
+                            </p:childTnLst>
+                          </p:cTn>
+                        </p:par>
+                      </p:childTnLst>
+                    </p:cTn>
+                  </p:par>
+                </p:childTnLst>
+              </p:cTn>
+              <p:prevCondLst>
+                <p:cond evt="onPrev" delay="0">
+                  <p:tgtEl>
+                    <p:sldTgt/>
+                  </p:tgtEl>
+                </p:cond>
+              </p:prevCondLst>
+              <p:nextCondLst>
+                <p:cond evt="onNext" delay="0">
+                  <p:tgtEl>
+                    <p:sldTgt/>
+                  </p:tgtEl>
+                </p:cond>
+              </p:nextCondLst>
+            </p:seq>
+          </p:childTnLst>
+        </p:cTn>
       </p:par>
     </p:tnLst>
   </p:timing>
@@ -9943,6 +10556,32 @@
           <a:chExt cx="0" cy="0"/>
         </a:xfrm>
       </p:grpSpPr>
+      <p:pic>
+        <p:nvPicPr>
+          <p:cNvPr id="1027" name="Picture 3" descr="C:\Users\Alexander\Desktop\Anwendungsfalldiagramm Benutzer und Eventfunktionen.png"/>
+          <p:cNvPicPr>
+            <a:picLocks noChangeAspect="1" noChangeArrowheads="1"/>
+          </p:cNvPicPr>
+          <p:nvPr/>
+        </p:nvPicPr>
+        <p:blipFill>
+          <a:blip r:embed="rId3" cstate="print"/>
+          <a:srcRect/>
+          <a:stretch>
+            <a:fillRect/>
+          </a:stretch>
+        </p:blipFill>
+        <p:spPr bwMode="auto">
+          <a:xfrm>
+            <a:off x="1475656" y="1268765"/>
+            <a:ext cx="2628000" cy="2468173"/>
+          </a:xfrm>
+          <a:prstGeom prst="rect">
+            <a:avLst/>
+          </a:prstGeom>
+          <a:noFill/>
+        </p:spPr>
+      </p:pic>
       <p:sp>
         <p:nvSpPr>
           <p:cNvPr id="2" name="Titel 1"/>
@@ -9956,20 +10595,59 @@
         <p:spPr/>
         <p:txBody>
           <a:bodyPr>
-            <a:normAutofit fontScale="90000"/>
+            <a:normAutofit/>
           </a:bodyPr>
           <a:lstStyle/>
           <a:p>
             <a:r>
               <a:rPr lang="de-DE" dirty="0" smtClean="0"/>
-              <a:t>Lastenheft</a:t>
-            </a:r>
-            <a:br>
-              <a:rPr lang="de-DE" dirty="0" smtClean="0"/>
-            </a:br>
-            <a:r>
-              <a:rPr lang="de-DE" dirty="0" smtClean="0"/>
-              <a:t>funktionale Anforderungen</a:t>
+              <a:t>Anwendungsfalldiagramm</a:t>
+            </a:r>
+            <a:endParaRPr lang="de-DE" dirty="0"/>
+          </a:p>
+        </p:txBody>
+      </p:sp>
+      <p:sp>
+        <p:nvSpPr>
+          <p:cNvPr id="4" name="Datumsplatzhalter 3"/>
+          <p:cNvSpPr>
+            <a:spLocks noGrp="1"/>
+          </p:cNvSpPr>
+          <p:nvPr>
+            <p:ph type="dt" sz="half" idx="10"/>
+          </p:nvPr>
+        </p:nvSpPr>
+        <p:spPr/>
+        <p:txBody>
+          <a:bodyPr/>
+          <a:lstStyle/>
+          <a:p>
+            <a:r>
+              <a:rPr lang="de-DE" smtClean="0"/>
+              <a:t>21.04.2012</a:t>
+            </a:r>
+            <a:endParaRPr lang="en-US"/>
+          </a:p>
+        </p:txBody>
+      </p:sp>
+      <p:sp>
+        <p:nvSpPr>
+          <p:cNvPr id="5" name="Fußzeilenplatzhalter 4"/>
+          <p:cNvSpPr>
+            <a:spLocks noGrp="1"/>
+          </p:cNvSpPr>
+          <p:nvPr>
+            <p:ph type="ftr" sz="quarter" idx="11"/>
+          </p:nvPr>
+        </p:nvSpPr>
+        <p:spPr/>
+        <p:txBody>
+          <a:bodyPr/>
+          <a:lstStyle/>
+          <a:p>
+            <a:r>
+              <a:rPr lang="de-DE" smtClean="0"/>
+              <a:t>FST Projekt "Eventalizer" (SS 2012) Team 5</a:t>
             </a:r>
             <a:endParaRPr lang="de-DE" dirty="0"/>
           </a:p>
@@ -9999,21 +10677,220 @@
           </a:p>
         </p:txBody>
       </p:sp>
-      <p:sp>
-        <p:nvSpPr>
-          <p:cNvPr id="9" name="Inhaltsplatzhalter 8"/>
-          <p:cNvSpPr>
-            <a:spLocks noGrp="1"/>
-          </p:cNvSpPr>
-          <p:nvPr>
-            <p:ph idx="1"/>
-          </p:nvPr>
-        </p:nvSpPr>
-        <p:spPr/>
-        <p:txBody>
-          <a:bodyPr/>
+      <p:pic>
+        <p:nvPicPr>
+          <p:cNvPr id="2050" name="Picture 2" descr="C:\Users\Alexander\Desktop\Anwendungsfalldiagramm Benutzer und Eventfunktionen.png"/>
+          <p:cNvPicPr>
+            <a:picLocks noChangeAspect="1" noChangeArrowheads="1"/>
+          </p:cNvPicPr>
+          <p:nvPr/>
+        </p:nvPicPr>
+        <p:blipFill>
+          <a:blip r:embed="rId3" cstate="print"/>
+          <a:srcRect l="37173" t="41284" b="9873"/>
+          <a:stretch>
+            <a:fillRect/>
+          </a:stretch>
+        </p:blipFill>
+        <p:spPr bwMode="auto">
+          <a:xfrm>
+            <a:off x="4499992" y="2924944"/>
+            <a:ext cx="4536504" cy="3312368"/>
+          </a:xfrm>
+          <a:prstGeom prst="rect">
+            <a:avLst/>
+          </a:prstGeom>
+          <a:noFill/>
+          <a:ln w="25400">
+            <a:solidFill>
+              <a:schemeClr val="accent6"/>
+            </a:solidFill>
+          </a:ln>
+        </p:spPr>
+      </p:pic>
+      <p:sp>
+        <p:nvSpPr>
+          <p:cNvPr id="8" name="Rechteck 7"/>
+          <p:cNvSpPr/>
+          <p:nvPr/>
+        </p:nvSpPr>
+        <p:spPr>
+          <a:xfrm>
+            <a:off x="2411760" y="2276872"/>
+            <a:ext cx="1728192" cy="1224136"/>
+          </a:xfrm>
+          <a:prstGeom prst="rect">
+            <a:avLst/>
+          </a:prstGeom>
+          <a:noFill/>
+        </p:spPr>
+        <p:style>
+          <a:lnRef idx="2">
+            <a:schemeClr val="accent6"/>
+          </a:lnRef>
+          <a:fillRef idx="1">
+            <a:schemeClr val="lt1"/>
+          </a:fillRef>
+          <a:effectRef idx="0">
+            <a:schemeClr val="accent6"/>
+          </a:effectRef>
+          <a:fontRef idx="minor">
+            <a:schemeClr val="dk1"/>
+          </a:fontRef>
+        </p:style>
+        <p:txBody>
+          <a:bodyPr rtlCol="0" anchor="ctr"/>
           <a:lstStyle/>
           <a:p>
+            <a:pPr algn="ctr"/>
+            <a:endParaRPr lang="de-DE">
+              <a:solidFill>
+                <a:schemeClr val="dk1"/>
+              </a:solidFill>
+            </a:endParaRPr>
+          </a:p>
+        </p:txBody>
+      </p:sp>
+      <p:cxnSp>
+        <p:nvCxnSpPr>
+          <p:cNvPr id="11" name="Gerade Verbindung 10"/>
+          <p:cNvCxnSpPr/>
+          <p:nvPr/>
+        </p:nvCxnSpPr>
+        <p:spPr>
+          <a:xfrm>
+            <a:off x="4139952" y="2276872"/>
+            <a:ext cx="360040" cy="648072"/>
+          </a:xfrm>
+          <a:prstGeom prst="line">
+            <a:avLst/>
+          </a:prstGeom>
+          <a:noFill/>
+        </p:spPr>
+        <p:style>
+          <a:lnRef idx="2">
+            <a:schemeClr val="accent6"/>
+          </a:lnRef>
+          <a:fillRef idx="1">
+            <a:schemeClr val="lt1"/>
+          </a:fillRef>
+          <a:effectRef idx="0">
+            <a:schemeClr val="accent6"/>
+          </a:effectRef>
+          <a:fontRef idx="minor">
+            <a:schemeClr val="dk1"/>
+          </a:fontRef>
+        </p:style>
+      </p:cxnSp>
+      <p:cxnSp>
+        <p:nvCxnSpPr>
+          <p:cNvPr id="12" name="Gerade Verbindung 11"/>
+          <p:cNvCxnSpPr/>
+          <p:nvPr/>
+        </p:nvCxnSpPr>
+        <p:spPr>
+          <a:xfrm>
+            <a:off x="4139952" y="3501008"/>
+            <a:ext cx="360040" cy="2736304"/>
+          </a:xfrm>
+          <a:prstGeom prst="line">
+            <a:avLst/>
+          </a:prstGeom>
+          <a:noFill/>
+        </p:spPr>
+        <p:style>
+          <a:lnRef idx="2">
+            <a:schemeClr val="accent6"/>
+          </a:lnRef>
+          <a:fillRef idx="1">
+            <a:schemeClr val="lt1"/>
+          </a:fillRef>
+          <a:effectRef idx="0">
+            <a:schemeClr val="accent6"/>
+          </a:effectRef>
+          <a:fontRef idx="minor">
+            <a:schemeClr val="dk1"/>
+          </a:fontRef>
+        </p:style>
+      </p:cxnSp>
+      <p:sp>
+        <p:nvSpPr>
+          <p:cNvPr id="15" name="Rechteck 14"/>
+          <p:cNvSpPr/>
+          <p:nvPr/>
+        </p:nvSpPr>
+        <p:spPr>
+          <a:xfrm>
+            <a:off x="5220072" y="3861048"/>
+            <a:ext cx="1368152" cy="648072"/>
+          </a:xfrm>
+          <a:prstGeom prst="rect">
+            <a:avLst/>
+          </a:prstGeom>
+          <a:noFill/>
+        </p:spPr>
+        <p:style>
+          <a:lnRef idx="2">
+            <a:schemeClr val="accent1">
+              <a:shade val="50000"/>
+            </a:schemeClr>
+          </a:lnRef>
+          <a:fillRef idx="1">
+            <a:schemeClr val="accent1"/>
+          </a:fillRef>
+          <a:effectRef idx="0">
+            <a:schemeClr val="accent1"/>
+          </a:effectRef>
+          <a:fontRef idx="minor">
+            <a:schemeClr val="lt1"/>
+          </a:fontRef>
+        </p:style>
+        <p:txBody>
+          <a:bodyPr rtlCol="0" anchor="ctr"/>
+          <a:lstStyle/>
+          <a:p>
+            <a:pPr algn="ctr"/>
+            <a:endParaRPr lang="de-DE"/>
+          </a:p>
+        </p:txBody>
+      </p:sp>
+      <p:sp>
+        <p:nvSpPr>
+          <p:cNvPr id="25" name="Rechteck 24"/>
+          <p:cNvSpPr/>
+          <p:nvPr/>
+        </p:nvSpPr>
+        <p:spPr>
+          <a:xfrm>
+            <a:off x="4572000" y="5517232"/>
+            <a:ext cx="1368152" cy="648072"/>
+          </a:xfrm>
+          <a:prstGeom prst="rect">
+            <a:avLst/>
+          </a:prstGeom>
+          <a:noFill/>
+        </p:spPr>
+        <p:style>
+          <a:lnRef idx="2">
+            <a:schemeClr val="accent1">
+              <a:shade val="50000"/>
+            </a:schemeClr>
+          </a:lnRef>
+          <a:fillRef idx="1">
+            <a:schemeClr val="accent1"/>
+          </a:fillRef>
+          <a:effectRef idx="0">
+            <a:schemeClr val="accent1"/>
+          </a:effectRef>
+          <a:fontRef idx="minor">
+            <a:schemeClr val="lt1"/>
+          </a:fontRef>
+        </p:style>
+        <p:txBody>
+          <a:bodyPr rtlCol="0" anchor="ctr"/>
+          <a:lstStyle/>
+          <a:p>
+            <a:pPr algn="ctr"/>
             <a:endParaRPr lang="de-DE"/>
           </a:p>
         </p:txBody>
@@ -10021,13 +10898,20 @@
     </p:spTree>
     <p:extLst>
       <p:ext uri="{BB962C8B-B14F-4D97-AF65-F5344CB8AC3E}">
-        <p14:creationId xmlns:p14="http://schemas.microsoft.com/office/powerpoint/2010/main" val="2681693288"/>
+        <p14:creationId xmlns:p14="http://schemas.microsoft.com/office/powerpoint/2010/main" xmlns="" val="351671181"/>
       </p:ext>
     </p:extLst>
   </p:cSld>
   <p:clrMapOvr>
     <a:masterClrMapping/>
   </p:clrMapOvr>
+  <p:timing>
+    <p:tnLst>
+      <p:par>
+        <p:cTn id="1" dur="indefinite" restart="never" nodeType="tmRoot"/>
+      </p:par>
+    </p:tnLst>
+  </p:timing>
 </p:sld>
 </file>
 
@@ -10067,7 +10951,7 @@
           <a:p>
             <a:r>
               <a:rPr lang="de-DE" dirty="0" smtClean="0"/>
-              <a:t>Pflichtenheft</a:t>
+              <a:t>Lastenheft</a:t>
             </a:r>
             <a:br>
               <a:rPr lang="de-DE" dirty="0" smtClean="0"/>
@@ -10075,95 +10959,6 @@
             <a:r>
               <a:rPr lang="de-DE" dirty="0" smtClean="0"/>
               <a:t>funktionale Anforderungen</a:t>
-            </a:r>
-            <a:endParaRPr lang="de-DE" dirty="0"/>
-          </a:p>
-        </p:txBody>
-      </p:sp>
-      <p:sp>
-        <p:nvSpPr>
-          <p:cNvPr id="3" name="Inhaltsplatzhalter 2"/>
-          <p:cNvSpPr>
-            <a:spLocks noGrp="1"/>
-          </p:cNvSpPr>
-          <p:nvPr>
-            <p:ph idx="1"/>
-          </p:nvPr>
-        </p:nvSpPr>
-        <p:spPr/>
-        <p:txBody>
-          <a:bodyPr/>
-          <a:lstStyle/>
-          <a:p>
-            <a:r>
-              <a:rPr lang="de-DE" dirty="0" smtClean="0"/>
-              <a:t>F10 – Benutzerfunktionen:  Anmeldung</a:t>
-            </a:r>
-          </a:p>
-          <a:p>
-            <a:endParaRPr lang="de-DE" dirty="0"/>
-          </a:p>
-          <a:p>
-            <a:endParaRPr lang="de-DE" dirty="0" smtClean="0"/>
-          </a:p>
-          <a:p>
-            <a:endParaRPr lang="de-DE" dirty="0"/>
-          </a:p>
-          <a:p>
-            <a:r>
-              <a:rPr lang="de-DE" dirty="0" smtClean="0"/>
-              <a:t>F60 – Eventfunktionen: Event erstellen</a:t>
-            </a:r>
-          </a:p>
-          <a:p>
-            <a:endParaRPr lang="de-DE" dirty="0" smtClean="0"/>
-          </a:p>
-          <a:p>
-            <a:endParaRPr lang="de-DE" dirty="0"/>
-          </a:p>
-        </p:txBody>
-      </p:sp>
-      <p:sp>
-        <p:nvSpPr>
-          <p:cNvPr id="4" name="Datumsplatzhalter 3"/>
-          <p:cNvSpPr>
-            <a:spLocks noGrp="1"/>
-          </p:cNvSpPr>
-          <p:nvPr>
-            <p:ph type="dt" sz="half" idx="10"/>
-          </p:nvPr>
-        </p:nvSpPr>
-        <p:spPr/>
-        <p:txBody>
-          <a:bodyPr/>
-          <a:lstStyle/>
-          <a:p>
-            <a:r>
-              <a:rPr lang="de-DE" smtClean="0"/>
-              <a:t>21.04.2012</a:t>
-            </a:r>
-            <a:endParaRPr lang="en-US"/>
-          </a:p>
-        </p:txBody>
-      </p:sp>
-      <p:sp>
-        <p:nvSpPr>
-          <p:cNvPr id="5" name="Fußzeilenplatzhalter 4"/>
-          <p:cNvSpPr>
-            <a:spLocks noGrp="1"/>
-          </p:cNvSpPr>
-          <p:nvPr>
-            <p:ph type="ftr" sz="quarter" idx="11"/>
-          </p:nvPr>
-        </p:nvSpPr>
-        <p:spPr/>
-        <p:txBody>
-          <a:bodyPr/>
-          <a:lstStyle/>
-          <a:p>
-            <a:r>
-              <a:rPr lang="de-DE" smtClean="0"/>
-              <a:t>FST Projekt "Eventalizer" (SS 2012) Team 5</a:t>
             </a:r>
             <a:endParaRPr lang="de-DE" dirty="0"/>
           </a:p>
@@ -10188,6 +10983,207 @@
               <a:rPr lang="en-US" smtClean="0"/>
               <a:pPr/>
               <a:t>5</a:t>
+            </a:fld>
+            <a:endParaRPr lang="en-US"/>
+          </a:p>
+        </p:txBody>
+      </p:sp>
+      <p:sp>
+        <p:nvSpPr>
+          <p:cNvPr id="9" name="Inhaltsplatzhalter 8"/>
+          <p:cNvSpPr>
+            <a:spLocks noGrp="1"/>
+          </p:cNvSpPr>
+          <p:nvPr>
+            <p:ph idx="1"/>
+          </p:nvPr>
+        </p:nvSpPr>
+        <p:spPr/>
+        <p:txBody>
+          <a:bodyPr/>
+          <a:lstStyle/>
+          <a:p>
+            <a:endParaRPr lang="de-DE"/>
+          </a:p>
+        </p:txBody>
+      </p:sp>
+    </p:spTree>
+    <p:extLst>
+      <p:ext uri="{BB962C8B-B14F-4D97-AF65-F5344CB8AC3E}">
+        <p14:creationId xmlns:p14="http://schemas.microsoft.com/office/powerpoint/2010/main" xmlns="" val="2681693288"/>
+      </p:ext>
+    </p:extLst>
+  </p:cSld>
+  <p:clrMapOvr>
+    <a:masterClrMapping/>
+  </p:clrMapOvr>
+  <p:timing>
+    <p:tnLst>
+      <p:par>
+        <p:cTn id="1" dur="indefinite" restart="never" nodeType="tmRoot"/>
+      </p:par>
+    </p:tnLst>
+  </p:timing>
+</p:sld>
+</file>
+
+<file path=ppt/slides/slide6.xml><?xml version="1.0" encoding="utf-8"?>
+<p:sld xmlns:a="http://schemas.openxmlformats.org/drawingml/2006/main" xmlns:r="http://schemas.openxmlformats.org/officeDocument/2006/relationships" xmlns:p="http://schemas.openxmlformats.org/presentationml/2006/main">
+  <p:cSld>
+    <p:spTree>
+      <p:nvGrpSpPr>
+        <p:cNvPr id="1" name=""/>
+        <p:cNvGrpSpPr/>
+        <p:nvPr/>
+      </p:nvGrpSpPr>
+      <p:grpSpPr>
+        <a:xfrm>
+          <a:off x="0" y="0"/>
+          <a:ext cx="0" cy="0"/>
+          <a:chOff x="0" y="0"/>
+          <a:chExt cx="0" cy="0"/>
+        </a:xfrm>
+      </p:grpSpPr>
+      <p:sp>
+        <p:nvSpPr>
+          <p:cNvPr id="2" name="Titel 1"/>
+          <p:cNvSpPr>
+            <a:spLocks noGrp="1"/>
+          </p:cNvSpPr>
+          <p:nvPr>
+            <p:ph type="title"/>
+          </p:nvPr>
+        </p:nvSpPr>
+        <p:spPr/>
+        <p:txBody>
+          <a:bodyPr>
+            <a:normAutofit fontScale="90000"/>
+          </a:bodyPr>
+          <a:lstStyle/>
+          <a:p>
+            <a:r>
+              <a:rPr lang="de-DE" dirty="0" smtClean="0"/>
+              <a:t>Pflichtenheft</a:t>
+            </a:r>
+            <a:br>
+              <a:rPr lang="de-DE" dirty="0" smtClean="0"/>
+            </a:br>
+            <a:r>
+              <a:rPr lang="de-DE" dirty="0" smtClean="0"/>
+              <a:t>funktionale Anforderungen</a:t>
+            </a:r>
+            <a:endParaRPr lang="de-DE" dirty="0"/>
+          </a:p>
+        </p:txBody>
+      </p:sp>
+      <p:sp>
+        <p:nvSpPr>
+          <p:cNvPr id="3" name="Inhaltsplatzhalter 2"/>
+          <p:cNvSpPr>
+            <a:spLocks noGrp="1"/>
+          </p:cNvSpPr>
+          <p:nvPr>
+            <p:ph idx="1"/>
+          </p:nvPr>
+        </p:nvSpPr>
+        <p:spPr/>
+        <p:txBody>
+          <a:bodyPr/>
+          <a:lstStyle/>
+          <a:p>
+            <a:r>
+              <a:rPr lang="de-DE" dirty="0" smtClean="0"/>
+              <a:t>F10 – Benutzerfunktionen:  Anmeldung</a:t>
+            </a:r>
+          </a:p>
+          <a:p>
+            <a:endParaRPr lang="de-DE" dirty="0"/>
+          </a:p>
+          <a:p>
+            <a:endParaRPr lang="de-DE" dirty="0" smtClean="0"/>
+          </a:p>
+          <a:p>
+            <a:endParaRPr lang="de-DE" dirty="0"/>
+          </a:p>
+          <a:p>
+            <a:r>
+              <a:rPr lang="de-DE" dirty="0" smtClean="0"/>
+              <a:t>F60 – Eventfunktionen: Event erstellen</a:t>
+            </a:r>
+          </a:p>
+          <a:p>
+            <a:endParaRPr lang="de-DE" dirty="0" smtClean="0"/>
+          </a:p>
+          <a:p>
+            <a:endParaRPr lang="de-DE" dirty="0"/>
+          </a:p>
+        </p:txBody>
+      </p:sp>
+      <p:sp>
+        <p:nvSpPr>
+          <p:cNvPr id="4" name="Datumsplatzhalter 3"/>
+          <p:cNvSpPr>
+            <a:spLocks noGrp="1"/>
+          </p:cNvSpPr>
+          <p:nvPr>
+            <p:ph type="dt" sz="half" idx="10"/>
+          </p:nvPr>
+        </p:nvSpPr>
+        <p:spPr/>
+        <p:txBody>
+          <a:bodyPr/>
+          <a:lstStyle/>
+          <a:p>
+            <a:r>
+              <a:rPr lang="de-DE" smtClean="0"/>
+              <a:t>21.04.2012</a:t>
+            </a:r>
+            <a:endParaRPr lang="en-US"/>
+          </a:p>
+        </p:txBody>
+      </p:sp>
+      <p:sp>
+        <p:nvSpPr>
+          <p:cNvPr id="5" name="Fußzeilenplatzhalter 4"/>
+          <p:cNvSpPr>
+            <a:spLocks noGrp="1"/>
+          </p:cNvSpPr>
+          <p:nvPr>
+            <p:ph type="ftr" sz="quarter" idx="11"/>
+          </p:nvPr>
+        </p:nvSpPr>
+        <p:spPr/>
+        <p:txBody>
+          <a:bodyPr/>
+          <a:lstStyle/>
+          <a:p>
+            <a:r>
+              <a:rPr lang="de-DE" smtClean="0"/>
+              <a:t>FST Projekt "Eventalizer" (SS 2012) Team 5</a:t>
+            </a:r>
+            <a:endParaRPr lang="de-DE" dirty="0"/>
+          </a:p>
+        </p:txBody>
+      </p:sp>
+      <p:sp>
+        <p:nvSpPr>
+          <p:cNvPr id="6" name="Foliennummernplatzhalter 5"/>
+          <p:cNvSpPr>
+            <a:spLocks noGrp="1"/>
+          </p:cNvSpPr>
+          <p:nvPr>
+            <p:ph type="sldNum" sz="quarter" idx="12"/>
+          </p:nvPr>
+        </p:nvSpPr>
+        <p:spPr/>
+        <p:txBody>
+          <a:bodyPr/>
+          <a:lstStyle/>
+          <a:p>
+            <a:fld id="{990B41CA-569D-40E7-8E58-026C0338B2C8}" type="slidenum">
+              <a:rPr lang="en-US" smtClean="0"/>
+              <a:pPr/>
+              <a:t>6</a:t>
             </a:fld>
             <a:endParaRPr lang="en-US"/>
           </a:p>
@@ -10244,17 +11240,24 @@
     </p:spTree>
     <p:extLst>
       <p:ext uri="{BB962C8B-B14F-4D97-AF65-F5344CB8AC3E}">
-        <p14:creationId xmlns:p14="http://schemas.microsoft.com/office/powerpoint/2010/main" val="2681693288"/>
+        <p14:creationId xmlns:p14="http://schemas.microsoft.com/office/powerpoint/2010/main" xmlns="" val="2681693288"/>
       </p:ext>
     </p:extLst>
   </p:cSld>
   <p:clrMapOvr>
     <a:masterClrMapping/>
   </p:clrMapOvr>
+  <p:timing>
+    <p:tnLst>
+      <p:par>
+        <p:cTn id="1" dur="indefinite" restart="never" nodeType="tmRoot"/>
+      </p:par>
+    </p:tnLst>
+  </p:timing>
 </p:sld>
 </file>
 
-<file path=ppt/slides/slide6.xml><?xml version="1.0" encoding="utf-8"?>
+<file path=ppt/slides/slide7.xml><?xml version="1.0" encoding="utf-8"?>
 <p:sld xmlns:a="http://schemas.openxmlformats.org/drawingml/2006/main" xmlns:r="http://schemas.openxmlformats.org/officeDocument/2006/relationships" xmlns:p="http://schemas.openxmlformats.org/presentationml/2006/main">
   <p:cSld>
     <p:spTree>
@@ -10344,7 +11347,7 @@
             <a:fld id="{6C6AE60A-B69C-4790-82F7-3882EDF23186}" type="slidenum">
               <a:rPr lang="de-DE" smtClean="0"/>
               <a:pPr/>
-              <a:t>6</a:t>
+              <a:t>7</a:t>
             </a:fld>
             <a:endParaRPr lang="de-DE" dirty="0"/>
           </a:p>
@@ -10700,7 +11703,7 @@
     </p:spTree>
     <p:extLst>
       <p:ext uri="{BB962C8B-B14F-4D97-AF65-F5344CB8AC3E}">
-        <p14:creationId xmlns:p14="http://schemas.microsoft.com/office/powerpoint/2010/main" val="2857272158"/>
+        <p14:creationId xmlns:p14="http://schemas.microsoft.com/office/powerpoint/2010/main" xmlns="" val="2857272158"/>
       </p:ext>
     </p:extLst>
   </p:cSld>
@@ -10717,7 +11720,7 @@
 </p:sld>
 </file>
 
-<file path=ppt/slides/slide7.xml><?xml version="1.0" encoding="utf-8"?>
+<file path=ppt/slides/slide8.xml><?xml version="1.0" encoding="utf-8"?>
 <p:sld xmlns:a="http://schemas.openxmlformats.org/drawingml/2006/main" xmlns:r="http://schemas.openxmlformats.org/officeDocument/2006/relationships" xmlns:p="http://schemas.openxmlformats.org/presentationml/2006/main">
   <p:cSld>
     <p:spTree>
@@ -10875,7 +11878,7 @@
             <a:fld id="{990B41CA-569D-40E7-8E58-026C0338B2C8}" type="slidenum">
               <a:rPr lang="en-US" smtClean="0"/>
               <a:pPr/>
-              <a:t>7</a:t>
+              <a:t>8</a:t>
             </a:fld>
             <a:endParaRPr lang="en-US"/>
           </a:p>
@@ -10895,7 +11898,7 @@
           <a:blip r:embed="rId2" cstate="print">
             <a:extLst>
               <a:ext uri="{28A0092B-C50C-407E-A947-70E740481C1C}">
-                <a14:useLocalDpi xmlns:a14="http://schemas.microsoft.com/office/drawing/2010/main" val="0"/>
+                <a14:useLocalDpi xmlns:a14="http://schemas.microsoft.com/office/drawing/2010/main" xmlns="" val="0"/>
               </a:ext>
             </a:extLst>
           </a:blip>
@@ -10919,14 +11922,14 @@
           <a:effectLst/>
           <a:extLst>
             <a:ext uri="{909E8E84-426E-40DD-AFC4-6F175D3DCCD1}">
-              <a14:hiddenFill xmlns:a14="http://schemas.microsoft.com/office/drawing/2010/main">
+              <a14:hiddenFill xmlns:a14="http://schemas.microsoft.com/office/drawing/2010/main" xmlns="">
                 <a:solidFill>
                   <a:schemeClr val="accent1"/>
                 </a:solidFill>
               </a14:hiddenFill>
             </a:ext>
             <a:ext uri="{91240B29-F687-4F45-9708-019B960494DF}">
-              <a14:hiddenLine xmlns:a14="http://schemas.microsoft.com/office/drawing/2010/main" w="9525">
+              <a14:hiddenLine xmlns:a14="http://schemas.microsoft.com/office/drawing/2010/main" xmlns="" w="9525">
                 <a:solidFill>
                   <a:schemeClr val="tx1"/>
                 </a:solidFill>
@@ -10936,7 +11939,7 @@
               </a14:hiddenLine>
             </a:ext>
             <a:ext uri="{AF507438-7753-43E0-B8FC-AC1667EBCBE1}">
-              <a14:hiddenEffects xmlns:a14="http://schemas.microsoft.com/office/drawing/2010/main">
+              <a14:hiddenEffects xmlns:a14="http://schemas.microsoft.com/office/drawing/2010/main" xmlns="">
                 <a:effectLst>
                   <a:outerShdw dist="35921" dir="2700000" algn="ctr" rotWithShape="0">
                     <a:schemeClr val="bg2"/>
@@ -10961,7 +11964,7 @@
           <a:blip r:embed="rId3" cstate="print">
             <a:extLst>
               <a:ext uri="{28A0092B-C50C-407E-A947-70E740481C1C}">
-                <a14:useLocalDpi xmlns:a14="http://schemas.microsoft.com/office/drawing/2010/main" val="0"/>
+                <a14:useLocalDpi xmlns:a14="http://schemas.microsoft.com/office/drawing/2010/main" xmlns="" val="0"/>
               </a:ext>
             </a:extLst>
           </a:blip>
@@ -10985,14 +11988,14 @@
           <a:effectLst/>
           <a:extLst>
             <a:ext uri="{909E8E84-426E-40DD-AFC4-6F175D3DCCD1}">
-              <a14:hiddenFill xmlns:a14="http://schemas.microsoft.com/office/drawing/2010/main">
+              <a14:hiddenFill xmlns:a14="http://schemas.microsoft.com/office/drawing/2010/main" xmlns="">
                 <a:solidFill>
                   <a:schemeClr val="accent1"/>
                 </a:solidFill>
               </a14:hiddenFill>
             </a:ext>
             <a:ext uri="{91240B29-F687-4F45-9708-019B960494DF}">
-              <a14:hiddenLine xmlns:a14="http://schemas.microsoft.com/office/drawing/2010/main" w="9525">
+              <a14:hiddenLine xmlns:a14="http://schemas.microsoft.com/office/drawing/2010/main" xmlns="" w="9525">
                 <a:solidFill>
                   <a:schemeClr val="tx1"/>
                 </a:solidFill>
@@ -11002,7 +12005,7 @@
               </a14:hiddenLine>
             </a:ext>
             <a:ext uri="{AF507438-7753-43E0-B8FC-AC1667EBCBE1}">
-              <a14:hiddenEffects xmlns:a14="http://schemas.microsoft.com/office/drawing/2010/main">
+              <a14:hiddenEffects xmlns:a14="http://schemas.microsoft.com/office/drawing/2010/main" xmlns="">
                 <a:effectLst>
                   <a:outerShdw dist="35921" dir="2700000" algn="ctr" rotWithShape="0">
                     <a:schemeClr val="bg2"/>
@@ -11016,7 +12019,7 @@
     </p:spTree>
     <p:extLst>
       <p:ext uri="{BB962C8B-B14F-4D97-AF65-F5344CB8AC3E}">
-        <p14:creationId xmlns:p14="http://schemas.microsoft.com/office/powerpoint/2010/main" val="3542583579"/>
+        <p14:creationId xmlns:p14="http://schemas.microsoft.com/office/powerpoint/2010/main" xmlns="" val="3542583579"/>
       </p:ext>
     </p:extLst>
   </p:cSld>
@@ -11026,7 +12029,7 @@
 </p:sld>
 </file>
 
-<file path=ppt/slides/slide8.xml><?xml version="1.0" encoding="utf-8"?>
+<file path=ppt/slides/slide9.xml><?xml version="1.0" encoding="utf-8"?>
 <p:sld xmlns:a="http://schemas.openxmlformats.org/drawingml/2006/main" xmlns:r="http://schemas.openxmlformats.org/officeDocument/2006/relationships" xmlns:p="http://schemas.openxmlformats.org/presentationml/2006/main">
   <p:cSld>
     <p:spTree>
@@ -11130,7 +12133,7 @@
             <a:fld id="{990B41CA-569D-40E7-8E58-026C0338B2C8}" type="slidenum">
               <a:rPr lang="en-US" smtClean="0"/>
               <a:pPr/>
-              <a:t>8</a:t>
+              <a:t>9</a:t>
             </a:fld>
             <a:endParaRPr lang="en-US"/>
           </a:p>
@@ -11173,152 +12176,9 @@
     </p:spTree>
     <p:extLst>
       <p:ext uri="{BB962C8B-B14F-4D97-AF65-F5344CB8AC3E}">
-        <p14:creationId xmlns:p14="http://schemas.microsoft.com/office/powerpoint/2010/main" val="141785747"/>
+        <p14:creationId xmlns:p14="http://schemas.microsoft.com/office/powerpoint/2010/main" xmlns="" val="141785747"/>
       </p:ext>
     </p:extLst>
-  </p:cSld>
-  <p:clrMapOvr>
-    <a:masterClrMapping/>
-  </p:clrMapOvr>
-</p:sld>
-</file>
-
-<file path=ppt/slides/slide9.xml><?xml version="1.0" encoding="utf-8"?>
-<p:sld xmlns:a="http://schemas.openxmlformats.org/drawingml/2006/main" xmlns:r="http://schemas.openxmlformats.org/officeDocument/2006/relationships" xmlns:p="http://schemas.openxmlformats.org/presentationml/2006/main">
-  <p:cSld>
-    <p:spTree>
-      <p:nvGrpSpPr>
-        <p:cNvPr id="1" name=""/>
-        <p:cNvGrpSpPr/>
-        <p:nvPr/>
-      </p:nvGrpSpPr>
-      <p:grpSpPr>
-        <a:xfrm>
-          <a:off x="0" y="0"/>
-          <a:ext cx="0" cy="0"/>
-          <a:chOff x="0" y="0"/>
-          <a:chExt cx="0" cy="0"/>
-        </a:xfrm>
-      </p:grpSpPr>
-      <p:sp>
-        <p:nvSpPr>
-          <p:cNvPr id="2" name="Titel 1"/>
-          <p:cNvSpPr>
-            <a:spLocks noGrp="1"/>
-          </p:cNvSpPr>
-          <p:nvPr>
-            <p:ph type="title"/>
-          </p:nvPr>
-        </p:nvSpPr>
-        <p:spPr/>
-        <p:txBody>
-          <a:bodyPr>
-            <a:normAutofit/>
-          </a:bodyPr>
-          <a:lstStyle/>
-          <a:p>
-            <a:r>
-              <a:rPr lang="de-DE" dirty="0" smtClean="0"/>
-              <a:t>Sequenzdiagramm Spring </a:t>
-            </a:r>
-            <a:r>
-              <a:rPr lang="de-DE" dirty="0" err="1" smtClean="0"/>
-              <a:t>Roo</a:t>
-            </a:r>
-            <a:endParaRPr lang="de-DE" dirty="0"/>
-          </a:p>
-        </p:txBody>
-      </p:sp>
-      <p:sp>
-        <p:nvSpPr>
-          <p:cNvPr id="10" name="Inhaltsplatzhalter 9"/>
-          <p:cNvSpPr>
-            <a:spLocks noGrp="1"/>
-          </p:cNvSpPr>
-          <p:nvPr>
-            <p:ph idx="1"/>
-          </p:nvPr>
-        </p:nvSpPr>
-        <p:spPr/>
-        <p:txBody>
-          <a:bodyPr/>
-          <a:lstStyle/>
-          <a:p>
-            <a:endParaRPr lang="de-DE"/>
-          </a:p>
-        </p:txBody>
-      </p:sp>
-      <p:sp>
-        <p:nvSpPr>
-          <p:cNvPr id="7" name="Datumsplatzhalter 6"/>
-          <p:cNvSpPr>
-            <a:spLocks noGrp="1"/>
-          </p:cNvSpPr>
-          <p:nvPr>
-            <p:ph type="dt" sz="half" idx="10"/>
-          </p:nvPr>
-        </p:nvSpPr>
-        <p:spPr/>
-        <p:txBody>
-          <a:bodyPr/>
-          <a:lstStyle/>
-          <a:p>
-            <a:r>
-              <a:rPr lang="de-DE" smtClean="0"/>
-              <a:t>21.04.2012</a:t>
-            </a:r>
-            <a:endParaRPr lang="en-US"/>
-          </a:p>
-        </p:txBody>
-      </p:sp>
-      <p:sp>
-        <p:nvSpPr>
-          <p:cNvPr id="8" name="Fußzeilenplatzhalter 7"/>
-          <p:cNvSpPr>
-            <a:spLocks noGrp="1"/>
-          </p:cNvSpPr>
-          <p:nvPr>
-            <p:ph type="ftr" sz="quarter" idx="11"/>
-          </p:nvPr>
-        </p:nvSpPr>
-        <p:spPr/>
-        <p:txBody>
-          <a:bodyPr/>
-          <a:lstStyle/>
-          <a:p>
-            <a:r>
-              <a:rPr lang="de-DE" smtClean="0"/>
-              <a:t>FST Projekt "Eventalizer" (SS 2012) Team 5</a:t>
-            </a:r>
-            <a:endParaRPr lang="de-DE" dirty="0"/>
-          </a:p>
-        </p:txBody>
-      </p:sp>
-      <p:sp>
-        <p:nvSpPr>
-          <p:cNvPr id="9" name="Foliennummernplatzhalter 8"/>
-          <p:cNvSpPr>
-            <a:spLocks noGrp="1"/>
-          </p:cNvSpPr>
-          <p:nvPr>
-            <p:ph type="sldNum" sz="quarter" idx="12"/>
-          </p:nvPr>
-        </p:nvSpPr>
-        <p:spPr/>
-        <p:txBody>
-          <a:bodyPr/>
-          <a:lstStyle/>
-          <a:p>
-            <a:fld id="{990B41CA-569D-40E7-8E58-026C0338B2C8}" type="slidenum">
-              <a:rPr lang="en-US" smtClean="0"/>
-              <a:pPr/>
-              <a:t>9</a:t>
-            </a:fld>
-            <a:endParaRPr lang="en-US"/>
-          </a:p>
-        </p:txBody>
-      </p:sp>
-    </p:spTree>
   </p:cSld>
   <p:clrMapOvr>
     <a:masterClrMapping/>

--- a/Dokumente/Abschlusspr�si/Abschlusspr�sentation.pptx
+++ b/Dokumente/Abschlusspr�si/Abschlusspr�sentation.pptx
@@ -5,7 +5,7 @@
     <p:sldMasterId id="2147483744" r:id="rId1"/>
   </p:sldMasterIdLst>
   <p:notesMasterIdLst>
-    <p:notesMasterId r:id="rId20"/>
+    <p:notesMasterId r:id="rId21"/>
   </p:notesMasterIdLst>
   <p:sldIdLst>
     <p:sldId id="256" r:id="rId2"/>
@@ -23,9 +23,10 @@
     <p:sldId id="296" r:id="rId14"/>
     <p:sldId id="307" r:id="rId15"/>
     <p:sldId id="301" r:id="rId16"/>
-    <p:sldId id="300" r:id="rId17"/>
-    <p:sldId id="303" r:id="rId18"/>
-    <p:sldId id="290" r:id="rId19"/>
+    <p:sldId id="309" r:id="rId17"/>
+    <p:sldId id="300" r:id="rId18"/>
+    <p:sldId id="303" r:id="rId19"/>
+    <p:sldId id="290" r:id="rId20"/>
   </p:sldIdLst>
   <p:sldSz cx="9144000" cy="6858000" type="screen4x3"/>
   <p:notesSz cx="6858000" cy="9144000"/>
@@ -129,21 +130,8 @@
 
 <file path=ppt/commentAuthors.xml><?xml version="1.0" encoding="utf-8"?>
 <p:cmAuthorLst xmlns:a="http://schemas.openxmlformats.org/drawingml/2006/main" xmlns:r="http://schemas.openxmlformats.org/officeDocument/2006/relationships" xmlns:p="http://schemas.openxmlformats.org/presentationml/2006/main">
-  <p:cmAuthor id="1" name="Autor" initials="A" lastIdx="0" clrIdx="1"/>
+  <p:cmAuthor id="1" name="Autor" initials="A" lastIdx="1" clrIdx="1"/>
 </p:cmAuthorLst>
-</file>
-
-<file path=ppt/comments/comment1.xml><?xml version="1.0" encoding="utf-8"?>
-<p:cmLst xmlns:a="http://schemas.openxmlformats.org/drawingml/2006/main" xmlns:r="http://schemas.openxmlformats.org/officeDocument/2006/relationships" xmlns:p="http://schemas.openxmlformats.org/presentationml/2006/main">
-  <p:cm authorId="1" dt="2012-05-08T17:28:04.125" idx="1">
-    <p:pos x="5284" y="1706"/>
-    <p:text>Ändern
-FST ist nur Inception und Elaboration, daher den Projektplan dementsprechend anpassen
-Elaboration Phasen länger ziehen 
-Konstruktion Phase nur 1, dann Einführung und Inbetriebnahme
-bei uns ist Konstruktion Phase = Reflexionsbericht-Phase</p:text>
-  </p:cm>
-</p:cmLst>
 </file>
 
 <file path=ppt/notesMasters/notesMaster1.xml><?xml version="1.0" encoding="utf-8"?>
@@ -400,7 +388,7 @@
     </p:spTree>
     <p:extLst>
       <p:ext uri="{BB962C8B-B14F-4D97-AF65-F5344CB8AC3E}">
-        <p14:creationId xmlns:p14="http://schemas.microsoft.com/office/powerpoint/2010/main" xmlns="" val="2610097957"/>
+        <p14:creationId xmlns="" xmlns:p14="http://schemas.microsoft.com/office/powerpoint/2010/main" val="2610097957"/>
       </p:ext>
     </p:extLst>
   </p:cSld>
@@ -575,7 +563,7 @@
     </p:spTree>
     <p:extLst>
       <p:ext uri="{BB962C8B-B14F-4D97-AF65-F5344CB8AC3E}">
-        <p14:creationId xmlns:p14="http://schemas.microsoft.com/office/powerpoint/2010/main" xmlns="" val="2116472317"/>
+        <p14:creationId xmlns="" xmlns:p14="http://schemas.microsoft.com/office/powerpoint/2010/main" val="2116472317"/>
       </p:ext>
     </p:extLst>
   </p:cSld>
@@ -708,7 +696,7 @@
     </p:spTree>
     <p:extLst>
       <p:ext uri="{BB962C8B-B14F-4D97-AF65-F5344CB8AC3E}">
-        <p14:creationId xmlns:p14="http://schemas.microsoft.com/office/powerpoint/2010/main" xmlns="" val="802076649"/>
+        <p14:creationId xmlns="" xmlns:p14="http://schemas.microsoft.com/office/powerpoint/2010/main" val="802076649"/>
       </p:ext>
     </p:extLst>
   </p:cSld>
@@ -833,7 +821,7 @@
     </p:spTree>
     <p:extLst>
       <p:ext uri="{BB962C8B-B14F-4D97-AF65-F5344CB8AC3E}">
-        <p14:creationId xmlns:p14="http://schemas.microsoft.com/office/powerpoint/2010/main" xmlns="" val="3931682397"/>
+        <p14:creationId xmlns="" xmlns:p14="http://schemas.microsoft.com/office/powerpoint/2010/main" val="3931682397"/>
       </p:ext>
     </p:extLst>
   </p:cSld>
@@ -884,11 +872,49 @@
         </p:nvSpPr>
         <p:spPr/>
         <p:txBody>
-          <a:bodyPr>
-            <a:normAutofit/>
-          </a:bodyPr>
+          <a:bodyPr/>
           <a:lstStyle/>
           <a:p>
+            <a:r>
+              <a:rPr lang="de-DE" dirty="0" smtClean="0"/>
+              <a:t>Zeitplan</a:t>
+            </a:r>
+          </a:p>
+          <a:p>
+            <a:r>
+              <a:rPr lang="de-DE" dirty="0" smtClean="0"/>
+              <a:t>Fokus aus </a:t>
+            </a:r>
+            <a:r>
+              <a:rPr lang="de-DE" dirty="0" err="1" smtClean="0"/>
+              <a:t>Inception</a:t>
+            </a:r>
+            <a:r>
+              <a:rPr lang="de-DE" dirty="0" smtClean="0"/>
+              <a:t> / Elaboration</a:t>
+            </a:r>
+          </a:p>
+          <a:p>
+            <a:r>
+              <a:rPr lang="de-DE" dirty="0" smtClean="0"/>
+              <a:t>Aufgrund der Enge des Zeitplans jeweils zwei Iterationen mit</a:t>
+            </a:r>
+            <a:r>
+              <a:rPr lang="de-DE" baseline="0" dirty="0" smtClean="0"/>
+              <a:t> festen Reviews der Ergebnisse etc.</a:t>
+            </a:r>
+          </a:p>
+          <a:p>
+            <a:r>
+              <a:rPr lang="de-DE" baseline="0" dirty="0" smtClean="0"/>
+              <a:t>Aber auch: RUP! Jederzeit auch bei kleineren Änderungen/Feststellungen usw. Überarbeitung.</a:t>
+            </a:r>
+          </a:p>
+          <a:p>
+            <a:r>
+              <a:rPr lang="de-DE" baseline="0" dirty="0" smtClean="0"/>
+              <a:t>Ziel: 11.06. eine prototypische Implementierung der Plattform fertigstellen</a:t>
+            </a:r>
             <a:endParaRPr lang="de-DE" dirty="0"/>
           </a:p>
         </p:txBody>
@@ -908,16 +934,21 @@
           <a:bodyPr/>
           <a:lstStyle/>
           <a:p>
-            <a:fld id="{1EBFF01C-F984-4A51-AF10-254043F7C542}" type="slidenum">
-              <a:rPr lang="de-DE" smtClean="0"/>
+            <a:fld id="{F7EBFB8C-BBFF-4397-A51C-1E92596422A9}" type="slidenum">
+              <a:rPr lang="en-US" smtClean="0"/>
               <a:pPr/>
-              <a:t>17</a:t>
+              <a:t>16</a:t>
             </a:fld>
-            <a:endParaRPr lang="de-DE"/>
+            <a:endParaRPr lang="en-US" dirty="0"/>
           </a:p>
         </p:txBody>
       </p:sp>
     </p:spTree>
+    <p:extLst>
+      <p:ext uri="{BB962C8B-B14F-4D97-AF65-F5344CB8AC3E}">
+        <p14:creationId xmlns="" xmlns:p14="http://schemas.microsoft.com/office/powerpoint/2010/main" val="3931682397"/>
+      </p:ext>
+    </p:extLst>
   </p:cSld>
   <p:clrMapOvr>
     <a:masterClrMapping/>
@@ -966,6 +997,88 @@
         </p:nvSpPr>
         <p:spPr/>
         <p:txBody>
+          <a:bodyPr>
+            <a:normAutofit/>
+          </a:bodyPr>
+          <a:lstStyle/>
+          <a:p>
+            <a:endParaRPr lang="de-DE" dirty="0"/>
+          </a:p>
+        </p:txBody>
+      </p:sp>
+      <p:sp>
+        <p:nvSpPr>
+          <p:cNvPr id="4" name="Foliennummernplatzhalter 3"/>
+          <p:cNvSpPr>
+            <a:spLocks noGrp="1"/>
+          </p:cNvSpPr>
+          <p:nvPr>
+            <p:ph type="sldNum" sz="quarter" idx="10"/>
+          </p:nvPr>
+        </p:nvSpPr>
+        <p:spPr/>
+        <p:txBody>
+          <a:bodyPr/>
+          <a:lstStyle/>
+          <a:p>
+            <a:fld id="{1EBFF01C-F984-4A51-AF10-254043F7C542}" type="slidenum">
+              <a:rPr lang="de-DE" smtClean="0"/>
+              <a:pPr/>
+              <a:t>18</a:t>
+            </a:fld>
+            <a:endParaRPr lang="de-DE"/>
+          </a:p>
+        </p:txBody>
+      </p:sp>
+    </p:spTree>
+  </p:cSld>
+  <p:clrMapOvr>
+    <a:masterClrMapping/>
+  </p:clrMapOvr>
+</p:notes>
+</file>
+
+<file path=ppt/notesSlides/notesSlide14.xml><?xml version="1.0" encoding="utf-8"?>
+<p:notes xmlns:a="http://schemas.openxmlformats.org/drawingml/2006/main" xmlns:r="http://schemas.openxmlformats.org/officeDocument/2006/relationships" xmlns:p="http://schemas.openxmlformats.org/presentationml/2006/main">
+  <p:cSld>
+    <p:spTree>
+      <p:nvGrpSpPr>
+        <p:cNvPr id="1" name=""/>
+        <p:cNvGrpSpPr/>
+        <p:nvPr/>
+      </p:nvGrpSpPr>
+      <p:grpSpPr>
+        <a:xfrm>
+          <a:off x="0" y="0"/>
+          <a:ext cx="0" cy="0"/>
+          <a:chOff x="0" y="0"/>
+          <a:chExt cx="0" cy="0"/>
+        </a:xfrm>
+      </p:grpSpPr>
+      <p:sp>
+        <p:nvSpPr>
+          <p:cNvPr id="2" name="Folienbildplatzhalter 1"/>
+          <p:cNvSpPr>
+            <a:spLocks noGrp="1" noRot="1" noChangeAspect="1"/>
+          </p:cNvSpPr>
+          <p:nvPr>
+            <p:ph type="sldImg"/>
+          </p:nvPr>
+        </p:nvSpPr>
+        <p:spPr/>
+      </p:sp>
+      <p:sp>
+        <p:nvSpPr>
+          <p:cNvPr id="3" name="Notizenplatzhalter 2"/>
+          <p:cNvSpPr>
+            <a:spLocks noGrp="1"/>
+          </p:cNvSpPr>
+          <p:nvPr>
+            <p:ph type="body" idx="1"/>
+          </p:nvPr>
+        </p:nvSpPr>
+        <p:spPr/>
+        <p:txBody>
           <a:bodyPr/>
           <a:lstStyle/>
           <a:p>
@@ -991,7 +1104,7 @@
             <a:fld id="{F7EBFB8C-BBFF-4397-A51C-1E92596422A9}" type="slidenum">
               <a:rPr lang="en-US" smtClean="0"/>
               <a:pPr/>
-              <a:t>18</a:t>
+              <a:t>19</a:t>
             </a:fld>
             <a:endParaRPr lang="en-US" dirty="0"/>
           </a:p>
@@ -1000,7 +1113,7 @@
     </p:spTree>
     <p:extLst>
       <p:ext uri="{BB962C8B-B14F-4D97-AF65-F5344CB8AC3E}">
-        <p14:creationId xmlns:p14="http://schemas.microsoft.com/office/powerpoint/2010/main" xmlns="" val="2116472317"/>
+        <p14:creationId xmlns="" xmlns:p14="http://schemas.microsoft.com/office/powerpoint/2010/main" val="2116472317"/>
       </p:ext>
     </p:extLst>
   </p:cSld>
@@ -1326,7 +1439,7 @@
     </p:spTree>
     <p:extLst>
       <p:ext uri="{BB962C8B-B14F-4D97-AF65-F5344CB8AC3E}">
-        <p14:creationId xmlns:p14="http://schemas.microsoft.com/office/powerpoint/2010/main" xmlns="" val="517533983"/>
+        <p14:creationId xmlns="" xmlns:p14="http://schemas.microsoft.com/office/powerpoint/2010/main" val="517533983"/>
       </p:ext>
     </p:extLst>
   </p:cSld>
@@ -1736,7 +1849,7 @@
     </p:spTree>
     <p:extLst>
       <p:ext uri="{BB962C8B-B14F-4D97-AF65-F5344CB8AC3E}">
-        <p14:creationId xmlns:p14="http://schemas.microsoft.com/office/powerpoint/2010/main" xmlns="" val="2934279750"/>
+        <p14:creationId xmlns="" xmlns:p14="http://schemas.microsoft.com/office/powerpoint/2010/main" val="2934279750"/>
       </p:ext>
     </p:extLst>
   </p:cSld>
@@ -2146,7 +2259,7 @@
     </p:spTree>
     <p:extLst>
       <p:ext uri="{BB962C8B-B14F-4D97-AF65-F5344CB8AC3E}">
-        <p14:creationId xmlns:p14="http://schemas.microsoft.com/office/powerpoint/2010/main" xmlns="" val="2934279750"/>
+        <p14:creationId xmlns="" xmlns:p14="http://schemas.microsoft.com/office/powerpoint/2010/main" val="2934279750"/>
       </p:ext>
     </p:extLst>
   </p:cSld>
@@ -2556,7 +2669,7 @@
     </p:spTree>
     <p:extLst>
       <p:ext uri="{BB962C8B-B14F-4D97-AF65-F5344CB8AC3E}">
-        <p14:creationId xmlns:p14="http://schemas.microsoft.com/office/powerpoint/2010/main" xmlns="" val="2934279750"/>
+        <p14:creationId xmlns="" xmlns:p14="http://schemas.microsoft.com/office/powerpoint/2010/main" val="2934279750"/>
       </p:ext>
     </p:extLst>
   </p:cSld>
@@ -2966,7 +3079,7 @@
     </p:spTree>
     <p:extLst>
       <p:ext uri="{BB962C8B-B14F-4D97-AF65-F5344CB8AC3E}">
-        <p14:creationId xmlns:p14="http://schemas.microsoft.com/office/powerpoint/2010/main" xmlns="" val="2934279750"/>
+        <p14:creationId xmlns="" xmlns:p14="http://schemas.microsoft.com/office/powerpoint/2010/main" val="2934279750"/>
       </p:ext>
     </p:extLst>
   </p:cSld>
@@ -3051,7 +3164,7 @@
     </p:spTree>
     <p:extLst>
       <p:ext uri="{BB962C8B-B14F-4D97-AF65-F5344CB8AC3E}">
-        <p14:creationId xmlns:p14="http://schemas.microsoft.com/office/powerpoint/2010/main" xmlns="" val="3860513045"/>
+        <p14:creationId xmlns="" xmlns:p14="http://schemas.microsoft.com/office/powerpoint/2010/main" val="3860513045"/>
       </p:ext>
     </p:extLst>
   </p:cSld>
@@ -3170,7 +3283,7 @@
     </p:spTree>
     <p:extLst>
       <p:ext uri="{BB962C8B-B14F-4D97-AF65-F5344CB8AC3E}">
-        <p14:creationId xmlns:p14="http://schemas.microsoft.com/office/powerpoint/2010/main" xmlns="" val="135288531"/>
+        <p14:creationId xmlns="" xmlns:p14="http://schemas.microsoft.com/office/powerpoint/2010/main" val="135288531"/>
       </p:ext>
     </p:extLst>
   </p:cSld>
@@ -3303,7 +3416,7 @@
     </p:spTree>
     <p:extLst>
       <p:ext uri="{BB962C8B-B14F-4D97-AF65-F5344CB8AC3E}">
-        <p14:creationId xmlns:p14="http://schemas.microsoft.com/office/powerpoint/2010/main" xmlns="" val="802076649"/>
+        <p14:creationId xmlns="" xmlns:p14="http://schemas.microsoft.com/office/powerpoint/2010/main" val="802076649"/>
       </p:ext>
     </p:extLst>
   </p:cSld>
@@ -7543,7 +7656,7 @@
           <a:blip r:embed="rId13" cstate="print">
             <a:extLst>
               <a:ext uri="{28A0092B-C50C-407E-A947-70E740481C1C}">
-                <a14:useLocalDpi xmlns:a14="http://schemas.microsoft.com/office/drawing/2010/main" xmlns="" val="0"/>
+                <a14:useLocalDpi xmlns="" xmlns:a14="http://schemas.microsoft.com/office/drawing/2010/main" val="0"/>
               </a:ext>
             </a:extLst>
           </a:blip>
@@ -8041,7 +8154,7 @@
           <a:blip r:embed="rId3" cstate="print">
             <a:extLst>
               <a:ext uri="{28A0092B-C50C-407E-A947-70E740481C1C}">
-                <a14:useLocalDpi xmlns:a14="http://schemas.microsoft.com/office/drawing/2010/main" xmlns="" val="0"/>
+                <a14:useLocalDpi xmlns="" xmlns:a14="http://schemas.microsoft.com/office/drawing/2010/main" val="0"/>
               </a:ext>
             </a:extLst>
           </a:blip>
@@ -8071,7 +8184,7 @@
           <a:blip r:embed="rId4" cstate="print">
             <a:extLst>
               <a:ext uri="{28A0092B-C50C-407E-A947-70E740481C1C}">
-                <a14:useLocalDpi xmlns:a14="http://schemas.microsoft.com/office/drawing/2010/main" xmlns="" val="0"/>
+                <a14:useLocalDpi xmlns="" xmlns:a14="http://schemas.microsoft.com/office/drawing/2010/main" val="0"/>
               </a:ext>
             </a:extLst>
           </a:blip>
@@ -8379,7 +8492,7 @@
     </p:spTree>
     <p:extLst>
       <p:ext uri="{BB962C8B-B14F-4D97-AF65-F5344CB8AC3E}">
-        <p14:creationId xmlns:p14="http://schemas.microsoft.com/office/powerpoint/2010/main" xmlns="" val="2634211947"/>
+        <p14:creationId xmlns="" xmlns:p14="http://schemas.microsoft.com/office/powerpoint/2010/main" val="2634211947"/>
       </p:ext>
     </p:extLst>
   </p:cSld>
@@ -8527,7 +8640,7 @@
     </p:spTree>
     <p:extLst>
       <p:ext uri="{BB962C8B-B14F-4D97-AF65-F5344CB8AC3E}">
-        <p14:creationId xmlns:p14="http://schemas.microsoft.com/office/powerpoint/2010/main" xmlns="" val="3243626544"/>
+        <p14:creationId xmlns="" xmlns:p14="http://schemas.microsoft.com/office/powerpoint/2010/main" val="3243626544"/>
       </p:ext>
     </p:extLst>
   </p:cSld>
@@ -8687,7 +8800,7 @@
           <a:blip r:embed="rId3" cstate="print">
             <a:extLst>
               <a:ext uri="{28A0092B-C50C-407E-A947-70E740481C1C}">
-                <a14:useLocalDpi xmlns:a14="http://schemas.microsoft.com/office/drawing/2010/main" xmlns="" val="0"/>
+                <a14:useLocalDpi xmlns="" xmlns:a14="http://schemas.microsoft.com/office/drawing/2010/main" val="0"/>
               </a:ext>
             </a:extLst>
           </a:blip>
@@ -8711,14 +8824,14 @@
           <a:effectLst/>
           <a:extLst>
             <a:ext uri="{909E8E84-426E-40DD-AFC4-6F175D3DCCD1}">
-              <a14:hiddenFill xmlns:a14="http://schemas.microsoft.com/office/drawing/2010/main" xmlns="">
+              <a14:hiddenFill xmlns="" xmlns:a14="http://schemas.microsoft.com/office/drawing/2010/main">
                 <a:solidFill>
                   <a:schemeClr val="accent1"/>
                 </a:solidFill>
               </a14:hiddenFill>
             </a:ext>
             <a:ext uri="{91240B29-F687-4F45-9708-019B960494DF}">
-              <a14:hiddenLine xmlns:a14="http://schemas.microsoft.com/office/drawing/2010/main" xmlns="" w="9525">
+              <a14:hiddenLine xmlns="" xmlns:a14="http://schemas.microsoft.com/office/drawing/2010/main" w="9525">
                 <a:solidFill>
                   <a:schemeClr val="tx1"/>
                 </a:solidFill>
@@ -8728,7 +8841,7 @@
               </a14:hiddenLine>
             </a:ext>
             <a:ext uri="{AF507438-7753-43E0-B8FC-AC1667EBCBE1}">
-              <a14:hiddenEffects xmlns:a14="http://schemas.microsoft.com/office/drawing/2010/main" xmlns="">
+              <a14:hiddenEffects xmlns="" xmlns:a14="http://schemas.microsoft.com/office/drawing/2010/main">
                 <a:effectLst>
                   <a:outerShdw dist="35921" dir="2700000" algn="ctr" rotWithShape="0">
                     <a:schemeClr val="bg2"/>
@@ -8863,7 +8976,7 @@
     </p:spTree>
     <p:extLst>
       <p:ext uri="{BB962C8B-B14F-4D97-AF65-F5344CB8AC3E}">
-        <p14:creationId xmlns:p14="http://schemas.microsoft.com/office/powerpoint/2010/main" xmlns="" val="3243626544"/>
+        <p14:creationId xmlns="" xmlns:p14="http://schemas.microsoft.com/office/powerpoint/2010/main" val="3243626544"/>
       </p:ext>
     </p:extLst>
   </p:cSld>
@@ -9084,136 +9197,9 @@
           <a:chExt cx="0" cy="0"/>
         </a:xfrm>
       </p:grpSpPr>
-      <p:sp>
-        <p:nvSpPr>
-          <p:cNvPr id="2" name="Titel 1"/>
-          <p:cNvSpPr>
-            <a:spLocks noGrp="1"/>
-          </p:cNvSpPr>
-          <p:nvPr>
-            <p:ph type="title"/>
-          </p:nvPr>
-        </p:nvSpPr>
-        <p:spPr/>
-        <p:txBody>
-          <a:bodyPr/>
-          <a:lstStyle/>
-          <a:p>
-            <a:r>
-              <a:rPr lang="de-DE" dirty="0" smtClean="0"/>
-              <a:t>Projektplan</a:t>
-            </a:r>
-            <a:endParaRPr lang="de-DE" dirty="0"/>
-          </a:p>
-        </p:txBody>
-      </p:sp>
-      <p:sp>
-        <p:nvSpPr>
-          <p:cNvPr id="3" name="Inhaltsplatzhalter 2"/>
-          <p:cNvSpPr>
-            <a:spLocks noGrp="1"/>
-          </p:cNvSpPr>
-          <p:nvPr>
-            <p:ph idx="1"/>
-          </p:nvPr>
-        </p:nvSpPr>
-        <p:spPr/>
-        <p:txBody>
-          <a:bodyPr>
-            <a:noAutofit/>
-          </a:bodyPr>
-          <a:lstStyle/>
-          <a:p>
-            <a:r>
-              <a:rPr lang="de-DE" dirty="0" smtClean="0"/>
-              <a:t>Zeitraum: 05.03.2012 - 11.06.2012</a:t>
-            </a:r>
-          </a:p>
-          <a:p>
-            <a:r>
-              <a:rPr lang="de-DE" dirty="0" smtClean="0"/>
-              <a:t>Planung:</a:t>
-            </a:r>
-          </a:p>
-          <a:p>
-            <a:pPr lvl="1"/>
-            <a:endParaRPr lang="de-DE" dirty="0" smtClean="0"/>
-          </a:p>
-        </p:txBody>
-      </p:sp>
-      <p:sp>
-        <p:nvSpPr>
-          <p:cNvPr id="6" name="Datumsplatzhalter 5"/>
-          <p:cNvSpPr>
-            <a:spLocks noGrp="1"/>
-          </p:cNvSpPr>
-          <p:nvPr>
-            <p:ph type="dt" sz="half" idx="10"/>
-          </p:nvPr>
-        </p:nvSpPr>
-        <p:spPr/>
-        <p:txBody>
-          <a:bodyPr/>
-          <a:lstStyle/>
-          <a:p>
-            <a:r>
-              <a:rPr lang="de-DE" smtClean="0"/>
-              <a:t>21.04.2012</a:t>
-            </a:r>
-            <a:endParaRPr lang="de-DE" dirty="0"/>
-          </a:p>
-        </p:txBody>
-      </p:sp>
-      <p:sp>
-        <p:nvSpPr>
-          <p:cNvPr id="8" name="Fußzeilenplatzhalter 7"/>
-          <p:cNvSpPr>
-            <a:spLocks noGrp="1"/>
-          </p:cNvSpPr>
-          <p:nvPr>
-            <p:ph type="ftr" sz="quarter" idx="11"/>
-          </p:nvPr>
-        </p:nvSpPr>
-        <p:spPr/>
-        <p:txBody>
-          <a:bodyPr/>
-          <a:lstStyle/>
-          <a:p>
-            <a:r>
-              <a:rPr lang="de-DE" smtClean="0"/>
-              <a:t>FST Projekt "Eventalizer" (SS 2012) Team 5</a:t>
-            </a:r>
-            <a:endParaRPr lang="de-DE" dirty="0"/>
-          </a:p>
-        </p:txBody>
-      </p:sp>
-      <p:sp>
-        <p:nvSpPr>
-          <p:cNvPr id="7" name="Foliennummernplatzhalter 6"/>
-          <p:cNvSpPr>
-            <a:spLocks noGrp="1"/>
-          </p:cNvSpPr>
-          <p:nvPr>
-            <p:ph type="sldNum" sz="quarter" idx="12"/>
-          </p:nvPr>
-        </p:nvSpPr>
-        <p:spPr/>
-        <p:txBody>
-          <a:bodyPr/>
-          <a:lstStyle/>
-          <a:p>
-            <a:fld id="{6C6AE60A-B69C-4790-82F7-3882EDF23186}" type="slidenum">
-              <a:rPr lang="de-DE" smtClean="0"/>
-              <a:pPr/>
-              <a:t>15</a:t>
-            </a:fld>
-            <a:endParaRPr lang="de-DE" dirty="0"/>
-          </a:p>
-        </p:txBody>
-      </p:sp>
       <p:pic>
         <p:nvPicPr>
-          <p:cNvPr id="1029" name="Picture 5"/>
+          <p:cNvPr id="7169" name="Picture 1"/>
           <p:cNvPicPr>
             <a:picLocks noChangeAspect="1" noChangeArrowheads="1"/>
           </p:cNvPicPr>
@@ -9221,15 +9207,15 @@
         </p:nvPicPr>
         <p:blipFill>
           <a:blip r:embed="rId3" cstate="print"/>
-          <a:srcRect l="10164" r="51639" b="336"/>
+          <a:srcRect l="10094" r="51663"/>
           <a:stretch>
             <a:fillRect/>
           </a:stretch>
         </p:blipFill>
         <p:spPr bwMode="auto">
           <a:xfrm>
-            <a:off x="1682824" y="2708920"/>
-            <a:ext cx="6705600" cy="2231896"/>
+            <a:off x="1691678" y="2708920"/>
+            <a:ext cx="6840000" cy="2281603"/>
           </a:xfrm>
           <a:prstGeom prst="rect">
             <a:avLst/>
@@ -9246,10 +9232,157 @@
           <a:effectLst/>
         </p:spPr>
       </p:pic>
+      <p:sp>
+        <p:nvSpPr>
+          <p:cNvPr id="2" name="Titel 1"/>
+          <p:cNvSpPr>
+            <a:spLocks noGrp="1"/>
+          </p:cNvSpPr>
+          <p:nvPr>
+            <p:ph type="title"/>
+          </p:nvPr>
+        </p:nvSpPr>
+        <p:spPr/>
+        <p:txBody>
+          <a:bodyPr/>
+          <a:lstStyle/>
+          <a:p>
+            <a:r>
+              <a:rPr lang="de-DE" dirty="0" smtClean="0"/>
+              <a:t>Projektplan</a:t>
+            </a:r>
+            <a:endParaRPr lang="de-DE" dirty="0"/>
+          </a:p>
+        </p:txBody>
+      </p:sp>
+      <p:sp>
+        <p:nvSpPr>
+          <p:cNvPr id="3" name="Inhaltsplatzhalter 2"/>
+          <p:cNvSpPr>
+            <a:spLocks noGrp="1"/>
+          </p:cNvSpPr>
+          <p:nvPr>
+            <p:ph idx="1"/>
+          </p:nvPr>
+        </p:nvSpPr>
+        <p:spPr>
+          <a:noFill/>
+          <a:ln w="9525">
+            <a:solidFill>
+              <a:schemeClr val="accent1"/>
+            </a:solidFill>
+            <a:miter lim="800000"/>
+            <a:headEnd/>
+            <a:tailEnd/>
+          </a:ln>
+          <a:effectLst/>
+        </p:spPr>
+        <p:txBody>
+          <a:bodyPr>
+            <a:noAutofit/>
+          </a:bodyPr>
+          <a:lstStyle/>
+          <a:p>
+            <a:r>
+              <a:rPr lang="de-DE" dirty="0" smtClean="0"/>
+              <a:t>Zeitraum: 05.03.2012 - 11.06.2012</a:t>
+            </a:r>
+          </a:p>
+          <a:p>
+            <a:r>
+              <a:rPr lang="de-DE" dirty="0" smtClean="0"/>
+              <a:t>Planung </a:t>
+            </a:r>
+            <a:r>
+              <a:rPr lang="de-DE" b="1" dirty="0" smtClean="0"/>
+              <a:t>alt</a:t>
+            </a:r>
+            <a:r>
+              <a:rPr lang="de-DE" dirty="0" smtClean="0"/>
+              <a:t>:</a:t>
+            </a:r>
+            <a:endParaRPr lang="de-DE" dirty="0" smtClean="0"/>
+          </a:p>
+          <a:p>
+            <a:pPr lvl="1"/>
+            <a:endParaRPr lang="de-DE" dirty="0" smtClean="0"/>
+          </a:p>
+        </p:txBody>
+      </p:sp>
+      <p:sp>
+        <p:nvSpPr>
+          <p:cNvPr id="6" name="Datumsplatzhalter 5"/>
+          <p:cNvSpPr>
+            <a:spLocks noGrp="1"/>
+          </p:cNvSpPr>
+          <p:nvPr>
+            <p:ph type="dt" sz="half" idx="10"/>
+          </p:nvPr>
+        </p:nvSpPr>
+        <p:spPr/>
+        <p:txBody>
+          <a:bodyPr/>
+          <a:lstStyle/>
+          <a:p>
+            <a:r>
+              <a:rPr lang="de-DE" smtClean="0"/>
+              <a:t>21.04.2012</a:t>
+            </a:r>
+            <a:endParaRPr lang="de-DE" dirty="0"/>
+          </a:p>
+        </p:txBody>
+      </p:sp>
+      <p:sp>
+        <p:nvSpPr>
+          <p:cNvPr id="8" name="Fußzeilenplatzhalter 7"/>
+          <p:cNvSpPr>
+            <a:spLocks noGrp="1"/>
+          </p:cNvSpPr>
+          <p:nvPr>
+            <p:ph type="ftr" sz="quarter" idx="11"/>
+          </p:nvPr>
+        </p:nvSpPr>
+        <p:spPr/>
+        <p:txBody>
+          <a:bodyPr/>
+          <a:lstStyle/>
+          <a:p>
+            <a:r>
+              <a:rPr lang="de-DE" smtClean="0"/>
+              <a:t>FST Projekt "Eventalizer" (SS 2012) Team 5</a:t>
+            </a:r>
+            <a:endParaRPr lang="de-DE" dirty="0"/>
+          </a:p>
+        </p:txBody>
+      </p:sp>
+      <p:sp>
+        <p:nvSpPr>
+          <p:cNvPr id="7" name="Foliennummernplatzhalter 6"/>
+          <p:cNvSpPr>
+            <a:spLocks noGrp="1"/>
+          </p:cNvSpPr>
+          <p:nvPr>
+            <p:ph type="sldNum" sz="quarter" idx="12"/>
+          </p:nvPr>
+        </p:nvSpPr>
+        <p:spPr/>
+        <p:txBody>
+          <a:bodyPr/>
+          <a:lstStyle/>
+          <a:p>
+            <a:fld id="{6C6AE60A-B69C-4790-82F7-3882EDF23186}" type="slidenum">
+              <a:rPr lang="de-DE" smtClean="0"/>
+              <a:pPr/>
+              <a:t>15</a:t>
+            </a:fld>
+            <a:endParaRPr lang="de-DE" dirty="0"/>
+          </a:p>
+        </p:txBody>
+      </p:sp>
     </p:spTree>
     <p:extLst>
       <p:ext uri="{BB962C8B-B14F-4D97-AF65-F5344CB8AC3E}">
-        <p14:creationId xmlns:p14="http://schemas.microsoft.com/office/powerpoint/2010/main" xmlns="" val="1012322072"/>
+        <p14:creationId xmlns="" xmlns:p14="http://schemas.microsoft.com/office/powerpoint/2010/main" val="1012322072"/>
       </p:ext>
     </p:extLst>
   </p:cSld>
@@ -9283,6 +9416,225 @@
           <a:chExt cx="0" cy="0"/>
         </a:xfrm>
       </p:grpSpPr>
+      <p:pic>
+        <p:nvPicPr>
+          <p:cNvPr id="1029" name="Picture 5"/>
+          <p:cNvPicPr>
+            <a:picLocks noChangeAspect="1" noChangeArrowheads="1"/>
+          </p:cNvPicPr>
+          <p:nvPr/>
+        </p:nvPicPr>
+        <p:blipFill>
+          <a:blip r:embed="rId3" cstate="print"/>
+          <a:srcRect l="10164" r="51639" b="336"/>
+          <a:stretch>
+            <a:fillRect/>
+          </a:stretch>
+        </p:blipFill>
+        <p:spPr bwMode="auto">
+          <a:xfrm>
+            <a:off x="1682824" y="2708920"/>
+            <a:ext cx="6840000" cy="2276629"/>
+          </a:xfrm>
+          <a:prstGeom prst="rect">
+            <a:avLst/>
+          </a:prstGeom>
+          <a:noFill/>
+          <a:ln w="9525">
+            <a:solidFill>
+              <a:schemeClr val="accent1"/>
+            </a:solidFill>
+            <a:miter lim="800000"/>
+            <a:headEnd/>
+            <a:tailEnd/>
+          </a:ln>
+          <a:effectLst/>
+        </p:spPr>
+      </p:pic>
+      <p:sp>
+        <p:nvSpPr>
+          <p:cNvPr id="2" name="Titel 1"/>
+          <p:cNvSpPr>
+            <a:spLocks noGrp="1"/>
+          </p:cNvSpPr>
+          <p:nvPr>
+            <p:ph type="title"/>
+          </p:nvPr>
+        </p:nvSpPr>
+        <p:spPr/>
+        <p:txBody>
+          <a:bodyPr/>
+          <a:lstStyle/>
+          <a:p>
+            <a:r>
+              <a:rPr lang="de-DE" dirty="0" smtClean="0"/>
+              <a:t>Projektplan</a:t>
+            </a:r>
+            <a:endParaRPr lang="de-DE" dirty="0"/>
+          </a:p>
+        </p:txBody>
+      </p:sp>
+      <p:sp>
+        <p:nvSpPr>
+          <p:cNvPr id="3" name="Inhaltsplatzhalter 2"/>
+          <p:cNvSpPr>
+            <a:spLocks noGrp="1"/>
+          </p:cNvSpPr>
+          <p:nvPr>
+            <p:ph idx="1"/>
+          </p:nvPr>
+        </p:nvSpPr>
+        <p:spPr>
+          <a:noFill/>
+          <a:ln w="9525">
+            <a:solidFill>
+              <a:schemeClr val="accent1"/>
+            </a:solidFill>
+            <a:miter lim="800000"/>
+            <a:headEnd/>
+            <a:tailEnd/>
+          </a:ln>
+          <a:effectLst/>
+        </p:spPr>
+        <p:txBody>
+          <a:bodyPr>
+            <a:noAutofit/>
+          </a:bodyPr>
+          <a:lstStyle/>
+          <a:p>
+            <a:r>
+              <a:rPr lang="de-DE" dirty="0" smtClean="0"/>
+              <a:t>Zeitraum: 05.03.2012 - 11.06.2012</a:t>
+            </a:r>
+          </a:p>
+          <a:p>
+            <a:r>
+              <a:rPr lang="de-DE" dirty="0" smtClean="0"/>
+              <a:t>Planung </a:t>
+            </a:r>
+            <a:r>
+              <a:rPr lang="de-DE" b="1" dirty="0" smtClean="0"/>
+              <a:t>neu</a:t>
+            </a:r>
+            <a:r>
+              <a:rPr lang="de-DE" dirty="0" smtClean="0"/>
+              <a:t>:</a:t>
+            </a:r>
+            <a:endParaRPr lang="de-DE" dirty="0" smtClean="0"/>
+          </a:p>
+          <a:p>
+            <a:pPr lvl="1"/>
+            <a:endParaRPr lang="de-DE" dirty="0" smtClean="0"/>
+          </a:p>
+        </p:txBody>
+      </p:sp>
+      <p:sp>
+        <p:nvSpPr>
+          <p:cNvPr id="6" name="Datumsplatzhalter 5"/>
+          <p:cNvSpPr>
+            <a:spLocks noGrp="1"/>
+          </p:cNvSpPr>
+          <p:nvPr>
+            <p:ph type="dt" sz="half" idx="10"/>
+          </p:nvPr>
+        </p:nvSpPr>
+        <p:spPr/>
+        <p:txBody>
+          <a:bodyPr/>
+          <a:lstStyle/>
+          <a:p>
+            <a:r>
+              <a:rPr lang="de-DE" smtClean="0"/>
+              <a:t>21.04.2012</a:t>
+            </a:r>
+            <a:endParaRPr lang="de-DE" dirty="0"/>
+          </a:p>
+        </p:txBody>
+      </p:sp>
+      <p:sp>
+        <p:nvSpPr>
+          <p:cNvPr id="8" name="Fußzeilenplatzhalter 7"/>
+          <p:cNvSpPr>
+            <a:spLocks noGrp="1"/>
+          </p:cNvSpPr>
+          <p:nvPr>
+            <p:ph type="ftr" sz="quarter" idx="11"/>
+          </p:nvPr>
+        </p:nvSpPr>
+        <p:spPr/>
+        <p:txBody>
+          <a:bodyPr/>
+          <a:lstStyle/>
+          <a:p>
+            <a:r>
+              <a:rPr lang="de-DE" smtClean="0"/>
+              <a:t>FST Projekt "Eventalizer" (SS 2012) Team 5</a:t>
+            </a:r>
+            <a:endParaRPr lang="de-DE" dirty="0"/>
+          </a:p>
+        </p:txBody>
+      </p:sp>
+      <p:sp>
+        <p:nvSpPr>
+          <p:cNvPr id="7" name="Foliennummernplatzhalter 6"/>
+          <p:cNvSpPr>
+            <a:spLocks noGrp="1"/>
+          </p:cNvSpPr>
+          <p:nvPr>
+            <p:ph type="sldNum" sz="quarter" idx="12"/>
+          </p:nvPr>
+        </p:nvSpPr>
+        <p:spPr/>
+        <p:txBody>
+          <a:bodyPr/>
+          <a:lstStyle/>
+          <a:p>
+            <a:fld id="{6C6AE60A-B69C-4790-82F7-3882EDF23186}" type="slidenum">
+              <a:rPr lang="de-DE" smtClean="0"/>
+              <a:pPr/>
+              <a:t>16</a:t>
+            </a:fld>
+            <a:endParaRPr lang="de-DE" dirty="0"/>
+          </a:p>
+        </p:txBody>
+      </p:sp>
+    </p:spTree>
+    <p:extLst>
+      <p:ext uri="{BB962C8B-B14F-4D97-AF65-F5344CB8AC3E}">
+        <p14:creationId xmlns="" xmlns:p14="http://schemas.microsoft.com/office/powerpoint/2010/main" val="1012322072"/>
+      </p:ext>
+    </p:extLst>
+  </p:cSld>
+  <p:clrMapOvr>
+    <a:masterClrMapping/>
+  </p:clrMapOvr>
+  <p:timing>
+    <p:tnLst>
+      <p:par>
+        <p:cTn id="1" dur="indefinite" restart="never" nodeType="tmRoot"/>
+      </p:par>
+    </p:tnLst>
+  </p:timing>
+</p:sld>
+</file>
+
+<file path=ppt/slides/slide17.xml><?xml version="1.0" encoding="utf-8"?>
+<p:sld xmlns:a="http://schemas.openxmlformats.org/drawingml/2006/main" xmlns:r="http://schemas.openxmlformats.org/officeDocument/2006/relationships" xmlns:p="http://schemas.openxmlformats.org/presentationml/2006/main">
+  <p:cSld>
+    <p:spTree>
+      <p:nvGrpSpPr>
+        <p:cNvPr id="1" name=""/>
+        <p:cNvGrpSpPr/>
+        <p:nvPr/>
+      </p:nvGrpSpPr>
+      <p:grpSpPr>
+        <a:xfrm>
+          <a:off x="0" y="0"/>
+          <a:ext cx="0" cy="0"/>
+          <a:chOff x="0" y="0"/>
+          <a:chExt cx="0" cy="0"/>
+        </a:xfrm>
+      </p:grpSpPr>
       <p:sp>
         <p:nvSpPr>
           <p:cNvPr id="2" name="Titel 1"/>
@@ -9450,7 +9802,7 @@
             <a:fld id="{990B41CA-569D-40E7-8E58-026C0338B2C8}" type="slidenum">
               <a:rPr lang="en-US" smtClean="0"/>
               <a:pPr/>
-              <a:t>16</a:t>
+              <a:t>17</a:t>
             </a:fld>
             <a:endParaRPr lang="en-US"/>
           </a:p>
@@ -9468,7 +9820,7 @@
           <a:blip r:embed="rId2" cstate="print">
             <a:extLst>
               <a:ext uri="{BEBA8EAE-BF5A-486C-A8C5-ECC9F3942E4B}">
-                <a14:imgProps xmlns:a14="http://schemas.microsoft.com/office/drawing/2010/main" xmlns="">
+                <a14:imgProps xmlns="" xmlns:a14="http://schemas.microsoft.com/office/drawing/2010/main">
                   <a14:imgLayer r:embed="rId3">
                     <a14:imgEffect>
                       <a14:backgroundRemoval t="6057" b="22942" l="7000" r="29162"/>
@@ -9477,7 +9829,7 @@
                 </a14:imgProps>
               </a:ext>
               <a:ext uri="{28A0092B-C50C-407E-A947-70E740481C1C}">
-                <a14:useLocalDpi xmlns:a14="http://schemas.microsoft.com/office/drawing/2010/main" xmlns="" val="0"/>
+                <a14:useLocalDpi xmlns="" xmlns:a14="http://schemas.microsoft.com/office/drawing/2010/main" val="0"/>
               </a:ext>
             </a:extLst>
           </a:blip>
@@ -9495,7 +9847,7 @@
           <a:noFill/>
           <a:extLst>
             <a:ext uri="{909E8E84-426E-40DD-AFC4-6F175D3DCCD1}">
-              <a14:hiddenFill xmlns:a14="http://schemas.microsoft.com/office/drawing/2010/main" xmlns="">
+              <a14:hiddenFill xmlns="" xmlns:a14="http://schemas.microsoft.com/office/drawing/2010/main">
                 <a:solidFill>
                   <a:srgbClr val="FFFFFF"/>
                 </a:solidFill>
@@ -9516,7 +9868,7 @@
           <a:blip r:embed="rId2" cstate="print">
             <a:extLst>
               <a:ext uri="{BEBA8EAE-BF5A-486C-A8C5-ECC9F3942E4B}">
-                <a14:imgProps xmlns:a14="http://schemas.microsoft.com/office/drawing/2010/main" xmlns="">
+                <a14:imgProps xmlns="" xmlns:a14="http://schemas.microsoft.com/office/drawing/2010/main">
                   <a14:imgLayer r:embed="rId3">
                     <a14:imgEffect>
                       <a14:backgroundRemoval t="6057" b="22942" l="7000" r="29162"/>
@@ -9525,7 +9877,7 @@
                 </a14:imgProps>
               </a:ext>
               <a:ext uri="{28A0092B-C50C-407E-A947-70E740481C1C}">
-                <a14:useLocalDpi xmlns:a14="http://schemas.microsoft.com/office/drawing/2010/main" xmlns="" val="0"/>
+                <a14:useLocalDpi xmlns="" xmlns:a14="http://schemas.microsoft.com/office/drawing/2010/main" val="0"/>
               </a:ext>
             </a:extLst>
           </a:blip>
@@ -9543,7 +9895,7 @@
           <a:noFill/>
           <a:extLst>
             <a:ext uri="{909E8E84-426E-40DD-AFC4-6F175D3DCCD1}">
-              <a14:hiddenFill xmlns:a14="http://schemas.microsoft.com/office/drawing/2010/main" xmlns="">
+              <a14:hiddenFill xmlns="" xmlns:a14="http://schemas.microsoft.com/office/drawing/2010/main">
                 <a:solidFill>
                   <a:srgbClr val="FFFFFF"/>
                 </a:solidFill>
@@ -9555,7 +9907,7 @@
     </p:spTree>
     <p:extLst>
       <p:ext uri="{BB962C8B-B14F-4D97-AF65-F5344CB8AC3E}">
-        <p14:creationId xmlns:p14="http://schemas.microsoft.com/office/powerpoint/2010/main" xmlns="" val="2645794681"/>
+        <p14:creationId xmlns="" xmlns:p14="http://schemas.microsoft.com/office/powerpoint/2010/main" val="2645794681"/>
       </p:ext>
     </p:extLst>
   </p:cSld>
@@ -9565,7 +9917,7 @@
 </p:sld>
 </file>
 
-<file path=ppt/slides/slide17.xml><?xml version="1.0" encoding="utf-8"?>
+<file path=ppt/slides/slide18.xml><?xml version="1.0" encoding="utf-8"?>
 <p:sld xmlns:a="http://schemas.openxmlformats.org/drawingml/2006/main" xmlns:r="http://schemas.openxmlformats.org/officeDocument/2006/relationships" xmlns:p="http://schemas.openxmlformats.org/presentationml/2006/main">
   <p:cSld>
     <p:spTree>
@@ -9696,12 +10048,6 @@
           <a:p>
             <a:r>
               <a:rPr lang="de-DE" dirty="0" smtClean="0"/>
-              <a:t>„Adult“-Area</a:t>
-            </a:r>
-          </a:p>
-          <a:p>
-            <a:r>
-              <a:rPr lang="de-DE" dirty="0" smtClean="0"/>
               <a:t>…</a:t>
             </a:r>
             <a:endParaRPr lang="de-DE" dirty="0"/>
@@ -9772,7 +10118,7 @@
             <a:fld id="{6C6AE60A-B69C-4790-82F7-3882EDF23186}" type="slidenum">
               <a:rPr lang="de-DE" smtClean="0"/>
               <a:pPr/>
-              <a:t>17</a:t>
+              <a:t>18</a:t>
             </a:fld>
             <a:endParaRPr lang="de-DE" dirty="0"/>
           </a:p>
@@ -9790,7 +10136,7 @@
           <a:blip r:embed="rId3" cstate="print">
             <a:extLst>
               <a:ext uri="{28A0092B-C50C-407E-A947-70E740481C1C}">
-                <a14:useLocalDpi xmlns:a14="http://schemas.microsoft.com/office/drawing/2010/main" xmlns="" val="0"/>
+                <a14:useLocalDpi xmlns="" xmlns:a14="http://schemas.microsoft.com/office/drawing/2010/main" val="0"/>
               </a:ext>
             </a:extLst>
           </a:blip>
@@ -9822,7 +10168,7 @@
           </a:effectLst>
           <a:extLst>
             <a:ext uri="{91240B29-F687-4F45-9708-019B960494DF}">
-              <a14:hiddenLine xmlns:a14="http://schemas.microsoft.com/office/drawing/2010/main" xmlns="" w="9525">
+              <a14:hiddenLine xmlns="" xmlns:a14="http://schemas.microsoft.com/office/drawing/2010/main" w="9525">
                 <a:solidFill>
                   <a:schemeClr val="tx1"/>
                 </a:solidFill>
@@ -9837,7 +10183,7 @@
     </p:spTree>
     <p:extLst>
       <p:ext uri="{BB962C8B-B14F-4D97-AF65-F5344CB8AC3E}">
-        <p14:creationId xmlns:p14="http://schemas.microsoft.com/office/powerpoint/2010/main" xmlns="" val="313312729"/>
+        <p14:creationId xmlns="" xmlns:p14="http://schemas.microsoft.com/office/powerpoint/2010/main" val="313312729"/>
       </p:ext>
     </p:extLst>
   </p:cSld>
@@ -9854,7 +10200,7 @@
 </p:sld>
 </file>
 
-<file path=ppt/slides/slide18.xml><?xml version="1.0" encoding="utf-8"?>
+<file path=ppt/slides/slide19.xml><?xml version="1.0" encoding="utf-8"?>
 <p:sld xmlns:a="http://schemas.openxmlformats.org/drawingml/2006/main" xmlns:r="http://schemas.openxmlformats.org/officeDocument/2006/relationships" xmlns:p="http://schemas.openxmlformats.org/presentationml/2006/main">
   <p:cSld>
     <p:spTree>
@@ -9938,7 +10284,7 @@
           <a:blip r:embed="rId3" cstate="print">
             <a:extLst>
               <a:ext uri="{28A0092B-C50C-407E-A947-70E740481C1C}">
-                <a14:useLocalDpi xmlns:a14="http://schemas.microsoft.com/office/drawing/2010/main" xmlns="" val="0"/>
+                <a14:useLocalDpi xmlns="" xmlns:a14="http://schemas.microsoft.com/office/drawing/2010/main" val="0"/>
               </a:ext>
             </a:extLst>
           </a:blip>
@@ -9968,7 +10314,7 @@
           <a:blip r:embed="rId4" cstate="print">
             <a:extLst>
               <a:ext uri="{28A0092B-C50C-407E-A947-70E740481C1C}">
-                <a14:useLocalDpi xmlns:a14="http://schemas.microsoft.com/office/drawing/2010/main" xmlns="" val="0"/>
+                <a14:useLocalDpi xmlns="" xmlns:a14="http://schemas.microsoft.com/office/drawing/2010/main" val="0"/>
               </a:ext>
             </a:extLst>
           </a:blip>
@@ -9989,7 +10335,7 @@
     </p:spTree>
     <p:extLst>
       <p:ext uri="{BB962C8B-B14F-4D97-AF65-F5344CB8AC3E}">
-        <p14:creationId xmlns:p14="http://schemas.microsoft.com/office/powerpoint/2010/main" xmlns="" val="2565098391"/>
+        <p14:creationId xmlns="" xmlns:p14="http://schemas.microsoft.com/office/powerpoint/2010/main" val="2565098391"/>
       </p:ext>
     </p:extLst>
   </p:cSld>
@@ -10282,7 +10628,7 @@
     </p:spTree>
     <p:extLst>
       <p:ext uri="{BB962C8B-B14F-4D97-AF65-F5344CB8AC3E}">
-        <p14:creationId xmlns:p14="http://schemas.microsoft.com/office/powerpoint/2010/main" xmlns="" val="3616670450"/>
+        <p14:creationId xmlns="" xmlns:p14="http://schemas.microsoft.com/office/powerpoint/2010/main" val="3616670450"/>
       </p:ext>
     </p:extLst>
   </p:cSld>
@@ -10440,7 +10786,7 @@
     </p:spTree>
     <p:extLst>
       <p:ext uri="{BB962C8B-B14F-4D97-AF65-F5344CB8AC3E}">
-        <p14:creationId xmlns:p14="http://schemas.microsoft.com/office/powerpoint/2010/main" xmlns="" val="351671181"/>
+        <p14:creationId xmlns="" xmlns:p14="http://schemas.microsoft.com/office/powerpoint/2010/main" val="351671181"/>
       </p:ext>
     </p:extLst>
   </p:cSld>
@@ -10898,7 +11244,7 @@
     </p:spTree>
     <p:extLst>
       <p:ext uri="{BB962C8B-B14F-4D97-AF65-F5344CB8AC3E}">
-        <p14:creationId xmlns:p14="http://schemas.microsoft.com/office/powerpoint/2010/main" xmlns="" val="351671181"/>
+        <p14:creationId xmlns="" xmlns:p14="http://schemas.microsoft.com/office/powerpoint/2010/main" val="351671181"/>
       </p:ext>
     </p:extLst>
   </p:cSld>
@@ -11010,7 +11356,7 @@
     </p:spTree>
     <p:extLst>
       <p:ext uri="{BB962C8B-B14F-4D97-AF65-F5344CB8AC3E}">
-        <p14:creationId xmlns:p14="http://schemas.microsoft.com/office/powerpoint/2010/main" xmlns="" val="2681693288"/>
+        <p14:creationId xmlns="" xmlns:p14="http://schemas.microsoft.com/office/powerpoint/2010/main" val="2681693288"/>
       </p:ext>
     </p:extLst>
   </p:cSld>
@@ -11240,7 +11586,7 @@
     </p:spTree>
     <p:extLst>
       <p:ext uri="{BB962C8B-B14F-4D97-AF65-F5344CB8AC3E}">
-        <p14:creationId xmlns:p14="http://schemas.microsoft.com/office/powerpoint/2010/main" xmlns="" val="2681693288"/>
+        <p14:creationId xmlns="" xmlns:p14="http://schemas.microsoft.com/office/powerpoint/2010/main" val="2681693288"/>
       </p:ext>
     </p:extLst>
   </p:cSld>
@@ -11703,7 +12049,7 @@
     </p:spTree>
     <p:extLst>
       <p:ext uri="{BB962C8B-B14F-4D97-AF65-F5344CB8AC3E}">
-        <p14:creationId xmlns:p14="http://schemas.microsoft.com/office/powerpoint/2010/main" xmlns="" val="2857272158"/>
+        <p14:creationId xmlns="" xmlns:p14="http://schemas.microsoft.com/office/powerpoint/2010/main" val="2857272158"/>
       </p:ext>
     </p:extLst>
   </p:cSld>
@@ -11898,7 +12244,7 @@
           <a:blip r:embed="rId2" cstate="print">
             <a:extLst>
               <a:ext uri="{28A0092B-C50C-407E-A947-70E740481C1C}">
-                <a14:useLocalDpi xmlns:a14="http://schemas.microsoft.com/office/drawing/2010/main" xmlns="" val="0"/>
+                <a14:useLocalDpi xmlns="" xmlns:a14="http://schemas.microsoft.com/office/drawing/2010/main" val="0"/>
               </a:ext>
             </a:extLst>
           </a:blip>
@@ -11922,14 +12268,14 @@
           <a:effectLst/>
           <a:extLst>
             <a:ext uri="{909E8E84-426E-40DD-AFC4-6F175D3DCCD1}">
-              <a14:hiddenFill xmlns:a14="http://schemas.microsoft.com/office/drawing/2010/main" xmlns="">
+              <a14:hiddenFill xmlns="" xmlns:a14="http://schemas.microsoft.com/office/drawing/2010/main">
                 <a:solidFill>
                   <a:schemeClr val="accent1"/>
                 </a:solidFill>
               </a14:hiddenFill>
             </a:ext>
             <a:ext uri="{91240B29-F687-4F45-9708-019B960494DF}">
-              <a14:hiddenLine xmlns:a14="http://schemas.microsoft.com/office/drawing/2010/main" xmlns="" w="9525">
+              <a14:hiddenLine xmlns="" xmlns:a14="http://schemas.microsoft.com/office/drawing/2010/main" w="9525">
                 <a:solidFill>
                   <a:schemeClr val="tx1"/>
                 </a:solidFill>
@@ -11939,7 +12285,7 @@
               </a14:hiddenLine>
             </a:ext>
             <a:ext uri="{AF507438-7753-43E0-B8FC-AC1667EBCBE1}">
-              <a14:hiddenEffects xmlns:a14="http://schemas.microsoft.com/office/drawing/2010/main" xmlns="">
+              <a14:hiddenEffects xmlns="" xmlns:a14="http://schemas.microsoft.com/office/drawing/2010/main">
                 <a:effectLst>
                   <a:outerShdw dist="35921" dir="2700000" algn="ctr" rotWithShape="0">
                     <a:schemeClr val="bg2"/>
@@ -11964,7 +12310,7 @@
           <a:blip r:embed="rId3" cstate="print">
             <a:extLst>
               <a:ext uri="{28A0092B-C50C-407E-A947-70E740481C1C}">
-                <a14:useLocalDpi xmlns:a14="http://schemas.microsoft.com/office/drawing/2010/main" xmlns="" val="0"/>
+                <a14:useLocalDpi xmlns="" xmlns:a14="http://schemas.microsoft.com/office/drawing/2010/main" val="0"/>
               </a:ext>
             </a:extLst>
           </a:blip>
@@ -11988,14 +12334,14 @@
           <a:effectLst/>
           <a:extLst>
             <a:ext uri="{909E8E84-426E-40DD-AFC4-6F175D3DCCD1}">
-              <a14:hiddenFill xmlns:a14="http://schemas.microsoft.com/office/drawing/2010/main" xmlns="">
+              <a14:hiddenFill xmlns="" xmlns:a14="http://schemas.microsoft.com/office/drawing/2010/main">
                 <a:solidFill>
                   <a:schemeClr val="accent1"/>
                 </a:solidFill>
               </a14:hiddenFill>
             </a:ext>
             <a:ext uri="{91240B29-F687-4F45-9708-019B960494DF}">
-              <a14:hiddenLine xmlns:a14="http://schemas.microsoft.com/office/drawing/2010/main" xmlns="" w="9525">
+              <a14:hiddenLine xmlns="" xmlns:a14="http://schemas.microsoft.com/office/drawing/2010/main" w="9525">
                 <a:solidFill>
                   <a:schemeClr val="tx1"/>
                 </a:solidFill>
@@ -12005,7 +12351,7 @@
               </a14:hiddenLine>
             </a:ext>
             <a:ext uri="{AF507438-7753-43E0-B8FC-AC1667EBCBE1}">
-              <a14:hiddenEffects xmlns:a14="http://schemas.microsoft.com/office/drawing/2010/main" xmlns="">
+              <a14:hiddenEffects xmlns="" xmlns:a14="http://schemas.microsoft.com/office/drawing/2010/main">
                 <a:effectLst>
                   <a:outerShdw dist="35921" dir="2700000" algn="ctr" rotWithShape="0">
                     <a:schemeClr val="bg2"/>
@@ -12019,7 +12365,7 @@
     </p:spTree>
     <p:extLst>
       <p:ext uri="{BB962C8B-B14F-4D97-AF65-F5344CB8AC3E}">
-        <p14:creationId xmlns:p14="http://schemas.microsoft.com/office/powerpoint/2010/main" xmlns="" val="3542583579"/>
+        <p14:creationId xmlns="" xmlns:p14="http://schemas.microsoft.com/office/powerpoint/2010/main" val="3542583579"/>
       </p:ext>
     </p:extLst>
   </p:cSld>
@@ -12176,7 +12522,7 @@
     </p:spTree>
     <p:extLst>
       <p:ext uri="{BB962C8B-B14F-4D97-AF65-F5344CB8AC3E}">
-        <p14:creationId xmlns:p14="http://schemas.microsoft.com/office/powerpoint/2010/main" xmlns="" val="141785747"/>
+        <p14:creationId xmlns="" xmlns:p14="http://schemas.microsoft.com/office/powerpoint/2010/main" val="141785747"/>
       </p:ext>
     </p:extLst>
   </p:cSld>

--- a/Dokumente/Abschlusspr�si/Abschlusspr�sentation.pptx
+++ b/Dokumente/Abschlusspr�si/Abschlusspr�sentation.pptx
@@ -5,28 +5,37 @@
     <p:sldMasterId id="2147483744" r:id="rId1"/>
   </p:sldMasterIdLst>
   <p:notesMasterIdLst>
-    <p:notesMasterId r:id="rId21"/>
+    <p:notesMasterId r:id="rId30"/>
   </p:notesMasterIdLst>
   <p:sldIdLst>
     <p:sldId id="256" r:id="rId2"/>
     <p:sldId id="259" r:id="rId3"/>
-    <p:sldId id="295" r:id="rId4"/>
-    <p:sldId id="308" r:id="rId5"/>
-    <p:sldId id="304" r:id="rId6"/>
-    <p:sldId id="293" r:id="rId7"/>
-    <p:sldId id="260" r:id="rId8"/>
-    <p:sldId id="294" r:id="rId9"/>
-    <p:sldId id="298" r:id="rId10"/>
-    <p:sldId id="305" r:id="rId11"/>
-    <p:sldId id="297" r:id="rId12"/>
-    <p:sldId id="306" r:id="rId13"/>
-    <p:sldId id="296" r:id="rId14"/>
-    <p:sldId id="307" r:id="rId15"/>
-    <p:sldId id="301" r:id="rId16"/>
-    <p:sldId id="309" r:id="rId17"/>
-    <p:sldId id="300" r:id="rId18"/>
-    <p:sldId id="303" r:id="rId19"/>
-    <p:sldId id="290" r:id="rId20"/>
+    <p:sldId id="317" r:id="rId4"/>
+    <p:sldId id="295" r:id="rId5"/>
+    <p:sldId id="308" r:id="rId6"/>
+    <p:sldId id="304" r:id="rId7"/>
+    <p:sldId id="293" r:id="rId8"/>
+    <p:sldId id="260" r:id="rId9"/>
+    <p:sldId id="294" r:id="rId10"/>
+    <p:sldId id="315" r:id="rId11"/>
+    <p:sldId id="312" r:id="rId12"/>
+    <p:sldId id="313" r:id="rId13"/>
+    <p:sldId id="310" r:id="rId14"/>
+    <p:sldId id="311" r:id="rId15"/>
+    <p:sldId id="298" r:id="rId16"/>
+    <p:sldId id="305" r:id="rId17"/>
+    <p:sldId id="297" r:id="rId18"/>
+    <p:sldId id="306" r:id="rId19"/>
+    <p:sldId id="296" r:id="rId20"/>
+    <p:sldId id="307" r:id="rId21"/>
+    <p:sldId id="316" r:id="rId22"/>
+    <p:sldId id="309" r:id="rId23"/>
+    <p:sldId id="301" r:id="rId24"/>
+    <p:sldId id="300" r:id="rId25"/>
+    <p:sldId id="303" r:id="rId26"/>
+    <p:sldId id="319" r:id="rId27"/>
+    <p:sldId id="290" r:id="rId28"/>
+    <p:sldId id="318" r:id="rId29"/>
   </p:sldIdLst>
   <p:sldSz cx="9144000" cy="6858000" type="screen4x3"/>
   <p:notesSz cx="6858000" cy="9144000"/>
@@ -217,7 +226,7 @@
             <a:fld id="{5FA7A704-9F1C-4FD3-85D1-57AF2D7FD0E8}" type="datetimeFigureOut">
               <a:rPr lang="en-US" smtClean="0"/>
               <a:pPr/>
-              <a:t>5/9/2012</a:t>
+              <a:t>5/10/2012</a:t>
             </a:fld>
             <a:endParaRPr lang="en-US" dirty="0"/>
           </a:p>
@@ -388,7 +397,7 @@
     </p:spTree>
     <p:extLst>
       <p:ext uri="{BB962C8B-B14F-4D97-AF65-F5344CB8AC3E}">
-        <p14:creationId xmlns="" xmlns:p14="http://schemas.microsoft.com/office/powerpoint/2010/main" val="2610097957"/>
+        <p14:creationId xmlns:p14="http://schemas.microsoft.com/office/powerpoint/2010/main" val="2610097957"/>
       </p:ext>
     </p:extLst>
   </p:cSld>
@@ -563,7 +572,7 @@
     </p:spTree>
     <p:extLst>
       <p:ext uri="{BB962C8B-B14F-4D97-AF65-F5344CB8AC3E}">
-        <p14:creationId xmlns="" xmlns:p14="http://schemas.microsoft.com/office/powerpoint/2010/main" val="2116472317"/>
+        <p14:creationId xmlns:p14="http://schemas.microsoft.com/office/powerpoint/2010/main" val="2116472317"/>
       </p:ext>
     </p:extLst>
   </p:cSld>
@@ -619,52 +628,329 @@
           <a:p>
             <a:r>
               <a:rPr lang="de-DE" dirty="0" smtClean="0"/>
-              <a:t>Blau: Event </a:t>
+              <a:t>Funktionale Anforderung per </a:t>
             </a:r>
             <a:r>
               <a:rPr lang="de-DE" dirty="0" err="1" smtClean="0"/>
-              <a:t>anlage</a:t>
-            </a:r>
-            <a:endParaRPr lang="de-DE" dirty="0" smtClean="0"/>
-          </a:p>
-          <a:p>
-            <a:r>
-              <a:rPr lang="de-DE" dirty="0" smtClean="0"/>
-              <a:t>DB Table Event, </a:t>
-            </a:r>
-            <a:r>
-              <a:rPr lang="de-DE" dirty="0" err="1" smtClean="0"/>
-              <a:t>normaliserte</a:t>
-            </a:r>
-            <a:r>
-              <a:rPr lang="de-DE" baseline="0" dirty="0" smtClean="0"/>
-              <a:t> Teilnehmerliste und Ort</a:t>
-            </a:r>
-          </a:p>
-          <a:p>
-            <a:endParaRPr lang="de-DE" baseline="0" dirty="0" smtClean="0"/>
-          </a:p>
-          <a:p>
-            <a:r>
-              <a:rPr lang="de-DE" baseline="0" dirty="0" smtClean="0"/>
-              <a:t>Rot: Login Verknüpfung Session ID aus </a:t>
-            </a:r>
-            <a:r>
-              <a:rPr lang="de-DE" baseline="0" dirty="0" err="1" smtClean="0"/>
+              <a:t>Mockup</a:t>
+            </a:r>
+            <a:r>
+              <a:rPr lang="de-DE" dirty="0" smtClean="0"/>
+              <a:t> dargestellt und textuell ergänzt:</a:t>
+            </a:r>
+          </a:p>
+          <a:p>
+            <a:r>
+              <a:rPr lang="de-DE" sz="1200" kern="1200" dirty="0" smtClean="0">
+                <a:solidFill>
+                  <a:schemeClr val="tx1"/>
+                </a:solidFill>
+                <a:effectLst/>
+                <a:latin typeface="+mn-lt"/>
+                <a:ea typeface="+mn-ea"/>
+                <a:cs typeface="+mn-cs"/>
+              </a:rPr>
+              <a:t>Der beliebiger Internetnutzer kann sich über </a:t>
+            </a:r>
+            <a:r>
+              <a:rPr lang="de-DE" sz="1200" kern="1200" dirty="0" err="1" smtClean="0">
+                <a:solidFill>
+                  <a:schemeClr val="tx1"/>
+                </a:solidFill>
+                <a:effectLst/>
+                <a:latin typeface="+mn-lt"/>
+                <a:ea typeface="+mn-ea"/>
+                <a:cs typeface="+mn-cs"/>
+              </a:rPr>
               <a:t>oAuth</a:t>
             </a:r>
             <a:r>
-              <a:rPr lang="de-DE" baseline="0" dirty="0" smtClean="0"/>
-              <a:t>, Grunddaten (</a:t>
-            </a:r>
-            <a:r>
-              <a:rPr lang="de-DE" baseline="0" dirty="0" err="1" smtClean="0"/>
-              <a:t>name</a:t>
-            </a:r>
-            <a:r>
-              <a:rPr lang="de-DE" baseline="0" dirty="0" smtClean="0"/>
-              <a:t>, E-Mail-Adresse etc.) werden ausgelesen und persistent gespeichert.</a:t>
-            </a:r>
+              <a:rPr lang="de-DE" sz="1200" kern="1200" dirty="0" smtClean="0">
+                <a:solidFill>
+                  <a:schemeClr val="tx1"/>
+                </a:solidFill>
+                <a:effectLst/>
+                <a:latin typeface="+mn-lt"/>
+                <a:ea typeface="+mn-ea"/>
+                <a:cs typeface="+mn-cs"/>
+              </a:rPr>
+              <a:t> (Google oder Facebook-Account) auf der folgenden Eingabemaske an der Internetplattform </a:t>
+            </a:r>
+            <a:r>
+              <a:rPr lang="de-DE" sz="1200" kern="1200" dirty="0" err="1" smtClean="0">
+                <a:solidFill>
+                  <a:schemeClr val="tx1"/>
+                </a:solidFill>
+                <a:effectLst/>
+                <a:latin typeface="+mn-lt"/>
+                <a:ea typeface="+mn-ea"/>
+                <a:cs typeface="+mn-cs"/>
+              </a:rPr>
+              <a:t>Eventalizer</a:t>
+            </a:r>
+            <a:r>
+              <a:rPr lang="de-DE" sz="1200" kern="1200" dirty="0" smtClean="0">
+                <a:solidFill>
+                  <a:schemeClr val="tx1"/>
+                </a:solidFill>
+                <a:effectLst/>
+                <a:latin typeface="+mn-lt"/>
+                <a:ea typeface="+mn-ea"/>
+                <a:cs typeface="+mn-cs"/>
+              </a:rPr>
+              <a:t> anmelden:</a:t>
+            </a:r>
+            <a:br>
+              <a:rPr lang="de-DE" sz="1200" kern="1200" dirty="0" smtClean="0">
+                <a:solidFill>
+                  <a:schemeClr val="tx1"/>
+                </a:solidFill>
+                <a:effectLst/>
+                <a:latin typeface="+mn-lt"/>
+                <a:ea typeface="+mn-ea"/>
+                <a:cs typeface="+mn-cs"/>
+              </a:rPr>
+            </a:br>
+            <a:r>
+              <a:rPr lang="de-DE" sz="1200" kern="1200" dirty="0" smtClean="0">
+                <a:solidFill>
+                  <a:schemeClr val="tx1"/>
+                </a:solidFill>
+                <a:effectLst/>
+                <a:latin typeface="+mn-lt"/>
+                <a:ea typeface="+mn-ea"/>
+                <a:cs typeface="+mn-cs"/>
+              </a:rPr>
+              <a:t> </a:t>
+            </a:r>
+            <a:br>
+              <a:rPr lang="de-DE" sz="1200" kern="1200" dirty="0" smtClean="0">
+                <a:solidFill>
+                  <a:schemeClr val="tx1"/>
+                </a:solidFill>
+                <a:effectLst/>
+                <a:latin typeface="+mn-lt"/>
+                <a:ea typeface="+mn-ea"/>
+                <a:cs typeface="+mn-cs"/>
+              </a:rPr>
+            </a:br>
+            <a:r>
+              <a:rPr lang="de-DE" sz="1200" kern="1200" dirty="0" smtClean="0">
+                <a:solidFill>
+                  <a:schemeClr val="tx1"/>
+                </a:solidFill>
+                <a:effectLst/>
+                <a:latin typeface="+mn-lt"/>
+                <a:ea typeface="+mn-ea"/>
+                <a:cs typeface="+mn-cs"/>
+              </a:rPr>
+              <a:t>Für eine erfolgreiche Anmeldung ist die Angabe der folgenden Informationen notwendig:</a:t>
+            </a:r>
+          </a:p>
+          <a:p>
+            <a:pPr lvl="0"/>
+            <a:r>
+              <a:rPr lang="de-DE" sz="1200" kern="1200" dirty="0" err="1" smtClean="0">
+                <a:solidFill>
+                  <a:schemeClr val="tx1"/>
+                </a:solidFill>
+                <a:effectLst/>
+                <a:latin typeface="+mn-lt"/>
+                <a:ea typeface="+mn-ea"/>
+                <a:cs typeface="+mn-cs"/>
+              </a:rPr>
+              <a:t>Social</a:t>
+            </a:r>
+            <a:r>
+              <a:rPr lang="de-DE" sz="1200" kern="1200" dirty="0" smtClean="0">
+                <a:solidFill>
+                  <a:schemeClr val="tx1"/>
+                </a:solidFill>
+                <a:effectLst/>
+                <a:latin typeface="+mn-lt"/>
+                <a:ea typeface="+mn-ea"/>
+                <a:cs typeface="+mn-cs"/>
+              </a:rPr>
+              <a:t>-Network-Anbieter</a:t>
+            </a:r>
+          </a:p>
+          <a:p>
+            <a:pPr lvl="0"/>
+            <a:r>
+              <a:rPr lang="de-DE" sz="1200" kern="1200" dirty="0" smtClean="0">
+                <a:solidFill>
+                  <a:schemeClr val="tx1"/>
+                </a:solidFill>
+                <a:effectLst/>
+                <a:latin typeface="+mn-lt"/>
+                <a:ea typeface="+mn-ea"/>
+                <a:cs typeface="+mn-cs"/>
+              </a:rPr>
+              <a:t>Der dort verwendete Benutzername</a:t>
+            </a:r>
+          </a:p>
+          <a:p>
+            <a:pPr lvl="0"/>
+            <a:r>
+              <a:rPr lang="de-DE" sz="1200" kern="1200" dirty="0" smtClean="0">
+                <a:solidFill>
+                  <a:schemeClr val="tx1"/>
+                </a:solidFill>
+                <a:effectLst/>
+                <a:latin typeface="+mn-lt"/>
+                <a:ea typeface="+mn-ea"/>
+                <a:cs typeface="+mn-cs"/>
+              </a:rPr>
+              <a:t>Das dort verwendete persönliche Passwort</a:t>
+            </a:r>
+          </a:p>
+          <a:p>
+            <a:r>
+              <a:rPr lang="de-DE" sz="1200" kern="1200" dirty="0" smtClean="0">
+                <a:solidFill>
+                  <a:schemeClr val="tx1"/>
+                </a:solidFill>
+                <a:effectLst/>
+                <a:latin typeface="+mn-lt"/>
+                <a:ea typeface="+mn-ea"/>
+                <a:cs typeface="+mn-cs"/>
+              </a:rPr>
+              <a:t>Die möglichen </a:t>
+            </a:r>
+            <a:r>
+              <a:rPr lang="de-DE" sz="1200" kern="1200" dirty="0" err="1" smtClean="0">
+                <a:solidFill>
+                  <a:schemeClr val="tx1"/>
+                </a:solidFill>
+                <a:effectLst/>
+                <a:latin typeface="+mn-lt"/>
+                <a:ea typeface="+mn-ea"/>
+                <a:cs typeface="+mn-cs"/>
+              </a:rPr>
+              <a:t>Social</a:t>
+            </a:r>
+            <a:r>
+              <a:rPr lang="de-DE" sz="1200" kern="1200" dirty="0" smtClean="0">
+                <a:solidFill>
+                  <a:schemeClr val="tx1"/>
+                </a:solidFill>
+                <a:effectLst/>
+                <a:latin typeface="+mn-lt"/>
+                <a:ea typeface="+mn-ea"/>
+                <a:cs typeface="+mn-cs"/>
+              </a:rPr>
+              <a:t>-Network-Anbieter werden auf der Eingabemaske aufgeführt. </a:t>
+            </a:r>
+            <a:br>
+              <a:rPr lang="de-DE" sz="1200" kern="1200" dirty="0" smtClean="0">
+                <a:solidFill>
+                  <a:schemeClr val="tx1"/>
+                </a:solidFill>
+                <a:effectLst/>
+                <a:latin typeface="+mn-lt"/>
+                <a:ea typeface="+mn-ea"/>
+                <a:cs typeface="+mn-cs"/>
+              </a:rPr>
+            </a:br>
+            <a:r>
+              <a:rPr lang="de-DE" sz="1200" kern="1200" dirty="0" smtClean="0">
+                <a:solidFill>
+                  <a:schemeClr val="tx1"/>
+                </a:solidFill>
+                <a:effectLst/>
+                <a:latin typeface="+mn-lt"/>
+                <a:ea typeface="+mn-ea"/>
+                <a:cs typeface="+mn-cs"/>
+              </a:rPr>
+              <a:t>Die Anmeldung an der Internetplattform ist erfolgreich, wenn die Antwort des </a:t>
+            </a:r>
+            <a:r>
+              <a:rPr lang="de-DE" sz="1200" kern="1200" dirty="0" err="1" smtClean="0">
+                <a:solidFill>
+                  <a:schemeClr val="tx1"/>
+                </a:solidFill>
+                <a:effectLst/>
+                <a:latin typeface="+mn-lt"/>
+                <a:ea typeface="+mn-ea"/>
+                <a:cs typeface="+mn-cs"/>
+              </a:rPr>
+              <a:t>Social</a:t>
+            </a:r>
+            <a:r>
+              <a:rPr lang="de-DE" sz="1200" kern="1200" dirty="0" smtClean="0">
+                <a:solidFill>
+                  <a:schemeClr val="tx1"/>
+                </a:solidFill>
+                <a:effectLst/>
+                <a:latin typeface="+mn-lt"/>
+                <a:ea typeface="+mn-ea"/>
+                <a:cs typeface="+mn-cs"/>
+              </a:rPr>
+              <a:t>-Network-Anbieters positiv ist, d.h. ist der Benutzer dort authentifiziert wurde und die Benutzerdaten übermittelt worden sind. Kann der Benutzer nicht über den </a:t>
+            </a:r>
+            <a:r>
+              <a:rPr lang="de-DE" sz="1200" kern="1200" dirty="0" err="1" smtClean="0">
+                <a:solidFill>
+                  <a:schemeClr val="tx1"/>
+                </a:solidFill>
+                <a:effectLst/>
+                <a:latin typeface="+mn-lt"/>
+                <a:ea typeface="+mn-ea"/>
+                <a:cs typeface="+mn-cs"/>
+              </a:rPr>
+              <a:t>Social</a:t>
+            </a:r>
+            <a:r>
+              <a:rPr lang="de-DE" sz="1200" kern="1200" dirty="0" smtClean="0">
+                <a:solidFill>
+                  <a:schemeClr val="tx1"/>
+                </a:solidFill>
+                <a:effectLst/>
+                <a:latin typeface="+mn-lt"/>
+                <a:ea typeface="+mn-ea"/>
+                <a:cs typeface="+mn-cs"/>
+              </a:rPr>
+              <a:t>-Network-Anbieter authentifiziert werden, erfolgt auch keine Anmeldung.</a:t>
+            </a:r>
+          </a:p>
+          <a:p>
+            <a:r>
+              <a:rPr lang="de-DE" sz="1200" kern="1200" dirty="0" smtClean="0">
+                <a:solidFill>
+                  <a:schemeClr val="tx1"/>
+                </a:solidFill>
+                <a:effectLst/>
+                <a:latin typeface="+mn-lt"/>
+                <a:ea typeface="+mn-ea"/>
+                <a:cs typeface="+mn-cs"/>
+              </a:rPr>
+              <a:t/>
+            </a:r>
+            <a:br>
+              <a:rPr lang="de-DE" sz="1200" kern="1200" dirty="0" smtClean="0">
+                <a:solidFill>
+                  <a:schemeClr val="tx1"/>
+                </a:solidFill>
+                <a:effectLst/>
+                <a:latin typeface="+mn-lt"/>
+                <a:ea typeface="+mn-ea"/>
+                <a:cs typeface="+mn-cs"/>
+              </a:rPr>
+            </a:br>
+            <a:r>
+              <a:rPr lang="de-DE" sz="1200" kern="1200" dirty="0" smtClean="0">
+                <a:solidFill>
+                  <a:schemeClr val="tx1"/>
+                </a:solidFill>
+                <a:effectLst/>
+                <a:latin typeface="+mn-lt"/>
+                <a:ea typeface="+mn-ea"/>
+                <a:cs typeface="+mn-cs"/>
+              </a:rPr>
+              <a:t>@FSM:  Updaten</a:t>
+            </a:r>
+          </a:p>
+          <a:p>
             <a:endParaRPr lang="de-DE" dirty="0"/>
           </a:p>
         </p:txBody>
@@ -687,7 +973,7 @@
             <a:fld id="{F7EBFB8C-BBFF-4397-A51C-1E92596422A9}" type="slidenum">
               <a:rPr lang="en-US" smtClean="0"/>
               <a:pPr/>
-              <a:t>13</a:t>
+              <a:t>12</a:t>
             </a:fld>
             <a:endParaRPr lang="en-US" dirty="0"/>
           </a:p>
@@ -696,7 +982,7 @@
     </p:spTree>
     <p:extLst>
       <p:ext uri="{BB962C8B-B14F-4D97-AF65-F5344CB8AC3E}">
-        <p14:creationId xmlns="" xmlns:p14="http://schemas.microsoft.com/office/powerpoint/2010/main" val="802076649"/>
+        <p14:creationId xmlns:p14="http://schemas.microsoft.com/office/powerpoint/2010/main" val="2934279750"/>
       </p:ext>
     </p:extLst>
   </p:cSld>
@@ -752,44 +1038,329 @@
           <a:p>
             <a:r>
               <a:rPr lang="de-DE" dirty="0" smtClean="0"/>
-              <a:t>Zeitplan</a:t>
-            </a:r>
-          </a:p>
-          <a:p>
-            <a:r>
-              <a:rPr lang="de-DE" dirty="0" smtClean="0"/>
-              <a:t>Fokus aus </a:t>
+              <a:t>Funktionale Anforderung per </a:t>
             </a:r>
             <a:r>
               <a:rPr lang="de-DE" dirty="0" err="1" smtClean="0"/>
-              <a:t>Inception</a:t>
-            </a:r>
-            <a:r>
-              <a:rPr lang="de-DE" dirty="0" smtClean="0"/>
-              <a:t> / Elaboration</a:t>
-            </a:r>
-          </a:p>
-          <a:p>
-            <a:r>
-              <a:rPr lang="de-DE" dirty="0" smtClean="0"/>
-              <a:t>Aufgrund der Enge des Zeitplans jeweils zwei Iterationen mit</a:t>
-            </a:r>
-            <a:r>
-              <a:rPr lang="de-DE" baseline="0" dirty="0" smtClean="0"/>
-              <a:t> festen Reviews der Ergebnisse etc.</a:t>
-            </a:r>
-          </a:p>
-          <a:p>
-            <a:r>
-              <a:rPr lang="de-DE" baseline="0" dirty="0" smtClean="0"/>
-              <a:t>Aber auch: RUP! Jederzeit auch bei kleineren Änderungen/Feststellungen usw. Überarbeitung.</a:t>
-            </a:r>
-          </a:p>
-          <a:p>
-            <a:r>
-              <a:rPr lang="de-DE" baseline="0" dirty="0" smtClean="0"/>
-              <a:t>Ziel: 11.06. eine prototypische Implementierung der Plattform fertigstellen</a:t>
-            </a:r>
+              <a:t>Mockup</a:t>
+            </a:r>
+            <a:r>
+              <a:rPr lang="de-DE" dirty="0" smtClean="0"/>
+              <a:t> dargestellt und textuell ergänzt:</a:t>
+            </a:r>
+          </a:p>
+          <a:p>
+            <a:r>
+              <a:rPr lang="de-DE" sz="1200" kern="1200" dirty="0" smtClean="0">
+                <a:solidFill>
+                  <a:schemeClr val="tx1"/>
+                </a:solidFill>
+                <a:effectLst/>
+                <a:latin typeface="+mn-lt"/>
+                <a:ea typeface="+mn-ea"/>
+                <a:cs typeface="+mn-cs"/>
+              </a:rPr>
+              <a:t>Der beliebiger Internetnutzer kann sich über </a:t>
+            </a:r>
+            <a:r>
+              <a:rPr lang="de-DE" sz="1200" kern="1200" dirty="0" err="1" smtClean="0">
+                <a:solidFill>
+                  <a:schemeClr val="tx1"/>
+                </a:solidFill>
+                <a:effectLst/>
+                <a:latin typeface="+mn-lt"/>
+                <a:ea typeface="+mn-ea"/>
+                <a:cs typeface="+mn-cs"/>
+              </a:rPr>
+              <a:t>oAuth</a:t>
+            </a:r>
+            <a:r>
+              <a:rPr lang="de-DE" sz="1200" kern="1200" dirty="0" smtClean="0">
+                <a:solidFill>
+                  <a:schemeClr val="tx1"/>
+                </a:solidFill>
+                <a:effectLst/>
+                <a:latin typeface="+mn-lt"/>
+                <a:ea typeface="+mn-ea"/>
+                <a:cs typeface="+mn-cs"/>
+              </a:rPr>
+              <a:t> (Google oder Facebook-Account) auf der folgenden Eingabemaske an der Internetplattform </a:t>
+            </a:r>
+            <a:r>
+              <a:rPr lang="de-DE" sz="1200" kern="1200" dirty="0" err="1" smtClean="0">
+                <a:solidFill>
+                  <a:schemeClr val="tx1"/>
+                </a:solidFill>
+                <a:effectLst/>
+                <a:latin typeface="+mn-lt"/>
+                <a:ea typeface="+mn-ea"/>
+                <a:cs typeface="+mn-cs"/>
+              </a:rPr>
+              <a:t>Eventalizer</a:t>
+            </a:r>
+            <a:r>
+              <a:rPr lang="de-DE" sz="1200" kern="1200" dirty="0" smtClean="0">
+                <a:solidFill>
+                  <a:schemeClr val="tx1"/>
+                </a:solidFill>
+                <a:effectLst/>
+                <a:latin typeface="+mn-lt"/>
+                <a:ea typeface="+mn-ea"/>
+                <a:cs typeface="+mn-cs"/>
+              </a:rPr>
+              <a:t> anmelden:</a:t>
+            </a:r>
+            <a:br>
+              <a:rPr lang="de-DE" sz="1200" kern="1200" dirty="0" smtClean="0">
+                <a:solidFill>
+                  <a:schemeClr val="tx1"/>
+                </a:solidFill>
+                <a:effectLst/>
+                <a:latin typeface="+mn-lt"/>
+                <a:ea typeface="+mn-ea"/>
+                <a:cs typeface="+mn-cs"/>
+              </a:rPr>
+            </a:br>
+            <a:r>
+              <a:rPr lang="de-DE" sz="1200" kern="1200" dirty="0" smtClean="0">
+                <a:solidFill>
+                  <a:schemeClr val="tx1"/>
+                </a:solidFill>
+                <a:effectLst/>
+                <a:latin typeface="+mn-lt"/>
+                <a:ea typeface="+mn-ea"/>
+                <a:cs typeface="+mn-cs"/>
+              </a:rPr>
+              <a:t> </a:t>
+            </a:r>
+            <a:br>
+              <a:rPr lang="de-DE" sz="1200" kern="1200" dirty="0" smtClean="0">
+                <a:solidFill>
+                  <a:schemeClr val="tx1"/>
+                </a:solidFill>
+                <a:effectLst/>
+                <a:latin typeface="+mn-lt"/>
+                <a:ea typeface="+mn-ea"/>
+                <a:cs typeface="+mn-cs"/>
+              </a:rPr>
+            </a:br>
+            <a:r>
+              <a:rPr lang="de-DE" sz="1200" kern="1200" dirty="0" smtClean="0">
+                <a:solidFill>
+                  <a:schemeClr val="tx1"/>
+                </a:solidFill>
+                <a:effectLst/>
+                <a:latin typeface="+mn-lt"/>
+                <a:ea typeface="+mn-ea"/>
+                <a:cs typeface="+mn-cs"/>
+              </a:rPr>
+              <a:t>Für eine erfolgreiche Anmeldung ist die Angabe der folgenden Informationen notwendig:</a:t>
+            </a:r>
+          </a:p>
+          <a:p>
+            <a:pPr lvl="0"/>
+            <a:r>
+              <a:rPr lang="de-DE" sz="1200" kern="1200" dirty="0" err="1" smtClean="0">
+                <a:solidFill>
+                  <a:schemeClr val="tx1"/>
+                </a:solidFill>
+                <a:effectLst/>
+                <a:latin typeface="+mn-lt"/>
+                <a:ea typeface="+mn-ea"/>
+                <a:cs typeface="+mn-cs"/>
+              </a:rPr>
+              <a:t>Social</a:t>
+            </a:r>
+            <a:r>
+              <a:rPr lang="de-DE" sz="1200" kern="1200" dirty="0" smtClean="0">
+                <a:solidFill>
+                  <a:schemeClr val="tx1"/>
+                </a:solidFill>
+                <a:effectLst/>
+                <a:latin typeface="+mn-lt"/>
+                <a:ea typeface="+mn-ea"/>
+                <a:cs typeface="+mn-cs"/>
+              </a:rPr>
+              <a:t>-Network-Anbieter</a:t>
+            </a:r>
+          </a:p>
+          <a:p>
+            <a:pPr lvl="0"/>
+            <a:r>
+              <a:rPr lang="de-DE" sz="1200" kern="1200" dirty="0" smtClean="0">
+                <a:solidFill>
+                  <a:schemeClr val="tx1"/>
+                </a:solidFill>
+                <a:effectLst/>
+                <a:latin typeface="+mn-lt"/>
+                <a:ea typeface="+mn-ea"/>
+                <a:cs typeface="+mn-cs"/>
+              </a:rPr>
+              <a:t>Der dort verwendete Benutzername</a:t>
+            </a:r>
+          </a:p>
+          <a:p>
+            <a:pPr lvl="0"/>
+            <a:r>
+              <a:rPr lang="de-DE" sz="1200" kern="1200" dirty="0" smtClean="0">
+                <a:solidFill>
+                  <a:schemeClr val="tx1"/>
+                </a:solidFill>
+                <a:effectLst/>
+                <a:latin typeface="+mn-lt"/>
+                <a:ea typeface="+mn-ea"/>
+                <a:cs typeface="+mn-cs"/>
+              </a:rPr>
+              <a:t>Das dort verwendete persönliche Passwort</a:t>
+            </a:r>
+          </a:p>
+          <a:p>
+            <a:r>
+              <a:rPr lang="de-DE" sz="1200" kern="1200" dirty="0" smtClean="0">
+                <a:solidFill>
+                  <a:schemeClr val="tx1"/>
+                </a:solidFill>
+                <a:effectLst/>
+                <a:latin typeface="+mn-lt"/>
+                <a:ea typeface="+mn-ea"/>
+                <a:cs typeface="+mn-cs"/>
+              </a:rPr>
+              <a:t>Die möglichen </a:t>
+            </a:r>
+            <a:r>
+              <a:rPr lang="de-DE" sz="1200" kern="1200" dirty="0" err="1" smtClean="0">
+                <a:solidFill>
+                  <a:schemeClr val="tx1"/>
+                </a:solidFill>
+                <a:effectLst/>
+                <a:latin typeface="+mn-lt"/>
+                <a:ea typeface="+mn-ea"/>
+                <a:cs typeface="+mn-cs"/>
+              </a:rPr>
+              <a:t>Social</a:t>
+            </a:r>
+            <a:r>
+              <a:rPr lang="de-DE" sz="1200" kern="1200" dirty="0" smtClean="0">
+                <a:solidFill>
+                  <a:schemeClr val="tx1"/>
+                </a:solidFill>
+                <a:effectLst/>
+                <a:latin typeface="+mn-lt"/>
+                <a:ea typeface="+mn-ea"/>
+                <a:cs typeface="+mn-cs"/>
+              </a:rPr>
+              <a:t>-Network-Anbieter werden auf der Eingabemaske aufgeführt. </a:t>
+            </a:r>
+            <a:br>
+              <a:rPr lang="de-DE" sz="1200" kern="1200" dirty="0" smtClean="0">
+                <a:solidFill>
+                  <a:schemeClr val="tx1"/>
+                </a:solidFill>
+                <a:effectLst/>
+                <a:latin typeface="+mn-lt"/>
+                <a:ea typeface="+mn-ea"/>
+                <a:cs typeface="+mn-cs"/>
+              </a:rPr>
+            </a:br>
+            <a:r>
+              <a:rPr lang="de-DE" sz="1200" kern="1200" dirty="0" smtClean="0">
+                <a:solidFill>
+                  <a:schemeClr val="tx1"/>
+                </a:solidFill>
+                <a:effectLst/>
+                <a:latin typeface="+mn-lt"/>
+                <a:ea typeface="+mn-ea"/>
+                <a:cs typeface="+mn-cs"/>
+              </a:rPr>
+              <a:t>Die Anmeldung an der Internetplattform ist erfolgreich, wenn die Antwort des </a:t>
+            </a:r>
+            <a:r>
+              <a:rPr lang="de-DE" sz="1200" kern="1200" dirty="0" err="1" smtClean="0">
+                <a:solidFill>
+                  <a:schemeClr val="tx1"/>
+                </a:solidFill>
+                <a:effectLst/>
+                <a:latin typeface="+mn-lt"/>
+                <a:ea typeface="+mn-ea"/>
+                <a:cs typeface="+mn-cs"/>
+              </a:rPr>
+              <a:t>Social</a:t>
+            </a:r>
+            <a:r>
+              <a:rPr lang="de-DE" sz="1200" kern="1200" dirty="0" smtClean="0">
+                <a:solidFill>
+                  <a:schemeClr val="tx1"/>
+                </a:solidFill>
+                <a:effectLst/>
+                <a:latin typeface="+mn-lt"/>
+                <a:ea typeface="+mn-ea"/>
+                <a:cs typeface="+mn-cs"/>
+              </a:rPr>
+              <a:t>-Network-Anbieters positiv ist, d.h. ist der Benutzer dort authentifiziert wurde und die Benutzerdaten übermittelt worden sind. Kann der Benutzer nicht über den </a:t>
+            </a:r>
+            <a:r>
+              <a:rPr lang="de-DE" sz="1200" kern="1200" dirty="0" err="1" smtClean="0">
+                <a:solidFill>
+                  <a:schemeClr val="tx1"/>
+                </a:solidFill>
+                <a:effectLst/>
+                <a:latin typeface="+mn-lt"/>
+                <a:ea typeface="+mn-ea"/>
+                <a:cs typeface="+mn-cs"/>
+              </a:rPr>
+              <a:t>Social</a:t>
+            </a:r>
+            <a:r>
+              <a:rPr lang="de-DE" sz="1200" kern="1200" dirty="0" smtClean="0">
+                <a:solidFill>
+                  <a:schemeClr val="tx1"/>
+                </a:solidFill>
+                <a:effectLst/>
+                <a:latin typeface="+mn-lt"/>
+                <a:ea typeface="+mn-ea"/>
+                <a:cs typeface="+mn-cs"/>
+              </a:rPr>
+              <a:t>-Network-Anbieter authentifiziert werden, erfolgt auch keine Anmeldung.</a:t>
+            </a:r>
+          </a:p>
+          <a:p>
+            <a:r>
+              <a:rPr lang="de-DE" sz="1200" kern="1200" dirty="0" smtClean="0">
+                <a:solidFill>
+                  <a:schemeClr val="tx1"/>
+                </a:solidFill>
+                <a:effectLst/>
+                <a:latin typeface="+mn-lt"/>
+                <a:ea typeface="+mn-ea"/>
+                <a:cs typeface="+mn-cs"/>
+              </a:rPr>
+              <a:t/>
+            </a:r>
+            <a:br>
+              <a:rPr lang="de-DE" sz="1200" kern="1200" dirty="0" smtClean="0">
+                <a:solidFill>
+                  <a:schemeClr val="tx1"/>
+                </a:solidFill>
+                <a:effectLst/>
+                <a:latin typeface="+mn-lt"/>
+                <a:ea typeface="+mn-ea"/>
+                <a:cs typeface="+mn-cs"/>
+              </a:rPr>
+            </a:br>
+            <a:r>
+              <a:rPr lang="de-DE" sz="1200" kern="1200" dirty="0" smtClean="0">
+                <a:solidFill>
+                  <a:schemeClr val="tx1"/>
+                </a:solidFill>
+                <a:effectLst/>
+                <a:latin typeface="+mn-lt"/>
+                <a:ea typeface="+mn-ea"/>
+                <a:cs typeface="+mn-cs"/>
+              </a:rPr>
+              <a:t>@FSM:  Updaten</a:t>
+            </a:r>
+          </a:p>
+          <a:p>
             <a:endParaRPr lang="de-DE" dirty="0"/>
           </a:p>
         </p:txBody>
@@ -812,7 +1383,7 @@
             <a:fld id="{F7EBFB8C-BBFF-4397-A51C-1E92596422A9}" type="slidenum">
               <a:rPr lang="en-US" smtClean="0"/>
               <a:pPr/>
-              <a:t>15</a:t>
+              <a:t>13</a:t>
             </a:fld>
             <a:endParaRPr lang="en-US" dirty="0"/>
           </a:p>
@@ -821,7 +1392,7 @@
     </p:spTree>
     <p:extLst>
       <p:ext uri="{BB962C8B-B14F-4D97-AF65-F5344CB8AC3E}">
-        <p14:creationId xmlns="" xmlns:p14="http://schemas.microsoft.com/office/powerpoint/2010/main" val="3931682397"/>
+        <p14:creationId xmlns:p14="http://schemas.microsoft.com/office/powerpoint/2010/main" val="2934279750"/>
       </p:ext>
     </p:extLst>
   </p:cSld>
@@ -877,43 +1448,37 @@
           <a:p>
             <a:r>
               <a:rPr lang="de-DE" dirty="0" smtClean="0"/>
-              <a:t>Zeitplan</a:t>
-            </a:r>
-          </a:p>
-          <a:p>
-            <a:r>
-              <a:rPr lang="de-DE" dirty="0" smtClean="0"/>
-              <a:t>Fokus aus </a:t>
+              <a:t>Ist evtl. überflüssig, da grob in </a:t>
             </a:r>
             <a:r>
               <a:rPr lang="de-DE" dirty="0" err="1" smtClean="0"/>
-              <a:t>Inception</a:t>
-            </a:r>
-            <a:r>
-              <a:rPr lang="de-DE" dirty="0" smtClean="0"/>
-              <a:t> / Elaboration</a:t>
-            </a:r>
-          </a:p>
-          <a:p>
-            <a:r>
-              <a:rPr lang="de-DE" dirty="0" smtClean="0"/>
-              <a:t>Aufgrund der Enge des Zeitplans jeweils zwei Iterationen mit</a:t>
+              <a:t>Zwischenpräsi</a:t>
+            </a:r>
+            <a:r>
+              <a:rPr lang="de-DE" dirty="0" smtClean="0"/>
+              <a:t> erwähnt?</a:t>
+            </a:r>
+          </a:p>
+          <a:p>
+            <a:r>
+              <a:rPr lang="de-DE" dirty="0" smtClean="0"/>
+              <a:t>Können wir </a:t>
+            </a:r>
+            <a:r>
+              <a:rPr lang="de-DE" dirty="0" err="1" smtClean="0"/>
+              <a:t>Roo</a:t>
             </a:r>
             <a:r>
               <a:rPr lang="de-DE" baseline="0" dirty="0" smtClean="0"/>
-              <a:t> festen Reviews der Ergebnisse etc.</a:t>
-            </a:r>
-          </a:p>
-          <a:p>
+              <a:t> als Vorlage für die Agenda nehmen? Oder doch eher die technische Umsetzungsfolge </a:t>
+            </a:r>
+            <a:r>
+              <a:rPr lang="de-DE" baseline="0" dirty="0" err="1" smtClean="0"/>
+              <a:t>alá</a:t>
+            </a:r>
             <a:r>
               <a:rPr lang="de-DE" baseline="0" dirty="0" smtClean="0"/>
-              <a:t>Aber auch: RUP! Jederzeit auch bei kleineren Änderungen/Feststellungen usw. Überarbeitung.</a:t>
-            </a:r>
-          </a:p>
-          <a:p>
-            <a:r>
-              <a:rPr lang="de-DE" baseline="0" dirty="0" smtClean="0"/>
-              <a:t>Ziel: 11.06. eine prototypische Implementierung der Plattform fertigstellen</a:t>
+              <a:t> RUP?</a:t>
             </a:r>
             <a:endParaRPr lang="de-DE" dirty="0"/>
           </a:p>
@@ -937,7 +1502,7 @@
             <a:fld id="{F7EBFB8C-BBFF-4397-A51C-1E92596422A9}" type="slidenum">
               <a:rPr lang="en-US" smtClean="0"/>
               <a:pPr/>
-              <a:t>16</a:t>
+              <a:t>15</a:t>
             </a:fld>
             <a:endParaRPr lang="en-US" dirty="0"/>
           </a:p>
@@ -946,7 +1511,7 @@
     </p:spTree>
     <p:extLst>
       <p:ext uri="{BB962C8B-B14F-4D97-AF65-F5344CB8AC3E}">
-        <p14:creationId xmlns="" xmlns:p14="http://schemas.microsoft.com/office/powerpoint/2010/main" val="3931682397"/>
+        <p14:creationId xmlns:p14="http://schemas.microsoft.com/office/powerpoint/2010/main" val="135288531"/>
       </p:ext>
     </p:extLst>
   </p:cSld>
@@ -997,11 +1562,57 @@
         </p:nvSpPr>
         <p:spPr/>
         <p:txBody>
-          <a:bodyPr>
-            <a:normAutofit/>
-          </a:bodyPr>
-          <a:lstStyle/>
-          <a:p>
+          <a:bodyPr/>
+          <a:lstStyle/>
+          <a:p>
+            <a:r>
+              <a:rPr lang="de-DE" dirty="0" smtClean="0"/>
+              <a:t>Blau: Event </a:t>
+            </a:r>
+            <a:r>
+              <a:rPr lang="de-DE" dirty="0" err="1" smtClean="0"/>
+              <a:t>anlage</a:t>
+            </a:r>
+            <a:endParaRPr lang="de-DE" dirty="0" smtClean="0"/>
+          </a:p>
+          <a:p>
+            <a:r>
+              <a:rPr lang="de-DE" dirty="0" smtClean="0"/>
+              <a:t>DB Table Event, </a:t>
+            </a:r>
+            <a:r>
+              <a:rPr lang="de-DE" dirty="0" err="1" smtClean="0"/>
+              <a:t>normaliserte</a:t>
+            </a:r>
+            <a:r>
+              <a:rPr lang="de-DE" baseline="0" dirty="0" smtClean="0"/>
+              <a:t> Teilnehmerliste und Ort</a:t>
+            </a:r>
+          </a:p>
+          <a:p>
+            <a:endParaRPr lang="de-DE" baseline="0" dirty="0" smtClean="0"/>
+          </a:p>
+          <a:p>
+            <a:r>
+              <a:rPr lang="de-DE" baseline="0" dirty="0" smtClean="0"/>
+              <a:t>Rot: Login Verknüpfung Session ID aus </a:t>
+            </a:r>
+            <a:r>
+              <a:rPr lang="de-DE" baseline="0" dirty="0" err="1" smtClean="0"/>
+              <a:t>oAuth</a:t>
+            </a:r>
+            <a:r>
+              <a:rPr lang="de-DE" baseline="0" dirty="0" smtClean="0"/>
+              <a:t>, Grunddaten (</a:t>
+            </a:r>
+            <a:r>
+              <a:rPr lang="de-DE" baseline="0" dirty="0" err="1" smtClean="0"/>
+              <a:t>name</a:t>
+            </a:r>
+            <a:r>
+              <a:rPr lang="de-DE" baseline="0" dirty="0" smtClean="0"/>
+              <a:t>, E-Mail-Adresse etc.) werden ausgelesen und persistent gespeichert.</a:t>
+            </a:r>
             <a:endParaRPr lang="de-DE" dirty="0"/>
           </a:p>
         </p:txBody>
@@ -1021,16 +1632,21 @@
           <a:bodyPr/>
           <a:lstStyle/>
           <a:p>
-            <a:fld id="{1EBFF01C-F984-4A51-AF10-254043F7C542}" type="slidenum">
-              <a:rPr lang="de-DE" smtClean="0"/>
+            <a:fld id="{F7EBFB8C-BBFF-4397-A51C-1E92596422A9}" type="slidenum">
+              <a:rPr lang="en-US" smtClean="0"/>
               <a:pPr/>
               <a:t>18</a:t>
             </a:fld>
-            <a:endParaRPr lang="de-DE"/>
+            <a:endParaRPr lang="en-US" dirty="0"/>
           </a:p>
         </p:txBody>
       </p:sp>
     </p:spTree>
+    <p:extLst>
+      <p:ext uri="{BB962C8B-B14F-4D97-AF65-F5344CB8AC3E}">
+        <p14:creationId xmlns:p14="http://schemas.microsoft.com/office/powerpoint/2010/main" val="802076649"/>
+      </p:ext>
+    </p:extLst>
   </p:cSld>
   <p:clrMapOvr>
     <a:masterClrMapping/>
@@ -1082,6 +1698,54 @@
           <a:bodyPr/>
           <a:lstStyle/>
           <a:p>
+            <a:r>
+              <a:rPr lang="de-DE" dirty="0" smtClean="0"/>
+              <a:t>Blau: Event </a:t>
+            </a:r>
+            <a:r>
+              <a:rPr lang="de-DE" dirty="0" err="1" smtClean="0"/>
+              <a:t>anlage</a:t>
+            </a:r>
+            <a:endParaRPr lang="de-DE" dirty="0" smtClean="0"/>
+          </a:p>
+          <a:p>
+            <a:r>
+              <a:rPr lang="de-DE" dirty="0" smtClean="0"/>
+              <a:t>DB Table Event, </a:t>
+            </a:r>
+            <a:r>
+              <a:rPr lang="de-DE" dirty="0" err="1" smtClean="0"/>
+              <a:t>normaliserte</a:t>
+            </a:r>
+            <a:r>
+              <a:rPr lang="de-DE" baseline="0" dirty="0" smtClean="0"/>
+              <a:t> Teilnehmerliste und Ort</a:t>
+            </a:r>
+          </a:p>
+          <a:p>
+            <a:endParaRPr lang="de-DE" baseline="0" dirty="0" smtClean="0"/>
+          </a:p>
+          <a:p>
+            <a:r>
+              <a:rPr lang="de-DE" baseline="0" dirty="0" smtClean="0"/>
+              <a:t>Rot: Login Verknüpfung Session ID aus </a:t>
+            </a:r>
+            <a:r>
+              <a:rPr lang="de-DE" baseline="0" dirty="0" err="1" smtClean="0"/>
+              <a:t>oAuth</a:t>
+            </a:r>
+            <a:r>
+              <a:rPr lang="de-DE" baseline="0" dirty="0" smtClean="0"/>
+              <a:t>, Grunddaten (</a:t>
+            </a:r>
+            <a:r>
+              <a:rPr lang="de-DE" baseline="0" dirty="0" err="1" smtClean="0"/>
+              <a:t>name</a:t>
+            </a:r>
+            <a:r>
+              <a:rPr lang="de-DE" baseline="0" dirty="0" smtClean="0"/>
+              <a:t>, E-Mail-Adresse etc.) werden ausgelesen und persistent gespeichert.</a:t>
+            </a:r>
             <a:endParaRPr lang="de-DE" dirty="0"/>
           </a:p>
         </p:txBody>
@@ -1113,7 +1777,841 @@
     </p:spTree>
     <p:extLst>
       <p:ext uri="{BB962C8B-B14F-4D97-AF65-F5344CB8AC3E}">
-        <p14:creationId xmlns="" xmlns:p14="http://schemas.microsoft.com/office/powerpoint/2010/main" val="2116472317"/>
+        <p14:creationId xmlns:p14="http://schemas.microsoft.com/office/powerpoint/2010/main" val="802076649"/>
+      </p:ext>
+    </p:extLst>
+  </p:cSld>
+  <p:clrMapOvr>
+    <a:masterClrMapping/>
+  </p:clrMapOvr>
+</p:notes>
+</file>
+
+<file path=ppt/notesSlides/notesSlide15.xml><?xml version="1.0" encoding="utf-8"?>
+<p:notes xmlns:a="http://schemas.openxmlformats.org/drawingml/2006/main" xmlns:r="http://schemas.openxmlformats.org/officeDocument/2006/relationships" xmlns:p="http://schemas.openxmlformats.org/presentationml/2006/main">
+  <p:cSld>
+    <p:spTree>
+      <p:nvGrpSpPr>
+        <p:cNvPr id="1" name=""/>
+        <p:cNvGrpSpPr/>
+        <p:nvPr/>
+      </p:nvGrpSpPr>
+      <p:grpSpPr>
+        <a:xfrm>
+          <a:off x="0" y="0"/>
+          <a:ext cx="0" cy="0"/>
+          <a:chOff x="0" y="0"/>
+          <a:chExt cx="0" cy="0"/>
+        </a:xfrm>
+      </p:grpSpPr>
+      <p:sp>
+        <p:nvSpPr>
+          <p:cNvPr id="2" name="Folienbildplatzhalter 1"/>
+          <p:cNvSpPr>
+            <a:spLocks noGrp="1" noRot="1" noChangeAspect="1"/>
+          </p:cNvSpPr>
+          <p:nvPr>
+            <p:ph type="sldImg"/>
+          </p:nvPr>
+        </p:nvSpPr>
+        <p:spPr/>
+      </p:sp>
+      <p:sp>
+        <p:nvSpPr>
+          <p:cNvPr id="3" name="Notizenplatzhalter 2"/>
+          <p:cNvSpPr>
+            <a:spLocks noGrp="1"/>
+          </p:cNvSpPr>
+          <p:nvPr>
+            <p:ph type="body" idx="1"/>
+          </p:nvPr>
+        </p:nvSpPr>
+        <p:spPr/>
+        <p:txBody>
+          <a:bodyPr>
+            <a:normAutofit fontScale="70000" lnSpcReduction="20000"/>
+          </a:bodyPr>
+          <a:lstStyle/>
+          <a:p>
+            <a:r>
+              <a:rPr lang="de-DE" dirty="0" err="1" smtClean="0"/>
+              <a:t>ÄUßERE</a:t>
+            </a:r>
+            <a:r>
+              <a:rPr lang="de-DE" dirty="0" smtClean="0"/>
+              <a:t> UND INNERE QUALITÄT	</a:t>
+            </a:r>
+          </a:p>
+          <a:p>
+            <a:r>
+              <a:rPr lang="de-DE" dirty="0" smtClean="0"/>
+              <a:t>	Funktionalität	</a:t>
+            </a:r>
+          </a:p>
+          <a:p>
+            <a:r>
+              <a:rPr lang="de-DE" dirty="0" smtClean="0"/>
+              <a:t>	Zuverlässigkeit	</a:t>
+            </a:r>
+          </a:p>
+          <a:p>
+            <a:r>
+              <a:rPr lang="de-DE" dirty="0" smtClean="0"/>
+              <a:t>	Benutzbarkeit	</a:t>
+            </a:r>
+          </a:p>
+          <a:p>
+            <a:r>
+              <a:rPr lang="de-DE" dirty="0" smtClean="0"/>
+              <a:t>	Effizienz	</a:t>
+            </a:r>
+          </a:p>
+          <a:p>
+            <a:r>
+              <a:rPr lang="de-DE" dirty="0" smtClean="0"/>
+              <a:t>	Wartbarkeit	</a:t>
+            </a:r>
+          </a:p>
+          <a:p>
+            <a:r>
+              <a:rPr lang="de-DE" dirty="0" smtClean="0"/>
+              <a:t>	Portabilität	</a:t>
+            </a:r>
+          </a:p>
+          <a:p>
+            <a:r>
+              <a:rPr lang="de-DE" dirty="0" smtClean="0"/>
+              <a:t>GEBRAUCHSTAUGLICHKEIT	</a:t>
+            </a:r>
+          </a:p>
+          <a:p>
+            <a:r>
+              <a:rPr lang="de-DE" dirty="0" smtClean="0"/>
+              <a:t>	Effektivität	</a:t>
+            </a:r>
+          </a:p>
+          <a:p>
+            <a:r>
+              <a:rPr lang="de-DE" dirty="0" smtClean="0"/>
+              <a:t>	Produktivität	</a:t>
+            </a:r>
+          </a:p>
+          <a:p>
+            <a:r>
+              <a:rPr lang="de-DE" dirty="0" smtClean="0"/>
+              <a:t>	Sicherheit	</a:t>
+            </a:r>
+          </a:p>
+          <a:p>
+            <a:r>
+              <a:rPr lang="de-DE" dirty="0" smtClean="0"/>
+              <a:t>	Zufriedenheit	</a:t>
+            </a:r>
+          </a:p>
+          <a:p>
+            <a:r>
+              <a:rPr lang="de-DE" dirty="0" smtClean="0"/>
+              <a:t>TECHNISCHE ANFORDERUNGEN	</a:t>
+            </a:r>
+          </a:p>
+          <a:p>
+            <a:r>
+              <a:rPr lang="de-DE" dirty="0" smtClean="0"/>
+              <a:t>	Einsatzumgebung	</a:t>
+            </a:r>
+          </a:p>
+          <a:p>
+            <a:r>
+              <a:rPr lang="de-DE" dirty="0" smtClean="0"/>
+              <a:t>	Entwicklungsumgebung	</a:t>
+            </a:r>
+          </a:p>
+          <a:p>
+            <a:r>
+              <a:rPr lang="de-DE" dirty="0" smtClean="0"/>
+              <a:t>LIEFERUMFANG	</a:t>
+            </a:r>
+          </a:p>
+          <a:p>
+            <a:r>
+              <a:rPr lang="de-DE" dirty="0" smtClean="0"/>
+              <a:t>	Ausführbare Programme	</a:t>
+            </a:r>
+          </a:p>
+          <a:p>
+            <a:r>
+              <a:rPr lang="de-DE" dirty="0" smtClean="0"/>
+              <a:t>	Quellcode	</a:t>
+            </a:r>
+          </a:p>
+          <a:p>
+            <a:r>
+              <a:rPr lang="de-DE" dirty="0" smtClean="0"/>
+              <a:t>	Dokumentation	</a:t>
+            </a:r>
+          </a:p>
+          <a:p>
+            <a:r>
+              <a:rPr lang="de-DE" dirty="0" smtClean="0"/>
+              <a:t>	Daten	</a:t>
+            </a:r>
+          </a:p>
+          <a:p>
+            <a:endParaRPr lang="de-DE" dirty="0"/>
+          </a:p>
+        </p:txBody>
+      </p:sp>
+      <p:sp>
+        <p:nvSpPr>
+          <p:cNvPr id="4" name="Foliennummernplatzhalter 3"/>
+          <p:cNvSpPr>
+            <a:spLocks noGrp="1"/>
+          </p:cNvSpPr>
+          <p:nvPr>
+            <p:ph type="sldNum" sz="quarter" idx="10"/>
+          </p:nvPr>
+        </p:nvSpPr>
+        <p:spPr/>
+        <p:txBody>
+          <a:bodyPr/>
+          <a:lstStyle/>
+          <a:p>
+            <a:fld id="{F7EBFB8C-BBFF-4397-A51C-1E92596422A9}" type="slidenum">
+              <a:rPr lang="en-US" smtClean="0"/>
+              <a:pPr/>
+              <a:t>20</a:t>
+            </a:fld>
+            <a:endParaRPr lang="en-US" dirty="0"/>
+          </a:p>
+        </p:txBody>
+      </p:sp>
+    </p:spTree>
+    <p:extLst>
+      <p:ext uri="{BB962C8B-B14F-4D97-AF65-F5344CB8AC3E}">
+        <p14:creationId xmlns:p14="http://schemas.microsoft.com/office/powerpoint/2010/main" val="1629754142"/>
+      </p:ext>
+    </p:extLst>
+  </p:cSld>
+  <p:clrMapOvr>
+    <a:masterClrMapping/>
+  </p:clrMapOvr>
+</p:notes>
+</file>
+
+<file path=ppt/notesSlides/notesSlide16.xml><?xml version="1.0" encoding="utf-8"?>
+<p:notes xmlns:a="http://schemas.openxmlformats.org/drawingml/2006/main" xmlns:r="http://schemas.openxmlformats.org/officeDocument/2006/relationships" xmlns:p="http://schemas.openxmlformats.org/presentationml/2006/main">
+  <p:cSld>
+    <p:spTree>
+      <p:nvGrpSpPr>
+        <p:cNvPr id="1" name=""/>
+        <p:cNvGrpSpPr/>
+        <p:nvPr/>
+      </p:nvGrpSpPr>
+      <p:grpSpPr>
+        <a:xfrm>
+          <a:off x="0" y="0"/>
+          <a:ext cx="0" cy="0"/>
+          <a:chOff x="0" y="0"/>
+          <a:chExt cx="0" cy="0"/>
+        </a:xfrm>
+      </p:grpSpPr>
+      <p:sp>
+        <p:nvSpPr>
+          <p:cNvPr id="2" name="Folienbildplatzhalter 1"/>
+          <p:cNvSpPr>
+            <a:spLocks noGrp="1" noRot="1" noChangeAspect="1"/>
+          </p:cNvSpPr>
+          <p:nvPr>
+            <p:ph type="sldImg"/>
+          </p:nvPr>
+        </p:nvSpPr>
+        <p:spPr/>
+      </p:sp>
+      <p:sp>
+        <p:nvSpPr>
+          <p:cNvPr id="3" name="Notizenplatzhalter 2"/>
+          <p:cNvSpPr>
+            <a:spLocks noGrp="1"/>
+          </p:cNvSpPr>
+          <p:nvPr>
+            <p:ph type="body" idx="1"/>
+          </p:nvPr>
+        </p:nvSpPr>
+        <p:spPr/>
+        <p:txBody>
+          <a:bodyPr/>
+          <a:lstStyle/>
+          <a:p>
+            <a:r>
+              <a:rPr lang="de-DE" dirty="0" smtClean="0"/>
+              <a:t>Zeitplan</a:t>
+            </a:r>
+          </a:p>
+          <a:p>
+            <a:r>
+              <a:rPr lang="de-DE" dirty="0" smtClean="0"/>
+              <a:t>Fokus aus </a:t>
+            </a:r>
+            <a:r>
+              <a:rPr lang="de-DE" dirty="0" err="1" smtClean="0"/>
+              <a:t>Inception</a:t>
+            </a:r>
+            <a:r>
+              <a:rPr lang="de-DE" dirty="0" smtClean="0"/>
+              <a:t> / Elaboration</a:t>
+            </a:r>
+          </a:p>
+          <a:p>
+            <a:r>
+              <a:rPr lang="de-DE" dirty="0" smtClean="0"/>
+              <a:t>Aufgrund der Enge des Zeitplans jeweils zwei Iterationen mit</a:t>
+            </a:r>
+            <a:r>
+              <a:rPr lang="de-DE" baseline="0" dirty="0" smtClean="0"/>
+              <a:t> festen Reviews der Ergebnisse etc.</a:t>
+            </a:r>
+          </a:p>
+          <a:p>
+            <a:r>
+              <a:rPr lang="de-DE" baseline="0" dirty="0" smtClean="0"/>
+              <a:t>Aber auch: RUP! Jederzeit auch bei kleineren Änderungen/Feststellungen usw. Überarbeitung.</a:t>
+            </a:r>
+          </a:p>
+          <a:p>
+            <a:r>
+              <a:rPr lang="de-DE" baseline="0" dirty="0" smtClean="0"/>
+              <a:t>Ziel: 11.06. eine prototypische Implementierung der Plattform fertigstellen</a:t>
+            </a:r>
+            <a:endParaRPr lang="de-DE" dirty="0"/>
+          </a:p>
+        </p:txBody>
+      </p:sp>
+      <p:sp>
+        <p:nvSpPr>
+          <p:cNvPr id="4" name="Foliennummernplatzhalter 3"/>
+          <p:cNvSpPr>
+            <a:spLocks noGrp="1"/>
+          </p:cNvSpPr>
+          <p:nvPr>
+            <p:ph type="sldNum" sz="quarter" idx="10"/>
+          </p:nvPr>
+        </p:nvSpPr>
+        <p:spPr/>
+        <p:txBody>
+          <a:bodyPr/>
+          <a:lstStyle/>
+          <a:p>
+            <a:fld id="{F7EBFB8C-BBFF-4397-A51C-1E92596422A9}" type="slidenum">
+              <a:rPr lang="en-US" smtClean="0"/>
+              <a:pPr/>
+              <a:t>22</a:t>
+            </a:fld>
+            <a:endParaRPr lang="en-US" dirty="0"/>
+          </a:p>
+        </p:txBody>
+      </p:sp>
+    </p:spTree>
+    <p:extLst>
+      <p:ext uri="{BB962C8B-B14F-4D97-AF65-F5344CB8AC3E}">
+        <p14:creationId xmlns:p14="http://schemas.microsoft.com/office/powerpoint/2010/main" val="3931682397"/>
+      </p:ext>
+    </p:extLst>
+  </p:cSld>
+  <p:clrMapOvr>
+    <a:masterClrMapping/>
+  </p:clrMapOvr>
+</p:notes>
+</file>
+
+<file path=ppt/notesSlides/notesSlide17.xml><?xml version="1.0" encoding="utf-8"?>
+<p:notes xmlns:a="http://schemas.openxmlformats.org/drawingml/2006/main" xmlns:r="http://schemas.openxmlformats.org/officeDocument/2006/relationships" xmlns:p="http://schemas.openxmlformats.org/presentationml/2006/main">
+  <p:cSld>
+    <p:spTree>
+      <p:nvGrpSpPr>
+        <p:cNvPr id="1" name=""/>
+        <p:cNvGrpSpPr/>
+        <p:nvPr/>
+      </p:nvGrpSpPr>
+      <p:grpSpPr>
+        <a:xfrm>
+          <a:off x="0" y="0"/>
+          <a:ext cx="0" cy="0"/>
+          <a:chOff x="0" y="0"/>
+          <a:chExt cx="0" cy="0"/>
+        </a:xfrm>
+      </p:grpSpPr>
+      <p:sp>
+        <p:nvSpPr>
+          <p:cNvPr id="2" name="Folienbildplatzhalter 1"/>
+          <p:cNvSpPr>
+            <a:spLocks noGrp="1" noRot="1" noChangeAspect="1"/>
+          </p:cNvSpPr>
+          <p:nvPr>
+            <p:ph type="sldImg"/>
+          </p:nvPr>
+        </p:nvSpPr>
+        <p:spPr/>
+      </p:sp>
+      <p:sp>
+        <p:nvSpPr>
+          <p:cNvPr id="3" name="Notizenplatzhalter 2"/>
+          <p:cNvSpPr>
+            <a:spLocks noGrp="1"/>
+          </p:cNvSpPr>
+          <p:nvPr>
+            <p:ph type="body" idx="1"/>
+          </p:nvPr>
+        </p:nvSpPr>
+        <p:spPr/>
+        <p:txBody>
+          <a:bodyPr/>
+          <a:lstStyle/>
+          <a:p>
+            <a:r>
+              <a:rPr lang="de-DE" dirty="0" smtClean="0"/>
+              <a:t>Zeitplan</a:t>
+            </a:r>
+          </a:p>
+          <a:p>
+            <a:r>
+              <a:rPr lang="de-DE" dirty="0" smtClean="0"/>
+              <a:t>Fokus aus </a:t>
+            </a:r>
+            <a:r>
+              <a:rPr lang="de-DE" dirty="0" err="1" smtClean="0"/>
+              <a:t>Inception</a:t>
+            </a:r>
+            <a:r>
+              <a:rPr lang="de-DE" dirty="0" smtClean="0"/>
+              <a:t> / Elaboration</a:t>
+            </a:r>
+          </a:p>
+          <a:p>
+            <a:r>
+              <a:rPr lang="de-DE" dirty="0" smtClean="0"/>
+              <a:t>Aufgrund der Enge des Zeitplans jeweils zwei Iterationen mit</a:t>
+            </a:r>
+            <a:r>
+              <a:rPr lang="de-DE" baseline="0" dirty="0" smtClean="0"/>
+              <a:t> festen Reviews der Ergebnisse etc.</a:t>
+            </a:r>
+          </a:p>
+          <a:p>
+            <a:r>
+              <a:rPr lang="de-DE" baseline="0" dirty="0" smtClean="0"/>
+              <a:t>Aber auch: RUP! Jederzeit auch bei kleineren Änderungen/Feststellungen usw. Überarbeitung.</a:t>
+            </a:r>
+          </a:p>
+          <a:p>
+            <a:r>
+              <a:rPr lang="de-DE" baseline="0" dirty="0" smtClean="0"/>
+              <a:t>Ziel: 11.06. eine prototypische Implementierung der Plattform fertigstellen</a:t>
+            </a:r>
+            <a:endParaRPr lang="de-DE" dirty="0"/>
+          </a:p>
+        </p:txBody>
+      </p:sp>
+      <p:sp>
+        <p:nvSpPr>
+          <p:cNvPr id="4" name="Foliennummernplatzhalter 3"/>
+          <p:cNvSpPr>
+            <a:spLocks noGrp="1"/>
+          </p:cNvSpPr>
+          <p:nvPr>
+            <p:ph type="sldNum" sz="quarter" idx="10"/>
+          </p:nvPr>
+        </p:nvSpPr>
+        <p:spPr/>
+        <p:txBody>
+          <a:bodyPr/>
+          <a:lstStyle/>
+          <a:p>
+            <a:fld id="{F7EBFB8C-BBFF-4397-A51C-1E92596422A9}" type="slidenum">
+              <a:rPr lang="en-US" smtClean="0"/>
+              <a:pPr/>
+              <a:t>23</a:t>
+            </a:fld>
+            <a:endParaRPr lang="en-US" dirty="0"/>
+          </a:p>
+        </p:txBody>
+      </p:sp>
+    </p:spTree>
+    <p:extLst>
+      <p:ext uri="{BB962C8B-B14F-4D97-AF65-F5344CB8AC3E}">
+        <p14:creationId xmlns:p14="http://schemas.microsoft.com/office/powerpoint/2010/main" val="3931682397"/>
+      </p:ext>
+    </p:extLst>
+  </p:cSld>
+  <p:clrMapOvr>
+    <a:masterClrMapping/>
+  </p:clrMapOvr>
+</p:notes>
+</file>
+
+<file path=ppt/notesSlides/notesSlide18.xml><?xml version="1.0" encoding="utf-8"?>
+<p:notes xmlns:a="http://schemas.openxmlformats.org/drawingml/2006/main" xmlns:r="http://schemas.openxmlformats.org/officeDocument/2006/relationships" xmlns:p="http://schemas.openxmlformats.org/presentationml/2006/main">
+  <p:cSld>
+    <p:spTree>
+      <p:nvGrpSpPr>
+        <p:cNvPr id="1" name=""/>
+        <p:cNvGrpSpPr/>
+        <p:nvPr/>
+      </p:nvGrpSpPr>
+      <p:grpSpPr>
+        <a:xfrm>
+          <a:off x="0" y="0"/>
+          <a:ext cx="0" cy="0"/>
+          <a:chOff x="0" y="0"/>
+          <a:chExt cx="0" cy="0"/>
+        </a:xfrm>
+      </p:grpSpPr>
+      <p:sp>
+        <p:nvSpPr>
+          <p:cNvPr id="2" name="Folienbildplatzhalter 1"/>
+          <p:cNvSpPr>
+            <a:spLocks noGrp="1" noRot="1" noChangeAspect="1"/>
+          </p:cNvSpPr>
+          <p:nvPr>
+            <p:ph type="sldImg"/>
+          </p:nvPr>
+        </p:nvSpPr>
+        <p:spPr/>
+      </p:sp>
+      <p:sp>
+        <p:nvSpPr>
+          <p:cNvPr id="3" name="Notizenplatzhalter 2"/>
+          <p:cNvSpPr>
+            <a:spLocks noGrp="1"/>
+          </p:cNvSpPr>
+          <p:nvPr>
+            <p:ph type="body" idx="1"/>
+          </p:nvPr>
+        </p:nvSpPr>
+        <p:spPr/>
+        <p:txBody>
+          <a:bodyPr>
+            <a:normAutofit/>
+          </a:bodyPr>
+          <a:lstStyle/>
+          <a:p>
+            <a:endParaRPr lang="de-DE" dirty="0"/>
+          </a:p>
+        </p:txBody>
+      </p:sp>
+      <p:sp>
+        <p:nvSpPr>
+          <p:cNvPr id="4" name="Foliennummernplatzhalter 3"/>
+          <p:cNvSpPr>
+            <a:spLocks noGrp="1"/>
+          </p:cNvSpPr>
+          <p:nvPr>
+            <p:ph type="sldNum" sz="quarter" idx="10"/>
+          </p:nvPr>
+        </p:nvSpPr>
+        <p:spPr/>
+        <p:txBody>
+          <a:bodyPr/>
+          <a:lstStyle/>
+          <a:p>
+            <a:fld id="{1EBFF01C-F984-4A51-AF10-254043F7C542}" type="slidenum">
+              <a:rPr lang="de-DE" smtClean="0"/>
+              <a:pPr/>
+              <a:t>25</a:t>
+            </a:fld>
+            <a:endParaRPr lang="de-DE"/>
+          </a:p>
+        </p:txBody>
+      </p:sp>
+    </p:spTree>
+  </p:cSld>
+  <p:clrMapOvr>
+    <a:masterClrMapping/>
+  </p:clrMapOvr>
+</p:notes>
+</file>
+
+<file path=ppt/notesSlides/notesSlide19.xml><?xml version="1.0" encoding="utf-8"?>
+<p:notes xmlns:a="http://schemas.openxmlformats.org/drawingml/2006/main" xmlns:r="http://schemas.openxmlformats.org/officeDocument/2006/relationships" xmlns:p="http://schemas.openxmlformats.org/presentationml/2006/main">
+  <p:cSld>
+    <p:spTree>
+      <p:nvGrpSpPr>
+        <p:cNvPr id="1" name=""/>
+        <p:cNvGrpSpPr/>
+        <p:nvPr/>
+      </p:nvGrpSpPr>
+      <p:grpSpPr>
+        <a:xfrm>
+          <a:off x="0" y="0"/>
+          <a:ext cx="0" cy="0"/>
+          <a:chOff x="0" y="0"/>
+          <a:chExt cx="0" cy="0"/>
+        </a:xfrm>
+      </p:grpSpPr>
+      <p:sp>
+        <p:nvSpPr>
+          <p:cNvPr id="2" name="Folienbildplatzhalter 1"/>
+          <p:cNvSpPr>
+            <a:spLocks noGrp="1" noRot="1" noChangeAspect="1"/>
+          </p:cNvSpPr>
+          <p:nvPr>
+            <p:ph type="sldImg"/>
+          </p:nvPr>
+        </p:nvSpPr>
+        <p:spPr/>
+      </p:sp>
+      <p:sp>
+        <p:nvSpPr>
+          <p:cNvPr id="3" name="Notizenplatzhalter 2"/>
+          <p:cNvSpPr>
+            <a:spLocks noGrp="1"/>
+          </p:cNvSpPr>
+          <p:nvPr>
+            <p:ph type="body" idx="1"/>
+          </p:nvPr>
+        </p:nvSpPr>
+        <p:spPr/>
+        <p:txBody>
+          <a:bodyPr/>
+          <a:lstStyle/>
+          <a:p>
+            <a:r>
+              <a:rPr lang="de-DE" dirty="0" smtClean="0"/>
+              <a:t>Zu </a:t>
+            </a:r>
+            <a:r>
+              <a:rPr lang="de-DE" dirty="0" err="1" smtClean="0"/>
+              <a:t>git</a:t>
+            </a:r>
+            <a:r>
+              <a:rPr lang="de-DE" dirty="0" smtClean="0"/>
+              <a:t>:</a:t>
+            </a:r>
+          </a:p>
+          <a:p>
+            <a:r>
+              <a:rPr lang="de-DE" dirty="0" smtClean="0"/>
+              <a:t>	Dateikonflikte aufwändiges</a:t>
+            </a:r>
+            <a:r>
+              <a:rPr lang="de-DE" baseline="0" dirty="0" smtClean="0"/>
+              <a:t> ein-/auschecken, mit </a:t>
+            </a:r>
+            <a:r>
+              <a:rPr lang="de-DE" baseline="0" dirty="0" err="1" smtClean="0"/>
+              <a:t>dropbox</a:t>
+            </a:r>
+            <a:r>
+              <a:rPr lang="de-DE" baseline="0" dirty="0" smtClean="0"/>
+              <a:t> und </a:t>
+            </a:r>
+            <a:r>
+              <a:rPr lang="de-DE" baseline="0" dirty="0" err="1" smtClean="0"/>
+              <a:t>co</a:t>
+            </a:r>
+            <a:r>
+              <a:rPr lang="de-DE" baseline="0" dirty="0" smtClean="0"/>
+              <a:t> on </a:t>
+            </a:r>
+            <a:r>
+              <a:rPr lang="de-DE" baseline="0" dirty="0" err="1" smtClean="0"/>
+              <a:t>the</a:t>
+            </a:r>
+            <a:r>
+              <a:rPr lang="de-DE" baseline="0" dirty="0" smtClean="0"/>
+              <a:t> </a:t>
+            </a:r>
+            <a:r>
+              <a:rPr lang="de-DE" baseline="0" dirty="0" err="1" smtClean="0"/>
+              <a:t>fly</a:t>
+            </a:r>
+            <a:r>
+              <a:rPr lang="de-DE" baseline="0" dirty="0" smtClean="0"/>
+              <a:t>, automatisch im Hintergrund.</a:t>
+            </a:r>
+          </a:p>
+          <a:p>
+            <a:r>
+              <a:rPr lang="de-DE" baseline="0" dirty="0" smtClean="0"/>
+              <a:t>	evtl. zu früh auf ein Tool festgelegt, oder besser zwei? (</a:t>
+            </a:r>
+            <a:r>
+              <a:rPr lang="de-DE" baseline="0" dirty="0" err="1" smtClean="0"/>
+              <a:t>dropbox</a:t>
+            </a:r>
+            <a:r>
+              <a:rPr lang="de-DE" baseline="0" dirty="0" smtClean="0"/>
+              <a:t> für Dokumente, </a:t>
+            </a:r>
+            <a:r>
+              <a:rPr lang="de-DE" baseline="0" dirty="0" err="1" smtClean="0"/>
+              <a:t>gitHub</a:t>
+            </a:r>
+            <a:r>
+              <a:rPr lang="de-DE" baseline="0" dirty="0" smtClean="0"/>
+              <a:t> für </a:t>
+            </a:r>
+            <a:r>
+              <a:rPr lang="de-DE" baseline="0" dirty="0" err="1" smtClean="0"/>
+              <a:t>Sourcen</a:t>
+            </a:r>
+            <a:r>
+              <a:rPr lang="de-DE" baseline="0" dirty="0" smtClean="0"/>
+              <a:t>)</a:t>
+            </a:r>
+          </a:p>
+          <a:p>
+            <a:r>
+              <a:rPr lang="de-DE" baseline="0" dirty="0" err="1" smtClean="0"/>
+              <a:t>Projektmgm</a:t>
+            </a:r>
+            <a:endParaRPr lang="de-DE" baseline="0" dirty="0" smtClean="0"/>
+          </a:p>
+          <a:p>
+            <a:r>
+              <a:rPr lang="de-DE" baseline="0" dirty="0" smtClean="0"/>
+              <a:t>	Aufgaben stärker </a:t>
+            </a:r>
+            <a:r>
+              <a:rPr lang="de-DE" baseline="0" dirty="0" err="1" smtClean="0"/>
+              <a:t>tracken</a:t>
+            </a:r>
+            <a:r>
+              <a:rPr lang="de-DE" baseline="0" dirty="0" smtClean="0"/>
+              <a:t>, ggf. „</a:t>
+            </a:r>
+            <a:r>
+              <a:rPr lang="de-DE" baseline="0" dirty="0" err="1" smtClean="0"/>
+              <a:t>cut</a:t>
+            </a:r>
+            <a:r>
+              <a:rPr lang="de-DE" baseline="0" dirty="0" smtClean="0"/>
+              <a:t>“ (bei Vertiefung in nicht notwendigen Details (z.B. Risikoanalyse, Wirtschaftlichkeitsbetrachtung)</a:t>
+            </a:r>
+          </a:p>
+          <a:p>
+            <a:endParaRPr lang="de-DE" dirty="0" smtClean="0"/>
+          </a:p>
+          <a:p>
+            <a:r>
+              <a:rPr lang="de-DE" dirty="0" err="1" smtClean="0"/>
+              <a:t>Workload</a:t>
+            </a:r>
+            <a:endParaRPr lang="de-DE" dirty="0" smtClean="0"/>
+          </a:p>
+          <a:p>
+            <a:r>
+              <a:rPr lang="de-DE" dirty="0" smtClean="0"/>
+              <a:t>	</a:t>
+            </a:r>
+            <a:r>
+              <a:rPr lang="de-DE" dirty="0" err="1" smtClean="0"/>
+              <a:t>Höhrer</a:t>
+            </a:r>
+            <a:r>
+              <a:rPr lang="de-DE" dirty="0" smtClean="0"/>
+              <a:t> Aufwand als erwartet, zusätzlicher stress neben der Arbeit. Risikofaktor,</a:t>
+            </a:r>
+            <a:r>
+              <a:rPr lang="de-DE" baseline="0" dirty="0" smtClean="0"/>
+              <a:t> da alle beim gleichen Unternehmen arbeiten (viel zu tun (</a:t>
+            </a:r>
+            <a:r>
+              <a:rPr lang="de-DE" baseline="0" dirty="0" err="1" smtClean="0"/>
+              <a:t>arbeit</a:t>
+            </a:r>
+            <a:r>
+              <a:rPr lang="de-DE" baseline="0" dirty="0" smtClean="0"/>
+              <a:t>) </a:t>
+            </a:r>
+            <a:r>
+              <a:rPr lang="de-DE" baseline="0" dirty="0" smtClean="0">
+                <a:sym typeface="Wingdings" pitchFamily="2" charset="2"/>
+              </a:rPr>
+              <a:t> weniger Zeit </a:t>
+            </a:r>
+            <a:r>
+              <a:rPr lang="de-DE" baseline="0" smtClean="0">
+                <a:sym typeface="Wingdings" pitchFamily="2" charset="2"/>
+              </a:rPr>
+              <a:t>(Projekt))</a:t>
+            </a:r>
+            <a:endParaRPr lang="de-DE" dirty="0" smtClean="0"/>
+          </a:p>
+          <a:p>
+            <a:r>
+              <a:rPr lang="de-DE" dirty="0" err="1" smtClean="0"/>
+              <a:t>PeerReview</a:t>
+            </a:r>
+            <a:r>
+              <a:rPr lang="de-DE" dirty="0" smtClean="0"/>
+              <a:t>:</a:t>
+            </a:r>
+          </a:p>
+          <a:p>
+            <a:r>
+              <a:rPr lang="de-DE" dirty="0" smtClean="0"/>
+              <a:t>	Hilfreich eine zweite unabhängige</a:t>
+            </a:r>
+            <a:r>
+              <a:rPr lang="de-DE" baseline="0" dirty="0" smtClean="0"/>
+              <a:t> Meinung; Lücken wurden identifiziert und behoben</a:t>
+            </a:r>
+          </a:p>
+          <a:p>
+            <a:r>
+              <a:rPr lang="de-DE" dirty="0" smtClean="0"/>
+              <a:t>Teamwork:</a:t>
+            </a:r>
+          </a:p>
+          <a:p>
+            <a:r>
+              <a:rPr lang="de-DE" dirty="0" smtClean="0"/>
+              <a:t>	Abstimmungen, Konstruktive </a:t>
+            </a:r>
+            <a:r>
+              <a:rPr lang="de-DE" dirty="0" err="1" smtClean="0"/>
+              <a:t>diskussionen</a:t>
+            </a:r>
+            <a:r>
+              <a:rPr lang="de-DE" dirty="0" smtClean="0"/>
+              <a:t>, Mitglieder</a:t>
+            </a:r>
+            <a:r>
+              <a:rPr lang="de-DE" baseline="0" dirty="0" smtClean="0"/>
+              <a:t> haben sich durch Fach/Spezialwissen gut ergänzt</a:t>
+            </a:r>
+            <a:endParaRPr lang="de-DE" dirty="0"/>
+          </a:p>
+        </p:txBody>
+      </p:sp>
+      <p:sp>
+        <p:nvSpPr>
+          <p:cNvPr id="4" name="Foliennummernplatzhalter 3"/>
+          <p:cNvSpPr>
+            <a:spLocks noGrp="1"/>
+          </p:cNvSpPr>
+          <p:nvPr>
+            <p:ph type="sldNum" sz="quarter" idx="10"/>
+          </p:nvPr>
+        </p:nvSpPr>
+        <p:spPr/>
+        <p:txBody>
+          <a:bodyPr/>
+          <a:lstStyle/>
+          <a:p>
+            <a:fld id="{F7EBFB8C-BBFF-4397-A51C-1E92596422A9}" type="slidenum">
+              <a:rPr lang="en-US" smtClean="0"/>
+              <a:pPr/>
+              <a:t>26</a:t>
+            </a:fld>
+            <a:endParaRPr lang="en-US" dirty="0"/>
+          </a:p>
+        </p:txBody>
+      </p:sp>
+    </p:spTree>
+    <p:extLst>
+      <p:ext uri="{BB962C8B-B14F-4D97-AF65-F5344CB8AC3E}">
+        <p14:creationId xmlns:p14="http://schemas.microsoft.com/office/powerpoint/2010/main" val="1616458392"/>
       </p:ext>
     </p:extLst>
   </p:cSld>
@@ -1354,16 +2852,15 @@
               <a:t>Qualitätsanforderungen </a:t>
             </a:r>
             <a:r>
-              <a:rPr lang="de-DE" smtClean="0">
+              <a:rPr lang="de-DE" dirty="0" smtClean="0">
                 <a:sym typeface="Wingdings" pitchFamily="2" charset="2"/>
               </a:rPr>
               <a:t></a:t>
             </a:r>
             <a:r>
-              <a:rPr lang="de-DE" smtClean="0"/>
+              <a:rPr lang="de-DE" dirty="0" smtClean="0"/>
               <a:t> PAW </a:t>
             </a:r>
-            <a:endParaRPr lang="de-DE" dirty="0" smtClean="0"/>
           </a:p>
           <a:p>
             <a:pPr marL="457200" marR="0" lvl="1" indent="0" algn="l" defTabSz="914400" rtl="0" eaLnBrk="1" fontAlgn="auto" latinLnBrk="0" hangingPunct="1">
@@ -1439,7 +2936,92 @@
     </p:spTree>
     <p:extLst>
       <p:ext uri="{BB962C8B-B14F-4D97-AF65-F5344CB8AC3E}">
-        <p14:creationId xmlns="" xmlns:p14="http://schemas.microsoft.com/office/powerpoint/2010/main" val="517533983"/>
+        <p14:creationId xmlns:p14="http://schemas.microsoft.com/office/powerpoint/2010/main" val="517533983"/>
+      </p:ext>
+    </p:extLst>
+  </p:cSld>
+  <p:clrMapOvr>
+    <a:masterClrMapping/>
+  </p:clrMapOvr>
+</p:notes>
+</file>
+
+<file path=ppt/notesSlides/notesSlide20.xml><?xml version="1.0" encoding="utf-8"?>
+<p:notes xmlns:a="http://schemas.openxmlformats.org/drawingml/2006/main" xmlns:r="http://schemas.openxmlformats.org/officeDocument/2006/relationships" xmlns:p="http://schemas.openxmlformats.org/presentationml/2006/main">
+  <p:cSld>
+    <p:spTree>
+      <p:nvGrpSpPr>
+        <p:cNvPr id="1" name=""/>
+        <p:cNvGrpSpPr/>
+        <p:nvPr/>
+      </p:nvGrpSpPr>
+      <p:grpSpPr>
+        <a:xfrm>
+          <a:off x="0" y="0"/>
+          <a:ext cx="0" cy="0"/>
+          <a:chOff x="0" y="0"/>
+          <a:chExt cx="0" cy="0"/>
+        </a:xfrm>
+      </p:grpSpPr>
+      <p:sp>
+        <p:nvSpPr>
+          <p:cNvPr id="2" name="Folienbildplatzhalter 1"/>
+          <p:cNvSpPr>
+            <a:spLocks noGrp="1" noRot="1" noChangeAspect="1"/>
+          </p:cNvSpPr>
+          <p:nvPr>
+            <p:ph type="sldImg"/>
+          </p:nvPr>
+        </p:nvSpPr>
+        <p:spPr/>
+      </p:sp>
+      <p:sp>
+        <p:nvSpPr>
+          <p:cNvPr id="3" name="Notizenplatzhalter 2"/>
+          <p:cNvSpPr>
+            <a:spLocks noGrp="1"/>
+          </p:cNvSpPr>
+          <p:nvPr>
+            <p:ph type="body" idx="1"/>
+          </p:nvPr>
+        </p:nvSpPr>
+        <p:spPr/>
+        <p:txBody>
+          <a:bodyPr/>
+          <a:lstStyle/>
+          <a:p>
+            <a:endParaRPr lang="de-DE" dirty="0"/>
+          </a:p>
+        </p:txBody>
+      </p:sp>
+      <p:sp>
+        <p:nvSpPr>
+          <p:cNvPr id="4" name="Foliennummernplatzhalter 3"/>
+          <p:cNvSpPr>
+            <a:spLocks noGrp="1"/>
+          </p:cNvSpPr>
+          <p:nvPr>
+            <p:ph type="sldNum" sz="quarter" idx="10"/>
+          </p:nvPr>
+        </p:nvSpPr>
+        <p:spPr/>
+        <p:txBody>
+          <a:bodyPr/>
+          <a:lstStyle/>
+          <a:p>
+            <a:fld id="{F7EBFB8C-BBFF-4397-A51C-1E92596422A9}" type="slidenum">
+              <a:rPr lang="en-US" smtClean="0"/>
+              <a:pPr/>
+              <a:t>27</a:t>
+            </a:fld>
+            <a:endParaRPr lang="en-US" dirty="0"/>
+          </a:p>
+        </p:txBody>
+      </p:sp>
+    </p:spTree>
+    <p:extLst>
+      <p:ext uri="{BB962C8B-B14F-4D97-AF65-F5344CB8AC3E}">
+        <p14:creationId xmlns:p14="http://schemas.microsoft.com/office/powerpoint/2010/main" val="2116472317"/>
       </p:ext>
     </p:extLst>
   </p:cSld>
@@ -1495,7 +3077,43 @@
           <a:p>
             <a:r>
               <a:rPr lang="de-DE" dirty="0" smtClean="0"/>
-              <a:t>Funktionale Anforderung per </a:t>
+              <a:t>SW-Entwicklungsprozess (vertikale Umsetzung)</a:t>
+            </a:r>
+          </a:p>
+          <a:p>
+            <a:pPr lvl="1"/>
+            <a:r>
+              <a:rPr lang="de-DE" dirty="0" smtClean="0"/>
+              <a:t>Funktionale Anforderungen</a:t>
+            </a:r>
+          </a:p>
+          <a:p>
+            <a:pPr lvl="2"/>
+            <a:r>
+              <a:rPr lang="de-DE" dirty="0" smtClean="0"/>
+              <a:t>Login</a:t>
+            </a:r>
+          </a:p>
+          <a:p>
+            <a:pPr lvl="3"/>
+            <a:r>
+              <a:rPr lang="de-DE" dirty="0" smtClean="0"/>
+              <a:t>LH (bis hier MAG)</a:t>
+            </a:r>
+          </a:p>
+          <a:p>
+            <a:pPr lvl="3"/>
+            <a:r>
+              <a:rPr lang="de-DE" dirty="0" smtClean="0"/>
+              <a:t>PH</a:t>
+            </a:r>
+            <a:r>
+              <a:rPr lang="de-DE" baseline="0" dirty="0" smtClean="0"/>
+              <a:t> Umsetzung Anforderungen im PH,</a:t>
+            </a:r>
+            <a:r>
+              <a:rPr lang="de-DE" dirty="0" smtClean="0"/>
+              <a:t> </a:t>
             </a:r>
             <a:r>
               <a:rPr lang="de-DE" dirty="0" err="1" smtClean="0"/>
@@ -1503,319 +3121,198 @@
             </a:r>
             <a:r>
               <a:rPr lang="de-DE" dirty="0" smtClean="0"/>
-              <a:t> dargestellt und textuell ergänzt:</a:t>
-            </a:r>
-          </a:p>
-          <a:p>
-            <a:r>
-              <a:rPr lang="de-DE" sz="1200" kern="1200" dirty="0" smtClean="0">
-                <a:solidFill>
-                  <a:schemeClr val="tx1"/>
-                </a:solidFill>
-                <a:effectLst/>
-                <a:latin typeface="+mn-lt"/>
-                <a:ea typeface="+mn-ea"/>
-                <a:cs typeface="+mn-cs"/>
-              </a:rPr>
-              <a:t>Der beliebiger Internetnutzer kann sich über </a:t>
-            </a:r>
-            <a:r>
-              <a:rPr lang="de-DE" sz="1200" kern="1200" dirty="0" err="1" smtClean="0">
-                <a:solidFill>
-                  <a:schemeClr val="tx1"/>
-                </a:solidFill>
-                <a:effectLst/>
-                <a:latin typeface="+mn-lt"/>
-                <a:ea typeface="+mn-ea"/>
-                <a:cs typeface="+mn-cs"/>
-              </a:rPr>
-              <a:t>oAuth</a:t>
-            </a:r>
-            <a:r>
-              <a:rPr lang="de-DE" sz="1200" kern="1200" dirty="0" smtClean="0">
-                <a:solidFill>
-                  <a:schemeClr val="tx1"/>
-                </a:solidFill>
-                <a:effectLst/>
-                <a:latin typeface="+mn-lt"/>
-                <a:ea typeface="+mn-ea"/>
-                <a:cs typeface="+mn-cs"/>
-              </a:rPr>
-              <a:t> (Google oder Facebook-Account) auf der folgenden Eingabemaske an der Internetplattform </a:t>
-            </a:r>
-            <a:r>
-              <a:rPr lang="de-DE" sz="1200" kern="1200" dirty="0" err="1" smtClean="0">
-                <a:solidFill>
-                  <a:schemeClr val="tx1"/>
-                </a:solidFill>
-                <a:effectLst/>
-                <a:latin typeface="+mn-lt"/>
-                <a:ea typeface="+mn-ea"/>
-                <a:cs typeface="+mn-cs"/>
-              </a:rPr>
-              <a:t>Eventalizer</a:t>
-            </a:r>
-            <a:r>
-              <a:rPr lang="de-DE" sz="1200" kern="1200" dirty="0" smtClean="0">
-                <a:solidFill>
-                  <a:schemeClr val="tx1"/>
-                </a:solidFill>
-                <a:effectLst/>
-                <a:latin typeface="+mn-lt"/>
-                <a:ea typeface="+mn-ea"/>
-                <a:cs typeface="+mn-cs"/>
-              </a:rPr>
-              <a:t> anmelden:</a:t>
-            </a:r>
-            <a:br>
-              <a:rPr lang="de-DE" sz="1200" kern="1200" dirty="0" smtClean="0">
-                <a:solidFill>
-                  <a:schemeClr val="tx1"/>
-                </a:solidFill>
-                <a:effectLst/>
-                <a:latin typeface="+mn-lt"/>
-                <a:ea typeface="+mn-ea"/>
-                <a:cs typeface="+mn-cs"/>
-              </a:rPr>
-            </a:br>
-            <a:r>
-              <a:rPr lang="de-DE" sz="1200" kern="1200" dirty="0" smtClean="0">
-                <a:solidFill>
-                  <a:schemeClr val="tx1"/>
-                </a:solidFill>
-                <a:effectLst/>
-                <a:latin typeface="+mn-lt"/>
-                <a:ea typeface="+mn-ea"/>
-                <a:cs typeface="+mn-cs"/>
-              </a:rPr>
-              <a:t> </a:t>
-            </a:r>
-            <a:br>
-              <a:rPr lang="de-DE" sz="1200" kern="1200" dirty="0" smtClean="0">
-                <a:solidFill>
-                  <a:schemeClr val="tx1"/>
-                </a:solidFill>
-                <a:effectLst/>
-                <a:latin typeface="+mn-lt"/>
-                <a:ea typeface="+mn-ea"/>
-                <a:cs typeface="+mn-cs"/>
-              </a:rPr>
-            </a:br>
-            <a:r>
-              <a:rPr lang="de-DE" sz="1200" kern="1200" dirty="0" smtClean="0">
-                <a:solidFill>
-                  <a:schemeClr val="tx1"/>
-                </a:solidFill>
-                <a:effectLst/>
-                <a:latin typeface="+mn-lt"/>
-                <a:ea typeface="+mn-ea"/>
-                <a:cs typeface="+mn-cs"/>
-              </a:rPr>
-              <a:t>Für eine erfolgreiche Anmeldung ist die Angabe der folgenden Informationen notwendig:</a:t>
-            </a:r>
-          </a:p>
-          <a:p>
-            <a:pPr lvl="0"/>
-            <a:r>
-              <a:rPr lang="de-DE" sz="1200" kern="1200" dirty="0" err="1" smtClean="0">
-                <a:solidFill>
-                  <a:schemeClr val="tx1"/>
-                </a:solidFill>
-                <a:effectLst/>
-                <a:latin typeface="+mn-lt"/>
-                <a:ea typeface="+mn-ea"/>
-                <a:cs typeface="+mn-cs"/>
-              </a:rPr>
-              <a:t>Social</a:t>
-            </a:r>
-            <a:r>
-              <a:rPr lang="de-DE" sz="1200" kern="1200" dirty="0" smtClean="0">
-                <a:solidFill>
-                  <a:schemeClr val="tx1"/>
-                </a:solidFill>
-                <a:effectLst/>
-                <a:latin typeface="+mn-lt"/>
-                <a:ea typeface="+mn-ea"/>
-                <a:cs typeface="+mn-cs"/>
-              </a:rPr>
-              <a:t>-Network-Anbieter</a:t>
-            </a:r>
-          </a:p>
-          <a:p>
-            <a:pPr lvl="0"/>
-            <a:r>
-              <a:rPr lang="de-DE" sz="1200" kern="1200" dirty="0" smtClean="0">
-                <a:solidFill>
-                  <a:schemeClr val="tx1"/>
-                </a:solidFill>
-                <a:effectLst/>
-                <a:latin typeface="+mn-lt"/>
-                <a:ea typeface="+mn-ea"/>
-                <a:cs typeface="+mn-cs"/>
-              </a:rPr>
-              <a:t>Der dort verwendete Benutzername</a:t>
-            </a:r>
-          </a:p>
-          <a:p>
-            <a:pPr lvl="0"/>
-            <a:r>
-              <a:rPr lang="de-DE" sz="1200" kern="1200" dirty="0" smtClean="0">
-                <a:solidFill>
-                  <a:schemeClr val="tx1"/>
-                </a:solidFill>
-                <a:effectLst/>
-                <a:latin typeface="+mn-lt"/>
-                <a:ea typeface="+mn-ea"/>
-                <a:cs typeface="+mn-cs"/>
-              </a:rPr>
-              <a:t>Das dort verwendete persönliche Passwort</a:t>
-            </a:r>
-          </a:p>
-          <a:p>
-            <a:r>
-              <a:rPr lang="de-DE" sz="1200" kern="1200" dirty="0" smtClean="0">
-                <a:solidFill>
-                  <a:schemeClr val="tx1"/>
-                </a:solidFill>
-                <a:effectLst/>
-                <a:latin typeface="+mn-lt"/>
-                <a:ea typeface="+mn-ea"/>
-                <a:cs typeface="+mn-cs"/>
-              </a:rPr>
-              <a:t>Die möglichen </a:t>
-            </a:r>
-            <a:r>
-              <a:rPr lang="de-DE" sz="1200" kern="1200" dirty="0" err="1" smtClean="0">
-                <a:solidFill>
-                  <a:schemeClr val="tx1"/>
-                </a:solidFill>
-                <a:effectLst/>
-                <a:latin typeface="+mn-lt"/>
-                <a:ea typeface="+mn-ea"/>
-                <a:cs typeface="+mn-cs"/>
-              </a:rPr>
-              <a:t>Social</a:t>
-            </a:r>
-            <a:r>
-              <a:rPr lang="de-DE" sz="1200" kern="1200" dirty="0" smtClean="0">
-                <a:solidFill>
-                  <a:schemeClr val="tx1"/>
-                </a:solidFill>
-                <a:effectLst/>
-                <a:latin typeface="+mn-lt"/>
-                <a:ea typeface="+mn-ea"/>
-                <a:cs typeface="+mn-cs"/>
-              </a:rPr>
-              <a:t>-Network-Anbieter werden auf der Eingabemaske aufgeführt. </a:t>
-            </a:r>
-            <a:br>
-              <a:rPr lang="de-DE" sz="1200" kern="1200" dirty="0" smtClean="0">
-                <a:solidFill>
-                  <a:schemeClr val="tx1"/>
-                </a:solidFill>
-                <a:effectLst/>
-                <a:latin typeface="+mn-lt"/>
-                <a:ea typeface="+mn-ea"/>
-                <a:cs typeface="+mn-cs"/>
-              </a:rPr>
-            </a:br>
-            <a:r>
-              <a:rPr lang="de-DE" sz="1200" kern="1200" dirty="0" smtClean="0">
-                <a:solidFill>
-                  <a:schemeClr val="tx1"/>
-                </a:solidFill>
-                <a:effectLst/>
-                <a:latin typeface="+mn-lt"/>
-                <a:ea typeface="+mn-ea"/>
-                <a:cs typeface="+mn-cs"/>
-              </a:rPr>
-              <a:t>Die Anmeldung an der Internetplattform ist erfolgreich, wenn die Antwort des </a:t>
-            </a:r>
-            <a:r>
-              <a:rPr lang="de-DE" sz="1200" kern="1200" dirty="0" err="1" smtClean="0">
-                <a:solidFill>
-                  <a:schemeClr val="tx1"/>
-                </a:solidFill>
-                <a:effectLst/>
-                <a:latin typeface="+mn-lt"/>
-                <a:ea typeface="+mn-ea"/>
-                <a:cs typeface="+mn-cs"/>
-              </a:rPr>
-              <a:t>Social</a:t>
-            </a:r>
-            <a:r>
-              <a:rPr lang="de-DE" sz="1200" kern="1200" dirty="0" smtClean="0">
-                <a:solidFill>
-                  <a:schemeClr val="tx1"/>
-                </a:solidFill>
-                <a:effectLst/>
-                <a:latin typeface="+mn-lt"/>
-                <a:ea typeface="+mn-ea"/>
-                <a:cs typeface="+mn-cs"/>
-              </a:rPr>
-              <a:t>-Network-Anbieters positiv ist, d.h. ist der Benutzer dort authentifiziert wurde und die Benutzerdaten übermittelt worden sind. Kann der Benutzer nicht über den </a:t>
-            </a:r>
-            <a:r>
-              <a:rPr lang="de-DE" sz="1200" kern="1200" dirty="0" err="1" smtClean="0">
-                <a:solidFill>
-                  <a:schemeClr val="tx1"/>
-                </a:solidFill>
-                <a:effectLst/>
-                <a:latin typeface="+mn-lt"/>
-                <a:ea typeface="+mn-ea"/>
-                <a:cs typeface="+mn-cs"/>
-              </a:rPr>
-              <a:t>Social</a:t>
-            </a:r>
-            <a:r>
-              <a:rPr lang="de-DE" sz="1200" kern="1200" dirty="0" smtClean="0">
-                <a:solidFill>
-                  <a:schemeClr val="tx1"/>
-                </a:solidFill>
-                <a:effectLst/>
-                <a:latin typeface="+mn-lt"/>
-                <a:ea typeface="+mn-ea"/>
-                <a:cs typeface="+mn-cs"/>
-              </a:rPr>
-              <a:t>-Network-Anbieter authentifiziert werden, erfolgt auch keine Anmeldung.</a:t>
-            </a:r>
-          </a:p>
-          <a:p>
-            <a:r>
-              <a:rPr lang="de-DE" sz="1200" kern="1200" dirty="0" smtClean="0">
-                <a:solidFill>
-                  <a:schemeClr val="tx1"/>
-                </a:solidFill>
-                <a:effectLst/>
-                <a:latin typeface="+mn-lt"/>
-                <a:ea typeface="+mn-ea"/>
-                <a:cs typeface="+mn-cs"/>
-              </a:rPr>
-              <a:t/>
-            </a:r>
-            <a:br>
-              <a:rPr lang="de-DE" sz="1200" kern="1200" dirty="0" smtClean="0">
-                <a:solidFill>
-                  <a:schemeClr val="tx1"/>
-                </a:solidFill>
-                <a:effectLst/>
-                <a:latin typeface="+mn-lt"/>
-                <a:ea typeface="+mn-ea"/>
-                <a:cs typeface="+mn-cs"/>
-              </a:rPr>
-            </a:br>
-            <a:r>
-              <a:rPr lang="de-DE" sz="1200" kern="1200" dirty="0" smtClean="0">
-                <a:solidFill>
-                  <a:schemeClr val="tx1"/>
-                </a:solidFill>
-                <a:effectLst/>
-                <a:latin typeface="+mn-lt"/>
-                <a:ea typeface="+mn-ea"/>
-                <a:cs typeface="+mn-cs"/>
-              </a:rPr>
-              <a:t>@FSM:  Updaten</a:t>
-            </a:r>
+              <a:t>, Aktivitätsdiagramm (bis</a:t>
+            </a:r>
+            <a:r>
+              <a:rPr lang="de-DE" baseline="0" dirty="0" smtClean="0"/>
+              <a:t> hier FSM</a:t>
+            </a:r>
+            <a:r>
+              <a:rPr lang="de-DE" dirty="0" smtClean="0"/>
+              <a:t>)</a:t>
+            </a:r>
+          </a:p>
+          <a:p>
+            <a:pPr lvl="3"/>
+            <a:endParaRPr lang="de-DE" dirty="0" smtClean="0"/>
+          </a:p>
+          <a:p>
+            <a:pPr lvl="2"/>
+            <a:r>
+              <a:rPr lang="de-DE" dirty="0" smtClean="0"/>
+              <a:t>Event erstellen</a:t>
+            </a:r>
+          </a:p>
+          <a:p>
+            <a:pPr lvl="2"/>
+            <a:r>
+              <a:rPr lang="de-DE" dirty="0" smtClean="0"/>
+              <a:t>	LH (MAG)</a:t>
+            </a:r>
+          </a:p>
+          <a:p>
+            <a:pPr marL="914400" marR="0" lvl="2" indent="0" algn="l" defTabSz="914400" rtl="0" eaLnBrk="1" fontAlgn="auto" latinLnBrk="0" hangingPunct="1">
+              <a:lnSpc>
+                <a:spcPct val="100000"/>
+              </a:lnSpc>
+              <a:spcBef>
+                <a:spcPts val="0"/>
+              </a:spcBef>
+              <a:spcAft>
+                <a:spcPts val="0"/>
+              </a:spcAft>
+              <a:buClrTx/>
+              <a:buSzTx/>
+              <a:buFontTx/>
+              <a:buNone/>
+              <a:tabLst/>
+              <a:defRPr/>
+            </a:pPr>
+            <a:r>
+              <a:rPr lang="de-DE" dirty="0" smtClean="0"/>
+              <a:t>	PH</a:t>
+            </a:r>
+            <a:r>
+              <a:rPr lang="de-DE" baseline="0" dirty="0" smtClean="0"/>
+              <a:t> Umsetzung Anforderungen im PH,</a:t>
+            </a:r>
+            <a:r>
+              <a:rPr lang="de-DE" dirty="0" smtClean="0"/>
+              <a:t> </a:t>
+            </a:r>
+            <a:r>
+              <a:rPr lang="de-DE" dirty="0" err="1" smtClean="0"/>
+              <a:t>Mockup</a:t>
+            </a:r>
+            <a:r>
+              <a:rPr lang="de-DE" dirty="0" smtClean="0"/>
+              <a:t>, Aktivitätsdiagramm (ALI)</a:t>
+            </a:r>
+          </a:p>
+          <a:p>
+            <a:pPr marL="914400" marR="0" lvl="2" indent="0" algn="l" defTabSz="914400" rtl="0" eaLnBrk="1" fontAlgn="auto" latinLnBrk="0" hangingPunct="1">
+              <a:lnSpc>
+                <a:spcPct val="100000"/>
+              </a:lnSpc>
+              <a:spcBef>
+                <a:spcPts val="0"/>
+              </a:spcBef>
+              <a:spcAft>
+                <a:spcPts val="0"/>
+              </a:spcAft>
+              <a:buClrTx/>
+              <a:buSzTx/>
+              <a:buFontTx/>
+              <a:buNone/>
+              <a:tabLst/>
+              <a:defRPr/>
+            </a:pPr>
+            <a:r>
+              <a:rPr lang="de-DE" dirty="0" smtClean="0"/>
+              <a:t>Sequenzdiagramm</a:t>
+            </a:r>
+            <a:r>
+              <a:rPr lang="de-DE" baseline="0" dirty="0" smtClean="0"/>
+              <a:t> (Login/was da ist) FEW oder MHB ?</a:t>
+            </a:r>
+            <a:endParaRPr lang="de-DE" dirty="0" smtClean="0"/>
+          </a:p>
+          <a:p>
+            <a:pPr lvl="2"/>
+            <a:r>
+              <a:rPr lang="de-DE" dirty="0" smtClean="0"/>
+              <a:t>Live Demo (beides) FEW oder MHB ?</a:t>
+            </a:r>
+          </a:p>
+          <a:p>
+            <a:pPr lvl="1"/>
+            <a:r>
+              <a:rPr lang="de-DE" dirty="0" smtClean="0"/>
+              <a:t>Detailkonzept </a:t>
+            </a:r>
+            <a:r>
+              <a:rPr lang="de-DE" dirty="0" smtClean="0">
+                <a:sym typeface="Wingdings" pitchFamily="2" charset="2"/>
+              </a:rPr>
+              <a:t> MHB oder FEW ?</a:t>
+            </a:r>
+            <a:endParaRPr lang="de-DE" dirty="0" smtClean="0"/>
+          </a:p>
+          <a:p>
+            <a:pPr lvl="2"/>
+            <a:r>
+              <a:rPr lang="de-DE" dirty="0" smtClean="0"/>
+              <a:t>Domänenklassendiagramm </a:t>
+            </a:r>
+            <a:r>
+              <a:rPr lang="de-DE" dirty="0" smtClean="0">
+                <a:sym typeface="Wingdings" pitchFamily="2" charset="2"/>
+              </a:rPr>
+              <a:t></a:t>
+            </a:r>
+            <a:r>
+              <a:rPr lang="de-DE" dirty="0" smtClean="0"/>
+              <a:t> DB-Schema</a:t>
+            </a:r>
+          </a:p>
+          <a:p>
+            <a:pPr lvl="1"/>
+            <a:r>
+              <a:rPr lang="de-DE" dirty="0" smtClean="0"/>
+              <a:t>Qualitätsanforderungen </a:t>
+            </a:r>
+            <a:r>
+              <a:rPr lang="de-DE" dirty="0" smtClean="0">
+                <a:sym typeface="Wingdings" pitchFamily="2" charset="2"/>
+              </a:rPr>
+              <a:t></a:t>
+            </a:r>
+            <a:r>
+              <a:rPr lang="de-DE" dirty="0" smtClean="0"/>
+              <a:t> PAW </a:t>
+            </a:r>
+          </a:p>
+          <a:p>
+            <a:pPr marL="457200" marR="0" lvl="1" indent="0" algn="l" defTabSz="914400" rtl="0" eaLnBrk="1" fontAlgn="auto" latinLnBrk="0" hangingPunct="1">
+              <a:lnSpc>
+                <a:spcPct val="100000"/>
+              </a:lnSpc>
+              <a:spcBef>
+                <a:spcPts val="0"/>
+              </a:spcBef>
+              <a:spcAft>
+                <a:spcPts val="0"/>
+              </a:spcAft>
+              <a:buClrTx/>
+              <a:buSzTx/>
+              <a:buFontTx/>
+              <a:buNone/>
+              <a:tabLst/>
+              <a:defRPr/>
+            </a:pPr>
+            <a:r>
+              <a:rPr lang="de-DE" dirty="0" smtClean="0"/>
+              <a:t>Abnahmekriterien </a:t>
+            </a:r>
+            <a:r>
+              <a:rPr lang="de-DE" dirty="0" smtClean="0">
+                <a:sym typeface="Wingdings" pitchFamily="2" charset="2"/>
+              </a:rPr>
+              <a:t> PAW</a:t>
+            </a:r>
+            <a:endParaRPr lang="de-DE" dirty="0" smtClean="0"/>
+          </a:p>
+          <a:p>
+            <a:r>
+              <a:rPr lang="de-DE" dirty="0" smtClean="0"/>
+              <a:t>Weitere Projektplanung und Ausblick (ALI)</a:t>
+            </a:r>
+          </a:p>
+          <a:p>
+            <a:pPr marL="82296" indent="0">
+              <a:buNone/>
+            </a:pPr>
+            <a:endParaRPr lang="de-DE" dirty="0" smtClean="0"/>
           </a:p>
           <a:p>
             <a:endParaRPr lang="de-DE" dirty="0"/>
@@ -1849,7 +3346,7 @@
     </p:spTree>
     <p:extLst>
       <p:ext uri="{BB962C8B-B14F-4D97-AF65-F5344CB8AC3E}">
-        <p14:creationId xmlns="" xmlns:p14="http://schemas.microsoft.com/office/powerpoint/2010/main" val="2934279750"/>
+        <p14:creationId xmlns:p14="http://schemas.microsoft.com/office/powerpoint/2010/main" val="517533983"/>
       </p:ext>
     </p:extLst>
   </p:cSld>
@@ -2259,7 +3756,7 @@
     </p:spTree>
     <p:extLst>
       <p:ext uri="{BB962C8B-B14F-4D97-AF65-F5344CB8AC3E}">
-        <p14:creationId xmlns="" xmlns:p14="http://schemas.microsoft.com/office/powerpoint/2010/main" val="2934279750"/>
+        <p14:creationId xmlns:p14="http://schemas.microsoft.com/office/powerpoint/2010/main" val="2934279750"/>
       </p:ext>
     </p:extLst>
   </p:cSld>
@@ -2669,7 +4166,7 @@
     </p:spTree>
     <p:extLst>
       <p:ext uri="{BB962C8B-B14F-4D97-AF65-F5344CB8AC3E}">
-        <p14:creationId xmlns="" xmlns:p14="http://schemas.microsoft.com/office/powerpoint/2010/main" val="2934279750"/>
+        <p14:creationId xmlns:p14="http://schemas.microsoft.com/office/powerpoint/2010/main" val="2934279750"/>
       </p:ext>
     </p:extLst>
   </p:cSld>
@@ -3079,7 +4576,7 @@
     </p:spTree>
     <p:extLst>
       <p:ext uri="{BB962C8B-B14F-4D97-AF65-F5344CB8AC3E}">
-        <p14:creationId xmlns="" xmlns:p14="http://schemas.microsoft.com/office/powerpoint/2010/main" val="2934279750"/>
+        <p14:creationId xmlns:p14="http://schemas.microsoft.com/office/powerpoint/2010/main" val="2934279750"/>
       </p:ext>
     </p:extLst>
   </p:cSld>
@@ -3133,6 +4630,331 @@
           <a:bodyPr/>
           <a:lstStyle/>
           <a:p>
+            <a:r>
+              <a:rPr lang="de-DE" dirty="0" smtClean="0"/>
+              <a:t>Funktionale Anforderung per </a:t>
+            </a:r>
+            <a:r>
+              <a:rPr lang="de-DE" dirty="0" err="1" smtClean="0"/>
+              <a:t>Mockup</a:t>
+            </a:r>
+            <a:r>
+              <a:rPr lang="de-DE" dirty="0" smtClean="0"/>
+              <a:t> dargestellt und textuell ergänzt:</a:t>
+            </a:r>
+          </a:p>
+          <a:p>
+            <a:r>
+              <a:rPr lang="de-DE" sz="1200" kern="1200" dirty="0" smtClean="0">
+                <a:solidFill>
+                  <a:schemeClr val="tx1"/>
+                </a:solidFill>
+                <a:effectLst/>
+                <a:latin typeface="+mn-lt"/>
+                <a:ea typeface="+mn-ea"/>
+                <a:cs typeface="+mn-cs"/>
+              </a:rPr>
+              <a:t>Der beliebiger Internetnutzer kann sich über </a:t>
+            </a:r>
+            <a:r>
+              <a:rPr lang="de-DE" sz="1200" kern="1200" dirty="0" err="1" smtClean="0">
+                <a:solidFill>
+                  <a:schemeClr val="tx1"/>
+                </a:solidFill>
+                <a:effectLst/>
+                <a:latin typeface="+mn-lt"/>
+                <a:ea typeface="+mn-ea"/>
+                <a:cs typeface="+mn-cs"/>
+              </a:rPr>
+              <a:t>oAuth</a:t>
+            </a:r>
+            <a:r>
+              <a:rPr lang="de-DE" sz="1200" kern="1200" dirty="0" smtClean="0">
+                <a:solidFill>
+                  <a:schemeClr val="tx1"/>
+                </a:solidFill>
+                <a:effectLst/>
+                <a:latin typeface="+mn-lt"/>
+                <a:ea typeface="+mn-ea"/>
+                <a:cs typeface="+mn-cs"/>
+              </a:rPr>
+              <a:t> (Google oder Facebook-Account) auf der folgenden Eingabemaske an der Internetplattform </a:t>
+            </a:r>
+            <a:r>
+              <a:rPr lang="de-DE" sz="1200" kern="1200" dirty="0" err="1" smtClean="0">
+                <a:solidFill>
+                  <a:schemeClr val="tx1"/>
+                </a:solidFill>
+                <a:effectLst/>
+                <a:latin typeface="+mn-lt"/>
+                <a:ea typeface="+mn-ea"/>
+                <a:cs typeface="+mn-cs"/>
+              </a:rPr>
+              <a:t>Eventalizer</a:t>
+            </a:r>
+            <a:r>
+              <a:rPr lang="de-DE" sz="1200" kern="1200" dirty="0" smtClean="0">
+                <a:solidFill>
+                  <a:schemeClr val="tx1"/>
+                </a:solidFill>
+                <a:effectLst/>
+                <a:latin typeface="+mn-lt"/>
+                <a:ea typeface="+mn-ea"/>
+                <a:cs typeface="+mn-cs"/>
+              </a:rPr>
+              <a:t> anmelden:</a:t>
+            </a:r>
+            <a:br>
+              <a:rPr lang="de-DE" sz="1200" kern="1200" dirty="0" smtClean="0">
+                <a:solidFill>
+                  <a:schemeClr val="tx1"/>
+                </a:solidFill>
+                <a:effectLst/>
+                <a:latin typeface="+mn-lt"/>
+                <a:ea typeface="+mn-ea"/>
+                <a:cs typeface="+mn-cs"/>
+              </a:rPr>
+            </a:br>
+            <a:r>
+              <a:rPr lang="de-DE" sz="1200" kern="1200" dirty="0" smtClean="0">
+                <a:solidFill>
+                  <a:schemeClr val="tx1"/>
+                </a:solidFill>
+                <a:effectLst/>
+                <a:latin typeface="+mn-lt"/>
+                <a:ea typeface="+mn-ea"/>
+                <a:cs typeface="+mn-cs"/>
+              </a:rPr>
+              <a:t> </a:t>
+            </a:r>
+            <a:br>
+              <a:rPr lang="de-DE" sz="1200" kern="1200" dirty="0" smtClean="0">
+                <a:solidFill>
+                  <a:schemeClr val="tx1"/>
+                </a:solidFill>
+                <a:effectLst/>
+                <a:latin typeface="+mn-lt"/>
+                <a:ea typeface="+mn-ea"/>
+                <a:cs typeface="+mn-cs"/>
+              </a:rPr>
+            </a:br>
+            <a:r>
+              <a:rPr lang="de-DE" sz="1200" kern="1200" dirty="0" smtClean="0">
+                <a:solidFill>
+                  <a:schemeClr val="tx1"/>
+                </a:solidFill>
+                <a:effectLst/>
+                <a:latin typeface="+mn-lt"/>
+                <a:ea typeface="+mn-ea"/>
+                <a:cs typeface="+mn-cs"/>
+              </a:rPr>
+              <a:t>Für eine erfolgreiche Anmeldung ist die Angabe der folgenden Informationen notwendig:</a:t>
+            </a:r>
+          </a:p>
+          <a:p>
+            <a:pPr lvl="0"/>
+            <a:r>
+              <a:rPr lang="de-DE" sz="1200" kern="1200" dirty="0" err="1" smtClean="0">
+                <a:solidFill>
+                  <a:schemeClr val="tx1"/>
+                </a:solidFill>
+                <a:effectLst/>
+                <a:latin typeface="+mn-lt"/>
+                <a:ea typeface="+mn-ea"/>
+                <a:cs typeface="+mn-cs"/>
+              </a:rPr>
+              <a:t>Social</a:t>
+            </a:r>
+            <a:r>
+              <a:rPr lang="de-DE" sz="1200" kern="1200" dirty="0" smtClean="0">
+                <a:solidFill>
+                  <a:schemeClr val="tx1"/>
+                </a:solidFill>
+                <a:effectLst/>
+                <a:latin typeface="+mn-lt"/>
+                <a:ea typeface="+mn-ea"/>
+                <a:cs typeface="+mn-cs"/>
+              </a:rPr>
+              <a:t>-Network-Anbieter</a:t>
+            </a:r>
+          </a:p>
+          <a:p>
+            <a:pPr lvl="0"/>
+            <a:r>
+              <a:rPr lang="de-DE" sz="1200" kern="1200" dirty="0" smtClean="0">
+                <a:solidFill>
+                  <a:schemeClr val="tx1"/>
+                </a:solidFill>
+                <a:effectLst/>
+                <a:latin typeface="+mn-lt"/>
+                <a:ea typeface="+mn-ea"/>
+                <a:cs typeface="+mn-cs"/>
+              </a:rPr>
+              <a:t>Der dort verwendete Benutzername</a:t>
+            </a:r>
+          </a:p>
+          <a:p>
+            <a:pPr lvl="0"/>
+            <a:r>
+              <a:rPr lang="de-DE" sz="1200" kern="1200" dirty="0" smtClean="0">
+                <a:solidFill>
+                  <a:schemeClr val="tx1"/>
+                </a:solidFill>
+                <a:effectLst/>
+                <a:latin typeface="+mn-lt"/>
+                <a:ea typeface="+mn-ea"/>
+                <a:cs typeface="+mn-cs"/>
+              </a:rPr>
+              <a:t>Das dort verwendete persönliche Passwort</a:t>
+            </a:r>
+          </a:p>
+          <a:p>
+            <a:r>
+              <a:rPr lang="de-DE" sz="1200" kern="1200" dirty="0" smtClean="0">
+                <a:solidFill>
+                  <a:schemeClr val="tx1"/>
+                </a:solidFill>
+                <a:effectLst/>
+                <a:latin typeface="+mn-lt"/>
+                <a:ea typeface="+mn-ea"/>
+                <a:cs typeface="+mn-cs"/>
+              </a:rPr>
+              <a:t>Die möglichen </a:t>
+            </a:r>
+            <a:r>
+              <a:rPr lang="de-DE" sz="1200" kern="1200" dirty="0" err="1" smtClean="0">
+                <a:solidFill>
+                  <a:schemeClr val="tx1"/>
+                </a:solidFill>
+                <a:effectLst/>
+                <a:latin typeface="+mn-lt"/>
+                <a:ea typeface="+mn-ea"/>
+                <a:cs typeface="+mn-cs"/>
+              </a:rPr>
+              <a:t>Social</a:t>
+            </a:r>
+            <a:r>
+              <a:rPr lang="de-DE" sz="1200" kern="1200" dirty="0" smtClean="0">
+                <a:solidFill>
+                  <a:schemeClr val="tx1"/>
+                </a:solidFill>
+                <a:effectLst/>
+                <a:latin typeface="+mn-lt"/>
+                <a:ea typeface="+mn-ea"/>
+                <a:cs typeface="+mn-cs"/>
+              </a:rPr>
+              <a:t>-Network-Anbieter werden auf der Eingabemaske aufgeführt. </a:t>
+            </a:r>
+            <a:br>
+              <a:rPr lang="de-DE" sz="1200" kern="1200" dirty="0" smtClean="0">
+                <a:solidFill>
+                  <a:schemeClr val="tx1"/>
+                </a:solidFill>
+                <a:effectLst/>
+                <a:latin typeface="+mn-lt"/>
+                <a:ea typeface="+mn-ea"/>
+                <a:cs typeface="+mn-cs"/>
+              </a:rPr>
+            </a:br>
+            <a:r>
+              <a:rPr lang="de-DE" sz="1200" kern="1200" dirty="0" smtClean="0">
+                <a:solidFill>
+                  <a:schemeClr val="tx1"/>
+                </a:solidFill>
+                <a:effectLst/>
+                <a:latin typeface="+mn-lt"/>
+                <a:ea typeface="+mn-ea"/>
+                <a:cs typeface="+mn-cs"/>
+              </a:rPr>
+              <a:t>Die Anmeldung an der Internetplattform ist erfolgreich, wenn die Antwort des </a:t>
+            </a:r>
+            <a:r>
+              <a:rPr lang="de-DE" sz="1200" kern="1200" dirty="0" err="1" smtClean="0">
+                <a:solidFill>
+                  <a:schemeClr val="tx1"/>
+                </a:solidFill>
+                <a:effectLst/>
+                <a:latin typeface="+mn-lt"/>
+                <a:ea typeface="+mn-ea"/>
+                <a:cs typeface="+mn-cs"/>
+              </a:rPr>
+              <a:t>Social</a:t>
+            </a:r>
+            <a:r>
+              <a:rPr lang="de-DE" sz="1200" kern="1200" dirty="0" smtClean="0">
+                <a:solidFill>
+                  <a:schemeClr val="tx1"/>
+                </a:solidFill>
+                <a:effectLst/>
+                <a:latin typeface="+mn-lt"/>
+                <a:ea typeface="+mn-ea"/>
+                <a:cs typeface="+mn-cs"/>
+              </a:rPr>
+              <a:t>-Network-Anbieters positiv ist, d.h. ist der Benutzer dort authentifiziert wurde und die Benutzerdaten übermittelt worden sind. Kann der Benutzer nicht über den </a:t>
+            </a:r>
+            <a:r>
+              <a:rPr lang="de-DE" sz="1200" kern="1200" dirty="0" err="1" smtClean="0">
+                <a:solidFill>
+                  <a:schemeClr val="tx1"/>
+                </a:solidFill>
+                <a:effectLst/>
+                <a:latin typeface="+mn-lt"/>
+                <a:ea typeface="+mn-ea"/>
+                <a:cs typeface="+mn-cs"/>
+              </a:rPr>
+              <a:t>Social</a:t>
+            </a:r>
+            <a:r>
+              <a:rPr lang="de-DE" sz="1200" kern="1200" dirty="0" smtClean="0">
+                <a:solidFill>
+                  <a:schemeClr val="tx1"/>
+                </a:solidFill>
+                <a:effectLst/>
+                <a:latin typeface="+mn-lt"/>
+                <a:ea typeface="+mn-ea"/>
+                <a:cs typeface="+mn-cs"/>
+              </a:rPr>
+              <a:t>-Network-Anbieter authentifiziert werden, erfolgt auch keine Anmeldung.</a:t>
+            </a:r>
+          </a:p>
+          <a:p>
+            <a:r>
+              <a:rPr lang="de-DE" sz="1200" kern="1200" dirty="0" smtClean="0">
+                <a:solidFill>
+                  <a:schemeClr val="tx1"/>
+                </a:solidFill>
+                <a:effectLst/>
+                <a:latin typeface="+mn-lt"/>
+                <a:ea typeface="+mn-ea"/>
+                <a:cs typeface="+mn-cs"/>
+              </a:rPr>
+              <a:t/>
+            </a:r>
+            <a:br>
+              <a:rPr lang="de-DE" sz="1200" kern="1200" dirty="0" smtClean="0">
+                <a:solidFill>
+                  <a:schemeClr val="tx1"/>
+                </a:solidFill>
+                <a:effectLst/>
+                <a:latin typeface="+mn-lt"/>
+                <a:ea typeface="+mn-ea"/>
+                <a:cs typeface="+mn-cs"/>
+              </a:rPr>
+            </a:br>
+            <a:r>
+              <a:rPr lang="de-DE" sz="1200" kern="1200" dirty="0" smtClean="0">
+                <a:solidFill>
+                  <a:schemeClr val="tx1"/>
+                </a:solidFill>
+                <a:effectLst/>
+                <a:latin typeface="+mn-lt"/>
+                <a:ea typeface="+mn-ea"/>
+                <a:cs typeface="+mn-cs"/>
+              </a:rPr>
+              <a:t>@FSM:  Updaten</a:t>
+            </a:r>
+          </a:p>
+          <a:p>
             <a:endParaRPr lang="de-DE" dirty="0"/>
           </a:p>
         </p:txBody>
@@ -3152,19 +4974,19 @@
           <a:bodyPr/>
           <a:lstStyle/>
           <a:p>
-            <a:fld id="{1EBFF01C-F984-4A51-AF10-254043F7C542}" type="slidenum">
-              <a:rPr lang="de-DE" smtClean="0"/>
+            <a:fld id="{F7EBFB8C-BBFF-4397-A51C-1E92596422A9}" type="slidenum">
+              <a:rPr lang="en-US" smtClean="0"/>
               <a:pPr/>
               <a:t>7</a:t>
             </a:fld>
-            <a:endParaRPr lang="de-DE"/>
+            <a:endParaRPr lang="en-US" dirty="0"/>
           </a:p>
         </p:txBody>
       </p:sp>
     </p:spTree>
     <p:extLst>
       <p:ext uri="{BB962C8B-B14F-4D97-AF65-F5344CB8AC3E}">
-        <p14:creationId xmlns="" xmlns:p14="http://schemas.microsoft.com/office/powerpoint/2010/main" val="3860513045"/>
+        <p14:creationId xmlns:p14="http://schemas.microsoft.com/office/powerpoint/2010/main" val="2934279750"/>
       </p:ext>
     </p:extLst>
   </p:cSld>
@@ -3218,40 +5040,6 @@
           <a:bodyPr/>
           <a:lstStyle/>
           <a:p>
-            <a:r>
-              <a:rPr lang="de-DE" dirty="0" smtClean="0"/>
-              <a:t>Ist evtl. überflüssig, da grob in </a:t>
-            </a:r>
-            <a:r>
-              <a:rPr lang="de-DE" dirty="0" err="1" smtClean="0"/>
-              <a:t>Zwischenpräsi</a:t>
-            </a:r>
-            <a:r>
-              <a:rPr lang="de-DE" dirty="0" smtClean="0"/>
-              <a:t> erwähnt?</a:t>
-            </a:r>
-          </a:p>
-          <a:p>
-            <a:r>
-              <a:rPr lang="de-DE" dirty="0" smtClean="0"/>
-              <a:t>Können wir </a:t>
-            </a:r>
-            <a:r>
-              <a:rPr lang="de-DE" dirty="0" err="1" smtClean="0"/>
-              <a:t>Roo</a:t>
-            </a:r>
-            <a:r>
-              <a:rPr lang="de-DE" baseline="0" dirty="0" smtClean="0"/>
-              <a:t> als Vorlage für die Agenda nehmen? Oder doch eher die technische Umsetzungsfolge </a:t>
-            </a:r>
-            <a:r>
-              <a:rPr lang="de-DE" baseline="0" dirty="0" err="1" smtClean="0"/>
-              <a:t>alá</a:t>
-            </a:r>
-            <a:r>
-              <a:rPr lang="de-DE" baseline="0" dirty="0" smtClean="0"/>
-              <a:t> RUP?</a:t>
-            </a:r>
             <a:endParaRPr lang="de-DE" dirty="0"/>
           </a:p>
         </p:txBody>
@@ -3271,19 +5059,19 @@
           <a:bodyPr/>
           <a:lstStyle/>
           <a:p>
-            <a:fld id="{F7EBFB8C-BBFF-4397-A51C-1E92596422A9}" type="slidenum">
-              <a:rPr lang="en-US" smtClean="0"/>
+            <a:fld id="{1EBFF01C-F984-4A51-AF10-254043F7C542}" type="slidenum">
+              <a:rPr lang="de-DE" smtClean="0"/>
               <a:pPr/>
-              <a:t>9</a:t>
+              <a:t>8</a:t>
             </a:fld>
-            <a:endParaRPr lang="en-US" dirty="0"/>
+            <a:endParaRPr lang="de-DE"/>
           </a:p>
         </p:txBody>
       </p:sp>
     </p:spTree>
     <p:extLst>
       <p:ext uri="{BB962C8B-B14F-4D97-AF65-F5344CB8AC3E}">
-        <p14:creationId xmlns="" xmlns:p14="http://schemas.microsoft.com/office/powerpoint/2010/main" val="135288531"/>
+        <p14:creationId xmlns:p14="http://schemas.microsoft.com/office/powerpoint/2010/main" val="3860513045"/>
       </p:ext>
     </p:extLst>
   </p:cSld>
@@ -3339,52 +5127,329 @@
           <a:p>
             <a:r>
               <a:rPr lang="de-DE" dirty="0" smtClean="0"/>
-              <a:t>Blau: Event </a:t>
+              <a:t>Funktionale Anforderung per </a:t>
             </a:r>
             <a:r>
               <a:rPr lang="de-DE" dirty="0" err="1" smtClean="0"/>
-              <a:t>anlage</a:t>
-            </a:r>
-            <a:endParaRPr lang="de-DE" dirty="0" smtClean="0"/>
-          </a:p>
-          <a:p>
-            <a:r>
-              <a:rPr lang="de-DE" dirty="0" smtClean="0"/>
-              <a:t>DB Table Event, </a:t>
-            </a:r>
-            <a:r>
-              <a:rPr lang="de-DE" dirty="0" err="1" smtClean="0"/>
-              <a:t>normaliserte</a:t>
-            </a:r>
-            <a:r>
-              <a:rPr lang="de-DE" baseline="0" dirty="0" smtClean="0"/>
-              <a:t> Teilnehmerliste und Ort</a:t>
-            </a:r>
-          </a:p>
-          <a:p>
-            <a:endParaRPr lang="de-DE" baseline="0" dirty="0" smtClean="0"/>
-          </a:p>
-          <a:p>
-            <a:r>
-              <a:rPr lang="de-DE" baseline="0" dirty="0" smtClean="0"/>
-              <a:t>Rot: Login Verknüpfung Session ID aus </a:t>
-            </a:r>
-            <a:r>
-              <a:rPr lang="de-DE" baseline="0" dirty="0" err="1" smtClean="0"/>
+              <a:t>Mockup</a:t>
+            </a:r>
+            <a:r>
+              <a:rPr lang="de-DE" dirty="0" smtClean="0"/>
+              <a:t> dargestellt und textuell ergänzt:</a:t>
+            </a:r>
+          </a:p>
+          <a:p>
+            <a:r>
+              <a:rPr lang="de-DE" sz="1200" kern="1200" dirty="0" smtClean="0">
+                <a:solidFill>
+                  <a:schemeClr val="tx1"/>
+                </a:solidFill>
+                <a:effectLst/>
+                <a:latin typeface="+mn-lt"/>
+                <a:ea typeface="+mn-ea"/>
+                <a:cs typeface="+mn-cs"/>
+              </a:rPr>
+              <a:t>Der beliebiger Internetnutzer kann sich über </a:t>
+            </a:r>
+            <a:r>
+              <a:rPr lang="de-DE" sz="1200" kern="1200" dirty="0" err="1" smtClean="0">
+                <a:solidFill>
+                  <a:schemeClr val="tx1"/>
+                </a:solidFill>
+                <a:effectLst/>
+                <a:latin typeface="+mn-lt"/>
+                <a:ea typeface="+mn-ea"/>
+                <a:cs typeface="+mn-cs"/>
+              </a:rPr>
               <a:t>oAuth</a:t>
             </a:r>
             <a:r>
-              <a:rPr lang="de-DE" baseline="0" dirty="0" smtClean="0"/>
-              <a:t>, Grunddaten (</a:t>
-            </a:r>
-            <a:r>
-              <a:rPr lang="de-DE" baseline="0" dirty="0" err="1" smtClean="0"/>
-              <a:t>name</a:t>
-            </a:r>
-            <a:r>
-              <a:rPr lang="de-DE" baseline="0" dirty="0" smtClean="0"/>
-              <a:t>, E-Mail-Adresse etc.) werden ausgelesen und persistent gespeichert.</a:t>
-            </a:r>
+              <a:rPr lang="de-DE" sz="1200" kern="1200" dirty="0" smtClean="0">
+                <a:solidFill>
+                  <a:schemeClr val="tx1"/>
+                </a:solidFill>
+                <a:effectLst/>
+                <a:latin typeface="+mn-lt"/>
+                <a:ea typeface="+mn-ea"/>
+                <a:cs typeface="+mn-cs"/>
+              </a:rPr>
+              <a:t> (Google oder Facebook-Account) auf der folgenden Eingabemaske an der Internetplattform </a:t>
+            </a:r>
+            <a:r>
+              <a:rPr lang="de-DE" sz="1200" kern="1200" dirty="0" err="1" smtClean="0">
+                <a:solidFill>
+                  <a:schemeClr val="tx1"/>
+                </a:solidFill>
+                <a:effectLst/>
+                <a:latin typeface="+mn-lt"/>
+                <a:ea typeface="+mn-ea"/>
+                <a:cs typeface="+mn-cs"/>
+              </a:rPr>
+              <a:t>Eventalizer</a:t>
+            </a:r>
+            <a:r>
+              <a:rPr lang="de-DE" sz="1200" kern="1200" dirty="0" smtClean="0">
+                <a:solidFill>
+                  <a:schemeClr val="tx1"/>
+                </a:solidFill>
+                <a:effectLst/>
+                <a:latin typeface="+mn-lt"/>
+                <a:ea typeface="+mn-ea"/>
+                <a:cs typeface="+mn-cs"/>
+              </a:rPr>
+              <a:t> anmelden:</a:t>
+            </a:r>
+            <a:br>
+              <a:rPr lang="de-DE" sz="1200" kern="1200" dirty="0" smtClean="0">
+                <a:solidFill>
+                  <a:schemeClr val="tx1"/>
+                </a:solidFill>
+                <a:effectLst/>
+                <a:latin typeface="+mn-lt"/>
+                <a:ea typeface="+mn-ea"/>
+                <a:cs typeface="+mn-cs"/>
+              </a:rPr>
+            </a:br>
+            <a:r>
+              <a:rPr lang="de-DE" sz="1200" kern="1200" dirty="0" smtClean="0">
+                <a:solidFill>
+                  <a:schemeClr val="tx1"/>
+                </a:solidFill>
+                <a:effectLst/>
+                <a:latin typeface="+mn-lt"/>
+                <a:ea typeface="+mn-ea"/>
+                <a:cs typeface="+mn-cs"/>
+              </a:rPr>
+              <a:t> </a:t>
+            </a:r>
+            <a:br>
+              <a:rPr lang="de-DE" sz="1200" kern="1200" dirty="0" smtClean="0">
+                <a:solidFill>
+                  <a:schemeClr val="tx1"/>
+                </a:solidFill>
+                <a:effectLst/>
+                <a:latin typeface="+mn-lt"/>
+                <a:ea typeface="+mn-ea"/>
+                <a:cs typeface="+mn-cs"/>
+              </a:rPr>
+            </a:br>
+            <a:r>
+              <a:rPr lang="de-DE" sz="1200" kern="1200" dirty="0" smtClean="0">
+                <a:solidFill>
+                  <a:schemeClr val="tx1"/>
+                </a:solidFill>
+                <a:effectLst/>
+                <a:latin typeface="+mn-lt"/>
+                <a:ea typeface="+mn-ea"/>
+                <a:cs typeface="+mn-cs"/>
+              </a:rPr>
+              <a:t>Für eine erfolgreiche Anmeldung ist die Angabe der folgenden Informationen notwendig:</a:t>
+            </a:r>
+          </a:p>
+          <a:p>
+            <a:pPr lvl="0"/>
+            <a:r>
+              <a:rPr lang="de-DE" sz="1200" kern="1200" dirty="0" err="1" smtClean="0">
+                <a:solidFill>
+                  <a:schemeClr val="tx1"/>
+                </a:solidFill>
+                <a:effectLst/>
+                <a:latin typeface="+mn-lt"/>
+                <a:ea typeface="+mn-ea"/>
+                <a:cs typeface="+mn-cs"/>
+              </a:rPr>
+              <a:t>Social</a:t>
+            </a:r>
+            <a:r>
+              <a:rPr lang="de-DE" sz="1200" kern="1200" dirty="0" smtClean="0">
+                <a:solidFill>
+                  <a:schemeClr val="tx1"/>
+                </a:solidFill>
+                <a:effectLst/>
+                <a:latin typeface="+mn-lt"/>
+                <a:ea typeface="+mn-ea"/>
+                <a:cs typeface="+mn-cs"/>
+              </a:rPr>
+              <a:t>-Network-Anbieter</a:t>
+            </a:r>
+          </a:p>
+          <a:p>
+            <a:pPr lvl="0"/>
+            <a:r>
+              <a:rPr lang="de-DE" sz="1200" kern="1200" dirty="0" smtClean="0">
+                <a:solidFill>
+                  <a:schemeClr val="tx1"/>
+                </a:solidFill>
+                <a:effectLst/>
+                <a:latin typeface="+mn-lt"/>
+                <a:ea typeface="+mn-ea"/>
+                <a:cs typeface="+mn-cs"/>
+              </a:rPr>
+              <a:t>Der dort verwendete Benutzername</a:t>
+            </a:r>
+          </a:p>
+          <a:p>
+            <a:pPr lvl="0"/>
+            <a:r>
+              <a:rPr lang="de-DE" sz="1200" kern="1200" dirty="0" smtClean="0">
+                <a:solidFill>
+                  <a:schemeClr val="tx1"/>
+                </a:solidFill>
+                <a:effectLst/>
+                <a:latin typeface="+mn-lt"/>
+                <a:ea typeface="+mn-ea"/>
+                <a:cs typeface="+mn-cs"/>
+              </a:rPr>
+              <a:t>Das dort verwendete persönliche Passwort</a:t>
+            </a:r>
+          </a:p>
+          <a:p>
+            <a:r>
+              <a:rPr lang="de-DE" sz="1200" kern="1200" dirty="0" smtClean="0">
+                <a:solidFill>
+                  <a:schemeClr val="tx1"/>
+                </a:solidFill>
+                <a:effectLst/>
+                <a:latin typeface="+mn-lt"/>
+                <a:ea typeface="+mn-ea"/>
+                <a:cs typeface="+mn-cs"/>
+              </a:rPr>
+              <a:t>Die möglichen </a:t>
+            </a:r>
+            <a:r>
+              <a:rPr lang="de-DE" sz="1200" kern="1200" dirty="0" err="1" smtClean="0">
+                <a:solidFill>
+                  <a:schemeClr val="tx1"/>
+                </a:solidFill>
+                <a:effectLst/>
+                <a:latin typeface="+mn-lt"/>
+                <a:ea typeface="+mn-ea"/>
+                <a:cs typeface="+mn-cs"/>
+              </a:rPr>
+              <a:t>Social</a:t>
+            </a:r>
+            <a:r>
+              <a:rPr lang="de-DE" sz="1200" kern="1200" dirty="0" smtClean="0">
+                <a:solidFill>
+                  <a:schemeClr val="tx1"/>
+                </a:solidFill>
+                <a:effectLst/>
+                <a:latin typeface="+mn-lt"/>
+                <a:ea typeface="+mn-ea"/>
+                <a:cs typeface="+mn-cs"/>
+              </a:rPr>
+              <a:t>-Network-Anbieter werden auf der Eingabemaske aufgeführt. </a:t>
+            </a:r>
+            <a:br>
+              <a:rPr lang="de-DE" sz="1200" kern="1200" dirty="0" smtClean="0">
+                <a:solidFill>
+                  <a:schemeClr val="tx1"/>
+                </a:solidFill>
+                <a:effectLst/>
+                <a:latin typeface="+mn-lt"/>
+                <a:ea typeface="+mn-ea"/>
+                <a:cs typeface="+mn-cs"/>
+              </a:rPr>
+            </a:br>
+            <a:r>
+              <a:rPr lang="de-DE" sz="1200" kern="1200" dirty="0" smtClean="0">
+                <a:solidFill>
+                  <a:schemeClr val="tx1"/>
+                </a:solidFill>
+                <a:effectLst/>
+                <a:latin typeface="+mn-lt"/>
+                <a:ea typeface="+mn-ea"/>
+                <a:cs typeface="+mn-cs"/>
+              </a:rPr>
+              <a:t>Die Anmeldung an der Internetplattform ist erfolgreich, wenn die Antwort des </a:t>
+            </a:r>
+            <a:r>
+              <a:rPr lang="de-DE" sz="1200" kern="1200" dirty="0" err="1" smtClean="0">
+                <a:solidFill>
+                  <a:schemeClr val="tx1"/>
+                </a:solidFill>
+                <a:effectLst/>
+                <a:latin typeface="+mn-lt"/>
+                <a:ea typeface="+mn-ea"/>
+                <a:cs typeface="+mn-cs"/>
+              </a:rPr>
+              <a:t>Social</a:t>
+            </a:r>
+            <a:r>
+              <a:rPr lang="de-DE" sz="1200" kern="1200" dirty="0" smtClean="0">
+                <a:solidFill>
+                  <a:schemeClr val="tx1"/>
+                </a:solidFill>
+                <a:effectLst/>
+                <a:latin typeface="+mn-lt"/>
+                <a:ea typeface="+mn-ea"/>
+                <a:cs typeface="+mn-cs"/>
+              </a:rPr>
+              <a:t>-Network-Anbieters positiv ist, d.h. ist der Benutzer dort authentifiziert wurde und die Benutzerdaten übermittelt worden sind. Kann der Benutzer nicht über den </a:t>
+            </a:r>
+            <a:r>
+              <a:rPr lang="de-DE" sz="1200" kern="1200" dirty="0" err="1" smtClean="0">
+                <a:solidFill>
+                  <a:schemeClr val="tx1"/>
+                </a:solidFill>
+                <a:effectLst/>
+                <a:latin typeface="+mn-lt"/>
+                <a:ea typeface="+mn-ea"/>
+                <a:cs typeface="+mn-cs"/>
+              </a:rPr>
+              <a:t>Social</a:t>
+            </a:r>
+            <a:r>
+              <a:rPr lang="de-DE" sz="1200" kern="1200" dirty="0" smtClean="0">
+                <a:solidFill>
+                  <a:schemeClr val="tx1"/>
+                </a:solidFill>
+                <a:effectLst/>
+                <a:latin typeface="+mn-lt"/>
+                <a:ea typeface="+mn-ea"/>
+                <a:cs typeface="+mn-cs"/>
+              </a:rPr>
+              <a:t>-Network-Anbieter authentifiziert werden, erfolgt auch keine Anmeldung.</a:t>
+            </a:r>
+          </a:p>
+          <a:p>
+            <a:r>
+              <a:rPr lang="de-DE" sz="1200" kern="1200" dirty="0" smtClean="0">
+                <a:solidFill>
+                  <a:schemeClr val="tx1"/>
+                </a:solidFill>
+                <a:effectLst/>
+                <a:latin typeface="+mn-lt"/>
+                <a:ea typeface="+mn-ea"/>
+                <a:cs typeface="+mn-cs"/>
+              </a:rPr>
+              <a:t/>
+            </a:r>
+            <a:br>
+              <a:rPr lang="de-DE" sz="1200" kern="1200" dirty="0" smtClean="0">
+                <a:solidFill>
+                  <a:schemeClr val="tx1"/>
+                </a:solidFill>
+                <a:effectLst/>
+                <a:latin typeface="+mn-lt"/>
+                <a:ea typeface="+mn-ea"/>
+                <a:cs typeface="+mn-cs"/>
+              </a:rPr>
+            </a:br>
+            <a:r>
+              <a:rPr lang="de-DE" sz="1200" kern="1200" dirty="0" smtClean="0">
+                <a:solidFill>
+                  <a:schemeClr val="tx1"/>
+                </a:solidFill>
+                <a:effectLst/>
+                <a:latin typeface="+mn-lt"/>
+                <a:ea typeface="+mn-ea"/>
+                <a:cs typeface="+mn-cs"/>
+              </a:rPr>
+              <a:t>@FSM:  Updaten</a:t>
+            </a:r>
+          </a:p>
+          <a:p>
             <a:endParaRPr lang="de-DE" dirty="0"/>
           </a:p>
         </p:txBody>
@@ -3407,7 +5472,7 @@
             <a:fld id="{F7EBFB8C-BBFF-4397-A51C-1E92596422A9}" type="slidenum">
               <a:rPr lang="en-US" smtClean="0"/>
               <a:pPr/>
-              <a:t>12</a:t>
+              <a:t>11</a:t>
             </a:fld>
             <a:endParaRPr lang="en-US" dirty="0"/>
           </a:p>
@@ -3416,7 +5481,7 @@
     </p:spTree>
     <p:extLst>
       <p:ext uri="{BB962C8B-B14F-4D97-AF65-F5344CB8AC3E}">
-        <p14:creationId xmlns="" xmlns:p14="http://schemas.microsoft.com/office/powerpoint/2010/main" val="802076649"/>
+        <p14:creationId xmlns:p14="http://schemas.microsoft.com/office/powerpoint/2010/main" val="2934279750"/>
       </p:ext>
     </p:extLst>
   </p:cSld>
@@ -7656,7 +9721,7 @@
           <a:blip r:embed="rId13" cstate="print">
             <a:extLst>
               <a:ext uri="{28A0092B-C50C-407E-A947-70E740481C1C}">
-                <a14:useLocalDpi xmlns="" xmlns:a14="http://schemas.microsoft.com/office/drawing/2010/main" val="0"/>
+                <a14:useLocalDpi xmlns:a14="http://schemas.microsoft.com/office/drawing/2010/main" val="0"/>
               </a:ext>
             </a:extLst>
           </a:blip>
@@ -8154,7 +10219,7 @@
           <a:blip r:embed="rId3" cstate="print">
             <a:extLst>
               <a:ext uri="{28A0092B-C50C-407E-A947-70E740481C1C}">
-                <a14:useLocalDpi xmlns="" xmlns:a14="http://schemas.microsoft.com/office/drawing/2010/main" val="0"/>
+                <a14:useLocalDpi xmlns:a14="http://schemas.microsoft.com/office/drawing/2010/main" val="0"/>
               </a:ext>
             </a:extLst>
           </a:blip>
@@ -8184,7 +10249,7 @@
           <a:blip r:embed="rId4" cstate="print">
             <a:extLst>
               <a:ext uri="{28A0092B-C50C-407E-A947-70E740481C1C}">
-                <a14:useLocalDpi xmlns="" xmlns:a14="http://schemas.microsoft.com/office/drawing/2010/main" val="0"/>
+                <a14:useLocalDpi xmlns:a14="http://schemas.microsoft.com/office/drawing/2010/main" val="0"/>
               </a:ext>
             </a:extLst>
           </a:blip>
@@ -8218,7 +10283,7 @@
 </file>
 
 <file path=ppt/slides/slide10.xml><?xml version="1.0" encoding="utf-8"?>
-<p:sld xmlns:a="http://schemas.openxmlformats.org/drawingml/2006/main" xmlns:r="http://schemas.openxmlformats.org/officeDocument/2006/relationships" xmlns:p="http://schemas.openxmlformats.org/presentationml/2006/main">
+<p:sld xmlns:a="http://schemas.openxmlformats.org/drawingml/2006/main" xmlns:r="http://schemas.openxmlformats.org/officeDocument/2006/relationships" xmlns:p="http://schemas.openxmlformats.org/presentationml/2006/main" show="0">
   <p:cSld>
     <p:spTree>
       <p:nvGrpSpPr>
@@ -8236,7 +10301,7 @@
       </p:grpSpPr>
       <p:sp>
         <p:nvSpPr>
-          <p:cNvPr id="2" name="Titel 1"/>
+          <p:cNvPr id="7" name="Titel 6"/>
           <p:cNvSpPr>
             <a:spLocks noGrp="1"/>
           </p:cNvSpPr>
@@ -8246,18 +10311,12 @@
         </p:nvSpPr>
         <p:spPr/>
         <p:txBody>
-          <a:bodyPr>
-            <a:normAutofit/>
-          </a:bodyPr>
-          <a:lstStyle/>
-          <a:p>
-            <a:r>
-              <a:rPr lang="de-DE" dirty="0" smtClean="0"/>
-              <a:t>Sequenzdiagramm Spring </a:t>
-            </a:r>
-            <a:r>
-              <a:rPr lang="de-DE" dirty="0" err="1" smtClean="0"/>
-              <a:t>Roo</a:t>
+          <a:bodyPr/>
+          <a:lstStyle/>
+          <a:p>
+            <a:r>
+              <a:rPr lang="de-DE" dirty="0" smtClean="0"/>
+              <a:t>Event erstellen</a:t>
             </a:r>
             <a:endParaRPr lang="de-DE" dirty="0"/>
           </a:p>
@@ -8265,26 +10324,33 @@
       </p:sp>
       <p:sp>
         <p:nvSpPr>
-          <p:cNvPr id="10" name="Inhaltsplatzhalter 9"/>
-          <p:cNvSpPr>
-            <a:spLocks noGrp="1"/>
-          </p:cNvSpPr>
-          <p:nvPr>
-            <p:ph idx="1"/>
-          </p:nvPr>
-        </p:nvSpPr>
-        <p:spPr/>
-        <p:txBody>
-          <a:bodyPr/>
-          <a:lstStyle/>
-          <a:p>
-            <a:endParaRPr lang="de-DE"/>
-          </a:p>
-        </p:txBody>
-      </p:sp>
-      <p:sp>
-        <p:nvSpPr>
-          <p:cNvPr id="7" name="Datumsplatzhalter 6"/>
+          <p:cNvPr id="8" name="Textplatzhalter 7"/>
+          <p:cNvSpPr>
+            <a:spLocks noGrp="1"/>
+          </p:cNvSpPr>
+          <p:nvPr>
+            <p:ph type="body" idx="1"/>
+          </p:nvPr>
+        </p:nvSpPr>
+        <p:spPr/>
+        <p:txBody>
+          <a:bodyPr/>
+          <a:lstStyle/>
+          <a:p>
+            <a:r>
+              <a:rPr lang="de-DE" dirty="0" smtClean="0"/>
+              <a:t>Umsetzun</a:t>
+            </a:r>
+            <a:r>
+              <a:rPr lang="de-DE" dirty="0"/>
+              <a:t>g</a:t>
+            </a:r>
+          </a:p>
+        </p:txBody>
+      </p:sp>
+      <p:sp>
+        <p:nvSpPr>
+          <p:cNvPr id="4" name="Datumsplatzhalter 3"/>
           <p:cNvSpPr>
             <a:spLocks noGrp="1"/>
           </p:cNvSpPr>
@@ -8307,7 +10373,7 @@
       </p:sp>
       <p:sp>
         <p:nvSpPr>
-          <p:cNvPr id="8" name="Fußzeilenplatzhalter 7"/>
+          <p:cNvPr id="5" name="Fußzeilenplatzhalter 4"/>
           <p:cNvSpPr>
             <a:spLocks noGrp="1"/>
           </p:cNvSpPr>
@@ -8330,7 +10396,7 @@
       </p:sp>
       <p:sp>
         <p:nvSpPr>
-          <p:cNvPr id="9" name="Foliennummernplatzhalter 8"/>
+          <p:cNvPr id="6" name="Foliennummernplatzhalter 5"/>
           <p:cNvSpPr>
             <a:spLocks noGrp="1"/>
           </p:cNvSpPr>
@@ -8353,10 +10419,23 @@
         </p:txBody>
       </p:sp>
     </p:spTree>
+    <p:extLst>
+      <p:ext uri="{BB962C8B-B14F-4D97-AF65-F5344CB8AC3E}">
+        <p14:creationId xmlns:p14="http://schemas.microsoft.com/office/powerpoint/2010/main" val="1358210935"/>
+      </p:ext>
+    </p:extLst>
   </p:cSld>
   <p:clrMapOvr>
     <a:masterClrMapping/>
   </p:clrMapOvr>
+  <mc:AlternateContent xmlns:mc="http://schemas.openxmlformats.org/markup-compatibility/2006">
+    <mc:Choice xmlns:p14="http://schemas.microsoft.com/office/powerpoint/2010/main" Requires="p14">
+      <p:transition spd="slow" p14:dur="2000"/>
+    </mc:Choice>
+    <mc:Fallback>
+      <p:transition spd="slow"/>
+    </mc:Fallback>
+  </mc:AlternateContent>
 </p:sld>
 </file>
 
@@ -8377,9 +10456,35 @@
           <a:chExt cx="0" cy="0"/>
         </a:xfrm>
       </p:grpSpPr>
-      <p:sp>
-        <p:nvSpPr>
-          <p:cNvPr id="10" name="Titel 9"/>
+      <p:pic>
+        <p:nvPicPr>
+          <p:cNvPr id="1027" name="Picture 3" descr="C:\Users\Alexander\Desktop\Anwendungsfalldiagramm Benutzer und Eventfunktionen.png"/>
+          <p:cNvPicPr>
+            <a:picLocks noChangeAspect="1" noChangeArrowheads="1"/>
+          </p:cNvPicPr>
+          <p:nvPr/>
+        </p:nvPicPr>
+        <p:blipFill>
+          <a:blip r:embed="rId3" cstate="print"/>
+          <a:srcRect/>
+          <a:stretch>
+            <a:fillRect/>
+          </a:stretch>
+        </p:blipFill>
+        <p:spPr bwMode="auto">
+          <a:xfrm>
+            <a:off x="1475656" y="1268765"/>
+            <a:ext cx="2628000" cy="2468173"/>
+          </a:xfrm>
+          <a:prstGeom prst="rect">
+            <a:avLst/>
+          </a:prstGeom>
+          <a:noFill/>
+        </p:spPr>
+      </p:pic>
+      <p:sp>
+        <p:nvSpPr>
+          <p:cNvPr id="2" name="Titel 1"/>
           <p:cNvSpPr>
             <a:spLocks noGrp="1"/>
           </p:cNvSpPr>
@@ -8389,12 +10494,14 @@
         </p:nvSpPr>
         <p:spPr/>
         <p:txBody>
-          <a:bodyPr/>
-          <a:lstStyle/>
-          <a:p>
-            <a:r>
-              <a:rPr lang="de-DE" dirty="0" err="1" smtClean="0"/>
-              <a:t>LiveDemo</a:t>
+          <a:bodyPr>
+            <a:normAutofit/>
+          </a:bodyPr>
+          <a:lstStyle/>
+          <a:p>
+            <a:r>
+              <a:rPr lang="de-DE" dirty="0" smtClean="0"/>
+              <a:t>Anwendungsfalldiagramm</a:t>
             </a:r>
             <a:endParaRPr lang="de-DE" dirty="0"/>
           </a:p>
@@ -8402,26 +10509,26 @@
       </p:sp>
       <p:sp>
         <p:nvSpPr>
-          <p:cNvPr id="11" name="Textplatzhalter 10"/>
-          <p:cNvSpPr>
-            <a:spLocks noGrp="1"/>
-          </p:cNvSpPr>
-          <p:nvPr>
-            <p:ph type="body" idx="1"/>
-          </p:nvPr>
-        </p:nvSpPr>
-        <p:spPr/>
-        <p:txBody>
-          <a:bodyPr/>
-          <a:lstStyle/>
-          <a:p>
-            <a:endParaRPr lang="de-DE" dirty="0"/>
-          </a:p>
-        </p:txBody>
-      </p:sp>
-      <p:sp>
-        <p:nvSpPr>
-          <p:cNvPr id="7" name="Datumsplatzhalter 6"/>
+          <p:cNvPr id="9" name="Inhaltsplatzhalter 8"/>
+          <p:cNvSpPr>
+            <a:spLocks noGrp="1"/>
+          </p:cNvSpPr>
+          <p:nvPr>
+            <p:ph idx="1"/>
+          </p:nvPr>
+        </p:nvSpPr>
+        <p:spPr/>
+        <p:txBody>
+          <a:bodyPr/>
+          <a:lstStyle/>
+          <a:p>
+            <a:endParaRPr lang="de-DE"/>
+          </a:p>
+        </p:txBody>
+      </p:sp>
+      <p:sp>
+        <p:nvSpPr>
+          <p:cNvPr id="4" name="Datumsplatzhalter 3"/>
           <p:cNvSpPr>
             <a:spLocks noGrp="1"/>
           </p:cNvSpPr>
@@ -8444,7 +10551,7 @@
       </p:sp>
       <p:sp>
         <p:nvSpPr>
-          <p:cNvPr id="8" name="Fußzeilenplatzhalter 7"/>
+          <p:cNvPr id="5" name="Fußzeilenplatzhalter 4"/>
           <p:cNvSpPr>
             <a:spLocks noGrp="1"/>
           </p:cNvSpPr>
@@ -8467,7 +10574,7 @@
       </p:sp>
       <p:sp>
         <p:nvSpPr>
-          <p:cNvPr id="9" name="Foliennummernplatzhalter 8"/>
+          <p:cNvPr id="6" name="Foliennummernplatzhalter 5"/>
           <p:cNvSpPr>
             <a:spLocks noGrp="1"/>
           </p:cNvSpPr>
@@ -8489,16 +10596,241 @@
           </a:p>
         </p:txBody>
       </p:sp>
+      <p:pic>
+        <p:nvPicPr>
+          <p:cNvPr id="2050" name="Picture 2" descr="C:\Users\Alexander\Desktop\Anwendungsfalldiagramm Benutzer und Eventfunktionen.png"/>
+          <p:cNvPicPr>
+            <a:picLocks noChangeAspect="1" noChangeArrowheads="1"/>
+          </p:cNvPicPr>
+          <p:nvPr/>
+        </p:nvPicPr>
+        <p:blipFill>
+          <a:blip r:embed="rId3" cstate="print"/>
+          <a:srcRect l="37173" t="41284" b="9873"/>
+          <a:stretch>
+            <a:fillRect/>
+          </a:stretch>
+        </p:blipFill>
+        <p:spPr bwMode="auto">
+          <a:xfrm>
+            <a:off x="4499992" y="2924944"/>
+            <a:ext cx="4536504" cy="3312368"/>
+          </a:xfrm>
+          <a:prstGeom prst="rect">
+            <a:avLst/>
+          </a:prstGeom>
+          <a:noFill/>
+          <a:ln w="25400">
+            <a:solidFill>
+              <a:schemeClr val="accent6"/>
+            </a:solidFill>
+          </a:ln>
+        </p:spPr>
+      </p:pic>
+      <p:sp>
+        <p:nvSpPr>
+          <p:cNvPr id="8" name="Rechteck 7"/>
+          <p:cNvSpPr/>
+          <p:nvPr/>
+        </p:nvSpPr>
+        <p:spPr>
+          <a:xfrm>
+            <a:off x="2411760" y="2276872"/>
+            <a:ext cx="1728192" cy="1224136"/>
+          </a:xfrm>
+          <a:prstGeom prst="rect">
+            <a:avLst/>
+          </a:prstGeom>
+          <a:noFill/>
+        </p:spPr>
+        <p:style>
+          <a:lnRef idx="2">
+            <a:schemeClr val="accent6"/>
+          </a:lnRef>
+          <a:fillRef idx="1">
+            <a:schemeClr val="lt1"/>
+          </a:fillRef>
+          <a:effectRef idx="0">
+            <a:schemeClr val="accent6"/>
+          </a:effectRef>
+          <a:fontRef idx="minor">
+            <a:schemeClr val="dk1"/>
+          </a:fontRef>
+        </p:style>
+        <p:txBody>
+          <a:bodyPr rtlCol="0" anchor="ctr"/>
+          <a:lstStyle/>
+          <a:p>
+            <a:pPr algn="ctr"/>
+            <a:endParaRPr lang="de-DE">
+              <a:solidFill>
+                <a:schemeClr val="dk1"/>
+              </a:solidFill>
+            </a:endParaRPr>
+          </a:p>
+        </p:txBody>
+      </p:sp>
+      <p:cxnSp>
+        <p:nvCxnSpPr>
+          <p:cNvPr id="11" name="Gerade Verbindung 10"/>
+          <p:cNvCxnSpPr/>
+          <p:nvPr/>
+        </p:nvCxnSpPr>
+        <p:spPr>
+          <a:xfrm>
+            <a:off x="4139952" y="2276872"/>
+            <a:ext cx="360040" cy="648072"/>
+          </a:xfrm>
+          <a:prstGeom prst="line">
+            <a:avLst/>
+          </a:prstGeom>
+          <a:noFill/>
+        </p:spPr>
+        <p:style>
+          <a:lnRef idx="2">
+            <a:schemeClr val="accent6"/>
+          </a:lnRef>
+          <a:fillRef idx="1">
+            <a:schemeClr val="lt1"/>
+          </a:fillRef>
+          <a:effectRef idx="0">
+            <a:schemeClr val="accent6"/>
+          </a:effectRef>
+          <a:fontRef idx="minor">
+            <a:schemeClr val="dk1"/>
+          </a:fontRef>
+        </p:style>
+      </p:cxnSp>
+      <p:cxnSp>
+        <p:nvCxnSpPr>
+          <p:cNvPr id="12" name="Gerade Verbindung 11"/>
+          <p:cNvCxnSpPr/>
+          <p:nvPr/>
+        </p:nvCxnSpPr>
+        <p:spPr>
+          <a:xfrm>
+            <a:off x="4139952" y="3501008"/>
+            <a:ext cx="360040" cy="2736304"/>
+          </a:xfrm>
+          <a:prstGeom prst="line">
+            <a:avLst/>
+          </a:prstGeom>
+          <a:noFill/>
+        </p:spPr>
+        <p:style>
+          <a:lnRef idx="2">
+            <a:schemeClr val="accent6"/>
+          </a:lnRef>
+          <a:fillRef idx="1">
+            <a:schemeClr val="lt1"/>
+          </a:fillRef>
+          <a:effectRef idx="0">
+            <a:schemeClr val="accent6"/>
+          </a:effectRef>
+          <a:fontRef idx="minor">
+            <a:schemeClr val="dk1"/>
+          </a:fontRef>
+        </p:style>
+      </p:cxnSp>
+      <p:sp>
+        <p:nvSpPr>
+          <p:cNvPr id="15" name="Rechteck 14"/>
+          <p:cNvSpPr/>
+          <p:nvPr/>
+        </p:nvSpPr>
+        <p:spPr>
+          <a:xfrm>
+            <a:off x="5220072" y="3861048"/>
+            <a:ext cx="1368152" cy="648072"/>
+          </a:xfrm>
+          <a:prstGeom prst="rect">
+            <a:avLst/>
+          </a:prstGeom>
+          <a:noFill/>
+        </p:spPr>
+        <p:style>
+          <a:lnRef idx="2">
+            <a:schemeClr val="accent1">
+              <a:shade val="50000"/>
+            </a:schemeClr>
+          </a:lnRef>
+          <a:fillRef idx="1">
+            <a:schemeClr val="accent1"/>
+          </a:fillRef>
+          <a:effectRef idx="0">
+            <a:schemeClr val="accent1"/>
+          </a:effectRef>
+          <a:fontRef idx="minor">
+            <a:schemeClr val="lt1"/>
+          </a:fontRef>
+        </p:style>
+        <p:txBody>
+          <a:bodyPr rtlCol="0" anchor="ctr"/>
+          <a:lstStyle/>
+          <a:p>
+            <a:pPr algn="ctr"/>
+            <a:endParaRPr lang="de-DE"/>
+          </a:p>
+        </p:txBody>
+      </p:sp>
+      <p:sp>
+        <p:nvSpPr>
+          <p:cNvPr id="25" name="Rechteck 24"/>
+          <p:cNvSpPr/>
+          <p:nvPr/>
+        </p:nvSpPr>
+        <p:spPr>
+          <a:xfrm>
+            <a:off x="4572000" y="5517232"/>
+            <a:ext cx="1368152" cy="648072"/>
+          </a:xfrm>
+          <a:prstGeom prst="rect">
+            <a:avLst/>
+          </a:prstGeom>
+          <a:noFill/>
+        </p:spPr>
+        <p:style>
+          <a:lnRef idx="2">
+            <a:schemeClr val="accent1">
+              <a:shade val="50000"/>
+            </a:schemeClr>
+          </a:lnRef>
+          <a:fillRef idx="1">
+            <a:schemeClr val="accent1"/>
+          </a:fillRef>
+          <a:effectRef idx="0">
+            <a:schemeClr val="accent1"/>
+          </a:effectRef>
+          <a:fontRef idx="minor">
+            <a:schemeClr val="lt1"/>
+          </a:fontRef>
+        </p:style>
+        <p:txBody>
+          <a:bodyPr rtlCol="0" anchor="ctr"/>
+          <a:lstStyle/>
+          <a:p>
+            <a:pPr algn="ctr"/>
+            <a:endParaRPr lang="de-DE"/>
+          </a:p>
+        </p:txBody>
+      </p:sp>
     </p:spTree>
     <p:extLst>
       <p:ext uri="{BB962C8B-B14F-4D97-AF65-F5344CB8AC3E}">
-        <p14:creationId xmlns="" xmlns:p14="http://schemas.microsoft.com/office/powerpoint/2010/main" val="2634211947"/>
+        <p14:creationId xmlns:p14="http://schemas.microsoft.com/office/powerpoint/2010/main" val="1084121422"/>
       </p:ext>
     </p:extLst>
   </p:cSld>
   <p:clrMapOvr>
     <a:masterClrMapping/>
   </p:clrMapOvr>
+  <p:timing>
+    <p:tnLst>
+      <p:par>
+        <p:cTn id="1" dur="indefinite" restart="never" nodeType="tmRoot"/>
+      </p:par>
+    </p:tnLst>
+  </p:timing>
 </p:sld>
 </file>
 
@@ -8538,76 +10870,14 @@
           <a:p>
             <a:r>
               <a:rPr lang="de-DE" dirty="0" smtClean="0"/>
-              <a:t>Domänenklassendiagramm - Event</a:t>
-            </a:r>
-            <a:endParaRPr lang="de-DE" dirty="0"/>
-          </a:p>
-        </p:txBody>
-      </p:sp>
-      <p:sp>
-        <p:nvSpPr>
-          <p:cNvPr id="3" name="Inhaltsplatzhalter 2"/>
-          <p:cNvSpPr>
-            <a:spLocks noGrp="1"/>
-          </p:cNvSpPr>
-          <p:nvPr>
-            <p:ph idx="1"/>
-          </p:nvPr>
-        </p:nvSpPr>
-        <p:spPr/>
-        <p:txBody>
-          <a:bodyPr/>
-          <a:lstStyle/>
-          <a:p>
-            <a:r>
-              <a:rPr lang="de-DE" dirty="0" smtClean="0"/>
-              <a:t>TODO</a:t>
-            </a:r>
-            <a:endParaRPr lang="de-DE" dirty="0"/>
-          </a:p>
-        </p:txBody>
-      </p:sp>
-      <p:sp>
-        <p:nvSpPr>
-          <p:cNvPr id="4" name="Datumsplatzhalter 3"/>
-          <p:cNvSpPr>
-            <a:spLocks noGrp="1"/>
-          </p:cNvSpPr>
-          <p:nvPr>
-            <p:ph type="dt" sz="half" idx="10"/>
-          </p:nvPr>
-        </p:nvSpPr>
-        <p:spPr/>
-        <p:txBody>
-          <a:bodyPr/>
-          <a:lstStyle/>
-          <a:p>
-            <a:r>
-              <a:rPr lang="de-DE" smtClean="0"/>
-              <a:t>21.04.2012</a:t>
-            </a:r>
-            <a:endParaRPr lang="en-US"/>
-          </a:p>
-        </p:txBody>
-      </p:sp>
-      <p:sp>
-        <p:nvSpPr>
-          <p:cNvPr id="5" name="Fußzeilenplatzhalter 4"/>
-          <p:cNvSpPr>
-            <a:spLocks noGrp="1"/>
-          </p:cNvSpPr>
-          <p:nvPr>
-            <p:ph type="ftr" sz="quarter" idx="11"/>
-          </p:nvPr>
-        </p:nvSpPr>
-        <p:spPr/>
-        <p:txBody>
-          <a:bodyPr/>
-          <a:lstStyle/>
-          <a:p>
-            <a:r>
-              <a:rPr lang="de-DE" smtClean="0"/>
-              <a:t>FST Projekt "Eventalizer" (SS 2012) Team 5</a:t>
+              <a:t>Lastenheft</a:t>
+            </a:r>
+            <a:br>
+              <a:rPr lang="de-DE" dirty="0" smtClean="0"/>
+            </a:br>
+            <a:r>
+              <a:rPr lang="de-DE" dirty="0" smtClean="0"/>
+              <a:t>funktionale Anforderungen</a:t>
             </a:r>
             <a:endParaRPr lang="de-DE" dirty="0"/>
           </a:p>
@@ -8637,16 +10907,45 @@
           </a:p>
         </p:txBody>
       </p:sp>
+      <p:sp>
+        <p:nvSpPr>
+          <p:cNvPr id="9" name="Inhaltsplatzhalter 8"/>
+          <p:cNvSpPr>
+            <a:spLocks noGrp="1"/>
+          </p:cNvSpPr>
+          <p:nvPr>
+            <p:ph idx="1"/>
+          </p:nvPr>
+        </p:nvSpPr>
+        <p:spPr/>
+        <p:txBody>
+          <a:bodyPr/>
+          <a:lstStyle/>
+          <a:p>
+            <a:r>
+              <a:rPr lang="de-DE" dirty="0" smtClean="0"/>
+              <a:t>Login</a:t>
+            </a:r>
+          </a:p>
+        </p:txBody>
+      </p:sp>
     </p:spTree>
     <p:extLst>
       <p:ext uri="{BB962C8B-B14F-4D97-AF65-F5344CB8AC3E}">
-        <p14:creationId xmlns="" xmlns:p14="http://schemas.microsoft.com/office/powerpoint/2010/main" val="3243626544"/>
+        <p14:creationId xmlns:p14="http://schemas.microsoft.com/office/powerpoint/2010/main" val="3549245410"/>
       </p:ext>
     </p:extLst>
   </p:cSld>
   <p:clrMapOvr>
     <a:masterClrMapping/>
   </p:clrMapOvr>
+  <p:timing>
+    <p:tnLst>
+      <p:par>
+        <p:cTn id="1" dur="indefinite" restart="never" nodeType="tmRoot"/>
+      </p:par>
+    </p:tnLst>
+  </p:timing>
 </p:sld>
 </file>
 
@@ -8686,14 +10985,14 @@
           <a:p>
             <a:r>
               <a:rPr lang="de-DE" dirty="0" smtClean="0"/>
-              <a:t>Detailkonzept</a:t>
+              <a:t>Pflichtenheft</a:t>
             </a:r>
             <a:br>
               <a:rPr lang="de-DE" dirty="0" smtClean="0"/>
             </a:br>
             <a:r>
               <a:rPr lang="de-DE" dirty="0" smtClean="0"/>
-              <a:t>Datenbankschema - Event</a:t>
+              <a:t>funktionale Anforderungen</a:t>
             </a:r>
             <a:endParaRPr lang="de-DE" dirty="0"/>
           </a:p>
@@ -8713,6 +11012,24 @@
         <p:txBody>
           <a:bodyPr/>
           <a:lstStyle/>
+          <a:p>
+            <a:endParaRPr lang="de-DE" dirty="0"/>
+          </a:p>
+          <a:p>
+            <a:endParaRPr lang="de-DE" dirty="0" smtClean="0"/>
+          </a:p>
+          <a:p>
+            <a:endParaRPr lang="de-DE" dirty="0"/>
+          </a:p>
+          <a:p>
+            <a:r>
+              <a:rPr lang="de-DE" dirty="0"/>
+              <a:t>F60 – Eventfunktionen: Event erstellen</a:t>
+            </a:r>
+          </a:p>
+          <a:p>
+            <a:endParaRPr lang="de-DE" dirty="0" smtClean="0"/>
+          </a:p>
           <a:p>
             <a:endParaRPr lang="de-DE" dirty="0"/>
           </a:p>
@@ -8783,6 +11100,1001 @@
               <a:rPr lang="en-US" smtClean="0"/>
               <a:pPr/>
               <a:t>13</a:t>
+            </a:fld>
+            <a:endParaRPr lang="en-US"/>
+          </a:p>
+        </p:txBody>
+      </p:sp>
+      <p:pic>
+        <p:nvPicPr>
+          <p:cNvPr id="8" name="Bild 31"/>
+          <p:cNvPicPr/>
+          <p:nvPr/>
+        </p:nvPicPr>
+        <p:blipFill>
+          <a:blip r:embed="rId3" cstate="print"/>
+          <a:srcRect/>
+          <a:stretch>
+            <a:fillRect/>
+          </a:stretch>
+        </p:blipFill>
+        <p:spPr bwMode="auto">
+          <a:xfrm>
+            <a:off x="2339752" y="3573016"/>
+            <a:ext cx="5399405" cy="2880995"/>
+          </a:xfrm>
+          <a:prstGeom prst="rect">
+            <a:avLst/>
+          </a:prstGeom>
+          <a:noFill/>
+        </p:spPr>
+      </p:pic>
+    </p:spTree>
+    <p:extLst>
+      <p:ext uri="{BB962C8B-B14F-4D97-AF65-F5344CB8AC3E}">
+        <p14:creationId xmlns:p14="http://schemas.microsoft.com/office/powerpoint/2010/main" val="1793566570"/>
+      </p:ext>
+    </p:extLst>
+  </p:cSld>
+  <p:clrMapOvr>
+    <a:masterClrMapping/>
+  </p:clrMapOvr>
+  <p:timing>
+    <p:tnLst>
+      <p:par>
+        <p:cTn id="1" dur="indefinite" restart="never" nodeType="tmRoot"/>
+      </p:par>
+    </p:tnLst>
+  </p:timing>
+</p:sld>
+</file>
+
+<file path=ppt/slides/slide14.xml><?xml version="1.0" encoding="utf-8"?>
+<p:sld xmlns:a="http://schemas.openxmlformats.org/drawingml/2006/main" xmlns:r="http://schemas.openxmlformats.org/officeDocument/2006/relationships" xmlns:p="http://schemas.openxmlformats.org/presentationml/2006/main">
+  <p:cSld>
+    <p:spTree>
+      <p:nvGrpSpPr>
+        <p:cNvPr id="1" name=""/>
+        <p:cNvGrpSpPr/>
+        <p:nvPr/>
+      </p:nvGrpSpPr>
+      <p:grpSpPr>
+        <a:xfrm>
+          <a:off x="0" y="0"/>
+          <a:ext cx="0" cy="0"/>
+          <a:chOff x="0" y="0"/>
+          <a:chExt cx="0" cy="0"/>
+        </a:xfrm>
+      </p:grpSpPr>
+      <p:sp>
+        <p:nvSpPr>
+          <p:cNvPr id="2" name="Titel 1"/>
+          <p:cNvSpPr>
+            <a:spLocks noGrp="1"/>
+          </p:cNvSpPr>
+          <p:nvPr>
+            <p:ph type="title"/>
+          </p:nvPr>
+        </p:nvSpPr>
+        <p:spPr/>
+        <p:txBody>
+          <a:bodyPr>
+            <a:normAutofit fontScale="90000"/>
+          </a:bodyPr>
+          <a:lstStyle/>
+          <a:p>
+            <a:r>
+              <a:rPr lang="de-DE" dirty="0" smtClean="0"/>
+              <a:t>Pflichtenheft</a:t>
+            </a:r>
+            <a:br>
+              <a:rPr lang="de-DE" dirty="0" smtClean="0"/>
+            </a:br>
+            <a:r>
+              <a:rPr lang="de-DE" dirty="0" smtClean="0"/>
+              <a:t>Aktivitätsdiagramme</a:t>
+            </a:r>
+            <a:endParaRPr lang="de-DE" dirty="0"/>
+          </a:p>
+        </p:txBody>
+      </p:sp>
+      <p:sp>
+        <p:nvSpPr>
+          <p:cNvPr id="4" name="Datumsplatzhalter 3"/>
+          <p:cNvSpPr>
+            <a:spLocks noGrp="1"/>
+          </p:cNvSpPr>
+          <p:nvPr>
+            <p:ph type="dt" sz="half" idx="10"/>
+          </p:nvPr>
+        </p:nvSpPr>
+        <p:spPr/>
+        <p:txBody>
+          <a:bodyPr/>
+          <a:lstStyle/>
+          <a:p>
+            <a:r>
+              <a:rPr lang="de-DE" smtClean="0"/>
+              <a:t>21.04.2012</a:t>
+            </a:r>
+            <a:endParaRPr lang="en-US"/>
+          </a:p>
+        </p:txBody>
+      </p:sp>
+      <p:sp>
+        <p:nvSpPr>
+          <p:cNvPr id="5" name="Fußzeilenplatzhalter 4"/>
+          <p:cNvSpPr>
+            <a:spLocks noGrp="1"/>
+          </p:cNvSpPr>
+          <p:nvPr>
+            <p:ph type="ftr" sz="quarter" idx="11"/>
+          </p:nvPr>
+        </p:nvSpPr>
+        <p:spPr/>
+        <p:txBody>
+          <a:bodyPr/>
+          <a:lstStyle/>
+          <a:p>
+            <a:r>
+              <a:rPr lang="de-DE" smtClean="0"/>
+              <a:t>FST Projekt "Eventalizer" (SS 2012) Team 5</a:t>
+            </a:r>
+            <a:endParaRPr lang="de-DE" dirty="0"/>
+          </a:p>
+        </p:txBody>
+      </p:sp>
+      <p:sp>
+        <p:nvSpPr>
+          <p:cNvPr id="6" name="Foliennummernplatzhalter 5"/>
+          <p:cNvSpPr>
+            <a:spLocks noGrp="1"/>
+          </p:cNvSpPr>
+          <p:nvPr>
+            <p:ph type="sldNum" sz="quarter" idx="12"/>
+          </p:nvPr>
+        </p:nvSpPr>
+        <p:spPr/>
+        <p:txBody>
+          <a:bodyPr/>
+          <a:lstStyle/>
+          <a:p>
+            <a:fld id="{990B41CA-569D-40E7-8E58-026C0338B2C8}" type="slidenum">
+              <a:rPr lang="en-US" smtClean="0"/>
+              <a:pPr/>
+              <a:t>14</a:t>
+            </a:fld>
+            <a:endParaRPr lang="en-US"/>
+          </a:p>
+        </p:txBody>
+      </p:sp>
+      <p:pic>
+        <p:nvPicPr>
+          <p:cNvPr id="15" name="Picture 2"/>
+          <p:cNvPicPr>
+            <a:picLocks noGrp="1" noChangeAspect="1" noChangeArrowheads="1"/>
+          </p:cNvPicPr>
+          <p:nvPr>
+            <p:ph sz="quarter" idx="4294967295"/>
+          </p:nvPr>
+        </p:nvPicPr>
+        <p:blipFill>
+          <a:blip r:embed="rId2" cstate="print">
+            <a:extLst>
+              <a:ext uri="{28A0092B-C50C-407E-A947-70E740481C1C}">
+                <a14:useLocalDpi xmlns:a14="http://schemas.microsoft.com/office/drawing/2010/main" val="0"/>
+              </a:ext>
+            </a:extLst>
+          </a:blip>
+          <a:srcRect/>
+          <a:stretch>
+            <a:fillRect/>
+          </a:stretch>
+        </p:blipFill>
+        <p:spPr bwMode="auto">
+          <a:xfrm>
+            <a:off x="3419872" y="2276872"/>
+            <a:ext cx="2457450" cy="4114800"/>
+          </a:xfrm>
+          <a:prstGeom prst="rect">
+            <a:avLst/>
+          </a:prstGeom>
+          <a:noFill/>
+          <a:ln>
+            <a:noFill/>
+          </a:ln>
+          <a:effectLst/>
+          <a:extLst>
+            <a:ext uri="{909E8E84-426E-40DD-AFC4-6F175D3DCCD1}">
+              <a14:hiddenFill xmlns:a14="http://schemas.microsoft.com/office/drawing/2010/main">
+                <a:solidFill>
+                  <a:schemeClr val="accent1"/>
+                </a:solidFill>
+              </a14:hiddenFill>
+            </a:ext>
+            <a:ext uri="{91240B29-F687-4F45-9708-019B960494DF}">
+              <a14:hiddenLine xmlns:a14="http://schemas.microsoft.com/office/drawing/2010/main" w="9525">
+                <a:solidFill>
+                  <a:schemeClr val="tx1"/>
+                </a:solidFill>
+                <a:miter lim="800000"/>
+                <a:headEnd/>
+                <a:tailEnd/>
+              </a14:hiddenLine>
+            </a:ext>
+            <a:ext uri="{AF507438-7753-43E0-B8FC-AC1667EBCBE1}">
+              <a14:hiddenEffects xmlns:a14="http://schemas.microsoft.com/office/drawing/2010/main">
+                <a:effectLst>
+                  <a:outerShdw dist="35921" dir="2700000" algn="ctr" rotWithShape="0">
+                    <a:schemeClr val="bg2"/>
+                  </a:outerShdw>
+                </a:effectLst>
+              </a14:hiddenEffects>
+            </a:ext>
+          </a:extLst>
+        </p:spPr>
+      </p:pic>
+      <p:sp>
+        <p:nvSpPr>
+          <p:cNvPr id="3" name="Inhaltsplatzhalter 2"/>
+          <p:cNvSpPr>
+            <a:spLocks noGrp="1"/>
+          </p:cNvSpPr>
+          <p:nvPr>
+            <p:ph idx="1"/>
+          </p:nvPr>
+        </p:nvSpPr>
+        <p:spPr/>
+        <p:txBody>
+          <a:bodyPr/>
+          <a:lstStyle/>
+          <a:p>
+            <a:r>
+              <a:rPr lang="de-DE" dirty="0"/>
+              <a:t>Event anlegen</a:t>
+            </a:r>
+          </a:p>
+          <a:p>
+            <a:endParaRPr lang="de-DE" dirty="0"/>
+          </a:p>
+        </p:txBody>
+      </p:sp>
+    </p:spTree>
+    <p:extLst>
+      <p:ext uri="{BB962C8B-B14F-4D97-AF65-F5344CB8AC3E}">
+        <p14:creationId xmlns:p14="http://schemas.microsoft.com/office/powerpoint/2010/main" val="3640051399"/>
+      </p:ext>
+    </p:extLst>
+  </p:cSld>
+  <p:clrMapOvr>
+    <a:masterClrMapping/>
+  </p:clrMapOvr>
+</p:sld>
+</file>
+
+<file path=ppt/slides/slide15.xml><?xml version="1.0" encoding="utf-8"?>
+<p:sld xmlns:a="http://schemas.openxmlformats.org/drawingml/2006/main" xmlns:r="http://schemas.openxmlformats.org/officeDocument/2006/relationships" xmlns:p="http://schemas.openxmlformats.org/presentationml/2006/main">
+  <p:cSld>
+    <p:spTree>
+      <p:nvGrpSpPr>
+        <p:cNvPr id="1" name=""/>
+        <p:cNvGrpSpPr/>
+        <p:nvPr/>
+      </p:nvGrpSpPr>
+      <p:grpSpPr>
+        <a:xfrm>
+          <a:off x="0" y="0"/>
+          <a:ext cx="0" cy="0"/>
+          <a:chOff x="0" y="0"/>
+          <a:chExt cx="0" cy="0"/>
+        </a:xfrm>
+      </p:grpSpPr>
+      <p:sp>
+        <p:nvSpPr>
+          <p:cNvPr id="2" name="Titel 1"/>
+          <p:cNvSpPr>
+            <a:spLocks noGrp="1"/>
+          </p:cNvSpPr>
+          <p:nvPr>
+            <p:ph type="title"/>
+          </p:nvPr>
+        </p:nvSpPr>
+        <p:spPr/>
+        <p:txBody>
+          <a:bodyPr/>
+          <a:lstStyle/>
+          <a:p>
+            <a:r>
+              <a:rPr lang="de-DE" dirty="0" err="1" smtClean="0"/>
+              <a:t>SpringRoo</a:t>
+            </a:r>
+            <a:endParaRPr lang="de-DE" dirty="0"/>
+          </a:p>
+        </p:txBody>
+      </p:sp>
+      <p:sp>
+        <p:nvSpPr>
+          <p:cNvPr id="4" name="Datumsplatzhalter 3"/>
+          <p:cNvSpPr>
+            <a:spLocks noGrp="1"/>
+          </p:cNvSpPr>
+          <p:nvPr>
+            <p:ph type="dt" sz="half" idx="10"/>
+          </p:nvPr>
+        </p:nvSpPr>
+        <p:spPr/>
+        <p:txBody>
+          <a:bodyPr/>
+          <a:lstStyle/>
+          <a:p>
+            <a:r>
+              <a:rPr lang="de-DE" smtClean="0"/>
+              <a:t>21.04.2012</a:t>
+            </a:r>
+            <a:endParaRPr lang="en-US"/>
+          </a:p>
+        </p:txBody>
+      </p:sp>
+      <p:sp>
+        <p:nvSpPr>
+          <p:cNvPr id="5" name="Fußzeilenplatzhalter 4"/>
+          <p:cNvSpPr>
+            <a:spLocks noGrp="1"/>
+          </p:cNvSpPr>
+          <p:nvPr>
+            <p:ph type="ftr" sz="quarter" idx="11"/>
+          </p:nvPr>
+        </p:nvSpPr>
+        <p:spPr/>
+        <p:txBody>
+          <a:bodyPr/>
+          <a:lstStyle/>
+          <a:p>
+            <a:r>
+              <a:rPr lang="de-DE" smtClean="0"/>
+              <a:t>FST Projekt "Eventalizer" (SS 2012) Team 5</a:t>
+            </a:r>
+            <a:endParaRPr lang="de-DE" dirty="0"/>
+          </a:p>
+        </p:txBody>
+      </p:sp>
+      <p:sp>
+        <p:nvSpPr>
+          <p:cNvPr id="6" name="Foliennummernplatzhalter 5"/>
+          <p:cNvSpPr>
+            <a:spLocks noGrp="1"/>
+          </p:cNvSpPr>
+          <p:nvPr>
+            <p:ph type="sldNum" sz="quarter" idx="12"/>
+          </p:nvPr>
+        </p:nvSpPr>
+        <p:spPr/>
+        <p:txBody>
+          <a:bodyPr/>
+          <a:lstStyle/>
+          <a:p>
+            <a:fld id="{990B41CA-569D-40E7-8E58-026C0338B2C8}" type="slidenum">
+              <a:rPr lang="en-US" smtClean="0"/>
+              <a:pPr/>
+              <a:t>15</a:t>
+            </a:fld>
+            <a:endParaRPr lang="en-US"/>
+          </a:p>
+        </p:txBody>
+      </p:sp>
+      <p:pic>
+        <p:nvPicPr>
+          <p:cNvPr id="7" name="Bild 1"/>
+          <p:cNvPicPr>
+            <a:picLocks noGrp="1"/>
+          </p:cNvPicPr>
+          <p:nvPr>
+            <p:ph idx="1"/>
+          </p:nvPr>
+        </p:nvPicPr>
+        <p:blipFill>
+          <a:blip r:embed="rId3" cstate="print"/>
+          <a:srcRect/>
+          <a:stretch>
+            <a:fillRect/>
+          </a:stretch>
+        </p:blipFill>
+        <p:spPr bwMode="auto">
+          <a:xfrm>
+            <a:off x="2710111" y="1447800"/>
+            <a:ext cx="4949327" cy="4800600"/>
+          </a:xfrm>
+          <a:prstGeom prst="rect">
+            <a:avLst/>
+          </a:prstGeom>
+          <a:noFill/>
+          <a:ln w="9525">
+            <a:noFill/>
+            <a:miter lim="800000"/>
+            <a:headEnd/>
+            <a:tailEnd/>
+          </a:ln>
+        </p:spPr>
+      </p:pic>
+    </p:spTree>
+    <p:extLst>
+      <p:ext uri="{BB962C8B-B14F-4D97-AF65-F5344CB8AC3E}">
+        <p14:creationId xmlns:p14="http://schemas.microsoft.com/office/powerpoint/2010/main" val="141785747"/>
+      </p:ext>
+    </p:extLst>
+  </p:cSld>
+  <p:clrMapOvr>
+    <a:masterClrMapping/>
+  </p:clrMapOvr>
+</p:sld>
+</file>
+
+<file path=ppt/slides/slide16.xml><?xml version="1.0" encoding="utf-8"?>
+<p:sld xmlns:a="http://schemas.openxmlformats.org/drawingml/2006/main" xmlns:r="http://schemas.openxmlformats.org/officeDocument/2006/relationships" xmlns:p="http://schemas.openxmlformats.org/presentationml/2006/main">
+  <p:cSld>
+    <p:spTree>
+      <p:nvGrpSpPr>
+        <p:cNvPr id="1" name=""/>
+        <p:cNvGrpSpPr/>
+        <p:nvPr/>
+      </p:nvGrpSpPr>
+      <p:grpSpPr>
+        <a:xfrm>
+          <a:off x="0" y="0"/>
+          <a:ext cx="0" cy="0"/>
+          <a:chOff x="0" y="0"/>
+          <a:chExt cx="0" cy="0"/>
+        </a:xfrm>
+      </p:grpSpPr>
+      <p:sp>
+        <p:nvSpPr>
+          <p:cNvPr id="2" name="Titel 1"/>
+          <p:cNvSpPr>
+            <a:spLocks noGrp="1"/>
+          </p:cNvSpPr>
+          <p:nvPr>
+            <p:ph type="title"/>
+          </p:nvPr>
+        </p:nvSpPr>
+        <p:spPr/>
+        <p:txBody>
+          <a:bodyPr>
+            <a:normAutofit/>
+          </a:bodyPr>
+          <a:lstStyle/>
+          <a:p>
+            <a:r>
+              <a:rPr lang="de-DE" dirty="0" smtClean="0"/>
+              <a:t>Sequenzdiagramm Spring </a:t>
+            </a:r>
+            <a:r>
+              <a:rPr lang="de-DE" dirty="0" err="1" smtClean="0"/>
+              <a:t>Roo</a:t>
+            </a:r>
+            <a:endParaRPr lang="de-DE" dirty="0"/>
+          </a:p>
+        </p:txBody>
+      </p:sp>
+      <p:sp>
+        <p:nvSpPr>
+          <p:cNvPr id="10" name="Inhaltsplatzhalter 9"/>
+          <p:cNvSpPr>
+            <a:spLocks noGrp="1"/>
+          </p:cNvSpPr>
+          <p:nvPr>
+            <p:ph idx="1"/>
+          </p:nvPr>
+        </p:nvSpPr>
+        <p:spPr/>
+        <p:txBody>
+          <a:bodyPr/>
+          <a:lstStyle/>
+          <a:p>
+            <a:endParaRPr lang="de-DE"/>
+          </a:p>
+        </p:txBody>
+      </p:sp>
+      <p:sp>
+        <p:nvSpPr>
+          <p:cNvPr id="7" name="Datumsplatzhalter 6"/>
+          <p:cNvSpPr>
+            <a:spLocks noGrp="1"/>
+          </p:cNvSpPr>
+          <p:nvPr>
+            <p:ph type="dt" sz="half" idx="10"/>
+          </p:nvPr>
+        </p:nvSpPr>
+        <p:spPr/>
+        <p:txBody>
+          <a:bodyPr/>
+          <a:lstStyle/>
+          <a:p>
+            <a:r>
+              <a:rPr lang="de-DE" smtClean="0"/>
+              <a:t>21.04.2012</a:t>
+            </a:r>
+            <a:endParaRPr lang="en-US"/>
+          </a:p>
+        </p:txBody>
+      </p:sp>
+      <p:sp>
+        <p:nvSpPr>
+          <p:cNvPr id="8" name="Fußzeilenplatzhalter 7"/>
+          <p:cNvSpPr>
+            <a:spLocks noGrp="1"/>
+          </p:cNvSpPr>
+          <p:nvPr>
+            <p:ph type="ftr" sz="quarter" idx="11"/>
+          </p:nvPr>
+        </p:nvSpPr>
+        <p:spPr/>
+        <p:txBody>
+          <a:bodyPr/>
+          <a:lstStyle/>
+          <a:p>
+            <a:r>
+              <a:rPr lang="de-DE" smtClean="0"/>
+              <a:t>FST Projekt "Eventalizer" (SS 2012) Team 5</a:t>
+            </a:r>
+            <a:endParaRPr lang="de-DE" dirty="0"/>
+          </a:p>
+        </p:txBody>
+      </p:sp>
+      <p:sp>
+        <p:nvSpPr>
+          <p:cNvPr id="9" name="Foliennummernplatzhalter 8"/>
+          <p:cNvSpPr>
+            <a:spLocks noGrp="1"/>
+          </p:cNvSpPr>
+          <p:nvPr>
+            <p:ph type="sldNum" sz="quarter" idx="12"/>
+          </p:nvPr>
+        </p:nvSpPr>
+        <p:spPr/>
+        <p:txBody>
+          <a:bodyPr/>
+          <a:lstStyle/>
+          <a:p>
+            <a:fld id="{990B41CA-569D-40E7-8E58-026C0338B2C8}" type="slidenum">
+              <a:rPr lang="en-US" smtClean="0"/>
+              <a:pPr/>
+              <a:t>16</a:t>
+            </a:fld>
+            <a:endParaRPr lang="en-US"/>
+          </a:p>
+        </p:txBody>
+      </p:sp>
+    </p:spTree>
+  </p:cSld>
+  <p:clrMapOvr>
+    <a:masterClrMapping/>
+  </p:clrMapOvr>
+</p:sld>
+</file>
+
+<file path=ppt/slides/slide17.xml><?xml version="1.0" encoding="utf-8"?>
+<p:sld xmlns:a="http://schemas.openxmlformats.org/drawingml/2006/main" xmlns:r="http://schemas.openxmlformats.org/officeDocument/2006/relationships" xmlns:p="http://schemas.openxmlformats.org/presentationml/2006/main">
+  <p:cSld>
+    <p:spTree>
+      <p:nvGrpSpPr>
+        <p:cNvPr id="1" name=""/>
+        <p:cNvGrpSpPr/>
+        <p:nvPr/>
+      </p:nvGrpSpPr>
+      <p:grpSpPr>
+        <a:xfrm>
+          <a:off x="0" y="0"/>
+          <a:ext cx="0" cy="0"/>
+          <a:chOff x="0" y="0"/>
+          <a:chExt cx="0" cy="0"/>
+        </a:xfrm>
+      </p:grpSpPr>
+      <p:sp>
+        <p:nvSpPr>
+          <p:cNvPr id="10" name="Titel 9"/>
+          <p:cNvSpPr>
+            <a:spLocks noGrp="1"/>
+          </p:cNvSpPr>
+          <p:nvPr>
+            <p:ph type="title"/>
+          </p:nvPr>
+        </p:nvSpPr>
+        <p:spPr/>
+        <p:txBody>
+          <a:bodyPr/>
+          <a:lstStyle/>
+          <a:p>
+            <a:r>
+              <a:rPr lang="de-DE" dirty="0" err="1" smtClean="0"/>
+              <a:t>LiveDemo</a:t>
+            </a:r>
+            <a:endParaRPr lang="de-DE" dirty="0"/>
+          </a:p>
+        </p:txBody>
+      </p:sp>
+      <p:sp>
+        <p:nvSpPr>
+          <p:cNvPr id="11" name="Textplatzhalter 10"/>
+          <p:cNvSpPr>
+            <a:spLocks noGrp="1"/>
+          </p:cNvSpPr>
+          <p:nvPr>
+            <p:ph type="body" idx="1"/>
+          </p:nvPr>
+        </p:nvSpPr>
+        <p:spPr/>
+        <p:txBody>
+          <a:bodyPr/>
+          <a:lstStyle/>
+          <a:p>
+            <a:endParaRPr lang="de-DE" dirty="0"/>
+          </a:p>
+        </p:txBody>
+      </p:sp>
+      <p:sp>
+        <p:nvSpPr>
+          <p:cNvPr id="7" name="Datumsplatzhalter 6"/>
+          <p:cNvSpPr>
+            <a:spLocks noGrp="1"/>
+          </p:cNvSpPr>
+          <p:nvPr>
+            <p:ph type="dt" sz="half" idx="10"/>
+          </p:nvPr>
+        </p:nvSpPr>
+        <p:spPr/>
+        <p:txBody>
+          <a:bodyPr/>
+          <a:lstStyle/>
+          <a:p>
+            <a:r>
+              <a:rPr lang="de-DE" smtClean="0"/>
+              <a:t>21.04.2012</a:t>
+            </a:r>
+            <a:endParaRPr lang="en-US"/>
+          </a:p>
+        </p:txBody>
+      </p:sp>
+      <p:sp>
+        <p:nvSpPr>
+          <p:cNvPr id="8" name="Fußzeilenplatzhalter 7"/>
+          <p:cNvSpPr>
+            <a:spLocks noGrp="1"/>
+          </p:cNvSpPr>
+          <p:nvPr>
+            <p:ph type="ftr" sz="quarter" idx="11"/>
+          </p:nvPr>
+        </p:nvSpPr>
+        <p:spPr/>
+        <p:txBody>
+          <a:bodyPr/>
+          <a:lstStyle/>
+          <a:p>
+            <a:r>
+              <a:rPr lang="de-DE" smtClean="0"/>
+              <a:t>FST Projekt "Eventalizer" (SS 2012) Team 5</a:t>
+            </a:r>
+            <a:endParaRPr lang="de-DE" dirty="0"/>
+          </a:p>
+        </p:txBody>
+      </p:sp>
+      <p:sp>
+        <p:nvSpPr>
+          <p:cNvPr id="9" name="Foliennummernplatzhalter 8"/>
+          <p:cNvSpPr>
+            <a:spLocks noGrp="1"/>
+          </p:cNvSpPr>
+          <p:nvPr>
+            <p:ph type="sldNum" sz="quarter" idx="12"/>
+          </p:nvPr>
+        </p:nvSpPr>
+        <p:spPr/>
+        <p:txBody>
+          <a:bodyPr/>
+          <a:lstStyle/>
+          <a:p>
+            <a:fld id="{990B41CA-569D-40E7-8E58-026C0338B2C8}" type="slidenum">
+              <a:rPr lang="en-US" smtClean="0"/>
+              <a:pPr/>
+              <a:t>17</a:t>
+            </a:fld>
+            <a:endParaRPr lang="en-US"/>
+          </a:p>
+        </p:txBody>
+      </p:sp>
+    </p:spTree>
+    <p:extLst>
+      <p:ext uri="{BB962C8B-B14F-4D97-AF65-F5344CB8AC3E}">
+        <p14:creationId xmlns:p14="http://schemas.microsoft.com/office/powerpoint/2010/main" val="2634211947"/>
+      </p:ext>
+    </p:extLst>
+  </p:cSld>
+  <p:clrMapOvr>
+    <a:masterClrMapping/>
+  </p:clrMapOvr>
+</p:sld>
+</file>
+
+<file path=ppt/slides/slide18.xml><?xml version="1.0" encoding="utf-8"?>
+<p:sld xmlns:a="http://schemas.openxmlformats.org/drawingml/2006/main" xmlns:r="http://schemas.openxmlformats.org/officeDocument/2006/relationships" xmlns:p="http://schemas.openxmlformats.org/presentationml/2006/main">
+  <p:cSld>
+    <p:spTree>
+      <p:nvGrpSpPr>
+        <p:cNvPr id="1" name=""/>
+        <p:cNvGrpSpPr/>
+        <p:nvPr/>
+      </p:nvGrpSpPr>
+      <p:grpSpPr>
+        <a:xfrm>
+          <a:off x="0" y="0"/>
+          <a:ext cx="0" cy="0"/>
+          <a:chOff x="0" y="0"/>
+          <a:chExt cx="0" cy="0"/>
+        </a:xfrm>
+      </p:grpSpPr>
+      <p:sp>
+        <p:nvSpPr>
+          <p:cNvPr id="2" name="Titel 1"/>
+          <p:cNvSpPr>
+            <a:spLocks noGrp="1"/>
+          </p:cNvSpPr>
+          <p:nvPr>
+            <p:ph type="title"/>
+          </p:nvPr>
+        </p:nvSpPr>
+        <p:spPr/>
+        <p:txBody>
+          <a:bodyPr>
+            <a:normAutofit fontScale="90000"/>
+          </a:bodyPr>
+          <a:lstStyle/>
+          <a:p>
+            <a:r>
+              <a:rPr lang="de-DE" dirty="0" smtClean="0"/>
+              <a:t>Domänenklassendiagramm - Event</a:t>
+            </a:r>
+            <a:endParaRPr lang="de-DE" dirty="0"/>
+          </a:p>
+        </p:txBody>
+      </p:sp>
+      <p:sp>
+        <p:nvSpPr>
+          <p:cNvPr id="3" name="Inhaltsplatzhalter 2"/>
+          <p:cNvSpPr>
+            <a:spLocks noGrp="1"/>
+          </p:cNvSpPr>
+          <p:nvPr>
+            <p:ph idx="1"/>
+          </p:nvPr>
+        </p:nvSpPr>
+        <p:spPr/>
+        <p:txBody>
+          <a:bodyPr/>
+          <a:lstStyle/>
+          <a:p>
+            <a:r>
+              <a:rPr lang="de-DE" dirty="0" smtClean="0"/>
+              <a:t>TODO</a:t>
+            </a:r>
+            <a:endParaRPr lang="de-DE" dirty="0"/>
+          </a:p>
+        </p:txBody>
+      </p:sp>
+      <p:sp>
+        <p:nvSpPr>
+          <p:cNvPr id="4" name="Datumsplatzhalter 3"/>
+          <p:cNvSpPr>
+            <a:spLocks noGrp="1"/>
+          </p:cNvSpPr>
+          <p:nvPr>
+            <p:ph type="dt" sz="half" idx="10"/>
+          </p:nvPr>
+        </p:nvSpPr>
+        <p:spPr/>
+        <p:txBody>
+          <a:bodyPr/>
+          <a:lstStyle/>
+          <a:p>
+            <a:r>
+              <a:rPr lang="de-DE" smtClean="0"/>
+              <a:t>21.04.2012</a:t>
+            </a:r>
+            <a:endParaRPr lang="en-US"/>
+          </a:p>
+        </p:txBody>
+      </p:sp>
+      <p:sp>
+        <p:nvSpPr>
+          <p:cNvPr id="5" name="Fußzeilenplatzhalter 4"/>
+          <p:cNvSpPr>
+            <a:spLocks noGrp="1"/>
+          </p:cNvSpPr>
+          <p:nvPr>
+            <p:ph type="ftr" sz="quarter" idx="11"/>
+          </p:nvPr>
+        </p:nvSpPr>
+        <p:spPr/>
+        <p:txBody>
+          <a:bodyPr/>
+          <a:lstStyle/>
+          <a:p>
+            <a:r>
+              <a:rPr lang="de-DE" smtClean="0"/>
+              <a:t>FST Projekt "Eventalizer" (SS 2012) Team 5</a:t>
+            </a:r>
+            <a:endParaRPr lang="de-DE" dirty="0"/>
+          </a:p>
+        </p:txBody>
+      </p:sp>
+      <p:sp>
+        <p:nvSpPr>
+          <p:cNvPr id="6" name="Foliennummernplatzhalter 5"/>
+          <p:cNvSpPr>
+            <a:spLocks noGrp="1"/>
+          </p:cNvSpPr>
+          <p:nvPr>
+            <p:ph type="sldNum" sz="quarter" idx="12"/>
+          </p:nvPr>
+        </p:nvSpPr>
+        <p:spPr/>
+        <p:txBody>
+          <a:bodyPr/>
+          <a:lstStyle/>
+          <a:p>
+            <a:fld id="{990B41CA-569D-40E7-8E58-026C0338B2C8}" type="slidenum">
+              <a:rPr lang="en-US" smtClean="0"/>
+              <a:pPr/>
+              <a:t>18</a:t>
+            </a:fld>
+            <a:endParaRPr lang="en-US"/>
+          </a:p>
+        </p:txBody>
+      </p:sp>
+    </p:spTree>
+    <p:extLst>
+      <p:ext uri="{BB962C8B-B14F-4D97-AF65-F5344CB8AC3E}">
+        <p14:creationId xmlns:p14="http://schemas.microsoft.com/office/powerpoint/2010/main" val="3243626544"/>
+      </p:ext>
+    </p:extLst>
+  </p:cSld>
+  <p:clrMapOvr>
+    <a:masterClrMapping/>
+  </p:clrMapOvr>
+</p:sld>
+</file>
+
+<file path=ppt/slides/slide19.xml><?xml version="1.0" encoding="utf-8"?>
+<p:sld xmlns:a="http://schemas.openxmlformats.org/drawingml/2006/main" xmlns:r="http://schemas.openxmlformats.org/officeDocument/2006/relationships" xmlns:p="http://schemas.openxmlformats.org/presentationml/2006/main">
+  <p:cSld>
+    <p:spTree>
+      <p:nvGrpSpPr>
+        <p:cNvPr id="1" name=""/>
+        <p:cNvGrpSpPr/>
+        <p:nvPr/>
+      </p:nvGrpSpPr>
+      <p:grpSpPr>
+        <a:xfrm>
+          <a:off x="0" y="0"/>
+          <a:ext cx="0" cy="0"/>
+          <a:chOff x="0" y="0"/>
+          <a:chExt cx="0" cy="0"/>
+        </a:xfrm>
+      </p:grpSpPr>
+      <p:sp>
+        <p:nvSpPr>
+          <p:cNvPr id="2" name="Titel 1"/>
+          <p:cNvSpPr>
+            <a:spLocks noGrp="1"/>
+          </p:cNvSpPr>
+          <p:nvPr>
+            <p:ph type="title"/>
+          </p:nvPr>
+        </p:nvSpPr>
+        <p:spPr/>
+        <p:txBody>
+          <a:bodyPr>
+            <a:normAutofit fontScale="90000"/>
+          </a:bodyPr>
+          <a:lstStyle/>
+          <a:p>
+            <a:r>
+              <a:rPr lang="de-DE" dirty="0" smtClean="0"/>
+              <a:t>Detailkonzept</a:t>
+            </a:r>
+            <a:br>
+              <a:rPr lang="de-DE" dirty="0" smtClean="0"/>
+            </a:br>
+            <a:r>
+              <a:rPr lang="de-DE" dirty="0" smtClean="0"/>
+              <a:t>Datenbankschema - Event</a:t>
+            </a:r>
+            <a:endParaRPr lang="de-DE" dirty="0"/>
+          </a:p>
+        </p:txBody>
+      </p:sp>
+      <p:sp>
+        <p:nvSpPr>
+          <p:cNvPr id="3" name="Inhaltsplatzhalter 2"/>
+          <p:cNvSpPr>
+            <a:spLocks noGrp="1"/>
+          </p:cNvSpPr>
+          <p:nvPr>
+            <p:ph idx="1"/>
+          </p:nvPr>
+        </p:nvSpPr>
+        <p:spPr/>
+        <p:txBody>
+          <a:bodyPr/>
+          <a:lstStyle/>
+          <a:p>
+            <a:endParaRPr lang="de-DE" dirty="0"/>
+          </a:p>
+        </p:txBody>
+      </p:sp>
+      <p:sp>
+        <p:nvSpPr>
+          <p:cNvPr id="4" name="Datumsplatzhalter 3"/>
+          <p:cNvSpPr>
+            <a:spLocks noGrp="1"/>
+          </p:cNvSpPr>
+          <p:nvPr>
+            <p:ph type="dt" sz="half" idx="10"/>
+          </p:nvPr>
+        </p:nvSpPr>
+        <p:spPr/>
+        <p:txBody>
+          <a:bodyPr/>
+          <a:lstStyle/>
+          <a:p>
+            <a:r>
+              <a:rPr lang="de-DE" smtClean="0"/>
+              <a:t>21.04.2012</a:t>
+            </a:r>
+            <a:endParaRPr lang="en-US"/>
+          </a:p>
+        </p:txBody>
+      </p:sp>
+      <p:sp>
+        <p:nvSpPr>
+          <p:cNvPr id="5" name="Fußzeilenplatzhalter 4"/>
+          <p:cNvSpPr>
+            <a:spLocks noGrp="1"/>
+          </p:cNvSpPr>
+          <p:nvPr>
+            <p:ph type="ftr" sz="quarter" idx="11"/>
+          </p:nvPr>
+        </p:nvSpPr>
+        <p:spPr/>
+        <p:txBody>
+          <a:bodyPr/>
+          <a:lstStyle/>
+          <a:p>
+            <a:r>
+              <a:rPr lang="de-DE" smtClean="0"/>
+              <a:t>FST Projekt "Eventalizer" (SS 2012) Team 5</a:t>
+            </a:r>
+            <a:endParaRPr lang="de-DE" dirty="0"/>
+          </a:p>
+        </p:txBody>
+      </p:sp>
+      <p:sp>
+        <p:nvSpPr>
+          <p:cNvPr id="6" name="Foliennummernplatzhalter 5"/>
+          <p:cNvSpPr>
+            <a:spLocks noGrp="1"/>
+          </p:cNvSpPr>
+          <p:nvPr>
+            <p:ph type="sldNum" sz="quarter" idx="12"/>
+          </p:nvPr>
+        </p:nvSpPr>
+        <p:spPr/>
+        <p:txBody>
+          <a:bodyPr/>
+          <a:lstStyle/>
+          <a:p>
+            <a:fld id="{990B41CA-569D-40E7-8E58-026C0338B2C8}" type="slidenum">
+              <a:rPr lang="en-US" smtClean="0"/>
+              <a:pPr/>
+              <a:t>19</a:t>
             </a:fld>
             <a:endParaRPr lang="en-US"/>
           </a:p>
@@ -8800,7 +12112,7 @@
           <a:blip r:embed="rId3" cstate="print">
             <a:extLst>
               <a:ext uri="{28A0092B-C50C-407E-A947-70E740481C1C}">
-                <a14:useLocalDpi xmlns="" xmlns:a14="http://schemas.microsoft.com/office/drawing/2010/main" val="0"/>
+                <a14:useLocalDpi xmlns:a14="http://schemas.microsoft.com/office/drawing/2010/main" val="0"/>
               </a:ext>
             </a:extLst>
           </a:blip>
@@ -8824,14 +12136,14 @@
           <a:effectLst/>
           <a:extLst>
             <a:ext uri="{909E8E84-426E-40DD-AFC4-6F175D3DCCD1}">
-              <a14:hiddenFill xmlns="" xmlns:a14="http://schemas.microsoft.com/office/drawing/2010/main">
+              <a14:hiddenFill xmlns:a14="http://schemas.microsoft.com/office/drawing/2010/main">
                 <a:solidFill>
                   <a:schemeClr val="accent1"/>
                 </a:solidFill>
               </a14:hiddenFill>
             </a:ext>
             <a:ext uri="{91240B29-F687-4F45-9708-019B960494DF}">
-              <a14:hiddenLine xmlns="" xmlns:a14="http://schemas.microsoft.com/office/drawing/2010/main" w="9525">
+              <a14:hiddenLine xmlns:a14="http://schemas.microsoft.com/office/drawing/2010/main" w="9525">
                 <a:solidFill>
                   <a:schemeClr val="tx1"/>
                 </a:solidFill>
@@ -8841,7 +12153,7 @@
               </a14:hiddenLine>
             </a:ext>
             <a:ext uri="{AF507438-7753-43E0-B8FC-AC1667EBCBE1}">
-              <a14:hiddenEffects xmlns="" xmlns:a14="http://schemas.microsoft.com/office/drawing/2010/main">
+              <a14:hiddenEffects xmlns:a14="http://schemas.microsoft.com/office/drawing/2010/main">
                 <a:effectLst>
                   <a:outerShdw dist="35921" dir="2700000" algn="ctr" rotWithShape="0">
                     <a:schemeClr val="bg2"/>
@@ -8976,7 +12288,7 @@
     </p:spTree>
     <p:extLst>
       <p:ext uri="{BB962C8B-B14F-4D97-AF65-F5344CB8AC3E}">
-        <p14:creationId xmlns="" xmlns:p14="http://schemas.microsoft.com/office/powerpoint/2010/main" val="3243626544"/>
+        <p14:creationId xmlns:p14="http://schemas.microsoft.com/office/powerpoint/2010/main" val="3243626544"/>
       </p:ext>
     </p:extLst>
   </p:cSld>
@@ -8986,7 +12298,7 @@
 </p:sld>
 </file>
 
-<file path=ppt/slides/slide14.xml><?xml version="1.0" encoding="utf-8"?>
+<file path=ppt/slides/slide2.xml><?xml version="1.0" encoding="utf-8"?>
 <p:sld xmlns:a="http://schemas.openxmlformats.org/drawingml/2006/main" xmlns:r="http://schemas.openxmlformats.org/officeDocument/2006/relationships" xmlns:p="http://schemas.openxmlformats.org/presentationml/2006/main">
   <p:cSld>
     <p:spTree>
@@ -9018,9 +12330,10 @@
           <a:bodyPr/>
           <a:lstStyle/>
           <a:p>
-            <a:r>
-              <a:rPr lang="de-DE" dirty="0" smtClean="0"/>
-              <a:t>Zusätzlich</a:t>
+            <a:pPr algn="l"/>
+            <a:r>
+              <a:rPr lang="de-DE" dirty="0" smtClean="0"/>
+              <a:t>Agenda</a:t>
             </a:r>
             <a:endParaRPr lang="de-DE" dirty="0"/>
           </a:p>
@@ -9038,65 +12351,337 @@
         </p:nvSpPr>
         <p:spPr/>
         <p:txBody>
-          <a:bodyPr/>
-          <a:lstStyle/>
-          <a:p>
-            <a:r>
-              <a:rPr lang="de-DE" dirty="0" smtClean="0"/>
-              <a:t>Nicht funktionale Anforderungen = Qualitätsanforderungen</a:t>
-            </a:r>
-          </a:p>
-          <a:p>
+          <a:bodyPr>
+            <a:noAutofit/>
+          </a:bodyPr>
+          <a:lstStyle/>
+          <a:p>
+            <a:r>
+              <a:rPr lang="de-DE" dirty="0" smtClean="0"/>
+              <a:t>Funktionale </a:t>
+            </a:r>
+            <a:r>
+              <a:rPr lang="de-DE" dirty="0" smtClean="0"/>
+              <a:t>Anforderungen</a:t>
+            </a:r>
+          </a:p>
+          <a:p>
+            <a:pPr lvl="1"/>
+            <a:r>
+              <a:rPr lang="de-DE" dirty="0" smtClean="0"/>
+              <a:t>Anmelden (Login)</a:t>
+            </a:r>
             <a:endParaRPr lang="de-DE" dirty="0" smtClean="0"/>
           </a:p>
           <a:p>
-            <a:r>
-              <a:rPr lang="de-DE" dirty="0" smtClean="0"/>
-              <a:t>Abnahmekriterien -&gt; PAW </a:t>
-            </a:r>
-            <a:r>
-              <a:rPr lang="de-DE" dirty="0" smtClean="0">
-                <a:sym typeface="Wingdings" pitchFamily="2" charset="2"/>
-              </a:rPr>
-              <a:t></a:t>
-            </a:r>
-          </a:p>
-          <a:p>
-            <a:endParaRPr lang="de-DE" dirty="0">
-              <a:sym typeface="Wingdings" pitchFamily="2" charset="2"/>
-            </a:endParaRPr>
-          </a:p>
-          <a:p>
-            <a:endParaRPr lang="de-DE" dirty="0" smtClean="0">
-              <a:sym typeface="Wingdings" pitchFamily="2" charset="2"/>
-            </a:endParaRPr>
-          </a:p>
-          <a:p>
-            <a:r>
-              <a:rPr lang="de-DE" dirty="0" err="1" smtClean="0">
-                <a:sym typeface="Wingdings" pitchFamily="2" charset="2"/>
-              </a:rPr>
-              <a:t>ToDo</a:t>
-            </a:r>
-            <a:r>
-              <a:rPr lang="de-DE" dirty="0" smtClean="0">
-                <a:sym typeface="Wingdings" pitchFamily="2" charset="2"/>
-              </a:rPr>
-              <a:t>:</a:t>
-            </a:r>
-          </a:p>
-          <a:p>
-            <a:r>
-              <a:rPr lang="de-DE" dirty="0" smtClean="0">
-                <a:sym typeface="Wingdings" pitchFamily="2" charset="2"/>
-              </a:rPr>
-              <a:t>Topics aus unsere LH/PH für Qualitätsanforderungen </a:t>
-            </a:r>
-            <a:r>
-              <a:rPr lang="de-DE" dirty="0" err="1" smtClean="0">
-                <a:sym typeface="Wingdings" pitchFamily="2" charset="2"/>
-              </a:rPr>
-              <a:t>copy&amp;pasten</a:t>
+            <a:pPr lvl="1"/>
+            <a:r>
+              <a:rPr lang="de-DE" dirty="0" smtClean="0"/>
+              <a:t>Event </a:t>
+            </a:r>
+            <a:r>
+              <a:rPr lang="de-DE" dirty="0" smtClean="0"/>
+              <a:t>erstellen</a:t>
+            </a:r>
+          </a:p>
+          <a:p>
+            <a:pPr lvl="1"/>
+            <a:r>
+              <a:rPr lang="de-DE" dirty="0" smtClean="0"/>
+              <a:t>Live </a:t>
+            </a:r>
+            <a:r>
+              <a:rPr lang="de-DE" dirty="0" smtClean="0"/>
+              <a:t>Demo</a:t>
+            </a:r>
+          </a:p>
+          <a:p>
+            <a:r>
+              <a:rPr lang="de-DE" dirty="0" smtClean="0"/>
+              <a:t>Detailkonzept</a:t>
+            </a:r>
+            <a:endParaRPr lang="de-DE" dirty="0" smtClean="0"/>
+          </a:p>
+          <a:p>
+            <a:pPr lvl="1"/>
+            <a:r>
+              <a:rPr lang="de-DE" dirty="0" smtClean="0"/>
+              <a:t>Domänenklassendiagramm</a:t>
+            </a:r>
+          </a:p>
+          <a:p>
+            <a:pPr lvl="1"/>
+            <a:r>
+              <a:rPr lang="de-DE" dirty="0" smtClean="0"/>
+              <a:t>Datenbank-Schema</a:t>
+            </a:r>
+            <a:endParaRPr lang="de-DE" dirty="0" smtClean="0"/>
+          </a:p>
+          <a:p>
+            <a:r>
+              <a:rPr lang="de-DE" dirty="0" smtClean="0"/>
+              <a:t>Qualitätsanforderungen</a:t>
+            </a:r>
+          </a:p>
+          <a:p>
+            <a:r>
+              <a:rPr lang="de-DE" dirty="0" smtClean="0"/>
+              <a:t>Abnahmekriterien</a:t>
+            </a:r>
+          </a:p>
+          <a:p>
+            <a:r>
+              <a:rPr lang="de-DE" dirty="0" smtClean="0"/>
+              <a:t>Weitere Projektplanung und </a:t>
+            </a:r>
+            <a:r>
+              <a:rPr lang="de-DE" dirty="0" smtClean="0"/>
+              <a:t>Ausblick</a:t>
+            </a:r>
+          </a:p>
+          <a:p>
+            <a:r>
+              <a:rPr lang="de-DE" dirty="0" smtClean="0"/>
+              <a:t>Reflexion</a:t>
+            </a:r>
+            <a:endParaRPr lang="de-DE" dirty="0" smtClean="0"/>
+          </a:p>
+          <a:p>
+            <a:pPr marL="82296" indent="0">
+              <a:buNone/>
+            </a:pPr>
+            <a:endParaRPr lang="de-DE" dirty="0"/>
+          </a:p>
+        </p:txBody>
+      </p:sp>
+      <p:sp>
+        <p:nvSpPr>
+          <p:cNvPr id="4" name="Datumsplatzhalter 3"/>
+          <p:cNvSpPr>
+            <a:spLocks noGrp="1"/>
+          </p:cNvSpPr>
+          <p:nvPr>
+            <p:ph type="dt" sz="half" idx="10"/>
+          </p:nvPr>
+        </p:nvSpPr>
+        <p:spPr/>
+        <p:txBody>
+          <a:bodyPr/>
+          <a:lstStyle/>
+          <a:p>
+            <a:r>
+              <a:rPr lang="de-DE" smtClean="0"/>
+              <a:t>21.04.2012</a:t>
+            </a:r>
+            <a:endParaRPr lang="de-DE" dirty="0"/>
+          </a:p>
+        </p:txBody>
+      </p:sp>
+      <p:sp>
+        <p:nvSpPr>
+          <p:cNvPr id="6" name="Fußzeilenplatzhalter 5"/>
+          <p:cNvSpPr>
+            <a:spLocks noGrp="1"/>
+          </p:cNvSpPr>
+          <p:nvPr>
+            <p:ph type="ftr" sz="quarter" idx="11"/>
+          </p:nvPr>
+        </p:nvSpPr>
+        <p:spPr/>
+        <p:txBody>
+          <a:bodyPr/>
+          <a:lstStyle/>
+          <a:p>
+            <a:r>
+              <a:rPr lang="de-DE" dirty="0" smtClean="0"/>
+              <a:t>FST Projekt "</a:t>
+            </a:r>
+            <a:r>
+              <a:rPr lang="de-DE" dirty="0" err="1" smtClean="0"/>
+              <a:t>Eventalizer</a:t>
+            </a:r>
+            <a:r>
+              <a:rPr lang="de-DE" dirty="0" smtClean="0"/>
+              <a:t>" (SS 2012) Team 5</a:t>
+            </a:r>
+            <a:endParaRPr lang="de-DE" dirty="0"/>
+          </a:p>
+        </p:txBody>
+      </p:sp>
+      <p:sp>
+        <p:nvSpPr>
+          <p:cNvPr id="5" name="Foliennummernplatzhalter 4"/>
+          <p:cNvSpPr>
+            <a:spLocks noGrp="1"/>
+          </p:cNvSpPr>
+          <p:nvPr>
+            <p:ph type="sldNum" sz="quarter" idx="12"/>
+          </p:nvPr>
+        </p:nvSpPr>
+        <p:spPr/>
+        <p:txBody>
+          <a:bodyPr/>
+          <a:lstStyle/>
+          <a:p>
+            <a:fld id="{6C6AE60A-B69C-4790-82F7-3882EDF23186}" type="slidenum">
+              <a:rPr lang="de-DE" smtClean="0"/>
+              <a:pPr/>
+              <a:t>2</a:t>
+            </a:fld>
+            <a:endParaRPr lang="de-DE" dirty="0"/>
+          </a:p>
+        </p:txBody>
+      </p:sp>
+      <p:pic>
+        <p:nvPicPr>
+          <p:cNvPr id="7" name="Picture 2" descr="http://homepages.internet.lu/pompjeen-kenzeg/Bilder/agenda.jpg"/>
+          <p:cNvPicPr>
+            <a:picLocks noChangeAspect="1" noChangeArrowheads="1"/>
+          </p:cNvPicPr>
+          <p:nvPr/>
+        </p:nvPicPr>
+        <p:blipFill>
+          <a:blip r:embed="rId3" cstate="print"/>
+          <a:srcRect/>
+          <a:stretch>
+            <a:fillRect/>
+          </a:stretch>
+        </p:blipFill>
+        <p:spPr bwMode="auto">
+          <a:xfrm>
+            <a:off x="6249101" y="-315416"/>
+            <a:ext cx="1643074" cy="1825638"/>
+          </a:xfrm>
+          <a:prstGeom prst="roundRect">
+            <a:avLst>
+              <a:gd name="adj" fmla="val 8594"/>
+            </a:avLst>
+          </a:prstGeom>
+          <a:solidFill>
+            <a:srgbClr val="FFFFFF">
+              <a:shade val="85000"/>
+            </a:srgbClr>
+          </a:solidFill>
+          <a:ln>
+            <a:noFill/>
+          </a:ln>
+          <a:effectLst>
+            <a:reflection blurRad="12700" stA="38000" endPos="28000" dist="5000" dir="5400000" sy="-100000" algn="bl" rotWithShape="0"/>
+          </a:effectLst>
+          <a:scene3d>
+            <a:camera prst="perspectiveLeft"/>
+            <a:lightRig rig="threePt" dir="t"/>
+          </a:scene3d>
+        </p:spPr>
+      </p:pic>
+    </p:spTree>
+    <p:extLst>
+      <p:ext uri="{BB962C8B-B14F-4D97-AF65-F5344CB8AC3E}">
+        <p14:creationId xmlns:p14="http://schemas.microsoft.com/office/powerpoint/2010/main" val="3616670450"/>
+      </p:ext>
+    </p:extLst>
+  </p:cSld>
+  <p:clrMapOvr>
+    <a:masterClrMapping/>
+  </p:clrMapOvr>
+  <p:timing>
+    <p:tnLst>
+      <p:par>
+        <p:cTn id="1" dur="indefinite" restart="never" nodeType="tmRoot"/>
+      </p:par>
+    </p:tnLst>
+  </p:timing>
+</p:sld>
+</file>
+
+<file path=ppt/slides/slide20.xml><?xml version="1.0" encoding="utf-8"?>
+<p:sld xmlns:a="http://schemas.openxmlformats.org/drawingml/2006/main" xmlns:r="http://schemas.openxmlformats.org/officeDocument/2006/relationships" xmlns:p="http://schemas.openxmlformats.org/presentationml/2006/main">
+  <p:cSld>
+    <p:spTree>
+      <p:nvGrpSpPr>
+        <p:cNvPr id="1" name=""/>
+        <p:cNvGrpSpPr/>
+        <p:nvPr/>
+      </p:nvGrpSpPr>
+      <p:grpSpPr>
+        <a:xfrm>
+          <a:off x="0" y="0"/>
+          <a:ext cx="0" cy="0"/>
+          <a:chOff x="0" y="0"/>
+          <a:chExt cx="0" cy="0"/>
+        </a:xfrm>
+      </p:grpSpPr>
+      <p:sp>
+        <p:nvSpPr>
+          <p:cNvPr id="2" name="Titel 1"/>
+          <p:cNvSpPr>
+            <a:spLocks noGrp="1"/>
+          </p:cNvSpPr>
+          <p:nvPr>
+            <p:ph type="title"/>
+          </p:nvPr>
+        </p:nvSpPr>
+        <p:spPr/>
+        <p:txBody>
+          <a:bodyPr/>
+          <a:lstStyle/>
+          <a:p>
+            <a:r>
+              <a:rPr lang="de-DE" dirty="0" smtClean="0"/>
+              <a:t>Qualitätsanforderungen</a:t>
+            </a:r>
+            <a:endParaRPr lang="de-DE" dirty="0"/>
+          </a:p>
+        </p:txBody>
+      </p:sp>
+      <p:sp>
+        <p:nvSpPr>
+          <p:cNvPr id="3" name="Inhaltsplatzhalter 2"/>
+          <p:cNvSpPr>
+            <a:spLocks noGrp="1"/>
+          </p:cNvSpPr>
+          <p:nvPr>
+            <p:ph idx="1"/>
+          </p:nvPr>
+        </p:nvSpPr>
+        <p:spPr/>
+        <p:txBody>
+          <a:bodyPr/>
+          <a:lstStyle/>
+          <a:p>
+            <a:endParaRPr lang="de-DE" dirty="0" smtClean="0"/>
+          </a:p>
+          <a:p>
+            <a:r>
+              <a:rPr lang="de-DE" dirty="0" smtClean="0"/>
+              <a:t>Äußere und innere Qualität</a:t>
+            </a:r>
+          </a:p>
+          <a:p>
+            <a:endParaRPr lang="de-DE" dirty="0" smtClean="0"/>
+          </a:p>
+          <a:p>
+            <a:r>
+              <a:rPr lang="de-DE" dirty="0" smtClean="0"/>
+              <a:t>Gebrauchstauglichkeit</a:t>
+            </a:r>
+          </a:p>
+          <a:p>
+            <a:endParaRPr lang="de-DE" dirty="0"/>
+          </a:p>
+          <a:p>
+            <a:r>
+              <a:rPr lang="de-DE" dirty="0" smtClean="0"/>
+              <a:t>Technische Anforderungen</a:t>
+            </a:r>
+          </a:p>
+          <a:p>
+            <a:endParaRPr lang="de-DE" dirty="0" smtClean="0"/>
+          </a:p>
+          <a:p>
+            <a:r>
+              <a:rPr lang="de-DE" dirty="0" smtClean="0"/>
+              <a:t>Lieferumfang</a:t>
             </a:r>
             <a:endParaRPr lang="de-DE" dirty="0"/>
           </a:p>
@@ -9166,7 +12751,7 @@
             <a:fld id="{990B41CA-569D-40E7-8E58-026C0338B2C8}" type="slidenum">
               <a:rPr lang="en-US" smtClean="0"/>
               <a:pPr/>
-              <a:t>14</a:t>
+              <a:t>20</a:t>
             </a:fld>
             <a:endParaRPr lang="en-US"/>
           </a:p>
@@ -9180,7 +12765,368 @@
 </p:sld>
 </file>
 
-<file path=ppt/slides/slide15.xml><?xml version="1.0" encoding="utf-8"?>
+<file path=ppt/slides/slide21.xml><?xml version="1.0" encoding="utf-8"?>
+<p:sld xmlns:a="http://schemas.openxmlformats.org/drawingml/2006/main" xmlns:r="http://schemas.openxmlformats.org/officeDocument/2006/relationships" xmlns:p="http://schemas.openxmlformats.org/presentationml/2006/main">
+  <p:cSld>
+    <p:spTree>
+      <p:nvGrpSpPr>
+        <p:cNvPr id="1" name=""/>
+        <p:cNvGrpSpPr/>
+        <p:nvPr/>
+      </p:nvGrpSpPr>
+      <p:grpSpPr>
+        <a:xfrm>
+          <a:off x="0" y="0"/>
+          <a:ext cx="0" cy="0"/>
+          <a:chOff x="0" y="0"/>
+          <a:chExt cx="0" cy="0"/>
+        </a:xfrm>
+      </p:grpSpPr>
+      <p:sp>
+        <p:nvSpPr>
+          <p:cNvPr id="2" name="Titel 1"/>
+          <p:cNvSpPr>
+            <a:spLocks noGrp="1"/>
+          </p:cNvSpPr>
+          <p:nvPr>
+            <p:ph type="title"/>
+          </p:nvPr>
+        </p:nvSpPr>
+        <p:spPr/>
+        <p:txBody>
+          <a:bodyPr/>
+          <a:lstStyle/>
+          <a:p>
+            <a:r>
+              <a:rPr lang="de-DE" dirty="0" smtClean="0"/>
+              <a:t>Abnahmekriterien</a:t>
+            </a:r>
+            <a:endParaRPr lang="de-DE" dirty="0"/>
+          </a:p>
+        </p:txBody>
+      </p:sp>
+      <p:sp>
+        <p:nvSpPr>
+          <p:cNvPr id="3" name="Inhaltsplatzhalter 2"/>
+          <p:cNvSpPr>
+            <a:spLocks noGrp="1"/>
+          </p:cNvSpPr>
+          <p:nvPr>
+            <p:ph idx="1"/>
+          </p:nvPr>
+        </p:nvSpPr>
+        <p:spPr/>
+        <p:txBody>
+          <a:bodyPr/>
+          <a:lstStyle/>
+          <a:p>
+            <a:endParaRPr lang="de-DE"/>
+          </a:p>
+        </p:txBody>
+      </p:sp>
+      <p:sp>
+        <p:nvSpPr>
+          <p:cNvPr id="4" name="Datumsplatzhalter 3"/>
+          <p:cNvSpPr>
+            <a:spLocks noGrp="1"/>
+          </p:cNvSpPr>
+          <p:nvPr>
+            <p:ph type="dt" sz="half" idx="10"/>
+          </p:nvPr>
+        </p:nvSpPr>
+        <p:spPr/>
+        <p:txBody>
+          <a:bodyPr/>
+          <a:lstStyle/>
+          <a:p>
+            <a:r>
+              <a:rPr lang="de-DE" smtClean="0"/>
+              <a:t>21.04.2012</a:t>
+            </a:r>
+            <a:endParaRPr lang="en-US"/>
+          </a:p>
+        </p:txBody>
+      </p:sp>
+      <p:sp>
+        <p:nvSpPr>
+          <p:cNvPr id="5" name="Fußzeilenplatzhalter 4"/>
+          <p:cNvSpPr>
+            <a:spLocks noGrp="1"/>
+          </p:cNvSpPr>
+          <p:nvPr>
+            <p:ph type="ftr" sz="quarter" idx="11"/>
+          </p:nvPr>
+        </p:nvSpPr>
+        <p:spPr/>
+        <p:txBody>
+          <a:bodyPr/>
+          <a:lstStyle/>
+          <a:p>
+            <a:r>
+              <a:rPr lang="de-DE" smtClean="0"/>
+              <a:t>FST Projekt "Eventalizer" (SS 2012) Team 5</a:t>
+            </a:r>
+            <a:endParaRPr lang="de-DE" dirty="0"/>
+          </a:p>
+        </p:txBody>
+      </p:sp>
+      <p:sp>
+        <p:nvSpPr>
+          <p:cNvPr id="6" name="Foliennummernplatzhalter 5"/>
+          <p:cNvSpPr>
+            <a:spLocks noGrp="1"/>
+          </p:cNvSpPr>
+          <p:nvPr>
+            <p:ph type="sldNum" sz="quarter" idx="12"/>
+          </p:nvPr>
+        </p:nvSpPr>
+        <p:spPr/>
+        <p:txBody>
+          <a:bodyPr/>
+          <a:lstStyle/>
+          <a:p>
+            <a:fld id="{990B41CA-569D-40E7-8E58-026C0338B2C8}" type="slidenum">
+              <a:rPr lang="en-US" smtClean="0"/>
+              <a:pPr/>
+              <a:t>21</a:t>
+            </a:fld>
+            <a:endParaRPr lang="en-US"/>
+          </a:p>
+        </p:txBody>
+      </p:sp>
+    </p:spTree>
+    <p:extLst>
+      <p:ext uri="{BB962C8B-B14F-4D97-AF65-F5344CB8AC3E}">
+        <p14:creationId xmlns:p14="http://schemas.microsoft.com/office/powerpoint/2010/main" val="3309636493"/>
+      </p:ext>
+    </p:extLst>
+  </p:cSld>
+  <p:clrMapOvr>
+    <a:masterClrMapping/>
+  </p:clrMapOvr>
+</p:sld>
+</file>
+
+<file path=ppt/slides/slide22.xml><?xml version="1.0" encoding="utf-8"?>
+<p:sld xmlns:a="http://schemas.openxmlformats.org/drawingml/2006/main" xmlns:r="http://schemas.openxmlformats.org/officeDocument/2006/relationships" xmlns:p="http://schemas.openxmlformats.org/presentationml/2006/main">
+  <p:cSld>
+    <p:spTree>
+      <p:nvGrpSpPr>
+        <p:cNvPr id="1" name=""/>
+        <p:cNvGrpSpPr/>
+        <p:nvPr/>
+      </p:nvGrpSpPr>
+      <p:grpSpPr>
+        <a:xfrm>
+          <a:off x="0" y="0"/>
+          <a:ext cx="0" cy="0"/>
+          <a:chOff x="0" y="0"/>
+          <a:chExt cx="0" cy="0"/>
+        </a:xfrm>
+      </p:grpSpPr>
+      <p:pic>
+        <p:nvPicPr>
+          <p:cNvPr id="1029" name="Picture 5"/>
+          <p:cNvPicPr>
+            <a:picLocks noChangeAspect="1" noChangeArrowheads="1"/>
+          </p:cNvPicPr>
+          <p:nvPr/>
+        </p:nvPicPr>
+        <p:blipFill>
+          <a:blip r:embed="rId3" cstate="print"/>
+          <a:srcRect l="10164" r="51639" b="336"/>
+          <a:stretch>
+            <a:fillRect/>
+          </a:stretch>
+        </p:blipFill>
+        <p:spPr bwMode="auto">
+          <a:xfrm>
+            <a:off x="1682824" y="2708920"/>
+            <a:ext cx="6840000" cy="2276629"/>
+          </a:xfrm>
+          <a:prstGeom prst="rect">
+            <a:avLst/>
+          </a:prstGeom>
+          <a:noFill/>
+          <a:ln w="9525">
+            <a:solidFill>
+              <a:schemeClr val="accent1"/>
+            </a:solidFill>
+            <a:miter lim="800000"/>
+            <a:headEnd/>
+            <a:tailEnd/>
+          </a:ln>
+          <a:effectLst/>
+        </p:spPr>
+      </p:pic>
+      <p:sp>
+        <p:nvSpPr>
+          <p:cNvPr id="2" name="Titel 1"/>
+          <p:cNvSpPr>
+            <a:spLocks noGrp="1"/>
+          </p:cNvSpPr>
+          <p:nvPr>
+            <p:ph type="title"/>
+          </p:nvPr>
+        </p:nvSpPr>
+        <p:spPr/>
+        <p:txBody>
+          <a:bodyPr/>
+          <a:lstStyle/>
+          <a:p>
+            <a:r>
+              <a:rPr lang="de-DE" dirty="0" smtClean="0"/>
+              <a:t>Projektplan</a:t>
+            </a:r>
+            <a:endParaRPr lang="de-DE" dirty="0"/>
+          </a:p>
+        </p:txBody>
+      </p:sp>
+      <p:sp>
+        <p:nvSpPr>
+          <p:cNvPr id="3" name="Inhaltsplatzhalter 2"/>
+          <p:cNvSpPr>
+            <a:spLocks noGrp="1"/>
+          </p:cNvSpPr>
+          <p:nvPr>
+            <p:ph idx="1"/>
+          </p:nvPr>
+        </p:nvSpPr>
+        <p:spPr>
+          <a:noFill/>
+          <a:ln w="9525">
+            <a:solidFill>
+              <a:schemeClr val="accent1"/>
+            </a:solidFill>
+            <a:miter lim="800000"/>
+            <a:headEnd/>
+            <a:tailEnd/>
+          </a:ln>
+          <a:effectLst/>
+        </p:spPr>
+        <p:txBody>
+          <a:bodyPr>
+            <a:noAutofit/>
+          </a:bodyPr>
+          <a:lstStyle/>
+          <a:p>
+            <a:r>
+              <a:rPr lang="de-DE" dirty="0" smtClean="0"/>
+              <a:t>Zeitraum: 05.03.2012 - 11.06.2012</a:t>
+            </a:r>
+          </a:p>
+          <a:p>
+            <a:r>
+              <a:rPr lang="de-DE" dirty="0" smtClean="0"/>
+              <a:t>Planung </a:t>
+            </a:r>
+            <a:r>
+              <a:rPr lang="de-DE" b="1" dirty="0" smtClean="0"/>
+              <a:t>alt</a:t>
+            </a:r>
+            <a:r>
+              <a:rPr lang="de-DE" dirty="0" smtClean="0"/>
+              <a:t>:</a:t>
+            </a:r>
+            <a:endParaRPr lang="de-DE" dirty="0" smtClean="0"/>
+          </a:p>
+          <a:p>
+            <a:pPr lvl="1"/>
+            <a:endParaRPr lang="de-DE" dirty="0" smtClean="0"/>
+          </a:p>
+        </p:txBody>
+      </p:sp>
+      <p:sp>
+        <p:nvSpPr>
+          <p:cNvPr id="6" name="Datumsplatzhalter 5"/>
+          <p:cNvSpPr>
+            <a:spLocks noGrp="1"/>
+          </p:cNvSpPr>
+          <p:nvPr>
+            <p:ph type="dt" sz="half" idx="10"/>
+          </p:nvPr>
+        </p:nvSpPr>
+        <p:spPr/>
+        <p:txBody>
+          <a:bodyPr/>
+          <a:lstStyle/>
+          <a:p>
+            <a:r>
+              <a:rPr lang="de-DE" smtClean="0"/>
+              <a:t>21.04.2012</a:t>
+            </a:r>
+            <a:endParaRPr lang="de-DE" dirty="0"/>
+          </a:p>
+        </p:txBody>
+      </p:sp>
+      <p:sp>
+        <p:nvSpPr>
+          <p:cNvPr id="8" name="Fußzeilenplatzhalter 7"/>
+          <p:cNvSpPr>
+            <a:spLocks noGrp="1"/>
+          </p:cNvSpPr>
+          <p:nvPr>
+            <p:ph type="ftr" sz="quarter" idx="11"/>
+          </p:nvPr>
+        </p:nvSpPr>
+        <p:spPr/>
+        <p:txBody>
+          <a:bodyPr/>
+          <a:lstStyle/>
+          <a:p>
+            <a:r>
+              <a:rPr lang="de-DE" smtClean="0"/>
+              <a:t>FST Projekt "Eventalizer" (SS 2012) Team 5</a:t>
+            </a:r>
+            <a:endParaRPr lang="de-DE" dirty="0"/>
+          </a:p>
+        </p:txBody>
+      </p:sp>
+      <p:sp>
+        <p:nvSpPr>
+          <p:cNvPr id="7" name="Foliennummernplatzhalter 6"/>
+          <p:cNvSpPr>
+            <a:spLocks noGrp="1"/>
+          </p:cNvSpPr>
+          <p:nvPr>
+            <p:ph type="sldNum" sz="quarter" idx="12"/>
+          </p:nvPr>
+        </p:nvSpPr>
+        <p:spPr/>
+        <p:txBody>
+          <a:bodyPr/>
+          <a:lstStyle/>
+          <a:p>
+            <a:fld id="{6C6AE60A-B69C-4790-82F7-3882EDF23186}" type="slidenum">
+              <a:rPr lang="de-DE" smtClean="0"/>
+              <a:pPr/>
+              <a:t>22</a:t>
+            </a:fld>
+            <a:endParaRPr lang="de-DE" dirty="0"/>
+          </a:p>
+        </p:txBody>
+      </p:sp>
+    </p:spTree>
+    <p:extLst>
+      <p:ext uri="{BB962C8B-B14F-4D97-AF65-F5344CB8AC3E}">
+        <p14:creationId xmlns:p14="http://schemas.microsoft.com/office/powerpoint/2010/main" val="1012322072"/>
+      </p:ext>
+    </p:extLst>
+  </p:cSld>
+  <p:clrMapOvr>
+    <a:masterClrMapping/>
+  </p:clrMapOvr>
+  <p:timing>
+    <p:tnLst>
+      <p:par>
+        <p:cTn id="1" dur="indefinite" restart="never" nodeType="tmRoot"/>
+      </p:par>
+    </p:tnLst>
+  </p:timing>
+</p:sld>
+</file>
+
+<file path=ppt/slides/slide23.xml><?xml version="1.0" encoding="utf-8"?>
 <p:sld xmlns:a="http://schemas.openxmlformats.org/drawingml/2006/main" xmlns:r="http://schemas.openxmlformats.org/officeDocument/2006/relationships" xmlns:p="http://schemas.openxmlformats.org/presentationml/2006/main">
   <p:cSld>
     <p:spTree>
@@ -9295,7 +13241,7 @@
             </a:r>
             <a:r>
               <a:rPr lang="de-DE" b="1" dirty="0" smtClean="0"/>
-              <a:t>alt</a:t>
+              <a:t>neu</a:t>
             </a:r>
             <a:r>
               <a:rPr lang="de-DE" dirty="0" smtClean="0"/>
@@ -9373,7 +13319,7 @@
             <a:fld id="{6C6AE60A-B69C-4790-82F7-3882EDF23186}" type="slidenum">
               <a:rPr lang="de-DE" smtClean="0"/>
               <a:pPr/>
-              <a:t>15</a:t>
+              <a:t>23</a:t>
             </a:fld>
             <a:endParaRPr lang="de-DE" dirty="0"/>
           </a:p>
@@ -9382,7 +13328,7 @@
     </p:spTree>
     <p:extLst>
       <p:ext uri="{BB962C8B-B14F-4D97-AF65-F5344CB8AC3E}">
-        <p14:creationId xmlns="" xmlns:p14="http://schemas.microsoft.com/office/powerpoint/2010/main" val="1012322072"/>
+        <p14:creationId xmlns:p14="http://schemas.microsoft.com/office/powerpoint/2010/main" val="1012322072"/>
       </p:ext>
     </p:extLst>
   </p:cSld>
@@ -9399,7 +13345,7 @@
 </p:sld>
 </file>
 
-<file path=ppt/slides/slide16.xml><?xml version="1.0" encoding="utf-8"?>
+<file path=ppt/slides/slide24.xml><?xml version="1.0" encoding="utf-8"?>
 <p:sld xmlns:a="http://schemas.openxmlformats.org/drawingml/2006/main" xmlns:r="http://schemas.openxmlformats.org/officeDocument/2006/relationships" xmlns:p="http://schemas.openxmlformats.org/presentationml/2006/main">
   <p:cSld>
     <p:spTree>
@@ -9416,225 +13362,6 @@
           <a:chExt cx="0" cy="0"/>
         </a:xfrm>
       </p:grpSpPr>
-      <p:pic>
-        <p:nvPicPr>
-          <p:cNvPr id="1029" name="Picture 5"/>
-          <p:cNvPicPr>
-            <a:picLocks noChangeAspect="1" noChangeArrowheads="1"/>
-          </p:cNvPicPr>
-          <p:nvPr/>
-        </p:nvPicPr>
-        <p:blipFill>
-          <a:blip r:embed="rId3" cstate="print"/>
-          <a:srcRect l="10164" r="51639" b="336"/>
-          <a:stretch>
-            <a:fillRect/>
-          </a:stretch>
-        </p:blipFill>
-        <p:spPr bwMode="auto">
-          <a:xfrm>
-            <a:off x="1682824" y="2708920"/>
-            <a:ext cx="6840000" cy="2276629"/>
-          </a:xfrm>
-          <a:prstGeom prst="rect">
-            <a:avLst/>
-          </a:prstGeom>
-          <a:noFill/>
-          <a:ln w="9525">
-            <a:solidFill>
-              <a:schemeClr val="accent1"/>
-            </a:solidFill>
-            <a:miter lim="800000"/>
-            <a:headEnd/>
-            <a:tailEnd/>
-          </a:ln>
-          <a:effectLst/>
-        </p:spPr>
-      </p:pic>
-      <p:sp>
-        <p:nvSpPr>
-          <p:cNvPr id="2" name="Titel 1"/>
-          <p:cNvSpPr>
-            <a:spLocks noGrp="1"/>
-          </p:cNvSpPr>
-          <p:nvPr>
-            <p:ph type="title"/>
-          </p:nvPr>
-        </p:nvSpPr>
-        <p:spPr/>
-        <p:txBody>
-          <a:bodyPr/>
-          <a:lstStyle/>
-          <a:p>
-            <a:r>
-              <a:rPr lang="de-DE" dirty="0" smtClean="0"/>
-              <a:t>Projektplan</a:t>
-            </a:r>
-            <a:endParaRPr lang="de-DE" dirty="0"/>
-          </a:p>
-        </p:txBody>
-      </p:sp>
-      <p:sp>
-        <p:nvSpPr>
-          <p:cNvPr id="3" name="Inhaltsplatzhalter 2"/>
-          <p:cNvSpPr>
-            <a:spLocks noGrp="1"/>
-          </p:cNvSpPr>
-          <p:nvPr>
-            <p:ph idx="1"/>
-          </p:nvPr>
-        </p:nvSpPr>
-        <p:spPr>
-          <a:noFill/>
-          <a:ln w="9525">
-            <a:solidFill>
-              <a:schemeClr val="accent1"/>
-            </a:solidFill>
-            <a:miter lim="800000"/>
-            <a:headEnd/>
-            <a:tailEnd/>
-          </a:ln>
-          <a:effectLst/>
-        </p:spPr>
-        <p:txBody>
-          <a:bodyPr>
-            <a:noAutofit/>
-          </a:bodyPr>
-          <a:lstStyle/>
-          <a:p>
-            <a:r>
-              <a:rPr lang="de-DE" dirty="0" smtClean="0"/>
-              <a:t>Zeitraum: 05.03.2012 - 11.06.2012</a:t>
-            </a:r>
-          </a:p>
-          <a:p>
-            <a:r>
-              <a:rPr lang="de-DE" dirty="0" smtClean="0"/>
-              <a:t>Planung </a:t>
-            </a:r>
-            <a:r>
-              <a:rPr lang="de-DE" b="1" dirty="0" smtClean="0"/>
-              <a:t>neu</a:t>
-            </a:r>
-            <a:r>
-              <a:rPr lang="de-DE" dirty="0" smtClean="0"/>
-              <a:t>:</a:t>
-            </a:r>
-            <a:endParaRPr lang="de-DE" dirty="0" smtClean="0"/>
-          </a:p>
-          <a:p>
-            <a:pPr lvl="1"/>
-            <a:endParaRPr lang="de-DE" dirty="0" smtClean="0"/>
-          </a:p>
-        </p:txBody>
-      </p:sp>
-      <p:sp>
-        <p:nvSpPr>
-          <p:cNvPr id="6" name="Datumsplatzhalter 5"/>
-          <p:cNvSpPr>
-            <a:spLocks noGrp="1"/>
-          </p:cNvSpPr>
-          <p:nvPr>
-            <p:ph type="dt" sz="half" idx="10"/>
-          </p:nvPr>
-        </p:nvSpPr>
-        <p:spPr/>
-        <p:txBody>
-          <a:bodyPr/>
-          <a:lstStyle/>
-          <a:p>
-            <a:r>
-              <a:rPr lang="de-DE" smtClean="0"/>
-              <a:t>21.04.2012</a:t>
-            </a:r>
-            <a:endParaRPr lang="de-DE" dirty="0"/>
-          </a:p>
-        </p:txBody>
-      </p:sp>
-      <p:sp>
-        <p:nvSpPr>
-          <p:cNvPr id="8" name="Fußzeilenplatzhalter 7"/>
-          <p:cNvSpPr>
-            <a:spLocks noGrp="1"/>
-          </p:cNvSpPr>
-          <p:nvPr>
-            <p:ph type="ftr" sz="quarter" idx="11"/>
-          </p:nvPr>
-        </p:nvSpPr>
-        <p:spPr/>
-        <p:txBody>
-          <a:bodyPr/>
-          <a:lstStyle/>
-          <a:p>
-            <a:r>
-              <a:rPr lang="de-DE" smtClean="0"/>
-              <a:t>FST Projekt "Eventalizer" (SS 2012) Team 5</a:t>
-            </a:r>
-            <a:endParaRPr lang="de-DE" dirty="0"/>
-          </a:p>
-        </p:txBody>
-      </p:sp>
-      <p:sp>
-        <p:nvSpPr>
-          <p:cNvPr id="7" name="Foliennummernplatzhalter 6"/>
-          <p:cNvSpPr>
-            <a:spLocks noGrp="1"/>
-          </p:cNvSpPr>
-          <p:nvPr>
-            <p:ph type="sldNum" sz="quarter" idx="12"/>
-          </p:nvPr>
-        </p:nvSpPr>
-        <p:spPr/>
-        <p:txBody>
-          <a:bodyPr/>
-          <a:lstStyle/>
-          <a:p>
-            <a:fld id="{6C6AE60A-B69C-4790-82F7-3882EDF23186}" type="slidenum">
-              <a:rPr lang="de-DE" smtClean="0"/>
-              <a:pPr/>
-              <a:t>16</a:t>
-            </a:fld>
-            <a:endParaRPr lang="de-DE" dirty="0"/>
-          </a:p>
-        </p:txBody>
-      </p:sp>
-    </p:spTree>
-    <p:extLst>
-      <p:ext uri="{BB962C8B-B14F-4D97-AF65-F5344CB8AC3E}">
-        <p14:creationId xmlns="" xmlns:p14="http://schemas.microsoft.com/office/powerpoint/2010/main" val="1012322072"/>
-      </p:ext>
-    </p:extLst>
-  </p:cSld>
-  <p:clrMapOvr>
-    <a:masterClrMapping/>
-  </p:clrMapOvr>
-  <p:timing>
-    <p:tnLst>
-      <p:par>
-        <p:cTn id="1" dur="indefinite" restart="never" nodeType="tmRoot"/>
-      </p:par>
-    </p:tnLst>
-  </p:timing>
-</p:sld>
-</file>
-
-<file path=ppt/slides/slide17.xml><?xml version="1.0" encoding="utf-8"?>
-<p:sld xmlns:a="http://schemas.openxmlformats.org/drawingml/2006/main" xmlns:r="http://schemas.openxmlformats.org/officeDocument/2006/relationships" xmlns:p="http://schemas.openxmlformats.org/presentationml/2006/main">
-  <p:cSld>
-    <p:spTree>
-      <p:nvGrpSpPr>
-        <p:cNvPr id="1" name=""/>
-        <p:cNvGrpSpPr/>
-        <p:nvPr/>
-      </p:nvGrpSpPr>
-      <p:grpSpPr>
-        <a:xfrm>
-          <a:off x="0" y="0"/>
-          <a:ext cx="0" cy="0"/>
-          <a:chOff x="0" y="0"/>
-          <a:chExt cx="0" cy="0"/>
-        </a:xfrm>
-      </p:grpSpPr>
       <p:sp>
         <p:nvSpPr>
           <p:cNvPr id="2" name="Titel 1"/>
@@ -9802,7 +13529,7 @@
             <a:fld id="{990B41CA-569D-40E7-8E58-026C0338B2C8}" type="slidenum">
               <a:rPr lang="en-US" smtClean="0"/>
               <a:pPr/>
-              <a:t>17</a:t>
+              <a:t>24</a:t>
             </a:fld>
             <a:endParaRPr lang="en-US"/>
           </a:p>
@@ -9820,7 +13547,7 @@
           <a:blip r:embed="rId2" cstate="print">
             <a:extLst>
               <a:ext uri="{BEBA8EAE-BF5A-486C-A8C5-ECC9F3942E4B}">
-                <a14:imgProps xmlns="" xmlns:a14="http://schemas.microsoft.com/office/drawing/2010/main">
+                <a14:imgProps xmlns:a14="http://schemas.microsoft.com/office/drawing/2010/main">
                   <a14:imgLayer r:embed="rId3">
                     <a14:imgEffect>
                       <a14:backgroundRemoval t="6057" b="22942" l="7000" r="29162"/>
@@ -9829,7 +13556,7 @@
                 </a14:imgProps>
               </a:ext>
               <a:ext uri="{28A0092B-C50C-407E-A947-70E740481C1C}">
-                <a14:useLocalDpi xmlns="" xmlns:a14="http://schemas.microsoft.com/office/drawing/2010/main" val="0"/>
+                <a14:useLocalDpi xmlns:a14="http://schemas.microsoft.com/office/drawing/2010/main" val="0"/>
               </a:ext>
             </a:extLst>
           </a:blip>
@@ -9847,7 +13574,7 @@
           <a:noFill/>
           <a:extLst>
             <a:ext uri="{909E8E84-426E-40DD-AFC4-6F175D3DCCD1}">
-              <a14:hiddenFill xmlns="" xmlns:a14="http://schemas.microsoft.com/office/drawing/2010/main">
+              <a14:hiddenFill xmlns:a14="http://schemas.microsoft.com/office/drawing/2010/main">
                 <a:solidFill>
                   <a:srgbClr val="FFFFFF"/>
                 </a:solidFill>
@@ -9868,7 +13595,7 @@
           <a:blip r:embed="rId2" cstate="print">
             <a:extLst>
               <a:ext uri="{BEBA8EAE-BF5A-486C-A8C5-ECC9F3942E4B}">
-                <a14:imgProps xmlns="" xmlns:a14="http://schemas.microsoft.com/office/drawing/2010/main">
+                <a14:imgProps xmlns:a14="http://schemas.microsoft.com/office/drawing/2010/main">
                   <a14:imgLayer r:embed="rId3">
                     <a14:imgEffect>
                       <a14:backgroundRemoval t="6057" b="22942" l="7000" r="29162"/>
@@ -9877,7 +13604,7 @@
                 </a14:imgProps>
               </a:ext>
               <a:ext uri="{28A0092B-C50C-407E-A947-70E740481C1C}">
-                <a14:useLocalDpi xmlns="" xmlns:a14="http://schemas.microsoft.com/office/drawing/2010/main" val="0"/>
+                <a14:useLocalDpi xmlns:a14="http://schemas.microsoft.com/office/drawing/2010/main" val="0"/>
               </a:ext>
             </a:extLst>
           </a:blip>
@@ -9895,7 +13622,7 @@
           <a:noFill/>
           <a:extLst>
             <a:ext uri="{909E8E84-426E-40DD-AFC4-6F175D3DCCD1}">
-              <a14:hiddenFill xmlns="" xmlns:a14="http://schemas.microsoft.com/office/drawing/2010/main">
+              <a14:hiddenFill xmlns:a14="http://schemas.microsoft.com/office/drawing/2010/main">
                 <a:solidFill>
                   <a:srgbClr val="FFFFFF"/>
                 </a:solidFill>
@@ -9907,7 +13634,7 @@
     </p:spTree>
     <p:extLst>
       <p:ext uri="{BB962C8B-B14F-4D97-AF65-F5344CB8AC3E}">
-        <p14:creationId xmlns="" xmlns:p14="http://schemas.microsoft.com/office/powerpoint/2010/main" val="2645794681"/>
+        <p14:creationId xmlns:p14="http://schemas.microsoft.com/office/powerpoint/2010/main" val="2645794681"/>
       </p:ext>
     </p:extLst>
   </p:cSld>
@@ -9917,7 +13644,7 @@
 </p:sld>
 </file>
 
-<file path=ppt/slides/slide18.xml><?xml version="1.0" encoding="utf-8"?>
+<file path=ppt/slides/slide25.xml><?xml version="1.0" encoding="utf-8"?>
 <p:sld xmlns:a="http://schemas.openxmlformats.org/drawingml/2006/main" xmlns:r="http://schemas.openxmlformats.org/officeDocument/2006/relationships" xmlns:p="http://schemas.openxmlformats.org/presentationml/2006/main">
   <p:cSld>
     <p:spTree>
@@ -10118,7 +13845,7 @@
             <a:fld id="{6C6AE60A-B69C-4790-82F7-3882EDF23186}" type="slidenum">
               <a:rPr lang="de-DE" smtClean="0"/>
               <a:pPr/>
-              <a:t>18</a:t>
+              <a:t>25</a:t>
             </a:fld>
             <a:endParaRPr lang="de-DE" dirty="0"/>
           </a:p>
@@ -10136,7 +13863,7 @@
           <a:blip r:embed="rId3" cstate="print">
             <a:extLst>
               <a:ext uri="{28A0092B-C50C-407E-A947-70E740481C1C}">
-                <a14:useLocalDpi xmlns="" xmlns:a14="http://schemas.microsoft.com/office/drawing/2010/main" val="0"/>
+                <a14:useLocalDpi xmlns:a14="http://schemas.microsoft.com/office/drawing/2010/main" val="0"/>
               </a:ext>
             </a:extLst>
           </a:blip>
@@ -10168,7 +13895,7 @@
           </a:effectLst>
           <a:extLst>
             <a:ext uri="{91240B29-F687-4F45-9708-019B960494DF}">
-              <a14:hiddenLine xmlns="" xmlns:a14="http://schemas.microsoft.com/office/drawing/2010/main" w="9525">
+              <a14:hiddenLine xmlns:a14="http://schemas.microsoft.com/office/drawing/2010/main" w="9525">
                 <a:solidFill>
                   <a:schemeClr val="tx1"/>
                 </a:solidFill>
@@ -10183,7 +13910,7 @@
     </p:spTree>
     <p:extLst>
       <p:ext uri="{BB962C8B-B14F-4D97-AF65-F5344CB8AC3E}">
-        <p14:creationId xmlns="" xmlns:p14="http://schemas.microsoft.com/office/powerpoint/2010/main" val="313312729"/>
+        <p14:creationId xmlns:p14="http://schemas.microsoft.com/office/powerpoint/2010/main" val="313312729"/>
       </p:ext>
     </p:extLst>
   </p:cSld>
@@ -10200,7 +13927,7 @@
 </p:sld>
 </file>
 
-<file path=ppt/slides/slide19.xml><?xml version="1.0" encoding="utf-8"?>
+<file path=ppt/slides/slide26.xml><?xml version="1.0" encoding="utf-8"?>
 <p:sld xmlns:a="http://schemas.openxmlformats.org/drawingml/2006/main" xmlns:r="http://schemas.openxmlformats.org/officeDocument/2006/relationships" xmlns:p="http://schemas.openxmlformats.org/presentationml/2006/main">
   <p:cSld>
     <p:spTree>
@@ -10229,6 +13956,210 @@
         </p:nvSpPr>
         <p:spPr/>
         <p:txBody>
+          <a:bodyPr/>
+          <a:lstStyle/>
+          <a:p>
+            <a:r>
+              <a:rPr lang="de-DE" dirty="0" smtClean="0"/>
+              <a:t>Reflexion</a:t>
+            </a:r>
+            <a:endParaRPr lang="de-DE" dirty="0"/>
+          </a:p>
+        </p:txBody>
+      </p:sp>
+      <p:sp>
+        <p:nvSpPr>
+          <p:cNvPr id="3" name="Inhaltsplatzhalter 2"/>
+          <p:cNvSpPr>
+            <a:spLocks noGrp="1"/>
+          </p:cNvSpPr>
+          <p:nvPr>
+            <p:ph idx="1"/>
+          </p:nvPr>
+        </p:nvSpPr>
+        <p:spPr/>
+        <p:txBody>
+          <a:bodyPr/>
+          <a:lstStyle/>
+          <a:p>
+            <a:r>
+              <a:rPr lang="de-DE" dirty="0" smtClean="0"/>
+              <a:t>Verbesserungspotential</a:t>
+            </a:r>
+          </a:p>
+          <a:p>
+            <a:pPr lvl="1"/>
+            <a:r>
+              <a:rPr lang="de-DE" dirty="0" err="1" smtClean="0"/>
+              <a:t>gitHub</a:t>
+            </a:r>
+            <a:r>
+              <a:rPr lang="de-DE" dirty="0" smtClean="0"/>
+              <a:t> und binäre Dateiformate</a:t>
+            </a:r>
+          </a:p>
+          <a:p>
+            <a:pPr lvl="1"/>
+            <a:r>
+              <a:rPr lang="de-DE" dirty="0" smtClean="0"/>
+              <a:t>Projektmanagement stärker verfolgen</a:t>
+            </a:r>
+          </a:p>
+          <a:p>
+            <a:pPr lvl="1"/>
+            <a:r>
+              <a:rPr lang="de-DE" dirty="0" err="1" smtClean="0"/>
+              <a:t>Workload</a:t>
+            </a:r>
+            <a:endParaRPr lang="de-DE" smtClean="0"/>
+          </a:p>
+          <a:p>
+            <a:pPr lvl="1"/>
+            <a:endParaRPr lang="de-DE" dirty="0" smtClean="0"/>
+          </a:p>
+          <a:p>
+            <a:r>
+              <a:rPr lang="de-DE" dirty="0" smtClean="0"/>
+              <a:t>Positiv</a:t>
+            </a:r>
+          </a:p>
+          <a:p>
+            <a:pPr lvl="1"/>
+            <a:r>
+              <a:rPr lang="de-DE" dirty="0" err="1" smtClean="0"/>
+              <a:t>PeerReview</a:t>
+            </a:r>
+            <a:endParaRPr lang="de-DE" dirty="0"/>
+          </a:p>
+          <a:p>
+            <a:pPr lvl="1"/>
+            <a:r>
+              <a:rPr lang="de-DE" dirty="0" smtClean="0"/>
+              <a:t>Teamwork</a:t>
+            </a:r>
+          </a:p>
+          <a:p>
+            <a:pPr lvl="1"/>
+            <a:endParaRPr lang="de-DE" dirty="0"/>
+          </a:p>
+          <a:p>
+            <a:pPr lvl="1"/>
+            <a:endParaRPr lang="de-DE" dirty="0"/>
+          </a:p>
+        </p:txBody>
+      </p:sp>
+      <p:sp>
+        <p:nvSpPr>
+          <p:cNvPr id="4" name="Datumsplatzhalter 3"/>
+          <p:cNvSpPr>
+            <a:spLocks noGrp="1"/>
+          </p:cNvSpPr>
+          <p:nvPr>
+            <p:ph type="dt" sz="half" idx="10"/>
+          </p:nvPr>
+        </p:nvSpPr>
+        <p:spPr/>
+        <p:txBody>
+          <a:bodyPr/>
+          <a:lstStyle/>
+          <a:p>
+            <a:r>
+              <a:rPr lang="de-DE" smtClean="0"/>
+              <a:t>21.04.2012</a:t>
+            </a:r>
+            <a:endParaRPr lang="en-US"/>
+          </a:p>
+        </p:txBody>
+      </p:sp>
+      <p:sp>
+        <p:nvSpPr>
+          <p:cNvPr id="5" name="Fußzeilenplatzhalter 4"/>
+          <p:cNvSpPr>
+            <a:spLocks noGrp="1"/>
+          </p:cNvSpPr>
+          <p:nvPr>
+            <p:ph type="ftr" sz="quarter" idx="11"/>
+          </p:nvPr>
+        </p:nvSpPr>
+        <p:spPr/>
+        <p:txBody>
+          <a:bodyPr/>
+          <a:lstStyle/>
+          <a:p>
+            <a:r>
+              <a:rPr lang="de-DE" smtClean="0"/>
+              <a:t>FST Projekt "Eventalizer" (SS 2012) Team 5</a:t>
+            </a:r>
+            <a:endParaRPr lang="de-DE" dirty="0"/>
+          </a:p>
+        </p:txBody>
+      </p:sp>
+      <p:sp>
+        <p:nvSpPr>
+          <p:cNvPr id="6" name="Foliennummernplatzhalter 5"/>
+          <p:cNvSpPr>
+            <a:spLocks noGrp="1"/>
+          </p:cNvSpPr>
+          <p:nvPr>
+            <p:ph type="sldNum" sz="quarter" idx="12"/>
+          </p:nvPr>
+        </p:nvSpPr>
+        <p:spPr/>
+        <p:txBody>
+          <a:bodyPr/>
+          <a:lstStyle/>
+          <a:p>
+            <a:fld id="{990B41CA-569D-40E7-8E58-026C0338B2C8}" type="slidenum">
+              <a:rPr lang="en-US" smtClean="0"/>
+              <a:pPr/>
+              <a:t>26</a:t>
+            </a:fld>
+            <a:endParaRPr lang="en-US"/>
+          </a:p>
+        </p:txBody>
+      </p:sp>
+    </p:spTree>
+    <p:extLst>
+      <p:ext uri="{BB962C8B-B14F-4D97-AF65-F5344CB8AC3E}">
+        <p14:creationId xmlns:p14="http://schemas.microsoft.com/office/powerpoint/2010/main" val="1344880779"/>
+      </p:ext>
+    </p:extLst>
+  </p:cSld>
+  <p:clrMapOvr>
+    <a:masterClrMapping/>
+  </p:clrMapOvr>
+</p:sld>
+</file>
+
+<file path=ppt/slides/slide27.xml><?xml version="1.0" encoding="utf-8"?>
+<p:sld xmlns:a="http://schemas.openxmlformats.org/drawingml/2006/main" xmlns:r="http://schemas.openxmlformats.org/officeDocument/2006/relationships" xmlns:p="http://schemas.openxmlformats.org/presentationml/2006/main">
+  <p:cSld>
+    <p:spTree>
+      <p:nvGrpSpPr>
+        <p:cNvPr id="1" name=""/>
+        <p:cNvGrpSpPr/>
+        <p:nvPr/>
+      </p:nvGrpSpPr>
+      <p:grpSpPr>
+        <a:xfrm>
+          <a:off x="0" y="0"/>
+          <a:ext cx="0" cy="0"/>
+          <a:chOff x="0" y="0"/>
+          <a:chExt cx="0" cy="0"/>
+        </a:xfrm>
+      </p:grpSpPr>
+      <p:sp>
+        <p:nvSpPr>
+          <p:cNvPr id="2" name="Titel 1"/>
+          <p:cNvSpPr>
+            <a:spLocks noGrp="1"/>
+          </p:cNvSpPr>
+          <p:nvPr>
+            <p:ph type="title"/>
+          </p:nvPr>
+        </p:nvSpPr>
+        <p:spPr/>
+        <p:txBody>
           <a:bodyPr>
             <a:normAutofit/>
           </a:bodyPr>
@@ -10284,7 +14215,7 @@
           <a:blip r:embed="rId3" cstate="print">
             <a:extLst>
               <a:ext uri="{28A0092B-C50C-407E-A947-70E740481C1C}">
-                <a14:useLocalDpi xmlns="" xmlns:a14="http://schemas.microsoft.com/office/drawing/2010/main" val="0"/>
+                <a14:useLocalDpi xmlns:a14="http://schemas.microsoft.com/office/drawing/2010/main" val="0"/>
               </a:ext>
             </a:extLst>
           </a:blip>
@@ -10314,7 +14245,7 @@
           <a:blip r:embed="rId4" cstate="print">
             <a:extLst>
               <a:ext uri="{28A0092B-C50C-407E-A947-70E740481C1C}">
-                <a14:useLocalDpi xmlns="" xmlns:a14="http://schemas.microsoft.com/office/drawing/2010/main" val="0"/>
+                <a14:useLocalDpi xmlns:a14="http://schemas.microsoft.com/office/drawing/2010/main" val="0"/>
               </a:ext>
             </a:extLst>
           </a:blip>
@@ -10335,7 +14266,7 @@
     </p:spTree>
     <p:extLst>
       <p:ext uri="{BB962C8B-B14F-4D97-AF65-F5344CB8AC3E}">
-        <p14:creationId xmlns="" xmlns:p14="http://schemas.microsoft.com/office/powerpoint/2010/main" val="2565098391"/>
+        <p14:creationId xmlns:p14="http://schemas.microsoft.com/office/powerpoint/2010/main" val="2565098391"/>
       </p:ext>
     </p:extLst>
   </p:cSld>
@@ -10352,7 +14283,7 @@
 </p:sld>
 </file>
 
-<file path=ppt/slides/slide2.xml><?xml version="1.0" encoding="utf-8"?>
+<file path=ppt/slides/slide28.xml><?xml version="1.0" encoding="utf-8"?>
 <p:sld xmlns:a="http://schemas.openxmlformats.org/drawingml/2006/main" xmlns:r="http://schemas.openxmlformats.org/officeDocument/2006/relationships" xmlns:p="http://schemas.openxmlformats.org/presentationml/2006/main">
   <p:cSld>
     <p:spTree>
@@ -10371,6 +14302,169 @@
       </p:grpSpPr>
       <p:sp>
         <p:nvSpPr>
+          <p:cNvPr id="7" name="Titel 6"/>
+          <p:cNvSpPr>
+            <a:spLocks noGrp="1"/>
+          </p:cNvSpPr>
+          <p:nvPr>
+            <p:ph type="title"/>
+          </p:nvPr>
+        </p:nvSpPr>
+        <p:spPr/>
+        <p:txBody>
+          <a:bodyPr/>
+          <a:lstStyle/>
+          <a:p>
+            <a:r>
+              <a:rPr lang="de-DE" dirty="0" smtClean="0"/>
+              <a:t>Quellen</a:t>
+            </a:r>
+            <a:endParaRPr lang="de-DE" dirty="0"/>
+          </a:p>
+        </p:txBody>
+      </p:sp>
+      <p:sp>
+        <p:nvSpPr>
+          <p:cNvPr id="8" name="Inhaltsplatzhalter 7"/>
+          <p:cNvSpPr>
+            <a:spLocks noGrp="1"/>
+          </p:cNvSpPr>
+          <p:nvPr>
+            <p:ph idx="1"/>
+          </p:nvPr>
+        </p:nvSpPr>
+        <p:spPr/>
+        <p:txBody>
+          <a:bodyPr/>
+          <a:lstStyle/>
+          <a:p>
+            <a:r>
+              <a:rPr lang="de-DE" dirty="0" smtClean="0"/>
+              <a:t>Dekorative Abbildungen</a:t>
+            </a:r>
+          </a:p>
+          <a:p>
+            <a:pPr lvl="1"/>
+            <a:r>
+              <a:rPr lang="de-DE" dirty="0" smtClean="0"/>
+              <a:t>www.FreeDigitalPhotos.net</a:t>
+            </a:r>
+          </a:p>
+          <a:p>
+            <a:pPr lvl="1"/>
+            <a:r>
+              <a:rPr lang="de-DE" dirty="0"/>
+              <a:t>www.animationfactory.com</a:t>
+            </a:r>
+          </a:p>
+          <a:p>
+            <a:pPr lvl="1"/>
+            <a:endParaRPr lang="de-DE" dirty="0"/>
+          </a:p>
+        </p:txBody>
+      </p:sp>
+      <p:sp>
+        <p:nvSpPr>
+          <p:cNvPr id="4" name="Datumsplatzhalter 3"/>
+          <p:cNvSpPr>
+            <a:spLocks noGrp="1"/>
+          </p:cNvSpPr>
+          <p:nvPr>
+            <p:ph type="dt" sz="half" idx="10"/>
+          </p:nvPr>
+        </p:nvSpPr>
+        <p:spPr/>
+        <p:txBody>
+          <a:bodyPr/>
+          <a:lstStyle/>
+          <a:p>
+            <a:r>
+              <a:rPr lang="de-DE" smtClean="0"/>
+              <a:t>21.04.2012</a:t>
+            </a:r>
+            <a:endParaRPr lang="en-US"/>
+          </a:p>
+        </p:txBody>
+      </p:sp>
+      <p:sp>
+        <p:nvSpPr>
+          <p:cNvPr id="5" name="Fußzeilenplatzhalter 4"/>
+          <p:cNvSpPr>
+            <a:spLocks noGrp="1"/>
+          </p:cNvSpPr>
+          <p:nvPr>
+            <p:ph type="ftr" sz="quarter" idx="11"/>
+          </p:nvPr>
+        </p:nvSpPr>
+        <p:spPr/>
+        <p:txBody>
+          <a:bodyPr/>
+          <a:lstStyle/>
+          <a:p>
+            <a:r>
+              <a:rPr lang="de-DE" smtClean="0"/>
+              <a:t>FST Projekt "Eventalizer" (SS 2012) Team 5</a:t>
+            </a:r>
+            <a:endParaRPr lang="de-DE" dirty="0"/>
+          </a:p>
+        </p:txBody>
+      </p:sp>
+      <p:sp>
+        <p:nvSpPr>
+          <p:cNvPr id="6" name="Foliennummernplatzhalter 5"/>
+          <p:cNvSpPr>
+            <a:spLocks noGrp="1"/>
+          </p:cNvSpPr>
+          <p:nvPr>
+            <p:ph type="sldNum" sz="quarter" idx="12"/>
+          </p:nvPr>
+        </p:nvSpPr>
+        <p:spPr/>
+        <p:txBody>
+          <a:bodyPr/>
+          <a:lstStyle/>
+          <a:p>
+            <a:fld id="{990B41CA-569D-40E7-8E58-026C0338B2C8}" type="slidenum">
+              <a:rPr lang="en-US" smtClean="0"/>
+              <a:pPr/>
+              <a:t>28</a:t>
+            </a:fld>
+            <a:endParaRPr lang="en-US"/>
+          </a:p>
+        </p:txBody>
+      </p:sp>
+    </p:spTree>
+    <p:extLst>
+      <p:ext uri="{BB962C8B-B14F-4D97-AF65-F5344CB8AC3E}">
+        <p14:creationId xmlns:p14="http://schemas.microsoft.com/office/powerpoint/2010/main" val="3661383713"/>
+      </p:ext>
+    </p:extLst>
+  </p:cSld>
+  <p:clrMapOvr>
+    <a:masterClrMapping/>
+  </p:clrMapOvr>
+</p:sld>
+</file>
+
+<file path=ppt/slides/slide3.xml><?xml version="1.0" encoding="utf-8"?>
+<p:sld xmlns:a="http://schemas.openxmlformats.org/drawingml/2006/main" xmlns:r="http://schemas.openxmlformats.org/officeDocument/2006/relationships" xmlns:p="http://schemas.openxmlformats.org/presentationml/2006/main" show="0">
+  <p:cSld>
+    <p:spTree>
+      <p:nvGrpSpPr>
+        <p:cNvPr id="1" name=""/>
+        <p:cNvGrpSpPr/>
+        <p:nvPr/>
+      </p:nvGrpSpPr>
+      <p:grpSpPr>
+        <a:xfrm>
+          <a:off x="0" y="0"/>
+          <a:ext cx="0" cy="0"/>
+          <a:chOff x="0" y="0"/>
+          <a:chExt cx="0" cy="0"/>
+        </a:xfrm>
+      </p:grpSpPr>
+      <p:sp>
+        <p:nvSpPr>
           <p:cNvPr id="2" name="Titel 1"/>
           <p:cNvSpPr>
             <a:spLocks noGrp="1"/>
@@ -10460,22 +14554,21 @@
             <a:pPr lvl="2"/>
             <a:r>
               <a:rPr lang="de-DE" dirty="0" smtClean="0"/>
-              <a:t>Live Demo (beides)</a:t>
-            </a:r>
-          </a:p>
-          <a:p>
-            <a:pPr lvl="1"/>
+              <a:t>Live Demo </a:t>
+            </a:r>
             <a:r>
               <a:rPr lang="de-DE" dirty="0" smtClean="0"/>
               <a:t>Detailkonzept</a:t>
             </a:r>
+            <a:endParaRPr lang="de-DE" dirty="0" smtClean="0"/>
           </a:p>
           <a:p>
             <a:pPr lvl="2"/>
             <a:r>
               <a:rPr lang="de-DE" dirty="0" smtClean="0"/>
-              <a:t>Domänenklassendiagramm -&gt; DB-Schema</a:t>
-            </a:r>
+              <a:t>Domänenklassendiagramm Datenbank-Schema</a:t>
+            </a:r>
+            <a:endParaRPr lang="de-DE" dirty="0" smtClean="0"/>
           </a:p>
           <a:p>
             <a:pPr lvl="1"/>
@@ -10577,7 +14670,7 @@
             <a:fld id="{6C6AE60A-B69C-4790-82F7-3882EDF23186}" type="slidenum">
               <a:rPr lang="de-DE" smtClean="0"/>
               <a:pPr/>
-              <a:t>2</a:t>
+              <a:t>3</a:t>
             </a:fld>
             <a:endParaRPr lang="de-DE" dirty="0"/>
           </a:p>
@@ -10628,13 +14721,21 @@
     </p:spTree>
     <p:extLst>
       <p:ext uri="{BB962C8B-B14F-4D97-AF65-F5344CB8AC3E}">
-        <p14:creationId xmlns="" xmlns:p14="http://schemas.microsoft.com/office/powerpoint/2010/main" val="3616670450"/>
+        <p14:creationId xmlns:p14="http://schemas.microsoft.com/office/powerpoint/2010/main" val="2988266106"/>
       </p:ext>
     </p:extLst>
   </p:cSld>
   <p:clrMapOvr>
     <a:masterClrMapping/>
   </p:clrMapOvr>
+  <mc:AlternateContent xmlns:mc="http://schemas.openxmlformats.org/markup-compatibility/2006">
+    <mc:Choice xmlns:p14="http://schemas.microsoft.com/office/powerpoint/2010/main" Requires="p14">
+      <p:transition spd="slow" p14:dur="2000"/>
+    </mc:Choice>
+    <mc:Fallback>
+      <p:transition spd="slow"/>
+    </mc:Fallback>
+  </mc:AlternateContent>
   <p:timing>
     <p:tnLst>
       <p:par>
@@ -10645,7 +14746,7 @@
 </p:sld>
 </file>
 
-<file path=ppt/slides/slide3.xml><?xml version="1.0" encoding="utf-8"?>
+<file path=ppt/slides/slide4.xml><?xml version="1.0" encoding="utf-8"?>
 <p:sld xmlns:a="http://schemas.openxmlformats.org/drawingml/2006/main" xmlns:r="http://schemas.openxmlformats.org/officeDocument/2006/relationships" xmlns:p="http://schemas.openxmlformats.org/presentationml/2006/main">
   <p:cSld>
     <p:spTree>
@@ -10777,7 +14878,7 @@
             <a:fld id="{990B41CA-569D-40E7-8E58-026C0338B2C8}" type="slidenum">
               <a:rPr lang="en-US" smtClean="0"/>
               <a:pPr/>
-              <a:t>3</a:t>
+              <a:t>4</a:t>
             </a:fld>
             <a:endParaRPr lang="en-US"/>
           </a:p>
@@ -10786,7 +14887,7 @@
     </p:spTree>
     <p:extLst>
       <p:ext uri="{BB962C8B-B14F-4D97-AF65-F5344CB8AC3E}">
-        <p14:creationId xmlns="" xmlns:p14="http://schemas.microsoft.com/office/powerpoint/2010/main" val="351671181"/>
+        <p14:creationId xmlns:p14="http://schemas.microsoft.com/office/powerpoint/2010/main" val="351671181"/>
       </p:ext>
     </p:extLst>
   </p:cSld>
@@ -10849,7 +14950,7 @@
                                           <p:attrName>ppt_y</p:attrName>
                                         </p:attrNameLst>
                                       </p:cBhvr>
-                                      <p:rCtr x="-72" y="-94"/>
+                                      <p:rCtr x="-7200" y="-9400"/>
                                     </p:animMotion>
                                   </p:childTnLst>
                                 </p:cTn>
@@ -10885,7 +14986,7 @@
 </p:sld>
 </file>
 
-<file path=ppt/slides/slide4.xml><?xml version="1.0" encoding="utf-8"?>
+<file path=ppt/slides/slide5.xml><?xml version="1.0" encoding="utf-8"?>
 <p:sld xmlns:a="http://schemas.openxmlformats.org/drawingml/2006/main" xmlns:r="http://schemas.openxmlformats.org/officeDocument/2006/relationships" xmlns:p="http://schemas.openxmlformats.org/presentationml/2006/main">
   <p:cSld>
     <p:spTree>
@@ -11017,7 +15118,7 @@
             <a:fld id="{990B41CA-569D-40E7-8E58-026C0338B2C8}" type="slidenum">
               <a:rPr lang="en-US" smtClean="0"/>
               <a:pPr/>
-              <a:t>4</a:t>
+              <a:t>5</a:t>
             </a:fld>
             <a:endParaRPr lang="en-US"/>
           </a:p>
@@ -11244,119 +15345,7 @@
     </p:spTree>
     <p:extLst>
       <p:ext uri="{BB962C8B-B14F-4D97-AF65-F5344CB8AC3E}">
-        <p14:creationId xmlns="" xmlns:p14="http://schemas.microsoft.com/office/powerpoint/2010/main" val="351671181"/>
-      </p:ext>
-    </p:extLst>
-  </p:cSld>
-  <p:clrMapOvr>
-    <a:masterClrMapping/>
-  </p:clrMapOvr>
-  <p:timing>
-    <p:tnLst>
-      <p:par>
-        <p:cTn id="1" dur="indefinite" restart="never" nodeType="tmRoot"/>
-      </p:par>
-    </p:tnLst>
-  </p:timing>
-</p:sld>
-</file>
-
-<file path=ppt/slides/slide5.xml><?xml version="1.0" encoding="utf-8"?>
-<p:sld xmlns:a="http://schemas.openxmlformats.org/drawingml/2006/main" xmlns:r="http://schemas.openxmlformats.org/officeDocument/2006/relationships" xmlns:p="http://schemas.openxmlformats.org/presentationml/2006/main">
-  <p:cSld>
-    <p:spTree>
-      <p:nvGrpSpPr>
-        <p:cNvPr id="1" name=""/>
-        <p:cNvGrpSpPr/>
-        <p:nvPr/>
-      </p:nvGrpSpPr>
-      <p:grpSpPr>
-        <a:xfrm>
-          <a:off x="0" y="0"/>
-          <a:ext cx="0" cy="0"/>
-          <a:chOff x="0" y="0"/>
-          <a:chExt cx="0" cy="0"/>
-        </a:xfrm>
-      </p:grpSpPr>
-      <p:sp>
-        <p:nvSpPr>
-          <p:cNvPr id="2" name="Titel 1"/>
-          <p:cNvSpPr>
-            <a:spLocks noGrp="1"/>
-          </p:cNvSpPr>
-          <p:nvPr>
-            <p:ph type="title"/>
-          </p:nvPr>
-        </p:nvSpPr>
-        <p:spPr/>
-        <p:txBody>
-          <a:bodyPr>
-            <a:normAutofit fontScale="90000"/>
-          </a:bodyPr>
-          <a:lstStyle/>
-          <a:p>
-            <a:r>
-              <a:rPr lang="de-DE" dirty="0" smtClean="0"/>
-              <a:t>Lastenheft</a:t>
-            </a:r>
-            <a:br>
-              <a:rPr lang="de-DE" dirty="0" smtClean="0"/>
-            </a:br>
-            <a:r>
-              <a:rPr lang="de-DE" dirty="0" smtClean="0"/>
-              <a:t>funktionale Anforderungen</a:t>
-            </a:r>
-            <a:endParaRPr lang="de-DE" dirty="0"/>
-          </a:p>
-        </p:txBody>
-      </p:sp>
-      <p:sp>
-        <p:nvSpPr>
-          <p:cNvPr id="6" name="Foliennummernplatzhalter 5"/>
-          <p:cNvSpPr>
-            <a:spLocks noGrp="1"/>
-          </p:cNvSpPr>
-          <p:nvPr>
-            <p:ph type="sldNum" sz="quarter" idx="12"/>
-          </p:nvPr>
-        </p:nvSpPr>
-        <p:spPr/>
-        <p:txBody>
-          <a:bodyPr/>
-          <a:lstStyle/>
-          <a:p>
-            <a:fld id="{990B41CA-569D-40E7-8E58-026C0338B2C8}" type="slidenum">
-              <a:rPr lang="en-US" smtClean="0"/>
-              <a:pPr/>
-              <a:t>5</a:t>
-            </a:fld>
-            <a:endParaRPr lang="en-US"/>
-          </a:p>
-        </p:txBody>
-      </p:sp>
-      <p:sp>
-        <p:nvSpPr>
-          <p:cNvPr id="9" name="Inhaltsplatzhalter 8"/>
-          <p:cNvSpPr>
-            <a:spLocks noGrp="1"/>
-          </p:cNvSpPr>
-          <p:nvPr>
-            <p:ph idx="1"/>
-          </p:nvPr>
-        </p:nvSpPr>
-        <p:spPr/>
-        <p:txBody>
-          <a:bodyPr/>
-          <a:lstStyle/>
-          <a:p>
-            <a:endParaRPr lang="de-DE"/>
-          </a:p>
-        </p:txBody>
-      </p:sp>
-    </p:spTree>
-    <p:extLst>
-      <p:ext uri="{BB962C8B-B14F-4D97-AF65-F5344CB8AC3E}">
-        <p14:creationId xmlns="" xmlns:p14="http://schemas.microsoft.com/office/powerpoint/2010/main" val="2681693288"/>
+        <p14:creationId xmlns:p14="http://schemas.microsoft.com/office/powerpoint/2010/main" val="351671181"/>
       </p:ext>
     </p:extLst>
   </p:cSld>
@@ -11409,7 +15398,7 @@
           <a:p>
             <a:r>
               <a:rPr lang="de-DE" dirty="0" smtClean="0"/>
-              <a:t>Pflichtenheft</a:t>
+              <a:t>Lastenheft</a:t>
             </a:r>
             <a:br>
               <a:rPr lang="de-DE" dirty="0" smtClean="0"/>
@@ -11417,95 +15406,6 @@
             <a:r>
               <a:rPr lang="de-DE" dirty="0" smtClean="0"/>
               <a:t>funktionale Anforderungen</a:t>
-            </a:r>
-            <a:endParaRPr lang="de-DE" dirty="0"/>
-          </a:p>
-        </p:txBody>
-      </p:sp>
-      <p:sp>
-        <p:nvSpPr>
-          <p:cNvPr id="3" name="Inhaltsplatzhalter 2"/>
-          <p:cNvSpPr>
-            <a:spLocks noGrp="1"/>
-          </p:cNvSpPr>
-          <p:nvPr>
-            <p:ph idx="1"/>
-          </p:nvPr>
-        </p:nvSpPr>
-        <p:spPr/>
-        <p:txBody>
-          <a:bodyPr/>
-          <a:lstStyle/>
-          <a:p>
-            <a:r>
-              <a:rPr lang="de-DE" dirty="0" smtClean="0"/>
-              <a:t>F10 – Benutzerfunktionen:  Anmeldung</a:t>
-            </a:r>
-          </a:p>
-          <a:p>
-            <a:endParaRPr lang="de-DE" dirty="0"/>
-          </a:p>
-          <a:p>
-            <a:endParaRPr lang="de-DE" dirty="0" smtClean="0"/>
-          </a:p>
-          <a:p>
-            <a:endParaRPr lang="de-DE" dirty="0"/>
-          </a:p>
-          <a:p>
-            <a:r>
-              <a:rPr lang="de-DE" dirty="0" smtClean="0"/>
-              <a:t>F60 – Eventfunktionen: Event erstellen</a:t>
-            </a:r>
-          </a:p>
-          <a:p>
-            <a:endParaRPr lang="de-DE" dirty="0" smtClean="0"/>
-          </a:p>
-          <a:p>
-            <a:endParaRPr lang="de-DE" dirty="0"/>
-          </a:p>
-        </p:txBody>
-      </p:sp>
-      <p:sp>
-        <p:nvSpPr>
-          <p:cNvPr id="4" name="Datumsplatzhalter 3"/>
-          <p:cNvSpPr>
-            <a:spLocks noGrp="1"/>
-          </p:cNvSpPr>
-          <p:nvPr>
-            <p:ph type="dt" sz="half" idx="10"/>
-          </p:nvPr>
-        </p:nvSpPr>
-        <p:spPr/>
-        <p:txBody>
-          <a:bodyPr/>
-          <a:lstStyle/>
-          <a:p>
-            <a:r>
-              <a:rPr lang="de-DE" smtClean="0"/>
-              <a:t>21.04.2012</a:t>
-            </a:r>
-            <a:endParaRPr lang="en-US"/>
-          </a:p>
-        </p:txBody>
-      </p:sp>
-      <p:sp>
-        <p:nvSpPr>
-          <p:cNvPr id="5" name="Fußzeilenplatzhalter 4"/>
-          <p:cNvSpPr>
-            <a:spLocks noGrp="1"/>
-          </p:cNvSpPr>
-          <p:nvPr>
-            <p:ph type="ftr" sz="quarter" idx="11"/>
-          </p:nvPr>
-        </p:nvSpPr>
-        <p:spPr/>
-        <p:txBody>
-          <a:bodyPr/>
-          <a:lstStyle/>
-          <a:p>
-            <a:r>
-              <a:rPr lang="de-DE" smtClean="0"/>
-              <a:t>FST Projekt "Eventalizer" (SS 2012) Team 5</a:t>
             </a:r>
             <a:endParaRPr lang="de-DE" dirty="0"/>
           </a:p>
@@ -11535,58 +15435,39 @@
           </a:p>
         </p:txBody>
       </p:sp>
-      <p:pic>
-        <p:nvPicPr>
-          <p:cNvPr id="7" name="Bild 20"/>
-          <p:cNvPicPr/>
-          <p:nvPr/>
-        </p:nvPicPr>
-        <p:blipFill>
-          <a:blip r:embed="rId3" cstate="print"/>
-          <a:srcRect/>
-          <a:stretch>
-            <a:fillRect/>
-          </a:stretch>
-        </p:blipFill>
-        <p:spPr bwMode="auto">
-          <a:xfrm>
-            <a:off x="2915816" y="2132856"/>
-            <a:ext cx="2879725" cy="1177925"/>
-          </a:xfrm>
-          <a:prstGeom prst="rect">
-            <a:avLst/>
-          </a:prstGeom>
-          <a:noFill/>
-        </p:spPr>
-      </p:pic>
-      <p:pic>
-        <p:nvPicPr>
-          <p:cNvPr id="8" name="Bild 31"/>
-          <p:cNvPicPr/>
-          <p:nvPr/>
-        </p:nvPicPr>
-        <p:blipFill>
-          <a:blip r:embed="rId4" cstate="print"/>
-          <a:srcRect/>
-          <a:stretch>
-            <a:fillRect/>
-          </a:stretch>
-        </p:blipFill>
-        <p:spPr bwMode="auto">
-          <a:xfrm>
-            <a:off x="2339752" y="3573016"/>
-            <a:ext cx="5399405" cy="2880995"/>
-          </a:xfrm>
-          <a:prstGeom prst="rect">
-            <a:avLst/>
-          </a:prstGeom>
-          <a:noFill/>
-        </p:spPr>
-      </p:pic>
+      <p:sp>
+        <p:nvSpPr>
+          <p:cNvPr id="9" name="Inhaltsplatzhalter 8"/>
+          <p:cNvSpPr>
+            <a:spLocks noGrp="1"/>
+          </p:cNvSpPr>
+          <p:nvPr>
+            <p:ph idx="1"/>
+          </p:nvPr>
+        </p:nvSpPr>
+        <p:spPr/>
+        <p:txBody>
+          <a:bodyPr/>
+          <a:lstStyle/>
+          <a:p>
+            <a:r>
+              <a:rPr lang="de-DE" dirty="0" smtClean="0"/>
+              <a:t>Login</a:t>
+            </a:r>
+          </a:p>
+          <a:p>
+            <a:r>
+              <a:rPr lang="de-DE" dirty="0" err="1" smtClean="0"/>
+              <a:t>blablabla</a:t>
+            </a:r>
+            <a:endParaRPr lang="de-DE" dirty="0"/>
+          </a:p>
+        </p:txBody>
+      </p:sp>
     </p:spTree>
     <p:extLst>
       <p:ext uri="{BB962C8B-B14F-4D97-AF65-F5344CB8AC3E}">
-        <p14:creationId xmlns="" xmlns:p14="http://schemas.microsoft.com/office/powerpoint/2010/main" val="2681693288"/>
+        <p14:creationId xmlns:p14="http://schemas.microsoft.com/office/powerpoint/2010/main" val="2681693288"/>
       </p:ext>
     </p:extLst>
   </p:cSld>
@@ -11646,6 +15527,213 @@
             </a:br>
             <a:r>
               <a:rPr lang="de-DE" dirty="0" smtClean="0"/>
+              <a:t>funktionale Anforderungen</a:t>
+            </a:r>
+            <a:endParaRPr lang="de-DE" dirty="0"/>
+          </a:p>
+        </p:txBody>
+      </p:sp>
+      <p:sp>
+        <p:nvSpPr>
+          <p:cNvPr id="3" name="Inhaltsplatzhalter 2"/>
+          <p:cNvSpPr>
+            <a:spLocks noGrp="1"/>
+          </p:cNvSpPr>
+          <p:nvPr>
+            <p:ph idx="1"/>
+          </p:nvPr>
+        </p:nvSpPr>
+        <p:spPr/>
+        <p:txBody>
+          <a:bodyPr/>
+          <a:lstStyle/>
+          <a:p>
+            <a:endParaRPr lang="de-DE" dirty="0" smtClean="0"/>
+          </a:p>
+          <a:p>
+            <a:r>
+              <a:rPr lang="de-DE" dirty="0" smtClean="0"/>
+              <a:t>F10 </a:t>
+            </a:r>
+            <a:r>
+              <a:rPr lang="de-DE" dirty="0" smtClean="0"/>
+              <a:t>– Benutzerfunktionen:  Anmeldung</a:t>
+            </a:r>
+          </a:p>
+          <a:p>
+            <a:endParaRPr lang="de-DE" dirty="0"/>
+          </a:p>
+          <a:p>
+            <a:endParaRPr lang="de-DE" dirty="0" smtClean="0"/>
+          </a:p>
+          <a:p>
+            <a:endParaRPr lang="de-DE" dirty="0"/>
+          </a:p>
+          <a:p>
+            <a:endParaRPr lang="de-DE" dirty="0" smtClean="0"/>
+          </a:p>
+          <a:p>
+            <a:endParaRPr lang="de-DE" dirty="0"/>
+          </a:p>
+        </p:txBody>
+      </p:sp>
+      <p:sp>
+        <p:nvSpPr>
+          <p:cNvPr id="4" name="Datumsplatzhalter 3"/>
+          <p:cNvSpPr>
+            <a:spLocks noGrp="1"/>
+          </p:cNvSpPr>
+          <p:nvPr>
+            <p:ph type="dt" sz="half" idx="10"/>
+          </p:nvPr>
+        </p:nvSpPr>
+        <p:spPr/>
+        <p:txBody>
+          <a:bodyPr/>
+          <a:lstStyle/>
+          <a:p>
+            <a:r>
+              <a:rPr lang="de-DE" smtClean="0"/>
+              <a:t>21.04.2012</a:t>
+            </a:r>
+            <a:endParaRPr lang="en-US"/>
+          </a:p>
+        </p:txBody>
+      </p:sp>
+      <p:sp>
+        <p:nvSpPr>
+          <p:cNvPr id="5" name="Fußzeilenplatzhalter 4"/>
+          <p:cNvSpPr>
+            <a:spLocks noGrp="1"/>
+          </p:cNvSpPr>
+          <p:nvPr>
+            <p:ph type="ftr" sz="quarter" idx="11"/>
+          </p:nvPr>
+        </p:nvSpPr>
+        <p:spPr/>
+        <p:txBody>
+          <a:bodyPr/>
+          <a:lstStyle/>
+          <a:p>
+            <a:r>
+              <a:rPr lang="de-DE" smtClean="0"/>
+              <a:t>FST Projekt "Eventalizer" (SS 2012) Team 5</a:t>
+            </a:r>
+            <a:endParaRPr lang="de-DE" dirty="0"/>
+          </a:p>
+        </p:txBody>
+      </p:sp>
+      <p:sp>
+        <p:nvSpPr>
+          <p:cNvPr id="6" name="Foliennummernplatzhalter 5"/>
+          <p:cNvSpPr>
+            <a:spLocks noGrp="1"/>
+          </p:cNvSpPr>
+          <p:nvPr>
+            <p:ph type="sldNum" sz="quarter" idx="12"/>
+          </p:nvPr>
+        </p:nvSpPr>
+        <p:spPr/>
+        <p:txBody>
+          <a:bodyPr/>
+          <a:lstStyle/>
+          <a:p>
+            <a:fld id="{990B41CA-569D-40E7-8E58-026C0338B2C8}" type="slidenum">
+              <a:rPr lang="en-US" smtClean="0"/>
+              <a:pPr/>
+              <a:t>7</a:t>
+            </a:fld>
+            <a:endParaRPr lang="en-US"/>
+          </a:p>
+        </p:txBody>
+      </p:sp>
+      <p:pic>
+        <p:nvPicPr>
+          <p:cNvPr id="7" name="Bild 20"/>
+          <p:cNvPicPr/>
+          <p:nvPr/>
+        </p:nvPicPr>
+        <p:blipFill>
+          <a:blip r:embed="rId3" cstate="print"/>
+          <a:srcRect/>
+          <a:stretch>
+            <a:fillRect/>
+          </a:stretch>
+        </p:blipFill>
+        <p:spPr bwMode="auto">
+          <a:xfrm>
+            <a:off x="2915816" y="2755131"/>
+            <a:ext cx="2879725" cy="1177925"/>
+          </a:xfrm>
+          <a:prstGeom prst="rect">
+            <a:avLst/>
+          </a:prstGeom>
+          <a:noFill/>
+        </p:spPr>
+      </p:pic>
+    </p:spTree>
+    <p:extLst>
+      <p:ext uri="{BB962C8B-B14F-4D97-AF65-F5344CB8AC3E}">
+        <p14:creationId xmlns:p14="http://schemas.microsoft.com/office/powerpoint/2010/main" val="2681693288"/>
+      </p:ext>
+    </p:extLst>
+  </p:cSld>
+  <p:clrMapOvr>
+    <a:masterClrMapping/>
+  </p:clrMapOvr>
+  <p:timing>
+    <p:tnLst>
+      <p:par>
+        <p:cTn id="1" dur="indefinite" restart="never" nodeType="tmRoot"/>
+      </p:par>
+    </p:tnLst>
+  </p:timing>
+</p:sld>
+</file>
+
+<file path=ppt/slides/slide8.xml><?xml version="1.0" encoding="utf-8"?>
+<p:sld xmlns:a="http://schemas.openxmlformats.org/drawingml/2006/main" xmlns:r="http://schemas.openxmlformats.org/officeDocument/2006/relationships" xmlns:p="http://schemas.openxmlformats.org/presentationml/2006/main">
+  <p:cSld>
+    <p:spTree>
+      <p:nvGrpSpPr>
+        <p:cNvPr id="1" name=""/>
+        <p:cNvGrpSpPr/>
+        <p:nvPr/>
+      </p:nvGrpSpPr>
+      <p:grpSpPr>
+        <a:xfrm>
+          <a:off x="0" y="0"/>
+          <a:ext cx="0" cy="0"/>
+          <a:chOff x="0" y="0"/>
+          <a:chExt cx="0" cy="0"/>
+        </a:xfrm>
+      </p:grpSpPr>
+      <p:sp>
+        <p:nvSpPr>
+          <p:cNvPr id="2" name="Titel 1"/>
+          <p:cNvSpPr>
+            <a:spLocks noGrp="1"/>
+          </p:cNvSpPr>
+          <p:nvPr>
+            <p:ph type="title"/>
+          </p:nvPr>
+        </p:nvSpPr>
+        <p:spPr/>
+        <p:txBody>
+          <a:bodyPr>
+            <a:normAutofit fontScale="90000"/>
+          </a:bodyPr>
+          <a:lstStyle/>
+          <a:p>
+            <a:r>
+              <a:rPr lang="de-DE" dirty="0" smtClean="0"/>
+              <a:t>Pflichtenheft</a:t>
+            </a:r>
+            <a:br>
+              <a:rPr lang="de-DE" dirty="0" smtClean="0"/>
+            </a:br>
+            <a:r>
+              <a:rPr lang="de-DE" dirty="0" smtClean="0"/>
               <a:t>Benutzungs- &amp; Systemschnittstellen</a:t>
             </a:r>
             <a:endParaRPr lang="de-DE" dirty="0"/>
@@ -11693,7 +15781,7 @@
             <a:fld id="{6C6AE60A-B69C-4790-82F7-3882EDF23186}" type="slidenum">
               <a:rPr lang="de-DE" smtClean="0"/>
               <a:pPr/>
-              <a:t>7</a:t>
+              <a:t>8</a:t>
             </a:fld>
             <a:endParaRPr lang="de-DE" dirty="0"/>
           </a:p>
@@ -12049,7 +16137,7 @@
     </p:spTree>
     <p:extLst>
       <p:ext uri="{BB962C8B-B14F-4D97-AF65-F5344CB8AC3E}">
-        <p14:creationId xmlns="" xmlns:p14="http://schemas.microsoft.com/office/powerpoint/2010/main" val="2857272158"/>
+        <p14:creationId xmlns:p14="http://schemas.microsoft.com/office/powerpoint/2010/main" val="2857272158"/>
       </p:ext>
     </p:extLst>
   </p:cSld>
@@ -12063,315 +16151,6 @@
       </p:par>
     </p:tnLst>
   </p:timing>
-</p:sld>
-</file>
-
-<file path=ppt/slides/slide8.xml><?xml version="1.0" encoding="utf-8"?>
-<p:sld xmlns:a="http://schemas.openxmlformats.org/drawingml/2006/main" xmlns:r="http://schemas.openxmlformats.org/officeDocument/2006/relationships" xmlns:p="http://schemas.openxmlformats.org/presentationml/2006/main">
-  <p:cSld>
-    <p:spTree>
-      <p:nvGrpSpPr>
-        <p:cNvPr id="1" name=""/>
-        <p:cNvGrpSpPr/>
-        <p:nvPr/>
-      </p:nvGrpSpPr>
-      <p:grpSpPr>
-        <a:xfrm>
-          <a:off x="0" y="0"/>
-          <a:ext cx="0" cy="0"/>
-          <a:chOff x="0" y="0"/>
-          <a:chExt cx="0" cy="0"/>
-        </a:xfrm>
-      </p:grpSpPr>
-      <p:sp>
-        <p:nvSpPr>
-          <p:cNvPr id="2" name="Titel 1"/>
-          <p:cNvSpPr>
-            <a:spLocks noGrp="1"/>
-          </p:cNvSpPr>
-          <p:nvPr>
-            <p:ph type="title"/>
-          </p:nvPr>
-        </p:nvSpPr>
-        <p:spPr/>
-        <p:txBody>
-          <a:bodyPr>
-            <a:normAutofit fontScale="90000"/>
-          </a:bodyPr>
-          <a:lstStyle/>
-          <a:p>
-            <a:r>
-              <a:rPr lang="de-DE" dirty="0" smtClean="0"/>
-              <a:t>Pflichtenheft</a:t>
-            </a:r>
-            <a:br>
-              <a:rPr lang="de-DE" dirty="0" smtClean="0"/>
-            </a:br>
-            <a:r>
-              <a:rPr lang="de-DE" dirty="0" smtClean="0"/>
-              <a:t>Aktivitätsdiagramme</a:t>
-            </a:r>
-            <a:endParaRPr lang="de-DE" dirty="0"/>
-          </a:p>
-        </p:txBody>
-      </p:sp>
-      <p:sp>
-        <p:nvSpPr>
-          <p:cNvPr id="9" name="Textplatzhalter 8"/>
-          <p:cNvSpPr>
-            <a:spLocks noGrp="1"/>
-          </p:cNvSpPr>
-          <p:nvPr>
-            <p:ph type="body" idx="1"/>
-          </p:nvPr>
-        </p:nvSpPr>
-        <p:spPr/>
-        <p:txBody>
-          <a:bodyPr/>
-          <a:lstStyle/>
-          <a:p>
-            <a:r>
-              <a:rPr lang="de-DE" dirty="0" smtClean="0"/>
-              <a:t>Login</a:t>
-            </a:r>
-          </a:p>
-        </p:txBody>
-      </p:sp>
-      <p:sp>
-        <p:nvSpPr>
-          <p:cNvPr id="12" name="Textplatzhalter 11"/>
-          <p:cNvSpPr>
-            <a:spLocks noGrp="1"/>
-          </p:cNvSpPr>
-          <p:nvPr>
-            <p:ph type="body" sz="half" idx="3"/>
-          </p:nvPr>
-        </p:nvSpPr>
-        <p:spPr/>
-        <p:txBody>
-          <a:bodyPr/>
-          <a:lstStyle/>
-          <a:p>
-            <a:r>
-              <a:rPr lang="de-DE" dirty="0" smtClean="0"/>
-              <a:t>Event anlegen</a:t>
-            </a:r>
-            <a:endParaRPr lang="de-DE" dirty="0"/>
-          </a:p>
-        </p:txBody>
-      </p:sp>
-      <p:sp>
-        <p:nvSpPr>
-          <p:cNvPr id="4" name="Datumsplatzhalter 3"/>
-          <p:cNvSpPr>
-            <a:spLocks noGrp="1"/>
-          </p:cNvSpPr>
-          <p:nvPr>
-            <p:ph type="dt" sz="half" idx="10"/>
-          </p:nvPr>
-        </p:nvSpPr>
-        <p:spPr/>
-        <p:txBody>
-          <a:bodyPr/>
-          <a:lstStyle/>
-          <a:p>
-            <a:r>
-              <a:rPr lang="de-DE" smtClean="0"/>
-              <a:t>21.04.2012</a:t>
-            </a:r>
-            <a:endParaRPr lang="en-US"/>
-          </a:p>
-        </p:txBody>
-      </p:sp>
-      <p:sp>
-        <p:nvSpPr>
-          <p:cNvPr id="5" name="Fußzeilenplatzhalter 4"/>
-          <p:cNvSpPr>
-            <a:spLocks noGrp="1"/>
-          </p:cNvSpPr>
-          <p:nvPr>
-            <p:ph type="ftr" sz="quarter" idx="11"/>
-          </p:nvPr>
-        </p:nvSpPr>
-        <p:spPr/>
-        <p:txBody>
-          <a:bodyPr/>
-          <a:lstStyle/>
-          <a:p>
-            <a:r>
-              <a:rPr lang="de-DE" smtClean="0"/>
-              <a:t>FST Projekt "Eventalizer" (SS 2012) Team 5</a:t>
-            </a:r>
-            <a:endParaRPr lang="de-DE" dirty="0"/>
-          </a:p>
-        </p:txBody>
-      </p:sp>
-      <p:sp>
-        <p:nvSpPr>
-          <p:cNvPr id="6" name="Foliennummernplatzhalter 5"/>
-          <p:cNvSpPr>
-            <a:spLocks noGrp="1"/>
-          </p:cNvSpPr>
-          <p:nvPr>
-            <p:ph type="sldNum" sz="quarter" idx="12"/>
-          </p:nvPr>
-        </p:nvSpPr>
-        <p:spPr/>
-        <p:txBody>
-          <a:bodyPr/>
-          <a:lstStyle/>
-          <a:p>
-            <a:fld id="{990B41CA-569D-40E7-8E58-026C0338B2C8}" type="slidenum">
-              <a:rPr lang="en-US" smtClean="0"/>
-              <a:pPr/>
-              <a:t>8</a:t>
-            </a:fld>
-            <a:endParaRPr lang="en-US"/>
-          </a:p>
-        </p:txBody>
-      </p:sp>
-      <p:pic>
-        <p:nvPicPr>
-          <p:cNvPr id="15" name="Picture 2"/>
-          <p:cNvPicPr>
-            <a:picLocks noGrp="1" noChangeAspect="1" noChangeArrowheads="1"/>
-          </p:cNvPicPr>
-          <p:nvPr>
-            <p:ph sz="quarter" idx="4"/>
-          </p:nvPr>
-        </p:nvPicPr>
-        <p:blipFill>
-          <a:blip r:embed="rId2" cstate="print">
-            <a:extLst>
-              <a:ext uri="{28A0092B-C50C-407E-A947-70E740481C1C}">
-                <a14:useLocalDpi xmlns="" xmlns:a14="http://schemas.microsoft.com/office/drawing/2010/main" val="0"/>
-              </a:ext>
-            </a:extLst>
-          </a:blip>
-          <a:srcRect/>
-          <a:stretch>
-            <a:fillRect/>
-          </a:stretch>
-        </p:blipFill>
-        <p:spPr bwMode="auto">
-          <a:xfrm>
-            <a:off x="5446713" y="969963"/>
-            <a:ext cx="2457449" cy="4114800"/>
-          </a:xfrm>
-          <a:prstGeom prst="rect">
-            <a:avLst/>
-          </a:prstGeom>
-          <a:noFill/>
-          <a:ln>
-            <a:noFill/>
-          </a:ln>
-          <a:effectLst/>
-          <a:extLst>
-            <a:ext uri="{909E8E84-426E-40DD-AFC4-6F175D3DCCD1}">
-              <a14:hiddenFill xmlns="" xmlns:a14="http://schemas.microsoft.com/office/drawing/2010/main">
-                <a:solidFill>
-                  <a:schemeClr val="accent1"/>
-                </a:solidFill>
-              </a14:hiddenFill>
-            </a:ext>
-            <a:ext uri="{91240B29-F687-4F45-9708-019B960494DF}">
-              <a14:hiddenLine xmlns="" xmlns:a14="http://schemas.microsoft.com/office/drawing/2010/main" w="9525">
-                <a:solidFill>
-                  <a:schemeClr val="tx1"/>
-                </a:solidFill>
-                <a:miter lim="800000"/>
-                <a:headEnd/>
-                <a:tailEnd/>
-              </a14:hiddenLine>
-            </a:ext>
-            <a:ext uri="{AF507438-7753-43E0-B8FC-AC1667EBCBE1}">
-              <a14:hiddenEffects xmlns="" xmlns:a14="http://schemas.microsoft.com/office/drawing/2010/main">
-                <a:effectLst>
-                  <a:outerShdw dist="35921" dir="2700000" algn="ctr" rotWithShape="0">
-                    <a:schemeClr val="bg2"/>
-                  </a:outerShdw>
-                </a:effectLst>
-              </a14:hiddenEffects>
-            </a:ext>
-          </a:extLst>
-        </p:spPr>
-      </p:pic>
-      <p:pic>
-        <p:nvPicPr>
-          <p:cNvPr id="17" name="Picture 3"/>
-          <p:cNvPicPr>
-            <a:picLocks noGrp="1" noChangeAspect="1" noChangeArrowheads="1"/>
-          </p:cNvPicPr>
-          <p:nvPr>
-            <p:ph sz="quarter" idx="2"/>
-          </p:nvPr>
-        </p:nvPicPr>
-        <p:blipFill>
-          <a:blip r:embed="rId3" cstate="print">
-            <a:extLst>
-              <a:ext uri="{28A0092B-C50C-407E-A947-70E740481C1C}">
-                <a14:useLocalDpi xmlns="" xmlns:a14="http://schemas.microsoft.com/office/drawing/2010/main" val="0"/>
-              </a:ext>
-            </a:extLst>
-          </a:blip>
-          <a:srcRect/>
-          <a:stretch>
-            <a:fillRect/>
-          </a:stretch>
-        </p:blipFill>
-        <p:spPr bwMode="auto">
-          <a:xfrm>
-            <a:off x="1006195" y="969963"/>
-            <a:ext cx="2924734" cy="4114800"/>
-          </a:xfrm>
-          <a:prstGeom prst="rect">
-            <a:avLst/>
-          </a:prstGeom>
-          <a:noFill/>
-          <a:ln>
-            <a:noFill/>
-          </a:ln>
-          <a:effectLst/>
-          <a:extLst>
-            <a:ext uri="{909E8E84-426E-40DD-AFC4-6F175D3DCCD1}">
-              <a14:hiddenFill xmlns="" xmlns:a14="http://schemas.microsoft.com/office/drawing/2010/main">
-                <a:solidFill>
-                  <a:schemeClr val="accent1"/>
-                </a:solidFill>
-              </a14:hiddenFill>
-            </a:ext>
-            <a:ext uri="{91240B29-F687-4F45-9708-019B960494DF}">
-              <a14:hiddenLine xmlns="" xmlns:a14="http://schemas.microsoft.com/office/drawing/2010/main" w="9525">
-                <a:solidFill>
-                  <a:schemeClr val="tx1"/>
-                </a:solidFill>
-                <a:miter lim="800000"/>
-                <a:headEnd/>
-                <a:tailEnd/>
-              </a14:hiddenLine>
-            </a:ext>
-            <a:ext uri="{AF507438-7753-43E0-B8FC-AC1667EBCBE1}">
-              <a14:hiddenEffects xmlns="" xmlns:a14="http://schemas.microsoft.com/office/drawing/2010/main">
-                <a:effectLst>
-                  <a:outerShdw dist="35921" dir="2700000" algn="ctr" rotWithShape="0">
-                    <a:schemeClr val="bg2"/>
-                  </a:outerShdw>
-                </a:effectLst>
-              </a14:hiddenEffects>
-            </a:ext>
-          </a:extLst>
-        </p:spPr>
-      </p:pic>
-    </p:spTree>
-    <p:extLst>
-      <p:ext uri="{BB962C8B-B14F-4D97-AF65-F5344CB8AC3E}">
-        <p14:creationId xmlns="" xmlns:p14="http://schemas.microsoft.com/office/powerpoint/2010/main" val="3542583579"/>
-      </p:ext>
-    </p:extLst>
-  </p:cSld>
-  <p:clrMapOvr>
-    <a:masterClrMapping/>
-  </p:clrMapOvr>
 </p:sld>
 </file>
 
@@ -12404,17 +16183,91 @@
         </p:nvSpPr>
         <p:spPr/>
         <p:txBody>
-          <a:bodyPr/>
-          <a:lstStyle/>
-          <a:p>
-            <a:r>
-              <a:rPr lang="de-DE" dirty="0" err="1" smtClean="0"/>
-              <a:t>SpringRoo</a:t>
+          <a:bodyPr>
+            <a:normAutofit fontScale="90000"/>
+          </a:bodyPr>
+          <a:lstStyle/>
+          <a:p>
+            <a:r>
+              <a:rPr lang="de-DE" dirty="0" smtClean="0"/>
+              <a:t>Pflichtenheft</a:t>
+            </a:r>
+            <a:br>
+              <a:rPr lang="de-DE" dirty="0" smtClean="0"/>
+            </a:br>
+            <a:r>
+              <a:rPr lang="de-DE" dirty="0" smtClean="0"/>
+              <a:t>Aktivitätsdiagramme</a:t>
             </a:r>
             <a:endParaRPr lang="de-DE" dirty="0"/>
           </a:p>
         </p:txBody>
       </p:sp>
+      <p:pic>
+        <p:nvPicPr>
+          <p:cNvPr id="17" name="Picture 3"/>
+          <p:cNvPicPr>
+            <a:picLocks noGrp="1" noChangeAspect="1" noChangeArrowheads="1"/>
+          </p:cNvPicPr>
+          <p:nvPr>
+            <p:ph idx="1"/>
+          </p:nvPr>
+        </p:nvPicPr>
+        <p:blipFill>
+          <a:blip r:embed="rId2" cstate="print">
+            <a:extLst>
+              <a:ext uri="{28A0092B-C50C-407E-A947-70E740481C1C}">
+                <a14:useLocalDpi xmlns:a14="http://schemas.microsoft.com/office/drawing/2010/main" val="0"/>
+              </a:ext>
+            </a:extLst>
+          </a:blip>
+          <a:stretch>
+            <a:fillRect/>
+          </a:stretch>
+        </p:blipFill>
+        <p:spPr bwMode="auto">
+          <a:xfrm>
+            <a:off x="3347864" y="1844824"/>
+            <a:ext cx="3412190" cy="4800600"/>
+          </a:xfrm>
+          <a:prstGeom prst="rect">
+            <a:avLst/>
+          </a:prstGeom>
+          <a:noFill/>
+          <a:ln>
+            <a:noFill/>
+          </a:ln>
+          <a:effectLst/>
+          <a:extLst>
+            <a:ext uri="{909E8E84-426E-40DD-AFC4-6F175D3DCCD1}">
+              <a14:hiddenFill xmlns:a14="http://schemas.microsoft.com/office/drawing/2010/main">
+                <a:solidFill>
+                  <a:schemeClr val="accent1"/>
+                </a:solidFill>
+              </a14:hiddenFill>
+            </a:ext>
+            <a:ext uri="{91240B29-F687-4F45-9708-019B960494DF}">
+              <a14:hiddenLine xmlns:a14="http://schemas.microsoft.com/office/drawing/2010/main" w="9525">
+                <a:solidFill>
+                  <a:schemeClr val="tx1"/>
+                </a:solidFill>
+                <a:miter lim="800000"/>
+                <a:headEnd/>
+                <a:tailEnd/>
+              </a14:hiddenLine>
+            </a:ext>
+            <a:ext uri="{AF507438-7753-43E0-B8FC-AC1667EBCBE1}">
+              <a14:hiddenEffects xmlns:a14="http://schemas.microsoft.com/office/drawing/2010/main">
+                <a:effectLst>
+                  <a:outerShdw dist="35921" dir="2700000" algn="ctr" rotWithShape="0">
+                    <a:schemeClr val="bg2"/>
+                  </a:outerShdw>
+                </a:effectLst>
+              </a14:hiddenEffects>
+            </a:ext>
+          </a:extLst>
+        </p:spPr>
+      </p:pic>
       <p:sp>
         <p:nvSpPr>
           <p:cNvPr id="4" name="Datumsplatzhalter 3"/>
@@ -12485,44 +16338,217 @@
           </a:p>
         </p:txBody>
       </p:sp>
-      <p:pic>
-        <p:nvPicPr>
-          <p:cNvPr id="7" name="Bild 1"/>
-          <p:cNvPicPr>
-            <a:picLocks noGrp="1"/>
-          </p:cNvPicPr>
-          <p:nvPr>
-            <p:ph idx="1"/>
-          </p:nvPr>
-        </p:nvPicPr>
-        <p:blipFill>
-          <a:blip r:embed="rId3" cstate="print"/>
-          <a:srcRect/>
-          <a:stretch>
-            <a:fillRect/>
-          </a:stretch>
-        </p:blipFill>
-        <p:spPr bwMode="auto">
+      <p:sp>
+        <p:nvSpPr>
+          <p:cNvPr id="10" name="Inhaltsplatzhalter 2"/>
+          <p:cNvSpPr txBox="1">
+            <a:spLocks/>
+          </p:cNvSpPr>
+          <p:nvPr/>
+        </p:nvSpPr>
+        <p:spPr>
           <a:xfrm>
-            <a:off x="2710111" y="1447800"/>
-            <a:ext cx="4949327" cy="4800600"/>
+            <a:off x="1435608" y="1447800"/>
+            <a:ext cx="7498080" cy="4800600"/>
           </a:xfrm>
           <a:prstGeom prst="rect">
             <a:avLst/>
           </a:prstGeom>
-          <a:noFill/>
-          <a:ln w="9525">
-            <a:noFill/>
-            <a:miter lim="800000"/>
-            <a:headEnd/>
-            <a:tailEnd/>
-          </a:ln>
         </p:spPr>
-      </p:pic>
+        <p:txBody>
+          <a:bodyPr>
+            <a:normAutofit/>
+          </a:bodyPr>
+          <a:lstStyle>
+            <a:lvl1pPr marL="365760" indent="-283464" algn="l" rtl="0" eaLnBrk="1" latinLnBrk="0" hangingPunct="1">
+              <a:lnSpc>
+                <a:spcPts val="3000"/>
+              </a:lnSpc>
+              <a:spcBef>
+                <a:spcPts val="600"/>
+              </a:spcBef>
+              <a:buClr>
+                <a:schemeClr val="accent1"/>
+              </a:buClr>
+              <a:buSzPct val="80000"/>
+              <a:buFont typeface="Wingdings 2"/>
+              <a:buChar char=""/>
+              <a:defRPr sz="3200" kern="1200">
+                <a:solidFill>
+                  <a:schemeClr val="tx1"/>
+                </a:solidFill>
+                <a:latin typeface="+mn-lt"/>
+                <a:ea typeface="+mn-ea"/>
+                <a:cs typeface="+mn-cs"/>
+              </a:defRPr>
+            </a:lvl1pPr>
+            <a:lvl2pPr marL="640080" indent="-237744" algn="l" rtl="0" eaLnBrk="1" latinLnBrk="0" hangingPunct="1">
+              <a:lnSpc>
+                <a:spcPts val="3000"/>
+              </a:lnSpc>
+              <a:spcBef>
+                <a:spcPts val="550"/>
+              </a:spcBef>
+              <a:buClr>
+                <a:schemeClr val="accent1"/>
+              </a:buClr>
+              <a:buFont typeface="Verdana"/>
+              <a:buChar char="◦"/>
+              <a:defRPr sz="2800" kern="1200">
+                <a:solidFill>
+                  <a:schemeClr val="tx1"/>
+                </a:solidFill>
+                <a:latin typeface="+mn-lt"/>
+                <a:ea typeface="+mn-ea"/>
+                <a:cs typeface="+mn-cs"/>
+              </a:defRPr>
+            </a:lvl2pPr>
+            <a:lvl3pPr marL="886968" indent="-228600" algn="l" rtl="0" eaLnBrk="1" latinLnBrk="0" hangingPunct="1">
+              <a:lnSpc>
+                <a:spcPts val="2800"/>
+              </a:lnSpc>
+              <a:spcBef>
+                <a:spcPct val="20000"/>
+              </a:spcBef>
+              <a:buClr>
+                <a:schemeClr val="accent2"/>
+              </a:buClr>
+              <a:buFont typeface="Wingdings 2"/>
+              <a:buChar char=""/>
+              <a:defRPr sz="2400" kern="1200">
+                <a:solidFill>
+                  <a:schemeClr val="tx1"/>
+                </a:solidFill>
+                <a:latin typeface="+mn-lt"/>
+                <a:ea typeface="+mn-ea"/>
+                <a:cs typeface="+mn-cs"/>
+              </a:defRPr>
+            </a:lvl3pPr>
+            <a:lvl4pPr marL="1097280" indent="-173736" algn="l" rtl="0" eaLnBrk="1" latinLnBrk="0" hangingPunct="1">
+              <a:spcBef>
+                <a:spcPct val="20000"/>
+              </a:spcBef>
+              <a:buClr>
+                <a:schemeClr val="accent3"/>
+              </a:buClr>
+              <a:buFont typeface="Wingdings 2"/>
+              <a:buChar char=""/>
+              <a:defRPr sz="2000" kern="1200">
+                <a:solidFill>
+                  <a:schemeClr val="tx1"/>
+                </a:solidFill>
+                <a:latin typeface="+mn-lt"/>
+                <a:ea typeface="+mn-ea"/>
+                <a:cs typeface="+mn-cs"/>
+              </a:defRPr>
+            </a:lvl4pPr>
+            <a:lvl5pPr marL="1298448" indent="-182880" algn="l" rtl="0" eaLnBrk="1" latinLnBrk="0" hangingPunct="1">
+              <a:spcBef>
+                <a:spcPct val="20000"/>
+              </a:spcBef>
+              <a:buClr>
+                <a:schemeClr val="accent4"/>
+              </a:buClr>
+              <a:buFont typeface="Wingdings 2"/>
+              <a:buChar char=""/>
+              <a:defRPr sz="2000" kern="1200">
+                <a:solidFill>
+                  <a:schemeClr val="tx1"/>
+                </a:solidFill>
+                <a:latin typeface="+mn-lt"/>
+                <a:ea typeface="+mn-ea"/>
+                <a:cs typeface="+mn-cs"/>
+              </a:defRPr>
+            </a:lvl5pPr>
+            <a:lvl6pPr marL="1508760" indent="-182880" algn="l" rtl="0" eaLnBrk="1" latinLnBrk="0" hangingPunct="1">
+              <a:spcBef>
+                <a:spcPct val="20000"/>
+              </a:spcBef>
+              <a:buClr>
+                <a:schemeClr val="accent5"/>
+              </a:buClr>
+              <a:buFont typeface="Wingdings 2"/>
+              <a:buChar char=""/>
+              <a:defRPr sz="2000" kern="1200">
+                <a:solidFill>
+                  <a:schemeClr val="tx1"/>
+                </a:solidFill>
+                <a:latin typeface="+mn-lt"/>
+                <a:ea typeface="+mn-ea"/>
+                <a:cs typeface="+mn-cs"/>
+              </a:defRPr>
+            </a:lvl6pPr>
+            <a:lvl7pPr marL="1719072" indent="-182880" algn="l" rtl="0" eaLnBrk="1" latinLnBrk="0" hangingPunct="1">
+              <a:spcBef>
+                <a:spcPct val="20000"/>
+              </a:spcBef>
+              <a:buClr>
+                <a:schemeClr val="accent6"/>
+              </a:buClr>
+              <a:buFont typeface="Wingdings 2"/>
+              <a:buChar char=""/>
+              <a:defRPr sz="2000" kern="1200">
+                <a:solidFill>
+                  <a:schemeClr val="tx1"/>
+                </a:solidFill>
+                <a:latin typeface="+mn-lt"/>
+                <a:ea typeface="+mn-ea"/>
+                <a:cs typeface="+mn-cs"/>
+              </a:defRPr>
+            </a:lvl7pPr>
+            <a:lvl8pPr marL="1920240" indent="-182880" algn="l" rtl="0" eaLnBrk="1" latinLnBrk="0" hangingPunct="1">
+              <a:spcBef>
+                <a:spcPct val="20000"/>
+              </a:spcBef>
+              <a:buClr>
+                <a:schemeClr val="accent6"/>
+              </a:buClr>
+              <a:buFont typeface="Wingdings 2"/>
+              <a:buChar char=""/>
+              <a:defRPr sz="2000" kern="1200">
+                <a:solidFill>
+                  <a:schemeClr val="tx1"/>
+                </a:solidFill>
+                <a:latin typeface="+mn-lt"/>
+                <a:ea typeface="+mn-ea"/>
+                <a:cs typeface="+mn-cs"/>
+              </a:defRPr>
+            </a:lvl8pPr>
+            <a:lvl9pPr marL="2130552" indent="-182880" algn="l" rtl="0" eaLnBrk="1" latinLnBrk="0" hangingPunct="1">
+              <a:spcBef>
+                <a:spcPct val="20000"/>
+              </a:spcBef>
+              <a:buClr>
+                <a:schemeClr val="accent6"/>
+              </a:buClr>
+              <a:buFont typeface="Wingdings 2"/>
+              <a:buChar char=""/>
+              <a:defRPr sz="2000" kern="1200">
+                <a:solidFill>
+                  <a:schemeClr val="tx1"/>
+                </a:solidFill>
+                <a:latin typeface="+mn-lt"/>
+                <a:ea typeface="+mn-ea"/>
+                <a:cs typeface="+mn-cs"/>
+              </a:defRPr>
+            </a:lvl9pPr>
+            <a:extLst/>
+          </a:lstStyle>
+          <a:p>
+            <a:r>
+              <a:rPr lang="de-DE" dirty="0" smtClean="0"/>
+              <a:t>Login</a:t>
+            </a:r>
+          </a:p>
+          <a:p>
+            <a:endParaRPr lang="de-DE" dirty="0"/>
+          </a:p>
+        </p:txBody>
+      </p:sp>
     </p:spTree>
     <p:extLst>
       <p:ext uri="{BB962C8B-B14F-4D97-AF65-F5344CB8AC3E}">
-        <p14:creationId xmlns="" xmlns:p14="http://schemas.microsoft.com/office/powerpoint/2010/main" val="141785747"/>
+        <p14:creationId xmlns:p14="http://schemas.microsoft.com/office/powerpoint/2010/main" val="3542583579"/>
       </p:ext>
     </p:extLst>
   </p:cSld>

--- a/Dokumente/Abschlusspr�si/Abschlusspr�sentation.pptx
+++ b/Dokumente/Abschlusspr�si/Abschlusspr�sentation.pptx
@@ -5,7 +5,7 @@
     <p:sldMasterId id="2147483744" r:id="rId1"/>
   </p:sldMasterIdLst>
   <p:notesMasterIdLst>
-    <p:notesMasterId r:id="rId30"/>
+    <p:notesMasterId r:id="rId35"/>
   </p:notesMasterIdLst>
   <p:sldIdLst>
     <p:sldId id="256" r:id="rId2"/>
@@ -26,16 +26,21 @@
     <p:sldId id="305" r:id="rId17"/>
     <p:sldId id="297" r:id="rId18"/>
     <p:sldId id="306" r:id="rId19"/>
-    <p:sldId id="296" r:id="rId20"/>
-    <p:sldId id="307" r:id="rId21"/>
-    <p:sldId id="316" r:id="rId22"/>
-    <p:sldId id="309" r:id="rId23"/>
-    <p:sldId id="301" r:id="rId24"/>
-    <p:sldId id="300" r:id="rId25"/>
-    <p:sldId id="303" r:id="rId26"/>
-    <p:sldId id="319" r:id="rId27"/>
-    <p:sldId id="290" r:id="rId28"/>
-    <p:sldId id="318" r:id="rId29"/>
+    <p:sldId id="320" r:id="rId20"/>
+    <p:sldId id="321" r:id="rId21"/>
+    <p:sldId id="322" r:id="rId22"/>
+    <p:sldId id="323" r:id="rId23"/>
+    <p:sldId id="324" r:id="rId24"/>
+    <p:sldId id="325" r:id="rId25"/>
+    <p:sldId id="307" r:id="rId26"/>
+    <p:sldId id="316" r:id="rId27"/>
+    <p:sldId id="309" r:id="rId28"/>
+    <p:sldId id="301" r:id="rId29"/>
+    <p:sldId id="300" r:id="rId30"/>
+    <p:sldId id="303" r:id="rId31"/>
+    <p:sldId id="319" r:id="rId32"/>
+    <p:sldId id="290" r:id="rId33"/>
+    <p:sldId id="318" r:id="rId34"/>
   </p:sldIdLst>
   <p:sldSz cx="9144000" cy="6858000" type="screen4x3"/>
   <p:notesSz cx="6858000" cy="9144000"/>
@@ -397,7 +402,7 @@
     </p:spTree>
     <p:extLst>
       <p:ext uri="{BB962C8B-B14F-4D97-AF65-F5344CB8AC3E}">
-        <p14:creationId xmlns:p14="http://schemas.microsoft.com/office/powerpoint/2010/main" val="2610097957"/>
+        <p14:creationId xmlns:p14="http://schemas.microsoft.com/office/powerpoint/2010/main" xmlns="" val="2610097957"/>
       </p:ext>
     </p:extLst>
   </p:cSld>
@@ -572,7 +577,7 @@
     </p:spTree>
     <p:extLst>
       <p:ext uri="{BB962C8B-B14F-4D97-AF65-F5344CB8AC3E}">
-        <p14:creationId xmlns:p14="http://schemas.microsoft.com/office/powerpoint/2010/main" val="2116472317"/>
+        <p14:creationId xmlns:p14="http://schemas.microsoft.com/office/powerpoint/2010/main" xmlns="" val="2116472317"/>
       </p:ext>
     </p:extLst>
   </p:cSld>
@@ -982,7 +987,7 @@
     </p:spTree>
     <p:extLst>
       <p:ext uri="{BB962C8B-B14F-4D97-AF65-F5344CB8AC3E}">
-        <p14:creationId xmlns:p14="http://schemas.microsoft.com/office/powerpoint/2010/main" val="2934279750"/>
+        <p14:creationId xmlns:p14="http://schemas.microsoft.com/office/powerpoint/2010/main" xmlns="" val="2934279750"/>
       </p:ext>
     </p:extLst>
   </p:cSld>
@@ -1392,7 +1397,7 @@
     </p:spTree>
     <p:extLst>
       <p:ext uri="{BB962C8B-B14F-4D97-AF65-F5344CB8AC3E}">
-        <p14:creationId xmlns:p14="http://schemas.microsoft.com/office/powerpoint/2010/main" val="2934279750"/>
+        <p14:creationId xmlns:p14="http://schemas.microsoft.com/office/powerpoint/2010/main" xmlns="" val="2934279750"/>
       </p:ext>
     </p:extLst>
   </p:cSld>
@@ -1511,7 +1516,7 @@
     </p:spTree>
     <p:extLst>
       <p:ext uri="{BB962C8B-B14F-4D97-AF65-F5344CB8AC3E}">
-        <p14:creationId xmlns:p14="http://schemas.microsoft.com/office/powerpoint/2010/main" val="135288531"/>
+        <p14:creationId xmlns:p14="http://schemas.microsoft.com/office/powerpoint/2010/main" xmlns="" val="135288531"/>
       </p:ext>
     </p:extLst>
   </p:cSld>
@@ -1644,7 +1649,7 @@
     </p:spTree>
     <p:extLst>
       <p:ext uri="{BB962C8B-B14F-4D97-AF65-F5344CB8AC3E}">
-        <p14:creationId xmlns:p14="http://schemas.microsoft.com/office/powerpoint/2010/main" val="802076649"/>
+        <p14:creationId xmlns:p14="http://schemas.microsoft.com/office/powerpoint/2010/main" xmlns="" val="802076649"/>
       </p:ext>
     </p:extLst>
   </p:cSld>
@@ -1777,7 +1782,7 @@
     </p:spTree>
     <p:extLst>
       <p:ext uri="{BB962C8B-B14F-4D97-AF65-F5344CB8AC3E}">
-        <p14:creationId xmlns:p14="http://schemas.microsoft.com/office/powerpoint/2010/main" val="802076649"/>
+        <p14:creationId xmlns="" xmlns:p14="http://schemas.microsoft.com/office/powerpoint/2010/main" val="802076649"/>
       </p:ext>
     </p:extLst>
   </p:cSld>
@@ -1828,135 +1833,57 @@
         </p:nvSpPr>
         <p:spPr/>
         <p:txBody>
-          <a:bodyPr>
-            <a:normAutofit fontScale="70000" lnSpcReduction="20000"/>
-          </a:bodyPr>
-          <a:lstStyle/>
-          <a:p>
+          <a:bodyPr/>
+          <a:lstStyle/>
+          <a:p>
+            <a:r>
+              <a:rPr lang="de-DE" dirty="0" smtClean="0"/>
+              <a:t>Blau: Event </a:t>
+            </a:r>
             <a:r>
               <a:rPr lang="de-DE" dirty="0" err="1" smtClean="0"/>
-              <a:t>ÄUßERE</a:t>
-            </a:r>
-            <a:r>
-              <a:rPr lang="de-DE" dirty="0" smtClean="0"/>
-              <a:t> UND INNERE QUALITÄT	</a:t>
-            </a:r>
-          </a:p>
-          <a:p>
-            <a:r>
-              <a:rPr lang="de-DE" dirty="0" smtClean="0"/>
-              <a:t>	Funktionalität	</a:t>
-            </a:r>
-          </a:p>
-          <a:p>
-            <a:r>
-              <a:rPr lang="de-DE" dirty="0" smtClean="0"/>
-              <a:t>	Zuverlässigkeit	</a:t>
-            </a:r>
-          </a:p>
-          <a:p>
-            <a:r>
-              <a:rPr lang="de-DE" dirty="0" smtClean="0"/>
-              <a:t>	Benutzbarkeit	</a:t>
-            </a:r>
-          </a:p>
-          <a:p>
-            <a:r>
-              <a:rPr lang="de-DE" dirty="0" smtClean="0"/>
-              <a:t>	Effizienz	</a:t>
-            </a:r>
-          </a:p>
-          <a:p>
-            <a:r>
-              <a:rPr lang="de-DE" dirty="0" smtClean="0"/>
-              <a:t>	Wartbarkeit	</a:t>
-            </a:r>
-          </a:p>
-          <a:p>
-            <a:r>
-              <a:rPr lang="de-DE" dirty="0" smtClean="0"/>
-              <a:t>	Portabilität	</a:t>
-            </a:r>
-          </a:p>
-          <a:p>
-            <a:r>
-              <a:rPr lang="de-DE" dirty="0" smtClean="0"/>
-              <a:t>GEBRAUCHSTAUGLICHKEIT	</a:t>
-            </a:r>
-          </a:p>
-          <a:p>
-            <a:r>
-              <a:rPr lang="de-DE" dirty="0" smtClean="0"/>
-              <a:t>	Effektivität	</a:t>
-            </a:r>
-          </a:p>
-          <a:p>
-            <a:r>
-              <a:rPr lang="de-DE" dirty="0" smtClean="0"/>
-              <a:t>	Produktivität	</a:t>
-            </a:r>
-          </a:p>
-          <a:p>
-            <a:r>
-              <a:rPr lang="de-DE" dirty="0" smtClean="0"/>
-              <a:t>	Sicherheit	</a:t>
-            </a:r>
-          </a:p>
-          <a:p>
-            <a:r>
-              <a:rPr lang="de-DE" dirty="0" smtClean="0"/>
-              <a:t>	Zufriedenheit	</a:t>
-            </a:r>
-          </a:p>
-          <a:p>
-            <a:r>
-              <a:rPr lang="de-DE" dirty="0" smtClean="0"/>
-              <a:t>TECHNISCHE ANFORDERUNGEN	</a:t>
-            </a:r>
-          </a:p>
-          <a:p>
-            <a:r>
-              <a:rPr lang="de-DE" dirty="0" smtClean="0"/>
-              <a:t>	Einsatzumgebung	</a:t>
-            </a:r>
-          </a:p>
-          <a:p>
-            <a:r>
-              <a:rPr lang="de-DE" dirty="0" smtClean="0"/>
-              <a:t>	Entwicklungsumgebung	</a:t>
-            </a:r>
-          </a:p>
-          <a:p>
-            <a:r>
-              <a:rPr lang="de-DE" dirty="0" smtClean="0"/>
-              <a:t>LIEFERUMFANG	</a:t>
-            </a:r>
-          </a:p>
-          <a:p>
-            <a:r>
-              <a:rPr lang="de-DE" dirty="0" smtClean="0"/>
-              <a:t>	Ausführbare Programme	</a:t>
-            </a:r>
-          </a:p>
-          <a:p>
-            <a:r>
-              <a:rPr lang="de-DE" dirty="0" smtClean="0"/>
-              <a:t>	Quellcode	</a:t>
-            </a:r>
-          </a:p>
-          <a:p>
-            <a:r>
-              <a:rPr lang="de-DE" dirty="0" smtClean="0"/>
-              <a:t>	Dokumentation	</a:t>
-            </a:r>
-          </a:p>
-          <a:p>
-            <a:r>
-              <a:rPr lang="de-DE" dirty="0" smtClean="0"/>
-              <a:t>	Daten	</a:t>
-            </a:r>
-          </a:p>
-          <a:p>
+              <a:t>anlage</a:t>
+            </a:r>
+            <a:endParaRPr lang="de-DE" dirty="0" smtClean="0"/>
+          </a:p>
+          <a:p>
+            <a:r>
+              <a:rPr lang="de-DE" dirty="0" smtClean="0"/>
+              <a:t>DB Table Event, </a:t>
+            </a:r>
+            <a:r>
+              <a:rPr lang="de-DE" dirty="0" err="1" smtClean="0"/>
+              <a:t>normaliserte</a:t>
+            </a:r>
+            <a:r>
+              <a:rPr lang="de-DE" baseline="0" dirty="0" smtClean="0"/>
+              <a:t> Teilnehmerliste und Ort</a:t>
+            </a:r>
+          </a:p>
+          <a:p>
+            <a:endParaRPr lang="de-DE" baseline="0" dirty="0" smtClean="0"/>
+          </a:p>
+          <a:p>
+            <a:r>
+              <a:rPr lang="de-DE" baseline="0" dirty="0" smtClean="0"/>
+              <a:t>Rot: Login Verknüpfung Session ID aus </a:t>
+            </a:r>
+            <a:r>
+              <a:rPr lang="de-DE" baseline="0" dirty="0" err="1" smtClean="0"/>
+              <a:t>oAuth</a:t>
+            </a:r>
+            <a:r>
+              <a:rPr lang="de-DE" baseline="0" dirty="0" smtClean="0"/>
+              <a:t>, Grunddaten (</a:t>
+            </a:r>
+            <a:r>
+              <a:rPr lang="de-DE" baseline="0" dirty="0" err="1" smtClean="0"/>
+              <a:t>name</a:t>
+            </a:r>
+            <a:r>
+              <a:rPr lang="de-DE" baseline="0" dirty="0" smtClean="0"/>
+              <a:t>, E-Mail-Adresse etc.) werden ausgelesen und persistent gespeichert.</a:t>
+            </a:r>
             <a:endParaRPr lang="de-DE" dirty="0"/>
           </a:p>
         </p:txBody>
@@ -1988,7 +1915,7 @@
     </p:spTree>
     <p:extLst>
       <p:ext uri="{BB962C8B-B14F-4D97-AF65-F5344CB8AC3E}">
-        <p14:creationId xmlns:p14="http://schemas.microsoft.com/office/powerpoint/2010/main" val="1629754142"/>
+        <p14:creationId xmlns="" xmlns:p14="http://schemas.microsoft.com/office/powerpoint/2010/main" val="802076649"/>
       </p:ext>
     </p:extLst>
   </p:cSld>
@@ -2044,43 +1971,51 @@
           <a:p>
             <a:r>
               <a:rPr lang="de-DE" dirty="0" smtClean="0"/>
-              <a:t>Zeitplan</a:t>
-            </a:r>
-          </a:p>
-          <a:p>
-            <a:r>
-              <a:rPr lang="de-DE" dirty="0" smtClean="0"/>
-              <a:t>Fokus aus </a:t>
+              <a:t>Blau: Event </a:t>
             </a:r>
             <a:r>
               <a:rPr lang="de-DE" dirty="0" err="1" smtClean="0"/>
-              <a:t>Inception</a:t>
-            </a:r>
-            <a:r>
-              <a:rPr lang="de-DE" dirty="0" smtClean="0"/>
-              <a:t> / Elaboration</a:t>
-            </a:r>
-          </a:p>
-          <a:p>
-            <a:r>
-              <a:rPr lang="de-DE" dirty="0" smtClean="0"/>
-              <a:t>Aufgrund der Enge des Zeitplans jeweils zwei Iterationen mit</a:t>
+              <a:t>anlage</a:t>
+            </a:r>
+            <a:endParaRPr lang="de-DE" dirty="0" smtClean="0"/>
+          </a:p>
+          <a:p>
+            <a:r>
+              <a:rPr lang="de-DE" dirty="0" smtClean="0"/>
+              <a:t>DB Table Event, </a:t>
+            </a:r>
+            <a:r>
+              <a:rPr lang="de-DE" dirty="0" err="1" smtClean="0"/>
+              <a:t>normaliserte</a:t>
             </a:r>
             <a:r>
               <a:rPr lang="de-DE" baseline="0" dirty="0" smtClean="0"/>
-              <a:t> festen Reviews der Ergebnisse etc.</a:t>
-            </a:r>
+              <a:t> Teilnehmerliste und Ort</a:t>
+            </a:r>
+          </a:p>
+          <a:p>
+            <a:endParaRPr lang="de-DE" baseline="0" dirty="0" smtClean="0"/>
           </a:p>
           <a:p>
             <a:r>
               <a:rPr lang="de-DE" baseline="0" dirty="0" smtClean="0"/>
-              <a:t>Aber auch: RUP! Jederzeit auch bei kleineren Änderungen/Feststellungen usw. Überarbeitung.</a:t>
-            </a:r>
-          </a:p>
-          <a:p>
+              <a:t>Rot: Login Verknüpfung Session ID aus </a:t>
+            </a:r>
+            <a:r>
+              <a:rPr lang="de-DE" baseline="0" dirty="0" err="1" smtClean="0"/>
+              <a:t>oAuth</a:t>
+            </a:r>
             <a:r>
               <a:rPr lang="de-DE" baseline="0" dirty="0" smtClean="0"/>
-              <a:t>Ziel: 11.06. eine prototypische Implementierung der Plattform fertigstellen</a:t>
+              <a:t>, Grunddaten (</a:t>
+            </a:r>
+            <a:r>
+              <a:rPr lang="de-DE" baseline="0" dirty="0" err="1" smtClean="0"/>
+              <a:t>name</a:t>
+            </a:r>
+            <a:r>
+              <a:rPr lang="de-DE" baseline="0" dirty="0" smtClean="0"/>
+              <a:t>, E-Mail-Adresse etc.) werden ausgelesen und persistent gespeichert.</a:t>
             </a:r>
             <a:endParaRPr lang="de-DE" dirty="0"/>
           </a:p>
@@ -2104,7 +2039,7 @@
             <a:fld id="{F7EBFB8C-BBFF-4397-A51C-1E92596422A9}" type="slidenum">
               <a:rPr lang="en-US" smtClean="0"/>
               <a:pPr/>
-              <a:t>22</a:t>
+              <a:t>21</a:t>
             </a:fld>
             <a:endParaRPr lang="en-US" dirty="0"/>
           </a:p>
@@ -2113,7 +2048,7 @@
     </p:spTree>
     <p:extLst>
       <p:ext uri="{BB962C8B-B14F-4D97-AF65-F5344CB8AC3E}">
-        <p14:creationId xmlns:p14="http://schemas.microsoft.com/office/powerpoint/2010/main" val="3931682397"/>
+        <p14:creationId xmlns="" xmlns:p14="http://schemas.microsoft.com/office/powerpoint/2010/main" val="802076649"/>
       </p:ext>
     </p:extLst>
   </p:cSld>
@@ -2169,43 +2104,51 @@
           <a:p>
             <a:r>
               <a:rPr lang="de-DE" dirty="0" smtClean="0"/>
-              <a:t>Zeitplan</a:t>
-            </a:r>
-          </a:p>
-          <a:p>
-            <a:r>
-              <a:rPr lang="de-DE" dirty="0" smtClean="0"/>
-              <a:t>Fokus aus </a:t>
+              <a:t>Blau: Event </a:t>
             </a:r>
             <a:r>
               <a:rPr lang="de-DE" dirty="0" err="1" smtClean="0"/>
-              <a:t>Inception</a:t>
-            </a:r>
-            <a:r>
-              <a:rPr lang="de-DE" dirty="0" smtClean="0"/>
-              <a:t> / Elaboration</a:t>
-            </a:r>
-          </a:p>
-          <a:p>
-            <a:r>
-              <a:rPr lang="de-DE" dirty="0" smtClean="0"/>
-              <a:t>Aufgrund der Enge des Zeitplans jeweils zwei Iterationen mit</a:t>
+              <a:t>anlage</a:t>
+            </a:r>
+            <a:endParaRPr lang="de-DE" dirty="0" smtClean="0"/>
+          </a:p>
+          <a:p>
+            <a:r>
+              <a:rPr lang="de-DE" dirty="0" smtClean="0"/>
+              <a:t>DB Table Event, </a:t>
+            </a:r>
+            <a:r>
+              <a:rPr lang="de-DE" dirty="0" err="1" smtClean="0"/>
+              <a:t>normaliserte</a:t>
             </a:r>
             <a:r>
               <a:rPr lang="de-DE" baseline="0" dirty="0" smtClean="0"/>
-              <a:t> festen Reviews der Ergebnisse etc.</a:t>
-            </a:r>
+              <a:t> Teilnehmerliste und Ort</a:t>
+            </a:r>
+          </a:p>
+          <a:p>
+            <a:endParaRPr lang="de-DE" baseline="0" dirty="0" smtClean="0"/>
           </a:p>
           <a:p>
             <a:r>
               <a:rPr lang="de-DE" baseline="0" dirty="0" smtClean="0"/>
-              <a:t>Aber auch: RUP! Jederzeit auch bei kleineren Änderungen/Feststellungen usw. Überarbeitung.</a:t>
-            </a:r>
-          </a:p>
-          <a:p>
+              <a:t>Rot: Login Verknüpfung Session ID aus </a:t>
+            </a:r>
+            <a:r>
+              <a:rPr lang="de-DE" baseline="0" dirty="0" err="1" smtClean="0"/>
+              <a:t>oAuth</a:t>
+            </a:r>
             <a:r>
               <a:rPr lang="de-DE" baseline="0" dirty="0" smtClean="0"/>
-              <a:t>Ziel: 11.06. eine prototypische Implementierung der Plattform fertigstellen</a:t>
+              <a:t>, Grunddaten (</a:t>
+            </a:r>
+            <a:r>
+              <a:rPr lang="de-DE" baseline="0" dirty="0" err="1" smtClean="0"/>
+              <a:t>name</a:t>
+            </a:r>
+            <a:r>
+              <a:rPr lang="de-DE" baseline="0" dirty="0" smtClean="0"/>
+              <a:t>, E-Mail-Adresse etc.) werden ausgelesen und persistent gespeichert.</a:t>
             </a:r>
             <a:endParaRPr lang="de-DE" dirty="0"/>
           </a:p>
@@ -2229,7 +2172,7 @@
             <a:fld id="{F7EBFB8C-BBFF-4397-A51C-1E92596422A9}" type="slidenum">
               <a:rPr lang="en-US" smtClean="0"/>
               <a:pPr/>
-              <a:t>23</a:t>
+              <a:t>22</a:t>
             </a:fld>
             <a:endParaRPr lang="en-US" dirty="0"/>
           </a:p>
@@ -2238,7 +2181,7 @@
     </p:spTree>
     <p:extLst>
       <p:ext uri="{BB962C8B-B14F-4D97-AF65-F5344CB8AC3E}">
-        <p14:creationId xmlns:p14="http://schemas.microsoft.com/office/powerpoint/2010/main" val="3931682397"/>
+        <p14:creationId xmlns="" xmlns:p14="http://schemas.microsoft.com/office/powerpoint/2010/main" val="802076649"/>
       </p:ext>
     </p:extLst>
   </p:cSld>
@@ -2289,11 +2232,57 @@
         </p:nvSpPr>
         <p:spPr/>
         <p:txBody>
-          <a:bodyPr>
-            <a:normAutofit/>
-          </a:bodyPr>
-          <a:lstStyle/>
-          <a:p>
+          <a:bodyPr/>
+          <a:lstStyle/>
+          <a:p>
+            <a:r>
+              <a:rPr lang="de-DE" dirty="0" smtClean="0"/>
+              <a:t>Blau: Event </a:t>
+            </a:r>
+            <a:r>
+              <a:rPr lang="de-DE" dirty="0" err="1" smtClean="0"/>
+              <a:t>anlage</a:t>
+            </a:r>
+            <a:endParaRPr lang="de-DE" dirty="0" smtClean="0"/>
+          </a:p>
+          <a:p>
+            <a:r>
+              <a:rPr lang="de-DE" dirty="0" smtClean="0"/>
+              <a:t>DB Table Event, </a:t>
+            </a:r>
+            <a:r>
+              <a:rPr lang="de-DE" dirty="0" err="1" smtClean="0"/>
+              <a:t>normaliserte</a:t>
+            </a:r>
+            <a:r>
+              <a:rPr lang="de-DE" baseline="0" dirty="0" smtClean="0"/>
+              <a:t> Teilnehmerliste und Ort</a:t>
+            </a:r>
+          </a:p>
+          <a:p>
+            <a:endParaRPr lang="de-DE" baseline="0" dirty="0" smtClean="0"/>
+          </a:p>
+          <a:p>
+            <a:r>
+              <a:rPr lang="de-DE" baseline="0" dirty="0" smtClean="0"/>
+              <a:t>Rot: Login Verknüpfung Session ID aus </a:t>
+            </a:r>
+            <a:r>
+              <a:rPr lang="de-DE" baseline="0" dirty="0" err="1" smtClean="0"/>
+              <a:t>oAuth</a:t>
+            </a:r>
+            <a:r>
+              <a:rPr lang="de-DE" baseline="0" dirty="0" smtClean="0"/>
+              <a:t>, Grunddaten (</a:t>
+            </a:r>
+            <a:r>
+              <a:rPr lang="de-DE" baseline="0" dirty="0" err="1" smtClean="0"/>
+              <a:t>name</a:t>
+            </a:r>
+            <a:r>
+              <a:rPr lang="de-DE" baseline="0" dirty="0" smtClean="0"/>
+              <a:t>, E-Mail-Adresse etc.) werden ausgelesen und persistent gespeichert.</a:t>
+            </a:r>
             <a:endParaRPr lang="de-DE" dirty="0"/>
           </a:p>
         </p:txBody>
@@ -2313,16 +2302,21 @@
           <a:bodyPr/>
           <a:lstStyle/>
           <a:p>
-            <a:fld id="{1EBFF01C-F984-4A51-AF10-254043F7C542}" type="slidenum">
-              <a:rPr lang="de-DE" smtClean="0"/>
+            <a:fld id="{F7EBFB8C-BBFF-4397-A51C-1E92596422A9}" type="slidenum">
+              <a:rPr lang="en-US" smtClean="0"/>
               <a:pPr/>
-              <a:t>25</a:t>
+              <a:t>23</a:t>
             </a:fld>
-            <a:endParaRPr lang="de-DE"/>
+            <a:endParaRPr lang="en-US" dirty="0"/>
           </a:p>
         </p:txBody>
       </p:sp>
     </p:spTree>
+    <p:extLst>
+      <p:ext uri="{BB962C8B-B14F-4D97-AF65-F5344CB8AC3E}">
+        <p14:creationId xmlns="" xmlns:p14="http://schemas.microsoft.com/office/powerpoint/2010/main" val="802076649"/>
+      </p:ext>
+    </p:extLst>
   </p:cSld>
   <p:clrMapOvr>
     <a:masterClrMapping/>
@@ -2376,209 +2370,51 @@
           <a:p>
             <a:r>
               <a:rPr lang="de-DE" dirty="0" smtClean="0"/>
-              <a:t>Zu </a:t>
+              <a:t>Blau: Event </a:t>
             </a:r>
             <a:r>
               <a:rPr lang="de-DE" dirty="0" err="1" smtClean="0"/>
-              <a:t>git</a:t>
-            </a:r>
-            <a:r>
-              <a:rPr lang="de-DE" dirty="0" smtClean="0"/>
-              <a:t>:</a:t>
-            </a:r>
-          </a:p>
-          <a:p>
-            <a:r>
-              <a:rPr lang="de-DE" dirty="0" smtClean="0"/>
-              <a:t>	Dateikonflikte aufwändiges</a:t>
+              <a:t>anlage</a:t>
+            </a:r>
+            <a:endParaRPr lang="de-DE" dirty="0" smtClean="0"/>
+          </a:p>
+          <a:p>
+            <a:r>
+              <a:rPr lang="de-DE" dirty="0" smtClean="0"/>
+              <a:t>DB Table Event, </a:t>
+            </a:r>
+            <a:r>
+              <a:rPr lang="de-DE" dirty="0" err="1" smtClean="0"/>
+              <a:t>normaliserte</a:t>
             </a:r>
             <a:r>
               <a:rPr lang="de-DE" baseline="0" dirty="0" smtClean="0"/>
-              <a:t> ein-/auschecken, mit </a:t>
+              <a:t> Teilnehmerliste und Ort</a:t>
+            </a:r>
+          </a:p>
+          <a:p>
+            <a:endParaRPr lang="de-DE" baseline="0" dirty="0" smtClean="0"/>
+          </a:p>
+          <a:p>
+            <a:r>
+              <a:rPr lang="de-DE" baseline="0" dirty="0" smtClean="0"/>
+              <a:t>Rot: Login Verknüpfung Session ID aus </a:t>
             </a:r>
             <a:r>
               <a:rPr lang="de-DE" baseline="0" dirty="0" err="1" smtClean="0"/>
-              <a:t>dropbox</a:t>
+              <a:t>oAuth</a:t>
             </a:r>
             <a:r>
               <a:rPr lang="de-DE" baseline="0" dirty="0" smtClean="0"/>
-              <a:t> und </a:t>
+              <a:t>, Grunddaten (</a:t>
             </a:r>
             <a:r>
               <a:rPr lang="de-DE" baseline="0" dirty="0" err="1" smtClean="0"/>
-              <a:t>co</a:t>
+              <a:t>name</a:t>
             </a:r>
             <a:r>
               <a:rPr lang="de-DE" baseline="0" dirty="0" smtClean="0"/>
-              <a:t> on </a:t>
-            </a:r>
-            <a:r>
-              <a:rPr lang="de-DE" baseline="0" dirty="0" err="1" smtClean="0"/>
-              <a:t>the</a:t>
-            </a:r>
-            <a:r>
-              <a:rPr lang="de-DE" baseline="0" dirty="0" smtClean="0"/>
-              <a:t> </a:t>
-            </a:r>
-            <a:r>
-              <a:rPr lang="de-DE" baseline="0" dirty="0" err="1" smtClean="0"/>
-              <a:t>fly</a:t>
-            </a:r>
-            <a:r>
-              <a:rPr lang="de-DE" baseline="0" dirty="0" smtClean="0"/>
-              <a:t>, automatisch im Hintergrund.</a:t>
-            </a:r>
-          </a:p>
-          <a:p>
-            <a:r>
-              <a:rPr lang="de-DE" baseline="0" dirty="0" smtClean="0"/>
-              <a:t>	evtl. zu früh auf ein Tool festgelegt, oder besser zwei? (</a:t>
-            </a:r>
-            <a:r>
-              <a:rPr lang="de-DE" baseline="0" dirty="0" err="1" smtClean="0"/>
-              <a:t>dropbox</a:t>
-            </a:r>
-            <a:r>
-              <a:rPr lang="de-DE" baseline="0" dirty="0" smtClean="0"/>
-              <a:t> für Dokumente, </a:t>
-            </a:r>
-            <a:r>
-              <a:rPr lang="de-DE" baseline="0" dirty="0" err="1" smtClean="0"/>
-              <a:t>gitHub</a:t>
-            </a:r>
-            <a:r>
-              <a:rPr lang="de-DE" baseline="0" dirty="0" smtClean="0"/>
-              <a:t> für </a:t>
-            </a:r>
-            <a:r>
-              <a:rPr lang="de-DE" baseline="0" dirty="0" err="1" smtClean="0"/>
-              <a:t>Sourcen</a:t>
-            </a:r>
-            <a:r>
-              <a:rPr lang="de-DE" baseline="0" dirty="0" smtClean="0"/>
-              <a:t>)</a:t>
-            </a:r>
-          </a:p>
-          <a:p>
-            <a:r>
-              <a:rPr lang="de-DE" baseline="0" dirty="0" err="1" smtClean="0"/>
-              <a:t>Projektmgm</a:t>
-            </a:r>
-            <a:endParaRPr lang="de-DE" baseline="0" dirty="0" smtClean="0"/>
-          </a:p>
-          <a:p>
-            <a:r>
-              <a:rPr lang="de-DE" baseline="0" dirty="0" smtClean="0"/>
-              <a:t>	Aufgaben stärker </a:t>
-            </a:r>
-            <a:r>
-              <a:rPr lang="de-DE" baseline="0" dirty="0" err="1" smtClean="0"/>
-              <a:t>tracken</a:t>
-            </a:r>
-            <a:r>
-              <a:rPr lang="de-DE" baseline="0" dirty="0" smtClean="0"/>
-              <a:t>, ggf. „</a:t>
-            </a:r>
-            <a:r>
-              <a:rPr lang="de-DE" baseline="0" dirty="0" err="1" smtClean="0"/>
-              <a:t>cut</a:t>
-            </a:r>
-            <a:r>
-              <a:rPr lang="de-DE" baseline="0" dirty="0" smtClean="0"/>
-              <a:t>“ (bei Vertiefung in nicht notwendigen Details (z.B. Risikoanalyse, Wirtschaftlichkeitsbetrachtung)</a:t>
-            </a:r>
-          </a:p>
-          <a:p>
-            <a:endParaRPr lang="de-DE" dirty="0" smtClean="0"/>
-          </a:p>
-          <a:p>
-            <a:r>
-              <a:rPr lang="de-DE" dirty="0" err="1" smtClean="0"/>
-              <a:t>Workload</a:t>
-            </a:r>
-            <a:endParaRPr lang="de-DE" dirty="0" smtClean="0"/>
-          </a:p>
-          <a:p>
-            <a:r>
-              <a:rPr lang="de-DE" dirty="0" smtClean="0"/>
-              <a:t>	</a:t>
-            </a:r>
-            <a:r>
-              <a:rPr lang="de-DE" dirty="0" err="1" smtClean="0"/>
-              <a:t>Höhrer</a:t>
-            </a:r>
-            <a:r>
-              <a:rPr lang="de-DE" dirty="0" smtClean="0"/>
-              <a:t> Aufwand als erwartet, zusätzlicher stress neben der Arbeit. Risikofaktor,</a:t>
-            </a:r>
-            <a:r>
-              <a:rPr lang="de-DE" baseline="0" dirty="0" smtClean="0"/>
-              <a:t> da alle beim gleichen Unternehmen arbeiten (viel zu tun (</a:t>
-            </a:r>
-            <a:r>
-              <a:rPr lang="de-DE" baseline="0" dirty="0" err="1" smtClean="0"/>
-              <a:t>arbeit</a:t>
-            </a:r>
-            <a:r>
-              <a:rPr lang="de-DE" baseline="0" dirty="0" smtClean="0"/>
-              <a:t>) </a:t>
-            </a:r>
-            <a:r>
-              <a:rPr lang="de-DE" baseline="0" dirty="0" smtClean="0">
-                <a:sym typeface="Wingdings" pitchFamily="2" charset="2"/>
-              </a:rPr>
-              <a:t> weniger Zeit </a:t>
-            </a:r>
-            <a:r>
-              <a:rPr lang="de-DE" baseline="0" smtClean="0">
-                <a:sym typeface="Wingdings" pitchFamily="2" charset="2"/>
-              </a:rPr>
-              <a:t>(Projekt))</a:t>
-            </a:r>
-            <a:endParaRPr lang="de-DE" dirty="0" smtClean="0"/>
-          </a:p>
-          <a:p>
-            <a:r>
-              <a:rPr lang="de-DE" dirty="0" err="1" smtClean="0"/>
-              <a:t>PeerReview</a:t>
-            </a:r>
-            <a:r>
-              <a:rPr lang="de-DE" dirty="0" smtClean="0"/>
-              <a:t>:</a:t>
-            </a:r>
-          </a:p>
-          <a:p>
-            <a:r>
-              <a:rPr lang="de-DE" dirty="0" smtClean="0"/>
-              <a:t>	Hilfreich eine zweite unabhängige</a:t>
-            </a:r>
-            <a:r>
-              <a:rPr lang="de-DE" baseline="0" dirty="0" smtClean="0"/>
-              <a:t> Meinung; Lücken wurden identifiziert und behoben</a:t>
-            </a:r>
-          </a:p>
-          <a:p>
-            <a:r>
-              <a:rPr lang="de-DE" dirty="0" smtClean="0"/>
-              <a:t>Teamwork:</a:t>
-            </a:r>
-          </a:p>
-          <a:p>
-            <a:r>
-              <a:rPr lang="de-DE" dirty="0" smtClean="0"/>
-              <a:t>	Abstimmungen, Konstruktive </a:t>
-            </a:r>
-            <a:r>
-              <a:rPr lang="de-DE" dirty="0" err="1" smtClean="0"/>
-              <a:t>diskussionen</a:t>
-            </a:r>
-            <a:r>
-              <a:rPr lang="de-DE" dirty="0" smtClean="0"/>
-              <a:t>, Mitglieder</a:t>
-            </a:r>
-            <a:r>
-              <a:rPr lang="de-DE" baseline="0" dirty="0" smtClean="0"/>
-              <a:t> haben sich durch Fach/Spezialwissen gut ergänzt</a:t>
+              <a:t>, E-Mail-Adresse etc.) werden ausgelesen und persistent gespeichert.</a:t>
             </a:r>
             <a:endParaRPr lang="de-DE" dirty="0"/>
           </a:p>
@@ -2602,7 +2438,7 @@
             <a:fld id="{F7EBFB8C-BBFF-4397-A51C-1E92596422A9}" type="slidenum">
               <a:rPr lang="en-US" smtClean="0"/>
               <a:pPr/>
-              <a:t>26</a:t>
+              <a:t>24</a:t>
             </a:fld>
             <a:endParaRPr lang="en-US" dirty="0"/>
           </a:p>
@@ -2611,7 +2447,7 @@
     </p:spTree>
     <p:extLst>
       <p:ext uri="{BB962C8B-B14F-4D97-AF65-F5344CB8AC3E}">
-        <p14:creationId xmlns:p14="http://schemas.microsoft.com/office/powerpoint/2010/main" val="1616458392"/>
+        <p14:creationId xmlns="" xmlns:p14="http://schemas.microsoft.com/office/powerpoint/2010/main" val="802076649"/>
       </p:ext>
     </p:extLst>
   </p:cSld>
@@ -2936,7 +2772,7 @@
     </p:spTree>
     <p:extLst>
       <p:ext uri="{BB962C8B-B14F-4D97-AF65-F5344CB8AC3E}">
-        <p14:creationId xmlns:p14="http://schemas.microsoft.com/office/powerpoint/2010/main" val="517533983"/>
+        <p14:creationId xmlns:p14="http://schemas.microsoft.com/office/powerpoint/2010/main" xmlns="" val="517533983"/>
       </p:ext>
     </p:extLst>
   </p:cSld>
@@ -2987,9 +2823,260 @@
         </p:nvSpPr>
         <p:spPr/>
         <p:txBody>
-          <a:bodyPr/>
-          <a:lstStyle/>
-          <a:p>
+          <a:bodyPr>
+            <a:normAutofit fontScale="70000" lnSpcReduction="20000"/>
+          </a:bodyPr>
+          <a:lstStyle/>
+          <a:p>
+            <a:r>
+              <a:rPr lang="de-DE" dirty="0" err="1" smtClean="0"/>
+              <a:t>ÄUßERE</a:t>
+            </a:r>
+            <a:r>
+              <a:rPr lang="de-DE" dirty="0" smtClean="0"/>
+              <a:t> UND INNERE QUALITÄT	</a:t>
+            </a:r>
+          </a:p>
+          <a:p>
+            <a:r>
+              <a:rPr lang="de-DE" dirty="0" smtClean="0"/>
+              <a:t>	Funktionalität	</a:t>
+            </a:r>
+          </a:p>
+          <a:p>
+            <a:r>
+              <a:rPr lang="de-DE" dirty="0" smtClean="0"/>
+              <a:t>	Zuverlässigkeit	</a:t>
+            </a:r>
+          </a:p>
+          <a:p>
+            <a:r>
+              <a:rPr lang="de-DE" dirty="0" smtClean="0"/>
+              <a:t>	Benutzbarkeit	</a:t>
+            </a:r>
+          </a:p>
+          <a:p>
+            <a:r>
+              <a:rPr lang="de-DE" dirty="0" smtClean="0"/>
+              <a:t>	Effizienz	</a:t>
+            </a:r>
+          </a:p>
+          <a:p>
+            <a:r>
+              <a:rPr lang="de-DE" dirty="0" smtClean="0"/>
+              <a:t>	Wartbarkeit	</a:t>
+            </a:r>
+          </a:p>
+          <a:p>
+            <a:r>
+              <a:rPr lang="de-DE" dirty="0" smtClean="0"/>
+              <a:t>	Portabilität	</a:t>
+            </a:r>
+          </a:p>
+          <a:p>
+            <a:r>
+              <a:rPr lang="de-DE" dirty="0" smtClean="0"/>
+              <a:t>GEBRAUCHSTAUGLICHKEIT	</a:t>
+            </a:r>
+          </a:p>
+          <a:p>
+            <a:r>
+              <a:rPr lang="de-DE" dirty="0" smtClean="0"/>
+              <a:t>	Effektivität	</a:t>
+            </a:r>
+          </a:p>
+          <a:p>
+            <a:r>
+              <a:rPr lang="de-DE" dirty="0" smtClean="0"/>
+              <a:t>	Produktivität	</a:t>
+            </a:r>
+          </a:p>
+          <a:p>
+            <a:r>
+              <a:rPr lang="de-DE" dirty="0" smtClean="0"/>
+              <a:t>	Sicherheit	</a:t>
+            </a:r>
+          </a:p>
+          <a:p>
+            <a:r>
+              <a:rPr lang="de-DE" dirty="0" smtClean="0"/>
+              <a:t>	Zufriedenheit	</a:t>
+            </a:r>
+          </a:p>
+          <a:p>
+            <a:r>
+              <a:rPr lang="de-DE" dirty="0" smtClean="0"/>
+              <a:t>TECHNISCHE ANFORDERUNGEN	</a:t>
+            </a:r>
+          </a:p>
+          <a:p>
+            <a:r>
+              <a:rPr lang="de-DE" dirty="0" smtClean="0"/>
+              <a:t>	Einsatzumgebung	</a:t>
+            </a:r>
+          </a:p>
+          <a:p>
+            <a:r>
+              <a:rPr lang="de-DE" dirty="0" smtClean="0"/>
+              <a:t>	Entwicklungsumgebung	</a:t>
+            </a:r>
+          </a:p>
+          <a:p>
+            <a:r>
+              <a:rPr lang="de-DE" dirty="0" smtClean="0"/>
+              <a:t>LIEFERUMFANG	</a:t>
+            </a:r>
+          </a:p>
+          <a:p>
+            <a:r>
+              <a:rPr lang="de-DE" dirty="0" smtClean="0"/>
+              <a:t>	Ausführbare Programme	</a:t>
+            </a:r>
+          </a:p>
+          <a:p>
+            <a:r>
+              <a:rPr lang="de-DE" dirty="0" smtClean="0"/>
+              <a:t>	Quellcode	</a:t>
+            </a:r>
+          </a:p>
+          <a:p>
+            <a:r>
+              <a:rPr lang="de-DE" dirty="0" smtClean="0"/>
+              <a:t>	Dokumentation	</a:t>
+            </a:r>
+          </a:p>
+          <a:p>
+            <a:r>
+              <a:rPr lang="de-DE" dirty="0" smtClean="0"/>
+              <a:t>	Daten	</a:t>
+            </a:r>
+          </a:p>
+          <a:p>
+            <a:endParaRPr lang="de-DE" dirty="0"/>
+          </a:p>
+        </p:txBody>
+      </p:sp>
+      <p:sp>
+        <p:nvSpPr>
+          <p:cNvPr id="4" name="Foliennummernplatzhalter 3"/>
+          <p:cNvSpPr>
+            <a:spLocks noGrp="1"/>
+          </p:cNvSpPr>
+          <p:nvPr>
+            <p:ph type="sldNum" sz="quarter" idx="10"/>
+          </p:nvPr>
+        </p:nvSpPr>
+        <p:spPr/>
+        <p:txBody>
+          <a:bodyPr/>
+          <a:lstStyle/>
+          <a:p>
+            <a:fld id="{F7EBFB8C-BBFF-4397-A51C-1E92596422A9}" type="slidenum">
+              <a:rPr lang="en-US" smtClean="0"/>
+              <a:pPr/>
+              <a:t>25</a:t>
+            </a:fld>
+            <a:endParaRPr lang="en-US" dirty="0"/>
+          </a:p>
+        </p:txBody>
+      </p:sp>
+    </p:spTree>
+    <p:extLst>
+      <p:ext uri="{BB962C8B-B14F-4D97-AF65-F5344CB8AC3E}">
+        <p14:creationId xmlns:p14="http://schemas.microsoft.com/office/powerpoint/2010/main" xmlns="" val="1629754142"/>
+      </p:ext>
+    </p:extLst>
+  </p:cSld>
+  <p:clrMapOvr>
+    <a:masterClrMapping/>
+  </p:clrMapOvr>
+</p:notes>
+</file>
+
+<file path=ppt/notesSlides/notesSlide21.xml><?xml version="1.0" encoding="utf-8"?>
+<p:notes xmlns:a="http://schemas.openxmlformats.org/drawingml/2006/main" xmlns:r="http://schemas.openxmlformats.org/officeDocument/2006/relationships" xmlns:p="http://schemas.openxmlformats.org/presentationml/2006/main">
+  <p:cSld>
+    <p:spTree>
+      <p:nvGrpSpPr>
+        <p:cNvPr id="1" name=""/>
+        <p:cNvGrpSpPr/>
+        <p:nvPr/>
+      </p:nvGrpSpPr>
+      <p:grpSpPr>
+        <a:xfrm>
+          <a:off x="0" y="0"/>
+          <a:ext cx="0" cy="0"/>
+          <a:chOff x="0" y="0"/>
+          <a:chExt cx="0" cy="0"/>
+        </a:xfrm>
+      </p:grpSpPr>
+      <p:sp>
+        <p:nvSpPr>
+          <p:cNvPr id="2" name="Folienbildplatzhalter 1"/>
+          <p:cNvSpPr>
+            <a:spLocks noGrp="1" noRot="1" noChangeAspect="1"/>
+          </p:cNvSpPr>
+          <p:nvPr>
+            <p:ph type="sldImg"/>
+          </p:nvPr>
+        </p:nvSpPr>
+        <p:spPr/>
+      </p:sp>
+      <p:sp>
+        <p:nvSpPr>
+          <p:cNvPr id="3" name="Notizenplatzhalter 2"/>
+          <p:cNvSpPr>
+            <a:spLocks noGrp="1"/>
+          </p:cNvSpPr>
+          <p:nvPr>
+            <p:ph type="body" idx="1"/>
+          </p:nvPr>
+        </p:nvSpPr>
+        <p:spPr/>
+        <p:txBody>
+          <a:bodyPr/>
+          <a:lstStyle/>
+          <a:p>
+            <a:r>
+              <a:rPr lang="de-DE" dirty="0" smtClean="0"/>
+              <a:t>Zeitplan</a:t>
+            </a:r>
+          </a:p>
+          <a:p>
+            <a:r>
+              <a:rPr lang="de-DE" dirty="0" smtClean="0"/>
+              <a:t>Fokus aus </a:t>
+            </a:r>
+            <a:r>
+              <a:rPr lang="de-DE" dirty="0" err="1" smtClean="0"/>
+              <a:t>Inception</a:t>
+            </a:r>
+            <a:r>
+              <a:rPr lang="de-DE" dirty="0" smtClean="0"/>
+              <a:t> / Elaboration</a:t>
+            </a:r>
+          </a:p>
+          <a:p>
+            <a:r>
+              <a:rPr lang="de-DE" dirty="0" smtClean="0"/>
+              <a:t>Aufgrund der Enge des Zeitplans jeweils zwei Iterationen mit</a:t>
+            </a:r>
+            <a:r>
+              <a:rPr lang="de-DE" baseline="0" dirty="0" smtClean="0"/>
+              <a:t> festen Reviews der Ergebnisse etc.</a:t>
+            </a:r>
+          </a:p>
+          <a:p>
+            <a:r>
+              <a:rPr lang="de-DE" baseline="0" dirty="0" smtClean="0"/>
+              <a:t>Aber auch: RUP! Jederzeit auch bei kleineren Änderungen/Feststellungen usw. Überarbeitung.</a:t>
+            </a:r>
+          </a:p>
+          <a:p>
+            <a:r>
+              <a:rPr lang="de-DE" baseline="0" dirty="0" smtClean="0"/>
+              <a:t>Ziel: 11.06. eine prototypische Implementierung der Plattform fertigstellen</a:t>
+            </a:r>
             <a:endParaRPr lang="de-DE" dirty="0"/>
           </a:p>
         </p:txBody>
@@ -3021,7 +3108,590 @@
     </p:spTree>
     <p:extLst>
       <p:ext uri="{BB962C8B-B14F-4D97-AF65-F5344CB8AC3E}">
-        <p14:creationId xmlns:p14="http://schemas.microsoft.com/office/powerpoint/2010/main" val="2116472317"/>
+        <p14:creationId xmlns:p14="http://schemas.microsoft.com/office/powerpoint/2010/main" xmlns="" val="3931682397"/>
+      </p:ext>
+    </p:extLst>
+  </p:cSld>
+  <p:clrMapOvr>
+    <a:masterClrMapping/>
+  </p:clrMapOvr>
+</p:notes>
+</file>
+
+<file path=ppt/notesSlides/notesSlide22.xml><?xml version="1.0" encoding="utf-8"?>
+<p:notes xmlns:a="http://schemas.openxmlformats.org/drawingml/2006/main" xmlns:r="http://schemas.openxmlformats.org/officeDocument/2006/relationships" xmlns:p="http://schemas.openxmlformats.org/presentationml/2006/main">
+  <p:cSld>
+    <p:spTree>
+      <p:nvGrpSpPr>
+        <p:cNvPr id="1" name=""/>
+        <p:cNvGrpSpPr/>
+        <p:nvPr/>
+      </p:nvGrpSpPr>
+      <p:grpSpPr>
+        <a:xfrm>
+          <a:off x="0" y="0"/>
+          <a:ext cx="0" cy="0"/>
+          <a:chOff x="0" y="0"/>
+          <a:chExt cx="0" cy="0"/>
+        </a:xfrm>
+      </p:grpSpPr>
+      <p:sp>
+        <p:nvSpPr>
+          <p:cNvPr id="2" name="Folienbildplatzhalter 1"/>
+          <p:cNvSpPr>
+            <a:spLocks noGrp="1" noRot="1" noChangeAspect="1"/>
+          </p:cNvSpPr>
+          <p:nvPr>
+            <p:ph type="sldImg"/>
+          </p:nvPr>
+        </p:nvSpPr>
+        <p:spPr/>
+      </p:sp>
+      <p:sp>
+        <p:nvSpPr>
+          <p:cNvPr id="3" name="Notizenplatzhalter 2"/>
+          <p:cNvSpPr>
+            <a:spLocks noGrp="1"/>
+          </p:cNvSpPr>
+          <p:nvPr>
+            <p:ph type="body" idx="1"/>
+          </p:nvPr>
+        </p:nvSpPr>
+        <p:spPr/>
+        <p:txBody>
+          <a:bodyPr/>
+          <a:lstStyle/>
+          <a:p>
+            <a:r>
+              <a:rPr lang="de-DE" dirty="0" smtClean="0"/>
+              <a:t>Zeitplan</a:t>
+            </a:r>
+          </a:p>
+          <a:p>
+            <a:r>
+              <a:rPr lang="de-DE" dirty="0" smtClean="0"/>
+              <a:t>Fokus aus </a:t>
+            </a:r>
+            <a:r>
+              <a:rPr lang="de-DE" dirty="0" err="1" smtClean="0"/>
+              <a:t>Inception</a:t>
+            </a:r>
+            <a:r>
+              <a:rPr lang="de-DE" dirty="0" smtClean="0"/>
+              <a:t> / Elaboration</a:t>
+            </a:r>
+          </a:p>
+          <a:p>
+            <a:r>
+              <a:rPr lang="de-DE" dirty="0" smtClean="0"/>
+              <a:t>Aufgrund der Enge des Zeitplans jeweils zwei Iterationen mit</a:t>
+            </a:r>
+            <a:r>
+              <a:rPr lang="de-DE" baseline="0" dirty="0" smtClean="0"/>
+              <a:t> festen Reviews der Ergebnisse etc.</a:t>
+            </a:r>
+          </a:p>
+          <a:p>
+            <a:r>
+              <a:rPr lang="de-DE" baseline="0" dirty="0" smtClean="0"/>
+              <a:t>Aber auch: RUP! Jederzeit auch bei kleineren Änderungen/Feststellungen usw. Überarbeitung.</a:t>
+            </a:r>
+          </a:p>
+          <a:p>
+            <a:r>
+              <a:rPr lang="de-DE" baseline="0" dirty="0" smtClean="0"/>
+              <a:t>Ziel: 11.06. eine prototypische Implementierung der Plattform fertigstellen</a:t>
+            </a:r>
+            <a:endParaRPr lang="de-DE" dirty="0"/>
+          </a:p>
+        </p:txBody>
+      </p:sp>
+      <p:sp>
+        <p:nvSpPr>
+          <p:cNvPr id="4" name="Foliennummernplatzhalter 3"/>
+          <p:cNvSpPr>
+            <a:spLocks noGrp="1"/>
+          </p:cNvSpPr>
+          <p:nvPr>
+            <p:ph type="sldNum" sz="quarter" idx="10"/>
+          </p:nvPr>
+        </p:nvSpPr>
+        <p:spPr/>
+        <p:txBody>
+          <a:bodyPr/>
+          <a:lstStyle/>
+          <a:p>
+            <a:fld id="{F7EBFB8C-BBFF-4397-A51C-1E92596422A9}" type="slidenum">
+              <a:rPr lang="en-US" smtClean="0"/>
+              <a:pPr/>
+              <a:t>28</a:t>
+            </a:fld>
+            <a:endParaRPr lang="en-US" dirty="0"/>
+          </a:p>
+        </p:txBody>
+      </p:sp>
+    </p:spTree>
+    <p:extLst>
+      <p:ext uri="{BB962C8B-B14F-4D97-AF65-F5344CB8AC3E}">
+        <p14:creationId xmlns:p14="http://schemas.microsoft.com/office/powerpoint/2010/main" xmlns="" val="3931682397"/>
+      </p:ext>
+    </p:extLst>
+  </p:cSld>
+  <p:clrMapOvr>
+    <a:masterClrMapping/>
+  </p:clrMapOvr>
+</p:notes>
+</file>
+
+<file path=ppt/notesSlides/notesSlide23.xml><?xml version="1.0" encoding="utf-8"?>
+<p:notes xmlns:a="http://schemas.openxmlformats.org/drawingml/2006/main" xmlns:r="http://schemas.openxmlformats.org/officeDocument/2006/relationships" xmlns:p="http://schemas.openxmlformats.org/presentationml/2006/main">
+  <p:cSld>
+    <p:spTree>
+      <p:nvGrpSpPr>
+        <p:cNvPr id="1" name=""/>
+        <p:cNvGrpSpPr/>
+        <p:nvPr/>
+      </p:nvGrpSpPr>
+      <p:grpSpPr>
+        <a:xfrm>
+          <a:off x="0" y="0"/>
+          <a:ext cx="0" cy="0"/>
+          <a:chOff x="0" y="0"/>
+          <a:chExt cx="0" cy="0"/>
+        </a:xfrm>
+      </p:grpSpPr>
+      <p:sp>
+        <p:nvSpPr>
+          <p:cNvPr id="2" name="Folienbildplatzhalter 1"/>
+          <p:cNvSpPr>
+            <a:spLocks noGrp="1" noRot="1" noChangeAspect="1"/>
+          </p:cNvSpPr>
+          <p:nvPr>
+            <p:ph type="sldImg"/>
+          </p:nvPr>
+        </p:nvSpPr>
+        <p:spPr/>
+      </p:sp>
+      <p:sp>
+        <p:nvSpPr>
+          <p:cNvPr id="3" name="Notizenplatzhalter 2"/>
+          <p:cNvSpPr>
+            <a:spLocks noGrp="1"/>
+          </p:cNvSpPr>
+          <p:nvPr>
+            <p:ph type="body" idx="1"/>
+          </p:nvPr>
+        </p:nvSpPr>
+        <p:spPr/>
+        <p:txBody>
+          <a:bodyPr>
+            <a:normAutofit/>
+          </a:bodyPr>
+          <a:lstStyle/>
+          <a:p>
+            <a:endParaRPr lang="de-DE" dirty="0"/>
+          </a:p>
+        </p:txBody>
+      </p:sp>
+      <p:sp>
+        <p:nvSpPr>
+          <p:cNvPr id="4" name="Foliennummernplatzhalter 3"/>
+          <p:cNvSpPr>
+            <a:spLocks noGrp="1"/>
+          </p:cNvSpPr>
+          <p:nvPr>
+            <p:ph type="sldNum" sz="quarter" idx="10"/>
+          </p:nvPr>
+        </p:nvSpPr>
+        <p:spPr/>
+        <p:txBody>
+          <a:bodyPr/>
+          <a:lstStyle/>
+          <a:p>
+            <a:fld id="{1EBFF01C-F984-4A51-AF10-254043F7C542}" type="slidenum">
+              <a:rPr lang="de-DE" smtClean="0"/>
+              <a:pPr/>
+              <a:t>30</a:t>
+            </a:fld>
+            <a:endParaRPr lang="de-DE"/>
+          </a:p>
+        </p:txBody>
+      </p:sp>
+    </p:spTree>
+  </p:cSld>
+  <p:clrMapOvr>
+    <a:masterClrMapping/>
+  </p:clrMapOvr>
+</p:notes>
+</file>
+
+<file path=ppt/notesSlides/notesSlide24.xml><?xml version="1.0" encoding="utf-8"?>
+<p:notes xmlns:a="http://schemas.openxmlformats.org/drawingml/2006/main" xmlns:r="http://schemas.openxmlformats.org/officeDocument/2006/relationships" xmlns:p="http://schemas.openxmlformats.org/presentationml/2006/main">
+  <p:cSld>
+    <p:spTree>
+      <p:nvGrpSpPr>
+        <p:cNvPr id="1" name=""/>
+        <p:cNvGrpSpPr/>
+        <p:nvPr/>
+      </p:nvGrpSpPr>
+      <p:grpSpPr>
+        <a:xfrm>
+          <a:off x="0" y="0"/>
+          <a:ext cx="0" cy="0"/>
+          <a:chOff x="0" y="0"/>
+          <a:chExt cx="0" cy="0"/>
+        </a:xfrm>
+      </p:grpSpPr>
+      <p:sp>
+        <p:nvSpPr>
+          <p:cNvPr id="2" name="Folienbildplatzhalter 1"/>
+          <p:cNvSpPr>
+            <a:spLocks noGrp="1" noRot="1" noChangeAspect="1"/>
+          </p:cNvSpPr>
+          <p:nvPr>
+            <p:ph type="sldImg"/>
+          </p:nvPr>
+        </p:nvSpPr>
+        <p:spPr/>
+      </p:sp>
+      <p:sp>
+        <p:nvSpPr>
+          <p:cNvPr id="3" name="Notizenplatzhalter 2"/>
+          <p:cNvSpPr>
+            <a:spLocks noGrp="1"/>
+          </p:cNvSpPr>
+          <p:nvPr>
+            <p:ph type="body" idx="1"/>
+          </p:nvPr>
+        </p:nvSpPr>
+        <p:spPr/>
+        <p:txBody>
+          <a:bodyPr/>
+          <a:lstStyle/>
+          <a:p>
+            <a:r>
+              <a:rPr lang="de-DE" dirty="0" smtClean="0"/>
+              <a:t>Zu </a:t>
+            </a:r>
+            <a:r>
+              <a:rPr lang="de-DE" dirty="0" err="1" smtClean="0"/>
+              <a:t>git</a:t>
+            </a:r>
+            <a:r>
+              <a:rPr lang="de-DE" dirty="0" smtClean="0"/>
+              <a:t>:</a:t>
+            </a:r>
+          </a:p>
+          <a:p>
+            <a:r>
+              <a:rPr lang="de-DE" dirty="0" smtClean="0"/>
+              <a:t>	Dateikonflikte aufwändiges</a:t>
+            </a:r>
+            <a:r>
+              <a:rPr lang="de-DE" baseline="0" dirty="0" smtClean="0"/>
+              <a:t> ein-/auschecken, mit </a:t>
+            </a:r>
+            <a:r>
+              <a:rPr lang="de-DE" baseline="0" dirty="0" err="1" smtClean="0"/>
+              <a:t>dropbox</a:t>
+            </a:r>
+            <a:r>
+              <a:rPr lang="de-DE" baseline="0" dirty="0" smtClean="0"/>
+              <a:t> und </a:t>
+            </a:r>
+            <a:r>
+              <a:rPr lang="de-DE" baseline="0" dirty="0" err="1" smtClean="0"/>
+              <a:t>co</a:t>
+            </a:r>
+            <a:r>
+              <a:rPr lang="de-DE" baseline="0" dirty="0" smtClean="0"/>
+              <a:t> on </a:t>
+            </a:r>
+            <a:r>
+              <a:rPr lang="de-DE" baseline="0" dirty="0" err="1" smtClean="0"/>
+              <a:t>the</a:t>
+            </a:r>
+            <a:r>
+              <a:rPr lang="de-DE" baseline="0" dirty="0" smtClean="0"/>
+              <a:t> </a:t>
+            </a:r>
+            <a:r>
+              <a:rPr lang="de-DE" baseline="0" dirty="0" err="1" smtClean="0"/>
+              <a:t>fly</a:t>
+            </a:r>
+            <a:r>
+              <a:rPr lang="de-DE" baseline="0" dirty="0" smtClean="0"/>
+              <a:t>, automatisch im Hintergrund.</a:t>
+            </a:r>
+          </a:p>
+          <a:p>
+            <a:r>
+              <a:rPr lang="de-DE" baseline="0" dirty="0" smtClean="0"/>
+              <a:t>	evtl. zu früh auf ein Tool festgelegt, oder besser zwei? (</a:t>
+            </a:r>
+            <a:r>
+              <a:rPr lang="de-DE" baseline="0" dirty="0" err="1" smtClean="0"/>
+              <a:t>dropbox</a:t>
+            </a:r>
+            <a:r>
+              <a:rPr lang="de-DE" baseline="0" dirty="0" smtClean="0"/>
+              <a:t> für Dokumente, </a:t>
+            </a:r>
+            <a:r>
+              <a:rPr lang="de-DE" baseline="0" dirty="0" err="1" smtClean="0"/>
+              <a:t>gitHub</a:t>
+            </a:r>
+            <a:r>
+              <a:rPr lang="de-DE" baseline="0" dirty="0" smtClean="0"/>
+              <a:t> für </a:t>
+            </a:r>
+            <a:r>
+              <a:rPr lang="de-DE" baseline="0" dirty="0" err="1" smtClean="0"/>
+              <a:t>Sourcen</a:t>
+            </a:r>
+            <a:r>
+              <a:rPr lang="de-DE" baseline="0" dirty="0" smtClean="0"/>
+              <a:t>)</a:t>
+            </a:r>
+          </a:p>
+          <a:p>
+            <a:r>
+              <a:rPr lang="de-DE" baseline="0" dirty="0" err="1" smtClean="0"/>
+              <a:t>Projektmgm</a:t>
+            </a:r>
+            <a:endParaRPr lang="de-DE" baseline="0" dirty="0" smtClean="0"/>
+          </a:p>
+          <a:p>
+            <a:r>
+              <a:rPr lang="de-DE" baseline="0" dirty="0" smtClean="0"/>
+              <a:t>	Aufgaben stärker </a:t>
+            </a:r>
+            <a:r>
+              <a:rPr lang="de-DE" baseline="0" dirty="0" err="1" smtClean="0"/>
+              <a:t>tracken</a:t>
+            </a:r>
+            <a:r>
+              <a:rPr lang="de-DE" baseline="0" dirty="0" smtClean="0"/>
+              <a:t>, ggf. „</a:t>
+            </a:r>
+            <a:r>
+              <a:rPr lang="de-DE" baseline="0" dirty="0" err="1" smtClean="0"/>
+              <a:t>cut</a:t>
+            </a:r>
+            <a:r>
+              <a:rPr lang="de-DE" baseline="0" dirty="0" smtClean="0"/>
+              <a:t>“ (bei Vertiefung in nicht notwendigen Details (z.B. Risikoanalyse, Wirtschaftlichkeitsbetrachtung)</a:t>
+            </a:r>
+          </a:p>
+          <a:p>
+            <a:endParaRPr lang="de-DE" dirty="0" smtClean="0"/>
+          </a:p>
+          <a:p>
+            <a:r>
+              <a:rPr lang="de-DE" dirty="0" err="1" smtClean="0"/>
+              <a:t>Workload</a:t>
+            </a:r>
+            <a:endParaRPr lang="de-DE" dirty="0" smtClean="0"/>
+          </a:p>
+          <a:p>
+            <a:r>
+              <a:rPr lang="de-DE" dirty="0" smtClean="0"/>
+              <a:t>	</a:t>
+            </a:r>
+            <a:r>
+              <a:rPr lang="de-DE" dirty="0" err="1" smtClean="0"/>
+              <a:t>Höhrer</a:t>
+            </a:r>
+            <a:r>
+              <a:rPr lang="de-DE" dirty="0" smtClean="0"/>
+              <a:t> Aufwand als erwartet, zusätzlicher stress neben der Arbeit. Risikofaktor,</a:t>
+            </a:r>
+            <a:r>
+              <a:rPr lang="de-DE" baseline="0" dirty="0" smtClean="0"/>
+              <a:t> da alle beim gleichen Unternehmen arbeiten (viel zu tun (</a:t>
+            </a:r>
+            <a:r>
+              <a:rPr lang="de-DE" baseline="0" dirty="0" err="1" smtClean="0"/>
+              <a:t>arbeit</a:t>
+            </a:r>
+            <a:r>
+              <a:rPr lang="de-DE" baseline="0" dirty="0" smtClean="0"/>
+              <a:t>) </a:t>
+            </a:r>
+            <a:r>
+              <a:rPr lang="de-DE" baseline="0" dirty="0" smtClean="0">
+                <a:sym typeface="Wingdings" pitchFamily="2" charset="2"/>
+              </a:rPr>
+              <a:t> weniger Zeit </a:t>
+            </a:r>
+            <a:r>
+              <a:rPr lang="de-DE" baseline="0" smtClean="0">
+                <a:sym typeface="Wingdings" pitchFamily="2" charset="2"/>
+              </a:rPr>
+              <a:t>(Projekt))</a:t>
+            </a:r>
+            <a:endParaRPr lang="de-DE" dirty="0" smtClean="0"/>
+          </a:p>
+          <a:p>
+            <a:r>
+              <a:rPr lang="de-DE" dirty="0" err="1" smtClean="0"/>
+              <a:t>PeerReview</a:t>
+            </a:r>
+            <a:r>
+              <a:rPr lang="de-DE" dirty="0" smtClean="0"/>
+              <a:t>:</a:t>
+            </a:r>
+          </a:p>
+          <a:p>
+            <a:r>
+              <a:rPr lang="de-DE" dirty="0" smtClean="0"/>
+              <a:t>	Hilfreich eine zweite unabhängige</a:t>
+            </a:r>
+            <a:r>
+              <a:rPr lang="de-DE" baseline="0" dirty="0" smtClean="0"/>
+              <a:t> Meinung; Lücken wurden identifiziert und behoben</a:t>
+            </a:r>
+          </a:p>
+          <a:p>
+            <a:r>
+              <a:rPr lang="de-DE" dirty="0" smtClean="0"/>
+              <a:t>Teamwork:</a:t>
+            </a:r>
+          </a:p>
+          <a:p>
+            <a:r>
+              <a:rPr lang="de-DE" dirty="0" smtClean="0"/>
+              <a:t>	Abstimmungen, Konstruktive </a:t>
+            </a:r>
+            <a:r>
+              <a:rPr lang="de-DE" dirty="0" err="1" smtClean="0"/>
+              <a:t>diskussionen</a:t>
+            </a:r>
+            <a:r>
+              <a:rPr lang="de-DE" dirty="0" smtClean="0"/>
+              <a:t>, Mitglieder</a:t>
+            </a:r>
+            <a:r>
+              <a:rPr lang="de-DE" baseline="0" dirty="0" smtClean="0"/>
+              <a:t> haben sich durch Fach/Spezialwissen gut ergänzt</a:t>
+            </a:r>
+            <a:endParaRPr lang="de-DE" dirty="0"/>
+          </a:p>
+        </p:txBody>
+      </p:sp>
+      <p:sp>
+        <p:nvSpPr>
+          <p:cNvPr id="4" name="Foliennummernplatzhalter 3"/>
+          <p:cNvSpPr>
+            <a:spLocks noGrp="1"/>
+          </p:cNvSpPr>
+          <p:nvPr>
+            <p:ph type="sldNum" sz="quarter" idx="10"/>
+          </p:nvPr>
+        </p:nvSpPr>
+        <p:spPr/>
+        <p:txBody>
+          <a:bodyPr/>
+          <a:lstStyle/>
+          <a:p>
+            <a:fld id="{F7EBFB8C-BBFF-4397-A51C-1E92596422A9}" type="slidenum">
+              <a:rPr lang="en-US" smtClean="0"/>
+              <a:pPr/>
+              <a:t>31</a:t>
+            </a:fld>
+            <a:endParaRPr lang="en-US" dirty="0"/>
+          </a:p>
+        </p:txBody>
+      </p:sp>
+    </p:spTree>
+    <p:extLst>
+      <p:ext uri="{BB962C8B-B14F-4D97-AF65-F5344CB8AC3E}">
+        <p14:creationId xmlns:p14="http://schemas.microsoft.com/office/powerpoint/2010/main" xmlns="" val="1616458392"/>
+      </p:ext>
+    </p:extLst>
+  </p:cSld>
+  <p:clrMapOvr>
+    <a:masterClrMapping/>
+  </p:clrMapOvr>
+</p:notes>
+</file>
+
+<file path=ppt/notesSlides/notesSlide25.xml><?xml version="1.0" encoding="utf-8"?>
+<p:notes xmlns:a="http://schemas.openxmlformats.org/drawingml/2006/main" xmlns:r="http://schemas.openxmlformats.org/officeDocument/2006/relationships" xmlns:p="http://schemas.openxmlformats.org/presentationml/2006/main">
+  <p:cSld>
+    <p:spTree>
+      <p:nvGrpSpPr>
+        <p:cNvPr id="1" name=""/>
+        <p:cNvGrpSpPr/>
+        <p:nvPr/>
+      </p:nvGrpSpPr>
+      <p:grpSpPr>
+        <a:xfrm>
+          <a:off x="0" y="0"/>
+          <a:ext cx="0" cy="0"/>
+          <a:chOff x="0" y="0"/>
+          <a:chExt cx="0" cy="0"/>
+        </a:xfrm>
+      </p:grpSpPr>
+      <p:sp>
+        <p:nvSpPr>
+          <p:cNvPr id="2" name="Folienbildplatzhalter 1"/>
+          <p:cNvSpPr>
+            <a:spLocks noGrp="1" noRot="1" noChangeAspect="1"/>
+          </p:cNvSpPr>
+          <p:nvPr>
+            <p:ph type="sldImg"/>
+          </p:nvPr>
+        </p:nvSpPr>
+        <p:spPr/>
+      </p:sp>
+      <p:sp>
+        <p:nvSpPr>
+          <p:cNvPr id="3" name="Notizenplatzhalter 2"/>
+          <p:cNvSpPr>
+            <a:spLocks noGrp="1"/>
+          </p:cNvSpPr>
+          <p:nvPr>
+            <p:ph type="body" idx="1"/>
+          </p:nvPr>
+        </p:nvSpPr>
+        <p:spPr/>
+        <p:txBody>
+          <a:bodyPr/>
+          <a:lstStyle/>
+          <a:p>
+            <a:endParaRPr lang="de-DE" dirty="0"/>
+          </a:p>
+        </p:txBody>
+      </p:sp>
+      <p:sp>
+        <p:nvSpPr>
+          <p:cNvPr id="4" name="Foliennummernplatzhalter 3"/>
+          <p:cNvSpPr>
+            <a:spLocks noGrp="1"/>
+          </p:cNvSpPr>
+          <p:nvPr>
+            <p:ph type="sldNum" sz="quarter" idx="10"/>
+          </p:nvPr>
+        </p:nvSpPr>
+        <p:spPr/>
+        <p:txBody>
+          <a:bodyPr/>
+          <a:lstStyle/>
+          <a:p>
+            <a:fld id="{F7EBFB8C-BBFF-4397-A51C-1E92596422A9}" type="slidenum">
+              <a:rPr lang="en-US" smtClean="0"/>
+              <a:pPr/>
+              <a:t>32</a:t>
+            </a:fld>
+            <a:endParaRPr lang="en-US" dirty="0"/>
+          </a:p>
+        </p:txBody>
+      </p:sp>
+    </p:spTree>
+    <p:extLst>
+      <p:ext uri="{BB962C8B-B14F-4D97-AF65-F5344CB8AC3E}">
+        <p14:creationId xmlns:p14="http://schemas.microsoft.com/office/powerpoint/2010/main" xmlns="" val="2116472317"/>
       </p:ext>
     </p:extLst>
   </p:cSld>
@@ -3346,7 +4016,7 @@
     </p:spTree>
     <p:extLst>
       <p:ext uri="{BB962C8B-B14F-4D97-AF65-F5344CB8AC3E}">
-        <p14:creationId xmlns:p14="http://schemas.microsoft.com/office/powerpoint/2010/main" val="517533983"/>
+        <p14:creationId xmlns:p14="http://schemas.microsoft.com/office/powerpoint/2010/main" xmlns="" val="517533983"/>
       </p:ext>
     </p:extLst>
   </p:cSld>
@@ -3756,7 +4426,7 @@
     </p:spTree>
     <p:extLst>
       <p:ext uri="{BB962C8B-B14F-4D97-AF65-F5344CB8AC3E}">
-        <p14:creationId xmlns:p14="http://schemas.microsoft.com/office/powerpoint/2010/main" val="2934279750"/>
+        <p14:creationId xmlns:p14="http://schemas.microsoft.com/office/powerpoint/2010/main" xmlns="" val="2934279750"/>
       </p:ext>
     </p:extLst>
   </p:cSld>
@@ -4166,7 +4836,7 @@
     </p:spTree>
     <p:extLst>
       <p:ext uri="{BB962C8B-B14F-4D97-AF65-F5344CB8AC3E}">
-        <p14:creationId xmlns:p14="http://schemas.microsoft.com/office/powerpoint/2010/main" val="2934279750"/>
+        <p14:creationId xmlns:p14="http://schemas.microsoft.com/office/powerpoint/2010/main" xmlns="" val="2934279750"/>
       </p:ext>
     </p:extLst>
   </p:cSld>
@@ -4576,7 +5246,7 @@
     </p:spTree>
     <p:extLst>
       <p:ext uri="{BB962C8B-B14F-4D97-AF65-F5344CB8AC3E}">
-        <p14:creationId xmlns:p14="http://schemas.microsoft.com/office/powerpoint/2010/main" val="2934279750"/>
+        <p14:creationId xmlns:p14="http://schemas.microsoft.com/office/powerpoint/2010/main" xmlns="" val="2934279750"/>
       </p:ext>
     </p:extLst>
   </p:cSld>
@@ -4986,7 +5656,7 @@
     </p:spTree>
     <p:extLst>
       <p:ext uri="{BB962C8B-B14F-4D97-AF65-F5344CB8AC3E}">
-        <p14:creationId xmlns:p14="http://schemas.microsoft.com/office/powerpoint/2010/main" val="2934279750"/>
+        <p14:creationId xmlns:p14="http://schemas.microsoft.com/office/powerpoint/2010/main" xmlns="" val="2934279750"/>
       </p:ext>
     </p:extLst>
   </p:cSld>
@@ -5071,7 +5741,7 @@
     </p:spTree>
     <p:extLst>
       <p:ext uri="{BB962C8B-B14F-4D97-AF65-F5344CB8AC3E}">
-        <p14:creationId xmlns:p14="http://schemas.microsoft.com/office/powerpoint/2010/main" val="3860513045"/>
+        <p14:creationId xmlns:p14="http://schemas.microsoft.com/office/powerpoint/2010/main" xmlns="" val="3860513045"/>
       </p:ext>
     </p:extLst>
   </p:cSld>
@@ -5481,7 +6151,7 @@
     </p:spTree>
     <p:extLst>
       <p:ext uri="{BB962C8B-B14F-4D97-AF65-F5344CB8AC3E}">
-        <p14:creationId xmlns:p14="http://schemas.microsoft.com/office/powerpoint/2010/main" val="2934279750"/>
+        <p14:creationId xmlns:p14="http://schemas.microsoft.com/office/powerpoint/2010/main" xmlns="" val="2934279750"/>
       </p:ext>
     </p:extLst>
   </p:cSld>
@@ -9721,7 +10391,7 @@
           <a:blip r:embed="rId13" cstate="print">
             <a:extLst>
               <a:ext uri="{28A0092B-C50C-407E-A947-70E740481C1C}">
-                <a14:useLocalDpi xmlns:a14="http://schemas.microsoft.com/office/drawing/2010/main" val="0"/>
+                <a14:useLocalDpi xmlns:a14="http://schemas.microsoft.com/office/drawing/2010/main" xmlns="" val="0"/>
               </a:ext>
             </a:extLst>
           </a:blip>
@@ -10219,7 +10889,7 @@
           <a:blip r:embed="rId3" cstate="print">
             <a:extLst>
               <a:ext uri="{28A0092B-C50C-407E-A947-70E740481C1C}">
-                <a14:useLocalDpi xmlns:a14="http://schemas.microsoft.com/office/drawing/2010/main" val="0"/>
+                <a14:useLocalDpi xmlns:a14="http://schemas.microsoft.com/office/drawing/2010/main" xmlns="" val="0"/>
               </a:ext>
             </a:extLst>
           </a:blip>
@@ -10249,7 +10919,7 @@
           <a:blip r:embed="rId4" cstate="print">
             <a:extLst>
               <a:ext uri="{28A0092B-C50C-407E-A947-70E740481C1C}">
-                <a14:useLocalDpi xmlns:a14="http://schemas.microsoft.com/office/drawing/2010/main" val="0"/>
+                <a14:useLocalDpi xmlns:a14="http://schemas.microsoft.com/office/drawing/2010/main" xmlns="" val="0"/>
               </a:ext>
             </a:extLst>
           </a:blip>
@@ -10421,7 +11091,7 @@
     </p:spTree>
     <p:extLst>
       <p:ext uri="{BB962C8B-B14F-4D97-AF65-F5344CB8AC3E}">
-        <p14:creationId xmlns:p14="http://schemas.microsoft.com/office/powerpoint/2010/main" val="1358210935"/>
+        <p14:creationId xmlns:p14="http://schemas.microsoft.com/office/powerpoint/2010/main" xmlns="" val="1358210935"/>
       </p:ext>
     </p:extLst>
   </p:cSld>
@@ -10429,7 +11099,7 @@
     <a:masterClrMapping/>
   </p:clrMapOvr>
   <mc:AlternateContent xmlns:mc="http://schemas.openxmlformats.org/markup-compatibility/2006">
-    <mc:Choice xmlns:p14="http://schemas.microsoft.com/office/powerpoint/2010/main" Requires="p14">
+    <mc:Choice xmlns:p14="http://schemas.microsoft.com/office/powerpoint/2010/main" xmlns="" Requires="p14">
       <p:transition spd="slow" p14:dur="2000"/>
     </mc:Choice>
     <mc:Fallback>
@@ -10817,7 +11487,7 @@
     </p:spTree>
     <p:extLst>
       <p:ext uri="{BB962C8B-B14F-4D97-AF65-F5344CB8AC3E}">
-        <p14:creationId xmlns:p14="http://schemas.microsoft.com/office/powerpoint/2010/main" val="1084121422"/>
+        <p14:creationId xmlns:p14="http://schemas.microsoft.com/office/powerpoint/2010/main" xmlns="" val="1084121422"/>
       </p:ext>
     </p:extLst>
   </p:cSld>
@@ -10932,7 +11602,7 @@
     </p:spTree>
     <p:extLst>
       <p:ext uri="{BB962C8B-B14F-4D97-AF65-F5344CB8AC3E}">
-        <p14:creationId xmlns:p14="http://schemas.microsoft.com/office/powerpoint/2010/main" val="3549245410"/>
+        <p14:creationId xmlns:p14="http://schemas.microsoft.com/office/powerpoint/2010/main" xmlns="" val="3549245410"/>
       </p:ext>
     </p:extLst>
   </p:cSld>
@@ -11132,7 +11802,7 @@
     </p:spTree>
     <p:extLst>
       <p:ext uri="{BB962C8B-B14F-4D97-AF65-F5344CB8AC3E}">
-        <p14:creationId xmlns:p14="http://schemas.microsoft.com/office/powerpoint/2010/main" val="1793566570"/>
+        <p14:creationId xmlns:p14="http://schemas.microsoft.com/office/powerpoint/2010/main" xmlns="" val="1793566570"/>
       </p:ext>
     </p:extLst>
   </p:cSld>
@@ -11282,7 +11952,7 @@
           <a:blip r:embed="rId2" cstate="print">
             <a:extLst>
               <a:ext uri="{28A0092B-C50C-407E-A947-70E740481C1C}">
-                <a14:useLocalDpi xmlns:a14="http://schemas.microsoft.com/office/drawing/2010/main" val="0"/>
+                <a14:useLocalDpi xmlns:a14="http://schemas.microsoft.com/office/drawing/2010/main" xmlns="" val="0"/>
               </a:ext>
             </a:extLst>
           </a:blip>
@@ -11306,14 +11976,14 @@
           <a:effectLst/>
           <a:extLst>
             <a:ext uri="{909E8E84-426E-40DD-AFC4-6F175D3DCCD1}">
-              <a14:hiddenFill xmlns:a14="http://schemas.microsoft.com/office/drawing/2010/main">
+              <a14:hiddenFill xmlns:a14="http://schemas.microsoft.com/office/drawing/2010/main" xmlns="">
                 <a:solidFill>
                   <a:schemeClr val="accent1"/>
                 </a:solidFill>
               </a14:hiddenFill>
             </a:ext>
             <a:ext uri="{91240B29-F687-4F45-9708-019B960494DF}">
-              <a14:hiddenLine xmlns:a14="http://schemas.microsoft.com/office/drawing/2010/main" w="9525">
+              <a14:hiddenLine xmlns:a14="http://schemas.microsoft.com/office/drawing/2010/main" xmlns="" w="9525">
                 <a:solidFill>
                   <a:schemeClr val="tx1"/>
                 </a:solidFill>
@@ -11323,7 +11993,7 @@
               </a14:hiddenLine>
             </a:ext>
             <a:ext uri="{AF507438-7753-43E0-B8FC-AC1667EBCBE1}">
-              <a14:hiddenEffects xmlns:a14="http://schemas.microsoft.com/office/drawing/2010/main">
+              <a14:hiddenEffects xmlns:a14="http://schemas.microsoft.com/office/drawing/2010/main" xmlns="">
                 <a:effectLst>
                   <a:outerShdw dist="35921" dir="2700000" algn="ctr" rotWithShape="0">
                     <a:schemeClr val="bg2"/>
@@ -11362,7 +12032,7 @@
     </p:spTree>
     <p:extLst>
       <p:ext uri="{BB962C8B-B14F-4D97-AF65-F5344CB8AC3E}">
-        <p14:creationId xmlns:p14="http://schemas.microsoft.com/office/powerpoint/2010/main" val="3640051399"/>
+        <p14:creationId xmlns:p14="http://schemas.microsoft.com/office/powerpoint/2010/main" xmlns="" val="3640051399"/>
       </p:ext>
     </p:extLst>
   </p:cSld>
@@ -11519,7 +12189,7 @@
     </p:spTree>
     <p:extLst>
       <p:ext uri="{BB962C8B-B14F-4D97-AF65-F5344CB8AC3E}">
-        <p14:creationId xmlns:p14="http://schemas.microsoft.com/office/powerpoint/2010/main" val="141785747"/>
+        <p14:creationId xmlns:p14="http://schemas.microsoft.com/office/powerpoint/2010/main" xmlns="" val="141785747"/>
       </p:ext>
     </p:extLst>
   </p:cSld>
@@ -11559,7 +12229,7 @@
         <p:spPr/>
         <p:txBody>
           <a:bodyPr>
-            <a:normAutofit/>
+            <a:normAutofit fontScale="90000"/>
           </a:bodyPr>
           <a:lstStyle/>
           <a:p>
@@ -11804,7 +12474,7 @@
     </p:spTree>
     <p:extLst>
       <p:ext uri="{BB962C8B-B14F-4D97-AF65-F5344CB8AC3E}">
-        <p14:creationId xmlns:p14="http://schemas.microsoft.com/office/powerpoint/2010/main" val="2634211947"/>
+        <p14:creationId xmlns:p14="http://schemas.microsoft.com/office/powerpoint/2010/main" xmlns="" val="2634211947"/>
       </p:ext>
     </p:extLst>
   </p:cSld>
@@ -11952,7 +12622,7 @@
     </p:spTree>
     <p:extLst>
       <p:ext uri="{BB962C8B-B14F-4D97-AF65-F5344CB8AC3E}">
-        <p14:creationId xmlns:p14="http://schemas.microsoft.com/office/powerpoint/2010/main" val="3243626544"/>
+        <p14:creationId xmlns:p14="http://schemas.microsoft.com/office/powerpoint/2010/main" xmlns="" val="3243626544"/>
       </p:ext>
     </p:extLst>
   </p:cSld>
@@ -11979,6 +12649,30 @@
           <a:chExt cx="0" cy="0"/>
         </a:xfrm>
       </p:grpSpPr>
+      <p:pic>
+        <p:nvPicPr>
+          <p:cNvPr id="21" name="Grafik 20" descr="Ubersicht.png"/>
+          <p:cNvPicPr>
+            <a:picLocks noChangeAspect="1"/>
+          </p:cNvPicPr>
+          <p:nvPr/>
+        </p:nvPicPr>
+        <p:blipFill>
+          <a:blip r:embed="rId3" cstate="print"/>
+          <a:stretch>
+            <a:fillRect/>
+          </a:stretch>
+        </p:blipFill>
+        <p:spPr>
+          <a:xfrm>
+            <a:off x="1187624" y="1412776"/>
+            <a:ext cx="7488832" cy="5222657"/>
+          </a:xfrm>
+          <a:prstGeom prst="rect">
+            <a:avLst/>
+          </a:prstGeom>
+        </p:spPr>
+      </p:pic>
       <p:sp>
         <p:nvSpPr>
           <p:cNvPr id="2" name="Titel 1"/>
@@ -12007,25 +12701,6 @@
               <a:rPr lang="de-DE" dirty="0" smtClean="0"/>
               <a:t>Datenbankschema - Event</a:t>
             </a:r>
-            <a:endParaRPr lang="de-DE" dirty="0"/>
-          </a:p>
-        </p:txBody>
-      </p:sp>
-      <p:sp>
-        <p:nvSpPr>
-          <p:cNvPr id="3" name="Inhaltsplatzhalter 2"/>
-          <p:cNvSpPr>
-            <a:spLocks noGrp="1"/>
-          </p:cNvSpPr>
-          <p:nvPr>
-            <p:ph idx="1"/>
-          </p:nvPr>
-        </p:nvSpPr>
-        <p:spPr/>
-        <p:txBody>
-          <a:bodyPr/>
-          <a:lstStyle/>
-          <a:p>
             <a:endParaRPr lang="de-DE" dirty="0"/>
           </a:p>
         </p:txBody>
@@ -12100,195 +12775,10 @@
           </a:p>
         </p:txBody>
       </p:sp>
-      <p:pic>
-        <p:nvPicPr>
-          <p:cNvPr id="1026" name="Picture 2"/>
-          <p:cNvPicPr>
-            <a:picLocks noChangeAspect="1" noChangeArrowheads="1"/>
-          </p:cNvPicPr>
-          <p:nvPr/>
-        </p:nvPicPr>
-        <p:blipFill>
-          <a:blip r:embed="rId3" cstate="print">
-            <a:extLst>
-              <a:ext uri="{28A0092B-C50C-407E-A947-70E740481C1C}">
-                <a14:useLocalDpi xmlns:a14="http://schemas.microsoft.com/office/drawing/2010/main" val="0"/>
-              </a:ext>
-            </a:extLst>
-          </a:blip>
-          <a:srcRect/>
-          <a:stretch>
-            <a:fillRect/>
-          </a:stretch>
-        </p:blipFill>
-        <p:spPr bwMode="auto">
-          <a:xfrm>
-            <a:off x="2915815" y="1451297"/>
-            <a:ext cx="4332709" cy="5171753"/>
-          </a:xfrm>
-          <a:prstGeom prst="rect">
-            <a:avLst/>
-          </a:prstGeom>
-          <a:noFill/>
-          <a:ln>
-            <a:noFill/>
-          </a:ln>
-          <a:effectLst/>
-          <a:extLst>
-            <a:ext uri="{909E8E84-426E-40DD-AFC4-6F175D3DCCD1}">
-              <a14:hiddenFill xmlns:a14="http://schemas.microsoft.com/office/drawing/2010/main">
-                <a:solidFill>
-                  <a:schemeClr val="accent1"/>
-                </a:solidFill>
-              </a14:hiddenFill>
-            </a:ext>
-            <a:ext uri="{91240B29-F687-4F45-9708-019B960494DF}">
-              <a14:hiddenLine xmlns:a14="http://schemas.microsoft.com/office/drawing/2010/main" w="9525">
-                <a:solidFill>
-                  <a:schemeClr val="tx1"/>
-                </a:solidFill>
-                <a:miter lim="800000"/>
-                <a:headEnd/>
-                <a:tailEnd/>
-              </a14:hiddenLine>
-            </a:ext>
-            <a:ext uri="{AF507438-7753-43E0-B8FC-AC1667EBCBE1}">
-              <a14:hiddenEffects xmlns:a14="http://schemas.microsoft.com/office/drawing/2010/main">
-                <a:effectLst>
-                  <a:outerShdw dist="35921" dir="2700000" algn="ctr" rotWithShape="0">
-                    <a:schemeClr val="bg2"/>
-                  </a:outerShdw>
-                </a:effectLst>
-              </a14:hiddenEffects>
-            </a:ext>
-          </a:extLst>
-        </p:spPr>
-      </p:pic>
-      <p:sp>
-        <p:nvSpPr>
-          <p:cNvPr id="7" name="Rechteck 6"/>
-          <p:cNvSpPr/>
-          <p:nvPr/>
-        </p:nvSpPr>
-        <p:spPr>
-          <a:xfrm>
-            <a:off x="2771800" y="2420888"/>
-            <a:ext cx="1512168" cy="2376264"/>
-          </a:xfrm>
-          <a:prstGeom prst="rect">
-            <a:avLst/>
-          </a:prstGeom>
-          <a:noFill/>
-        </p:spPr>
-        <p:style>
-          <a:lnRef idx="2">
-            <a:schemeClr val="accent1">
-              <a:shade val="50000"/>
-            </a:schemeClr>
-          </a:lnRef>
-          <a:fillRef idx="1">
-            <a:schemeClr val="accent1"/>
-          </a:fillRef>
-          <a:effectRef idx="0">
-            <a:schemeClr val="accent1"/>
-          </a:effectRef>
-          <a:fontRef idx="minor">
-            <a:schemeClr val="lt1"/>
-          </a:fontRef>
-        </p:style>
-        <p:txBody>
-          <a:bodyPr rtlCol="0" anchor="ctr"/>
-          <a:lstStyle/>
-          <a:p>
-            <a:pPr algn="ctr"/>
-            <a:endParaRPr lang="de-DE"/>
-          </a:p>
-        </p:txBody>
-      </p:sp>
-      <p:sp>
-        <p:nvSpPr>
-          <p:cNvPr id="9" name="Rechteck 8"/>
-          <p:cNvSpPr/>
-          <p:nvPr/>
-        </p:nvSpPr>
-        <p:spPr>
-          <a:xfrm>
-            <a:off x="4083932" y="1700808"/>
-            <a:ext cx="1224136" cy="1296144"/>
-          </a:xfrm>
-          <a:prstGeom prst="rect">
-            <a:avLst/>
-          </a:prstGeom>
-          <a:noFill/>
-        </p:spPr>
-        <p:style>
-          <a:lnRef idx="2">
-            <a:schemeClr val="accent1">
-              <a:shade val="50000"/>
-            </a:schemeClr>
-          </a:lnRef>
-          <a:fillRef idx="1">
-            <a:schemeClr val="accent1"/>
-          </a:fillRef>
-          <a:effectRef idx="0">
-            <a:schemeClr val="accent1"/>
-          </a:effectRef>
-          <a:fontRef idx="minor">
-            <a:schemeClr val="lt1"/>
-          </a:fontRef>
-        </p:style>
-        <p:txBody>
-          <a:bodyPr rtlCol="0" anchor="ctr"/>
-          <a:lstStyle/>
-          <a:p>
-            <a:pPr algn="ctr"/>
-            <a:endParaRPr lang="de-DE"/>
-          </a:p>
-        </p:txBody>
-      </p:sp>
-      <p:sp>
-        <p:nvSpPr>
-          <p:cNvPr id="8" name="Rechteck 7"/>
-          <p:cNvSpPr/>
-          <p:nvPr/>
-        </p:nvSpPr>
-        <p:spPr>
-          <a:xfrm>
-            <a:off x="4283968" y="3429000"/>
-            <a:ext cx="1152128" cy="2016224"/>
-          </a:xfrm>
-          <a:prstGeom prst="rect">
-            <a:avLst/>
-          </a:prstGeom>
-          <a:noFill/>
-        </p:spPr>
-        <p:style>
-          <a:lnRef idx="2">
-            <a:schemeClr val="accent6"/>
-          </a:lnRef>
-          <a:fillRef idx="1">
-            <a:schemeClr val="lt1"/>
-          </a:fillRef>
-          <a:effectRef idx="0">
-            <a:schemeClr val="accent6"/>
-          </a:effectRef>
-          <a:fontRef idx="minor">
-            <a:schemeClr val="dk1"/>
-          </a:fontRef>
-        </p:style>
-        <p:txBody>
-          <a:bodyPr rtlCol="0" anchor="ctr"/>
-          <a:lstStyle/>
-          <a:p>
-            <a:pPr algn="ctr"/>
-            <a:endParaRPr lang="de-DE"/>
-          </a:p>
-        </p:txBody>
-      </p:sp>
     </p:spTree>
     <p:extLst>
       <p:ext uri="{BB962C8B-B14F-4D97-AF65-F5344CB8AC3E}">
-        <p14:creationId xmlns:p14="http://schemas.microsoft.com/office/powerpoint/2010/main" val="3243626544"/>
+        <p14:creationId xmlns="" xmlns:p14="http://schemas.microsoft.com/office/powerpoint/2010/main" val="3243626544"/>
       </p:ext>
     </p:extLst>
   </p:cSld>
@@ -12358,11 +12848,7 @@
           <a:p>
             <a:r>
               <a:rPr lang="de-DE" dirty="0" smtClean="0"/>
-              <a:t>Funktionale </a:t>
-            </a:r>
-            <a:r>
-              <a:rPr lang="de-DE" dirty="0" smtClean="0"/>
-              <a:t>Anforderungen</a:t>
+              <a:t>Funktionale Anforderungen</a:t>
             </a:r>
           </a:p>
           <a:p>
@@ -12371,28 +12857,19 @@
               <a:rPr lang="de-DE" dirty="0" smtClean="0"/>
               <a:t>Anmelden (Login)</a:t>
             </a:r>
-            <a:endParaRPr lang="de-DE" dirty="0" smtClean="0"/>
           </a:p>
           <a:p>
             <a:pPr lvl="1"/>
             <a:r>
               <a:rPr lang="de-DE" dirty="0" smtClean="0"/>
-              <a:t>Event </a:t>
-            </a:r>
-            <a:r>
-              <a:rPr lang="de-DE" dirty="0" smtClean="0"/>
-              <a:t>erstellen</a:t>
+              <a:t>Event erstellen</a:t>
             </a:r>
           </a:p>
           <a:p>
             <a:pPr lvl="1"/>
             <a:r>
               <a:rPr lang="de-DE" dirty="0" smtClean="0"/>
-              <a:t>Live </a:t>
-            </a:r>
-            <a:r>
-              <a:rPr lang="de-DE" dirty="0" smtClean="0"/>
-              <a:t>Demo</a:t>
+              <a:t>Live Demo</a:t>
             </a:r>
           </a:p>
           <a:p>
@@ -12400,7 +12877,6 @@
               <a:rPr lang="de-DE" dirty="0" smtClean="0"/>
               <a:t>Detailkonzept</a:t>
             </a:r>
-            <a:endParaRPr lang="de-DE" dirty="0" smtClean="0"/>
           </a:p>
           <a:p>
             <a:pPr lvl="1"/>
@@ -12415,7 +12891,6 @@
               <a:rPr lang="de-DE" dirty="0" smtClean="0"/>
               <a:t>Datenbank-Schema</a:t>
             </a:r>
-            <a:endParaRPr lang="de-DE" dirty="0" smtClean="0"/>
           </a:p>
           <a:p>
             <a:r>
@@ -12432,11 +12907,7 @@
           <a:p>
             <a:r>
               <a:rPr lang="de-DE" dirty="0" smtClean="0"/>
-              <a:t>Weitere Projektplanung und </a:t>
-            </a:r>
-            <a:r>
-              <a:rPr lang="de-DE" dirty="0" smtClean="0"/>
-              <a:t>Ausblick</a:t>
+              <a:t>Weitere Projektplanung und Ausblick</a:t>
             </a:r>
           </a:p>
           <a:p>
@@ -12444,7 +12915,6 @@
               <a:rPr lang="de-DE" dirty="0" smtClean="0"/>
               <a:t>Reflexion</a:t>
             </a:r>
-            <a:endParaRPr lang="de-DE" dirty="0" smtClean="0"/>
           </a:p>
           <a:p>
             <a:pPr marL="82296" indent="0">
@@ -12577,7 +13047,7 @@
     </p:spTree>
     <p:extLst>
       <p:ext uri="{BB962C8B-B14F-4D97-AF65-F5344CB8AC3E}">
-        <p14:creationId xmlns:p14="http://schemas.microsoft.com/office/powerpoint/2010/main" val="3616670450"/>
+        <p14:creationId xmlns:p14="http://schemas.microsoft.com/office/powerpoint/2010/main" xmlns="" val="3616670450"/>
       </p:ext>
     </p:extLst>
   </p:cSld>
@@ -12611,6 +13081,78 @@
           <a:chExt cx="0" cy="0"/>
         </a:xfrm>
       </p:grpSpPr>
+      <p:pic>
+        <p:nvPicPr>
+          <p:cNvPr id="81" name="Inhaltsplatzhalter 18" descr="Ubersicht.png"/>
+          <p:cNvPicPr>
+            <a:picLocks noChangeAspect="1"/>
+          </p:cNvPicPr>
+          <p:nvPr/>
+        </p:nvPicPr>
+        <p:blipFill>
+          <a:blip r:embed="rId3" cstate="print"/>
+          <a:stretch>
+            <a:fillRect/>
+          </a:stretch>
+        </p:blipFill>
+        <p:spPr>
+          <a:xfrm>
+            <a:off x="1043608" y="5229200"/>
+            <a:ext cx="2232248" cy="1556792"/>
+          </a:xfrm>
+          <a:prstGeom prst="rect">
+            <a:avLst/>
+          </a:prstGeom>
+        </p:spPr>
+      </p:pic>
+      <p:pic>
+        <p:nvPicPr>
+          <p:cNvPr id="77" name="Grafik 76" descr="Pfeil.png"/>
+          <p:cNvPicPr>
+            <a:picLocks noChangeAspect="1"/>
+          </p:cNvPicPr>
+          <p:nvPr/>
+        </p:nvPicPr>
+        <p:blipFill>
+          <a:blip r:embed="rId4" cstate="print"/>
+          <a:stretch>
+            <a:fillRect/>
+          </a:stretch>
+        </p:blipFill>
+        <p:spPr>
+          <a:xfrm rot="5400000">
+            <a:off x="5798938" y="4594297"/>
+            <a:ext cx="514422" cy="200053"/>
+          </a:xfrm>
+          <a:prstGeom prst="rect">
+            <a:avLst/>
+          </a:prstGeom>
+        </p:spPr>
+      </p:pic>
+      <p:pic>
+        <p:nvPicPr>
+          <p:cNvPr id="76" name="Grafik 75" descr="Pfeil.png"/>
+          <p:cNvPicPr>
+            <a:picLocks noChangeAspect="1"/>
+          </p:cNvPicPr>
+          <p:nvPr/>
+        </p:nvPicPr>
+        <p:blipFill>
+          <a:blip r:embed="rId4" cstate="print"/>
+          <a:stretch>
+            <a:fillRect/>
+          </a:stretch>
+        </p:blipFill>
+        <p:spPr>
+          <a:xfrm rot="5400000">
+            <a:off x="5782967" y="3586185"/>
+            <a:ext cx="514422" cy="200053"/>
+          </a:xfrm>
+          <a:prstGeom prst="rect">
+            <a:avLst/>
+          </a:prstGeom>
+        </p:spPr>
+      </p:pic>
       <p:sp>
         <p:nvSpPr>
           <p:cNvPr id="2" name="Titel 1"/>
@@ -12623,12 +13165,21 @@
         </p:nvSpPr>
         <p:spPr/>
         <p:txBody>
-          <a:bodyPr/>
-          <a:lstStyle/>
-          <a:p>
-            <a:r>
-              <a:rPr lang="de-DE" dirty="0" smtClean="0"/>
-              <a:t>Qualitätsanforderungen</a:t>
+          <a:bodyPr>
+            <a:normAutofit fontScale="90000"/>
+          </a:bodyPr>
+          <a:lstStyle/>
+          <a:p>
+            <a:r>
+              <a:rPr lang="de-DE" dirty="0" smtClean="0"/>
+              <a:t>Detailkonzept</a:t>
+            </a:r>
+            <a:br>
+              <a:rPr lang="de-DE" dirty="0" smtClean="0"/>
+            </a:br>
+            <a:r>
+              <a:rPr lang="de-DE" dirty="0" smtClean="0"/>
+              <a:t>Datenbankschema - Event</a:t>
             </a:r>
             <a:endParaRPr lang="de-DE" dirty="0"/>
           </a:p>
@@ -12636,59 +13187,6 @@
       </p:sp>
       <p:sp>
         <p:nvSpPr>
-          <p:cNvPr id="3" name="Inhaltsplatzhalter 2"/>
-          <p:cNvSpPr>
-            <a:spLocks noGrp="1"/>
-          </p:cNvSpPr>
-          <p:nvPr>
-            <p:ph idx="1"/>
-          </p:nvPr>
-        </p:nvSpPr>
-        <p:spPr/>
-        <p:txBody>
-          <a:bodyPr/>
-          <a:lstStyle/>
-          <a:p>
-            <a:endParaRPr lang="de-DE" dirty="0" smtClean="0"/>
-          </a:p>
-          <a:p>
-            <a:r>
-              <a:rPr lang="de-DE" dirty="0" smtClean="0"/>
-              <a:t>Äußere und innere Qualität</a:t>
-            </a:r>
-          </a:p>
-          <a:p>
-            <a:endParaRPr lang="de-DE" dirty="0" smtClean="0"/>
-          </a:p>
-          <a:p>
-            <a:r>
-              <a:rPr lang="de-DE" dirty="0" smtClean="0"/>
-              <a:t>Gebrauchstauglichkeit</a:t>
-            </a:r>
-          </a:p>
-          <a:p>
-            <a:endParaRPr lang="de-DE" dirty="0"/>
-          </a:p>
-          <a:p>
-            <a:r>
-              <a:rPr lang="de-DE" dirty="0" smtClean="0"/>
-              <a:t>Technische Anforderungen</a:t>
-            </a:r>
-          </a:p>
-          <a:p>
-            <a:endParaRPr lang="de-DE" dirty="0" smtClean="0"/>
-          </a:p>
-          <a:p>
-            <a:r>
-              <a:rPr lang="de-DE" dirty="0" smtClean="0"/>
-              <a:t>Lieferumfang</a:t>
-            </a:r>
-            <a:endParaRPr lang="de-DE" dirty="0"/>
-          </a:p>
-        </p:txBody>
-      </p:sp>
-      <p:sp>
-        <p:nvSpPr>
           <p:cNvPr id="4" name="Datumsplatzhalter 3"/>
           <p:cNvSpPr>
             <a:spLocks noGrp="1"/>
@@ -12703,10 +13201,10 @@
           <a:lstStyle/>
           <a:p>
             <a:r>
-              <a:rPr lang="de-DE" smtClean="0"/>
+              <a:rPr lang="de-DE" dirty="0" smtClean="0"/>
               <a:t>21.04.2012</a:t>
             </a:r>
-            <a:endParaRPr lang="en-US"/>
+            <a:endParaRPr lang="en-US" dirty="0"/>
           </a:p>
         </p:txBody>
       </p:sp>
@@ -12757,11 +13255,326 @@
           </a:p>
         </p:txBody>
       </p:sp>
+      <p:sp>
+        <p:nvSpPr>
+          <p:cNvPr id="9" name="Rechteck 8"/>
+          <p:cNvSpPr/>
+          <p:nvPr/>
+        </p:nvSpPr>
+        <p:spPr>
+          <a:xfrm>
+            <a:off x="2051720" y="5733256"/>
+            <a:ext cx="360040" cy="720080"/>
+          </a:xfrm>
+          <a:prstGeom prst="rect">
+            <a:avLst/>
+          </a:prstGeom>
+          <a:noFill/>
+        </p:spPr>
+        <p:style>
+          <a:lnRef idx="2">
+            <a:schemeClr val="accent1">
+              <a:shade val="50000"/>
+            </a:schemeClr>
+          </a:lnRef>
+          <a:fillRef idx="1">
+            <a:schemeClr val="accent1"/>
+          </a:fillRef>
+          <a:effectRef idx="0">
+            <a:schemeClr val="accent1"/>
+          </a:effectRef>
+          <a:fontRef idx="minor">
+            <a:schemeClr val="lt1"/>
+          </a:fontRef>
+        </p:style>
+        <p:txBody>
+          <a:bodyPr rtlCol="0" anchor="ctr"/>
+          <a:lstStyle/>
+          <a:p>
+            <a:pPr algn="ctr"/>
+            <a:endParaRPr lang="de-DE"/>
+          </a:p>
+        </p:txBody>
+      </p:sp>
+      <p:sp>
+        <p:nvSpPr>
+          <p:cNvPr id="8" name="Rechteck 7"/>
+          <p:cNvSpPr/>
+          <p:nvPr/>
+        </p:nvSpPr>
+        <p:spPr>
+          <a:xfrm>
+            <a:off x="1043608" y="5229200"/>
+            <a:ext cx="360040" cy="720080"/>
+          </a:xfrm>
+          <a:prstGeom prst="rect">
+            <a:avLst/>
+          </a:prstGeom>
+          <a:noFill/>
+        </p:spPr>
+        <p:style>
+          <a:lnRef idx="2">
+            <a:schemeClr val="accent1">
+              <a:shade val="50000"/>
+            </a:schemeClr>
+          </a:lnRef>
+          <a:fillRef idx="1">
+            <a:schemeClr val="accent1"/>
+          </a:fillRef>
+          <a:effectRef idx="0">
+            <a:schemeClr val="accent1"/>
+          </a:effectRef>
+          <a:fontRef idx="minor">
+            <a:schemeClr val="lt1"/>
+          </a:fontRef>
+        </p:style>
+        <p:txBody>
+          <a:bodyPr rtlCol="0" anchor="ctr"/>
+          <a:lstStyle/>
+          <a:p>
+            <a:pPr algn="ctr"/>
+            <a:endParaRPr lang="de-DE"/>
+          </a:p>
+        </p:txBody>
+      </p:sp>
+      <p:sp>
+        <p:nvSpPr>
+          <p:cNvPr id="11" name="Rechteck 10"/>
+          <p:cNvSpPr/>
+          <p:nvPr/>
+        </p:nvSpPr>
+        <p:spPr>
+          <a:xfrm>
+            <a:off x="2915816" y="5229200"/>
+            <a:ext cx="360040" cy="360040"/>
+          </a:xfrm>
+          <a:prstGeom prst="rect">
+            <a:avLst/>
+          </a:prstGeom>
+          <a:noFill/>
+        </p:spPr>
+        <p:style>
+          <a:lnRef idx="2">
+            <a:schemeClr val="accent1">
+              <a:shade val="50000"/>
+            </a:schemeClr>
+          </a:lnRef>
+          <a:fillRef idx="1">
+            <a:schemeClr val="accent1"/>
+          </a:fillRef>
+          <a:effectRef idx="0">
+            <a:schemeClr val="accent1"/>
+          </a:effectRef>
+          <a:fontRef idx="minor">
+            <a:schemeClr val="lt1"/>
+          </a:fontRef>
+        </p:style>
+        <p:txBody>
+          <a:bodyPr rtlCol="0" anchor="ctr"/>
+          <a:lstStyle/>
+          <a:p>
+            <a:pPr algn="ctr"/>
+            <a:endParaRPr lang="de-DE"/>
+          </a:p>
+        </p:txBody>
+      </p:sp>
+      <p:cxnSp>
+        <p:nvCxnSpPr>
+          <p:cNvPr id="18" name="Gerade Verbindung mit Pfeil 17"/>
+          <p:cNvCxnSpPr/>
+          <p:nvPr/>
+        </p:nvCxnSpPr>
+        <p:spPr>
+          <a:xfrm flipH="1">
+            <a:off x="2987824" y="2060848"/>
+            <a:ext cx="4176464" cy="0"/>
+          </a:xfrm>
+          <a:prstGeom prst="straightConnector1">
+            <a:avLst/>
+          </a:prstGeom>
+          <a:ln w="19050">
+            <a:solidFill>
+              <a:schemeClr val="tx1"/>
+            </a:solidFill>
+            <a:tailEnd type="arrow"/>
+          </a:ln>
+        </p:spPr>
+        <p:style>
+          <a:lnRef idx="1">
+            <a:schemeClr val="accent1"/>
+          </a:lnRef>
+          <a:fillRef idx="0">
+            <a:schemeClr val="accent1"/>
+          </a:fillRef>
+          <a:effectRef idx="0">
+            <a:schemeClr val="accent1"/>
+          </a:effectRef>
+          <a:fontRef idx="minor">
+            <a:schemeClr val="tx1"/>
+          </a:fontRef>
+        </p:style>
+      </p:cxnSp>
+      <p:cxnSp>
+        <p:nvCxnSpPr>
+          <p:cNvPr id="23" name="Gerade Verbindung mit Pfeil 22"/>
+          <p:cNvCxnSpPr/>
+          <p:nvPr/>
+        </p:nvCxnSpPr>
+        <p:spPr>
+          <a:xfrm>
+            <a:off x="2987824" y="3501008"/>
+            <a:ext cx="1296144" cy="0"/>
+          </a:xfrm>
+          <a:prstGeom prst="straightConnector1">
+            <a:avLst/>
+          </a:prstGeom>
+          <a:ln w="19050">
+            <a:solidFill>
+              <a:schemeClr val="tx1"/>
+            </a:solidFill>
+            <a:tailEnd type="arrow"/>
+          </a:ln>
+        </p:spPr>
+        <p:style>
+          <a:lnRef idx="1">
+            <a:schemeClr val="accent1"/>
+          </a:lnRef>
+          <a:fillRef idx="0">
+            <a:schemeClr val="accent1"/>
+          </a:fillRef>
+          <a:effectRef idx="0">
+            <a:schemeClr val="accent1"/>
+          </a:effectRef>
+          <a:fontRef idx="minor">
+            <a:schemeClr val="tx1"/>
+          </a:fontRef>
+        </p:style>
+      </p:cxnSp>
+      <p:cxnSp>
+        <p:nvCxnSpPr>
+          <p:cNvPr id="27" name="Gewinkelte Verbindung 26"/>
+          <p:cNvCxnSpPr/>
+          <p:nvPr/>
+        </p:nvCxnSpPr>
+        <p:spPr>
+          <a:xfrm rot="10800000" flipV="1">
+            <a:off x="5127048" y="1700808"/>
+            <a:ext cx="2037240" cy="792088"/>
+          </a:xfrm>
+          <a:prstGeom prst="bentConnector2">
+            <a:avLst/>
+          </a:prstGeom>
+          <a:ln w="19050">
+            <a:solidFill>
+              <a:schemeClr val="tx1"/>
+            </a:solidFill>
+            <a:tailEnd type="arrow"/>
+          </a:ln>
+        </p:spPr>
+        <p:style>
+          <a:lnRef idx="1">
+            <a:schemeClr val="accent1"/>
+          </a:lnRef>
+          <a:fillRef idx="0">
+            <a:schemeClr val="accent1"/>
+          </a:fillRef>
+          <a:effectRef idx="0">
+            <a:schemeClr val="accent1"/>
+          </a:effectRef>
+          <a:fontRef idx="minor">
+            <a:schemeClr val="tx1"/>
+          </a:fontRef>
+        </p:style>
+      </p:cxnSp>
+      <p:pic>
+        <p:nvPicPr>
+          <p:cNvPr id="83" name="Grafik 82" descr="Event.png"/>
+          <p:cNvPicPr>
+            <a:picLocks noChangeAspect="1"/>
+          </p:cNvPicPr>
+          <p:nvPr/>
+        </p:nvPicPr>
+        <p:blipFill>
+          <a:blip r:embed="rId5" cstate="print"/>
+          <a:stretch>
+            <a:fillRect/>
+          </a:stretch>
+        </p:blipFill>
+        <p:spPr>
+          <a:xfrm>
+            <a:off x="1475656" y="1628800"/>
+            <a:ext cx="1486108" cy="3267531"/>
+          </a:xfrm>
+          <a:prstGeom prst="rect">
+            <a:avLst/>
+          </a:prstGeom>
+        </p:spPr>
+      </p:pic>
+      <p:pic>
+        <p:nvPicPr>
+          <p:cNvPr id="84" name="Grafik 83" descr="Benutzer.png"/>
+          <p:cNvPicPr>
+            <a:picLocks noChangeAspect="1"/>
+          </p:cNvPicPr>
+          <p:nvPr/>
+        </p:nvPicPr>
+        <p:blipFill>
+          <a:blip r:embed="rId6" cstate="print"/>
+          <a:stretch>
+            <a:fillRect/>
+          </a:stretch>
+        </p:blipFill>
+        <p:spPr>
+          <a:xfrm>
+            <a:off x="4283968" y="2492896"/>
+            <a:ext cx="1686160" cy="3419953"/>
+          </a:xfrm>
+          <a:prstGeom prst="rect">
+            <a:avLst/>
+          </a:prstGeom>
+        </p:spPr>
+      </p:pic>
+      <p:pic>
+        <p:nvPicPr>
+          <p:cNvPr id="85" name="Grafik 84" descr="Teilnehmer.png"/>
+          <p:cNvPicPr>
+            <a:picLocks noChangeAspect="1"/>
+          </p:cNvPicPr>
+          <p:nvPr/>
+        </p:nvPicPr>
+        <p:blipFill>
+          <a:blip r:embed="rId7" cstate="print"/>
+          <a:stretch>
+            <a:fillRect/>
+          </a:stretch>
+        </p:blipFill>
+        <p:spPr>
+          <a:xfrm>
+            <a:off x="7164288" y="1628800"/>
+            <a:ext cx="1667108" cy="1438476"/>
+          </a:xfrm>
+          <a:prstGeom prst="rect">
+            <a:avLst/>
+          </a:prstGeom>
+        </p:spPr>
+      </p:pic>
     </p:spTree>
+    <p:extLst>
+      <p:ext uri="{BB962C8B-B14F-4D97-AF65-F5344CB8AC3E}">
+        <p14:creationId xmlns="" xmlns:p14="http://schemas.microsoft.com/office/powerpoint/2010/main" val="3243626544"/>
+      </p:ext>
+    </p:extLst>
   </p:cSld>
   <p:clrMapOvr>
     <a:masterClrMapping/>
   </p:clrMapOvr>
+  <p:timing>
+    <p:tnLst>
+      <p:par>
+        <p:cTn id="1" dur="indefinite" restart="never" nodeType="tmRoot"/>
+      </p:par>
+    </p:tnLst>
+  </p:timing>
 </p:sld>
 </file>
 
@@ -12782,6 +13595,78 @@
           <a:chExt cx="0" cy="0"/>
         </a:xfrm>
       </p:grpSpPr>
+      <p:pic>
+        <p:nvPicPr>
+          <p:cNvPr id="38" name="Inhaltsplatzhalter 18" descr="Ubersicht.png"/>
+          <p:cNvPicPr>
+            <a:picLocks noChangeAspect="1"/>
+          </p:cNvPicPr>
+          <p:nvPr/>
+        </p:nvPicPr>
+        <p:blipFill>
+          <a:blip r:embed="rId3" cstate="print"/>
+          <a:stretch>
+            <a:fillRect/>
+          </a:stretch>
+        </p:blipFill>
+        <p:spPr>
+          <a:xfrm>
+            <a:off x="1043608" y="5229200"/>
+            <a:ext cx="2232248" cy="1556792"/>
+          </a:xfrm>
+          <a:prstGeom prst="rect">
+            <a:avLst/>
+          </a:prstGeom>
+        </p:spPr>
+      </p:pic>
+      <p:pic>
+        <p:nvPicPr>
+          <p:cNvPr id="24" name="Grafik 23" descr="Pfeil.png"/>
+          <p:cNvPicPr>
+            <a:picLocks noChangeAspect="1"/>
+          </p:cNvPicPr>
+          <p:nvPr/>
+        </p:nvPicPr>
+        <p:blipFill>
+          <a:blip r:embed="rId4" cstate="print"/>
+          <a:stretch>
+            <a:fillRect/>
+          </a:stretch>
+        </p:blipFill>
+        <p:spPr>
+          <a:xfrm rot="5400000">
+            <a:off x="8231239" y="3658193"/>
+            <a:ext cx="514422" cy="200053"/>
+          </a:xfrm>
+          <a:prstGeom prst="rect">
+            <a:avLst/>
+          </a:prstGeom>
+        </p:spPr>
+      </p:pic>
+      <p:pic>
+        <p:nvPicPr>
+          <p:cNvPr id="21" name="Grafik 20" descr="Pfeil.png"/>
+          <p:cNvPicPr>
+            <a:picLocks noChangeAspect="1"/>
+          </p:cNvPicPr>
+          <p:nvPr/>
+        </p:nvPicPr>
+        <p:blipFill>
+          <a:blip r:embed="rId4" cstate="print"/>
+          <a:stretch>
+            <a:fillRect/>
+          </a:stretch>
+        </p:blipFill>
+        <p:spPr>
+          <a:xfrm rot="5400000">
+            <a:off x="8231239" y="2794097"/>
+            <a:ext cx="514422" cy="200053"/>
+          </a:xfrm>
+          <a:prstGeom prst="rect">
+            <a:avLst/>
+          </a:prstGeom>
+        </p:spPr>
+      </p:pic>
       <p:sp>
         <p:nvSpPr>
           <p:cNvPr id="2" name="Titel 1"/>
@@ -12794,33 +13679,23 @@
         </p:nvSpPr>
         <p:spPr/>
         <p:txBody>
-          <a:bodyPr/>
-          <a:lstStyle/>
-          <a:p>
-            <a:r>
-              <a:rPr lang="de-DE" dirty="0" smtClean="0"/>
-              <a:t>Abnahmekriterien</a:t>
+          <a:bodyPr>
+            <a:normAutofit fontScale="90000"/>
+          </a:bodyPr>
+          <a:lstStyle/>
+          <a:p>
+            <a:r>
+              <a:rPr lang="de-DE" dirty="0" smtClean="0"/>
+              <a:t>Detailkonzept</a:t>
+            </a:r>
+            <a:br>
+              <a:rPr lang="de-DE" dirty="0" smtClean="0"/>
+            </a:br>
+            <a:r>
+              <a:rPr lang="de-DE" dirty="0" smtClean="0"/>
+              <a:t>Datenbankschema - Event</a:t>
             </a:r>
             <a:endParaRPr lang="de-DE" dirty="0"/>
-          </a:p>
-        </p:txBody>
-      </p:sp>
-      <p:sp>
-        <p:nvSpPr>
-          <p:cNvPr id="3" name="Inhaltsplatzhalter 2"/>
-          <p:cNvSpPr>
-            <a:spLocks noGrp="1"/>
-          </p:cNvSpPr>
-          <p:nvPr>
-            <p:ph idx="1"/>
-          </p:nvPr>
-        </p:nvSpPr>
-        <p:spPr/>
-        <p:txBody>
-          <a:bodyPr/>
-          <a:lstStyle/>
-          <a:p>
-            <a:endParaRPr lang="de-DE"/>
           </a:p>
         </p:txBody>
       </p:sp>
@@ -12894,10 +13769,781 @@
           </a:p>
         </p:txBody>
       </p:sp>
+      <p:sp>
+        <p:nvSpPr>
+          <p:cNvPr id="9" name="Rechteck 8"/>
+          <p:cNvSpPr/>
+          <p:nvPr/>
+        </p:nvSpPr>
+        <p:spPr>
+          <a:xfrm>
+            <a:off x="2051720" y="5733256"/>
+            <a:ext cx="360040" cy="720080"/>
+          </a:xfrm>
+          <a:prstGeom prst="rect">
+            <a:avLst/>
+          </a:prstGeom>
+          <a:noFill/>
+        </p:spPr>
+        <p:style>
+          <a:lnRef idx="2">
+            <a:schemeClr val="accent1">
+              <a:shade val="50000"/>
+            </a:schemeClr>
+          </a:lnRef>
+          <a:fillRef idx="1">
+            <a:schemeClr val="accent1"/>
+          </a:fillRef>
+          <a:effectRef idx="0">
+            <a:schemeClr val="accent1"/>
+          </a:effectRef>
+          <a:fontRef idx="minor">
+            <a:schemeClr val="lt1"/>
+          </a:fontRef>
+        </p:style>
+        <p:txBody>
+          <a:bodyPr rtlCol="0" anchor="ctr"/>
+          <a:lstStyle/>
+          <a:p>
+            <a:pPr algn="ctr"/>
+            <a:endParaRPr lang="de-DE"/>
+          </a:p>
+        </p:txBody>
+      </p:sp>
+      <p:sp>
+        <p:nvSpPr>
+          <p:cNvPr id="8" name="Rechteck 7"/>
+          <p:cNvSpPr/>
+          <p:nvPr/>
+        </p:nvSpPr>
+        <p:spPr>
+          <a:xfrm>
+            <a:off x="1043608" y="5229200"/>
+            <a:ext cx="360040" cy="720080"/>
+          </a:xfrm>
+          <a:prstGeom prst="rect">
+            <a:avLst/>
+          </a:prstGeom>
+          <a:noFill/>
+        </p:spPr>
+        <p:style>
+          <a:lnRef idx="2">
+            <a:schemeClr val="accent1">
+              <a:shade val="50000"/>
+            </a:schemeClr>
+          </a:lnRef>
+          <a:fillRef idx="1">
+            <a:schemeClr val="accent1"/>
+          </a:fillRef>
+          <a:effectRef idx="0">
+            <a:schemeClr val="accent1"/>
+          </a:effectRef>
+          <a:fontRef idx="minor">
+            <a:schemeClr val="lt1"/>
+          </a:fontRef>
+        </p:style>
+        <p:txBody>
+          <a:bodyPr rtlCol="0" anchor="ctr"/>
+          <a:lstStyle/>
+          <a:p>
+            <a:pPr algn="ctr"/>
+            <a:endParaRPr lang="de-DE"/>
+          </a:p>
+        </p:txBody>
+      </p:sp>
+      <p:sp>
+        <p:nvSpPr>
+          <p:cNvPr id="11" name="Rechteck 10"/>
+          <p:cNvSpPr/>
+          <p:nvPr/>
+        </p:nvSpPr>
+        <p:spPr>
+          <a:xfrm>
+            <a:off x="1043608" y="6237312"/>
+            <a:ext cx="360040" cy="576064"/>
+          </a:xfrm>
+          <a:prstGeom prst="rect">
+            <a:avLst/>
+          </a:prstGeom>
+          <a:noFill/>
+        </p:spPr>
+        <p:style>
+          <a:lnRef idx="2">
+            <a:schemeClr val="accent1">
+              <a:shade val="50000"/>
+            </a:schemeClr>
+          </a:lnRef>
+          <a:fillRef idx="1">
+            <a:schemeClr val="accent1"/>
+          </a:fillRef>
+          <a:effectRef idx="0">
+            <a:schemeClr val="accent1"/>
+          </a:effectRef>
+          <a:fontRef idx="minor">
+            <a:schemeClr val="lt1"/>
+          </a:fontRef>
+        </p:style>
+        <p:txBody>
+          <a:bodyPr rtlCol="0" anchor="ctr"/>
+          <a:lstStyle/>
+          <a:p>
+            <a:pPr algn="ctr"/>
+            <a:endParaRPr lang="de-DE"/>
+          </a:p>
+        </p:txBody>
+      </p:sp>
+      <p:pic>
+        <p:nvPicPr>
+          <p:cNvPr id="20" name="Grafik 19" descr="Ort.png"/>
+          <p:cNvPicPr>
+            <a:picLocks noChangeAspect="1"/>
+          </p:cNvPicPr>
+          <p:nvPr/>
+        </p:nvPicPr>
+        <p:blipFill>
+          <a:blip r:embed="rId5" cstate="print"/>
+          <a:stretch>
+            <a:fillRect/>
+          </a:stretch>
+        </p:blipFill>
+        <p:spPr>
+          <a:xfrm>
+            <a:off x="3707904" y="4100332"/>
+            <a:ext cx="1638529" cy="2353004"/>
+          </a:xfrm>
+          <a:prstGeom prst="rect">
+            <a:avLst/>
+          </a:prstGeom>
+        </p:spPr>
+      </p:pic>
+      <p:cxnSp>
+        <p:nvCxnSpPr>
+          <p:cNvPr id="28" name="Gewinkelte Verbindung 26"/>
+          <p:cNvCxnSpPr/>
+          <p:nvPr/>
+        </p:nvCxnSpPr>
+        <p:spPr>
+          <a:xfrm rot="16200000" flipH="1">
+            <a:off x="2607887" y="3913158"/>
+            <a:ext cx="565703" cy="1634331"/>
+          </a:xfrm>
+          <a:prstGeom prst="bentConnector2">
+            <a:avLst/>
+          </a:prstGeom>
+          <a:ln w="19050">
+            <a:solidFill>
+              <a:schemeClr val="tx1"/>
+            </a:solidFill>
+            <a:tailEnd type="arrow"/>
+          </a:ln>
+        </p:spPr>
+        <p:style>
+          <a:lnRef idx="1">
+            <a:schemeClr val="accent1"/>
+          </a:lnRef>
+          <a:fillRef idx="0">
+            <a:schemeClr val="accent1"/>
+          </a:fillRef>
+          <a:effectRef idx="0">
+            <a:schemeClr val="accent1"/>
+          </a:effectRef>
+          <a:fontRef idx="minor">
+            <a:schemeClr val="tx1"/>
+          </a:fontRef>
+        </p:style>
+      </p:cxnSp>
+      <p:cxnSp>
+        <p:nvCxnSpPr>
+          <p:cNvPr id="31" name="Gerade Verbindung mit Pfeil 30"/>
+          <p:cNvCxnSpPr/>
+          <p:nvPr/>
+        </p:nvCxnSpPr>
+        <p:spPr>
+          <a:xfrm>
+            <a:off x="2987824" y="2852936"/>
+            <a:ext cx="3744416" cy="0"/>
+          </a:xfrm>
+          <a:prstGeom prst="straightConnector1">
+            <a:avLst/>
+          </a:prstGeom>
+          <a:ln w="19050">
+            <a:solidFill>
+              <a:schemeClr val="tx1"/>
+            </a:solidFill>
+            <a:tailEnd type="arrow"/>
+          </a:ln>
+        </p:spPr>
+        <p:style>
+          <a:lnRef idx="1">
+            <a:schemeClr val="accent1"/>
+          </a:lnRef>
+          <a:fillRef idx="0">
+            <a:schemeClr val="accent1"/>
+          </a:fillRef>
+          <a:effectRef idx="0">
+            <a:schemeClr val="accent1"/>
+          </a:effectRef>
+          <a:fontRef idx="minor">
+            <a:schemeClr val="tx1"/>
+          </a:fontRef>
+        </p:style>
+      </p:cxnSp>
+      <p:cxnSp>
+        <p:nvCxnSpPr>
+          <p:cNvPr id="35" name="Gerade Verbindung mit Pfeil 34"/>
+          <p:cNvCxnSpPr/>
+          <p:nvPr/>
+        </p:nvCxnSpPr>
+        <p:spPr>
+          <a:xfrm flipH="1">
+            <a:off x="5364088" y="4509120"/>
+            <a:ext cx="1368152" cy="0"/>
+          </a:xfrm>
+          <a:prstGeom prst="straightConnector1">
+            <a:avLst/>
+          </a:prstGeom>
+          <a:ln w="19050">
+            <a:solidFill>
+              <a:schemeClr val="tx1"/>
+            </a:solidFill>
+            <a:tailEnd type="arrow"/>
+          </a:ln>
+        </p:spPr>
+        <p:style>
+          <a:lnRef idx="1">
+            <a:schemeClr val="accent1"/>
+          </a:lnRef>
+          <a:fillRef idx="0">
+            <a:schemeClr val="accent1"/>
+          </a:fillRef>
+          <a:effectRef idx="0">
+            <a:schemeClr val="accent1"/>
+          </a:effectRef>
+          <a:fontRef idx="minor">
+            <a:schemeClr val="tx1"/>
+          </a:fontRef>
+        </p:style>
+      </p:cxnSp>
+      <p:pic>
+        <p:nvPicPr>
+          <p:cNvPr id="40" name="Grafik 39" descr="Event.png"/>
+          <p:cNvPicPr>
+            <a:picLocks noChangeAspect="1"/>
+          </p:cNvPicPr>
+          <p:nvPr/>
+        </p:nvPicPr>
+        <p:blipFill>
+          <a:blip r:embed="rId6" cstate="print"/>
+          <a:stretch>
+            <a:fillRect/>
+          </a:stretch>
+        </p:blipFill>
+        <p:spPr>
+          <a:xfrm>
+            <a:off x="1475656" y="1628800"/>
+            <a:ext cx="1486108" cy="3267531"/>
+          </a:xfrm>
+          <a:prstGeom prst="rect">
+            <a:avLst/>
+          </a:prstGeom>
+        </p:spPr>
+      </p:pic>
+      <p:pic>
+        <p:nvPicPr>
+          <p:cNvPr id="41" name="Grafik 40" descr="Benutzer.png"/>
+          <p:cNvPicPr>
+            <a:picLocks noChangeAspect="1"/>
+          </p:cNvPicPr>
+          <p:nvPr/>
+        </p:nvPicPr>
+        <p:blipFill>
+          <a:blip r:embed="rId7" cstate="print"/>
+          <a:stretch>
+            <a:fillRect/>
+          </a:stretch>
+        </p:blipFill>
+        <p:spPr>
+          <a:xfrm>
+            <a:off x="6732240" y="1700808"/>
+            <a:ext cx="1686160" cy="3419953"/>
+          </a:xfrm>
+          <a:prstGeom prst="rect">
+            <a:avLst/>
+          </a:prstGeom>
+        </p:spPr>
+      </p:pic>
     </p:spTree>
     <p:extLst>
       <p:ext uri="{BB962C8B-B14F-4D97-AF65-F5344CB8AC3E}">
-        <p14:creationId xmlns:p14="http://schemas.microsoft.com/office/powerpoint/2010/main" val="3309636493"/>
+        <p14:creationId xmlns="" xmlns:p14="http://schemas.microsoft.com/office/powerpoint/2010/main" val="3243626544"/>
+      </p:ext>
+    </p:extLst>
+  </p:cSld>
+  <p:clrMapOvr>
+    <a:masterClrMapping/>
+  </p:clrMapOvr>
+  <p:timing>
+    <p:tnLst>
+      <p:par>
+        <p:cTn id="1" dur="indefinite" restart="never" nodeType="tmRoot"/>
+      </p:par>
+    </p:tnLst>
+  </p:timing>
+</p:sld>
+</file>
+
+<file path=ppt/slides/slide22.xml><?xml version="1.0" encoding="utf-8"?>
+<p:sld xmlns:a="http://schemas.openxmlformats.org/drawingml/2006/main" xmlns:r="http://schemas.openxmlformats.org/officeDocument/2006/relationships" xmlns:p="http://schemas.openxmlformats.org/presentationml/2006/main">
+  <p:cSld>
+    <p:spTree>
+      <p:nvGrpSpPr>
+        <p:cNvPr id="1" name=""/>
+        <p:cNvGrpSpPr/>
+        <p:nvPr/>
+      </p:nvGrpSpPr>
+      <p:grpSpPr>
+        <a:xfrm>
+          <a:off x="0" y="0"/>
+          <a:ext cx="0" cy="0"/>
+          <a:chOff x="0" y="0"/>
+          <a:chExt cx="0" cy="0"/>
+        </a:xfrm>
+      </p:grpSpPr>
+      <p:pic>
+        <p:nvPicPr>
+          <p:cNvPr id="40" name="Inhaltsplatzhalter 18" descr="Ubersicht.png"/>
+          <p:cNvPicPr>
+            <a:picLocks noChangeAspect="1"/>
+          </p:cNvPicPr>
+          <p:nvPr/>
+        </p:nvPicPr>
+        <p:blipFill>
+          <a:blip r:embed="rId3" cstate="print"/>
+          <a:stretch>
+            <a:fillRect/>
+          </a:stretch>
+        </p:blipFill>
+        <p:spPr>
+          <a:xfrm>
+            <a:off x="1043608" y="5229200"/>
+            <a:ext cx="2232248" cy="1556792"/>
+          </a:xfrm>
+          <a:prstGeom prst="rect">
+            <a:avLst/>
+          </a:prstGeom>
+        </p:spPr>
+      </p:pic>
+      <p:sp>
+        <p:nvSpPr>
+          <p:cNvPr id="2" name="Titel 1"/>
+          <p:cNvSpPr>
+            <a:spLocks noGrp="1"/>
+          </p:cNvSpPr>
+          <p:nvPr>
+            <p:ph type="title"/>
+          </p:nvPr>
+        </p:nvSpPr>
+        <p:spPr/>
+        <p:txBody>
+          <a:bodyPr>
+            <a:normAutofit fontScale="90000"/>
+          </a:bodyPr>
+          <a:lstStyle/>
+          <a:p>
+            <a:r>
+              <a:rPr lang="de-DE" dirty="0" smtClean="0"/>
+              <a:t>Detailkonzept</a:t>
+            </a:r>
+            <a:br>
+              <a:rPr lang="de-DE" dirty="0" smtClean="0"/>
+            </a:br>
+            <a:r>
+              <a:rPr lang="de-DE" dirty="0" smtClean="0"/>
+              <a:t>Datenbankschema - Event</a:t>
+            </a:r>
+            <a:endParaRPr lang="de-DE" dirty="0"/>
+          </a:p>
+        </p:txBody>
+      </p:sp>
+      <p:sp>
+        <p:nvSpPr>
+          <p:cNvPr id="4" name="Datumsplatzhalter 3"/>
+          <p:cNvSpPr>
+            <a:spLocks noGrp="1"/>
+          </p:cNvSpPr>
+          <p:nvPr>
+            <p:ph type="dt" sz="half" idx="10"/>
+          </p:nvPr>
+        </p:nvSpPr>
+        <p:spPr/>
+        <p:txBody>
+          <a:bodyPr/>
+          <a:lstStyle/>
+          <a:p>
+            <a:r>
+              <a:rPr lang="de-DE" smtClean="0"/>
+              <a:t>21.04.2012</a:t>
+            </a:r>
+            <a:endParaRPr lang="en-US"/>
+          </a:p>
+        </p:txBody>
+      </p:sp>
+      <p:sp>
+        <p:nvSpPr>
+          <p:cNvPr id="5" name="Fußzeilenplatzhalter 4"/>
+          <p:cNvSpPr>
+            <a:spLocks noGrp="1"/>
+          </p:cNvSpPr>
+          <p:nvPr>
+            <p:ph type="ftr" sz="quarter" idx="11"/>
+          </p:nvPr>
+        </p:nvSpPr>
+        <p:spPr/>
+        <p:txBody>
+          <a:bodyPr/>
+          <a:lstStyle/>
+          <a:p>
+            <a:r>
+              <a:rPr lang="de-DE" smtClean="0"/>
+              <a:t>FST Projekt "Eventalizer" (SS 2012) Team 5</a:t>
+            </a:r>
+            <a:endParaRPr lang="de-DE" dirty="0"/>
+          </a:p>
+        </p:txBody>
+      </p:sp>
+      <p:sp>
+        <p:nvSpPr>
+          <p:cNvPr id="6" name="Foliennummernplatzhalter 5"/>
+          <p:cNvSpPr>
+            <a:spLocks noGrp="1"/>
+          </p:cNvSpPr>
+          <p:nvPr>
+            <p:ph type="sldNum" sz="quarter" idx="12"/>
+          </p:nvPr>
+        </p:nvSpPr>
+        <p:spPr/>
+        <p:txBody>
+          <a:bodyPr/>
+          <a:lstStyle/>
+          <a:p>
+            <a:fld id="{990B41CA-569D-40E7-8E58-026C0338B2C8}" type="slidenum">
+              <a:rPr lang="en-US" smtClean="0"/>
+              <a:pPr/>
+              <a:t>22</a:t>
+            </a:fld>
+            <a:endParaRPr lang="en-US"/>
+          </a:p>
+        </p:txBody>
+      </p:sp>
+      <p:sp>
+        <p:nvSpPr>
+          <p:cNvPr id="9" name="Rechteck 8"/>
+          <p:cNvSpPr/>
+          <p:nvPr/>
+        </p:nvSpPr>
+        <p:spPr>
+          <a:xfrm>
+            <a:off x="1224000" y="6012000"/>
+            <a:ext cx="360040" cy="216000"/>
+          </a:xfrm>
+          <a:prstGeom prst="rect">
+            <a:avLst/>
+          </a:prstGeom>
+          <a:noFill/>
+        </p:spPr>
+        <p:style>
+          <a:lnRef idx="2">
+            <a:schemeClr val="accent1">
+              <a:shade val="50000"/>
+            </a:schemeClr>
+          </a:lnRef>
+          <a:fillRef idx="1">
+            <a:schemeClr val="accent1"/>
+          </a:fillRef>
+          <a:effectRef idx="0">
+            <a:schemeClr val="accent1"/>
+          </a:effectRef>
+          <a:fontRef idx="minor">
+            <a:schemeClr val="lt1"/>
+          </a:fontRef>
+        </p:style>
+        <p:txBody>
+          <a:bodyPr rtlCol="0" anchor="ctr"/>
+          <a:lstStyle/>
+          <a:p>
+            <a:pPr algn="ctr"/>
+            <a:endParaRPr lang="de-DE"/>
+          </a:p>
+        </p:txBody>
+      </p:sp>
+      <p:cxnSp>
+        <p:nvCxnSpPr>
+          <p:cNvPr id="31" name="Gerade Verbindung mit Pfeil 30"/>
+          <p:cNvCxnSpPr/>
+          <p:nvPr/>
+        </p:nvCxnSpPr>
+        <p:spPr>
+          <a:xfrm>
+            <a:off x="2987824" y="4725144"/>
+            <a:ext cx="1008112" cy="0"/>
+          </a:xfrm>
+          <a:prstGeom prst="straightConnector1">
+            <a:avLst/>
+          </a:prstGeom>
+          <a:ln w="19050">
+            <a:solidFill>
+              <a:schemeClr val="tx1"/>
+            </a:solidFill>
+            <a:tailEnd type="arrow"/>
+          </a:ln>
+        </p:spPr>
+        <p:style>
+          <a:lnRef idx="1">
+            <a:schemeClr val="accent1"/>
+          </a:lnRef>
+          <a:fillRef idx="0">
+            <a:schemeClr val="accent1"/>
+          </a:fillRef>
+          <a:effectRef idx="0">
+            <a:schemeClr val="accent1"/>
+          </a:effectRef>
+          <a:fontRef idx="minor">
+            <a:schemeClr val="tx1"/>
+          </a:fontRef>
+        </p:style>
+      </p:cxnSp>
+      <p:cxnSp>
+        <p:nvCxnSpPr>
+          <p:cNvPr id="35" name="Gerade Verbindung mit Pfeil 34"/>
+          <p:cNvCxnSpPr/>
+          <p:nvPr/>
+        </p:nvCxnSpPr>
+        <p:spPr>
+          <a:xfrm>
+            <a:off x="5580112" y="4725144"/>
+            <a:ext cx="792088" cy="0"/>
+          </a:xfrm>
+          <a:prstGeom prst="straightConnector1">
+            <a:avLst/>
+          </a:prstGeom>
+          <a:ln w="19050">
+            <a:solidFill>
+              <a:schemeClr val="tx1"/>
+            </a:solidFill>
+            <a:tailEnd type="arrow"/>
+          </a:ln>
+        </p:spPr>
+        <p:style>
+          <a:lnRef idx="1">
+            <a:schemeClr val="accent1"/>
+          </a:lnRef>
+          <a:fillRef idx="0">
+            <a:schemeClr val="accent1"/>
+          </a:fillRef>
+          <a:effectRef idx="0">
+            <a:schemeClr val="accent1"/>
+          </a:effectRef>
+          <a:fontRef idx="minor">
+            <a:schemeClr val="tx1"/>
+          </a:fontRef>
+        </p:style>
+      </p:cxnSp>
+      <p:pic>
+        <p:nvPicPr>
+          <p:cNvPr id="23" name="Grafik 22" descr="KategorieReal.png"/>
+          <p:cNvPicPr>
+            <a:picLocks noChangeAspect="1"/>
+          </p:cNvPicPr>
+          <p:nvPr/>
+        </p:nvPicPr>
+        <p:blipFill>
+          <a:blip r:embed="rId4" cstate="print"/>
+          <a:stretch>
+            <a:fillRect/>
+          </a:stretch>
+        </p:blipFill>
+        <p:spPr>
+          <a:xfrm>
+            <a:off x="6444208" y="4437112"/>
+            <a:ext cx="1114581" cy="828791"/>
+          </a:xfrm>
+          <a:prstGeom prst="rect">
+            <a:avLst/>
+          </a:prstGeom>
+        </p:spPr>
+      </p:pic>
+      <p:sp>
+        <p:nvSpPr>
+          <p:cNvPr id="36" name="Rechteck 35"/>
+          <p:cNvSpPr/>
+          <p:nvPr/>
+        </p:nvSpPr>
+        <p:spPr>
+          <a:xfrm>
+            <a:off x="1656000" y="6021288"/>
+            <a:ext cx="324000" cy="179992"/>
+          </a:xfrm>
+          <a:prstGeom prst="rect">
+            <a:avLst/>
+          </a:prstGeom>
+          <a:noFill/>
+        </p:spPr>
+        <p:style>
+          <a:lnRef idx="2">
+            <a:schemeClr val="accent1">
+              <a:shade val="50000"/>
+            </a:schemeClr>
+          </a:lnRef>
+          <a:fillRef idx="1">
+            <a:schemeClr val="accent1"/>
+          </a:fillRef>
+          <a:effectRef idx="0">
+            <a:schemeClr val="accent1"/>
+          </a:effectRef>
+          <a:fontRef idx="minor">
+            <a:schemeClr val="lt1"/>
+          </a:fontRef>
+        </p:style>
+        <p:txBody>
+          <a:bodyPr rtlCol="0" anchor="ctr"/>
+          <a:lstStyle/>
+          <a:p>
+            <a:pPr algn="ctr"/>
+            <a:endParaRPr lang="de-DE"/>
+          </a:p>
+        </p:txBody>
+      </p:sp>
+      <p:pic>
+        <p:nvPicPr>
+          <p:cNvPr id="38" name="Grafik 37" descr="Event.png"/>
+          <p:cNvPicPr>
+            <a:picLocks noChangeAspect="1"/>
+          </p:cNvPicPr>
+          <p:nvPr/>
+        </p:nvPicPr>
+        <p:blipFill>
+          <a:blip r:embed="rId5" cstate="print"/>
+          <a:stretch>
+            <a:fillRect/>
+          </a:stretch>
+        </p:blipFill>
+        <p:spPr>
+          <a:xfrm>
+            <a:off x="1475656" y="1628800"/>
+            <a:ext cx="1486108" cy="3267531"/>
+          </a:xfrm>
+          <a:prstGeom prst="rect">
+            <a:avLst/>
+          </a:prstGeom>
+        </p:spPr>
+      </p:pic>
+      <p:pic>
+        <p:nvPicPr>
+          <p:cNvPr id="41" name="Grafik 40" descr="Unterkategorie.png"/>
+          <p:cNvPicPr>
+            <a:picLocks noChangeAspect="1"/>
+          </p:cNvPicPr>
+          <p:nvPr/>
+        </p:nvPicPr>
+        <p:blipFill>
+          <a:blip r:embed="rId6" cstate="print"/>
+          <a:stretch>
+            <a:fillRect/>
+          </a:stretch>
+        </p:blipFill>
+        <p:spPr>
+          <a:xfrm>
+            <a:off x="4067944" y="4293096"/>
+            <a:ext cx="1467055" cy="981212"/>
+          </a:xfrm>
+          <a:prstGeom prst="rect">
+            <a:avLst/>
+          </a:prstGeom>
+        </p:spPr>
+      </p:pic>
+      <p:sp>
+        <p:nvSpPr>
+          <p:cNvPr id="42" name="Rechteck 41"/>
+          <p:cNvSpPr/>
+          <p:nvPr/>
+        </p:nvSpPr>
+        <p:spPr>
+          <a:xfrm>
+            <a:off x="1043608" y="5229200"/>
+            <a:ext cx="360040" cy="720080"/>
+          </a:xfrm>
+          <a:prstGeom prst="rect">
+            <a:avLst/>
+          </a:prstGeom>
+          <a:noFill/>
+        </p:spPr>
+        <p:style>
+          <a:lnRef idx="2">
+            <a:schemeClr val="accent1">
+              <a:shade val="50000"/>
+            </a:schemeClr>
+          </a:lnRef>
+          <a:fillRef idx="1">
+            <a:schemeClr val="accent1"/>
+          </a:fillRef>
+          <a:effectRef idx="0">
+            <a:schemeClr val="accent1"/>
+          </a:effectRef>
+          <a:fontRef idx="minor">
+            <a:schemeClr val="lt1"/>
+          </a:fontRef>
+        </p:style>
+        <p:txBody>
+          <a:bodyPr rtlCol="0" anchor="ctr"/>
+          <a:lstStyle/>
+          <a:p>
+            <a:pPr algn="ctr"/>
+            <a:endParaRPr lang="de-DE"/>
+          </a:p>
+        </p:txBody>
+      </p:sp>
+      <p:cxnSp>
+        <p:nvCxnSpPr>
+          <p:cNvPr id="51" name="Gewinkelte Verbindung 26"/>
+          <p:cNvCxnSpPr>
+            <a:stCxn id="23" idx="0"/>
+          </p:cNvCxnSpPr>
+          <p:nvPr/>
+        </p:nvCxnSpPr>
+        <p:spPr>
+          <a:xfrm rot="16200000" flipV="1">
+            <a:off x="4202573" y="1638185"/>
+            <a:ext cx="1584176" cy="4013677"/>
+          </a:xfrm>
+          <a:prstGeom prst="bentConnector2">
+            <a:avLst/>
+          </a:prstGeom>
+          <a:ln w="19050">
+            <a:solidFill>
+              <a:schemeClr val="tx1"/>
+            </a:solidFill>
+            <a:tailEnd type="arrow"/>
+          </a:ln>
+        </p:spPr>
+        <p:style>
+          <a:lnRef idx="1">
+            <a:schemeClr val="accent1"/>
+          </a:lnRef>
+          <a:fillRef idx="0">
+            <a:schemeClr val="accent1"/>
+          </a:fillRef>
+          <a:effectRef idx="0">
+            <a:schemeClr val="accent1"/>
+          </a:effectRef>
+          <a:fontRef idx="minor">
+            <a:schemeClr val="tx1"/>
+          </a:fontRef>
+        </p:style>
+      </p:cxnSp>
+    </p:spTree>
+    <p:extLst>
+      <p:ext uri="{BB962C8B-B14F-4D97-AF65-F5344CB8AC3E}">
+        <p14:creationId xmlns="" xmlns:p14="http://schemas.microsoft.com/office/powerpoint/2010/main" val="3243626544"/>
       </p:ext>
     </p:extLst>
   </p:cSld>
@@ -12907,7 +14553,1759 @@
 </p:sld>
 </file>
 
-<file path=ppt/slides/slide22.xml><?xml version="1.0" encoding="utf-8"?>
+<file path=ppt/slides/slide23.xml><?xml version="1.0" encoding="utf-8"?>
+<p:sld xmlns:a="http://schemas.openxmlformats.org/drawingml/2006/main" xmlns:r="http://schemas.openxmlformats.org/officeDocument/2006/relationships" xmlns:p="http://schemas.openxmlformats.org/presentationml/2006/main">
+  <p:cSld>
+    <p:spTree>
+      <p:nvGrpSpPr>
+        <p:cNvPr id="1" name=""/>
+        <p:cNvGrpSpPr/>
+        <p:nvPr/>
+      </p:nvGrpSpPr>
+      <p:grpSpPr>
+        <a:xfrm>
+          <a:off x="0" y="0"/>
+          <a:ext cx="0" cy="0"/>
+          <a:chOff x="0" y="0"/>
+          <a:chExt cx="0" cy="0"/>
+        </a:xfrm>
+      </p:grpSpPr>
+      <p:pic>
+        <p:nvPicPr>
+          <p:cNvPr id="45" name="Inhaltsplatzhalter 18" descr="Ubersicht.png"/>
+          <p:cNvPicPr>
+            <a:picLocks noChangeAspect="1"/>
+          </p:cNvPicPr>
+          <p:nvPr/>
+        </p:nvPicPr>
+        <p:blipFill>
+          <a:blip r:embed="rId3" cstate="print"/>
+          <a:stretch>
+            <a:fillRect/>
+          </a:stretch>
+        </p:blipFill>
+        <p:spPr>
+          <a:xfrm>
+            <a:off x="1043608" y="5229200"/>
+            <a:ext cx="2232248" cy="1556792"/>
+          </a:xfrm>
+          <a:prstGeom prst="rect">
+            <a:avLst/>
+          </a:prstGeom>
+        </p:spPr>
+      </p:pic>
+      <p:pic>
+        <p:nvPicPr>
+          <p:cNvPr id="24" name="Grafik 23" descr="Pfeil.png"/>
+          <p:cNvPicPr>
+            <a:picLocks noChangeAspect="1"/>
+          </p:cNvPicPr>
+          <p:nvPr/>
+        </p:nvPicPr>
+        <p:blipFill>
+          <a:blip r:embed="rId4" cstate="print"/>
+          <a:stretch>
+            <a:fillRect/>
+          </a:stretch>
+        </p:blipFill>
+        <p:spPr>
+          <a:xfrm rot="5400000">
+            <a:off x="7007103" y="3082129"/>
+            <a:ext cx="514422" cy="200053"/>
+          </a:xfrm>
+          <a:prstGeom prst="rect">
+            <a:avLst/>
+          </a:prstGeom>
+        </p:spPr>
+      </p:pic>
+      <p:pic>
+        <p:nvPicPr>
+          <p:cNvPr id="22" name="Grafik 21" descr="Pfeil.png"/>
+          <p:cNvPicPr>
+            <a:picLocks noChangeAspect="1"/>
+          </p:cNvPicPr>
+          <p:nvPr/>
+        </p:nvPicPr>
+        <p:blipFill>
+          <a:blip r:embed="rId4" cstate="print"/>
+          <a:stretch>
+            <a:fillRect/>
+          </a:stretch>
+        </p:blipFill>
+        <p:spPr>
+          <a:xfrm rot="5400000">
+            <a:off x="7007104" y="2578073"/>
+            <a:ext cx="514422" cy="200053"/>
+          </a:xfrm>
+          <a:prstGeom prst="rect">
+            <a:avLst/>
+          </a:prstGeom>
+        </p:spPr>
+      </p:pic>
+      <p:pic>
+        <p:nvPicPr>
+          <p:cNvPr id="77" name="Grafik 76" descr="Pfeil.png"/>
+          <p:cNvPicPr>
+            <a:picLocks noChangeAspect="1"/>
+          </p:cNvPicPr>
+          <p:nvPr/>
+        </p:nvPicPr>
+        <p:blipFill>
+          <a:blip r:embed="rId4" cstate="print"/>
+          <a:stretch>
+            <a:fillRect/>
+          </a:stretch>
+        </p:blipFill>
+        <p:spPr>
+          <a:xfrm rot="5400000">
+            <a:off x="6519018" y="4783150"/>
+            <a:ext cx="514422" cy="200053"/>
+          </a:xfrm>
+          <a:prstGeom prst="rect">
+            <a:avLst/>
+          </a:prstGeom>
+        </p:spPr>
+      </p:pic>
+      <p:pic>
+        <p:nvPicPr>
+          <p:cNvPr id="76" name="Grafik 75" descr="Pfeil.png"/>
+          <p:cNvPicPr>
+            <a:picLocks noChangeAspect="1"/>
+          </p:cNvPicPr>
+          <p:nvPr/>
+        </p:nvPicPr>
+        <p:blipFill>
+          <a:blip r:embed="rId4" cstate="print"/>
+          <a:stretch>
+            <a:fillRect/>
+          </a:stretch>
+        </p:blipFill>
+        <p:spPr>
+          <a:xfrm rot="5400000">
+            <a:off x="6503047" y="3775038"/>
+            <a:ext cx="514422" cy="200053"/>
+          </a:xfrm>
+          <a:prstGeom prst="rect">
+            <a:avLst/>
+          </a:prstGeom>
+        </p:spPr>
+      </p:pic>
+      <p:sp>
+        <p:nvSpPr>
+          <p:cNvPr id="2" name="Titel 1"/>
+          <p:cNvSpPr>
+            <a:spLocks noGrp="1"/>
+          </p:cNvSpPr>
+          <p:nvPr>
+            <p:ph type="title"/>
+          </p:nvPr>
+        </p:nvSpPr>
+        <p:spPr/>
+        <p:txBody>
+          <a:bodyPr>
+            <a:normAutofit fontScale="90000"/>
+          </a:bodyPr>
+          <a:lstStyle/>
+          <a:p>
+            <a:r>
+              <a:rPr lang="de-DE" dirty="0" smtClean="0"/>
+              <a:t>Detailkonzept</a:t>
+            </a:r>
+            <a:br>
+              <a:rPr lang="de-DE" dirty="0" smtClean="0"/>
+            </a:br>
+            <a:r>
+              <a:rPr lang="de-DE" dirty="0" smtClean="0"/>
+              <a:t>Datenbankschema - Event</a:t>
+            </a:r>
+            <a:endParaRPr lang="de-DE" dirty="0"/>
+          </a:p>
+        </p:txBody>
+      </p:sp>
+      <p:sp>
+        <p:nvSpPr>
+          <p:cNvPr id="4" name="Datumsplatzhalter 3"/>
+          <p:cNvSpPr>
+            <a:spLocks noGrp="1"/>
+          </p:cNvSpPr>
+          <p:nvPr>
+            <p:ph type="dt" sz="half" idx="10"/>
+          </p:nvPr>
+        </p:nvSpPr>
+        <p:spPr/>
+        <p:txBody>
+          <a:bodyPr/>
+          <a:lstStyle/>
+          <a:p>
+            <a:r>
+              <a:rPr lang="de-DE" smtClean="0"/>
+              <a:t>21.04.2012</a:t>
+            </a:r>
+            <a:endParaRPr lang="en-US"/>
+          </a:p>
+        </p:txBody>
+      </p:sp>
+      <p:sp>
+        <p:nvSpPr>
+          <p:cNvPr id="5" name="Fußzeilenplatzhalter 4"/>
+          <p:cNvSpPr>
+            <a:spLocks noGrp="1"/>
+          </p:cNvSpPr>
+          <p:nvPr>
+            <p:ph type="ftr" sz="quarter" idx="11"/>
+          </p:nvPr>
+        </p:nvSpPr>
+        <p:spPr/>
+        <p:txBody>
+          <a:bodyPr/>
+          <a:lstStyle/>
+          <a:p>
+            <a:r>
+              <a:rPr lang="de-DE" smtClean="0"/>
+              <a:t>FST Projekt "Eventalizer" (SS 2012) Team 5</a:t>
+            </a:r>
+            <a:endParaRPr lang="de-DE" dirty="0"/>
+          </a:p>
+        </p:txBody>
+      </p:sp>
+      <p:sp>
+        <p:nvSpPr>
+          <p:cNvPr id="6" name="Foliennummernplatzhalter 5"/>
+          <p:cNvSpPr>
+            <a:spLocks noGrp="1"/>
+          </p:cNvSpPr>
+          <p:nvPr>
+            <p:ph type="sldNum" sz="quarter" idx="12"/>
+          </p:nvPr>
+        </p:nvSpPr>
+        <p:spPr/>
+        <p:txBody>
+          <a:bodyPr/>
+          <a:lstStyle/>
+          <a:p>
+            <a:fld id="{990B41CA-569D-40E7-8E58-026C0338B2C8}" type="slidenum">
+              <a:rPr lang="en-US" smtClean="0"/>
+              <a:pPr/>
+              <a:t>23</a:t>
+            </a:fld>
+            <a:endParaRPr lang="en-US"/>
+          </a:p>
+        </p:txBody>
+      </p:sp>
+      <p:sp>
+        <p:nvSpPr>
+          <p:cNvPr id="9" name="Rechteck 8"/>
+          <p:cNvSpPr/>
+          <p:nvPr/>
+        </p:nvSpPr>
+        <p:spPr>
+          <a:xfrm>
+            <a:off x="2051720" y="5733256"/>
+            <a:ext cx="360040" cy="720080"/>
+          </a:xfrm>
+          <a:prstGeom prst="rect">
+            <a:avLst/>
+          </a:prstGeom>
+          <a:noFill/>
+        </p:spPr>
+        <p:style>
+          <a:lnRef idx="2">
+            <a:schemeClr val="accent1">
+              <a:shade val="50000"/>
+            </a:schemeClr>
+          </a:lnRef>
+          <a:fillRef idx="1">
+            <a:schemeClr val="accent1"/>
+          </a:fillRef>
+          <a:effectRef idx="0">
+            <a:schemeClr val="accent1"/>
+          </a:effectRef>
+          <a:fontRef idx="minor">
+            <a:schemeClr val="lt1"/>
+          </a:fontRef>
+        </p:style>
+        <p:txBody>
+          <a:bodyPr rtlCol="0" anchor="ctr"/>
+          <a:lstStyle/>
+          <a:p>
+            <a:pPr algn="ctr"/>
+            <a:endParaRPr lang="de-DE"/>
+          </a:p>
+        </p:txBody>
+      </p:sp>
+      <p:sp>
+        <p:nvSpPr>
+          <p:cNvPr id="8" name="Rechteck 7"/>
+          <p:cNvSpPr/>
+          <p:nvPr/>
+        </p:nvSpPr>
+        <p:spPr>
+          <a:xfrm>
+            <a:off x="1043608" y="5229200"/>
+            <a:ext cx="360040" cy="720080"/>
+          </a:xfrm>
+          <a:prstGeom prst="rect">
+            <a:avLst/>
+          </a:prstGeom>
+          <a:noFill/>
+        </p:spPr>
+        <p:style>
+          <a:lnRef idx="2">
+            <a:schemeClr val="accent1">
+              <a:shade val="50000"/>
+            </a:schemeClr>
+          </a:lnRef>
+          <a:fillRef idx="1">
+            <a:schemeClr val="accent1"/>
+          </a:fillRef>
+          <a:effectRef idx="0">
+            <a:schemeClr val="accent1"/>
+          </a:effectRef>
+          <a:fontRef idx="minor">
+            <a:schemeClr val="lt1"/>
+          </a:fontRef>
+        </p:style>
+        <p:txBody>
+          <a:bodyPr rtlCol="0" anchor="ctr"/>
+          <a:lstStyle/>
+          <a:p>
+            <a:pPr algn="ctr"/>
+            <a:endParaRPr lang="de-DE"/>
+          </a:p>
+        </p:txBody>
+      </p:sp>
+      <p:sp>
+        <p:nvSpPr>
+          <p:cNvPr id="11" name="Rechteck 10"/>
+          <p:cNvSpPr/>
+          <p:nvPr/>
+        </p:nvSpPr>
+        <p:spPr>
+          <a:xfrm>
+            <a:off x="1619672" y="5517232"/>
+            <a:ext cx="288032" cy="288032"/>
+          </a:xfrm>
+          <a:prstGeom prst="rect">
+            <a:avLst/>
+          </a:prstGeom>
+          <a:noFill/>
+        </p:spPr>
+        <p:style>
+          <a:lnRef idx="2">
+            <a:schemeClr val="accent1">
+              <a:shade val="50000"/>
+            </a:schemeClr>
+          </a:lnRef>
+          <a:fillRef idx="1">
+            <a:schemeClr val="accent1"/>
+          </a:fillRef>
+          <a:effectRef idx="0">
+            <a:schemeClr val="accent1"/>
+          </a:effectRef>
+          <a:fontRef idx="minor">
+            <a:schemeClr val="lt1"/>
+          </a:fontRef>
+        </p:style>
+        <p:txBody>
+          <a:bodyPr rtlCol="0" anchor="ctr"/>
+          <a:lstStyle/>
+          <a:p>
+            <a:pPr algn="ctr"/>
+            <a:endParaRPr lang="de-DE"/>
+          </a:p>
+        </p:txBody>
+      </p:sp>
+      <p:cxnSp>
+        <p:nvCxnSpPr>
+          <p:cNvPr id="23" name="Gerade Verbindung mit Pfeil 22"/>
+          <p:cNvCxnSpPr/>
+          <p:nvPr/>
+        </p:nvCxnSpPr>
+        <p:spPr>
+          <a:xfrm flipH="1">
+            <a:off x="7164288" y="4005064"/>
+            <a:ext cx="648072" cy="0"/>
+          </a:xfrm>
+          <a:prstGeom prst="straightConnector1">
+            <a:avLst/>
+          </a:prstGeom>
+          <a:ln w="19050">
+            <a:solidFill>
+              <a:schemeClr val="tx1"/>
+            </a:solidFill>
+            <a:tailEnd type="arrow"/>
+          </a:ln>
+        </p:spPr>
+        <p:style>
+          <a:lnRef idx="1">
+            <a:schemeClr val="accent1"/>
+          </a:lnRef>
+          <a:fillRef idx="0">
+            <a:schemeClr val="accent1"/>
+          </a:fillRef>
+          <a:effectRef idx="0">
+            <a:schemeClr val="accent1"/>
+          </a:effectRef>
+          <a:fontRef idx="minor">
+            <a:schemeClr val="tx1"/>
+          </a:fontRef>
+        </p:style>
+      </p:cxnSp>
+      <p:pic>
+        <p:nvPicPr>
+          <p:cNvPr id="19" name="Grafik 18" descr="Kommentar.png"/>
+          <p:cNvPicPr>
+            <a:picLocks noChangeAspect="1"/>
+          </p:cNvPicPr>
+          <p:nvPr/>
+        </p:nvPicPr>
+        <p:blipFill>
+          <a:blip r:embed="rId5" cstate="print"/>
+          <a:stretch>
+            <a:fillRect/>
+          </a:stretch>
+        </p:blipFill>
+        <p:spPr>
+          <a:xfrm>
+            <a:off x="3635896" y="1988840"/>
+            <a:ext cx="1257476" cy="1133633"/>
+          </a:xfrm>
+          <a:prstGeom prst="rect">
+            <a:avLst/>
+          </a:prstGeom>
+        </p:spPr>
+      </p:pic>
+      <p:pic>
+        <p:nvPicPr>
+          <p:cNvPr id="20" name="Grafik 19" descr="Liste Fre.png"/>
+          <p:cNvPicPr>
+            <a:picLocks noChangeAspect="1"/>
+          </p:cNvPicPr>
+          <p:nvPr/>
+        </p:nvPicPr>
+        <p:blipFill>
+          <a:blip r:embed="rId6" cstate="print"/>
+          <a:stretch>
+            <a:fillRect/>
+          </a:stretch>
+        </p:blipFill>
+        <p:spPr>
+          <a:xfrm>
+            <a:off x="7868960" y="3284984"/>
+            <a:ext cx="1095528" cy="1133633"/>
+          </a:xfrm>
+          <a:prstGeom prst="rect">
+            <a:avLst/>
+          </a:prstGeom>
+        </p:spPr>
+      </p:pic>
+      <p:pic>
+        <p:nvPicPr>
+          <p:cNvPr id="21" name="Grafik 20" descr="Liste Block.png"/>
+          <p:cNvPicPr>
+            <a:picLocks noChangeAspect="1"/>
+          </p:cNvPicPr>
+          <p:nvPr/>
+        </p:nvPicPr>
+        <p:blipFill>
+          <a:blip r:embed="rId7" cstate="print"/>
+          <a:stretch>
+            <a:fillRect/>
+          </a:stretch>
+        </p:blipFill>
+        <p:spPr>
+          <a:xfrm>
+            <a:off x="7812360" y="4869160"/>
+            <a:ext cx="1162212" cy="1133633"/>
+          </a:xfrm>
+          <a:prstGeom prst="rect">
+            <a:avLst/>
+          </a:prstGeom>
+        </p:spPr>
+      </p:pic>
+      <p:cxnSp>
+        <p:nvCxnSpPr>
+          <p:cNvPr id="28" name="Gerade Verbindung mit Pfeil 27"/>
+          <p:cNvCxnSpPr/>
+          <p:nvPr/>
+        </p:nvCxnSpPr>
+        <p:spPr>
+          <a:xfrm flipH="1">
+            <a:off x="7164288" y="4149080"/>
+            <a:ext cx="648072" cy="0"/>
+          </a:xfrm>
+          <a:prstGeom prst="straightConnector1">
+            <a:avLst/>
+          </a:prstGeom>
+          <a:ln w="19050">
+            <a:solidFill>
+              <a:schemeClr val="tx1"/>
+            </a:solidFill>
+            <a:tailEnd type="arrow"/>
+          </a:ln>
+        </p:spPr>
+        <p:style>
+          <a:lnRef idx="1">
+            <a:schemeClr val="accent1"/>
+          </a:lnRef>
+          <a:fillRef idx="0">
+            <a:schemeClr val="accent1"/>
+          </a:fillRef>
+          <a:effectRef idx="0">
+            <a:schemeClr val="accent1"/>
+          </a:effectRef>
+          <a:fontRef idx="minor">
+            <a:schemeClr val="tx1"/>
+          </a:fontRef>
+        </p:style>
+      </p:cxnSp>
+      <p:cxnSp>
+        <p:nvCxnSpPr>
+          <p:cNvPr id="31" name="Gerade Verbindung mit Pfeil 30"/>
+          <p:cNvCxnSpPr/>
+          <p:nvPr/>
+        </p:nvCxnSpPr>
+        <p:spPr>
+          <a:xfrm flipH="1">
+            <a:off x="7164288" y="5229200"/>
+            <a:ext cx="576064" cy="0"/>
+          </a:xfrm>
+          <a:prstGeom prst="straightConnector1">
+            <a:avLst/>
+          </a:prstGeom>
+          <a:ln w="19050">
+            <a:solidFill>
+              <a:schemeClr val="tx1"/>
+            </a:solidFill>
+            <a:tailEnd type="arrow"/>
+          </a:ln>
+        </p:spPr>
+        <p:style>
+          <a:lnRef idx="1">
+            <a:schemeClr val="accent1"/>
+          </a:lnRef>
+          <a:fillRef idx="0">
+            <a:schemeClr val="accent1"/>
+          </a:fillRef>
+          <a:effectRef idx="0">
+            <a:schemeClr val="accent1"/>
+          </a:effectRef>
+          <a:fontRef idx="minor">
+            <a:schemeClr val="tx1"/>
+          </a:fontRef>
+        </p:style>
+      </p:cxnSp>
+      <p:cxnSp>
+        <p:nvCxnSpPr>
+          <p:cNvPr id="33" name="Gerade Verbindung mit Pfeil 32"/>
+          <p:cNvCxnSpPr/>
+          <p:nvPr/>
+        </p:nvCxnSpPr>
+        <p:spPr>
+          <a:xfrm flipH="1">
+            <a:off x="7164288" y="5373216"/>
+            <a:ext cx="576064" cy="0"/>
+          </a:xfrm>
+          <a:prstGeom prst="straightConnector1">
+            <a:avLst/>
+          </a:prstGeom>
+          <a:ln w="19050">
+            <a:solidFill>
+              <a:schemeClr val="tx1"/>
+            </a:solidFill>
+            <a:tailEnd type="arrow"/>
+          </a:ln>
+        </p:spPr>
+        <p:style>
+          <a:lnRef idx="1">
+            <a:schemeClr val="accent1"/>
+          </a:lnRef>
+          <a:fillRef idx="0">
+            <a:schemeClr val="accent1"/>
+          </a:fillRef>
+          <a:effectRef idx="0">
+            <a:schemeClr val="accent1"/>
+          </a:effectRef>
+          <a:fontRef idx="minor">
+            <a:schemeClr val="tx1"/>
+          </a:fontRef>
+        </p:style>
+      </p:cxnSp>
+      <p:cxnSp>
+        <p:nvCxnSpPr>
+          <p:cNvPr id="34" name="Gerade Verbindung mit Pfeil 33"/>
+          <p:cNvCxnSpPr/>
+          <p:nvPr/>
+        </p:nvCxnSpPr>
+        <p:spPr>
+          <a:xfrm>
+            <a:off x="2987824" y="3501008"/>
+            <a:ext cx="2448272" cy="0"/>
+          </a:xfrm>
+          <a:prstGeom prst="straightConnector1">
+            <a:avLst/>
+          </a:prstGeom>
+          <a:ln w="19050">
+            <a:solidFill>
+              <a:schemeClr val="tx1"/>
+            </a:solidFill>
+            <a:tailEnd type="arrow"/>
+          </a:ln>
+        </p:spPr>
+        <p:style>
+          <a:lnRef idx="1">
+            <a:schemeClr val="accent1"/>
+          </a:lnRef>
+          <a:fillRef idx="0">
+            <a:schemeClr val="accent1"/>
+          </a:fillRef>
+          <a:effectRef idx="0">
+            <a:schemeClr val="accent1"/>
+          </a:effectRef>
+          <a:fontRef idx="minor">
+            <a:schemeClr val="tx1"/>
+          </a:fontRef>
+        </p:style>
+      </p:cxnSp>
+      <p:cxnSp>
+        <p:nvCxnSpPr>
+          <p:cNvPr id="36" name="Gerade Verbindung mit Pfeil 35"/>
+          <p:cNvCxnSpPr/>
+          <p:nvPr/>
+        </p:nvCxnSpPr>
+        <p:spPr>
+          <a:xfrm flipH="1">
+            <a:off x="2987824" y="2852936"/>
+            <a:ext cx="576064" cy="0"/>
+          </a:xfrm>
+          <a:prstGeom prst="straightConnector1">
+            <a:avLst/>
+          </a:prstGeom>
+          <a:ln w="19050">
+            <a:solidFill>
+              <a:schemeClr val="tx1"/>
+            </a:solidFill>
+            <a:tailEnd type="arrow"/>
+          </a:ln>
+        </p:spPr>
+        <p:style>
+          <a:lnRef idx="1">
+            <a:schemeClr val="accent1"/>
+          </a:lnRef>
+          <a:fillRef idx="0">
+            <a:schemeClr val="accent1"/>
+          </a:fillRef>
+          <a:effectRef idx="0">
+            <a:schemeClr val="accent1"/>
+          </a:effectRef>
+          <a:fontRef idx="minor">
+            <a:schemeClr val="tx1"/>
+          </a:fontRef>
+        </p:style>
+      </p:cxnSp>
+      <p:cxnSp>
+        <p:nvCxnSpPr>
+          <p:cNvPr id="39" name="Gerade Verbindung mit Pfeil 38"/>
+          <p:cNvCxnSpPr/>
+          <p:nvPr/>
+        </p:nvCxnSpPr>
+        <p:spPr>
+          <a:xfrm>
+            <a:off x="4932040" y="2852936"/>
+            <a:ext cx="576064" cy="0"/>
+          </a:xfrm>
+          <a:prstGeom prst="straightConnector1">
+            <a:avLst/>
+          </a:prstGeom>
+          <a:ln w="19050">
+            <a:solidFill>
+              <a:schemeClr val="tx1"/>
+            </a:solidFill>
+            <a:tailEnd type="arrow"/>
+          </a:ln>
+        </p:spPr>
+        <p:style>
+          <a:lnRef idx="1">
+            <a:schemeClr val="accent1"/>
+          </a:lnRef>
+          <a:fillRef idx="0">
+            <a:schemeClr val="accent1"/>
+          </a:fillRef>
+          <a:effectRef idx="0">
+            <a:schemeClr val="accent1"/>
+          </a:effectRef>
+          <a:fontRef idx="minor">
+            <a:schemeClr val="tx1"/>
+          </a:fontRef>
+        </p:style>
+      </p:cxnSp>
+      <p:sp>
+        <p:nvSpPr>
+          <p:cNvPr id="42" name="Rechteck 41"/>
+          <p:cNvSpPr/>
+          <p:nvPr/>
+        </p:nvSpPr>
+        <p:spPr>
+          <a:xfrm>
+            <a:off x="2555776" y="6165304"/>
+            <a:ext cx="252000" cy="252000"/>
+          </a:xfrm>
+          <a:prstGeom prst="rect">
+            <a:avLst/>
+          </a:prstGeom>
+          <a:noFill/>
+        </p:spPr>
+        <p:style>
+          <a:lnRef idx="2">
+            <a:schemeClr val="accent1">
+              <a:shade val="50000"/>
+            </a:schemeClr>
+          </a:lnRef>
+          <a:fillRef idx="1">
+            <a:schemeClr val="accent1"/>
+          </a:fillRef>
+          <a:effectRef idx="0">
+            <a:schemeClr val="accent1"/>
+          </a:effectRef>
+          <a:fontRef idx="minor">
+            <a:schemeClr val="lt1"/>
+          </a:fontRef>
+        </p:style>
+        <p:txBody>
+          <a:bodyPr rtlCol="0" anchor="ctr"/>
+          <a:lstStyle/>
+          <a:p>
+            <a:pPr algn="ctr"/>
+            <a:endParaRPr lang="de-DE"/>
+          </a:p>
+        </p:txBody>
+      </p:sp>
+      <p:sp>
+        <p:nvSpPr>
+          <p:cNvPr id="43" name="Rechteck 42"/>
+          <p:cNvSpPr/>
+          <p:nvPr/>
+        </p:nvSpPr>
+        <p:spPr>
+          <a:xfrm>
+            <a:off x="2591808" y="6525344"/>
+            <a:ext cx="252000" cy="252000"/>
+          </a:xfrm>
+          <a:prstGeom prst="rect">
+            <a:avLst/>
+          </a:prstGeom>
+          <a:noFill/>
+        </p:spPr>
+        <p:style>
+          <a:lnRef idx="2">
+            <a:schemeClr val="accent1">
+              <a:shade val="50000"/>
+            </a:schemeClr>
+          </a:lnRef>
+          <a:fillRef idx="1">
+            <a:schemeClr val="accent1"/>
+          </a:fillRef>
+          <a:effectRef idx="0">
+            <a:schemeClr val="accent1"/>
+          </a:effectRef>
+          <a:fontRef idx="minor">
+            <a:schemeClr val="lt1"/>
+          </a:fontRef>
+        </p:style>
+        <p:txBody>
+          <a:bodyPr rtlCol="0" anchor="ctr"/>
+          <a:lstStyle/>
+          <a:p>
+            <a:pPr algn="ctr"/>
+            <a:endParaRPr lang="de-DE"/>
+          </a:p>
+        </p:txBody>
+      </p:sp>
+      <p:pic>
+        <p:nvPicPr>
+          <p:cNvPr id="46" name="Grafik 45" descr="Event.png"/>
+          <p:cNvPicPr>
+            <a:picLocks noChangeAspect="1"/>
+          </p:cNvPicPr>
+          <p:nvPr/>
+        </p:nvPicPr>
+        <p:blipFill>
+          <a:blip r:embed="rId8" cstate="print"/>
+          <a:stretch>
+            <a:fillRect/>
+          </a:stretch>
+        </p:blipFill>
+        <p:spPr>
+          <a:xfrm>
+            <a:off x="1475656" y="1628800"/>
+            <a:ext cx="1486108" cy="3267531"/>
+          </a:xfrm>
+          <a:prstGeom prst="rect">
+            <a:avLst/>
+          </a:prstGeom>
+        </p:spPr>
+      </p:pic>
+      <p:pic>
+        <p:nvPicPr>
+          <p:cNvPr id="47" name="Grafik 46" descr="Benutzer.png"/>
+          <p:cNvPicPr>
+            <a:picLocks noChangeAspect="1"/>
+          </p:cNvPicPr>
+          <p:nvPr/>
+        </p:nvPicPr>
+        <p:blipFill>
+          <a:blip r:embed="rId9" cstate="print"/>
+          <a:stretch>
+            <a:fillRect/>
+          </a:stretch>
+        </p:blipFill>
+        <p:spPr>
+          <a:xfrm>
+            <a:off x="5508104" y="2385311"/>
+            <a:ext cx="1686160" cy="3419953"/>
+          </a:xfrm>
+          <a:prstGeom prst="rect">
+            <a:avLst/>
+          </a:prstGeom>
+        </p:spPr>
+      </p:pic>
+    </p:spTree>
+    <p:extLst>
+      <p:ext uri="{BB962C8B-B14F-4D97-AF65-F5344CB8AC3E}">
+        <p14:creationId xmlns="" xmlns:p14="http://schemas.microsoft.com/office/powerpoint/2010/main" val="3243626544"/>
+      </p:ext>
+    </p:extLst>
+  </p:cSld>
+  <p:clrMapOvr>
+    <a:masterClrMapping/>
+  </p:clrMapOvr>
+  <p:timing>
+    <p:tnLst>
+      <p:par>
+        <p:cTn id="1" dur="indefinite" restart="never" nodeType="tmRoot"/>
+      </p:par>
+    </p:tnLst>
+  </p:timing>
+</p:sld>
+</file>
+
+<file path=ppt/slides/slide24.xml><?xml version="1.0" encoding="utf-8"?>
+<p:sld xmlns:a="http://schemas.openxmlformats.org/drawingml/2006/main" xmlns:r="http://schemas.openxmlformats.org/officeDocument/2006/relationships" xmlns:p="http://schemas.openxmlformats.org/presentationml/2006/main">
+  <p:cSld>
+    <p:spTree>
+      <p:nvGrpSpPr>
+        <p:cNvPr id="1" name=""/>
+        <p:cNvGrpSpPr/>
+        <p:nvPr/>
+      </p:nvGrpSpPr>
+      <p:grpSpPr>
+        <a:xfrm>
+          <a:off x="0" y="0"/>
+          <a:ext cx="0" cy="0"/>
+          <a:chOff x="0" y="0"/>
+          <a:chExt cx="0" cy="0"/>
+        </a:xfrm>
+      </p:grpSpPr>
+      <p:pic>
+        <p:nvPicPr>
+          <p:cNvPr id="44" name="Inhaltsplatzhalter 18" descr="Ubersicht.png"/>
+          <p:cNvPicPr>
+            <a:picLocks noChangeAspect="1"/>
+          </p:cNvPicPr>
+          <p:nvPr/>
+        </p:nvPicPr>
+        <p:blipFill>
+          <a:blip r:embed="rId3" cstate="print"/>
+          <a:stretch>
+            <a:fillRect/>
+          </a:stretch>
+        </p:blipFill>
+        <p:spPr>
+          <a:xfrm>
+            <a:off x="1043608" y="5229200"/>
+            <a:ext cx="2232248" cy="1556792"/>
+          </a:xfrm>
+          <a:prstGeom prst="rect">
+            <a:avLst/>
+          </a:prstGeom>
+        </p:spPr>
+      </p:pic>
+      <p:sp>
+        <p:nvSpPr>
+          <p:cNvPr id="2" name="Titel 1"/>
+          <p:cNvSpPr>
+            <a:spLocks noGrp="1"/>
+          </p:cNvSpPr>
+          <p:nvPr>
+            <p:ph type="title"/>
+          </p:nvPr>
+        </p:nvSpPr>
+        <p:spPr/>
+        <p:txBody>
+          <a:bodyPr>
+            <a:normAutofit fontScale="90000"/>
+          </a:bodyPr>
+          <a:lstStyle/>
+          <a:p>
+            <a:r>
+              <a:rPr lang="de-DE" dirty="0" smtClean="0"/>
+              <a:t>Detailkonzept</a:t>
+            </a:r>
+            <a:br>
+              <a:rPr lang="de-DE" dirty="0" smtClean="0"/>
+            </a:br>
+            <a:r>
+              <a:rPr lang="de-DE" dirty="0" smtClean="0"/>
+              <a:t>Datenbankschema - Event</a:t>
+            </a:r>
+            <a:endParaRPr lang="de-DE" dirty="0"/>
+          </a:p>
+        </p:txBody>
+      </p:sp>
+      <p:sp>
+        <p:nvSpPr>
+          <p:cNvPr id="4" name="Datumsplatzhalter 3"/>
+          <p:cNvSpPr>
+            <a:spLocks noGrp="1"/>
+          </p:cNvSpPr>
+          <p:nvPr>
+            <p:ph type="dt" sz="half" idx="10"/>
+          </p:nvPr>
+        </p:nvSpPr>
+        <p:spPr/>
+        <p:txBody>
+          <a:bodyPr/>
+          <a:lstStyle/>
+          <a:p>
+            <a:r>
+              <a:rPr lang="de-DE" smtClean="0"/>
+              <a:t>21.04.2012</a:t>
+            </a:r>
+            <a:endParaRPr lang="en-US"/>
+          </a:p>
+        </p:txBody>
+      </p:sp>
+      <p:sp>
+        <p:nvSpPr>
+          <p:cNvPr id="5" name="Fußzeilenplatzhalter 4"/>
+          <p:cNvSpPr>
+            <a:spLocks noGrp="1"/>
+          </p:cNvSpPr>
+          <p:nvPr>
+            <p:ph type="ftr" sz="quarter" idx="11"/>
+          </p:nvPr>
+        </p:nvSpPr>
+        <p:spPr/>
+        <p:txBody>
+          <a:bodyPr/>
+          <a:lstStyle/>
+          <a:p>
+            <a:r>
+              <a:rPr lang="de-DE" smtClean="0"/>
+              <a:t>FST Projekt "Eventalizer" (SS 2012) Team 5</a:t>
+            </a:r>
+            <a:endParaRPr lang="de-DE" dirty="0"/>
+          </a:p>
+        </p:txBody>
+      </p:sp>
+      <p:sp>
+        <p:nvSpPr>
+          <p:cNvPr id="6" name="Foliennummernplatzhalter 5"/>
+          <p:cNvSpPr>
+            <a:spLocks noGrp="1"/>
+          </p:cNvSpPr>
+          <p:nvPr>
+            <p:ph type="sldNum" sz="quarter" idx="12"/>
+          </p:nvPr>
+        </p:nvSpPr>
+        <p:spPr/>
+        <p:txBody>
+          <a:bodyPr/>
+          <a:lstStyle/>
+          <a:p>
+            <a:fld id="{990B41CA-569D-40E7-8E58-026C0338B2C8}" type="slidenum">
+              <a:rPr lang="en-US" smtClean="0"/>
+              <a:pPr/>
+              <a:t>24</a:t>
+            </a:fld>
+            <a:endParaRPr lang="en-US"/>
+          </a:p>
+        </p:txBody>
+      </p:sp>
+      <p:sp>
+        <p:nvSpPr>
+          <p:cNvPr id="8" name="Rechteck 7"/>
+          <p:cNvSpPr/>
+          <p:nvPr/>
+        </p:nvSpPr>
+        <p:spPr>
+          <a:xfrm>
+            <a:off x="1043608" y="5229200"/>
+            <a:ext cx="360040" cy="720080"/>
+          </a:xfrm>
+          <a:prstGeom prst="rect">
+            <a:avLst/>
+          </a:prstGeom>
+          <a:noFill/>
+        </p:spPr>
+        <p:style>
+          <a:lnRef idx="2">
+            <a:schemeClr val="accent1">
+              <a:shade val="50000"/>
+            </a:schemeClr>
+          </a:lnRef>
+          <a:fillRef idx="1">
+            <a:schemeClr val="accent1"/>
+          </a:fillRef>
+          <a:effectRef idx="0">
+            <a:schemeClr val="accent1"/>
+          </a:effectRef>
+          <a:fontRef idx="minor">
+            <a:schemeClr val="lt1"/>
+          </a:fontRef>
+        </p:style>
+        <p:txBody>
+          <a:bodyPr rtlCol="0" anchor="ctr"/>
+          <a:lstStyle/>
+          <a:p>
+            <a:pPr algn="ctr"/>
+            <a:endParaRPr lang="de-DE"/>
+          </a:p>
+        </p:txBody>
+      </p:sp>
+      <p:sp>
+        <p:nvSpPr>
+          <p:cNvPr id="11" name="Rechteck 10"/>
+          <p:cNvSpPr/>
+          <p:nvPr/>
+        </p:nvSpPr>
+        <p:spPr>
+          <a:xfrm>
+            <a:off x="2915816" y="5229200"/>
+            <a:ext cx="360040" cy="360040"/>
+          </a:xfrm>
+          <a:prstGeom prst="rect">
+            <a:avLst/>
+          </a:prstGeom>
+          <a:noFill/>
+        </p:spPr>
+        <p:style>
+          <a:lnRef idx="2">
+            <a:schemeClr val="accent1">
+              <a:shade val="50000"/>
+            </a:schemeClr>
+          </a:lnRef>
+          <a:fillRef idx="1">
+            <a:schemeClr val="accent1"/>
+          </a:fillRef>
+          <a:effectRef idx="0">
+            <a:schemeClr val="accent1"/>
+          </a:effectRef>
+          <a:fontRef idx="minor">
+            <a:schemeClr val="lt1"/>
+          </a:fontRef>
+        </p:style>
+        <p:txBody>
+          <a:bodyPr rtlCol="0" anchor="ctr"/>
+          <a:lstStyle/>
+          <a:p>
+            <a:pPr algn="ctr"/>
+            <a:endParaRPr lang="de-DE"/>
+          </a:p>
+        </p:txBody>
+      </p:sp>
+      <p:cxnSp>
+        <p:nvCxnSpPr>
+          <p:cNvPr id="18" name="Gerade Verbindung mit Pfeil 17"/>
+          <p:cNvCxnSpPr/>
+          <p:nvPr/>
+        </p:nvCxnSpPr>
+        <p:spPr>
+          <a:xfrm flipH="1">
+            <a:off x="2987824" y="2060848"/>
+            <a:ext cx="4104456" cy="0"/>
+          </a:xfrm>
+          <a:prstGeom prst="straightConnector1">
+            <a:avLst/>
+          </a:prstGeom>
+          <a:ln w="19050">
+            <a:solidFill>
+              <a:schemeClr val="tx1"/>
+            </a:solidFill>
+            <a:tailEnd type="arrow"/>
+          </a:ln>
+        </p:spPr>
+        <p:style>
+          <a:lnRef idx="1">
+            <a:schemeClr val="accent1"/>
+          </a:lnRef>
+          <a:fillRef idx="0">
+            <a:schemeClr val="accent1"/>
+          </a:fillRef>
+          <a:effectRef idx="0">
+            <a:schemeClr val="accent1"/>
+          </a:effectRef>
+          <a:fontRef idx="minor">
+            <a:schemeClr val="tx1"/>
+          </a:fontRef>
+        </p:style>
+      </p:cxnSp>
+      <p:pic>
+        <p:nvPicPr>
+          <p:cNvPr id="20" name="Grafik 19" descr="Bewertung Event.png"/>
+          <p:cNvPicPr>
+            <a:picLocks noChangeAspect="1"/>
+          </p:cNvPicPr>
+          <p:nvPr/>
+        </p:nvPicPr>
+        <p:blipFill>
+          <a:blip r:embed="rId4" cstate="print"/>
+          <a:stretch>
+            <a:fillRect/>
+          </a:stretch>
+        </p:blipFill>
+        <p:spPr>
+          <a:xfrm>
+            <a:off x="4499992" y="2422572"/>
+            <a:ext cx="1190791" cy="1438476"/>
+          </a:xfrm>
+          <a:prstGeom prst="rect">
+            <a:avLst/>
+          </a:prstGeom>
+        </p:spPr>
+      </p:pic>
+      <p:cxnSp>
+        <p:nvCxnSpPr>
+          <p:cNvPr id="21" name="Gerade Verbindung mit Pfeil 20"/>
+          <p:cNvCxnSpPr/>
+          <p:nvPr/>
+        </p:nvCxnSpPr>
+        <p:spPr>
+          <a:xfrm>
+            <a:off x="5724128" y="2924944"/>
+            <a:ext cx="1440160" cy="0"/>
+          </a:xfrm>
+          <a:prstGeom prst="straightConnector1">
+            <a:avLst/>
+          </a:prstGeom>
+          <a:ln w="19050">
+            <a:solidFill>
+              <a:schemeClr val="tx1"/>
+            </a:solidFill>
+            <a:tailEnd type="arrow"/>
+          </a:ln>
+        </p:spPr>
+        <p:style>
+          <a:lnRef idx="1">
+            <a:schemeClr val="accent1"/>
+          </a:lnRef>
+          <a:fillRef idx="0">
+            <a:schemeClr val="accent1"/>
+          </a:fillRef>
+          <a:effectRef idx="0">
+            <a:schemeClr val="accent1"/>
+          </a:effectRef>
+          <a:fontRef idx="minor">
+            <a:schemeClr val="tx1"/>
+          </a:fontRef>
+        </p:style>
+      </p:cxnSp>
+      <p:cxnSp>
+        <p:nvCxnSpPr>
+          <p:cNvPr id="29" name="Gerade Verbindung mit Pfeil 28"/>
+          <p:cNvCxnSpPr/>
+          <p:nvPr/>
+        </p:nvCxnSpPr>
+        <p:spPr>
+          <a:xfrm flipV="1">
+            <a:off x="7380312" y="3140968"/>
+            <a:ext cx="0" cy="576064"/>
+          </a:xfrm>
+          <a:prstGeom prst="straightConnector1">
+            <a:avLst/>
+          </a:prstGeom>
+          <a:ln w="19050">
+            <a:solidFill>
+              <a:schemeClr val="tx1"/>
+            </a:solidFill>
+            <a:tailEnd type="arrow"/>
+          </a:ln>
+        </p:spPr>
+        <p:style>
+          <a:lnRef idx="1">
+            <a:schemeClr val="accent1"/>
+          </a:lnRef>
+          <a:fillRef idx="0">
+            <a:schemeClr val="accent1"/>
+          </a:fillRef>
+          <a:effectRef idx="0">
+            <a:schemeClr val="accent1"/>
+          </a:effectRef>
+          <a:fontRef idx="minor">
+            <a:schemeClr val="tx1"/>
+          </a:fontRef>
+        </p:style>
+      </p:cxnSp>
+      <p:cxnSp>
+        <p:nvCxnSpPr>
+          <p:cNvPr id="34" name="Gerade Verbindung mit Pfeil 33"/>
+          <p:cNvCxnSpPr/>
+          <p:nvPr/>
+        </p:nvCxnSpPr>
+        <p:spPr>
+          <a:xfrm flipV="1">
+            <a:off x="7668344" y="3140968"/>
+            <a:ext cx="0" cy="576064"/>
+          </a:xfrm>
+          <a:prstGeom prst="straightConnector1">
+            <a:avLst/>
+          </a:prstGeom>
+          <a:ln w="19050">
+            <a:solidFill>
+              <a:schemeClr val="tx1"/>
+            </a:solidFill>
+            <a:tailEnd type="arrow"/>
+          </a:ln>
+        </p:spPr>
+        <p:style>
+          <a:lnRef idx="1">
+            <a:schemeClr val="accent1"/>
+          </a:lnRef>
+          <a:fillRef idx="0">
+            <a:schemeClr val="accent1"/>
+          </a:fillRef>
+          <a:effectRef idx="0">
+            <a:schemeClr val="accent1"/>
+          </a:effectRef>
+          <a:fontRef idx="minor">
+            <a:schemeClr val="tx1"/>
+          </a:fontRef>
+        </p:style>
+      </p:cxnSp>
+      <p:cxnSp>
+        <p:nvCxnSpPr>
+          <p:cNvPr id="38" name="Gerade Verbindung mit Pfeil 37"/>
+          <p:cNvCxnSpPr/>
+          <p:nvPr/>
+        </p:nvCxnSpPr>
+        <p:spPr>
+          <a:xfrm flipH="1">
+            <a:off x="2987824" y="2924944"/>
+            <a:ext cx="1440160" cy="0"/>
+          </a:xfrm>
+          <a:prstGeom prst="straightConnector1">
+            <a:avLst/>
+          </a:prstGeom>
+          <a:ln w="19050">
+            <a:solidFill>
+              <a:schemeClr val="tx1"/>
+            </a:solidFill>
+            <a:tailEnd type="arrow"/>
+          </a:ln>
+        </p:spPr>
+        <p:style>
+          <a:lnRef idx="1">
+            <a:schemeClr val="accent1"/>
+          </a:lnRef>
+          <a:fillRef idx="0">
+            <a:schemeClr val="accent1"/>
+          </a:fillRef>
+          <a:effectRef idx="0">
+            <a:schemeClr val="accent1"/>
+          </a:effectRef>
+          <a:fontRef idx="minor">
+            <a:schemeClr val="tx1"/>
+          </a:fontRef>
+        </p:style>
+      </p:cxnSp>
+      <p:sp>
+        <p:nvSpPr>
+          <p:cNvPr id="42" name="Rechteck 41"/>
+          <p:cNvSpPr/>
+          <p:nvPr/>
+        </p:nvSpPr>
+        <p:spPr>
+          <a:xfrm>
+            <a:off x="2051720" y="5301208"/>
+            <a:ext cx="288032" cy="288032"/>
+          </a:xfrm>
+          <a:prstGeom prst="rect">
+            <a:avLst/>
+          </a:prstGeom>
+          <a:noFill/>
+        </p:spPr>
+        <p:style>
+          <a:lnRef idx="2">
+            <a:schemeClr val="accent1">
+              <a:shade val="50000"/>
+            </a:schemeClr>
+          </a:lnRef>
+          <a:fillRef idx="1">
+            <a:schemeClr val="accent1"/>
+          </a:fillRef>
+          <a:effectRef idx="0">
+            <a:schemeClr val="accent1"/>
+          </a:effectRef>
+          <a:fontRef idx="minor">
+            <a:schemeClr val="lt1"/>
+          </a:fontRef>
+        </p:style>
+        <p:txBody>
+          <a:bodyPr rtlCol="0" anchor="ctr"/>
+          <a:lstStyle/>
+          <a:p>
+            <a:pPr algn="ctr"/>
+            <a:endParaRPr lang="de-DE"/>
+          </a:p>
+        </p:txBody>
+      </p:sp>
+      <p:sp>
+        <p:nvSpPr>
+          <p:cNvPr id="43" name="Rechteck 42"/>
+          <p:cNvSpPr/>
+          <p:nvPr/>
+        </p:nvSpPr>
+        <p:spPr>
+          <a:xfrm>
+            <a:off x="2915816" y="5661248"/>
+            <a:ext cx="360040" cy="288032"/>
+          </a:xfrm>
+          <a:prstGeom prst="rect">
+            <a:avLst/>
+          </a:prstGeom>
+          <a:noFill/>
+        </p:spPr>
+        <p:style>
+          <a:lnRef idx="2">
+            <a:schemeClr val="accent1">
+              <a:shade val="50000"/>
+            </a:schemeClr>
+          </a:lnRef>
+          <a:fillRef idx="1">
+            <a:schemeClr val="accent1"/>
+          </a:fillRef>
+          <a:effectRef idx="0">
+            <a:schemeClr val="accent1"/>
+          </a:effectRef>
+          <a:fontRef idx="minor">
+            <a:schemeClr val="lt1"/>
+          </a:fontRef>
+        </p:style>
+        <p:txBody>
+          <a:bodyPr rtlCol="0" anchor="ctr"/>
+          <a:lstStyle/>
+          <a:p>
+            <a:pPr algn="ctr"/>
+            <a:endParaRPr lang="de-DE"/>
+          </a:p>
+        </p:txBody>
+      </p:sp>
+      <p:pic>
+        <p:nvPicPr>
+          <p:cNvPr id="46" name="Grafik 45" descr="Event.png"/>
+          <p:cNvPicPr>
+            <a:picLocks noChangeAspect="1"/>
+          </p:cNvPicPr>
+          <p:nvPr/>
+        </p:nvPicPr>
+        <p:blipFill>
+          <a:blip r:embed="rId5" cstate="print"/>
+          <a:stretch>
+            <a:fillRect/>
+          </a:stretch>
+        </p:blipFill>
+        <p:spPr>
+          <a:xfrm>
+            <a:off x="1475656" y="1628800"/>
+            <a:ext cx="1486108" cy="3267531"/>
+          </a:xfrm>
+          <a:prstGeom prst="rect">
+            <a:avLst/>
+          </a:prstGeom>
+        </p:spPr>
+      </p:pic>
+      <p:pic>
+        <p:nvPicPr>
+          <p:cNvPr id="47" name="Grafik 46" descr="Bewertung Teilnehmer.png"/>
+          <p:cNvPicPr>
+            <a:picLocks noChangeAspect="1"/>
+          </p:cNvPicPr>
+          <p:nvPr/>
+        </p:nvPicPr>
+        <p:blipFill>
+          <a:blip r:embed="rId6" cstate="print"/>
+          <a:stretch>
+            <a:fillRect/>
+          </a:stretch>
+        </p:blipFill>
+        <p:spPr>
+          <a:xfrm>
+            <a:off x="7020272" y="3789040"/>
+            <a:ext cx="1781424" cy="1438476"/>
+          </a:xfrm>
+          <a:prstGeom prst="rect">
+            <a:avLst/>
+          </a:prstGeom>
+        </p:spPr>
+      </p:pic>
+      <p:pic>
+        <p:nvPicPr>
+          <p:cNvPr id="48" name="Grafik 47" descr="Teilnehmer.png"/>
+          <p:cNvPicPr>
+            <a:picLocks noChangeAspect="1"/>
+          </p:cNvPicPr>
+          <p:nvPr/>
+        </p:nvPicPr>
+        <p:blipFill>
+          <a:blip r:embed="rId7" cstate="print"/>
+          <a:stretch>
+            <a:fillRect/>
+          </a:stretch>
+        </p:blipFill>
+        <p:spPr>
+          <a:xfrm>
+            <a:off x="7164288" y="1628800"/>
+            <a:ext cx="1667108" cy="1438476"/>
+          </a:xfrm>
+          <a:prstGeom prst="rect">
+            <a:avLst/>
+          </a:prstGeom>
+        </p:spPr>
+      </p:pic>
+    </p:spTree>
+    <p:extLst>
+      <p:ext uri="{BB962C8B-B14F-4D97-AF65-F5344CB8AC3E}">
+        <p14:creationId xmlns="" xmlns:p14="http://schemas.microsoft.com/office/powerpoint/2010/main" val="3243626544"/>
+      </p:ext>
+    </p:extLst>
+  </p:cSld>
+  <p:clrMapOvr>
+    <a:masterClrMapping/>
+  </p:clrMapOvr>
+  <p:timing>
+    <p:tnLst>
+      <p:par>
+        <p:cTn id="1" dur="indefinite" restart="never" nodeType="tmRoot"/>
+      </p:par>
+    </p:tnLst>
+  </p:timing>
+</p:sld>
+</file>
+
+<file path=ppt/slides/slide25.xml><?xml version="1.0" encoding="utf-8"?>
+<p:sld xmlns:a="http://schemas.openxmlformats.org/drawingml/2006/main" xmlns:r="http://schemas.openxmlformats.org/officeDocument/2006/relationships" xmlns:p="http://schemas.openxmlformats.org/presentationml/2006/main">
+  <p:cSld>
+    <p:spTree>
+      <p:nvGrpSpPr>
+        <p:cNvPr id="1" name=""/>
+        <p:cNvGrpSpPr/>
+        <p:nvPr/>
+      </p:nvGrpSpPr>
+      <p:grpSpPr>
+        <a:xfrm>
+          <a:off x="0" y="0"/>
+          <a:ext cx="0" cy="0"/>
+          <a:chOff x="0" y="0"/>
+          <a:chExt cx="0" cy="0"/>
+        </a:xfrm>
+      </p:grpSpPr>
+      <p:sp>
+        <p:nvSpPr>
+          <p:cNvPr id="2" name="Titel 1"/>
+          <p:cNvSpPr>
+            <a:spLocks noGrp="1"/>
+          </p:cNvSpPr>
+          <p:nvPr>
+            <p:ph type="title"/>
+          </p:nvPr>
+        </p:nvSpPr>
+        <p:spPr/>
+        <p:txBody>
+          <a:bodyPr/>
+          <a:lstStyle/>
+          <a:p>
+            <a:r>
+              <a:rPr lang="de-DE" dirty="0" smtClean="0"/>
+              <a:t>Qualitätsanforderungen</a:t>
+            </a:r>
+            <a:endParaRPr lang="de-DE" dirty="0"/>
+          </a:p>
+        </p:txBody>
+      </p:sp>
+      <p:sp>
+        <p:nvSpPr>
+          <p:cNvPr id="3" name="Inhaltsplatzhalter 2"/>
+          <p:cNvSpPr>
+            <a:spLocks noGrp="1"/>
+          </p:cNvSpPr>
+          <p:nvPr>
+            <p:ph idx="1"/>
+          </p:nvPr>
+        </p:nvSpPr>
+        <p:spPr/>
+        <p:txBody>
+          <a:bodyPr/>
+          <a:lstStyle/>
+          <a:p>
+            <a:endParaRPr lang="de-DE" dirty="0" smtClean="0"/>
+          </a:p>
+          <a:p>
+            <a:r>
+              <a:rPr lang="de-DE" dirty="0" smtClean="0"/>
+              <a:t>Äußere und innere Qualität</a:t>
+            </a:r>
+          </a:p>
+          <a:p>
+            <a:endParaRPr lang="de-DE" dirty="0" smtClean="0"/>
+          </a:p>
+          <a:p>
+            <a:r>
+              <a:rPr lang="de-DE" dirty="0" smtClean="0"/>
+              <a:t>Gebrauchstauglichkeit</a:t>
+            </a:r>
+          </a:p>
+          <a:p>
+            <a:endParaRPr lang="de-DE" dirty="0"/>
+          </a:p>
+          <a:p>
+            <a:r>
+              <a:rPr lang="de-DE" dirty="0" smtClean="0"/>
+              <a:t>Technische Anforderungen</a:t>
+            </a:r>
+          </a:p>
+          <a:p>
+            <a:endParaRPr lang="de-DE" dirty="0" smtClean="0"/>
+          </a:p>
+          <a:p>
+            <a:r>
+              <a:rPr lang="de-DE" dirty="0" smtClean="0"/>
+              <a:t>Lieferumfang</a:t>
+            </a:r>
+            <a:endParaRPr lang="de-DE" dirty="0"/>
+          </a:p>
+        </p:txBody>
+      </p:sp>
+      <p:sp>
+        <p:nvSpPr>
+          <p:cNvPr id="4" name="Datumsplatzhalter 3"/>
+          <p:cNvSpPr>
+            <a:spLocks noGrp="1"/>
+          </p:cNvSpPr>
+          <p:nvPr>
+            <p:ph type="dt" sz="half" idx="10"/>
+          </p:nvPr>
+        </p:nvSpPr>
+        <p:spPr/>
+        <p:txBody>
+          <a:bodyPr/>
+          <a:lstStyle/>
+          <a:p>
+            <a:r>
+              <a:rPr lang="de-DE" smtClean="0"/>
+              <a:t>21.04.2012</a:t>
+            </a:r>
+            <a:endParaRPr lang="en-US"/>
+          </a:p>
+        </p:txBody>
+      </p:sp>
+      <p:sp>
+        <p:nvSpPr>
+          <p:cNvPr id="5" name="Fußzeilenplatzhalter 4"/>
+          <p:cNvSpPr>
+            <a:spLocks noGrp="1"/>
+          </p:cNvSpPr>
+          <p:nvPr>
+            <p:ph type="ftr" sz="quarter" idx="11"/>
+          </p:nvPr>
+        </p:nvSpPr>
+        <p:spPr/>
+        <p:txBody>
+          <a:bodyPr/>
+          <a:lstStyle/>
+          <a:p>
+            <a:r>
+              <a:rPr lang="de-DE" smtClean="0"/>
+              <a:t>FST Projekt "Eventalizer" (SS 2012) Team 5</a:t>
+            </a:r>
+            <a:endParaRPr lang="de-DE" dirty="0"/>
+          </a:p>
+        </p:txBody>
+      </p:sp>
+      <p:sp>
+        <p:nvSpPr>
+          <p:cNvPr id="6" name="Foliennummernplatzhalter 5"/>
+          <p:cNvSpPr>
+            <a:spLocks noGrp="1"/>
+          </p:cNvSpPr>
+          <p:nvPr>
+            <p:ph type="sldNum" sz="quarter" idx="12"/>
+          </p:nvPr>
+        </p:nvSpPr>
+        <p:spPr/>
+        <p:txBody>
+          <a:bodyPr/>
+          <a:lstStyle/>
+          <a:p>
+            <a:fld id="{990B41CA-569D-40E7-8E58-026C0338B2C8}" type="slidenum">
+              <a:rPr lang="en-US" smtClean="0"/>
+              <a:pPr/>
+              <a:t>25</a:t>
+            </a:fld>
+            <a:endParaRPr lang="en-US"/>
+          </a:p>
+        </p:txBody>
+      </p:sp>
+    </p:spTree>
+  </p:cSld>
+  <p:clrMapOvr>
+    <a:masterClrMapping/>
+  </p:clrMapOvr>
+</p:sld>
+</file>
+
+<file path=ppt/slides/slide26.xml><?xml version="1.0" encoding="utf-8"?>
+<p:sld xmlns:a="http://schemas.openxmlformats.org/drawingml/2006/main" xmlns:r="http://schemas.openxmlformats.org/officeDocument/2006/relationships" xmlns:p="http://schemas.openxmlformats.org/presentationml/2006/main">
+  <p:cSld>
+    <p:spTree>
+      <p:nvGrpSpPr>
+        <p:cNvPr id="1" name=""/>
+        <p:cNvGrpSpPr/>
+        <p:nvPr/>
+      </p:nvGrpSpPr>
+      <p:grpSpPr>
+        <a:xfrm>
+          <a:off x="0" y="0"/>
+          <a:ext cx="0" cy="0"/>
+          <a:chOff x="0" y="0"/>
+          <a:chExt cx="0" cy="0"/>
+        </a:xfrm>
+      </p:grpSpPr>
+      <p:sp>
+        <p:nvSpPr>
+          <p:cNvPr id="2" name="Titel 1"/>
+          <p:cNvSpPr>
+            <a:spLocks noGrp="1"/>
+          </p:cNvSpPr>
+          <p:nvPr>
+            <p:ph type="title"/>
+          </p:nvPr>
+        </p:nvSpPr>
+        <p:spPr/>
+        <p:txBody>
+          <a:bodyPr/>
+          <a:lstStyle/>
+          <a:p>
+            <a:r>
+              <a:rPr lang="de-DE" dirty="0" smtClean="0"/>
+              <a:t>Abnahmekriterien</a:t>
+            </a:r>
+            <a:endParaRPr lang="de-DE" dirty="0"/>
+          </a:p>
+        </p:txBody>
+      </p:sp>
+      <p:sp>
+        <p:nvSpPr>
+          <p:cNvPr id="3" name="Inhaltsplatzhalter 2"/>
+          <p:cNvSpPr>
+            <a:spLocks noGrp="1"/>
+          </p:cNvSpPr>
+          <p:nvPr>
+            <p:ph idx="1"/>
+          </p:nvPr>
+        </p:nvSpPr>
+        <p:spPr/>
+        <p:txBody>
+          <a:bodyPr/>
+          <a:lstStyle/>
+          <a:p>
+            <a:endParaRPr lang="de-DE"/>
+          </a:p>
+        </p:txBody>
+      </p:sp>
+      <p:sp>
+        <p:nvSpPr>
+          <p:cNvPr id="4" name="Datumsplatzhalter 3"/>
+          <p:cNvSpPr>
+            <a:spLocks noGrp="1"/>
+          </p:cNvSpPr>
+          <p:nvPr>
+            <p:ph type="dt" sz="half" idx="10"/>
+          </p:nvPr>
+        </p:nvSpPr>
+        <p:spPr/>
+        <p:txBody>
+          <a:bodyPr/>
+          <a:lstStyle/>
+          <a:p>
+            <a:r>
+              <a:rPr lang="de-DE" smtClean="0"/>
+              <a:t>21.04.2012</a:t>
+            </a:r>
+            <a:endParaRPr lang="en-US"/>
+          </a:p>
+        </p:txBody>
+      </p:sp>
+      <p:sp>
+        <p:nvSpPr>
+          <p:cNvPr id="5" name="Fußzeilenplatzhalter 4"/>
+          <p:cNvSpPr>
+            <a:spLocks noGrp="1"/>
+          </p:cNvSpPr>
+          <p:nvPr>
+            <p:ph type="ftr" sz="quarter" idx="11"/>
+          </p:nvPr>
+        </p:nvSpPr>
+        <p:spPr/>
+        <p:txBody>
+          <a:bodyPr/>
+          <a:lstStyle/>
+          <a:p>
+            <a:r>
+              <a:rPr lang="de-DE" smtClean="0"/>
+              <a:t>FST Projekt "Eventalizer" (SS 2012) Team 5</a:t>
+            </a:r>
+            <a:endParaRPr lang="de-DE" dirty="0"/>
+          </a:p>
+        </p:txBody>
+      </p:sp>
+      <p:sp>
+        <p:nvSpPr>
+          <p:cNvPr id="6" name="Foliennummernplatzhalter 5"/>
+          <p:cNvSpPr>
+            <a:spLocks noGrp="1"/>
+          </p:cNvSpPr>
+          <p:nvPr>
+            <p:ph type="sldNum" sz="quarter" idx="12"/>
+          </p:nvPr>
+        </p:nvSpPr>
+        <p:spPr/>
+        <p:txBody>
+          <a:bodyPr/>
+          <a:lstStyle/>
+          <a:p>
+            <a:fld id="{990B41CA-569D-40E7-8E58-026C0338B2C8}" type="slidenum">
+              <a:rPr lang="en-US" smtClean="0"/>
+              <a:pPr/>
+              <a:t>26</a:t>
+            </a:fld>
+            <a:endParaRPr lang="en-US"/>
+          </a:p>
+        </p:txBody>
+      </p:sp>
+    </p:spTree>
+    <p:extLst>
+      <p:ext uri="{BB962C8B-B14F-4D97-AF65-F5344CB8AC3E}">
+        <p14:creationId xmlns:p14="http://schemas.microsoft.com/office/powerpoint/2010/main" xmlns="" val="3309636493"/>
+      </p:ext>
+    </p:extLst>
+  </p:cSld>
+  <p:clrMapOvr>
+    <a:masterClrMapping/>
+  </p:clrMapOvr>
+</p:sld>
+</file>
+
+<file path=ppt/slides/slide27.xml><?xml version="1.0" encoding="utf-8"?>
 <p:sld xmlns:a="http://schemas.openxmlformats.org/drawingml/2006/main" xmlns:r="http://schemas.openxmlformats.org/officeDocument/2006/relationships" xmlns:p="http://schemas.openxmlformats.org/presentationml/2006/main">
   <p:cSld>
     <p:spTree>
@@ -13028,7 +16426,6 @@
               <a:rPr lang="de-DE" dirty="0" smtClean="0"/>
               <a:t>:</a:t>
             </a:r>
-            <a:endParaRPr lang="de-DE" dirty="0" smtClean="0"/>
           </a:p>
           <a:p>
             <a:pPr lvl="1"/>
@@ -13100,7 +16497,7 @@
             <a:fld id="{6C6AE60A-B69C-4790-82F7-3882EDF23186}" type="slidenum">
               <a:rPr lang="de-DE" smtClean="0"/>
               <a:pPr/>
-              <a:t>22</a:t>
+              <a:t>27</a:t>
             </a:fld>
             <a:endParaRPr lang="de-DE" dirty="0"/>
           </a:p>
@@ -13109,7 +16506,7 @@
     </p:spTree>
     <p:extLst>
       <p:ext uri="{BB962C8B-B14F-4D97-AF65-F5344CB8AC3E}">
-        <p14:creationId xmlns:p14="http://schemas.microsoft.com/office/powerpoint/2010/main" val="1012322072"/>
+        <p14:creationId xmlns:p14="http://schemas.microsoft.com/office/powerpoint/2010/main" xmlns="" val="1012322072"/>
       </p:ext>
     </p:extLst>
   </p:cSld>
@@ -13126,7 +16523,7 @@
 </p:sld>
 </file>
 
-<file path=ppt/slides/slide23.xml><?xml version="1.0" encoding="utf-8"?>
+<file path=ppt/slides/slide28.xml><?xml version="1.0" encoding="utf-8"?>
 <p:sld xmlns:a="http://schemas.openxmlformats.org/drawingml/2006/main" xmlns:r="http://schemas.openxmlformats.org/officeDocument/2006/relationships" xmlns:p="http://schemas.openxmlformats.org/presentationml/2006/main">
   <p:cSld>
     <p:spTree>
@@ -13247,7 +16644,6 @@
               <a:rPr lang="de-DE" dirty="0" smtClean="0"/>
               <a:t>:</a:t>
             </a:r>
-            <a:endParaRPr lang="de-DE" dirty="0" smtClean="0"/>
           </a:p>
           <a:p>
             <a:pPr lvl="1"/>
@@ -13319,7 +16715,7 @@
             <a:fld id="{6C6AE60A-B69C-4790-82F7-3882EDF23186}" type="slidenum">
               <a:rPr lang="de-DE" smtClean="0"/>
               <a:pPr/>
-              <a:t>23</a:t>
+              <a:t>28</a:t>
             </a:fld>
             <a:endParaRPr lang="de-DE" dirty="0"/>
           </a:p>
@@ -13328,7 +16724,7 @@
     </p:spTree>
     <p:extLst>
       <p:ext uri="{BB962C8B-B14F-4D97-AF65-F5344CB8AC3E}">
-        <p14:creationId xmlns:p14="http://schemas.microsoft.com/office/powerpoint/2010/main" val="1012322072"/>
+        <p14:creationId xmlns:p14="http://schemas.microsoft.com/office/powerpoint/2010/main" xmlns="" val="1012322072"/>
       </p:ext>
     </p:extLst>
   </p:cSld>
@@ -13345,7 +16741,7 @@
 </p:sld>
 </file>
 
-<file path=ppt/slides/slide24.xml><?xml version="1.0" encoding="utf-8"?>
+<file path=ppt/slides/slide29.xml><?xml version="1.0" encoding="utf-8"?>
 <p:sld xmlns:a="http://schemas.openxmlformats.org/drawingml/2006/main" xmlns:r="http://schemas.openxmlformats.org/officeDocument/2006/relationships" xmlns:p="http://schemas.openxmlformats.org/presentationml/2006/main">
   <p:cSld>
     <p:spTree>
@@ -13529,7 +16925,7 @@
             <a:fld id="{990B41CA-569D-40E7-8E58-026C0338B2C8}" type="slidenum">
               <a:rPr lang="en-US" smtClean="0"/>
               <a:pPr/>
-              <a:t>24</a:t>
+              <a:t>29</a:t>
             </a:fld>
             <a:endParaRPr lang="en-US"/>
           </a:p>
@@ -13547,7 +16943,7 @@
           <a:blip r:embed="rId2" cstate="print">
             <a:extLst>
               <a:ext uri="{BEBA8EAE-BF5A-486C-A8C5-ECC9F3942E4B}">
-                <a14:imgProps xmlns:a14="http://schemas.microsoft.com/office/drawing/2010/main">
+                <a14:imgProps xmlns:a14="http://schemas.microsoft.com/office/drawing/2010/main" xmlns="">
                   <a14:imgLayer r:embed="rId3">
                     <a14:imgEffect>
                       <a14:backgroundRemoval t="6057" b="22942" l="7000" r="29162"/>
@@ -13556,7 +16952,7 @@
                 </a14:imgProps>
               </a:ext>
               <a:ext uri="{28A0092B-C50C-407E-A947-70E740481C1C}">
-                <a14:useLocalDpi xmlns:a14="http://schemas.microsoft.com/office/drawing/2010/main" val="0"/>
+                <a14:useLocalDpi xmlns:a14="http://schemas.microsoft.com/office/drawing/2010/main" xmlns="" val="0"/>
               </a:ext>
             </a:extLst>
           </a:blip>
@@ -13574,7 +16970,7 @@
           <a:noFill/>
           <a:extLst>
             <a:ext uri="{909E8E84-426E-40DD-AFC4-6F175D3DCCD1}">
-              <a14:hiddenFill xmlns:a14="http://schemas.microsoft.com/office/drawing/2010/main">
+              <a14:hiddenFill xmlns:a14="http://schemas.microsoft.com/office/drawing/2010/main" xmlns="">
                 <a:solidFill>
                   <a:srgbClr val="FFFFFF"/>
                 </a:solidFill>
@@ -13595,7 +16991,7 @@
           <a:blip r:embed="rId2" cstate="print">
             <a:extLst>
               <a:ext uri="{BEBA8EAE-BF5A-486C-A8C5-ECC9F3942E4B}">
-                <a14:imgProps xmlns:a14="http://schemas.microsoft.com/office/drawing/2010/main">
+                <a14:imgProps xmlns:a14="http://schemas.microsoft.com/office/drawing/2010/main" xmlns="">
                   <a14:imgLayer r:embed="rId3">
                     <a14:imgEffect>
                       <a14:backgroundRemoval t="6057" b="22942" l="7000" r="29162"/>
@@ -13604,7 +17000,7 @@
                 </a14:imgProps>
               </a:ext>
               <a:ext uri="{28A0092B-C50C-407E-A947-70E740481C1C}">
-                <a14:useLocalDpi xmlns:a14="http://schemas.microsoft.com/office/drawing/2010/main" val="0"/>
+                <a14:useLocalDpi xmlns:a14="http://schemas.microsoft.com/office/drawing/2010/main" xmlns="" val="0"/>
               </a:ext>
             </a:extLst>
           </a:blip>
@@ -13622,7 +17018,7 @@
           <a:noFill/>
           <a:extLst>
             <a:ext uri="{909E8E84-426E-40DD-AFC4-6F175D3DCCD1}">
-              <a14:hiddenFill xmlns:a14="http://schemas.microsoft.com/office/drawing/2010/main">
+              <a14:hiddenFill xmlns:a14="http://schemas.microsoft.com/office/drawing/2010/main" xmlns="">
                 <a:solidFill>
                   <a:srgbClr val="FFFFFF"/>
                 </a:solidFill>
@@ -13634,809 +17030,7 @@
     </p:spTree>
     <p:extLst>
       <p:ext uri="{BB962C8B-B14F-4D97-AF65-F5344CB8AC3E}">
-        <p14:creationId xmlns:p14="http://schemas.microsoft.com/office/powerpoint/2010/main" val="2645794681"/>
-      </p:ext>
-    </p:extLst>
-  </p:cSld>
-  <p:clrMapOvr>
-    <a:masterClrMapping/>
-  </p:clrMapOvr>
-</p:sld>
-</file>
-
-<file path=ppt/slides/slide25.xml><?xml version="1.0" encoding="utf-8"?>
-<p:sld xmlns:a="http://schemas.openxmlformats.org/drawingml/2006/main" xmlns:r="http://schemas.openxmlformats.org/officeDocument/2006/relationships" xmlns:p="http://schemas.openxmlformats.org/presentationml/2006/main">
-  <p:cSld>
-    <p:spTree>
-      <p:nvGrpSpPr>
-        <p:cNvPr id="1" name=""/>
-        <p:cNvGrpSpPr/>
-        <p:nvPr/>
-      </p:nvGrpSpPr>
-      <p:grpSpPr>
-        <a:xfrm>
-          <a:off x="0" y="0"/>
-          <a:ext cx="0" cy="0"/>
-          <a:chOff x="0" y="0"/>
-          <a:chExt cx="0" cy="0"/>
-        </a:xfrm>
-      </p:grpSpPr>
-      <p:sp>
-        <p:nvSpPr>
-          <p:cNvPr id="2" name="Titel 1"/>
-          <p:cNvSpPr>
-            <a:spLocks noGrp="1"/>
-          </p:cNvSpPr>
-          <p:nvPr>
-            <p:ph type="title"/>
-          </p:nvPr>
-        </p:nvSpPr>
-        <p:spPr/>
-        <p:txBody>
-          <a:bodyPr>
-            <a:normAutofit/>
-          </a:bodyPr>
-          <a:lstStyle/>
-          <a:p>
-            <a:r>
-              <a:rPr lang="de-DE" dirty="0" smtClean="0"/>
-              <a:t>Ausblick</a:t>
-            </a:r>
-            <a:endParaRPr lang="de-DE" dirty="0"/>
-          </a:p>
-        </p:txBody>
-      </p:sp>
-      <p:sp>
-        <p:nvSpPr>
-          <p:cNvPr id="3" name="Inhaltsplatzhalter 2"/>
-          <p:cNvSpPr>
-            <a:spLocks noGrp="1"/>
-          </p:cNvSpPr>
-          <p:nvPr>
-            <p:ph idx="1"/>
-          </p:nvPr>
-        </p:nvSpPr>
-        <p:spPr/>
-        <p:txBody>
-          <a:bodyPr>
-            <a:noAutofit/>
-          </a:bodyPr>
-          <a:lstStyle/>
-          <a:p>
-            <a:r>
-              <a:rPr lang="de-DE" dirty="0" smtClean="0"/>
-              <a:t>Mobile Website</a:t>
-            </a:r>
-          </a:p>
-          <a:p>
-            <a:r>
-              <a:rPr lang="de-DE" dirty="0" smtClean="0"/>
-              <a:t>Tiefere Integration in sozialen Netzwerken</a:t>
-            </a:r>
-          </a:p>
-          <a:p>
-            <a:pPr lvl="1"/>
-            <a:r>
-              <a:rPr lang="de-DE" dirty="0" smtClean="0"/>
-              <a:t>Posten von Events</a:t>
-            </a:r>
-          </a:p>
-          <a:p>
-            <a:pPr lvl="1"/>
-            <a:r>
-              <a:rPr lang="de-DE" dirty="0" smtClean="0"/>
-              <a:t>Bewertung („I </a:t>
-            </a:r>
-            <a:r>
-              <a:rPr lang="de-DE" dirty="0" err="1" smtClean="0"/>
-              <a:t>Like</a:t>
-            </a:r>
-            <a:r>
-              <a:rPr lang="de-DE" dirty="0" smtClean="0"/>
-              <a:t>“-Button)</a:t>
-            </a:r>
-          </a:p>
-          <a:p>
-            <a:r>
-              <a:rPr lang="de-DE" dirty="0" err="1" smtClean="0"/>
-              <a:t>Tweets</a:t>
-            </a:r>
-            <a:endParaRPr lang="de-DE" dirty="0" smtClean="0"/>
-          </a:p>
-          <a:p>
-            <a:r>
-              <a:rPr lang="de-DE" dirty="0" smtClean="0"/>
-              <a:t>Google </a:t>
-            </a:r>
-            <a:r>
-              <a:rPr lang="de-DE" dirty="0" err="1" smtClean="0"/>
-              <a:t>Maps</a:t>
-            </a:r>
-            <a:endParaRPr lang="de-DE" dirty="0" smtClean="0"/>
-          </a:p>
-          <a:p>
-            <a:r>
-              <a:rPr lang="de-DE" dirty="0" err="1" smtClean="0"/>
-              <a:t>Location</a:t>
-            </a:r>
-            <a:r>
-              <a:rPr lang="de-DE" dirty="0" smtClean="0"/>
-              <a:t>-</a:t>
-            </a:r>
-            <a:r>
-              <a:rPr lang="de-DE" dirty="0" err="1" smtClean="0"/>
-              <a:t>based</a:t>
-            </a:r>
-            <a:r>
-              <a:rPr lang="de-DE" dirty="0" smtClean="0"/>
-              <a:t>-Services</a:t>
-            </a:r>
-          </a:p>
-          <a:p>
-            <a:r>
-              <a:rPr lang="de-DE" dirty="0" smtClean="0"/>
-              <a:t>…</a:t>
-            </a:r>
-            <a:endParaRPr lang="de-DE" dirty="0"/>
-          </a:p>
-        </p:txBody>
-      </p:sp>
-      <p:sp>
-        <p:nvSpPr>
-          <p:cNvPr id="4" name="Datumsplatzhalter 3"/>
-          <p:cNvSpPr>
-            <a:spLocks noGrp="1"/>
-          </p:cNvSpPr>
-          <p:nvPr>
-            <p:ph type="dt" sz="half" idx="10"/>
-          </p:nvPr>
-        </p:nvSpPr>
-        <p:spPr/>
-        <p:txBody>
-          <a:bodyPr/>
-          <a:lstStyle/>
-          <a:p>
-            <a:r>
-              <a:rPr lang="de-DE" smtClean="0"/>
-              <a:t>21.04.2012</a:t>
-            </a:r>
-            <a:endParaRPr lang="de-DE" dirty="0"/>
-          </a:p>
-        </p:txBody>
-      </p:sp>
-      <p:sp>
-        <p:nvSpPr>
-          <p:cNvPr id="5" name="Fußzeilenplatzhalter 4"/>
-          <p:cNvSpPr>
-            <a:spLocks noGrp="1"/>
-          </p:cNvSpPr>
-          <p:nvPr>
-            <p:ph type="ftr" sz="quarter" idx="11"/>
-          </p:nvPr>
-        </p:nvSpPr>
-        <p:spPr/>
-        <p:txBody>
-          <a:bodyPr/>
-          <a:lstStyle/>
-          <a:p>
-            <a:r>
-              <a:rPr lang="de-DE" smtClean="0"/>
-              <a:t>FST Projekt "Eventalizer" (SS 2012) Team 5</a:t>
-            </a:r>
-            <a:endParaRPr lang="de-DE" dirty="0"/>
-          </a:p>
-        </p:txBody>
-      </p:sp>
-      <p:sp>
-        <p:nvSpPr>
-          <p:cNvPr id="6" name="Foliennummernplatzhalter 5"/>
-          <p:cNvSpPr>
-            <a:spLocks noGrp="1"/>
-          </p:cNvSpPr>
-          <p:nvPr>
-            <p:ph type="sldNum" sz="quarter" idx="12"/>
-          </p:nvPr>
-        </p:nvSpPr>
-        <p:spPr/>
-        <p:txBody>
-          <a:bodyPr/>
-          <a:lstStyle/>
-          <a:p>
-            <a:fld id="{6C6AE60A-B69C-4790-82F7-3882EDF23186}" type="slidenum">
-              <a:rPr lang="de-DE" smtClean="0"/>
-              <a:pPr/>
-              <a:t>25</a:t>
-            </a:fld>
-            <a:endParaRPr lang="de-DE" dirty="0"/>
-          </a:p>
-        </p:txBody>
-      </p:sp>
-      <p:pic>
-        <p:nvPicPr>
-          <p:cNvPr id="2050" name="Picture 2"/>
-          <p:cNvPicPr>
-            <a:picLocks noChangeAspect="1" noChangeArrowheads="1"/>
-          </p:cNvPicPr>
-          <p:nvPr/>
-        </p:nvPicPr>
-        <p:blipFill>
-          <a:blip r:embed="rId3" cstate="print">
-            <a:extLst>
-              <a:ext uri="{28A0092B-C50C-407E-A947-70E740481C1C}">
-                <a14:useLocalDpi xmlns:a14="http://schemas.microsoft.com/office/drawing/2010/main" val="0"/>
-              </a:ext>
-            </a:extLst>
-          </a:blip>
-          <a:srcRect/>
-          <a:stretch>
-            <a:fillRect/>
-          </a:stretch>
-        </p:blipFill>
-        <p:spPr bwMode="auto">
-          <a:xfrm>
-            <a:off x="6153844" y="4941168"/>
-            <a:ext cx="2450604" cy="1323890"/>
-          </a:xfrm>
-          <a:prstGeom prst="roundRect">
-            <a:avLst>
-              <a:gd name="adj" fmla="val 8594"/>
-            </a:avLst>
-          </a:prstGeom>
-          <a:solidFill>
-            <a:srgbClr val="FFFFFF">
-              <a:shade val="85000"/>
-            </a:srgbClr>
-          </a:solidFill>
-          <a:ln>
-            <a:noFill/>
-          </a:ln>
-          <a:effectLst>
-            <a:reflection blurRad="12700" stA="38000" endPos="28000" dist="5000" dir="5400000" sy="-100000" algn="bl" rotWithShape="0"/>
-          </a:effectLst>
-          <a:extLst>
-            <a:ext uri="{91240B29-F687-4F45-9708-019B960494DF}">
-              <a14:hiddenLine xmlns:a14="http://schemas.microsoft.com/office/drawing/2010/main" w="9525">
-                <a:solidFill>
-                  <a:schemeClr val="tx1"/>
-                </a:solidFill>
-                <a:miter lim="800000"/>
-                <a:headEnd/>
-                <a:tailEnd/>
-              </a14:hiddenLine>
-            </a:ext>
-          </a:extLst>
-        </p:spPr>
-      </p:pic>
-    </p:spTree>
-    <p:extLst>
-      <p:ext uri="{BB962C8B-B14F-4D97-AF65-F5344CB8AC3E}">
-        <p14:creationId xmlns:p14="http://schemas.microsoft.com/office/powerpoint/2010/main" val="313312729"/>
-      </p:ext>
-    </p:extLst>
-  </p:cSld>
-  <p:clrMapOvr>
-    <a:masterClrMapping/>
-  </p:clrMapOvr>
-  <p:timing>
-    <p:tnLst>
-      <p:par>
-        <p:cTn id="1" dur="indefinite" restart="never" nodeType="tmRoot"/>
-      </p:par>
-    </p:tnLst>
-  </p:timing>
-</p:sld>
-</file>
-
-<file path=ppt/slides/slide26.xml><?xml version="1.0" encoding="utf-8"?>
-<p:sld xmlns:a="http://schemas.openxmlformats.org/drawingml/2006/main" xmlns:r="http://schemas.openxmlformats.org/officeDocument/2006/relationships" xmlns:p="http://schemas.openxmlformats.org/presentationml/2006/main">
-  <p:cSld>
-    <p:spTree>
-      <p:nvGrpSpPr>
-        <p:cNvPr id="1" name=""/>
-        <p:cNvGrpSpPr/>
-        <p:nvPr/>
-      </p:nvGrpSpPr>
-      <p:grpSpPr>
-        <a:xfrm>
-          <a:off x="0" y="0"/>
-          <a:ext cx="0" cy="0"/>
-          <a:chOff x="0" y="0"/>
-          <a:chExt cx="0" cy="0"/>
-        </a:xfrm>
-      </p:grpSpPr>
-      <p:sp>
-        <p:nvSpPr>
-          <p:cNvPr id="2" name="Titel 1"/>
-          <p:cNvSpPr>
-            <a:spLocks noGrp="1"/>
-          </p:cNvSpPr>
-          <p:nvPr>
-            <p:ph type="title"/>
-          </p:nvPr>
-        </p:nvSpPr>
-        <p:spPr/>
-        <p:txBody>
-          <a:bodyPr/>
-          <a:lstStyle/>
-          <a:p>
-            <a:r>
-              <a:rPr lang="de-DE" dirty="0" smtClean="0"/>
-              <a:t>Reflexion</a:t>
-            </a:r>
-            <a:endParaRPr lang="de-DE" dirty="0"/>
-          </a:p>
-        </p:txBody>
-      </p:sp>
-      <p:sp>
-        <p:nvSpPr>
-          <p:cNvPr id="3" name="Inhaltsplatzhalter 2"/>
-          <p:cNvSpPr>
-            <a:spLocks noGrp="1"/>
-          </p:cNvSpPr>
-          <p:nvPr>
-            <p:ph idx="1"/>
-          </p:nvPr>
-        </p:nvSpPr>
-        <p:spPr/>
-        <p:txBody>
-          <a:bodyPr/>
-          <a:lstStyle/>
-          <a:p>
-            <a:r>
-              <a:rPr lang="de-DE" dirty="0" smtClean="0"/>
-              <a:t>Verbesserungspotential</a:t>
-            </a:r>
-          </a:p>
-          <a:p>
-            <a:pPr lvl="1"/>
-            <a:r>
-              <a:rPr lang="de-DE" dirty="0" err="1" smtClean="0"/>
-              <a:t>gitHub</a:t>
-            </a:r>
-            <a:r>
-              <a:rPr lang="de-DE" dirty="0" smtClean="0"/>
-              <a:t> und binäre Dateiformate</a:t>
-            </a:r>
-          </a:p>
-          <a:p>
-            <a:pPr lvl="1"/>
-            <a:r>
-              <a:rPr lang="de-DE" dirty="0" smtClean="0"/>
-              <a:t>Projektmanagement stärker verfolgen</a:t>
-            </a:r>
-          </a:p>
-          <a:p>
-            <a:pPr lvl="1"/>
-            <a:r>
-              <a:rPr lang="de-DE" dirty="0" err="1" smtClean="0"/>
-              <a:t>Workload</a:t>
-            </a:r>
-            <a:endParaRPr lang="de-DE" smtClean="0"/>
-          </a:p>
-          <a:p>
-            <a:pPr lvl="1"/>
-            <a:endParaRPr lang="de-DE" dirty="0" smtClean="0"/>
-          </a:p>
-          <a:p>
-            <a:r>
-              <a:rPr lang="de-DE" dirty="0" smtClean="0"/>
-              <a:t>Positiv</a:t>
-            </a:r>
-          </a:p>
-          <a:p>
-            <a:pPr lvl="1"/>
-            <a:r>
-              <a:rPr lang="de-DE" dirty="0" err="1" smtClean="0"/>
-              <a:t>PeerReview</a:t>
-            </a:r>
-            <a:endParaRPr lang="de-DE" dirty="0"/>
-          </a:p>
-          <a:p>
-            <a:pPr lvl="1"/>
-            <a:r>
-              <a:rPr lang="de-DE" dirty="0" smtClean="0"/>
-              <a:t>Teamwork</a:t>
-            </a:r>
-          </a:p>
-          <a:p>
-            <a:pPr lvl="1"/>
-            <a:endParaRPr lang="de-DE" dirty="0"/>
-          </a:p>
-          <a:p>
-            <a:pPr lvl="1"/>
-            <a:endParaRPr lang="de-DE" dirty="0"/>
-          </a:p>
-        </p:txBody>
-      </p:sp>
-      <p:sp>
-        <p:nvSpPr>
-          <p:cNvPr id="4" name="Datumsplatzhalter 3"/>
-          <p:cNvSpPr>
-            <a:spLocks noGrp="1"/>
-          </p:cNvSpPr>
-          <p:nvPr>
-            <p:ph type="dt" sz="half" idx="10"/>
-          </p:nvPr>
-        </p:nvSpPr>
-        <p:spPr/>
-        <p:txBody>
-          <a:bodyPr/>
-          <a:lstStyle/>
-          <a:p>
-            <a:r>
-              <a:rPr lang="de-DE" smtClean="0"/>
-              <a:t>21.04.2012</a:t>
-            </a:r>
-            <a:endParaRPr lang="en-US"/>
-          </a:p>
-        </p:txBody>
-      </p:sp>
-      <p:sp>
-        <p:nvSpPr>
-          <p:cNvPr id="5" name="Fußzeilenplatzhalter 4"/>
-          <p:cNvSpPr>
-            <a:spLocks noGrp="1"/>
-          </p:cNvSpPr>
-          <p:nvPr>
-            <p:ph type="ftr" sz="quarter" idx="11"/>
-          </p:nvPr>
-        </p:nvSpPr>
-        <p:spPr/>
-        <p:txBody>
-          <a:bodyPr/>
-          <a:lstStyle/>
-          <a:p>
-            <a:r>
-              <a:rPr lang="de-DE" smtClean="0"/>
-              <a:t>FST Projekt "Eventalizer" (SS 2012) Team 5</a:t>
-            </a:r>
-            <a:endParaRPr lang="de-DE" dirty="0"/>
-          </a:p>
-        </p:txBody>
-      </p:sp>
-      <p:sp>
-        <p:nvSpPr>
-          <p:cNvPr id="6" name="Foliennummernplatzhalter 5"/>
-          <p:cNvSpPr>
-            <a:spLocks noGrp="1"/>
-          </p:cNvSpPr>
-          <p:nvPr>
-            <p:ph type="sldNum" sz="quarter" idx="12"/>
-          </p:nvPr>
-        </p:nvSpPr>
-        <p:spPr/>
-        <p:txBody>
-          <a:bodyPr/>
-          <a:lstStyle/>
-          <a:p>
-            <a:fld id="{990B41CA-569D-40E7-8E58-026C0338B2C8}" type="slidenum">
-              <a:rPr lang="en-US" smtClean="0"/>
-              <a:pPr/>
-              <a:t>26</a:t>
-            </a:fld>
-            <a:endParaRPr lang="en-US"/>
-          </a:p>
-        </p:txBody>
-      </p:sp>
-    </p:spTree>
-    <p:extLst>
-      <p:ext uri="{BB962C8B-B14F-4D97-AF65-F5344CB8AC3E}">
-        <p14:creationId xmlns:p14="http://schemas.microsoft.com/office/powerpoint/2010/main" val="1344880779"/>
-      </p:ext>
-    </p:extLst>
-  </p:cSld>
-  <p:clrMapOvr>
-    <a:masterClrMapping/>
-  </p:clrMapOvr>
-</p:sld>
-</file>
-
-<file path=ppt/slides/slide27.xml><?xml version="1.0" encoding="utf-8"?>
-<p:sld xmlns:a="http://schemas.openxmlformats.org/drawingml/2006/main" xmlns:r="http://schemas.openxmlformats.org/officeDocument/2006/relationships" xmlns:p="http://schemas.openxmlformats.org/presentationml/2006/main">
-  <p:cSld>
-    <p:spTree>
-      <p:nvGrpSpPr>
-        <p:cNvPr id="1" name=""/>
-        <p:cNvGrpSpPr/>
-        <p:nvPr/>
-      </p:nvGrpSpPr>
-      <p:grpSpPr>
-        <a:xfrm>
-          <a:off x="0" y="0"/>
-          <a:ext cx="0" cy="0"/>
-          <a:chOff x="0" y="0"/>
-          <a:chExt cx="0" cy="0"/>
-        </a:xfrm>
-      </p:grpSpPr>
-      <p:sp>
-        <p:nvSpPr>
-          <p:cNvPr id="2" name="Titel 1"/>
-          <p:cNvSpPr>
-            <a:spLocks noGrp="1"/>
-          </p:cNvSpPr>
-          <p:nvPr>
-            <p:ph type="title"/>
-          </p:nvPr>
-        </p:nvSpPr>
-        <p:spPr/>
-        <p:txBody>
-          <a:bodyPr>
-            <a:normAutofit/>
-          </a:bodyPr>
-          <a:lstStyle/>
-          <a:p>
-            <a:r>
-              <a:rPr lang="de-DE" dirty="0" smtClean="0"/>
-              <a:t>Projekt: „</a:t>
-            </a:r>
-            <a:r>
-              <a:rPr lang="de-DE" dirty="0" err="1" smtClean="0"/>
-              <a:t>Eventalizer</a:t>
-            </a:r>
-            <a:r>
-              <a:rPr lang="de-DE" dirty="0" smtClean="0"/>
-              <a:t>“</a:t>
-            </a:r>
-          </a:p>
-        </p:txBody>
-      </p:sp>
-      <p:sp>
-        <p:nvSpPr>
-          <p:cNvPr id="3" name="Untertitel 2"/>
-          <p:cNvSpPr>
-            <a:spLocks noGrp="1"/>
-          </p:cNvSpPr>
-          <p:nvPr>
-            <p:ph type="body" idx="1"/>
-          </p:nvPr>
-        </p:nvSpPr>
-        <p:spPr/>
-        <p:txBody>
-          <a:bodyPr/>
-          <a:lstStyle/>
-          <a:p>
-            <a:r>
-              <a:rPr lang="de-DE" dirty="0" smtClean="0"/>
-              <a:t>Vielen Dank für Ihre Aufmerksamkeit</a:t>
-            </a:r>
-            <a:endParaRPr lang="de-DE" dirty="0"/>
-          </a:p>
-        </p:txBody>
-      </p:sp>
-      <p:pic>
-        <p:nvPicPr>
-          <p:cNvPr id="4" name="Grafik 3"/>
-          <p:cNvPicPr>
-            <a:picLocks noChangeAspect="1"/>
-          </p:cNvPicPr>
-          <p:nvPr/>
-        </p:nvPicPr>
-        <p:blipFill>
-          <a:blip r:embed="rId3" cstate="print">
-            <a:extLst>
-              <a:ext uri="{28A0092B-C50C-407E-A947-70E740481C1C}">
-                <a14:useLocalDpi xmlns:a14="http://schemas.microsoft.com/office/drawing/2010/main" val="0"/>
-              </a:ext>
-            </a:extLst>
-          </a:blip>
-          <a:stretch>
-            <a:fillRect/>
-          </a:stretch>
-        </p:blipFill>
-        <p:spPr>
-          <a:xfrm>
-            <a:off x="4899616" y="6220356"/>
-            <a:ext cx="4199228" cy="593020"/>
-          </a:xfrm>
-          <a:prstGeom prst="rect">
-            <a:avLst/>
-          </a:prstGeom>
-        </p:spPr>
-      </p:pic>
-      <p:pic>
-        <p:nvPicPr>
-          <p:cNvPr id="5" name="Grafik 4"/>
-          <p:cNvPicPr>
-            <a:picLocks noChangeAspect="1"/>
-          </p:cNvPicPr>
-          <p:nvPr/>
-        </p:nvPicPr>
-        <p:blipFill>
-          <a:blip r:embed="rId4" cstate="print">
-            <a:extLst>
-              <a:ext uri="{28A0092B-C50C-407E-A947-70E740481C1C}">
-                <a14:useLocalDpi xmlns:a14="http://schemas.microsoft.com/office/drawing/2010/main" val="0"/>
-              </a:ext>
-            </a:extLst>
-          </a:blip>
-          <a:stretch>
-            <a:fillRect/>
-          </a:stretch>
-        </p:blipFill>
-        <p:spPr>
-          <a:xfrm>
-            <a:off x="2418775" y="5772287"/>
-            <a:ext cx="1236003" cy="1000125"/>
-          </a:xfrm>
-          <a:prstGeom prst="rect">
-            <a:avLst/>
-          </a:prstGeom>
-        </p:spPr>
-      </p:pic>
-    </p:spTree>
-    <p:extLst>
-      <p:ext uri="{BB962C8B-B14F-4D97-AF65-F5344CB8AC3E}">
-        <p14:creationId xmlns:p14="http://schemas.microsoft.com/office/powerpoint/2010/main" val="2565098391"/>
-      </p:ext>
-    </p:extLst>
-  </p:cSld>
-  <p:clrMapOvr>
-    <a:masterClrMapping/>
-  </p:clrMapOvr>
-  <p:timing>
-    <p:tnLst>
-      <p:par>
-        <p:cTn id="1" dur="indefinite" restart="never" nodeType="tmRoot"/>
-      </p:par>
-    </p:tnLst>
-  </p:timing>
-</p:sld>
-</file>
-
-<file path=ppt/slides/slide28.xml><?xml version="1.0" encoding="utf-8"?>
-<p:sld xmlns:a="http://schemas.openxmlformats.org/drawingml/2006/main" xmlns:r="http://schemas.openxmlformats.org/officeDocument/2006/relationships" xmlns:p="http://schemas.openxmlformats.org/presentationml/2006/main">
-  <p:cSld>
-    <p:spTree>
-      <p:nvGrpSpPr>
-        <p:cNvPr id="1" name=""/>
-        <p:cNvGrpSpPr/>
-        <p:nvPr/>
-      </p:nvGrpSpPr>
-      <p:grpSpPr>
-        <a:xfrm>
-          <a:off x="0" y="0"/>
-          <a:ext cx="0" cy="0"/>
-          <a:chOff x="0" y="0"/>
-          <a:chExt cx="0" cy="0"/>
-        </a:xfrm>
-      </p:grpSpPr>
-      <p:sp>
-        <p:nvSpPr>
-          <p:cNvPr id="7" name="Titel 6"/>
-          <p:cNvSpPr>
-            <a:spLocks noGrp="1"/>
-          </p:cNvSpPr>
-          <p:nvPr>
-            <p:ph type="title"/>
-          </p:nvPr>
-        </p:nvSpPr>
-        <p:spPr/>
-        <p:txBody>
-          <a:bodyPr/>
-          <a:lstStyle/>
-          <a:p>
-            <a:r>
-              <a:rPr lang="de-DE" dirty="0" smtClean="0"/>
-              <a:t>Quellen</a:t>
-            </a:r>
-            <a:endParaRPr lang="de-DE" dirty="0"/>
-          </a:p>
-        </p:txBody>
-      </p:sp>
-      <p:sp>
-        <p:nvSpPr>
-          <p:cNvPr id="8" name="Inhaltsplatzhalter 7"/>
-          <p:cNvSpPr>
-            <a:spLocks noGrp="1"/>
-          </p:cNvSpPr>
-          <p:nvPr>
-            <p:ph idx="1"/>
-          </p:nvPr>
-        </p:nvSpPr>
-        <p:spPr/>
-        <p:txBody>
-          <a:bodyPr/>
-          <a:lstStyle/>
-          <a:p>
-            <a:r>
-              <a:rPr lang="de-DE" dirty="0" smtClean="0"/>
-              <a:t>Dekorative Abbildungen</a:t>
-            </a:r>
-          </a:p>
-          <a:p>
-            <a:pPr lvl="1"/>
-            <a:r>
-              <a:rPr lang="de-DE" dirty="0" smtClean="0"/>
-              <a:t>www.FreeDigitalPhotos.net</a:t>
-            </a:r>
-          </a:p>
-          <a:p>
-            <a:pPr lvl="1"/>
-            <a:r>
-              <a:rPr lang="de-DE" dirty="0"/>
-              <a:t>www.animationfactory.com</a:t>
-            </a:r>
-          </a:p>
-          <a:p>
-            <a:pPr lvl="1"/>
-            <a:endParaRPr lang="de-DE" dirty="0"/>
-          </a:p>
-        </p:txBody>
-      </p:sp>
-      <p:sp>
-        <p:nvSpPr>
-          <p:cNvPr id="4" name="Datumsplatzhalter 3"/>
-          <p:cNvSpPr>
-            <a:spLocks noGrp="1"/>
-          </p:cNvSpPr>
-          <p:nvPr>
-            <p:ph type="dt" sz="half" idx="10"/>
-          </p:nvPr>
-        </p:nvSpPr>
-        <p:spPr/>
-        <p:txBody>
-          <a:bodyPr/>
-          <a:lstStyle/>
-          <a:p>
-            <a:r>
-              <a:rPr lang="de-DE" smtClean="0"/>
-              <a:t>21.04.2012</a:t>
-            </a:r>
-            <a:endParaRPr lang="en-US"/>
-          </a:p>
-        </p:txBody>
-      </p:sp>
-      <p:sp>
-        <p:nvSpPr>
-          <p:cNvPr id="5" name="Fußzeilenplatzhalter 4"/>
-          <p:cNvSpPr>
-            <a:spLocks noGrp="1"/>
-          </p:cNvSpPr>
-          <p:nvPr>
-            <p:ph type="ftr" sz="quarter" idx="11"/>
-          </p:nvPr>
-        </p:nvSpPr>
-        <p:spPr/>
-        <p:txBody>
-          <a:bodyPr/>
-          <a:lstStyle/>
-          <a:p>
-            <a:r>
-              <a:rPr lang="de-DE" smtClean="0"/>
-              <a:t>FST Projekt "Eventalizer" (SS 2012) Team 5</a:t>
-            </a:r>
-            <a:endParaRPr lang="de-DE" dirty="0"/>
-          </a:p>
-        </p:txBody>
-      </p:sp>
-      <p:sp>
-        <p:nvSpPr>
-          <p:cNvPr id="6" name="Foliennummernplatzhalter 5"/>
-          <p:cNvSpPr>
-            <a:spLocks noGrp="1"/>
-          </p:cNvSpPr>
-          <p:nvPr>
-            <p:ph type="sldNum" sz="quarter" idx="12"/>
-          </p:nvPr>
-        </p:nvSpPr>
-        <p:spPr/>
-        <p:txBody>
-          <a:bodyPr/>
-          <a:lstStyle/>
-          <a:p>
-            <a:fld id="{990B41CA-569D-40E7-8E58-026C0338B2C8}" type="slidenum">
-              <a:rPr lang="en-US" smtClean="0"/>
-              <a:pPr/>
-              <a:t>28</a:t>
-            </a:fld>
-            <a:endParaRPr lang="en-US"/>
-          </a:p>
-        </p:txBody>
-      </p:sp>
-    </p:spTree>
-    <p:extLst>
-      <p:ext uri="{BB962C8B-B14F-4D97-AF65-F5344CB8AC3E}">
-        <p14:creationId xmlns:p14="http://schemas.microsoft.com/office/powerpoint/2010/main" val="3661383713"/>
+        <p14:creationId xmlns:p14="http://schemas.microsoft.com/office/powerpoint/2010/main" xmlns="" val="2645794681"/>
       </p:ext>
     </p:extLst>
   </p:cSld>
@@ -14554,13 +17148,8 @@
             <a:pPr lvl="2"/>
             <a:r>
               <a:rPr lang="de-DE" dirty="0" smtClean="0"/>
-              <a:t>Live Demo </a:t>
-            </a:r>
-            <a:r>
-              <a:rPr lang="de-DE" dirty="0" smtClean="0"/>
-              <a:t>Detailkonzept</a:t>
-            </a:r>
-            <a:endParaRPr lang="de-DE" dirty="0" smtClean="0"/>
+              <a:t>Live Demo Detailkonzept</a:t>
+            </a:r>
           </a:p>
           <a:p>
             <a:pPr lvl="2"/>
@@ -14568,7 +17157,6 @@
               <a:rPr lang="de-DE" dirty="0" smtClean="0"/>
               <a:t>Domänenklassendiagramm Datenbank-Schema</a:t>
             </a:r>
-            <a:endParaRPr lang="de-DE" dirty="0" smtClean="0"/>
           </a:p>
           <a:p>
             <a:pPr lvl="1"/>
@@ -14721,7 +17309,7 @@
     </p:spTree>
     <p:extLst>
       <p:ext uri="{BB962C8B-B14F-4D97-AF65-F5344CB8AC3E}">
-        <p14:creationId xmlns:p14="http://schemas.microsoft.com/office/powerpoint/2010/main" val="2988266106"/>
+        <p14:creationId xmlns:p14="http://schemas.microsoft.com/office/powerpoint/2010/main" xmlns="" val="2988266106"/>
       </p:ext>
     </p:extLst>
   </p:cSld>
@@ -14729,7 +17317,7 @@
     <a:masterClrMapping/>
   </p:clrMapOvr>
   <mc:AlternateContent xmlns:mc="http://schemas.openxmlformats.org/markup-compatibility/2006">
-    <mc:Choice xmlns:p14="http://schemas.microsoft.com/office/powerpoint/2010/main" Requires="p14">
+    <mc:Choice xmlns:p14="http://schemas.microsoft.com/office/powerpoint/2010/main" xmlns="" Requires="p14">
       <p:transition spd="slow" p14:dur="2000"/>
     </mc:Choice>
     <mc:Fallback>
@@ -14743,6 +17331,808 @@
       </p:par>
     </p:tnLst>
   </p:timing>
+</p:sld>
+</file>
+
+<file path=ppt/slides/slide30.xml><?xml version="1.0" encoding="utf-8"?>
+<p:sld xmlns:a="http://schemas.openxmlformats.org/drawingml/2006/main" xmlns:r="http://schemas.openxmlformats.org/officeDocument/2006/relationships" xmlns:p="http://schemas.openxmlformats.org/presentationml/2006/main">
+  <p:cSld>
+    <p:spTree>
+      <p:nvGrpSpPr>
+        <p:cNvPr id="1" name=""/>
+        <p:cNvGrpSpPr/>
+        <p:nvPr/>
+      </p:nvGrpSpPr>
+      <p:grpSpPr>
+        <a:xfrm>
+          <a:off x="0" y="0"/>
+          <a:ext cx="0" cy="0"/>
+          <a:chOff x="0" y="0"/>
+          <a:chExt cx="0" cy="0"/>
+        </a:xfrm>
+      </p:grpSpPr>
+      <p:sp>
+        <p:nvSpPr>
+          <p:cNvPr id="2" name="Titel 1"/>
+          <p:cNvSpPr>
+            <a:spLocks noGrp="1"/>
+          </p:cNvSpPr>
+          <p:nvPr>
+            <p:ph type="title"/>
+          </p:nvPr>
+        </p:nvSpPr>
+        <p:spPr/>
+        <p:txBody>
+          <a:bodyPr>
+            <a:normAutofit/>
+          </a:bodyPr>
+          <a:lstStyle/>
+          <a:p>
+            <a:r>
+              <a:rPr lang="de-DE" dirty="0" smtClean="0"/>
+              <a:t>Ausblick</a:t>
+            </a:r>
+            <a:endParaRPr lang="de-DE" dirty="0"/>
+          </a:p>
+        </p:txBody>
+      </p:sp>
+      <p:sp>
+        <p:nvSpPr>
+          <p:cNvPr id="3" name="Inhaltsplatzhalter 2"/>
+          <p:cNvSpPr>
+            <a:spLocks noGrp="1"/>
+          </p:cNvSpPr>
+          <p:nvPr>
+            <p:ph idx="1"/>
+          </p:nvPr>
+        </p:nvSpPr>
+        <p:spPr/>
+        <p:txBody>
+          <a:bodyPr>
+            <a:noAutofit/>
+          </a:bodyPr>
+          <a:lstStyle/>
+          <a:p>
+            <a:r>
+              <a:rPr lang="de-DE" dirty="0" smtClean="0"/>
+              <a:t>Mobile Website</a:t>
+            </a:r>
+          </a:p>
+          <a:p>
+            <a:r>
+              <a:rPr lang="de-DE" dirty="0" smtClean="0"/>
+              <a:t>Tiefere Integration in sozialen Netzwerken</a:t>
+            </a:r>
+          </a:p>
+          <a:p>
+            <a:pPr lvl="1"/>
+            <a:r>
+              <a:rPr lang="de-DE" dirty="0" smtClean="0"/>
+              <a:t>Posten von Events</a:t>
+            </a:r>
+          </a:p>
+          <a:p>
+            <a:pPr lvl="1"/>
+            <a:r>
+              <a:rPr lang="de-DE" dirty="0" smtClean="0"/>
+              <a:t>Bewertung („I </a:t>
+            </a:r>
+            <a:r>
+              <a:rPr lang="de-DE" dirty="0" err="1" smtClean="0"/>
+              <a:t>Like</a:t>
+            </a:r>
+            <a:r>
+              <a:rPr lang="de-DE" dirty="0" smtClean="0"/>
+              <a:t>“-Button)</a:t>
+            </a:r>
+          </a:p>
+          <a:p>
+            <a:r>
+              <a:rPr lang="de-DE" dirty="0" err="1" smtClean="0"/>
+              <a:t>Tweets</a:t>
+            </a:r>
+            <a:endParaRPr lang="de-DE" dirty="0" smtClean="0"/>
+          </a:p>
+          <a:p>
+            <a:r>
+              <a:rPr lang="de-DE" dirty="0" smtClean="0"/>
+              <a:t>Google </a:t>
+            </a:r>
+            <a:r>
+              <a:rPr lang="de-DE" dirty="0" err="1" smtClean="0"/>
+              <a:t>Maps</a:t>
+            </a:r>
+            <a:endParaRPr lang="de-DE" dirty="0" smtClean="0"/>
+          </a:p>
+          <a:p>
+            <a:r>
+              <a:rPr lang="de-DE" dirty="0" err="1" smtClean="0"/>
+              <a:t>Location</a:t>
+            </a:r>
+            <a:r>
+              <a:rPr lang="de-DE" dirty="0" smtClean="0"/>
+              <a:t>-</a:t>
+            </a:r>
+            <a:r>
+              <a:rPr lang="de-DE" dirty="0" err="1" smtClean="0"/>
+              <a:t>based</a:t>
+            </a:r>
+            <a:r>
+              <a:rPr lang="de-DE" dirty="0" smtClean="0"/>
+              <a:t>-Services</a:t>
+            </a:r>
+          </a:p>
+          <a:p>
+            <a:r>
+              <a:rPr lang="de-DE" dirty="0" smtClean="0"/>
+              <a:t>…</a:t>
+            </a:r>
+            <a:endParaRPr lang="de-DE" dirty="0"/>
+          </a:p>
+        </p:txBody>
+      </p:sp>
+      <p:sp>
+        <p:nvSpPr>
+          <p:cNvPr id="4" name="Datumsplatzhalter 3"/>
+          <p:cNvSpPr>
+            <a:spLocks noGrp="1"/>
+          </p:cNvSpPr>
+          <p:nvPr>
+            <p:ph type="dt" sz="half" idx="10"/>
+          </p:nvPr>
+        </p:nvSpPr>
+        <p:spPr/>
+        <p:txBody>
+          <a:bodyPr/>
+          <a:lstStyle/>
+          <a:p>
+            <a:r>
+              <a:rPr lang="de-DE" smtClean="0"/>
+              <a:t>21.04.2012</a:t>
+            </a:r>
+            <a:endParaRPr lang="de-DE" dirty="0"/>
+          </a:p>
+        </p:txBody>
+      </p:sp>
+      <p:sp>
+        <p:nvSpPr>
+          <p:cNvPr id="5" name="Fußzeilenplatzhalter 4"/>
+          <p:cNvSpPr>
+            <a:spLocks noGrp="1"/>
+          </p:cNvSpPr>
+          <p:nvPr>
+            <p:ph type="ftr" sz="quarter" idx="11"/>
+          </p:nvPr>
+        </p:nvSpPr>
+        <p:spPr/>
+        <p:txBody>
+          <a:bodyPr/>
+          <a:lstStyle/>
+          <a:p>
+            <a:r>
+              <a:rPr lang="de-DE" smtClean="0"/>
+              <a:t>FST Projekt "Eventalizer" (SS 2012) Team 5</a:t>
+            </a:r>
+            <a:endParaRPr lang="de-DE" dirty="0"/>
+          </a:p>
+        </p:txBody>
+      </p:sp>
+      <p:sp>
+        <p:nvSpPr>
+          <p:cNvPr id="6" name="Foliennummernplatzhalter 5"/>
+          <p:cNvSpPr>
+            <a:spLocks noGrp="1"/>
+          </p:cNvSpPr>
+          <p:nvPr>
+            <p:ph type="sldNum" sz="quarter" idx="12"/>
+          </p:nvPr>
+        </p:nvSpPr>
+        <p:spPr/>
+        <p:txBody>
+          <a:bodyPr/>
+          <a:lstStyle/>
+          <a:p>
+            <a:fld id="{6C6AE60A-B69C-4790-82F7-3882EDF23186}" type="slidenum">
+              <a:rPr lang="de-DE" smtClean="0"/>
+              <a:pPr/>
+              <a:t>30</a:t>
+            </a:fld>
+            <a:endParaRPr lang="de-DE" dirty="0"/>
+          </a:p>
+        </p:txBody>
+      </p:sp>
+      <p:pic>
+        <p:nvPicPr>
+          <p:cNvPr id="2050" name="Picture 2"/>
+          <p:cNvPicPr>
+            <a:picLocks noChangeAspect="1" noChangeArrowheads="1"/>
+          </p:cNvPicPr>
+          <p:nvPr/>
+        </p:nvPicPr>
+        <p:blipFill>
+          <a:blip r:embed="rId3" cstate="print">
+            <a:extLst>
+              <a:ext uri="{28A0092B-C50C-407E-A947-70E740481C1C}">
+                <a14:useLocalDpi xmlns:a14="http://schemas.microsoft.com/office/drawing/2010/main" xmlns="" val="0"/>
+              </a:ext>
+            </a:extLst>
+          </a:blip>
+          <a:srcRect/>
+          <a:stretch>
+            <a:fillRect/>
+          </a:stretch>
+        </p:blipFill>
+        <p:spPr bwMode="auto">
+          <a:xfrm>
+            <a:off x="6153844" y="4941168"/>
+            <a:ext cx="2450604" cy="1323890"/>
+          </a:xfrm>
+          <a:prstGeom prst="roundRect">
+            <a:avLst>
+              <a:gd name="adj" fmla="val 8594"/>
+            </a:avLst>
+          </a:prstGeom>
+          <a:solidFill>
+            <a:srgbClr val="FFFFFF">
+              <a:shade val="85000"/>
+            </a:srgbClr>
+          </a:solidFill>
+          <a:ln>
+            <a:noFill/>
+          </a:ln>
+          <a:effectLst>
+            <a:reflection blurRad="12700" stA="38000" endPos="28000" dist="5000" dir="5400000" sy="-100000" algn="bl" rotWithShape="0"/>
+          </a:effectLst>
+          <a:extLst>
+            <a:ext uri="{91240B29-F687-4F45-9708-019B960494DF}">
+              <a14:hiddenLine xmlns:a14="http://schemas.microsoft.com/office/drawing/2010/main" xmlns="" w="9525">
+                <a:solidFill>
+                  <a:schemeClr val="tx1"/>
+                </a:solidFill>
+                <a:miter lim="800000"/>
+                <a:headEnd/>
+                <a:tailEnd/>
+              </a14:hiddenLine>
+            </a:ext>
+          </a:extLst>
+        </p:spPr>
+      </p:pic>
+    </p:spTree>
+    <p:extLst>
+      <p:ext uri="{BB962C8B-B14F-4D97-AF65-F5344CB8AC3E}">
+        <p14:creationId xmlns:p14="http://schemas.microsoft.com/office/powerpoint/2010/main" xmlns="" val="313312729"/>
+      </p:ext>
+    </p:extLst>
+  </p:cSld>
+  <p:clrMapOvr>
+    <a:masterClrMapping/>
+  </p:clrMapOvr>
+  <p:timing>
+    <p:tnLst>
+      <p:par>
+        <p:cTn id="1" dur="indefinite" restart="never" nodeType="tmRoot"/>
+      </p:par>
+    </p:tnLst>
+  </p:timing>
+</p:sld>
+</file>
+
+<file path=ppt/slides/slide31.xml><?xml version="1.0" encoding="utf-8"?>
+<p:sld xmlns:a="http://schemas.openxmlformats.org/drawingml/2006/main" xmlns:r="http://schemas.openxmlformats.org/officeDocument/2006/relationships" xmlns:p="http://schemas.openxmlformats.org/presentationml/2006/main">
+  <p:cSld>
+    <p:spTree>
+      <p:nvGrpSpPr>
+        <p:cNvPr id="1" name=""/>
+        <p:cNvGrpSpPr/>
+        <p:nvPr/>
+      </p:nvGrpSpPr>
+      <p:grpSpPr>
+        <a:xfrm>
+          <a:off x="0" y="0"/>
+          <a:ext cx="0" cy="0"/>
+          <a:chOff x="0" y="0"/>
+          <a:chExt cx="0" cy="0"/>
+        </a:xfrm>
+      </p:grpSpPr>
+      <p:sp>
+        <p:nvSpPr>
+          <p:cNvPr id="2" name="Titel 1"/>
+          <p:cNvSpPr>
+            <a:spLocks noGrp="1"/>
+          </p:cNvSpPr>
+          <p:nvPr>
+            <p:ph type="title"/>
+          </p:nvPr>
+        </p:nvSpPr>
+        <p:spPr/>
+        <p:txBody>
+          <a:bodyPr/>
+          <a:lstStyle/>
+          <a:p>
+            <a:r>
+              <a:rPr lang="de-DE" dirty="0" smtClean="0"/>
+              <a:t>Reflexion</a:t>
+            </a:r>
+            <a:endParaRPr lang="de-DE" dirty="0"/>
+          </a:p>
+        </p:txBody>
+      </p:sp>
+      <p:sp>
+        <p:nvSpPr>
+          <p:cNvPr id="3" name="Inhaltsplatzhalter 2"/>
+          <p:cNvSpPr>
+            <a:spLocks noGrp="1"/>
+          </p:cNvSpPr>
+          <p:nvPr>
+            <p:ph idx="1"/>
+          </p:nvPr>
+        </p:nvSpPr>
+        <p:spPr/>
+        <p:txBody>
+          <a:bodyPr/>
+          <a:lstStyle/>
+          <a:p>
+            <a:r>
+              <a:rPr lang="de-DE" dirty="0" smtClean="0"/>
+              <a:t>Verbesserungspotential</a:t>
+            </a:r>
+          </a:p>
+          <a:p>
+            <a:pPr lvl="1"/>
+            <a:r>
+              <a:rPr lang="de-DE" dirty="0" err="1" smtClean="0"/>
+              <a:t>gitHub</a:t>
+            </a:r>
+            <a:r>
+              <a:rPr lang="de-DE" dirty="0" smtClean="0"/>
+              <a:t> und binäre Dateiformate</a:t>
+            </a:r>
+          </a:p>
+          <a:p>
+            <a:pPr lvl="1"/>
+            <a:r>
+              <a:rPr lang="de-DE" dirty="0" smtClean="0"/>
+              <a:t>Projektmanagement stärker verfolgen</a:t>
+            </a:r>
+          </a:p>
+          <a:p>
+            <a:pPr lvl="1"/>
+            <a:r>
+              <a:rPr lang="de-DE" dirty="0" err="1" smtClean="0"/>
+              <a:t>Workload</a:t>
+            </a:r>
+            <a:endParaRPr lang="de-DE" smtClean="0"/>
+          </a:p>
+          <a:p>
+            <a:pPr lvl="1"/>
+            <a:endParaRPr lang="de-DE" dirty="0" smtClean="0"/>
+          </a:p>
+          <a:p>
+            <a:r>
+              <a:rPr lang="de-DE" dirty="0" smtClean="0"/>
+              <a:t>Positiv</a:t>
+            </a:r>
+          </a:p>
+          <a:p>
+            <a:pPr lvl="1"/>
+            <a:r>
+              <a:rPr lang="de-DE" dirty="0" err="1" smtClean="0"/>
+              <a:t>PeerReview</a:t>
+            </a:r>
+            <a:endParaRPr lang="de-DE" dirty="0"/>
+          </a:p>
+          <a:p>
+            <a:pPr lvl="1"/>
+            <a:r>
+              <a:rPr lang="de-DE" dirty="0" smtClean="0"/>
+              <a:t>Teamwork</a:t>
+            </a:r>
+          </a:p>
+          <a:p>
+            <a:pPr lvl="1"/>
+            <a:endParaRPr lang="de-DE" dirty="0"/>
+          </a:p>
+          <a:p>
+            <a:pPr lvl="1"/>
+            <a:endParaRPr lang="de-DE" dirty="0"/>
+          </a:p>
+        </p:txBody>
+      </p:sp>
+      <p:sp>
+        <p:nvSpPr>
+          <p:cNvPr id="4" name="Datumsplatzhalter 3"/>
+          <p:cNvSpPr>
+            <a:spLocks noGrp="1"/>
+          </p:cNvSpPr>
+          <p:nvPr>
+            <p:ph type="dt" sz="half" idx="10"/>
+          </p:nvPr>
+        </p:nvSpPr>
+        <p:spPr/>
+        <p:txBody>
+          <a:bodyPr/>
+          <a:lstStyle/>
+          <a:p>
+            <a:r>
+              <a:rPr lang="de-DE" smtClean="0"/>
+              <a:t>21.04.2012</a:t>
+            </a:r>
+            <a:endParaRPr lang="en-US"/>
+          </a:p>
+        </p:txBody>
+      </p:sp>
+      <p:sp>
+        <p:nvSpPr>
+          <p:cNvPr id="5" name="Fußzeilenplatzhalter 4"/>
+          <p:cNvSpPr>
+            <a:spLocks noGrp="1"/>
+          </p:cNvSpPr>
+          <p:nvPr>
+            <p:ph type="ftr" sz="quarter" idx="11"/>
+          </p:nvPr>
+        </p:nvSpPr>
+        <p:spPr/>
+        <p:txBody>
+          <a:bodyPr/>
+          <a:lstStyle/>
+          <a:p>
+            <a:r>
+              <a:rPr lang="de-DE" smtClean="0"/>
+              <a:t>FST Projekt "Eventalizer" (SS 2012) Team 5</a:t>
+            </a:r>
+            <a:endParaRPr lang="de-DE" dirty="0"/>
+          </a:p>
+        </p:txBody>
+      </p:sp>
+      <p:sp>
+        <p:nvSpPr>
+          <p:cNvPr id="6" name="Foliennummernplatzhalter 5"/>
+          <p:cNvSpPr>
+            <a:spLocks noGrp="1"/>
+          </p:cNvSpPr>
+          <p:nvPr>
+            <p:ph type="sldNum" sz="quarter" idx="12"/>
+          </p:nvPr>
+        </p:nvSpPr>
+        <p:spPr/>
+        <p:txBody>
+          <a:bodyPr/>
+          <a:lstStyle/>
+          <a:p>
+            <a:fld id="{990B41CA-569D-40E7-8E58-026C0338B2C8}" type="slidenum">
+              <a:rPr lang="en-US" smtClean="0"/>
+              <a:pPr/>
+              <a:t>31</a:t>
+            </a:fld>
+            <a:endParaRPr lang="en-US"/>
+          </a:p>
+        </p:txBody>
+      </p:sp>
+    </p:spTree>
+    <p:extLst>
+      <p:ext uri="{BB962C8B-B14F-4D97-AF65-F5344CB8AC3E}">
+        <p14:creationId xmlns:p14="http://schemas.microsoft.com/office/powerpoint/2010/main" xmlns="" val="1344880779"/>
+      </p:ext>
+    </p:extLst>
+  </p:cSld>
+  <p:clrMapOvr>
+    <a:masterClrMapping/>
+  </p:clrMapOvr>
+</p:sld>
+</file>
+
+<file path=ppt/slides/slide32.xml><?xml version="1.0" encoding="utf-8"?>
+<p:sld xmlns:a="http://schemas.openxmlformats.org/drawingml/2006/main" xmlns:r="http://schemas.openxmlformats.org/officeDocument/2006/relationships" xmlns:p="http://schemas.openxmlformats.org/presentationml/2006/main">
+  <p:cSld>
+    <p:spTree>
+      <p:nvGrpSpPr>
+        <p:cNvPr id="1" name=""/>
+        <p:cNvGrpSpPr/>
+        <p:nvPr/>
+      </p:nvGrpSpPr>
+      <p:grpSpPr>
+        <a:xfrm>
+          <a:off x="0" y="0"/>
+          <a:ext cx="0" cy="0"/>
+          <a:chOff x="0" y="0"/>
+          <a:chExt cx="0" cy="0"/>
+        </a:xfrm>
+      </p:grpSpPr>
+      <p:sp>
+        <p:nvSpPr>
+          <p:cNvPr id="2" name="Titel 1"/>
+          <p:cNvSpPr>
+            <a:spLocks noGrp="1"/>
+          </p:cNvSpPr>
+          <p:nvPr>
+            <p:ph type="title"/>
+          </p:nvPr>
+        </p:nvSpPr>
+        <p:spPr/>
+        <p:txBody>
+          <a:bodyPr>
+            <a:normAutofit/>
+          </a:bodyPr>
+          <a:lstStyle/>
+          <a:p>
+            <a:r>
+              <a:rPr lang="de-DE" dirty="0" smtClean="0"/>
+              <a:t>Projekt: „</a:t>
+            </a:r>
+            <a:r>
+              <a:rPr lang="de-DE" dirty="0" err="1" smtClean="0"/>
+              <a:t>Eventalizer</a:t>
+            </a:r>
+            <a:r>
+              <a:rPr lang="de-DE" dirty="0" smtClean="0"/>
+              <a:t>“</a:t>
+            </a:r>
+          </a:p>
+        </p:txBody>
+      </p:sp>
+      <p:sp>
+        <p:nvSpPr>
+          <p:cNvPr id="3" name="Untertitel 2"/>
+          <p:cNvSpPr>
+            <a:spLocks noGrp="1"/>
+          </p:cNvSpPr>
+          <p:nvPr>
+            <p:ph type="body" idx="1"/>
+          </p:nvPr>
+        </p:nvSpPr>
+        <p:spPr/>
+        <p:txBody>
+          <a:bodyPr/>
+          <a:lstStyle/>
+          <a:p>
+            <a:r>
+              <a:rPr lang="de-DE" dirty="0" smtClean="0"/>
+              <a:t>Vielen Dank für Ihre Aufmerksamkeit</a:t>
+            </a:r>
+            <a:endParaRPr lang="de-DE" dirty="0"/>
+          </a:p>
+        </p:txBody>
+      </p:sp>
+      <p:pic>
+        <p:nvPicPr>
+          <p:cNvPr id="4" name="Grafik 3"/>
+          <p:cNvPicPr>
+            <a:picLocks noChangeAspect="1"/>
+          </p:cNvPicPr>
+          <p:nvPr/>
+        </p:nvPicPr>
+        <p:blipFill>
+          <a:blip r:embed="rId3" cstate="print">
+            <a:extLst>
+              <a:ext uri="{28A0092B-C50C-407E-A947-70E740481C1C}">
+                <a14:useLocalDpi xmlns:a14="http://schemas.microsoft.com/office/drawing/2010/main" xmlns="" val="0"/>
+              </a:ext>
+            </a:extLst>
+          </a:blip>
+          <a:stretch>
+            <a:fillRect/>
+          </a:stretch>
+        </p:blipFill>
+        <p:spPr>
+          <a:xfrm>
+            <a:off x="4899616" y="6220356"/>
+            <a:ext cx="4199228" cy="593020"/>
+          </a:xfrm>
+          <a:prstGeom prst="rect">
+            <a:avLst/>
+          </a:prstGeom>
+        </p:spPr>
+      </p:pic>
+      <p:pic>
+        <p:nvPicPr>
+          <p:cNvPr id="5" name="Grafik 4"/>
+          <p:cNvPicPr>
+            <a:picLocks noChangeAspect="1"/>
+          </p:cNvPicPr>
+          <p:nvPr/>
+        </p:nvPicPr>
+        <p:blipFill>
+          <a:blip r:embed="rId4" cstate="print">
+            <a:extLst>
+              <a:ext uri="{28A0092B-C50C-407E-A947-70E740481C1C}">
+                <a14:useLocalDpi xmlns:a14="http://schemas.microsoft.com/office/drawing/2010/main" xmlns="" val="0"/>
+              </a:ext>
+            </a:extLst>
+          </a:blip>
+          <a:stretch>
+            <a:fillRect/>
+          </a:stretch>
+        </p:blipFill>
+        <p:spPr>
+          <a:xfrm>
+            <a:off x="2418775" y="5772287"/>
+            <a:ext cx="1236003" cy="1000125"/>
+          </a:xfrm>
+          <a:prstGeom prst="rect">
+            <a:avLst/>
+          </a:prstGeom>
+        </p:spPr>
+      </p:pic>
+    </p:spTree>
+    <p:extLst>
+      <p:ext uri="{BB962C8B-B14F-4D97-AF65-F5344CB8AC3E}">
+        <p14:creationId xmlns:p14="http://schemas.microsoft.com/office/powerpoint/2010/main" xmlns="" val="2565098391"/>
+      </p:ext>
+    </p:extLst>
+  </p:cSld>
+  <p:clrMapOvr>
+    <a:masterClrMapping/>
+  </p:clrMapOvr>
+  <p:timing>
+    <p:tnLst>
+      <p:par>
+        <p:cTn id="1" dur="indefinite" restart="never" nodeType="tmRoot"/>
+      </p:par>
+    </p:tnLst>
+  </p:timing>
+</p:sld>
+</file>
+
+<file path=ppt/slides/slide33.xml><?xml version="1.0" encoding="utf-8"?>
+<p:sld xmlns:a="http://schemas.openxmlformats.org/drawingml/2006/main" xmlns:r="http://schemas.openxmlformats.org/officeDocument/2006/relationships" xmlns:p="http://schemas.openxmlformats.org/presentationml/2006/main">
+  <p:cSld>
+    <p:spTree>
+      <p:nvGrpSpPr>
+        <p:cNvPr id="1" name=""/>
+        <p:cNvGrpSpPr/>
+        <p:nvPr/>
+      </p:nvGrpSpPr>
+      <p:grpSpPr>
+        <a:xfrm>
+          <a:off x="0" y="0"/>
+          <a:ext cx="0" cy="0"/>
+          <a:chOff x="0" y="0"/>
+          <a:chExt cx="0" cy="0"/>
+        </a:xfrm>
+      </p:grpSpPr>
+      <p:sp>
+        <p:nvSpPr>
+          <p:cNvPr id="7" name="Titel 6"/>
+          <p:cNvSpPr>
+            <a:spLocks noGrp="1"/>
+          </p:cNvSpPr>
+          <p:nvPr>
+            <p:ph type="title"/>
+          </p:nvPr>
+        </p:nvSpPr>
+        <p:spPr/>
+        <p:txBody>
+          <a:bodyPr/>
+          <a:lstStyle/>
+          <a:p>
+            <a:r>
+              <a:rPr lang="de-DE" dirty="0" smtClean="0"/>
+              <a:t>Quellen</a:t>
+            </a:r>
+            <a:endParaRPr lang="de-DE" dirty="0"/>
+          </a:p>
+        </p:txBody>
+      </p:sp>
+      <p:sp>
+        <p:nvSpPr>
+          <p:cNvPr id="8" name="Inhaltsplatzhalter 7"/>
+          <p:cNvSpPr>
+            <a:spLocks noGrp="1"/>
+          </p:cNvSpPr>
+          <p:nvPr>
+            <p:ph idx="1"/>
+          </p:nvPr>
+        </p:nvSpPr>
+        <p:spPr/>
+        <p:txBody>
+          <a:bodyPr/>
+          <a:lstStyle/>
+          <a:p>
+            <a:r>
+              <a:rPr lang="de-DE" dirty="0" smtClean="0"/>
+              <a:t>Dekorative Abbildungen</a:t>
+            </a:r>
+          </a:p>
+          <a:p>
+            <a:pPr lvl="1"/>
+            <a:r>
+              <a:rPr lang="de-DE" dirty="0" smtClean="0"/>
+              <a:t>www.FreeDigitalPhotos.net</a:t>
+            </a:r>
+          </a:p>
+          <a:p>
+            <a:pPr lvl="1"/>
+            <a:r>
+              <a:rPr lang="de-DE" dirty="0"/>
+              <a:t>www.animationfactory.com</a:t>
+            </a:r>
+          </a:p>
+          <a:p>
+            <a:pPr lvl="1"/>
+            <a:endParaRPr lang="de-DE" dirty="0"/>
+          </a:p>
+        </p:txBody>
+      </p:sp>
+      <p:sp>
+        <p:nvSpPr>
+          <p:cNvPr id="4" name="Datumsplatzhalter 3"/>
+          <p:cNvSpPr>
+            <a:spLocks noGrp="1"/>
+          </p:cNvSpPr>
+          <p:nvPr>
+            <p:ph type="dt" sz="half" idx="10"/>
+          </p:nvPr>
+        </p:nvSpPr>
+        <p:spPr/>
+        <p:txBody>
+          <a:bodyPr/>
+          <a:lstStyle/>
+          <a:p>
+            <a:r>
+              <a:rPr lang="de-DE" smtClean="0"/>
+              <a:t>21.04.2012</a:t>
+            </a:r>
+            <a:endParaRPr lang="en-US"/>
+          </a:p>
+        </p:txBody>
+      </p:sp>
+      <p:sp>
+        <p:nvSpPr>
+          <p:cNvPr id="5" name="Fußzeilenplatzhalter 4"/>
+          <p:cNvSpPr>
+            <a:spLocks noGrp="1"/>
+          </p:cNvSpPr>
+          <p:nvPr>
+            <p:ph type="ftr" sz="quarter" idx="11"/>
+          </p:nvPr>
+        </p:nvSpPr>
+        <p:spPr/>
+        <p:txBody>
+          <a:bodyPr/>
+          <a:lstStyle/>
+          <a:p>
+            <a:r>
+              <a:rPr lang="de-DE" smtClean="0"/>
+              <a:t>FST Projekt "Eventalizer" (SS 2012) Team 5</a:t>
+            </a:r>
+            <a:endParaRPr lang="de-DE" dirty="0"/>
+          </a:p>
+        </p:txBody>
+      </p:sp>
+      <p:sp>
+        <p:nvSpPr>
+          <p:cNvPr id="6" name="Foliennummernplatzhalter 5"/>
+          <p:cNvSpPr>
+            <a:spLocks noGrp="1"/>
+          </p:cNvSpPr>
+          <p:nvPr>
+            <p:ph type="sldNum" sz="quarter" idx="12"/>
+          </p:nvPr>
+        </p:nvSpPr>
+        <p:spPr/>
+        <p:txBody>
+          <a:bodyPr/>
+          <a:lstStyle/>
+          <a:p>
+            <a:fld id="{990B41CA-569D-40E7-8E58-026C0338B2C8}" type="slidenum">
+              <a:rPr lang="en-US" smtClean="0"/>
+              <a:pPr/>
+              <a:t>33</a:t>
+            </a:fld>
+            <a:endParaRPr lang="en-US"/>
+          </a:p>
+        </p:txBody>
+      </p:sp>
+    </p:spTree>
+    <p:extLst>
+      <p:ext uri="{BB962C8B-B14F-4D97-AF65-F5344CB8AC3E}">
+        <p14:creationId xmlns:p14="http://schemas.microsoft.com/office/powerpoint/2010/main" xmlns="" val="3661383713"/>
+      </p:ext>
+    </p:extLst>
+  </p:cSld>
+  <p:clrMapOvr>
+    <a:masterClrMapping/>
+  </p:clrMapOvr>
 </p:sld>
 </file>
 
@@ -14887,7 +18277,7 @@
     </p:spTree>
     <p:extLst>
       <p:ext uri="{BB962C8B-B14F-4D97-AF65-F5344CB8AC3E}">
-        <p14:creationId xmlns:p14="http://schemas.microsoft.com/office/powerpoint/2010/main" val="351671181"/>
+        <p14:creationId xmlns:p14="http://schemas.microsoft.com/office/powerpoint/2010/main" xmlns="" val="351671181"/>
       </p:ext>
     </p:extLst>
   </p:cSld>
@@ -15345,7 +18735,7 @@
     </p:spTree>
     <p:extLst>
       <p:ext uri="{BB962C8B-B14F-4D97-AF65-F5344CB8AC3E}">
-        <p14:creationId xmlns:p14="http://schemas.microsoft.com/office/powerpoint/2010/main" val="351671181"/>
+        <p14:creationId xmlns:p14="http://schemas.microsoft.com/office/powerpoint/2010/main" xmlns="" val="351671181"/>
       </p:ext>
     </p:extLst>
   </p:cSld>
@@ -15467,7 +18857,7 @@
     </p:spTree>
     <p:extLst>
       <p:ext uri="{BB962C8B-B14F-4D97-AF65-F5344CB8AC3E}">
-        <p14:creationId xmlns:p14="http://schemas.microsoft.com/office/powerpoint/2010/main" val="2681693288"/>
+        <p14:creationId xmlns:p14="http://schemas.microsoft.com/office/powerpoint/2010/main" xmlns="" val="2681693288"/>
       </p:ext>
     </p:extLst>
   </p:cSld>
@@ -15553,11 +18943,7 @@
           <a:p>
             <a:r>
               <a:rPr lang="de-DE" dirty="0" smtClean="0"/>
-              <a:t>F10 </a:t>
-            </a:r>
-            <a:r>
-              <a:rPr lang="de-DE" dirty="0" smtClean="0"/>
-              <a:t>– Benutzerfunktionen:  Anmeldung</a:t>
+              <a:t>F10 – Benutzerfunktionen:  Anmeldung</a:t>
             </a:r>
           </a:p>
           <a:p>
@@ -15674,7 +19060,7 @@
     </p:spTree>
     <p:extLst>
       <p:ext uri="{BB962C8B-B14F-4D97-AF65-F5344CB8AC3E}">
-        <p14:creationId xmlns:p14="http://schemas.microsoft.com/office/powerpoint/2010/main" val="2681693288"/>
+        <p14:creationId xmlns:p14="http://schemas.microsoft.com/office/powerpoint/2010/main" xmlns="" val="2681693288"/>
       </p:ext>
     </p:extLst>
   </p:cSld>
@@ -16137,7 +19523,7 @@
     </p:spTree>
     <p:extLst>
       <p:ext uri="{BB962C8B-B14F-4D97-AF65-F5344CB8AC3E}">
-        <p14:creationId xmlns:p14="http://schemas.microsoft.com/office/powerpoint/2010/main" val="2857272158"/>
+        <p14:creationId xmlns:p14="http://schemas.microsoft.com/office/powerpoint/2010/main" xmlns="" val="2857272158"/>
       </p:ext>
     </p:extLst>
   </p:cSld>
@@ -16217,7 +19603,7 @@
           <a:blip r:embed="rId2" cstate="print">
             <a:extLst>
               <a:ext uri="{28A0092B-C50C-407E-A947-70E740481C1C}">
-                <a14:useLocalDpi xmlns:a14="http://schemas.microsoft.com/office/drawing/2010/main" val="0"/>
+                <a14:useLocalDpi xmlns:a14="http://schemas.microsoft.com/office/drawing/2010/main" xmlns="" val="0"/>
               </a:ext>
             </a:extLst>
           </a:blip>
@@ -16240,14 +19626,14 @@
           <a:effectLst/>
           <a:extLst>
             <a:ext uri="{909E8E84-426E-40DD-AFC4-6F175D3DCCD1}">
-              <a14:hiddenFill xmlns:a14="http://schemas.microsoft.com/office/drawing/2010/main">
+              <a14:hiddenFill xmlns:a14="http://schemas.microsoft.com/office/drawing/2010/main" xmlns="">
                 <a:solidFill>
                   <a:schemeClr val="accent1"/>
                 </a:solidFill>
               </a14:hiddenFill>
             </a:ext>
             <a:ext uri="{91240B29-F687-4F45-9708-019B960494DF}">
-              <a14:hiddenLine xmlns:a14="http://schemas.microsoft.com/office/drawing/2010/main" w="9525">
+              <a14:hiddenLine xmlns:a14="http://schemas.microsoft.com/office/drawing/2010/main" xmlns="" w="9525">
                 <a:solidFill>
                   <a:schemeClr val="tx1"/>
                 </a:solidFill>
@@ -16257,7 +19643,7 @@
               </a14:hiddenLine>
             </a:ext>
             <a:ext uri="{AF507438-7753-43E0-B8FC-AC1667EBCBE1}">
-              <a14:hiddenEffects xmlns:a14="http://schemas.microsoft.com/office/drawing/2010/main">
+              <a14:hiddenEffects xmlns:a14="http://schemas.microsoft.com/office/drawing/2010/main" xmlns="">
                 <a:effectLst>
                   <a:outerShdw dist="35921" dir="2700000" algn="ctr" rotWithShape="0">
                     <a:schemeClr val="bg2"/>
@@ -16548,7 +19934,7 @@
     </p:spTree>
     <p:extLst>
       <p:ext uri="{BB962C8B-B14F-4D97-AF65-F5344CB8AC3E}">
-        <p14:creationId xmlns:p14="http://schemas.microsoft.com/office/powerpoint/2010/main" val="3542583579"/>
+        <p14:creationId xmlns:p14="http://schemas.microsoft.com/office/powerpoint/2010/main" xmlns="" val="3542583579"/>
       </p:ext>
     </p:extLst>
   </p:cSld>

--- a/Dokumente/Abschlusspr�si/Abschlusspr�sentation.pptx
+++ b/Dokumente/Abschlusspr�si/Abschlusspr�sentation.pptx
@@ -402,7 +402,7 @@
     </p:spTree>
     <p:extLst>
       <p:ext uri="{BB962C8B-B14F-4D97-AF65-F5344CB8AC3E}">
-        <p14:creationId xmlns:p14="http://schemas.microsoft.com/office/powerpoint/2010/main" xmlns="" val="2610097957"/>
+        <p14:creationId xmlns:p14="http://schemas.microsoft.com/office/powerpoint/2010/main" val="2610097957"/>
       </p:ext>
     </p:extLst>
   </p:cSld>
@@ -577,7 +577,7 @@
     </p:spTree>
     <p:extLst>
       <p:ext uri="{BB962C8B-B14F-4D97-AF65-F5344CB8AC3E}">
-        <p14:creationId xmlns:p14="http://schemas.microsoft.com/office/powerpoint/2010/main" xmlns="" val="2116472317"/>
+        <p14:creationId xmlns:p14="http://schemas.microsoft.com/office/powerpoint/2010/main" val="2116472317"/>
       </p:ext>
     </p:extLst>
   </p:cSld>
@@ -631,331 +631,6 @@
           <a:bodyPr/>
           <a:lstStyle/>
           <a:p>
-            <a:r>
-              <a:rPr lang="de-DE" dirty="0" smtClean="0"/>
-              <a:t>Funktionale Anforderung per </a:t>
-            </a:r>
-            <a:r>
-              <a:rPr lang="de-DE" dirty="0" err="1" smtClean="0"/>
-              <a:t>Mockup</a:t>
-            </a:r>
-            <a:r>
-              <a:rPr lang="de-DE" dirty="0" smtClean="0"/>
-              <a:t> dargestellt und textuell ergänzt:</a:t>
-            </a:r>
-          </a:p>
-          <a:p>
-            <a:r>
-              <a:rPr lang="de-DE" sz="1200" kern="1200" dirty="0" smtClean="0">
-                <a:solidFill>
-                  <a:schemeClr val="tx1"/>
-                </a:solidFill>
-                <a:effectLst/>
-                <a:latin typeface="+mn-lt"/>
-                <a:ea typeface="+mn-ea"/>
-                <a:cs typeface="+mn-cs"/>
-              </a:rPr>
-              <a:t>Der beliebiger Internetnutzer kann sich über </a:t>
-            </a:r>
-            <a:r>
-              <a:rPr lang="de-DE" sz="1200" kern="1200" dirty="0" err="1" smtClean="0">
-                <a:solidFill>
-                  <a:schemeClr val="tx1"/>
-                </a:solidFill>
-                <a:effectLst/>
-                <a:latin typeface="+mn-lt"/>
-                <a:ea typeface="+mn-ea"/>
-                <a:cs typeface="+mn-cs"/>
-              </a:rPr>
-              <a:t>oAuth</a:t>
-            </a:r>
-            <a:r>
-              <a:rPr lang="de-DE" sz="1200" kern="1200" dirty="0" smtClean="0">
-                <a:solidFill>
-                  <a:schemeClr val="tx1"/>
-                </a:solidFill>
-                <a:effectLst/>
-                <a:latin typeface="+mn-lt"/>
-                <a:ea typeface="+mn-ea"/>
-                <a:cs typeface="+mn-cs"/>
-              </a:rPr>
-              <a:t> (Google oder Facebook-Account) auf der folgenden Eingabemaske an der Internetplattform </a:t>
-            </a:r>
-            <a:r>
-              <a:rPr lang="de-DE" sz="1200" kern="1200" dirty="0" err="1" smtClean="0">
-                <a:solidFill>
-                  <a:schemeClr val="tx1"/>
-                </a:solidFill>
-                <a:effectLst/>
-                <a:latin typeface="+mn-lt"/>
-                <a:ea typeface="+mn-ea"/>
-                <a:cs typeface="+mn-cs"/>
-              </a:rPr>
-              <a:t>Eventalizer</a:t>
-            </a:r>
-            <a:r>
-              <a:rPr lang="de-DE" sz="1200" kern="1200" dirty="0" smtClean="0">
-                <a:solidFill>
-                  <a:schemeClr val="tx1"/>
-                </a:solidFill>
-                <a:effectLst/>
-                <a:latin typeface="+mn-lt"/>
-                <a:ea typeface="+mn-ea"/>
-                <a:cs typeface="+mn-cs"/>
-              </a:rPr>
-              <a:t> anmelden:</a:t>
-            </a:r>
-            <a:br>
-              <a:rPr lang="de-DE" sz="1200" kern="1200" dirty="0" smtClean="0">
-                <a:solidFill>
-                  <a:schemeClr val="tx1"/>
-                </a:solidFill>
-                <a:effectLst/>
-                <a:latin typeface="+mn-lt"/>
-                <a:ea typeface="+mn-ea"/>
-                <a:cs typeface="+mn-cs"/>
-              </a:rPr>
-            </a:br>
-            <a:r>
-              <a:rPr lang="de-DE" sz="1200" kern="1200" dirty="0" smtClean="0">
-                <a:solidFill>
-                  <a:schemeClr val="tx1"/>
-                </a:solidFill>
-                <a:effectLst/>
-                <a:latin typeface="+mn-lt"/>
-                <a:ea typeface="+mn-ea"/>
-                <a:cs typeface="+mn-cs"/>
-              </a:rPr>
-              <a:t> </a:t>
-            </a:r>
-            <a:br>
-              <a:rPr lang="de-DE" sz="1200" kern="1200" dirty="0" smtClean="0">
-                <a:solidFill>
-                  <a:schemeClr val="tx1"/>
-                </a:solidFill>
-                <a:effectLst/>
-                <a:latin typeface="+mn-lt"/>
-                <a:ea typeface="+mn-ea"/>
-                <a:cs typeface="+mn-cs"/>
-              </a:rPr>
-            </a:br>
-            <a:r>
-              <a:rPr lang="de-DE" sz="1200" kern="1200" dirty="0" smtClean="0">
-                <a:solidFill>
-                  <a:schemeClr val="tx1"/>
-                </a:solidFill>
-                <a:effectLst/>
-                <a:latin typeface="+mn-lt"/>
-                <a:ea typeface="+mn-ea"/>
-                <a:cs typeface="+mn-cs"/>
-              </a:rPr>
-              <a:t>Für eine erfolgreiche Anmeldung ist die Angabe der folgenden Informationen notwendig:</a:t>
-            </a:r>
-          </a:p>
-          <a:p>
-            <a:pPr lvl="0"/>
-            <a:r>
-              <a:rPr lang="de-DE" sz="1200" kern="1200" dirty="0" err="1" smtClean="0">
-                <a:solidFill>
-                  <a:schemeClr val="tx1"/>
-                </a:solidFill>
-                <a:effectLst/>
-                <a:latin typeface="+mn-lt"/>
-                <a:ea typeface="+mn-ea"/>
-                <a:cs typeface="+mn-cs"/>
-              </a:rPr>
-              <a:t>Social</a:t>
-            </a:r>
-            <a:r>
-              <a:rPr lang="de-DE" sz="1200" kern="1200" dirty="0" smtClean="0">
-                <a:solidFill>
-                  <a:schemeClr val="tx1"/>
-                </a:solidFill>
-                <a:effectLst/>
-                <a:latin typeface="+mn-lt"/>
-                <a:ea typeface="+mn-ea"/>
-                <a:cs typeface="+mn-cs"/>
-              </a:rPr>
-              <a:t>-Network-Anbieter</a:t>
-            </a:r>
-          </a:p>
-          <a:p>
-            <a:pPr lvl="0"/>
-            <a:r>
-              <a:rPr lang="de-DE" sz="1200" kern="1200" dirty="0" smtClean="0">
-                <a:solidFill>
-                  <a:schemeClr val="tx1"/>
-                </a:solidFill>
-                <a:effectLst/>
-                <a:latin typeface="+mn-lt"/>
-                <a:ea typeface="+mn-ea"/>
-                <a:cs typeface="+mn-cs"/>
-              </a:rPr>
-              <a:t>Der dort verwendete Benutzername</a:t>
-            </a:r>
-          </a:p>
-          <a:p>
-            <a:pPr lvl="0"/>
-            <a:r>
-              <a:rPr lang="de-DE" sz="1200" kern="1200" dirty="0" smtClean="0">
-                <a:solidFill>
-                  <a:schemeClr val="tx1"/>
-                </a:solidFill>
-                <a:effectLst/>
-                <a:latin typeface="+mn-lt"/>
-                <a:ea typeface="+mn-ea"/>
-                <a:cs typeface="+mn-cs"/>
-              </a:rPr>
-              <a:t>Das dort verwendete persönliche Passwort</a:t>
-            </a:r>
-          </a:p>
-          <a:p>
-            <a:r>
-              <a:rPr lang="de-DE" sz="1200" kern="1200" dirty="0" smtClean="0">
-                <a:solidFill>
-                  <a:schemeClr val="tx1"/>
-                </a:solidFill>
-                <a:effectLst/>
-                <a:latin typeface="+mn-lt"/>
-                <a:ea typeface="+mn-ea"/>
-                <a:cs typeface="+mn-cs"/>
-              </a:rPr>
-              <a:t>Die möglichen </a:t>
-            </a:r>
-            <a:r>
-              <a:rPr lang="de-DE" sz="1200" kern="1200" dirty="0" err="1" smtClean="0">
-                <a:solidFill>
-                  <a:schemeClr val="tx1"/>
-                </a:solidFill>
-                <a:effectLst/>
-                <a:latin typeface="+mn-lt"/>
-                <a:ea typeface="+mn-ea"/>
-                <a:cs typeface="+mn-cs"/>
-              </a:rPr>
-              <a:t>Social</a:t>
-            </a:r>
-            <a:r>
-              <a:rPr lang="de-DE" sz="1200" kern="1200" dirty="0" smtClean="0">
-                <a:solidFill>
-                  <a:schemeClr val="tx1"/>
-                </a:solidFill>
-                <a:effectLst/>
-                <a:latin typeface="+mn-lt"/>
-                <a:ea typeface="+mn-ea"/>
-                <a:cs typeface="+mn-cs"/>
-              </a:rPr>
-              <a:t>-Network-Anbieter werden auf der Eingabemaske aufgeführt. </a:t>
-            </a:r>
-            <a:br>
-              <a:rPr lang="de-DE" sz="1200" kern="1200" dirty="0" smtClean="0">
-                <a:solidFill>
-                  <a:schemeClr val="tx1"/>
-                </a:solidFill>
-                <a:effectLst/>
-                <a:latin typeface="+mn-lt"/>
-                <a:ea typeface="+mn-ea"/>
-                <a:cs typeface="+mn-cs"/>
-              </a:rPr>
-            </a:br>
-            <a:r>
-              <a:rPr lang="de-DE" sz="1200" kern="1200" dirty="0" smtClean="0">
-                <a:solidFill>
-                  <a:schemeClr val="tx1"/>
-                </a:solidFill>
-                <a:effectLst/>
-                <a:latin typeface="+mn-lt"/>
-                <a:ea typeface="+mn-ea"/>
-                <a:cs typeface="+mn-cs"/>
-              </a:rPr>
-              <a:t>Die Anmeldung an der Internetplattform ist erfolgreich, wenn die Antwort des </a:t>
-            </a:r>
-            <a:r>
-              <a:rPr lang="de-DE" sz="1200" kern="1200" dirty="0" err="1" smtClean="0">
-                <a:solidFill>
-                  <a:schemeClr val="tx1"/>
-                </a:solidFill>
-                <a:effectLst/>
-                <a:latin typeface="+mn-lt"/>
-                <a:ea typeface="+mn-ea"/>
-                <a:cs typeface="+mn-cs"/>
-              </a:rPr>
-              <a:t>Social</a:t>
-            </a:r>
-            <a:r>
-              <a:rPr lang="de-DE" sz="1200" kern="1200" dirty="0" smtClean="0">
-                <a:solidFill>
-                  <a:schemeClr val="tx1"/>
-                </a:solidFill>
-                <a:effectLst/>
-                <a:latin typeface="+mn-lt"/>
-                <a:ea typeface="+mn-ea"/>
-                <a:cs typeface="+mn-cs"/>
-              </a:rPr>
-              <a:t>-Network-Anbieters positiv ist, d.h. ist der Benutzer dort authentifiziert wurde und die Benutzerdaten übermittelt worden sind. Kann der Benutzer nicht über den </a:t>
-            </a:r>
-            <a:r>
-              <a:rPr lang="de-DE" sz="1200" kern="1200" dirty="0" err="1" smtClean="0">
-                <a:solidFill>
-                  <a:schemeClr val="tx1"/>
-                </a:solidFill>
-                <a:effectLst/>
-                <a:latin typeface="+mn-lt"/>
-                <a:ea typeface="+mn-ea"/>
-                <a:cs typeface="+mn-cs"/>
-              </a:rPr>
-              <a:t>Social</a:t>
-            </a:r>
-            <a:r>
-              <a:rPr lang="de-DE" sz="1200" kern="1200" dirty="0" smtClean="0">
-                <a:solidFill>
-                  <a:schemeClr val="tx1"/>
-                </a:solidFill>
-                <a:effectLst/>
-                <a:latin typeface="+mn-lt"/>
-                <a:ea typeface="+mn-ea"/>
-                <a:cs typeface="+mn-cs"/>
-              </a:rPr>
-              <a:t>-Network-Anbieter authentifiziert werden, erfolgt auch keine Anmeldung.</a:t>
-            </a:r>
-          </a:p>
-          <a:p>
-            <a:r>
-              <a:rPr lang="de-DE" sz="1200" kern="1200" dirty="0" smtClean="0">
-                <a:solidFill>
-                  <a:schemeClr val="tx1"/>
-                </a:solidFill>
-                <a:effectLst/>
-                <a:latin typeface="+mn-lt"/>
-                <a:ea typeface="+mn-ea"/>
-                <a:cs typeface="+mn-cs"/>
-              </a:rPr>
-              <a:t/>
-            </a:r>
-            <a:br>
-              <a:rPr lang="de-DE" sz="1200" kern="1200" dirty="0" smtClean="0">
-                <a:solidFill>
-                  <a:schemeClr val="tx1"/>
-                </a:solidFill>
-                <a:effectLst/>
-                <a:latin typeface="+mn-lt"/>
-                <a:ea typeface="+mn-ea"/>
-                <a:cs typeface="+mn-cs"/>
-              </a:rPr>
-            </a:br>
-            <a:r>
-              <a:rPr lang="de-DE" sz="1200" kern="1200" dirty="0" smtClean="0">
-                <a:solidFill>
-                  <a:schemeClr val="tx1"/>
-                </a:solidFill>
-                <a:effectLst/>
-                <a:latin typeface="+mn-lt"/>
-                <a:ea typeface="+mn-ea"/>
-                <a:cs typeface="+mn-cs"/>
-              </a:rPr>
-              <a:t>@FSM:  Updaten</a:t>
-            </a:r>
-          </a:p>
-          <a:p>
             <a:endParaRPr lang="de-DE" dirty="0"/>
           </a:p>
         </p:txBody>
@@ -987,7 +662,7 @@
     </p:spTree>
     <p:extLst>
       <p:ext uri="{BB962C8B-B14F-4D97-AF65-F5344CB8AC3E}">
-        <p14:creationId xmlns:p14="http://schemas.microsoft.com/office/powerpoint/2010/main" xmlns="" val="2934279750"/>
+        <p14:creationId xmlns:p14="http://schemas.microsoft.com/office/powerpoint/2010/main" val="2934279750"/>
       </p:ext>
     </p:extLst>
   </p:cSld>
@@ -1041,331 +716,6 @@
           <a:bodyPr/>
           <a:lstStyle/>
           <a:p>
-            <a:r>
-              <a:rPr lang="de-DE" dirty="0" smtClean="0"/>
-              <a:t>Funktionale Anforderung per </a:t>
-            </a:r>
-            <a:r>
-              <a:rPr lang="de-DE" dirty="0" err="1" smtClean="0"/>
-              <a:t>Mockup</a:t>
-            </a:r>
-            <a:r>
-              <a:rPr lang="de-DE" dirty="0" smtClean="0"/>
-              <a:t> dargestellt und textuell ergänzt:</a:t>
-            </a:r>
-          </a:p>
-          <a:p>
-            <a:r>
-              <a:rPr lang="de-DE" sz="1200" kern="1200" dirty="0" smtClean="0">
-                <a:solidFill>
-                  <a:schemeClr val="tx1"/>
-                </a:solidFill>
-                <a:effectLst/>
-                <a:latin typeface="+mn-lt"/>
-                <a:ea typeface="+mn-ea"/>
-                <a:cs typeface="+mn-cs"/>
-              </a:rPr>
-              <a:t>Der beliebiger Internetnutzer kann sich über </a:t>
-            </a:r>
-            <a:r>
-              <a:rPr lang="de-DE" sz="1200" kern="1200" dirty="0" err="1" smtClean="0">
-                <a:solidFill>
-                  <a:schemeClr val="tx1"/>
-                </a:solidFill>
-                <a:effectLst/>
-                <a:latin typeface="+mn-lt"/>
-                <a:ea typeface="+mn-ea"/>
-                <a:cs typeface="+mn-cs"/>
-              </a:rPr>
-              <a:t>oAuth</a:t>
-            </a:r>
-            <a:r>
-              <a:rPr lang="de-DE" sz="1200" kern="1200" dirty="0" smtClean="0">
-                <a:solidFill>
-                  <a:schemeClr val="tx1"/>
-                </a:solidFill>
-                <a:effectLst/>
-                <a:latin typeface="+mn-lt"/>
-                <a:ea typeface="+mn-ea"/>
-                <a:cs typeface="+mn-cs"/>
-              </a:rPr>
-              <a:t> (Google oder Facebook-Account) auf der folgenden Eingabemaske an der Internetplattform </a:t>
-            </a:r>
-            <a:r>
-              <a:rPr lang="de-DE" sz="1200" kern="1200" dirty="0" err="1" smtClean="0">
-                <a:solidFill>
-                  <a:schemeClr val="tx1"/>
-                </a:solidFill>
-                <a:effectLst/>
-                <a:latin typeface="+mn-lt"/>
-                <a:ea typeface="+mn-ea"/>
-                <a:cs typeface="+mn-cs"/>
-              </a:rPr>
-              <a:t>Eventalizer</a:t>
-            </a:r>
-            <a:r>
-              <a:rPr lang="de-DE" sz="1200" kern="1200" dirty="0" smtClean="0">
-                <a:solidFill>
-                  <a:schemeClr val="tx1"/>
-                </a:solidFill>
-                <a:effectLst/>
-                <a:latin typeface="+mn-lt"/>
-                <a:ea typeface="+mn-ea"/>
-                <a:cs typeface="+mn-cs"/>
-              </a:rPr>
-              <a:t> anmelden:</a:t>
-            </a:r>
-            <a:br>
-              <a:rPr lang="de-DE" sz="1200" kern="1200" dirty="0" smtClean="0">
-                <a:solidFill>
-                  <a:schemeClr val="tx1"/>
-                </a:solidFill>
-                <a:effectLst/>
-                <a:latin typeface="+mn-lt"/>
-                <a:ea typeface="+mn-ea"/>
-                <a:cs typeface="+mn-cs"/>
-              </a:rPr>
-            </a:br>
-            <a:r>
-              <a:rPr lang="de-DE" sz="1200" kern="1200" dirty="0" smtClean="0">
-                <a:solidFill>
-                  <a:schemeClr val="tx1"/>
-                </a:solidFill>
-                <a:effectLst/>
-                <a:latin typeface="+mn-lt"/>
-                <a:ea typeface="+mn-ea"/>
-                <a:cs typeface="+mn-cs"/>
-              </a:rPr>
-              <a:t> </a:t>
-            </a:r>
-            <a:br>
-              <a:rPr lang="de-DE" sz="1200" kern="1200" dirty="0" smtClean="0">
-                <a:solidFill>
-                  <a:schemeClr val="tx1"/>
-                </a:solidFill>
-                <a:effectLst/>
-                <a:latin typeface="+mn-lt"/>
-                <a:ea typeface="+mn-ea"/>
-                <a:cs typeface="+mn-cs"/>
-              </a:rPr>
-            </a:br>
-            <a:r>
-              <a:rPr lang="de-DE" sz="1200" kern="1200" dirty="0" smtClean="0">
-                <a:solidFill>
-                  <a:schemeClr val="tx1"/>
-                </a:solidFill>
-                <a:effectLst/>
-                <a:latin typeface="+mn-lt"/>
-                <a:ea typeface="+mn-ea"/>
-                <a:cs typeface="+mn-cs"/>
-              </a:rPr>
-              <a:t>Für eine erfolgreiche Anmeldung ist die Angabe der folgenden Informationen notwendig:</a:t>
-            </a:r>
-          </a:p>
-          <a:p>
-            <a:pPr lvl="0"/>
-            <a:r>
-              <a:rPr lang="de-DE" sz="1200" kern="1200" dirty="0" err="1" smtClean="0">
-                <a:solidFill>
-                  <a:schemeClr val="tx1"/>
-                </a:solidFill>
-                <a:effectLst/>
-                <a:latin typeface="+mn-lt"/>
-                <a:ea typeface="+mn-ea"/>
-                <a:cs typeface="+mn-cs"/>
-              </a:rPr>
-              <a:t>Social</a:t>
-            </a:r>
-            <a:r>
-              <a:rPr lang="de-DE" sz="1200" kern="1200" dirty="0" smtClean="0">
-                <a:solidFill>
-                  <a:schemeClr val="tx1"/>
-                </a:solidFill>
-                <a:effectLst/>
-                <a:latin typeface="+mn-lt"/>
-                <a:ea typeface="+mn-ea"/>
-                <a:cs typeface="+mn-cs"/>
-              </a:rPr>
-              <a:t>-Network-Anbieter</a:t>
-            </a:r>
-          </a:p>
-          <a:p>
-            <a:pPr lvl="0"/>
-            <a:r>
-              <a:rPr lang="de-DE" sz="1200" kern="1200" dirty="0" smtClean="0">
-                <a:solidFill>
-                  <a:schemeClr val="tx1"/>
-                </a:solidFill>
-                <a:effectLst/>
-                <a:latin typeface="+mn-lt"/>
-                <a:ea typeface="+mn-ea"/>
-                <a:cs typeface="+mn-cs"/>
-              </a:rPr>
-              <a:t>Der dort verwendete Benutzername</a:t>
-            </a:r>
-          </a:p>
-          <a:p>
-            <a:pPr lvl="0"/>
-            <a:r>
-              <a:rPr lang="de-DE" sz="1200" kern="1200" dirty="0" smtClean="0">
-                <a:solidFill>
-                  <a:schemeClr val="tx1"/>
-                </a:solidFill>
-                <a:effectLst/>
-                <a:latin typeface="+mn-lt"/>
-                <a:ea typeface="+mn-ea"/>
-                <a:cs typeface="+mn-cs"/>
-              </a:rPr>
-              <a:t>Das dort verwendete persönliche Passwort</a:t>
-            </a:r>
-          </a:p>
-          <a:p>
-            <a:r>
-              <a:rPr lang="de-DE" sz="1200" kern="1200" dirty="0" smtClean="0">
-                <a:solidFill>
-                  <a:schemeClr val="tx1"/>
-                </a:solidFill>
-                <a:effectLst/>
-                <a:latin typeface="+mn-lt"/>
-                <a:ea typeface="+mn-ea"/>
-                <a:cs typeface="+mn-cs"/>
-              </a:rPr>
-              <a:t>Die möglichen </a:t>
-            </a:r>
-            <a:r>
-              <a:rPr lang="de-DE" sz="1200" kern="1200" dirty="0" err="1" smtClean="0">
-                <a:solidFill>
-                  <a:schemeClr val="tx1"/>
-                </a:solidFill>
-                <a:effectLst/>
-                <a:latin typeface="+mn-lt"/>
-                <a:ea typeface="+mn-ea"/>
-                <a:cs typeface="+mn-cs"/>
-              </a:rPr>
-              <a:t>Social</a:t>
-            </a:r>
-            <a:r>
-              <a:rPr lang="de-DE" sz="1200" kern="1200" dirty="0" smtClean="0">
-                <a:solidFill>
-                  <a:schemeClr val="tx1"/>
-                </a:solidFill>
-                <a:effectLst/>
-                <a:latin typeface="+mn-lt"/>
-                <a:ea typeface="+mn-ea"/>
-                <a:cs typeface="+mn-cs"/>
-              </a:rPr>
-              <a:t>-Network-Anbieter werden auf der Eingabemaske aufgeführt. </a:t>
-            </a:r>
-            <a:br>
-              <a:rPr lang="de-DE" sz="1200" kern="1200" dirty="0" smtClean="0">
-                <a:solidFill>
-                  <a:schemeClr val="tx1"/>
-                </a:solidFill>
-                <a:effectLst/>
-                <a:latin typeface="+mn-lt"/>
-                <a:ea typeface="+mn-ea"/>
-                <a:cs typeface="+mn-cs"/>
-              </a:rPr>
-            </a:br>
-            <a:r>
-              <a:rPr lang="de-DE" sz="1200" kern="1200" dirty="0" smtClean="0">
-                <a:solidFill>
-                  <a:schemeClr val="tx1"/>
-                </a:solidFill>
-                <a:effectLst/>
-                <a:latin typeface="+mn-lt"/>
-                <a:ea typeface="+mn-ea"/>
-                <a:cs typeface="+mn-cs"/>
-              </a:rPr>
-              <a:t>Die Anmeldung an der Internetplattform ist erfolgreich, wenn die Antwort des </a:t>
-            </a:r>
-            <a:r>
-              <a:rPr lang="de-DE" sz="1200" kern="1200" dirty="0" err="1" smtClean="0">
-                <a:solidFill>
-                  <a:schemeClr val="tx1"/>
-                </a:solidFill>
-                <a:effectLst/>
-                <a:latin typeface="+mn-lt"/>
-                <a:ea typeface="+mn-ea"/>
-                <a:cs typeface="+mn-cs"/>
-              </a:rPr>
-              <a:t>Social</a:t>
-            </a:r>
-            <a:r>
-              <a:rPr lang="de-DE" sz="1200" kern="1200" dirty="0" smtClean="0">
-                <a:solidFill>
-                  <a:schemeClr val="tx1"/>
-                </a:solidFill>
-                <a:effectLst/>
-                <a:latin typeface="+mn-lt"/>
-                <a:ea typeface="+mn-ea"/>
-                <a:cs typeface="+mn-cs"/>
-              </a:rPr>
-              <a:t>-Network-Anbieters positiv ist, d.h. ist der Benutzer dort authentifiziert wurde und die Benutzerdaten übermittelt worden sind. Kann der Benutzer nicht über den </a:t>
-            </a:r>
-            <a:r>
-              <a:rPr lang="de-DE" sz="1200" kern="1200" dirty="0" err="1" smtClean="0">
-                <a:solidFill>
-                  <a:schemeClr val="tx1"/>
-                </a:solidFill>
-                <a:effectLst/>
-                <a:latin typeface="+mn-lt"/>
-                <a:ea typeface="+mn-ea"/>
-                <a:cs typeface="+mn-cs"/>
-              </a:rPr>
-              <a:t>Social</a:t>
-            </a:r>
-            <a:r>
-              <a:rPr lang="de-DE" sz="1200" kern="1200" dirty="0" smtClean="0">
-                <a:solidFill>
-                  <a:schemeClr val="tx1"/>
-                </a:solidFill>
-                <a:effectLst/>
-                <a:latin typeface="+mn-lt"/>
-                <a:ea typeface="+mn-ea"/>
-                <a:cs typeface="+mn-cs"/>
-              </a:rPr>
-              <a:t>-Network-Anbieter authentifiziert werden, erfolgt auch keine Anmeldung.</a:t>
-            </a:r>
-          </a:p>
-          <a:p>
-            <a:r>
-              <a:rPr lang="de-DE" sz="1200" kern="1200" dirty="0" smtClean="0">
-                <a:solidFill>
-                  <a:schemeClr val="tx1"/>
-                </a:solidFill>
-                <a:effectLst/>
-                <a:latin typeface="+mn-lt"/>
-                <a:ea typeface="+mn-ea"/>
-                <a:cs typeface="+mn-cs"/>
-              </a:rPr>
-              <a:t/>
-            </a:r>
-            <a:br>
-              <a:rPr lang="de-DE" sz="1200" kern="1200" dirty="0" smtClean="0">
-                <a:solidFill>
-                  <a:schemeClr val="tx1"/>
-                </a:solidFill>
-                <a:effectLst/>
-                <a:latin typeface="+mn-lt"/>
-                <a:ea typeface="+mn-ea"/>
-                <a:cs typeface="+mn-cs"/>
-              </a:rPr>
-            </a:br>
-            <a:r>
-              <a:rPr lang="de-DE" sz="1200" kern="1200" dirty="0" smtClean="0">
-                <a:solidFill>
-                  <a:schemeClr val="tx1"/>
-                </a:solidFill>
-                <a:effectLst/>
-                <a:latin typeface="+mn-lt"/>
-                <a:ea typeface="+mn-ea"/>
-                <a:cs typeface="+mn-cs"/>
-              </a:rPr>
-              <a:t>@FSM:  Updaten</a:t>
-            </a:r>
-          </a:p>
-          <a:p>
             <a:endParaRPr lang="de-DE" dirty="0"/>
           </a:p>
         </p:txBody>
@@ -1397,7 +747,7 @@
     </p:spTree>
     <p:extLst>
       <p:ext uri="{BB962C8B-B14F-4D97-AF65-F5344CB8AC3E}">
-        <p14:creationId xmlns:p14="http://schemas.microsoft.com/office/powerpoint/2010/main" xmlns="" val="2934279750"/>
+        <p14:creationId xmlns:p14="http://schemas.microsoft.com/office/powerpoint/2010/main" val="2934279750"/>
       </p:ext>
     </p:extLst>
   </p:cSld>
@@ -1453,37 +803,7 @@
           <a:p>
             <a:r>
               <a:rPr lang="de-DE" dirty="0" smtClean="0"/>
-              <a:t>Ist evtl. überflüssig, da grob in </a:t>
-            </a:r>
-            <a:r>
-              <a:rPr lang="de-DE" dirty="0" err="1" smtClean="0"/>
-              <a:t>Zwischenpräsi</a:t>
-            </a:r>
-            <a:r>
-              <a:rPr lang="de-DE" dirty="0" smtClean="0"/>
-              <a:t> erwähnt?</a:t>
-            </a:r>
-          </a:p>
-          <a:p>
-            <a:r>
-              <a:rPr lang="de-DE" dirty="0" smtClean="0"/>
-              <a:t>Können wir </a:t>
-            </a:r>
-            <a:r>
-              <a:rPr lang="de-DE" dirty="0" err="1" smtClean="0"/>
-              <a:t>Roo</a:t>
-            </a:r>
-            <a:r>
-              <a:rPr lang="de-DE" baseline="0" dirty="0" smtClean="0"/>
-              <a:t> als Vorlage für die Agenda nehmen? Oder doch eher die technische Umsetzungsfolge </a:t>
-            </a:r>
-            <a:r>
-              <a:rPr lang="de-DE" baseline="0" dirty="0" err="1" smtClean="0"/>
-              <a:t>alá</a:t>
-            </a:r>
-            <a:r>
-              <a:rPr lang="de-DE" baseline="0" dirty="0" smtClean="0"/>
-              <a:t> RUP?</a:t>
+              <a:t>Grobe Architektur/Interaktion</a:t>
             </a:r>
             <a:endParaRPr lang="de-DE" dirty="0"/>
           </a:p>
@@ -1516,7 +836,7 @@
     </p:spTree>
     <p:extLst>
       <p:ext uri="{BB962C8B-B14F-4D97-AF65-F5344CB8AC3E}">
-        <p14:creationId xmlns:p14="http://schemas.microsoft.com/office/powerpoint/2010/main" xmlns="" val="135288531"/>
+        <p14:creationId xmlns:p14="http://schemas.microsoft.com/office/powerpoint/2010/main" val="135288531"/>
       </p:ext>
     </p:extLst>
   </p:cSld>
@@ -1572,51 +892,11 @@
           <a:p>
             <a:r>
               <a:rPr lang="de-DE" dirty="0" smtClean="0"/>
-              <a:t>Blau: Event </a:t>
-            </a:r>
-            <a:r>
-              <a:rPr lang="de-DE" dirty="0" err="1" smtClean="0"/>
-              <a:t>anlage</a:t>
-            </a:r>
-            <a:endParaRPr lang="de-DE" dirty="0" smtClean="0"/>
-          </a:p>
-          <a:p>
-            <a:r>
-              <a:rPr lang="de-DE" dirty="0" smtClean="0"/>
-              <a:t>DB Table Event, </a:t>
-            </a:r>
-            <a:r>
-              <a:rPr lang="de-DE" dirty="0" err="1" smtClean="0"/>
-              <a:t>normaliserte</a:t>
+              <a:t>Konkretes Beispiel zur vorherigen</a:t>
             </a:r>
             <a:r>
               <a:rPr lang="de-DE" baseline="0" dirty="0" smtClean="0"/>
-              <a:t> Teilnehmerliste und Ort</a:t>
-            </a:r>
-          </a:p>
-          <a:p>
-            <a:endParaRPr lang="de-DE" baseline="0" dirty="0" smtClean="0"/>
-          </a:p>
-          <a:p>
-            <a:r>
-              <a:rPr lang="de-DE" baseline="0" dirty="0" smtClean="0"/>
-              <a:t>Rot: Login Verknüpfung Session ID aus </a:t>
-            </a:r>
-            <a:r>
-              <a:rPr lang="de-DE" baseline="0" dirty="0" err="1" smtClean="0"/>
-              <a:t>oAuth</a:t>
-            </a:r>
-            <a:r>
-              <a:rPr lang="de-DE" baseline="0" dirty="0" smtClean="0"/>
-              <a:t>, Grunddaten (</a:t>
-            </a:r>
-            <a:r>
-              <a:rPr lang="de-DE" baseline="0" dirty="0" err="1" smtClean="0"/>
-              <a:t>name</a:t>
-            </a:r>
-            <a:r>
-              <a:rPr lang="de-DE" baseline="0" dirty="0" smtClean="0"/>
-              <a:t>, E-Mail-Adresse etc.) werden ausgelesen und persistent gespeichert.</a:t>
+              <a:t> Darstellung</a:t>
             </a:r>
             <a:endParaRPr lang="de-DE" dirty="0"/>
           </a:p>
@@ -1640,7 +920,7 @@
             <a:fld id="{F7EBFB8C-BBFF-4397-A51C-1E92596422A9}" type="slidenum">
               <a:rPr lang="en-US" smtClean="0"/>
               <a:pPr/>
-              <a:t>18</a:t>
+              <a:t>16</a:t>
             </a:fld>
             <a:endParaRPr lang="en-US" dirty="0"/>
           </a:p>
@@ -1649,7 +929,7 @@
     </p:spTree>
     <p:extLst>
       <p:ext uri="{BB962C8B-B14F-4D97-AF65-F5344CB8AC3E}">
-        <p14:creationId xmlns:p14="http://schemas.microsoft.com/office/powerpoint/2010/main" xmlns="" val="802076649"/>
+        <p14:creationId xmlns:p14="http://schemas.microsoft.com/office/powerpoint/2010/main" val="2825845930"/>
       </p:ext>
     </p:extLst>
   </p:cSld>
@@ -1705,52 +985,20 @@
           <a:p>
             <a:r>
               <a:rPr lang="de-DE" dirty="0" smtClean="0"/>
-              <a:t>Blau: Event </a:t>
-            </a:r>
-            <a:r>
-              <a:rPr lang="de-DE" dirty="0" err="1" smtClean="0"/>
-              <a:t>anlage</a:t>
-            </a:r>
-            <a:endParaRPr lang="de-DE" dirty="0" smtClean="0"/>
-          </a:p>
-          <a:p>
-            <a:r>
-              <a:rPr lang="de-DE" dirty="0" smtClean="0"/>
-              <a:t>DB Table Event, </a:t>
-            </a:r>
-            <a:r>
-              <a:rPr lang="de-DE" dirty="0" err="1" smtClean="0"/>
-              <a:t>normaliserte</a:t>
+              <a:t>Vorstellen:</a:t>
+            </a:r>
+          </a:p>
+          <a:p>
+            <a:r>
+              <a:rPr lang="de-DE" dirty="0" smtClean="0"/>
+              <a:t>Login</a:t>
             </a:r>
             <a:r>
               <a:rPr lang="de-DE" baseline="0" dirty="0" smtClean="0"/>
-              <a:t> Teilnehmerliste und Ort</a:t>
-            </a:r>
-          </a:p>
-          <a:p>
-            <a:endParaRPr lang="de-DE" baseline="0" dirty="0" smtClean="0"/>
-          </a:p>
-          <a:p>
-            <a:r>
-              <a:rPr lang="de-DE" baseline="0" dirty="0" smtClean="0"/>
-              <a:t>Rot: Login Verknüpfung Session ID aus </a:t>
-            </a:r>
-            <a:r>
-              <a:rPr lang="de-DE" baseline="0" dirty="0" err="1" smtClean="0"/>
-              <a:t>oAuth</a:t>
-            </a:r>
-            <a:r>
-              <a:rPr lang="de-DE" baseline="0" dirty="0" smtClean="0"/>
-              <a:t>, Grunddaten (</a:t>
-            </a:r>
-            <a:r>
-              <a:rPr lang="de-DE" baseline="0" dirty="0" err="1" smtClean="0"/>
-              <a:t>name</a:t>
-            </a:r>
-            <a:r>
-              <a:rPr lang="de-DE" baseline="0" dirty="0" smtClean="0"/>
-              <a:t>, E-Mail-Adresse etc.) werden ausgelesen und persistent gespeichert.</a:t>
-            </a:r>
+              <a:t> -&gt; Ablauf Sequenzdiagramm praktisch zeigen</a:t>
+            </a:r>
+          </a:p>
+          <a:p>
             <a:endParaRPr lang="de-DE" dirty="0"/>
           </a:p>
         </p:txBody>
@@ -1773,7 +1021,7 @@
             <a:fld id="{F7EBFB8C-BBFF-4397-A51C-1E92596422A9}" type="slidenum">
               <a:rPr lang="en-US" smtClean="0"/>
               <a:pPr/>
-              <a:t>19</a:t>
+              <a:t>17</a:t>
             </a:fld>
             <a:endParaRPr lang="en-US" dirty="0"/>
           </a:p>
@@ -1782,7 +1030,7 @@
     </p:spTree>
     <p:extLst>
       <p:ext uri="{BB962C8B-B14F-4D97-AF65-F5344CB8AC3E}">
-        <p14:creationId xmlns="" xmlns:p14="http://schemas.microsoft.com/office/powerpoint/2010/main" val="802076649"/>
+        <p14:creationId xmlns:p14="http://schemas.microsoft.com/office/powerpoint/2010/main" val="3912581999"/>
       </p:ext>
     </p:extLst>
   </p:cSld>
@@ -1906,7 +1154,7 @@
             <a:fld id="{F7EBFB8C-BBFF-4397-A51C-1E92596422A9}" type="slidenum">
               <a:rPr lang="en-US" smtClean="0"/>
               <a:pPr/>
-              <a:t>20</a:t>
+              <a:t>18</a:t>
             </a:fld>
             <a:endParaRPr lang="en-US" dirty="0"/>
           </a:p>
@@ -1915,7 +1163,7 @@
     </p:spTree>
     <p:extLst>
       <p:ext uri="{BB962C8B-B14F-4D97-AF65-F5344CB8AC3E}">
-        <p14:creationId xmlns="" xmlns:p14="http://schemas.microsoft.com/office/powerpoint/2010/main" val="802076649"/>
+        <p14:creationId xmlns:p14="http://schemas.microsoft.com/office/powerpoint/2010/main" val="802076649"/>
       </p:ext>
     </p:extLst>
   </p:cSld>
@@ -2039,7 +1287,7 @@
             <a:fld id="{F7EBFB8C-BBFF-4397-A51C-1E92596422A9}" type="slidenum">
               <a:rPr lang="en-US" smtClean="0"/>
               <a:pPr/>
-              <a:t>21</a:t>
+              <a:t>19</a:t>
             </a:fld>
             <a:endParaRPr lang="en-US" dirty="0"/>
           </a:p>
@@ -2048,7 +1296,7 @@
     </p:spTree>
     <p:extLst>
       <p:ext uri="{BB962C8B-B14F-4D97-AF65-F5344CB8AC3E}">
-        <p14:creationId xmlns="" xmlns:p14="http://schemas.microsoft.com/office/powerpoint/2010/main" val="802076649"/>
+        <p14:creationId xmlns:p14="http://schemas.microsoft.com/office/powerpoint/2010/main" val="802076649"/>
       </p:ext>
     </p:extLst>
   </p:cSld>
@@ -2172,7 +1420,7 @@
             <a:fld id="{F7EBFB8C-BBFF-4397-A51C-1E92596422A9}" type="slidenum">
               <a:rPr lang="en-US" smtClean="0"/>
               <a:pPr/>
-              <a:t>22</a:t>
+              <a:t>20</a:t>
             </a:fld>
             <a:endParaRPr lang="en-US" dirty="0"/>
           </a:p>
@@ -2181,7 +1429,7 @@
     </p:spTree>
     <p:extLst>
       <p:ext uri="{BB962C8B-B14F-4D97-AF65-F5344CB8AC3E}">
-        <p14:creationId xmlns="" xmlns:p14="http://schemas.microsoft.com/office/powerpoint/2010/main" val="802076649"/>
+        <p14:creationId xmlns:p14="http://schemas.microsoft.com/office/powerpoint/2010/main" val="802076649"/>
       </p:ext>
     </p:extLst>
   </p:cSld>
@@ -2305,7 +1553,7 @@
             <a:fld id="{F7EBFB8C-BBFF-4397-A51C-1E92596422A9}" type="slidenum">
               <a:rPr lang="en-US" smtClean="0"/>
               <a:pPr/>
-              <a:t>23</a:t>
+              <a:t>21</a:t>
             </a:fld>
             <a:endParaRPr lang="en-US" dirty="0"/>
           </a:p>
@@ -2314,7 +1562,7 @@
     </p:spTree>
     <p:extLst>
       <p:ext uri="{BB962C8B-B14F-4D97-AF65-F5344CB8AC3E}">
-        <p14:creationId xmlns="" xmlns:p14="http://schemas.microsoft.com/office/powerpoint/2010/main" val="802076649"/>
+        <p14:creationId xmlns:p14="http://schemas.microsoft.com/office/powerpoint/2010/main" val="802076649"/>
       </p:ext>
     </p:extLst>
   </p:cSld>
@@ -2438,7 +1686,7 @@
             <a:fld id="{F7EBFB8C-BBFF-4397-A51C-1E92596422A9}" type="slidenum">
               <a:rPr lang="en-US" smtClean="0"/>
               <a:pPr/>
-              <a:t>24</a:t>
+              <a:t>22</a:t>
             </a:fld>
             <a:endParaRPr lang="en-US" dirty="0"/>
           </a:p>
@@ -2447,7 +1695,7 @@
     </p:spTree>
     <p:extLst>
       <p:ext uri="{BB962C8B-B14F-4D97-AF65-F5344CB8AC3E}">
-        <p14:creationId xmlns="" xmlns:p14="http://schemas.microsoft.com/office/powerpoint/2010/main" val="802076649"/>
+        <p14:creationId xmlns:p14="http://schemas.microsoft.com/office/powerpoint/2010/main" val="802076649"/>
       </p:ext>
     </p:extLst>
   </p:cSld>
@@ -2772,7 +2020,7 @@
     </p:spTree>
     <p:extLst>
       <p:ext uri="{BB962C8B-B14F-4D97-AF65-F5344CB8AC3E}">
-        <p14:creationId xmlns:p14="http://schemas.microsoft.com/office/powerpoint/2010/main" xmlns="" val="517533983"/>
+        <p14:creationId xmlns:p14="http://schemas.microsoft.com/office/powerpoint/2010/main" val="517533983"/>
       </p:ext>
     </p:extLst>
   </p:cSld>
@@ -2823,135 +2071,57 @@
         </p:nvSpPr>
         <p:spPr/>
         <p:txBody>
-          <a:bodyPr>
-            <a:normAutofit fontScale="70000" lnSpcReduction="20000"/>
-          </a:bodyPr>
-          <a:lstStyle/>
-          <a:p>
+          <a:bodyPr/>
+          <a:lstStyle/>
+          <a:p>
+            <a:r>
+              <a:rPr lang="de-DE" dirty="0" smtClean="0"/>
+              <a:t>Blau: Event </a:t>
+            </a:r>
             <a:r>
               <a:rPr lang="de-DE" dirty="0" err="1" smtClean="0"/>
-              <a:t>ÄUßERE</a:t>
-            </a:r>
-            <a:r>
-              <a:rPr lang="de-DE" dirty="0" smtClean="0"/>
-              <a:t> UND INNERE QUALITÄT	</a:t>
-            </a:r>
-          </a:p>
-          <a:p>
-            <a:r>
-              <a:rPr lang="de-DE" dirty="0" smtClean="0"/>
-              <a:t>	Funktionalität	</a:t>
-            </a:r>
-          </a:p>
-          <a:p>
-            <a:r>
-              <a:rPr lang="de-DE" dirty="0" smtClean="0"/>
-              <a:t>	Zuverlässigkeit	</a:t>
-            </a:r>
-          </a:p>
-          <a:p>
-            <a:r>
-              <a:rPr lang="de-DE" dirty="0" smtClean="0"/>
-              <a:t>	Benutzbarkeit	</a:t>
-            </a:r>
-          </a:p>
-          <a:p>
-            <a:r>
-              <a:rPr lang="de-DE" dirty="0" smtClean="0"/>
-              <a:t>	Effizienz	</a:t>
-            </a:r>
-          </a:p>
-          <a:p>
-            <a:r>
-              <a:rPr lang="de-DE" dirty="0" smtClean="0"/>
-              <a:t>	Wartbarkeit	</a:t>
-            </a:r>
-          </a:p>
-          <a:p>
-            <a:r>
-              <a:rPr lang="de-DE" dirty="0" smtClean="0"/>
-              <a:t>	Portabilität	</a:t>
-            </a:r>
-          </a:p>
-          <a:p>
-            <a:r>
-              <a:rPr lang="de-DE" dirty="0" smtClean="0"/>
-              <a:t>GEBRAUCHSTAUGLICHKEIT	</a:t>
-            </a:r>
-          </a:p>
-          <a:p>
-            <a:r>
-              <a:rPr lang="de-DE" dirty="0" smtClean="0"/>
-              <a:t>	Effektivität	</a:t>
-            </a:r>
-          </a:p>
-          <a:p>
-            <a:r>
-              <a:rPr lang="de-DE" dirty="0" smtClean="0"/>
-              <a:t>	Produktivität	</a:t>
-            </a:r>
-          </a:p>
-          <a:p>
-            <a:r>
-              <a:rPr lang="de-DE" dirty="0" smtClean="0"/>
-              <a:t>	Sicherheit	</a:t>
-            </a:r>
-          </a:p>
-          <a:p>
-            <a:r>
-              <a:rPr lang="de-DE" dirty="0" smtClean="0"/>
-              <a:t>	Zufriedenheit	</a:t>
-            </a:r>
-          </a:p>
-          <a:p>
-            <a:r>
-              <a:rPr lang="de-DE" dirty="0" smtClean="0"/>
-              <a:t>TECHNISCHE ANFORDERUNGEN	</a:t>
-            </a:r>
-          </a:p>
-          <a:p>
-            <a:r>
-              <a:rPr lang="de-DE" dirty="0" smtClean="0"/>
-              <a:t>	Einsatzumgebung	</a:t>
-            </a:r>
-          </a:p>
-          <a:p>
-            <a:r>
-              <a:rPr lang="de-DE" dirty="0" smtClean="0"/>
-              <a:t>	Entwicklungsumgebung	</a:t>
-            </a:r>
-          </a:p>
-          <a:p>
-            <a:r>
-              <a:rPr lang="de-DE" dirty="0" smtClean="0"/>
-              <a:t>LIEFERUMFANG	</a:t>
-            </a:r>
-          </a:p>
-          <a:p>
-            <a:r>
-              <a:rPr lang="de-DE" dirty="0" smtClean="0"/>
-              <a:t>	Ausführbare Programme	</a:t>
-            </a:r>
-          </a:p>
-          <a:p>
-            <a:r>
-              <a:rPr lang="de-DE" dirty="0" smtClean="0"/>
-              <a:t>	Quellcode	</a:t>
-            </a:r>
-          </a:p>
-          <a:p>
-            <a:r>
-              <a:rPr lang="de-DE" dirty="0" smtClean="0"/>
-              <a:t>	Dokumentation	</a:t>
-            </a:r>
-          </a:p>
-          <a:p>
-            <a:r>
-              <a:rPr lang="de-DE" dirty="0" smtClean="0"/>
-              <a:t>	Daten	</a:t>
-            </a:r>
-          </a:p>
-          <a:p>
+              <a:t>anlage</a:t>
+            </a:r>
+            <a:endParaRPr lang="de-DE" dirty="0" smtClean="0"/>
+          </a:p>
+          <a:p>
+            <a:r>
+              <a:rPr lang="de-DE" dirty="0" smtClean="0"/>
+              <a:t>DB Table Event, </a:t>
+            </a:r>
+            <a:r>
+              <a:rPr lang="de-DE" dirty="0" err="1" smtClean="0"/>
+              <a:t>normaliserte</a:t>
+            </a:r>
+            <a:r>
+              <a:rPr lang="de-DE" baseline="0" dirty="0" smtClean="0"/>
+              <a:t> Teilnehmerliste und Ort</a:t>
+            </a:r>
+          </a:p>
+          <a:p>
+            <a:endParaRPr lang="de-DE" baseline="0" dirty="0" smtClean="0"/>
+          </a:p>
+          <a:p>
+            <a:r>
+              <a:rPr lang="de-DE" baseline="0" dirty="0" smtClean="0"/>
+              <a:t>Rot: Login Verknüpfung Session ID aus </a:t>
+            </a:r>
+            <a:r>
+              <a:rPr lang="de-DE" baseline="0" dirty="0" err="1" smtClean="0"/>
+              <a:t>oAuth</a:t>
+            </a:r>
+            <a:r>
+              <a:rPr lang="de-DE" baseline="0" dirty="0" smtClean="0"/>
+              <a:t>, Grunddaten (</a:t>
+            </a:r>
+            <a:r>
+              <a:rPr lang="de-DE" baseline="0" dirty="0" err="1" smtClean="0"/>
+              <a:t>name</a:t>
+            </a:r>
+            <a:r>
+              <a:rPr lang="de-DE" baseline="0" dirty="0" smtClean="0"/>
+              <a:t>, E-Mail-Adresse etc.) werden ausgelesen und persistent gespeichert.</a:t>
+            </a:r>
             <a:endParaRPr lang="de-DE" dirty="0"/>
           </a:p>
         </p:txBody>
@@ -2974,7 +2144,7 @@
             <a:fld id="{F7EBFB8C-BBFF-4397-A51C-1E92596422A9}" type="slidenum">
               <a:rPr lang="en-US" smtClean="0"/>
               <a:pPr/>
-              <a:t>25</a:t>
+              <a:t>23</a:t>
             </a:fld>
             <a:endParaRPr lang="en-US" dirty="0"/>
           </a:p>
@@ -2983,7 +2153,7 @@
     </p:spTree>
     <p:extLst>
       <p:ext uri="{BB962C8B-B14F-4D97-AF65-F5344CB8AC3E}">
-        <p14:creationId xmlns:p14="http://schemas.microsoft.com/office/powerpoint/2010/main" xmlns="" val="1629754142"/>
+        <p14:creationId xmlns:p14="http://schemas.microsoft.com/office/powerpoint/2010/main" val="802076649"/>
       </p:ext>
     </p:extLst>
   </p:cSld>
@@ -3039,43 +2209,51 @@
           <a:p>
             <a:r>
               <a:rPr lang="de-DE" dirty="0" smtClean="0"/>
-              <a:t>Zeitplan</a:t>
-            </a:r>
-          </a:p>
-          <a:p>
-            <a:r>
-              <a:rPr lang="de-DE" dirty="0" smtClean="0"/>
-              <a:t>Fokus aus </a:t>
+              <a:t>Blau: Event </a:t>
             </a:r>
             <a:r>
               <a:rPr lang="de-DE" dirty="0" err="1" smtClean="0"/>
-              <a:t>Inception</a:t>
-            </a:r>
-            <a:r>
-              <a:rPr lang="de-DE" dirty="0" smtClean="0"/>
-              <a:t> / Elaboration</a:t>
-            </a:r>
-          </a:p>
-          <a:p>
-            <a:r>
-              <a:rPr lang="de-DE" dirty="0" smtClean="0"/>
-              <a:t>Aufgrund der Enge des Zeitplans jeweils zwei Iterationen mit</a:t>
+              <a:t>anlage</a:t>
+            </a:r>
+            <a:endParaRPr lang="de-DE" dirty="0" smtClean="0"/>
+          </a:p>
+          <a:p>
+            <a:r>
+              <a:rPr lang="de-DE" dirty="0" smtClean="0"/>
+              <a:t>DB Table Event, </a:t>
+            </a:r>
+            <a:r>
+              <a:rPr lang="de-DE" dirty="0" err="1" smtClean="0"/>
+              <a:t>normaliserte</a:t>
             </a:r>
             <a:r>
               <a:rPr lang="de-DE" baseline="0" dirty="0" smtClean="0"/>
-              <a:t> festen Reviews der Ergebnisse etc.</a:t>
-            </a:r>
+              <a:t> Teilnehmerliste und Ort</a:t>
+            </a:r>
+          </a:p>
+          <a:p>
+            <a:endParaRPr lang="de-DE" baseline="0" dirty="0" smtClean="0"/>
           </a:p>
           <a:p>
             <a:r>
               <a:rPr lang="de-DE" baseline="0" dirty="0" smtClean="0"/>
-              <a:t>Aber auch: RUP! Jederzeit auch bei kleineren Änderungen/Feststellungen usw. Überarbeitung.</a:t>
-            </a:r>
-          </a:p>
-          <a:p>
+              <a:t>Rot: Login Verknüpfung Session ID aus </a:t>
+            </a:r>
+            <a:r>
+              <a:rPr lang="de-DE" baseline="0" dirty="0" err="1" smtClean="0"/>
+              <a:t>oAuth</a:t>
+            </a:r>
             <a:r>
               <a:rPr lang="de-DE" baseline="0" dirty="0" smtClean="0"/>
-              <a:t>Ziel: 11.06. eine prototypische Implementierung der Plattform fertigstellen</a:t>
+              <a:t>, Grunddaten (</a:t>
+            </a:r>
+            <a:r>
+              <a:rPr lang="de-DE" baseline="0" dirty="0" err="1" smtClean="0"/>
+              <a:t>name</a:t>
+            </a:r>
+            <a:r>
+              <a:rPr lang="de-DE" baseline="0" dirty="0" smtClean="0"/>
+              <a:t>, E-Mail-Adresse etc.) werden ausgelesen und persistent gespeichert.</a:t>
             </a:r>
             <a:endParaRPr lang="de-DE" dirty="0"/>
           </a:p>
@@ -3099,7 +2277,7 @@
             <a:fld id="{F7EBFB8C-BBFF-4397-A51C-1E92596422A9}" type="slidenum">
               <a:rPr lang="en-US" smtClean="0"/>
               <a:pPr/>
-              <a:t>27</a:t>
+              <a:t>24</a:t>
             </a:fld>
             <a:endParaRPr lang="en-US" dirty="0"/>
           </a:p>
@@ -3108,7 +2286,7 @@
     </p:spTree>
     <p:extLst>
       <p:ext uri="{BB962C8B-B14F-4D97-AF65-F5344CB8AC3E}">
-        <p14:creationId xmlns:p14="http://schemas.microsoft.com/office/powerpoint/2010/main" xmlns="" val="3931682397"/>
+        <p14:creationId xmlns:p14="http://schemas.microsoft.com/office/powerpoint/2010/main" val="802076649"/>
       </p:ext>
     </p:extLst>
   </p:cSld>
@@ -3159,49 +2337,135 @@
         </p:nvSpPr>
         <p:spPr/>
         <p:txBody>
-          <a:bodyPr/>
-          <a:lstStyle/>
-          <a:p>
-            <a:r>
-              <a:rPr lang="de-DE" dirty="0" smtClean="0"/>
-              <a:t>Zeitplan</a:t>
-            </a:r>
-          </a:p>
-          <a:p>
-            <a:r>
-              <a:rPr lang="de-DE" dirty="0" smtClean="0"/>
-              <a:t>Fokus aus </a:t>
-            </a:r>
+          <a:bodyPr>
+            <a:normAutofit fontScale="70000" lnSpcReduction="20000"/>
+          </a:bodyPr>
+          <a:lstStyle/>
+          <a:p>
             <a:r>
               <a:rPr lang="de-DE" dirty="0" err="1" smtClean="0"/>
-              <a:t>Inception</a:t>
-            </a:r>
-            <a:r>
-              <a:rPr lang="de-DE" dirty="0" smtClean="0"/>
-              <a:t> / Elaboration</a:t>
-            </a:r>
-          </a:p>
-          <a:p>
-            <a:r>
-              <a:rPr lang="de-DE" dirty="0" smtClean="0"/>
-              <a:t>Aufgrund der Enge des Zeitplans jeweils zwei Iterationen mit</a:t>
-            </a:r>
-            <a:r>
-              <a:rPr lang="de-DE" baseline="0" dirty="0" smtClean="0"/>
-              <a:t> festen Reviews der Ergebnisse etc.</a:t>
-            </a:r>
-          </a:p>
-          <a:p>
-            <a:r>
-              <a:rPr lang="de-DE" baseline="0" dirty="0" smtClean="0"/>
-              <a:t>Aber auch: RUP! Jederzeit auch bei kleineren Änderungen/Feststellungen usw. Überarbeitung.</a:t>
-            </a:r>
-          </a:p>
-          <a:p>
-            <a:r>
-              <a:rPr lang="de-DE" baseline="0" dirty="0" smtClean="0"/>
-              <a:t>Ziel: 11.06. eine prototypische Implementierung der Plattform fertigstellen</a:t>
-            </a:r>
+              <a:t>ÄUßERE</a:t>
+            </a:r>
+            <a:r>
+              <a:rPr lang="de-DE" dirty="0" smtClean="0"/>
+              <a:t> UND INNERE QUALITÄT	</a:t>
+            </a:r>
+          </a:p>
+          <a:p>
+            <a:r>
+              <a:rPr lang="de-DE" dirty="0" smtClean="0"/>
+              <a:t>	Funktionalität	</a:t>
+            </a:r>
+          </a:p>
+          <a:p>
+            <a:r>
+              <a:rPr lang="de-DE" dirty="0" smtClean="0"/>
+              <a:t>	Zuverlässigkeit	</a:t>
+            </a:r>
+          </a:p>
+          <a:p>
+            <a:r>
+              <a:rPr lang="de-DE" dirty="0" smtClean="0"/>
+              <a:t>	Benutzbarkeit	</a:t>
+            </a:r>
+          </a:p>
+          <a:p>
+            <a:r>
+              <a:rPr lang="de-DE" dirty="0" smtClean="0"/>
+              <a:t>	Effizienz	</a:t>
+            </a:r>
+          </a:p>
+          <a:p>
+            <a:r>
+              <a:rPr lang="de-DE" dirty="0" smtClean="0"/>
+              <a:t>	Wartbarkeit	</a:t>
+            </a:r>
+          </a:p>
+          <a:p>
+            <a:r>
+              <a:rPr lang="de-DE" dirty="0" smtClean="0"/>
+              <a:t>	Portabilität	</a:t>
+            </a:r>
+          </a:p>
+          <a:p>
+            <a:r>
+              <a:rPr lang="de-DE" dirty="0" smtClean="0"/>
+              <a:t>GEBRAUCHSTAUGLICHKEIT	</a:t>
+            </a:r>
+          </a:p>
+          <a:p>
+            <a:r>
+              <a:rPr lang="de-DE" dirty="0" smtClean="0"/>
+              <a:t>	Effektivität	</a:t>
+            </a:r>
+          </a:p>
+          <a:p>
+            <a:r>
+              <a:rPr lang="de-DE" dirty="0" smtClean="0"/>
+              <a:t>	Produktivität	</a:t>
+            </a:r>
+          </a:p>
+          <a:p>
+            <a:r>
+              <a:rPr lang="de-DE" dirty="0" smtClean="0"/>
+              <a:t>	Sicherheit	</a:t>
+            </a:r>
+          </a:p>
+          <a:p>
+            <a:r>
+              <a:rPr lang="de-DE" dirty="0" smtClean="0"/>
+              <a:t>	Zufriedenheit	</a:t>
+            </a:r>
+          </a:p>
+          <a:p>
+            <a:r>
+              <a:rPr lang="de-DE" dirty="0" smtClean="0"/>
+              <a:t>TECHNISCHE ANFORDERUNGEN	</a:t>
+            </a:r>
+          </a:p>
+          <a:p>
+            <a:r>
+              <a:rPr lang="de-DE" dirty="0" smtClean="0"/>
+              <a:t>	Einsatzumgebung	</a:t>
+            </a:r>
+          </a:p>
+          <a:p>
+            <a:r>
+              <a:rPr lang="de-DE" dirty="0" smtClean="0"/>
+              <a:t>	Entwicklungsumgebung	</a:t>
+            </a:r>
+          </a:p>
+          <a:p>
+            <a:r>
+              <a:rPr lang="de-DE" dirty="0" smtClean="0"/>
+              <a:t>LIEFERUMFANG	</a:t>
+            </a:r>
+          </a:p>
+          <a:p>
+            <a:r>
+              <a:rPr lang="de-DE" dirty="0" smtClean="0"/>
+              <a:t>	Ausführbare Programme	</a:t>
+            </a:r>
+          </a:p>
+          <a:p>
+            <a:r>
+              <a:rPr lang="de-DE" dirty="0" smtClean="0"/>
+              <a:t>	Quellcode	</a:t>
+            </a:r>
+          </a:p>
+          <a:p>
+            <a:r>
+              <a:rPr lang="de-DE" dirty="0" smtClean="0"/>
+              <a:t>	Dokumentation	</a:t>
+            </a:r>
+          </a:p>
+          <a:p>
+            <a:r>
+              <a:rPr lang="de-DE" dirty="0" smtClean="0"/>
+              <a:t>	Daten	</a:t>
+            </a:r>
+          </a:p>
+          <a:p>
             <a:endParaRPr lang="de-DE" dirty="0"/>
           </a:p>
         </p:txBody>
@@ -3224,7 +2488,7 @@
             <a:fld id="{F7EBFB8C-BBFF-4397-A51C-1E92596422A9}" type="slidenum">
               <a:rPr lang="en-US" smtClean="0"/>
               <a:pPr/>
-              <a:t>28</a:t>
+              <a:t>25</a:t>
             </a:fld>
             <a:endParaRPr lang="en-US" dirty="0"/>
           </a:p>
@@ -3233,7 +2497,7 @@
     </p:spTree>
     <p:extLst>
       <p:ext uri="{BB962C8B-B14F-4D97-AF65-F5344CB8AC3E}">
-        <p14:creationId xmlns:p14="http://schemas.microsoft.com/office/powerpoint/2010/main" xmlns="" val="3931682397"/>
+        <p14:creationId xmlns:p14="http://schemas.microsoft.com/office/powerpoint/2010/main" val="1629754142"/>
       </p:ext>
     </p:extLst>
   </p:cSld>
@@ -3284,11 +2548,49 @@
         </p:nvSpPr>
         <p:spPr/>
         <p:txBody>
-          <a:bodyPr>
-            <a:normAutofit/>
-          </a:bodyPr>
-          <a:lstStyle/>
-          <a:p>
+          <a:bodyPr/>
+          <a:lstStyle/>
+          <a:p>
+            <a:r>
+              <a:rPr lang="de-DE" dirty="0" smtClean="0"/>
+              <a:t>Zeitplan</a:t>
+            </a:r>
+          </a:p>
+          <a:p>
+            <a:r>
+              <a:rPr lang="de-DE" dirty="0" smtClean="0"/>
+              <a:t>Fokus aus </a:t>
+            </a:r>
+            <a:r>
+              <a:rPr lang="de-DE" dirty="0" err="1" smtClean="0"/>
+              <a:t>Inception</a:t>
+            </a:r>
+            <a:r>
+              <a:rPr lang="de-DE" dirty="0" smtClean="0"/>
+              <a:t> / Elaboration</a:t>
+            </a:r>
+          </a:p>
+          <a:p>
+            <a:r>
+              <a:rPr lang="de-DE" dirty="0" smtClean="0"/>
+              <a:t>Aufgrund der Enge des Zeitplans jeweils zwei Iterationen mit</a:t>
+            </a:r>
+            <a:r>
+              <a:rPr lang="de-DE" baseline="0" dirty="0" smtClean="0"/>
+              <a:t> festen Reviews der Ergebnisse etc.</a:t>
+            </a:r>
+          </a:p>
+          <a:p>
+            <a:r>
+              <a:rPr lang="de-DE" baseline="0" dirty="0" smtClean="0"/>
+              <a:t>Aber auch: RUP! Jederzeit auch bei kleineren Änderungen/Feststellungen usw. Überarbeitung.</a:t>
+            </a:r>
+          </a:p>
+          <a:p>
+            <a:r>
+              <a:rPr lang="de-DE" baseline="0" dirty="0" smtClean="0"/>
+              <a:t>Ziel: 11.06. eine prototypische Implementierung der Plattform fertigstellen</a:t>
+            </a:r>
             <a:endParaRPr lang="de-DE" dirty="0"/>
           </a:p>
         </p:txBody>
@@ -3308,16 +2610,21 @@
           <a:bodyPr/>
           <a:lstStyle/>
           <a:p>
-            <a:fld id="{1EBFF01C-F984-4A51-AF10-254043F7C542}" type="slidenum">
-              <a:rPr lang="de-DE" smtClean="0"/>
+            <a:fld id="{F7EBFB8C-BBFF-4397-A51C-1E92596422A9}" type="slidenum">
+              <a:rPr lang="en-US" smtClean="0"/>
               <a:pPr/>
-              <a:t>30</a:t>
+              <a:t>27</a:t>
             </a:fld>
-            <a:endParaRPr lang="de-DE"/>
+            <a:endParaRPr lang="en-US" dirty="0"/>
           </a:p>
         </p:txBody>
       </p:sp>
     </p:spTree>
+    <p:extLst>
+      <p:ext uri="{BB962C8B-B14F-4D97-AF65-F5344CB8AC3E}">
+        <p14:creationId xmlns:p14="http://schemas.microsoft.com/office/powerpoint/2010/main" val="3931682397"/>
+      </p:ext>
+    </p:extLst>
   </p:cSld>
   <p:clrMapOvr>
     <a:masterClrMapping/>
@@ -3371,209 +2678,43 @@
           <a:p>
             <a:r>
               <a:rPr lang="de-DE" dirty="0" smtClean="0"/>
-              <a:t>Zu </a:t>
+              <a:t>Zeitplan</a:t>
+            </a:r>
+          </a:p>
+          <a:p>
+            <a:r>
+              <a:rPr lang="de-DE" dirty="0" smtClean="0"/>
+              <a:t>Fokus aus </a:t>
             </a:r>
             <a:r>
               <a:rPr lang="de-DE" dirty="0" err="1" smtClean="0"/>
-              <a:t>git</a:t>
-            </a:r>
-            <a:r>
-              <a:rPr lang="de-DE" dirty="0" smtClean="0"/>
-              <a:t>:</a:t>
-            </a:r>
-          </a:p>
-          <a:p>
-            <a:r>
-              <a:rPr lang="de-DE" dirty="0" smtClean="0"/>
-              <a:t>	Dateikonflikte aufwändiges</a:t>
+              <a:t>Inception</a:t>
+            </a:r>
+            <a:r>
+              <a:rPr lang="de-DE" dirty="0" smtClean="0"/>
+              <a:t> / Elaboration</a:t>
+            </a:r>
+          </a:p>
+          <a:p>
+            <a:r>
+              <a:rPr lang="de-DE" dirty="0" smtClean="0"/>
+              <a:t>Aufgrund der Enge des Zeitplans jeweils zwei Iterationen mit</a:t>
             </a:r>
             <a:r>
               <a:rPr lang="de-DE" baseline="0" dirty="0" smtClean="0"/>
-              <a:t> ein-/auschecken, mit </a:t>
-            </a:r>
-            <a:r>
-              <a:rPr lang="de-DE" baseline="0" dirty="0" err="1" smtClean="0"/>
-              <a:t>dropbox</a:t>
-            </a:r>
+              <a:t> festen Reviews der Ergebnisse etc.</a:t>
+            </a:r>
+          </a:p>
+          <a:p>
             <a:r>
               <a:rPr lang="de-DE" baseline="0" dirty="0" smtClean="0"/>
-              <a:t> und </a:t>
-            </a:r>
-            <a:r>
-              <a:rPr lang="de-DE" baseline="0" dirty="0" err="1" smtClean="0"/>
-              <a:t>co</a:t>
-            </a:r>
+              <a:t>Aber auch: RUP! Jederzeit auch bei kleineren Änderungen/Feststellungen usw. Überarbeitung.</a:t>
+            </a:r>
+          </a:p>
+          <a:p>
             <a:r>
               <a:rPr lang="de-DE" baseline="0" dirty="0" smtClean="0"/>
-              <a:t> on </a:t>
-            </a:r>
-            <a:r>
-              <a:rPr lang="de-DE" baseline="0" dirty="0" err="1" smtClean="0"/>
-              <a:t>the</a:t>
-            </a:r>
-            <a:r>
-              <a:rPr lang="de-DE" baseline="0" dirty="0" smtClean="0"/>
-              <a:t> </a:t>
-            </a:r>
-            <a:r>
-              <a:rPr lang="de-DE" baseline="0" dirty="0" err="1" smtClean="0"/>
-              <a:t>fly</a:t>
-            </a:r>
-            <a:r>
-              <a:rPr lang="de-DE" baseline="0" dirty="0" smtClean="0"/>
-              <a:t>, automatisch im Hintergrund.</a:t>
-            </a:r>
-          </a:p>
-          <a:p>
-            <a:r>
-              <a:rPr lang="de-DE" baseline="0" dirty="0" smtClean="0"/>
-              <a:t>	evtl. zu früh auf ein Tool festgelegt, oder besser zwei? (</a:t>
-            </a:r>
-            <a:r>
-              <a:rPr lang="de-DE" baseline="0" dirty="0" err="1" smtClean="0"/>
-              <a:t>dropbox</a:t>
-            </a:r>
-            <a:r>
-              <a:rPr lang="de-DE" baseline="0" dirty="0" smtClean="0"/>
-              <a:t> für Dokumente, </a:t>
-            </a:r>
-            <a:r>
-              <a:rPr lang="de-DE" baseline="0" dirty="0" err="1" smtClean="0"/>
-              <a:t>gitHub</a:t>
-            </a:r>
-            <a:r>
-              <a:rPr lang="de-DE" baseline="0" dirty="0" smtClean="0"/>
-              <a:t> für </a:t>
-            </a:r>
-            <a:r>
-              <a:rPr lang="de-DE" baseline="0" dirty="0" err="1" smtClean="0"/>
-              <a:t>Sourcen</a:t>
-            </a:r>
-            <a:r>
-              <a:rPr lang="de-DE" baseline="0" dirty="0" smtClean="0"/>
-              <a:t>)</a:t>
-            </a:r>
-          </a:p>
-          <a:p>
-            <a:r>
-              <a:rPr lang="de-DE" baseline="0" dirty="0" err="1" smtClean="0"/>
-              <a:t>Projektmgm</a:t>
-            </a:r>
-            <a:endParaRPr lang="de-DE" baseline="0" dirty="0" smtClean="0"/>
-          </a:p>
-          <a:p>
-            <a:r>
-              <a:rPr lang="de-DE" baseline="0" dirty="0" smtClean="0"/>
-              <a:t>	Aufgaben stärker </a:t>
-            </a:r>
-            <a:r>
-              <a:rPr lang="de-DE" baseline="0" dirty="0" err="1" smtClean="0"/>
-              <a:t>tracken</a:t>
-            </a:r>
-            <a:r>
-              <a:rPr lang="de-DE" baseline="0" dirty="0" smtClean="0"/>
-              <a:t>, ggf. „</a:t>
-            </a:r>
-            <a:r>
-              <a:rPr lang="de-DE" baseline="0" dirty="0" err="1" smtClean="0"/>
-              <a:t>cut</a:t>
-            </a:r>
-            <a:r>
-              <a:rPr lang="de-DE" baseline="0" dirty="0" smtClean="0"/>
-              <a:t>“ (bei Vertiefung in nicht notwendigen Details (z.B. Risikoanalyse, Wirtschaftlichkeitsbetrachtung)</a:t>
-            </a:r>
-          </a:p>
-          <a:p>
-            <a:endParaRPr lang="de-DE" dirty="0" smtClean="0"/>
-          </a:p>
-          <a:p>
-            <a:r>
-              <a:rPr lang="de-DE" dirty="0" err="1" smtClean="0"/>
-              <a:t>Workload</a:t>
-            </a:r>
-            <a:endParaRPr lang="de-DE" dirty="0" smtClean="0"/>
-          </a:p>
-          <a:p>
-            <a:r>
-              <a:rPr lang="de-DE" dirty="0" smtClean="0"/>
-              <a:t>	</a:t>
-            </a:r>
-            <a:r>
-              <a:rPr lang="de-DE" dirty="0" err="1" smtClean="0"/>
-              <a:t>Höhrer</a:t>
-            </a:r>
-            <a:r>
-              <a:rPr lang="de-DE" dirty="0" smtClean="0"/>
-              <a:t> Aufwand als erwartet, zusätzlicher stress neben der Arbeit. Risikofaktor,</a:t>
-            </a:r>
-            <a:r>
-              <a:rPr lang="de-DE" baseline="0" dirty="0" smtClean="0"/>
-              <a:t> da alle beim gleichen Unternehmen arbeiten (viel zu tun (</a:t>
-            </a:r>
-            <a:r>
-              <a:rPr lang="de-DE" baseline="0" dirty="0" err="1" smtClean="0"/>
-              <a:t>arbeit</a:t>
-            </a:r>
-            <a:r>
-              <a:rPr lang="de-DE" baseline="0" dirty="0" smtClean="0"/>
-              <a:t>) </a:t>
-            </a:r>
-            <a:r>
-              <a:rPr lang="de-DE" baseline="0" dirty="0" smtClean="0">
-                <a:sym typeface="Wingdings" pitchFamily="2" charset="2"/>
-              </a:rPr>
-              <a:t> weniger Zeit </a:t>
-            </a:r>
-            <a:r>
-              <a:rPr lang="de-DE" baseline="0" smtClean="0">
-                <a:sym typeface="Wingdings" pitchFamily="2" charset="2"/>
-              </a:rPr>
-              <a:t>(Projekt))</a:t>
-            </a:r>
-            <a:endParaRPr lang="de-DE" dirty="0" smtClean="0"/>
-          </a:p>
-          <a:p>
-            <a:r>
-              <a:rPr lang="de-DE" dirty="0" err="1" smtClean="0"/>
-              <a:t>PeerReview</a:t>
-            </a:r>
-            <a:r>
-              <a:rPr lang="de-DE" dirty="0" smtClean="0"/>
-              <a:t>:</a:t>
-            </a:r>
-          </a:p>
-          <a:p>
-            <a:r>
-              <a:rPr lang="de-DE" dirty="0" smtClean="0"/>
-              <a:t>	Hilfreich eine zweite unabhängige</a:t>
-            </a:r>
-            <a:r>
-              <a:rPr lang="de-DE" baseline="0" dirty="0" smtClean="0"/>
-              <a:t> Meinung; Lücken wurden identifiziert und behoben</a:t>
-            </a:r>
-          </a:p>
-          <a:p>
-            <a:r>
-              <a:rPr lang="de-DE" dirty="0" smtClean="0"/>
-              <a:t>Teamwork:</a:t>
-            </a:r>
-          </a:p>
-          <a:p>
-            <a:r>
-              <a:rPr lang="de-DE" dirty="0" smtClean="0"/>
-              <a:t>	Abstimmungen, Konstruktive </a:t>
-            </a:r>
-            <a:r>
-              <a:rPr lang="de-DE" dirty="0" err="1" smtClean="0"/>
-              <a:t>diskussionen</a:t>
-            </a:r>
-            <a:r>
-              <a:rPr lang="de-DE" dirty="0" smtClean="0"/>
-              <a:t>, Mitglieder</a:t>
-            </a:r>
-            <a:r>
-              <a:rPr lang="de-DE" baseline="0" dirty="0" smtClean="0"/>
-              <a:t> haben sich durch Fach/Spezialwissen gut ergänzt</a:t>
+              <a:t>Ziel: 11.06. eine prototypische Implementierung der Plattform fertigstellen</a:t>
             </a:r>
             <a:endParaRPr lang="de-DE" dirty="0"/>
           </a:p>
@@ -3597,7 +2738,7 @@
             <a:fld id="{F7EBFB8C-BBFF-4397-A51C-1E92596422A9}" type="slidenum">
               <a:rPr lang="en-US" smtClean="0"/>
               <a:pPr/>
-              <a:t>31</a:t>
+              <a:t>28</a:t>
             </a:fld>
             <a:endParaRPr lang="en-US" dirty="0"/>
           </a:p>
@@ -3606,7 +2747,7 @@
     </p:spTree>
     <p:extLst>
       <p:ext uri="{BB962C8B-B14F-4D97-AF65-F5344CB8AC3E}">
-        <p14:creationId xmlns:p14="http://schemas.microsoft.com/office/powerpoint/2010/main" xmlns="" val="1616458392"/>
+        <p14:creationId xmlns:p14="http://schemas.microsoft.com/office/powerpoint/2010/main" val="3931682397"/>
       </p:ext>
     </p:extLst>
   </p:cSld>
@@ -3657,6 +2798,373 @@
         </p:nvSpPr>
         <p:spPr/>
         <p:txBody>
+          <a:bodyPr>
+            <a:normAutofit/>
+          </a:bodyPr>
+          <a:lstStyle/>
+          <a:p>
+            <a:endParaRPr lang="de-DE" dirty="0"/>
+          </a:p>
+        </p:txBody>
+      </p:sp>
+      <p:sp>
+        <p:nvSpPr>
+          <p:cNvPr id="4" name="Foliennummernplatzhalter 3"/>
+          <p:cNvSpPr>
+            <a:spLocks noGrp="1"/>
+          </p:cNvSpPr>
+          <p:nvPr>
+            <p:ph type="sldNum" sz="quarter" idx="10"/>
+          </p:nvPr>
+        </p:nvSpPr>
+        <p:spPr/>
+        <p:txBody>
+          <a:bodyPr/>
+          <a:lstStyle/>
+          <a:p>
+            <a:fld id="{1EBFF01C-F984-4A51-AF10-254043F7C542}" type="slidenum">
+              <a:rPr lang="de-DE" smtClean="0"/>
+              <a:pPr/>
+              <a:t>30</a:t>
+            </a:fld>
+            <a:endParaRPr lang="de-DE"/>
+          </a:p>
+        </p:txBody>
+      </p:sp>
+    </p:spTree>
+  </p:cSld>
+  <p:clrMapOvr>
+    <a:masterClrMapping/>
+  </p:clrMapOvr>
+</p:notes>
+</file>
+
+<file path=ppt/notesSlides/notesSlide26.xml><?xml version="1.0" encoding="utf-8"?>
+<p:notes xmlns:a="http://schemas.openxmlformats.org/drawingml/2006/main" xmlns:r="http://schemas.openxmlformats.org/officeDocument/2006/relationships" xmlns:p="http://schemas.openxmlformats.org/presentationml/2006/main">
+  <p:cSld>
+    <p:spTree>
+      <p:nvGrpSpPr>
+        <p:cNvPr id="1" name=""/>
+        <p:cNvGrpSpPr/>
+        <p:nvPr/>
+      </p:nvGrpSpPr>
+      <p:grpSpPr>
+        <a:xfrm>
+          <a:off x="0" y="0"/>
+          <a:ext cx="0" cy="0"/>
+          <a:chOff x="0" y="0"/>
+          <a:chExt cx="0" cy="0"/>
+        </a:xfrm>
+      </p:grpSpPr>
+      <p:sp>
+        <p:nvSpPr>
+          <p:cNvPr id="2" name="Folienbildplatzhalter 1"/>
+          <p:cNvSpPr>
+            <a:spLocks noGrp="1" noRot="1" noChangeAspect="1"/>
+          </p:cNvSpPr>
+          <p:nvPr>
+            <p:ph type="sldImg"/>
+          </p:nvPr>
+        </p:nvSpPr>
+        <p:spPr/>
+      </p:sp>
+      <p:sp>
+        <p:nvSpPr>
+          <p:cNvPr id="3" name="Notizenplatzhalter 2"/>
+          <p:cNvSpPr>
+            <a:spLocks noGrp="1"/>
+          </p:cNvSpPr>
+          <p:nvPr>
+            <p:ph type="body" idx="1"/>
+          </p:nvPr>
+        </p:nvSpPr>
+        <p:spPr/>
+        <p:txBody>
+          <a:bodyPr/>
+          <a:lstStyle/>
+          <a:p>
+            <a:r>
+              <a:rPr lang="de-DE" dirty="0" smtClean="0"/>
+              <a:t>Zu </a:t>
+            </a:r>
+            <a:r>
+              <a:rPr lang="de-DE" dirty="0" err="1" smtClean="0"/>
+              <a:t>git</a:t>
+            </a:r>
+            <a:r>
+              <a:rPr lang="de-DE" dirty="0" smtClean="0"/>
+              <a:t>:</a:t>
+            </a:r>
+          </a:p>
+          <a:p>
+            <a:r>
+              <a:rPr lang="de-DE" dirty="0" smtClean="0"/>
+              <a:t>	Dateikonflikte aufwändiges</a:t>
+            </a:r>
+            <a:r>
+              <a:rPr lang="de-DE" baseline="0" dirty="0" smtClean="0"/>
+              <a:t> ein-/auschecken, mit </a:t>
+            </a:r>
+            <a:r>
+              <a:rPr lang="de-DE" baseline="0" dirty="0" err="1" smtClean="0"/>
+              <a:t>dropbox</a:t>
+            </a:r>
+            <a:r>
+              <a:rPr lang="de-DE" baseline="0" dirty="0" smtClean="0"/>
+              <a:t> und </a:t>
+            </a:r>
+            <a:r>
+              <a:rPr lang="de-DE" baseline="0" dirty="0" err="1" smtClean="0"/>
+              <a:t>co</a:t>
+            </a:r>
+            <a:r>
+              <a:rPr lang="de-DE" baseline="0" dirty="0" smtClean="0"/>
+              <a:t> on </a:t>
+            </a:r>
+            <a:r>
+              <a:rPr lang="de-DE" baseline="0" dirty="0" err="1" smtClean="0"/>
+              <a:t>the</a:t>
+            </a:r>
+            <a:r>
+              <a:rPr lang="de-DE" baseline="0" dirty="0" smtClean="0"/>
+              <a:t> </a:t>
+            </a:r>
+            <a:r>
+              <a:rPr lang="de-DE" baseline="0" dirty="0" err="1" smtClean="0"/>
+              <a:t>fly</a:t>
+            </a:r>
+            <a:r>
+              <a:rPr lang="de-DE" baseline="0" dirty="0" smtClean="0"/>
+              <a:t>, automatisch im Hintergrund.</a:t>
+            </a:r>
+          </a:p>
+          <a:p>
+            <a:r>
+              <a:rPr lang="de-DE" baseline="0" dirty="0" smtClean="0"/>
+              <a:t>	evtl. zu früh auf ein Tool festgelegt, oder besser zwei? (</a:t>
+            </a:r>
+            <a:r>
+              <a:rPr lang="de-DE" baseline="0" dirty="0" err="1" smtClean="0"/>
+              <a:t>dropbox</a:t>
+            </a:r>
+            <a:r>
+              <a:rPr lang="de-DE" baseline="0" dirty="0" smtClean="0"/>
+              <a:t> für Dokumente, </a:t>
+            </a:r>
+            <a:r>
+              <a:rPr lang="de-DE" baseline="0" dirty="0" err="1" smtClean="0"/>
+              <a:t>gitHub</a:t>
+            </a:r>
+            <a:r>
+              <a:rPr lang="de-DE" baseline="0" dirty="0" smtClean="0"/>
+              <a:t> für </a:t>
+            </a:r>
+            <a:r>
+              <a:rPr lang="de-DE" baseline="0" dirty="0" err="1" smtClean="0"/>
+              <a:t>Sourcen</a:t>
+            </a:r>
+            <a:r>
+              <a:rPr lang="de-DE" baseline="0" dirty="0" smtClean="0"/>
+              <a:t>)</a:t>
+            </a:r>
+          </a:p>
+          <a:p>
+            <a:r>
+              <a:rPr lang="de-DE" baseline="0" dirty="0" err="1" smtClean="0"/>
+              <a:t>Projektmgm</a:t>
+            </a:r>
+            <a:endParaRPr lang="de-DE" baseline="0" dirty="0" smtClean="0"/>
+          </a:p>
+          <a:p>
+            <a:r>
+              <a:rPr lang="de-DE" baseline="0" dirty="0" smtClean="0"/>
+              <a:t>	Aufgaben stärker </a:t>
+            </a:r>
+            <a:r>
+              <a:rPr lang="de-DE" baseline="0" dirty="0" err="1" smtClean="0"/>
+              <a:t>tracken</a:t>
+            </a:r>
+            <a:r>
+              <a:rPr lang="de-DE" baseline="0" dirty="0" smtClean="0"/>
+              <a:t>, ggf. „</a:t>
+            </a:r>
+            <a:r>
+              <a:rPr lang="de-DE" baseline="0" dirty="0" err="1" smtClean="0"/>
+              <a:t>cut</a:t>
+            </a:r>
+            <a:r>
+              <a:rPr lang="de-DE" baseline="0" dirty="0" smtClean="0"/>
+              <a:t>“ (bei Vertiefung in nicht notwendigen Details (z.B. Risikoanalyse, Wirtschaftlichkeitsbetrachtung)</a:t>
+            </a:r>
+          </a:p>
+          <a:p>
+            <a:endParaRPr lang="de-DE" dirty="0" smtClean="0"/>
+          </a:p>
+          <a:p>
+            <a:r>
+              <a:rPr lang="de-DE" dirty="0" err="1" smtClean="0"/>
+              <a:t>Workload</a:t>
+            </a:r>
+            <a:endParaRPr lang="de-DE" dirty="0" smtClean="0"/>
+          </a:p>
+          <a:p>
+            <a:r>
+              <a:rPr lang="de-DE" dirty="0" smtClean="0"/>
+              <a:t>	</a:t>
+            </a:r>
+            <a:r>
+              <a:rPr lang="de-DE" dirty="0" err="1" smtClean="0"/>
+              <a:t>Höhrer</a:t>
+            </a:r>
+            <a:r>
+              <a:rPr lang="de-DE" dirty="0" smtClean="0"/>
+              <a:t> Aufwand als erwartet, zusätzlicher stress neben der Arbeit. Risikofaktor,</a:t>
+            </a:r>
+            <a:r>
+              <a:rPr lang="de-DE" baseline="0" dirty="0" smtClean="0"/>
+              <a:t> da alle beim gleichen Unternehmen arbeiten (viel zu tun (</a:t>
+            </a:r>
+            <a:r>
+              <a:rPr lang="de-DE" baseline="0" dirty="0" err="1" smtClean="0"/>
+              <a:t>arbeit</a:t>
+            </a:r>
+            <a:r>
+              <a:rPr lang="de-DE" baseline="0" dirty="0" smtClean="0"/>
+              <a:t>) </a:t>
+            </a:r>
+            <a:r>
+              <a:rPr lang="de-DE" baseline="0" dirty="0" smtClean="0">
+                <a:sym typeface="Wingdings" pitchFamily="2" charset="2"/>
+              </a:rPr>
+              <a:t> weniger Zeit (Projekt))</a:t>
+            </a:r>
+            <a:endParaRPr lang="de-DE" dirty="0" smtClean="0"/>
+          </a:p>
+          <a:p>
+            <a:r>
+              <a:rPr lang="de-DE" dirty="0" err="1" smtClean="0"/>
+              <a:t>PeerReview</a:t>
+            </a:r>
+            <a:r>
+              <a:rPr lang="de-DE" dirty="0" smtClean="0"/>
+              <a:t>:</a:t>
+            </a:r>
+          </a:p>
+          <a:p>
+            <a:r>
+              <a:rPr lang="de-DE" dirty="0" smtClean="0"/>
+              <a:t>	Hilfreich eine zweite unabhängige</a:t>
+            </a:r>
+            <a:r>
+              <a:rPr lang="de-DE" baseline="0" dirty="0" smtClean="0"/>
+              <a:t> Meinung; Lücken wurden identifiziert und behoben</a:t>
+            </a:r>
+          </a:p>
+          <a:p>
+            <a:r>
+              <a:rPr lang="de-DE" dirty="0" smtClean="0"/>
+              <a:t>Teamwork:</a:t>
+            </a:r>
+          </a:p>
+          <a:p>
+            <a:r>
+              <a:rPr lang="de-DE" dirty="0" smtClean="0"/>
+              <a:t>	Abstimmungen, Konstruktive </a:t>
+            </a:r>
+            <a:r>
+              <a:rPr lang="de-DE" dirty="0" err="1" smtClean="0"/>
+              <a:t>diskussionen</a:t>
+            </a:r>
+            <a:r>
+              <a:rPr lang="de-DE" dirty="0" smtClean="0"/>
+              <a:t>, Mitglieder</a:t>
+            </a:r>
+            <a:r>
+              <a:rPr lang="de-DE" baseline="0" dirty="0" smtClean="0"/>
+              <a:t> haben sich durch Fach/Spezialwissen gut ergänzt</a:t>
+            </a:r>
+            <a:endParaRPr lang="de-DE" dirty="0"/>
+          </a:p>
+        </p:txBody>
+      </p:sp>
+      <p:sp>
+        <p:nvSpPr>
+          <p:cNvPr id="4" name="Foliennummernplatzhalter 3"/>
+          <p:cNvSpPr>
+            <a:spLocks noGrp="1"/>
+          </p:cNvSpPr>
+          <p:nvPr>
+            <p:ph type="sldNum" sz="quarter" idx="10"/>
+          </p:nvPr>
+        </p:nvSpPr>
+        <p:spPr/>
+        <p:txBody>
+          <a:bodyPr/>
+          <a:lstStyle/>
+          <a:p>
+            <a:fld id="{F7EBFB8C-BBFF-4397-A51C-1E92596422A9}" type="slidenum">
+              <a:rPr lang="en-US" smtClean="0"/>
+              <a:pPr/>
+              <a:t>31</a:t>
+            </a:fld>
+            <a:endParaRPr lang="en-US" dirty="0"/>
+          </a:p>
+        </p:txBody>
+      </p:sp>
+    </p:spTree>
+    <p:extLst>
+      <p:ext uri="{BB962C8B-B14F-4D97-AF65-F5344CB8AC3E}">
+        <p14:creationId xmlns:p14="http://schemas.microsoft.com/office/powerpoint/2010/main" val="1616458392"/>
+      </p:ext>
+    </p:extLst>
+  </p:cSld>
+  <p:clrMapOvr>
+    <a:masterClrMapping/>
+  </p:clrMapOvr>
+</p:notes>
+</file>
+
+<file path=ppt/notesSlides/notesSlide27.xml><?xml version="1.0" encoding="utf-8"?>
+<p:notes xmlns:a="http://schemas.openxmlformats.org/drawingml/2006/main" xmlns:r="http://schemas.openxmlformats.org/officeDocument/2006/relationships" xmlns:p="http://schemas.openxmlformats.org/presentationml/2006/main">
+  <p:cSld>
+    <p:spTree>
+      <p:nvGrpSpPr>
+        <p:cNvPr id="1" name=""/>
+        <p:cNvGrpSpPr/>
+        <p:nvPr/>
+      </p:nvGrpSpPr>
+      <p:grpSpPr>
+        <a:xfrm>
+          <a:off x="0" y="0"/>
+          <a:ext cx="0" cy="0"/>
+          <a:chOff x="0" y="0"/>
+          <a:chExt cx="0" cy="0"/>
+        </a:xfrm>
+      </p:grpSpPr>
+      <p:sp>
+        <p:nvSpPr>
+          <p:cNvPr id="2" name="Folienbildplatzhalter 1"/>
+          <p:cNvSpPr>
+            <a:spLocks noGrp="1" noRot="1" noChangeAspect="1"/>
+          </p:cNvSpPr>
+          <p:nvPr>
+            <p:ph type="sldImg"/>
+          </p:nvPr>
+        </p:nvSpPr>
+        <p:spPr/>
+      </p:sp>
+      <p:sp>
+        <p:nvSpPr>
+          <p:cNvPr id="3" name="Notizenplatzhalter 2"/>
+          <p:cNvSpPr>
+            <a:spLocks noGrp="1"/>
+          </p:cNvSpPr>
+          <p:nvPr>
+            <p:ph type="body" idx="1"/>
+          </p:nvPr>
+        </p:nvSpPr>
+        <p:spPr/>
+        <p:txBody>
           <a:bodyPr/>
           <a:lstStyle/>
           <a:p>
@@ -3691,7 +3199,7 @@
     </p:spTree>
     <p:extLst>
       <p:ext uri="{BB962C8B-B14F-4D97-AF65-F5344CB8AC3E}">
-        <p14:creationId xmlns:p14="http://schemas.microsoft.com/office/powerpoint/2010/main" xmlns="" val="2116472317"/>
+        <p14:creationId xmlns:p14="http://schemas.microsoft.com/office/powerpoint/2010/main" val="2116472317"/>
       </p:ext>
     </p:extLst>
   </p:cSld>
@@ -3810,8 +3318,13 @@
             <a:pPr lvl="2"/>
             <a:r>
               <a:rPr lang="de-DE" dirty="0" smtClean="0"/>
-              <a:t>Event erstellen</a:t>
-            </a:r>
+              <a:t>Event </a:t>
+            </a:r>
+            <a:r>
+              <a:rPr lang="de-DE" dirty="0" smtClean="0"/>
+              <a:t>organisieren</a:t>
+            </a:r>
+            <a:endParaRPr lang="de-DE" dirty="0" smtClean="0"/>
           </a:p>
           <a:p>
             <a:pPr lvl="2"/>
@@ -4016,7 +3529,7 @@
     </p:spTree>
     <p:extLst>
       <p:ext uri="{BB962C8B-B14F-4D97-AF65-F5344CB8AC3E}">
-        <p14:creationId xmlns:p14="http://schemas.microsoft.com/office/powerpoint/2010/main" xmlns="" val="517533983"/>
+        <p14:creationId xmlns:p14="http://schemas.microsoft.com/office/powerpoint/2010/main" val="517533983"/>
       </p:ext>
     </p:extLst>
   </p:cSld>
@@ -4072,329 +3585,12 @@
           <a:p>
             <a:r>
               <a:rPr lang="de-DE" dirty="0" smtClean="0"/>
-              <a:t>Funktionale Anforderung per </a:t>
-            </a:r>
-            <a:r>
-              <a:rPr lang="de-DE" dirty="0" err="1" smtClean="0"/>
-              <a:t>Mockup</a:t>
-            </a:r>
-            <a:r>
-              <a:rPr lang="de-DE" dirty="0" smtClean="0"/>
-              <a:t> dargestellt und textuell ergänzt:</a:t>
-            </a:r>
-          </a:p>
-          <a:p>
-            <a:r>
-              <a:rPr lang="de-DE" sz="1200" kern="1200" dirty="0" smtClean="0">
-                <a:solidFill>
-                  <a:schemeClr val="tx1"/>
-                </a:solidFill>
-                <a:effectLst/>
-                <a:latin typeface="+mn-lt"/>
-                <a:ea typeface="+mn-ea"/>
-                <a:cs typeface="+mn-cs"/>
-              </a:rPr>
-              <a:t>Der beliebiger Internetnutzer kann sich über </a:t>
-            </a:r>
-            <a:r>
-              <a:rPr lang="de-DE" sz="1200" kern="1200" dirty="0" err="1" smtClean="0">
-                <a:solidFill>
-                  <a:schemeClr val="tx1"/>
-                </a:solidFill>
-                <a:effectLst/>
-                <a:latin typeface="+mn-lt"/>
-                <a:ea typeface="+mn-ea"/>
-                <a:cs typeface="+mn-cs"/>
-              </a:rPr>
-              <a:t>oAuth</a:t>
-            </a:r>
-            <a:r>
-              <a:rPr lang="de-DE" sz="1200" kern="1200" dirty="0" smtClean="0">
-                <a:solidFill>
-                  <a:schemeClr val="tx1"/>
-                </a:solidFill>
-                <a:effectLst/>
-                <a:latin typeface="+mn-lt"/>
-                <a:ea typeface="+mn-ea"/>
-                <a:cs typeface="+mn-cs"/>
-              </a:rPr>
-              <a:t> (Google oder Facebook-Account) auf der folgenden Eingabemaske an der Internetplattform </a:t>
-            </a:r>
-            <a:r>
-              <a:rPr lang="de-DE" sz="1200" kern="1200" dirty="0" err="1" smtClean="0">
-                <a:solidFill>
-                  <a:schemeClr val="tx1"/>
-                </a:solidFill>
-                <a:effectLst/>
-                <a:latin typeface="+mn-lt"/>
-                <a:ea typeface="+mn-ea"/>
-                <a:cs typeface="+mn-cs"/>
-              </a:rPr>
-              <a:t>Eventalizer</a:t>
-            </a:r>
-            <a:r>
-              <a:rPr lang="de-DE" sz="1200" kern="1200" dirty="0" smtClean="0">
-                <a:solidFill>
-                  <a:schemeClr val="tx1"/>
-                </a:solidFill>
-                <a:effectLst/>
-                <a:latin typeface="+mn-lt"/>
-                <a:ea typeface="+mn-ea"/>
-                <a:cs typeface="+mn-cs"/>
-              </a:rPr>
-              <a:t> anmelden:</a:t>
-            </a:r>
-            <a:br>
-              <a:rPr lang="de-DE" sz="1200" kern="1200" dirty="0" smtClean="0">
-                <a:solidFill>
-                  <a:schemeClr val="tx1"/>
-                </a:solidFill>
-                <a:effectLst/>
-                <a:latin typeface="+mn-lt"/>
-                <a:ea typeface="+mn-ea"/>
-                <a:cs typeface="+mn-cs"/>
-              </a:rPr>
-            </a:br>
-            <a:r>
-              <a:rPr lang="de-DE" sz="1200" kern="1200" dirty="0" smtClean="0">
-                <a:solidFill>
-                  <a:schemeClr val="tx1"/>
-                </a:solidFill>
-                <a:effectLst/>
-                <a:latin typeface="+mn-lt"/>
-                <a:ea typeface="+mn-ea"/>
-                <a:cs typeface="+mn-cs"/>
-              </a:rPr>
-              <a:t> </a:t>
-            </a:r>
-            <a:br>
-              <a:rPr lang="de-DE" sz="1200" kern="1200" dirty="0" smtClean="0">
-                <a:solidFill>
-                  <a:schemeClr val="tx1"/>
-                </a:solidFill>
-                <a:effectLst/>
-                <a:latin typeface="+mn-lt"/>
-                <a:ea typeface="+mn-ea"/>
-                <a:cs typeface="+mn-cs"/>
-              </a:rPr>
-            </a:br>
-            <a:r>
-              <a:rPr lang="de-DE" sz="1200" kern="1200" dirty="0" smtClean="0">
-                <a:solidFill>
-                  <a:schemeClr val="tx1"/>
-                </a:solidFill>
-                <a:effectLst/>
-                <a:latin typeface="+mn-lt"/>
-                <a:ea typeface="+mn-ea"/>
-                <a:cs typeface="+mn-cs"/>
-              </a:rPr>
-              <a:t>Für eine erfolgreiche Anmeldung ist die Angabe der folgenden Informationen notwendig:</a:t>
-            </a:r>
-          </a:p>
-          <a:p>
-            <a:pPr lvl="0"/>
-            <a:r>
-              <a:rPr lang="de-DE" sz="1200" kern="1200" dirty="0" err="1" smtClean="0">
-                <a:solidFill>
-                  <a:schemeClr val="tx1"/>
-                </a:solidFill>
-                <a:effectLst/>
-                <a:latin typeface="+mn-lt"/>
-                <a:ea typeface="+mn-ea"/>
-                <a:cs typeface="+mn-cs"/>
-              </a:rPr>
-              <a:t>Social</a:t>
-            </a:r>
-            <a:r>
-              <a:rPr lang="de-DE" sz="1200" kern="1200" dirty="0" smtClean="0">
-                <a:solidFill>
-                  <a:schemeClr val="tx1"/>
-                </a:solidFill>
-                <a:effectLst/>
-                <a:latin typeface="+mn-lt"/>
-                <a:ea typeface="+mn-ea"/>
-                <a:cs typeface="+mn-cs"/>
-              </a:rPr>
-              <a:t>-Network-Anbieter</a:t>
-            </a:r>
-          </a:p>
-          <a:p>
-            <a:pPr lvl="0"/>
-            <a:r>
-              <a:rPr lang="de-DE" sz="1200" kern="1200" dirty="0" smtClean="0">
-                <a:solidFill>
-                  <a:schemeClr val="tx1"/>
-                </a:solidFill>
-                <a:effectLst/>
-                <a:latin typeface="+mn-lt"/>
-                <a:ea typeface="+mn-ea"/>
-                <a:cs typeface="+mn-cs"/>
-              </a:rPr>
-              <a:t>Der dort verwendete Benutzername</a:t>
-            </a:r>
-          </a:p>
-          <a:p>
-            <a:pPr lvl="0"/>
-            <a:r>
-              <a:rPr lang="de-DE" sz="1200" kern="1200" dirty="0" smtClean="0">
-                <a:solidFill>
-                  <a:schemeClr val="tx1"/>
-                </a:solidFill>
-                <a:effectLst/>
-                <a:latin typeface="+mn-lt"/>
-                <a:ea typeface="+mn-ea"/>
-                <a:cs typeface="+mn-cs"/>
-              </a:rPr>
-              <a:t>Das dort verwendete persönliche Passwort</a:t>
-            </a:r>
-          </a:p>
-          <a:p>
-            <a:r>
-              <a:rPr lang="de-DE" sz="1200" kern="1200" dirty="0" smtClean="0">
-                <a:solidFill>
-                  <a:schemeClr val="tx1"/>
-                </a:solidFill>
-                <a:effectLst/>
-                <a:latin typeface="+mn-lt"/>
-                <a:ea typeface="+mn-ea"/>
-                <a:cs typeface="+mn-cs"/>
-              </a:rPr>
-              <a:t>Die möglichen </a:t>
-            </a:r>
-            <a:r>
-              <a:rPr lang="de-DE" sz="1200" kern="1200" dirty="0" err="1" smtClean="0">
-                <a:solidFill>
-                  <a:schemeClr val="tx1"/>
-                </a:solidFill>
-                <a:effectLst/>
-                <a:latin typeface="+mn-lt"/>
-                <a:ea typeface="+mn-ea"/>
-                <a:cs typeface="+mn-cs"/>
-              </a:rPr>
-              <a:t>Social</a:t>
-            </a:r>
-            <a:r>
-              <a:rPr lang="de-DE" sz="1200" kern="1200" dirty="0" smtClean="0">
-                <a:solidFill>
-                  <a:schemeClr val="tx1"/>
-                </a:solidFill>
-                <a:effectLst/>
-                <a:latin typeface="+mn-lt"/>
-                <a:ea typeface="+mn-ea"/>
-                <a:cs typeface="+mn-cs"/>
-              </a:rPr>
-              <a:t>-Network-Anbieter werden auf der Eingabemaske aufgeführt. </a:t>
-            </a:r>
-            <a:br>
-              <a:rPr lang="de-DE" sz="1200" kern="1200" dirty="0" smtClean="0">
-                <a:solidFill>
-                  <a:schemeClr val="tx1"/>
-                </a:solidFill>
-                <a:effectLst/>
-                <a:latin typeface="+mn-lt"/>
-                <a:ea typeface="+mn-ea"/>
-                <a:cs typeface="+mn-cs"/>
-              </a:rPr>
-            </a:br>
-            <a:r>
-              <a:rPr lang="de-DE" sz="1200" kern="1200" dirty="0" smtClean="0">
-                <a:solidFill>
-                  <a:schemeClr val="tx1"/>
-                </a:solidFill>
-                <a:effectLst/>
-                <a:latin typeface="+mn-lt"/>
-                <a:ea typeface="+mn-ea"/>
-                <a:cs typeface="+mn-cs"/>
-              </a:rPr>
-              <a:t>Die Anmeldung an der Internetplattform ist erfolgreich, wenn die Antwort des </a:t>
-            </a:r>
-            <a:r>
-              <a:rPr lang="de-DE" sz="1200" kern="1200" dirty="0" err="1" smtClean="0">
-                <a:solidFill>
-                  <a:schemeClr val="tx1"/>
-                </a:solidFill>
-                <a:effectLst/>
-                <a:latin typeface="+mn-lt"/>
-                <a:ea typeface="+mn-ea"/>
-                <a:cs typeface="+mn-cs"/>
-              </a:rPr>
-              <a:t>Social</a:t>
-            </a:r>
-            <a:r>
-              <a:rPr lang="de-DE" sz="1200" kern="1200" dirty="0" smtClean="0">
-                <a:solidFill>
-                  <a:schemeClr val="tx1"/>
-                </a:solidFill>
-                <a:effectLst/>
-                <a:latin typeface="+mn-lt"/>
-                <a:ea typeface="+mn-ea"/>
-                <a:cs typeface="+mn-cs"/>
-              </a:rPr>
-              <a:t>-Network-Anbieters positiv ist, d.h. ist der Benutzer dort authentifiziert wurde und die Benutzerdaten übermittelt worden sind. Kann der Benutzer nicht über den </a:t>
-            </a:r>
-            <a:r>
-              <a:rPr lang="de-DE" sz="1200" kern="1200" dirty="0" err="1" smtClean="0">
-                <a:solidFill>
-                  <a:schemeClr val="tx1"/>
-                </a:solidFill>
-                <a:effectLst/>
-                <a:latin typeface="+mn-lt"/>
-                <a:ea typeface="+mn-ea"/>
-                <a:cs typeface="+mn-cs"/>
-              </a:rPr>
-              <a:t>Social</a:t>
-            </a:r>
-            <a:r>
-              <a:rPr lang="de-DE" sz="1200" kern="1200" dirty="0" smtClean="0">
-                <a:solidFill>
-                  <a:schemeClr val="tx1"/>
-                </a:solidFill>
-                <a:effectLst/>
-                <a:latin typeface="+mn-lt"/>
-                <a:ea typeface="+mn-ea"/>
-                <a:cs typeface="+mn-cs"/>
-              </a:rPr>
-              <a:t>-Network-Anbieter authentifiziert werden, erfolgt auch keine Anmeldung.</a:t>
-            </a:r>
-          </a:p>
-          <a:p>
-            <a:r>
-              <a:rPr lang="de-DE" sz="1200" kern="1200" dirty="0" smtClean="0">
-                <a:solidFill>
-                  <a:schemeClr val="tx1"/>
-                </a:solidFill>
-                <a:effectLst/>
-                <a:latin typeface="+mn-lt"/>
-                <a:ea typeface="+mn-ea"/>
-                <a:cs typeface="+mn-cs"/>
-              </a:rPr>
-              <a:t/>
-            </a:r>
-            <a:br>
-              <a:rPr lang="de-DE" sz="1200" kern="1200" dirty="0" smtClean="0">
-                <a:solidFill>
-                  <a:schemeClr val="tx1"/>
-                </a:solidFill>
-                <a:effectLst/>
-                <a:latin typeface="+mn-lt"/>
-                <a:ea typeface="+mn-ea"/>
-                <a:cs typeface="+mn-cs"/>
-              </a:rPr>
-            </a:br>
-            <a:r>
-              <a:rPr lang="de-DE" sz="1200" kern="1200" dirty="0" smtClean="0">
-                <a:solidFill>
-                  <a:schemeClr val="tx1"/>
-                </a:solidFill>
-                <a:effectLst/>
-                <a:latin typeface="+mn-lt"/>
-                <a:ea typeface="+mn-ea"/>
-                <a:cs typeface="+mn-cs"/>
-              </a:rPr>
-              <a:t>@FSM:  Updaten</a:t>
-            </a:r>
-          </a:p>
-          <a:p>
+              <a:t>Kurze Anwendungsfalldiagramm darstellen als Überleitung</a:t>
+            </a:r>
+            <a:r>
+              <a:rPr lang="de-DE" baseline="0" dirty="0" smtClean="0"/>
+              <a:t> von Zwischenpräsentation zur jetzigen Abschlusspräsentation</a:t>
+            </a:r>
             <a:endParaRPr lang="de-DE" dirty="0"/>
           </a:p>
         </p:txBody>
@@ -4426,7 +3622,7 @@
     </p:spTree>
     <p:extLst>
       <p:ext uri="{BB962C8B-B14F-4D97-AF65-F5344CB8AC3E}">
-        <p14:creationId xmlns:p14="http://schemas.microsoft.com/office/powerpoint/2010/main" xmlns="" val="2934279750"/>
+        <p14:creationId xmlns:p14="http://schemas.microsoft.com/office/powerpoint/2010/main" val="2934279750"/>
       </p:ext>
     </p:extLst>
   </p:cSld>
@@ -4482,329 +3678,16 @@
           <a:p>
             <a:r>
               <a:rPr lang="de-DE" dirty="0" smtClean="0"/>
-              <a:t>Funktionale Anforderung per </a:t>
+              <a:t>Schwerpunkt der </a:t>
             </a:r>
             <a:r>
               <a:rPr lang="de-DE" dirty="0" err="1" smtClean="0"/>
-              <a:t>Mockup</a:t>
-            </a:r>
-            <a:r>
-              <a:rPr lang="de-DE" dirty="0" smtClean="0"/>
-              <a:t> dargestellt und textuell ergänzt:</a:t>
-            </a:r>
-          </a:p>
-          <a:p>
-            <a:r>
-              <a:rPr lang="de-DE" sz="1200" kern="1200" dirty="0" smtClean="0">
-                <a:solidFill>
-                  <a:schemeClr val="tx1"/>
-                </a:solidFill>
-                <a:effectLst/>
-                <a:latin typeface="+mn-lt"/>
-                <a:ea typeface="+mn-ea"/>
-                <a:cs typeface="+mn-cs"/>
-              </a:rPr>
-              <a:t>Der beliebiger Internetnutzer kann sich über </a:t>
-            </a:r>
-            <a:r>
-              <a:rPr lang="de-DE" sz="1200" kern="1200" dirty="0" err="1" smtClean="0">
-                <a:solidFill>
-                  <a:schemeClr val="tx1"/>
-                </a:solidFill>
-                <a:effectLst/>
-                <a:latin typeface="+mn-lt"/>
-                <a:ea typeface="+mn-ea"/>
-                <a:cs typeface="+mn-cs"/>
-              </a:rPr>
-              <a:t>oAuth</a:t>
-            </a:r>
-            <a:r>
-              <a:rPr lang="de-DE" sz="1200" kern="1200" dirty="0" smtClean="0">
-                <a:solidFill>
-                  <a:schemeClr val="tx1"/>
-                </a:solidFill>
-                <a:effectLst/>
-                <a:latin typeface="+mn-lt"/>
-                <a:ea typeface="+mn-ea"/>
-                <a:cs typeface="+mn-cs"/>
-              </a:rPr>
-              <a:t> (Google oder Facebook-Account) auf der folgenden Eingabemaske an der Internetplattform </a:t>
-            </a:r>
-            <a:r>
-              <a:rPr lang="de-DE" sz="1200" kern="1200" dirty="0" err="1" smtClean="0">
-                <a:solidFill>
-                  <a:schemeClr val="tx1"/>
-                </a:solidFill>
-                <a:effectLst/>
-                <a:latin typeface="+mn-lt"/>
-                <a:ea typeface="+mn-ea"/>
-                <a:cs typeface="+mn-cs"/>
-              </a:rPr>
-              <a:t>Eventalizer</a:t>
-            </a:r>
-            <a:r>
-              <a:rPr lang="de-DE" sz="1200" kern="1200" dirty="0" smtClean="0">
-                <a:solidFill>
-                  <a:schemeClr val="tx1"/>
-                </a:solidFill>
-                <a:effectLst/>
-                <a:latin typeface="+mn-lt"/>
-                <a:ea typeface="+mn-ea"/>
-                <a:cs typeface="+mn-cs"/>
-              </a:rPr>
-              <a:t> anmelden:</a:t>
-            </a:r>
-            <a:br>
-              <a:rPr lang="de-DE" sz="1200" kern="1200" dirty="0" smtClean="0">
-                <a:solidFill>
-                  <a:schemeClr val="tx1"/>
-                </a:solidFill>
-                <a:effectLst/>
-                <a:latin typeface="+mn-lt"/>
-                <a:ea typeface="+mn-ea"/>
-                <a:cs typeface="+mn-cs"/>
-              </a:rPr>
-            </a:br>
-            <a:r>
-              <a:rPr lang="de-DE" sz="1200" kern="1200" dirty="0" smtClean="0">
-                <a:solidFill>
-                  <a:schemeClr val="tx1"/>
-                </a:solidFill>
-                <a:effectLst/>
-                <a:latin typeface="+mn-lt"/>
-                <a:ea typeface="+mn-ea"/>
-                <a:cs typeface="+mn-cs"/>
-              </a:rPr>
-              <a:t> </a:t>
-            </a:r>
-            <a:br>
-              <a:rPr lang="de-DE" sz="1200" kern="1200" dirty="0" smtClean="0">
-                <a:solidFill>
-                  <a:schemeClr val="tx1"/>
-                </a:solidFill>
-                <a:effectLst/>
-                <a:latin typeface="+mn-lt"/>
-                <a:ea typeface="+mn-ea"/>
-                <a:cs typeface="+mn-cs"/>
-              </a:rPr>
-            </a:br>
-            <a:r>
-              <a:rPr lang="de-DE" sz="1200" kern="1200" dirty="0" smtClean="0">
-                <a:solidFill>
-                  <a:schemeClr val="tx1"/>
-                </a:solidFill>
-                <a:effectLst/>
-                <a:latin typeface="+mn-lt"/>
-                <a:ea typeface="+mn-ea"/>
-                <a:cs typeface="+mn-cs"/>
-              </a:rPr>
-              <a:t>Für eine erfolgreiche Anmeldung ist die Angabe der folgenden Informationen notwendig:</a:t>
-            </a:r>
-          </a:p>
-          <a:p>
-            <a:pPr lvl="0"/>
-            <a:r>
-              <a:rPr lang="de-DE" sz="1200" kern="1200" dirty="0" err="1" smtClean="0">
-                <a:solidFill>
-                  <a:schemeClr val="tx1"/>
-                </a:solidFill>
-                <a:effectLst/>
-                <a:latin typeface="+mn-lt"/>
-                <a:ea typeface="+mn-ea"/>
-                <a:cs typeface="+mn-cs"/>
-              </a:rPr>
-              <a:t>Social</a:t>
-            </a:r>
-            <a:r>
-              <a:rPr lang="de-DE" sz="1200" kern="1200" dirty="0" smtClean="0">
-                <a:solidFill>
-                  <a:schemeClr val="tx1"/>
-                </a:solidFill>
-                <a:effectLst/>
-                <a:latin typeface="+mn-lt"/>
-                <a:ea typeface="+mn-ea"/>
-                <a:cs typeface="+mn-cs"/>
-              </a:rPr>
-              <a:t>-Network-Anbieter</a:t>
-            </a:r>
-          </a:p>
-          <a:p>
-            <a:pPr lvl="0"/>
-            <a:r>
-              <a:rPr lang="de-DE" sz="1200" kern="1200" dirty="0" smtClean="0">
-                <a:solidFill>
-                  <a:schemeClr val="tx1"/>
-                </a:solidFill>
-                <a:effectLst/>
-                <a:latin typeface="+mn-lt"/>
-                <a:ea typeface="+mn-ea"/>
-                <a:cs typeface="+mn-cs"/>
-              </a:rPr>
-              <a:t>Der dort verwendete Benutzername</a:t>
-            </a:r>
-          </a:p>
-          <a:p>
-            <a:pPr lvl="0"/>
-            <a:r>
-              <a:rPr lang="de-DE" sz="1200" kern="1200" dirty="0" smtClean="0">
-                <a:solidFill>
-                  <a:schemeClr val="tx1"/>
-                </a:solidFill>
-                <a:effectLst/>
-                <a:latin typeface="+mn-lt"/>
-                <a:ea typeface="+mn-ea"/>
-                <a:cs typeface="+mn-cs"/>
-              </a:rPr>
-              <a:t>Das dort verwendete persönliche Passwort</a:t>
-            </a:r>
-          </a:p>
-          <a:p>
-            <a:r>
-              <a:rPr lang="de-DE" sz="1200" kern="1200" dirty="0" smtClean="0">
-                <a:solidFill>
-                  <a:schemeClr val="tx1"/>
-                </a:solidFill>
-                <a:effectLst/>
-                <a:latin typeface="+mn-lt"/>
-                <a:ea typeface="+mn-ea"/>
-                <a:cs typeface="+mn-cs"/>
-              </a:rPr>
-              <a:t>Die möglichen </a:t>
-            </a:r>
-            <a:r>
-              <a:rPr lang="de-DE" sz="1200" kern="1200" dirty="0" err="1" smtClean="0">
-                <a:solidFill>
-                  <a:schemeClr val="tx1"/>
-                </a:solidFill>
-                <a:effectLst/>
-                <a:latin typeface="+mn-lt"/>
-                <a:ea typeface="+mn-ea"/>
-                <a:cs typeface="+mn-cs"/>
-              </a:rPr>
-              <a:t>Social</a:t>
-            </a:r>
-            <a:r>
-              <a:rPr lang="de-DE" sz="1200" kern="1200" dirty="0" smtClean="0">
-                <a:solidFill>
-                  <a:schemeClr val="tx1"/>
-                </a:solidFill>
-                <a:effectLst/>
-                <a:latin typeface="+mn-lt"/>
-                <a:ea typeface="+mn-ea"/>
-                <a:cs typeface="+mn-cs"/>
-              </a:rPr>
-              <a:t>-Network-Anbieter werden auf der Eingabemaske aufgeführt. </a:t>
-            </a:r>
-            <a:br>
-              <a:rPr lang="de-DE" sz="1200" kern="1200" dirty="0" smtClean="0">
-                <a:solidFill>
-                  <a:schemeClr val="tx1"/>
-                </a:solidFill>
-                <a:effectLst/>
-                <a:latin typeface="+mn-lt"/>
-                <a:ea typeface="+mn-ea"/>
-                <a:cs typeface="+mn-cs"/>
-              </a:rPr>
-            </a:br>
-            <a:r>
-              <a:rPr lang="de-DE" sz="1200" kern="1200" dirty="0" smtClean="0">
-                <a:solidFill>
-                  <a:schemeClr val="tx1"/>
-                </a:solidFill>
-                <a:effectLst/>
-                <a:latin typeface="+mn-lt"/>
-                <a:ea typeface="+mn-ea"/>
-                <a:cs typeface="+mn-cs"/>
-              </a:rPr>
-              <a:t>Die Anmeldung an der Internetplattform ist erfolgreich, wenn die Antwort des </a:t>
-            </a:r>
-            <a:r>
-              <a:rPr lang="de-DE" sz="1200" kern="1200" dirty="0" err="1" smtClean="0">
-                <a:solidFill>
-                  <a:schemeClr val="tx1"/>
-                </a:solidFill>
-                <a:effectLst/>
-                <a:latin typeface="+mn-lt"/>
-                <a:ea typeface="+mn-ea"/>
-                <a:cs typeface="+mn-cs"/>
-              </a:rPr>
-              <a:t>Social</a:t>
-            </a:r>
-            <a:r>
-              <a:rPr lang="de-DE" sz="1200" kern="1200" dirty="0" smtClean="0">
-                <a:solidFill>
-                  <a:schemeClr val="tx1"/>
-                </a:solidFill>
-                <a:effectLst/>
-                <a:latin typeface="+mn-lt"/>
-                <a:ea typeface="+mn-ea"/>
-                <a:cs typeface="+mn-cs"/>
-              </a:rPr>
-              <a:t>-Network-Anbieters positiv ist, d.h. ist der Benutzer dort authentifiziert wurde und die Benutzerdaten übermittelt worden sind. Kann der Benutzer nicht über den </a:t>
-            </a:r>
-            <a:r>
-              <a:rPr lang="de-DE" sz="1200" kern="1200" dirty="0" err="1" smtClean="0">
-                <a:solidFill>
-                  <a:schemeClr val="tx1"/>
-                </a:solidFill>
-                <a:effectLst/>
-                <a:latin typeface="+mn-lt"/>
-                <a:ea typeface="+mn-ea"/>
-                <a:cs typeface="+mn-cs"/>
-              </a:rPr>
-              <a:t>Social</a:t>
-            </a:r>
-            <a:r>
-              <a:rPr lang="de-DE" sz="1200" kern="1200" dirty="0" smtClean="0">
-                <a:solidFill>
-                  <a:schemeClr val="tx1"/>
-                </a:solidFill>
-                <a:effectLst/>
-                <a:latin typeface="+mn-lt"/>
-                <a:ea typeface="+mn-ea"/>
-                <a:cs typeface="+mn-cs"/>
-              </a:rPr>
-              <a:t>-Network-Anbieter authentifiziert werden, erfolgt auch keine Anmeldung.</a:t>
-            </a:r>
-          </a:p>
-          <a:p>
-            <a:r>
-              <a:rPr lang="de-DE" sz="1200" kern="1200" dirty="0" smtClean="0">
-                <a:solidFill>
-                  <a:schemeClr val="tx1"/>
-                </a:solidFill>
-                <a:effectLst/>
-                <a:latin typeface="+mn-lt"/>
-                <a:ea typeface="+mn-ea"/>
-                <a:cs typeface="+mn-cs"/>
-              </a:rPr>
-              <a:t/>
-            </a:r>
-            <a:br>
-              <a:rPr lang="de-DE" sz="1200" kern="1200" dirty="0" smtClean="0">
-                <a:solidFill>
-                  <a:schemeClr val="tx1"/>
-                </a:solidFill>
-                <a:effectLst/>
-                <a:latin typeface="+mn-lt"/>
-                <a:ea typeface="+mn-ea"/>
-                <a:cs typeface="+mn-cs"/>
-              </a:rPr>
-            </a:br>
-            <a:r>
-              <a:rPr lang="de-DE" sz="1200" kern="1200" dirty="0" smtClean="0">
-                <a:solidFill>
-                  <a:schemeClr val="tx1"/>
-                </a:solidFill>
-                <a:effectLst/>
-                <a:latin typeface="+mn-lt"/>
-                <a:ea typeface="+mn-ea"/>
-                <a:cs typeface="+mn-cs"/>
-              </a:rPr>
-              <a:t>@FSM:  Updaten</a:t>
-            </a:r>
-          </a:p>
-          <a:p>
+              <a:t>Präsi</a:t>
+            </a:r>
+            <a:r>
+              <a:rPr lang="de-DE" baseline="0" dirty="0" smtClean="0"/>
+              <a:t> auf Anmelden und Event organisieren legen!</a:t>
+            </a:r>
             <a:endParaRPr lang="de-DE" dirty="0"/>
           </a:p>
         </p:txBody>
@@ -4836,7 +3719,7 @@
     </p:spTree>
     <p:extLst>
       <p:ext uri="{BB962C8B-B14F-4D97-AF65-F5344CB8AC3E}">
-        <p14:creationId xmlns:p14="http://schemas.microsoft.com/office/powerpoint/2010/main" xmlns="" val="2934279750"/>
+        <p14:creationId xmlns:p14="http://schemas.microsoft.com/office/powerpoint/2010/main" val="2934279750"/>
       </p:ext>
     </p:extLst>
   </p:cSld>
@@ -5246,7 +4129,7 @@
     </p:spTree>
     <p:extLst>
       <p:ext uri="{BB962C8B-B14F-4D97-AF65-F5344CB8AC3E}">
-        <p14:creationId xmlns:p14="http://schemas.microsoft.com/office/powerpoint/2010/main" xmlns="" val="2934279750"/>
+        <p14:creationId xmlns:p14="http://schemas.microsoft.com/office/powerpoint/2010/main" val="2934279750"/>
       </p:ext>
     </p:extLst>
   </p:cSld>
@@ -5656,7 +4539,7 @@
     </p:spTree>
     <p:extLst>
       <p:ext uri="{BB962C8B-B14F-4D97-AF65-F5344CB8AC3E}">
-        <p14:creationId xmlns:p14="http://schemas.microsoft.com/office/powerpoint/2010/main" xmlns="" val="2934279750"/>
+        <p14:creationId xmlns:p14="http://schemas.microsoft.com/office/powerpoint/2010/main" val="2934279750"/>
       </p:ext>
     </p:extLst>
   </p:cSld>
@@ -5741,7 +4624,7 @@
     </p:spTree>
     <p:extLst>
       <p:ext uri="{BB962C8B-B14F-4D97-AF65-F5344CB8AC3E}">
-        <p14:creationId xmlns:p14="http://schemas.microsoft.com/office/powerpoint/2010/main" xmlns="" val="3860513045"/>
+        <p14:creationId xmlns:p14="http://schemas.microsoft.com/office/powerpoint/2010/main" val="3860513045"/>
       </p:ext>
     </p:extLst>
   </p:cSld>
@@ -5795,331 +4678,6 @@
           <a:bodyPr/>
           <a:lstStyle/>
           <a:p>
-            <a:r>
-              <a:rPr lang="de-DE" dirty="0" smtClean="0"/>
-              <a:t>Funktionale Anforderung per </a:t>
-            </a:r>
-            <a:r>
-              <a:rPr lang="de-DE" dirty="0" err="1" smtClean="0"/>
-              <a:t>Mockup</a:t>
-            </a:r>
-            <a:r>
-              <a:rPr lang="de-DE" dirty="0" smtClean="0"/>
-              <a:t> dargestellt und textuell ergänzt:</a:t>
-            </a:r>
-          </a:p>
-          <a:p>
-            <a:r>
-              <a:rPr lang="de-DE" sz="1200" kern="1200" dirty="0" smtClean="0">
-                <a:solidFill>
-                  <a:schemeClr val="tx1"/>
-                </a:solidFill>
-                <a:effectLst/>
-                <a:latin typeface="+mn-lt"/>
-                <a:ea typeface="+mn-ea"/>
-                <a:cs typeface="+mn-cs"/>
-              </a:rPr>
-              <a:t>Der beliebiger Internetnutzer kann sich über </a:t>
-            </a:r>
-            <a:r>
-              <a:rPr lang="de-DE" sz="1200" kern="1200" dirty="0" err="1" smtClean="0">
-                <a:solidFill>
-                  <a:schemeClr val="tx1"/>
-                </a:solidFill>
-                <a:effectLst/>
-                <a:latin typeface="+mn-lt"/>
-                <a:ea typeface="+mn-ea"/>
-                <a:cs typeface="+mn-cs"/>
-              </a:rPr>
-              <a:t>oAuth</a:t>
-            </a:r>
-            <a:r>
-              <a:rPr lang="de-DE" sz="1200" kern="1200" dirty="0" smtClean="0">
-                <a:solidFill>
-                  <a:schemeClr val="tx1"/>
-                </a:solidFill>
-                <a:effectLst/>
-                <a:latin typeface="+mn-lt"/>
-                <a:ea typeface="+mn-ea"/>
-                <a:cs typeface="+mn-cs"/>
-              </a:rPr>
-              <a:t> (Google oder Facebook-Account) auf der folgenden Eingabemaske an der Internetplattform </a:t>
-            </a:r>
-            <a:r>
-              <a:rPr lang="de-DE" sz="1200" kern="1200" dirty="0" err="1" smtClean="0">
-                <a:solidFill>
-                  <a:schemeClr val="tx1"/>
-                </a:solidFill>
-                <a:effectLst/>
-                <a:latin typeface="+mn-lt"/>
-                <a:ea typeface="+mn-ea"/>
-                <a:cs typeface="+mn-cs"/>
-              </a:rPr>
-              <a:t>Eventalizer</a:t>
-            </a:r>
-            <a:r>
-              <a:rPr lang="de-DE" sz="1200" kern="1200" dirty="0" smtClean="0">
-                <a:solidFill>
-                  <a:schemeClr val="tx1"/>
-                </a:solidFill>
-                <a:effectLst/>
-                <a:latin typeface="+mn-lt"/>
-                <a:ea typeface="+mn-ea"/>
-                <a:cs typeface="+mn-cs"/>
-              </a:rPr>
-              <a:t> anmelden:</a:t>
-            </a:r>
-            <a:br>
-              <a:rPr lang="de-DE" sz="1200" kern="1200" dirty="0" smtClean="0">
-                <a:solidFill>
-                  <a:schemeClr val="tx1"/>
-                </a:solidFill>
-                <a:effectLst/>
-                <a:latin typeface="+mn-lt"/>
-                <a:ea typeface="+mn-ea"/>
-                <a:cs typeface="+mn-cs"/>
-              </a:rPr>
-            </a:br>
-            <a:r>
-              <a:rPr lang="de-DE" sz="1200" kern="1200" dirty="0" smtClean="0">
-                <a:solidFill>
-                  <a:schemeClr val="tx1"/>
-                </a:solidFill>
-                <a:effectLst/>
-                <a:latin typeface="+mn-lt"/>
-                <a:ea typeface="+mn-ea"/>
-                <a:cs typeface="+mn-cs"/>
-              </a:rPr>
-              <a:t> </a:t>
-            </a:r>
-            <a:br>
-              <a:rPr lang="de-DE" sz="1200" kern="1200" dirty="0" smtClean="0">
-                <a:solidFill>
-                  <a:schemeClr val="tx1"/>
-                </a:solidFill>
-                <a:effectLst/>
-                <a:latin typeface="+mn-lt"/>
-                <a:ea typeface="+mn-ea"/>
-                <a:cs typeface="+mn-cs"/>
-              </a:rPr>
-            </a:br>
-            <a:r>
-              <a:rPr lang="de-DE" sz="1200" kern="1200" dirty="0" smtClean="0">
-                <a:solidFill>
-                  <a:schemeClr val="tx1"/>
-                </a:solidFill>
-                <a:effectLst/>
-                <a:latin typeface="+mn-lt"/>
-                <a:ea typeface="+mn-ea"/>
-                <a:cs typeface="+mn-cs"/>
-              </a:rPr>
-              <a:t>Für eine erfolgreiche Anmeldung ist die Angabe der folgenden Informationen notwendig:</a:t>
-            </a:r>
-          </a:p>
-          <a:p>
-            <a:pPr lvl="0"/>
-            <a:r>
-              <a:rPr lang="de-DE" sz="1200" kern="1200" dirty="0" err="1" smtClean="0">
-                <a:solidFill>
-                  <a:schemeClr val="tx1"/>
-                </a:solidFill>
-                <a:effectLst/>
-                <a:latin typeface="+mn-lt"/>
-                <a:ea typeface="+mn-ea"/>
-                <a:cs typeface="+mn-cs"/>
-              </a:rPr>
-              <a:t>Social</a:t>
-            </a:r>
-            <a:r>
-              <a:rPr lang="de-DE" sz="1200" kern="1200" dirty="0" smtClean="0">
-                <a:solidFill>
-                  <a:schemeClr val="tx1"/>
-                </a:solidFill>
-                <a:effectLst/>
-                <a:latin typeface="+mn-lt"/>
-                <a:ea typeface="+mn-ea"/>
-                <a:cs typeface="+mn-cs"/>
-              </a:rPr>
-              <a:t>-Network-Anbieter</a:t>
-            </a:r>
-          </a:p>
-          <a:p>
-            <a:pPr lvl="0"/>
-            <a:r>
-              <a:rPr lang="de-DE" sz="1200" kern="1200" dirty="0" smtClean="0">
-                <a:solidFill>
-                  <a:schemeClr val="tx1"/>
-                </a:solidFill>
-                <a:effectLst/>
-                <a:latin typeface="+mn-lt"/>
-                <a:ea typeface="+mn-ea"/>
-                <a:cs typeface="+mn-cs"/>
-              </a:rPr>
-              <a:t>Der dort verwendete Benutzername</a:t>
-            </a:r>
-          </a:p>
-          <a:p>
-            <a:pPr lvl="0"/>
-            <a:r>
-              <a:rPr lang="de-DE" sz="1200" kern="1200" dirty="0" smtClean="0">
-                <a:solidFill>
-                  <a:schemeClr val="tx1"/>
-                </a:solidFill>
-                <a:effectLst/>
-                <a:latin typeface="+mn-lt"/>
-                <a:ea typeface="+mn-ea"/>
-                <a:cs typeface="+mn-cs"/>
-              </a:rPr>
-              <a:t>Das dort verwendete persönliche Passwort</a:t>
-            </a:r>
-          </a:p>
-          <a:p>
-            <a:r>
-              <a:rPr lang="de-DE" sz="1200" kern="1200" dirty="0" smtClean="0">
-                <a:solidFill>
-                  <a:schemeClr val="tx1"/>
-                </a:solidFill>
-                <a:effectLst/>
-                <a:latin typeface="+mn-lt"/>
-                <a:ea typeface="+mn-ea"/>
-                <a:cs typeface="+mn-cs"/>
-              </a:rPr>
-              <a:t>Die möglichen </a:t>
-            </a:r>
-            <a:r>
-              <a:rPr lang="de-DE" sz="1200" kern="1200" dirty="0" err="1" smtClean="0">
-                <a:solidFill>
-                  <a:schemeClr val="tx1"/>
-                </a:solidFill>
-                <a:effectLst/>
-                <a:latin typeface="+mn-lt"/>
-                <a:ea typeface="+mn-ea"/>
-                <a:cs typeface="+mn-cs"/>
-              </a:rPr>
-              <a:t>Social</a:t>
-            </a:r>
-            <a:r>
-              <a:rPr lang="de-DE" sz="1200" kern="1200" dirty="0" smtClean="0">
-                <a:solidFill>
-                  <a:schemeClr val="tx1"/>
-                </a:solidFill>
-                <a:effectLst/>
-                <a:latin typeface="+mn-lt"/>
-                <a:ea typeface="+mn-ea"/>
-                <a:cs typeface="+mn-cs"/>
-              </a:rPr>
-              <a:t>-Network-Anbieter werden auf der Eingabemaske aufgeführt. </a:t>
-            </a:r>
-            <a:br>
-              <a:rPr lang="de-DE" sz="1200" kern="1200" dirty="0" smtClean="0">
-                <a:solidFill>
-                  <a:schemeClr val="tx1"/>
-                </a:solidFill>
-                <a:effectLst/>
-                <a:latin typeface="+mn-lt"/>
-                <a:ea typeface="+mn-ea"/>
-                <a:cs typeface="+mn-cs"/>
-              </a:rPr>
-            </a:br>
-            <a:r>
-              <a:rPr lang="de-DE" sz="1200" kern="1200" dirty="0" smtClean="0">
-                <a:solidFill>
-                  <a:schemeClr val="tx1"/>
-                </a:solidFill>
-                <a:effectLst/>
-                <a:latin typeface="+mn-lt"/>
-                <a:ea typeface="+mn-ea"/>
-                <a:cs typeface="+mn-cs"/>
-              </a:rPr>
-              <a:t>Die Anmeldung an der Internetplattform ist erfolgreich, wenn die Antwort des </a:t>
-            </a:r>
-            <a:r>
-              <a:rPr lang="de-DE" sz="1200" kern="1200" dirty="0" err="1" smtClean="0">
-                <a:solidFill>
-                  <a:schemeClr val="tx1"/>
-                </a:solidFill>
-                <a:effectLst/>
-                <a:latin typeface="+mn-lt"/>
-                <a:ea typeface="+mn-ea"/>
-                <a:cs typeface="+mn-cs"/>
-              </a:rPr>
-              <a:t>Social</a:t>
-            </a:r>
-            <a:r>
-              <a:rPr lang="de-DE" sz="1200" kern="1200" dirty="0" smtClean="0">
-                <a:solidFill>
-                  <a:schemeClr val="tx1"/>
-                </a:solidFill>
-                <a:effectLst/>
-                <a:latin typeface="+mn-lt"/>
-                <a:ea typeface="+mn-ea"/>
-                <a:cs typeface="+mn-cs"/>
-              </a:rPr>
-              <a:t>-Network-Anbieters positiv ist, d.h. ist der Benutzer dort authentifiziert wurde und die Benutzerdaten übermittelt worden sind. Kann der Benutzer nicht über den </a:t>
-            </a:r>
-            <a:r>
-              <a:rPr lang="de-DE" sz="1200" kern="1200" dirty="0" err="1" smtClean="0">
-                <a:solidFill>
-                  <a:schemeClr val="tx1"/>
-                </a:solidFill>
-                <a:effectLst/>
-                <a:latin typeface="+mn-lt"/>
-                <a:ea typeface="+mn-ea"/>
-                <a:cs typeface="+mn-cs"/>
-              </a:rPr>
-              <a:t>Social</a:t>
-            </a:r>
-            <a:r>
-              <a:rPr lang="de-DE" sz="1200" kern="1200" dirty="0" smtClean="0">
-                <a:solidFill>
-                  <a:schemeClr val="tx1"/>
-                </a:solidFill>
-                <a:effectLst/>
-                <a:latin typeface="+mn-lt"/>
-                <a:ea typeface="+mn-ea"/>
-                <a:cs typeface="+mn-cs"/>
-              </a:rPr>
-              <a:t>-Network-Anbieter authentifiziert werden, erfolgt auch keine Anmeldung.</a:t>
-            </a:r>
-          </a:p>
-          <a:p>
-            <a:r>
-              <a:rPr lang="de-DE" sz="1200" kern="1200" dirty="0" smtClean="0">
-                <a:solidFill>
-                  <a:schemeClr val="tx1"/>
-                </a:solidFill>
-                <a:effectLst/>
-                <a:latin typeface="+mn-lt"/>
-                <a:ea typeface="+mn-ea"/>
-                <a:cs typeface="+mn-cs"/>
-              </a:rPr>
-              <a:t/>
-            </a:r>
-            <a:br>
-              <a:rPr lang="de-DE" sz="1200" kern="1200" dirty="0" smtClean="0">
-                <a:solidFill>
-                  <a:schemeClr val="tx1"/>
-                </a:solidFill>
-                <a:effectLst/>
-                <a:latin typeface="+mn-lt"/>
-                <a:ea typeface="+mn-ea"/>
-                <a:cs typeface="+mn-cs"/>
-              </a:rPr>
-            </a:br>
-            <a:r>
-              <a:rPr lang="de-DE" sz="1200" kern="1200" dirty="0" smtClean="0">
-                <a:solidFill>
-                  <a:schemeClr val="tx1"/>
-                </a:solidFill>
-                <a:effectLst/>
-                <a:latin typeface="+mn-lt"/>
-                <a:ea typeface="+mn-ea"/>
-                <a:cs typeface="+mn-cs"/>
-              </a:rPr>
-              <a:t>@FSM:  Updaten</a:t>
-            </a:r>
-          </a:p>
-          <a:p>
             <a:endParaRPr lang="de-DE" dirty="0"/>
           </a:p>
         </p:txBody>
@@ -6151,7 +4709,7 @@
     </p:spTree>
     <p:extLst>
       <p:ext uri="{BB962C8B-B14F-4D97-AF65-F5344CB8AC3E}">
-        <p14:creationId xmlns:p14="http://schemas.microsoft.com/office/powerpoint/2010/main" xmlns="" val="2934279750"/>
+        <p14:creationId xmlns:p14="http://schemas.microsoft.com/office/powerpoint/2010/main" val="2934279750"/>
       </p:ext>
     </p:extLst>
   </p:cSld>
@@ -10391,7 +8949,7 @@
           <a:blip r:embed="rId13" cstate="print">
             <a:extLst>
               <a:ext uri="{28A0092B-C50C-407E-A947-70E740481C1C}">
-                <a14:useLocalDpi xmlns:a14="http://schemas.microsoft.com/office/drawing/2010/main" xmlns="" val="0"/>
+                <a14:useLocalDpi xmlns:a14="http://schemas.microsoft.com/office/drawing/2010/main" val="0"/>
               </a:ext>
             </a:extLst>
           </a:blip>
@@ -10889,7 +9447,7 @@
           <a:blip r:embed="rId3" cstate="print">
             <a:extLst>
               <a:ext uri="{28A0092B-C50C-407E-A947-70E740481C1C}">
-                <a14:useLocalDpi xmlns:a14="http://schemas.microsoft.com/office/drawing/2010/main" xmlns="" val="0"/>
+                <a14:useLocalDpi xmlns:a14="http://schemas.microsoft.com/office/drawing/2010/main" val="0"/>
               </a:ext>
             </a:extLst>
           </a:blip>
@@ -10919,7 +9477,7 @@
           <a:blip r:embed="rId4" cstate="print">
             <a:extLst>
               <a:ext uri="{28A0092B-C50C-407E-A947-70E740481C1C}">
-                <a14:useLocalDpi xmlns:a14="http://schemas.microsoft.com/office/drawing/2010/main" xmlns="" val="0"/>
+                <a14:useLocalDpi xmlns:a14="http://schemas.microsoft.com/office/drawing/2010/main" val="0"/>
               </a:ext>
             </a:extLst>
           </a:blip>
@@ -10986,7 +9544,11 @@
           <a:p>
             <a:r>
               <a:rPr lang="de-DE" dirty="0" smtClean="0"/>
-              <a:t>Event erstellen</a:t>
+              <a:t>Event </a:t>
+            </a:r>
+            <a:r>
+              <a:rPr lang="de-DE" dirty="0" smtClean="0"/>
+              <a:t>Organisieren</a:t>
             </a:r>
             <a:endParaRPr lang="de-DE" dirty="0"/>
           </a:p>
@@ -11091,18 +9653,18 @@
     </p:spTree>
     <p:extLst>
       <p:ext uri="{BB962C8B-B14F-4D97-AF65-F5344CB8AC3E}">
-        <p14:creationId xmlns:p14="http://schemas.microsoft.com/office/powerpoint/2010/main" xmlns="" val="1358210935"/>
+        <p14:creationId xmlns:p14="http://schemas.microsoft.com/office/powerpoint/2010/main" val="1358210935"/>
       </p:ext>
     </p:extLst>
   </p:cSld>
   <p:clrMapOvr>
     <a:masterClrMapping/>
   </p:clrMapOvr>
-  <mc:AlternateContent xmlns:mc="http://schemas.openxmlformats.org/markup-compatibility/2006">
-    <mc:Choice xmlns:p14="http://schemas.microsoft.com/office/powerpoint/2010/main" xmlns="" Requires="p14">
+  <mc:AlternateContent xmlns:mc="http://schemas.openxmlformats.org/markup-compatibility/2006" xmlns:p14="http://schemas.microsoft.com/office/powerpoint/2010/main">
+    <mc:Choice Requires="p14">
       <p:transition spd="slow" p14:dur="2000"/>
     </mc:Choice>
-    <mc:Fallback>
+    <mc:Fallback xmlns="">
       <p:transition spd="slow"/>
     </mc:Fallback>
   </mc:AlternateContent>
@@ -11487,7 +10049,7 @@
     </p:spTree>
     <p:extLst>
       <p:ext uri="{BB962C8B-B14F-4D97-AF65-F5344CB8AC3E}">
-        <p14:creationId xmlns:p14="http://schemas.microsoft.com/office/powerpoint/2010/main" xmlns="" val="1084121422"/>
+        <p14:creationId xmlns:p14="http://schemas.microsoft.com/office/powerpoint/2010/main" val="1084121422"/>
       </p:ext>
     </p:extLst>
   </p:cSld>
@@ -11594,15 +10156,23 @@
           <a:p>
             <a:r>
               <a:rPr lang="de-DE" dirty="0" smtClean="0"/>
-              <a:t>Login</a:t>
-            </a:r>
+              <a:t>Event organisieren</a:t>
+            </a:r>
+          </a:p>
+          <a:p>
+            <a:pPr lvl="1"/>
+            <a:r>
+              <a:rPr lang="de-DE" dirty="0" smtClean="0"/>
+              <a:t>Wie Login</a:t>
+            </a:r>
+            <a:endParaRPr lang="de-DE" dirty="0" smtClean="0"/>
           </a:p>
         </p:txBody>
       </p:sp>
     </p:spTree>
     <p:extLst>
       <p:ext uri="{BB962C8B-B14F-4D97-AF65-F5344CB8AC3E}">
-        <p14:creationId xmlns:p14="http://schemas.microsoft.com/office/powerpoint/2010/main" xmlns="" val="3549245410"/>
+        <p14:creationId xmlns:p14="http://schemas.microsoft.com/office/powerpoint/2010/main" val="3549245410"/>
       </p:ext>
     </p:extLst>
   </p:cSld>
@@ -11802,7 +10372,7 @@
     </p:spTree>
     <p:extLst>
       <p:ext uri="{BB962C8B-B14F-4D97-AF65-F5344CB8AC3E}">
-        <p14:creationId xmlns:p14="http://schemas.microsoft.com/office/powerpoint/2010/main" xmlns="" val="1793566570"/>
+        <p14:creationId xmlns:p14="http://schemas.microsoft.com/office/powerpoint/2010/main" val="1793566570"/>
       </p:ext>
     </p:extLst>
   </p:cSld>
@@ -11952,7 +10522,7 @@
           <a:blip r:embed="rId2" cstate="print">
             <a:extLst>
               <a:ext uri="{28A0092B-C50C-407E-A947-70E740481C1C}">
-                <a14:useLocalDpi xmlns:a14="http://schemas.microsoft.com/office/drawing/2010/main" xmlns="" val="0"/>
+                <a14:useLocalDpi xmlns:a14="http://schemas.microsoft.com/office/drawing/2010/main" val="0"/>
               </a:ext>
             </a:extLst>
           </a:blip>
@@ -11976,14 +10546,14 @@
           <a:effectLst/>
           <a:extLst>
             <a:ext uri="{909E8E84-426E-40DD-AFC4-6F175D3DCCD1}">
-              <a14:hiddenFill xmlns:a14="http://schemas.microsoft.com/office/drawing/2010/main" xmlns="">
+              <a14:hiddenFill xmlns:a14="http://schemas.microsoft.com/office/drawing/2010/main">
                 <a:solidFill>
                   <a:schemeClr val="accent1"/>
                 </a:solidFill>
               </a14:hiddenFill>
             </a:ext>
             <a:ext uri="{91240B29-F687-4F45-9708-019B960494DF}">
-              <a14:hiddenLine xmlns:a14="http://schemas.microsoft.com/office/drawing/2010/main" xmlns="" w="9525">
+              <a14:hiddenLine xmlns:a14="http://schemas.microsoft.com/office/drawing/2010/main" w="9525">
                 <a:solidFill>
                   <a:schemeClr val="tx1"/>
                 </a:solidFill>
@@ -11993,7 +10563,7 @@
               </a14:hiddenLine>
             </a:ext>
             <a:ext uri="{AF507438-7753-43E0-B8FC-AC1667EBCBE1}">
-              <a14:hiddenEffects xmlns:a14="http://schemas.microsoft.com/office/drawing/2010/main" xmlns="">
+              <a14:hiddenEffects xmlns:a14="http://schemas.microsoft.com/office/drawing/2010/main">
                 <a:effectLst>
                   <a:outerShdw dist="35921" dir="2700000" algn="ctr" rotWithShape="0">
                     <a:schemeClr val="bg2"/>
@@ -12021,8 +10591,13 @@
           <a:p>
             <a:r>
               <a:rPr lang="de-DE" dirty="0"/>
-              <a:t>Event anlegen</a:t>
-            </a:r>
+              <a:t>Event </a:t>
+            </a:r>
+            <a:r>
+              <a:rPr lang="de-DE" dirty="0" smtClean="0"/>
+              <a:t>organisieren</a:t>
+            </a:r>
+            <a:endParaRPr lang="de-DE" dirty="0"/>
           </a:p>
           <a:p>
             <a:endParaRPr lang="de-DE" dirty="0"/>
@@ -12032,7 +10607,7 @@
     </p:spTree>
     <p:extLst>
       <p:ext uri="{BB962C8B-B14F-4D97-AF65-F5344CB8AC3E}">
-        <p14:creationId xmlns:p14="http://schemas.microsoft.com/office/powerpoint/2010/main" xmlns="" val="3640051399"/>
+        <p14:creationId xmlns:p14="http://schemas.microsoft.com/office/powerpoint/2010/main" val="3640051399"/>
       </p:ext>
     </p:extLst>
   </p:cSld>
@@ -12189,7 +10764,7 @@
     </p:spTree>
     <p:extLst>
       <p:ext uri="{BB962C8B-B14F-4D97-AF65-F5344CB8AC3E}">
-        <p14:creationId xmlns:p14="http://schemas.microsoft.com/office/powerpoint/2010/main" xmlns="" val="141785747"/>
+        <p14:creationId xmlns:p14="http://schemas.microsoft.com/office/powerpoint/2010/main" val="141785747"/>
       </p:ext>
     </p:extLst>
   </p:cSld>
@@ -12229,7 +10804,7 @@
         <p:spPr/>
         <p:txBody>
           <a:bodyPr>
-            <a:normAutofit fontScale="90000"/>
+            <a:normAutofit/>
           </a:bodyPr>
           <a:lstStyle/>
           <a:p>
@@ -12260,7 +10835,22 @@
           <a:bodyPr/>
           <a:lstStyle/>
           <a:p>
-            <a:endParaRPr lang="de-DE"/>
+            <a:r>
+              <a:rPr lang="de-DE" dirty="0" smtClean="0"/>
+              <a:t>Für den Login</a:t>
+            </a:r>
+          </a:p>
+          <a:p>
+            <a:pPr lvl="1"/>
+            <a:r>
+              <a:rPr lang="de-DE" dirty="0" smtClean="0"/>
+              <a:t>Durchgriff auf </a:t>
+            </a:r>
+            <a:r>
+              <a:rPr lang="de-DE" dirty="0" err="1" smtClean="0"/>
+              <a:t>Twitter</a:t>
+            </a:r>
+            <a:endParaRPr lang="de-DE" dirty="0"/>
           </a:p>
         </p:txBody>
       </p:sp>
@@ -12397,6 +10987,21 @@
           <a:bodyPr/>
           <a:lstStyle/>
           <a:p>
+            <a:r>
+              <a:rPr lang="de-DE" dirty="0" smtClean="0"/>
+              <a:t>Anmelden (Login) via </a:t>
+            </a:r>
+            <a:r>
+              <a:rPr lang="de-DE" dirty="0" err="1" smtClean="0"/>
+              <a:t>Twitter</a:t>
+            </a:r>
+            <a:endParaRPr lang="de-DE" dirty="0"/>
+          </a:p>
+          <a:p>
+            <a:r>
+              <a:rPr lang="de-DE" dirty="0" smtClean="0"/>
+              <a:t>Event erstellen</a:t>
+            </a:r>
             <a:endParaRPr lang="de-DE" dirty="0"/>
           </a:p>
         </p:txBody>
@@ -12474,7 +11079,7 @@
     </p:spTree>
     <p:extLst>
       <p:ext uri="{BB962C8B-B14F-4D97-AF65-F5344CB8AC3E}">
-        <p14:creationId xmlns:p14="http://schemas.microsoft.com/office/powerpoint/2010/main" xmlns="" val="2634211947"/>
+        <p14:creationId xmlns:p14="http://schemas.microsoft.com/office/powerpoint/2010/main" val="2634211947"/>
       </p:ext>
     </p:extLst>
   </p:cSld>
@@ -12543,7 +11148,13 @@
           <a:p>
             <a:r>
               <a:rPr lang="de-DE" dirty="0" smtClean="0"/>
-              <a:t>TODO</a:t>
+              <a:t>Kurz: Domänenklassendiagramm vorstellen</a:t>
+            </a:r>
+          </a:p>
+          <a:p>
+            <a:r>
+              <a:rPr lang="de-DE" dirty="0" smtClean="0"/>
+              <a:t>Danach DB Schema als Ableitung davon</a:t>
             </a:r>
             <a:endParaRPr lang="de-DE" dirty="0"/>
           </a:p>
@@ -12622,7 +11233,7 @@
     </p:spTree>
     <p:extLst>
       <p:ext uri="{BB962C8B-B14F-4D97-AF65-F5344CB8AC3E}">
-        <p14:creationId xmlns:p14="http://schemas.microsoft.com/office/powerpoint/2010/main" xmlns="" val="3243626544"/>
+        <p14:creationId xmlns:p14="http://schemas.microsoft.com/office/powerpoint/2010/main" val="3243626544"/>
       </p:ext>
     </p:extLst>
   </p:cSld>
@@ -12778,7 +11389,7 @@
     </p:spTree>
     <p:extLst>
       <p:ext uri="{BB962C8B-B14F-4D97-AF65-F5344CB8AC3E}">
-        <p14:creationId xmlns="" xmlns:p14="http://schemas.microsoft.com/office/powerpoint/2010/main" val="3243626544"/>
+        <p14:creationId xmlns:p14="http://schemas.microsoft.com/office/powerpoint/2010/main" val="3243626544"/>
       </p:ext>
     </p:extLst>
   </p:cSld>
@@ -12862,8 +11473,13 @@
             <a:pPr lvl="1"/>
             <a:r>
               <a:rPr lang="de-DE" dirty="0" smtClean="0"/>
-              <a:t>Event erstellen</a:t>
-            </a:r>
+              <a:t>Event </a:t>
+            </a:r>
+            <a:r>
+              <a:rPr lang="de-DE" dirty="0" smtClean="0"/>
+              <a:t>organisieren</a:t>
+            </a:r>
+            <a:endParaRPr lang="de-DE" dirty="0" smtClean="0"/>
           </a:p>
           <a:p>
             <a:pPr lvl="1"/>
@@ -13019,7 +11635,7 @@
         </p:blipFill>
         <p:spPr bwMode="auto">
           <a:xfrm>
-            <a:off x="6249101" y="-315416"/>
+            <a:off x="6804248" y="2780928"/>
             <a:ext cx="1643074" cy="1825638"/>
           </a:xfrm>
           <a:prstGeom prst="roundRect">
@@ -13047,7 +11663,7 @@
     </p:spTree>
     <p:extLst>
       <p:ext uri="{BB962C8B-B14F-4D97-AF65-F5344CB8AC3E}">
-        <p14:creationId xmlns:p14="http://schemas.microsoft.com/office/powerpoint/2010/main" xmlns="" val="3616670450"/>
+        <p14:creationId xmlns:p14="http://schemas.microsoft.com/office/powerpoint/2010/main" val="3616670450"/>
       </p:ext>
     </p:extLst>
   </p:cSld>
@@ -13561,7 +12177,7 @@
     </p:spTree>
     <p:extLst>
       <p:ext uri="{BB962C8B-B14F-4D97-AF65-F5344CB8AC3E}">
-        <p14:creationId xmlns="" xmlns:p14="http://schemas.microsoft.com/office/powerpoint/2010/main" val="3243626544"/>
+        <p14:creationId xmlns:p14="http://schemas.microsoft.com/office/powerpoint/2010/main" val="3243626544"/>
       </p:ext>
     </p:extLst>
   </p:cSld>
@@ -14075,7 +12691,7 @@
     </p:spTree>
     <p:extLst>
       <p:ext uri="{BB962C8B-B14F-4D97-AF65-F5344CB8AC3E}">
-        <p14:creationId xmlns="" xmlns:p14="http://schemas.microsoft.com/office/powerpoint/2010/main" val="3243626544"/>
+        <p14:creationId xmlns:p14="http://schemas.microsoft.com/office/powerpoint/2010/main" val="3243626544"/>
       </p:ext>
     </p:extLst>
   </p:cSld>
@@ -14543,7 +13159,7 @@
     </p:spTree>
     <p:extLst>
       <p:ext uri="{BB962C8B-B14F-4D97-AF65-F5344CB8AC3E}">
-        <p14:creationId xmlns="" xmlns:p14="http://schemas.microsoft.com/office/powerpoint/2010/main" val="3243626544"/>
+        <p14:creationId xmlns:p14="http://schemas.microsoft.com/office/powerpoint/2010/main" val="3243626544"/>
       </p:ext>
     </p:extLst>
   </p:cSld>
@@ -15372,7 +13988,7 @@
     </p:spTree>
     <p:extLst>
       <p:ext uri="{BB962C8B-B14F-4D97-AF65-F5344CB8AC3E}">
-        <p14:creationId xmlns="" xmlns:p14="http://schemas.microsoft.com/office/powerpoint/2010/main" val="3243626544"/>
+        <p14:creationId xmlns:p14="http://schemas.microsoft.com/office/powerpoint/2010/main" val="3243626544"/>
       </p:ext>
     </p:extLst>
   </p:cSld>
@@ -15975,7 +14591,7 @@
     </p:spTree>
     <p:extLst>
       <p:ext uri="{BB962C8B-B14F-4D97-AF65-F5344CB8AC3E}">
-        <p14:creationId xmlns="" xmlns:p14="http://schemas.microsoft.com/office/powerpoint/2010/main" val="3243626544"/>
+        <p14:creationId xmlns:p14="http://schemas.microsoft.com/office/powerpoint/2010/main" val="3243626544"/>
       </p:ext>
     </p:extLst>
   </p:cSld>
@@ -16295,7 +14911,7 @@
     </p:spTree>
     <p:extLst>
       <p:ext uri="{BB962C8B-B14F-4D97-AF65-F5344CB8AC3E}">
-        <p14:creationId xmlns:p14="http://schemas.microsoft.com/office/powerpoint/2010/main" xmlns="" val="3309636493"/>
+        <p14:creationId xmlns:p14="http://schemas.microsoft.com/office/powerpoint/2010/main" val="3309636493"/>
       </p:ext>
     </p:extLst>
   </p:cSld>
@@ -16506,7 +15122,7 @@
     </p:spTree>
     <p:extLst>
       <p:ext uri="{BB962C8B-B14F-4D97-AF65-F5344CB8AC3E}">
-        <p14:creationId xmlns:p14="http://schemas.microsoft.com/office/powerpoint/2010/main" xmlns="" val="1012322072"/>
+        <p14:creationId xmlns:p14="http://schemas.microsoft.com/office/powerpoint/2010/main" val="1012322072"/>
       </p:ext>
     </p:extLst>
   </p:cSld>
@@ -16724,7 +15340,7 @@
     </p:spTree>
     <p:extLst>
       <p:ext uri="{BB962C8B-B14F-4D97-AF65-F5344CB8AC3E}">
-        <p14:creationId xmlns:p14="http://schemas.microsoft.com/office/powerpoint/2010/main" xmlns="" val="1012322072"/>
+        <p14:creationId xmlns:p14="http://schemas.microsoft.com/office/powerpoint/2010/main" val="1012322072"/>
       </p:ext>
     </p:extLst>
   </p:cSld>
@@ -16943,7 +15559,7 @@
           <a:blip r:embed="rId2" cstate="print">
             <a:extLst>
               <a:ext uri="{BEBA8EAE-BF5A-486C-A8C5-ECC9F3942E4B}">
-                <a14:imgProps xmlns:a14="http://schemas.microsoft.com/office/drawing/2010/main" xmlns="">
+                <a14:imgProps xmlns:a14="http://schemas.microsoft.com/office/drawing/2010/main">
                   <a14:imgLayer r:embed="rId3">
                     <a14:imgEffect>
                       <a14:backgroundRemoval t="6057" b="22942" l="7000" r="29162"/>
@@ -16952,7 +15568,7 @@
                 </a14:imgProps>
               </a:ext>
               <a:ext uri="{28A0092B-C50C-407E-A947-70E740481C1C}">
-                <a14:useLocalDpi xmlns:a14="http://schemas.microsoft.com/office/drawing/2010/main" xmlns="" val="0"/>
+                <a14:useLocalDpi xmlns:a14="http://schemas.microsoft.com/office/drawing/2010/main" val="0"/>
               </a:ext>
             </a:extLst>
           </a:blip>
@@ -16970,7 +15586,7 @@
           <a:noFill/>
           <a:extLst>
             <a:ext uri="{909E8E84-426E-40DD-AFC4-6F175D3DCCD1}">
-              <a14:hiddenFill xmlns:a14="http://schemas.microsoft.com/office/drawing/2010/main" xmlns="">
+              <a14:hiddenFill xmlns:a14="http://schemas.microsoft.com/office/drawing/2010/main">
                 <a:solidFill>
                   <a:srgbClr val="FFFFFF"/>
                 </a:solidFill>
@@ -16991,7 +15607,7 @@
           <a:blip r:embed="rId2" cstate="print">
             <a:extLst>
               <a:ext uri="{BEBA8EAE-BF5A-486C-A8C5-ECC9F3942E4B}">
-                <a14:imgProps xmlns:a14="http://schemas.microsoft.com/office/drawing/2010/main" xmlns="">
+                <a14:imgProps xmlns:a14="http://schemas.microsoft.com/office/drawing/2010/main">
                   <a14:imgLayer r:embed="rId3">
                     <a14:imgEffect>
                       <a14:backgroundRemoval t="6057" b="22942" l="7000" r="29162"/>
@@ -17000,7 +15616,7 @@
                 </a14:imgProps>
               </a:ext>
               <a:ext uri="{28A0092B-C50C-407E-A947-70E740481C1C}">
-                <a14:useLocalDpi xmlns:a14="http://schemas.microsoft.com/office/drawing/2010/main" xmlns="" val="0"/>
+                <a14:useLocalDpi xmlns:a14="http://schemas.microsoft.com/office/drawing/2010/main" val="0"/>
               </a:ext>
             </a:extLst>
           </a:blip>
@@ -17018,7 +15634,7 @@
           <a:noFill/>
           <a:extLst>
             <a:ext uri="{909E8E84-426E-40DD-AFC4-6F175D3DCCD1}">
-              <a14:hiddenFill xmlns:a14="http://schemas.microsoft.com/office/drawing/2010/main" xmlns="">
+              <a14:hiddenFill xmlns:a14="http://schemas.microsoft.com/office/drawing/2010/main">
                 <a:solidFill>
                   <a:srgbClr val="FFFFFF"/>
                 </a:solidFill>
@@ -17030,7 +15646,7 @@
     </p:spTree>
     <p:extLst>
       <p:ext uri="{BB962C8B-B14F-4D97-AF65-F5344CB8AC3E}">
-        <p14:creationId xmlns:p14="http://schemas.microsoft.com/office/powerpoint/2010/main" xmlns="" val="2645794681"/>
+        <p14:creationId xmlns:p14="http://schemas.microsoft.com/office/powerpoint/2010/main" val="2645794681"/>
       </p:ext>
     </p:extLst>
   </p:cSld>
@@ -17141,8 +15757,13 @@
             <a:pPr lvl="2"/>
             <a:r>
               <a:rPr lang="de-DE" dirty="0" smtClean="0"/>
-              <a:t>Event erstellen</a:t>
-            </a:r>
+              <a:t>Event </a:t>
+            </a:r>
+            <a:r>
+              <a:rPr lang="de-DE" dirty="0" smtClean="0"/>
+              <a:t>organisieren</a:t>
+            </a:r>
+            <a:endParaRPr lang="de-DE" dirty="0" smtClean="0"/>
           </a:p>
           <a:p>
             <a:pPr lvl="2"/>
@@ -17309,18 +15930,18 @@
     </p:spTree>
     <p:extLst>
       <p:ext uri="{BB962C8B-B14F-4D97-AF65-F5344CB8AC3E}">
-        <p14:creationId xmlns:p14="http://schemas.microsoft.com/office/powerpoint/2010/main" xmlns="" val="2988266106"/>
+        <p14:creationId xmlns:p14="http://schemas.microsoft.com/office/powerpoint/2010/main" val="2988266106"/>
       </p:ext>
     </p:extLst>
   </p:cSld>
   <p:clrMapOvr>
     <a:masterClrMapping/>
   </p:clrMapOvr>
-  <mc:AlternateContent xmlns:mc="http://schemas.openxmlformats.org/markup-compatibility/2006">
-    <mc:Choice xmlns:p14="http://schemas.microsoft.com/office/powerpoint/2010/main" xmlns="" Requires="p14">
+  <mc:AlternateContent xmlns:mc="http://schemas.openxmlformats.org/markup-compatibility/2006" xmlns:p14="http://schemas.microsoft.com/office/powerpoint/2010/main">
+    <mc:Choice Requires="p14">
       <p:transition spd="slow" p14:dur="2000"/>
     </mc:Choice>
-    <mc:Fallback>
+    <mc:Fallback xmlns="">
       <p:transition spd="slow"/>
     </mc:Fallback>
   </mc:AlternateContent>
@@ -17553,7 +16174,7 @@
           <a:blip r:embed="rId3" cstate="print">
             <a:extLst>
               <a:ext uri="{28A0092B-C50C-407E-A947-70E740481C1C}">
-                <a14:useLocalDpi xmlns:a14="http://schemas.microsoft.com/office/drawing/2010/main" xmlns="" val="0"/>
+                <a14:useLocalDpi xmlns:a14="http://schemas.microsoft.com/office/drawing/2010/main" val="0"/>
               </a:ext>
             </a:extLst>
           </a:blip>
@@ -17585,7 +16206,7 @@
           </a:effectLst>
           <a:extLst>
             <a:ext uri="{91240B29-F687-4F45-9708-019B960494DF}">
-              <a14:hiddenLine xmlns:a14="http://schemas.microsoft.com/office/drawing/2010/main" xmlns="" w="9525">
+              <a14:hiddenLine xmlns:a14="http://schemas.microsoft.com/office/drawing/2010/main" w="9525">
                 <a:solidFill>
                   <a:schemeClr val="tx1"/>
                 </a:solidFill>
@@ -17600,7 +16221,7 @@
     </p:spTree>
     <p:extLst>
       <p:ext uri="{BB962C8B-B14F-4D97-AF65-F5344CB8AC3E}">
-        <p14:creationId xmlns:p14="http://schemas.microsoft.com/office/powerpoint/2010/main" xmlns="" val="313312729"/>
+        <p14:creationId xmlns:p14="http://schemas.microsoft.com/office/powerpoint/2010/main" val="313312729"/>
       </p:ext>
     </p:extLst>
   </p:cSld>
@@ -17811,7 +16432,7 @@
     </p:spTree>
     <p:extLst>
       <p:ext uri="{BB962C8B-B14F-4D97-AF65-F5344CB8AC3E}">
-        <p14:creationId xmlns:p14="http://schemas.microsoft.com/office/powerpoint/2010/main" xmlns="" val="1344880779"/>
+        <p14:creationId xmlns:p14="http://schemas.microsoft.com/office/powerpoint/2010/main" val="1344880779"/>
       </p:ext>
     </p:extLst>
   </p:cSld>
@@ -17856,17 +16477,10 @@
           <a:lstStyle/>
           <a:p>
             <a:r>
-              <a:rPr lang="de-DE" dirty="0" smtClean="0"/>
-              <a:t>Projekt: „</a:t>
-            </a:r>
-            <a:r>
               <a:rPr lang="de-DE" dirty="0" err="1" smtClean="0"/>
               <a:t>Eventalizer</a:t>
             </a:r>
-            <a:r>
-              <a:rPr lang="de-DE" dirty="0" smtClean="0"/>
-              <a:t>“</a:t>
-            </a:r>
+            <a:endParaRPr lang="de-DE" dirty="0" smtClean="0"/>
           </a:p>
         </p:txBody>
       </p:sp>
@@ -17887,7 +16501,17 @@
           <a:p>
             <a:r>
               <a:rPr lang="de-DE" dirty="0" smtClean="0"/>
-              <a:t>Vielen Dank für Ihre Aufmerksamkeit</a:t>
+              <a:t>Vielen Dank für Ihre </a:t>
+            </a:r>
+            <a:r>
+              <a:rPr lang="de-DE" dirty="0" smtClean="0"/>
+              <a:t>Aufmerksamkeit</a:t>
+            </a:r>
+          </a:p>
+          <a:p>
+            <a:r>
+              <a:rPr lang="de-DE" dirty="0" smtClean="0"/>
+              <a:t>Gibt es noch Fragen?</a:t>
             </a:r>
             <a:endParaRPr lang="de-DE" dirty="0"/>
           </a:p>
@@ -17905,7 +16529,7 @@
           <a:blip r:embed="rId3" cstate="print">
             <a:extLst>
               <a:ext uri="{28A0092B-C50C-407E-A947-70E740481C1C}">
-                <a14:useLocalDpi xmlns:a14="http://schemas.microsoft.com/office/drawing/2010/main" xmlns="" val="0"/>
+                <a14:useLocalDpi xmlns:a14="http://schemas.microsoft.com/office/drawing/2010/main" val="0"/>
               </a:ext>
             </a:extLst>
           </a:blip>
@@ -17935,7 +16559,7 @@
           <a:blip r:embed="rId4" cstate="print">
             <a:extLst>
               <a:ext uri="{28A0092B-C50C-407E-A947-70E740481C1C}">
-                <a14:useLocalDpi xmlns:a14="http://schemas.microsoft.com/office/drawing/2010/main" xmlns="" val="0"/>
+                <a14:useLocalDpi xmlns:a14="http://schemas.microsoft.com/office/drawing/2010/main" val="0"/>
               </a:ext>
             </a:extLst>
           </a:blip>
@@ -17956,7 +16580,7 @@
     </p:spTree>
     <p:extLst>
       <p:ext uri="{BB962C8B-B14F-4D97-AF65-F5344CB8AC3E}">
-        <p14:creationId xmlns:p14="http://schemas.microsoft.com/office/powerpoint/2010/main" xmlns="" val="2565098391"/>
+        <p14:creationId xmlns:p14="http://schemas.microsoft.com/office/powerpoint/2010/main" val="2565098391"/>
       </p:ext>
     </p:extLst>
   </p:cSld>
@@ -18025,31 +16649,113 @@
         </p:nvSpPr>
         <p:spPr/>
         <p:txBody>
-          <a:bodyPr/>
-          <a:lstStyle/>
-          <a:p>
-            <a:r>
-              <a:rPr lang="de-DE" dirty="0" smtClean="0"/>
-              <a:t>Dekorative Abbildungen</a:t>
+          <a:bodyPr>
+            <a:normAutofit/>
+          </a:bodyPr>
+          <a:lstStyle/>
+          <a:p>
+            <a:r>
+              <a:rPr lang="de-DE" sz="2000" dirty="0" err="1" smtClean="0"/>
+              <a:t>o.V</a:t>
+            </a:r>
+            <a:r>
+              <a:rPr lang="de-DE" sz="2000" dirty="0" smtClean="0"/>
+              <a:t>.: Spring </a:t>
+            </a:r>
+            <a:r>
+              <a:rPr lang="de-DE" sz="2000" dirty="0" err="1"/>
+              <a:t>Roo</a:t>
+            </a:r>
+            <a:r>
+              <a:rPr lang="de-DE" sz="2000" dirty="0"/>
+              <a:t> - Reference </a:t>
+            </a:r>
+            <a:r>
+              <a:rPr lang="de-DE" sz="2000" dirty="0" err="1" smtClean="0"/>
+              <a:t>Documentation</a:t>
+            </a:r>
+            <a:r>
+              <a:rPr lang="de-DE" sz="2000" dirty="0" smtClean="0"/>
+              <a:t>. http</a:t>
+            </a:r>
+            <a:r>
+              <a:rPr lang="de-DE" sz="2000" dirty="0"/>
+              <a:t>://</a:t>
+            </a:r>
+            <a:r>
+              <a:rPr lang="de-DE" sz="2000" dirty="0" smtClean="0"/>
+              <a:t>www.springsource.org/spring-roo#documentation,  Abgerufen am 14.03.2012</a:t>
+            </a:r>
+            <a:endParaRPr lang="de-DE" sz="2000" dirty="0"/>
+          </a:p>
+          <a:p>
+            <a:r>
+              <a:rPr lang="de-DE" sz="2000" dirty="0" err="1"/>
+              <a:t>Shekhar</a:t>
+            </a:r>
+            <a:r>
+              <a:rPr lang="de-DE" sz="2000" dirty="0"/>
+              <a:t> </a:t>
+            </a:r>
+            <a:r>
+              <a:rPr lang="de-DE" sz="2000" dirty="0" err="1"/>
+              <a:t>Gulati</a:t>
+            </a:r>
+            <a:r>
+              <a:rPr lang="de-DE" sz="2000" dirty="0"/>
+              <a:t>: </a:t>
+            </a:r>
+            <a:r>
+              <a:rPr lang="de-DE" sz="2000" dirty="0" err="1"/>
+              <a:t>Introducing</a:t>
+            </a:r>
+            <a:r>
+              <a:rPr lang="de-DE" sz="2000" dirty="0"/>
+              <a:t> Spring </a:t>
+            </a:r>
+            <a:r>
+              <a:rPr lang="de-DE" sz="2000" dirty="0" err="1" smtClean="0"/>
+              <a:t>Roo</a:t>
+            </a:r>
+            <a:r>
+              <a:rPr lang="de-DE" sz="2000" dirty="0"/>
+              <a:t>. http://www.ibm.com/developerworks/library/os-springroo2</a:t>
+            </a:r>
+            <a:r>
+              <a:rPr lang="de-DE" sz="2000" dirty="0" smtClean="0"/>
+              <a:t>/,  Abgerufen 23.04.2012</a:t>
+            </a:r>
+          </a:p>
+          <a:p>
+            <a:endParaRPr lang="de-DE" dirty="0"/>
+          </a:p>
+          <a:p>
+            <a:r>
+              <a:rPr lang="de-DE" sz="2400" dirty="0" smtClean="0"/>
+              <a:t>Dekorative </a:t>
+            </a:r>
+            <a:r>
+              <a:rPr lang="de-DE" sz="2400" dirty="0" smtClean="0"/>
+              <a:t>Abbildungen</a:t>
             </a:r>
           </a:p>
           <a:p>
             <a:pPr lvl="1"/>
             <a:r>
-              <a:rPr lang="de-DE" dirty="0" smtClean="0"/>
+              <a:rPr lang="de-DE" sz="2000" dirty="0" smtClean="0"/>
               <a:t>www.FreeDigitalPhotos.net</a:t>
             </a:r>
           </a:p>
           <a:p>
             <a:pPr lvl="1"/>
             <a:r>
-              <a:rPr lang="de-DE" dirty="0"/>
+              <a:rPr lang="de-DE" sz="2000" dirty="0"/>
               <a:t>www.animationfactory.com</a:t>
             </a:r>
           </a:p>
           <a:p>
             <a:pPr lvl="1"/>
-            <a:endParaRPr lang="de-DE" dirty="0"/>
+            <a:endParaRPr lang="de-DE" sz="2000" dirty="0"/>
           </a:p>
         </p:txBody>
       </p:sp>
@@ -18126,7 +16832,7 @@
     </p:spTree>
     <p:extLst>
       <p:ext uri="{BB962C8B-B14F-4D97-AF65-F5344CB8AC3E}">
-        <p14:creationId xmlns:p14="http://schemas.microsoft.com/office/powerpoint/2010/main" xmlns="" val="3661383713"/>
+        <p14:creationId xmlns:p14="http://schemas.microsoft.com/office/powerpoint/2010/main" val="3661383713"/>
       </p:ext>
     </p:extLst>
   </p:cSld>
@@ -18277,7 +16983,7 @@
     </p:spTree>
     <p:extLst>
       <p:ext uri="{BB962C8B-B14F-4D97-AF65-F5344CB8AC3E}">
-        <p14:creationId xmlns:p14="http://schemas.microsoft.com/office/powerpoint/2010/main" xmlns="" val="351671181"/>
+        <p14:creationId xmlns:p14="http://schemas.microsoft.com/office/powerpoint/2010/main" val="351671181"/>
       </p:ext>
     </p:extLst>
   </p:cSld>
@@ -18735,7 +17441,7 @@
     </p:spTree>
     <p:extLst>
       <p:ext uri="{BB962C8B-B14F-4D97-AF65-F5344CB8AC3E}">
-        <p14:creationId xmlns:p14="http://schemas.microsoft.com/office/powerpoint/2010/main" xmlns="" val="351671181"/>
+        <p14:creationId xmlns:p14="http://schemas.microsoft.com/office/powerpoint/2010/main" val="351671181"/>
       </p:ext>
     </p:extLst>
   </p:cSld>
@@ -18846,9 +17552,12 @@
             </a:r>
           </a:p>
           <a:p>
-            <a:r>
-              <a:rPr lang="de-DE" dirty="0" err="1" smtClean="0"/>
-              <a:t>blablabla</a:t>
+            <a:endParaRPr lang="de-DE" dirty="0" smtClean="0"/>
+          </a:p>
+          <a:p>
+            <a:r>
+              <a:rPr lang="de-DE" dirty="0" smtClean="0"/>
+              <a:t>Funktionalen Anforderungen zum Login vorstellen</a:t>
             </a:r>
             <a:endParaRPr lang="de-DE" dirty="0"/>
           </a:p>
@@ -18857,7 +17566,7 @@
     </p:spTree>
     <p:extLst>
       <p:ext uri="{BB962C8B-B14F-4D97-AF65-F5344CB8AC3E}">
-        <p14:creationId xmlns:p14="http://schemas.microsoft.com/office/powerpoint/2010/main" xmlns="" val="2681693288"/>
+        <p14:creationId xmlns:p14="http://schemas.microsoft.com/office/powerpoint/2010/main" val="2681693288"/>
       </p:ext>
     </p:extLst>
   </p:cSld>
@@ -19060,7 +17769,7 @@
     </p:spTree>
     <p:extLst>
       <p:ext uri="{BB962C8B-B14F-4D97-AF65-F5344CB8AC3E}">
-        <p14:creationId xmlns:p14="http://schemas.microsoft.com/office/powerpoint/2010/main" xmlns="" val="2681693288"/>
+        <p14:creationId xmlns:p14="http://schemas.microsoft.com/office/powerpoint/2010/main" val="2681693288"/>
       </p:ext>
     </p:extLst>
   </p:cSld>
@@ -19523,7 +18232,7 @@
     </p:spTree>
     <p:extLst>
       <p:ext uri="{BB962C8B-B14F-4D97-AF65-F5344CB8AC3E}">
-        <p14:creationId xmlns:p14="http://schemas.microsoft.com/office/powerpoint/2010/main" xmlns="" val="2857272158"/>
+        <p14:creationId xmlns:p14="http://schemas.microsoft.com/office/powerpoint/2010/main" val="2857272158"/>
       </p:ext>
     </p:extLst>
   </p:cSld>
@@ -19603,7 +18312,7 @@
           <a:blip r:embed="rId2" cstate="print">
             <a:extLst>
               <a:ext uri="{28A0092B-C50C-407E-A947-70E740481C1C}">
-                <a14:useLocalDpi xmlns:a14="http://schemas.microsoft.com/office/drawing/2010/main" xmlns="" val="0"/>
+                <a14:useLocalDpi xmlns:a14="http://schemas.microsoft.com/office/drawing/2010/main" val="0"/>
               </a:ext>
             </a:extLst>
           </a:blip>
@@ -19626,14 +18335,14 @@
           <a:effectLst/>
           <a:extLst>
             <a:ext uri="{909E8E84-426E-40DD-AFC4-6F175D3DCCD1}">
-              <a14:hiddenFill xmlns:a14="http://schemas.microsoft.com/office/drawing/2010/main" xmlns="">
+              <a14:hiddenFill xmlns:a14="http://schemas.microsoft.com/office/drawing/2010/main">
                 <a:solidFill>
                   <a:schemeClr val="accent1"/>
                 </a:solidFill>
               </a14:hiddenFill>
             </a:ext>
             <a:ext uri="{91240B29-F687-4F45-9708-019B960494DF}">
-              <a14:hiddenLine xmlns:a14="http://schemas.microsoft.com/office/drawing/2010/main" xmlns="" w="9525">
+              <a14:hiddenLine xmlns:a14="http://schemas.microsoft.com/office/drawing/2010/main" w="9525">
                 <a:solidFill>
                   <a:schemeClr val="tx1"/>
                 </a:solidFill>
@@ -19643,7 +18352,7 @@
               </a14:hiddenLine>
             </a:ext>
             <a:ext uri="{AF507438-7753-43E0-B8FC-AC1667EBCBE1}">
-              <a14:hiddenEffects xmlns:a14="http://schemas.microsoft.com/office/drawing/2010/main" xmlns="">
+              <a14:hiddenEffects xmlns:a14="http://schemas.microsoft.com/office/drawing/2010/main">
                 <a:effectLst>
                   <a:outerShdw dist="35921" dir="2700000" algn="ctr" rotWithShape="0">
                     <a:schemeClr val="bg2"/>
@@ -19934,7 +18643,7 @@
     </p:spTree>
     <p:extLst>
       <p:ext uri="{BB962C8B-B14F-4D97-AF65-F5344CB8AC3E}">
-        <p14:creationId xmlns:p14="http://schemas.microsoft.com/office/powerpoint/2010/main" xmlns="" val="3542583579"/>
+        <p14:creationId xmlns:p14="http://schemas.microsoft.com/office/powerpoint/2010/main" val="3542583579"/>
       </p:ext>
     </p:extLst>
   </p:cSld>

--- a/Dokumente/Abschlusspr�si/Abschlusspr�sentation.pptx
+++ b/Dokumente/Abschlusspr�si/Abschlusspr�sentation.pptx
@@ -3772,331 +3772,6 @@
         <p:txBody>
           <a:bodyPr/>
           <a:lstStyle/>
-          <a:p>
-            <a:r>
-              <a:rPr lang="de-DE" dirty="0" smtClean="0"/>
-              <a:t>Funktionale Anforderung per </a:t>
-            </a:r>
-            <a:r>
-              <a:rPr lang="de-DE" dirty="0" err="1" smtClean="0"/>
-              <a:t>Mockup</a:t>
-            </a:r>
-            <a:r>
-              <a:rPr lang="de-DE" dirty="0" smtClean="0"/>
-              <a:t> dargestellt und textuell ergänzt:</a:t>
-            </a:r>
-          </a:p>
-          <a:p>
-            <a:r>
-              <a:rPr lang="de-DE" sz="1200" kern="1200" dirty="0" smtClean="0">
-                <a:solidFill>
-                  <a:schemeClr val="tx1"/>
-                </a:solidFill>
-                <a:effectLst/>
-                <a:latin typeface="+mn-lt"/>
-                <a:ea typeface="+mn-ea"/>
-                <a:cs typeface="+mn-cs"/>
-              </a:rPr>
-              <a:t>Der beliebiger Internetnutzer kann sich über </a:t>
-            </a:r>
-            <a:r>
-              <a:rPr lang="de-DE" sz="1200" kern="1200" dirty="0" err="1" smtClean="0">
-                <a:solidFill>
-                  <a:schemeClr val="tx1"/>
-                </a:solidFill>
-                <a:effectLst/>
-                <a:latin typeface="+mn-lt"/>
-                <a:ea typeface="+mn-ea"/>
-                <a:cs typeface="+mn-cs"/>
-              </a:rPr>
-              <a:t>oAuth</a:t>
-            </a:r>
-            <a:r>
-              <a:rPr lang="de-DE" sz="1200" kern="1200" dirty="0" smtClean="0">
-                <a:solidFill>
-                  <a:schemeClr val="tx1"/>
-                </a:solidFill>
-                <a:effectLst/>
-                <a:latin typeface="+mn-lt"/>
-                <a:ea typeface="+mn-ea"/>
-                <a:cs typeface="+mn-cs"/>
-              </a:rPr>
-              <a:t> (Google oder Facebook-Account) auf der folgenden Eingabemaske an der Internetplattform </a:t>
-            </a:r>
-            <a:r>
-              <a:rPr lang="de-DE" sz="1200" kern="1200" dirty="0" err="1" smtClean="0">
-                <a:solidFill>
-                  <a:schemeClr val="tx1"/>
-                </a:solidFill>
-                <a:effectLst/>
-                <a:latin typeface="+mn-lt"/>
-                <a:ea typeface="+mn-ea"/>
-                <a:cs typeface="+mn-cs"/>
-              </a:rPr>
-              <a:t>Eventalizer</a:t>
-            </a:r>
-            <a:r>
-              <a:rPr lang="de-DE" sz="1200" kern="1200" dirty="0" smtClean="0">
-                <a:solidFill>
-                  <a:schemeClr val="tx1"/>
-                </a:solidFill>
-                <a:effectLst/>
-                <a:latin typeface="+mn-lt"/>
-                <a:ea typeface="+mn-ea"/>
-                <a:cs typeface="+mn-cs"/>
-              </a:rPr>
-              <a:t> anmelden:</a:t>
-            </a:r>
-            <a:br>
-              <a:rPr lang="de-DE" sz="1200" kern="1200" dirty="0" smtClean="0">
-                <a:solidFill>
-                  <a:schemeClr val="tx1"/>
-                </a:solidFill>
-                <a:effectLst/>
-                <a:latin typeface="+mn-lt"/>
-                <a:ea typeface="+mn-ea"/>
-                <a:cs typeface="+mn-cs"/>
-              </a:rPr>
-            </a:br>
-            <a:r>
-              <a:rPr lang="de-DE" sz="1200" kern="1200" dirty="0" smtClean="0">
-                <a:solidFill>
-                  <a:schemeClr val="tx1"/>
-                </a:solidFill>
-                <a:effectLst/>
-                <a:latin typeface="+mn-lt"/>
-                <a:ea typeface="+mn-ea"/>
-                <a:cs typeface="+mn-cs"/>
-              </a:rPr>
-              <a:t> </a:t>
-            </a:r>
-            <a:br>
-              <a:rPr lang="de-DE" sz="1200" kern="1200" dirty="0" smtClean="0">
-                <a:solidFill>
-                  <a:schemeClr val="tx1"/>
-                </a:solidFill>
-                <a:effectLst/>
-                <a:latin typeface="+mn-lt"/>
-                <a:ea typeface="+mn-ea"/>
-                <a:cs typeface="+mn-cs"/>
-              </a:rPr>
-            </a:br>
-            <a:r>
-              <a:rPr lang="de-DE" sz="1200" kern="1200" dirty="0" smtClean="0">
-                <a:solidFill>
-                  <a:schemeClr val="tx1"/>
-                </a:solidFill>
-                <a:effectLst/>
-                <a:latin typeface="+mn-lt"/>
-                <a:ea typeface="+mn-ea"/>
-                <a:cs typeface="+mn-cs"/>
-              </a:rPr>
-              <a:t>Für eine erfolgreiche Anmeldung ist die Angabe der folgenden Informationen notwendig:</a:t>
-            </a:r>
-          </a:p>
-          <a:p>
-            <a:pPr lvl="0"/>
-            <a:r>
-              <a:rPr lang="de-DE" sz="1200" kern="1200" dirty="0" err="1" smtClean="0">
-                <a:solidFill>
-                  <a:schemeClr val="tx1"/>
-                </a:solidFill>
-                <a:effectLst/>
-                <a:latin typeface="+mn-lt"/>
-                <a:ea typeface="+mn-ea"/>
-                <a:cs typeface="+mn-cs"/>
-              </a:rPr>
-              <a:t>Social</a:t>
-            </a:r>
-            <a:r>
-              <a:rPr lang="de-DE" sz="1200" kern="1200" dirty="0" smtClean="0">
-                <a:solidFill>
-                  <a:schemeClr val="tx1"/>
-                </a:solidFill>
-                <a:effectLst/>
-                <a:latin typeface="+mn-lt"/>
-                <a:ea typeface="+mn-ea"/>
-                <a:cs typeface="+mn-cs"/>
-              </a:rPr>
-              <a:t>-Network-Anbieter</a:t>
-            </a:r>
-          </a:p>
-          <a:p>
-            <a:pPr lvl="0"/>
-            <a:r>
-              <a:rPr lang="de-DE" sz="1200" kern="1200" dirty="0" smtClean="0">
-                <a:solidFill>
-                  <a:schemeClr val="tx1"/>
-                </a:solidFill>
-                <a:effectLst/>
-                <a:latin typeface="+mn-lt"/>
-                <a:ea typeface="+mn-ea"/>
-                <a:cs typeface="+mn-cs"/>
-              </a:rPr>
-              <a:t>Der dort verwendete Benutzername</a:t>
-            </a:r>
-          </a:p>
-          <a:p>
-            <a:pPr lvl="0"/>
-            <a:r>
-              <a:rPr lang="de-DE" sz="1200" kern="1200" dirty="0" smtClean="0">
-                <a:solidFill>
-                  <a:schemeClr val="tx1"/>
-                </a:solidFill>
-                <a:effectLst/>
-                <a:latin typeface="+mn-lt"/>
-                <a:ea typeface="+mn-ea"/>
-                <a:cs typeface="+mn-cs"/>
-              </a:rPr>
-              <a:t>Das dort verwendete persönliche Passwort</a:t>
-            </a:r>
-          </a:p>
-          <a:p>
-            <a:r>
-              <a:rPr lang="de-DE" sz="1200" kern="1200" dirty="0" smtClean="0">
-                <a:solidFill>
-                  <a:schemeClr val="tx1"/>
-                </a:solidFill>
-                <a:effectLst/>
-                <a:latin typeface="+mn-lt"/>
-                <a:ea typeface="+mn-ea"/>
-                <a:cs typeface="+mn-cs"/>
-              </a:rPr>
-              <a:t>Die möglichen </a:t>
-            </a:r>
-            <a:r>
-              <a:rPr lang="de-DE" sz="1200" kern="1200" dirty="0" err="1" smtClean="0">
-                <a:solidFill>
-                  <a:schemeClr val="tx1"/>
-                </a:solidFill>
-                <a:effectLst/>
-                <a:latin typeface="+mn-lt"/>
-                <a:ea typeface="+mn-ea"/>
-                <a:cs typeface="+mn-cs"/>
-              </a:rPr>
-              <a:t>Social</a:t>
-            </a:r>
-            <a:r>
-              <a:rPr lang="de-DE" sz="1200" kern="1200" dirty="0" smtClean="0">
-                <a:solidFill>
-                  <a:schemeClr val="tx1"/>
-                </a:solidFill>
-                <a:effectLst/>
-                <a:latin typeface="+mn-lt"/>
-                <a:ea typeface="+mn-ea"/>
-                <a:cs typeface="+mn-cs"/>
-              </a:rPr>
-              <a:t>-Network-Anbieter werden auf der Eingabemaske aufgeführt. </a:t>
-            </a:r>
-            <a:br>
-              <a:rPr lang="de-DE" sz="1200" kern="1200" dirty="0" smtClean="0">
-                <a:solidFill>
-                  <a:schemeClr val="tx1"/>
-                </a:solidFill>
-                <a:effectLst/>
-                <a:latin typeface="+mn-lt"/>
-                <a:ea typeface="+mn-ea"/>
-                <a:cs typeface="+mn-cs"/>
-              </a:rPr>
-            </a:br>
-            <a:r>
-              <a:rPr lang="de-DE" sz="1200" kern="1200" dirty="0" smtClean="0">
-                <a:solidFill>
-                  <a:schemeClr val="tx1"/>
-                </a:solidFill>
-                <a:effectLst/>
-                <a:latin typeface="+mn-lt"/>
-                <a:ea typeface="+mn-ea"/>
-                <a:cs typeface="+mn-cs"/>
-              </a:rPr>
-              <a:t>Die Anmeldung an der Internetplattform ist erfolgreich, wenn die Antwort des </a:t>
-            </a:r>
-            <a:r>
-              <a:rPr lang="de-DE" sz="1200" kern="1200" dirty="0" err="1" smtClean="0">
-                <a:solidFill>
-                  <a:schemeClr val="tx1"/>
-                </a:solidFill>
-                <a:effectLst/>
-                <a:latin typeface="+mn-lt"/>
-                <a:ea typeface="+mn-ea"/>
-                <a:cs typeface="+mn-cs"/>
-              </a:rPr>
-              <a:t>Social</a:t>
-            </a:r>
-            <a:r>
-              <a:rPr lang="de-DE" sz="1200" kern="1200" dirty="0" smtClean="0">
-                <a:solidFill>
-                  <a:schemeClr val="tx1"/>
-                </a:solidFill>
-                <a:effectLst/>
-                <a:latin typeface="+mn-lt"/>
-                <a:ea typeface="+mn-ea"/>
-                <a:cs typeface="+mn-cs"/>
-              </a:rPr>
-              <a:t>-Network-Anbieters positiv ist, d.h. ist der Benutzer dort authentifiziert wurde und die Benutzerdaten übermittelt worden sind. Kann der Benutzer nicht über den </a:t>
-            </a:r>
-            <a:r>
-              <a:rPr lang="de-DE" sz="1200" kern="1200" dirty="0" err="1" smtClean="0">
-                <a:solidFill>
-                  <a:schemeClr val="tx1"/>
-                </a:solidFill>
-                <a:effectLst/>
-                <a:latin typeface="+mn-lt"/>
-                <a:ea typeface="+mn-ea"/>
-                <a:cs typeface="+mn-cs"/>
-              </a:rPr>
-              <a:t>Social</a:t>
-            </a:r>
-            <a:r>
-              <a:rPr lang="de-DE" sz="1200" kern="1200" dirty="0" smtClean="0">
-                <a:solidFill>
-                  <a:schemeClr val="tx1"/>
-                </a:solidFill>
-                <a:effectLst/>
-                <a:latin typeface="+mn-lt"/>
-                <a:ea typeface="+mn-ea"/>
-                <a:cs typeface="+mn-cs"/>
-              </a:rPr>
-              <a:t>-Network-Anbieter authentifiziert werden, erfolgt auch keine Anmeldung.</a:t>
-            </a:r>
-          </a:p>
-          <a:p>
-            <a:r>
-              <a:rPr lang="de-DE" sz="1200" kern="1200" dirty="0" smtClean="0">
-                <a:solidFill>
-                  <a:schemeClr val="tx1"/>
-                </a:solidFill>
-                <a:effectLst/>
-                <a:latin typeface="+mn-lt"/>
-                <a:ea typeface="+mn-ea"/>
-                <a:cs typeface="+mn-cs"/>
-              </a:rPr>
-              <a:t/>
-            </a:r>
-            <a:br>
-              <a:rPr lang="de-DE" sz="1200" kern="1200" dirty="0" smtClean="0">
-                <a:solidFill>
-                  <a:schemeClr val="tx1"/>
-                </a:solidFill>
-                <a:effectLst/>
-                <a:latin typeface="+mn-lt"/>
-                <a:ea typeface="+mn-ea"/>
-                <a:cs typeface="+mn-cs"/>
-              </a:rPr>
-            </a:br>
-            <a:r>
-              <a:rPr lang="de-DE" sz="1200" kern="1200" dirty="0" smtClean="0">
-                <a:solidFill>
-                  <a:schemeClr val="tx1"/>
-                </a:solidFill>
-                <a:effectLst/>
-                <a:latin typeface="+mn-lt"/>
-                <a:ea typeface="+mn-ea"/>
-                <a:cs typeface="+mn-cs"/>
-              </a:rPr>
-              <a:t>@FSM:  Updaten</a:t>
-            </a:r>
-          </a:p>
           <a:p>
             <a:endParaRPr lang="de-DE" dirty="0"/>
           </a:p>
@@ -10264,8 +9939,13 @@
           <a:p>
             <a:r>
               <a:rPr lang="de-DE" dirty="0"/>
-              <a:t>F60 – Eventfunktionen: Event erstellen</a:t>
-            </a:r>
+              <a:t>F60 – Eventfunktionen: Event </a:t>
+            </a:r>
+            <a:r>
+              <a:rPr lang="de-DE" dirty="0" smtClean="0"/>
+              <a:t>organisieren</a:t>
+            </a:r>
+            <a:endParaRPr lang="de-DE" dirty="0"/>
           </a:p>
           <a:p>
             <a:endParaRPr lang="de-DE" dirty="0" smtClean="0"/>
@@ -17546,23 +17226,101 @@
           <a:bodyPr/>
           <a:lstStyle/>
           <a:p>
-            <a:r>
-              <a:rPr lang="de-DE" dirty="0" smtClean="0"/>
-              <a:t>Login</a:t>
-            </a:r>
-          </a:p>
-          <a:p>
-            <a:endParaRPr lang="de-DE" dirty="0" smtClean="0"/>
-          </a:p>
-          <a:p>
-            <a:r>
-              <a:rPr lang="de-DE" dirty="0" smtClean="0"/>
-              <a:t>Funktionalen Anforderungen zum Login vorstellen</a:t>
-            </a:r>
             <a:endParaRPr lang="de-DE" dirty="0"/>
           </a:p>
         </p:txBody>
       </p:sp>
+      <p:pic>
+        <p:nvPicPr>
+          <p:cNvPr id="1026" name="Picture 2"/>
+          <p:cNvPicPr>
+            <a:picLocks noChangeAspect="1" noChangeArrowheads="1"/>
+          </p:cNvPicPr>
+          <p:nvPr/>
+        </p:nvPicPr>
+        <p:blipFill>
+          <a:blip r:embed="rId3">
+            <a:extLst>
+              <a:ext uri="{28A0092B-C50C-407E-A947-70E740481C1C}">
+                <a14:useLocalDpi xmlns:a14="http://schemas.microsoft.com/office/drawing/2010/main" val="0"/>
+              </a:ext>
+            </a:extLst>
+          </a:blip>
+          <a:srcRect/>
+          <a:stretch>
+            <a:fillRect/>
+          </a:stretch>
+        </p:blipFill>
+        <p:spPr bwMode="auto">
+          <a:xfrm>
+            <a:off x="2771800" y="2132855"/>
+            <a:ext cx="6274916" cy="4103835"/>
+          </a:xfrm>
+          <a:prstGeom prst="rect">
+            <a:avLst/>
+          </a:prstGeom>
+          <a:solidFill>
+            <a:srgbClr val="FFFFFF">
+              <a:shade val="85000"/>
+            </a:srgbClr>
+          </a:solidFill>
+          <a:ln w="190500" cap="sq">
+            <a:solidFill>
+              <a:srgbClr val="FFFFFF"/>
+            </a:solidFill>
+            <a:miter lim="800000"/>
+          </a:ln>
+          <a:effectLst>
+            <a:outerShdw blurRad="65000" dist="50800" dir="12900000" kx="195000" ky="145000" algn="tl" rotWithShape="0">
+              <a:srgbClr val="000000">
+                <a:alpha val="30000"/>
+              </a:srgbClr>
+            </a:outerShdw>
+          </a:effectLst>
+          <a:scene3d>
+            <a:camera prst="orthographicFront">
+              <a:rot lat="0" lon="0" rev="360000"/>
+            </a:camera>
+            <a:lightRig rig="twoPt" dir="t">
+              <a:rot lat="0" lon="0" rev="7200000"/>
+            </a:lightRig>
+          </a:scene3d>
+          <a:sp3d contourW="12700">
+            <a:bevelT w="25400" h="19050"/>
+            <a:contourClr>
+              <a:srgbClr val="969696"/>
+            </a:contourClr>
+          </a:sp3d>
+          <a:extLst>
+            <a:ext uri="{909E8E84-426E-40DD-AFC4-6F175D3DCCD1}">
+              <a14:hiddenFill xmlns:a14="http://schemas.microsoft.com/office/drawing/2010/main">
+                <a:solidFill>
+                  <a:schemeClr val="accent1"/>
+                </a:solidFill>
+              </a14:hiddenFill>
+            </a:ext>
+            <a:ext uri="{91240B29-F687-4F45-9708-019B960494DF}">
+              <a14:hiddenLine xmlns:a14="http://schemas.microsoft.com/office/drawing/2010/main" w="9525">
+                <a:solidFill>
+                  <a:schemeClr val="tx1"/>
+                </a:solidFill>
+                <a:miter lim="800000"/>
+                <a:headEnd/>
+                <a:tailEnd/>
+              </a14:hiddenLine>
+            </a:ext>
+            <a:ext uri="{AF507438-7753-43E0-B8FC-AC1667EBCBE1}">
+              <a14:hiddenEffects xmlns:a14="http://schemas.microsoft.com/office/drawing/2010/main">
+                <a:effectLst>
+                  <a:outerShdw dist="35921" dir="2700000" algn="ctr" rotWithShape="0">
+                    <a:schemeClr val="bg2"/>
+                  </a:outerShdw>
+                </a:effectLst>
+              </a14:hiddenEffects>
+            </a:ext>
+          </a:extLst>
+        </p:spPr>
+      </p:pic>
     </p:spTree>
     <p:extLst>
       <p:ext uri="{BB962C8B-B14F-4D97-AF65-F5344CB8AC3E}">

--- a/Dokumente/Abschlusspr�si/Abschlusspr�sentation.pptx
+++ b/Dokumente/Abschlusspr�si/Abschlusspr�sentation.pptx
@@ -5,7 +5,7 @@
     <p:sldMasterId id="2147483744" r:id="rId1"/>
   </p:sldMasterIdLst>
   <p:notesMasterIdLst>
-    <p:notesMasterId r:id="rId35"/>
+    <p:notesMasterId r:id="rId41"/>
   </p:notesMasterIdLst>
   <p:sldIdLst>
     <p:sldId id="256" r:id="rId2"/>
@@ -17,30 +17,36 @@
     <p:sldId id="293" r:id="rId8"/>
     <p:sldId id="260" r:id="rId9"/>
     <p:sldId id="294" r:id="rId10"/>
-    <p:sldId id="315" r:id="rId11"/>
-    <p:sldId id="312" r:id="rId12"/>
-    <p:sldId id="313" r:id="rId13"/>
-    <p:sldId id="310" r:id="rId14"/>
-    <p:sldId id="311" r:id="rId15"/>
-    <p:sldId id="298" r:id="rId16"/>
-    <p:sldId id="305" r:id="rId17"/>
-    <p:sldId id="297" r:id="rId18"/>
-    <p:sldId id="306" r:id="rId19"/>
-    <p:sldId id="320" r:id="rId20"/>
-    <p:sldId id="321" r:id="rId21"/>
-    <p:sldId id="322" r:id="rId22"/>
-    <p:sldId id="323" r:id="rId23"/>
-    <p:sldId id="324" r:id="rId24"/>
-    <p:sldId id="325" r:id="rId25"/>
-    <p:sldId id="307" r:id="rId26"/>
-    <p:sldId id="316" r:id="rId27"/>
-    <p:sldId id="309" r:id="rId28"/>
-    <p:sldId id="301" r:id="rId29"/>
-    <p:sldId id="300" r:id="rId30"/>
-    <p:sldId id="303" r:id="rId31"/>
-    <p:sldId id="319" r:id="rId32"/>
-    <p:sldId id="290" r:id="rId33"/>
-    <p:sldId id="318" r:id="rId34"/>
+    <p:sldId id="326" r:id="rId11"/>
+    <p:sldId id="327" r:id="rId12"/>
+    <p:sldId id="330" r:id="rId13"/>
+    <p:sldId id="331" r:id="rId14"/>
+    <p:sldId id="328" r:id="rId15"/>
+    <p:sldId id="332" r:id="rId16"/>
+    <p:sldId id="329" r:id="rId17"/>
+    <p:sldId id="333" r:id="rId18"/>
+    <p:sldId id="338" r:id="rId19"/>
+    <p:sldId id="339" r:id="rId20"/>
+    <p:sldId id="340" r:id="rId21"/>
+    <p:sldId id="298" r:id="rId22"/>
+    <p:sldId id="305" r:id="rId23"/>
+    <p:sldId id="297" r:id="rId24"/>
+    <p:sldId id="306" r:id="rId25"/>
+    <p:sldId id="320" r:id="rId26"/>
+    <p:sldId id="321" r:id="rId27"/>
+    <p:sldId id="322" r:id="rId28"/>
+    <p:sldId id="323" r:id="rId29"/>
+    <p:sldId id="324" r:id="rId30"/>
+    <p:sldId id="325" r:id="rId31"/>
+    <p:sldId id="307" r:id="rId32"/>
+    <p:sldId id="316" r:id="rId33"/>
+    <p:sldId id="309" r:id="rId34"/>
+    <p:sldId id="301" r:id="rId35"/>
+    <p:sldId id="300" r:id="rId36"/>
+    <p:sldId id="303" r:id="rId37"/>
+    <p:sldId id="319" r:id="rId38"/>
+    <p:sldId id="290" r:id="rId39"/>
+    <p:sldId id="318" r:id="rId40"/>
   </p:sldIdLst>
   <p:sldSz cx="9144000" cy="6858000" type="screen4x3"/>
   <p:notesSz cx="6858000" cy="9144000"/>
@@ -148,6 +154,15 @@
 </p:cmAuthorLst>
 </file>
 
+<file path=ppt/comments/comment1.xml><?xml version="1.0" encoding="utf-8"?>
+<p:cmLst xmlns:a="http://schemas.openxmlformats.org/drawingml/2006/main" xmlns:r="http://schemas.openxmlformats.org/officeDocument/2006/relationships" xmlns:p="http://schemas.openxmlformats.org/presentationml/2006/main">
+  <p:cm authorId="1" dt="2012-05-10T23:26:08.797" idx="1">
+    <p:pos x="4377" y="1207"/>
+    <p:text>@ABK: Updaten mit FSM neuestem Mock-Up</p:text>
+  </p:cm>
+</p:cmLst>
+</file>
+
 <file path=ppt/notesMasters/notesMaster1.xml><?xml version="1.0" encoding="utf-8"?>
 <p:notesMaster xmlns:a="http://schemas.openxmlformats.org/drawingml/2006/main" xmlns:r="http://schemas.openxmlformats.org/officeDocument/2006/relationships" xmlns:p="http://schemas.openxmlformats.org/presentationml/2006/main">
   <p:cSld>
@@ -402,7 +417,7 @@
     </p:spTree>
     <p:extLst>
       <p:ext uri="{BB962C8B-B14F-4D97-AF65-F5344CB8AC3E}">
-        <p14:creationId xmlns:p14="http://schemas.microsoft.com/office/powerpoint/2010/main" val="2610097957"/>
+        <p14:creationId xmlns:p14="http://schemas.microsoft.com/office/powerpoint/2010/main" xmlns="" val="2610097957"/>
       </p:ext>
     </p:extLst>
   </p:cSld>
@@ -577,7 +592,7 @@
     </p:spTree>
     <p:extLst>
       <p:ext uri="{BB962C8B-B14F-4D97-AF65-F5344CB8AC3E}">
-        <p14:creationId xmlns:p14="http://schemas.microsoft.com/office/powerpoint/2010/main" val="2116472317"/>
+        <p14:creationId xmlns:p14="http://schemas.microsoft.com/office/powerpoint/2010/main" xmlns="" val="2116472317"/>
       </p:ext>
     </p:extLst>
   </p:cSld>
@@ -631,6 +646,18 @@
           <a:bodyPr/>
           <a:lstStyle/>
           <a:p>
+            <a:r>
+              <a:rPr lang="de-DE" dirty="0" smtClean="0"/>
+              <a:t>Schwerpunkt der </a:t>
+            </a:r>
+            <a:r>
+              <a:rPr lang="de-DE" dirty="0" err="1" smtClean="0"/>
+              <a:t>Präsi</a:t>
+            </a:r>
+            <a:r>
+              <a:rPr lang="de-DE" baseline="0" dirty="0" smtClean="0"/>
+              <a:t> auf Anmelden und Event organisieren legen!</a:t>
+            </a:r>
             <a:endParaRPr lang="de-DE" dirty="0"/>
           </a:p>
         </p:txBody>
@@ -653,7 +680,7 @@
             <a:fld id="{F7EBFB8C-BBFF-4397-A51C-1E92596422A9}" type="slidenum">
               <a:rPr lang="en-US" smtClean="0"/>
               <a:pPr/>
-              <a:t>12</a:t>
+              <a:t>18</a:t>
             </a:fld>
             <a:endParaRPr lang="en-US" dirty="0"/>
           </a:p>
@@ -662,7 +689,7 @@
     </p:spTree>
     <p:extLst>
       <p:ext uri="{BB962C8B-B14F-4D97-AF65-F5344CB8AC3E}">
-        <p14:creationId xmlns:p14="http://schemas.microsoft.com/office/powerpoint/2010/main" val="2934279750"/>
+        <p14:creationId xmlns:p14="http://schemas.microsoft.com/office/powerpoint/2010/main" xmlns="" val="2934279750"/>
       </p:ext>
     </p:extLst>
   </p:cSld>
@@ -716,6 +743,18 @@
           <a:bodyPr/>
           <a:lstStyle/>
           <a:p>
+            <a:r>
+              <a:rPr lang="de-DE" dirty="0" smtClean="0"/>
+              <a:t>Schwerpunkt der </a:t>
+            </a:r>
+            <a:r>
+              <a:rPr lang="de-DE" dirty="0" err="1" smtClean="0"/>
+              <a:t>Präsi</a:t>
+            </a:r>
+            <a:r>
+              <a:rPr lang="de-DE" baseline="0" dirty="0" smtClean="0"/>
+              <a:t> auf Anmelden und Event organisieren legen!</a:t>
+            </a:r>
             <a:endParaRPr lang="de-DE" dirty="0"/>
           </a:p>
         </p:txBody>
@@ -738,7 +777,7 @@
             <a:fld id="{F7EBFB8C-BBFF-4397-A51C-1E92596422A9}" type="slidenum">
               <a:rPr lang="en-US" smtClean="0"/>
               <a:pPr/>
-              <a:t>13</a:t>
+              <a:t>19</a:t>
             </a:fld>
             <a:endParaRPr lang="en-US" dirty="0"/>
           </a:p>
@@ -747,7 +786,7 @@
     </p:spTree>
     <p:extLst>
       <p:ext uri="{BB962C8B-B14F-4D97-AF65-F5344CB8AC3E}">
-        <p14:creationId xmlns:p14="http://schemas.microsoft.com/office/powerpoint/2010/main" val="2934279750"/>
+        <p14:creationId xmlns:p14="http://schemas.microsoft.com/office/powerpoint/2010/main" xmlns="" val="2934279750"/>
       </p:ext>
     </p:extLst>
   </p:cSld>
@@ -803,7 +842,15 @@
           <a:p>
             <a:r>
               <a:rPr lang="de-DE" dirty="0" smtClean="0"/>
-              <a:t>Grobe Architektur/Interaktion</a:t>
+              <a:t>Schwerpunkt der </a:t>
+            </a:r>
+            <a:r>
+              <a:rPr lang="de-DE" dirty="0" err="1" smtClean="0"/>
+              <a:t>Präsi</a:t>
+            </a:r>
+            <a:r>
+              <a:rPr lang="de-DE" baseline="0" dirty="0" smtClean="0"/>
+              <a:t> auf Anmelden und Event organisieren legen!</a:t>
             </a:r>
             <a:endParaRPr lang="de-DE" dirty="0"/>
           </a:p>
@@ -827,7 +874,7 @@
             <a:fld id="{F7EBFB8C-BBFF-4397-A51C-1E92596422A9}" type="slidenum">
               <a:rPr lang="en-US" smtClean="0"/>
               <a:pPr/>
-              <a:t>15</a:t>
+              <a:t>20</a:t>
             </a:fld>
             <a:endParaRPr lang="en-US" dirty="0"/>
           </a:p>
@@ -836,7 +883,7 @@
     </p:spTree>
     <p:extLst>
       <p:ext uri="{BB962C8B-B14F-4D97-AF65-F5344CB8AC3E}">
-        <p14:creationId xmlns:p14="http://schemas.microsoft.com/office/powerpoint/2010/main" val="135288531"/>
+        <p14:creationId xmlns:p14="http://schemas.microsoft.com/office/powerpoint/2010/main" xmlns="" val="2934279750"/>
       </p:ext>
     </p:extLst>
   </p:cSld>
@@ -892,11 +939,7 @@
           <a:p>
             <a:r>
               <a:rPr lang="de-DE" dirty="0" smtClean="0"/>
-              <a:t>Konkretes Beispiel zur vorherigen</a:t>
-            </a:r>
-            <a:r>
-              <a:rPr lang="de-DE" baseline="0" dirty="0" smtClean="0"/>
-              <a:t> Darstellung</a:t>
+              <a:t>Grobe Architektur/Interaktion</a:t>
             </a:r>
             <a:endParaRPr lang="de-DE" dirty="0"/>
           </a:p>
@@ -920,7 +963,7 @@
             <a:fld id="{F7EBFB8C-BBFF-4397-A51C-1E92596422A9}" type="slidenum">
               <a:rPr lang="en-US" smtClean="0"/>
               <a:pPr/>
-              <a:t>16</a:t>
+              <a:t>21</a:t>
             </a:fld>
             <a:endParaRPr lang="en-US" dirty="0"/>
           </a:p>
@@ -929,7 +972,7 @@
     </p:spTree>
     <p:extLst>
       <p:ext uri="{BB962C8B-B14F-4D97-AF65-F5344CB8AC3E}">
-        <p14:creationId xmlns:p14="http://schemas.microsoft.com/office/powerpoint/2010/main" val="2825845930"/>
+        <p14:creationId xmlns:p14="http://schemas.microsoft.com/office/powerpoint/2010/main" xmlns="" val="135288531"/>
       </p:ext>
     </p:extLst>
   </p:cSld>
@@ -985,20 +1028,12 @@
           <a:p>
             <a:r>
               <a:rPr lang="de-DE" dirty="0" smtClean="0"/>
-              <a:t>Vorstellen:</a:t>
-            </a:r>
-          </a:p>
-          <a:p>
-            <a:r>
-              <a:rPr lang="de-DE" dirty="0" smtClean="0"/>
-              <a:t>Login</a:t>
+              <a:t>Konkretes Beispiel zur vorherigen</a:t>
             </a:r>
             <a:r>
               <a:rPr lang="de-DE" baseline="0" dirty="0" smtClean="0"/>
-              <a:t> -&gt; Ablauf Sequenzdiagramm praktisch zeigen</a:t>
-            </a:r>
-          </a:p>
-          <a:p>
+              <a:t> Darstellung</a:t>
+            </a:r>
             <a:endParaRPr lang="de-DE" dirty="0"/>
           </a:p>
         </p:txBody>
@@ -1021,7 +1056,7 @@
             <a:fld id="{F7EBFB8C-BBFF-4397-A51C-1E92596422A9}" type="slidenum">
               <a:rPr lang="en-US" smtClean="0"/>
               <a:pPr/>
-              <a:t>17</a:t>
+              <a:t>22</a:t>
             </a:fld>
             <a:endParaRPr lang="en-US" dirty="0"/>
           </a:p>
@@ -1030,7 +1065,7 @@
     </p:spTree>
     <p:extLst>
       <p:ext uri="{BB962C8B-B14F-4D97-AF65-F5344CB8AC3E}">
-        <p14:creationId xmlns:p14="http://schemas.microsoft.com/office/powerpoint/2010/main" val="3912581999"/>
+        <p14:creationId xmlns:p14="http://schemas.microsoft.com/office/powerpoint/2010/main" xmlns="" val="2825845930"/>
       </p:ext>
     </p:extLst>
   </p:cSld>
@@ -1086,52 +1121,20 @@
           <a:p>
             <a:r>
               <a:rPr lang="de-DE" dirty="0" smtClean="0"/>
-              <a:t>Blau: Event </a:t>
-            </a:r>
-            <a:r>
-              <a:rPr lang="de-DE" dirty="0" err="1" smtClean="0"/>
-              <a:t>anlage</a:t>
-            </a:r>
-            <a:endParaRPr lang="de-DE" dirty="0" smtClean="0"/>
-          </a:p>
-          <a:p>
-            <a:r>
-              <a:rPr lang="de-DE" dirty="0" smtClean="0"/>
-              <a:t>DB Table Event, </a:t>
-            </a:r>
-            <a:r>
-              <a:rPr lang="de-DE" dirty="0" err="1" smtClean="0"/>
-              <a:t>normaliserte</a:t>
+              <a:t>Vorstellen:</a:t>
+            </a:r>
+          </a:p>
+          <a:p>
+            <a:r>
+              <a:rPr lang="de-DE" dirty="0" smtClean="0"/>
+              <a:t>Login</a:t>
             </a:r>
             <a:r>
               <a:rPr lang="de-DE" baseline="0" dirty="0" smtClean="0"/>
-              <a:t> Teilnehmerliste und Ort</a:t>
-            </a:r>
-          </a:p>
-          <a:p>
-            <a:endParaRPr lang="de-DE" baseline="0" dirty="0" smtClean="0"/>
-          </a:p>
-          <a:p>
-            <a:r>
-              <a:rPr lang="de-DE" baseline="0" dirty="0" smtClean="0"/>
-              <a:t>Rot: Login Verknüpfung Session ID aus </a:t>
-            </a:r>
-            <a:r>
-              <a:rPr lang="de-DE" baseline="0" dirty="0" err="1" smtClean="0"/>
-              <a:t>oAuth</a:t>
-            </a:r>
-            <a:r>
-              <a:rPr lang="de-DE" baseline="0" dirty="0" smtClean="0"/>
-              <a:t>, Grunddaten (</a:t>
-            </a:r>
-            <a:r>
-              <a:rPr lang="de-DE" baseline="0" dirty="0" err="1" smtClean="0"/>
-              <a:t>name</a:t>
-            </a:r>
-            <a:r>
-              <a:rPr lang="de-DE" baseline="0" dirty="0" smtClean="0"/>
-              <a:t>, E-Mail-Adresse etc.) werden ausgelesen und persistent gespeichert.</a:t>
-            </a:r>
+              <a:t> -&gt; Ablauf Sequenzdiagramm praktisch zeigen</a:t>
+            </a:r>
+          </a:p>
+          <a:p>
             <a:endParaRPr lang="de-DE" dirty="0"/>
           </a:p>
         </p:txBody>
@@ -1154,7 +1157,7 @@
             <a:fld id="{F7EBFB8C-BBFF-4397-A51C-1E92596422A9}" type="slidenum">
               <a:rPr lang="en-US" smtClean="0"/>
               <a:pPr/>
-              <a:t>18</a:t>
+              <a:t>23</a:t>
             </a:fld>
             <a:endParaRPr lang="en-US" dirty="0"/>
           </a:p>
@@ -1163,7 +1166,7 @@
     </p:spTree>
     <p:extLst>
       <p:ext uri="{BB962C8B-B14F-4D97-AF65-F5344CB8AC3E}">
-        <p14:creationId xmlns:p14="http://schemas.microsoft.com/office/powerpoint/2010/main" val="802076649"/>
+        <p14:creationId xmlns:p14="http://schemas.microsoft.com/office/powerpoint/2010/main" xmlns="" val="3912581999"/>
       </p:ext>
     </p:extLst>
   </p:cSld>
@@ -1287,7 +1290,7 @@
             <a:fld id="{F7EBFB8C-BBFF-4397-A51C-1E92596422A9}" type="slidenum">
               <a:rPr lang="en-US" smtClean="0"/>
               <a:pPr/>
-              <a:t>19</a:t>
+              <a:t>24</a:t>
             </a:fld>
             <a:endParaRPr lang="en-US" dirty="0"/>
           </a:p>
@@ -1296,7 +1299,7 @@
     </p:spTree>
     <p:extLst>
       <p:ext uri="{BB962C8B-B14F-4D97-AF65-F5344CB8AC3E}">
-        <p14:creationId xmlns:p14="http://schemas.microsoft.com/office/powerpoint/2010/main" val="802076649"/>
+        <p14:creationId xmlns:p14="http://schemas.microsoft.com/office/powerpoint/2010/main" xmlns="" val="802076649"/>
       </p:ext>
     </p:extLst>
   </p:cSld>
@@ -1420,7 +1423,7 @@
             <a:fld id="{F7EBFB8C-BBFF-4397-A51C-1E92596422A9}" type="slidenum">
               <a:rPr lang="en-US" smtClean="0"/>
               <a:pPr/>
-              <a:t>20</a:t>
+              <a:t>25</a:t>
             </a:fld>
             <a:endParaRPr lang="en-US" dirty="0"/>
           </a:p>
@@ -1429,7 +1432,7 @@
     </p:spTree>
     <p:extLst>
       <p:ext uri="{BB962C8B-B14F-4D97-AF65-F5344CB8AC3E}">
-        <p14:creationId xmlns:p14="http://schemas.microsoft.com/office/powerpoint/2010/main" val="802076649"/>
+        <p14:creationId xmlns:p14="http://schemas.microsoft.com/office/powerpoint/2010/main" xmlns="" val="802076649"/>
       </p:ext>
     </p:extLst>
   </p:cSld>
@@ -1553,7 +1556,7 @@
             <a:fld id="{F7EBFB8C-BBFF-4397-A51C-1E92596422A9}" type="slidenum">
               <a:rPr lang="en-US" smtClean="0"/>
               <a:pPr/>
-              <a:t>21</a:t>
+              <a:t>26</a:t>
             </a:fld>
             <a:endParaRPr lang="en-US" dirty="0"/>
           </a:p>
@@ -1562,7 +1565,7 @@
     </p:spTree>
     <p:extLst>
       <p:ext uri="{BB962C8B-B14F-4D97-AF65-F5344CB8AC3E}">
-        <p14:creationId xmlns:p14="http://schemas.microsoft.com/office/powerpoint/2010/main" val="802076649"/>
+        <p14:creationId xmlns:p14="http://schemas.microsoft.com/office/powerpoint/2010/main" xmlns="" val="802076649"/>
       </p:ext>
     </p:extLst>
   </p:cSld>
@@ -1686,7 +1689,7 @@
             <a:fld id="{F7EBFB8C-BBFF-4397-A51C-1E92596422A9}" type="slidenum">
               <a:rPr lang="en-US" smtClean="0"/>
               <a:pPr/>
-              <a:t>22</a:t>
+              <a:t>27</a:t>
             </a:fld>
             <a:endParaRPr lang="en-US" dirty="0"/>
           </a:p>
@@ -1695,7 +1698,7 @@
     </p:spTree>
     <p:extLst>
       <p:ext uri="{BB962C8B-B14F-4D97-AF65-F5344CB8AC3E}">
-        <p14:creationId xmlns:p14="http://schemas.microsoft.com/office/powerpoint/2010/main" val="802076649"/>
+        <p14:creationId xmlns:p14="http://schemas.microsoft.com/office/powerpoint/2010/main" xmlns="" val="802076649"/>
       </p:ext>
     </p:extLst>
   </p:cSld>
@@ -2020,7 +2023,7 @@
     </p:spTree>
     <p:extLst>
       <p:ext uri="{BB962C8B-B14F-4D97-AF65-F5344CB8AC3E}">
-        <p14:creationId xmlns:p14="http://schemas.microsoft.com/office/powerpoint/2010/main" val="517533983"/>
+        <p14:creationId xmlns:p14="http://schemas.microsoft.com/office/powerpoint/2010/main" xmlns="" val="517533983"/>
       </p:ext>
     </p:extLst>
   </p:cSld>
@@ -2144,7 +2147,7 @@
             <a:fld id="{F7EBFB8C-BBFF-4397-A51C-1E92596422A9}" type="slidenum">
               <a:rPr lang="en-US" smtClean="0"/>
               <a:pPr/>
-              <a:t>23</a:t>
+              <a:t>28</a:t>
             </a:fld>
             <a:endParaRPr lang="en-US" dirty="0"/>
           </a:p>
@@ -2153,7 +2156,7 @@
     </p:spTree>
     <p:extLst>
       <p:ext uri="{BB962C8B-B14F-4D97-AF65-F5344CB8AC3E}">
-        <p14:creationId xmlns:p14="http://schemas.microsoft.com/office/powerpoint/2010/main" val="802076649"/>
+        <p14:creationId xmlns:p14="http://schemas.microsoft.com/office/powerpoint/2010/main" xmlns="" val="802076649"/>
       </p:ext>
     </p:extLst>
   </p:cSld>
@@ -2277,7 +2280,7 @@
             <a:fld id="{F7EBFB8C-BBFF-4397-A51C-1E92596422A9}" type="slidenum">
               <a:rPr lang="en-US" smtClean="0"/>
               <a:pPr/>
-              <a:t>24</a:t>
+              <a:t>29</a:t>
             </a:fld>
             <a:endParaRPr lang="en-US" dirty="0"/>
           </a:p>
@@ -2286,7 +2289,7 @@
     </p:spTree>
     <p:extLst>
       <p:ext uri="{BB962C8B-B14F-4D97-AF65-F5344CB8AC3E}">
-        <p14:creationId xmlns:p14="http://schemas.microsoft.com/office/powerpoint/2010/main" val="802076649"/>
+        <p14:creationId xmlns:p14="http://schemas.microsoft.com/office/powerpoint/2010/main" xmlns="" val="802076649"/>
       </p:ext>
     </p:extLst>
   </p:cSld>
@@ -2337,135 +2340,57 @@
         </p:nvSpPr>
         <p:spPr/>
         <p:txBody>
-          <a:bodyPr>
-            <a:normAutofit fontScale="70000" lnSpcReduction="20000"/>
-          </a:bodyPr>
-          <a:lstStyle/>
-          <a:p>
+          <a:bodyPr/>
+          <a:lstStyle/>
+          <a:p>
+            <a:r>
+              <a:rPr lang="de-DE" dirty="0" smtClean="0"/>
+              <a:t>Blau: Event </a:t>
+            </a:r>
             <a:r>
               <a:rPr lang="de-DE" dirty="0" err="1" smtClean="0"/>
-              <a:t>ÄUßERE</a:t>
-            </a:r>
-            <a:r>
-              <a:rPr lang="de-DE" dirty="0" smtClean="0"/>
-              <a:t> UND INNERE QUALITÄT	</a:t>
-            </a:r>
-          </a:p>
-          <a:p>
-            <a:r>
-              <a:rPr lang="de-DE" dirty="0" smtClean="0"/>
-              <a:t>	Funktionalität	</a:t>
-            </a:r>
-          </a:p>
-          <a:p>
-            <a:r>
-              <a:rPr lang="de-DE" dirty="0" smtClean="0"/>
-              <a:t>	Zuverlässigkeit	</a:t>
-            </a:r>
-          </a:p>
-          <a:p>
-            <a:r>
-              <a:rPr lang="de-DE" dirty="0" smtClean="0"/>
-              <a:t>	Benutzbarkeit	</a:t>
-            </a:r>
-          </a:p>
-          <a:p>
-            <a:r>
-              <a:rPr lang="de-DE" dirty="0" smtClean="0"/>
-              <a:t>	Effizienz	</a:t>
-            </a:r>
-          </a:p>
-          <a:p>
-            <a:r>
-              <a:rPr lang="de-DE" dirty="0" smtClean="0"/>
-              <a:t>	Wartbarkeit	</a:t>
-            </a:r>
-          </a:p>
-          <a:p>
-            <a:r>
-              <a:rPr lang="de-DE" dirty="0" smtClean="0"/>
-              <a:t>	Portabilität	</a:t>
-            </a:r>
-          </a:p>
-          <a:p>
-            <a:r>
-              <a:rPr lang="de-DE" dirty="0" smtClean="0"/>
-              <a:t>GEBRAUCHSTAUGLICHKEIT	</a:t>
-            </a:r>
-          </a:p>
-          <a:p>
-            <a:r>
-              <a:rPr lang="de-DE" dirty="0" smtClean="0"/>
-              <a:t>	Effektivität	</a:t>
-            </a:r>
-          </a:p>
-          <a:p>
-            <a:r>
-              <a:rPr lang="de-DE" dirty="0" smtClean="0"/>
-              <a:t>	Produktivität	</a:t>
-            </a:r>
-          </a:p>
-          <a:p>
-            <a:r>
-              <a:rPr lang="de-DE" dirty="0" smtClean="0"/>
-              <a:t>	Sicherheit	</a:t>
-            </a:r>
-          </a:p>
-          <a:p>
-            <a:r>
-              <a:rPr lang="de-DE" dirty="0" smtClean="0"/>
-              <a:t>	Zufriedenheit	</a:t>
-            </a:r>
-          </a:p>
-          <a:p>
-            <a:r>
-              <a:rPr lang="de-DE" dirty="0" smtClean="0"/>
-              <a:t>TECHNISCHE ANFORDERUNGEN	</a:t>
-            </a:r>
-          </a:p>
-          <a:p>
-            <a:r>
-              <a:rPr lang="de-DE" dirty="0" smtClean="0"/>
-              <a:t>	Einsatzumgebung	</a:t>
-            </a:r>
-          </a:p>
-          <a:p>
-            <a:r>
-              <a:rPr lang="de-DE" dirty="0" smtClean="0"/>
-              <a:t>	Entwicklungsumgebung	</a:t>
-            </a:r>
-          </a:p>
-          <a:p>
-            <a:r>
-              <a:rPr lang="de-DE" dirty="0" smtClean="0"/>
-              <a:t>LIEFERUMFANG	</a:t>
-            </a:r>
-          </a:p>
-          <a:p>
-            <a:r>
-              <a:rPr lang="de-DE" dirty="0" smtClean="0"/>
-              <a:t>	Ausführbare Programme	</a:t>
-            </a:r>
-          </a:p>
-          <a:p>
-            <a:r>
-              <a:rPr lang="de-DE" dirty="0" smtClean="0"/>
-              <a:t>	Quellcode	</a:t>
-            </a:r>
-          </a:p>
-          <a:p>
-            <a:r>
-              <a:rPr lang="de-DE" dirty="0" smtClean="0"/>
-              <a:t>	Dokumentation	</a:t>
-            </a:r>
-          </a:p>
-          <a:p>
-            <a:r>
-              <a:rPr lang="de-DE" dirty="0" smtClean="0"/>
-              <a:t>	Daten	</a:t>
-            </a:r>
-          </a:p>
-          <a:p>
+              <a:t>anlage</a:t>
+            </a:r>
+            <a:endParaRPr lang="de-DE" dirty="0" smtClean="0"/>
+          </a:p>
+          <a:p>
+            <a:r>
+              <a:rPr lang="de-DE" dirty="0" smtClean="0"/>
+              <a:t>DB Table Event, </a:t>
+            </a:r>
+            <a:r>
+              <a:rPr lang="de-DE" dirty="0" err="1" smtClean="0"/>
+              <a:t>normaliserte</a:t>
+            </a:r>
+            <a:r>
+              <a:rPr lang="de-DE" baseline="0" dirty="0" smtClean="0"/>
+              <a:t> Teilnehmerliste und Ort</a:t>
+            </a:r>
+          </a:p>
+          <a:p>
+            <a:endParaRPr lang="de-DE" baseline="0" dirty="0" smtClean="0"/>
+          </a:p>
+          <a:p>
+            <a:r>
+              <a:rPr lang="de-DE" baseline="0" dirty="0" smtClean="0"/>
+              <a:t>Rot: Login Verknüpfung Session ID aus </a:t>
+            </a:r>
+            <a:r>
+              <a:rPr lang="de-DE" baseline="0" dirty="0" err="1" smtClean="0"/>
+              <a:t>oAuth</a:t>
+            </a:r>
+            <a:r>
+              <a:rPr lang="de-DE" baseline="0" dirty="0" smtClean="0"/>
+              <a:t>, Grunddaten (</a:t>
+            </a:r>
+            <a:r>
+              <a:rPr lang="de-DE" baseline="0" dirty="0" err="1" smtClean="0"/>
+              <a:t>name</a:t>
+            </a:r>
+            <a:r>
+              <a:rPr lang="de-DE" baseline="0" dirty="0" smtClean="0"/>
+              <a:t>, E-Mail-Adresse etc.) werden ausgelesen und persistent gespeichert.</a:t>
+            </a:r>
             <a:endParaRPr lang="de-DE" dirty="0"/>
           </a:p>
         </p:txBody>
@@ -2488,7 +2413,7 @@
             <a:fld id="{F7EBFB8C-BBFF-4397-A51C-1E92596422A9}" type="slidenum">
               <a:rPr lang="en-US" smtClean="0"/>
               <a:pPr/>
-              <a:t>25</a:t>
+              <a:t>30</a:t>
             </a:fld>
             <a:endParaRPr lang="en-US" dirty="0"/>
           </a:p>
@@ -2497,7 +2422,7 @@
     </p:spTree>
     <p:extLst>
       <p:ext uri="{BB962C8B-B14F-4D97-AF65-F5344CB8AC3E}">
-        <p14:creationId xmlns:p14="http://schemas.microsoft.com/office/powerpoint/2010/main" val="1629754142"/>
+        <p14:creationId xmlns:p14="http://schemas.microsoft.com/office/powerpoint/2010/main" xmlns="" val="802076649"/>
       </p:ext>
     </p:extLst>
   </p:cSld>
@@ -2548,49 +2473,135 @@
         </p:nvSpPr>
         <p:spPr/>
         <p:txBody>
-          <a:bodyPr/>
-          <a:lstStyle/>
-          <a:p>
-            <a:r>
-              <a:rPr lang="de-DE" dirty="0" smtClean="0"/>
-              <a:t>Zeitplan</a:t>
-            </a:r>
-          </a:p>
-          <a:p>
-            <a:r>
-              <a:rPr lang="de-DE" dirty="0" smtClean="0"/>
-              <a:t>Fokus aus </a:t>
-            </a:r>
+          <a:bodyPr>
+            <a:normAutofit fontScale="70000" lnSpcReduction="20000"/>
+          </a:bodyPr>
+          <a:lstStyle/>
+          <a:p>
             <a:r>
               <a:rPr lang="de-DE" dirty="0" err="1" smtClean="0"/>
-              <a:t>Inception</a:t>
-            </a:r>
-            <a:r>
-              <a:rPr lang="de-DE" dirty="0" smtClean="0"/>
-              <a:t> / Elaboration</a:t>
-            </a:r>
-          </a:p>
-          <a:p>
-            <a:r>
-              <a:rPr lang="de-DE" dirty="0" smtClean="0"/>
-              <a:t>Aufgrund der Enge des Zeitplans jeweils zwei Iterationen mit</a:t>
-            </a:r>
-            <a:r>
-              <a:rPr lang="de-DE" baseline="0" dirty="0" smtClean="0"/>
-              <a:t> festen Reviews der Ergebnisse etc.</a:t>
-            </a:r>
-          </a:p>
-          <a:p>
-            <a:r>
-              <a:rPr lang="de-DE" baseline="0" dirty="0" smtClean="0"/>
-              <a:t>Aber auch: RUP! Jederzeit auch bei kleineren Änderungen/Feststellungen usw. Überarbeitung.</a:t>
-            </a:r>
-          </a:p>
-          <a:p>
-            <a:r>
-              <a:rPr lang="de-DE" baseline="0" dirty="0" smtClean="0"/>
-              <a:t>Ziel: 11.06. eine prototypische Implementierung der Plattform fertigstellen</a:t>
-            </a:r>
+              <a:t>ÄUßERE</a:t>
+            </a:r>
+            <a:r>
+              <a:rPr lang="de-DE" dirty="0" smtClean="0"/>
+              <a:t> UND INNERE QUALITÄT	</a:t>
+            </a:r>
+          </a:p>
+          <a:p>
+            <a:r>
+              <a:rPr lang="de-DE" dirty="0" smtClean="0"/>
+              <a:t>	Funktionalität	</a:t>
+            </a:r>
+          </a:p>
+          <a:p>
+            <a:r>
+              <a:rPr lang="de-DE" dirty="0" smtClean="0"/>
+              <a:t>	Zuverlässigkeit	</a:t>
+            </a:r>
+          </a:p>
+          <a:p>
+            <a:r>
+              <a:rPr lang="de-DE" dirty="0" smtClean="0"/>
+              <a:t>	Benutzbarkeit	</a:t>
+            </a:r>
+          </a:p>
+          <a:p>
+            <a:r>
+              <a:rPr lang="de-DE" dirty="0" smtClean="0"/>
+              <a:t>	Effizienz	</a:t>
+            </a:r>
+          </a:p>
+          <a:p>
+            <a:r>
+              <a:rPr lang="de-DE" dirty="0" smtClean="0"/>
+              <a:t>	Wartbarkeit	</a:t>
+            </a:r>
+          </a:p>
+          <a:p>
+            <a:r>
+              <a:rPr lang="de-DE" dirty="0" smtClean="0"/>
+              <a:t>	Portabilität	</a:t>
+            </a:r>
+          </a:p>
+          <a:p>
+            <a:r>
+              <a:rPr lang="de-DE" dirty="0" smtClean="0"/>
+              <a:t>GEBRAUCHSTAUGLICHKEIT	</a:t>
+            </a:r>
+          </a:p>
+          <a:p>
+            <a:r>
+              <a:rPr lang="de-DE" dirty="0" smtClean="0"/>
+              <a:t>	Effektivität	</a:t>
+            </a:r>
+          </a:p>
+          <a:p>
+            <a:r>
+              <a:rPr lang="de-DE" dirty="0" smtClean="0"/>
+              <a:t>	Produktivität	</a:t>
+            </a:r>
+          </a:p>
+          <a:p>
+            <a:r>
+              <a:rPr lang="de-DE" dirty="0" smtClean="0"/>
+              <a:t>	Sicherheit	</a:t>
+            </a:r>
+          </a:p>
+          <a:p>
+            <a:r>
+              <a:rPr lang="de-DE" dirty="0" smtClean="0"/>
+              <a:t>	Zufriedenheit	</a:t>
+            </a:r>
+          </a:p>
+          <a:p>
+            <a:r>
+              <a:rPr lang="de-DE" dirty="0" smtClean="0"/>
+              <a:t>TECHNISCHE ANFORDERUNGEN	</a:t>
+            </a:r>
+          </a:p>
+          <a:p>
+            <a:r>
+              <a:rPr lang="de-DE" dirty="0" smtClean="0"/>
+              <a:t>	Einsatzumgebung	</a:t>
+            </a:r>
+          </a:p>
+          <a:p>
+            <a:r>
+              <a:rPr lang="de-DE" dirty="0" smtClean="0"/>
+              <a:t>	Entwicklungsumgebung	</a:t>
+            </a:r>
+          </a:p>
+          <a:p>
+            <a:r>
+              <a:rPr lang="de-DE" dirty="0" smtClean="0"/>
+              <a:t>LIEFERUMFANG	</a:t>
+            </a:r>
+          </a:p>
+          <a:p>
+            <a:r>
+              <a:rPr lang="de-DE" dirty="0" smtClean="0"/>
+              <a:t>	Ausführbare Programme	</a:t>
+            </a:r>
+          </a:p>
+          <a:p>
+            <a:r>
+              <a:rPr lang="de-DE" dirty="0" smtClean="0"/>
+              <a:t>	Quellcode	</a:t>
+            </a:r>
+          </a:p>
+          <a:p>
+            <a:r>
+              <a:rPr lang="de-DE" dirty="0" smtClean="0"/>
+              <a:t>	Dokumentation	</a:t>
+            </a:r>
+          </a:p>
+          <a:p>
+            <a:r>
+              <a:rPr lang="de-DE" dirty="0" smtClean="0"/>
+              <a:t>	Daten	</a:t>
+            </a:r>
+          </a:p>
+          <a:p>
             <a:endParaRPr lang="de-DE" dirty="0"/>
           </a:p>
         </p:txBody>
@@ -2613,7 +2624,7 @@
             <a:fld id="{F7EBFB8C-BBFF-4397-A51C-1E92596422A9}" type="slidenum">
               <a:rPr lang="en-US" smtClean="0"/>
               <a:pPr/>
-              <a:t>27</a:t>
+              <a:t>31</a:t>
             </a:fld>
             <a:endParaRPr lang="en-US" dirty="0"/>
           </a:p>
@@ -2622,7 +2633,7 @@
     </p:spTree>
     <p:extLst>
       <p:ext uri="{BB962C8B-B14F-4D97-AF65-F5344CB8AC3E}">
-        <p14:creationId xmlns:p14="http://schemas.microsoft.com/office/powerpoint/2010/main" val="3931682397"/>
+        <p14:creationId xmlns:p14="http://schemas.microsoft.com/office/powerpoint/2010/main" xmlns="" val="1629754142"/>
       </p:ext>
     </p:extLst>
   </p:cSld>
@@ -2738,7 +2749,7 @@
             <a:fld id="{F7EBFB8C-BBFF-4397-A51C-1E92596422A9}" type="slidenum">
               <a:rPr lang="en-US" smtClean="0"/>
               <a:pPr/>
-              <a:t>28</a:t>
+              <a:t>33</a:t>
             </a:fld>
             <a:endParaRPr lang="en-US" dirty="0"/>
           </a:p>
@@ -2747,7 +2758,7 @@
     </p:spTree>
     <p:extLst>
       <p:ext uri="{BB962C8B-B14F-4D97-AF65-F5344CB8AC3E}">
-        <p14:creationId xmlns:p14="http://schemas.microsoft.com/office/powerpoint/2010/main" val="3931682397"/>
+        <p14:creationId xmlns:p14="http://schemas.microsoft.com/office/powerpoint/2010/main" xmlns="" val="3931682397"/>
       </p:ext>
     </p:extLst>
   </p:cSld>
@@ -2798,11 +2809,49 @@
         </p:nvSpPr>
         <p:spPr/>
         <p:txBody>
-          <a:bodyPr>
-            <a:normAutofit/>
-          </a:bodyPr>
-          <a:lstStyle/>
-          <a:p>
+          <a:bodyPr/>
+          <a:lstStyle/>
+          <a:p>
+            <a:r>
+              <a:rPr lang="de-DE" dirty="0" smtClean="0"/>
+              <a:t>Zeitplan</a:t>
+            </a:r>
+          </a:p>
+          <a:p>
+            <a:r>
+              <a:rPr lang="de-DE" dirty="0" smtClean="0"/>
+              <a:t>Fokus aus </a:t>
+            </a:r>
+            <a:r>
+              <a:rPr lang="de-DE" dirty="0" err="1" smtClean="0"/>
+              <a:t>Inception</a:t>
+            </a:r>
+            <a:r>
+              <a:rPr lang="de-DE" dirty="0" smtClean="0"/>
+              <a:t> / Elaboration</a:t>
+            </a:r>
+          </a:p>
+          <a:p>
+            <a:r>
+              <a:rPr lang="de-DE" dirty="0" smtClean="0"/>
+              <a:t>Aufgrund der Enge des Zeitplans jeweils zwei Iterationen mit</a:t>
+            </a:r>
+            <a:r>
+              <a:rPr lang="de-DE" baseline="0" dirty="0" smtClean="0"/>
+              <a:t> festen Reviews der Ergebnisse etc.</a:t>
+            </a:r>
+          </a:p>
+          <a:p>
+            <a:r>
+              <a:rPr lang="de-DE" baseline="0" dirty="0" smtClean="0"/>
+              <a:t>Aber auch: RUP! Jederzeit auch bei kleineren Änderungen/Feststellungen usw. Überarbeitung.</a:t>
+            </a:r>
+          </a:p>
+          <a:p>
+            <a:r>
+              <a:rPr lang="de-DE" baseline="0" dirty="0" smtClean="0"/>
+              <a:t>Ziel: 11.06. eine prototypische Implementierung der Plattform fertigstellen</a:t>
+            </a:r>
             <a:endParaRPr lang="de-DE" dirty="0"/>
           </a:p>
         </p:txBody>
@@ -2822,16 +2871,21 @@
           <a:bodyPr/>
           <a:lstStyle/>
           <a:p>
-            <a:fld id="{1EBFF01C-F984-4A51-AF10-254043F7C542}" type="slidenum">
-              <a:rPr lang="de-DE" smtClean="0"/>
+            <a:fld id="{F7EBFB8C-BBFF-4397-A51C-1E92596422A9}" type="slidenum">
+              <a:rPr lang="en-US" smtClean="0"/>
               <a:pPr/>
-              <a:t>30</a:t>
+              <a:t>34</a:t>
             </a:fld>
-            <a:endParaRPr lang="de-DE"/>
+            <a:endParaRPr lang="en-US" dirty="0"/>
           </a:p>
         </p:txBody>
       </p:sp>
     </p:spTree>
+    <p:extLst>
+      <p:ext uri="{BB962C8B-B14F-4D97-AF65-F5344CB8AC3E}">
+        <p14:creationId xmlns:p14="http://schemas.microsoft.com/office/powerpoint/2010/main" xmlns="" val="3931682397"/>
+      </p:ext>
+    </p:extLst>
   </p:cSld>
   <p:clrMapOvr>
     <a:masterClrMapping/>
@@ -2880,209 +2934,11 @@
         </p:nvSpPr>
         <p:spPr/>
         <p:txBody>
-          <a:bodyPr/>
-          <a:lstStyle/>
-          <a:p>
-            <a:r>
-              <a:rPr lang="de-DE" dirty="0" smtClean="0"/>
-              <a:t>Zu </a:t>
-            </a:r>
-            <a:r>
-              <a:rPr lang="de-DE" dirty="0" err="1" smtClean="0"/>
-              <a:t>git</a:t>
-            </a:r>
-            <a:r>
-              <a:rPr lang="de-DE" dirty="0" smtClean="0"/>
-              <a:t>:</a:t>
-            </a:r>
-          </a:p>
-          <a:p>
-            <a:r>
-              <a:rPr lang="de-DE" dirty="0" smtClean="0"/>
-              <a:t>	Dateikonflikte aufwändiges</a:t>
-            </a:r>
-            <a:r>
-              <a:rPr lang="de-DE" baseline="0" dirty="0" smtClean="0"/>
-              <a:t> ein-/auschecken, mit </a:t>
-            </a:r>
-            <a:r>
-              <a:rPr lang="de-DE" baseline="0" dirty="0" err="1" smtClean="0"/>
-              <a:t>dropbox</a:t>
-            </a:r>
-            <a:r>
-              <a:rPr lang="de-DE" baseline="0" dirty="0" smtClean="0"/>
-              <a:t> und </a:t>
-            </a:r>
-            <a:r>
-              <a:rPr lang="de-DE" baseline="0" dirty="0" err="1" smtClean="0"/>
-              <a:t>co</a:t>
-            </a:r>
-            <a:r>
-              <a:rPr lang="de-DE" baseline="0" dirty="0" smtClean="0"/>
-              <a:t> on </a:t>
-            </a:r>
-            <a:r>
-              <a:rPr lang="de-DE" baseline="0" dirty="0" err="1" smtClean="0"/>
-              <a:t>the</a:t>
-            </a:r>
-            <a:r>
-              <a:rPr lang="de-DE" baseline="0" dirty="0" smtClean="0"/>
-              <a:t> </a:t>
-            </a:r>
-            <a:r>
-              <a:rPr lang="de-DE" baseline="0" dirty="0" err="1" smtClean="0"/>
-              <a:t>fly</a:t>
-            </a:r>
-            <a:r>
-              <a:rPr lang="de-DE" baseline="0" dirty="0" smtClean="0"/>
-              <a:t>, automatisch im Hintergrund.</a:t>
-            </a:r>
-          </a:p>
-          <a:p>
-            <a:r>
-              <a:rPr lang="de-DE" baseline="0" dirty="0" smtClean="0"/>
-              <a:t>	evtl. zu früh auf ein Tool festgelegt, oder besser zwei? (</a:t>
-            </a:r>
-            <a:r>
-              <a:rPr lang="de-DE" baseline="0" dirty="0" err="1" smtClean="0"/>
-              <a:t>dropbox</a:t>
-            </a:r>
-            <a:r>
-              <a:rPr lang="de-DE" baseline="0" dirty="0" smtClean="0"/>
-              <a:t> für Dokumente, </a:t>
-            </a:r>
-            <a:r>
-              <a:rPr lang="de-DE" baseline="0" dirty="0" err="1" smtClean="0"/>
-              <a:t>gitHub</a:t>
-            </a:r>
-            <a:r>
-              <a:rPr lang="de-DE" baseline="0" dirty="0" smtClean="0"/>
-              <a:t> für </a:t>
-            </a:r>
-            <a:r>
-              <a:rPr lang="de-DE" baseline="0" dirty="0" err="1" smtClean="0"/>
-              <a:t>Sourcen</a:t>
-            </a:r>
-            <a:r>
-              <a:rPr lang="de-DE" baseline="0" dirty="0" smtClean="0"/>
-              <a:t>)</a:t>
-            </a:r>
-          </a:p>
-          <a:p>
-            <a:r>
-              <a:rPr lang="de-DE" baseline="0" dirty="0" err="1" smtClean="0"/>
-              <a:t>Projektmgm</a:t>
-            </a:r>
-            <a:endParaRPr lang="de-DE" baseline="0" dirty="0" smtClean="0"/>
-          </a:p>
-          <a:p>
-            <a:r>
-              <a:rPr lang="de-DE" baseline="0" dirty="0" smtClean="0"/>
-              <a:t>	Aufgaben stärker </a:t>
-            </a:r>
-            <a:r>
-              <a:rPr lang="de-DE" baseline="0" dirty="0" err="1" smtClean="0"/>
-              <a:t>tracken</a:t>
-            </a:r>
-            <a:r>
-              <a:rPr lang="de-DE" baseline="0" dirty="0" smtClean="0"/>
-              <a:t>, ggf. „</a:t>
-            </a:r>
-            <a:r>
-              <a:rPr lang="de-DE" baseline="0" dirty="0" err="1" smtClean="0"/>
-              <a:t>cut</a:t>
-            </a:r>
-            <a:r>
-              <a:rPr lang="de-DE" baseline="0" dirty="0" smtClean="0"/>
-              <a:t>“ (bei Vertiefung in nicht notwendigen Details (z.B. Risikoanalyse, Wirtschaftlichkeitsbetrachtung)</a:t>
-            </a:r>
-          </a:p>
-          <a:p>
-            <a:endParaRPr lang="de-DE" dirty="0" smtClean="0"/>
-          </a:p>
-          <a:p>
-            <a:r>
-              <a:rPr lang="de-DE" dirty="0" err="1" smtClean="0"/>
-              <a:t>Workload</a:t>
-            </a:r>
-            <a:endParaRPr lang="de-DE" dirty="0" smtClean="0"/>
-          </a:p>
-          <a:p>
-            <a:r>
-              <a:rPr lang="de-DE" dirty="0" smtClean="0"/>
-              <a:t>	</a:t>
-            </a:r>
-            <a:r>
-              <a:rPr lang="de-DE" dirty="0" err="1" smtClean="0"/>
-              <a:t>Höhrer</a:t>
-            </a:r>
-            <a:r>
-              <a:rPr lang="de-DE" dirty="0" smtClean="0"/>
-              <a:t> Aufwand als erwartet, zusätzlicher stress neben der Arbeit. Risikofaktor,</a:t>
-            </a:r>
-            <a:r>
-              <a:rPr lang="de-DE" baseline="0" dirty="0" smtClean="0"/>
-              <a:t> da alle beim gleichen Unternehmen arbeiten (viel zu tun (</a:t>
-            </a:r>
-            <a:r>
-              <a:rPr lang="de-DE" baseline="0" dirty="0" err="1" smtClean="0"/>
-              <a:t>arbeit</a:t>
-            </a:r>
-            <a:r>
-              <a:rPr lang="de-DE" baseline="0" dirty="0" smtClean="0"/>
-              <a:t>) </a:t>
-            </a:r>
-            <a:r>
-              <a:rPr lang="de-DE" baseline="0" dirty="0" smtClean="0">
-                <a:sym typeface="Wingdings" pitchFamily="2" charset="2"/>
-              </a:rPr>
-              <a:t> weniger Zeit (Projekt))</a:t>
-            </a:r>
-            <a:endParaRPr lang="de-DE" dirty="0" smtClean="0"/>
-          </a:p>
-          <a:p>
-            <a:r>
-              <a:rPr lang="de-DE" dirty="0" err="1" smtClean="0"/>
-              <a:t>PeerReview</a:t>
-            </a:r>
-            <a:r>
-              <a:rPr lang="de-DE" dirty="0" smtClean="0"/>
-              <a:t>:</a:t>
-            </a:r>
-          </a:p>
-          <a:p>
-            <a:r>
-              <a:rPr lang="de-DE" dirty="0" smtClean="0"/>
-              <a:t>	Hilfreich eine zweite unabhängige</a:t>
-            </a:r>
-            <a:r>
-              <a:rPr lang="de-DE" baseline="0" dirty="0" smtClean="0"/>
-              <a:t> Meinung; Lücken wurden identifiziert und behoben</a:t>
-            </a:r>
-          </a:p>
-          <a:p>
-            <a:r>
-              <a:rPr lang="de-DE" dirty="0" smtClean="0"/>
-              <a:t>Teamwork:</a:t>
-            </a:r>
-          </a:p>
-          <a:p>
-            <a:r>
-              <a:rPr lang="de-DE" dirty="0" smtClean="0"/>
-              <a:t>	Abstimmungen, Konstruktive </a:t>
-            </a:r>
-            <a:r>
-              <a:rPr lang="de-DE" dirty="0" err="1" smtClean="0"/>
-              <a:t>diskussionen</a:t>
-            </a:r>
-            <a:r>
-              <a:rPr lang="de-DE" dirty="0" smtClean="0"/>
-              <a:t>, Mitglieder</a:t>
-            </a:r>
-            <a:r>
-              <a:rPr lang="de-DE" baseline="0" dirty="0" smtClean="0"/>
-              <a:t> haben sich durch Fach/Spezialwissen gut ergänzt</a:t>
-            </a:r>
+          <a:bodyPr>
+            <a:normAutofit/>
+          </a:bodyPr>
+          <a:lstStyle/>
+          <a:p>
             <a:endParaRPr lang="de-DE" dirty="0"/>
           </a:p>
         </p:txBody>
@@ -3102,21 +2958,16 @@
           <a:bodyPr/>
           <a:lstStyle/>
           <a:p>
-            <a:fld id="{F7EBFB8C-BBFF-4397-A51C-1E92596422A9}" type="slidenum">
-              <a:rPr lang="en-US" smtClean="0"/>
+            <a:fld id="{1EBFF01C-F984-4A51-AF10-254043F7C542}" type="slidenum">
+              <a:rPr lang="de-DE" smtClean="0"/>
               <a:pPr/>
-              <a:t>31</a:t>
+              <a:t>36</a:t>
             </a:fld>
-            <a:endParaRPr lang="en-US" dirty="0"/>
+            <a:endParaRPr lang="de-DE"/>
           </a:p>
         </p:txBody>
       </p:sp>
     </p:spTree>
-    <p:extLst>
-      <p:ext uri="{BB962C8B-B14F-4D97-AF65-F5344CB8AC3E}">
-        <p14:creationId xmlns:p14="http://schemas.microsoft.com/office/powerpoint/2010/main" val="1616458392"/>
-      </p:ext>
-    </p:extLst>
   </p:cSld>
   <p:clrMapOvr>
     <a:masterClrMapping/>
@@ -3168,6 +3019,206 @@
           <a:bodyPr/>
           <a:lstStyle/>
           <a:p>
+            <a:r>
+              <a:rPr lang="de-DE" dirty="0" smtClean="0"/>
+              <a:t>Zu </a:t>
+            </a:r>
+            <a:r>
+              <a:rPr lang="de-DE" dirty="0" err="1" smtClean="0"/>
+              <a:t>git</a:t>
+            </a:r>
+            <a:r>
+              <a:rPr lang="de-DE" dirty="0" smtClean="0"/>
+              <a:t>:</a:t>
+            </a:r>
+          </a:p>
+          <a:p>
+            <a:r>
+              <a:rPr lang="de-DE" dirty="0" smtClean="0"/>
+              <a:t>	Dateikonflikte aufwändiges</a:t>
+            </a:r>
+            <a:r>
+              <a:rPr lang="de-DE" baseline="0" dirty="0" smtClean="0"/>
+              <a:t> ein-/auschecken, mit </a:t>
+            </a:r>
+            <a:r>
+              <a:rPr lang="de-DE" baseline="0" dirty="0" err="1" smtClean="0"/>
+              <a:t>dropbox</a:t>
+            </a:r>
+            <a:r>
+              <a:rPr lang="de-DE" baseline="0" dirty="0" smtClean="0"/>
+              <a:t> und </a:t>
+            </a:r>
+            <a:r>
+              <a:rPr lang="de-DE" baseline="0" dirty="0" err="1" smtClean="0"/>
+              <a:t>co</a:t>
+            </a:r>
+            <a:r>
+              <a:rPr lang="de-DE" baseline="0" dirty="0" smtClean="0"/>
+              <a:t> on </a:t>
+            </a:r>
+            <a:r>
+              <a:rPr lang="de-DE" baseline="0" dirty="0" err="1" smtClean="0"/>
+              <a:t>the</a:t>
+            </a:r>
+            <a:r>
+              <a:rPr lang="de-DE" baseline="0" dirty="0" smtClean="0"/>
+              <a:t> </a:t>
+            </a:r>
+            <a:r>
+              <a:rPr lang="de-DE" baseline="0" dirty="0" err="1" smtClean="0"/>
+              <a:t>fly</a:t>
+            </a:r>
+            <a:r>
+              <a:rPr lang="de-DE" baseline="0" dirty="0" smtClean="0"/>
+              <a:t>, automatisch im Hintergrund.</a:t>
+            </a:r>
+          </a:p>
+          <a:p>
+            <a:r>
+              <a:rPr lang="de-DE" baseline="0" dirty="0" smtClean="0"/>
+              <a:t>	evtl. zu früh auf ein Tool festgelegt, oder besser zwei? (</a:t>
+            </a:r>
+            <a:r>
+              <a:rPr lang="de-DE" baseline="0" dirty="0" err="1" smtClean="0"/>
+              <a:t>dropbox</a:t>
+            </a:r>
+            <a:r>
+              <a:rPr lang="de-DE" baseline="0" dirty="0" smtClean="0"/>
+              <a:t> für Dokumente, </a:t>
+            </a:r>
+            <a:r>
+              <a:rPr lang="de-DE" baseline="0" dirty="0" err="1" smtClean="0"/>
+              <a:t>gitHub</a:t>
+            </a:r>
+            <a:r>
+              <a:rPr lang="de-DE" baseline="0" dirty="0" smtClean="0"/>
+              <a:t> für </a:t>
+            </a:r>
+            <a:r>
+              <a:rPr lang="de-DE" baseline="0" dirty="0" err="1" smtClean="0"/>
+              <a:t>Sourcen</a:t>
+            </a:r>
+            <a:r>
+              <a:rPr lang="de-DE" baseline="0" dirty="0" smtClean="0"/>
+              <a:t>)</a:t>
+            </a:r>
+          </a:p>
+          <a:p>
+            <a:r>
+              <a:rPr lang="de-DE" baseline="0" dirty="0" err="1" smtClean="0"/>
+              <a:t>Projektmgm</a:t>
+            </a:r>
+            <a:endParaRPr lang="de-DE" baseline="0" dirty="0" smtClean="0"/>
+          </a:p>
+          <a:p>
+            <a:r>
+              <a:rPr lang="de-DE" baseline="0" dirty="0" smtClean="0"/>
+              <a:t>	Aufgaben stärker </a:t>
+            </a:r>
+            <a:r>
+              <a:rPr lang="de-DE" baseline="0" dirty="0" err="1" smtClean="0"/>
+              <a:t>tracken</a:t>
+            </a:r>
+            <a:r>
+              <a:rPr lang="de-DE" baseline="0" dirty="0" smtClean="0"/>
+              <a:t>, ggf. „</a:t>
+            </a:r>
+            <a:r>
+              <a:rPr lang="de-DE" baseline="0" dirty="0" err="1" smtClean="0"/>
+              <a:t>cut</a:t>
+            </a:r>
+            <a:r>
+              <a:rPr lang="de-DE" baseline="0" dirty="0" smtClean="0"/>
+              <a:t>“ (bei Vertiefung in nicht notwendigen Details (z.B. Risikoanalyse, Wirtschaftlichkeitsbetrachtung)</a:t>
+            </a:r>
+          </a:p>
+          <a:p>
+            <a:endParaRPr lang="de-DE" dirty="0" smtClean="0"/>
+          </a:p>
+          <a:p>
+            <a:r>
+              <a:rPr lang="de-DE" dirty="0" err="1" smtClean="0"/>
+              <a:t>Workload</a:t>
+            </a:r>
+            <a:endParaRPr lang="de-DE" dirty="0" smtClean="0"/>
+          </a:p>
+          <a:p>
+            <a:r>
+              <a:rPr lang="de-DE" dirty="0" smtClean="0"/>
+              <a:t>	</a:t>
+            </a:r>
+            <a:r>
+              <a:rPr lang="de-DE" dirty="0" err="1" smtClean="0"/>
+              <a:t>Höhrer</a:t>
+            </a:r>
+            <a:r>
+              <a:rPr lang="de-DE" dirty="0" smtClean="0"/>
+              <a:t> Aufwand als erwartet, zusätzlicher stress neben der Arbeit. Risikofaktor,</a:t>
+            </a:r>
+            <a:r>
+              <a:rPr lang="de-DE" baseline="0" dirty="0" smtClean="0"/>
+              <a:t> da alle beim gleichen Unternehmen arbeiten (viel zu tun (</a:t>
+            </a:r>
+            <a:r>
+              <a:rPr lang="de-DE" baseline="0" dirty="0" err="1" smtClean="0"/>
+              <a:t>arbeit</a:t>
+            </a:r>
+            <a:r>
+              <a:rPr lang="de-DE" baseline="0" dirty="0" smtClean="0"/>
+              <a:t>) </a:t>
+            </a:r>
+            <a:r>
+              <a:rPr lang="de-DE" baseline="0" dirty="0" smtClean="0">
+                <a:sym typeface="Wingdings" pitchFamily="2" charset="2"/>
+              </a:rPr>
+              <a:t> weniger Zeit (Projekt))</a:t>
+            </a:r>
+            <a:endParaRPr lang="de-DE" dirty="0" smtClean="0"/>
+          </a:p>
+          <a:p>
+            <a:r>
+              <a:rPr lang="de-DE" dirty="0" err="1" smtClean="0"/>
+              <a:t>PeerReview</a:t>
+            </a:r>
+            <a:r>
+              <a:rPr lang="de-DE" dirty="0" smtClean="0"/>
+              <a:t>:</a:t>
+            </a:r>
+          </a:p>
+          <a:p>
+            <a:r>
+              <a:rPr lang="de-DE" dirty="0" smtClean="0"/>
+              <a:t>	Hilfreich eine zweite unabhängige</a:t>
+            </a:r>
+            <a:r>
+              <a:rPr lang="de-DE" baseline="0" dirty="0" smtClean="0"/>
+              <a:t> Meinung; Lücken wurden identifiziert und behoben</a:t>
+            </a:r>
+          </a:p>
+          <a:p>
+            <a:r>
+              <a:rPr lang="de-DE" dirty="0" smtClean="0"/>
+              <a:t>Teamwork:</a:t>
+            </a:r>
+          </a:p>
+          <a:p>
+            <a:r>
+              <a:rPr lang="de-DE" dirty="0" smtClean="0"/>
+              <a:t>	Abstimmungen, Konstruktive </a:t>
+            </a:r>
+            <a:r>
+              <a:rPr lang="de-DE" dirty="0" err="1" smtClean="0"/>
+              <a:t>diskussionen</a:t>
+            </a:r>
+            <a:r>
+              <a:rPr lang="de-DE" dirty="0" smtClean="0"/>
+              <a:t>, Mitglieder</a:t>
+            </a:r>
+            <a:r>
+              <a:rPr lang="de-DE" baseline="0" dirty="0" smtClean="0"/>
+              <a:t> haben sich durch Fach/Spezialwissen gut ergänzt</a:t>
+            </a:r>
             <a:endParaRPr lang="de-DE" dirty="0"/>
           </a:p>
         </p:txBody>
@@ -3190,7 +3241,7 @@
             <a:fld id="{F7EBFB8C-BBFF-4397-A51C-1E92596422A9}" type="slidenum">
               <a:rPr lang="en-US" smtClean="0"/>
               <a:pPr/>
-              <a:t>32</a:t>
+              <a:t>37</a:t>
             </a:fld>
             <a:endParaRPr lang="en-US" dirty="0"/>
           </a:p>
@@ -3199,7 +3250,92 @@
     </p:spTree>
     <p:extLst>
       <p:ext uri="{BB962C8B-B14F-4D97-AF65-F5344CB8AC3E}">
-        <p14:creationId xmlns:p14="http://schemas.microsoft.com/office/powerpoint/2010/main" val="2116472317"/>
+        <p14:creationId xmlns:p14="http://schemas.microsoft.com/office/powerpoint/2010/main" xmlns="" val="1616458392"/>
+      </p:ext>
+    </p:extLst>
+  </p:cSld>
+  <p:clrMapOvr>
+    <a:masterClrMapping/>
+  </p:clrMapOvr>
+</p:notes>
+</file>
+
+<file path=ppt/notesSlides/notesSlide28.xml><?xml version="1.0" encoding="utf-8"?>
+<p:notes xmlns:a="http://schemas.openxmlformats.org/drawingml/2006/main" xmlns:r="http://schemas.openxmlformats.org/officeDocument/2006/relationships" xmlns:p="http://schemas.openxmlformats.org/presentationml/2006/main">
+  <p:cSld>
+    <p:spTree>
+      <p:nvGrpSpPr>
+        <p:cNvPr id="1" name=""/>
+        <p:cNvGrpSpPr/>
+        <p:nvPr/>
+      </p:nvGrpSpPr>
+      <p:grpSpPr>
+        <a:xfrm>
+          <a:off x="0" y="0"/>
+          <a:ext cx="0" cy="0"/>
+          <a:chOff x="0" y="0"/>
+          <a:chExt cx="0" cy="0"/>
+        </a:xfrm>
+      </p:grpSpPr>
+      <p:sp>
+        <p:nvSpPr>
+          <p:cNvPr id="2" name="Folienbildplatzhalter 1"/>
+          <p:cNvSpPr>
+            <a:spLocks noGrp="1" noRot="1" noChangeAspect="1"/>
+          </p:cNvSpPr>
+          <p:nvPr>
+            <p:ph type="sldImg"/>
+          </p:nvPr>
+        </p:nvSpPr>
+        <p:spPr/>
+      </p:sp>
+      <p:sp>
+        <p:nvSpPr>
+          <p:cNvPr id="3" name="Notizenplatzhalter 2"/>
+          <p:cNvSpPr>
+            <a:spLocks noGrp="1"/>
+          </p:cNvSpPr>
+          <p:nvPr>
+            <p:ph type="body" idx="1"/>
+          </p:nvPr>
+        </p:nvSpPr>
+        <p:spPr/>
+        <p:txBody>
+          <a:bodyPr/>
+          <a:lstStyle/>
+          <a:p>
+            <a:endParaRPr lang="de-DE" dirty="0"/>
+          </a:p>
+        </p:txBody>
+      </p:sp>
+      <p:sp>
+        <p:nvSpPr>
+          <p:cNvPr id="4" name="Foliennummernplatzhalter 3"/>
+          <p:cNvSpPr>
+            <a:spLocks noGrp="1"/>
+          </p:cNvSpPr>
+          <p:nvPr>
+            <p:ph type="sldNum" sz="quarter" idx="10"/>
+          </p:nvPr>
+        </p:nvSpPr>
+        <p:spPr/>
+        <p:txBody>
+          <a:bodyPr/>
+          <a:lstStyle/>
+          <a:p>
+            <a:fld id="{F7EBFB8C-BBFF-4397-A51C-1E92596422A9}" type="slidenum">
+              <a:rPr lang="en-US" smtClean="0"/>
+              <a:pPr/>
+              <a:t>38</a:t>
+            </a:fld>
+            <a:endParaRPr lang="en-US" dirty="0"/>
+          </a:p>
+        </p:txBody>
+      </p:sp>
+    </p:spTree>
+    <p:extLst>
+      <p:ext uri="{BB962C8B-B14F-4D97-AF65-F5344CB8AC3E}">
+        <p14:creationId xmlns:p14="http://schemas.microsoft.com/office/powerpoint/2010/main" xmlns="" val="2116472317"/>
       </p:ext>
     </p:extLst>
   </p:cSld>
@@ -3318,13 +3454,8 @@
             <a:pPr lvl="2"/>
             <a:r>
               <a:rPr lang="de-DE" dirty="0" smtClean="0"/>
-              <a:t>Event </a:t>
-            </a:r>
-            <a:r>
-              <a:rPr lang="de-DE" dirty="0" smtClean="0"/>
-              <a:t>organisieren</a:t>
-            </a:r>
-            <a:endParaRPr lang="de-DE" dirty="0" smtClean="0"/>
+              <a:t>Event organisieren</a:t>
+            </a:r>
           </a:p>
           <a:p>
             <a:pPr lvl="2"/>
@@ -3529,7 +3660,7 @@
     </p:spTree>
     <p:extLst>
       <p:ext uri="{BB962C8B-B14F-4D97-AF65-F5344CB8AC3E}">
-        <p14:creationId xmlns:p14="http://schemas.microsoft.com/office/powerpoint/2010/main" val="517533983"/>
+        <p14:creationId xmlns:p14="http://schemas.microsoft.com/office/powerpoint/2010/main" xmlns="" val="517533983"/>
       </p:ext>
     </p:extLst>
   </p:cSld>
@@ -3622,7 +3753,7 @@
     </p:spTree>
     <p:extLst>
       <p:ext uri="{BB962C8B-B14F-4D97-AF65-F5344CB8AC3E}">
-        <p14:creationId xmlns:p14="http://schemas.microsoft.com/office/powerpoint/2010/main" val="2934279750"/>
+        <p14:creationId xmlns:p14="http://schemas.microsoft.com/office/powerpoint/2010/main" xmlns="" val="2934279750"/>
       </p:ext>
     </p:extLst>
   </p:cSld>
@@ -3719,7 +3850,7 @@
     </p:spTree>
     <p:extLst>
       <p:ext uri="{BB962C8B-B14F-4D97-AF65-F5344CB8AC3E}">
-        <p14:creationId xmlns:p14="http://schemas.microsoft.com/office/powerpoint/2010/main" val="2934279750"/>
+        <p14:creationId xmlns:p14="http://schemas.microsoft.com/office/powerpoint/2010/main" xmlns="" val="2934279750"/>
       </p:ext>
     </p:extLst>
   </p:cSld>
@@ -3804,7 +3935,7 @@
     </p:spTree>
     <p:extLst>
       <p:ext uri="{BB962C8B-B14F-4D97-AF65-F5344CB8AC3E}">
-        <p14:creationId xmlns:p14="http://schemas.microsoft.com/office/powerpoint/2010/main" val="2934279750"/>
+        <p14:creationId xmlns:p14="http://schemas.microsoft.com/office/powerpoint/2010/main" xmlns="" val="2934279750"/>
       </p:ext>
     </p:extLst>
   </p:cSld>
@@ -4214,7 +4345,7 @@
     </p:spTree>
     <p:extLst>
       <p:ext uri="{BB962C8B-B14F-4D97-AF65-F5344CB8AC3E}">
-        <p14:creationId xmlns:p14="http://schemas.microsoft.com/office/powerpoint/2010/main" val="2934279750"/>
+        <p14:creationId xmlns:p14="http://schemas.microsoft.com/office/powerpoint/2010/main" xmlns="" val="2934279750"/>
       </p:ext>
     </p:extLst>
   </p:cSld>
@@ -4299,7 +4430,7 @@
     </p:spTree>
     <p:extLst>
       <p:ext uri="{BB962C8B-B14F-4D97-AF65-F5344CB8AC3E}">
-        <p14:creationId xmlns:p14="http://schemas.microsoft.com/office/powerpoint/2010/main" val="3860513045"/>
+        <p14:creationId xmlns:p14="http://schemas.microsoft.com/office/powerpoint/2010/main" xmlns="" val="3860513045"/>
       </p:ext>
     </p:extLst>
   </p:cSld>
@@ -4353,6 +4484,18 @@
           <a:bodyPr/>
           <a:lstStyle/>
           <a:p>
+            <a:r>
+              <a:rPr lang="de-DE" dirty="0" smtClean="0"/>
+              <a:t>Schwerpunkt der </a:t>
+            </a:r>
+            <a:r>
+              <a:rPr lang="de-DE" dirty="0" err="1" smtClean="0"/>
+              <a:t>Präsi</a:t>
+            </a:r>
+            <a:r>
+              <a:rPr lang="de-DE" baseline="0" dirty="0" smtClean="0"/>
+              <a:t> auf Anmelden und Event organisieren legen!</a:t>
+            </a:r>
             <a:endParaRPr lang="de-DE" dirty="0"/>
           </a:p>
         </p:txBody>
@@ -4375,7 +4518,7 @@
             <a:fld id="{F7EBFB8C-BBFF-4397-A51C-1E92596422A9}" type="slidenum">
               <a:rPr lang="en-US" smtClean="0"/>
               <a:pPr/>
-              <a:t>11</a:t>
+              <a:t>10</a:t>
             </a:fld>
             <a:endParaRPr lang="en-US" dirty="0"/>
           </a:p>
@@ -4384,7 +4527,7 @@
     </p:spTree>
     <p:extLst>
       <p:ext uri="{BB962C8B-B14F-4D97-AF65-F5344CB8AC3E}">
-        <p14:creationId xmlns:p14="http://schemas.microsoft.com/office/powerpoint/2010/main" val="2934279750"/>
+        <p14:creationId xmlns:p14="http://schemas.microsoft.com/office/powerpoint/2010/main" xmlns="" val="2934279750"/>
       </p:ext>
     </p:extLst>
   </p:cSld>
@@ -8624,7 +8767,7 @@
           <a:blip r:embed="rId13" cstate="print">
             <a:extLst>
               <a:ext uri="{28A0092B-C50C-407E-A947-70E740481C1C}">
-                <a14:useLocalDpi xmlns:a14="http://schemas.microsoft.com/office/drawing/2010/main" val="0"/>
+                <a14:useLocalDpi xmlns:a14="http://schemas.microsoft.com/office/drawing/2010/main" xmlns="" val="0"/>
               </a:ext>
             </a:extLst>
           </a:blip>
@@ -9122,7 +9265,7 @@
           <a:blip r:embed="rId3" cstate="print">
             <a:extLst>
               <a:ext uri="{28A0092B-C50C-407E-A947-70E740481C1C}">
-                <a14:useLocalDpi xmlns:a14="http://schemas.microsoft.com/office/drawing/2010/main" val="0"/>
+                <a14:useLocalDpi xmlns:a14="http://schemas.microsoft.com/office/drawing/2010/main" xmlns="" val="0"/>
               </a:ext>
             </a:extLst>
           </a:blip>
@@ -9152,7 +9295,7 @@
           <a:blip r:embed="rId4" cstate="print">
             <a:extLst>
               <a:ext uri="{28A0092B-C50C-407E-A947-70E740481C1C}">
-                <a14:useLocalDpi xmlns:a14="http://schemas.microsoft.com/office/drawing/2010/main" val="0"/>
+                <a14:useLocalDpi xmlns:a14="http://schemas.microsoft.com/office/drawing/2010/main" xmlns="" val="0"/>
               </a:ext>
             </a:extLst>
           </a:blip>
@@ -9186,167 +9329,6 @@
 </file>
 
 <file path=ppt/slides/slide10.xml><?xml version="1.0" encoding="utf-8"?>
-<p:sld xmlns:a="http://schemas.openxmlformats.org/drawingml/2006/main" xmlns:r="http://schemas.openxmlformats.org/officeDocument/2006/relationships" xmlns:p="http://schemas.openxmlformats.org/presentationml/2006/main" show="0">
-  <p:cSld>
-    <p:spTree>
-      <p:nvGrpSpPr>
-        <p:cNvPr id="1" name=""/>
-        <p:cNvGrpSpPr/>
-        <p:nvPr/>
-      </p:nvGrpSpPr>
-      <p:grpSpPr>
-        <a:xfrm>
-          <a:off x="0" y="0"/>
-          <a:ext cx="0" cy="0"/>
-          <a:chOff x="0" y="0"/>
-          <a:chExt cx="0" cy="0"/>
-        </a:xfrm>
-      </p:grpSpPr>
-      <p:sp>
-        <p:nvSpPr>
-          <p:cNvPr id="7" name="Titel 6"/>
-          <p:cNvSpPr>
-            <a:spLocks noGrp="1"/>
-          </p:cNvSpPr>
-          <p:nvPr>
-            <p:ph type="title"/>
-          </p:nvPr>
-        </p:nvSpPr>
-        <p:spPr/>
-        <p:txBody>
-          <a:bodyPr/>
-          <a:lstStyle/>
-          <a:p>
-            <a:r>
-              <a:rPr lang="de-DE" dirty="0" smtClean="0"/>
-              <a:t>Event </a:t>
-            </a:r>
-            <a:r>
-              <a:rPr lang="de-DE" dirty="0" smtClean="0"/>
-              <a:t>Organisieren</a:t>
-            </a:r>
-            <a:endParaRPr lang="de-DE" dirty="0"/>
-          </a:p>
-        </p:txBody>
-      </p:sp>
-      <p:sp>
-        <p:nvSpPr>
-          <p:cNvPr id="8" name="Textplatzhalter 7"/>
-          <p:cNvSpPr>
-            <a:spLocks noGrp="1"/>
-          </p:cNvSpPr>
-          <p:nvPr>
-            <p:ph type="body" idx="1"/>
-          </p:nvPr>
-        </p:nvSpPr>
-        <p:spPr/>
-        <p:txBody>
-          <a:bodyPr/>
-          <a:lstStyle/>
-          <a:p>
-            <a:r>
-              <a:rPr lang="de-DE" dirty="0" smtClean="0"/>
-              <a:t>Umsetzun</a:t>
-            </a:r>
-            <a:r>
-              <a:rPr lang="de-DE" dirty="0"/>
-              <a:t>g</a:t>
-            </a:r>
-          </a:p>
-        </p:txBody>
-      </p:sp>
-      <p:sp>
-        <p:nvSpPr>
-          <p:cNvPr id="4" name="Datumsplatzhalter 3"/>
-          <p:cNvSpPr>
-            <a:spLocks noGrp="1"/>
-          </p:cNvSpPr>
-          <p:nvPr>
-            <p:ph type="dt" sz="half" idx="10"/>
-          </p:nvPr>
-        </p:nvSpPr>
-        <p:spPr/>
-        <p:txBody>
-          <a:bodyPr/>
-          <a:lstStyle/>
-          <a:p>
-            <a:r>
-              <a:rPr lang="de-DE" smtClean="0"/>
-              <a:t>21.04.2012</a:t>
-            </a:r>
-            <a:endParaRPr lang="en-US"/>
-          </a:p>
-        </p:txBody>
-      </p:sp>
-      <p:sp>
-        <p:nvSpPr>
-          <p:cNvPr id="5" name="Fußzeilenplatzhalter 4"/>
-          <p:cNvSpPr>
-            <a:spLocks noGrp="1"/>
-          </p:cNvSpPr>
-          <p:nvPr>
-            <p:ph type="ftr" sz="quarter" idx="11"/>
-          </p:nvPr>
-        </p:nvSpPr>
-        <p:spPr/>
-        <p:txBody>
-          <a:bodyPr/>
-          <a:lstStyle/>
-          <a:p>
-            <a:r>
-              <a:rPr lang="de-DE" smtClean="0"/>
-              <a:t>FST Projekt "Eventalizer" (SS 2012) Team 5</a:t>
-            </a:r>
-            <a:endParaRPr lang="de-DE" dirty="0"/>
-          </a:p>
-        </p:txBody>
-      </p:sp>
-      <p:sp>
-        <p:nvSpPr>
-          <p:cNvPr id="6" name="Foliennummernplatzhalter 5"/>
-          <p:cNvSpPr>
-            <a:spLocks noGrp="1"/>
-          </p:cNvSpPr>
-          <p:nvPr>
-            <p:ph type="sldNum" sz="quarter" idx="12"/>
-          </p:nvPr>
-        </p:nvSpPr>
-        <p:spPr/>
-        <p:txBody>
-          <a:bodyPr/>
-          <a:lstStyle/>
-          <a:p>
-            <a:fld id="{990B41CA-569D-40E7-8E58-026C0338B2C8}" type="slidenum">
-              <a:rPr lang="en-US" smtClean="0"/>
-              <a:pPr/>
-              <a:t>10</a:t>
-            </a:fld>
-            <a:endParaRPr lang="en-US"/>
-          </a:p>
-        </p:txBody>
-      </p:sp>
-    </p:spTree>
-    <p:extLst>
-      <p:ext uri="{BB962C8B-B14F-4D97-AF65-F5344CB8AC3E}">
-        <p14:creationId xmlns:p14="http://schemas.microsoft.com/office/powerpoint/2010/main" val="1358210935"/>
-      </p:ext>
-    </p:extLst>
-  </p:cSld>
-  <p:clrMapOvr>
-    <a:masterClrMapping/>
-  </p:clrMapOvr>
-  <mc:AlternateContent xmlns:mc="http://schemas.openxmlformats.org/markup-compatibility/2006" xmlns:p14="http://schemas.microsoft.com/office/powerpoint/2010/main">
-    <mc:Choice Requires="p14">
-      <p:transition spd="slow" p14:dur="2000"/>
-    </mc:Choice>
-    <mc:Fallback xmlns="">
-      <p:transition spd="slow"/>
-    </mc:Fallback>
-  </mc:AlternateContent>
-</p:sld>
-</file>
-
-<file path=ppt/slides/slide11.xml><?xml version="1.0" encoding="utf-8"?>
 <p:sld xmlns:a="http://schemas.openxmlformats.org/drawingml/2006/main" xmlns:r="http://schemas.openxmlformats.org/officeDocument/2006/relationships" xmlns:p="http://schemas.openxmlformats.org/presentationml/2006/main">
   <p:cSld>
     <p:spTree>
@@ -9380,7 +9362,7 @@
         </p:blipFill>
         <p:spPr bwMode="auto">
           <a:xfrm>
-            <a:off x="1475656" y="1268765"/>
+            <a:off x="1475656" y="1484789"/>
             <a:ext cx="2628000" cy="2468173"/>
           </a:xfrm>
           <a:prstGeom prst="rect">
@@ -9402,34 +9384,15 @@
         <p:spPr/>
         <p:txBody>
           <a:bodyPr>
-            <a:normAutofit/>
+            <a:normAutofit fontScale="90000"/>
           </a:bodyPr>
           <a:lstStyle/>
           <a:p>
             <a:r>
               <a:rPr lang="de-DE" dirty="0" smtClean="0"/>
-              <a:t>Anwendungsfalldiagramm</a:t>
+              <a:t>Funktionale Anforderungen Anwendungsfalldiagramm</a:t>
             </a:r>
             <a:endParaRPr lang="de-DE" dirty="0"/>
-          </a:p>
-        </p:txBody>
-      </p:sp>
-      <p:sp>
-        <p:nvSpPr>
-          <p:cNvPr id="9" name="Inhaltsplatzhalter 8"/>
-          <p:cNvSpPr>
-            <a:spLocks noGrp="1"/>
-          </p:cNvSpPr>
-          <p:nvPr>
-            <p:ph idx="1"/>
-          </p:nvPr>
-        </p:nvSpPr>
-        <p:spPr/>
-        <p:txBody>
-          <a:bodyPr/>
-          <a:lstStyle/>
-          <a:p>
-            <a:endParaRPr lang="de-DE"/>
           </a:p>
         </p:txBody>
       </p:sp>
@@ -9497,7 +9460,7 @@
             <a:fld id="{990B41CA-569D-40E7-8E58-026C0338B2C8}" type="slidenum">
               <a:rPr lang="en-US" smtClean="0"/>
               <a:pPr/>
-              <a:t>11</a:t>
+              <a:t>10</a:t>
             </a:fld>
             <a:endParaRPr lang="en-US"/>
           </a:p>
@@ -9520,7 +9483,7 @@
         </p:blipFill>
         <p:spPr bwMode="auto">
           <a:xfrm>
-            <a:off x="4499992" y="2924944"/>
+            <a:off x="4499992" y="3140968"/>
             <a:ext cx="4536504" cy="3312368"/>
           </a:xfrm>
           <a:prstGeom prst="rect">
@@ -9542,7 +9505,7 @@
         </p:nvSpPr>
         <p:spPr>
           <a:xfrm>
-            <a:off x="2411760" y="2276872"/>
+            <a:off x="2411760" y="2492896"/>
             <a:ext cx="1728192" cy="1224136"/>
           </a:xfrm>
           <a:prstGeom prst="rect">
@@ -9585,7 +9548,7 @@
         </p:nvCxnSpPr>
         <p:spPr>
           <a:xfrm>
-            <a:off x="4139952" y="2276872"/>
+            <a:off x="4139952" y="2492896"/>
             <a:ext cx="360040" cy="648072"/>
           </a:xfrm>
           <a:prstGeom prst="line">
@@ -9616,7 +9579,7 @@
         </p:nvCxnSpPr>
         <p:spPr>
           <a:xfrm>
-            <a:off x="4139952" y="3501008"/>
+            <a:off x="4139952" y="3717032"/>
             <a:ext cx="360040" cy="2736304"/>
           </a:xfrm>
           <a:prstGeom prst="line">
@@ -9647,7 +9610,7 @@
         </p:nvSpPr>
         <p:spPr>
           <a:xfrm>
-            <a:off x="5220072" y="3861048"/>
+            <a:off x="5220072" y="4077072"/>
             <a:ext cx="1368152" cy="648072"/>
           </a:xfrm>
           <a:prstGeom prst="rect">
@@ -9680,53 +9643,207 @@
           </a:p>
         </p:txBody>
       </p:sp>
-      <p:sp>
-        <p:nvSpPr>
-          <p:cNvPr id="25" name="Rechteck 24"/>
-          <p:cNvSpPr/>
+    </p:spTree>
+    <p:extLst>
+      <p:ext uri="{BB962C8B-B14F-4D97-AF65-F5344CB8AC3E}">
+        <p14:creationId xmlns:p14="http://schemas.microsoft.com/office/powerpoint/2010/main" xmlns="" val="351671181"/>
+      </p:ext>
+    </p:extLst>
+  </p:cSld>
+  <p:clrMapOvr>
+    <a:masterClrMapping/>
+  </p:clrMapOvr>
+  <p:timing>
+    <p:tnLst>
+      <p:par>
+        <p:cTn id="1" dur="indefinite" restart="never" nodeType="tmRoot"/>
+      </p:par>
+    </p:tnLst>
+  </p:timing>
+</p:sld>
+</file>
+
+<file path=ppt/slides/slide11.xml><?xml version="1.0" encoding="utf-8"?>
+<p:sld xmlns:a="http://schemas.openxmlformats.org/drawingml/2006/main" xmlns:r="http://schemas.openxmlformats.org/officeDocument/2006/relationships" xmlns:p="http://schemas.openxmlformats.org/presentationml/2006/main">
+  <p:cSld>
+    <p:spTree>
+      <p:nvGrpSpPr>
+        <p:cNvPr id="1" name=""/>
+        <p:cNvGrpSpPr/>
+        <p:nvPr/>
+      </p:nvGrpSpPr>
+      <p:grpSpPr>
+        <a:xfrm>
+          <a:off x="0" y="0"/>
+          <a:ext cx="0" cy="0"/>
+          <a:chOff x="0" y="0"/>
+          <a:chExt cx="0" cy="0"/>
+        </a:xfrm>
+      </p:grpSpPr>
+      <p:sp>
+        <p:nvSpPr>
+          <p:cNvPr id="2" name="Titel 1"/>
+          <p:cNvSpPr>
+            <a:spLocks noGrp="1"/>
+          </p:cNvSpPr>
+          <p:nvPr>
+            <p:ph type="title"/>
+          </p:nvPr>
+        </p:nvSpPr>
+        <p:spPr/>
+        <p:txBody>
+          <a:bodyPr>
+            <a:normAutofit fontScale="90000"/>
+          </a:bodyPr>
+          <a:lstStyle/>
+          <a:p>
+            <a:r>
+              <a:rPr lang="de-DE" dirty="0" smtClean="0"/>
+              <a:t>„Event organisieren“</a:t>
+            </a:r>
+            <a:r>
+              <a:rPr lang="de-DE" dirty="0" smtClean="0"/>
+              <a:t/>
+            </a:r>
+            <a:br>
+              <a:rPr lang="de-DE" dirty="0" smtClean="0"/>
+            </a:br>
+            <a:r>
+              <a:rPr lang="de-DE" dirty="0" smtClean="0"/>
+              <a:t>Lastenheft</a:t>
+            </a:r>
+            <a:endParaRPr lang="de-DE" dirty="0"/>
+          </a:p>
+        </p:txBody>
+      </p:sp>
+      <p:sp>
+        <p:nvSpPr>
+          <p:cNvPr id="4" name="Datumsplatzhalter 3"/>
+          <p:cNvSpPr>
+            <a:spLocks noGrp="1"/>
+          </p:cNvSpPr>
+          <p:nvPr>
+            <p:ph type="dt" sz="half" idx="10"/>
+          </p:nvPr>
+        </p:nvSpPr>
+        <p:spPr/>
+        <p:txBody>
+          <a:bodyPr/>
+          <a:lstStyle/>
+          <a:p>
+            <a:r>
+              <a:rPr lang="de-DE" smtClean="0"/>
+              <a:t>21.04.2012</a:t>
+            </a:r>
+            <a:endParaRPr lang="en-US"/>
+          </a:p>
+        </p:txBody>
+      </p:sp>
+      <p:sp>
+        <p:nvSpPr>
+          <p:cNvPr id="5" name="Fußzeilenplatzhalter 4"/>
+          <p:cNvSpPr>
+            <a:spLocks noGrp="1"/>
+          </p:cNvSpPr>
+          <p:nvPr>
+            <p:ph type="ftr" sz="quarter" idx="11"/>
+          </p:nvPr>
+        </p:nvSpPr>
+        <p:spPr/>
+        <p:txBody>
+          <a:bodyPr/>
+          <a:lstStyle/>
+          <a:p>
+            <a:r>
+              <a:rPr lang="de-DE" smtClean="0"/>
+              <a:t>FST Projekt "Eventalizer" (SS 2012) Team 5</a:t>
+            </a:r>
+            <a:endParaRPr lang="de-DE" dirty="0"/>
+          </a:p>
+        </p:txBody>
+      </p:sp>
+      <p:sp>
+        <p:nvSpPr>
+          <p:cNvPr id="6" name="Foliennummernplatzhalter 5"/>
+          <p:cNvSpPr>
+            <a:spLocks noGrp="1"/>
+          </p:cNvSpPr>
+          <p:nvPr>
+            <p:ph type="sldNum" sz="quarter" idx="12"/>
+          </p:nvPr>
+        </p:nvSpPr>
+        <p:spPr/>
+        <p:txBody>
+          <a:bodyPr/>
+          <a:lstStyle/>
+          <a:p>
+            <a:fld id="{990B41CA-569D-40E7-8E58-026C0338B2C8}" type="slidenum">
+              <a:rPr lang="en-US" smtClean="0"/>
+              <a:pPr/>
+              <a:t>11</a:t>
+            </a:fld>
+            <a:endParaRPr lang="en-US"/>
+          </a:p>
+        </p:txBody>
+      </p:sp>
+      <p:pic>
+        <p:nvPicPr>
+          <p:cNvPr id="17" name="Picture 10"/>
+          <p:cNvPicPr>
+            <a:picLocks noChangeAspect="1" noChangeArrowheads="1"/>
+          </p:cNvPicPr>
           <p:nvPr/>
-        </p:nvSpPr>
-        <p:spPr>
+        </p:nvPicPr>
+        <p:blipFill>
+          <a:blip r:embed="rId2" cstate="print"/>
+          <a:srcRect l="-1545" t="-2690" r="-317" b="-2690"/>
+          <a:stretch>
+            <a:fillRect/>
+          </a:stretch>
+        </p:blipFill>
+        <p:spPr bwMode="auto">
           <a:xfrm>
-            <a:off x="4572000" y="5517232"/>
-            <a:ext cx="1368152" cy="648072"/>
+            <a:off x="1368376" y="1700808"/>
+            <a:ext cx="6588000" cy="3651181"/>
           </a:xfrm>
           <a:prstGeom prst="rect">
             <a:avLst/>
           </a:prstGeom>
-          <a:noFill/>
+          <a:solidFill>
+            <a:srgbClr val="FFFFFF">
+              <a:shade val="85000"/>
+            </a:srgbClr>
+          </a:solidFill>
+          <a:ln w="190500" cap="sq">
+            <a:solidFill>
+              <a:srgbClr val="FFFFFF"/>
+            </a:solidFill>
+            <a:miter lim="800000"/>
+          </a:ln>
+          <a:effectLst>
+            <a:outerShdw blurRad="65000" dist="50800" dir="12900000" kx="195000" ky="145000" algn="tl" rotWithShape="0">
+              <a:srgbClr val="000000">
+                <a:alpha val="30000"/>
+              </a:srgbClr>
+            </a:outerShdw>
+          </a:effectLst>
+          <a:scene3d>
+            <a:camera prst="orthographicFront">
+              <a:rot lat="0" lon="0" rev="360000"/>
+            </a:camera>
+            <a:lightRig rig="twoPt" dir="t">
+              <a:rot lat="0" lon="0" rev="7200000"/>
+            </a:lightRig>
+          </a:scene3d>
+          <a:sp3d contourW="12700">
+            <a:bevelT w="25400" h="19050"/>
+            <a:contourClr>
+              <a:srgbClr val="969696"/>
+            </a:contourClr>
+          </a:sp3d>
         </p:spPr>
-        <p:style>
-          <a:lnRef idx="2">
-            <a:schemeClr val="accent1">
-              <a:shade val="50000"/>
-            </a:schemeClr>
-          </a:lnRef>
-          <a:fillRef idx="1">
-            <a:schemeClr val="accent1"/>
-          </a:fillRef>
-          <a:effectRef idx="0">
-            <a:schemeClr val="accent1"/>
-          </a:effectRef>
-          <a:fontRef idx="minor">
-            <a:schemeClr val="lt1"/>
-          </a:fontRef>
-        </p:style>
-        <p:txBody>
-          <a:bodyPr rtlCol="0" anchor="ctr"/>
-          <a:lstStyle/>
-          <a:p>
-            <a:pPr algn="ctr"/>
-            <a:endParaRPr lang="de-DE"/>
-          </a:p>
-        </p:txBody>
-      </p:sp>
+      </p:pic>
     </p:spTree>
-    <p:extLst>
-      <p:ext uri="{BB962C8B-B14F-4D97-AF65-F5344CB8AC3E}">
-        <p14:creationId xmlns:p14="http://schemas.microsoft.com/office/powerpoint/2010/main" val="1084121422"/>
-      </p:ext>
-    </p:extLst>
   </p:cSld>
   <p:clrMapOvr>
     <a:masterClrMapping/>
@@ -9758,6 +9875,63 @@
           <a:chExt cx="0" cy="0"/>
         </a:xfrm>
       </p:grpSpPr>
+      <p:pic>
+        <p:nvPicPr>
+          <p:cNvPr id="10" name="Picture 10"/>
+          <p:cNvPicPr>
+            <a:picLocks noChangeAspect="1" noChangeArrowheads="1"/>
+          </p:cNvPicPr>
+          <p:nvPr/>
+        </p:nvPicPr>
+        <p:blipFill>
+          <a:blip r:embed="rId2" cstate="print"/>
+          <a:srcRect l="-1545" t="-2690" r="-317" b="-2690"/>
+          <a:stretch>
+            <a:fillRect/>
+          </a:stretch>
+        </p:blipFill>
+        <p:spPr bwMode="auto">
+          <a:xfrm>
+            <a:off x="1368376" y="1700808"/>
+            <a:ext cx="6588000" cy="3651181"/>
+          </a:xfrm>
+          <a:prstGeom prst="rect">
+            <a:avLst/>
+          </a:prstGeom>
+          <a:solidFill>
+            <a:srgbClr val="FFFFFF">
+              <a:shade val="85000"/>
+            </a:srgbClr>
+          </a:solidFill>
+          <a:ln w="190500" cap="sq">
+            <a:solidFill>
+              <a:srgbClr val="FFFFFF"/>
+            </a:solidFill>
+            <a:miter lim="800000"/>
+          </a:ln>
+          <a:effectLst>
+            <a:outerShdw blurRad="65000" dist="50800" dir="12900000" kx="195000" ky="145000" algn="tl" rotWithShape="0">
+              <a:srgbClr val="000000">
+                <a:alpha val="30000"/>
+              </a:srgbClr>
+            </a:outerShdw>
+          </a:effectLst>
+          <a:scene3d>
+            <a:camera prst="orthographicFront">
+              <a:rot lat="0" lon="0" rev="360000"/>
+            </a:camera>
+            <a:lightRig rig="twoPt" dir="t">
+              <a:rot lat="0" lon="0" rev="7200000"/>
+            </a:lightRig>
+          </a:scene3d>
+          <a:sp3d contourW="12700">
+            <a:bevelT w="25400" h="19050"/>
+            <a:contourClr>
+              <a:srgbClr val="969696"/>
+            </a:contourClr>
+          </a:sp3d>
+        </p:spPr>
+      </p:pic>
       <p:sp>
         <p:nvSpPr>
           <p:cNvPr id="2" name="Titel 1"/>
@@ -9777,14 +9951,64 @@
           <a:p>
             <a:r>
               <a:rPr lang="de-DE" dirty="0" smtClean="0"/>
+              <a:t>„Event organisieren“</a:t>
+            </a:r>
+            <a:r>
+              <a:rPr lang="de-DE" dirty="0" smtClean="0"/>
+              <a:t/>
+            </a:r>
+            <a:br>
+              <a:rPr lang="de-DE" dirty="0" smtClean="0"/>
+            </a:br>
+            <a:r>
+              <a:rPr lang="de-DE" dirty="0" smtClean="0"/>
               <a:t>Lastenheft</a:t>
             </a:r>
-            <a:br>
-              <a:rPr lang="de-DE" dirty="0" smtClean="0"/>
-            </a:br>
-            <a:r>
-              <a:rPr lang="de-DE" dirty="0" smtClean="0"/>
-              <a:t>funktionale Anforderungen</a:t>
+            <a:endParaRPr lang="de-DE" dirty="0"/>
+          </a:p>
+        </p:txBody>
+      </p:sp>
+      <p:sp>
+        <p:nvSpPr>
+          <p:cNvPr id="4" name="Datumsplatzhalter 3"/>
+          <p:cNvSpPr>
+            <a:spLocks noGrp="1"/>
+          </p:cNvSpPr>
+          <p:nvPr>
+            <p:ph type="dt" sz="half" idx="10"/>
+          </p:nvPr>
+        </p:nvSpPr>
+        <p:spPr/>
+        <p:txBody>
+          <a:bodyPr/>
+          <a:lstStyle/>
+          <a:p>
+            <a:r>
+              <a:rPr lang="de-DE" smtClean="0"/>
+              <a:t>21.04.2012</a:t>
+            </a:r>
+            <a:endParaRPr lang="en-US"/>
+          </a:p>
+        </p:txBody>
+      </p:sp>
+      <p:sp>
+        <p:nvSpPr>
+          <p:cNvPr id="5" name="Fußzeilenplatzhalter 4"/>
+          <p:cNvSpPr>
+            <a:spLocks noGrp="1"/>
+          </p:cNvSpPr>
+          <p:nvPr>
+            <p:ph type="ftr" sz="quarter" idx="11"/>
+          </p:nvPr>
+        </p:nvSpPr>
+        <p:spPr/>
+        <p:txBody>
+          <a:bodyPr/>
+          <a:lstStyle/>
+          <a:p>
+            <a:r>
+              <a:rPr lang="de-DE" smtClean="0"/>
+              <a:t>FST Projekt "Eventalizer" (SS 2012) Team 5</a:t>
             </a:r>
             <a:endParaRPr lang="de-DE" dirty="0"/>
           </a:p>
@@ -9814,42 +10038,64 @@
           </a:p>
         </p:txBody>
       </p:sp>
-      <p:sp>
-        <p:nvSpPr>
-          <p:cNvPr id="9" name="Inhaltsplatzhalter 8"/>
-          <p:cNvSpPr>
-            <a:spLocks noGrp="1"/>
-          </p:cNvSpPr>
-          <p:nvPr>
-            <p:ph idx="1"/>
-          </p:nvPr>
-        </p:nvSpPr>
-        <p:spPr/>
-        <p:txBody>
-          <a:bodyPr/>
-          <a:lstStyle/>
-          <a:p>
-            <a:r>
-              <a:rPr lang="de-DE" dirty="0" smtClean="0"/>
-              <a:t>Event organisieren</a:t>
-            </a:r>
-          </a:p>
-          <a:p>
-            <a:pPr lvl="1"/>
-            <a:r>
-              <a:rPr lang="de-DE" dirty="0" smtClean="0"/>
-              <a:t>Wie Login</a:t>
-            </a:r>
-            <a:endParaRPr lang="de-DE" dirty="0" smtClean="0"/>
-          </a:p>
-        </p:txBody>
-      </p:sp>
+      <p:pic>
+        <p:nvPicPr>
+          <p:cNvPr id="1032" name="Picture 8"/>
+          <p:cNvPicPr>
+            <a:picLocks noChangeAspect="1" noChangeArrowheads="1"/>
+          </p:cNvPicPr>
+          <p:nvPr/>
+        </p:nvPicPr>
+        <p:blipFill>
+          <a:blip r:embed="rId3" cstate="print"/>
+          <a:srcRect l="-1120" t="-3533" r="-799" b="-2447"/>
+          <a:stretch>
+            <a:fillRect/>
+          </a:stretch>
+        </p:blipFill>
+        <p:spPr bwMode="auto">
+          <a:xfrm rot="324393">
+            <a:off x="1676492" y="3053091"/>
+            <a:ext cx="6552728" cy="2160240"/>
+          </a:xfrm>
+          <a:prstGeom prst="rect">
+            <a:avLst/>
+          </a:prstGeom>
+          <a:solidFill>
+            <a:srgbClr val="FFFFFF">
+              <a:shade val="85000"/>
+            </a:srgbClr>
+          </a:solidFill>
+          <a:ln w="190500" cap="sq">
+            <a:solidFill>
+              <a:srgbClr val="FFFFFF"/>
+            </a:solidFill>
+            <a:miter lim="800000"/>
+          </a:ln>
+          <a:effectLst>
+            <a:outerShdw blurRad="65000" dist="50800" dir="12900000" kx="195000" ky="145000" algn="tl" rotWithShape="0">
+              <a:srgbClr val="000000">
+                <a:alpha val="30000"/>
+              </a:srgbClr>
+            </a:outerShdw>
+          </a:effectLst>
+          <a:scene3d>
+            <a:camera prst="orthographicFront">
+              <a:rot lat="0" lon="0" rev="360000"/>
+            </a:camera>
+            <a:lightRig rig="twoPt" dir="t">
+              <a:rot lat="0" lon="0" rev="7200000"/>
+            </a:lightRig>
+          </a:scene3d>
+          <a:sp3d contourW="12700">
+            <a:bevelT w="25400" h="19050"/>
+            <a:contourClr>
+              <a:srgbClr val="969696"/>
+            </a:contourClr>
+          </a:sp3d>
+        </p:spPr>
+      </p:pic>
     </p:spTree>
-    <p:extLst>
-      <p:ext uri="{BB962C8B-B14F-4D97-AF65-F5344CB8AC3E}">
-        <p14:creationId xmlns:p14="http://schemas.microsoft.com/office/powerpoint/2010/main" val="3549245410"/>
-      </p:ext>
-    </p:extLst>
   </p:cSld>
   <p:clrMapOvr>
     <a:masterClrMapping/>
@@ -9881,6 +10127,63 @@
           <a:chExt cx="0" cy="0"/>
         </a:xfrm>
       </p:grpSpPr>
+      <p:pic>
+        <p:nvPicPr>
+          <p:cNvPr id="10" name="Picture 10"/>
+          <p:cNvPicPr>
+            <a:picLocks noChangeAspect="1" noChangeArrowheads="1"/>
+          </p:cNvPicPr>
+          <p:nvPr/>
+        </p:nvPicPr>
+        <p:blipFill>
+          <a:blip r:embed="rId2" cstate="print"/>
+          <a:srcRect l="-1545" t="-2690" r="-317" b="-2690"/>
+          <a:stretch>
+            <a:fillRect/>
+          </a:stretch>
+        </p:blipFill>
+        <p:spPr bwMode="auto">
+          <a:xfrm>
+            <a:off x="1368376" y="1700808"/>
+            <a:ext cx="6588000" cy="3651181"/>
+          </a:xfrm>
+          <a:prstGeom prst="rect">
+            <a:avLst/>
+          </a:prstGeom>
+          <a:solidFill>
+            <a:srgbClr val="FFFFFF">
+              <a:shade val="85000"/>
+            </a:srgbClr>
+          </a:solidFill>
+          <a:ln w="190500" cap="sq">
+            <a:solidFill>
+              <a:srgbClr val="FFFFFF"/>
+            </a:solidFill>
+            <a:miter lim="800000"/>
+          </a:ln>
+          <a:effectLst>
+            <a:outerShdw blurRad="65000" dist="50800" dir="12900000" kx="195000" ky="145000" algn="tl" rotWithShape="0">
+              <a:srgbClr val="000000">
+                <a:alpha val="30000"/>
+              </a:srgbClr>
+            </a:outerShdw>
+          </a:effectLst>
+          <a:scene3d>
+            <a:camera prst="orthographicFront">
+              <a:rot lat="0" lon="0" rev="360000"/>
+            </a:camera>
+            <a:lightRig rig="twoPt" dir="t">
+              <a:rot lat="0" lon="0" rev="7200000"/>
+            </a:lightRig>
+          </a:scene3d>
+          <a:sp3d contourW="12700">
+            <a:bevelT w="25400" h="19050"/>
+            <a:contourClr>
+              <a:srgbClr val="969696"/>
+            </a:contourClr>
+          </a:sp3d>
+        </p:spPr>
+      </p:pic>
       <p:sp>
         <p:nvSpPr>
           <p:cNvPr id="2" name="Titel 1"/>
@@ -9900,57 +10203,19 @@
           <a:p>
             <a:r>
               <a:rPr lang="de-DE" dirty="0" smtClean="0"/>
-              <a:t>Pflichtenheft</a:t>
+              <a:t>„Event organisieren“</a:t>
+            </a:r>
+            <a:r>
+              <a:rPr lang="de-DE" dirty="0" smtClean="0"/>
+              <a:t/>
             </a:r>
             <a:br>
               <a:rPr lang="de-DE" dirty="0" smtClean="0"/>
             </a:br>
             <a:r>
               <a:rPr lang="de-DE" dirty="0" smtClean="0"/>
-              <a:t>funktionale Anforderungen</a:t>
-            </a:r>
-            <a:endParaRPr lang="de-DE" dirty="0"/>
-          </a:p>
-        </p:txBody>
-      </p:sp>
-      <p:sp>
-        <p:nvSpPr>
-          <p:cNvPr id="3" name="Inhaltsplatzhalter 2"/>
-          <p:cNvSpPr>
-            <a:spLocks noGrp="1"/>
-          </p:cNvSpPr>
-          <p:nvPr>
-            <p:ph idx="1"/>
-          </p:nvPr>
-        </p:nvSpPr>
-        <p:spPr/>
-        <p:txBody>
-          <a:bodyPr/>
-          <a:lstStyle/>
-          <a:p>
-            <a:endParaRPr lang="de-DE" dirty="0"/>
-          </a:p>
-          <a:p>
-            <a:endParaRPr lang="de-DE" dirty="0" smtClean="0"/>
-          </a:p>
-          <a:p>
-            <a:endParaRPr lang="de-DE" dirty="0"/>
-          </a:p>
-          <a:p>
-            <a:r>
-              <a:rPr lang="de-DE" dirty="0"/>
-              <a:t>F60 – Eventfunktionen: Event </a:t>
-            </a:r>
-            <a:r>
-              <a:rPr lang="de-DE" dirty="0" smtClean="0"/>
-              <a:t>organisieren</a:t>
-            </a:r>
-            <a:endParaRPr lang="de-DE" dirty="0"/>
-          </a:p>
-          <a:p>
-            <a:endParaRPr lang="de-DE" dirty="0" smtClean="0"/>
-          </a:p>
-          <a:p>
+              <a:t>Lastenheft</a:t>
+            </a:r>
             <a:endParaRPr lang="de-DE" dirty="0"/>
           </a:p>
         </p:txBody>
@@ -10027,34 +10292,119 @@
       </p:sp>
       <p:pic>
         <p:nvPicPr>
-          <p:cNvPr id="8" name="Bild 31"/>
-          <p:cNvPicPr/>
+          <p:cNvPr id="1032" name="Picture 8"/>
+          <p:cNvPicPr>
+            <a:picLocks noChangeAspect="1" noChangeArrowheads="1"/>
+          </p:cNvPicPr>
           <p:nvPr/>
         </p:nvPicPr>
         <p:blipFill>
           <a:blip r:embed="rId3" cstate="print"/>
-          <a:srcRect/>
+          <a:srcRect l="-1120" t="-3533" r="-799" b="-2447"/>
           <a:stretch>
             <a:fillRect/>
           </a:stretch>
         </p:blipFill>
         <p:spPr bwMode="auto">
-          <a:xfrm>
-            <a:off x="2339752" y="3573016"/>
-            <a:ext cx="5399405" cy="2880995"/>
+          <a:xfrm rot="324393">
+            <a:off x="1676492" y="3053091"/>
+            <a:ext cx="6552728" cy="2160240"/>
           </a:xfrm>
           <a:prstGeom prst="rect">
             <a:avLst/>
           </a:prstGeom>
-          <a:noFill/>
+          <a:solidFill>
+            <a:srgbClr val="FFFFFF">
+              <a:shade val="85000"/>
+            </a:srgbClr>
+          </a:solidFill>
+          <a:ln w="190500" cap="sq">
+            <a:solidFill>
+              <a:srgbClr val="FFFFFF"/>
+            </a:solidFill>
+            <a:miter lim="800000"/>
+          </a:ln>
+          <a:effectLst>
+            <a:outerShdw blurRad="65000" dist="50800" dir="12900000" kx="195000" ky="145000" algn="tl" rotWithShape="0">
+              <a:srgbClr val="000000">
+                <a:alpha val="30000"/>
+              </a:srgbClr>
+            </a:outerShdw>
+          </a:effectLst>
+          <a:scene3d>
+            <a:camera prst="orthographicFront">
+              <a:rot lat="0" lon="0" rev="360000"/>
+            </a:camera>
+            <a:lightRig rig="twoPt" dir="t">
+              <a:rot lat="0" lon="0" rev="7200000"/>
+            </a:lightRig>
+          </a:scene3d>
+          <a:sp3d contourW="12700">
+            <a:bevelT w="25400" h="19050"/>
+            <a:contourClr>
+              <a:srgbClr val="969696"/>
+            </a:contourClr>
+          </a:sp3d>
+        </p:spPr>
+      </p:pic>
+      <p:pic>
+        <p:nvPicPr>
+          <p:cNvPr id="1033" name="Picture 9"/>
+          <p:cNvPicPr>
+            <a:picLocks noChangeAspect="1" noChangeArrowheads="1"/>
+          </p:cNvPicPr>
+          <p:nvPr/>
+        </p:nvPicPr>
+        <p:blipFill>
+          <a:blip r:embed="rId4" cstate="print"/>
+          <a:srcRect l="-951" t="-5143" r="-967" b="-7999"/>
+          <a:stretch>
+            <a:fillRect/>
+          </a:stretch>
+        </p:blipFill>
+        <p:spPr bwMode="auto">
+          <a:xfrm rot="635656">
+            <a:off x="1925475" y="4496316"/>
+            <a:ext cx="6552728" cy="1584176"/>
+          </a:xfrm>
+          <a:prstGeom prst="rect">
+            <a:avLst/>
+          </a:prstGeom>
+          <a:solidFill>
+            <a:srgbClr val="FFFFFF">
+              <a:shade val="85000"/>
+            </a:srgbClr>
+          </a:solidFill>
+          <a:ln w="190500" cap="sq">
+            <a:solidFill>
+              <a:srgbClr val="FFFFFF"/>
+            </a:solidFill>
+            <a:miter lim="800000"/>
+          </a:ln>
+          <a:effectLst>
+            <a:outerShdw blurRad="65000" dist="50800" dir="12900000" kx="195000" ky="145000" algn="tl" rotWithShape="0">
+              <a:srgbClr val="000000">
+                <a:alpha val="30000"/>
+              </a:srgbClr>
+            </a:outerShdw>
+          </a:effectLst>
+          <a:scene3d>
+            <a:camera prst="orthographicFront">
+              <a:rot lat="0" lon="0" rev="360000"/>
+            </a:camera>
+            <a:lightRig rig="twoPt" dir="t">
+              <a:rot lat="0" lon="0" rev="7200000"/>
+            </a:lightRig>
+          </a:scene3d>
+          <a:sp3d contourW="12700">
+            <a:bevelT w="25400" h="19050"/>
+            <a:contourClr>
+              <a:srgbClr val="969696"/>
+            </a:contourClr>
+          </a:sp3d>
         </p:spPr>
       </p:pic>
     </p:spTree>
-    <p:extLst>
-      <p:ext uri="{BB962C8B-B14F-4D97-AF65-F5344CB8AC3E}">
-        <p14:creationId xmlns:p14="http://schemas.microsoft.com/office/powerpoint/2010/main" val="1793566570"/>
-      </p:ext>
-    </p:extLst>
   </p:cSld>
   <p:clrMapOvr>
     <a:masterClrMapping/>
@@ -10105,14 +10455,14 @@
           <a:p>
             <a:r>
               <a:rPr lang="de-DE" dirty="0" smtClean="0"/>
+              <a:t>„Event organisieren“</a:t>
+            </a:r>
+            <a:br>
+              <a:rPr lang="de-DE" dirty="0" smtClean="0"/>
+            </a:br>
+            <a:r>
+              <a:rPr lang="de-DE" dirty="0" smtClean="0"/>
               <a:t>Pflichtenheft</a:t>
-            </a:r>
-            <a:br>
-              <a:rPr lang="de-DE" dirty="0" smtClean="0"/>
-            </a:br>
-            <a:r>
-              <a:rPr lang="de-DE" dirty="0" smtClean="0"/>
-              <a:t>Aktivitätsdiagramme</a:t>
             </a:r>
             <a:endParaRPr lang="de-DE" dirty="0"/>
           </a:p>
@@ -10190,110 +10540,73 @@
       </p:sp>
       <p:pic>
         <p:nvPicPr>
-          <p:cNvPr id="15" name="Picture 2"/>
+          <p:cNvPr id="9" name="Picture 2"/>
           <p:cNvPicPr>
-            <a:picLocks noGrp="1" noChangeAspect="1" noChangeArrowheads="1"/>
+            <a:picLocks noChangeAspect="1" noChangeArrowheads="1"/>
           </p:cNvPicPr>
-          <p:nvPr>
-            <p:ph sz="quarter" idx="4294967295"/>
-          </p:nvPr>
+          <p:nvPr/>
         </p:nvPicPr>
         <p:blipFill>
-          <a:blip r:embed="rId2" cstate="print">
-            <a:extLst>
-              <a:ext uri="{28A0092B-C50C-407E-A947-70E740481C1C}">
-                <a14:useLocalDpi xmlns:a14="http://schemas.microsoft.com/office/drawing/2010/main" val="0"/>
-              </a:ext>
-            </a:extLst>
-          </a:blip>
-          <a:srcRect/>
+          <a:blip r:embed="rId2" cstate="print"/>
+          <a:srcRect l="-1573" t="-2086" r="-315" b="-2086"/>
           <a:stretch>
             <a:fillRect/>
           </a:stretch>
         </p:blipFill>
         <p:spPr bwMode="auto">
           <a:xfrm>
-            <a:off x="3419872" y="2276872"/>
-            <a:ext cx="2457450" cy="4114800"/>
+            <a:off x="1403648" y="1693337"/>
+            <a:ext cx="5364000" cy="4635557"/>
           </a:xfrm>
           <a:prstGeom prst="rect">
             <a:avLst/>
           </a:prstGeom>
-          <a:noFill/>
-          <a:ln>
-            <a:noFill/>
+          <a:solidFill>
+            <a:srgbClr val="FFFFFF">
+              <a:shade val="85000"/>
+            </a:srgbClr>
+          </a:solidFill>
+          <a:ln w="190500" cap="sq">
+            <a:solidFill>
+              <a:srgbClr val="FFFFFF"/>
+            </a:solidFill>
+            <a:miter lim="800000"/>
           </a:ln>
-          <a:effectLst/>
-          <a:extLst>
-            <a:ext uri="{909E8E84-426E-40DD-AFC4-6F175D3DCCD1}">
-              <a14:hiddenFill xmlns:a14="http://schemas.microsoft.com/office/drawing/2010/main">
-                <a:solidFill>
-                  <a:schemeClr val="accent1"/>
-                </a:solidFill>
-              </a14:hiddenFill>
-            </a:ext>
-            <a:ext uri="{91240B29-F687-4F45-9708-019B960494DF}">
-              <a14:hiddenLine xmlns:a14="http://schemas.microsoft.com/office/drawing/2010/main" w="9525">
-                <a:solidFill>
-                  <a:schemeClr val="tx1"/>
-                </a:solidFill>
-                <a:miter lim="800000"/>
-                <a:headEnd/>
-                <a:tailEnd/>
-              </a14:hiddenLine>
-            </a:ext>
-            <a:ext uri="{AF507438-7753-43E0-B8FC-AC1667EBCBE1}">
-              <a14:hiddenEffects xmlns:a14="http://schemas.microsoft.com/office/drawing/2010/main">
-                <a:effectLst>
-                  <a:outerShdw dist="35921" dir="2700000" algn="ctr" rotWithShape="0">
-                    <a:schemeClr val="bg2"/>
-                  </a:outerShdw>
-                </a:effectLst>
-              </a14:hiddenEffects>
-            </a:ext>
-          </a:extLst>
+          <a:effectLst>
+            <a:outerShdw blurRad="65000" dist="50800" dir="12900000" kx="195000" ky="145000" algn="tl" rotWithShape="0">
+              <a:srgbClr val="000000">
+                <a:alpha val="30000"/>
+              </a:srgbClr>
+            </a:outerShdw>
+          </a:effectLst>
+          <a:scene3d>
+            <a:camera prst="orthographicFront">
+              <a:rot lat="0" lon="0" rev="360000"/>
+            </a:camera>
+            <a:lightRig rig="twoPt" dir="t">
+              <a:rot lat="0" lon="0" rev="7200000"/>
+            </a:lightRig>
+          </a:scene3d>
+          <a:sp3d contourW="12700">
+            <a:bevelT w="25400" h="19050"/>
+            <a:contourClr>
+              <a:srgbClr val="969696"/>
+            </a:contourClr>
+          </a:sp3d>
         </p:spPr>
       </p:pic>
-      <p:sp>
-        <p:nvSpPr>
-          <p:cNvPr id="3" name="Inhaltsplatzhalter 2"/>
-          <p:cNvSpPr>
-            <a:spLocks noGrp="1"/>
-          </p:cNvSpPr>
-          <p:nvPr>
-            <p:ph idx="1"/>
-          </p:nvPr>
-        </p:nvSpPr>
-        <p:spPr/>
-        <p:txBody>
-          <a:bodyPr/>
-          <a:lstStyle/>
-          <a:p>
-            <a:r>
-              <a:rPr lang="de-DE" dirty="0"/>
-              <a:t>Event </a:t>
-            </a:r>
-            <a:r>
-              <a:rPr lang="de-DE" dirty="0" smtClean="0"/>
-              <a:t>organisieren</a:t>
-            </a:r>
-            <a:endParaRPr lang="de-DE" dirty="0"/>
-          </a:p>
-          <a:p>
-            <a:endParaRPr lang="de-DE" dirty="0"/>
-          </a:p>
-        </p:txBody>
-      </p:sp>
     </p:spTree>
-    <p:extLst>
-      <p:ext uri="{BB962C8B-B14F-4D97-AF65-F5344CB8AC3E}">
-        <p14:creationId xmlns:p14="http://schemas.microsoft.com/office/powerpoint/2010/main" val="3640051399"/>
-      </p:ext>
-    </p:extLst>
   </p:cSld>
   <p:clrMapOvr>
     <a:masterClrMapping/>
   </p:clrMapOvr>
+  <p:timing>
+    <p:tnLst>
+      <p:par>
+        <p:cTn id="1" dur="indefinite" restart="never" nodeType="tmRoot"/>
+      </p:par>
+    </p:tnLst>
+  </p:timing>
 </p:sld>
 </file>
 
@@ -10326,12 +10639,21 @@
         </p:nvSpPr>
         <p:spPr/>
         <p:txBody>
-          <a:bodyPr/>
-          <a:lstStyle/>
-          <a:p>
-            <a:r>
-              <a:rPr lang="de-DE" dirty="0" err="1" smtClean="0"/>
-              <a:t>SpringRoo</a:t>
+          <a:bodyPr>
+            <a:normAutofit fontScale="90000"/>
+          </a:bodyPr>
+          <a:lstStyle/>
+          <a:p>
+            <a:r>
+              <a:rPr lang="de-DE" dirty="0" smtClean="0"/>
+              <a:t>„Event organisieren“</a:t>
+            </a:r>
+            <a:br>
+              <a:rPr lang="de-DE" dirty="0" smtClean="0"/>
+            </a:br>
+            <a:r>
+              <a:rPr lang="de-DE" dirty="0" smtClean="0"/>
+              <a:t>Pflichtenheft</a:t>
             </a:r>
             <a:endParaRPr lang="de-DE" dirty="0"/>
           </a:p>
@@ -10409,48 +10731,130 @@
       </p:sp>
       <p:pic>
         <p:nvPicPr>
-          <p:cNvPr id="7" name="Bild 1"/>
+          <p:cNvPr id="9" name="Picture 2"/>
           <p:cNvPicPr>
-            <a:picLocks noGrp="1"/>
+            <a:picLocks noChangeAspect="1" noChangeArrowheads="1"/>
           </p:cNvPicPr>
-          <p:nvPr>
-            <p:ph idx="1"/>
-          </p:nvPr>
+          <p:nvPr/>
         </p:nvPicPr>
         <p:blipFill>
-          <a:blip r:embed="rId3" cstate="print"/>
-          <a:srcRect/>
+          <a:blip r:embed="rId2" cstate="print"/>
+          <a:srcRect l="-1573" t="-2086" r="-315" b="-2086"/>
           <a:stretch>
             <a:fillRect/>
           </a:stretch>
         </p:blipFill>
         <p:spPr bwMode="auto">
           <a:xfrm>
-            <a:off x="2710111" y="1447800"/>
-            <a:ext cx="4949327" cy="4800600"/>
+            <a:off x="1403648" y="1693337"/>
+            <a:ext cx="5364000" cy="4635557"/>
           </a:xfrm>
           <a:prstGeom prst="rect">
             <a:avLst/>
           </a:prstGeom>
-          <a:noFill/>
-          <a:ln w="9525">
-            <a:noFill/>
+          <a:solidFill>
+            <a:srgbClr val="FFFFFF">
+              <a:shade val="85000"/>
+            </a:srgbClr>
+          </a:solidFill>
+          <a:ln w="190500" cap="sq">
+            <a:solidFill>
+              <a:srgbClr val="FFFFFF"/>
+            </a:solidFill>
             <a:miter lim="800000"/>
-            <a:headEnd/>
-            <a:tailEnd/>
           </a:ln>
+          <a:effectLst>
+            <a:outerShdw blurRad="65000" dist="50800" dir="12900000" kx="195000" ky="145000" algn="tl" rotWithShape="0">
+              <a:srgbClr val="000000">
+                <a:alpha val="30000"/>
+              </a:srgbClr>
+            </a:outerShdw>
+          </a:effectLst>
+          <a:scene3d>
+            <a:camera prst="orthographicFront">
+              <a:rot lat="0" lon="0" rev="360000"/>
+            </a:camera>
+            <a:lightRig rig="twoPt" dir="t">
+              <a:rot lat="0" lon="0" rev="7200000"/>
+            </a:lightRig>
+          </a:scene3d>
+          <a:sp3d contourW="12700">
+            <a:bevelT w="25400" h="19050"/>
+            <a:contourClr>
+              <a:srgbClr val="969696"/>
+            </a:contourClr>
+          </a:sp3d>
+        </p:spPr>
+      </p:pic>
+      <p:pic>
+        <p:nvPicPr>
+          <p:cNvPr id="11" name="Picture 3"/>
+          <p:cNvPicPr>
+            <a:picLocks noChangeAspect="1" noChangeArrowheads="1"/>
+          </p:cNvPicPr>
+          <p:nvPr/>
+        </p:nvPicPr>
+        <p:blipFill>
+          <a:blip r:embed="rId3" cstate="print"/>
+          <a:srcRect l="-1627" t="-5999" b="-5999"/>
+          <a:stretch>
+            <a:fillRect/>
+          </a:stretch>
+        </p:blipFill>
+        <p:spPr bwMode="auto">
+          <a:xfrm rot="903422">
+            <a:off x="3174202" y="2576229"/>
+            <a:ext cx="5615299" cy="2176993"/>
+          </a:xfrm>
+          <a:prstGeom prst="rect">
+            <a:avLst/>
+          </a:prstGeom>
+          <a:solidFill>
+            <a:srgbClr val="FFFFFF">
+              <a:shade val="85000"/>
+            </a:srgbClr>
+          </a:solidFill>
+          <a:ln w="190500" cap="sq">
+            <a:solidFill>
+              <a:srgbClr val="FFFFFF"/>
+            </a:solidFill>
+            <a:miter lim="800000"/>
+          </a:ln>
+          <a:effectLst>
+            <a:outerShdw blurRad="65000" dist="50800" dir="12900000" kx="195000" ky="145000" algn="tl" rotWithShape="0">
+              <a:srgbClr val="000000">
+                <a:alpha val="30000"/>
+              </a:srgbClr>
+            </a:outerShdw>
+          </a:effectLst>
+          <a:scene3d>
+            <a:camera prst="orthographicFront">
+              <a:rot lat="0" lon="0" rev="360000"/>
+            </a:camera>
+            <a:lightRig rig="twoPt" dir="t">
+              <a:rot lat="0" lon="0" rev="7200000"/>
+            </a:lightRig>
+          </a:scene3d>
+          <a:sp3d contourW="12700">
+            <a:bevelT w="25400" h="19050"/>
+            <a:contourClr>
+              <a:srgbClr val="969696"/>
+            </a:contourClr>
+          </a:sp3d>
         </p:spPr>
       </p:pic>
     </p:spTree>
-    <p:extLst>
-      <p:ext uri="{BB962C8B-B14F-4D97-AF65-F5344CB8AC3E}">
-        <p14:creationId xmlns:p14="http://schemas.microsoft.com/office/powerpoint/2010/main" val="141785747"/>
-      </p:ext>
-    </p:extLst>
   </p:cSld>
   <p:clrMapOvr>
     <a:masterClrMapping/>
   </p:clrMapOvr>
+  <p:timing>
+    <p:tnLst>
+      <p:par>
+        <p:cTn id="1" dur="indefinite" restart="never" nodeType="tmRoot"/>
+      </p:par>
+    </p:tnLst>
+  </p:timing>
 </p:sld>
 </file>
 
@@ -10484,17 +10888,47 @@
         <p:spPr/>
         <p:txBody>
           <a:bodyPr>
-            <a:normAutofit/>
+            <a:normAutofit fontScale="90000"/>
           </a:bodyPr>
           <a:lstStyle/>
           <a:p>
             <a:r>
               <a:rPr lang="de-DE" dirty="0" smtClean="0"/>
-              <a:t>Sequenzdiagramm Spring </a:t>
+              <a:t>„Event organisieren“</a:t>
+            </a:r>
+            <a:br>
+              <a:rPr lang="de-DE" dirty="0" smtClean="0"/>
+            </a:br>
+            <a:r>
+              <a:rPr lang="de-DE" dirty="0" smtClean="0"/>
+              <a:t>Pflichtenheft</a:t>
+            </a:r>
+            <a:endParaRPr lang="de-DE" dirty="0"/>
+          </a:p>
+        </p:txBody>
+      </p:sp>
+      <p:sp>
+        <p:nvSpPr>
+          <p:cNvPr id="3" name="Inhaltsplatzhalter 2"/>
+          <p:cNvSpPr>
+            <a:spLocks noGrp="1"/>
+          </p:cNvSpPr>
+          <p:nvPr>
+            <p:ph idx="1"/>
+          </p:nvPr>
+        </p:nvSpPr>
+        <p:spPr/>
+        <p:txBody>
+          <a:bodyPr/>
+          <a:lstStyle/>
+          <a:p>
+            <a:r>
+              <a:rPr lang="de-DE" dirty="0" smtClean="0"/>
+              <a:t>Mock-</a:t>
             </a:r>
             <a:r>
               <a:rPr lang="de-DE" dirty="0" err="1" smtClean="0"/>
-              <a:t>Roo</a:t>
+              <a:t>Up</a:t>
             </a:r>
             <a:endParaRPr lang="de-DE" dirty="0"/>
           </a:p>
@@ -10502,41 +10936,7 @@
       </p:sp>
       <p:sp>
         <p:nvSpPr>
-          <p:cNvPr id="10" name="Inhaltsplatzhalter 9"/>
-          <p:cNvSpPr>
-            <a:spLocks noGrp="1"/>
-          </p:cNvSpPr>
-          <p:nvPr>
-            <p:ph idx="1"/>
-          </p:nvPr>
-        </p:nvSpPr>
-        <p:spPr/>
-        <p:txBody>
-          <a:bodyPr/>
-          <a:lstStyle/>
-          <a:p>
-            <a:r>
-              <a:rPr lang="de-DE" dirty="0" smtClean="0"/>
-              <a:t>Für den Login</a:t>
-            </a:r>
-          </a:p>
-          <a:p>
-            <a:pPr lvl="1"/>
-            <a:r>
-              <a:rPr lang="de-DE" dirty="0" smtClean="0"/>
-              <a:t>Durchgriff auf </a:t>
-            </a:r>
-            <a:r>
-              <a:rPr lang="de-DE" dirty="0" err="1" smtClean="0"/>
-              <a:t>Twitter</a:t>
-            </a:r>
-            <a:endParaRPr lang="de-DE" dirty="0"/>
-          </a:p>
-        </p:txBody>
-      </p:sp>
-      <p:sp>
-        <p:nvSpPr>
-          <p:cNvPr id="7" name="Datumsplatzhalter 6"/>
+          <p:cNvPr id="4" name="Datumsplatzhalter 3"/>
           <p:cNvSpPr>
             <a:spLocks noGrp="1"/>
           </p:cNvSpPr>
@@ -10559,7 +10959,7 @@
       </p:sp>
       <p:sp>
         <p:nvSpPr>
-          <p:cNvPr id="8" name="Fußzeilenplatzhalter 7"/>
+          <p:cNvPr id="5" name="Fußzeilenplatzhalter 4"/>
           <p:cNvSpPr>
             <a:spLocks noGrp="1"/>
           </p:cNvSpPr>
@@ -10582,7 +10982,7 @@
       </p:sp>
       <p:sp>
         <p:nvSpPr>
-          <p:cNvPr id="9" name="Foliennummernplatzhalter 8"/>
+          <p:cNvPr id="6" name="Foliennummernplatzhalter 5"/>
           <p:cNvSpPr>
             <a:spLocks noGrp="1"/>
           </p:cNvSpPr>
@@ -10604,11 +11004,42 @@
           </a:p>
         </p:txBody>
       </p:sp>
+      <p:pic>
+        <p:nvPicPr>
+          <p:cNvPr id="8" name="Grafik 7"/>
+          <p:cNvPicPr/>
+          <p:nvPr/>
+        </p:nvPicPr>
+        <p:blipFill>
+          <a:blip r:embed="rId2" cstate="print"/>
+          <a:srcRect/>
+          <a:stretch>
+            <a:fillRect/>
+          </a:stretch>
+        </p:blipFill>
+        <p:spPr bwMode="auto">
+          <a:xfrm>
+            <a:off x="1907704" y="1916832"/>
+            <a:ext cx="5040000" cy="2694934"/>
+          </a:xfrm>
+          <a:prstGeom prst="rect">
+            <a:avLst/>
+          </a:prstGeom>
+          <a:noFill/>
+        </p:spPr>
+      </p:pic>
     </p:spTree>
   </p:cSld>
   <p:clrMapOvr>
     <a:masterClrMapping/>
   </p:clrMapOvr>
+  <p:timing>
+    <p:tnLst>
+      <p:par>
+        <p:cTn id="1" dur="indefinite" restart="never" nodeType="tmRoot"/>
+      </p:par>
+    </p:tnLst>
+  </p:timing>
 </p:sld>
 </file>
 
@@ -10631,7 +11062,7 @@
       </p:grpSpPr>
       <p:sp>
         <p:nvSpPr>
-          <p:cNvPr id="10" name="Titel 9"/>
+          <p:cNvPr id="2" name="Titel 1"/>
           <p:cNvSpPr>
             <a:spLocks noGrp="1"/>
           </p:cNvSpPr>
@@ -10641,12 +11072,21 @@
         </p:nvSpPr>
         <p:spPr/>
         <p:txBody>
-          <a:bodyPr/>
-          <a:lstStyle/>
-          <a:p>
-            <a:r>
-              <a:rPr lang="de-DE" dirty="0" err="1" smtClean="0"/>
-              <a:t>LiveDemo</a:t>
+          <a:bodyPr>
+            <a:normAutofit fontScale="90000"/>
+          </a:bodyPr>
+          <a:lstStyle/>
+          <a:p>
+            <a:r>
+              <a:rPr lang="de-DE" dirty="0" smtClean="0"/>
+              <a:t>„Event organisieren“</a:t>
+            </a:r>
+            <a:br>
+              <a:rPr lang="de-DE" dirty="0" smtClean="0"/>
+            </a:br>
+            <a:r>
+              <a:rPr lang="de-DE" dirty="0" smtClean="0"/>
+              <a:t>Pflichtenheft</a:t>
             </a:r>
             <a:endParaRPr lang="de-DE" dirty="0"/>
           </a:p>
@@ -10654,41 +11094,7 @@
       </p:sp>
       <p:sp>
         <p:nvSpPr>
-          <p:cNvPr id="11" name="Textplatzhalter 10"/>
-          <p:cNvSpPr>
-            <a:spLocks noGrp="1"/>
-          </p:cNvSpPr>
-          <p:nvPr>
-            <p:ph type="body" idx="1"/>
-          </p:nvPr>
-        </p:nvSpPr>
-        <p:spPr/>
-        <p:txBody>
-          <a:bodyPr/>
-          <a:lstStyle/>
-          <a:p>
-            <a:r>
-              <a:rPr lang="de-DE" dirty="0" smtClean="0"/>
-              <a:t>Anmelden (Login) via </a:t>
-            </a:r>
-            <a:r>
-              <a:rPr lang="de-DE" dirty="0" err="1" smtClean="0"/>
-              <a:t>Twitter</a:t>
-            </a:r>
-            <a:endParaRPr lang="de-DE" dirty="0"/>
-          </a:p>
-          <a:p>
-            <a:r>
-              <a:rPr lang="de-DE" dirty="0" smtClean="0"/>
-              <a:t>Event erstellen</a:t>
-            </a:r>
-            <a:endParaRPr lang="de-DE" dirty="0"/>
-          </a:p>
-        </p:txBody>
-      </p:sp>
-      <p:sp>
-        <p:nvSpPr>
-          <p:cNvPr id="7" name="Datumsplatzhalter 6"/>
+          <p:cNvPr id="4" name="Datumsplatzhalter 3"/>
           <p:cNvSpPr>
             <a:spLocks noGrp="1"/>
           </p:cNvSpPr>
@@ -10711,7 +11117,7 @@
       </p:sp>
       <p:sp>
         <p:nvSpPr>
-          <p:cNvPr id="8" name="Fußzeilenplatzhalter 7"/>
+          <p:cNvPr id="5" name="Fußzeilenplatzhalter 4"/>
           <p:cNvSpPr>
             <a:spLocks noGrp="1"/>
           </p:cNvSpPr>
@@ -10734,7 +11140,7 @@
       </p:sp>
       <p:sp>
         <p:nvSpPr>
-          <p:cNvPr id="9" name="Foliennummernplatzhalter 8"/>
+          <p:cNvPr id="6" name="Foliennummernplatzhalter 5"/>
           <p:cNvSpPr>
             <a:spLocks noGrp="1"/>
           </p:cNvSpPr>
@@ -10756,16 +11162,52 @@
           </a:p>
         </p:txBody>
       </p:sp>
+      <p:pic>
+        <p:nvPicPr>
+          <p:cNvPr id="4099" name="Picture 3">
+            <a:hlinkClick r:id="rId2" action="ppaction://hlinkfile"/>
+          </p:cNvPr>
+          <p:cNvPicPr>
+            <a:picLocks noChangeAspect="1" noChangeArrowheads="1"/>
+          </p:cNvPicPr>
+          <p:nvPr/>
+        </p:nvPicPr>
+        <p:blipFill>
+          <a:blip r:embed="rId3" cstate="print"/>
+          <a:srcRect/>
+          <a:stretch>
+            <a:fillRect/>
+          </a:stretch>
+        </p:blipFill>
+        <p:spPr bwMode="auto">
+          <a:xfrm>
+            <a:off x="2771800" y="1412776"/>
+            <a:ext cx="3528000" cy="5099136"/>
+          </a:xfrm>
+          <a:prstGeom prst="rect">
+            <a:avLst/>
+          </a:prstGeom>
+          <a:noFill/>
+          <a:ln w="9525">
+            <a:noFill/>
+            <a:miter lim="800000"/>
+            <a:headEnd/>
+            <a:tailEnd/>
+          </a:ln>
+        </p:spPr>
+      </p:pic>
     </p:spTree>
-    <p:extLst>
-      <p:ext uri="{BB962C8B-B14F-4D97-AF65-F5344CB8AC3E}">
-        <p14:creationId xmlns:p14="http://schemas.microsoft.com/office/powerpoint/2010/main" val="2634211947"/>
-      </p:ext>
-    </p:extLst>
   </p:cSld>
   <p:clrMapOvr>
     <a:masterClrMapping/>
   </p:clrMapOvr>
+  <p:timing>
+    <p:tnLst>
+      <p:par>
+        <p:cTn id="1" dur="indefinite" restart="never" nodeType="tmRoot"/>
+      </p:par>
+    </p:tnLst>
+  </p:timing>
 </p:sld>
 </file>
 
@@ -10805,36 +11247,14 @@
           <a:p>
             <a:r>
               <a:rPr lang="de-DE" dirty="0" smtClean="0"/>
-              <a:t>Domänenklassendiagramm - Event</a:t>
-            </a:r>
-            <a:endParaRPr lang="de-DE" dirty="0"/>
-          </a:p>
-        </p:txBody>
-      </p:sp>
-      <p:sp>
-        <p:nvSpPr>
-          <p:cNvPr id="3" name="Inhaltsplatzhalter 2"/>
-          <p:cNvSpPr>
-            <a:spLocks noGrp="1"/>
-          </p:cNvSpPr>
-          <p:nvPr>
-            <p:ph idx="1"/>
-          </p:nvPr>
-        </p:nvSpPr>
-        <p:spPr/>
-        <p:txBody>
-          <a:bodyPr/>
-          <a:lstStyle/>
-          <a:p>
-            <a:r>
-              <a:rPr lang="de-DE" dirty="0" smtClean="0"/>
-              <a:t>Kurz: Domänenklassendiagramm vorstellen</a:t>
-            </a:r>
-          </a:p>
-          <a:p>
-            <a:r>
-              <a:rPr lang="de-DE" dirty="0" smtClean="0"/>
-              <a:t>Danach DB Schema als Ableitung davon</a:t>
+              <a:t>„Event organisieren“</a:t>
+            </a:r>
+            <a:br>
+              <a:rPr lang="de-DE" dirty="0" smtClean="0"/>
+            </a:br>
+            <a:r>
+              <a:rPr lang="de-DE" dirty="0" smtClean="0"/>
+              <a:t>Pflichtenheft</a:t>
             </a:r>
             <a:endParaRPr lang="de-DE" dirty="0"/>
           </a:p>
@@ -10910,16 +11330,193 @@
           </a:p>
         </p:txBody>
       </p:sp>
+      <p:cxnSp>
+        <p:nvCxnSpPr>
+          <p:cNvPr id="11" name="Gerade Verbindung 10"/>
+          <p:cNvCxnSpPr/>
+          <p:nvPr/>
+        </p:nvCxnSpPr>
+        <p:spPr>
+          <a:xfrm>
+            <a:off x="3347864" y="1484784"/>
+            <a:ext cx="5616624" cy="2016224"/>
+          </a:xfrm>
+          <a:prstGeom prst="line">
+            <a:avLst/>
+          </a:prstGeom>
+          <a:noFill/>
+        </p:spPr>
+        <p:style>
+          <a:lnRef idx="2">
+            <a:schemeClr val="accent6"/>
+          </a:lnRef>
+          <a:fillRef idx="1">
+            <a:schemeClr val="lt1"/>
+          </a:fillRef>
+          <a:effectRef idx="0">
+            <a:schemeClr val="accent6"/>
+          </a:effectRef>
+          <a:fontRef idx="minor">
+            <a:schemeClr val="dk1"/>
+          </a:fontRef>
+        </p:style>
+      </p:cxnSp>
+      <p:pic>
+        <p:nvPicPr>
+          <p:cNvPr id="13" name="Picture 3"/>
+          <p:cNvPicPr>
+            <a:picLocks noChangeAspect="1" noChangeArrowheads="1"/>
+          </p:cNvPicPr>
+          <p:nvPr/>
+        </p:nvPicPr>
+        <p:blipFill>
+          <a:blip r:embed="rId3" cstate="print"/>
+          <a:srcRect/>
+          <a:stretch>
+            <a:fillRect/>
+          </a:stretch>
+        </p:blipFill>
+        <p:spPr bwMode="auto">
+          <a:xfrm>
+            <a:off x="1547664" y="1484784"/>
+            <a:ext cx="1800000" cy="2601600"/>
+          </a:xfrm>
+          <a:prstGeom prst="rect">
+            <a:avLst/>
+          </a:prstGeom>
+          <a:noFill/>
+          <a:ln w="9525">
+            <a:noFill/>
+            <a:miter lim="800000"/>
+            <a:headEnd/>
+            <a:tailEnd/>
+          </a:ln>
+        </p:spPr>
+      </p:pic>
+      <p:sp>
+        <p:nvSpPr>
+          <p:cNvPr id="8" name="Rechteck 7"/>
+          <p:cNvSpPr/>
+          <p:nvPr/>
+        </p:nvSpPr>
+        <p:spPr>
+          <a:xfrm>
+            <a:off x="1547664" y="1484784"/>
+            <a:ext cx="1800200" cy="936104"/>
+          </a:xfrm>
+          <a:prstGeom prst="rect">
+            <a:avLst/>
+          </a:prstGeom>
+          <a:noFill/>
+        </p:spPr>
+        <p:style>
+          <a:lnRef idx="2">
+            <a:schemeClr val="accent6"/>
+          </a:lnRef>
+          <a:fillRef idx="1">
+            <a:schemeClr val="lt1"/>
+          </a:fillRef>
+          <a:effectRef idx="0">
+            <a:schemeClr val="accent6"/>
+          </a:effectRef>
+          <a:fontRef idx="minor">
+            <a:schemeClr val="dk1"/>
+          </a:fontRef>
+        </p:style>
+        <p:txBody>
+          <a:bodyPr rtlCol="0" anchor="ctr"/>
+          <a:lstStyle/>
+          <a:p>
+            <a:pPr algn="ctr"/>
+            <a:endParaRPr lang="de-DE">
+              <a:solidFill>
+                <a:schemeClr val="dk1"/>
+              </a:solidFill>
+            </a:endParaRPr>
+          </a:p>
+        </p:txBody>
+      </p:sp>
+      <p:pic>
+        <p:nvPicPr>
+          <p:cNvPr id="14" name="Picture 3">
+            <a:hlinkClick r:id="rId4" action="ppaction://hlinkfile"/>
+          </p:cNvPr>
+          <p:cNvPicPr>
+            <a:picLocks noChangeAspect="1" noChangeArrowheads="1"/>
+          </p:cNvPicPr>
+          <p:nvPr/>
+        </p:nvPicPr>
+        <p:blipFill>
+          <a:blip r:embed="rId5" cstate="print"/>
+          <a:srcRect b="63913"/>
+          <a:stretch>
+            <a:fillRect/>
+          </a:stretch>
+        </p:blipFill>
+        <p:spPr bwMode="auto">
+          <a:xfrm>
+            <a:off x="3204488" y="3501008"/>
+            <a:ext cx="5760000" cy="3004216"/>
+          </a:xfrm>
+          <a:prstGeom prst="rect">
+            <a:avLst/>
+          </a:prstGeom>
+          <a:noFill/>
+          <a:ln w="25400">
+            <a:solidFill>
+              <a:schemeClr val="accent6"/>
+            </a:solidFill>
+          </a:ln>
+        </p:spPr>
+      </p:pic>
+      <p:cxnSp>
+        <p:nvCxnSpPr>
+          <p:cNvPr id="12" name="Gerade Verbindung 11"/>
+          <p:cNvCxnSpPr/>
+          <p:nvPr/>
+        </p:nvCxnSpPr>
+        <p:spPr>
+          <a:xfrm>
+            <a:off x="1547664" y="2420888"/>
+            <a:ext cx="1656184" cy="4104456"/>
+          </a:xfrm>
+          <a:prstGeom prst="line">
+            <a:avLst/>
+          </a:prstGeom>
+          <a:noFill/>
+        </p:spPr>
+        <p:style>
+          <a:lnRef idx="2">
+            <a:schemeClr val="accent6"/>
+          </a:lnRef>
+          <a:fillRef idx="1">
+            <a:schemeClr val="lt1"/>
+          </a:fillRef>
+          <a:effectRef idx="0">
+            <a:schemeClr val="accent6"/>
+          </a:effectRef>
+          <a:fontRef idx="minor">
+            <a:schemeClr val="dk1"/>
+          </a:fontRef>
+        </p:style>
+      </p:cxnSp>
     </p:spTree>
     <p:extLst>
       <p:ext uri="{BB962C8B-B14F-4D97-AF65-F5344CB8AC3E}">
-        <p14:creationId xmlns:p14="http://schemas.microsoft.com/office/powerpoint/2010/main" val="3243626544"/>
+        <p14:creationId xmlns:p14="http://schemas.microsoft.com/office/powerpoint/2010/main" xmlns="" val="351671181"/>
       </p:ext>
     </p:extLst>
   </p:cSld>
   <p:clrMapOvr>
     <a:masterClrMapping/>
   </p:clrMapOvr>
+  <p:timing>
+    <p:tnLst>
+      <p:par>
+        <p:cTn id="1" dur="indefinite" restart="never" nodeType="tmRoot"/>
+      </p:par>
+    </p:tnLst>
+  </p:timing>
 </p:sld>
 </file>
 
@@ -10940,30 +11537,6 @@
           <a:chExt cx="0" cy="0"/>
         </a:xfrm>
       </p:grpSpPr>
-      <p:pic>
-        <p:nvPicPr>
-          <p:cNvPr id="21" name="Grafik 20" descr="Ubersicht.png"/>
-          <p:cNvPicPr>
-            <a:picLocks noChangeAspect="1"/>
-          </p:cNvPicPr>
-          <p:nvPr/>
-        </p:nvPicPr>
-        <p:blipFill>
-          <a:blip r:embed="rId3" cstate="print"/>
-          <a:stretch>
-            <a:fillRect/>
-          </a:stretch>
-        </p:blipFill>
-        <p:spPr>
-          <a:xfrm>
-            <a:off x="1187624" y="1412776"/>
-            <a:ext cx="7488832" cy="5222657"/>
-          </a:xfrm>
-          <a:prstGeom prst="rect">
-            <a:avLst/>
-          </a:prstGeom>
-        </p:spPr>
-      </p:pic>
       <p:sp>
         <p:nvSpPr>
           <p:cNvPr id="2" name="Titel 1"/>
@@ -10983,14 +11556,14 @@
           <a:p>
             <a:r>
               <a:rPr lang="de-DE" dirty="0" smtClean="0"/>
-              <a:t>Detailkonzept</a:t>
+              <a:t>„Event organisieren“</a:t>
             </a:r>
             <a:br>
               <a:rPr lang="de-DE" dirty="0" smtClean="0"/>
             </a:br>
             <a:r>
               <a:rPr lang="de-DE" dirty="0" smtClean="0"/>
-              <a:t>Datenbankschema - Event</a:t>
+              <a:t>Pflichtenheft</a:t>
             </a:r>
             <a:endParaRPr lang="de-DE" dirty="0"/>
           </a:p>
@@ -11066,16 +11639,193 @@
           </a:p>
         </p:txBody>
       </p:sp>
+      <p:cxnSp>
+        <p:nvCxnSpPr>
+          <p:cNvPr id="11" name="Gerade Verbindung 10"/>
+          <p:cNvCxnSpPr/>
+          <p:nvPr/>
+        </p:nvCxnSpPr>
+        <p:spPr>
+          <a:xfrm>
+            <a:off x="3347864" y="2348880"/>
+            <a:ext cx="5616624" cy="864096"/>
+          </a:xfrm>
+          <a:prstGeom prst="line">
+            <a:avLst/>
+          </a:prstGeom>
+          <a:noFill/>
+        </p:spPr>
+        <p:style>
+          <a:lnRef idx="2">
+            <a:schemeClr val="accent6"/>
+          </a:lnRef>
+          <a:fillRef idx="1">
+            <a:schemeClr val="lt1"/>
+          </a:fillRef>
+          <a:effectRef idx="0">
+            <a:schemeClr val="accent6"/>
+          </a:effectRef>
+          <a:fontRef idx="minor">
+            <a:schemeClr val="dk1"/>
+          </a:fontRef>
+        </p:style>
+      </p:cxnSp>
+      <p:pic>
+        <p:nvPicPr>
+          <p:cNvPr id="13" name="Picture 3"/>
+          <p:cNvPicPr>
+            <a:picLocks noChangeAspect="1" noChangeArrowheads="1"/>
+          </p:cNvPicPr>
+          <p:nvPr/>
+        </p:nvPicPr>
+        <p:blipFill>
+          <a:blip r:embed="rId3" cstate="print"/>
+          <a:srcRect/>
+          <a:stretch>
+            <a:fillRect/>
+          </a:stretch>
+        </p:blipFill>
+        <p:spPr bwMode="auto">
+          <a:xfrm>
+            <a:off x="1547664" y="1484784"/>
+            <a:ext cx="1800000" cy="2601600"/>
+          </a:xfrm>
+          <a:prstGeom prst="rect">
+            <a:avLst/>
+          </a:prstGeom>
+          <a:noFill/>
+          <a:ln w="9525">
+            <a:noFill/>
+            <a:miter lim="800000"/>
+            <a:headEnd/>
+            <a:tailEnd/>
+          </a:ln>
+        </p:spPr>
+      </p:pic>
+      <p:sp>
+        <p:nvSpPr>
+          <p:cNvPr id="8" name="Rechteck 7"/>
+          <p:cNvSpPr/>
+          <p:nvPr/>
+        </p:nvSpPr>
+        <p:spPr>
+          <a:xfrm>
+            <a:off x="1547664" y="2348880"/>
+            <a:ext cx="1800200" cy="1080120"/>
+          </a:xfrm>
+          <a:prstGeom prst="rect">
+            <a:avLst/>
+          </a:prstGeom>
+          <a:noFill/>
+        </p:spPr>
+        <p:style>
+          <a:lnRef idx="2">
+            <a:schemeClr val="accent6"/>
+          </a:lnRef>
+          <a:fillRef idx="1">
+            <a:schemeClr val="lt1"/>
+          </a:fillRef>
+          <a:effectRef idx="0">
+            <a:schemeClr val="accent6"/>
+          </a:effectRef>
+          <a:fontRef idx="minor">
+            <a:schemeClr val="dk1"/>
+          </a:fontRef>
+        </p:style>
+        <p:txBody>
+          <a:bodyPr rtlCol="0" anchor="ctr"/>
+          <a:lstStyle/>
+          <a:p>
+            <a:pPr algn="ctr"/>
+            <a:endParaRPr lang="de-DE">
+              <a:solidFill>
+                <a:schemeClr val="dk1"/>
+              </a:solidFill>
+            </a:endParaRPr>
+          </a:p>
+        </p:txBody>
+      </p:sp>
+      <p:cxnSp>
+        <p:nvCxnSpPr>
+          <p:cNvPr id="12" name="Gerade Verbindung 11"/>
+          <p:cNvCxnSpPr/>
+          <p:nvPr/>
+        </p:nvCxnSpPr>
+        <p:spPr>
+          <a:xfrm>
+            <a:off x="1547664" y="2420888"/>
+            <a:ext cx="1656184" cy="4032448"/>
+          </a:xfrm>
+          <a:prstGeom prst="line">
+            <a:avLst/>
+          </a:prstGeom>
+          <a:noFill/>
+        </p:spPr>
+        <p:style>
+          <a:lnRef idx="2">
+            <a:schemeClr val="accent6"/>
+          </a:lnRef>
+          <a:fillRef idx="1">
+            <a:schemeClr val="lt1"/>
+          </a:fillRef>
+          <a:effectRef idx="0">
+            <a:schemeClr val="accent6"/>
+          </a:effectRef>
+          <a:fontRef idx="minor">
+            <a:schemeClr val="dk1"/>
+          </a:fontRef>
+        </p:style>
+      </p:cxnSp>
+      <p:pic>
+        <p:nvPicPr>
+          <p:cNvPr id="15" name="Picture 3">
+            <a:hlinkClick r:id="rId4" action="ppaction://hlinkfile"/>
+          </p:cNvPr>
+          <p:cNvPicPr>
+            <a:picLocks noChangeAspect="1" noChangeArrowheads="1"/>
+          </p:cNvPicPr>
+          <p:nvPr/>
+        </p:nvPicPr>
+        <p:blipFill>
+          <a:blip r:embed="rId5" cstate="print"/>
+          <a:srcRect t="35464" b="25613"/>
+          <a:stretch>
+            <a:fillRect/>
+          </a:stretch>
+        </p:blipFill>
+        <p:spPr bwMode="auto">
+          <a:xfrm>
+            <a:off x="3203848" y="3212976"/>
+            <a:ext cx="5760000" cy="3240360"/>
+          </a:xfrm>
+          <a:prstGeom prst="rect">
+            <a:avLst/>
+          </a:prstGeom>
+          <a:noFill/>
+          <a:ln w="25400">
+            <a:solidFill>
+              <a:schemeClr val="accent6"/>
+            </a:solidFill>
+          </a:ln>
+        </p:spPr>
+      </p:pic>
     </p:spTree>
     <p:extLst>
       <p:ext uri="{BB962C8B-B14F-4D97-AF65-F5344CB8AC3E}">
-        <p14:creationId xmlns:p14="http://schemas.microsoft.com/office/powerpoint/2010/main" val="3243626544"/>
+        <p14:creationId xmlns:p14="http://schemas.microsoft.com/office/powerpoint/2010/main" xmlns="" val="351671181"/>
       </p:ext>
     </p:extLst>
   </p:cSld>
   <p:clrMapOvr>
     <a:masterClrMapping/>
   </p:clrMapOvr>
+  <p:timing>
+    <p:tnLst>
+      <p:par>
+        <p:cTn id="1" dur="indefinite" restart="never" nodeType="tmRoot"/>
+      </p:par>
+    </p:tnLst>
+  </p:timing>
 </p:sld>
 </file>
 
@@ -11153,13 +11903,8 @@
             <a:pPr lvl="1"/>
             <a:r>
               <a:rPr lang="de-DE" dirty="0" smtClean="0"/>
-              <a:t>Event </a:t>
-            </a:r>
-            <a:r>
-              <a:rPr lang="de-DE" dirty="0" smtClean="0"/>
-              <a:t>organisieren</a:t>
-            </a:r>
-            <a:endParaRPr lang="de-DE" dirty="0" smtClean="0"/>
+              <a:t>Event organisieren</a:t>
+            </a:r>
           </a:p>
           <a:p>
             <a:pPr lvl="1"/>
@@ -11343,7 +12088,7 @@
     </p:spTree>
     <p:extLst>
       <p:ext uri="{BB962C8B-B14F-4D97-AF65-F5344CB8AC3E}">
-        <p14:creationId xmlns:p14="http://schemas.microsoft.com/office/powerpoint/2010/main" val="3616670450"/>
+        <p14:creationId xmlns:p14="http://schemas.microsoft.com/office/powerpoint/2010/main" xmlns="" val="3616670450"/>
       </p:ext>
     </p:extLst>
   </p:cSld>
@@ -11361,6 +12106,1097 @@
 </file>
 
 <file path=ppt/slides/slide20.xml><?xml version="1.0" encoding="utf-8"?>
+<p:sld xmlns:a="http://schemas.openxmlformats.org/drawingml/2006/main" xmlns:r="http://schemas.openxmlformats.org/officeDocument/2006/relationships" xmlns:p="http://schemas.openxmlformats.org/presentationml/2006/main">
+  <p:cSld>
+    <p:spTree>
+      <p:nvGrpSpPr>
+        <p:cNvPr id="1" name=""/>
+        <p:cNvGrpSpPr/>
+        <p:nvPr/>
+      </p:nvGrpSpPr>
+      <p:grpSpPr>
+        <a:xfrm>
+          <a:off x="0" y="0"/>
+          <a:ext cx="0" cy="0"/>
+          <a:chOff x="0" y="0"/>
+          <a:chExt cx="0" cy="0"/>
+        </a:xfrm>
+      </p:grpSpPr>
+      <p:sp>
+        <p:nvSpPr>
+          <p:cNvPr id="2" name="Titel 1"/>
+          <p:cNvSpPr>
+            <a:spLocks noGrp="1"/>
+          </p:cNvSpPr>
+          <p:nvPr>
+            <p:ph type="title"/>
+          </p:nvPr>
+        </p:nvSpPr>
+        <p:spPr/>
+        <p:txBody>
+          <a:bodyPr>
+            <a:normAutofit fontScale="90000"/>
+          </a:bodyPr>
+          <a:lstStyle/>
+          <a:p>
+            <a:r>
+              <a:rPr lang="de-DE" dirty="0" smtClean="0"/>
+              <a:t>„Event organisieren“</a:t>
+            </a:r>
+            <a:br>
+              <a:rPr lang="de-DE" dirty="0" smtClean="0"/>
+            </a:br>
+            <a:r>
+              <a:rPr lang="de-DE" dirty="0" smtClean="0"/>
+              <a:t>Pflichtenheft</a:t>
+            </a:r>
+            <a:endParaRPr lang="de-DE" dirty="0"/>
+          </a:p>
+        </p:txBody>
+      </p:sp>
+      <p:sp>
+        <p:nvSpPr>
+          <p:cNvPr id="4" name="Datumsplatzhalter 3"/>
+          <p:cNvSpPr>
+            <a:spLocks noGrp="1"/>
+          </p:cNvSpPr>
+          <p:nvPr>
+            <p:ph type="dt" sz="half" idx="10"/>
+          </p:nvPr>
+        </p:nvSpPr>
+        <p:spPr/>
+        <p:txBody>
+          <a:bodyPr/>
+          <a:lstStyle/>
+          <a:p>
+            <a:r>
+              <a:rPr lang="de-DE" smtClean="0"/>
+              <a:t>21.04.2012</a:t>
+            </a:r>
+            <a:endParaRPr lang="en-US"/>
+          </a:p>
+        </p:txBody>
+      </p:sp>
+      <p:sp>
+        <p:nvSpPr>
+          <p:cNvPr id="5" name="Fußzeilenplatzhalter 4"/>
+          <p:cNvSpPr>
+            <a:spLocks noGrp="1"/>
+          </p:cNvSpPr>
+          <p:nvPr>
+            <p:ph type="ftr" sz="quarter" idx="11"/>
+          </p:nvPr>
+        </p:nvSpPr>
+        <p:spPr/>
+        <p:txBody>
+          <a:bodyPr/>
+          <a:lstStyle/>
+          <a:p>
+            <a:r>
+              <a:rPr lang="de-DE" smtClean="0"/>
+              <a:t>FST Projekt "Eventalizer" (SS 2012) Team 5</a:t>
+            </a:r>
+            <a:endParaRPr lang="de-DE" dirty="0"/>
+          </a:p>
+        </p:txBody>
+      </p:sp>
+      <p:sp>
+        <p:nvSpPr>
+          <p:cNvPr id="6" name="Foliennummernplatzhalter 5"/>
+          <p:cNvSpPr>
+            <a:spLocks noGrp="1"/>
+          </p:cNvSpPr>
+          <p:nvPr>
+            <p:ph type="sldNum" sz="quarter" idx="12"/>
+          </p:nvPr>
+        </p:nvSpPr>
+        <p:spPr/>
+        <p:txBody>
+          <a:bodyPr/>
+          <a:lstStyle/>
+          <a:p>
+            <a:fld id="{990B41CA-569D-40E7-8E58-026C0338B2C8}" type="slidenum">
+              <a:rPr lang="en-US" smtClean="0"/>
+              <a:pPr/>
+              <a:t>20</a:t>
+            </a:fld>
+            <a:endParaRPr lang="en-US"/>
+          </a:p>
+        </p:txBody>
+      </p:sp>
+      <p:cxnSp>
+        <p:nvCxnSpPr>
+          <p:cNvPr id="11" name="Gerade Verbindung 10"/>
+          <p:cNvCxnSpPr/>
+          <p:nvPr/>
+        </p:nvCxnSpPr>
+        <p:spPr>
+          <a:xfrm>
+            <a:off x="3347864" y="3429000"/>
+            <a:ext cx="5616624" cy="936104"/>
+          </a:xfrm>
+          <a:prstGeom prst="line">
+            <a:avLst/>
+          </a:prstGeom>
+          <a:noFill/>
+        </p:spPr>
+        <p:style>
+          <a:lnRef idx="2">
+            <a:schemeClr val="accent6"/>
+          </a:lnRef>
+          <a:fillRef idx="1">
+            <a:schemeClr val="lt1"/>
+          </a:fillRef>
+          <a:effectRef idx="0">
+            <a:schemeClr val="accent6"/>
+          </a:effectRef>
+          <a:fontRef idx="minor">
+            <a:schemeClr val="dk1"/>
+          </a:fontRef>
+        </p:style>
+      </p:cxnSp>
+      <p:pic>
+        <p:nvPicPr>
+          <p:cNvPr id="13" name="Picture 3"/>
+          <p:cNvPicPr>
+            <a:picLocks noChangeAspect="1" noChangeArrowheads="1"/>
+          </p:cNvPicPr>
+          <p:nvPr/>
+        </p:nvPicPr>
+        <p:blipFill>
+          <a:blip r:embed="rId3" cstate="print"/>
+          <a:srcRect/>
+          <a:stretch>
+            <a:fillRect/>
+          </a:stretch>
+        </p:blipFill>
+        <p:spPr bwMode="auto">
+          <a:xfrm>
+            <a:off x="1547664" y="1484784"/>
+            <a:ext cx="1800000" cy="2601600"/>
+          </a:xfrm>
+          <a:prstGeom prst="rect">
+            <a:avLst/>
+          </a:prstGeom>
+          <a:noFill/>
+          <a:ln w="9525">
+            <a:noFill/>
+            <a:miter lim="800000"/>
+            <a:headEnd/>
+            <a:tailEnd/>
+          </a:ln>
+        </p:spPr>
+      </p:pic>
+      <p:sp>
+        <p:nvSpPr>
+          <p:cNvPr id="8" name="Rechteck 7"/>
+          <p:cNvSpPr/>
+          <p:nvPr/>
+        </p:nvSpPr>
+        <p:spPr>
+          <a:xfrm>
+            <a:off x="1547664" y="3429000"/>
+            <a:ext cx="1800200" cy="648072"/>
+          </a:xfrm>
+          <a:prstGeom prst="rect">
+            <a:avLst/>
+          </a:prstGeom>
+          <a:noFill/>
+        </p:spPr>
+        <p:style>
+          <a:lnRef idx="2">
+            <a:schemeClr val="accent6"/>
+          </a:lnRef>
+          <a:fillRef idx="1">
+            <a:schemeClr val="lt1"/>
+          </a:fillRef>
+          <a:effectRef idx="0">
+            <a:schemeClr val="accent6"/>
+          </a:effectRef>
+          <a:fontRef idx="minor">
+            <a:schemeClr val="dk1"/>
+          </a:fontRef>
+        </p:style>
+        <p:txBody>
+          <a:bodyPr rtlCol="0" anchor="ctr"/>
+          <a:lstStyle/>
+          <a:p>
+            <a:pPr algn="ctr"/>
+            <a:endParaRPr lang="de-DE">
+              <a:solidFill>
+                <a:schemeClr val="dk1"/>
+              </a:solidFill>
+            </a:endParaRPr>
+          </a:p>
+        </p:txBody>
+      </p:sp>
+      <p:cxnSp>
+        <p:nvCxnSpPr>
+          <p:cNvPr id="12" name="Gerade Verbindung 11"/>
+          <p:cNvCxnSpPr/>
+          <p:nvPr/>
+        </p:nvCxnSpPr>
+        <p:spPr>
+          <a:xfrm>
+            <a:off x="1547664" y="4077072"/>
+            <a:ext cx="1656184" cy="2448272"/>
+          </a:xfrm>
+          <a:prstGeom prst="line">
+            <a:avLst/>
+          </a:prstGeom>
+          <a:noFill/>
+        </p:spPr>
+        <p:style>
+          <a:lnRef idx="2">
+            <a:schemeClr val="accent6"/>
+          </a:lnRef>
+          <a:fillRef idx="1">
+            <a:schemeClr val="lt1"/>
+          </a:fillRef>
+          <a:effectRef idx="0">
+            <a:schemeClr val="accent6"/>
+          </a:effectRef>
+          <a:fontRef idx="minor">
+            <a:schemeClr val="dk1"/>
+          </a:fontRef>
+        </p:style>
+      </p:cxnSp>
+      <p:pic>
+        <p:nvPicPr>
+          <p:cNvPr id="15" name="Picture 3">
+            <a:hlinkClick r:id="rId4" action="ppaction://hlinkfile"/>
+          </p:cNvPr>
+          <p:cNvPicPr>
+            <a:picLocks noChangeAspect="1" noChangeArrowheads="1"/>
+          </p:cNvPicPr>
+          <p:nvPr/>
+        </p:nvPicPr>
+        <p:blipFill>
+          <a:blip r:embed="rId5" cstate="print"/>
+          <a:srcRect t="74387" b="-336"/>
+          <a:stretch>
+            <a:fillRect/>
+          </a:stretch>
+        </p:blipFill>
+        <p:spPr bwMode="auto">
+          <a:xfrm>
+            <a:off x="3203848" y="4365104"/>
+            <a:ext cx="5760000" cy="2160240"/>
+          </a:xfrm>
+          <a:prstGeom prst="rect">
+            <a:avLst/>
+          </a:prstGeom>
+          <a:noFill/>
+          <a:ln w="25400">
+            <a:solidFill>
+              <a:schemeClr val="accent6"/>
+            </a:solidFill>
+          </a:ln>
+        </p:spPr>
+      </p:pic>
+    </p:spTree>
+    <p:extLst>
+      <p:ext uri="{BB962C8B-B14F-4D97-AF65-F5344CB8AC3E}">
+        <p14:creationId xmlns:p14="http://schemas.microsoft.com/office/powerpoint/2010/main" xmlns="" val="351671181"/>
+      </p:ext>
+    </p:extLst>
+  </p:cSld>
+  <p:clrMapOvr>
+    <a:masterClrMapping/>
+  </p:clrMapOvr>
+  <p:timing>
+    <p:tnLst>
+      <p:par>
+        <p:cTn id="1" dur="indefinite" restart="never" nodeType="tmRoot"/>
+      </p:par>
+    </p:tnLst>
+  </p:timing>
+</p:sld>
+</file>
+
+<file path=ppt/slides/slide21.xml><?xml version="1.0" encoding="utf-8"?>
+<p:sld xmlns:a="http://schemas.openxmlformats.org/drawingml/2006/main" xmlns:r="http://schemas.openxmlformats.org/officeDocument/2006/relationships" xmlns:p="http://schemas.openxmlformats.org/presentationml/2006/main">
+  <p:cSld>
+    <p:spTree>
+      <p:nvGrpSpPr>
+        <p:cNvPr id="1" name=""/>
+        <p:cNvGrpSpPr/>
+        <p:nvPr/>
+      </p:nvGrpSpPr>
+      <p:grpSpPr>
+        <a:xfrm>
+          <a:off x="0" y="0"/>
+          <a:ext cx="0" cy="0"/>
+          <a:chOff x="0" y="0"/>
+          <a:chExt cx="0" cy="0"/>
+        </a:xfrm>
+      </p:grpSpPr>
+      <p:sp>
+        <p:nvSpPr>
+          <p:cNvPr id="2" name="Titel 1"/>
+          <p:cNvSpPr>
+            <a:spLocks noGrp="1"/>
+          </p:cNvSpPr>
+          <p:nvPr>
+            <p:ph type="title"/>
+          </p:nvPr>
+        </p:nvSpPr>
+        <p:spPr/>
+        <p:txBody>
+          <a:bodyPr/>
+          <a:lstStyle/>
+          <a:p>
+            <a:r>
+              <a:rPr lang="de-DE" dirty="0" err="1" smtClean="0"/>
+              <a:t>SpringRoo</a:t>
+            </a:r>
+            <a:endParaRPr lang="de-DE" dirty="0"/>
+          </a:p>
+        </p:txBody>
+      </p:sp>
+      <p:sp>
+        <p:nvSpPr>
+          <p:cNvPr id="4" name="Datumsplatzhalter 3"/>
+          <p:cNvSpPr>
+            <a:spLocks noGrp="1"/>
+          </p:cNvSpPr>
+          <p:nvPr>
+            <p:ph type="dt" sz="half" idx="10"/>
+          </p:nvPr>
+        </p:nvSpPr>
+        <p:spPr/>
+        <p:txBody>
+          <a:bodyPr/>
+          <a:lstStyle/>
+          <a:p>
+            <a:r>
+              <a:rPr lang="de-DE" smtClean="0"/>
+              <a:t>21.04.2012</a:t>
+            </a:r>
+            <a:endParaRPr lang="en-US"/>
+          </a:p>
+        </p:txBody>
+      </p:sp>
+      <p:sp>
+        <p:nvSpPr>
+          <p:cNvPr id="5" name="Fußzeilenplatzhalter 4"/>
+          <p:cNvSpPr>
+            <a:spLocks noGrp="1"/>
+          </p:cNvSpPr>
+          <p:nvPr>
+            <p:ph type="ftr" sz="quarter" idx="11"/>
+          </p:nvPr>
+        </p:nvSpPr>
+        <p:spPr/>
+        <p:txBody>
+          <a:bodyPr/>
+          <a:lstStyle/>
+          <a:p>
+            <a:r>
+              <a:rPr lang="de-DE" smtClean="0"/>
+              <a:t>FST Projekt "Eventalizer" (SS 2012) Team 5</a:t>
+            </a:r>
+            <a:endParaRPr lang="de-DE" dirty="0"/>
+          </a:p>
+        </p:txBody>
+      </p:sp>
+      <p:sp>
+        <p:nvSpPr>
+          <p:cNvPr id="6" name="Foliennummernplatzhalter 5"/>
+          <p:cNvSpPr>
+            <a:spLocks noGrp="1"/>
+          </p:cNvSpPr>
+          <p:nvPr>
+            <p:ph type="sldNum" sz="quarter" idx="12"/>
+          </p:nvPr>
+        </p:nvSpPr>
+        <p:spPr/>
+        <p:txBody>
+          <a:bodyPr/>
+          <a:lstStyle/>
+          <a:p>
+            <a:fld id="{990B41CA-569D-40E7-8E58-026C0338B2C8}" type="slidenum">
+              <a:rPr lang="en-US" smtClean="0"/>
+              <a:pPr/>
+              <a:t>21</a:t>
+            </a:fld>
+            <a:endParaRPr lang="en-US"/>
+          </a:p>
+        </p:txBody>
+      </p:sp>
+      <p:pic>
+        <p:nvPicPr>
+          <p:cNvPr id="7" name="Bild 1"/>
+          <p:cNvPicPr>
+            <a:picLocks noGrp="1"/>
+          </p:cNvPicPr>
+          <p:nvPr>
+            <p:ph idx="1"/>
+          </p:nvPr>
+        </p:nvPicPr>
+        <p:blipFill>
+          <a:blip r:embed="rId3" cstate="print"/>
+          <a:srcRect/>
+          <a:stretch>
+            <a:fillRect/>
+          </a:stretch>
+        </p:blipFill>
+        <p:spPr bwMode="auto">
+          <a:xfrm>
+            <a:off x="2710111" y="1447800"/>
+            <a:ext cx="4949327" cy="4800600"/>
+          </a:xfrm>
+          <a:prstGeom prst="rect">
+            <a:avLst/>
+          </a:prstGeom>
+          <a:noFill/>
+          <a:ln w="9525">
+            <a:noFill/>
+            <a:miter lim="800000"/>
+            <a:headEnd/>
+            <a:tailEnd/>
+          </a:ln>
+        </p:spPr>
+      </p:pic>
+    </p:spTree>
+    <p:extLst>
+      <p:ext uri="{BB962C8B-B14F-4D97-AF65-F5344CB8AC3E}">
+        <p14:creationId xmlns:p14="http://schemas.microsoft.com/office/powerpoint/2010/main" xmlns="" val="141785747"/>
+      </p:ext>
+    </p:extLst>
+  </p:cSld>
+  <p:clrMapOvr>
+    <a:masterClrMapping/>
+  </p:clrMapOvr>
+</p:sld>
+</file>
+
+<file path=ppt/slides/slide22.xml><?xml version="1.0" encoding="utf-8"?>
+<p:sld xmlns:a="http://schemas.openxmlformats.org/drawingml/2006/main" xmlns:r="http://schemas.openxmlformats.org/officeDocument/2006/relationships" xmlns:p="http://schemas.openxmlformats.org/presentationml/2006/main">
+  <p:cSld>
+    <p:spTree>
+      <p:nvGrpSpPr>
+        <p:cNvPr id="1" name=""/>
+        <p:cNvGrpSpPr/>
+        <p:nvPr/>
+      </p:nvGrpSpPr>
+      <p:grpSpPr>
+        <a:xfrm>
+          <a:off x="0" y="0"/>
+          <a:ext cx="0" cy="0"/>
+          <a:chOff x="0" y="0"/>
+          <a:chExt cx="0" cy="0"/>
+        </a:xfrm>
+      </p:grpSpPr>
+      <p:sp>
+        <p:nvSpPr>
+          <p:cNvPr id="2" name="Titel 1"/>
+          <p:cNvSpPr>
+            <a:spLocks noGrp="1"/>
+          </p:cNvSpPr>
+          <p:nvPr>
+            <p:ph type="title"/>
+          </p:nvPr>
+        </p:nvSpPr>
+        <p:spPr/>
+        <p:txBody>
+          <a:bodyPr>
+            <a:normAutofit/>
+          </a:bodyPr>
+          <a:lstStyle/>
+          <a:p>
+            <a:r>
+              <a:rPr lang="de-DE" dirty="0" smtClean="0"/>
+              <a:t>Sequenzdiagramm Spring </a:t>
+            </a:r>
+            <a:r>
+              <a:rPr lang="de-DE" dirty="0" err="1" smtClean="0"/>
+              <a:t>Roo</a:t>
+            </a:r>
+            <a:endParaRPr lang="de-DE" dirty="0"/>
+          </a:p>
+        </p:txBody>
+      </p:sp>
+      <p:sp>
+        <p:nvSpPr>
+          <p:cNvPr id="10" name="Inhaltsplatzhalter 9"/>
+          <p:cNvSpPr>
+            <a:spLocks noGrp="1"/>
+          </p:cNvSpPr>
+          <p:nvPr>
+            <p:ph idx="1"/>
+          </p:nvPr>
+        </p:nvSpPr>
+        <p:spPr/>
+        <p:txBody>
+          <a:bodyPr/>
+          <a:lstStyle/>
+          <a:p>
+            <a:r>
+              <a:rPr lang="de-DE" dirty="0" smtClean="0"/>
+              <a:t>Für den Login</a:t>
+            </a:r>
+          </a:p>
+          <a:p>
+            <a:pPr lvl="1"/>
+            <a:r>
+              <a:rPr lang="de-DE" dirty="0" smtClean="0"/>
+              <a:t>Durchgriff auf </a:t>
+            </a:r>
+            <a:r>
+              <a:rPr lang="de-DE" dirty="0" err="1" smtClean="0"/>
+              <a:t>Twitter</a:t>
+            </a:r>
+            <a:endParaRPr lang="de-DE" dirty="0"/>
+          </a:p>
+        </p:txBody>
+      </p:sp>
+      <p:sp>
+        <p:nvSpPr>
+          <p:cNvPr id="7" name="Datumsplatzhalter 6"/>
+          <p:cNvSpPr>
+            <a:spLocks noGrp="1"/>
+          </p:cNvSpPr>
+          <p:nvPr>
+            <p:ph type="dt" sz="half" idx="10"/>
+          </p:nvPr>
+        </p:nvSpPr>
+        <p:spPr/>
+        <p:txBody>
+          <a:bodyPr/>
+          <a:lstStyle/>
+          <a:p>
+            <a:r>
+              <a:rPr lang="de-DE" smtClean="0"/>
+              <a:t>21.04.2012</a:t>
+            </a:r>
+            <a:endParaRPr lang="en-US"/>
+          </a:p>
+        </p:txBody>
+      </p:sp>
+      <p:sp>
+        <p:nvSpPr>
+          <p:cNvPr id="8" name="Fußzeilenplatzhalter 7"/>
+          <p:cNvSpPr>
+            <a:spLocks noGrp="1"/>
+          </p:cNvSpPr>
+          <p:nvPr>
+            <p:ph type="ftr" sz="quarter" idx="11"/>
+          </p:nvPr>
+        </p:nvSpPr>
+        <p:spPr/>
+        <p:txBody>
+          <a:bodyPr/>
+          <a:lstStyle/>
+          <a:p>
+            <a:r>
+              <a:rPr lang="de-DE" smtClean="0"/>
+              <a:t>FST Projekt "Eventalizer" (SS 2012) Team 5</a:t>
+            </a:r>
+            <a:endParaRPr lang="de-DE" dirty="0"/>
+          </a:p>
+        </p:txBody>
+      </p:sp>
+      <p:sp>
+        <p:nvSpPr>
+          <p:cNvPr id="9" name="Foliennummernplatzhalter 8"/>
+          <p:cNvSpPr>
+            <a:spLocks noGrp="1"/>
+          </p:cNvSpPr>
+          <p:nvPr>
+            <p:ph type="sldNum" sz="quarter" idx="12"/>
+          </p:nvPr>
+        </p:nvSpPr>
+        <p:spPr/>
+        <p:txBody>
+          <a:bodyPr/>
+          <a:lstStyle/>
+          <a:p>
+            <a:fld id="{990B41CA-569D-40E7-8E58-026C0338B2C8}" type="slidenum">
+              <a:rPr lang="en-US" smtClean="0"/>
+              <a:pPr/>
+              <a:t>22</a:t>
+            </a:fld>
+            <a:endParaRPr lang="en-US"/>
+          </a:p>
+        </p:txBody>
+      </p:sp>
+    </p:spTree>
+  </p:cSld>
+  <p:clrMapOvr>
+    <a:masterClrMapping/>
+  </p:clrMapOvr>
+</p:sld>
+</file>
+
+<file path=ppt/slides/slide23.xml><?xml version="1.0" encoding="utf-8"?>
+<p:sld xmlns:a="http://schemas.openxmlformats.org/drawingml/2006/main" xmlns:r="http://schemas.openxmlformats.org/officeDocument/2006/relationships" xmlns:p="http://schemas.openxmlformats.org/presentationml/2006/main">
+  <p:cSld>
+    <p:spTree>
+      <p:nvGrpSpPr>
+        <p:cNvPr id="1" name=""/>
+        <p:cNvGrpSpPr/>
+        <p:nvPr/>
+      </p:nvGrpSpPr>
+      <p:grpSpPr>
+        <a:xfrm>
+          <a:off x="0" y="0"/>
+          <a:ext cx="0" cy="0"/>
+          <a:chOff x="0" y="0"/>
+          <a:chExt cx="0" cy="0"/>
+        </a:xfrm>
+      </p:grpSpPr>
+      <p:sp>
+        <p:nvSpPr>
+          <p:cNvPr id="10" name="Titel 9"/>
+          <p:cNvSpPr>
+            <a:spLocks noGrp="1"/>
+          </p:cNvSpPr>
+          <p:nvPr>
+            <p:ph type="title"/>
+          </p:nvPr>
+        </p:nvSpPr>
+        <p:spPr/>
+        <p:txBody>
+          <a:bodyPr/>
+          <a:lstStyle/>
+          <a:p>
+            <a:r>
+              <a:rPr lang="de-DE" dirty="0" err="1" smtClean="0"/>
+              <a:t>LiveDemo</a:t>
+            </a:r>
+            <a:endParaRPr lang="de-DE" dirty="0"/>
+          </a:p>
+        </p:txBody>
+      </p:sp>
+      <p:sp>
+        <p:nvSpPr>
+          <p:cNvPr id="11" name="Textplatzhalter 10"/>
+          <p:cNvSpPr>
+            <a:spLocks noGrp="1"/>
+          </p:cNvSpPr>
+          <p:nvPr>
+            <p:ph type="body" idx="1"/>
+          </p:nvPr>
+        </p:nvSpPr>
+        <p:spPr/>
+        <p:txBody>
+          <a:bodyPr/>
+          <a:lstStyle/>
+          <a:p>
+            <a:r>
+              <a:rPr lang="de-DE" dirty="0" smtClean="0"/>
+              <a:t>Anmelden (Login) via </a:t>
+            </a:r>
+            <a:r>
+              <a:rPr lang="de-DE" dirty="0" err="1" smtClean="0"/>
+              <a:t>Twitter</a:t>
+            </a:r>
+            <a:endParaRPr lang="de-DE" dirty="0"/>
+          </a:p>
+          <a:p>
+            <a:r>
+              <a:rPr lang="de-DE" dirty="0" smtClean="0"/>
+              <a:t>Event erstellen</a:t>
+            </a:r>
+            <a:endParaRPr lang="de-DE" dirty="0"/>
+          </a:p>
+        </p:txBody>
+      </p:sp>
+      <p:sp>
+        <p:nvSpPr>
+          <p:cNvPr id="7" name="Datumsplatzhalter 6"/>
+          <p:cNvSpPr>
+            <a:spLocks noGrp="1"/>
+          </p:cNvSpPr>
+          <p:nvPr>
+            <p:ph type="dt" sz="half" idx="10"/>
+          </p:nvPr>
+        </p:nvSpPr>
+        <p:spPr/>
+        <p:txBody>
+          <a:bodyPr/>
+          <a:lstStyle/>
+          <a:p>
+            <a:r>
+              <a:rPr lang="de-DE" smtClean="0"/>
+              <a:t>21.04.2012</a:t>
+            </a:r>
+            <a:endParaRPr lang="en-US"/>
+          </a:p>
+        </p:txBody>
+      </p:sp>
+      <p:sp>
+        <p:nvSpPr>
+          <p:cNvPr id="8" name="Fußzeilenplatzhalter 7"/>
+          <p:cNvSpPr>
+            <a:spLocks noGrp="1"/>
+          </p:cNvSpPr>
+          <p:nvPr>
+            <p:ph type="ftr" sz="quarter" idx="11"/>
+          </p:nvPr>
+        </p:nvSpPr>
+        <p:spPr/>
+        <p:txBody>
+          <a:bodyPr/>
+          <a:lstStyle/>
+          <a:p>
+            <a:r>
+              <a:rPr lang="de-DE" smtClean="0"/>
+              <a:t>FST Projekt "Eventalizer" (SS 2012) Team 5</a:t>
+            </a:r>
+            <a:endParaRPr lang="de-DE" dirty="0"/>
+          </a:p>
+        </p:txBody>
+      </p:sp>
+      <p:sp>
+        <p:nvSpPr>
+          <p:cNvPr id="9" name="Foliennummernplatzhalter 8"/>
+          <p:cNvSpPr>
+            <a:spLocks noGrp="1"/>
+          </p:cNvSpPr>
+          <p:nvPr>
+            <p:ph type="sldNum" sz="quarter" idx="12"/>
+          </p:nvPr>
+        </p:nvSpPr>
+        <p:spPr/>
+        <p:txBody>
+          <a:bodyPr/>
+          <a:lstStyle/>
+          <a:p>
+            <a:fld id="{990B41CA-569D-40E7-8E58-026C0338B2C8}" type="slidenum">
+              <a:rPr lang="en-US" smtClean="0"/>
+              <a:pPr/>
+              <a:t>23</a:t>
+            </a:fld>
+            <a:endParaRPr lang="en-US"/>
+          </a:p>
+        </p:txBody>
+      </p:sp>
+    </p:spTree>
+    <p:extLst>
+      <p:ext uri="{BB962C8B-B14F-4D97-AF65-F5344CB8AC3E}">
+        <p14:creationId xmlns:p14="http://schemas.microsoft.com/office/powerpoint/2010/main" xmlns="" val="2634211947"/>
+      </p:ext>
+    </p:extLst>
+  </p:cSld>
+  <p:clrMapOvr>
+    <a:masterClrMapping/>
+  </p:clrMapOvr>
+</p:sld>
+</file>
+
+<file path=ppt/slides/slide24.xml><?xml version="1.0" encoding="utf-8"?>
+<p:sld xmlns:a="http://schemas.openxmlformats.org/drawingml/2006/main" xmlns:r="http://schemas.openxmlformats.org/officeDocument/2006/relationships" xmlns:p="http://schemas.openxmlformats.org/presentationml/2006/main">
+  <p:cSld>
+    <p:spTree>
+      <p:nvGrpSpPr>
+        <p:cNvPr id="1" name=""/>
+        <p:cNvGrpSpPr/>
+        <p:nvPr/>
+      </p:nvGrpSpPr>
+      <p:grpSpPr>
+        <a:xfrm>
+          <a:off x="0" y="0"/>
+          <a:ext cx="0" cy="0"/>
+          <a:chOff x="0" y="0"/>
+          <a:chExt cx="0" cy="0"/>
+        </a:xfrm>
+      </p:grpSpPr>
+      <p:sp>
+        <p:nvSpPr>
+          <p:cNvPr id="2" name="Titel 1"/>
+          <p:cNvSpPr>
+            <a:spLocks noGrp="1"/>
+          </p:cNvSpPr>
+          <p:nvPr>
+            <p:ph type="title"/>
+          </p:nvPr>
+        </p:nvSpPr>
+        <p:spPr/>
+        <p:txBody>
+          <a:bodyPr>
+            <a:normAutofit fontScale="90000"/>
+          </a:bodyPr>
+          <a:lstStyle/>
+          <a:p>
+            <a:r>
+              <a:rPr lang="de-DE" dirty="0" smtClean="0"/>
+              <a:t>Domänenklassendiagramm - Event</a:t>
+            </a:r>
+            <a:endParaRPr lang="de-DE" dirty="0"/>
+          </a:p>
+        </p:txBody>
+      </p:sp>
+      <p:sp>
+        <p:nvSpPr>
+          <p:cNvPr id="3" name="Inhaltsplatzhalter 2"/>
+          <p:cNvSpPr>
+            <a:spLocks noGrp="1"/>
+          </p:cNvSpPr>
+          <p:nvPr>
+            <p:ph idx="1"/>
+          </p:nvPr>
+        </p:nvSpPr>
+        <p:spPr/>
+        <p:txBody>
+          <a:bodyPr/>
+          <a:lstStyle/>
+          <a:p>
+            <a:r>
+              <a:rPr lang="de-DE" dirty="0" smtClean="0"/>
+              <a:t>Kurz: Domänenklassendiagramm vorstellen</a:t>
+            </a:r>
+          </a:p>
+          <a:p>
+            <a:r>
+              <a:rPr lang="de-DE" dirty="0" smtClean="0"/>
+              <a:t>Danach DB Schema als Ableitung davon</a:t>
+            </a:r>
+            <a:endParaRPr lang="de-DE" dirty="0"/>
+          </a:p>
+        </p:txBody>
+      </p:sp>
+      <p:sp>
+        <p:nvSpPr>
+          <p:cNvPr id="4" name="Datumsplatzhalter 3"/>
+          <p:cNvSpPr>
+            <a:spLocks noGrp="1"/>
+          </p:cNvSpPr>
+          <p:nvPr>
+            <p:ph type="dt" sz="half" idx="10"/>
+          </p:nvPr>
+        </p:nvSpPr>
+        <p:spPr/>
+        <p:txBody>
+          <a:bodyPr/>
+          <a:lstStyle/>
+          <a:p>
+            <a:r>
+              <a:rPr lang="de-DE" smtClean="0"/>
+              <a:t>21.04.2012</a:t>
+            </a:r>
+            <a:endParaRPr lang="en-US"/>
+          </a:p>
+        </p:txBody>
+      </p:sp>
+      <p:sp>
+        <p:nvSpPr>
+          <p:cNvPr id="5" name="Fußzeilenplatzhalter 4"/>
+          <p:cNvSpPr>
+            <a:spLocks noGrp="1"/>
+          </p:cNvSpPr>
+          <p:nvPr>
+            <p:ph type="ftr" sz="quarter" idx="11"/>
+          </p:nvPr>
+        </p:nvSpPr>
+        <p:spPr/>
+        <p:txBody>
+          <a:bodyPr/>
+          <a:lstStyle/>
+          <a:p>
+            <a:r>
+              <a:rPr lang="de-DE" smtClean="0"/>
+              <a:t>FST Projekt "Eventalizer" (SS 2012) Team 5</a:t>
+            </a:r>
+            <a:endParaRPr lang="de-DE" dirty="0"/>
+          </a:p>
+        </p:txBody>
+      </p:sp>
+      <p:sp>
+        <p:nvSpPr>
+          <p:cNvPr id="6" name="Foliennummernplatzhalter 5"/>
+          <p:cNvSpPr>
+            <a:spLocks noGrp="1"/>
+          </p:cNvSpPr>
+          <p:nvPr>
+            <p:ph type="sldNum" sz="quarter" idx="12"/>
+          </p:nvPr>
+        </p:nvSpPr>
+        <p:spPr/>
+        <p:txBody>
+          <a:bodyPr/>
+          <a:lstStyle/>
+          <a:p>
+            <a:fld id="{990B41CA-569D-40E7-8E58-026C0338B2C8}" type="slidenum">
+              <a:rPr lang="en-US" smtClean="0"/>
+              <a:pPr/>
+              <a:t>24</a:t>
+            </a:fld>
+            <a:endParaRPr lang="en-US"/>
+          </a:p>
+        </p:txBody>
+      </p:sp>
+    </p:spTree>
+    <p:extLst>
+      <p:ext uri="{BB962C8B-B14F-4D97-AF65-F5344CB8AC3E}">
+        <p14:creationId xmlns:p14="http://schemas.microsoft.com/office/powerpoint/2010/main" xmlns="" val="3243626544"/>
+      </p:ext>
+    </p:extLst>
+  </p:cSld>
+  <p:clrMapOvr>
+    <a:masterClrMapping/>
+  </p:clrMapOvr>
+</p:sld>
+</file>
+
+<file path=ppt/slides/slide25.xml><?xml version="1.0" encoding="utf-8"?>
+<p:sld xmlns:a="http://schemas.openxmlformats.org/drawingml/2006/main" xmlns:r="http://schemas.openxmlformats.org/officeDocument/2006/relationships" xmlns:p="http://schemas.openxmlformats.org/presentationml/2006/main">
+  <p:cSld>
+    <p:spTree>
+      <p:nvGrpSpPr>
+        <p:cNvPr id="1" name=""/>
+        <p:cNvGrpSpPr/>
+        <p:nvPr/>
+      </p:nvGrpSpPr>
+      <p:grpSpPr>
+        <a:xfrm>
+          <a:off x="0" y="0"/>
+          <a:ext cx="0" cy="0"/>
+          <a:chOff x="0" y="0"/>
+          <a:chExt cx="0" cy="0"/>
+        </a:xfrm>
+      </p:grpSpPr>
+      <p:pic>
+        <p:nvPicPr>
+          <p:cNvPr id="21" name="Grafik 20" descr="Ubersicht.png"/>
+          <p:cNvPicPr>
+            <a:picLocks noChangeAspect="1"/>
+          </p:cNvPicPr>
+          <p:nvPr/>
+        </p:nvPicPr>
+        <p:blipFill>
+          <a:blip r:embed="rId3" cstate="print"/>
+          <a:stretch>
+            <a:fillRect/>
+          </a:stretch>
+        </p:blipFill>
+        <p:spPr>
+          <a:xfrm>
+            <a:off x="1187624" y="1412776"/>
+            <a:ext cx="7488832" cy="5222657"/>
+          </a:xfrm>
+          <a:prstGeom prst="rect">
+            <a:avLst/>
+          </a:prstGeom>
+        </p:spPr>
+      </p:pic>
+      <p:sp>
+        <p:nvSpPr>
+          <p:cNvPr id="2" name="Titel 1"/>
+          <p:cNvSpPr>
+            <a:spLocks noGrp="1"/>
+          </p:cNvSpPr>
+          <p:nvPr>
+            <p:ph type="title"/>
+          </p:nvPr>
+        </p:nvSpPr>
+        <p:spPr/>
+        <p:txBody>
+          <a:bodyPr>
+            <a:normAutofit fontScale="90000"/>
+          </a:bodyPr>
+          <a:lstStyle/>
+          <a:p>
+            <a:r>
+              <a:rPr lang="de-DE" dirty="0" smtClean="0"/>
+              <a:t>Detailkonzept</a:t>
+            </a:r>
+            <a:br>
+              <a:rPr lang="de-DE" dirty="0" smtClean="0"/>
+            </a:br>
+            <a:r>
+              <a:rPr lang="de-DE" dirty="0" smtClean="0"/>
+              <a:t>Datenbankschema - Event</a:t>
+            </a:r>
+            <a:endParaRPr lang="de-DE" dirty="0"/>
+          </a:p>
+        </p:txBody>
+      </p:sp>
+      <p:sp>
+        <p:nvSpPr>
+          <p:cNvPr id="4" name="Datumsplatzhalter 3"/>
+          <p:cNvSpPr>
+            <a:spLocks noGrp="1"/>
+          </p:cNvSpPr>
+          <p:nvPr>
+            <p:ph type="dt" sz="half" idx="10"/>
+          </p:nvPr>
+        </p:nvSpPr>
+        <p:spPr/>
+        <p:txBody>
+          <a:bodyPr/>
+          <a:lstStyle/>
+          <a:p>
+            <a:r>
+              <a:rPr lang="de-DE" smtClean="0"/>
+              <a:t>21.04.2012</a:t>
+            </a:r>
+            <a:endParaRPr lang="en-US"/>
+          </a:p>
+        </p:txBody>
+      </p:sp>
+      <p:sp>
+        <p:nvSpPr>
+          <p:cNvPr id="5" name="Fußzeilenplatzhalter 4"/>
+          <p:cNvSpPr>
+            <a:spLocks noGrp="1"/>
+          </p:cNvSpPr>
+          <p:nvPr>
+            <p:ph type="ftr" sz="quarter" idx="11"/>
+          </p:nvPr>
+        </p:nvSpPr>
+        <p:spPr/>
+        <p:txBody>
+          <a:bodyPr/>
+          <a:lstStyle/>
+          <a:p>
+            <a:r>
+              <a:rPr lang="de-DE" smtClean="0"/>
+              <a:t>FST Projekt "Eventalizer" (SS 2012) Team 5</a:t>
+            </a:r>
+            <a:endParaRPr lang="de-DE" dirty="0"/>
+          </a:p>
+        </p:txBody>
+      </p:sp>
+      <p:sp>
+        <p:nvSpPr>
+          <p:cNvPr id="6" name="Foliennummernplatzhalter 5"/>
+          <p:cNvSpPr>
+            <a:spLocks noGrp="1"/>
+          </p:cNvSpPr>
+          <p:nvPr>
+            <p:ph type="sldNum" sz="quarter" idx="12"/>
+          </p:nvPr>
+        </p:nvSpPr>
+        <p:spPr/>
+        <p:txBody>
+          <a:bodyPr/>
+          <a:lstStyle/>
+          <a:p>
+            <a:fld id="{990B41CA-569D-40E7-8E58-026C0338B2C8}" type="slidenum">
+              <a:rPr lang="en-US" smtClean="0"/>
+              <a:pPr/>
+              <a:t>25</a:t>
+            </a:fld>
+            <a:endParaRPr lang="en-US"/>
+          </a:p>
+        </p:txBody>
+      </p:sp>
+    </p:spTree>
+    <p:extLst>
+      <p:ext uri="{BB962C8B-B14F-4D97-AF65-F5344CB8AC3E}">
+        <p14:creationId xmlns:p14="http://schemas.microsoft.com/office/powerpoint/2010/main" xmlns="" val="3243626544"/>
+      </p:ext>
+    </p:extLst>
+  </p:cSld>
+  <p:clrMapOvr>
+    <a:masterClrMapping/>
+  </p:clrMapOvr>
+</p:sld>
+</file>
+
+<file path=ppt/slides/slide26.xml><?xml version="1.0" encoding="utf-8"?>
 <p:sld xmlns:a="http://schemas.openxmlformats.org/drawingml/2006/main" xmlns:r="http://schemas.openxmlformats.org/officeDocument/2006/relationships" xmlns:p="http://schemas.openxmlformats.org/presentationml/2006/main">
   <p:cSld>
     <p:spTree>
@@ -11545,7 +13381,7 @@
             <a:fld id="{990B41CA-569D-40E7-8E58-026C0338B2C8}" type="slidenum">
               <a:rPr lang="en-US" smtClean="0"/>
               <a:pPr/>
-              <a:t>20</a:t>
+              <a:t>26</a:t>
             </a:fld>
             <a:endParaRPr lang="en-US"/>
           </a:p>
@@ -11857,7 +13693,7 @@
     </p:spTree>
     <p:extLst>
       <p:ext uri="{BB962C8B-B14F-4D97-AF65-F5344CB8AC3E}">
-        <p14:creationId xmlns:p14="http://schemas.microsoft.com/office/powerpoint/2010/main" val="3243626544"/>
+        <p14:creationId xmlns:p14="http://schemas.microsoft.com/office/powerpoint/2010/main" xmlns="" val="3243626544"/>
       </p:ext>
     </p:extLst>
   </p:cSld>
@@ -11874,7 +13710,7 @@
 </p:sld>
 </file>
 
-<file path=ppt/slides/slide21.xml><?xml version="1.0" encoding="utf-8"?>
+<file path=ppt/slides/slide27.xml><?xml version="1.0" encoding="utf-8"?>
 <p:sld xmlns:a="http://schemas.openxmlformats.org/drawingml/2006/main" xmlns:r="http://schemas.openxmlformats.org/officeDocument/2006/relationships" xmlns:p="http://schemas.openxmlformats.org/presentationml/2006/main">
   <p:cSld>
     <p:spTree>
@@ -12059,7 +13895,7 @@
             <a:fld id="{990B41CA-569D-40E7-8E58-026C0338B2C8}" type="slidenum">
               <a:rPr lang="en-US" smtClean="0"/>
               <a:pPr/>
-              <a:t>21</a:t>
+              <a:t>27</a:t>
             </a:fld>
             <a:endParaRPr lang="en-US"/>
           </a:p>
@@ -12371,7 +14207,7 @@
     </p:spTree>
     <p:extLst>
       <p:ext uri="{BB962C8B-B14F-4D97-AF65-F5344CB8AC3E}">
-        <p14:creationId xmlns:p14="http://schemas.microsoft.com/office/powerpoint/2010/main" val="3243626544"/>
+        <p14:creationId xmlns:p14="http://schemas.microsoft.com/office/powerpoint/2010/main" xmlns="" val="3243626544"/>
       </p:ext>
     </p:extLst>
   </p:cSld>
@@ -12388,7 +14224,7 @@
 </p:sld>
 </file>
 
-<file path=ppt/slides/slide22.xml><?xml version="1.0" encoding="utf-8"?>
+<file path=ppt/slides/slide28.xml><?xml version="1.0" encoding="utf-8"?>
 <p:sld xmlns:a="http://schemas.openxmlformats.org/drawingml/2006/main" xmlns:r="http://schemas.openxmlformats.org/officeDocument/2006/relationships" xmlns:p="http://schemas.openxmlformats.org/presentationml/2006/main">
   <p:cSld>
     <p:spTree>
@@ -12525,7 +14361,7 @@
             <a:fld id="{990B41CA-569D-40E7-8E58-026C0338B2C8}" type="slidenum">
               <a:rPr lang="en-US" smtClean="0"/>
               <a:pPr/>
-              <a:t>22</a:t>
+              <a:t>28</a:t>
             </a:fld>
             <a:endParaRPr lang="en-US"/>
           </a:p>
@@ -12839,7 +14675,7 @@
     </p:spTree>
     <p:extLst>
       <p:ext uri="{BB962C8B-B14F-4D97-AF65-F5344CB8AC3E}">
-        <p14:creationId xmlns:p14="http://schemas.microsoft.com/office/powerpoint/2010/main" val="3243626544"/>
+        <p14:creationId xmlns:p14="http://schemas.microsoft.com/office/powerpoint/2010/main" xmlns="" val="3243626544"/>
       </p:ext>
     </p:extLst>
   </p:cSld>
@@ -12849,7 +14685,7 @@
 </p:sld>
 </file>
 
-<file path=ppt/slides/slide23.xml><?xml version="1.0" encoding="utf-8"?>
+<file path=ppt/slides/slide29.xml><?xml version="1.0" encoding="utf-8"?>
 <p:sld xmlns:a="http://schemas.openxmlformats.org/drawingml/2006/main" xmlns:r="http://schemas.openxmlformats.org/officeDocument/2006/relationships" xmlns:p="http://schemas.openxmlformats.org/presentationml/2006/main">
   <p:cSld>
     <p:spTree>
@@ -13082,7 +14918,7 @@
             <a:fld id="{990B41CA-569D-40E7-8E58-026C0338B2C8}" type="slidenum">
               <a:rPr lang="en-US" smtClean="0"/>
               <a:pPr/>
-              <a:t>23</a:t>
+              <a:t>29</a:t>
             </a:fld>
             <a:endParaRPr lang="en-US"/>
           </a:p>
@@ -13668,7 +15504,7 @@
     </p:spTree>
     <p:extLst>
       <p:ext uri="{BB962C8B-B14F-4D97-AF65-F5344CB8AC3E}">
-        <p14:creationId xmlns:p14="http://schemas.microsoft.com/office/powerpoint/2010/main" val="3243626544"/>
+        <p14:creationId xmlns:p14="http://schemas.microsoft.com/office/powerpoint/2010/main" xmlns="" val="3243626544"/>
       </p:ext>
     </p:extLst>
   </p:cSld>
@@ -13685,7 +15521,301 @@
 </p:sld>
 </file>
 
-<file path=ppt/slides/slide24.xml><?xml version="1.0" encoding="utf-8"?>
+<file path=ppt/slides/slide3.xml><?xml version="1.0" encoding="utf-8"?>
+<p:sld xmlns:a="http://schemas.openxmlformats.org/drawingml/2006/main" xmlns:r="http://schemas.openxmlformats.org/officeDocument/2006/relationships" xmlns:p="http://schemas.openxmlformats.org/presentationml/2006/main" show="0">
+  <p:cSld>
+    <p:spTree>
+      <p:nvGrpSpPr>
+        <p:cNvPr id="1" name=""/>
+        <p:cNvGrpSpPr/>
+        <p:nvPr/>
+      </p:nvGrpSpPr>
+      <p:grpSpPr>
+        <a:xfrm>
+          <a:off x="0" y="0"/>
+          <a:ext cx="0" cy="0"/>
+          <a:chOff x="0" y="0"/>
+          <a:chExt cx="0" cy="0"/>
+        </a:xfrm>
+      </p:grpSpPr>
+      <p:sp>
+        <p:nvSpPr>
+          <p:cNvPr id="2" name="Titel 1"/>
+          <p:cNvSpPr>
+            <a:spLocks noGrp="1"/>
+          </p:cNvSpPr>
+          <p:nvPr>
+            <p:ph type="title"/>
+          </p:nvPr>
+        </p:nvSpPr>
+        <p:spPr/>
+        <p:txBody>
+          <a:bodyPr/>
+          <a:lstStyle/>
+          <a:p>
+            <a:pPr algn="l"/>
+            <a:r>
+              <a:rPr lang="de-DE" dirty="0" smtClean="0"/>
+              <a:t>Agenda</a:t>
+            </a:r>
+            <a:endParaRPr lang="de-DE" dirty="0"/>
+          </a:p>
+        </p:txBody>
+      </p:sp>
+      <p:sp>
+        <p:nvSpPr>
+          <p:cNvPr id="3" name="Inhaltsplatzhalter 2"/>
+          <p:cNvSpPr>
+            <a:spLocks noGrp="1"/>
+          </p:cNvSpPr>
+          <p:nvPr>
+            <p:ph idx="1"/>
+          </p:nvPr>
+        </p:nvSpPr>
+        <p:spPr/>
+        <p:txBody>
+          <a:bodyPr>
+            <a:noAutofit/>
+          </a:bodyPr>
+          <a:lstStyle/>
+          <a:p>
+            <a:r>
+              <a:rPr lang="de-DE" dirty="0" smtClean="0"/>
+              <a:t>SW-Entwicklungsprozess (vertikale </a:t>
+            </a:r>
+            <a:r>
+              <a:rPr lang="de-DE" dirty="0"/>
+              <a:t>Umsetzung)</a:t>
+            </a:r>
+            <a:endParaRPr lang="de-DE" dirty="0" smtClean="0"/>
+          </a:p>
+          <a:p>
+            <a:pPr lvl="1"/>
+            <a:r>
+              <a:rPr lang="de-DE" dirty="0" smtClean="0"/>
+              <a:t>Funktionale Anforderungen</a:t>
+            </a:r>
+          </a:p>
+          <a:p>
+            <a:pPr lvl="2"/>
+            <a:r>
+              <a:rPr lang="de-DE" dirty="0" smtClean="0"/>
+              <a:t>Login</a:t>
+            </a:r>
+          </a:p>
+          <a:p>
+            <a:pPr lvl="3"/>
+            <a:r>
+              <a:rPr lang="de-DE" dirty="0" smtClean="0"/>
+              <a:t>LH -&gt; PH (</a:t>
+            </a:r>
+            <a:r>
+              <a:rPr lang="de-DE" dirty="0" err="1" smtClean="0"/>
+              <a:t>Mockup</a:t>
+            </a:r>
+            <a:r>
+              <a:rPr lang="de-DE" dirty="0" smtClean="0"/>
+              <a:t>, Aktivitätsdiagramm, Sequenz) -&gt; Live</a:t>
+            </a:r>
+          </a:p>
+          <a:p>
+            <a:pPr lvl="2"/>
+            <a:r>
+              <a:rPr lang="de-DE" dirty="0" smtClean="0"/>
+              <a:t>Event organisieren</a:t>
+            </a:r>
+          </a:p>
+          <a:p>
+            <a:pPr lvl="2"/>
+            <a:r>
+              <a:rPr lang="de-DE" dirty="0" smtClean="0"/>
+              <a:t>Live Demo Detailkonzept</a:t>
+            </a:r>
+          </a:p>
+          <a:p>
+            <a:pPr lvl="2"/>
+            <a:r>
+              <a:rPr lang="de-DE" dirty="0" smtClean="0"/>
+              <a:t>Domänenklassendiagramm Datenbank-Schema</a:t>
+            </a:r>
+          </a:p>
+          <a:p>
+            <a:pPr lvl="1"/>
+            <a:r>
+              <a:rPr lang="de-DE" dirty="0" smtClean="0"/>
+              <a:t>Qualitätsanforderungen</a:t>
+            </a:r>
+          </a:p>
+          <a:p>
+            <a:pPr lvl="1"/>
+            <a:r>
+              <a:rPr lang="de-DE" dirty="0" smtClean="0"/>
+              <a:t>Abnahmekriterien</a:t>
+            </a:r>
+          </a:p>
+          <a:p>
+            <a:r>
+              <a:rPr lang="de-DE" dirty="0" smtClean="0"/>
+              <a:t>Weitere Projektplanung und Ausblick</a:t>
+            </a:r>
+          </a:p>
+          <a:p>
+            <a:pPr marL="82296" indent="0">
+              <a:buNone/>
+            </a:pPr>
+            <a:endParaRPr lang="de-DE" dirty="0"/>
+          </a:p>
+        </p:txBody>
+      </p:sp>
+      <p:sp>
+        <p:nvSpPr>
+          <p:cNvPr id="4" name="Datumsplatzhalter 3"/>
+          <p:cNvSpPr>
+            <a:spLocks noGrp="1"/>
+          </p:cNvSpPr>
+          <p:nvPr>
+            <p:ph type="dt" sz="half" idx="10"/>
+          </p:nvPr>
+        </p:nvSpPr>
+        <p:spPr/>
+        <p:txBody>
+          <a:bodyPr/>
+          <a:lstStyle/>
+          <a:p>
+            <a:r>
+              <a:rPr lang="de-DE" smtClean="0"/>
+              <a:t>21.04.2012</a:t>
+            </a:r>
+            <a:endParaRPr lang="de-DE" dirty="0"/>
+          </a:p>
+        </p:txBody>
+      </p:sp>
+      <p:sp>
+        <p:nvSpPr>
+          <p:cNvPr id="6" name="Fußzeilenplatzhalter 5"/>
+          <p:cNvSpPr>
+            <a:spLocks noGrp="1"/>
+          </p:cNvSpPr>
+          <p:nvPr>
+            <p:ph type="ftr" sz="quarter" idx="11"/>
+          </p:nvPr>
+        </p:nvSpPr>
+        <p:spPr/>
+        <p:txBody>
+          <a:bodyPr/>
+          <a:lstStyle/>
+          <a:p>
+            <a:r>
+              <a:rPr lang="de-DE" dirty="0" smtClean="0"/>
+              <a:t>FST Projekt "</a:t>
+            </a:r>
+            <a:r>
+              <a:rPr lang="de-DE" dirty="0" err="1" smtClean="0"/>
+              <a:t>Eventalizer</a:t>
+            </a:r>
+            <a:r>
+              <a:rPr lang="de-DE" dirty="0" smtClean="0"/>
+              <a:t>" (SS 2012) Team 5</a:t>
+            </a:r>
+            <a:endParaRPr lang="de-DE" dirty="0"/>
+          </a:p>
+        </p:txBody>
+      </p:sp>
+      <p:sp>
+        <p:nvSpPr>
+          <p:cNvPr id="5" name="Foliennummernplatzhalter 4"/>
+          <p:cNvSpPr>
+            <a:spLocks noGrp="1"/>
+          </p:cNvSpPr>
+          <p:nvPr>
+            <p:ph type="sldNum" sz="quarter" idx="12"/>
+          </p:nvPr>
+        </p:nvSpPr>
+        <p:spPr/>
+        <p:txBody>
+          <a:bodyPr/>
+          <a:lstStyle/>
+          <a:p>
+            <a:fld id="{6C6AE60A-B69C-4790-82F7-3882EDF23186}" type="slidenum">
+              <a:rPr lang="de-DE" smtClean="0"/>
+              <a:pPr/>
+              <a:t>3</a:t>
+            </a:fld>
+            <a:endParaRPr lang="de-DE" dirty="0"/>
+          </a:p>
+        </p:txBody>
+      </p:sp>
+      <p:pic>
+        <p:nvPicPr>
+          <p:cNvPr id="7" name="Picture 2" descr="http://homepages.internet.lu/pompjeen-kenzeg/Bilder/agenda.jpg"/>
+          <p:cNvPicPr>
+            <a:picLocks noChangeAspect="1" noChangeArrowheads="1"/>
+          </p:cNvPicPr>
+          <p:nvPr/>
+        </p:nvPicPr>
+        <p:blipFill>
+          <a:blip r:embed="rId3" cstate="print"/>
+          <a:srcRect/>
+          <a:stretch>
+            <a:fillRect/>
+          </a:stretch>
+        </p:blipFill>
+        <p:spPr bwMode="auto">
+          <a:xfrm>
+            <a:off x="6249101" y="-315416"/>
+            <a:ext cx="1643074" cy="1825638"/>
+          </a:xfrm>
+          <a:prstGeom prst="roundRect">
+            <a:avLst>
+              <a:gd name="adj" fmla="val 8594"/>
+            </a:avLst>
+          </a:prstGeom>
+          <a:solidFill>
+            <a:srgbClr val="FFFFFF">
+              <a:shade val="85000"/>
+            </a:srgbClr>
+          </a:solidFill>
+          <a:ln>
+            <a:noFill/>
+          </a:ln>
+          <a:effectLst>
+            <a:reflection blurRad="12700" stA="38000" endPos="28000" dist="5000" dir="5400000" sy="-100000" algn="bl" rotWithShape="0"/>
+          </a:effectLst>
+          <a:scene3d>
+            <a:camera prst="perspectiveLeft"/>
+            <a:lightRig rig="threePt" dir="t"/>
+          </a:scene3d>
+        </p:spPr>
+      </p:pic>
+    </p:spTree>
+    <p:extLst>
+      <p:ext uri="{BB962C8B-B14F-4D97-AF65-F5344CB8AC3E}">
+        <p14:creationId xmlns:p14="http://schemas.microsoft.com/office/powerpoint/2010/main" xmlns="" val="2988266106"/>
+      </p:ext>
+    </p:extLst>
+  </p:cSld>
+  <p:clrMapOvr>
+    <a:masterClrMapping/>
+  </p:clrMapOvr>
+  <mc:AlternateContent xmlns:mc="http://schemas.openxmlformats.org/markup-compatibility/2006">
+    <mc:Choice xmlns:p14="http://schemas.microsoft.com/office/powerpoint/2010/main" xmlns="" Requires="p14">
+      <p:transition spd="slow" p14:dur="2000"/>
+    </mc:Choice>
+    <mc:Fallback>
+      <p:transition spd="slow"/>
+    </mc:Fallback>
+  </mc:AlternateContent>
+  <p:timing>
+    <p:tnLst>
+      <p:par>
+        <p:cTn id="1" dur="indefinite" restart="never" nodeType="tmRoot"/>
+      </p:par>
+    </p:tnLst>
+  </p:timing>
+</p:sld>
+</file>
+
+<file path=ppt/slides/slide30.xml><?xml version="1.0" encoding="utf-8"?>
 <p:sld xmlns:a="http://schemas.openxmlformats.org/drawingml/2006/main" xmlns:r="http://schemas.openxmlformats.org/officeDocument/2006/relationships" xmlns:p="http://schemas.openxmlformats.org/presentationml/2006/main">
   <p:cSld>
     <p:spTree>
@@ -13822,7 +15952,7 @@
             <a:fld id="{990B41CA-569D-40E7-8E58-026C0338B2C8}" type="slidenum">
               <a:rPr lang="en-US" smtClean="0"/>
               <a:pPr/>
-              <a:t>24</a:t>
+              <a:t>30</a:t>
             </a:fld>
             <a:endParaRPr lang="en-US"/>
           </a:p>
@@ -14271,7 +16401,7 @@
     </p:spTree>
     <p:extLst>
       <p:ext uri="{BB962C8B-B14F-4D97-AF65-F5344CB8AC3E}">
-        <p14:creationId xmlns:p14="http://schemas.microsoft.com/office/powerpoint/2010/main" val="3243626544"/>
+        <p14:creationId xmlns:p14="http://schemas.microsoft.com/office/powerpoint/2010/main" xmlns="" val="3243626544"/>
       </p:ext>
     </p:extLst>
   </p:cSld>
@@ -14288,7 +16418,7 @@
 </p:sld>
 </file>
 
-<file path=ppt/slides/slide25.xml><?xml version="1.0" encoding="utf-8"?>
+<file path=ppt/slides/slide31.xml><?xml version="1.0" encoding="utf-8"?>
 <p:sld xmlns:a="http://schemas.openxmlformats.org/drawingml/2006/main" xmlns:r="http://schemas.openxmlformats.org/officeDocument/2006/relationships" xmlns:p="http://schemas.openxmlformats.org/presentationml/2006/main">
   <p:cSld>
     <p:spTree>
@@ -14445,7 +16575,7 @@
             <a:fld id="{990B41CA-569D-40E7-8E58-026C0338B2C8}" type="slidenum">
               <a:rPr lang="en-US" smtClean="0"/>
               <a:pPr/>
-              <a:t>25</a:t>
+              <a:t>31</a:t>
             </a:fld>
             <a:endParaRPr lang="en-US"/>
           </a:p>
@@ -14459,7 +16589,7 @@
 </p:sld>
 </file>
 
-<file path=ppt/slides/slide26.xml><?xml version="1.0" encoding="utf-8"?>
+<file path=ppt/slides/slide32.xml><?xml version="1.0" encoding="utf-8"?>
 <p:sld xmlns:a="http://schemas.openxmlformats.org/drawingml/2006/main" xmlns:r="http://schemas.openxmlformats.org/officeDocument/2006/relationships" xmlns:p="http://schemas.openxmlformats.org/presentationml/2006/main">
   <p:cSld>
     <p:spTree>
@@ -14582,7 +16712,7 @@
             <a:fld id="{990B41CA-569D-40E7-8E58-026C0338B2C8}" type="slidenum">
               <a:rPr lang="en-US" smtClean="0"/>
               <a:pPr/>
-              <a:t>26</a:t>
+              <a:t>32</a:t>
             </a:fld>
             <a:endParaRPr lang="en-US"/>
           </a:p>
@@ -14591,7 +16721,7 @@
     </p:spTree>
     <p:extLst>
       <p:ext uri="{BB962C8B-B14F-4D97-AF65-F5344CB8AC3E}">
-        <p14:creationId xmlns:p14="http://schemas.microsoft.com/office/powerpoint/2010/main" val="3309636493"/>
+        <p14:creationId xmlns:p14="http://schemas.microsoft.com/office/powerpoint/2010/main" xmlns="" val="3309636493"/>
       </p:ext>
     </p:extLst>
   </p:cSld>
@@ -14601,7 +16731,7 @@
 </p:sld>
 </file>
 
-<file path=ppt/slides/slide27.xml><?xml version="1.0" encoding="utf-8"?>
+<file path=ppt/slides/slide33.xml><?xml version="1.0" encoding="utf-8"?>
 <p:sld xmlns:a="http://schemas.openxmlformats.org/drawingml/2006/main" xmlns:r="http://schemas.openxmlformats.org/officeDocument/2006/relationships" xmlns:p="http://schemas.openxmlformats.org/presentationml/2006/main">
   <p:cSld>
     <p:spTree>
@@ -14635,8 +16765,8 @@
         </p:blipFill>
         <p:spPr bwMode="auto">
           <a:xfrm>
-            <a:off x="1682824" y="2708920"/>
-            <a:ext cx="6840000" cy="2276629"/>
+            <a:off x="1682824" y="2708919"/>
+            <a:ext cx="6922235" cy="2304000"/>
           </a:xfrm>
           <a:prstGeom prst="rect">
             <a:avLst/>
@@ -14793,7 +16923,7 @@
             <a:fld id="{6C6AE60A-B69C-4790-82F7-3882EDF23186}" type="slidenum">
               <a:rPr lang="de-DE" smtClean="0"/>
               <a:pPr/>
-              <a:t>27</a:t>
+              <a:t>33</a:t>
             </a:fld>
             <a:endParaRPr lang="de-DE" dirty="0"/>
           </a:p>
@@ -14802,7 +16932,7 @@
     </p:spTree>
     <p:extLst>
       <p:ext uri="{BB962C8B-B14F-4D97-AF65-F5344CB8AC3E}">
-        <p14:creationId xmlns:p14="http://schemas.microsoft.com/office/powerpoint/2010/main" val="1012322072"/>
+        <p14:creationId xmlns:p14="http://schemas.microsoft.com/office/powerpoint/2010/main" xmlns="" val="1012322072"/>
       </p:ext>
     </p:extLst>
   </p:cSld>
@@ -14819,7 +16949,7 @@
 </p:sld>
 </file>
 
-<file path=ppt/slides/slide28.xml><?xml version="1.0" encoding="utf-8"?>
+<file path=ppt/slides/slide34.xml><?xml version="1.0" encoding="utf-8"?>
 <p:sld xmlns:a="http://schemas.openxmlformats.org/drawingml/2006/main" xmlns:r="http://schemas.openxmlformats.org/officeDocument/2006/relationships" xmlns:p="http://schemas.openxmlformats.org/presentationml/2006/main">
   <p:cSld>
     <p:spTree>
@@ -14853,8 +16983,8 @@
         </p:blipFill>
         <p:spPr bwMode="auto">
           <a:xfrm>
-            <a:off x="1691678" y="2708920"/>
-            <a:ext cx="6840000" cy="2281603"/>
+            <a:off x="1691680" y="2708919"/>
+            <a:ext cx="6907144" cy="2304000"/>
           </a:xfrm>
           <a:prstGeom prst="rect">
             <a:avLst/>
@@ -15011,7 +17141,7 @@
             <a:fld id="{6C6AE60A-B69C-4790-82F7-3882EDF23186}" type="slidenum">
               <a:rPr lang="de-DE" smtClean="0"/>
               <a:pPr/>
-              <a:t>28</a:t>
+              <a:t>34</a:t>
             </a:fld>
             <a:endParaRPr lang="de-DE" dirty="0"/>
           </a:p>
@@ -15020,7 +17150,7 @@
     </p:spTree>
     <p:extLst>
       <p:ext uri="{BB962C8B-B14F-4D97-AF65-F5344CB8AC3E}">
-        <p14:creationId xmlns:p14="http://schemas.microsoft.com/office/powerpoint/2010/main" val="1012322072"/>
+        <p14:creationId xmlns:p14="http://schemas.microsoft.com/office/powerpoint/2010/main" xmlns="" val="1012322072"/>
       </p:ext>
     </p:extLst>
   </p:cSld>
@@ -15037,7 +17167,7 @@
 </p:sld>
 </file>
 
-<file path=ppt/slides/slide29.xml><?xml version="1.0" encoding="utf-8"?>
+<file path=ppt/slides/slide35.xml><?xml version="1.0" encoding="utf-8"?>
 <p:sld xmlns:a="http://schemas.openxmlformats.org/drawingml/2006/main" xmlns:r="http://schemas.openxmlformats.org/officeDocument/2006/relationships" xmlns:p="http://schemas.openxmlformats.org/presentationml/2006/main">
   <p:cSld>
     <p:spTree>
@@ -15221,7 +17351,7 @@
             <a:fld id="{990B41CA-569D-40E7-8E58-026C0338B2C8}" type="slidenum">
               <a:rPr lang="en-US" smtClean="0"/>
               <a:pPr/>
-              <a:t>29</a:t>
+              <a:t>35</a:t>
             </a:fld>
             <a:endParaRPr lang="en-US"/>
           </a:p>
@@ -15239,7 +17369,7 @@
           <a:blip r:embed="rId2" cstate="print">
             <a:extLst>
               <a:ext uri="{BEBA8EAE-BF5A-486C-A8C5-ECC9F3942E4B}">
-                <a14:imgProps xmlns:a14="http://schemas.microsoft.com/office/drawing/2010/main">
+                <a14:imgProps xmlns:a14="http://schemas.microsoft.com/office/drawing/2010/main" xmlns="">
                   <a14:imgLayer r:embed="rId3">
                     <a14:imgEffect>
                       <a14:backgroundRemoval t="6057" b="22942" l="7000" r="29162"/>
@@ -15248,7 +17378,7 @@
                 </a14:imgProps>
               </a:ext>
               <a:ext uri="{28A0092B-C50C-407E-A947-70E740481C1C}">
-                <a14:useLocalDpi xmlns:a14="http://schemas.microsoft.com/office/drawing/2010/main" val="0"/>
+                <a14:useLocalDpi xmlns:a14="http://schemas.microsoft.com/office/drawing/2010/main" xmlns="" val="0"/>
               </a:ext>
             </a:extLst>
           </a:blip>
@@ -15266,7 +17396,7 @@
           <a:noFill/>
           <a:extLst>
             <a:ext uri="{909E8E84-426E-40DD-AFC4-6F175D3DCCD1}">
-              <a14:hiddenFill xmlns:a14="http://schemas.microsoft.com/office/drawing/2010/main">
+              <a14:hiddenFill xmlns:a14="http://schemas.microsoft.com/office/drawing/2010/main" xmlns="">
                 <a:solidFill>
                   <a:srgbClr val="FFFFFF"/>
                 </a:solidFill>
@@ -15287,7 +17417,7 @@
           <a:blip r:embed="rId2" cstate="print">
             <a:extLst>
               <a:ext uri="{BEBA8EAE-BF5A-486C-A8C5-ECC9F3942E4B}">
-                <a14:imgProps xmlns:a14="http://schemas.microsoft.com/office/drawing/2010/main">
+                <a14:imgProps xmlns:a14="http://schemas.microsoft.com/office/drawing/2010/main" xmlns="">
                   <a14:imgLayer r:embed="rId3">
                     <a14:imgEffect>
                       <a14:backgroundRemoval t="6057" b="22942" l="7000" r="29162"/>
@@ -15296,7 +17426,7 @@
                 </a14:imgProps>
               </a:ext>
               <a:ext uri="{28A0092B-C50C-407E-A947-70E740481C1C}">
-                <a14:useLocalDpi xmlns:a14="http://schemas.microsoft.com/office/drawing/2010/main" val="0"/>
+                <a14:useLocalDpi xmlns:a14="http://schemas.microsoft.com/office/drawing/2010/main" xmlns="" val="0"/>
               </a:ext>
             </a:extLst>
           </a:blip>
@@ -15314,7 +17444,7 @@
           <a:noFill/>
           <a:extLst>
             <a:ext uri="{909E8E84-426E-40DD-AFC4-6F175D3DCCD1}">
-              <a14:hiddenFill xmlns:a14="http://schemas.microsoft.com/office/drawing/2010/main">
+              <a14:hiddenFill xmlns:a14="http://schemas.microsoft.com/office/drawing/2010/main" xmlns="">
                 <a:solidFill>
                   <a:srgbClr val="FFFFFF"/>
                 </a:solidFill>
@@ -15326,7 +17456,7 @@
     </p:spTree>
     <p:extLst>
       <p:ext uri="{BB962C8B-B14F-4D97-AF65-F5344CB8AC3E}">
-        <p14:creationId xmlns:p14="http://schemas.microsoft.com/office/powerpoint/2010/main" val="2645794681"/>
+        <p14:creationId xmlns:p14="http://schemas.microsoft.com/office/powerpoint/2010/main" xmlns="" val="2645794681"/>
       </p:ext>
     </p:extLst>
   </p:cSld>
@@ -15336,306 +17466,7 @@
 </p:sld>
 </file>
 
-<file path=ppt/slides/slide3.xml><?xml version="1.0" encoding="utf-8"?>
-<p:sld xmlns:a="http://schemas.openxmlformats.org/drawingml/2006/main" xmlns:r="http://schemas.openxmlformats.org/officeDocument/2006/relationships" xmlns:p="http://schemas.openxmlformats.org/presentationml/2006/main" show="0">
-  <p:cSld>
-    <p:spTree>
-      <p:nvGrpSpPr>
-        <p:cNvPr id="1" name=""/>
-        <p:cNvGrpSpPr/>
-        <p:nvPr/>
-      </p:nvGrpSpPr>
-      <p:grpSpPr>
-        <a:xfrm>
-          <a:off x="0" y="0"/>
-          <a:ext cx="0" cy="0"/>
-          <a:chOff x="0" y="0"/>
-          <a:chExt cx="0" cy="0"/>
-        </a:xfrm>
-      </p:grpSpPr>
-      <p:sp>
-        <p:nvSpPr>
-          <p:cNvPr id="2" name="Titel 1"/>
-          <p:cNvSpPr>
-            <a:spLocks noGrp="1"/>
-          </p:cNvSpPr>
-          <p:nvPr>
-            <p:ph type="title"/>
-          </p:nvPr>
-        </p:nvSpPr>
-        <p:spPr/>
-        <p:txBody>
-          <a:bodyPr/>
-          <a:lstStyle/>
-          <a:p>
-            <a:pPr algn="l"/>
-            <a:r>
-              <a:rPr lang="de-DE" dirty="0" smtClean="0"/>
-              <a:t>Agenda</a:t>
-            </a:r>
-            <a:endParaRPr lang="de-DE" dirty="0"/>
-          </a:p>
-        </p:txBody>
-      </p:sp>
-      <p:sp>
-        <p:nvSpPr>
-          <p:cNvPr id="3" name="Inhaltsplatzhalter 2"/>
-          <p:cNvSpPr>
-            <a:spLocks noGrp="1"/>
-          </p:cNvSpPr>
-          <p:nvPr>
-            <p:ph idx="1"/>
-          </p:nvPr>
-        </p:nvSpPr>
-        <p:spPr/>
-        <p:txBody>
-          <a:bodyPr>
-            <a:noAutofit/>
-          </a:bodyPr>
-          <a:lstStyle/>
-          <a:p>
-            <a:r>
-              <a:rPr lang="de-DE" dirty="0" smtClean="0"/>
-              <a:t>SW-Entwicklungsprozess (vertikale </a:t>
-            </a:r>
-            <a:r>
-              <a:rPr lang="de-DE" dirty="0"/>
-              <a:t>Umsetzung)</a:t>
-            </a:r>
-            <a:endParaRPr lang="de-DE" dirty="0" smtClean="0"/>
-          </a:p>
-          <a:p>
-            <a:pPr lvl="1"/>
-            <a:r>
-              <a:rPr lang="de-DE" dirty="0" smtClean="0"/>
-              <a:t>Funktionale Anforderungen</a:t>
-            </a:r>
-          </a:p>
-          <a:p>
-            <a:pPr lvl="2"/>
-            <a:r>
-              <a:rPr lang="de-DE" dirty="0" smtClean="0"/>
-              <a:t>Login</a:t>
-            </a:r>
-          </a:p>
-          <a:p>
-            <a:pPr lvl="3"/>
-            <a:r>
-              <a:rPr lang="de-DE" dirty="0" smtClean="0"/>
-              <a:t>LH -&gt; PH (</a:t>
-            </a:r>
-            <a:r>
-              <a:rPr lang="de-DE" dirty="0" err="1" smtClean="0"/>
-              <a:t>Mockup</a:t>
-            </a:r>
-            <a:r>
-              <a:rPr lang="de-DE" dirty="0" smtClean="0"/>
-              <a:t>, Aktivitätsdiagramm, Sequenz) -&gt; Live</a:t>
-            </a:r>
-          </a:p>
-          <a:p>
-            <a:pPr lvl="2"/>
-            <a:r>
-              <a:rPr lang="de-DE" dirty="0" smtClean="0"/>
-              <a:t>Event </a:t>
-            </a:r>
-            <a:r>
-              <a:rPr lang="de-DE" dirty="0" smtClean="0"/>
-              <a:t>organisieren</a:t>
-            </a:r>
-            <a:endParaRPr lang="de-DE" dirty="0" smtClean="0"/>
-          </a:p>
-          <a:p>
-            <a:pPr lvl="2"/>
-            <a:r>
-              <a:rPr lang="de-DE" dirty="0" smtClean="0"/>
-              <a:t>Live Demo Detailkonzept</a:t>
-            </a:r>
-          </a:p>
-          <a:p>
-            <a:pPr lvl="2"/>
-            <a:r>
-              <a:rPr lang="de-DE" dirty="0" smtClean="0"/>
-              <a:t>Domänenklassendiagramm Datenbank-Schema</a:t>
-            </a:r>
-          </a:p>
-          <a:p>
-            <a:pPr lvl="1"/>
-            <a:r>
-              <a:rPr lang="de-DE" dirty="0" smtClean="0"/>
-              <a:t>Qualitätsanforderungen</a:t>
-            </a:r>
-          </a:p>
-          <a:p>
-            <a:pPr lvl="1"/>
-            <a:r>
-              <a:rPr lang="de-DE" dirty="0" smtClean="0"/>
-              <a:t>Abnahmekriterien</a:t>
-            </a:r>
-          </a:p>
-          <a:p>
-            <a:r>
-              <a:rPr lang="de-DE" dirty="0" smtClean="0"/>
-              <a:t>Weitere Projektplanung und Ausblick</a:t>
-            </a:r>
-          </a:p>
-          <a:p>
-            <a:pPr marL="82296" indent="0">
-              <a:buNone/>
-            </a:pPr>
-            <a:endParaRPr lang="de-DE" dirty="0"/>
-          </a:p>
-        </p:txBody>
-      </p:sp>
-      <p:sp>
-        <p:nvSpPr>
-          <p:cNvPr id="4" name="Datumsplatzhalter 3"/>
-          <p:cNvSpPr>
-            <a:spLocks noGrp="1"/>
-          </p:cNvSpPr>
-          <p:nvPr>
-            <p:ph type="dt" sz="half" idx="10"/>
-          </p:nvPr>
-        </p:nvSpPr>
-        <p:spPr/>
-        <p:txBody>
-          <a:bodyPr/>
-          <a:lstStyle/>
-          <a:p>
-            <a:r>
-              <a:rPr lang="de-DE" smtClean="0"/>
-              <a:t>21.04.2012</a:t>
-            </a:r>
-            <a:endParaRPr lang="de-DE" dirty="0"/>
-          </a:p>
-        </p:txBody>
-      </p:sp>
-      <p:sp>
-        <p:nvSpPr>
-          <p:cNvPr id="6" name="Fußzeilenplatzhalter 5"/>
-          <p:cNvSpPr>
-            <a:spLocks noGrp="1"/>
-          </p:cNvSpPr>
-          <p:nvPr>
-            <p:ph type="ftr" sz="quarter" idx="11"/>
-          </p:nvPr>
-        </p:nvSpPr>
-        <p:spPr/>
-        <p:txBody>
-          <a:bodyPr/>
-          <a:lstStyle/>
-          <a:p>
-            <a:r>
-              <a:rPr lang="de-DE" dirty="0" smtClean="0"/>
-              <a:t>FST Projekt "</a:t>
-            </a:r>
-            <a:r>
-              <a:rPr lang="de-DE" dirty="0" err="1" smtClean="0"/>
-              <a:t>Eventalizer</a:t>
-            </a:r>
-            <a:r>
-              <a:rPr lang="de-DE" dirty="0" smtClean="0"/>
-              <a:t>" (SS 2012) Team 5</a:t>
-            </a:r>
-            <a:endParaRPr lang="de-DE" dirty="0"/>
-          </a:p>
-        </p:txBody>
-      </p:sp>
-      <p:sp>
-        <p:nvSpPr>
-          <p:cNvPr id="5" name="Foliennummernplatzhalter 4"/>
-          <p:cNvSpPr>
-            <a:spLocks noGrp="1"/>
-          </p:cNvSpPr>
-          <p:nvPr>
-            <p:ph type="sldNum" sz="quarter" idx="12"/>
-          </p:nvPr>
-        </p:nvSpPr>
-        <p:spPr/>
-        <p:txBody>
-          <a:bodyPr/>
-          <a:lstStyle/>
-          <a:p>
-            <a:fld id="{6C6AE60A-B69C-4790-82F7-3882EDF23186}" type="slidenum">
-              <a:rPr lang="de-DE" smtClean="0"/>
-              <a:pPr/>
-              <a:t>3</a:t>
-            </a:fld>
-            <a:endParaRPr lang="de-DE" dirty="0"/>
-          </a:p>
-        </p:txBody>
-      </p:sp>
-      <p:pic>
-        <p:nvPicPr>
-          <p:cNvPr id="7" name="Picture 2" descr="http://homepages.internet.lu/pompjeen-kenzeg/Bilder/agenda.jpg"/>
-          <p:cNvPicPr>
-            <a:picLocks noChangeAspect="1" noChangeArrowheads="1"/>
-          </p:cNvPicPr>
-          <p:nvPr/>
-        </p:nvPicPr>
-        <p:blipFill>
-          <a:blip r:embed="rId3" cstate="print"/>
-          <a:srcRect/>
-          <a:stretch>
-            <a:fillRect/>
-          </a:stretch>
-        </p:blipFill>
-        <p:spPr bwMode="auto">
-          <a:xfrm>
-            <a:off x="6249101" y="-315416"/>
-            <a:ext cx="1643074" cy="1825638"/>
-          </a:xfrm>
-          <a:prstGeom prst="roundRect">
-            <a:avLst>
-              <a:gd name="adj" fmla="val 8594"/>
-            </a:avLst>
-          </a:prstGeom>
-          <a:solidFill>
-            <a:srgbClr val="FFFFFF">
-              <a:shade val="85000"/>
-            </a:srgbClr>
-          </a:solidFill>
-          <a:ln>
-            <a:noFill/>
-          </a:ln>
-          <a:effectLst>
-            <a:reflection blurRad="12700" stA="38000" endPos="28000" dist="5000" dir="5400000" sy="-100000" algn="bl" rotWithShape="0"/>
-          </a:effectLst>
-          <a:scene3d>
-            <a:camera prst="perspectiveLeft"/>
-            <a:lightRig rig="threePt" dir="t"/>
-          </a:scene3d>
-        </p:spPr>
-      </p:pic>
-    </p:spTree>
-    <p:extLst>
-      <p:ext uri="{BB962C8B-B14F-4D97-AF65-F5344CB8AC3E}">
-        <p14:creationId xmlns:p14="http://schemas.microsoft.com/office/powerpoint/2010/main" val="2988266106"/>
-      </p:ext>
-    </p:extLst>
-  </p:cSld>
-  <p:clrMapOvr>
-    <a:masterClrMapping/>
-  </p:clrMapOvr>
-  <mc:AlternateContent xmlns:mc="http://schemas.openxmlformats.org/markup-compatibility/2006" xmlns:p14="http://schemas.microsoft.com/office/powerpoint/2010/main">
-    <mc:Choice Requires="p14">
-      <p:transition spd="slow" p14:dur="2000"/>
-    </mc:Choice>
-    <mc:Fallback xmlns="">
-      <p:transition spd="slow"/>
-    </mc:Fallback>
-  </mc:AlternateContent>
-  <p:timing>
-    <p:tnLst>
-      <p:par>
-        <p:cTn id="1" dur="indefinite" restart="never" nodeType="tmRoot"/>
-      </p:par>
-    </p:tnLst>
-  </p:timing>
-</p:sld>
-</file>
-
-<file path=ppt/slides/slide30.xml><?xml version="1.0" encoding="utf-8"?>
+<file path=ppt/slides/slide36.xml><?xml version="1.0" encoding="utf-8"?>
 <p:sld xmlns:a="http://schemas.openxmlformats.org/drawingml/2006/main" xmlns:r="http://schemas.openxmlformats.org/officeDocument/2006/relationships" xmlns:p="http://schemas.openxmlformats.org/presentationml/2006/main">
   <p:cSld>
     <p:spTree>
@@ -15836,7 +17667,7 @@
             <a:fld id="{6C6AE60A-B69C-4790-82F7-3882EDF23186}" type="slidenum">
               <a:rPr lang="de-DE" smtClean="0"/>
               <a:pPr/>
-              <a:t>30</a:t>
+              <a:t>36</a:t>
             </a:fld>
             <a:endParaRPr lang="de-DE" dirty="0"/>
           </a:p>
@@ -15854,7 +17685,7 @@
           <a:blip r:embed="rId3" cstate="print">
             <a:extLst>
               <a:ext uri="{28A0092B-C50C-407E-A947-70E740481C1C}">
-                <a14:useLocalDpi xmlns:a14="http://schemas.microsoft.com/office/drawing/2010/main" val="0"/>
+                <a14:useLocalDpi xmlns:a14="http://schemas.microsoft.com/office/drawing/2010/main" xmlns="" val="0"/>
               </a:ext>
             </a:extLst>
           </a:blip>
@@ -15886,7 +17717,7 @@
           </a:effectLst>
           <a:extLst>
             <a:ext uri="{91240B29-F687-4F45-9708-019B960494DF}">
-              <a14:hiddenLine xmlns:a14="http://schemas.microsoft.com/office/drawing/2010/main" w="9525">
+              <a14:hiddenLine xmlns:a14="http://schemas.microsoft.com/office/drawing/2010/main" xmlns="" w="9525">
                 <a:solidFill>
                   <a:schemeClr val="tx1"/>
                 </a:solidFill>
@@ -15901,7 +17732,7 @@
     </p:spTree>
     <p:extLst>
       <p:ext uri="{BB962C8B-B14F-4D97-AF65-F5344CB8AC3E}">
-        <p14:creationId xmlns:p14="http://schemas.microsoft.com/office/powerpoint/2010/main" val="313312729"/>
+        <p14:creationId xmlns:p14="http://schemas.microsoft.com/office/powerpoint/2010/main" xmlns="" val="313312729"/>
       </p:ext>
     </p:extLst>
   </p:cSld>
@@ -15918,7 +17749,7 @@
 </p:sld>
 </file>
 
-<file path=ppt/slides/slide31.xml><?xml version="1.0" encoding="utf-8"?>
+<file path=ppt/slides/slide37.xml><?xml version="1.0" encoding="utf-8"?>
 <p:sld xmlns:a="http://schemas.openxmlformats.org/drawingml/2006/main" xmlns:r="http://schemas.openxmlformats.org/officeDocument/2006/relationships" xmlns:p="http://schemas.openxmlformats.org/presentationml/2006/main">
   <p:cSld>
     <p:spTree>
@@ -16103,7 +17934,7 @@
             <a:fld id="{990B41CA-569D-40E7-8E58-026C0338B2C8}" type="slidenum">
               <a:rPr lang="en-US" smtClean="0"/>
               <a:pPr/>
-              <a:t>31</a:t>
+              <a:t>37</a:t>
             </a:fld>
             <a:endParaRPr lang="en-US"/>
           </a:p>
@@ -16112,7 +17943,7 @@
     </p:spTree>
     <p:extLst>
       <p:ext uri="{BB962C8B-B14F-4D97-AF65-F5344CB8AC3E}">
-        <p14:creationId xmlns:p14="http://schemas.microsoft.com/office/powerpoint/2010/main" val="1344880779"/>
+        <p14:creationId xmlns:p14="http://schemas.microsoft.com/office/powerpoint/2010/main" xmlns="" val="1344880779"/>
       </p:ext>
     </p:extLst>
   </p:cSld>
@@ -16122,7 +17953,7 @@
 </p:sld>
 </file>
 
-<file path=ppt/slides/slide32.xml><?xml version="1.0" encoding="utf-8"?>
+<file path=ppt/slides/slide38.xml><?xml version="1.0" encoding="utf-8"?>
 <p:sld xmlns:a="http://schemas.openxmlformats.org/drawingml/2006/main" xmlns:r="http://schemas.openxmlformats.org/officeDocument/2006/relationships" xmlns:p="http://schemas.openxmlformats.org/presentationml/2006/main">
   <p:cSld>
     <p:spTree>
@@ -16181,11 +18012,7 @@
           <a:p>
             <a:r>
               <a:rPr lang="de-DE" dirty="0" smtClean="0"/>
-              <a:t>Vielen Dank für Ihre </a:t>
-            </a:r>
-            <a:r>
-              <a:rPr lang="de-DE" dirty="0" smtClean="0"/>
-              <a:t>Aufmerksamkeit</a:t>
+              <a:t>Vielen Dank für Ihre Aufmerksamkeit</a:t>
             </a:r>
           </a:p>
           <a:p>
@@ -16209,7 +18036,7 @@
           <a:blip r:embed="rId3" cstate="print">
             <a:extLst>
               <a:ext uri="{28A0092B-C50C-407E-A947-70E740481C1C}">
-                <a14:useLocalDpi xmlns:a14="http://schemas.microsoft.com/office/drawing/2010/main" val="0"/>
+                <a14:useLocalDpi xmlns:a14="http://schemas.microsoft.com/office/drawing/2010/main" xmlns="" val="0"/>
               </a:ext>
             </a:extLst>
           </a:blip>
@@ -16239,7 +18066,7 @@
           <a:blip r:embed="rId4" cstate="print">
             <a:extLst>
               <a:ext uri="{28A0092B-C50C-407E-A947-70E740481C1C}">
-                <a14:useLocalDpi xmlns:a14="http://schemas.microsoft.com/office/drawing/2010/main" val="0"/>
+                <a14:useLocalDpi xmlns:a14="http://schemas.microsoft.com/office/drawing/2010/main" xmlns="" val="0"/>
               </a:ext>
             </a:extLst>
           </a:blip>
@@ -16260,7 +18087,7 @@
     </p:spTree>
     <p:extLst>
       <p:ext uri="{BB962C8B-B14F-4D97-AF65-F5344CB8AC3E}">
-        <p14:creationId xmlns:p14="http://schemas.microsoft.com/office/powerpoint/2010/main" val="2565098391"/>
+        <p14:creationId xmlns:p14="http://schemas.microsoft.com/office/powerpoint/2010/main" xmlns="" val="2565098391"/>
       </p:ext>
     </p:extLst>
   </p:cSld>
@@ -16277,7 +18104,7 @@
 </p:sld>
 </file>
 
-<file path=ppt/slides/slide33.xml><?xml version="1.0" encoding="utf-8"?>
+<file path=ppt/slides/slide39.xml><?xml version="1.0" encoding="utf-8"?>
 <p:sld xmlns:a="http://schemas.openxmlformats.org/drawingml/2006/main" xmlns:r="http://schemas.openxmlformats.org/officeDocument/2006/relationships" xmlns:p="http://schemas.openxmlformats.org/presentationml/2006/main">
   <p:cSld>
     <p:spTree>
@@ -16412,11 +18239,7 @@
           <a:p>
             <a:r>
               <a:rPr lang="de-DE" sz="2400" dirty="0" smtClean="0"/>
-              <a:t>Dekorative </a:t>
-            </a:r>
-            <a:r>
-              <a:rPr lang="de-DE" sz="2400" dirty="0" smtClean="0"/>
-              <a:t>Abbildungen</a:t>
+              <a:t>Dekorative Abbildungen</a:t>
             </a:r>
           </a:p>
           <a:p>
@@ -16503,7 +18326,7 @@
             <a:fld id="{990B41CA-569D-40E7-8E58-026C0338B2C8}" type="slidenum">
               <a:rPr lang="en-US" smtClean="0"/>
               <a:pPr/>
-              <a:t>33</a:t>
+              <a:t>39</a:t>
             </a:fld>
             <a:endParaRPr lang="en-US"/>
           </a:p>
@@ -16512,7 +18335,7 @@
     </p:spTree>
     <p:extLst>
       <p:ext uri="{BB962C8B-B14F-4D97-AF65-F5344CB8AC3E}">
-        <p14:creationId xmlns:p14="http://schemas.microsoft.com/office/powerpoint/2010/main" val="3661383713"/>
+        <p14:creationId xmlns:p14="http://schemas.microsoft.com/office/powerpoint/2010/main" xmlns="" val="3661383713"/>
       </p:ext>
     </p:extLst>
   </p:cSld>
@@ -16556,8 +18379,8 @@
         </p:blipFill>
         <p:spPr bwMode="auto">
           <a:xfrm>
-            <a:off x="1475656" y="1268760"/>
-            <a:ext cx="5508000" cy="5173026"/>
+            <a:off x="1475656" y="1453751"/>
+            <a:ext cx="5400000" cy="5071593"/>
           </a:xfrm>
           <a:prstGeom prst="rect">
             <a:avLst/>
@@ -16578,13 +18401,13 @@
         <p:spPr/>
         <p:txBody>
           <a:bodyPr>
-            <a:normAutofit/>
+            <a:normAutofit fontScale="90000"/>
           </a:bodyPr>
           <a:lstStyle/>
           <a:p>
             <a:r>
               <a:rPr lang="de-DE" dirty="0" smtClean="0"/>
-              <a:t>Anwendungsfalldiagramm</a:t>
+              <a:t>Funktionale Anforderungen Anwendungsfalldiagramm</a:t>
             </a:r>
             <a:endParaRPr lang="de-DE" dirty="0"/>
           </a:p>
@@ -16663,7 +18486,7 @@
     </p:spTree>
     <p:extLst>
       <p:ext uri="{BB962C8B-B14F-4D97-AF65-F5344CB8AC3E}">
-        <p14:creationId xmlns:p14="http://schemas.microsoft.com/office/powerpoint/2010/main" val="351671181"/>
+        <p14:creationId xmlns:p14="http://schemas.microsoft.com/office/powerpoint/2010/main" xmlns="" val="351671181"/>
       </p:ext>
     </p:extLst>
   </p:cSld>
@@ -16683,6 +18506,9 @@
                     <p:cTn id="3" fill="hold">
                       <p:stCondLst>
                         <p:cond delay="indefinite"/>
+                        <p:cond evt="onBegin" delay="0">
+                          <p:tn val="2"/>
+                        </p:cond>
                       </p:stCondLst>
                       <p:childTnLst>
                         <p:par>
@@ -16692,32 +18518,14 @@
                             </p:stCondLst>
                             <p:childTnLst>
                               <p:par>
-                                <p:cTn id="5" presetID="6" presetClass="emph" presetSubtype="0" fill="hold" nodeType="clickEffect">
-                                  <p:stCondLst>
-                                    <p:cond delay="0"/>
-                                  </p:stCondLst>
-                                  <p:childTnLst>
-                                    <p:animScale>
-                                      <p:cBhvr>
-                                        <p:cTn id="6" dur="1000" fill="hold"/>
-                                        <p:tgtEl>
-                                          <p:spTgt spid="1027"/>
-                                        </p:tgtEl>
-                                      </p:cBhvr>
-                                      <p:by x="50000" y="50000"/>
-                                    </p:animScale>
-                                  </p:childTnLst>
-                                </p:cTn>
-                              </p:par>
-                              <p:par>
-                                <p:cTn id="7" presetID="0" presetClass="path" presetSubtype="0" accel="50000" decel="50000" fill="hold" nodeType="withEffect">
+                                <p:cTn id="5" presetID="0" presetClass="path" presetSubtype="0" accel="50000" decel="50000" fill="hold" nodeType="withEffect">
                                   <p:stCondLst>
                                     <p:cond delay="0"/>
                                   </p:stCondLst>
                                   <p:childTnLst>
                                     <p:animMotion origin="layout" path="M 0 2.96296E-6 L -0.14358 -0.18797 " pathEditMode="relative" rAng="0" ptsTypes="AA">
                                       <p:cBhvr>
-                                        <p:cTn id="8" dur="1000" fill="hold"/>
+                                        <p:cTn id="6" dur="1000" fill="hold"/>
                                         <p:tgtEl>
                                           <p:spTgt spid="1027"/>
                                         </p:tgtEl>
@@ -16796,7 +18604,7 @@
         </p:blipFill>
         <p:spPr bwMode="auto">
           <a:xfrm>
-            <a:off x="1475656" y="1268765"/>
+            <a:off x="1475656" y="1484789"/>
             <a:ext cx="2628000" cy="2468173"/>
           </a:xfrm>
           <a:prstGeom prst="rect">
@@ -16818,13 +18626,13 @@
         <p:spPr/>
         <p:txBody>
           <a:bodyPr>
-            <a:normAutofit/>
+            <a:normAutofit fontScale="90000"/>
           </a:bodyPr>
           <a:lstStyle/>
           <a:p>
             <a:r>
               <a:rPr lang="de-DE" dirty="0" smtClean="0"/>
-              <a:t>Anwendungsfalldiagramm</a:t>
+              <a:t>Funktionale Anforderungen Anwendungsfalldiagramm</a:t>
             </a:r>
             <a:endParaRPr lang="de-DE" dirty="0"/>
           </a:p>
@@ -16917,7 +18725,7 @@
         </p:blipFill>
         <p:spPr bwMode="auto">
           <a:xfrm>
-            <a:off x="4499992" y="2924944"/>
+            <a:off x="4499992" y="3140968"/>
             <a:ext cx="4536504" cy="3312368"/>
           </a:xfrm>
           <a:prstGeom prst="rect">
@@ -16939,7 +18747,7 @@
         </p:nvSpPr>
         <p:spPr>
           <a:xfrm>
-            <a:off x="2411760" y="2276872"/>
+            <a:off x="2411760" y="2492896"/>
             <a:ext cx="1728192" cy="1224136"/>
           </a:xfrm>
           <a:prstGeom prst="rect">
@@ -16982,7 +18790,7 @@
         </p:nvCxnSpPr>
         <p:spPr>
           <a:xfrm>
-            <a:off x="4139952" y="2276872"/>
+            <a:off x="4139952" y="2492896"/>
             <a:ext cx="360040" cy="648072"/>
           </a:xfrm>
           <a:prstGeom prst="line">
@@ -17013,7 +18821,7 @@
         </p:nvCxnSpPr>
         <p:spPr>
           <a:xfrm>
-            <a:off x="4139952" y="3501008"/>
+            <a:off x="4139952" y="3717032"/>
             <a:ext cx="360040" cy="2736304"/>
           </a:xfrm>
           <a:prstGeom prst="line">
@@ -17038,13 +18846,13 @@
       </p:cxnSp>
       <p:sp>
         <p:nvSpPr>
-          <p:cNvPr id="15" name="Rechteck 14"/>
+          <p:cNvPr id="25" name="Rechteck 24"/>
           <p:cNvSpPr/>
           <p:nvPr/>
         </p:nvSpPr>
         <p:spPr>
           <a:xfrm>
-            <a:off x="5220072" y="3861048"/>
+            <a:off x="4572000" y="5733256"/>
             <a:ext cx="1368152" cy="648072"/>
           </a:xfrm>
           <a:prstGeom prst="rect">
@@ -17077,51 +18885,10 @@
           </a:p>
         </p:txBody>
       </p:sp>
-      <p:sp>
-        <p:nvSpPr>
-          <p:cNvPr id="25" name="Rechteck 24"/>
-          <p:cNvSpPr/>
-          <p:nvPr/>
-        </p:nvSpPr>
-        <p:spPr>
-          <a:xfrm>
-            <a:off x="4572000" y="5517232"/>
-            <a:ext cx="1368152" cy="648072"/>
-          </a:xfrm>
-          <a:prstGeom prst="rect">
-            <a:avLst/>
-          </a:prstGeom>
-          <a:noFill/>
-        </p:spPr>
-        <p:style>
-          <a:lnRef idx="2">
-            <a:schemeClr val="accent1">
-              <a:shade val="50000"/>
-            </a:schemeClr>
-          </a:lnRef>
-          <a:fillRef idx="1">
-            <a:schemeClr val="accent1"/>
-          </a:fillRef>
-          <a:effectRef idx="0">
-            <a:schemeClr val="accent1"/>
-          </a:effectRef>
-          <a:fontRef idx="minor">
-            <a:schemeClr val="lt1"/>
-          </a:fontRef>
-        </p:style>
-        <p:txBody>
-          <a:bodyPr rtlCol="0" anchor="ctr"/>
-          <a:lstStyle/>
-          <a:p>
-            <a:pPr algn="ctr"/>
-            <a:endParaRPr lang="de-DE"/>
-          </a:p>
-        </p:txBody>
-      </p:sp>
     </p:spTree>
     <p:extLst>
       <p:ext uri="{BB962C8B-B14F-4D97-AF65-F5344CB8AC3E}">
-        <p14:creationId xmlns:p14="http://schemas.microsoft.com/office/powerpoint/2010/main" val="351671181"/>
+        <p14:creationId xmlns:p14="http://schemas.microsoft.com/office/powerpoint/2010/main" xmlns="" val="351671181"/>
       </p:ext>
     </p:extLst>
   </p:cSld>
@@ -17174,14 +18941,22 @@
           <a:p>
             <a:r>
               <a:rPr lang="de-DE" dirty="0" smtClean="0"/>
+              <a:t>„Anmelden </a:t>
+            </a:r>
+            <a:r>
+              <a:rPr lang="de-DE" dirty="0" smtClean="0"/>
+              <a:t>(Login</a:t>
+            </a:r>
+            <a:r>
+              <a:rPr lang="de-DE" dirty="0" smtClean="0"/>
+              <a:t>)“</a:t>
+            </a:r>
+            <a:br>
+              <a:rPr lang="de-DE" dirty="0" smtClean="0"/>
+            </a:br>
+            <a:r>
+              <a:rPr lang="de-DE" dirty="0" smtClean="0"/>
               <a:t>Lastenheft</a:t>
-            </a:r>
-            <a:br>
-              <a:rPr lang="de-DE" dirty="0" smtClean="0"/>
-            </a:br>
-            <a:r>
-              <a:rPr lang="de-DE" dirty="0" smtClean="0"/>
-              <a:t>funktionale Anforderungen</a:t>
             </a:r>
             <a:endParaRPr lang="de-DE" dirty="0"/>
           </a:p>
@@ -17239,10 +19014,10 @@
           <p:nvPr/>
         </p:nvPicPr>
         <p:blipFill>
-          <a:blip r:embed="rId3">
+          <a:blip r:embed="rId3" cstate="print">
             <a:extLst>
               <a:ext uri="{28A0092B-C50C-407E-A947-70E740481C1C}">
-                <a14:useLocalDpi xmlns:a14="http://schemas.microsoft.com/office/drawing/2010/main" val="0"/>
+                <a14:useLocalDpi xmlns:a14="http://schemas.microsoft.com/office/drawing/2010/main" xmlns="" val="0"/>
               </a:ext>
             </a:extLst>
           </a:blip>
@@ -17293,14 +19068,14 @@
           </a:sp3d>
           <a:extLst>
             <a:ext uri="{909E8E84-426E-40DD-AFC4-6F175D3DCCD1}">
-              <a14:hiddenFill xmlns:a14="http://schemas.microsoft.com/office/drawing/2010/main">
+              <a14:hiddenFill xmlns:a14="http://schemas.microsoft.com/office/drawing/2010/main" xmlns="">
                 <a:solidFill>
                   <a:schemeClr val="accent1"/>
                 </a:solidFill>
               </a14:hiddenFill>
             </a:ext>
             <a:ext uri="{91240B29-F687-4F45-9708-019B960494DF}">
-              <a14:hiddenLine xmlns:a14="http://schemas.microsoft.com/office/drawing/2010/main" w="9525">
+              <a14:hiddenLine xmlns:a14="http://schemas.microsoft.com/office/drawing/2010/main" xmlns="" w="9525">
                 <a:solidFill>
                   <a:schemeClr val="tx1"/>
                 </a:solidFill>
@@ -17310,7 +19085,7 @@
               </a14:hiddenLine>
             </a:ext>
             <a:ext uri="{AF507438-7753-43E0-B8FC-AC1667EBCBE1}">
-              <a14:hiddenEffects xmlns:a14="http://schemas.microsoft.com/office/drawing/2010/main">
+              <a14:hiddenEffects xmlns:a14="http://schemas.microsoft.com/office/drawing/2010/main" xmlns="">
                 <a:effectLst>
                   <a:outerShdw dist="35921" dir="2700000" algn="ctr" rotWithShape="0">
                     <a:schemeClr val="bg2"/>
@@ -17324,7 +19099,7 @@
     </p:spTree>
     <p:extLst>
       <p:ext uri="{BB962C8B-B14F-4D97-AF65-F5344CB8AC3E}">
-        <p14:creationId xmlns:p14="http://schemas.microsoft.com/office/powerpoint/2010/main" val="2681693288"/>
+        <p14:creationId xmlns:p14="http://schemas.microsoft.com/office/powerpoint/2010/main" xmlns="" val="2681693288"/>
       </p:ext>
     </p:extLst>
   </p:cSld>
@@ -17377,14 +19152,18 @@
           <a:p>
             <a:r>
               <a:rPr lang="de-DE" dirty="0" smtClean="0"/>
+              <a:t>„Anmelden (Login)“ </a:t>
+            </a:r>
+            <a:r>
+              <a:rPr lang="de-DE" dirty="0" smtClean="0"/>
+              <a:t/>
+            </a:r>
+            <a:br>
+              <a:rPr lang="de-DE" dirty="0" smtClean="0"/>
+            </a:br>
+            <a:r>
+              <a:rPr lang="de-DE" dirty="0" smtClean="0"/>
               <a:t>Pflichtenheft</a:t>
-            </a:r>
-            <a:br>
-              <a:rPr lang="de-DE" dirty="0" smtClean="0"/>
-            </a:br>
-            <a:r>
-              <a:rPr lang="de-DE" dirty="0" smtClean="0"/>
-              <a:t>funktionale Anforderungen</a:t>
             </a:r>
             <a:endParaRPr lang="de-DE" dirty="0"/>
           </a:p>
@@ -17527,7 +19306,7 @@
     </p:spTree>
     <p:extLst>
       <p:ext uri="{BB962C8B-B14F-4D97-AF65-F5344CB8AC3E}">
-        <p14:creationId xmlns:p14="http://schemas.microsoft.com/office/powerpoint/2010/main" val="2681693288"/>
+        <p14:creationId xmlns:p14="http://schemas.microsoft.com/office/powerpoint/2010/main" xmlns="" val="2681693288"/>
       </p:ext>
     </p:extLst>
   </p:cSld>
@@ -17580,14 +19359,14 @@
           <a:p>
             <a:r>
               <a:rPr lang="de-DE" dirty="0" smtClean="0"/>
+              <a:t>„Anmelden (Login)“ </a:t>
+            </a:r>
+            <a:br>
+              <a:rPr lang="de-DE" dirty="0" smtClean="0"/>
+            </a:br>
+            <a:r>
+              <a:rPr lang="de-DE" dirty="0" smtClean="0"/>
               <a:t>Pflichtenheft</a:t>
-            </a:r>
-            <a:br>
-              <a:rPr lang="de-DE" dirty="0" smtClean="0"/>
-            </a:br>
-            <a:r>
-              <a:rPr lang="de-DE" dirty="0" smtClean="0"/>
-              <a:t>Benutzungs- &amp; Systemschnittstellen</a:t>
             </a:r>
             <a:endParaRPr lang="de-DE" dirty="0"/>
           </a:p>
@@ -17990,7 +19769,7 @@
     </p:spTree>
     <p:extLst>
       <p:ext uri="{BB962C8B-B14F-4D97-AF65-F5344CB8AC3E}">
-        <p14:creationId xmlns:p14="http://schemas.microsoft.com/office/powerpoint/2010/main" val="2857272158"/>
+        <p14:creationId xmlns:p14="http://schemas.microsoft.com/office/powerpoint/2010/main" xmlns="" val="2857272158"/>
       </p:ext>
     </p:extLst>
   </p:cSld>
@@ -18043,14 +19822,14 @@
           <a:p>
             <a:r>
               <a:rPr lang="de-DE" dirty="0" smtClean="0"/>
+              <a:t>„Anmelden (Login)“ </a:t>
+            </a:r>
+            <a:br>
+              <a:rPr lang="de-DE" dirty="0" smtClean="0"/>
+            </a:br>
+            <a:r>
+              <a:rPr lang="de-DE" dirty="0" smtClean="0"/>
               <a:t>Pflichtenheft</a:t>
-            </a:r>
-            <a:br>
-              <a:rPr lang="de-DE" dirty="0" smtClean="0"/>
-            </a:br>
-            <a:r>
-              <a:rPr lang="de-DE" dirty="0" smtClean="0"/>
-              <a:t>Aktivitätsdiagramme</a:t>
             </a:r>
             <a:endParaRPr lang="de-DE" dirty="0"/>
           </a:p>
@@ -18070,7 +19849,7 @@
           <a:blip r:embed="rId2" cstate="print">
             <a:extLst>
               <a:ext uri="{28A0092B-C50C-407E-A947-70E740481C1C}">
-                <a14:useLocalDpi xmlns:a14="http://schemas.microsoft.com/office/drawing/2010/main" val="0"/>
+                <a14:useLocalDpi xmlns:a14="http://schemas.microsoft.com/office/drawing/2010/main" xmlns="" val="0"/>
               </a:ext>
             </a:extLst>
           </a:blip>
@@ -18080,8 +19859,8 @@
         </p:blipFill>
         <p:spPr bwMode="auto">
           <a:xfrm>
-            <a:off x="3347864" y="1844824"/>
-            <a:ext cx="3412190" cy="4800600"/>
+            <a:off x="3059832" y="1412776"/>
+            <a:ext cx="3600000" cy="5064828"/>
           </a:xfrm>
           <a:prstGeom prst="rect">
             <a:avLst/>
@@ -18093,14 +19872,14 @@
           <a:effectLst/>
           <a:extLst>
             <a:ext uri="{909E8E84-426E-40DD-AFC4-6F175D3DCCD1}">
-              <a14:hiddenFill xmlns:a14="http://schemas.microsoft.com/office/drawing/2010/main">
+              <a14:hiddenFill xmlns:a14="http://schemas.microsoft.com/office/drawing/2010/main" xmlns="">
                 <a:solidFill>
                   <a:schemeClr val="accent1"/>
                 </a:solidFill>
               </a14:hiddenFill>
             </a:ext>
             <a:ext uri="{91240B29-F687-4F45-9708-019B960494DF}">
-              <a14:hiddenLine xmlns:a14="http://schemas.microsoft.com/office/drawing/2010/main" w="9525">
+              <a14:hiddenLine xmlns:a14="http://schemas.microsoft.com/office/drawing/2010/main" xmlns="" w="9525">
                 <a:solidFill>
                   <a:schemeClr val="tx1"/>
                 </a:solidFill>
@@ -18110,7 +19889,7 @@
               </a14:hiddenLine>
             </a:ext>
             <a:ext uri="{AF507438-7753-43E0-B8FC-AC1667EBCBE1}">
-              <a14:hiddenEffects xmlns:a14="http://schemas.microsoft.com/office/drawing/2010/main">
+              <a14:hiddenEffects xmlns:a14="http://schemas.microsoft.com/office/drawing/2010/main" xmlns="">
                 <a:effectLst>
                   <a:outerShdw dist="35921" dir="2700000" algn="ctr" rotWithShape="0">
                     <a:schemeClr val="bg2"/>
@@ -18388,12 +20167,6 @@
             <a:extLst/>
           </a:lstStyle>
           <a:p>
-            <a:r>
-              <a:rPr lang="de-DE" dirty="0" smtClean="0"/>
-              <a:t>Login</a:t>
-            </a:r>
-          </a:p>
-          <a:p>
             <a:endParaRPr lang="de-DE" dirty="0"/>
           </a:p>
         </p:txBody>
@@ -18401,13 +20174,20 @@
     </p:spTree>
     <p:extLst>
       <p:ext uri="{BB962C8B-B14F-4D97-AF65-F5344CB8AC3E}">
-        <p14:creationId xmlns:p14="http://schemas.microsoft.com/office/powerpoint/2010/main" val="3542583579"/>
+        <p14:creationId xmlns:p14="http://schemas.microsoft.com/office/powerpoint/2010/main" xmlns="" val="3542583579"/>
       </p:ext>
     </p:extLst>
   </p:cSld>
   <p:clrMapOvr>
     <a:masterClrMapping/>
   </p:clrMapOvr>
+  <p:timing>
+    <p:tnLst>
+      <p:par>
+        <p:cTn id="1" dur="indefinite" restart="never" nodeType="tmRoot"/>
+      </p:par>
+    </p:tnLst>
+  </p:timing>
 </p:sld>
 </file>
 

--- a/Dokumente/Abschlusspr�si/Abschlusspr�sentation.pptx
+++ b/Dokumente/Abschlusspr�si/Abschlusspr�sentation.pptx
@@ -154,15 +154,6 @@
 </p:cmAuthorLst>
 </file>
 
-<file path=ppt/comments/comment1.xml><?xml version="1.0" encoding="utf-8"?>
-<p:cmLst xmlns:a="http://schemas.openxmlformats.org/drawingml/2006/main" xmlns:r="http://schemas.openxmlformats.org/officeDocument/2006/relationships" xmlns:p="http://schemas.openxmlformats.org/presentationml/2006/main">
-  <p:cm authorId="1" dt="2012-05-10T23:26:08.797" idx="1">
-    <p:pos x="4377" y="1207"/>
-    <p:text>@ABK: Updaten mit FSM neuestem Mock-Up</p:text>
-  </p:cm>
-</p:cmLst>
-</file>
-
 <file path=ppt/notesMasters/notesMaster1.xml><?xml version="1.0" encoding="utf-8"?>
 <p:notesMaster xmlns:a="http://schemas.openxmlformats.org/drawingml/2006/main" xmlns:r="http://schemas.openxmlformats.org/officeDocument/2006/relationships" xmlns:p="http://schemas.openxmlformats.org/presentationml/2006/main">
   <p:cSld>
@@ -417,7 +408,7 @@
     </p:spTree>
     <p:extLst>
       <p:ext uri="{BB962C8B-B14F-4D97-AF65-F5344CB8AC3E}">
-        <p14:creationId xmlns:p14="http://schemas.microsoft.com/office/powerpoint/2010/main" xmlns="" val="2610097957"/>
+        <p14:creationId xmlns="" xmlns:p14="http://schemas.microsoft.com/office/powerpoint/2010/main" val="2610097957"/>
       </p:ext>
     </p:extLst>
   </p:cSld>
@@ -592,7 +583,7 @@
     </p:spTree>
     <p:extLst>
       <p:ext uri="{BB962C8B-B14F-4D97-AF65-F5344CB8AC3E}">
-        <p14:creationId xmlns:p14="http://schemas.microsoft.com/office/powerpoint/2010/main" xmlns="" val="2116472317"/>
+        <p14:creationId xmlns="" xmlns:p14="http://schemas.microsoft.com/office/powerpoint/2010/main" val="2116472317"/>
       </p:ext>
     </p:extLst>
   </p:cSld>
@@ -689,7 +680,7 @@
     </p:spTree>
     <p:extLst>
       <p:ext uri="{BB962C8B-B14F-4D97-AF65-F5344CB8AC3E}">
-        <p14:creationId xmlns:p14="http://schemas.microsoft.com/office/powerpoint/2010/main" xmlns="" val="2934279750"/>
+        <p14:creationId xmlns="" xmlns:p14="http://schemas.microsoft.com/office/powerpoint/2010/main" val="2934279750"/>
       </p:ext>
     </p:extLst>
   </p:cSld>
@@ -786,7 +777,7 @@
     </p:spTree>
     <p:extLst>
       <p:ext uri="{BB962C8B-B14F-4D97-AF65-F5344CB8AC3E}">
-        <p14:creationId xmlns:p14="http://schemas.microsoft.com/office/powerpoint/2010/main" xmlns="" val="2934279750"/>
+        <p14:creationId xmlns="" xmlns:p14="http://schemas.microsoft.com/office/powerpoint/2010/main" val="2934279750"/>
       </p:ext>
     </p:extLst>
   </p:cSld>
@@ -883,7 +874,7 @@
     </p:spTree>
     <p:extLst>
       <p:ext uri="{BB962C8B-B14F-4D97-AF65-F5344CB8AC3E}">
-        <p14:creationId xmlns:p14="http://schemas.microsoft.com/office/powerpoint/2010/main" xmlns="" val="2934279750"/>
+        <p14:creationId xmlns="" xmlns:p14="http://schemas.microsoft.com/office/powerpoint/2010/main" val="2934279750"/>
       </p:ext>
     </p:extLst>
   </p:cSld>
@@ -972,7 +963,7 @@
     </p:spTree>
     <p:extLst>
       <p:ext uri="{BB962C8B-B14F-4D97-AF65-F5344CB8AC3E}">
-        <p14:creationId xmlns:p14="http://schemas.microsoft.com/office/powerpoint/2010/main" xmlns="" val="135288531"/>
+        <p14:creationId xmlns="" xmlns:p14="http://schemas.microsoft.com/office/powerpoint/2010/main" val="135288531"/>
       </p:ext>
     </p:extLst>
   </p:cSld>
@@ -1065,7 +1056,7 @@
     </p:spTree>
     <p:extLst>
       <p:ext uri="{BB962C8B-B14F-4D97-AF65-F5344CB8AC3E}">
-        <p14:creationId xmlns:p14="http://schemas.microsoft.com/office/powerpoint/2010/main" xmlns="" val="2825845930"/>
+        <p14:creationId xmlns="" xmlns:p14="http://schemas.microsoft.com/office/powerpoint/2010/main" val="2825845930"/>
       </p:ext>
     </p:extLst>
   </p:cSld>
@@ -1166,7 +1157,7 @@
     </p:spTree>
     <p:extLst>
       <p:ext uri="{BB962C8B-B14F-4D97-AF65-F5344CB8AC3E}">
-        <p14:creationId xmlns:p14="http://schemas.microsoft.com/office/powerpoint/2010/main" xmlns="" val="3912581999"/>
+        <p14:creationId xmlns="" xmlns:p14="http://schemas.microsoft.com/office/powerpoint/2010/main" val="3912581999"/>
       </p:ext>
     </p:extLst>
   </p:cSld>
@@ -1299,7 +1290,7 @@
     </p:spTree>
     <p:extLst>
       <p:ext uri="{BB962C8B-B14F-4D97-AF65-F5344CB8AC3E}">
-        <p14:creationId xmlns:p14="http://schemas.microsoft.com/office/powerpoint/2010/main" xmlns="" val="802076649"/>
+        <p14:creationId xmlns="" xmlns:p14="http://schemas.microsoft.com/office/powerpoint/2010/main" val="802076649"/>
       </p:ext>
     </p:extLst>
   </p:cSld>
@@ -1432,7 +1423,7 @@
     </p:spTree>
     <p:extLst>
       <p:ext uri="{BB962C8B-B14F-4D97-AF65-F5344CB8AC3E}">
-        <p14:creationId xmlns:p14="http://schemas.microsoft.com/office/powerpoint/2010/main" xmlns="" val="802076649"/>
+        <p14:creationId xmlns="" xmlns:p14="http://schemas.microsoft.com/office/powerpoint/2010/main" val="802076649"/>
       </p:ext>
     </p:extLst>
   </p:cSld>
@@ -1565,7 +1556,7 @@
     </p:spTree>
     <p:extLst>
       <p:ext uri="{BB962C8B-B14F-4D97-AF65-F5344CB8AC3E}">
-        <p14:creationId xmlns:p14="http://schemas.microsoft.com/office/powerpoint/2010/main" xmlns="" val="802076649"/>
+        <p14:creationId xmlns="" xmlns:p14="http://schemas.microsoft.com/office/powerpoint/2010/main" val="802076649"/>
       </p:ext>
     </p:extLst>
   </p:cSld>
@@ -1698,7 +1689,7 @@
     </p:spTree>
     <p:extLst>
       <p:ext uri="{BB962C8B-B14F-4D97-AF65-F5344CB8AC3E}">
-        <p14:creationId xmlns:p14="http://schemas.microsoft.com/office/powerpoint/2010/main" xmlns="" val="802076649"/>
+        <p14:creationId xmlns="" xmlns:p14="http://schemas.microsoft.com/office/powerpoint/2010/main" val="802076649"/>
       </p:ext>
     </p:extLst>
   </p:cSld>
@@ -2023,7 +2014,7 @@
     </p:spTree>
     <p:extLst>
       <p:ext uri="{BB962C8B-B14F-4D97-AF65-F5344CB8AC3E}">
-        <p14:creationId xmlns:p14="http://schemas.microsoft.com/office/powerpoint/2010/main" xmlns="" val="517533983"/>
+        <p14:creationId xmlns="" xmlns:p14="http://schemas.microsoft.com/office/powerpoint/2010/main" val="517533983"/>
       </p:ext>
     </p:extLst>
   </p:cSld>
@@ -2156,7 +2147,7 @@
     </p:spTree>
     <p:extLst>
       <p:ext uri="{BB962C8B-B14F-4D97-AF65-F5344CB8AC3E}">
-        <p14:creationId xmlns:p14="http://schemas.microsoft.com/office/powerpoint/2010/main" xmlns="" val="802076649"/>
+        <p14:creationId xmlns="" xmlns:p14="http://schemas.microsoft.com/office/powerpoint/2010/main" val="802076649"/>
       </p:ext>
     </p:extLst>
   </p:cSld>
@@ -2289,7 +2280,7 @@
     </p:spTree>
     <p:extLst>
       <p:ext uri="{BB962C8B-B14F-4D97-AF65-F5344CB8AC3E}">
-        <p14:creationId xmlns:p14="http://schemas.microsoft.com/office/powerpoint/2010/main" xmlns="" val="802076649"/>
+        <p14:creationId xmlns="" xmlns:p14="http://schemas.microsoft.com/office/powerpoint/2010/main" val="802076649"/>
       </p:ext>
     </p:extLst>
   </p:cSld>
@@ -2422,7 +2413,7 @@
     </p:spTree>
     <p:extLst>
       <p:ext uri="{BB962C8B-B14F-4D97-AF65-F5344CB8AC3E}">
-        <p14:creationId xmlns:p14="http://schemas.microsoft.com/office/powerpoint/2010/main" xmlns="" val="802076649"/>
+        <p14:creationId xmlns="" xmlns:p14="http://schemas.microsoft.com/office/powerpoint/2010/main" val="802076649"/>
       </p:ext>
     </p:extLst>
   </p:cSld>
@@ -2633,7 +2624,7 @@
     </p:spTree>
     <p:extLst>
       <p:ext uri="{BB962C8B-B14F-4D97-AF65-F5344CB8AC3E}">
-        <p14:creationId xmlns:p14="http://schemas.microsoft.com/office/powerpoint/2010/main" xmlns="" val="1629754142"/>
+        <p14:creationId xmlns="" xmlns:p14="http://schemas.microsoft.com/office/powerpoint/2010/main" val="1629754142"/>
       </p:ext>
     </p:extLst>
   </p:cSld>
@@ -2758,7 +2749,7 @@
     </p:spTree>
     <p:extLst>
       <p:ext uri="{BB962C8B-B14F-4D97-AF65-F5344CB8AC3E}">
-        <p14:creationId xmlns:p14="http://schemas.microsoft.com/office/powerpoint/2010/main" xmlns="" val="3931682397"/>
+        <p14:creationId xmlns="" xmlns:p14="http://schemas.microsoft.com/office/powerpoint/2010/main" val="3931682397"/>
       </p:ext>
     </p:extLst>
   </p:cSld>
@@ -2883,7 +2874,7 @@
     </p:spTree>
     <p:extLst>
       <p:ext uri="{BB962C8B-B14F-4D97-AF65-F5344CB8AC3E}">
-        <p14:creationId xmlns:p14="http://schemas.microsoft.com/office/powerpoint/2010/main" xmlns="" val="3931682397"/>
+        <p14:creationId xmlns="" xmlns:p14="http://schemas.microsoft.com/office/powerpoint/2010/main" val="3931682397"/>
       </p:ext>
     </p:extLst>
   </p:cSld>
@@ -3250,7 +3241,7 @@
     </p:spTree>
     <p:extLst>
       <p:ext uri="{BB962C8B-B14F-4D97-AF65-F5344CB8AC3E}">
-        <p14:creationId xmlns:p14="http://schemas.microsoft.com/office/powerpoint/2010/main" xmlns="" val="1616458392"/>
+        <p14:creationId xmlns="" xmlns:p14="http://schemas.microsoft.com/office/powerpoint/2010/main" val="1616458392"/>
       </p:ext>
     </p:extLst>
   </p:cSld>
@@ -3335,7 +3326,7 @@
     </p:spTree>
     <p:extLst>
       <p:ext uri="{BB962C8B-B14F-4D97-AF65-F5344CB8AC3E}">
-        <p14:creationId xmlns:p14="http://schemas.microsoft.com/office/powerpoint/2010/main" xmlns="" val="2116472317"/>
+        <p14:creationId xmlns="" xmlns:p14="http://schemas.microsoft.com/office/powerpoint/2010/main" val="2116472317"/>
       </p:ext>
     </p:extLst>
   </p:cSld>
@@ -3660,7 +3651,7 @@
     </p:spTree>
     <p:extLst>
       <p:ext uri="{BB962C8B-B14F-4D97-AF65-F5344CB8AC3E}">
-        <p14:creationId xmlns:p14="http://schemas.microsoft.com/office/powerpoint/2010/main" xmlns="" val="517533983"/>
+        <p14:creationId xmlns="" xmlns:p14="http://schemas.microsoft.com/office/powerpoint/2010/main" val="517533983"/>
       </p:ext>
     </p:extLst>
   </p:cSld>
@@ -3753,7 +3744,7 @@
     </p:spTree>
     <p:extLst>
       <p:ext uri="{BB962C8B-B14F-4D97-AF65-F5344CB8AC3E}">
-        <p14:creationId xmlns:p14="http://schemas.microsoft.com/office/powerpoint/2010/main" xmlns="" val="2934279750"/>
+        <p14:creationId xmlns="" xmlns:p14="http://schemas.microsoft.com/office/powerpoint/2010/main" val="2934279750"/>
       </p:ext>
     </p:extLst>
   </p:cSld>
@@ -3850,7 +3841,7 @@
     </p:spTree>
     <p:extLst>
       <p:ext uri="{BB962C8B-B14F-4D97-AF65-F5344CB8AC3E}">
-        <p14:creationId xmlns:p14="http://schemas.microsoft.com/office/powerpoint/2010/main" xmlns="" val="2934279750"/>
+        <p14:creationId xmlns="" xmlns:p14="http://schemas.microsoft.com/office/powerpoint/2010/main" val="2934279750"/>
       </p:ext>
     </p:extLst>
   </p:cSld>
@@ -3935,7 +3926,7 @@
     </p:spTree>
     <p:extLst>
       <p:ext uri="{BB962C8B-B14F-4D97-AF65-F5344CB8AC3E}">
-        <p14:creationId xmlns:p14="http://schemas.microsoft.com/office/powerpoint/2010/main" xmlns="" val="2934279750"/>
+        <p14:creationId xmlns="" xmlns:p14="http://schemas.microsoft.com/office/powerpoint/2010/main" val="2934279750"/>
       </p:ext>
     </p:extLst>
   </p:cSld>
@@ -4345,7 +4336,7 @@
     </p:spTree>
     <p:extLst>
       <p:ext uri="{BB962C8B-B14F-4D97-AF65-F5344CB8AC3E}">
-        <p14:creationId xmlns:p14="http://schemas.microsoft.com/office/powerpoint/2010/main" xmlns="" val="2934279750"/>
+        <p14:creationId xmlns="" xmlns:p14="http://schemas.microsoft.com/office/powerpoint/2010/main" val="2934279750"/>
       </p:ext>
     </p:extLst>
   </p:cSld>
@@ -4430,7 +4421,7 @@
     </p:spTree>
     <p:extLst>
       <p:ext uri="{BB962C8B-B14F-4D97-AF65-F5344CB8AC3E}">
-        <p14:creationId xmlns:p14="http://schemas.microsoft.com/office/powerpoint/2010/main" xmlns="" val="3860513045"/>
+        <p14:creationId xmlns="" xmlns:p14="http://schemas.microsoft.com/office/powerpoint/2010/main" val="3860513045"/>
       </p:ext>
     </p:extLst>
   </p:cSld>
@@ -4527,7 +4518,7 @@
     </p:spTree>
     <p:extLst>
       <p:ext uri="{BB962C8B-B14F-4D97-AF65-F5344CB8AC3E}">
-        <p14:creationId xmlns:p14="http://schemas.microsoft.com/office/powerpoint/2010/main" xmlns="" val="2934279750"/>
+        <p14:creationId xmlns="" xmlns:p14="http://schemas.microsoft.com/office/powerpoint/2010/main" val="2934279750"/>
       </p:ext>
     </p:extLst>
   </p:cSld>
@@ -8767,7 +8758,7 @@
           <a:blip r:embed="rId13" cstate="print">
             <a:extLst>
               <a:ext uri="{28A0092B-C50C-407E-A947-70E740481C1C}">
-                <a14:useLocalDpi xmlns:a14="http://schemas.microsoft.com/office/drawing/2010/main" xmlns="" val="0"/>
+                <a14:useLocalDpi xmlns="" xmlns:a14="http://schemas.microsoft.com/office/drawing/2010/main" val="0"/>
               </a:ext>
             </a:extLst>
           </a:blip>
@@ -9265,7 +9256,7 @@
           <a:blip r:embed="rId3" cstate="print">
             <a:extLst>
               <a:ext uri="{28A0092B-C50C-407E-A947-70E740481C1C}">
-                <a14:useLocalDpi xmlns:a14="http://schemas.microsoft.com/office/drawing/2010/main" xmlns="" val="0"/>
+                <a14:useLocalDpi xmlns="" xmlns:a14="http://schemas.microsoft.com/office/drawing/2010/main" val="0"/>
               </a:ext>
             </a:extLst>
           </a:blip>
@@ -9295,7 +9286,7 @@
           <a:blip r:embed="rId4" cstate="print">
             <a:extLst>
               <a:ext uri="{28A0092B-C50C-407E-A947-70E740481C1C}">
-                <a14:useLocalDpi xmlns:a14="http://schemas.microsoft.com/office/drawing/2010/main" xmlns="" val="0"/>
+                <a14:useLocalDpi xmlns="" xmlns:a14="http://schemas.microsoft.com/office/drawing/2010/main" val="0"/>
               </a:ext>
             </a:extLst>
           </a:blip>
@@ -9646,7 +9637,7 @@
     </p:spTree>
     <p:extLst>
       <p:ext uri="{BB962C8B-B14F-4D97-AF65-F5344CB8AC3E}">
-        <p14:creationId xmlns:p14="http://schemas.microsoft.com/office/powerpoint/2010/main" xmlns="" val="351671181"/>
+        <p14:creationId xmlns="" xmlns:p14="http://schemas.microsoft.com/office/powerpoint/2010/main" val="351671181"/>
       </p:ext>
     </p:extLst>
   </p:cSld>
@@ -9700,10 +9691,6 @@
             <a:r>
               <a:rPr lang="de-DE" dirty="0" smtClean="0"/>
               <a:t>„Event organisieren“</a:t>
-            </a:r>
-            <a:r>
-              <a:rPr lang="de-DE" dirty="0" smtClean="0"/>
-              <a:t/>
             </a:r>
             <a:br>
               <a:rPr lang="de-DE" dirty="0" smtClean="0"/>
@@ -9953,10 +9940,6 @@
               <a:rPr lang="de-DE" dirty="0" smtClean="0"/>
               <a:t>„Event organisieren“</a:t>
             </a:r>
-            <a:r>
-              <a:rPr lang="de-DE" dirty="0" smtClean="0"/>
-              <a:t/>
-            </a:r>
             <a:br>
               <a:rPr lang="de-DE" dirty="0" smtClean="0"/>
             </a:br>
@@ -10205,10 +10188,6 @@
               <a:rPr lang="de-DE" dirty="0" smtClean="0"/>
               <a:t>„Event organisieren“</a:t>
             </a:r>
-            <a:r>
-              <a:rPr lang="de-DE" dirty="0" smtClean="0"/>
-              <a:t/>
-            </a:r>
             <a:br>
               <a:rPr lang="de-DE" dirty="0" smtClean="0"/>
             </a:br>
@@ -11006,8 +10985,10 @@
       </p:sp>
       <p:pic>
         <p:nvPicPr>
-          <p:cNvPr id="8" name="Grafik 7"/>
-          <p:cNvPicPr/>
+          <p:cNvPr id="1026" name="Picture 2" descr="C:\Users\Alexander\Desktop\eventalizer\Eventalizer\Dokumente\Mock Ups\Mockup - Event organisieren.png"/>
+          <p:cNvPicPr>
+            <a:picLocks noChangeAspect="1" noChangeArrowheads="1"/>
+          </p:cNvPicPr>
           <p:nvPr/>
         </p:nvPicPr>
         <p:blipFill>
@@ -11019,8 +11000,8 @@
         </p:blipFill>
         <p:spPr bwMode="auto">
           <a:xfrm>
-            <a:off x="1907704" y="1916832"/>
-            <a:ext cx="5040000" cy="2694934"/>
+            <a:off x="1763688" y="1922493"/>
+            <a:ext cx="5400000" cy="4098795"/>
           </a:xfrm>
           <a:prstGeom prst="rect">
             <a:avLst/>
@@ -11503,7 +11484,7 @@
     </p:spTree>
     <p:extLst>
       <p:ext uri="{BB962C8B-B14F-4D97-AF65-F5344CB8AC3E}">
-        <p14:creationId xmlns:p14="http://schemas.microsoft.com/office/powerpoint/2010/main" xmlns="" val="351671181"/>
+        <p14:creationId xmlns="" xmlns:p14="http://schemas.microsoft.com/office/powerpoint/2010/main" val="351671181"/>
       </p:ext>
     </p:extLst>
   </p:cSld>
@@ -11812,7 +11793,7 @@
     </p:spTree>
     <p:extLst>
       <p:ext uri="{BB962C8B-B14F-4D97-AF65-F5344CB8AC3E}">
-        <p14:creationId xmlns:p14="http://schemas.microsoft.com/office/powerpoint/2010/main" xmlns="" val="351671181"/>
+        <p14:creationId xmlns="" xmlns:p14="http://schemas.microsoft.com/office/powerpoint/2010/main" val="351671181"/>
       </p:ext>
     </p:extLst>
   </p:cSld>
@@ -12088,7 +12069,7 @@
     </p:spTree>
     <p:extLst>
       <p:ext uri="{BB962C8B-B14F-4D97-AF65-F5344CB8AC3E}">
-        <p14:creationId xmlns:p14="http://schemas.microsoft.com/office/powerpoint/2010/main" xmlns="" val="3616670450"/>
+        <p14:creationId xmlns="" xmlns:p14="http://schemas.microsoft.com/office/powerpoint/2010/main" val="3616670450"/>
       </p:ext>
     </p:extLst>
   </p:cSld>
@@ -12397,7 +12378,7 @@
     </p:spTree>
     <p:extLst>
       <p:ext uri="{BB962C8B-B14F-4D97-AF65-F5344CB8AC3E}">
-        <p14:creationId xmlns:p14="http://schemas.microsoft.com/office/powerpoint/2010/main" xmlns="" val="351671181"/>
+        <p14:creationId xmlns="" xmlns:p14="http://schemas.microsoft.com/office/powerpoint/2010/main" val="351671181"/>
       </p:ext>
     </p:extLst>
   </p:cSld>
@@ -12561,7 +12542,7 @@
     </p:spTree>
     <p:extLst>
       <p:ext uri="{BB962C8B-B14F-4D97-AF65-F5344CB8AC3E}">
-        <p14:creationId xmlns:p14="http://schemas.microsoft.com/office/powerpoint/2010/main" xmlns="" val="141785747"/>
+        <p14:creationId xmlns="" xmlns:p14="http://schemas.microsoft.com/office/powerpoint/2010/main" val="141785747"/>
       </p:ext>
     </p:extLst>
   </p:cSld>
@@ -12876,7 +12857,7 @@
     </p:spTree>
     <p:extLst>
       <p:ext uri="{BB962C8B-B14F-4D97-AF65-F5344CB8AC3E}">
-        <p14:creationId xmlns:p14="http://schemas.microsoft.com/office/powerpoint/2010/main" xmlns="" val="2634211947"/>
+        <p14:creationId xmlns="" xmlns:p14="http://schemas.microsoft.com/office/powerpoint/2010/main" val="2634211947"/>
       </p:ext>
     </p:extLst>
   </p:cSld>
@@ -13030,7 +13011,7 @@
     </p:spTree>
     <p:extLst>
       <p:ext uri="{BB962C8B-B14F-4D97-AF65-F5344CB8AC3E}">
-        <p14:creationId xmlns:p14="http://schemas.microsoft.com/office/powerpoint/2010/main" xmlns="" val="3243626544"/>
+        <p14:creationId xmlns="" xmlns:p14="http://schemas.microsoft.com/office/powerpoint/2010/main" val="3243626544"/>
       </p:ext>
     </p:extLst>
   </p:cSld>
@@ -13186,7 +13167,7 @@
     </p:spTree>
     <p:extLst>
       <p:ext uri="{BB962C8B-B14F-4D97-AF65-F5344CB8AC3E}">
-        <p14:creationId xmlns:p14="http://schemas.microsoft.com/office/powerpoint/2010/main" xmlns="" val="3243626544"/>
+        <p14:creationId xmlns="" xmlns:p14="http://schemas.microsoft.com/office/powerpoint/2010/main" val="3243626544"/>
       </p:ext>
     </p:extLst>
   </p:cSld>
@@ -13693,7 +13674,7 @@
     </p:spTree>
     <p:extLst>
       <p:ext uri="{BB962C8B-B14F-4D97-AF65-F5344CB8AC3E}">
-        <p14:creationId xmlns:p14="http://schemas.microsoft.com/office/powerpoint/2010/main" xmlns="" val="3243626544"/>
+        <p14:creationId xmlns="" xmlns:p14="http://schemas.microsoft.com/office/powerpoint/2010/main" val="3243626544"/>
       </p:ext>
     </p:extLst>
   </p:cSld>
@@ -14207,7 +14188,7 @@
     </p:spTree>
     <p:extLst>
       <p:ext uri="{BB962C8B-B14F-4D97-AF65-F5344CB8AC3E}">
-        <p14:creationId xmlns:p14="http://schemas.microsoft.com/office/powerpoint/2010/main" xmlns="" val="3243626544"/>
+        <p14:creationId xmlns="" xmlns:p14="http://schemas.microsoft.com/office/powerpoint/2010/main" val="3243626544"/>
       </p:ext>
     </p:extLst>
   </p:cSld>
@@ -14675,7 +14656,7 @@
     </p:spTree>
     <p:extLst>
       <p:ext uri="{BB962C8B-B14F-4D97-AF65-F5344CB8AC3E}">
-        <p14:creationId xmlns:p14="http://schemas.microsoft.com/office/powerpoint/2010/main" xmlns="" val="3243626544"/>
+        <p14:creationId xmlns="" xmlns:p14="http://schemas.microsoft.com/office/powerpoint/2010/main" val="3243626544"/>
       </p:ext>
     </p:extLst>
   </p:cSld>
@@ -15504,7 +15485,7 @@
     </p:spTree>
     <p:extLst>
       <p:ext uri="{BB962C8B-B14F-4D97-AF65-F5344CB8AC3E}">
-        <p14:creationId xmlns:p14="http://schemas.microsoft.com/office/powerpoint/2010/main" xmlns="" val="3243626544"/>
+        <p14:creationId xmlns="" xmlns:p14="http://schemas.microsoft.com/office/powerpoint/2010/main" val="3243626544"/>
       </p:ext>
     </p:extLst>
   </p:cSld>
@@ -15790,7 +15771,7 @@
     </p:spTree>
     <p:extLst>
       <p:ext uri="{BB962C8B-B14F-4D97-AF65-F5344CB8AC3E}">
-        <p14:creationId xmlns:p14="http://schemas.microsoft.com/office/powerpoint/2010/main" xmlns="" val="2988266106"/>
+        <p14:creationId xmlns="" xmlns:p14="http://schemas.microsoft.com/office/powerpoint/2010/main" val="2988266106"/>
       </p:ext>
     </p:extLst>
   </p:cSld>
@@ -15798,7 +15779,7 @@
     <a:masterClrMapping/>
   </p:clrMapOvr>
   <mc:AlternateContent xmlns:mc="http://schemas.openxmlformats.org/markup-compatibility/2006">
-    <mc:Choice xmlns:p14="http://schemas.microsoft.com/office/powerpoint/2010/main" xmlns="" Requires="p14">
+    <mc:Choice xmlns="" xmlns:p14="http://schemas.microsoft.com/office/powerpoint/2010/main" Requires="p14">
       <p:transition spd="slow" p14:dur="2000"/>
     </mc:Choice>
     <mc:Fallback>
@@ -16401,7 +16382,7 @@
     </p:spTree>
     <p:extLst>
       <p:ext uri="{BB962C8B-B14F-4D97-AF65-F5344CB8AC3E}">
-        <p14:creationId xmlns:p14="http://schemas.microsoft.com/office/powerpoint/2010/main" xmlns="" val="3243626544"/>
+        <p14:creationId xmlns="" xmlns:p14="http://schemas.microsoft.com/office/powerpoint/2010/main" val="3243626544"/>
       </p:ext>
     </p:extLst>
   </p:cSld>
@@ -16721,7 +16702,7 @@
     </p:spTree>
     <p:extLst>
       <p:ext uri="{BB962C8B-B14F-4D97-AF65-F5344CB8AC3E}">
-        <p14:creationId xmlns:p14="http://schemas.microsoft.com/office/powerpoint/2010/main" xmlns="" val="3309636493"/>
+        <p14:creationId xmlns="" xmlns:p14="http://schemas.microsoft.com/office/powerpoint/2010/main" val="3309636493"/>
       </p:ext>
     </p:extLst>
   </p:cSld>
@@ -16932,7 +16913,7 @@
     </p:spTree>
     <p:extLst>
       <p:ext uri="{BB962C8B-B14F-4D97-AF65-F5344CB8AC3E}">
-        <p14:creationId xmlns:p14="http://schemas.microsoft.com/office/powerpoint/2010/main" xmlns="" val="1012322072"/>
+        <p14:creationId xmlns="" xmlns:p14="http://schemas.microsoft.com/office/powerpoint/2010/main" val="1012322072"/>
       </p:ext>
     </p:extLst>
   </p:cSld>
@@ -17150,7 +17131,7 @@
     </p:spTree>
     <p:extLst>
       <p:ext uri="{BB962C8B-B14F-4D97-AF65-F5344CB8AC3E}">
-        <p14:creationId xmlns:p14="http://schemas.microsoft.com/office/powerpoint/2010/main" xmlns="" val="1012322072"/>
+        <p14:creationId xmlns="" xmlns:p14="http://schemas.microsoft.com/office/powerpoint/2010/main" val="1012322072"/>
       </p:ext>
     </p:extLst>
   </p:cSld>
@@ -17369,7 +17350,7 @@
           <a:blip r:embed="rId2" cstate="print">
             <a:extLst>
               <a:ext uri="{BEBA8EAE-BF5A-486C-A8C5-ECC9F3942E4B}">
-                <a14:imgProps xmlns:a14="http://schemas.microsoft.com/office/drawing/2010/main" xmlns="">
+                <a14:imgProps xmlns="" xmlns:a14="http://schemas.microsoft.com/office/drawing/2010/main">
                   <a14:imgLayer r:embed="rId3">
                     <a14:imgEffect>
                       <a14:backgroundRemoval t="6057" b="22942" l="7000" r="29162"/>
@@ -17378,7 +17359,7 @@
                 </a14:imgProps>
               </a:ext>
               <a:ext uri="{28A0092B-C50C-407E-A947-70E740481C1C}">
-                <a14:useLocalDpi xmlns:a14="http://schemas.microsoft.com/office/drawing/2010/main" xmlns="" val="0"/>
+                <a14:useLocalDpi xmlns="" xmlns:a14="http://schemas.microsoft.com/office/drawing/2010/main" val="0"/>
               </a:ext>
             </a:extLst>
           </a:blip>
@@ -17396,7 +17377,7 @@
           <a:noFill/>
           <a:extLst>
             <a:ext uri="{909E8E84-426E-40DD-AFC4-6F175D3DCCD1}">
-              <a14:hiddenFill xmlns:a14="http://schemas.microsoft.com/office/drawing/2010/main" xmlns="">
+              <a14:hiddenFill xmlns="" xmlns:a14="http://schemas.microsoft.com/office/drawing/2010/main">
                 <a:solidFill>
                   <a:srgbClr val="FFFFFF"/>
                 </a:solidFill>
@@ -17417,7 +17398,7 @@
           <a:blip r:embed="rId2" cstate="print">
             <a:extLst>
               <a:ext uri="{BEBA8EAE-BF5A-486C-A8C5-ECC9F3942E4B}">
-                <a14:imgProps xmlns:a14="http://schemas.microsoft.com/office/drawing/2010/main" xmlns="">
+                <a14:imgProps xmlns="" xmlns:a14="http://schemas.microsoft.com/office/drawing/2010/main">
                   <a14:imgLayer r:embed="rId3">
                     <a14:imgEffect>
                       <a14:backgroundRemoval t="6057" b="22942" l="7000" r="29162"/>
@@ -17426,7 +17407,7 @@
                 </a14:imgProps>
               </a:ext>
               <a:ext uri="{28A0092B-C50C-407E-A947-70E740481C1C}">
-                <a14:useLocalDpi xmlns:a14="http://schemas.microsoft.com/office/drawing/2010/main" xmlns="" val="0"/>
+                <a14:useLocalDpi xmlns="" xmlns:a14="http://schemas.microsoft.com/office/drawing/2010/main" val="0"/>
               </a:ext>
             </a:extLst>
           </a:blip>
@@ -17444,7 +17425,7 @@
           <a:noFill/>
           <a:extLst>
             <a:ext uri="{909E8E84-426E-40DD-AFC4-6F175D3DCCD1}">
-              <a14:hiddenFill xmlns:a14="http://schemas.microsoft.com/office/drawing/2010/main" xmlns="">
+              <a14:hiddenFill xmlns="" xmlns:a14="http://schemas.microsoft.com/office/drawing/2010/main">
                 <a:solidFill>
                   <a:srgbClr val="FFFFFF"/>
                 </a:solidFill>
@@ -17456,7 +17437,7 @@
     </p:spTree>
     <p:extLst>
       <p:ext uri="{BB962C8B-B14F-4D97-AF65-F5344CB8AC3E}">
-        <p14:creationId xmlns:p14="http://schemas.microsoft.com/office/powerpoint/2010/main" xmlns="" val="2645794681"/>
+        <p14:creationId xmlns="" xmlns:p14="http://schemas.microsoft.com/office/powerpoint/2010/main" val="2645794681"/>
       </p:ext>
     </p:extLst>
   </p:cSld>
@@ -17685,7 +17666,7 @@
           <a:blip r:embed="rId3" cstate="print">
             <a:extLst>
               <a:ext uri="{28A0092B-C50C-407E-A947-70E740481C1C}">
-                <a14:useLocalDpi xmlns:a14="http://schemas.microsoft.com/office/drawing/2010/main" xmlns="" val="0"/>
+                <a14:useLocalDpi xmlns="" xmlns:a14="http://schemas.microsoft.com/office/drawing/2010/main" val="0"/>
               </a:ext>
             </a:extLst>
           </a:blip>
@@ -17717,7 +17698,7 @@
           </a:effectLst>
           <a:extLst>
             <a:ext uri="{91240B29-F687-4F45-9708-019B960494DF}">
-              <a14:hiddenLine xmlns:a14="http://schemas.microsoft.com/office/drawing/2010/main" xmlns="" w="9525">
+              <a14:hiddenLine xmlns="" xmlns:a14="http://schemas.microsoft.com/office/drawing/2010/main" w="9525">
                 <a:solidFill>
                   <a:schemeClr val="tx1"/>
                 </a:solidFill>
@@ -17732,7 +17713,7 @@
     </p:spTree>
     <p:extLst>
       <p:ext uri="{BB962C8B-B14F-4D97-AF65-F5344CB8AC3E}">
-        <p14:creationId xmlns:p14="http://schemas.microsoft.com/office/powerpoint/2010/main" xmlns="" val="313312729"/>
+        <p14:creationId xmlns="" xmlns:p14="http://schemas.microsoft.com/office/powerpoint/2010/main" val="313312729"/>
       </p:ext>
     </p:extLst>
   </p:cSld>
@@ -17943,7 +17924,7 @@
     </p:spTree>
     <p:extLst>
       <p:ext uri="{BB962C8B-B14F-4D97-AF65-F5344CB8AC3E}">
-        <p14:creationId xmlns:p14="http://schemas.microsoft.com/office/powerpoint/2010/main" xmlns="" val="1344880779"/>
+        <p14:creationId xmlns="" xmlns:p14="http://schemas.microsoft.com/office/powerpoint/2010/main" val="1344880779"/>
       </p:ext>
     </p:extLst>
   </p:cSld>
@@ -18036,7 +18017,7 @@
           <a:blip r:embed="rId3" cstate="print">
             <a:extLst>
               <a:ext uri="{28A0092B-C50C-407E-A947-70E740481C1C}">
-                <a14:useLocalDpi xmlns:a14="http://schemas.microsoft.com/office/drawing/2010/main" xmlns="" val="0"/>
+                <a14:useLocalDpi xmlns="" xmlns:a14="http://schemas.microsoft.com/office/drawing/2010/main" val="0"/>
               </a:ext>
             </a:extLst>
           </a:blip>
@@ -18066,7 +18047,7 @@
           <a:blip r:embed="rId4" cstate="print">
             <a:extLst>
               <a:ext uri="{28A0092B-C50C-407E-A947-70E740481C1C}">
-                <a14:useLocalDpi xmlns:a14="http://schemas.microsoft.com/office/drawing/2010/main" xmlns="" val="0"/>
+                <a14:useLocalDpi xmlns="" xmlns:a14="http://schemas.microsoft.com/office/drawing/2010/main" val="0"/>
               </a:ext>
             </a:extLst>
           </a:blip>
@@ -18087,7 +18068,7 @@
     </p:spTree>
     <p:extLst>
       <p:ext uri="{BB962C8B-B14F-4D97-AF65-F5344CB8AC3E}">
-        <p14:creationId xmlns:p14="http://schemas.microsoft.com/office/powerpoint/2010/main" xmlns="" val="2565098391"/>
+        <p14:creationId xmlns="" xmlns:p14="http://schemas.microsoft.com/office/powerpoint/2010/main" val="2565098391"/>
       </p:ext>
     </p:extLst>
   </p:cSld>
@@ -18335,7 +18316,7 @@
     </p:spTree>
     <p:extLst>
       <p:ext uri="{BB962C8B-B14F-4D97-AF65-F5344CB8AC3E}">
-        <p14:creationId xmlns:p14="http://schemas.microsoft.com/office/powerpoint/2010/main" xmlns="" val="3661383713"/>
+        <p14:creationId xmlns="" xmlns:p14="http://schemas.microsoft.com/office/powerpoint/2010/main" val="3661383713"/>
       </p:ext>
     </p:extLst>
   </p:cSld>
@@ -18486,7 +18467,7 @@
     </p:spTree>
     <p:extLst>
       <p:ext uri="{BB962C8B-B14F-4D97-AF65-F5344CB8AC3E}">
-        <p14:creationId xmlns:p14="http://schemas.microsoft.com/office/powerpoint/2010/main" xmlns="" val="351671181"/>
+        <p14:creationId xmlns="" xmlns:p14="http://schemas.microsoft.com/office/powerpoint/2010/main" val="351671181"/>
       </p:ext>
     </p:extLst>
   </p:cSld>
@@ -18888,7 +18869,7 @@
     </p:spTree>
     <p:extLst>
       <p:ext uri="{BB962C8B-B14F-4D97-AF65-F5344CB8AC3E}">
-        <p14:creationId xmlns:p14="http://schemas.microsoft.com/office/powerpoint/2010/main" xmlns="" val="351671181"/>
+        <p14:creationId xmlns="" xmlns:p14="http://schemas.microsoft.com/office/powerpoint/2010/main" val="351671181"/>
       </p:ext>
     </p:extLst>
   </p:cSld>
@@ -18941,15 +18922,7 @@
           <a:p>
             <a:r>
               <a:rPr lang="de-DE" dirty="0" smtClean="0"/>
-              <a:t>„Anmelden </a:t>
-            </a:r>
-            <a:r>
-              <a:rPr lang="de-DE" dirty="0" smtClean="0"/>
-              <a:t>(Login</a:t>
-            </a:r>
-            <a:r>
-              <a:rPr lang="de-DE" dirty="0" smtClean="0"/>
-              <a:t>)“</a:t>
+              <a:t>„Anmelden (Login)“</a:t>
             </a:r>
             <a:br>
               <a:rPr lang="de-DE" dirty="0" smtClean="0"/>
@@ -19017,7 +18990,7 @@
           <a:blip r:embed="rId3" cstate="print">
             <a:extLst>
               <a:ext uri="{28A0092B-C50C-407E-A947-70E740481C1C}">
-                <a14:useLocalDpi xmlns:a14="http://schemas.microsoft.com/office/drawing/2010/main" xmlns="" val="0"/>
+                <a14:useLocalDpi xmlns="" xmlns:a14="http://schemas.microsoft.com/office/drawing/2010/main" val="0"/>
               </a:ext>
             </a:extLst>
           </a:blip>
@@ -19068,14 +19041,14 @@
           </a:sp3d>
           <a:extLst>
             <a:ext uri="{909E8E84-426E-40DD-AFC4-6F175D3DCCD1}">
-              <a14:hiddenFill xmlns:a14="http://schemas.microsoft.com/office/drawing/2010/main" xmlns="">
+              <a14:hiddenFill xmlns="" xmlns:a14="http://schemas.microsoft.com/office/drawing/2010/main">
                 <a:solidFill>
                   <a:schemeClr val="accent1"/>
                 </a:solidFill>
               </a14:hiddenFill>
             </a:ext>
             <a:ext uri="{91240B29-F687-4F45-9708-019B960494DF}">
-              <a14:hiddenLine xmlns:a14="http://schemas.microsoft.com/office/drawing/2010/main" xmlns="" w="9525">
+              <a14:hiddenLine xmlns="" xmlns:a14="http://schemas.microsoft.com/office/drawing/2010/main" w="9525">
                 <a:solidFill>
                   <a:schemeClr val="tx1"/>
                 </a:solidFill>
@@ -19085,7 +19058,7 @@
               </a14:hiddenLine>
             </a:ext>
             <a:ext uri="{AF507438-7753-43E0-B8FC-AC1667EBCBE1}">
-              <a14:hiddenEffects xmlns:a14="http://schemas.microsoft.com/office/drawing/2010/main" xmlns="">
+              <a14:hiddenEffects xmlns="" xmlns:a14="http://schemas.microsoft.com/office/drawing/2010/main">
                 <a:effectLst>
                   <a:outerShdw dist="35921" dir="2700000" algn="ctr" rotWithShape="0">
                     <a:schemeClr val="bg2"/>
@@ -19099,7 +19072,7 @@
     </p:spTree>
     <p:extLst>
       <p:ext uri="{BB962C8B-B14F-4D97-AF65-F5344CB8AC3E}">
-        <p14:creationId xmlns:p14="http://schemas.microsoft.com/office/powerpoint/2010/main" xmlns="" val="2681693288"/>
+        <p14:creationId xmlns="" xmlns:p14="http://schemas.microsoft.com/office/powerpoint/2010/main" val="2681693288"/>
       </p:ext>
     </p:extLst>
   </p:cSld>
@@ -19154,10 +19127,6 @@
               <a:rPr lang="de-DE" dirty="0" smtClean="0"/>
               <a:t>„Anmelden (Login)“ </a:t>
             </a:r>
-            <a:r>
-              <a:rPr lang="de-DE" dirty="0" smtClean="0"/>
-              <a:t/>
-            </a:r>
             <a:br>
               <a:rPr lang="de-DE" dirty="0" smtClean="0"/>
             </a:br>
@@ -19306,7 +19275,7 @@
     </p:spTree>
     <p:extLst>
       <p:ext uri="{BB962C8B-B14F-4D97-AF65-F5344CB8AC3E}">
-        <p14:creationId xmlns:p14="http://schemas.microsoft.com/office/powerpoint/2010/main" xmlns="" val="2681693288"/>
+        <p14:creationId xmlns="" xmlns:p14="http://schemas.microsoft.com/office/powerpoint/2010/main" val="2681693288"/>
       </p:ext>
     </p:extLst>
   </p:cSld>
@@ -19769,7 +19738,7 @@
     </p:spTree>
     <p:extLst>
       <p:ext uri="{BB962C8B-B14F-4D97-AF65-F5344CB8AC3E}">
-        <p14:creationId xmlns:p14="http://schemas.microsoft.com/office/powerpoint/2010/main" xmlns="" val="2857272158"/>
+        <p14:creationId xmlns="" xmlns:p14="http://schemas.microsoft.com/office/powerpoint/2010/main" val="2857272158"/>
       </p:ext>
     </p:extLst>
   </p:cSld>
@@ -19849,7 +19818,7 @@
           <a:blip r:embed="rId2" cstate="print">
             <a:extLst>
               <a:ext uri="{28A0092B-C50C-407E-A947-70E740481C1C}">
-                <a14:useLocalDpi xmlns:a14="http://schemas.microsoft.com/office/drawing/2010/main" xmlns="" val="0"/>
+                <a14:useLocalDpi xmlns="" xmlns:a14="http://schemas.microsoft.com/office/drawing/2010/main" val="0"/>
               </a:ext>
             </a:extLst>
           </a:blip>
@@ -19872,14 +19841,14 @@
           <a:effectLst/>
           <a:extLst>
             <a:ext uri="{909E8E84-426E-40DD-AFC4-6F175D3DCCD1}">
-              <a14:hiddenFill xmlns:a14="http://schemas.microsoft.com/office/drawing/2010/main" xmlns="">
+              <a14:hiddenFill xmlns="" xmlns:a14="http://schemas.microsoft.com/office/drawing/2010/main">
                 <a:solidFill>
                   <a:schemeClr val="accent1"/>
                 </a:solidFill>
               </a14:hiddenFill>
             </a:ext>
             <a:ext uri="{91240B29-F687-4F45-9708-019B960494DF}">
-              <a14:hiddenLine xmlns:a14="http://schemas.microsoft.com/office/drawing/2010/main" xmlns="" w="9525">
+              <a14:hiddenLine xmlns="" xmlns:a14="http://schemas.microsoft.com/office/drawing/2010/main" w="9525">
                 <a:solidFill>
                   <a:schemeClr val="tx1"/>
                 </a:solidFill>
@@ -19889,7 +19858,7 @@
               </a14:hiddenLine>
             </a:ext>
             <a:ext uri="{AF507438-7753-43E0-B8FC-AC1667EBCBE1}">
-              <a14:hiddenEffects xmlns:a14="http://schemas.microsoft.com/office/drawing/2010/main" xmlns="">
+              <a14:hiddenEffects xmlns="" xmlns:a14="http://schemas.microsoft.com/office/drawing/2010/main">
                 <a:effectLst>
                   <a:outerShdw dist="35921" dir="2700000" algn="ctr" rotWithShape="0">
                     <a:schemeClr val="bg2"/>
@@ -20174,7 +20143,7 @@
     </p:spTree>
     <p:extLst>
       <p:ext uri="{BB962C8B-B14F-4D97-AF65-F5344CB8AC3E}">
-        <p14:creationId xmlns:p14="http://schemas.microsoft.com/office/powerpoint/2010/main" xmlns="" val="3542583579"/>
+        <p14:creationId xmlns="" xmlns:p14="http://schemas.microsoft.com/office/powerpoint/2010/main" val="3542583579"/>
       </p:ext>
     </p:extLst>
   </p:cSld>

--- a/Dokumente/Abschlusspr�si/Abschlusspr�sentation.pptx
+++ b/Dokumente/Abschlusspr�si/Abschlusspr�sentation.pptx
@@ -5,7 +5,7 @@
     <p:sldMasterId id="2147483744" r:id="rId1"/>
   </p:sldMasterIdLst>
   <p:notesMasterIdLst>
-    <p:notesMasterId r:id="rId41"/>
+    <p:notesMasterId r:id="rId42"/>
   </p:notesMasterIdLst>
   <p:sldIdLst>
     <p:sldId id="256" r:id="rId2"/>
@@ -32,21 +32,22 @@
     <p:sldId id="305" r:id="rId23"/>
     <p:sldId id="297" r:id="rId24"/>
     <p:sldId id="306" r:id="rId25"/>
-    <p:sldId id="320" r:id="rId26"/>
-    <p:sldId id="321" r:id="rId27"/>
-    <p:sldId id="322" r:id="rId28"/>
-    <p:sldId id="323" r:id="rId29"/>
-    <p:sldId id="324" r:id="rId30"/>
-    <p:sldId id="325" r:id="rId31"/>
-    <p:sldId id="307" r:id="rId32"/>
-    <p:sldId id="316" r:id="rId33"/>
-    <p:sldId id="309" r:id="rId34"/>
-    <p:sldId id="301" r:id="rId35"/>
-    <p:sldId id="300" r:id="rId36"/>
-    <p:sldId id="303" r:id="rId37"/>
-    <p:sldId id="319" r:id="rId38"/>
-    <p:sldId id="290" r:id="rId39"/>
-    <p:sldId id="318" r:id="rId40"/>
+    <p:sldId id="341" r:id="rId26"/>
+    <p:sldId id="320" r:id="rId27"/>
+    <p:sldId id="321" r:id="rId28"/>
+    <p:sldId id="322" r:id="rId29"/>
+    <p:sldId id="323" r:id="rId30"/>
+    <p:sldId id="324" r:id="rId31"/>
+    <p:sldId id="325" r:id="rId32"/>
+    <p:sldId id="307" r:id="rId33"/>
+    <p:sldId id="316" r:id="rId34"/>
+    <p:sldId id="309" r:id="rId35"/>
+    <p:sldId id="301" r:id="rId36"/>
+    <p:sldId id="300" r:id="rId37"/>
+    <p:sldId id="303" r:id="rId38"/>
+    <p:sldId id="319" r:id="rId39"/>
+    <p:sldId id="290" r:id="rId40"/>
+    <p:sldId id="318" r:id="rId41"/>
   </p:sldIdLst>
   <p:sldSz cx="9144000" cy="6858000" type="screen4x3"/>
   <p:notesSz cx="6858000" cy="9144000"/>
@@ -408,7 +409,7 @@
     </p:spTree>
     <p:extLst>
       <p:ext uri="{BB962C8B-B14F-4D97-AF65-F5344CB8AC3E}">
-        <p14:creationId xmlns="" xmlns:p14="http://schemas.microsoft.com/office/powerpoint/2010/main" val="2610097957"/>
+        <p14:creationId xmlns:p14="http://schemas.microsoft.com/office/powerpoint/2010/main" xmlns="" val="2610097957"/>
       </p:ext>
     </p:extLst>
   </p:cSld>
@@ -583,7 +584,7 @@
     </p:spTree>
     <p:extLst>
       <p:ext uri="{BB962C8B-B14F-4D97-AF65-F5344CB8AC3E}">
-        <p14:creationId xmlns="" xmlns:p14="http://schemas.microsoft.com/office/powerpoint/2010/main" val="2116472317"/>
+        <p14:creationId xmlns:p14="http://schemas.microsoft.com/office/powerpoint/2010/main" xmlns="" val="2116472317"/>
       </p:ext>
     </p:extLst>
   </p:cSld>
@@ -680,7 +681,7 @@
     </p:spTree>
     <p:extLst>
       <p:ext uri="{BB962C8B-B14F-4D97-AF65-F5344CB8AC3E}">
-        <p14:creationId xmlns="" xmlns:p14="http://schemas.microsoft.com/office/powerpoint/2010/main" val="2934279750"/>
+        <p14:creationId xmlns:p14="http://schemas.microsoft.com/office/powerpoint/2010/main" xmlns="" val="2934279750"/>
       </p:ext>
     </p:extLst>
   </p:cSld>
@@ -777,7 +778,7 @@
     </p:spTree>
     <p:extLst>
       <p:ext uri="{BB962C8B-B14F-4D97-AF65-F5344CB8AC3E}">
-        <p14:creationId xmlns="" xmlns:p14="http://schemas.microsoft.com/office/powerpoint/2010/main" val="2934279750"/>
+        <p14:creationId xmlns:p14="http://schemas.microsoft.com/office/powerpoint/2010/main" xmlns="" val="2934279750"/>
       </p:ext>
     </p:extLst>
   </p:cSld>
@@ -874,7 +875,7 @@
     </p:spTree>
     <p:extLst>
       <p:ext uri="{BB962C8B-B14F-4D97-AF65-F5344CB8AC3E}">
-        <p14:creationId xmlns="" xmlns:p14="http://schemas.microsoft.com/office/powerpoint/2010/main" val="2934279750"/>
+        <p14:creationId xmlns:p14="http://schemas.microsoft.com/office/powerpoint/2010/main" xmlns="" val="2934279750"/>
       </p:ext>
     </p:extLst>
   </p:cSld>
@@ -963,7 +964,7 @@
     </p:spTree>
     <p:extLst>
       <p:ext uri="{BB962C8B-B14F-4D97-AF65-F5344CB8AC3E}">
-        <p14:creationId xmlns="" xmlns:p14="http://schemas.microsoft.com/office/powerpoint/2010/main" val="135288531"/>
+        <p14:creationId xmlns:p14="http://schemas.microsoft.com/office/powerpoint/2010/main" xmlns="" val="135288531"/>
       </p:ext>
     </p:extLst>
   </p:cSld>
@@ -1056,7 +1057,7 @@
     </p:spTree>
     <p:extLst>
       <p:ext uri="{BB962C8B-B14F-4D97-AF65-F5344CB8AC3E}">
-        <p14:creationId xmlns="" xmlns:p14="http://schemas.microsoft.com/office/powerpoint/2010/main" val="2825845930"/>
+        <p14:creationId xmlns:p14="http://schemas.microsoft.com/office/powerpoint/2010/main" xmlns="" val="2825845930"/>
       </p:ext>
     </p:extLst>
   </p:cSld>
@@ -1157,7 +1158,7 @@
     </p:spTree>
     <p:extLst>
       <p:ext uri="{BB962C8B-B14F-4D97-AF65-F5344CB8AC3E}">
-        <p14:creationId xmlns="" xmlns:p14="http://schemas.microsoft.com/office/powerpoint/2010/main" val="3912581999"/>
+        <p14:creationId xmlns:p14="http://schemas.microsoft.com/office/powerpoint/2010/main" xmlns="" val="3912581999"/>
       </p:ext>
     </p:extLst>
   </p:cSld>
@@ -1290,7 +1291,7 @@
     </p:spTree>
     <p:extLst>
       <p:ext uri="{BB962C8B-B14F-4D97-AF65-F5344CB8AC3E}">
-        <p14:creationId xmlns="" xmlns:p14="http://schemas.microsoft.com/office/powerpoint/2010/main" val="802076649"/>
+        <p14:creationId xmlns:p14="http://schemas.microsoft.com/office/powerpoint/2010/main" xmlns="" val="802076649"/>
       </p:ext>
     </p:extLst>
   </p:cSld>
@@ -1414,7 +1415,7 @@
             <a:fld id="{F7EBFB8C-BBFF-4397-A51C-1E92596422A9}" type="slidenum">
               <a:rPr lang="en-US" smtClean="0"/>
               <a:pPr/>
-              <a:t>25</a:t>
+              <a:t>26</a:t>
             </a:fld>
             <a:endParaRPr lang="en-US" dirty="0"/>
           </a:p>
@@ -1423,7 +1424,7 @@
     </p:spTree>
     <p:extLst>
       <p:ext uri="{BB962C8B-B14F-4D97-AF65-F5344CB8AC3E}">
-        <p14:creationId xmlns="" xmlns:p14="http://schemas.microsoft.com/office/powerpoint/2010/main" val="802076649"/>
+        <p14:creationId xmlns:p14="http://schemas.microsoft.com/office/powerpoint/2010/main" xmlns="" val="802076649"/>
       </p:ext>
     </p:extLst>
   </p:cSld>
@@ -1547,7 +1548,7 @@
             <a:fld id="{F7EBFB8C-BBFF-4397-A51C-1E92596422A9}" type="slidenum">
               <a:rPr lang="en-US" smtClean="0"/>
               <a:pPr/>
-              <a:t>26</a:t>
+              <a:t>27</a:t>
             </a:fld>
             <a:endParaRPr lang="en-US" dirty="0"/>
           </a:p>
@@ -1556,7 +1557,7 @@
     </p:spTree>
     <p:extLst>
       <p:ext uri="{BB962C8B-B14F-4D97-AF65-F5344CB8AC3E}">
-        <p14:creationId xmlns="" xmlns:p14="http://schemas.microsoft.com/office/powerpoint/2010/main" val="802076649"/>
+        <p14:creationId xmlns:p14="http://schemas.microsoft.com/office/powerpoint/2010/main" xmlns="" val="802076649"/>
       </p:ext>
     </p:extLst>
   </p:cSld>
@@ -1680,7 +1681,7 @@
             <a:fld id="{F7EBFB8C-BBFF-4397-A51C-1E92596422A9}" type="slidenum">
               <a:rPr lang="en-US" smtClean="0"/>
               <a:pPr/>
-              <a:t>27</a:t>
+              <a:t>28</a:t>
             </a:fld>
             <a:endParaRPr lang="en-US" dirty="0"/>
           </a:p>
@@ -1689,7 +1690,7 @@
     </p:spTree>
     <p:extLst>
       <p:ext uri="{BB962C8B-B14F-4D97-AF65-F5344CB8AC3E}">
-        <p14:creationId xmlns="" xmlns:p14="http://schemas.microsoft.com/office/powerpoint/2010/main" val="802076649"/>
+        <p14:creationId xmlns:p14="http://schemas.microsoft.com/office/powerpoint/2010/main" xmlns="" val="802076649"/>
       </p:ext>
     </p:extLst>
   </p:cSld>
@@ -2014,7 +2015,7 @@
     </p:spTree>
     <p:extLst>
       <p:ext uri="{BB962C8B-B14F-4D97-AF65-F5344CB8AC3E}">
-        <p14:creationId xmlns="" xmlns:p14="http://schemas.microsoft.com/office/powerpoint/2010/main" val="517533983"/>
+        <p14:creationId xmlns:p14="http://schemas.microsoft.com/office/powerpoint/2010/main" xmlns="" val="517533983"/>
       </p:ext>
     </p:extLst>
   </p:cSld>
@@ -2138,7 +2139,7 @@
             <a:fld id="{F7EBFB8C-BBFF-4397-A51C-1E92596422A9}" type="slidenum">
               <a:rPr lang="en-US" smtClean="0"/>
               <a:pPr/>
-              <a:t>28</a:t>
+              <a:t>29</a:t>
             </a:fld>
             <a:endParaRPr lang="en-US" dirty="0"/>
           </a:p>
@@ -2147,7 +2148,7 @@
     </p:spTree>
     <p:extLst>
       <p:ext uri="{BB962C8B-B14F-4D97-AF65-F5344CB8AC3E}">
-        <p14:creationId xmlns="" xmlns:p14="http://schemas.microsoft.com/office/powerpoint/2010/main" val="802076649"/>
+        <p14:creationId xmlns:p14="http://schemas.microsoft.com/office/powerpoint/2010/main" xmlns="" val="802076649"/>
       </p:ext>
     </p:extLst>
   </p:cSld>
@@ -2271,7 +2272,7 @@
             <a:fld id="{F7EBFB8C-BBFF-4397-A51C-1E92596422A9}" type="slidenum">
               <a:rPr lang="en-US" smtClean="0"/>
               <a:pPr/>
-              <a:t>29</a:t>
+              <a:t>30</a:t>
             </a:fld>
             <a:endParaRPr lang="en-US" dirty="0"/>
           </a:p>
@@ -2280,7 +2281,7 @@
     </p:spTree>
     <p:extLst>
       <p:ext uri="{BB962C8B-B14F-4D97-AF65-F5344CB8AC3E}">
-        <p14:creationId xmlns="" xmlns:p14="http://schemas.microsoft.com/office/powerpoint/2010/main" val="802076649"/>
+        <p14:creationId xmlns:p14="http://schemas.microsoft.com/office/powerpoint/2010/main" xmlns="" val="802076649"/>
       </p:ext>
     </p:extLst>
   </p:cSld>
@@ -2404,7 +2405,7 @@
             <a:fld id="{F7EBFB8C-BBFF-4397-A51C-1E92596422A9}" type="slidenum">
               <a:rPr lang="en-US" smtClean="0"/>
               <a:pPr/>
-              <a:t>30</a:t>
+              <a:t>31</a:t>
             </a:fld>
             <a:endParaRPr lang="en-US" dirty="0"/>
           </a:p>
@@ -2413,7 +2414,7 @@
     </p:spTree>
     <p:extLst>
       <p:ext uri="{BB962C8B-B14F-4D97-AF65-F5344CB8AC3E}">
-        <p14:creationId xmlns="" xmlns:p14="http://schemas.microsoft.com/office/powerpoint/2010/main" val="802076649"/>
+        <p14:creationId xmlns:p14="http://schemas.microsoft.com/office/powerpoint/2010/main" xmlns="" val="802076649"/>
       </p:ext>
     </p:extLst>
   </p:cSld>
@@ -2615,7 +2616,7 @@
             <a:fld id="{F7EBFB8C-BBFF-4397-A51C-1E92596422A9}" type="slidenum">
               <a:rPr lang="en-US" smtClean="0"/>
               <a:pPr/>
-              <a:t>31</a:t>
+              <a:t>32</a:t>
             </a:fld>
             <a:endParaRPr lang="en-US" dirty="0"/>
           </a:p>
@@ -2624,7 +2625,7 @@
     </p:spTree>
     <p:extLst>
       <p:ext uri="{BB962C8B-B14F-4D97-AF65-F5344CB8AC3E}">
-        <p14:creationId xmlns="" xmlns:p14="http://schemas.microsoft.com/office/powerpoint/2010/main" val="1629754142"/>
+        <p14:creationId xmlns:p14="http://schemas.microsoft.com/office/powerpoint/2010/main" xmlns="" val="1629754142"/>
       </p:ext>
     </p:extLst>
   </p:cSld>
@@ -2740,7 +2741,7 @@
             <a:fld id="{F7EBFB8C-BBFF-4397-A51C-1E92596422A9}" type="slidenum">
               <a:rPr lang="en-US" smtClean="0"/>
               <a:pPr/>
-              <a:t>33</a:t>
+              <a:t>34</a:t>
             </a:fld>
             <a:endParaRPr lang="en-US" dirty="0"/>
           </a:p>
@@ -2749,7 +2750,7 @@
     </p:spTree>
     <p:extLst>
       <p:ext uri="{BB962C8B-B14F-4D97-AF65-F5344CB8AC3E}">
-        <p14:creationId xmlns="" xmlns:p14="http://schemas.microsoft.com/office/powerpoint/2010/main" val="3931682397"/>
+        <p14:creationId xmlns:p14="http://schemas.microsoft.com/office/powerpoint/2010/main" xmlns="" val="3931682397"/>
       </p:ext>
     </p:extLst>
   </p:cSld>
@@ -2865,7 +2866,7 @@
             <a:fld id="{F7EBFB8C-BBFF-4397-A51C-1E92596422A9}" type="slidenum">
               <a:rPr lang="en-US" smtClean="0"/>
               <a:pPr/>
-              <a:t>34</a:t>
+              <a:t>35</a:t>
             </a:fld>
             <a:endParaRPr lang="en-US" dirty="0"/>
           </a:p>
@@ -2874,7 +2875,7 @@
     </p:spTree>
     <p:extLst>
       <p:ext uri="{BB962C8B-B14F-4D97-AF65-F5344CB8AC3E}">
-        <p14:creationId xmlns="" xmlns:p14="http://schemas.microsoft.com/office/powerpoint/2010/main" val="3931682397"/>
+        <p14:creationId xmlns:p14="http://schemas.microsoft.com/office/powerpoint/2010/main" xmlns="" val="3931682397"/>
       </p:ext>
     </p:extLst>
   </p:cSld>
@@ -2952,7 +2953,7 @@
             <a:fld id="{1EBFF01C-F984-4A51-AF10-254043F7C542}" type="slidenum">
               <a:rPr lang="de-DE" smtClean="0"/>
               <a:pPr/>
-              <a:t>36</a:t>
+              <a:t>37</a:t>
             </a:fld>
             <a:endParaRPr lang="de-DE"/>
           </a:p>
@@ -3232,7 +3233,7 @@
             <a:fld id="{F7EBFB8C-BBFF-4397-A51C-1E92596422A9}" type="slidenum">
               <a:rPr lang="en-US" smtClean="0"/>
               <a:pPr/>
-              <a:t>37</a:t>
+              <a:t>38</a:t>
             </a:fld>
             <a:endParaRPr lang="en-US" dirty="0"/>
           </a:p>
@@ -3241,7 +3242,7 @@
     </p:spTree>
     <p:extLst>
       <p:ext uri="{BB962C8B-B14F-4D97-AF65-F5344CB8AC3E}">
-        <p14:creationId xmlns="" xmlns:p14="http://schemas.microsoft.com/office/powerpoint/2010/main" val="1616458392"/>
+        <p14:creationId xmlns:p14="http://schemas.microsoft.com/office/powerpoint/2010/main" xmlns="" val="1616458392"/>
       </p:ext>
     </p:extLst>
   </p:cSld>
@@ -3317,7 +3318,7 @@
             <a:fld id="{F7EBFB8C-BBFF-4397-A51C-1E92596422A9}" type="slidenum">
               <a:rPr lang="en-US" smtClean="0"/>
               <a:pPr/>
-              <a:t>38</a:t>
+              <a:t>39</a:t>
             </a:fld>
             <a:endParaRPr lang="en-US" dirty="0"/>
           </a:p>
@@ -3326,7 +3327,7 @@
     </p:spTree>
     <p:extLst>
       <p:ext uri="{BB962C8B-B14F-4D97-AF65-F5344CB8AC3E}">
-        <p14:creationId xmlns="" xmlns:p14="http://schemas.microsoft.com/office/powerpoint/2010/main" val="2116472317"/>
+        <p14:creationId xmlns:p14="http://schemas.microsoft.com/office/powerpoint/2010/main" xmlns="" val="2116472317"/>
       </p:ext>
     </p:extLst>
   </p:cSld>
@@ -3651,7 +3652,7 @@
     </p:spTree>
     <p:extLst>
       <p:ext uri="{BB962C8B-B14F-4D97-AF65-F5344CB8AC3E}">
-        <p14:creationId xmlns="" xmlns:p14="http://schemas.microsoft.com/office/powerpoint/2010/main" val="517533983"/>
+        <p14:creationId xmlns:p14="http://schemas.microsoft.com/office/powerpoint/2010/main" xmlns="" val="517533983"/>
       </p:ext>
     </p:extLst>
   </p:cSld>
@@ -3744,7 +3745,7 @@
     </p:spTree>
     <p:extLst>
       <p:ext uri="{BB962C8B-B14F-4D97-AF65-F5344CB8AC3E}">
-        <p14:creationId xmlns="" xmlns:p14="http://schemas.microsoft.com/office/powerpoint/2010/main" val="2934279750"/>
+        <p14:creationId xmlns:p14="http://schemas.microsoft.com/office/powerpoint/2010/main" xmlns="" val="2934279750"/>
       </p:ext>
     </p:extLst>
   </p:cSld>
@@ -3841,7 +3842,7 @@
     </p:spTree>
     <p:extLst>
       <p:ext uri="{BB962C8B-B14F-4D97-AF65-F5344CB8AC3E}">
-        <p14:creationId xmlns="" xmlns:p14="http://schemas.microsoft.com/office/powerpoint/2010/main" val="2934279750"/>
+        <p14:creationId xmlns:p14="http://schemas.microsoft.com/office/powerpoint/2010/main" xmlns="" val="2934279750"/>
       </p:ext>
     </p:extLst>
   </p:cSld>
@@ -3926,7 +3927,7 @@
     </p:spTree>
     <p:extLst>
       <p:ext uri="{BB962C8B-B14F-4D97-AF65-F5344CB8AC3E}">
-        <p14:creationId xmlns="" xmlns:p14="http://schemas.microsoft.com/office/powerpoint/2010/main" val="2934279750"/>
+        <p14:creationId xmlns:p14="http://schemas.microsoft.com/office/powerpoint/2010/main" xmlns="" val="2934279750"/>
       </p:ext>
     </p:extLst>
   </p:cSld>
@@ -4336,7 +4337,7 @@
     </p:spTree>
     <p:extLst>
       <p:ext uri="{BB962C8B-B14F-4D97-AF65-F5344CB8AC3E}">
-        <p14:creationId xmlns="" xmlns:p14="http://schemas.microsoft.com/office/powerpoint/2010/main" val="2934279750"/>
+        <p14:creationId xmlns:p14="http://schemas.microsoft.com/office/powerpoint/2010/main" xmlns="" val="2934279750"/>
       </p:ext>
     </p:extLst>
   </p:cSld>
@@ -4421,7 +4422,7 @@
     </p:spTree>
     <p:extLst>
       <p:ext uri="{BB962C8B-B14F-4D97-AF65-F5344CB8AC3E}">
-        <p14:creationId xmlns="" xmlns:p14="http://schemas.microsoft.com/office/powerpoint/2010/main" val="3860513045"/>
+        <p14:creationId xmlns:p14="http://schemas.microsoft.com/office/powerpoint/2010/main" xmlns="" val="3860513045"/>
       </p:ext>
     </p:extLst>
   </p:cSld>
@@ -4518,7 +4519,7 @@
     </p:spTree>
     <p:extLst>
       <p:ext uri="{BB962C8B-B14F-4D97-AF65-F5344CB8AC3E}">
-        <p14:creationId xmlns="" xmlns:p14="http://schemas.microsoft.com/office/powerpoint/2010/main" val="2934279750"/>
+        <p14:creationId xmlns:p14="http://schemas.microsoft.com/office/powerpoint/2010/main" xmlns="" val="2934279750"/>
       </p:ext>
     </p:extLst>
   </p:cSld>
@@ -8758,7 +8759,7 @@
           <a:blip r:embed="rId13" cstate="print">
             <a:extLst>
               <a:ext uri="{28A0092B-C50C-407E-A947-70E740481C1C}">
-                <a14:useLocalDpi xmlns="" xmlns:a14="http://schemas.microsoft.com/office/drawing/2010/main" val="0"/>
+                <a14:useLocalDpi xmlns:a14="http://schemas.microsoft.com/office/drawing/2010/main" xmlns="" val="0"/>
               </a:ext>
             </a:extLst>
           </a:blip>
@@ -9256,7 +9257,7 @@
           <a:blip r:embed="rId3" cstate="print">
             <a:extLst>
               <a:ext uri="{28A0092B-C50C-407E-A947-70E740481C1C}">
-                <a14:useLocalDpi xmlns="" xmlns:a14="http://schemas.microsoft.com/office/drawing/2010/main" val="0"/>
+                <a14:useLocalDpi xmlns:a14="http://schemas.microsoft.com/office/drawing/2010/main" xmlns="" val="0"/>
               </a:ext>
             </a:extLst>
           </a:blip>
@@ -9286,7 +9287,7 @@
           <a:blip r:embed="rId4" cstate="print">
             <a:extLst>
               <a:ext uri="{28A0092B-C50C-407E-A947-70E740481C1C}">
-                <a14:useLocalDpi xmlns="" xmlns:a14="http://schemas.microsoft.com/office/drawing/2010/main" val="0"/>
+                <a14:useLocalDpi xmlns:a14="http://schemas.microsoft.com/office/drawing/2010/main" xmlns="" val="0"/>
               </a:ext>
             </a:extLst>
           </a:blip>
@@ -9637,7 +9638,7 @@
     </p:spTree>
     <p:extLst>
       <p:ext uri="{BB962C8B-B14F-4D97-AF65-F5344CB8AC3E}">
-        <p14:creationId xmlns="" xmlns:p14="http://schemas.microsoft.com/office/powerpoint/2010/main" val="351671181"/>
+        <p14:creationId xmlns:p14="http://schemas.microsoft.com/office/powerpoint/2010/main" xmlns="" val="351671181"/>
       </p:ext>
     </p:extLst>
   </p:cSld>
@@ -10888,33 +10889,6 @@
       </p:sp>
       <p:sp>
         <p:nvSpPr>
-          <p:cNvPr id="3" name="Inhaltsplatzhalter 2"/>
-          <p:cNvSpPr>
-            <a:spLocks noGrp="1"/>
-          </p:cNvSpPr>
-          <p:nvPr>
-            <p:ph idx="1"/>
-          </p:nvPr>
-        </p:nvSpPr>
-        <p:spPr/>
-        <p:txBody>
-          <a:bodyPr/>
-          <a:lstStyle/>
-          <a:p>
-            <a:r>
-              <a:rPr lang="de-DE" dirty="0" smtClean="0"/>
-              <a:t>Mock-</a:t>
-            </a:r>
-            <a:r>
-              <a:rPr lang="de-DE" dirty="0" err="1" smtClean="0"/>
-              <a:t>Up</a:t>
-            </a:r>
-            <a:endParaRPr lang="de-DE" dirty="0"/>
-          </a:p>
-        </p:txBody>
-      </p:sp>
-      <p:sp>
-        <p:nvSpPr>
           <p:cNvPr id="4" name="Datumsplatzhalter 3"/>
           <p:cNvSpPr>
             <a:spLocks noGrp="1"/>
@@ -11000,8 +10974,8 @@
         </p:blipFill>
         <p:spPr bwMode="auto">
           <a:xfrm>
-            <a:off x="1763688" y="1922493"/>
-            <a:ext cx="5400000" cy="4098795"/>
+            <a:off x="1403648" y="1412776"/>
+            <a:ext cx="6480000" cy="4918554"/>
           </a:xfrm>
           <a:prstGeom prst="rect">
             <a:avLst/>
@@ -11484,7 +11458,7 @@
     </p:spTree>
     <p:extLst>
       <p:ext uri="{BB962C8B-B14F-4D97-AF65-F5344CB8AC3E}">
-        <p14:creationId xmlns="" xmlns:p14="http://schemas.microsoft.com/office/powerpoint/2010/main" val="351671181"/>
+        <p14:creationId xmlns:p14="http://schemas.microsoft.com/office/powerpoint/2010/main" xmlns="" val="351671181"/>
       </p:ext>
     </p:extLst>
   </p:cSld>
@@ -11793,7 +11767,7 @@
     </p:spTree>
     <p:extLst>
       <p:ext uri="{BB962C8B-B14F-4D97-AF65-F5344CB8AC3E}">
-        <p14:creationId xmlns="" xmlns:p14="http://schemas.microsoft.com/office/powerpoint/2010/main" val="351671181"/>
+        <p14:creationId xmlns:p14="http://schemas.microsoft.com/office/powerpoint/2010/main" xmlns="" val="351671181"/>
       </p:ext>
     </p:extLst>
   </p:cSld>
@@ -12069,7 +12043,7 @@
     </p:spTree>
     <p:extLst>
       <p:ext uri="{BB962C8B-B14F-4D97-AF65-F5344CB8AC3E}">
-        <p14:creationId xmlns="" xmlns:p14="http://schemas.microsoft.com/office/powerpoint/2010/main" val="3616670450"/>
+        <p14:creationId xmlns:p14="http://schemas.microsoft.com/office/powerpoint/2010/main" xmlns="" val="3616670450"/>
       </p:ext>
     </p:extLst>
   </p:cSld>
@@ -12378,7 +12352,7 @@
     </p:spTree>
     <p:extLst>
       <p:ext uri="{BB962C8B-B14F-4D97-AF65-F5344CB8AC3E}">
-        <p14:creationId xmlns="" xmlns:p14="http://schemas.microsoft.com/office/powerpoint/2010/main" val="351671181"/>
+        <p14:creationId xmlns:p14="http://schemas.microsoft.com/office/powerpoint/2010/main" xmlns="" val="351671181"/>
       </p:ext>
     </p:extLst>
   </p:cSld>
@@ -12542,7 +12516,7 @@
     </p:spTree>
     <p:extLst>
       <p:ext uri="{BB962C8B-B14F-4D97-AF65-F5344CB8AC3E}">
-        <p14:creationId xmlns="" xmlns:p14="http://schemas.microsoft.com/office/powerpoint/2010/main" val="141785747"/>
+        <p14:creationId xmlns:p14="http://schemas.microsoft.com/office/powerpoint/2010/main" xmlns="" val="141785747"/>
       </p:ext>
     </p:extLst>
   </p:cSld>
@@ -12778,7 +12752,11 @@
           <a:p>
             <a:r>
               <a:rPr lang="de-DE" dirty="0" smtClean="0"/>
-              <a:t>Event erstellen</a:t>
+              <a:t>Event </a:t>
+            </a:r>
+            <a:r>
+              <a:rPr lang="de-DE" dirty="0" smtClean="0"/>
+              <a:t>organisieren</a:t>
             </a:r>
             <a:endParaRPr lang="de-DE" dirty="0"/>
           </a:p>
@@ -12857,7 +12835,7 @@
     </p:spTree>
     <p:extLst>
       <p:ext uri="{BB962C8B-B14F-4D97-AF65-F5344CB8AC3E}">
-        <p14:creationId xmlns="" xmlns:p14="http://schemas.microsoft.com/office/powerpoint/2010/main" val="2634211947"/>
+        <p14:creationId xmlns:p14="http://schemas.microsoft.com/office/powerpoint/2010/main" xmlns="" val="2634211947"/>
       </p:ext>
     </p:extLst>
   </p:cSld>
@@ -12903,7 +12881,14 @@
           <a:p>
             <a:r>
               <a:rPr lang="de-DE" dirty="0" smtClean="0"/>
-              <a:t>Domänenklassendiagramm - Event</a:t>
+              <a:t>Domänenklassendiagramm -</a:t>
+            </a:r>
+            <a:br>
+              <a:rPr lang="de-DE" dirty="0" smtClean="0"/>
+            </a:br>
+            <a:r>
+              <a:rPr lang="de-DE" dirty="0" smtClean="0"/>
+              <a:t>Event</a:t>
             </a:r>
             <a:endParaRPr lang="de-DE" dirty="0"/>
           </a:p>
@@ -13011,7 +12996,7 @@
     </p:spTree>
     <p:extLst>
       <p:ext uri="{BB962C8B-B14F-4D97-AF65-F5344CB8AC3E}">
-        <p14:creationId xmlns="" xmlns:p14="http://schemas.microsoft.com/office/powerpoint/2010/main" val="3243626544"/>
+        <p14:creationId xmlns:p14="http://schemas.microsoft.com/office/powerpoint/2010/main" xmlns="" val="3243626544"/>
       </p:ext>
     </p:extLst>
   </p:cSld>
@@ -13022,6 +13007,169 @@
 </file>
 
 <file path=ppt/slides/slide25.xml><?xml version="1.0" encoding="utf-8"?>
+<p:sld xmlns:a="http://schemas.openxmlformats.org/drawingml/2006/main" xmlns:r="http://schemas.openxmlformats.org/officeDocument/2006/relationships" xmlns:p="http://schemas.openxmlformats.org/presentationml/2006/main">
+  <p:cSld>
+    <p:spTree>
+      <p:nvGrpSpPr>
+        <p:cNvPr id="1" name=""/>
+        <p:cNvGrpSpPr/>
+        <p:nvPr/>
+      </p:nvGrpSpPr>
+      <p:grpSpPr>
+        <a:xfrm>
+          <a:off x="0" y="0"/>
+          <a:ext cx="0" cy="0"/>
+          <a:chOff x="0" y="0"/>
+          <a:chExt cx="0" cy="0"/>
+        </a:xfrm>
+      </p:grpSpPr>
+      <p:sp>
+        <p:nvSpPr>
+          <p:cNvPr id="2" name="Titel 1"/>
+          <p:cNvSpPr>
+            <a:spLocks noGrp="1"/>
+          </p:cNvSpPr>
+          <p:nvPr>
+            <p:ph type="title"/>
+          </p:nvPr>
+        </p:nvSpPr>
+        <p:spPr/>
+        <p:txBody>
+          <a:bodyPr>
+            <a:normAutofit fontScale="90000"/>
+          </a:bodyPr>
+          <a:lstStyle/>
+          <a:p>
+            <a:r>
+              <a:rPr lang="de-DE" dirty="0" smtClean="0"/>
+              <a:t>Domänenklassendiagramm </a:t>
+            </a:r>
+            <a:r>
+              <a:rPr lang="de-DE" dirty="0" smtClean="0"/>
+              <a:t>-</a:t>
+            </a:r>
+            <a:br>
+              <a:rPr lang="de-DE" dirty="0" smtClean="0"/>
+            </a:br>
+            <a:r>
+              <a:rPr lang="de-DE" dirty="0" smtClean="0"/>
+              <a:t>Event</a:t>
+            </a:r>
+            <a:endParaRPr lang="de-DE" dirty="0"/>
+          </a:p>
+        </p:txBody>
+      </p:sp>
+      <p:sp>
+        <p:nvSpPr>
+          <p:cNvPr id="4" name="Datumsplatzhalter 3"/>
+          <p:cNvSpPr>
+            <a:spLocks noGrp="1"/>
+          </p:cNvSpPr>
+          <p:nvPr>
+            <p:ph type="dt" sz="half" idx="10"/>
+          </p:nvPr>
+        </p:nvSpPr>
+        <p:spPr/>
+        <p:txBody>
+          <a:bodyPr/>
+          <a:lstStyle/>
+          <a:p>
+            <a:r>
+              <a:rPr lang="de-DE" smtClean="0"/>
+              <a:t>21.04.2012</a:t>
+            </a:r>
+            <a:endParaRPr lang="en-US"/>
+          </a:p>
+        </p:txBody>
+      </p:sp>
+      <p:sp>
+        <p:nvSpPr>
+          <p:cNvPr id="5" name="Fußzeilenplatzhalter 4"/>
+          <p:cNvSpPr>
+            <a:spLocks noGrp="1"/>
+          </p:cNvSpPr>
+          <p:nvPr>
+            <p:ph type="ftr" sz="quarter" idx="11"/>
+          </p:nvPr>
+        </p:nvSpPr>
+        <p:spPr/>
+        <p:txBody>
+          <a:bodyPr/>
+          <a:lstStyle/>
+          <a:p>
+            <a:r>
+              <a:rPr lang="de-DE" smtClean="0"/>
+              <a:t>FST Projekt "Eventalizer" (SS 2012) Team 5</a:t>
+            </a:r>
+            <a:endParaRPr lang="de-DE" dirty="0"/>
+          </a:p>
+        </p:txBody>
+      </p:sp>
+      <p:sp>
+        <p:nvSpPr>
+          <p:cNvPr id="6" name="Foliennummernplatzhalter 5"/>
+          <p:cNvSpPr>
+            <a:spLocks noGrp="1"/>
+          </p:cNvSpPr>
+          <p:nvPr>
+            <p:ph type="sldNum" sz="quarter" idx="12"/>
+          </p:nvPr>
+        </p:nvSpPr>
+        <p:spPr/>
+        <p:txBody>
+          <a:bodyPr/>
+          <a:lstStyle/>
+          <a:p>
+            <a:fld id="{990B41CA-569D-40E7-8E58-026C0338B2C8}" type="slidenum">
+              <a:rPr lang="en-US" smtClean="0"/>
+              <a:pPr/>
+              <a:t>25</a:t>
+            </a:fld>
+            <a:endParaRPr lang="en-US"/>
+          </a:p>
+        </p:txBody>
+      </p:sp>
+      <p:pic>
+        <p:nvPicPr>
+          <p:cNvPr id="2050" name="Picture 2"/>
+          <p:cNvPicPr>
+            <a:picLocks noChangeAspect="1" noChangeArrowheads="1"/>
+          </p:cNvPicPr>
+          <p:nvPr/>
+        </p:nvPicPr>
+        <p:blipFill>
+          <a:blip r:embed="rId2" cstate="print"/>
+          <a:srcRect/>
+          <a:stretch>
+            <a:fillRect/>
+          </a:stretch>
+        </p:blipFill>
+        <p:spPr bwMode="auto">
+          <a:xfrm>
+            <a:off x="1547664" y="1484784"/>
+            <a:ext cx="5760000" cy="5009652"/>
+          </a:xfrm>
+          <a:prstGeom prst="rect">
+            <a:avLst/>
+          </a:prstGeom>
+          <a:noFill/>
+          <a:ln w="9525">
+            <a:noFill/>
+            <a:miter lim="800000"/>
+            <a:headEnd/>
+            <a:tailEnd/>
+          </a:ln>
+        </p:spPr>
+      </p:pic>
+    </p:spTree>
+  </p:cSld>
+  <p:clrMapOvr>
+    <a:masterClrMapping/>
+  </p:clrMapOvr>
+</p:sld>
+</file>
+
+<file path=ppt/slides/slide26.xml><?xml version="1.0" encoding="utf-8"?>
 <p:sld xmlns:a="http://schemas.openxmlformats.org/drawingml/2006/main" xmlns:r="http://schemas.openxmlformats.org/officeDocument/2006/relationships" xmlns:p="http://schemas.openxmlformats.org/presentationml/2006/main">
   <p:cSld>
     <p:spTree>
@@ -13158,7 +13306,7 @@
             <a:fld id="{990B41CA-569D-40E7-8E58-026C0338B2C8}" type="slidenum">
               <a:rPr lang="en-US" smtClean="0"/>
               <a:pPr/>
-              <a:t>25</a:t>
+              <a:t>26</a:t>
             </a:fld>
             <a:endParaRPr lang="en-US"/>
           </a:p>
@@ -13167,7 +13315,7 @@
     </p:spTree>
     <p:extLst>
       <p:ext uri="{BB962C8B-B14F-4D97-AF65-F5344CB8AC3E}">
-        <p14:creationId xmlns="" xmlns:p14="http://schemas.microsoft.com/office/powerpoint/2010/main" val="3243626544"/>
+        <p14:creationId xmlns:p14="http://schemas.microsoft.com/office/powerpoint/2010/main" xmlns="" val="3243626544"/>
       </p:ext>
     </p:extLst>
   </p:cSld>
@@ -13177,7 +13325,7 @@
 </p:sld>
 </file>
 
-<file path=ppt/slides/slide26.xml><?xml version="1.0" encoding="utf-8"?>
+<file path=ppt/slides/slide27.xml><?xml version="1.0" encoding="utf-8"?>
 <p:sld xmlns:a="http://schemas.openxmlformats.org/drawingml/2006/main" xmlns:r="http://schemas.openxmlformats.org/officeDocument/2006/relationships" xmlns:p="http://schemas.openxmlformats.org/presentationml/2006/main">
   <p:cSld>
     <p:spTree>
@@ -13362,7 +13510,7 @@
             <a:fld id="{990B41CA-569D-40E7-8E58-026C0338B2C8}" type="slidenum">
               <a:rPr lang="en-US" smtClean="0"/>
               <a:pPr/>
-              <a:t>26</a:t>
+              <a:t>27</a:t>
             </a:fld>
             <a:endParaRPr lang="en-US"/>
           </a:p>
@@ -13674,7 +13822,7 @@
     </p:spTree>
     <p:extLst>
       <p:ext uri="{BB962C8B-B14F-4D97-AF65-F5344CB8AC3E}">
-        <p14:creationId xmlns="" xmlns:p14="http://schemas.microsoft.com/office/powerpoint/2010/main" val="3243626544"/>
+        <p14:creationId xmlns:p14="http://schemas.microsoft.com/office/powerpoint/2010/main" xmlns="" val="3243626544"/>
       </p:ext>
     </p:extLst>
   </p:cSld>
@@ -13691,7 +13839,7 @@
 </p:sld>
 </file>
 
-<file path=ppt/slides/slide27.xml><?xml version="1.0" encoding="utf-8"?>
+<file path=ppt/slides/slide28.xml><?xml version="1.0" encoding="utf-8"?>
 <p:sld xmlns:a="http://schemas.openxmlformats.org/drawingml/2006/main" xmlns:r="http://schemas.openxmlformats.org/officeDocument/2006/relationships" xmlns:p="http://schemas.openxmlformats.org/presentationml/2006/main">
   <p:cSld>
     <p:spTree>
@@ -13876,7 +14024,7 @@
             <a:fld id="{990B41CA-569D-40E7-8E58-026C0338B2C8}" type="slidenum">
               <a:rPr lang="en-US" smtClean="0"/>
               <a:pPr/>
-              <a:t>27</a:t>
+              <a:t>28</a:t>
             </a:fld>
             <a:endParaRPr lang="en-US"/>
           </a:p>
@@ -14188,7 +14336,7 @@
     </p:spTree>
     <p:extLst>
       <p:ext uri="{BB962C8B-B14F-4D97-AF65-F5344CB8AC3E}">
-        <p14:creationId xmlns="" xmlns:p14="http://schemas.microsoft.com/office/powerpoint/2010/main" val="3243626544"/>
+        <p14:creationId xmlns:p14="http://schemas.microsoft.com/office/powerpoint/2010/main" xmlns="" val="3243626544"/>
       </p:ext>
     </p:extLst>
   </p:cSld>
@@ -14205,7 +14353,7 @@
 </p:sld>
 </file>
 
-<file path=ppt/slides/slide28.xml><?xml version="1.0" encoding="utf-8"?>
+<file path=ppt/slides/slide29.xml><?xml version="1.0" encoding="utf-8"?>
 <p:sld xmlns:a="http://schemas.openxmlformats.org/drawingml/2006/main" xmlns:r="http://schemas.openxmlformats.org/officeDocument/2006/relationships" xmlns:p="http://schemas.openxmlformats.org/presentationml/2006/main">
   <p:cSld>
     <p:spTree>
@@ -14342,7 +14490,7 @@
             <a:fld id="{990B41CA-569D-40E7-8E58-026C0338B2C8}" type="slidenum">
               <a:rPr lang="en-US" smtClean="0"/>
               <a:pPr/>
-              <a:t>28</a:t>
+              <a:t>29</a:t>
             </a:fld>
             <a:endParaRPr lang="en-US"/>
           </a:p>
@@ -14656,7 +14804,7 @@
     </p:spTree>
     <p:extLst>
       <p:ext uri="{BB962C8B-B14F-4D97-AF65-F5344CB8AC3E}">
-        <p14:creationId xmlns="" xmlns:p14="http://schemas.microsoft.com/office/powerpoint/2010/main" val="3243626544"/>
+        <p14:creationId xmlns:p14="http://schemas.microsoft.com/office/powerpoint/2010/main" xmlns="" val="3243626544"/>
       </p:ext>
     </p:extLst>
   </p:cSld>
@@ -14666,7 +14814,301 @@
 </p:sld>
 </file>
 
-<file path=ppt/slides/slide29.xml><?xml version="1.0" encoding="utf-8"?>
+<file path=ppt/slides/slide3.xml><?xml version="1.0" encoding="utf-8"?>
+<p:sld xmlns:a="http://schemas.openxmlformats.org/drawingml/2006/main" xmlns:r="http://schemas.openxmlformats.org/officeDocument/2006/relationships" xmlns:p="http://schemas.openxmlformats.org/presentationml/2006/main" show="0">
+  <p:cSld>
+    <p:spTree>
+      <p:nvGrpSpPr>
+        <p:cNvPr id="1" name=""/>
+        <p:cNvGrpSpPr/>
+        <p:nvPr/>
+      </p:nvGrpSpPr>
+      <p:grpSpPr>
+        <a:xfrm>
+          <a:off x="0" y="0"/>
+          <a:ext cx="0" cy="0"/>
+          <a:chOff x="0" y="0"/>
+          <a:chExt cx="0" cy="0"/>
+        </a:xfrm>
+      </p:grpSpPr>
+      <p:sp>
+        <p:nvSpPr>
+          <p:cNvPr id="2" name="Titel 1"/>
+          <p:cNvSpPr>
+            <a:spLocks noGrp="1"/>
+          </p:cNvSpPr>
+          <p:nvPr>
+            <p:ph type="title"/>
+          </p:nvPr>
+        </p:nvSpPr>
+        <p:spPr/>
+        <p:txBody>
+          <a:bodyPr/>
+          <a:lstStyle/>
+          <a:p>
+            <a:pPr algn="l"/>
+            <a:r>
+              <a:rPr lang="de-DE" dirty="0" smtClean="0"/>
+              <a:t>Agenda</a:t>
+            </a:r>
+            <a:endParaRPr lang="de-DE" dirty="0"/>
+          </a:p>
+        </p:txBody>
+      </p:sp>
+      <p:sp>
+        <p:nvSpPr>
+          <p:cNvPr id="3" name="Inhaltsplatzhalter 2"/>
+          <p:cNvSpPr>
+            <a:spLocks noGrp="1"/>
+          </p:cNvSpPr>
+          <p:nvPr>
+            <p:ph idx="1"/>
+          </p:nvPr>
+        </p:nvSpPr>
+        <p:spPr/>
+        <p:txBody>
+          <a:bodyPr>
+            <a:noAutofit/>
+          </a:bodyPr>
+          <a:lstStyle/>
+          <a:p>
+            <a:r>
+              <a:rPr lang="de-DE" dirty="0" smtClean="0"/>
+              <a:t>SW-Entwicklungsprozess (vertikale </a:t>
+            </a:r>
+            <a:r>
+              <a:rPr lang="de-DE" dirty="0"/>
+              <a:t>Umsetzung)</a:t>
+            </a:r>
+            <a:endParaRPr lang="de-DE" dirty="0" smtClean="0"/>
+          </a:p>
+          <a:p>
+            <a:pPr lvl="1"/>
+            <a:r>
+              <a:rPr lang="de-DE" dirty="0" smtClean="0"/>
+              <a:t>Funktionale Anforderungen</a:t>
+            </a:r>
+          </a:p>
+          <a:p>
+            <a:pPr lvl="2"/>
+            <a:r>
+              <a:rPr lang="de-DE" dirty="0" smtClean="0"/>
+              <a:t>Login</a:t>
+            </a:r>
+          </a:p>
+          <a:p>
+            <a:pPr lvl="3"/>
+            <a:r>
+              <a:rPr lang="de-DE" dirty="0" smtClean="0"/>
+              <a:t>LH -&gt; PH (</a:t>
+            </a:r>
+            <a:r>
+              <a:rPr lang="de-DE" dirty="0" err="1" smtClean="0"/>
+              <a:t>Mockup</a:t>
+            </a:r>
+            <a:r>
+              <a:rPr lang="de-DE" dirty="0" smtClean="0"/>
+              <a:t>, Aktivitätsdiagramm, Sequenz) -&gt; Live</a:t>
+            </a:r>
+          </a:p>
+          <a:p>
+            <a:pPr lvl="2"/>
+            <a:r>
+              <a:rPr lang="de-DE" dirty="0" smtClean="0"/>
+              <a:t>Event organisieren</a:t>
+            </a:r>
+          </a:p>
+          <a:p>
+            <a:pPr lvl="2"/>
+            <a:r>
+              <a:rPr lang="de-DE" dirty="0" smtClean="0"/>
+              <a:t>Live Demo Detailkonzept</a:t>
+            </a:r>
+          </a:p>
+          <a:p>
+            <a:pPr lvl="2"/>
+            <a:r>
+              <a:rPr lang="de-DE" dirty="0" smtClean="0"/>
+              <a:t>Domänenklassendiagramm Datenbank-Schema</a:t>
+            </a:r>
+          </a:p>
+          <a:p>
+            <a:pPr lvl="1"/>
+            <a:r>
+              <a:rPr lang="de-DE" dirty="0" smtClean="0"/>
+              <a:t>Qualitätsanforderungen</a:t>
+            </a:r>
+          </a:p>
+          <a:p>
+            <a:pPr lvl="1"/>
+            <a:r>
+              <a:rPr lang="de-DE" dirty="0" smtClean="0"/>
+              <a:t>Abnahmekriterien</a:t>
+            </a:r>
+          </a:p>
+          <a:p>
+            <a:r>
+              <a:rPr lang="de-DE" dirty="0" smtClean="0"/>
+              <a:t>Weitere Projektplanung und Ausblick</a:t>
+            </a:r>
+          </a:p>
+          <a:p>
+            <a:pPr marL="82296" indent="0">
+              <a:buNone/>
+            </a:pPr>
+            <a:endParaRPr lang="de-DE" dirty="0"/>
+          </a:p>
+        </p:txBody>
+      </p:sp>
+      <p:sp>
+        <p:nvSpPr>
+          <p:cNvPr id="4" name="Datumsplatzhalter 3"/>
+          <p:cNvSpPr>
+            <a:spLocks noGrp="1"/>
+          </p:cNvSpPr>
+          <p:nvPr>
+            <p:ph type="dt" sz="half" idx="10"/>
+          </p:nvPr>
+        </p:nvSpPr>
+        <p:spPr/>
+        <p:txBody>
+          <a:bodyPr/>
+          <a:lstStyle/>
+          <a:p>
+            <a:r>
+              <a:rPr lang="de-DE" smtClean="0"/>
+              <a:t>21.04.2012</a:t>
+            </a:r>
+            <a:endParaRPr lang="de-DE" dirty="0"/>
+          </a:p>
+        </p:txBody>
+      </p:sp>
+      <p:sp>
+        <p:nvSpPr>
+          <p:cNvPr id="6" name="Fußzeilenplatzhalter 5"/>
+          <p:cNvSpPr>
+            <a:spLocks noGrp="1"/>
+          </p:cNvSpPr>
+          <p:nvPr>
+            <p:ph type="ftr" sz="quarter" idx="11"/>
+          </p:nvPr>
+        </p:nvSpPr>
+        <p:spPr/>
+        <p:txBody>
+          <a:bodyPr/>
+          <a:lstStyle/>
+          <a:p>
+            <a:r>
+              <a:rPr lang="de-DE" dirty="0" smtClean="0"/>
+              <a:t>FST Projekt "</a:t>
+            </a:r>
+            <a:r>
+              <a:rPr lang="de-DE" dirty="0" err="1" smtClean="0"/>
+              <a:t>Eventalizer</a:t>
+            </a:r>
+            <a:r>
+              <a:rPr lang="de-DE" dirty="0" smtClean="0"/>
+              <a:t>" (SS 2012) Team 5</a:t>
+            </a:r>
+            <a:endParaRPr lang="de-DE" dirty="0"/>
+          </a:p>
+        </p:txBody>
+      </p:sp>
+      <p:sp>
+        <p:nvSpPr>
+          <p:cNvPr id="5" name="Foliennummernplatzhalter 4"/>
+          <p:cNvSpPr>
+            <a:spLocks noGrp="1"/>
+          </p:cNvSpPr>
+          <p:nvPr>
+            <p:ph type="sldNum" sz="quarter" idx="12"/>
+          </p:nvPr>
+        </p:nvSpPr>
+        <p:spPr/>
+        <p:txBody>
+          <a:bodyPr/>
+          <a:lstStyle/>
+          <a:p>
+            <a:fld id="{6C6AE60A-B69C-4790-82F7-3882EDF23186}" type="slidenum">
+              <a:rPr lang="de-DE" smtClean="0"/>
+              <a:pPr/>
+              <a:t>3</a:t>
+            </a:fld>
+            <a:endParaRPr lang="de-DE" dirty="0"/>
+          </a:p>
+        </p:txBody>
+      </p:sp>
+      <p:pic>
+        <p:nvPicPr>
+          <p:cNvPr id="7" name="Picture 2" descr="http://homepages.internet.lu/pompjeen-kenzeg/Bilder/agenda.jpg"/>
+          <p:cNvPicPr>
+            <a:picLocks noChangeAspect="1" noChangeArrowheads="1"/>
+          </p:cNvPicPr>
+          <p:nvPr/>
+        </p:nvPicPr>
+        <p:blipFill>
+          <a:blip r:embed="rId3" cstate="print"/>
+          <a:srcRect/>
+          <a:stretch>
+            <a:fillRect/>
+          </a:stretch>
+        </p:blipFill>
+        <p:spPr bwMode="auto">
+          <a:xfrm>
+            <a:off x="6249101" y="-315416"/>
+            <a:ext cx="1643074" cy="1825638"/>
+          </a:xfrm>
+          <a:prstGeom prst="roundRect">
+            <a:avLst>
+              <a:gd name="adj" fmla="val 8594"/>
+            </a:avLst>
+          </a:prstGeom>
+          <a:solidFill>
+            <a:srgbClr val="FFFFFF">
+              <a:shade val="85000"/>
+            </a:srgbClr>
+          </a:solidFill>
+          <a:ln>
+            <a:noFill/>
+          </a:ln>
+          <a:effectLst>
+            <a:reflection blurRad="12700" stA="38000" endPos="28000" dist="5000" dir="5400000" sy="-100000" algn="bl" rotWithShape="0"/>
+          </a:effectLst>
+          <a:scene3d>
+            <a:camera prst="perspectiveLeft"/>
+            <a:lightRig rig="threePt" dir="t"/>
+          </a:scene3d>
+        </p:spPr>
+      </p:pic>
+    </p:spTree>
+    <p:extLst>
+      <p:ext uri="{BB962C8B-B14F-4D97-AF65-F5344CB8AC3E}">
+        <p14:creationId xmlns:p14="http://schemas.microsoft.com/office/powerpoint/2010/main" xmlns="" val="2988266106"/>
+      </p:ext>
+    </p:extLst>
+  </p:cSld>
+  <p:clrMapOvr>
+    <a:masterClrMapping/>
+  </p:clrMapOvr>
+  <mc:AlternateContent xmlns:mc="http://schemas.openxmlformats.org/markup-compatibility/2006">
+    <mc:Choice xmlns:p14="http://schemas.microsoft.com/office/powerpoint/2010/main" xmlns="" Requires="p14">
+      <p:transition spd="slow" p14:dur="2000"/>
+    </mc:Choice>
+    <mc:Fallback>
+      <p:transition spd="slow"/>
+    </mc:Fallback>
+  </mc:AlternateContent>
+  <p:timing>
+    <p:tnLst>
+      <p:par>
+        <p:cTn id="1" dur="indefinite" restart="never" nodeType="tmRoot"/>
+      </p:par>
+    </p:tnLst>
+  </p:timing>
+</p:sld>
+</file>
+
+<file path=ppt/slides/slide30.xml><?xml version="1.0" encoding="utf-8"?>
 <p:sld xmlns:a="http://schemas.openxmlformats.org/drawingml/2006/main" xmlns:r="http://schemas.openxmlformats.org/officeDocument/2006/relationships" xmlns:p="http://schemas.openxmlformats.org/presentationml/2006/main">
   <p:cSld>
     <p:spTree>
@@ -14899,7 +15341,7 @@
             <a:fld id="{990B41CA-569D-40E7-8E58-026C0338B2C8}" type="slidenum">
               <a:rPr lang="en-US" smtClean="0"/>
               <a:pPr/>
-              <a:t>29</a:t>
+              <a:t>30</a:t>
             </a:fld>
             <a:endParaRPr lang="en-US"/>
           </a:p>
@@ -15485,7 +15927,7 @@
     </p:spTree>
     <p:extLst>
       <p:ext uri="{BB962C8B-B14F-4D97-AF65-F5344CB8AC3E}">
-        <p14:creationId xmlns="" xmlns:p14="http://schemas.microsoft.com/office/powerpoint/2010/main" val="3243626544"/>
+        <p14:creationId xmlns:p14="http://schemas.microsoft.com/office/powerpoint/2010/main" xmlns="" val="3243626544"/>
       </p:ext>
     </p:extLst>
   </p:cSld>
@@ -15502,301 +15944,7 @@
 </p:sld>
 </file>
 
-<file path=ppt/slides/slide3.xml><?xml version="1.0" encoding="utf-8"?>
-<p:sld xmlns:a="http://schemas.openxmlformats.org/drawingml/2006/main" xmlns:r="http://schemas.openxmlformats.org/officeDocument/2006/relationships" xmlns:p="http://schemas.openxmlformats.org/presentationml/2006/main" show="0">
-  <p:cSld>
-    <p:spTree>
-      <p:nvGrpSpPr>
-        <p:cNvPr id="1" name=""/>
-        <p:cNvGrpSpPr/>
-        <p:nvPr/>
-      </p:nvGrpSpPr>
-      <p:grpSpPr>
-        <a:xfrm>
-          <a:off x="0" y="0"/>
-          <a:ext cx="0" cy="0"/>
-          <a:chOff x="0" y="0"/>
-          <a:chExt cx="0" cy="0"/>
-        </a:xfrm>
-      </p:grpSpPr>
-      <p:sp>
-        <p:nvSpPr>
-          <p:cNvPr id="2" name="Titel 1"/>
-          <p:cNvSpPr>
-            <a:spLocks noGrp="1"/>
-          </p:cNvSpPr>
-          <p:nvPr>
-            <p:ph type="title"/>
-          </p:nvPr>
-        </p:nvSpPr>
-        <p:spPr/>
-        <p:txBody>
-          <a:bodyPr/>
-          <a:lstStyle/>
-          <a:p>
-            <a:pPr algn="l"/>
-            <a:r>
-              <a:rPr lang="de-DE" dirty="0" smtClean="0"/>
-              <a:t>Agenda</a:t>
-            </a:r>
-            <a:endParaRPr lang="de-DE" dirty="0"/>
-          </a:p>
-        </p:txBody>
-      </p:sp>
-      <p:sp>
-        <p:nvSpPr>
-          <p:cNvPr id="3" name="Inhaltsplatzhalter 2"/>
-          <p:cNvSpPr>
-            <a:spLocks noGrp="1"/>
-          </p:cNvSpPr>
-          <p:nvPr>
-            <p:ph idx="1"/>
-          </p:nvPr>
-        </p:nvSpPr>
-        <p:spPr/>
-        <p:txBody>
-          <a:bodyPr>
-            <a:noAutofit/>
-          </a:bodyPr>
-          <a:lstStyle/>
-          <a:p>
-            <a:r>
-              <a:rPr lang="de-DE" dirty="0" smtClean="0"/>
-              <a:t>SW-Entwicklungsprozess (vertikale </a:t>
-            </a:r>
-            <a:r>
-              <a:rPr lang="de-DE" dirty="0"/>
-              <a:t>Umsetzung)</a:t>
-            </a:r>
-            <a:endParaRPr lang="de-DE" dirty="0" smtClean="0"/>
-          </a:p>
-          <a:p>
-            <a:pPr lvl="1"/>
-            <a:r>
-              <a:rPr lang="de-DE" dirty="0" smtClean="0"/>
-              <a:t>Funktionale Anforderungen</a:t>
-            </a:r>
-          </a:p>
-          <a:p>
-            <a:pPr lvl="2"/>
-            <a:r>
-              <a:rPr lang="de-DE" dirty="0" smtClean="0"/>
-              <a:t>Login</a:t>
-            </a:r>
-          </a:p>
-          <a:p>
-            <a:pPr lvl="3"/>
-            <a:r>
-              <a:rPr lang="de-DE" dirty="0" smtClean="0"/>
-              <a:t>LH -&gt; PH (</a:t>
-            </a:r>
-            <a:r>
-              <a:rPr lang="de-DE" dirty="0" err="1" smtClean="0"/>
-              <a:t>Mockup</a:t>
-            </a:r>
-            <a:r>
-              <a:rPr lang="de-DE" dirty="0" smtClean="0"/>
-              <a:t>, Aktivitätsdiagramm, Sequenz) -&gt; Live</a:t>
-            </a:r>
-          </a:p>
-          <a:p>
-            <a:pPr lvl="2"/>
-            <a:r>
-              <a:rPr lang="de-DE" dirty="0" smtClean="0"/>
-              <a:t>Event organisieren</a:t>
-            </a:r>
-          </a:p>
-          <a:p>
-            <a:pPr lvl="2"/>
-            <a:r>
-              <a:rPr lang="de-DE" dirty="0" smtClean="0"/>
-              <a:t>Live Demo Detailkonzept</a:t>
-            </a:r>
-          </a:p>
-          <a:p>
-            <a:pPr lvl="2"/>
-            <a:r>
-              <a:rPr lang="de-DE" dirty="0" smtClean="0"/>
-              <a:t>Domänenklassendiagramm Datenbank-Schema</a:t>
-            </a:r>
-          </a:p>
-          <a:p>
-            <a:pPr lvl="1"/>
-            <a:r>
-              <a:rPr lang="de-DE" dirty="0" smtClean="0"/>
-              <a:t>Qualitätsanforderungen</a:t>
-            </a:r>
-          </a:p>
-          <a:p>
-            <a:pPr lvl="1"/>
-            <a:r>
-              <a:rPr lang="de-DE" dirty="0" smtClean="0"/>
-              <a:t>Abnahmekriterien</a:t>
-            </a:r>
-          </a:p>
-          <a:p>
-            <a:r>
-              <a:rPr lang="de-DE" dirty="0" smtClean="0"/>
-              <a:t>Weitere Projektplanung und Ausblick</a:t>
-            </a:r>
-          </a:p>
-          <a:p>
-            <a:pPr marL="82296" indent="0">
-              <a:buNone/>
-            </a:pPr>
-            <a:endParaRPr lang="de-DE" dirty="0"/>
-          </a:p>
-        </p:txBody>
-      </p:sp>
-      <p:sp>
-        <p:nvSpPr>
-          <p:cNvPr id="4" name="Datumsplatzhalter 3"/>
-          <p:cNvSpPr>
-            <a:spLocks noGrp="1"/>
-          </p:cNvSpPr>
-          <p:nvPr>
-            <p:ph type="dt" sz="half" idx="10"/>
-          </p:nvPr>
-        </p:nvSpPr>
-        <p:spPr/>
-        <p:txBody>
-          <a:bodyPr/>
-          <a:lstStyle/>
-          <a:p>
-            <a:r>
-              <a:rPr lang="de-DE" smtClean="0"/>
-              <a:t>21.04.2012</a:t>
-            </a:r>
-            <a:endParaRPr lang="de-DE" dirty="0"/>
-          </a:p>
-        </p:txBody>
-      </p:sp>
-      <p:sp>
-        <p:nvSpPr>
-          <p:cNvPr id="6" name="Fußzeilenplatzhalter 5"/>
-          <p:cNvSpPr>
-            <a:spLocks noGrp="1"/>
-          </p:cNvSpPr>
-          <p:nvPr>
-            <p:ph type="ftr" sz="quarter" idx="11"/>
-          </p:nvPr>
-        </p:nvSpPr>
-        <p:spPr/>
-        <p:txBody>
-          <a:bodyPr/>
-          <a:lstStyle/>
-          <a:p>
-            <a:r>
-              <a:rPr lang="de-DE" dirty="0" smtClean="0"/>
-              <a:t>FST Projekt "</a:t>
-            </a:r>
-            <a:r>
-              <a:rPr lang="de-DE" dirty="0" err="1" smtClean="0"/>
-              <a:t>Eventalizer</a:t>
-            </a:r>
-            <a:r>
-              <a:rPr lang="de-DE" dirty="0" smtClean="0"/>
-              <a:t>" (SS 2012) Team 5</a:t>
-            </a:r>
-            <a:endParaRPr lang="de-DE" dirty="0"/>
-          </a:p>
-        </p:txBody>
-      </p:sp>
-      <p:sp>
-        <p:nvSpPr>
-          <p:cNvPr id="5" name="Foliennummernplatzhalter 4"/>
-          <p:cNvSpPr>
-            <a:spLocks noGrp="1"/>
-          </p:cNvSpPr>
-          <p:nvPr>
-            <p:ph type="sldNum" sz="quarter" idx="12"/>
-          </p:nvPr>
-        </p:nvSpPr>
-        <p:spPr/>
-        <p:txBody>
-          <a:bodyPr/>
-          <a:lstStyle/>
-          <a:p>
-            <a:fld id="{6C6AE60A-B69C-4790-82F7-3882EDF23186}" type="slidenum">
-              <a:rPr lang="de-DE" smtClean="0"/>
-              <a:pPr/>
-              <a:t>3</a:t>
-            </a:fld>
-            <a:endParaRPr lang="de-DE" dirty="0"/>
-          </a:p>
-        </p:txBody>
-      </p:sp>
-      <p:pic>
-        <p:nvPicPr>
-          <p:cNvPr id="7" name="Picture 2" descr="http://homepages.internet.lu/pompjeen-kenzeg/Bilder/agenda.jpg"/>
-          <p:cNvPicPr>
-            <a:picLocks noChangeAspect="1" noChangeArrowheads="1"/>
-          </p:cNvPicPr>
-          <p:nvPr/>
-        </p:nvPicPr>
-        <p:blipFill>
-          <a:blip r:embed="rId3" cstate="print"/>
-          <a:srcRect/>
-          <a:stretch>
-            <a:fillRect/>
-          </a:stretch>
-        </p:blipFill>
-        <p:spPr bwMode="auto">
-          <a:xfrm>
-            <a:off x="6249101" y="-315416"/>
-            <a:ext cx="1643074" cy="1825638"/>
-          </a:xfrm>
-          <a:prstGeom prst="roundRect">
-            <a:avLst>
-              <a:gd name="adj" fmla="val 8594"/>
-            </a:avLst>
-          </a:prstGeom>
-          <a:solidFill>
-            <a:srgbClr val="FFFFFF">
-              <a:shade val="85000"/>
-            </a:srgbClr>
-          </a:solidFill>
-          <a:ln>
-            <a:noFill/>
-          </a:ln>
-          <a:effectLst>
-            <a:reflection blurRad="12700" stA="38000" endPos="28000" dist="5000" dir="5400000" sy="-100000" algn="bl" rotWithShape="0"/>
-          </a:effectLst>
-          <a:scene3d>
-            <a:camera prst="perspectiveLeft"/>
-            <a:lightRig rig="threePt" dir="t"/>
-          </a:scene3d>
-        </p:spPr>
-      </p:pic>
-    </p:spTree>
-    <p:extLst>
-      <p:ext uri="{BB962C8B-B14F-4D97-AF65-F5344CB8AC3E}">
-        <p14:creationId xmlns="" xmlns:p14="http://schemas.microsoft.com/office/powerpoint/2010/main" val="2988266106"/>
-      </p:ext>
-    </p:extLst>
-  </p:cSld>
-  <p:clrMapOvr>
-    <a:masterClrMapping/>
-  </p:clrMapOvr>
-  <mc:AlternateContent xmlns:mc="http://schemas.openxmlformats.org/markup-compatibility/2006">
-    <mc:Choice xmlns="" xmlns:p14="http://schemas.microsoft.com/office/powerpoint/2010/main" Requires="p14">
-      <p:transition spd="slow" p14:dur="2000"/>
-    </mc:Choice>
-    <mc:Fallback>
-      <p:transition spd="slow"/>
-    </mc:Fallback>
-  </mc:AlternateContent>
-  <p:timing>
-    <p:tnLst>
-      <p:par>
-        <p:cTn id="1" dur="indefinite" restart="never" nodeType="tmRoot"/>
-      </p:par>
-    </p:tnLst>
-  </p:timing>
-</p:sld>
-</file>
-
-<file path=ppt/slides/slide30.xml><?xml version="1.0" encoding="utf-8"?>
+<file path=ppt/slides/slide31.xml><?xml version="1.0" encoding="utf-8"?>
 <p:sld xmlns:a="http://schemas.openxmlformats.org/drawingml/2006/main" xmlns:r="http://schemas.openxmlformats.org/officeDocument/2006/relationships" xmlns:p="http://schemas.openxmlformats.org/presentationml/2006/main">
   <p:cSld>
     <p:spTree>
@@ -15933,7 +16081,7 @@
             <a:fld id="{990B41CA-569D-40E7-8E58-026C0338B2C8}" type="slidenum">
               <a:rPr lang="en-US" smtClean="0"/>
               <a:pPr/>
-              <a:t>30</a:t>
+              <a:t>31</a:t>
             </a:fld>
             <a:endParaRPr lang="en-US"/>
           </a:p>
@@ -16382,7 +16530,7 @@
     </p:spTree>
     <p:extLst>
       <p:ext uri="{BB962C8B-B14F-4D97-AF65-F5344CB8AC3E}">
-        <p14:creationId xmlns="" xmlns:p14="http://schemas.microsoft.com/office/powerpoint/2010/main" val="3243626544"/>
+        <p14:creationId xmlns:p14="http://schemas.microsoft.com/office/powerpoint/2010/main" xmlns="" val="3243626544"/>
       </p:ext>
     </p:extLst>
   </p:cSld>
@@ -16396,177 +16544,6 @@
       </p:par>
     </p:tnLst>
   </p:timing>
-</p:sld>
-</file>
-
-<file path=ppt/slides/slide31.xml><?xml version="1.0" encoding="utf-8"?>
-<p:sld xmlns:a="http://schemas.openxmlformats.org/drawingml/2006/main" xmlns:r="http://schemas.openxmlformats.org/officeDocument/2006/relationships" xmlns:p="http://schemas.openxmlformats.org/presentationml/2006/main">
-  <p:cSld>
-    <p:spTree>
-      <p:nvGrpSpPr>
-        <p:cNvPr id="1" name=""/>
-        <p:cNvGrpSpPr/>
-        <p:nvPr/>
-      </p:nvGrpSpPr>
-      <p:grpSpPr>
-        <a:xfrm>
-          <a:off x="0" y="0"/>
-          <a:ext cx="0" cy="0"/>
-          <a:chOff x="0" y="0"/>
-          <a:chExt cx="0" cy="0"/>
-        </a:xfrm>
-      </p:grpSpPr>
-      <p:sp>
-        <p:nvSpPr>
-          <p:cNvPr id="2" name="Titel 1"/>
-          <p:cNvSpPr>
-            <a:spLocks noGrp="1"/>
-          </p:cNvSpPr>
-          <p:nvPr>
-            <p:ph type="title"/>
-          </p:nvPr>
-        </p:nvSpPr>
-        <p:spPr/>
-        <p:txBody>
-          <a:bodyPr/>
-          <a:lstStyle/>
-          <a:p>
-            <a:r>
-              <a:rPr lang="de-DE" dirty="0" smtClean="0"/>
-              <a:t>Qualitätsanforderungen</a:t>
-            </a:r>
-            <a:endParaRPr lang="de-DE" dirty="0"/>
-          </a:p>
-        </p:txBody>
-      </p:sp>
-      <p:sp>
-        <p:nvSpPr>
-          <p:cNvPr id="3" name="Inhaltsplatzhalter 2"/>
-          <p:cNvSpPr>
-            <a:spLocks noGrp="1"/>
-          </p:cNvSpPr>
-          <p:nvPr>
-            <p:ph idx="1"/>
-          </p:nvPr>
-        </p:nvSpPr>
-        <p:spPr/>
-        <p:txBody>
-          <a:bodyPr/>
-          <a:lstStyle/>
-          <a:p>
-            <a:endParaRPr lang="de-DE" dirty="0" smtClean="0"/>
-          </a:p>
-          <a:p>
-            <a:r>
-              <a:rPr lang="de-DE" dirty="0" smtClean="0"/>
-              <a:t>Äußere und innere Qualität</a:t>
-            </a:r>
-          </a:p>
-          <a:p>
-            <a:endParaRPr lang="de-DE" dirty="0" smtClean="0"/>
-          </a:p>
-          <a:p>
-            <a:r>
-              <a:rPr lang="de-DE" dirty="0" smtClean="0"/>
-              <a:t>Gebrauchstauglichkeit</a:t>
-            </a:r>
-          </a:p>
-          <a:p>
-            <a:endParaRPr lang="de-DE" dirty="0"/>
-          </a:p>
-          <a:p>
-            <a:r>
-              <a:rPr lang="de-DE" dirty="0" smtClean="0"/>
-              <a:t>Technische Anforderungen</a:t>
-            </a:r>
-          </a:p>
-          <a:p>
-            <a:endParaRPr lang="de-DE" dirty="0" smtClean="0"/>
-          </a:p>
-          <a:p>
-            <a:r>
-              <a:rPr lang="de-DE" dirty="0" smtClean="0"/>
-              <a:t>Lieferumfang</a:t>
-            </a:r>
-            <a:endParaRPr lang="de-DE" dirty="0"/>
-          </a:p>
-        </p:txBody>
-      </p:sp>
-      <p:sp>
-        <p:nvSpPr>
-          <p:cNvPr id="4" name="Datumsplatzhalter 3"/>
-          <p:cNvSpPr>
-            <a:spLocks noGrp="1"/>
-          </p:cNvSpPr>
-          <p:nvPr>
-            <p:ph type="dt" sz="half" idx="10"/>
-          </p:nvPr>
-        </p:nvSpPr>
-        <p:spPr/>
-        <p:txBody>
-          <a:bodyPr/>
-          <a:lstStyle/>
-          <a:p>
-            <a:r>
-              <a:rPr lang="de-DE" smtClean="0"/>
-              <a:t>21.04.2012</a:t>
-            </a:r>
-            <a:endParaRPr lang="en-US"/>
-          </a:p>
-        </p:txBody>
-      </p:sp>
-      <p:sp>
-        <p:nvSpPr>
-          <p:cNvPr id="5" name="Fußzeilenplatzhalter 4"/>
-          <p:cNvSpPr>
-            <a:spLocks noGrp="1"/>
-          </p:cNvSpPr>
-          <p:nvPr>
-            <p:ph type="ftr" sz="quarter" idx="11"/>
-          </p:nvPr>
-        </p:nvSpPr>
-        <p:spPr/>
-        <p:txBody>
-          <a:bodyPr/>
-          <a:lstStyle/>
-          <a:p>
-            <a:r>
-              <a:rPr lang="de-DE" smtClean="0"/>
-              <a:t>FST Projekt "Eventalizer" (SS 2012) Team 5</a:t>
-            </a:r>
-            <a:endParaRPr lang="de-DE" dirty="0"/>
-          </a:p>
-        </p:txBody>
-      </p:sp>
-      <p:sp>
-        <p:nvSpPr>
-          <p:cNvPr id="6" name="Foliennummernplatzhalter 5"/>
-          <p:cNvSpPr>
-            <a:spLocks noGrp="1"/>
-          </p:cNvSpPr>
-          <p:nvPr>
-            <p:ph type="sldNum" sz="quarter" idx="12"/>
-          </p:nvPr>
-        </p:nvSpPr>
-        <p:spPr/>
-        <p:txBody>
-          <a:bodyPr/>
-          <a:lstStyle/>
-          <a:p>
-            <a:fld id="{990B41CA-569D-40E7-8E58-026C0338B2C8}" type="slidenum">
-              <a:rPr lang="en-US" smtClean="0"/>
-              <a:pPr/>
-              <a:t>31</a:t>
-            </a:fld>
-            <a:endParaRPr lang="en-US"/>
-          </a:p>
-        </p:txBody>
-      </p:sp>
-    </p:spTree>
-  </p:cSld>
-  <p:clrMapOvr>
-    <a:masterClrMapping/>
-  </p:clrMapOvr>
 </p:sld>
 </file>
 
@@ -16604,7 +16581,7 @@
           <a:p>
             <a:r>
               <a:rPr lang="de-DE" dirty="0" smtClean="0"/>
-              <a:t>Abnahmekriterien</a:t>
+              <a:t>Qualitätsanforderungen</a:t>
             </a:r>
             <a:endParaRPr lang="de-DE" dirty="0"/>
           </a:p>
@@ -16625,7 +16602,41 @@
           <a:bodyPr/>
           <a:lstStyle/>
           <a:p>
-            <a:endParaRPr lang="de-DE"/>
+            <a:endParaRPr lang="de-DE" dirty="0" smtClean="0"/>
+          </a:p>
+          <a:p>
+            <a:r>
+              <a:rPr lang="de-DE" dirty="0" smtClean="0"/>
+              <a:t>Äußere und innere Qualität</a:t>
+            </a:r>
+          </a:p>
+          <a:p>
+            <a:endParaRPr lang="de-DE" dirty="0" smtClean="0"/>
+          </a:p>
+          <a:p>
+            <a:r>
+              <a:rPr lang="de-DE" dirty="0" smtClean="0"/>
+              <a:t>Gebrauchstauglichkeit</a:t>
+            </a:r>
+          </a:p>
+          <a:p>
+            <a:endParaRPr lang="de-DE" dirty="0"/>
+          </a:p>
+          <a:p>
+            <a:r>
+              <a:rPr lang="de-DE" dirty="0" smtClean="0"/>
+              <a:t>Technische Anforderungen</a:t>
+            </a:r>
+          </a:p>
+          <a:p>
+            <a:endParaRPr lang="de-DE" dirty="0" smtClean="0"/>
+          </a:p>
+          <a:p>
+            <a:r>
+              <a:rPr lang="de-DE" dirty="0" smtClean="0"/>
+              <a:t>Lieferumfang</a:t>
+            </a:r>
+            <a:endParaRPr lang="de-DE" dirty="0"/>
           </a:p>
         </p:txBody>
       </p:sp>
@@ -16700,9 +16711,146 @@
         </p:txBody>
       </p:sp>
     </p:spTree>
+  </p:cSld>
+  <p:clrMapOvr>
+    <a:masterClrMapping/>
+  </p:clrMapOvr>
+</p:sld>
+</file>
+
+<file path=ppt/slides/slide33.xml><?xml version="1.0" encoding="utf-8"?>
+<p:sld xmlns:a="http://schemas.openxmlformats.org/drawingml/2006/main" xmlns:r="http://schemas.openxmlformats.org/officeDocument/2006/relationships" xmlns:p="http://schemas.openxmlformats.org/presentationml/2006/main">
+  <p:cSld>
+    <p:spTree>
+      <p:nvGrpSpPr>
+        <p:cNvPr id="1" name=""/>
+        <p:cNvGrpSpPr/>
+        <p:nvPr/>
+      </p:nvGrpSpPr>
+      <p:grpSpPr>
+        <a:xfrm>
+          <a:off x="0" y="0"/>
+          <a:ext cx="0" cy="0"/>
+          <a:chOff x="0" y="0"/>
+          <a:chExt cx="0" cy="0"/>
+        </a:xfrm>
+      </p:grpSpPr>
+      <p:sp>
+        <p:nvSpPr>
+          <p:cNvPr id="2" name="Titel 1"/>
+          <p:cNvSpPr>
+            <a:spLocks noGrp="1"/>
+          </p:cNvSpPr>
+          <p:nvPr>
+            <p:ph type="title"/>
+          </p:nvPr>
+        </p:nvSpPr>
+        <p:spPr/>
+        <p:txBody>
+          <a:bodyPr/>
+          <a:lstStyle/>
+          <a:p>
+            <a:r>
+              <a:rPr lang="de-DE" dirty="0" smtClean="0"/>
+              <a:t>Abnahmekriterien</a:t>
+            </a:r>
+            <a:endParaRPr lang="de-DE" dirty="0"/>
+          </a:p>
+        </p:txBody>
+      </p:sp>
+      <p:sp>
+        <p:nvSpPr>
+          <p:cNvPr id="3" name="Inhaltsplatzhalter 2"/>
+          <p:cNvSpPr>
+            <a:spLocks noGrp="1"/>
+          </p:cNvSpPr>
+          <p:nvPr>
+            <p:ph idx="1"/>
+          </p:nvPr>
+        </p:nvSpPr>
+        <p:spPr/>
+        <p:txBody>
+          <a:bodyPr/>
+          <a:lstStyle/>
+          <a:p>
+            <a:endParaRPr lang="de-DE"/>
+          </a:p>
+        </p:txBody>
+      </p:sp>
+      <p:sp>
+        <p:nvSpPr>
+          <p:cNvPr id="4" name="Datumsplatzhalter 3"/>
+          <p:cNvSpPr>
+            <a:spLocks noGrp="1"/>
+          </p:cNvSpPr>
+          <p:nvPr>
+            <p:ph type="dt" sz="half" idx="10"/>
+          </p:nvPr>
+        </p:nvSpPr>
+        <p:spPr/>
+        <p:txBody>
+          <a:bodyPr/>
+          <a:lstStyle/>
+          <a:p>
+            <a:r>
+              <a:rPr lang="de-DE" smtClean="0"/>
+              <a:t>21.04.2012</a:t>
+            </a:r>
+            <a:endParaRPr lang="en-US"/>
+          </a:p>
+        </p:txBody>
+      </p:sp>
+      <p:sp>
+        <p:nvSpPr>
+          <p:cNvPr id="5" name="Fußzeilenplatzhalter 4"/>
+          <p:cNvSpPr>
+            <a:spLocks noGrp="1"/>
+          </p:cNvSpPr>
+          <p:nvPr>
+            <p:ph type="ftr" sz="quarter" idx="11"/>
+          </p:nvPr>
+        </p:nvSpPr>
+        <p:spPr/>
+        <p:txBody>
+          <a:bodyPr/>
+          <a:lstStyle/>
+          <a:p>
+            <a:r>
+              <a:rPr lang="de-DE" smtClean="0"/>
+              <a:t>FST Projekt "Eventalizer" (SS 2012) Team 5</a:t>
+            </a:r>
+            <a:endParaRPr lang="de-DE" dirty="0"/>
+          </a:p>
+        </p:txBody>
+      </p:sp>
+      <p:sp>
+        <p:nvSpPr>
+          <p:cNvPr id="6" name="Foliennummernplatzhalter 5"/>
+          <p:cNvSpPr>
+            <a:spLocks noGrp="1"/>
+          </p:cNvSpPr>
+          <p:nvPr>
+            <p:ph type="sldNum" sz="quarter" idx="12"/>
+          </p:nvPr>
+        </p:nvSpPr>
+        <p:spPr/>
+        <p:txBody>
+          <a:bodyPr/>
+          <a:lstStyle/>
+          <a:p>
+            <a:fld id="{990B41CA-569D-40E7-8E58-026C0338B2C8}" type="slidenum">
+              <a:rPr lang="en-US" smtClean="0"/>
+              <a:pPr/>
+              <a:t>33</a:t>
+            </a:fld>
+            <a:endParaRPr lang="en-US"/>
+          </a:p>
+        </p:txBody>
+      </p:sp>
+    </p:spTree>
     <p:extLst>
       <p:ext uri="{BB962C8B-B14F-4D97-AF65-F5344CB8AC3E}">
-        <p14:creationId xmlns="" xmlns:p14="http://schemas.microsoft.com/office/powerpoint/2010/main" val="3309636493"/>
+        <p14:creationId xmlns:p14="http://schemas.microsoft.com/office/powerpoint/2010/main" xmlns="" val="3309636493"/>
       </p:ext>
     </p:extLst>
   </p:cSld>
@@ -16712,7 +16860,7 @@
 </p:sld>
 </file>
 
-<file path=ppt/slides/slide33.xml><?xml version="1.0" encoding="utf-8"?>
+<file path=ppt/slides/slide34.xml><?xml version="1.0" encoding="utf-8"?>
 <p:sld xmlns:a="http://schemas.openxmlformats.org/drawingml/2006/main" xmlns:r="http://schemas.openxmlformats.org/officeDocument/2006/relationships" xmlns:p="http://schemas.openxmlformats.org/presentationml/2006/main">
   <p:cSld>
     <p:spTree>
@@ -16904,7 +17052,7 @@
             <a:fld id="{6C6AE60A-B69C-4790-82F7-3882EDF23186}" type="slidenum">
               <a:rPr lang="de-DE" smtClean="0"/>
               <a:pPr/>
-              <a:t>33</a:t>
+              <a:t>34</a:t>
             </a:fld>
             <a:endParaRPr lang="de-DE" dirty="0"/>
           </a:p>
@@ -16913,7 +17061,7 @@
     </p:spTree>
     <p:extLst>
       <p:ext uri="{BB962C8B-B14F-4D97-AF65-F5344CB8AC3E}">
-        <p14:creationId xmlns="" xmlns:p14="http://schemas.microsoft.com/office/powerpoint/2010/main" val="1012322072"/>
+        <p14:creationId xmlns:p14="http://schemas.microsoft.com/office/powerpoint/2010/main" xmlns="" val="1012322072"/>
       </p:ext>
     </p:extLst>
   </p:cSld>
@@ -16930,7 +17078,7 @@
 </p:sld>
 </file>
 
-<file path=ppt/slides/slide34.xml><?xml version="1.0" encoding="utf-8"?>
+<file path=ppt/slides/slide35.xml><?xml version="1.0" encoding="utf-8"?>
 <p:sld xmlns:a="http://schemas.openxmlformats.org/drawingml/2006/main" xmlns:r="http://schemas.openxmlformats.org/officeDocument/2006/relationships" xmlns:p="http://schemas.openxmlformats.org/presentationml/2006/main">
   <p:cSld>
     <p:spTree>
@@ -17122,7 +17270,7 @@
             <a:fld id="{6C6AE60A-B69C-4790-82F7-3882EDF23186}" type="slidenum">
               <a:rPr lang="de-DE" smtClean="0"/>
               <a:pPr/>
-              <a:t>34</a:t>
+              <a:t>35</a:t>
             </a:fld>
             <a:endParaRPr lang="de-DE" dirty="0"/>
           </a:p>
@@ -17131,7 +17279,7 @@
     </p:spTree>
     <p:extLst>
       <p:ext uri="{BB962C8B-B14F-4D97-AF65-F5344CB8AC3E}">
-        <p14:creationId xmlns="" xmlns:p14="http://schemas.microsoft.com/office/powerpoint/2010/main" val="1012322072"/>
+        <p14:creationId xmlns:p14="http://schemas.microsoft.com/office/powerpoint/2010/main" xmlns="" val="1012322072"/>
       </p:ext>
     </p:extLst>
   </p:cSld>
@@ -17148,7 +17296,7 @@
 </p:sld>
 </file>
 
-<file path=ppt/slides/slide35.xml><?xml version="1.0" encoding="utf-8"?>
+<file path=ppt/slides/slide36.xml><?xml version="1.0" encoding="utf-8"?>
 <p:sld xmlns:a="http://schemas.openxmlformats.org/drawingml/2006/main" xmlns:r="http://schemas.openxmlformats.org/officeDocument/2006/relationships" xmlns:p="http://schemas.openxmlformats.org/presentationml/2006/main">
   <p:cSld>
     <p:spTree>
@@ -17251,12 +17399,12 @@
           </a:p>
           <a:p>
             <a:r>
-              <a:rPr lang="de-DE" dirty="0" err="1" smtClean="0"/>
-              <a:t>Finalisieren</a:t>
-            </a:r>
-            <a:r>
-              <a:rPr lang="de-DE" dirty="0" smtClean="0"/>
-              <a:t> des Projekts</a:t>
+              <a:rPr lang="de-DE" dirty="0" smtClean="0"/>
+              <a:t>Abschluss des </a:t>
+            </a:r>
+            <a:r>
+              <a:rPr lang="de-DE" dirty="0" smtClean="0"/>
+              <a:t>Projekts</a:t>
             </a:r>
           </a:p>
           <a:p>
@@ -17332,7 +17480,7 @@
             <a:fld id="{990B41CA-569D-40E7-8E58-026C0338B2C8}" type="slidenum">
               <a:rPr lang="en-US" smtClean="0"/>
               <a:pPr/>
-              <a:t>35</a:t>
+              <a:t>36</a:t>
             </a:fld>
             <a:endParaRPr lang="en-US"/>
           </a:p>
@@ -17350,7 +17498,7 @@
           <a:blip r:embed="rId2" cstate="print">
             <a:extLst>
               <a:ext uri="{BEBA8EAE-BF5A-486C-A8C5-ECC9F3942E4B}">
-                <a14:imgProps xmlns="" xmlns:a14="http://schemas.microsoft.com/office/drawing/2010/main">
+                <a14:imgProps xmlns:a14="http://schemas.microsoft.com/office/drawing/2010/main" xmlns="">
                   <a14:imgLayer r:embed="rId3">
                     <a14:imgEffect>
                       <a14:backgroundRemoval t="6057" b="22942" l="7000" r="29162"/>
@@ -17359,7 +17507,7 @@
                 </a14:imgProps>
               </a:ext>
               <a:ext uri="{28A0092B-C50C-407E-A947-70E740481C1C}">
-                <a14:useLocalDpi xmlns="" xmlns:a14="http://schemas.microsoft.com/office/drawing/2010/main" val="0"/>
+                <a14:useLocalDpi xmlns:a14="http://schemas.microsoft.com/office/drawing/2010/main" xmlns="" val="0"/>
               </a:ext>
             </a:extLst>
           </a:blip>
@@ -17377,7 +17525,7 @@
           <a:noFill/>
           <a:extLst>
             <a:ext uri="{909E8E84-426E-40DD-AFC4-6F175D3DCCD1}">
-              <a14:hiddenFill xmlns="" xmlns:a14="http://schemas.microsoft.com/office/drawing/2010/main">
+              <a14:hiddenFill xmlns:a14="http://schemas.microsoft.com/office/drawing/2010/main" xmlns="">
                 <a:solidFill>
                   <a:srgbClr val="FFFFFF"/>
                 </a:solidFill>
@@ -17398,7 +17546,7 @@
           <a:blip r:embed="rId2" cstate="print">
             <a:extLst>
               <a:ext uri="{BEBA8EAE-BF5A-486C-A8C5-ECC9F3942E4B}">
-                <a14:imgProps xmlns="" xmlns:a14="http://schemas.microsoft.com/office/drawing/2010/main">
+                <a14:imgProps xmlns:a14="http://schemas.microsoft.com/office/drawing/2010/main" xmlns="">
                   <a14:imgLayer r:embed="rId3">
                     <a14:imgEffect>
                       <a14:backgroundRemoval t="6057" b="22942" l="7000" r="29162"/>
@@ -17407,7 +17555,7 @@
                 </a14:imgProps>
               </a:ext>
               <a:ext uri="{28A0092B-C50C-407E-A947-70E740481C1C}">
-                <a14:useLocalDpi xmlns="" xmlns:a14="http://schemas.microsoft.com/office/drawing/2010/main" val="0"/>
+                <a14:useLocalDpi xmlns:a14="http://schemas.microsoft.com/office/drawing/2010/main" xmlns="" val="0"/>
               </a:ext>
             </a:extLst>
           </a:blip>
@@ -17425,7 +17573,7 @@
           <a:noFill/>
           <a:extLst>
             <a:ext uri="{909E8E84-426E-40DD-AFC4-6F175D3DCCD1}">
-              <a14:hiddenFill xmlns="" xmlns:a14="http://schemas.microsoft.com/office/drawing/2010/main">
+              <a14:hiddenFill xmlns:a14="http://schemas.microsoft.com/office/drawing/2010/main" xmlns="">
                 <a:solidFill>
                   <a:srgbClr val="FFFFFF"/>
                 </a:solidFill>
@@ -17437,7 +17585,7 @@
     </p:spTree>
     <p:extLst>
       <p:ext uri="{BB962C8B-B14F-4D97-AF65-F5344CB8AC3E}">
-        <p14:creationId xmlns="" xmlns:p14="http://schemas.microsoft.com/office/powerpoint/2010/main" val="2645794681"/>
+        <p14:creationId xmlns:p14="http://schemas.microsoft.com/office/powerpoint/2010/main" xmlns="" val="2645794681"/>
       </p:ext>
     </p:extLst>
   </p:cSld>
@@ -17447,7 +17595,7 @@
 </p:sld>
 </file>
 
-<file path=ppt/slides/slide36.xml><?xml version="1.0" encoding="utf-8"?>
+<file path=ppt/slides/slide37.xml><?xml version="1.0" encoding="utf-8"?>
 <p:sld xmlns:a="http://schemas.openxmlformats.org/drawingml/2006/main" xmlns:r="http://schemas.openxmlformats.org/officeDocument/2006/relationships" xmlns:p="http://schemas.openxmlformats.org/presentationml/2006/main">
   <p:cSld>
     <p:spTree>
@@ -17648,7 +17796,7 @@
             <a:fld id="{6C6AE60A-B69C-4790-82F7-3882EDF23186}" type="slidenum">
               <a:rPr lang="de-DE" smtClean="0"/>
               <a:pPr/>
-              <a:t>36</a:t>
+              <a:t>37</a:t>
             </a:fld>
             <a:endParaRPr lang="de-DE" dirty="0"/>
           </a:p>
@@ -17666,7 +17814,7 @@
           <a:blip r:embed="rId3" cstate="print">
             <a:extLst>
               <a:ext uri="{28A0092B-C50C-407E-A947-70E740481C1C}">
-                <a14:useLocalDpi xmlns="" xmlns:a14="http://schemas.microsoft.com/office/drawing/2010/main" val="0"/>
+                <a14:useLocalDpi xmlns:a14="http://schemas.microsoft.com/office/drawing/2010/main" xmlns="" val="0"/>
               </a:ext>
             </a:extLst>
           </a:blip>
@@ -17698,7 +17846,7 @@
           </a:effectLst>
           <a:extLst>
             <a:ext uri="{91240B29-F687-4F45-9708-019B960494DF}">
-              <a14:hiddenLine xmlns="" xmlns:a14="http://schemas.microsoft.com/office/drawing/2010/main" w="9525">
+              <a14:hiddenLine xmlns:a14="http://schemas.microsoft.com/office/drawing/2010/main" xmlns="" w="9525">
                 <a:solidFill>
                   <a:schemeClr val="tx1"/>
                 </a:solidFill>
@@ -17713,7 +17861,7 @@
     </p:spTree>
     <p:extLst>
       <p:ext uri="{BB962C8B-B14F-4D97-AF65-F5344CB8AC3E}">
-        <p14:creationId xmlns="" xmlns:p14="http://schemas.microsoft.com/office/powerpoint/2010/main" val="313312729"/>
+        <p14:creationId xmlns:p14="http://schemas.microsoft.com/office/powerpoint/2010/main" xmlns="" val="313312729"/>
       </p:ext>
     </p:extLst>
   </p:cSld>
@@ -17727,210 +17875,6 @@
       </p:par>
     </p:tnLst>
   </p:timing>
-</p:sld>
-</file>
-
-<file path=ppt/slides/slide37.xml><?xml version="1.0" encoding="utf-8"?>
-<p:sld xmlns:a="http://schemas.openxmlformats.org/drawingml/2006/main" xmlns:r="http://schemas.openxmlformats.org/officeDocument/2006/relationships" xmlns:p="http://schemas.openxmlformats.org/presentationml/2006/main">
-  <p:cSld>
-    <p:spTree>
-      <p:nvGrpSpPr>
-        <p:cNvPr id="1" name=""/>
-        <p:cNvGrpSpPr/>
-        <p:nvPr/>
-      </p:nvGrpSpPr>
-      <p:grpSpPr>
-        <a:xfrm>
-          <a:off x="0" y="0"/>
-          <a:ext cx="0" cy="0"/>
-          <a:chOff x="0" y="0"/>
-          <a:chExt cx="0" cy="0"/>
-        </a:xfrm>
-      </p:grpSpPr>
-      <p:sp>
-        <p:nvSpPr>
-          <p:cNvPr id="2" name="Titel 1"/>
-          <p:cNvSpPr>
-            <a:spLocks noGrp="1"/>
-          </p:cNvSpPr>
-          <p:nvPr>
-            <p:ph type="title"/>
-          </p:nvPr>
-        </p:nvSpPr>
-        <p:spPr/>
-        <p:txBody>
-          <a:bodyPr/>
-          <a:lstStyle/>
-          <a:p>
-            <a:r>
-              <a:rPr lang="de-DE" dirty="0" smtClean="0"/>
-              <a:t>Reflexion</a:t>
-            </a:r>
-            <a:endParaRPr lang="de-DE" dirty="0"/>
-          </a:p>
-        </p:txBody>
-      </p:sp>
-      <p:sp>
-        <p:nvSpPr>
-          <p:cNvPr id="3" name="Inhaltsplatzhalter 2"/>
-          <p:cNvSpPr>
-            <a:spLocks noGrp="1"/>
-          </p:cNvSpPr>
-          <p:nvPr>
-            <p:ph idx="1"/>
-          </p:nvPr>
-        </p:nvSpPr>
-        <p:spPr/>
-        <p:txBody>
-          <a:bodyPr/>
-          <a:lstStyle/>
-          <a:p>
-            <a:r>
-              <a:rPr lang="de-DE" dirty="0" smtClean="0"/>
-              <a:t>Verbesserungspotential</a:t>
-            </a:r>
-          </a:p>
-          <a:p>
-            <a:pPr lvl="1"/>
-            <a:r>
-              <a:rPr lang="de-DE" dirty="0" err="1" smtClean="0"/>
-              <a:t>gitHub</a:t>
-            </a:r>
-            <a:r>
-              <a:rPr lang="de-DE" dirty="0" smtClean="0"/>
-              <a:t> und binäre Dateiformate</a:t>
-            </a:r>
-          </a:p>
-          <a:p>
-            <a:pPr lvl="1"/>
-            <a:r>
-              <a:rPr lang="de-DE" dirty="0" smtClean="0"/>
-              <a:t>Projektmanagement stärker verfolgen</a:t>
-            </a:r>
-          </a:p>
-          <a:p>
-            <a:pPr lvl="1"/>
-            <a:r>
-              <a:rPr lang="de-DE" dirty="0" err="1" smtClean="0"/>
-              <a:t>Workload</a:t>
-            </a:r>
-            <a:endParaRPr lang="de-DE" smtClean="0"/>
-          </a:p>
-          <a:p>
-            <a:pPr lvl="1"/>
-            <a:endParaRPr lang="de-DE" dirty="0" smtClean="0"/>
-          </a:p>
-          <a:p>
-            <a:r>
-              <a:rPr lang="de-DE" dirty="0" smtClean="0"/>
-              <a:t>Positiv</a:t>
-            </a:r>
-          </a:p>
-          <a:p>
-            <a:pPr lvl="1"/>
-            <a:r>
-              <a:rPr lang="de-DE" dirty="0" err="1" smtClean="0"/>
-              <a:t>PeerReview</a:t>
-            </a:r>
-            <a:endParaRPr lang="de-DE" dirty="0"/>
-          </a:p>
-          <a:p>
-            <a:pPr lvl="1"/>
-            <a:r>
-              <a:rPr lang="de-DE" dirty="0" smtClean="0"/>
-              <a:t>Teamwork</a:t>
-            </a:r>
-          </a:p>
-          <a:p>
-            <a:pPr lvl="1"/>
-            <a:endParaRPr lang="de-DE" dirty="0"/>
-          </a:p>
-          <a:p>
-            <a:pPr lvl="1"/>
-            <a:endParaRPr lang="de-DE" dirty="0"/>
-          </a:p>
-        </p:txBody>
-      </p:sp>
-      <p:sp>
-        <p:nvSpPr>
-          <p:cNvPr id="4" name="Datumsplatzhalter 3"/>
-          <p:cNvSpPr>
-            <a:spLocks noGrp="1"/>
-          </p:cNvSpPr>
-          <p:nvPr>
-            <p:ph type="dt" sz="half" idx="10"/>
-          </p:nvPr>
-        </p:nvSpPr>
-        <p:spPr/>
-        <p:txBody>
-          <a:bodyPr/>
-          <a:lstStyle/>
-          <a:p>
-            <a:r>
-              <a:rPr lang="de-DE" smtClean="0"/>
-              <a:t>21.04.2012</a:t>
-            </a:r>
-            <a:endParaRPr lang="en-US"/>
-          </a:p>
-        </p:txBody>
-      </p:sp>
-      <p:sp>
-        <p:nvSpPr>
-          <p:cNvPr id="5" name="Fußzeilenplatzhalter 4"/>
-          <p:cNvSpPr>
-            <a:spLocks noGrp="1"/>
-          </p:cNvSpPr>
-          <p:nvPr>
-            <p:ph type="ftr" sz="quarter" idx="11"/>
-          </p:nvPr>
-        </p:nvSpPr>
-        <p:spPr/>
-        <p:txBody>
-          <a:bodyPr/>
-          <a:lstStyle/>
-          <a:p>
-            <a:r>
-              <a:rPr lang="de-DE" smtClean="0"/>
-              <a:t>FST Projekt "Eventalizer" (SS 2012) Team 5</a:t>
-            </a:r>
-            <a:endParaRPr lang="de-DE" dirty="0"/>
-          </a:p>
-        </p:txBody>
-      </p:sp>
-      <p:sp>
-        <p:nvSpPr>
-          <p:cNvPr id="6" name="Foliennummernplatzhalter 5"/>
-          <p:cNvSpPr>
-            <a:spLocks noGrp="1"/>
-          </p:cNvSpPr>
-          <p:nvPr>
-            <p:ph type="sldNum" sz="quarter" idx="12"/>
-          </p:nvPr>
-        </p:nvSpPr>
-        <p:spPr/>
-        <p:txBody>
-          <a:bodyPr/>
-          <a:lstStyle/>
-          <a:p>
-            <a:fld id="{990B41CA-569D-40E7-8E58-026C0338B2C8}" type="slidenum">
-              <a:rPr lang="en-US" smtClean="0"/>
-              <a:pPr/>
-              <a:t>37</a:t>
-            </a:fld>
-            <a:endParaRPr lang="en-US"/>
-          </a:p>
-        </p:txBody>
-      </p:sp>
-    </p:spTree>
-    <p:extLst>
-      <p:ext uri="{BB962C8B-B14F-4D97-AF65-F5344CB8AC3E}">
-        <p14:creationId xmlns="" xmlns:p14="http://schemas.microsoft.com/office/powerpoint/2010/main" val="1344880779"/>
-      </p:ext>
-    </p:extLst>
-  </p:cSld>
-  <p:clrMapOvr>
-    <a:masterClrMapping/>
-  </p:clrMapOvr>
 </p:sld>
 </file>
 
@@ -17963,6 +17907,210 @@
         </p:nvSpPr>
         <p:spPr/>
         <p:txBody>
+          <a:bodyPr/>
+          <a:lstStyle/>
+          <a:p>
+            <a:r>
+              <a:rPr lang="de-DE" dirty="0" smtClean="0"/>
+              <a:t>Reflexion</a:t>
+            </a:r>
+            <a:endParaRPr lang="de-DE" dirty="0"/>
+          </a:p>
+        </p:txBody>
+      </p:sp>
+      <p:sp>
+        <p:nvSpPr>
+          <p:cNvPr id="3" name="Inhaltsplatzhalter 2"/>
+          <p:cNvSpPr>
+            <a:spLocks noGrp="1"/>
+          </p:cNvSpPr>
+          <p:nvPr>
+            <p:ph idx="1"/>
+          </p:nvPr>
+        </p:nvSpPr>
+        <p:spPr/>
+        <p:txBody>
+          <a:bodyPr/>
+          <a:lstStyle/>
+          <a:p>
+            <a:r>
+              <a:rPr lang="de-DE" dirty="0" smtClean="0"/>
+              <a:t>Verbesserungspotential</a:t>
+            </a:r>
+          </a:p>
+          <a:p>
+            <a:pPr lvl="1"/>
+            <a:r>
+              <a:rPr lang="de-DE" dirty="0" err="1" smtClean="0"/>
+              <a:t>gitHub</a:t>
+            </a:r>
+            <a:r>
+              <a:rPr lang="de-DE" dirty="0" smtClean="0"/>
+              <a:t> und binäre Dateiformate</a:t>
+            </a:r>
+          </a:p>
+          <a:p>
+            <a:pPr lvl="1"/>
+            <a:r>
+              <a:rPr lang="de-DE" dirty="0" smtClean="0"/>
+              <a:t>Projektmanagement stärker verfolgen</a:t>
+            </a:r>
+          </a:p>
+          <a:p>
+            <a:pPr lvl="1"/>
+            <a:r>
+              <a:rPr lang="de-DE" dirty="0" err="1" smtClean="0"/>
+              <a:t>Workload</a:t>
+            </a:r>
+            <a:endParaRPr lang="de-DE" smtClean="0"/>
+          </a:p>
+          <a:p>
+            <a:pPr lvl="1"/>
+            <a:endParaRPr lang="de-DE" dirty="0" smtClean="0"/>
+          </a:p>
+          <a:p>
+            <a:r>
+              <a:rPr lang="de-DE" dirty="0" smtClean="0"/>
+              <a:t>Positiv</a:t>
+            </a:r>
+          </a:p>
+          <a:p>
+            <a:pPr lvl="1"/>
+            <a:r>
+              <a:rPr lang="de-DE" dirty="0" err="1" smtClean="0"/>
+              <a:t>PeerReview</a:t>
+            </a:r>
+            <a:endParaRPr lang="de-DE" dirty="0"/>
+          </a:p>
+          <a:p>
+            <a:pPr lvl="1"/>
+            <a:r>
+              <a:rPr lang="de-DE" dirty="0" smtClean="0"/>
+              <a:t>Teamwork</a:t>
+            </a:r>
+          </a:p>
+          <a:p>
+            <a:pPr lvl="1"/>
+            <a:endParaRPr lang="de-DE" dirty="0"/>
+          </a:p>
+          <a:p>
+            <a:pPr lvl="1"/>
+            <a:endParaRPr lang="de-DE" dirty="0"/>
+          </a:p>
+        </p:txBody>
+      </p:sp>
+      <p:sp>
+        <p:nvSpPr>
+          <p:cNvPr id="4" name="Datumsplatzhalter 3"/>
+          <p:cNvSpPr>
+            <a:spLocks noGrp="1"/>
+          </p:cNvSpPr>
+          <p:nvPr>
+            <p:ph type="dt" sz="half" idx="10"/>
+          </p:nvPr>
+        </p:nvSpPr>
+        <p:spPr/>
+        <p:txBody>
+          <a:bodyPr/>
+          <a:lstStyle/>
+          <a:p>
+            <a:r>
+              <a:rPr lang="de-DE" smtClean="0"/>
+              <a:t>21.04.2012</a:t>
+            </a:r>
+            <a:endParaRPr lang="en-US"/>
+          </a:p>
+        </p:txBody>
+      </p:sp>
+      <p:sp>
+        <p:nvSpPr>
+          <p:cNvPr id="5" name="Fußzeilenplatzhalter 4"/>
+          <p:cNvSpPr>
+            <a:spLocks noGrp="1"/>
+          </p:cNvSpPr>
+          <p:nvPr>
+            <p:ph type="ftr" sz="quarter" idx="11"/>
+          </p:nvPr>
+        </p:nvSpPr>
+        <p:spPr/>
+        <p:txBody>
+          <a:bodyPr/>
+          <a:lstStyle/>
+          <a:p>
+            <a:r>
+              <a:rPr lang="de-DE" smtClean="0"/>
+              <a:t>FST Projekt "Eventalizer" (SS 2012) Team 5</a:t>
+            </a:r>
+            <a:endParaRPr lang="de-DE" dirty="0"/>
+          </a:p>
+        </p:txBody>
+      </p:sp>
+      <p:sp>
+        <p:nvSpPr>
+          <p:cNvPr id="6" name="Foliennummernplatzhalter 5"/>
+          <p:cNvSpPr>
+            <a:spLocks noGrp="1"/>
+          </p:cNvSpPr>
+          <p:nvPr>
+            <p:ph type="sldNum" sz="quarter" idx="12"/>
+          </p:nvPr>
+        </p:nvSpPr>
+        <p:spPr/>
+        <p:txBody>
+          <a:bodyPr/>
+          <a:lstStyle/>
+          <a:p>
+            <a:fld id="{990B41CA-569D-40E7-8E58-026C0338B2C8}" type="slidenum">
+              <a:rPr lang="en-US" smtClean="0"/>
+              <a:pPr/>
+              <a:t>38</a:t>
+            </a:fld>
+            <a:endParaRPr lang="en-US"/>
+          </a:p>
+        </p:txBody>
+      </p:sp>
+    </p:spTree>
+    <p:extLst>
+      <p:ext uri="{BB962C8B-B14F-4D97-AF65-F5344CB8AC3E}">
+        <p14:creationId xmlns:p14="http://schemas.microsoft.com/office/powerpoint/2010/main" xmlns="" val="1344880779"/>
+      </p:ext>
+    </p:extLst>
+  </p:cSld>
+  <p:clrMapOvr>
+    <a:masterClrMapping/>
+  </p:clrMapOvr>
+</p:sld>
+</file>
+
+<file path=ppt/slides/slide39.xml><?xml version="1.0" encoding="utf-8"?>
+<p:sld xmlns:a="http://schemas.openxmlformats.org/drawingml/2006/main" xmlns:r="http://schemas.openxmlformats.org/officeDocument/2006/relationships" xmlns:p="http://schemas.openxmlformats.org/presentationml/2006/main">
+  <p:cSld>
+    <p:spTree>
+      <p:nvGrpSpPr>
+        <p:cNvPr id="1" name=""/>
+        <p:cNvGrpSpPr/>
+        <p:nvPr/>
+      </p:nvGrpSpPr>
+      <p:grpSpPr>
+        <a:xfrm>
+          <a:off x="0" y="0"/>
+          <a:ext cx="0" cy="0"/>
+          <a:chOff x="0" y="0"/>
+          <a:chExt cx="0" cy="0"/>
+        </a:xfrm>
+      </p:grpSpPr>
+      <p:sp>
+        <p:nvSpPr>
+          <p:cNvPr id="2" name="Titel 1"/>
+          <p:cNvSpPr>
+            <a:spLocks noGrp="1"/>
+          </p:cNvSpPr>
+          <p:nvPr>
+            <p:ph type="title"/>
+          </p:nvPr>
+        </p:nvSpPr>
+        <p:spPr/>
+        <p:txBody>
           <a:bodyPr>
             <a:normAutofit/>
           </a:bodyPr>
@@ -18017,7 +18165,7 @@
           <a:blip r:embed="rId3" cstate="print">
             <a:extLst>
               <a:ext uri="{28A0092B-C50C-407E-A947-70E740481C1C}">
-                <a14:useLocalDpi xmlns="" xmlns:a14="http://schemas.microsoft.com/office/drawing/2010/main" val="0"/>
+                <a14:useLocalDpi xmlns:a14="http://schemas.microsoft.com/office/drawing/2010/main" xmlns="" val="0"/>
               </a:ext>
             </a:extLst>
           </a:blip>
@@ -18047,7 +18195,7 @@
           <a:blip r:embed="rId4" cstate="print">
             <a:extLst>
               <a:ext uri="{28A0092B-C50C-407E-A947-70E740481C1C}">
-                <a14:useLocalDpi xmlns="" xmlns:a14="http://schemas.microsoft.com/office/drawing/2010/main" val="0"/>
+                <a14:useLocalDpi xmlns:a14="http://schemas.microsoft.com/office/drawing/2010/main" xmlns="" val="0"/>
               </a:ext>
             </a:extLst>
           </a:blip>
@@ -18068,7 +18216,7 @@
     </p:spTree>
     <p:extLst>
       <p:ext uri="{BB962C8B-B14F-4D97-AF65-F5344CB8AC3E}">
-        <p14:creationId xmlns="" xmlns:p14="http://schemas.microsoft.com/office/powerpoint/2010/main" val="2565098391"/>
+        <p14:creationId xmlns:p14="http://schemas.microsoft.com/office/powerpoint/2010/main" xmlns="" val="2565098391"/>
       </p:ext>
     </p:extLst>
   </p:cSld>
@@ -18082,247 +18230,6 @@
       </p:par>
     </p:tnLst>
   </p:timing>
-</p:sld>
-</file>
-
-<file path=ppt/slides/slide39.xml><?xml version="1.0" encoding="utf-8"?>
-<p:sld xmlns:a="http://schemas.openxmlformats.org/drawingml/2006/main" xmlns:r="http://schemas.openxmlformats.org/officeDocument/2006/relationships" xmlns:p="http://schemas.openxmlformats.org/presentationml/2006/main">
-  <p:cSld>
-    <p:spTree>
-      <p:nvGrpSpPr>
-        <p:cNvPr id="1" name=""/>
-        <p:cNvGrpSpPr/>
-        <p:nvPr/>
-      </p:nvGrpSpPr>
-      <p:grpSpPr>
-        <a:xfrm>
-          <a:off x="0" y="0"/>
-          <a:ext cx="0" cy="0"/>
-          <a:chOff x="0" y="0"/>
-          <a:chExt cx="0" cy="0"/>
-        </a:xfrm>
-      </p:grpSpPr>
-      <p:sp>
-        <p:nvSpPr>
-          <p:cNvPr id="7" name="Titel 6"/>
-          <p:cNvSpPr>
-            <a:spLocks noGrp="1"/>
-          </p:cNvSpPr>
-          <p:nvPr>
-            <p:ph type="title"/>
-          </p:nvPr>
-        </p:nvSpPr>
-        <p:spPr/>
-        <p:txBody>
-          <a:bodyPr/>
-          <a:lstStyle/>
-          <a:p>
-            <a:r>
-              <a:rPr lang="de-DE" dirty="0" smtClean="0"/>
-              <a:t>Quellen</a:t>
-            </a:r>
-            <a:endParaRPr lang="de-DE" dirty="0"/>
-          </a:p>
-        </p:txBody>
-      </p:sp>
-      <p:sp>
-        <p:nvSpPr>
-          <p:cNvPr id="8" name="Inhaltsplatzhalter 7"/>
-          <p:cNvSpPr>
-            <a:spLocks noGrp="1"/>
-          </p:cNvSpPr>
-          <p:nvPr>
-            <p:ph idx="1"/>
-          </p:nvPr>
-        </p:nvSpPr>
-        <p:spPr/>
-        <p:txBody>
-          <a:bodyPr>
-            <a:normAutofit/>
-          </a:bodyPr>
-          <a:lstStyle/>
-          <a:p>
-            <a:r>
-              <a:rPr lang="de-DE" sz="2000" dirty="0" err="1" smtClean="0"/>
-              <a:t>o.V</a:t>
-            </a:r>
-            <a:r>
-              <a:rPr lang="de-DE" sz="2000" dirty="0" smtClean="0"/>
-              <a:t>.: Spring </a:t>
-            </a:r>
-            <a:r>
-              <a:rPr lang="de-DE" sz="2000" dirty="0" err="1"/>
-              <a:t>Roo</a:t>
-            </a:r>
-            <a:r>
-              <a:rPr lang="de-DE" sz="2000" dirty="0"/>
-              <a:t> - Reference </a:t>
-            </a:r>
-            <a:r>
-              <a:rPr lang="de-DE" sz="2000" dirty="0" err="1" smtClean="0"/>
-              <a:t>Documentation</a:t>
-            </a:r>
-            <a:r>
-              <a:rPr lang="de-DE" sz="2000" dirty="0" smtClean="0"/>
-              <a:t>. http</a:t>
-            </a:r>
-            <a:r>
-              <a:rPr lang="de-DE" sz="2000" dirty="0"/>
-              <a:t>://</a:t>
-            </a:r>
-            <a:r>
-              <a:rPr lang="de-DE" sz="2000" dirty="0" smtClean="0"/>
-              <a:t>www.springsource.org/spring-roo#documentation,  Abgerufen am 14.03.2012</a:t>
-            </a:r>
-            <a:endParaRPr lang="de-DE" sz="2000" dirty="0"/>
-          </a:p>
-          <a:p>
-            <a:r>
-              <a:rPr lang="de-DE" sz="2000" dirty="0" err="1"/>
-              <a:t>Shekhar</a:t>
-            </a:r>
-            <a:r>
-              <a:rPr lang="de-DE" sz="2000" dirty="0"/>
-              <a:t> </a:t>
-            </a:r>
-            <a:r>
-              <a:rPr lang="de-DE" sz="2000" dirty="0" err="1"/>
-              <a:t>Gulati</a:t>
-            </a:r>
-            <a:r>
-              <a:rPr lang="de-DE" sz="2000" dirty="0"/>
-              <a:t>: </a:t>
-            </a:r>
-            <a:r>
-              <a:rPr lang="de-DE" sz="2000" dirty="0" err="1"/>
-              <a:t>Introducing</a:t>
-            </a:r>
-            <a:r>
-              <a:rPr lang="de-DE" sz="2000" dirty="0"/>
-              <a:t> Spring </a:t>
-            </a:r>
-            <a:r>
-              <a:rPr lang="de-DE" sz="2000" dirty="0" err="1" smtClean="0"/>
-              <a:t>Roo</a:t>
-            </a:r>
-            <a:r>
-              <a:rPr lang="de-DE" sz="2000" dirty="0"/>
-              <a:t>. http://www.ibm.com/developerworks/library/os-springroo2</a:t>
-            </a:r>
-            <a:r>
-              <a:rPr lang="de-DE" sz="2000" dirty="0" smtClean="0"/>
-              <a:t>/,  Abgerufen 23.04.2012</a:t>
-            </a:r>
-          </a:p>
-          <a:p>
-            <a:endParaRPr lang="de-DE" dirty="0"/>
-          </a:p>
-          <a:p>
-            <a:r>
-              <a:rPr lang="de-DE" sz="2400" dirty="0" smtClean="0"/>
-              <a:t>Dekorative Abbildungen</a:t>
-            </a:r>
-          </a:p>
-          <a:p>
-            <a:pPr lvl="1"/>
-            <a:r>
-              <a:rPr lang="de-DE" sz="2000" dirty="0" smtClean="0"/>
-              <a:t>www.FreeDigitalPhotos.net</a:t>
-            </a:r>
-          </a:p>
-          <a:p>
-            <a:pPr lvl="1"/>
-            <a:r>
-              <a:rPr lang="de-DE" sz="2000" dirty="0"/>
-              <a:t>www.animationfactory.com</a:t>
-            </a:r>
-          </a:p>
-          <a:p>
-            <a:pPr lvl="1"/>
-            <a:endParaRPr lang="de-DE" sz="2000" dirty="0"/>
-          </a:p>
-        </p:txBody>
-      </p:sp>
-      <p:sp>
-        <p:nvSpPr>
-          <p:cNvPr id="4" name="Datumsplatzhalter 3"/>
-          <p:cNvSpPr>
-            <a:spLocks noGrp="1"/>
-          </p:cNvSpPr>
-          <p:nvPr>
-            <p:ph type="dt" sz="half" idx="10"/>
-          </p:nvPr>
-        </p:nvSpPr>
-        <p:spPr/>
-        <p:txBody>
-          <a:bodyPr/>
-          <a:lstStyle/>
-          <a:p>
-            <a:r>
-              <a:rPr lang="de-DE" smtClean="0"/>
-              <a:t>21.04.2012</a:t>
-            </a:r>
-            <a:endParaRPr lang="en-US"/>
-          </a:p>
-        </p:txBody>
-      </p:sp>
-      <p:sp>
-        <p:nvSpPr>
-          <p:cNvPr id="5" name="Fußzeilenplatzhalter 4"/>
-          <p:cNvSpPr>
-            <a:spLocks noGrp="1"/>
-          </p:cNvSpPr>
-          <p:nvPr>
-            <p:ph type="ftr" sz="quarter" idx="11"/>
-          </p:nvPr>
-        </p:nvSpPr>
-        <p:spPr/>
-        <p:txBody>
-          <a:bodyPr/>
-          <a:lstStyle/>
-          <a:p>
-            <a:r>
-              <a:rPr lang="de-DE" smtClean="0"/>
-              <a:t>FST Projekt "Eventalizer" (SS 2012) Team 5</a:t>
-            </a:r>
-            <a:endParaRPr lang="de-DE" dirty="0"/>
-          </a:p>
-        </p:txBody>
-      </p:sp>
-      <p:sp>
-        <p:nvSpPr>
-          <p:cNvPr id="6" name="Foliennummernplatzhalter 5"/>
-          <p:cNvSpPr>
-            <a:spLocks noGrp="1"/>
-          </p:cNvSpPr>
-          <p:nvPr>
-            <p:ph type="sldNum" sz="quarter" idx="12"/>
-          </p:nvPr>
-        </p:nvSpPr>
-        <p:spPr/>
-        <p:txBody>
-          <a:bodyPr/>
-          <a:lstStyle/>
-          <a:p>
-            <a:fld id="{990B41CA-569D-40E7-8E58-026C0338B2C8}" type="slidenum">
-              <a:rPr lang="en-US" smtClean="0"/>
-              <a:pPr/>
-              <a:t>39</a:t>
-            </a:fld>
-            <a:endParaRPr lang="en-US"/>
-          </a:p>
-        </p:txBody>
-      </p:sp>
-    </p:spTree>
-    <p:extLst>
-      <p:ext uri="{BB962C8B-B14F-4D97-AF65-F5344CB8AC3E}">
-        <p14:creationId xmlns="" xmlns:p14="http://schemas.microsoft.com/office/powerpoint/2010/main" val="3661383713"/>
-      </p:ext>
-    </p:extLst>
-  </p:cSld>
-  <p:clrMapOvr>
-    <a:masterClrMapping/>
-  </p:clrMapOvr>
 </p:sld>
 </file>
 
@@ -18467,7 +18374,7 @@
     </p:spTree>
     <p:extLst>
       <p:ext uri="{BB962C8B-B14F-4D97-AF65-F5344CB8AC3E}">
-        <p14:creationId xmlns="" xmlns:p14="http://schemas.microsoft.com/office/powerpoint/2010/main" val="351671181"/>
+        <p14:creationId xmlns:p14="http://schemas.microsoft.com/office/powerpoint/2010/main" xmlns="" val="351671181"/>
       </p:ext>
     </p:extLst>
   </p:cSld>
@@ -18551,6 +18458,247 @@
 </p:sld>
 </file>
 
+<file path=ppt/slides/slide40.xml><?xml version="1.0" encoding="utf-8"?>
+<p:sld xmlns:a="http://schemas.openxmlformats.org/drawingml/2006/main" xmlns:r="http://schemas.openxmlformats.org/officeDocument/2006/relationships" xmlns:p="http://schemas.openxmlformats.org/presentationml/2006/main">
+  <p:cSld>
+    <p:spTree>
+      <p:nvGrpSpPr>
+        <p:cNvPr id="1" name=""/>
+        <p:cNvGrpSpPr/>
+        <p:nvPr/>
+      </p:nvGrpSpPr>
+      <p:grpSpPr>
+        <a:xfrm>
+          <a:off x="0" y="0"/>
+          <a:ext cx="0" cy="0"/>
+          <a:chOff x="0" y="0"/>
+          <a:chExt cx="0" cy="0"/>
+        </a:xfrm>
+      </p:grpSpPr>
+      <p:sp>
+        <p:nvSpPr>
+          <p:cNvPr id="7" name="Titel 6"/>
+          <p:cNvSpPr>
+            <a:spLocks noGrp="1"/>
+          </p:cNvSpPr>
+          <p:nvPr>
+            <p:ph type="title"/>
+          </p:nvPr>
+        </p:nvSpPr>
+        <p:spPr/>
+        <p:txBody>
+          <a:bodyPr/>
+          <a:lstStyle/>
+          <a:p>
+            <a:r>
+              <a:rPr lang="de-DE" dirty="0" smtClean="0"/>
+              <a:t>Quellen</a:t>
+            </a:r>
+            <a:endParaRPr lang="de-DE" dirty="0"/>
+          </a:p>
+        </p:txBody>
+      </p:sp>
+      <p:sp>
+        <p:nvSpPr>
+          <p:cNvPr id="8" name="Inhaltsplatzhalter 7"/>
+          <p:cNvSpPr>
+            <a:spLocks noGrp="1"/>
+          </p:cNvSpPr>
+          <p:nvPr>
+            <p:ph idx="1"/>
+          </p:nvPr>
+        </p:nvSpPr>
+        <p:spPr/>
+        <p:txBody>
+          <a:bodyPr>
+            <a:normAutofit/>
+          </a:bodyPr>
+          <a:lstStyle/>
+          <a:p>
+            <a:r>
+              <a:rPr lang="de-DE" sz="2000" dirty="0" err="1" smtClean="0"/>
+              <a:t>o.V</a:t>
+            </a:r>
+            <a:r>
+              <a:rPr lang="de-DE" sz="2000" dirty="0" smtClean="0"/>
+              <a:t>.: Spring </a:t>
+            </a:r>
+            <a:r>
+              <a:rPr lang="de-DE" sz="2000" dirty="0" err="1"/>
+              <a:t>Roo</a:t>
+            </a:r>
+            <a:r>
+              <a:rPr lang="de-DE" sz="2000" dirty="0"/>
+              <a:t> - Reference </a:t>
+            </a:r>
+            <a:r>
+              <a:rPr lang="de-DE" sz="2000" dirty="0" err="1" smtClean="0"/>
+              <a:t>Documentation</a:t>
+            </a:r>
+            <a:r>
+              <a:rPr lang="de-DE" sz="2000" dirty="0" smtClean="0"/>
+              <a:t>. http</a:t>
+            </a:r>
+            <a:r>
+              <a:rPr lang="de-DE" sz="2000" dirty="0"/>
+              <a:t>://</a:t>
+            </a:r>
+            <a:r>
+              <a:rPr lang="de-DE" sz="2000" dirty="0" smtClean="0"/>
+              <a:t>www.springsource.org/spring-roo#documentation,  Abgerufen am 14.03.2012</a:t>
+            </a:r>
+            <a:endParaRPr lang="de-DE" sz="2000" dirty="0"/>
+          </a:p>
+          <a:p>
+            <a:r>
+              <a:rPr lang="de-DE" sz="2000" dirty="0" err="1"/>
+              <a:t>Shekhar</a:t>
+            </a:r>
+            <a:r>
+              <a:rPr lang="de-DE" sz="2000" dirty="0"/>
+              <a:t> </a:t>
+            </a:r>
+            <a:r>
+              <a:rPr lang="de-DE" sz="2000" dirty="0" err="1"/>
+              <a:t>Gulati</a:t>
+            </a:r>
+            <a:r>
+              <a:rPr lang="de-DE" sz="2000" dirty="0"/>
+              <a:t>: </a:t>
+            </a:r>
+            <a:r>
+              <a:rPr lang="de-DE" sz="2000" dirty="0" err="1"/>
+              <a:t>Introducing</a:t>
+            </a:r>
+            <a:r>
+              <a:rPr lang="de-DE" sz="2000" dirty="0"/>
+              <a:t> Spring </a:t>
+            </a:r>
+            <a:r>
+              <a:rPr lang="de-DE" sz="2000" dirty="0" err="1" smtClean="0"/>
+              <a:t>Roo</a:t>
+            </a:r>
+            <a:r>
+              <a:rPr lang="de-DE" sz="2000" dirty="0"/>
+              <a:t>. http://www.ibm.com/developerworks/library/os-springroo2</a:t>
+            </a:r>
+            <a:r>
+              <a:rPr lang="de-DE" sz="2000" dirty="0" smtClean="0"/>
+              <a:t>/,  Abgerufen 23.04.2012</a:t>
+            </a:r>
+          </a:p>
+          <a:p>
+            <a:endParaRPr lang="de-DE" dirty="0"/>
+          </a:p>
+          <a:p>
+            <a:r>
+              <a:rPr lang="de-DE" sz="2400" dirty="0" smtClean="0"/>
+              <a:t>Dekorative Abbildungen</a:t>
+            </a:r>
+          </a:p>
+          <a:p>
+            <a:pPr lvl="1"/>
+            <a:r>
+              <a:rPr lang="de-DE" sz="2000" dirty="0" smtClean="0"/>
+              <a:t>www.FreeDigitalPhotos.net</a:t>
+            </a:r>
+          </a:p>
+          <a:p>
+            <a:pPr lvl="1"/>
+            <a:r>
+              <a:rPr lang="de-DE" sz="2000" dirty="0"/>
+              <a:t>www.animationfactory.com</a:t>
+            </a:r>
+          </a:p>
+          <a:p>
+            <a:pPr lvl="1"/>
+            <a:endParaRPr lang="de-DE" sz="2000" dirty="0"/>
+          </a:p>
+        </p:txBody>
+      </p:sp>
+      <p:sp>
+        <p:nvSpPr>
+          <p:cNvPr id="4" name="Datumsplatzhalter 3"/>
+          <p:cNvSpPr>
+            <a:spLocks noGrp="1"/>
+          </p:cNvSpPr>
+          <p:nvPr>
+            <p:ph type="dt" sz="half" idx="10"/>
+          </p:nvPr>
+        </p:nvSpPr>
+        <p:spPr/>
+        <p:txBody>
+          <a:bodyPr/>
+          <a:lstStyle/>
+          <a:p>
+            <a:r>
+              <a:rPr lang="de-DE" smtClean="0"/>
+              <a:t>21.04.2012</a:t>
+            </a:r>
+            <a:endParaRPr lang="en-US"/>
+          </a:p>
+        </p:txBody>
+      </p:sp>
+      <p:sp>
+        <p:nvSpPr>
+          <p:cNvPr id="5" name="Fußzeilenplatzhalter 4"/>
+          <p:cNvSpPr>
+            <a:spLocks noGrp="1"/>
+          </p:cNvSpPr>
+          <p:nvPr>
+            <p:ph type="ftr" sz="quarter" idx="11"/>
+          </p:nvPr>
+        </p:nvSpPr>
+        <p:spPr/>
+        <p:txBody>
+          <a:bodyPr/>
+          <a:lstStyle/>
+          <a:p>
+            <a:r>
+              <a:rPr lang="de-DE" smtClean="0"/>
+              <a:t>FST Projekt "Eventalizer" (SS 2012) Team 5</a:t>
+            </a:r>
+            <a:endParaRPr lang="de-DE" dirty="0"/>
+          </a:p>
+        </p:txBody>
+      </p:sp>
+      <p:sp>
+        <p:nvSpPr>
+          <p:cNvPr id="6" name="Foliennummernplatzhalter 5"/>
+          <p:cNvSpPr>
+            <a:spLocks noGrp="1"/>
+          </p:cNvSpPr>
+          <p:nvPr>
+            <p:ph type="sldNum" sz="quarter" idx="12"/>
+          </p:nvPr>
+        </p:nvSpPr>
+        <p:spPr/>
+        <p:txBody>
+          <a:bodyPr/>
+          <a:lstStyle/>
+          <a:p>
+            <a:fld id="{990B41CA-569D-40E7-8E58-026C0338B2C8}" type="slidenum">
+              <a:rPr lang="en-US" smtClean="0"/>
+              <a:pPr/>
+              <a:t>40</a:t>
+            </a:fld>
+            <a:endParaRPr lang="en-US"/>
+          </a:p>
+        </p:txBody>
+      </p:sp>
+    </p:spTree>
+    <p:extLst>
+      <p:ext uri="{BB962C8B-B14F-4D97-AF65-F5344CB8AC3E}">
+        <p14:creationId xmlns:p14="http://schemas.microsoft.com/office/powerpoint/2010/main" xmlns="" val="3661383713"/>
+      </p:ext>
+    </p:extLst>
+  </p:cSld>
+  <p:clrMapOvr>
+    <a:masterClrMapping/>
+  </p:clrMapOvr>
+</p:sld>
+</file>
+
 <file path=ppt/slides/slide5.xml><?xml version="1.0" encoding="utf-8"?>
 <p:sld xmlns:a="http://schemas.openxmlformats.org/drawingml/2006/main" xmlns:r="http://schemas.openxmlformats.org/officeDocument/2006/relationships" xmlns:p="http://schemas.openxmlformats.org/presentationml/2006/main">
   <p:cSld>
@@ -18869,7 +19017,7 @@
     </p:spTree>
     <p:extLst>
       <p:ext uri="{BB962C8B-B14F-4D97-AF65-F5344CB8AC3E}">
-        <p14:creationId xmlns="" xmlns:p14="http://schemas.microsoft.com/office/powerpoint/2010/main" val="351671181"/>
+        <p14:creationId xmlns:p14="http://schemas.microsoft.com/office/powerpoint/2010/main" xmlns="" val="351671181"/>
       </p:ext>
     </p:extLst>
   </p:cSld>
@@ -18990,7 +19138,7 @@
           <a:blip r:embed="rId3" cstate="print">
             <a:extLst>
               <a:ext uri="{28A0092B-C50C-407E-A947-70E740481C1C}">
-                <a14:useLocalDpi xmlns="" xmlns:a14="http://schemas.microsoft.com/office/drawing/2010/main" val="0"/>
+                <a14:useLocalDpi xmlns:a14="http://schemas.microsoft.com/office/drawing/2010/main" xmlns="" val="0"/>
               </a:ext>
             </a:extLst>
           </a:blip>
@@ -19041,14 +19189,14 @@
           </a:sp3d>
           <a:extLst>
             <a:ext uri="{909E8E84-426E-40DD-AFC4-6F175D3DCCD1}">
-              <a14:hiddenFill xmlns="" xmlns:a14="http://schemas.microsoft.com/office/drawing/2010/main">
+              <a14:hiddenFill xmlns:a14="http://schemas.microsoft.com/office/drawing/2010/main" xmlns="">
                 <a:solidFill>
                   <a:schemeClr val="accent1"/>
                 </a:solidFill>
               </a14:hiddenFill>
             </a:ext>
             <a:ext uri="{91240B29-F687-4F45-9708-019B960494DF}">
-              <a14:hiddenLine xmlns="" xmlns:a14="http://schemas.microsoft.com/office/drawing/2010/main" w="9525">
+              <a14:hiddenLine xmlns:a14="http://schemas.microsoft.com/office/drawing/2010/main" xmlns="" w="9525">
                 <a:solidFill>
                   <a:schemeClr val="tx1"/>
                 </a:solidFill>
@@ -19058,7 +19206,7 @@
               </a14:hiddenLine>
             </a:ext>
             <a:ext uri="{AF507438-7753-43E0-B8FC-AC1667EBCBE1}">
-              <a14:hiddenEffects xmlns="" xmlns:a14="http://schemas.microsoft.com/office/drawing/2010/main">
+              <a14:hiddenEffects xmlns:a14="http://schemas.microsoft.com/office/drawing/2010/main" xmlns="">
                 <a:effectLst>
                   <a:outerShdw dist="35921" dir="2700000" algn="ctr" rotWithShape="0">
                     <a:schemeClr val="bg2"/>
@@ -19072,7 +19220,7 @@
     </p:spTree>
     <p:extLst>
       <p:ext uri="{BB962C8B-B14F-4D97-AF65-F5344CB8AC3E}">
-        <p14:creationId xmlns="" xmlns:p14="http://schemas.microsoft.com/office/powerpoint/2010/main" val="2681693288"/>
+        <p14:creationId xmlns:p14="http://schemas.microsoft.com/office/powerpoint/2010/main" xmlns="" val="2681693288"/>
       </p:ext>
     </p:extLst>
   </p:cSld>
@@ -19106,152 +19254,12 @@
           <a:chExt cx="0" cy="0"/>
         </a:xfrm>
       </p:grpSpPr>
-      <p:sp>
-        <p:nvSpPr>
-          <p:cNvPr id="2" name="Titel 1"/>
-          <p:cNvSpPr>
-            <a:spLocks noGrp="1"/>
-          </p:cNvSpPr>
-          <p:nvPr>
-            <p:ph type="title"/>
-          </p:nvPr>
-        </p:nvSpPr>
-        <p:spPr/>
-        <p:txBody>
-          <a:bodyPr>
-            <a:normAutofit fontScale="90000"/>
-          </a:bodyPr>
-          <a:lstStyle/>
-          <a:p>
-            <a:r>
-              <a:rPr lang="de-DE" dirty="0" smtClean="0"/>
-              <a:t>„Anmelden (Login)“ </a:t>
-            </a:r>
-            <a:br>
-              <a:rPr lang="de-DE" dirty="0" smtClean="0"/>
-            </a:br>
-            <a:r>
-              <a:rPr lang="de-DE" dirty="0" smtClean="0"/>
-              <a:t>Pflichtenheft</a:t>
-            </a:r>
-            <a:endParaRPr lang="de-DE" dirty="0"/>
-          </a:p>
-        </p:txBody>
-      </p:sp>
-      <p:sp>
-        <p:nvSpPr>
-          <p:cNvPr id="3" name="Inhaltsplatzhalter 2"/>
-          <p:cNvSpPr>
-            <a:spLocks noGrp="1"/>
-          </p:cNvSpPr>
-          <p:nvPr>
-            <p:ph idx="1"/>
-          </p:nvPr>
-        </p:nvSpPr>
-        <p:spPr/>
-        <p:txBody>
-          <a:bodyPr/>
-          <a:lstStyle/>
-          <a:p>
-            <a:endParaRPr lang="de-DE" dirty="0" smtClean="0"/>
-          </a:p>
-          <a:p>
-            <a:r>
-              <a:rPr lang="de-DE" dirty="0" smtClean="0"/>
-              <a:t>F10 – Benutzerfunktionen:  Anmeldung</a:t>
-            </a:r>
-          </a:p>
-          <a:p>
-            <a:endParaRPr lang="de-DE" dirty="0"/>
-          </a:p>
-          <a:p>
-            <a:endParaRPr lang="de-DE" dirty="0" smtClean="0"/>
-          </a:p>
-          <a:p>
-            <a:endParaRPr lang="de-DE" dirty="0"/>
-          </a:p>
-          <a:p>
-            <a:endParaRPr lang="de-DE" dirty="0" smtClean="0"/>
-          </a:p>
-          <a:p>
-            <a:endParaRPr lang="de-DE" dirty="0"/>
-          </a:p>
-        </p:txBody>
-      </p:sp>
-      <p:sp>
-        <p:nvSpPr>
-          <p:cNvPr id="4" name="Datumsplatzhalter 3"/>
-          <p:cNvSpPr>
-            <a:spLocks noGrp="1"/>
-          </p:cNvSpPr>
-          <p:nvPr>
-            <p:ph type="dt" sz="half" idx="10"/>
-          </p:nvPr>
-        </p:nvSpPr>
-        <p:spPr/>
-        <p:txBody>
-          <a:bodyPr/>
-          <a:lstStyle/>
-          <a:p>
-            <a:r>
-              <a:rPr lang="de-DE" smtClean="0"/>
-              <a:t>21.04.2012</a:t>
-            </a:r>
-            <a:endParaRPr lang="en-US"/>
-          </a:p>
-        </p:txBody>
-      </p:sp>
-      <p:sp>
-        <p:nvSpPr>
-          <p:cNvPr id="5" name="Fußzeilenplatzhalter 4"/>
-          <p:cNvSpPr>
-            <a:spLocks noGrp="1"/>
-          </p:cNvSpPr>
-          <p:nvPr>
-            <p:ph type="ftr" sz="quarter" idx="11"/>
-          </p:nvPr>
-        </p:nvSpPr>
-        <p:spPr/>
-        <p:txBody>
-          <a:bodyPr/>
-          <a:lstStyle/>
-          <a:p>
-            <a:r>
-              <a:rPr lang="de-DE" smtClean="0"/>
-              <a:t>FST Projekt "Eventalizer" (SS 2012) Team 5</a:t>
-            </a:r>
-            <a:endParaRPr lang="de-DE" dirty="0"/>
-          </a:p>
-        </p:txBody>
-      </p:sp>
-      <p:sp>
-        <p:nvSpPr>
-          <p:cNvPr id="6" name="Foliennummernplatzhalter 5"/>
-          <p:cNvSpPr>
-            <a:spLocks noGrp="1"/>
-          </p:cNvSpPr>
-          <p:nvPr>
-            <p:ph type="sldNum" sz="quarter" idx="12"/>
-          </p:nvPr>
-        </p:nvSpPr>
-        <p:spPr/>
-        <p:txBody>
-          <a:bodyPr/>
-          <a:lstStyle/>
-          <a:p>
-            <a:fld id="{990B41CA-569D-40E7-8E58-026C0338B2C8}" type="slidenum">
-              <a:rPr lang="en-US" smtClean="0"/>
-              <a:pPr/>
-              <a:t>7</a:t>
-            </a:fld>
-            <a:endParaRPr lang="en-US"/>
-          </a:p>
-        </p:txBody>
-      </p:sp>
       <p:pic>
         <p:nvPicPr>
-          <p:cNvPr id="7" name="Bild 20"/>
-          <p:cNvPicPr/>
+          <p:cNvPr id="1026" name="Picture 2" descr="C:\Users\Alexander\Desktop\eventalizer\Eventalizer\Dokumente\Mock Ups\Mockup - Anmelden.png"/>
+          <p:cNvPicPr>
+            <a:picLocks noChangeAspect="1" noChangeArrowheads="1"/>
+          </p:cNvPicPr>
           <p:nvPr/>
         </p:nvPicPr>
         <p:blipFill>
@@ -19263,8 +19271,8 @@
         </p:blipFill>
         <p:spPr bwMode="auto">
           <a:xfrm>
-            <a:off x="2915816" y="2755131"/>
-            <a:ext cx="2879725" cy="1177925"/>
+            <a:off x="1403648" y="1390766"/>
+            <a:ext cx="6480000" cy="4918554"/>
           </a:xfrm>
           <a:prstGeom prst="rect">
             <a:avLst/>
@@ -19272,10 +19280,146 @@
           <a:noFill/>
         </p:spPr>
       </p:pic>
+      <p:sp>
+        <p:nvSpPr>
+          <p:cNvPr id="2" name="Titel 1"/>
+          <p:cNvSpPr>
+            <a:spLocks noGrp="1"/>
+          </p:cNvSpPr>
+          <p:nvPr>
+            <p:ph type="title"/>
+          </p:nvPr>
+        </p:nvSpPr>
+        <p:spPr/>
+        <p:txBody>
+          <a:bodyPr>
+            <a:normAutofit fontScale="90000"/>
+          </a:bodyPr>
+          <a:lstStyle/>
+          <a:p>
+            <a:r>
+              <a:rPr lang="de-DE" dirty="0" smtClean="0"/>
+              <a:t>„Anmelden (Login)“ </a:t>
+            </a:r>
+            <a:br>
+              <a:rPr lang="de-DE" dirty="0" smtClean="0"/>
+            </a:br>
+            <a:r>
+              <a:rPr lang="de-DE" dirty="0" smtClean="0"/>
+              <a:t>Pflichtenheft</a:t>
+            </a:r>
+            <a:endParaRPr lang="de-DE" dirty="0"/>
+          </a:p>
+        </p:txBody>
+      </p:sp>
+      <p:sp>
+        <p:nvSpPr>
+          <p:cNvPr id="3" name="Inhaltsplatzhalter 2"/>
+          <p:cNvSpPr>
+            <a:spLocks noGrp="1"/>
+          </p:cNvSpPr>
+          <p:nvPr>
+            <p:ph idx="1"/>
+          </p:nvPr>
+        </p:nvSpPr>
+        <p:spPr/>
+        <p:txBody>
+          <a:bodyPr/>
+          <a:lstStyle/>
+          <a:p>
+            <a:endParaRPr lang="de-DE" dirty="0" smtClean="0"/>
+          </a:p>
+          <a:p>
+            <a:endParaRPr lang="de-DE" dirty="0"/>
+          </a:p>
+          <a:p>
+            <a:endParaRPr lang="de-DE" dirty="0" smtClean="0"/>
+          </a:p>
+          <a:p>
+            <a:endParaRPr lang="de-DE" dirty="0"/>
+          </a:p>
+          <a:p>
+            <a:endParaRPr lang="de-DE" dirty="0" smtClean="0"/>
+          </a:p>
+          <a:p>
+            <a:endParaRPr lang="de-DE" dirty="0"/>
+          </a:p>
+        </p:txBody>
+      </p:sp>
+      <p:sp>
+        <p:nvSpPr>
+          <p:cNvPr id="4" name="Datumsplatzhalter 3"/>
+          <p:cNvSpPr>
+            <a:spLocks noGrp="1"/>
+          </p:cNvSpPr>
+          <p:nvPr>
+            <p:ph type="dt" sz="half" idx="10"/>
+          </p:nvPr>
+        </p:nvSpPr>
+        <p:spPr/>
+        <p:txBody>
+          <a:bodyPr/>
+          <a:lstStyle/>
+          <a:p>
+            <a:r>
+              <a:rPr lang="de-DE" smtClean="0"/>
+              <a:t>21.04.2012</a:t>
+            </a:r>
+            <a:endParaRPr lang="en-US"/>
+          </a:p>
+        </p:txBody>
+      </p:sp>
+      <p:sp>
+        <p:nvSpPr>
+          <p:cNvPr id="5" name="Fußzeilenplatzhalter 4"/>
+          <p:cNvSpPr>
+            <a:spLocks noGrp="1"/>
+          </p:cNvSpPr>
+          <p:nvPr>
+            <p:ph type="ftr" sz="quarter" idx="11"/>
+          </p:nvPr>
+        </p:nvSpPr>
+        <p:spPr/>
+        <p:txBody>
+          <a:bodyPr/>
+          <a:lstStyle/>
+          <a:p>
+            <a:r>
+              <a:rPr lang="de-DE" smtClean="0"/>
+              <a:t>FST Projekt "Eventalizer" (SS 2012) Team 5</a:t>
+            </a:r>
+            <a:endParaRPr lang="de-DE" dirty="0"/>
+          </a:p>
+        </p:txBody>
+      </p:sp>
+      <p:sp>
+        <p:nvSpPr>
+          <p:cNvPr id="6" name="Foliennummernplatzhalter 5"/>
+          <p:cNvSpPr>
+            <a:spLocks noGrp="1"/>
+          </p:cNvSpPr>
+          <p:nvPr>
+            <p:ph type="sldNum" sz="quarter" idx="12"/>
+          </p:nvPr>
+        </p:nvSpPr>
+        <p:spPr/>
+        <p:txBody>
+          <a:bodyPr/>
+          <a:lstStyle/>
+          <a:p>
+            <a:fld id="{990B41CA-569D-40E7-8E58-026C0338B2C8}" type="slidenum">
+              <a:rPr lang="en-US" smtClean="0"/>
+              <a:pPr/>
+              <a:t>7</a:t>
+            </a:fld>
+            <a:endParaRPr lang="en-US"/>
+          </a:p>
+        </p:txBody>
+      </p:sp>
     </p:spTree>
     <p:extLst>
       <p:ext uri="{BB962C8B-B14F-4D97-AF65-F5344CB8AC3E}">
-        <p14:creationId xmlns="" xmlns:p14="http://schemas.microsoft.com/office/powerpoint/2010/main" val="2681693288"/>
+        <p14:creationId xmlns:p14="http://schemas.microsoft.com/office/powerpoint/2010/main" xmlns="" val="2681693288"/>
       </p:ext>
     </p:extLst>
   </p:cSld>
@@ -19426,6 +19570,10 @@
           <a:bodyPr/>
           <a:lstStyle/>
           <a:p>
+            <a:r>
+              <a:rPr lang="de-DE" dirty="0" smtClean="0"/>
+              <a:t>Benutzungs- und Systemschnittstellen</a:t>
+            </a:r>
             <a:endParaRPr lang="de-DE" dirty="0"/>
           </a:p>
         </p:txBody>
@@ -19738,7 +19886,7 @@
     </p:spTree>
     <p:extLst>
       <p:ext uri="{BB962C8B-B14F-4D97-AF65-F5344CB8AC3E}">
-        <p14:creationId xmlns="" xmlns:p14="http://schemas.microsoft.com/office/powerpoint/2010/main" val="2857272158"/>
+        <p14:creationId xmlns:p14="http://schemas.microsoft.com/office/powerpoint/2010/main" xmlns="" val="2857272158"/>
       </p:ext>
     </p:extLst>
   </p:cSld>
@@ -19818,7 +19966,7 @@
           <a:blip r:embed="rId2" cstate="print">
             <a:extLst>
               <a:ext uri="{28A0092B-C50C-407E-A947-70E740481C1C}">
-                <a14:useLocalDpi xmlns="" xmlns:a14="http://schemas.microsoft.com/office/drawing/2010/main" val="0"/>
+                <a14:useLocalDpi xmlns:a14="http://schemas.microsoft.com/office/drawing/2010/main" xmlns="" val="0"/>
               </a:ext>
             </a:extLst>
           </a:blip>
@@ -19841,14 +19989,14 @@
           <a:effectLst/>
           <a:extLst>
             <a:ext uri="{909E8E84-426E-40DD-AFC4-6F175D3DCCD1}">
-              <a14:hiddenFill xmlns="" xmlns:a14="http://schemas.microsoft.com/office/drawing/2010/main">
+              <a14:hiddenFill xmlns:a14="http://schemas.microsoft.com/office/drawing/2010/main" xmlns="">
                 <a:solidFill>
                   <a:schemeClr val="accent1"/>
                 </a:solidFill>
               </a14:hiddenFill>
             </a:ext>
             <a:ext uri="{91240B29-F687-4F45-9708-019B960494DF}">
-              <a14:hiddenLine xmlns="" xmlns:a14="http://schemas.microsoft.com/office/drawing/2010/main" w="9525">
+              <a14:hiddenLine xmlns:a14="http://schemas.microsoft.com/office/drawing/2010/main" xmlns="" w="9525">
                 <a:solidFill>
                   <a:schemeClr val="tx1"/>
                 </a:solidFill>
@@ -19858,7 +20006,7 @@
               </a14:hiddenLine>
             </a:ext>
             <a:ext uri="{AF507438-7753-43E0-B8FC-AC1667EBCBE1}">
-              <a14:hiddenEffects xmlns="" xmlns:a14="http://schemas.microsoft.com/office/drawing/2010/main">
+              <a14:hiddenEffects xmlns:a14="http://schemas.microsoft.com/office/drawing/2010/main" xmlns="">
                 <a:effectLst>
                   <a:outerShdw dist="35921" dir="2700000" algn="ctr" rotWithShape="0">
                     <a:schemeClr val="bg2"/>
@@ -20143,7 +20291,7 @@
     </p:spTree>
     <p:extLst>
       <p:ext uri="{BB962C8B-B14F-4D97-AF65-F5344CB8AC3E}">
-        <p14:creationId xmlns="" xmlns:p14="http://schemas.microsoft.com/office/powerpoint/2010/main" val="3542583579"/>
+        <p14:creationId xmlns:p14="http://schemas.microsoft.com/office/powerpoint/2010/main" xmlns="" val="3542583579"/>
       </p:ext>
     </p:extLst>
   </p:cSld>

--- a/Dokumente/Abschlusspr�si/Abschlusspr�sentation.pptx
+++ b/Dokumente/Abschlusspr�si/Abschlusspr�sentation.pptx
@@ -409,7 +409,7 @@
     </p:spTree>
     <p:extLst>
       <p:ext uri="{BB962C8B-B14F-4D97-AF65-F5344CB8AC3E}">
-        <p14:creationId xmlns:p14="http://schemas.microsoft.com/office/powerpoint/2010/main" xmlns="" val="2610097957"/>
+        <p14:creationId xmlns="" xmlns:p14="http://schemas.microsoft.com/office/powerpoint/2010/main" val="2610097957"/>
       </p:ext>
     </p:extLst>
   </p:cSld>
@@ -584,7 +584,7 @@
     </p:spTree>
     <p:extLst>
       <p:ext uri="{BB962C8B-B14F-4D97-AF65-F5344CB8AC3E}">
-        <p14:creationId xmlns:p14="http://schemas.microsoft.com/office/powerpoint/2010/main" xmlns="" val="2116472317"/>
+        <p14:creationId xmlns="" xmlns:p14="http://schemas.microsoft.com/office/powerpoint/2010/main" val="2116472317"/>
       </p:ext>
     </p:extLst>
   </p:cSld>
@@ -681,7 +681,7 @@
     </p:spTree>
     <p:extLst>
       <p:ext uri="{BB962C8B-B14F-4D97-AF65-F5344CB8AC3E}">
-        <p14:creationId xmlns:p14="http://schemas.microsoft.com/office/powerpoint/2010/main" xmlns="" val="2934279750"/>
+        <p14:creationId xmlns="" xmlns:p14="http://schemas.microsoft.com/office/powerpoint/2010/main" val="2934279750"/>
       </p:ext>
     </p:extLst>
   </p:cSld>
@@ -778,7 +778,7 @@
     </p:spTree>
     <p:extLst>
       <p:ext uri="{BB962C8B-B14F-4D97-AF65-F5344CB8AC3E}">
-        <p14:creationId xmlns:p14="http://schemas.microsoft.com/office/powerpoint/2010/main" xmlns="" val="2934279750"/>
+        <p14:creationId xmlns="" xmlns:p14="http://schemas.microsoft.com/office/powerpoint/2010/main" val="2934279750"/>
       </p:ext>
     </p:extLst>
   </p:cSld>
@@ -875,7 +875,7 @@
     </p:spTree>
     <p:extLst>
       <p:ext uri="{BB962C8B-B14F-4D97-AF65-F5344CB8AC3E}">
-        <p14:creationId xmlns:p14="http://schemas.microsoft.com/office/powerpoint/2010/main" xmlns="" val="2934279750"/>
+        <p14:creationId xmlns="" xmlns:p14="http://schemas.microsoft.com/office/powerpoint/2010/main" val="2934279750"/>
       </p:ext>
     </p:extLst>
   </p:cSld>
@@ -964,7 +964,7 @@
     </p:spTree>
     <p:extLst>
       <p:ext uri="{BB962C8B-B14F-4D97-AF65-F5344CB8AC3E}">
-        <p14:creationId xmlns:p14="http://schemas.microsoft.com/office/powerpoint/2010/main" xmlns="" val="135288531"/>
+        <p14:creationId xmlns="" xmlns:p14="http://schemas.microsoft.com/office/powerpoint/2010/main" val="135288531"/>
       </p:ext>
     </p:extLst>
   </p:cSld>
@@ -1057,7 +1057,7 @@
     </p:spTree>
     <p:extLst>
       <p:ext uri="{BB962C8B-B14F-4D97-AF65-F5344CB8AC3E}">
-        <p14:creationId xmlns:p14="http://schemas.microsoft.com/office/powerpoint/2010/main" xmlns="" val="2825845930"/>
+        <p14:creationId xmlns="" xmlns:p14="http://schemas.microsoft.com/office/powerpoint/2010/main" val="2825845930"/>
       </p:ext>
     </p:extLst>
   </p:cSld>
@@ -1158,7 +1158,7 @@
     </p:spTree>
     <p:extLst>
       <p:ext uri="{BB962C8B-B14F-4D97-AF65-F5344CB8AC3E}">
-        <p14:creationId xmlns:p14="http://schemas.microsoft.com/office/powerpoint/2010/main" xmlns="" val="3912581999"/>
+        <p14:creationId xmlns="" xmlns:p14="http://schemas.microsoft.com/office/powerpoint/2010/main" val="3912581999"/>
       </p:ext>
     </p:extLst>
   </p:cSld>
@@ -1291,7 +1291,7 @@
     </p:spTree>
     <p:extLst>
       <p:ext uri="{BB962C8B-B14F-4D97-AF65-F5344CB8AC3E}">
-        <p14:creationId xmlns:p14="http://schemas.microsoft.com/office/powerpoint/2010/main" xmlns="" val="802076649"/>
+        <p14:creationId xmlns="" xmlns:p14="http://schemas.microsoft.com/office/powerpoint/2010/main" val="802076649"/>
       </p:ext>
     </p:extLst>
   </p:cSld>
@@ -1424,7 +1424,7 @@
     </p:spTree>
     <p:extLst>
       <p:ext uri="{BB962C8B-B14F-4D97-AF65-F5344CB8AC3E}">
-        <p14:creationId xmlns:p14="http://schemas.microsoft.com/office/powerpoint/2010/main" xmlns="" val="802076649"/>
+        <p14:creationId xmlns="" xmlns:p14="http://schemas.microsoft.com/office/powerpoint/2010/main" val="802076649"/>
       </p:ext>
     </p:extLst>
   </p:cSld>
@@ -1557,7 +1557,7 @@
     </p:spTree>
     <p:extLst>
       <p:ext uri="{BB962C8B-B14F-4D97-AF65-F5344CB8AC3E}">
-        <p14:creationId xmlns:p14="http://schemas.microsoft.com/office/powerpoint/2010/main" xmlns="" val="802076649"/>
+        <p14:creationId xmlns="" xmlns:p14="http://schemas.microsoft.com/office/powerpoint/2010/main" val="802076649"/>
       </p:ext>
     </p:extLst>
   </p:cSld>
@@ -1690,7 +1690,7 @@
     </p:spTree>
     <p:extLst>
       <p:ext uri="{BB962C8B-B14F-4D97-AF65-F5344CB8AC3E}">
-        <p14:creationId xmlns:p14="http://schemas.microsoft.com/office/powerpoint/2010/main" xmlns="" val="802076649"/>
+        <p14:creationId xmlns="" xmlns:p14="http://schemas.microsoft.com/office/powerpoint/2010/main" val="802076649"/>
       </p:ext>
     </p:extLst>
   </p:cSld>
@@ -2015,7 +2015,7 @@
     </p:spTree>
     <p:extLst>
       <p:ext uri="{BB962C8B-B14F-4D97-AF65-F5344CB8AC3E}">
-        <p14:creationId xmlns:p14="http://schemas.microsoft.com/office/powerpoint/2010/main" xmlns="" val="517533983"/>
+        <p14:creationId xmlns="" xmlns:p14="http://schemas.microsoft.com/office/powerpoint/2010/main" val="517533983"/>
       </p:ext>
     </p:extLst>
   </p:cSld>
@@ -2148,7 +2148,7 @@
     </p:spTree>
     <p:extLst>
       <p:ext uri="{BB962C8B-B14F-4D97-AF65-F5344CB8AC3E}">
-        <p14:creationId xmlns:p14="http://schemas.microsoft.com/office/powerpoint/2010/main" xmlns="" val="802076649"/>
+        <p14:creationId xmlns="" xmlns:p14="http://schemas.microsoft.com/office/powerpoint/2010/main" val="802076649"/>
       </p:ext>
     </p:extLst>
   </p:cSld>
@@ -2281,7 +2281,7 @@
     </p:spTree>
     <p:extLst>
       <p:ext uri="{BB962C8B-B14F-4D97-AF65-F5344CB8AC3E}">
-        <p14:creationId xmlns:p14="http://schemas.microsoft.com/office/powerpoint/2010/main" xmlns="" val="802076649"/>
+        <p14:creationId xmlns="" xmlns:p14="http://schemas.microsoft.com/office/powerpoint/2010/main" val="802076649"/>
       </p:ext>
     </p:extLst>
   </p:cSld>
@@ -2414,7 +2414,7 @@
     </p:spTree>
     <p:extLst>
       <p:ext uri="{BB962C8B-B14F-4D97-AF65-F5344CB8AC3E}">
-        <p14:creationId xmlns:p14="http://schemas.microsoft.com/office/powerpoint/2010/main" xmlns="" val="802076649"/>
+        <p14:creationId xmlns="" xmlns:p14="http://schemas.microsoft.com/office/powerpoint/2010/main" val="802076649"/>
       </p:ext>
     </p:extLst>
   </p:cSld>
@@ -2625,7 +2625,7 @@
     </p:spTree>
     <p:extLst>
       <p:ext uri="{BB962C8B-B14F-4D97-AF65-F5344CB8AC3E}">
-        <p14:creationId xmlns:p14="http://schemas.microsoft.com/office/powerpoint/2010/main" xmlns="" val="1629754142"/>
+        <p14:creationId xmlns="" xmlns:p14="http://schemas.microsoft.com/office/powerpoint/2010/main" val="1629754142"/>
       </p:ext>
     </p:extLst>
   </p:cSld>
@@ -2750,7 +2750,7 @@
     </p:spTree>
     <p:extLst>
       <p:ext uri="{BB962C8B-B14F-4D97-AF65-F5344CB8AC3E}">
-        <p14:creationId xmlns:p14="http://schemas.microsoft.com/office/powerpoint/2010/main" xmlns="" val="3931682397"/>
+        <p14:creationId xmlns="" xmlns:p14="http://schemas.microsoft.com/office/powerpoint/2010/main" val="3931682397"/>
       </p:ext>
     </p:extLst>
   </p:cSld>
@@ -2875,7 +2875,7 @@
     </p:spTree>
     <p:extLst>
       <p:ext uri="{BB962C8B-B14F-4D97-AF65-F5344CB8AC3E}">
-        <p14:creationId xmlns:p14="http://schemas.microsoft.com/office/powerpoint/2010/main" xmlns="" val="3931682397"/>
+        <p14:creationId xmlns="" xmlns:p14="http://schemas.microsoft.com/office/powerpoint/2010/main" val="3931682397"/>
       </p:ext>
     </p:extLst>
   </p:cSld>
@@ -3242,7 +3242,7 @@
     </p:spTree>
     <p:extLst>
       <p:ext uri="{BB962C8B-B14F-4D97-AF65-F5344CB8AC3E}">
-        <p14:creationId xmlns:p14="http://schemas.microsoft.com/office/powerpoint/2010/main" xmlns="" val="1616458392"/>
+        <p14:creationId xmlns="" xmlns:p14="http://schemas.microsoft.com/office/powerpoint/2010/main" val="1616458392"/>
       </p:ext>
     </p:extLst>
   </p:cSld>
@@ -3327,7 +3327,7 @@
     </p:spTree>
     <p:extLst>
       <p:ext uri="{BB962C8B-B14F-4D97-AF65-F5344CB8AC3E}">
-        <p14:creationId xmlns:p14="http://schemas.microsoft.com/office/powerpoint/2010/main" xmlns="" val="2116472317"/>
+        <p14:creationId xmlns="" xmlns:p14="http://schemas.microsoft.com/office/powerpoint/2010/main" val="2116472317"/>
       </p:ext>
     </p:extLst>
   </p:cSld>
@@ -3652,7 +3652,7 @@
     </p:spTree>
     <p:extLst>
       <p:ext uri="{BB962C8B-B14F-4D97-AF65-F5344CB8AC3E}">
-        <p14:creationId xmlns:p14="http://schemas.microsoft.com/office/powerpoint/2010/main" xmlns="" val="517533983"/>
+        <p14:creationId xmlns="" xmlns:p14="http://schemas.microsoft.com/office/powerpoint/2010/main" val="517533983"/>
       </p:ext>
     </p:extLst>
   </p:cSld>
@@ -3745,7 +3745,7 @@
     </p:spTree>
     <p:extLst>
       <p:ext uri="{BB962C8B-B14F-4D97-AF65-F5344CB8AC3E}">
-        <p14:creationId xmlns:p14="http://schemas.microsoft.com/office/powerpoint/2010/main" xmlns="" val="2934279750"/>
+        <p14:creationId xmlns="" xmlns:p14="http://schemas.microsoft.com/office/powerpoint/2010/main" val="2934279750"/>
       </p:ext>
     </p:extLst>
   </p:cSld>
@@ -3842,7 +3842,7 @@
     </p:spTree>
     <p:extLst>
       <p:ext uri="{BB962C8B-B14F-4D97-AF65-F5344CB8AC3E}">
-        <p14:creationId xmlns:p14="http://schemas.microsoft.com/office/powerpoint/2010/main" xmlns="" val="2934279750"/>
+        <p14:creationId xmlns="" xmlns:p14="http://schemas.microsoft.com/office/powerpoint/2010/main" val="2934279750"/>
       </p:ext>
     </p:extLst>
   </p:cSld>
@@ -3927,7 +3927,7 @@
     </p:spTree>
     <p:extLst>
       <p:ext uri="{BB962C8B-B14F-4D97-AF65-F5344CB8AC3E}">
-        <p14:creationId xmlns:p14="http://schemas.microsoft.com/office/powerpoint/2010/main" xmlns="" val="2934279750"/>
+        <p14:creationId xmlns="" xmlns:p14="http://schemas.microsoft.com/office/powerpoint/2010/main" val="2934279750"/>
       </p:ext>
     </p:extLst>
   </p:cSld>
@@ -4337,7 +4337,7 @@
     </p:spTree>
     <p:extLst>
       <p:ext uri="{BB962C8B-B14F-4D97-AF65-F5344CB8AC3E}">
-        <p14:creationId xmlns:p14="http://schemas.microsoft.com/office/powerpoint/2010/main" xmlns="" val="2934279750"/>
+        <p14:creationId xmlns="" xmlns:p14="http://schemas.microsoft.com/office/powerpoint/2010/main" val="2934279750"/>
       </p:ext>
     </p:extLst>
   </p:cSld>
@@ -4422,7 +4422,7 @@
     </p:spTree>
     <p:extLst>
       <p:ext uri="{BB962C8B-B14F-4D97-AF65-F5344CB8AC3E}">
-        <p14:creationId xmlns:p14="http://schemas.microsoft.com/office/powerpoint/2010/main" xmlns="" val="3860513045"/>
+        <p14:creationId xmlns="" xmlns:p14="http://schemas.microsoft.com/office/powerpoint/2010/main" val="3860513045"/>
       </p:ext>
     </p:extLst>
   </p:cSld>
@@ -4519,7 +4519,7 @@
     </p:spTree>
     <p:extLst>
       <p:ext uri="{BB962C8B-B14F-4D97-AF65-F5344CB8AC3E}">
-        <p14:creationId xmlns:p14="http://schemas.microsoft.com/office/powerpoint/2010/main" xmlns="" val="2934279750"/>
+        <p14:creationId xmlns="" xmlns:p14="http://schemas.microsoft.com/office/powerpoint/2010/main" val="2934279750"/>
       </p:ext>
     </p:extLst>
   </p:cSld>
@@ -8759,7 +8759,7 @@
           <a:blip r:embed="rId13" cstate="print">
             <a:extLst>
               <a:ext uri="{28A0092B-C50C-407E-A947-70E740481C1C}">
-                <a14:useLocalDpi xmlns:a14="http://schemas.microsoft.com/office/drawing/2010/main" xmlns="" val="0"/>
+                <a14:useLocalDpi xmlns="" xmlns:a14="http://schemas.microsoft.com/office/drawing/2010/main" val="0"/>
               </a:ext>
             </a:extLst>
           </a:blip>
@@ -9257,7 +9257,7 @@
           <a:blip r:embed="rId3" cstate="print">
             <a:extLst>
               <a:ext uri="{28A0092B-C50C-407E-A947-70E740481C1C}">
-                <a14:useLocalDpi xmlns:a14="http://schemas.microsoft.com/office/drawing/2010/main" xmlns="" val="0"/>
+                <a14:useLocalDpi xmlns="" xmlns:a14="http://schemas.microsoft.com/office/drawing/2010/main" val="0"/>
               </a:ext>
             </a:extLst>
           </a:blip>
@@ -9287,7 +9287,7 @@
           <a:blip r:embed="rId4" cstate="print">
             <a:extLst>
               <a:ext uri="{28A0092B-C50C-407E-A947-70E740481C1C}">
-                <a14:useLocalDpi xmlns:a14="http://schemas.microsoft.com/office/drawing/2010/main" xmlns="" val="0"/>
+                <a14:useLocalDpi xmlns="" xmlns:a14="http://schemas.microsoft.com/office/drawing/2010/main" val="0"/>
               </a:ext>
             </a:extLst>
           </a:blip>
@@ -9638,7 +9638,7 @@
     </p:spTree>
     <p:extLst>
       <p:ext uri="{BB962C8B-B14F-4D97-AF65-F5344CB8AC3E}">
-        <p14:creationId xmlns:p14="http://schemas.microsoft.com/office/powerpoint/2010/main" xmlns="" val="351671181"/>
+        <p14:creationId xmlns="" xmlns:p14="http://schemas.microsoft.com/office/powerpoint/2010/main" val="351671181"/>
       </p:ext>
     </p:extLst>
   </p:cSld>
@@ -11458,7 +11458,7 @@
     </p:spTree>
     <p:extLst>
       <p:ext uri="{BB962C8B-B14F-4D97-AF65-F5344CB8AC3E}">
-        <p14:creationId xmlns:p14="http://schemas.microsoft.com/office/powerpoint/2010/main" xmlns="" val="351671181"/>
+        <p14:creationId xmlns="" xmlns:p14="http://schemas.microsoft.com/office/powerpoint/2010/main" val="351671181"/>
       </p:ext>
     </p:extLst>
   </p:cSld>
@@ -11767,7 +11767,7 @@
     </p:spTree>
     <p:extLst>
       <p:ext uri="{BB962C8B-B14F-4D97-AF65-F5344CB8AC3E}">
-        <p14:creationId xmlns:p14="http://schemas.microsoft.com/office/powerpoint/2010/main" xmlns="" val="351671181"/>
+        <p14:creationId xmlns="" xmlns:p14="http://schemas.microsoft.com/office/powerpoint/2010/main" val="351671181"/>
       </p:ext>
     </p:extLst>
   </p:cSld>
@@ -12043,7 +12043,7 @@
     </p:spTree>
     <p:extLst>
       <p:ext uri="{BB962C8B-B14F-4D97-AF65-F5344CB8AC3E}">
-        <p14:creationId xmlns:p14="http://schemas.microsoft.com/office/powerpoint/2010/main" xmlns="" val="3616670450"/>
+        <p14:creationId xmlns="" xmlns:p14="http://schemas.microsoft.com/office/powerpoint/2010/main" val="3616670450"/>
       </p:ext>
     </p:extLst>
   </p:cSld>
@@ -12352,7 +12352,7 @@
     </p:spTree>
     <p:extLst>
       <p:ext uri="{BB962C8B-B14F-4D97-AF65-F5344CB8AC3E}">
-        <p14:creationId xmlns:p14="http://schemas.microsoft.com/office/powerpoint/2010/main" xmlns="" val="351671181"/>
+        <p14:creationId xmlns="" xmlns:p14="http://schemas.microsoft.com/office/powerpoint/2010/main" val="351671181"/>
       </p:ext>
     </p:extLst>
   </p:cSld>
@@ -12516,7 +12516,7 @@
     </p:spTree>
     <p:extLst>
       <p:ext uri="{BB962C8B-B14F-4D97-AF65-F5344CB8AC3E}">
-        <p14:creationId xmlns:p14="http://schemas.microsoft.com/office/powerpoint/2010/main" xmlns="" val="141785747"/>
+        <p14:creationId xmlns="" xmlns:p14="http://schemas.microsoft.com/office/powerpoint/2010/main" val="141785747"/>
       </p:ext>
     </p:extLst>
   </p:cSld>
@@ -12752,11 +12752,7 @@
           <a:p>
             <a:r>
               <a:rPr lang="de-DE" dirty="0" smtClean="0"/>
-              <a:t>Event </a:t>
-            </a:r>
-            <a:r>
-              <a:rPr lang="de-DE" dirty="0" smtClean="0"/>
-              <a:t>organisieren</a:t>
+              <a:t>Event organisieren</a:t>
             </a:r>
             <a:endParaRPr lang="de-DE" dirty="0"/>
           </a:p>
@@ -12835,7 +12831,7 @@
     </p:spTree>
     <p:extLst>
       <p:ext uri="{BB962C8B-B14F-4D97-AF65-F5344CB8AC3E}">
-        <p14:creationId xmlns:p14="http://schemas.microsoft.com/office/powerpoint/2010/main" xmlns="" val="2634211947"/>
+        <p14:creationId xmlns="" xmlns:p14="http://schemas.microsoft.com/office/powerpoint/2010/main" val="2634211947"/>
       </p:ext>
     </p:extLst>
   </p:cSld>
@@ -12996,7 +12992,7 @@
     </p:spTree>
     <p:extLst>
       <p:ext uri="{BB962C8B-B14F-4D97-AF65-F5344CB8AC3E}">
-        <p14:creationId xmlns:p14="http://schemas.microsoft.com/office/powerpoint/2010/main" xmlns="" val="3243626544"/>
+        <p14:creationId xmlns="" xmlns:p14="http://schemas.microsoft.com/office/powerpoint/2010/main" val="3243626544"/>
       </p:ext>
     </p:extLst>
   </p:cSld>
@@ -13042,11 +13038,7 @@
           <a:p>
             <a:r>
               <a:rPr lang="de-DE" dirty="0" smtClean="0"/>
-              <a:t>Domänenklassendiagramm </a:t>
-            </a:r>
-            <a:r>
-              <a:rPr lang="de-DE" dirty="0" smtClean="0"/>
-              <a:t>-</a:t>
+              <a:t>Domänenklassendiagramm -</a:t>
             </a:r>
             <a:br>
               <a:rPr lang="de-DE" dirty="0" smtClean="0"/>
@@ -13315,7 +13307,7 @@
     </p:spTree>
     <p:extLst>
       <p:ext uri="{BB962C8B-B14F-4D97-AF65-F5344CB8AC3E}">
-        <p14:creationId xmlns:p14="http://schemas.microsoft.com/office/powerpoint/2010/main" xmlns="" val="3243626544"/>
+        <p14:creationId xmlns="" xmlns:p14="http://schemas.microsoft.com/office/powerpoint/2010/main" val="3243626544"/>
       </p:ext>
     </p:extLst>
   </p:cSld>
@@ -13822,7 +13814,7 @@
     </p:spTree>
     <p:extLst>
       <p:ext uri="{BB962C8B-B14F-4D97-AF65-F5344CB8AC3E}">
-        <p14:creationId xmlns:p14="http://schemas.microsoft.com/office/powerpoint/2010/main" xmlns="" val="3243626544"/>
+        <p14:creationId xmlns="" xmlns:p14="http://schemas.microsoft.com/office/powerpoint/2010/main" val="3243626544"/>
       </p:ext>
     </p:extLst>
   </p:cSld>
@@ -14336,7 +14328,7 @@
     </p:spTree>
     <p:extLst>
       <p:ext uri="{BB962C8B-B14F-4D97-AF65-F5344CB8AC3E}">
-        <p14:creationId xmlns:p14="http://schemas.microsoft.com/office/powerpoint/2010/main" xmlns="" val="3243626544"/>
+        <p14:creationId xmlns="" xmlns:p14="http://schemas.microsoft.com/office/powerpoint/2010/main" val="3243626544"/>
       </p:ext>
     </p:extLst>
   </p:cSld>
@@ -14804,7 +14796,7 @@
     </p:spTree>
     <p:extLst>
       <p:ext uri="{BB962C8B-B14F-4D97-AF65-F5344CB8AC3E}">
-        <p14:creationId xmlns:p14="http://schemas.microsoft.com/office/powerpoint/2010/main" xmlns="" val="3243626544"/>
+        <p14:creationId xmlns="" xmlns:p14="http://schemas.microsoft.com/office/powerpoint/2010/main" val="3243626544"/>
       </p:ext>
     </p:extLst>
   </p:cSld>
@@ -15083,7 +15075,7 @@
     </p:spTree>
     <p:extLst>
       <p:ext uri="{BB962C8B-B14F-4D97-AF65-F5344CB8AC3E}">
-        <p14:creationId xmlns:p14="http://schemas.microsoft.com/office/powerpoint/2010/main" xmlns="" val="2988266106"/>
+        <p14:creationId xmlns="" xmlns:p14="http://schemas.microsoft.com/office/powerpoint/2010/main" val="2988266106"/>
       </p:ext>
     </p:extLst>
   </p:cSld>
@@ -15091,7 +15083,7 @@
     <a:masterClrMapping/>
   </p:clrMapOvr>
   <mc:AlternateContent xmlns:mc="http://schemas.openxmlformats.org/markup-compatibility/2006">
-    <mc:Choice xmlns:p14="http://schemas.microsoft.com/office/powerpoint/2010/main" xmlns="" Requires="p14">
+    <mc:Choice xmlns="" xmlns:p14="http://schemas.microsoft.com/office/powerpoint/2010/main" Requires="p14">
       <p:transition spd="slow" p14:dur="2000"/>
     </mc:Choice>
     <mc:Fallback>
@@ -15927,7 +15919,7 @@
     </p:spTree>
     <p:extLst>
       <p:ext uri="{BB962C8B-B14F-4D97-AF65-F5344CB8AC3E}">
-        <p14:creationId xmlns:p14="http://schemas.microsoft.com/office/powerpoint/2010/main" xmlns="" val="3243626544"/>
+        <p14:creationId xmlns="" xmlns:p14="http://schemas.microsoft.com/office/powerpoint/2010/main" val="3243626544"/>
       </p:ext>
     </p:extLst>
   </p:cSld>
@@ -16530,7 +16522,7 @@
     </p:spTree>
     <p:extLst>
       <p:ext uri="{BB962C8B-B14F-4D97-AF65-F5344CB8AC3E}">
-        <p14:creationId xmlns:p14="http://schemas.microsoft.com/office/powerpoint/2010/main" xmlns="" val="3243626544"/>
+        <p14:creationId xmlns="" xmlns:p14="http://schemas.microsoft.com/office/powerpoint/2010/main" val="3243626544"/>
       </p:ext>
     </p:extLst>
   </p:cSld>
@@ -16850,7 +16842,7 @@
     </p:spTree>
     <p:extLst>
       <p:ext uri="{BB962C8B-B14F-4D97-AF65-F5344CB8AC3E}">
-        <p14:creationId xmlns:p14="http://schemas.microsoft.com/office/powerpoint/2010/main" xmlns="" val="3309636493"/>
+        <p14:creationId xmlns="" xmlns:p14="http://schemas.microsoft.com/office/powerpoint/2010/main" val="3309636493"/>
       </p:ext>
     </p:extLst>
   </p:cSld>
@@ -17061,7 +17053,7 @@
     </p:spTree>
     <p:extLst>
       <p:ext uri="{BB962C8B-B14F-4D97-AF65-F5344CB8AC3E}">
-        <p14:creationId xmlns:p14="http://schemas.microsoft.com/office/powerpoint/2010/main" xmlns="" val="1012322072"/>
+        <p14:creationId xmlns="" xmlns:p14="http://schemas.microsoft.com/office/powerpoint/2010/main" val="1012322072"/>
       </p:ext>
     </p:extLst>
   </p:cSld>
@@ -17279,7 +17271,7 @@
     </p:spTree>
     <p:extLst>
       <p:ext uri="{BB962C8B-B14F-4D97-AF65-F5344CB8AC3E}">
-        <p14:creationId xmlns:p14="http://schemas.microsoft.com/office/powerpoint/2010/main" xmlns="" val="1012322072"/>
+        <p14:creationId xmlns="" xmlns:p14="http://schemas.microsoft.com/office/powerpoint/2010/main" val="1012322072"/>
       </p:ext>
     </p:extLst>
   </p:cSld>
@@ -17400,11 +17392,7 @@
           <a:p>
             <a:r>
               <a:rPr lang="de-DE" dirty="0" smtClean="0"/>
-              <a:t>Abschluss des </a:t>
-            </a:r>
-            <a:r>
-              <a:rPr lang="de-DE" dirty="0" smtClean="0"/>
-              <a:t>Projekts</a:t>
+              <a:t>Abschluss des Projekts</a:t>
             </a:r>
           </a:p>
           <a:p>
@@ -17498,7 +17486,7 @@
           <a:blip r:embed="rId2" cstate="print">
             <a:extLst>
               <a:ext uri="{BEBA8EAE-BF5A-486C-A8C5-ECC9F3942E4B}">
-                <a14:imgProps xmlns:a14="http://schemas.microsoft.com/office/drawing/2010/main" xmlns="">
+                <a14:imgProps xmlns="" xmlns:a14="http://schemas.microsoft.com/office/drawing/2010/main">
                   <a14:imgLayer r:embed="rId3">
                     <a14:imgEffect>
                       <a14:backgroundRemoval t="6057" b="22942" l="7000" r="29162"/>
@@ -17507,7 +17495,7 @@
                 </a14:imgProps>
               </a:ext>
               <a:ext uri="{28A0092B-C50C-407E-A947-70E740481C1C}">
-                <a14:useLocalDpi xmlns:a14="http://schemas.microsoft.com/office/drawing/2010/main" xmlns="" val="0"/>
+                <a14:useLocalDpi xmlns="" xmlns:a14="http://schemas.microsoft.com/office/drawing/2010/main" val="0"/>
               </a:ext>
             </a:extLst>
           </a:blip>
@@ -17525,7 +17513,7 @@
           <a:noFill/>
           <a:extLst>
             <a:ext uri="{909E8E84-426E-40DD-AFC4-6F175D3DCCD1}">
-              <a14:hiddenFill xmlns:a14="http://schemas.microsoft.com/office/drawing/2010/main" xmlns="">
+              <a14:hiddenFill xmlns="" xmlns:a14="http://schemas.microsoft.com/office/drawing/2010/main">
                 <a:solidFill>
                   <a:srgbClr val="FFFFFF"/>
                 </a:solidFill>
@@ -17546,7 +17534,7 @@
           <a:blip r:embed="rId2" cstate="print">
             <a:extLst>
               <a:ext uri="{BEBA8EAE-BF5A-486C-A8C5-ECC9F3942E4B}">
-                <a14:imgProps xmlns:a14="http://schemas.microsoft.com/office/drawing/2010/main" xmlns="">
+                <a14:imgProps xmlns="" xmlns:a14="http://schemas.microsoft.com/office/drawing/2010/main">
                   <a14:imgLayer r:embed="rId3">
                     <a14:imgEffect>
                       <a14:backgroundRemoval t="6057" b="22942" l="7000" r="29162"/>
@@ -17555,7 +17543,7 @@
                 </a14:imgProps>
               </a:ext>
               <a:ext uri="{28A0092B-C50C-407E-A947-70E740481C1C}">
-                <a14:useLocalDpi xmlns:a14="http://schemas.microsoft.com/office/drawing/2010/main" xmlns="" val="0"/>
+                <a14:useLocalDpi xmlns="" xmlns:a14="http://schemas.microsoft.com/office/drawing/2010/main" val="0"/>
               </a:ext>
             </a:extLst>
           </a:blip>
@@ -17573,7 +17561,7 @@
           <a:noFill/>
           <a:extLst>
             <a:ext uri="{909E8E84-426E-40DD-AFC4-6F175D3DCCD1}">
-              <a14:hiddenFill xmlns:a14="http://schemas.microsoft.com/office/drawing/2010/main" xmlns="">
+              <a14:hiddenFill xmlns="" xmlns:a14="http://schemas.microsoft.com/office/drawing/2010/main">
                 <a:solidFill>
                   <a:srgbClr val="FFFFFF"/>
                 </a:solidFill>
@@ -17585,7 +17573,7 @@
     </p:spTree>
     <p:extLst>
       <p:ext uri="{BB962C8B-B14F-4D97-AF65-F5344CB8AC3E}">
-        <p14:creationId xmlns:p14="http://schemas.microsoft.com/office/powerpoint/2010/main" xmlns="" val="2645794681"/>
+        <p14:creationId xmlns="" xmlns:p14="http://schemas.microsoft.com/office/powerpoint/2010/main" val="2645794681"/>
       </p:ext>
     </p:extLst>
   </p:cSld>
@@ -17814,7 +17802,7 @@
           <a:blip r:embed="rId3" cstate="print">
             <a:extLst>
               <a:ext uri="{28A0092B-C50C-407E-A947-70E740481C1C}">
-                <a14:useLocalDpi xmlns:a14="http://schemas.microsoft.com/office/drawing/2010/main" xmlns="" val="0"/>
+                <a14:useLocalDpi xmlns="" xmlns:a14="http://schemas.microsoft.com/office/drawing/2010/main" val="0"/>
               </a:ext>
             </a:extLst>
           </a:blip>
@@ -17846,7 +17834,7 @@
           </a:effectLst>
           <a:extLst>
             <a:ext uri="{91240B29-F687-4F45-9708-019B960494DF}">
-              <a14:hiddenLine xmlns:a14="http://schemas.microsoft.com/office/drawing/2010/main" xmlns="" w="9525">
+              <a14:hiddenLine xmlns="" xmlns:a14="http://schemas.microsoft.com/office/drawing/2010/main" w="9525">
                 <a:solidFill>
                   <a:schemeClr val="tx1"/>
                 </a:solidFill>
@@ -17861,7 +17849,7 @@
     </p:spTree>
     <p:extLst>
       <p:ext uri="{BB962C8B-B14F-4D97-AF65-F5344CB8AC3E}">
-        <p14:creationId xmlns:p14="http://schemas.microsoft.com/office/powerpoint/2010/main" xmlns="" val="313312729"/>
+        <p14:creationId xmlns="" xmlns:p14="http://schemas.microsoft.com/office/powerpoint/2010/main" val="313312729"/>
       </p:ext>
     </p:extLst>
   </p:cSld>
@@ -18072,7 +18060,7 @@
     </p:spTree>
     <p:extLst>
       <p:ext uri="{BB962C8B-B14F-4D97-AF65-F5344CB8AC3E}">
-        <p14:creationId xmlns:p14="http://schemas.microsoft.com/office/powerpoint/2010/main" xmlns="" val="1344880779"/>
+        <p14:creationId xmlns="" xmlns:p14="http://schemas.microsoft.com/office/powerpoint/2010/main" val="1344880779"/>
       </p:ext>
     </p:extLst>
   </p:cSld>
@@ -18165,7 +18153,7 @@
           <a:blip r:embed="rId3" cstate="print">
             <a:extLst>
               <a:ext uri="{28A0092B-C50C-407E-A947-70E740481C1C}">
-                <a14:useLocalDpi xmlns:a14="http://schemas.microsoft.com/office/drawing/2010/main" xmlns="" val="0"/>
+                <a14:useLocalDpi xmlns="" xmlns:a14="http://schemas.microsoft.com/office/drawing/2010/main" val="0"/>
               </a:ext>
             </a:extLst>
           </a:blip>
@@ -18195,7 +18183,7 @@
           <a:blip r:embed="rId4" cstate="print">
             <a:extLst>
               <a:ext uri="{28A0092B-C50C-407E-A947-70E740481C1C}">
-                <a14:useLocalDpi xmlns:a14="http://schemas.microsoft.com/office/drawing/2010/main" xmlns="" val="0"/>
+                <a14:useLocalDpi xmlns="" xmlns:a14="http://schemas.microsoft.com/office/drawing/2010/main" val="0"/>
               </a:ext>
             </a:extLst>
           </a:blip>
@@ -18216,7 +18204,7 @@
     </p:spTree>
     <p:extLst>
       <p:ext uri="{BB962C8B-B14F-4D97-AF65-F5344CB8AC3E}">
-        <p14:creationId xmlns:p14="http://schemas.microsoft.com/office/powerpoint/2010/main" xmlns="" val="2565098391"/>
+        <p14:creationId xmlns="" xmlns:p14="http://schemas.microsoft.com/office/powerpoint/2010/main" val="2565098391"/>
       </p:ext>
     </p:extLst>
   </p:cSld>
@@ -18374,7 +18362,7 @@
     </p:spTree>
     <p:extLst>
       <p:ext uri="{BB962C8B-B14F-4D97-AF65-F5344CB8AC3E}">
-        <p14:creationId xmlns:p14="http://schemas.microsoft.com/office/powerpoint/2010/main" xmlns="" val="351671181"/>
+        <p14:creationId xmlns="" xmlns:p14="http://schemas.microsoft.com/office/powerpoint/2010/main" val="351671181"/>
       </p:ext>
     </p:extLst>
   </p:cSld>
@@ -18689,7 +18677,7 @@
     </p:spTree>
     <p:extLst>
       <p:ext uri="{BB962C8B-B14F-4D97-AF65-F5344CB8AC3E}">
-        <p14:creationId xmlns:p14="http://schemas.microsoft.com/office/powerpoint/2010/main" xmlns="" val="3661383713"/>
+        <p14:creationId xmlns="" xmlns:p14="http://schemas.microsoft.com/office/powerpoint/2010/main" val="3661383713"/>
       </p:ext>
     </p:extLst>
   </p:cSld>
@@ -19017,7 +19005,7 @@
     </p:spTree>
     <p:extLst>
       <p:ext uri="{BB962C8B-B14F-4D97-AF65-F5344CB8AC3E}">
-        <p14:creationId xmlns:p14="http://schemas.microsoft.com/office/powerpoint/2010/main" xmlns="" val="351671181"/>
+        <p14:creationId xmlns="" xmlns:p14="http://schemas.microsoft.com/office/powerpoint/2010/main" val="351671181"/>
       </p:ext>
     </p:extLst>
   </p:cSld>
@@ -19138,7 +19126,7 @@
           <a:blip r:embed="rId3" cstate="print">
             <a:extLst>
               <a:ext uri="{28A0092B-C50C-407E-A947-70E740481C1C}">
-                <a14:useLocalDpi xmlns:a14="http://schemas.microsoft.com/office/drawing/2010/main" xmlns="" val="0"/>
+                <a14:useLocalDpi xmlns="" xmlns:a14="http://schemas.microsoft.com/office/drawing/2010/main" val="0"/>
               </a:ext>
             </a:extLst>
           </a:blip>
@@ -19189,14 +19177,14 @@
           </a:sp3d>
           <a:extLst>
             <a:ext uri="{909E8E84-426E-40DD-AFC4-6F175D3DCCD1}">
-              <a14:hiddenFill xmlns:a14="http://schemas.microsoft.com/office/drawing/2010/main" xmlns="">
+              <a14:hiddenFill xmlns="" xmlns:a14="http://schemas.microsoft.com/office/drawing/2010/main">
                 <a:solidFill>
                   <a:schemeClr val="accent1"/>
                 </a:solidFill>
               </a14:hiddenFill>
             </a:ext>
             <a:ext uri="{91240B29-F687-4F45-9708-019B960494DF}">
-              <a14:hiddenLine xmlns:a14="http://schemas.microsoft.com/office/drawing/2010/main" xmlns="" w="9525">
+              <a14:hiddenLine xmlns="" xmlns:a14="http://schemas.microsoft.com/office/drawing/2010/main" w="9525">
                 <a:solidFill>
                   <a:schemeClr val="tx1"/>
                 </a:solidFill>
@@ -19206,7 +19194,7 @@
               </a14:hiddenLine>
             </a:ext>
             <a:ext uri="{AF507438-7753-43E0-B8FC-AC1667EBCBE1}">
-              <a14:hiddenEffects xmlns:a14="http://schemas.microsoft.com/office/drawing/2010/main" xmlns="">
+              <a14:hiddenEffects xmlns="" xmlns:a14="http://schemas.microsoft.com/office/drawing/2010/main">
                 <a:effectLst>
                   <a:outerShdw dist="35921" dir="2700000" algn="ctr" rotWithShape="0">
                     <a:schemeClr val="bg2"/>
@@ -19220,7 +19208,7 @@
     </p:spTree>
     <p:extLst>
       <p:ext uri="{BB962C8B-B14F-4D97-AF65-F5344CB8AC3E}">
-        <p14:creationId xmlns:p14="http://schemas.microsoft.com/office/powerpoint/2010/main" xmlns="" val="2681693288"/>
+        <p14:creationId xmlns="" xmlns:p14="http://schemas.microsoft.com/office/powerpoint/2010/main" val="2681693288"/>
       </p:ext>
     </p:extLst>
   </p:cSld>
@@ -19419,7 +19407,7 @@
     </p:spTree>
     <p:extLst>
       <p:ext uri="{BB962C8B-B14F-4D97-AF65-F5344CB8AC3E}">
-        <p14:creationId xmlns:p14="http://schemas.microsoft.com/office/powerpoint/2010/main" xmlns="" val="2681693288"/>
+        <p14:creationId xmlns="" xmlns:p14="http://schemas.microsoft.com/office/powerpoint/2010/main" val="2681693288"/>
       </p:ext>
     </p:extLst>
   </p:cSld>
@@ -19886,7 +19874,7 @@
     </p:spTree>
     <p:extLst>
       <p:ext uri="{BB962C8B-B14F-4D97-AF65-F5344CB8AC3E}">
-        <p14:creationId xmlns:p14="http://schemas.microsoft.com/office/powerpoint/2010/main" xmlns="" val="2857272158"/>
+        <p14:creationId xmlns="" xmlns:p14="http://schemas.microsoft.com/office/powerpoint/2010/main" val="2857272158"/>
       </p:ext>
     </p:extLst>
   </p:cSld>
@@ -19966,7 +19954,7 @@
           <a:blip r:embed="rId2" cstate="print">
             <a:extLst>
               <a:ext uri="{28A0092B-C50C-407E-A947-70E740481C1C}">
-                <a14:useLocalDpi xmlns:a14="http://schemas.microsoft.com/office/drawing/2010/main" xmlns="" val="0"/>
+                <a14:useLocalDpi xmlns="" xmlns:a14="http://schemas.microsoft.com/office/drawing/2010/main" val="0"/>
               </a:ext>
             </a:extLst>
           </a:blip>
@@ -19989,14 +19977,14 @@
           <a:effectLst/>
           <a:extLst>
             <a:ext uri="{909E8E84-426E-40DD-AFC4-6F175D3DCCD1}">
-              <a14:hiddenFill xmlns:a14="http://schemas.microsoft.com/office/drawing/2010/main" xmlns="">
+              <a14:hiddenFill xmlns="" xmlns:a14="http://schemas.microsoft.com/office/drawing/2010/main">
                 <a:solidFill>
                   <a:schemeClr val="accent1"/>
                 </a:solidFill>
               </a14:hiddenFill>
             </a:ext>
             <a:ext uri="{91240B29-F687-4F45-9708-019B960494DF}">
-              <a14:hiddenLine xmlns:a14="http://schemas.microsoft.com/office/drawing/2010/main" xmlns="" w="9525">
+              <a14:hiddenLine xmlns="" xmlns:a14="http://schemas.microsoft.com/office/drawing/2010/main" w="9525">
                 <a:solidFill>
                   <a:schemeClr val="tx1"/>
                 </a:solidFill>
@@ -20006,7 +19994,7 @@
               </a14:hiddenLine>
             </a:ext>
             <a:ext uri="{AF507438-7753-43E0-B8FC-AC1667EBCBE1}">
-              <a14:hiddenEffects xmlns:a14="http://schemas.microsoft.com/office/drawing/2010/main" xmlns="">
+              <a14:hiddenEffects xmlns="" xmlns:a14="http://schemas.microsoft.com/office/drawing/2010/main">
                 <a:effectLst>
                   <a:outerShdw dist="35921" dir="2700000" algn="ctr" rotWithShape="0">
                     <a:schemeClr val="bg2"/>
@@ -20291,7 +20279,7 @@
     </p:spTree>
     <p:extLst>
       <p:ext uri="{BB962C8B-B14F-4D97-AF65-F5344CB8AC3E}">
-        <p14:creationId xmlns:p14="http://schemas.microsoft.com/office/powerpoint/2010/main" xmlns="" val="3542583579"/>
+        <p14:creationId xmlns="" xmlns:p14="http://schemas.microsoft.com/office/powerpoint/2010/main" val="3542583579"/>
       </p:ext>
     </p:extLst>
   </p:cSld>

--- a/Dokumente/Abschlusspr�si/Abschlusspr�sentation.pptx
+++ b/Dokumente/Abschlusspr�si/Abschlusspr�sentation.pptx
@@ -5,7 +5,7 @@
     <p:sldMasterId id="2147483744" r:id="rId1"/>
   </p:sldMasterIdLst>
   <p:notesMasterIdLst>
-    <p:notesMasterId r:id="rId42"/>
+    <p:notesMasterId r:id="rId43"/>
   </p:notesMasterIdLst>
   <p:sldIdLst>
     <p:sldId id="256" r:id="rId2"/>
@@ -25,29 +25,30 @@
     <p:sldId id="332" r:id="rId16"/>
     <p:sldId id="329" r:id="rId17"/>
     <p:sldId id="333" r:id="rId18"/>
-    <p:sldId id="338" r:id="rId19"/>
-    <p:sldId id="339" r:id="rId20"/>
-    <p:sldId id="340" r:id="rId21"/>
-    <p:sldId id="298" r:id="rId22"/>
-    <p:sldId id="305" r:id="rId23"/>
-    <p:sldId id="297" r:id="rId24"/>
-    <p:sldId id="306" r:id="rId25"/>
-    <p:sldId id="341" r:id="rId26"/>
-    <p:sldId id="320" r:id="rId27"/>
-    <p:sldId id="321" r:id="rId28"/>
-    <p:sldId id="322" r:id="rId29"/>
-    <p:sldId id="323" r:id="rId30"/>
-    <p:sldId id="324" r:id="rId31"/>
-    <p:sldId id="325" r:id="rId32"/>
-    <p:sldId id="307" r:id="rId33"/>
-    <p:sldId id="316" r:id="rId34"/>
-    <p:sldId id="309" r:id="rId35"/>
-    <p:sldId id="301" r:id="rId36"/>
-    <p:sldId id="300" r:id="rId37"/>
-    <p:sldId id="303" r:id="rId38"/>
-    <p:sldId id="319" r:id="rId39"/>
-    <p:sldId id="290" r:id="rId40"/>
-    <p:sldId id="318" r:id="rId41"/>
+    <p:sldId id="342" r:id="rId19"/>
+    <p:sldId id="338" r:id="rId20"/>
+    <p:sldId id="339" r:id="rId21"/>
+    <p:sldId id="340" r:id="rId22"/>
+    <p:sldId id="298" r:id="rId23"/>
+    <p:sldId id="305" r:id="rId24"/>
+    <p:sldId id="297" r:id="rId25"/>
+    <p:sldId id="306" r:id="rId26"/>
+    <p:sldId id="341" r:id="rId27"/>
+    <p:sldId id="320" r:id="rId28"/>
+    <p:sldId id="321" r:id="rId29"/>
+    <p:sldId id="322" r:id="rId30"/>
+    <p:sldId id="323" r:id="rId31"/>
+    <p:sldId id="324" r:id="rId32"/>
+    <p:sldId id="325" r:id="rId33"/>
+    <p:sldId id="307" r:id="rId34"/>
+    <p:sldId id="316" r:id="rId35"/>
+    <p:sldId id="309" r:id="rId36"/>
+    <p:sldId id="301" r:id="rId37"/>
+    <p:sldId id="300" r:id="rId38"/>
+    <p:sldId id="303" r:id="rId39"/>
+    <p:sldId id="319" r:id="rId40"/>
+    <p:sldId id="290" r:id="rId41"/>
+    <p:sldId id="318" r:id="rId42"/>
   </p:sldIdLst>
   <p:sldSz cx="9144000" cy="6858000" type="screen4x3"/>
   <p:notesSz cx="6858000" cy="9144000"/>
@@ -238,7 +239,7 @@
             <a:fld id="{5FA7A704-9F1C-4FD3-85D1-57AF2D7FD0E8}" type="datetimeFigureOut">
               <a:rPr lang="en-US" smtClean="0"/>
               <a:pPr/>
-              <a:t>5/10/2012</a:t>
+              <a:t>5/11/2012</a:t>
             </a:fld>
             <a:endParaRPr lang="en-US" dirty="0"/>
           </a:p>
@@ -409,7 +410,7 @@
     </p:spTree>
     <p:extLst>
       <p:ext uri="{BB962C8B-B14F-4D97-AF65-F5344CB8AC3E}">
-        <p14:creationId xmlns="" xmlns:p14="http://schemas.microsoft.com/office/powerpoint/2010/main" val="2610097957"/>
+        <p14:creationId xmlns:p14="http://schemas.microsoft.com/office/powerpoint/2010/main" xmlns="" val="2610097957"/>
       </p:ext>
     </p:extLst>
   </p:cSld>
@@ -584,7 +585,7 @@
     </p:spTree>
     <p:extLst>
       <p:ext uri="{BB962C8B-B14F-4D97-AF65-F5344CB8AC3E}">
-        <p14:creationId xmlns="" xmlns:p14="http://schemas.microsoft.com/office/powerpoint/2010/main" val="2116472317"/>
+        <p14:creationId xmlns:p14="http://schemas.microsoft.com/office/powerpoint/2010/main" xmlns="" val="2116472317"/>
       </p:ext>
     </p:extLst>
   </p:cSld>
@@ -672,7 +673,7 @@
             <a:fld id="{F7EBFB8C-BBFF-4397-A51C-1E92596422A9}" type="slidenum">
               <a:rPr lang="en-US" smtClean="0"/>
               <a:pPr/>
-              <a:t>18</a:t>
+              <a:t>19</a:t>
             </a:fld>
             <a:endParaRPr lang="en-US" dirty="0"/>
           </a:p>
@@ -681,7 +682,7 @@
     </p:spTree>
     <p:extLst>
       <p:ext uri="{BB962C8B-B14F-4D97-AF65-F5344CB8AC3E}">
-        <p14:creationId xmlns="" xmlns:p14="http://schemas.microsoft.com/office/powerpoint/2010/main" val="2934279750"/>
+        <p14:creationId xmlns:p14="http://schemas.microsoft.com/office/powerpoint/2010/main" xmlns="" val="2934279750"/>
       </p:ext>
     </p:extLst>
   </p:cSld>
@@ -769,7 +770,7 @@
             <a:fld id="{F7EBFB8C-BBFF-4397-A51C-1E92596422A9}" type="slidenum">
               <a:rPr lang="en-US" smtClean="0"/>
               <a:pPr/>
-              <a:t>19</a:t>
+              <a:t>20</a:t>
             </a:fld>
             <a:endParaRPr lang="en-US" dirty="0"/>
           </a:p>
@@ -778,7 +779,7 @@
     </p:spTree>
     <p:extLst>
       <p:ext uri="{BB962C8B-B14F-4D97-AF65-F5344CB8AC3E}">
-        <p14:creationId xmlns="" xmlns:p14="http://schemas.microsoft.com/office/powerpoint/2010/main" val="2934279750"/>
+        <p14:creationId xmlns:p14="http://schemas.microsoft.com/office/powerpoint/2010/main" xmlns="" val="2934279750"/>
       </p:ext>
     </p:extLst>
   </p:cSld>
@@ -866,7 +867,7 @@
             <a:fld id="{F7EBFB8C-BBFF-4397-A51C-1E92596422A9}" type="slidenum">
               <a:rPr lang="en-US" smtClean="0"/>
               <a:pPr/>
-              <a:t>20</a:t>
+              <a:t>21</a:t>
             </a:fld>
             <a:endParaRPr lang="en-US" dirty="0"/>
           </a:p>
@@ -875,7 +876,7 @@
     </p:spTree>
     <p:extLst>
       <p:ext uri="{BB962C8B-B14F-4D97-AF65-F5344CB8AC3E}">
-        <p14:creationId xmlns="" xmlns:p14="http://schemas.microsoft.com/office/powerpoint/2010/main" val="2934279750"/>
+        <p14:creationId xmlns:p14="http://schemas.microsoft.com/office/powerpoint/2010/main" xmlns="" val="2934279750"/>
       </p:ext>
     </p:extLst>
   </p:cSld>
@@ -955,7 +956,7 @@
             <a:fld id="{F7EBFB8C-BBFF-4397-A51C-1E92596422A9}" type="slidenum">
               <a:rPr lang="en-US" smtClean="0"/>
               <a:pPr/>
-              <a:t>21</a:t>
+              <a:t>22</a:t>
             </a:fld>
             <a:endParaRPr lang="en-US" dirty="0"/>
           </a:p>
@@ -964,7 +965,7 @@
     </p:spTree>
     <p:extLst>
       <p:ext uri="{BB962C8B-B14F-4D97-AF65-F5344CB8AC3E}">
-        <p14:creationId xmlns="" xmlns:p14="http://schemas.microsoft.com/office/powerpoint/2010/main" val="135288531"/>
+        <p14:creationId xmlns:p14="http://schemas.microsoft.com/office/powerpoint/2010/main" xmlns="" val="135288531"/>
       </p:ext>
     </p:extLst>
   </p:cSld>
@@ -1048,7 +1049,7 @@
             <a:fld id="{F7EBFB8C-BBFF-4397-A51C-1E92596422A9}" type="slidenum">
               <a:rPr lang="en-US" smtClean="0"/>
               <a:pPr/>
-              <a:t>22</a:t>
+              <a:t>23</a:t>
             </a:fld>
             <a:endParaRPr lang="en-US" dirty="0"/>
           </a:p>
@@ -1057,7 +1058,7 @@
     </p:spTree>
     <p:extLst>
       <p:ext uri="{BB962C8B-B14F-4D97-AF65-F5344CB8AC3E}">
-        <p14:creationId xmlns="" xmlns:p14="http://schemas.microsoft.com/office/powerpoint/2010/main" val="2825845930"/>
+        <p14:creationId xmlns:p14="http://schemas.microsoft.com/office/powerpoint/2010/main" xmlns="" val="2825845930"/>
       </p:ext>
     </p:extLst>
   </p:cSld>
@@ -1149,7 +1150,7 @@
             <a:fld id="{F7EBFB8C-BBFF-4397-A51C-1E92596422A9}" type="slidenum">
               <a:rPr lang="en-US" smtClean="0"/>
               <a:pPr/>
-              <a:t>23</a:t>
+              <a:t>24</a:t>
             </a:fld>
             <a:endParaRPr lang="en-US" dirty="0"/>
           </a:p>
@@ -1158,7 +1159,7 @@
     </p:spTree>
     <p:extLst>
       <p:ext uri="{BB962C8B-B14F-4D97-AF65-F5344CB8AC3E}">
-        <p14:creationId xmlns="" xmlns:p14="http://schemas.microsoft.com/office/powerpoint/2010/main" val="3912581999"/>
+        <p14:creationId xmlns:p14="http://schemas.microsoft.com/office/powerpoint/2010/main" xmlns="" val="3912581999"/>
       </p:ext>
     </p:extLst>
   </p:cSld>
@@ -1282,7 +1283,7 @@
             <a:fld id="{F7EBFB8C-BBFF-4397-A51C-1E92596422A9}" type="slidenum">
               <a:rPr lang="en-US" smtClean="0"/>
               <a:pPr/>
-              <a:t>24</a:t>
+              <a:t>25</a:t>
             </a:fld>
             <a:endParaRPr lang="en-US" dirty="0"/>
           </a:p>
@@ -1291,7 +1292,7 @@
     </p:spTree>
     <p:extLst>
       <p:ext uri="{BB962C8B-B14F-4D97-AF65-F5344CB8AC3E}">
-        <p14:creationId xmlns="" xmlns:p14="http://schemas.microsoft.com/office/powerpoint/2010/main" val="802076649"/>
+        <p14:creationId xmlns:p14="http://schemas.microsoft.com/office/powerpoint/2010/main" xmlns="" val="802076649"/>
       </p:ext>
     </p:extLst>
   </p:cSld>
@@ -1415,7 +1416,7 @@
             <a:fld id="{F7EBFB8C-BBFF-4397-A51C-1E92596422A9}" type="slidenum">
               <a:rPr lang="en-US" smtClean="0"/>
               <a:pPr/>
-              <a:t>26</a:t>
+              <a:t>27</a:t>
             </a:fld>
             <a:endParaRPr lang="en-US" dirty="0"/>
           </a:p>
@@ -1424,7 +1425,7 @@
     </p:spTree>
     <p:extLst>
       <p:ext uri="{BB962C8B-B14F-4D97-AF65-F5344CB8AC3E}">
-        <p14:creationId xmlns="" xmlns:p14="http://schemas.microsoft.com/office/powerpoint/2010/main" val="802076649"/>
+        <p14:creationId xmlns:p14="http://schemas.microsoft.com/office/powerpoint/2010/main" xmlns="" val="802076649"/>
       </p:ext>
     </p:extLst>
   </p:cSld>
@@ -1548,7 +1549,7 @@
             <a:fld id="{F7EBFB8C-BBFF-4397-A51C-1E92596422A9}" type="slidenum">
               <a:rPr lang="en-US" smtClean="0"/>
               <a:pPr/>
-              <a:t>27</a:t>
+              <a:t>28</a:t>
             </a:fld>
             <a:endParaRPr lang="en-US" dirty="0"/>
           </a:p>
@@ -1557,7 +1558,7 @@
     </p:spTree>
     <p:extLst>
       <p:ext uri="{BB962C8B-B14F-4D97-AF65-F5344CB8AC3E}">
-        <p14:creationId xmlns="" xmlns:p14="http://schemas.microsoft.com/office/powerpoint/2010/main" val="802076649"/>
+        <p14:creationId xmlns:p14="http://schemas.microsoft.com/office/powerpoint/2010/main" xmlns="" val="802076649"/>
       </p:ext>
     </p:extLst>
   </p:cSld>
@@ -1681,7 +1682,7 @@
             <a:fld id="{F7EBFB8C-BBFF-4397-A51C-1E92596422A9}" type="slidenum">
               <a:rPr lang="en-US" smtClean="0"/>
               <a:pPr/>
-              <a:t>28</a:t>
+              <a:t>29</a:t>
             </a:fld>
             <a:endParaRPr lang="en-US" dirty="0"/>
           </a:p>
@@ -1690,7 +1691,7 @@
     </p:spTree>
     <p:extLst>
       <p:ext uri="{BB962C8B-B14F-4D97-AF65-F5344CB8AC3E}">
-        <p14:creationId xmlns="" xmlns:p14="http://schemas.microsoft.com/office/powerpoint/2010/main" val="802076649"/>
+        <p14:creationId xmlns:p14="http://schemas.microsoft.com/office/powerpoint/2010/main" xmlns="" val="802076649"/>
       </p:ext>
     </p:extLst>
   </p:cSld>
@@ -2015,7 +2016,7 @@
     </p:spTree>
     <p:extLst>
       <p:ext uri="{BB962C8B-B14F-4D97-AF65-F5344CB8AC3E}">
-        <p14:creationId xmlns="" xmlns:p14="http://schemas.microsoft.com/office/powerpoint/2010/main" val="517533983"/>
+        <p14:creationId xmlns:p14="http://schemas.microsoft.com/office/powerpoint/2010/main" xmlns="" val="517533983"/>
       </p:ext>
     </p:extLst>
   </p:cSld>
@@ -2139,7 +2140,7 @@
             <a:fld id="{F7EBFB8C-BBFF-4397-A51C-1E92596422A9}" type="slidenum">
               <a:rPr lang="en-US" smtClean="0"/>
               <a:pPr/>
-              <a:t>29</a:t>
+              <a:t>30</a:t>
             </a:fld>
             <a:endParaRPr lang="en-US" dirty="0"/>
           </a:p>
@@ -2148,7 +2149,7 @@
     </p:spTree>
     <p:extLst>
       <p:ext uri="{BB962C8B-B14F-4D97-AF65-F5344CB8AC3E}">
-        <p14:creationId xmlns="" xmlns:p14="http://schemas.microsoft.com/office/powerpoint/2010/main" val="802076649"/>
+        <p14:creationId xmlns:p14="http://schemas.microsoft.com/office/powerpoint/2010/main" xmlns="" val="802076649"/>
       </p:ext>
     </p:extLst>
   </p:cSld>
@@ -2272,7 +2273,7 @@
             <a:fld id="{F7EBFB8C-BBFF-4397-A51C-1E92596422A9}" type="slidenum">
               <a:rPr lang="en-US" smtClean="0"/>
               <a:pPr/>
-              <a:t>30</a:t>
+              <a:t>31</a:t>
             </a:fld>
             <a:endParaRPr lang="en-US" dirty="0"/>
           </a:p>
@@ -2281,7 +2282,7 @@
     </p:spTree>
     <p:extLst>
       <p:ext uri="{BB962C8B-B14F-4D97-AF65-F5344CB8AC3E}">
-        <p14:creationId xmlns="" xmlns:p14="http://schemas.microsoft.com/office/powerpoint/2010/main" val="802076649"/>
+        <p14:creationId xmlns:p14="http://schemas.microsoft.com/office/powerpoint/2010/main" xmlns="" val="802076649"/>
       </p:ext>
     </p:extLst>
   </p:cSld>
@@ -2405,7 +2406,7 @@
             <a:fld id="{F7EBFB8C-BBFF-4397-A51C-1E92596422A9}" type="slidenum">
               <a:rPr lang="en-US" smtClean="0"/>
               <a:pPr/>
-              <a:t>31</a:t>
+              <a:t>32</a:t>
             </a:fld>
             <a:endParaRPr lang="en-US" dirty="0"/>
           </a:p>
@@ -2414,7 +2415,7 @@
     </p:spTree>
     <p:extLst>
       <p:ext uri="{BB962C8B-B14F-4D97-AF65-F5344CB8AC3E}">
-        <p14:creationId xmlns="" xmlns:p14="http://schemas.microsoft.com/office/powerpoint/2010/main" val="802076649"/>
+        <p14:creationId xmlns:p14="http://schemas.microsoft.com/office/powerpoint/2010/main" xmlns="" val="802076649"/>
       </p:ext>
     </p:extLst>
   </p:cSld>
@@ -2616,7 +2617,7 @@
             <a:fld id="{F7EBFB8C-BBFF-4397-A51C-1E92596422A9}" type="slidenum">
               <a:rPr lang="en-US" smtClean="0"/>
               <a:pPr/>
-              <a:t>32</a:t>
+              <a:t>33</a:t>
             </a:fld>
             <a:endParaRPr lang="en-US" dirty="0"/>
           </a:p>
@@ -2625,7 +2626,7 @@
     </p:spTree>
     <p:extLst>
       <p:ext uri="{BB962C8B-B14F-4D97-AF65-F5344CB8AC3E}">
-        <p14:creationId xmlns="" xmlns:p14="http://schemas.microsoft.com/office/powerpoint/2010/main" val="1629754142"/>
+        <p14:creationId xmlns:p14="http://schemas.microsoft.com/office/powerpoint/2010/main" xmlns="" val="1629754142"/>
       </p:ext>
     </p:extLst>
   </p:cSld>
@@ -2741,7 +2742,7 @@
             <a:fld id="{F7EBFB8C-BBFF-4397-A51C-1E92596422A9}" type="slidenum">
               <a:rPr lang="en-US" smtClean="0"/>
               <a:pPr/>
-              <a:t>34</a:t>
+              <a:t>35</a:t>
             </a:fld>
             <a:endParaRPr lang="en-US" dirty="0"/>
           </a:p>
@@ -2750,7 +2751,7 @@
     </p:spTree>
     <p:extLst>
       <p:ext uri="{BB962C8B-B14F-4D97-AF65-F5344CB8AC3E}">
-        <p14:creationId xmlns="" xmlns:p14="http://schemas.microsoft.com/office/powerpoint/2010/main" val="3931682397"/>
+        <p14:creationId xmlns:p14="http://schemas.microsoft.com/office/powerpoint/2010/main" xmlns="" val="3931682397"/>
       </p:ext>
     </p:extLst>
   </p:cSld>
@@ -2866,7 +2867,7 @@
             <a:fld id="{F7EBFB8C-BBFF-4397-A51C-1E92596422A9}" type="slidenum">
               <a:rPr lang="en-US" smtClean="0"/>
               <a:pPr/>
-              <a:t>35</a:t>
+              <a:t>36</a:t>
             </a:fld>
             <a:endParaRPr lang="en-US" dirty="0"/>
           </a:p>
@@ -2875,7 +2876,7 @@
     </p:spTree>
     <p:extLst>
       <p:ext uri="{BB962C8B-B14F-4D97-AF65-F5344CB8AC3E}">
-        <p14:creationId xmlns="" xmlns:p14="http://schemas.microsoft.com/office/powerpoint/2010/main" val="3931682397"/>
+        <p14:creationId xmlns:p14="http://schemas.microsoft.com/office/powerpoint/2010/main" xmlns="" val="3931682397"/>
       </p:ext>
     </p:extLst>
   </p:cSld>
@@ -2953,7 +2954,7 @@
             <a:fld id="{1EBFF01C-F984-4A51-AF10-254043F7C542}" type="slidenum">
               <a:rPr lang="de-DE" smtClean="0"/>
               <a:pPr/>
-              <a:t>37</a:t>
+              <a:t>38</a:t>
             </a:fld>
             <a:endParaRPr lang="de-DE"/>
           </a:p>
@@ -3233,7 +3234,7 @@
             <a:fld id="{F7EBFB8C-BBFF-4397-A51C-1E92596422A9}" type="slidenum">
               <a:rPr lang="en-US" smtClean="0"/>
               <a:pPr/>
-              <a:t>38</a:t>
+              <a:t>39</a:t>
             </a:fld>
             <a:endParaRPr lang="en-US" dirty="0"/>
           </a:p>
@@ -3242,7 +3243,7 @@
     </p:spTree>
     <p:extLst>
       <p:ext uri="{BB962C8B-B14F-4D97-AF65-F5344CB8AC3E}">
-        <p14:creationId xmlns="" xmlns:p14="http://schemas.microsoft.com/office/powerpoint/2010/main" val="1616458392"/>
+        <p14:creationId xmlns:p14="http://schemas.microsoft.com/office/powerpoint/2010/main" xmlns="" val="1616458392"/>
       </p:ext>
     </p:extLst>
   </p:cSld>
@@ -3318,7 +3319,7 @@
             <a:fld id="{F7EBFB8C-BBFF-4397-A51C-1E92596422A9}" type="slidenum">
               <a:rPr lang="en-US" smtClean="0"/>
               <a:pPr/>
-              <a:t>39</a:t>
+              <a:t>40</a:t>
             </a:fld>
             <a:endParaRPr lang="en-US" dirty="0"/>
           </a:p>
@@ -3327,7 +3328,7 @@
     </p:spTree>
     <p:extLst>
       <p:ext uri="{BB962C8B-B14F-4D97-AF65-F5344CB8AC3E}">
-        <p14:creationId xmlns="" xmlns:p14="http://schemas.microsoft.com/office/powerpoint/2010/main" val="2116472317"/>
+        <p14:creationId xmlns:p14="http://schemas.microsoft.com/office/powerpoint/2010/main" xmlns="" val="2116472317"/>
       </p:ext>
     </p:extLst>
   </p:cSld>
@@ -3652,7 +3653,7 @@
     </p:spTree>
     <p:extLst>
       <p:ext uri="{BB962C8B-B14F-4D97-AF65-F5344CB8AC3E}">
-        <p14:creationId xmlns="" xmlns:p14="http://schemas.microsoft.com/office/powerpoint/2010/main" val="517533983"/>
+        <p14:creationId xmlns:p14="http://schemas.microsoft.com/office/powerpoint/2010/main" xmlns="" val="517533983"/>
       </p:ext>
     </p:extLst>
   </p:cSld>
@@ -3745,7 +3746,7 @@
     </p:spTree>
     <p:extLst>
       <p:ext uri="{BB962C8B-B14F-4D97-AF65-F5344CB8AC3E}">
-        <p14:creationId xmlns="" xmlns:p14="http://schemas.microsoft.com/office/powerpoint/2010/main" val="2934279750"/>
+        <p14:creationId xmlns:p14="http://schemas.microsoft.com/office/powerpoint/2010/main" xmlns="" val="2934279750"/>
       </p:ext>
     </p:extLst>
   </p:cSld>
@@ -3842,7 +3843,7 @@
     </p:spTree>
     <p:extLst>
       <p:ext uri="{BB962C8B-B14F-4D97-AF65-F5344CB8AC3E}">
-        <p14:creationId xmlns="" xmlns:p14="http://schemas.microsoft.com/office/powerpoint/2010/main" val="2934279750"/>
+        <p14:creationId xmlns:p14="http://schemas.microsoft.com/office/powerpoint/2010/main" xmlns="" val="2934279750"/>
       </p:ext>
     </p:extLst>
   </p:cSld>
@@ -3927,7 +3928,7 @@
     </p:spTree>
     <p:extLst>
       <p:ext uri="{BB962C8B-B14F-4D97-AF65-F5344CB8AC3E}">
-        <p14:creationId xmlns="" xmlns:p14="http://schemas.microsoft.com/office/powerpoint/2010/main" val="2934279750"/>
+        <p14:creationId xmlns:p14="http://schemas.microsoft.com/office/powerpoint/2010/main" xmlns="" val="2934279750"/>
       </p:ext>
     </p:extLst>
   </p:cSld>
@@ -4337,7 +4338,7 @@
     </p:spTree>
     <p:extLst>
       <p:ext uri="{BB962C8B-B14F-4D97-AF65-F5344CB8AC3E}">
-        <p14:creationId xmlns="" xmlns:p14="http://schemas.microsoft.com/office/powerpoint/2010/main" val="2934279750"/>
+        <p14:creationId xmlns:p14="http://schemas.microsoft.com/office/powerpoint/2010/main" xmlns="" val="2934279750"/>
       </p:ext>
     </p:extLst>
   </p:cSld>
@@ -4422,7 +4423,7 @@
     </p:spTree>
     <p:extLst>
       <p:ext uri="{BB962C8B-B14F-4D97-AF65-F5344CB8AC3E}">
-        <p14:creationId xmlns="" xmlns:p14="http://schemas.microsoft.com/office/powerpoint/2010/main" val="3860513045"/>
+        <p14:creationId xmlns:p14="http://schemas.microsoft.com/office/powerpoint/2010/main" xmlns="" val="3860513045"/>
       </p:ext>
     </p:extLst>
   </p:cSld>
@@ -4519,7 +4520,7 @@
     </p:spTree>
     <p:extLst>
       <p:ext uri="{BB962C8B-B14F-4D97-AF65-F5344CB8AC3E}">
-        <p14:creationId xmlns="" xmlns:p14="http://schemas.microsoft.com/office/powerpoint/2010/main" val="2934279750"/>
+        <p14:creationId xmlns:p14="http://schemas.microsoft.com/office/powerpoint/2010/main" xmlns="" val="2934279750"/>
       </p:ext>
     </p:extLst>
   </p:cSld>
@@ -8759,7 +8760,7 @@
           <a:blip r:embed="rId13" cstate="print">
             <a:extLst>
               <a:ext uri="{28A0092B-C50C-407E-A947-70E740481C1C}">
-                <a14:useLocalDpi xmlns="" xmlns:a14="http://schemas.microsoft.com/office/drawing/2010/main" val="0"/>
+                <a14:useLocalDpi xmlns:a14="http://schemas.microsoft.com/office/drawing/2010/main" xmlns="" val="0"/>
               </a:ext>
             </a:extLst>
           </a:blip>
@@ -9257,7 +9258,7 @@
           <a:blip r:embed="rId3" cstate="print">
             <a:extLst>
               <a:ext uri="{28A0092B-C50C-407E-A947-70E740481C1C}">
-                <a14:useLocalDpi xmlns="" xmlns:a14="http://schemas.microsoft.com/office/drawing/2010/main" val="0"/>
+                <a14:useLocalDpi xmlns:a14="http://schemas.microsoft.com/office/drawing/2010/main" xmlns="" val="0"/>
               </a:ext>
             </a:extLst>
           </a:blip>
@@ -9287,7 +9288,7 @@
           <a:blip r:embed="rId4" cstate="print">
             <a:extLst>
               <a:ext uri="{28A0092B-C50C-407E-A947-70E740481C1C}">
-                <a14:useLocalDpi xmlns="" xmlns:a14="http://schemas.microsoft.com/office/drawing/2010/main" val="0"/>
+                <a14:useLocalDpi xmlns:a14="http://schemas.microsoft.com/office/drawing/2010/main" xmlns="" val="0"/>
               </a:ext>
             </a:extLst>
           </a:blip>
@@ -9638,7 +9639,7 @@
     </p:spTree>
     <p:extLst>
       <p:ext uri="{BB962C8B-B14F-4D97-AF65-F5344CB8AC3E}">
-        <p14:creationId xmlns="" xmlns:p14="http://schemas.microsoft.com/office/powerpoint/2010/main" val="351671181"/>
+        <p14:creationId xmlns:p14="http://schemas.microsoft.com/office/powerpoint/2010/main" xmlns="" val="351671181"/>
       </p:ext>
     </p:extLst>
   </p:cSld>
@@ -11285,40 +11286,11 @@
           </a:p>
         </p:txBody>
       </p:sp>
-      <p:cxnSp>
-        <p:nvCxnSpPr>
-          <p:cNvPr id="11" name="Gerade Verbindung 10"/>
-          <p:cNvCxnSpPr/>
-          <p:nvPr/>
-        </p:nvCxnSpPr>
-        <p:spPr>
-          <a:xfrm>
-            <a:off x="3347864" y="1484784"/>
-            <a:ext cx="5616624" cy="2016224"/>
-          </a:xfrm>
-          <a:prstGeom prst="line">
-            <a:avLst/>
-          </a:prstGeom>
-          <a:noFill/>
-        </p:spPr>
-        <p:style>
-          <a:lnRef idx="2">
-            <a:schemeClr val="accent6"/>
-          </a:lnRef>
-          <a:fillRef idx="1">
-            <a:schemeClr val="lt1"/>
-          </a:fillRef>
-          <a:effectRef idx="0">
-            <a:schemeClr val="accent6"/>
-          </a:effectRef>
-          <a:fontRef idx="minor">
-            <a:schemeClr val="dk1"/>
-          </a:fontRef>
-        </p:style>
-      </p:cxnSp>
       <p:pic>
         <p:nvPicPr>
-          <p:cNvPr id="13" name="Picture 3"/>
+          <p:cNvPr id="4099" name="Picture 3">
+            <a:hlinkClick r:id="rId2" action="ppaction://hlinkfile"/>
+          </p:cNvPr>
           <p:cNvPicPr>
             <a:picLocks noChangeAspect="1" noChangeArrowheads="1"/>
           </p:cNvPicPr>
@@ -11333,8 +11305,8 @@
         </p:blipFill>
         <p:spPr bwMode="auto">
           <a:xfrm>
-            <a:off x="1547664" y="1484784"/>
-            <a:ext cx="1800000" cy="2601600"/>
+            <a:off x="1008512" y="-27384"/>
+            <a:ext cx="8100000" cy="11707200"/>
           </a:xfrm>
           <a:prstGeom prst="rect">
             <a:avLst/>
@@ -11348,119 +11320,7 @@
           </a:ln>
         </p:spPr>
       </p:pic>
-      <p:sp>
-        <p:nvSpPr>
-          <p:cNvPr id="8" name="Rechteck 7"/>
-          <p:cNvSpPr/>
-          <p:nvPr/>
-        </p:nvSpPr>
-        <p:spPr>
-          <a:xfrm>
-            <a:off x="1547664" y="1484784"/>
-            <a:ext cx="1800200" cy="936104"/>
-          </a:xfrm>
-          <a:prstGeom prst="rect">
-            <a:avLst/>
-          </a:prstGeom>
-          <a:noFill/>
-        </p:spPr>
-        <p:style>
-          <a:lnRef idx="2">
-            <a:schemeClr val="accent6"/>
-          </a:lnRef>
-          <a:fillRef idx="1">
-            <a:schemeClr val="lt1"/>
-          </a:fillRef>
-          <a:effectRef idx="0">
-            <a:schemeClr val="accent6"/>
-          </a:effectRef>
-          <a:fontRef idx="minor">
-            <a:schemeClr val="dk1"/>
-          </a:fontRef>
-        </p:style>
-        <p:txBody>
-          <a:bodyPr rtlCol="0" anchor="ctr"/>
-          <a:lstStyle/>
-          <a:p>
-            <a:pPr algn="ctr"/>
-            <a:endParaRPr lang="de-DE">
-              <a:solidFill>
-                <a:schemeClr val="dk1"/>
-              </a:solidFill>
-            </a:endParaRPr>
-          </a:p>
-        </p:txBody>
-      </p:sp>
-      <p:pic>
-        <p:nvPicPr>
-          <p:cNvPr id="14" name="Picture 3">
-            <a:hlinkClick r:id="rId4" action="ppaction://hlinkfile"/>
-          </p:cNvPr>
-          <p:cNvPicPr>
-            <a:picLocks noChangeAspect="1" noChangeArrowheads="1"/>
-          </p:cNvPicPr>
-          <p:nvPr/>
-        </p:nvPicPr>
-        <p:blipFill>
-          <a:blip r:embed="rId5" cstate="print"/>
-          <a:srcRect b="63913"/>
-          <a:stretch>
-            <a:fillRect/>
-          </a:stretch>
-        </p:blipFill>
-        <p:spPr bwMode="auto">
-          <a:xfrm>
-            <a:off x="3204488" y="3501008"/>
-            <a:ext cx="5760000" cy="3004216"/>
-          </a:xfrm>
-          <a:prstGeom prst="rect">
-            <a:avLst/>
-          </a:prstGeom>
-          <a:noFill/>
-          <a:ln w="25400">
-            <a:solidFill>
-              <a:schemeClr val="accent6"/>
-            </a:solidFill>
-          </a:ln>
-        </p:spPr>
-      </p:pic>
-      <p:cxnSp>
-        <p:nvCxnSpPr>
-          <p:cNvPr id="12" name="Gerade Verbindung 11"/>
-          <p:cNvCxnSpPr/>
-          <p:nvPr/>
-        </p:nvCxnSpPr>
-        <p:spPr>
-          <a:xfrm>
-            <a:off x="1547664" y="2420888"/>
-            <a:ext cx="1656184" cy="4104456"/>
-          </a:xfrm>
-          <a:prstGeom prst="line">
-            <a:avLst/>
-          </a:prstGeom>
-          <a:noFill/>
-        </p:spPr>
-        <p:style>
-          <a:lnRef idx="2">
-            <a:schemeClr val="accent6"/>
-          </a:lnRef>
-          <a:fillRef idx="1">
-            <a:schemeClr val="lt1"/>
-          </a:fillRef>
-          <a:effectRef idx="0">
-            <a:schemeClr val="accent6"/>
-          </a:effectRef>
-          <a:fontRef idx="minor">
-            <a:schemeClr val="dk1"/>
-          </a:fontRef>
-        </p:style>
-      </p:cxnSp>
     </p:spTree>
-    <p:extLst>
-      <p:ext uri="{BB962C8B-B14F-4D97-AF65-F5344CB8AC3E}">
-        <p14:creationId xmlns="" xmlns:p14="http://schemas.microsoft.com/office/powerpoint/2010/main" val="351671181"/>
-      </p:ext>
-    </p:extLst>
   </p:cSld>
   <p:clrMapOvr>
     <a:masterClrMapping/>
@@ -11468,7 +11328,69 @@
   <p:timing>
     <p:tnLst>
       <p:par>
-        <p:cTn id="1" dur="indefinite" restart="never" nodeType="tmRoot"/>
+        <p:cTn id="1" dur="indefinite" restart="never" nodeType="tmRoot">
+          <p:childTnLst>
+            <p:seq concurrent="1" nextAc="seek">
+              <p:cTn id="2" dur="indefinite" nodeType="mainSeq">
+                <p:childTnLst>
+                  <p:par>
+                    <p:cTn id="3" fill="hold">
+                      <p:stCondLst>
+                        <p:cond delay="indefinite"/>
+                      </p:stCondLst>
+                      <p:childTnLst>
+                        <p:par>
+                          <p:cTn id="4" fill="hold">
+                            <p:stCondLst>
+                              <p:cond delay="0"/>
+                            </p:stCondLst>
+                            <p:childTnLst>
+                              <p:par>
+                                <p:cTn id="5" presetID="64" presetClass="path" presetSubtype="0" accel="50000" decel="50000" fill="hold" nodeType="clickEffect">
+                                  <p:stCondLst>
+                                    <p:cond delay="0"/>
+                                  </p:stCondLst>
+                                  <p:childTnLst>
+                                    <p:animMotion origin="layout" path="M 0 0  L 0 -0.33333  E" pathEditMode="relative" ptsTypes="">
+                                      <p:cBhvr>
+                                        <p:cTn id="6" dur="2000" fill="hold"/>
+                                        <p:tgtEl>
+                                          <p:spTgt spid="4099"/>
+                                        </p:tgtEl>
+                                        <p:attrNameLst>
+                                          <p:attrName>ppt_x</p:attrName>
+                                          <p:attrName>ppt_y</p:attrName>
+                                        </p:attrNameLst>
+                                      </p:cBhvr>
+                                    </p:animMotion>
+                                  </p:childTnLst>
+                                </p:cTn>
+                              </p:par>
+                            </p:childTnLst>
+                          </p:cTn>
+                        </p:par>
+                      </p:childTnLst>
+                    </p:cTn>
+                  </p:par>
+                </p:childTnLst>
+              </p:cTn>
+              <p:prevCondLst>
+                <p:cond evt="onPrev" delay="0">
+                  <p:tgtEl>
+                    <p:sldTgt/>
+                  </p:tgtEl>
+                </p:cond>
+              </p:prevCondLst>
+              <p:nextCondLst>
+                <p:cond evt="onNext" delay="0">
+                  <p:tgtEl>
+                    <p:sldTgt/>
+                  </p:tgtEl>
+                </p:cond>
+              </p:nextCondLst>
+            </p:seq>
+          </p:childTnLst>
+        </p:cTn>
       </p:par>
     </p:tnLst>
   </p:timing>
@@ -11594,37 +11516,6 @@
           </a:p>
         </p:txBody>
       </p:sp>
-      <p:cxnSp>
-        <p:nvCxnSpPr>
-          <p:cNvPr id="11" name="Gerade Verbindung 10"/>
-          <p:cNvCxnSpPr/>
-          <p:nvPr/>
-        </p:nvCxnSpPr>
-        <p:spPr>
-          <a:xfrm>
-            <a:off x="3347864" y="2348880"/>
-            <a:ext cx="5616624" cy="864096"/>
-          </a:xfrm>
-          <a:prstGeom prst="line">
-            <a:avLst/>
-          </a:prstGeom>
-          <a:noFill/>
-        </p:spPr>
-        <p:style>
-          <a:lnRef idx="2">
-            <a:schemeClr val="accent6"/>
-          </a:lnRef>
-          <a:fillRef idx="1">
-            <a:schemeClr val="lt1"/>
-          </a:fillRef>
-          <a:effectRef idx="0">
-            <a:schemeClr val="accent6"/>
-          </a:effectRef>
-          <a:fontRef idx="minor">
-            <a:schemeClr val="dk1"/>
-          </a:fontRef>
-        </p:style>
-      </p:cxnSp>
       <p:pic>
         <p:nvPicPr>
           <p:cNvPr id="13" name="Picture 3"/>
@@ -11642,7 +11533,7 @@
         </p:blipFill>
         <p:spPr bwMode="auto">
           <a:xfrm>
-            <a:off x="1547664" y="1484784"/>
+            <a:off x="35496" y="1484784"/>
             <a:ext cx="1800000" cy="2601600"/>
           </a:xfrm>
           <a:prstGeom prst="rect">
@@ -11665,8 +11556,8 @@
         </p:nvSpPr>
         <p:spPr>
           <a:xfrm>
-            <a:off x="1547664" y="2348880"/>
-            <a:ext cx="1800200" cy="1080120"/>
+            <a:off x="35496" y="1484784"/>
+            <a:ext cx="1800200" cy="936104"/>
           </a:xfrm>
           <a:prstGeom prst="rect">
             <a:avLst/>
@@ -11700,40 +11591,9 @@
           </a:p>
         </p:txBody>
       </p:sp>
-      <p:cxnSp>
-        <p:nvCxnSpPr>
-          <p:cNvPr id="12" name="Gerade Verbindung 11"/>
-          <p:cNvCxnSpPr/>
-          <p:nvPr/>
-        </p:nvCxnSpPr>
-        <p:spPr>
-          <a:xfrm>
-            <a:off x="1547664" y="2420888"/>
-            <a:ext cx="1656184" cy="4032448"/>
-          </a:xfrm>
-          <a:prstGeom prst="line">
-            <a:avLst/>
-          </a:prstGeom>
-          <a:noFill/>
-        </p:spPr>
-        <p:style>
-          <a:lnRef idx="2">
-            <a:schemeClr val="accent6"/>
-          </a:lnRef>
-          <a:fillRef idx="1">
-            <a:schemeClr val="lt1"/>
-          </a:fillRef>
-          <a:effectRef idx="0">
-            <a:schemeClr val="accent6"/>
-          </a:effectRef>
-          <a:fontRef idx="minor">
-            <a:schemeClr val="dk1"/>
-          </a:fontRef>
-        </p:style>
-      </p:cxnSp>
       <p:pic>
         <p:nvPicPr>
-          <p:cNvPr id="15" name="Picture 3">
+          <p:cNvPr id="14" name="Picture 3">
             <a:hlinkClick r:id="rId4" action="ppaction://hlinkfile"/>
           </p:cNvPr>
           <p:cNvPicPr>
@@ -11743,15 +11603,15 @@
         </p:nvPicPr>
         <p:blipFill>
           <a:blip r:embed="rId5" cstate="print"/>
-          <a:srcRect t="35464" b="25613"/>
+          <a:srcRect b="63913"/>
           <a:stretch>
             <a:fillRect/>
           </a:stretch>
         </p:blipFill>
         <p:spPr bwMode="auto">
           <a:xfrm>
-            <a:off x="3203848" y="3212976"/>
-            <a:ext cx="5760000" cy="3240360"/>
+            <a:off x="2016496" y="2780928"/>
+            <a:ext cx="7020000" cy="3661376"/>
           </a:xfrm>
           <a:prstGeom prst="rect">
             <a:avLst/>
@@ -11767,7 +11627,7 @@
     </p:spTree>
     <p:extLst>
       <p:ext uri="{BB962C8B-B14F-4D97-AF65-F5344CB8AC3E}">
-        <p14:creationId xmlns="" xmlns:p14="http://schemas.microsoft.com/office/powerpoint/2010/main" val="351671181"/>
+        <p14:creationId xmlns:p14="http://schemas.microsoft.com/office/powerpoint/2010/main" xmlns="" val="351671181"/>
       </p:ext>
     </p:extLst>
   </p:cSld>
@@ -12043,7 +11903,7 @@
     </p:spTree>
     <p:extLst>
       <p:ext uri="{BB962C8B-B14F-4D97-AF65-F5344CB8AC3E}">
-        <p14:creationId xmlns="" xmlns:p14="http://schemas.microsoft.com/office/powerpoint/2010/main" val="3616670450"/>
+        <p14:creationId xmlns:p14="http://schemas.microsoft.com/office/powerpoint/2010/main" xmlns="" val="3616670450"/>
       </p:ext>
     </p:extLst>
   </p:cSld>
@@ -12179,37 +12039,6 @@
           </a:p>
         </p:txBody>
       </p:sp>
-      <p:cxnSp>
-        <p:nvCxnSpPr>
-          <p:cNvPr id="11" name="Gerade Verbindung 10"/>
-          <p:cNvCxnSpPr/>
-          <p:nvPr/>
-        </p:nvCxnSpPr>
-        <p:spPr>
-          <a:xfrm>
-            <a:off x="3347864" y="3429000"/>
-            <a:ext cx="5616624" cy="936104"/>
-          </a:xfrm>
-          <a:prstGeom prst="line">
-            <a:avLst/>
-          </a:prstGeom>
-          <a:noFill/>
-        </p:spPr>
-        <p:style>
-          <a:lnRef idx="2">
-            <a:schemeClr val="accent6"/>
-          </a:lnRef>
-          <a:fillRef idx="1">
-            <a:schemeClr val="lt1"/>
-          </a:fillRef>
-          <a:effectRef idx="0">
-            <a:schemeClr val="accent6"/>
-          </a:effectRef>
-          <a:fontRef idx="minor">
-            <a:schemeClr val="dk1"/>
-          </a:fontRef>
-        </p:style>
-      </p:cxnSp>
       <p:pic>
         <p:nvPicPr>
           <p:cNvPr id="13" name="Picture 3"/>
@@ -12227,7 +12056,7 @@
         </p:blipFill>
         <p:spPr bwMode="auto">
           <a:xfrm>
-            <a:off x="1547664" y="1484784"/>
+            <a:off x="35496" y="1484784"/>
             <a:ext cx="1800000" cy="2601600"/>
           </a:xfrm>
           <a:prstGeom prst="rect">
@@ -12250,8 +12079,8 @@
         </p:nvSpPr>
         <p:spPr>
           <a:xfrm>
-            <a:off x="1547664" y="3429000"/>
-            <a:ext cx="1800200" cy="648072"/>
+            <a:off x="35496" y="2348880"/>
+            <a:ext cx="1800200" cy="1080120"/>
           </a:xfrm>
           <a:prstGeom prst="rect">
             <a:avLst/>
@@ -12285,37 +12114,6 @@
           </a:p>
         </p:txBody>
       </p:sp>
-      <p:cxnSp>
-        <p:nvCxnSpPr>
-          <p:cNvPr id="12" name="Gerade Verbindung 11"/>
-          <p:cNvCxnSpPr/>
-          <p:nvPr/>
-        </p:nvCxnSpPr>
-        <p:spPr>
-          <a:xfrm>
-            <a:off x="1547664" y="4077072"/>
-            <a:ext cx="1656184" cy="2448272"/>
-          </a:xfrm>
-          <a:prstGeom prst="line">
-            <a:avLst/>
-          </a:prstGeom>
-          <a:noFill/>
-        </p:spPr>
-        <p:style>
-          <a:lnRef idx="2">
-            <a:schemeClr val="accent6"/>
-          </a:lnRef>
-          <a:fillRef idx="1">
-            <a:schemeClr val="lt1"/>
-          </a:fillRef>
-          <a:effectRef idx="0">
-            <a:schemeClr val="accent6"/>
-          </a:effectRef>
-          <a:fontRef idx="minor">
-            <a:schemeClr val="dk1"/>
-          </a:fontRef>
-        </p:style>
-      </p:cxnSp>
       <p:pic>
         <p:nvPicPr>
           <p:cNvPr id="15" name="Picture 3">
@@ -12328,15 +12126,15 @@
         </p:nvPicPr>
         <p:blipFill>
           <a:blip r:embed="rId5" cstate="print"/>
-          <a:srcRect t="74387" b="-336"/>
+          <a:srcRect t="35464" b="25613"/>
           <a:stretch>
             <a:fillRect/>
           </a:stretch>
         </p:blipFill>
         <p:spPr bwMode="auto">
           <a:xfrm>
-            <a:off x="3203848" y="4365104"/>
-            <a:ext cx="5760000" cy="2160240"/>
+            <a:off x="1979712" y="2504156"/>
+            <a:ext cx="7020000" cy="3949180"/>
           </a:xfrm>
           <a:prstGeom prst="rect">
             <a:avLst/>
@@ -12352,7 +12150,7 @@
     </p:spTree>
     <p:extLst>
       <p:ext uri="{BB962C8B-B14F-4D97-AF65-F5344CB8AC3E}">
-        <p14:creationId xmlns="" xmlns:p14="http://schemas.microsoft.com/office/powerpoint/2010/main" val="351671181"/>
+        <p14:creationId xmlns:p14="http://schemas.microsoft.com/office/powerpoint/2010/main" xmlns="" val="351671181"/>
       </p:ext>
     </p:extLst>
   </p:cSld>
@@ -12398,12 +12196,21 @@
         </p:nvSpPr>
         <p:spPr/>
         <p:txBody>
-          <a:bodyPr/>
-          <a:lstStyle/>
-          <a:p>
-            <a:r>
-              <a:rPr lang="de-DE" dirty="0" err="1" smtClean="0"/>
-              <a:t>SpringRoo</a:t>
+          <a:bodyPr>
+            <a:normAutofit fontScale="90000"/>
+          </a:bodyPr>
+          <a:lstStyle/>
+          <a:p>
+            <a:r>
+              <a:rPr lang="de-DE" dirty="0" smtClean="0"/>
+              <a:t>„Event organisieren“</a:t>
+            </a:r>
+            <a:br>
+              <a:rPr lang="de-DE" dirty="0" smtClean="0"/>
+            </a:br>
+            <a:r>
+              <a:rPr lang="de-DE" dirty="0" smtClean="0"/>
+              <a:t>Pflichtenheft</a:t>
             </a:r>
             <a:endParaRPr lang="de-DE" dirty="0"/>
           </a:p>
@@ -12474,6 +12281,244 @@
               <a:rPr lang="en-US" smtClean="0"/>
               <a:pPr/>
               <a:t>21</a:t>
+            </a:fld>
+            <a:endParaRPr lang="en-US"/>
+          </a:p>
+        </p:txBody>
+      </p:sp>
+      <p:pic>
+        <p:nvPicPr>
+          <p:cNvPr id="13" name="Picture 3"/>
+          <p:cNvPicPr>
+            <a:picLocks noChangeAspect="1" noChangeArrowheads="1"/>
+          </p:cNvPicPr>
+          <p:nvPr/>
+        </p:nvPicPr>
+        <p:blipFill>
+          <a:blip r:embed="rId3" cstate="print"/>
+          <a:srcRect/>
+          <a:stretch>
+            <a:fillRect/>
+          </a:stretch>
+        </p:blipFill>
+        <p:spPr bwMode="auto">
+          <a:xfrm>
+            <a:off x="35496" y="1484784"/>
+            <a:ext cx="1800000" cy="2601600"/>
+          </a:xfrm>
+          <a:prstGeom prst="rect">
+            <a:avLst/>
+          </a:prstGeom>
+          <a:noFill/>
+          <a:ln w="9525">
+            <a:noFill/>
+            <a:miter lim="800000"/>
+            <a:headEnd/>
+            <a:tailEnd/>
+          </a:ln>
+        </p:spPr>
+      </p:pic>
+      <p:sp>
+        <p:nvSpPr>
+          <p:cNvPr id="8" name="Rechteck 7"/>
+          <p:cNvSpPr/>
+          <p:nvPr/>
+        </p:nvSpPr>
+        <p:spPr>
+          <a:xfrm>
+            <a:off x="35496" y="3429000"/>
+            <a:ext cx="1800200" cy="648072"/>
+          </a:xfrm>
+          <a:prstGeom prst="rect">
+            <a:avLst/>
+          </a:prstGeom>
+          <a:noFill/>
+        </p:spPr>
+        <p:style>
+          <a:lnRef idx="2">
+            <a:schemeClr val="accent6"/>
+          </a:lnRef>
+          <a:fillRef idx="1">
+            <a:schemeClr val="lt1"/>
+          </a:fillRef>
+          <a:effectRef idx="0">
+            <a:schemeClr val="accent6"/>
+          </a:effectRef>
+          <a:fontRef idx="minor">
+            <a:schemeClr val="dk1"/>
+          </a:fontRef>
+        </p:style>
+        <p:txBody>
+          <a:bodyPr rtlCol="0" anchor="ctr"/>
+          <a:lstStyle/>
+          <a:p>
+            <a:pPr algn="ctr"/>
+            <a:endParaRPr lang="de-DE">
+              <a:solidFill>
+                <a:schemeClr val="dk1"/>
+              </a:solidFill>
+            </a:endParaRPr>
+          </a:p>
+        </p:txBody>
+      </p:sp>
+      <p:pic>
+        <p:nvPicPr>
+          <p:cNvPr id="15" name="Picture 3">
+            <a:hlinkClick r:id="rId4" action="ppaction://hlinkfile"/>
+          </p:cNvPr>
+          <p:cNvPicPr>
+            <a:picLocks noChangeAspect="1" noChangeArrowheads="1"/>
+          </p:cNvPicPr>
+          <p:nvPr/>
+        </p:nvPicPr>
+        <p:blipFill>
+          <a:blip r:embed="rId5" cstate="print"/>
+          <a:srcRect t="74387" b="-336"/>
+          <a:stretch>
+            <a:fillRect/>
+          </a:stretch>
+        </p:blipFill>
+        <p:spPr bwMode="auto">
+          <a:xfrm>
+            <a:off x="1979712" y="3820543"/>
+            <a:ext cx="7020000" cy="2632793"/>
+          </a:xfrm>
+          <a:prstGeom prst="rect">
+            <a:avLst/>
+          </a:prstGeom>
+          <a:noFill/>
+          <a:ln w="25400">
+            <a:solidFill>
+              <a:schemeClr val="accent6"/>
+            </a:solidFill>
+          </a:ln>
+        </p:spPr>
+      </p:pic>
+    </p:spTree>
+    <p:extLst>
+      <p:ext uri="{BB962C8B-B14F-4D97-AF65-F5344CB8AC3E}">
+        <p14:creationId xmlns:p14="http://schemas.microsoft.com/office/powerpoint/2010/main" xmlns="" val="351671181"/>
+      </p:ext>
+    </p:extLst>
+  </p:cSld>
+  <p:clrMapOvr>
+    <a:masterClrMapping/>
+  </p:clrMapOvr>
+  <p:timing>
+    <p:tnLst>
+      <p:par>
+        <p:cTn id="1" dur="indefinite" restart="never" nodeType="tmRoot"/>
+      </p:par>
+    </p:tnLst>
+  </p:timing>
+</p:sld>
+</file>
+
+<file path=ppt/slides/slide22.xml><?xml version="1.0" encoding="utf-8"?>
+<p:sld xmlns:a="http://schemas.openxmlformats.org/drawingml/2006/main" xmlns:r="http://schemas.openxmlformats.org/officeDocument/2006/relationships" xmlns:p="http://schemas.openxmlformats.org/presentationml/2006/main">
+  <p:cSld>
+    <p:spTree>
+      <p:nvGrpSpPr>
+        <p:cNvPr id="1" name=""/>
+        <p:cNvGrpSpPr/>
+        <p:nvPr/>
+      </p:nvGrpSpPr>
+      <p:grpSpPr>
+        <a:xfrm>
+          <a:off x="0" y="0"/>
+          <a:ext cx="0" cy="0"/>
+          <a:chOff x="0" y="0"/>
+          <a:chExt cx="0" cy="0"/>
+        </a:xfrm>
+      </p:grpSpPr>
+      <p:sp>
+        <p:nvSpPr>
+          <p:cNvPr id="2" name="Titel 1"/>
+          <p:cNvSpPr>
+            <a:spLocks noGrp="1"/>
+          </p:cNvSpPr>
+          <p:nvPr>
+            <p:ph type="title"/>
+          </p:nvPr>
+        </p:nvSpPr>
+        <p:spPr/>
+        <p:txBody>
+          <a:bodyPr/>
+          <a:lstStyle/>
+          <a:p>
+            <a:r>
+              <a:rPr lang="de-DE" dirty="0" err="1" smtClean="0"/>
+              <a:t>SpringRoo</a:t>
+            </a:r>
+            <a:endParaRPr lang="de-DE" dirty="0"/>
+          </a:p>
+        </p:txBody>
+      </p:sp>
+      <p:sp>
+        <p:nvSpPr>
+          <p:cNvPr id="4" name="Datumsplatzhalter 3"/>
+          <p:cNvSpPr>
+            <a:spLocks noGrp="1"/>
+          </p:cNvSpPr>
+          <p:nvPr>
+            <p:ph type="dt" sz="half" idx="10"/>
+          </p:nvPr>
+        </p:nvSpPr>
+        <p:spPr/>
+        <p:txBody>
+          <a:bodyPr/>
+          <a:lstStyle/>
+          <a:p>
+            <a:r>
+              <a:rPr lang="de-DE" smtClean="0"/>
+              <a:t>21.04.2012</a:t>
+            </a:r>
+            <a:endParaRPr lang="en-US"/>
+          </a:p>
+        </p:txBody>
+      </p:sp>
+      <p:sp>
+        <p:nvSpPr>
+          <p:cNvPr id="5" name="Fußzeilenplatzhalter 4"/>
+          <p:cNvSpPr>
+            <a:spLocks noGrp="1"/>
+          </p:cNvSpPr>
+          <p:nvPr>
+            <p:ph type="ftr" sz="quarter" idx="11"/>
+          </p:nvPr>
+        </p:nvSpPr>
+        <p:spPr/>
+        <p:txBody>
+          <a:bodyPr/>
+          <a:lstStyle/>
+          <a:p>
+            <a:r>
+              <a:rPr lang="de-DE" smtClean="0"/>
+              <a:t>FST Projekt "Eventalizer" (SS 2012) Team 5</a:t>
+            </a:r>
+            <a:endParaRPr lang="de-DE" dirty="0"/>
+          </a:p>
+        </p:txBody>
+      </p:sp>
+      <p:sp>
+        <p:nvSpPr>
+          <p:cNvPr id="6" name="Foliennummernplatzhalter 5"/>
+          <p:cNvSpPr>
+            <a:spLocks noGrp="1"/>
+          </p:cNvSpPr>
+          <p:nvPr>
+            <p:ph type="sldNum" sz="quarter" idx="12"/>
+          </p:nvPr>
+        </p:nvSpPr>
+        <p:spPr/>
+        <p:txBody>
+          <a:bodyPr/>
+          <a:lstStyle/>
+          <a:p>
+            <a:fld id="{990B41CA-569D-40E7-8E58-026C0338B2C8}" type="slidenum">
+              <a:rPr lang="en-US" smtClean="0"/>
+              <a:pPr/>
+              <a:t>22</a:t>
             </a:fld>
             <a:endParaRPr lang="en-US"/>
           </a:p>
@@ -12516,171 +12561,20 @@
     </p:spTree>
     <p:extLst>
       <p:ext uri="{BB962C8B-B14F-4D97-AF65-F5344CB8AC3E}">
-        <p14:creationId xmlns="" xmlns:p14="http://schemas.microsoft.com/office/powerpoint/2010/main" val="141785747"/>
+        <p14:creationId xmlns:p14="http://schemas.microsoft.com/office/powerpoint/2010/main" xmlns="" val="141785747"/>
       </p:ext>
     </p:extLst>
   </p:cSld>
   <p:clrMapOvr>
     <a:masterClrMapping/>
   </p:clrMapOvr>
-</p:sld>
-</file>
-
-<file path=ppt/slides/slide22.xml><?xml version="1.0" encoding="utf-8"?>
-<p:sld xmlns:a="http://schemas.openxmlformats.org/drawingml/2006/main" xmlns:r="http://schemas.openxmlformats.org/officeDocument/2006/relationships" xmlns:p="http://schemas.openxmlformats.org/presentationml/2006/main">
-  <p:cSld>
-    <p:spTree>
-      <p:nvGrpSpPr>
-        <p:cNvPr id="1" name=""/>
-        <p:cNvGrpSpPr/>
-        <p:nvPr/>
-      </p:nvGrpSpPr>
-      <p:grpSpPr>
-        <a:xfrm>
-          <a:off x="0" y="0"/>
-          <a:ext cx="0" cy="0"/>
-          <a:chOff x="0" y="0"/>
-          <a:chExt cx="0" cy="0"/>
-        </a:xfrm>
-      </p:grpSpPr>
-      <p:sp>
-        <p:nvSpPr>
-          <p:cNvPr id="2" name="Titel 1"/>
-          <p:cNvSpPr>
-            <a:spLocks noGrp="1"/>
-          </p:cNvSpPr>
-          <p:nvPr>
-            <p:ph type="title"/>
-          </p:nvPr>
-        </p:nvSpPr>
-        <p:spPr/>
-        <p:txBody>
-          <a:bodyPr>
-            <a:normAutofit/>
-          </a:bodyPr>
-          <a:lstStyle/>
-          <a:p>
-            <a:r>
-              <a:rPr lang="de-DE" dirty="0" smtClean="0"/>
-              <a:t>Sequenzdiagramm Spring </a:t>
-            </a:r>
-            <a:r>
-              <a:rPr lang="de-DE" dirty="0" err="1" smtClean="0"/>
-              <a:t>Roo</a:t>
-            </a:r>
-            <a:endParaRPr lang="de-DE" dirty="0"/>
-          </a:p>
-        </p:txBody>
-      </p:sp>
-      <p:sp>
-        <p:nvSpPr>
-          <p:cNvPr id="10" name="Inhaltsplatzhalter 9"/>
-          <p:cNvSpPr>
-            <a:spLocks noGrp="1"/>
-          </p:cNvSpPr>
-          <p:nvPr>
-            <p:ph idx="1"/>
-          </p:nvPr>
-        </p:nvSpPr>
-        <p:spPr/>
-        <p:txBody>
-          <a:bodyPr/>
-          <a:lstStyle/>
-          <a:p>
-            <a:r>
-              <a:rPr lang="de-DE" dirty="0" smtClean="0"/>
-              <a:t>Für den Login</a:t>
-            </a:r>
-          </a:p>
-          <a:p>
-            <a:pPr lvl="1"/>
-            <a:r>
-              <a:rPr lang="de-DE" dirty="0" smtClean="0"/>
-              <a:t>Durchgriff auf </a:t>
-            </a:r>
-            <a:r>
-              <a:rPr lang="de-DE" dirty="0" err="1" smtClean="0"/>
-              <a:t>Twitter</a:t>
-            </a:r>
-            <a:endParaRPr lang="de-DE" dirty="0"/>
-          </a:p>
-        </p:txBody>
-      </p:sp>
-      <p:sp>
-        <p:nvSpPr>
-          <p:cNvPr id="7" name="Datumsplatzhalter 6"/>
-          <p:cNvSpPr>
-            <a:spLocks noGrp="1"/>
-          </p:cNvSpPr>
-          <p:nvPr>
-            <p:ph type="dt" sz="half" idx="10"/>
-          </p:nvPr>
-        </p:nvSpPr>
-        <p:spPr/>
-        <p:txBody>
-          <a:bodyPr/>
-          <a:lstStyle/>
-          <a:p>
-            <a:r>
-              <a:rPr lang="de-DE" smtClean="0"/>
-              <a:t>21.04.2012</a:t>
-            </a:r>
-            <a:endParaRPr lang="en-US"/>
-          </a:p>
-        </p:txBody>
-      </p:sp>
-      <p:sp>
-        <p:nvSpPr>
-          <p:cNvPr id="8" name="Fußzeilenplatzhalter 7"/>
-          <p:cNvSpPr>
-            <a:spLocks noGrp="1"/>
-          </p:cNvSpPr>
-          <p:nvPr>
-            <p:ph type="ftr" sz="quarter" idx="11"/>
-          </p:nvPr>
-        </p:nvSpPr>
-        <p:spPr/>
-        <p:txBody>
-          <a:bodyPr/>
-          <a:lstStyle/>
-          <a:p>
-            <a:r>
-              <a:rPr lang="de-DE" smtClean="0"/>
-              <a:t>FST Projekt "Eventalizer" (SS 2012) Team 5</a:t>
-            </a:r>
-            <a:endParaRPr lang="de-DE" dirty="0"/>
-          </a:p>
-        </p:txBody>
-      </p:sp>
-      <p:sp>
-        <p:nvSpPr>
-          <p:cNvPr id="9" name="Foliennummernplatzhalter 8"/>
-          <p:cNvSpPr>
-            <a:spLocks noGrp="1"/>
-          </p:cNvSpPr>
-          <p:nvPr>
-            <p:ph type="sldNum" sz="quarter" idx="12"/>
-          </p:nvPr>
-        </p:nvSpPr>
-        <p:spPr/>
-        <p:txBody>
-          <a:bodyPr/>
-          <a:lstStyle/>
-          <a:p>
-            <a:fld id="{990B41CA-569D-40E7-8E58-026C0338B2C8}" type="slidenum">
-              <a:rPr lang="en-US" smtClean="0"/>
-              <a:pPr/>
-              <a:t>22</a:t>
-            </a:fld>
-            <a:endParaRPr lang="en-US"/>
-          </a:p>
-        </p:txBody>
-      </p:sp>
-    </p:spTree>
-  </p:cSld>
-  <p:clrMapOvr>
-    <a:masterClrMapping/>
-  </p:clrMapOvr>
+  <p:timing>
+    <p:tnLst>
+      <p:par>
+        <p:cTn id="1" dur="indefinite" restart="never" nodeType="tmRoot"/>
+      </p:par>
+    </p:tnLst>
+  </p:timing>
 </p:sld>
 </file>
 
@@ -12703,7 +12597,7 @@
       </p:grpSpPr>
       <p:sp>
         <p:nvSpPr>
-          <p:cNvPr id="10" name="Titel 9"/>
+          <p:cNvPr id="2" name="Titel 1"/>
           <p:cNvSpPr>
             <a:spLocks noGrp="1"/>
           </p:cNvSpPr>
@@ -12713,12 +12607,18 @@
         </p:nvSpPr>
         <p:spPr/>
         <p:txBody>
-          <a:bodyPr/>
-          <a:lstStyle/>
-          <a:p>
+          <a:bodyPr>
+            <a:normAutofit/>
+          </a:bodyPr>
+          <a:lstStyle/>
+          <a:p>
+            <a:r>
+              <a:rPr lang="de-DE" dirty="0" smtClean="0"/>
+              <a:t>Sequenzdiagramm Spring </a:t>
+            </a:r>
             <a:r>
               <a:rPr lang="de-DE" dirty="0" err="1" smtClean="0"/>
-              <a:t>LiveDemo</a:t>
+              <a:t>Roo</a:t>
             </a:r>
             <a:endParaRPr lang="de-DE" dirty="0"/>
           </a:p>
@@ -12726,33 +12626,33 @@
       </p:sp>
       <p:sp>
         <p:nvSpPr>
-          <p:cNvPr id="11" name="Textplatzhalter 10"/>
-          <p:cNvSpPr>
-            <a:spLocks noGrp="1"/>
-          </p:cNvSpPr>
-          <p:nvPr>
-            <p:ph type="body" idx="1"/>
-          </p:nvPr>
-        </p:nvSpPr>
-        <p:spPr/>
-        <p:txBody>
-          <a:bodyPr/>
-          <a:lstStyle/>
-          <a:p>
-            <a:r>
-              <a:rPr lang="de-DE" dirty="0" smtClean="0"/>
-              <a:t>Anmelden (Login) via </a:t>
+          <p:cNvPr id="10" name="Inhaltsplatzhalter 9"/>
+          <p:cNvSpPr>
+            <a:spLocks noGrp="1"/>
+          </p:cNvSpPr>
+          <p:nvPr>
+            <p:ph idx="1"/>
+          </p:nvPr>
+        </p:nvSpPr>
+        <p:spPr/>
+        <p:txBody>
+          <a:bodyPr/>
+          <a:lstStyle/>
+          <a:p>
+            <a:r>
+              <a:rPr lang="de-DE" dirty="0" smtClean="0"/>
+              <a:t>Für den Login</a:t>
+            </a:r>
+          </a:p>
+          <a:p>
+            <a:pPr lvl="1"/>
+            <a:r>
+              <a:rPr lang="de-DE" dirty="0" smtClean="0"/>
+              <a:t>Durchgriff auf </a:t>
             </a:r>
             <a:r>
               <a:rPr lang="de-DE" dirty="0" err="1" smtClean="0"/>
               <a:t>Twitter</a:t>
-            </a:r>
-            <a:endParaRPr lang="de-DE" dirty="0"/>
-          </a:p>
-          <a:p>
-            <a:r>
-              <a:rPr lang="de-DE" dirty="0" smtClean="0"/>
-              <a:t>Event organisieren</a:t>
             </a:r>
             <a:endParaRPr lang="de-DE" dirty="0"/>
           </a:p>
@@ -12829,15 +12729,17 @@
         </p:txBody>
       </p:sp>
     </p:spTree>
-    <p:extLst>
-      <p:ext uri="{BB962C8B-B14F-4D97-AF65-F5344CB8AC3E}">
-        <p14:creationId xmlns="" xmlns:p14="http://schemas.microsoft.com/office/powerpoint/2010/main" val="2634211947"/>
-      </p:ext>
-    </p:extLst>
   </p:cSld>
   <p:clrMapOvr>
     <a:masterClrMapping/>
   </p:clrMapOvr>
+  <p:timing>
+    <p:tnLst>
+      <p:par>
+        <p:cTn id="1" dur="indefinite" restart="never" nodeType="tmRoot"/>
+      </p:par>
+    </p:tnLst>
+  </p:timing>
 </p:sld>
 </file>
 
@@ -12860,7 +12762,7 @@
       </p:grpSpPr>
       <p:sp>
         <p:nvSpPr>
-          <p:cNvPr id="2" name="Titel 1"/>
+          <p:cNvPr id="10" name="Titel 9"/>
           <p:cNvSpPr>
             <a:spLocks noGrp="1"/>
           </p:cNvSpPr>
@@ -12870,21 +12772,12 @@
         </p:nvSpPr>
         <p:spPr/>
         <p:txBody>
-          <a:bodyPr>
-            <a:normAutofit fontScale="90000"/>
-          </a:bodyPr>
-          <a:lstStyle/>
-          <a:p>
-            <a:r>
-              <a:rPr lang="de-DE" dirty="0" smtClean="0"/>
-              <a:t>Domänenklassendiagramm -</a:t>
-            </a:r>
-            <a:br>
-              <a:rPr lang="de-DE" dirty="0" smtClean="0"/>
-            </a:br>
-            <a:r>
-              <a:rPr lang="de-DE" dirty="0" smtClean="0"/>
-              <a:t>Event</a:t>
+          <a:bodyPr/>
+          <a:lstStyle/>
+          <a:p>
+            <a:r>
+              <a:rPr lang="de-DE" dirty="0" err="1" smtClean="0"/>
+              <a:t>LiveDemo</a:t>
             </a:r>
             <a:endParaRPr lang="de-DE" dirty="0"/>
           </a:p>
@@ -12892,36 +12785,41 @@
       </p:sp>
       <p:sp>
         <p:nvSpPr>
-          <p:cNvPr id="3" name="Inhaltsplatzhalter 2"/>
-          <p:cNvSpPr>
-            <a:spLocks noGrp="1"/>
-          </p:cNvSpPr>
-          <p:nvPr>
-            <p:ph idx="1"/>
-          </p:nvPr>
-        </p:nvSpPr>
-        <p:spPr/>
-        <p:txBody>
-          <a:bodyPr/>
-          <a:lstStyle/>
-          <a:p>
-            <a:r>
-              <a:rPr lang="de-DE" dirty="0" smtClean="0"/>
-              <a:t>Kurz: Domänenklassendiagramm vorstellen</a:t>
-            </a:r>
-          </a:p>
-          <a:p>
-            <a:r>
-              <a:rPr lang="de-DE" dirty="0" smtClean="0"/>
-              <a:t>Danach DB Schema als Ableitung davon</a:t>
+          <p:cNvPr id="11" name="Textplatzhalter 10"/>
+          <p:cNvSpPr>
+            <a:spLocks noGrp="1"/>
+          </p:cNvSpPr>
+          <p:nvPr>
+            <p:ph type="body" idx="1"/>
+          </p:nvPr>
+        </p:nvSpPr>
+        <p:spPr/>
+        <p:txBody>
+          <a:bodyPr/>
+          <a:lstStyle/>
+          <a:p>
+            <a:r>
+              <a:rPr lang="de-DE" dirty="0" smtClean="0"/>
+              <a:t>Anmelden (Login) via </a:t>
+            </a:r>
+            <a:r>
+              <a:rPr lang="de-DE" dirty="0" err="1" smtClean="0"/>
+              <a:t>Twitter</a:t>
             </a:r>
             <a:endParaRPr lang="de-DE" dirty="0"/>
           </a:p>
-        </p:txBody>
-      </p:sp>
-      <p:sp>
-        <p:nvSpPr>
-          <p:cNvPr id="4" name="Datumsplatzhalter 3"/>
+          <a:p>
+            <a:r>
+              <a:rPr lang="de-DE" dirty="0" smtClean="0"/>
+              <a:t>Event organisieren</a:t>
+            </a:r>
+            <a:endParaRPr lang="de-DE" dirty="0"/>
+          </a:p>
+        </p:txBody>
+      </p:sp>
+      <p:sp>
+        <p:nvSpPr>
+          <p:cNvPr id="7" name="Datumsplatzhalter 6"/>
           <p:cNvSpPr>
             <a:spLocks noGrp="1"/>
           </p:cNvSpPr>
@@ -12944,7 +12842,7 @@
       </p:sp>
       <p:sp>
         <p:nvSpPr>
-          <p:cNvPr id="5" name="Fußzeilenplatzhalter 4"/>
+          <p:cNvPr id="8" name="Fußzeilenplatzhalter 7"/>
           <p:cNvSpPr>
             <a:spLocks noGrp="1"/>
           </p:cNvSpPr>
@@ -12967,7 +12865,7 @@
       </p:sp>
       <p:sp>
         <p:nvSpPr>
-          <p:cNvPr id="6" name="Foliennummernplatzhalter 5"/>
+          <p:cNvPr id="9" name="Foliennummernplatzhalter 8"/>
           <p:cNvSpPr>
             <a:spLocks noGrp="1"/>
           </p:cNvSpPr>
@@ -12992,13 +12890,20 @@
     </p:spTree>
     <p:extLst>
       <p:ext uri="{BB962C8B-B14F-4D97-AF65-F5344CB8AC3E}">
-        <p14:creationId xmlns="" xmlns:p14="http://schemas.microsoft.com/office/powerpoint/2010/main" val="3243626544"/>
+        <p14:creationId xmlns:p14="http://schemas.microsoft.com/office/powerpoint/2010/main" xmlns="" val="2634211947"/>
       </p:ext>
     </p:extLst>
   </p:cSld>
   <p:clrMapOvr>
     <a:masterClrMapping/>
   </p:clrMapOvr>
+  <p:timing>
+    <p:tnLst>
+      <p:par>
+        <p:cTn id="1" dur="indefinite" restart="never" nodeType="tmRoot"/>
+      </p:par>
+    </p:tnLst>
+  </p:timing>
 </p:sld>
 </file>
 
@@ -13053,6 +12958,35 @@
       </p:sp>
       <p:sp>
         <p:nvSpPr>
+          <p:cNvPr id="3" name="Inhaltsplatzhalter 2"/>
+          <p:cNvSpPr>
+            <a:spLocks noGrp="1"/>
+          </p:cNvSpPr>
+          <p:nvPr>
+            <p:ph idx="1"/>
+          </p:nvPr>
+        </p:nvSpPr>
+        <p:spPr/>
+        <p:txBody>
+          <a:bodyPr/>
+          <a:lstStyle/>
+          <a:p>
+            <a:r>
+              <a:rPr lang="de-DE" dirty="0" smtClean="0"/>
+              <a:t>Kurz: Domänenklassendiagramm vorstellen</a:t>
+            </a:r>
+          </a:p>
+          <a:p>
+            <a:r>
+              <a:rPr lang="de-DE" dirty="0" smtClean="0"/>
+              <a:t>Danach DB Schema als Ableitung davon</a:t>
+            </a:r>
+            <a:endParaRPr lang="de-DE" dirty="0"/>
+          </a:p>
+        </p:txBody>
+      </p:sp>
+      <p:sp>
+        <p:nvSpPr>
           <p:cNvPr id="4" name="Datumsplatzhalter 3"/>
           <p:cNvSpPr>
             <a:spLocks noGrp="1"/>
@@ -13116,6 +13050,145 @@
               <a:rPr lang="en-US" smtClean="0"/>
               <a:pPr/>
               <a:t>25</a:t>
+            </a:fld>
+            <a:endParaRPr lang="en-US"/>
+          </a:p>
+        </p:txBody>
+      </p:sp>
+    </p:spTree>
+    <p:extLst>
+      <p:ext uri="{BB962C8B-B14F-4D97-AF65-F5344CB8AC3E}">
+        <p14:creationId xmlns:p14="http://schemas.microsoft.com/office/powerpoint/2010/main" xmlns="" val="3243626544"/>
+      </p:ext>
+    </p:extLst>
+  </p:cSld>
+  <p:clrMapOvr>
+    <a:masterClrMapping/>
+  </p:clrMapOvr>
+  <p:timing>
+    <p:tnLst>
+      <p:par>
+        <p:cTn id="1" dur="indefinite" restart="never" nodeType="tmRoot"/>
+      </p:par>
+    </p:tnLst>
+  </p:timing>
+</p:sld>
+</file>
+
+<file path=ppt/slides/slide26.xml><?xml version="1.0" encoding="utf-8"?>
+<p:sld xmlns:a="http://schemas.openxmlformats.org/drawingml/2006/main" xmlns:r="http://schemas.openxmlformats.org/officeDocument/2006/relationships" xmlns:p="http://schemas.openxmlformats.org/presentationml/2006/main">
+  <p:cSld>
+    <p:spTree>
+      <p:nvGrpSpPr>
+        <p:cNvPr id="1" name=""/>
+        <p:cNvGrpSpPr/>
+        <p:nvPr/>
+      </p:nvGrpSpPr>
+      <p:grpSpPr>
+        <a:xfrm>
+          <a:off x="0" y="0"/>
+          <a:ext cx="0" cy="0"/>
+          <a:chOff x="0" y="0"/>
+          <a:chExt cx="0" cy="0"/>
+        </a:xfrm>
+      </p:grpSpPr>
+      <p:sp>
+        <p:nvSpPr>
+          <p:cNvPr id="2" name="Titel 1"/>
+          <p:cNvSpPr>
+            <a:spLocks noGrp="1"/>
+          </p:cNvSpPr>
+          <p:nvPr>
+            <p:ph type="title"/>
+          </p:nvPr>
+        </p:nvSpPr>
+        <p:spPr/>
+        <p:txBody>
+          <a:bodyPr>
+            <a:normAutofit fontScale="90000"/>
+          </a:bodyPr>
+          <a:lstStyle/>
+          <a:p>
+            <a:r>
+              <a:rPr lang="de-DE" dirty="0" smtClean="0"/>
+              <a:t>Domänenklassendiagramm -</a:t>
+            </a:r>
+            <a:br>
+              <a:rPr lang="de-DE" dirty="0" smtClean="0"/>
+            </a:br>
+            <a:r>
+              <a:rPr lang="de-DE" dirty="0" smtClean="0"/>
+              <a:t>Event</a:t>
+            </a:r>
+            <a:endParaRPr lang="de-DE" dirty="0"/>
+          </a:p>
+        </p:txBody>
+      </p:sp>
+      <p:sp>
+        <p:nvSpPr>
+          <p:cNvPr id="4" name="Datumsplatzhalter 3"/>
+          <p:cNvSpPr>
+            <a:spLocks noGrp="1"/>
+          </p:cNvSpPr>
+          <p:nvPr>
+            <p:ph type="dt" sz="half" idx="10"/>
+          </p:nvPr>
+        </p:nvSpPr>
+        <p:spPr/>
+        <p:txBody>
+          <a:bodyPr/>
+          <a:lstStyle/>
+          <a:p>
+            <a:r>
+              <a:rPr lang="de-DE" smtClean="0"/>
+              <a:t>21.04.2012</a:t>
+            </a:r>
+            <a:endParaRPr lang="en-US"/>
+          </a:p>
+        </p:txBody>
+      </p:sp>
+      <p:sp>
+        <p:nvSpPr>
+          <p:cNvPr id="5" name="Fußzeilenplatzhalter 4"/>
+          <p:cNvSpPr>
+            <a:spLocks noGrp="1"/>
+          </p:cNvSpPr>
+          <p:nvPr>
+            <p:ph type="ftr" sz="quarter" idx="11"/>
+          </p:nvPr>
+        </p:nvSpPr>
+        <p:spPr/>
+        <p:txBody>
+          <a:bodyPr/>
+          <a:lstStyle/>
+          <a:p>
+            <a:r>
+              <a:rPr lang="de-DE" smtClean="0"/>
+              <a:t>FST Projekt "Eventalizer" (SS 2012) Team 5</a:t>
+            </a:r>
+            <a:endParaRPr lang="de-DE" dirty="0"/>
+          </a:p>
+        </p:txBody>
+      </p:sp>
+      <p:sp>
+        <p:nvSpPr>
+          <p:cNvPr id="6" name="Foliennummernplatzhalter 5"/>
+          <p:cNvSpPr>
+            <a:spLocks noGrp="1"/>
+          </p:cNvSpPr>
+          <p:nvPr>
+            <p:ph type="sldNum" sz="quarter" idx="12"/>
+          </p:nvPr>
+        </p:nvSpPr>
+        <p:spPr/>
+        <p:txBody>
+          <a:bodyPr/>
+          <a:lstStyle/>
+          <a:p>
+            <a:fld id="{990B41CA-569D-40E7-8E58-026C0338B2C8}" type="slidenum">
+              <a:rPr lang="en-US" smtClean="0"/>
+              <a:pPr/>
+              <a:t>26</a:t>
             </a:fld>
             <a:endParaRPr lang="en-US"/>
           </a:p>
@@ -13158,10 +13231,17 @@
   <p:clrMapOvr>
     <a:masterClrMapping/>
   </p:clrMapOvr>
+  <p:timing>
+    <p:tnLst>
+      <p:par>
+        <p:cTn id="1" dur="indefinite" restart="never" nodeType="tmRoot"/>
+      </p:par>
+    </p:tnLst>
+  </p:timing>
 </p:sld>
 </file>
 
-<file path=ppt/slides/slide26.xml><?xml version="1.0" encoding="utf-8"?>
+<file path=ppt/slides/slide27.xml><?xml version="1.0" encoding="utf-8"?>
 <p:sld xmlns:a="http://schemas.openxmlformats.org/drawingml/2006/main" xmlns:r="http://schemas.openxmlformats.org/officeDocument/2006/relationships" xmlns:p="http://schemas.openxmlformats.org/presentationml/2006/main">
   <p:cSld>
     <p:spTree>
@@ -13298,7 +13378,7 @@
             <a:fld id="{990B41CA-569D-40E7-8E58-026C0338B2C8}" type="slidenum">
               <a:rPr lang="en-US" smtClean="0"/>
               <a:pPr/>
-              <a:t>26</a:t>
+              <a:t>27</a:t>
             </a:fld>
             <a:endParaRPr lang="en-US"/>
           </a:p>
@@ -13307,17 +13387,24 @@
     </p:spTree>
     <p:extLst>
       <p:ext uri="{BB962C8B-B14F-4D97-AF65-F5344CB8AC3E}">
-        <p14:creationId xmlns="" xmlns:p14="http://schemas.microsoft.com/office/powerpoint/2010/main" val="3243626544"/>
+        <p14:creationId xmlns:p14="http://schemas.microsoft.com/office/powerpoint/2010/main" xmlns="" val="3243626544"/>
       </p:ext>
     </p:extLst>
   </p:cSld>
   <p:clrMapOvr>
     <a:masterClrMapping/>
   </p:clrMapOvr>
+  <p:timing>
+    <p:tnLst>
+      <p:par>
+        <p:cTn id="1" dur="indefinite" restart="never" nodeType="tmRoot"/>
+      </p:par>
+    </p:tnLst>
+  </p:timing>
 </p:sld>
 </file>
 
-<file path=ppt/slides/slide27.xml><?xml version="1.0" encoding="utf-8"?>
+<file path=ppt/slides/slide28.xml><?xml version="1.0" encoding="utf-8"?>
 <p:sld xmlns:a="http://schemas.openxmlformats.org/drawingml/2006/main" xmlns:r="http://schemas.openxmlformats.org/officeDocument/2006/relationships" xmlns:p="http://schemas.openxmlformats.org/presentationml/2006/main">
   <p:cSld>
     <p:spTree>
@@ -13502,7 +13589,7 @@
             <a:fld id="{990B41CA-569D-40E7-8E58-026C0338B2C8}" type="slidenum">
               <a:rPr lang="en-US" smtClean="0"/>
               <a:pPr/>
-              <a:t>27</a:t>
+              <a:t>28</a:t>
             </a:fld>
             <a:endParaRPr lang="en-US"/>
           </a:p>
@@ -13814,7 +13901,7 @@
     </p:spTree>
     <p:extLst>
       <p:ext uri="{BB962C8B-B14F-4D97-AF65-F5344CB8AC3E}">
-        <p14:creationId xmlns="" xmlns:p14="http://schemas.microsoft.com/office/powerpoint/2010/main" val="3243626544"/>
+        <p14:creationId xmlns:p14="http://schemas.microsoft.com/office/powerpoint/2010/main" xmlns="" val="3243626544"/>
       </p:ext>
     </p:extLst>
   </p:cSld>
@@ -13831,7 +13918,7 @@
 </p:sld>
 </file>
 
-<file path=ppt/slides/slide28.xml><?xml version="1.0" encoding="utf-8"?>
+<file path=ppt/slides/slide29.xml><?xml version="1.0" encoding="utf-8"?>
 <p:sld xmlns:a="http://schemas.openxmlformats.org/drawingml/2006/main" xmlns:r="http://schemas.openxmlformats.org/officeDocument/2006/relationships" xmlns:p="http://schemas.openxmlformats.org/presentationml/2006/main">
   <p:cSld>
     <p:spTree>
@@ -14016,7 +14103,7 @@
             <a:fld id="{990B41CA-569D-40E7-8E58-026C0338B2C8}" type="slidenum">
               <a:rPr lang="en-US" smtClean="0"/>
               <a:pPr/>
-              <a:t>28</a:t>
+              <a:t>29</a:t>
             </a:fld>
             <a:endParaRPr lang="en-US"/>
           </a:p>
@@ -14328,7 +14415,7 @@
     </p:spTree>
     <p:extLst>
       <p:ext uri="{BB962C8B-B14F-4D97-AF65-F5344CB8AC3E}">
-        <p14:creationId xmlns="" xmlns:p14="http://schemas.microsoft.com/office/powerpoint/2010/main" val="3243626544"/>
+        <p14:creationId xmlns:p14="http://schemas.microsoft.com/office/powerpoint/2010/main" xmlns="" val="3243626544"/>
       </p:ext>
     </p:extLst>
   </p:cSld>
@@ -14345,7 +14432,301 @@
 </p:sld>
 </file>
 
-<file path=ppt/slides/slide29.xml><?xml version="1.0" encoding="utf-8"?>
+<file path=ppt/slides/slide3.xml><?xml version="1.0" encoding="utf-8"?>
+<p:sld xmlns:a="http://schemas.openxmlformats.org/drawingml/2006/main" xmlns:r="http://schemas.openxmlformats.org/officeDocument/2006/relationships" xmlns:p="http://schemas.openxmlformats.org/presentationml/2006/main" show="0">
+  <p:cSld>
+    <p:spTree>
+      <p:nvGrpSpPr>
+        <p:cNvPr id="1" name=""/>
+        <p:cNvGrpSpPr/>
+        <p:nvPr/>
+      </p:nvGrpSpPr>
+      <p:grpSpPr>
+        <a:xfrm>
+          <a:off x="0" y="0"/>
+          <a:ext cx="0" cy="0"/>
+          <a:chOff x="0" y="0"/>
+          <a:chExt cx="0" cy="0"/>
+        </a:xfrm>
+      </p:grpSpPr>
+      <p:sp>
+        <p:nvSpPr>
+          <p:cNvPr id="2" name="Titel 1"/>
+          <p:cNvSpPr>
+            <a:spLocks noGrp="1"/>
+          </p:cNvSpPr>
+          <p:nvPr>
+            <p:ph type="title"/>
+          </p:nvPr>
+        </p:nvSpPr>
+        <p:spPr/>
+        <p:txBody>
+          <a:bodyPr/>
+          <a:lstStyle/>
+          <a:p>
+            <a:pPr algn="l"/>
+            <a:r>
+              <a:rPr lang="de-DE" dirty="0" smtClean="0"/>
+              <a:t>Agenda</a:t>
+            </a:r>
+            <a:endParaRPr lang="de-DE" dirty="0"/>
+          </a:p>
+        </p:txBody>
+      </p:sp>
+      <p:sp>
+        <p:nvSpPr>
+          <p:cNvPr id="3" name="Inhaltsplatzhalter 2"/>
+          <p:cNvSpPr>
+            <a:spLocks noGrp="1"/>
+          </p:cNvSpPr>
+          <p:nvPr>
+            <p:ph idx="1"/>
+          </p:nvPr>
+        </p:nvSpPr>
+        <p:spPr/>
+        <p:txBody>
+          <a:bodyPr>
+            <a:noAutofit/>
+          </a:bodyPr>
+          <a:lstStyle/>
+          <a:p>
+            <a:r>
+              <a:rPr lang="de-DE" dirty="0" smtClean="0"/>
+              <a:t>SW-Entwicklungsprozess (vertikale </a:t>
+            </a:r>
+            <a:r>
+              <a:rPr lang="de-DE" dirty="0"/>
+              <a:t>Umsetzung)</a:t>
+            </a:r>
+            <a:endParaRPr lang="de-DE" dirty="0" smtClean="0"/>
+          </a:p>
+          <a:p>
+            <a:pPr lvl="1"/>
+            <a:r>
+              <a:rPr lang="de-DE" dirty="0" smtClean="0"/>
+              <a:t>Funktionale Anforderungen</a:t>
+            </a:r>
+          </a:p>
+          <a:p>
+            <a:pPr lvl="2"/>
+            <a:r>
+              <a:rPr lang="de-DE" dirty="0" smtClean="0"/>
+              <a:t>Login</a:t>
+            </a:r>
+          </a:p>
+          <a:p>
+            <a:pPr lvl="3"/>
+            <a:r>
+              <a:rPr lang="de-DE" dirty="0" smtClean="0"/>
+              <a:t>LH -&gt; PH (</a:t>
+            </a:r>
+            <a:r>
+              <a:rPr lang="de-DE" dirty="0" err="1" smtClean="0"/>
+              <a:t>Mockup</a:t>
+            </a:r>
+            <a:r>
+              <a:rPr lang="de-DE" dirty="0" smtClean="0"/>
+              <a:t>, Aktivitätsdiagramm, Sequenz) -&gt; Live</a:t>
+            </a:r>
+          </a:p>
+          <a:p>
+            <a:pPr lvl="2"/>
+            <a:r>
+              <a:rPr lang="de-DE" dirty="0" smtClean="0"/>
+              <a:t>Event organisieren</a:t>
+            </a:r>
+          </a:p>
+          <a:p>
+            <a:pPr lvl="2"/>
+            <a:r>
+              <a:rPr lang="de-DE" dirty="0" smtClean="0"/>
+              <a:t>Live Demo Detailkonzept</a:t>
+            </a:r>
+          </a:p>
+          <a:p>
+            <a:pPr lvl="2"/>
+            <a:r>
+              <a:rPr lang="de-DE" dirty="0" smtClean="0"/>
+              <a:t>Domänenklassendiagramm Datenbank-Schema</a:t>
+            </a:r>
+          </a:p>
+          <a:p>
+            <a:pPr lvl="1"/>
+            <a:r>
+              <a:rPr lang="de-DE" dirty="0" smtClean="0"/>
+              <a:t>Qualitätsanforderungen</a:t>
+            </a:r>
+          </a:p>
+          <a:p>
+            <a:pPr lvl="1"/>
+            <a:r>
+              <a:rPr lang="de-DE" dirty="0" smtClean="0"/>
+              <a:t>Abnahmekriterien</a:t>
+            </a:r>
+          </a:p>
+          <a:p>
+            <a:r>
+              <a:rPr lang="de-DE" dirty="0" smtClean="0"/>
+              <a:t>Weitere Projektplanung und Ausblick</a:t>
+            </a:r>
+          </a:p>
+          <a:p>
+            <a:pPr marL="82296" indent="0">
+              <a:buNone/>
+            </a:pPr>
+            <a:endParaRPr lang="de-DE" dirty="0"/>
+          </a:p>
+        </p:txBody>
+      </p:sp>
+      <p:sp>
+        <p:nvSpPr>
+          <p:cNvPr id="4" name="Datumsplatzhalter 3"/>
+          <p:cNvSpPr>
+            <a:spLocks noGrp="1"/>
+          </p:cNvSpPr>
+          <p:nvPr>
+            <p:ph type="dt" sz="half" idx="10"/>
+          </p:nvPr>
+        </p:nvSpPr>
+        <p:spPr/>
+        <p:txBody>
+          <a:bodyPr/>
+          <a:lstStyle/>
+          <a:p>
+            <a:r>
+              <a:rPr lang="de-DE" smtClean="0"/>
+              <a:t>21.04.2012</a:t>
+            </a:r>
+            <a:endParaRPr lang="de-DE" dirty="0"/>
+          </a:p>
+        </p:txBody>
+      </p:sp>
+      <p:sp>
+        <p:nvSpPr>
+          <p:cNvPr id="6" name="Fußzeilenplatzhalter 5"/>
+          <p:cNvSpPr>
+            <a:spLocks noGrp="1"/>
+          </p:cNvSpPr>
+          <p:nvPr>
+            <p:ph type="ftr" sz="quarter" idx="11"/>
+          </p:nvPr>
+        </p:nvSpPr>
+        <p:spPr/>
+        <p:txBody>
+          <a:bodyPr/>
+          <a:lstStyle/>
+          <a:p>
+            <a:r>
+              <a:rPr lang="de-DE" dirty="0" smtClean="0"/>
+              <a:t>FST Projekt "</a:t>
+            </a:r>
+            <a:r>
+              <a:rPr lang="de-DE" dirty="0" err="1" smtClean="0"/>
+              <a:t>Eventalizer</a:t>
+            </a:r>
+            <a:r>
+              <a:rPr lang="de-DE" dirty="0" smtClean="0"/>
+              <a:t>" (SS 2012) Team 5</a:t>
+            </a:r>
+            <a:endParaRPr lang="de-DE" dirty="0"/>
+          </a:p>
+        </p:txBody>
+      </p:sp>
+      <p:sp>
+        <p:nvSpPr>
+          <p:cNvPr id="5" name="Foliennummernplatzhalter 4"/>
+          <p:cNvSpPr>
+            <a:spLocks noGrp="1"/>
+          </p:cNvSpPr>
+          <p:nvPr>
+            <p:ph type="sldNum" sz="quarter" idx="12"/>
+          </p:nvPr>
+        </p:nvSpPr>
+        <p:spPr/>
+        <p:txBody>
+          <a:bodyPr/>
+          <a:lstStyle/>
+          <a:p>
+            <a:fld id="{6C6AE60A-B69C-4790-82F7-3882EDF23186}" type="slidenum">
+              <a:rPr lang="de-DE" smtClean="0"/>
+              <a:pPr/>
+              <a:t>3</a:t>
+            </a:fld>
+            <a:endParaRPr lang="de-DE" dirty="0"/>
+          </a:p>
+        </p:txBody>
+      </p:sp>
+      <p:pic>
+        <p:nvPicPr>
+          <p:cNvPr id="7" name="Picture 2" descr="http://homepages.internet.lu/pompjeen-kenzeg/Bilder/agenda.jpg"/>
+          <p:cNvPicPr>
+            <a:picLocks noChangeAspect="1" noChangeArrowheads="1"/>
+          </p:cNvPicPr>
+          <p:nvPr/>
+        </p:nvPicPr>
+        <p:blipFill>
+          <a:blip r:embed="rId3" cstate="print"/>
+          <a:srcRect/>
+          <a:stretch>
+            <a:fillRect/>
+          </a:stretch>
+        </p:blipFill>
+        <p:spPr bwMode="auto">
+          <a:xfrm>
+            <a:off x="6249101" y="-315416"/>
+            <a:ext cx="1643074" cy="1825638"/>
+          </a:xfrm>
+          <a:prstGeom prst="roundRect">
+            <a:avLst>
+              <a:gd name="adj" fmla="val 8594"/>
+            </a:avLst>
+          </a:prstGeom>
+          <a:solidFill>
+            <a:srgbClr val="FFFFFF">
+              <a:shade val="85000"/>
+            </a:srgbClr>
+          </a:solidFill>
+          <a:ln>
+            <a:noFill/>
+          </a:ln>
+          <a:effectLst>
+            <a:reflection blurRad="12700" stA="38000" endPos="28000" dist="5000" dir="5400000" sy="-100000" algn="bl" rotWithShape="0"/>
+          </a:effectLst>
+          <a:scene3d>
+            <a:camera prst="perspectiveLeft"/>
+            <a:lightRig rig="threePt" dir="t"/>
+          </a:scene3d>
+        </p:spPr>
+      </p:pic>
+    </p:spTree>
+    <p:extLst>
+      <p:ext uri="{BB962C8B-B14F-4D97-AF65-F5344CB8AC3E}">
+        <p14:creationId xmlns:p14="http://schemas.microsoft.com/office/powerpoint/2010/main" xmlns="" val="2988266106"/>
+      </p:ext>
+    </p:extLst>
+  </p:cSld>
+  <p:clrMapOvr>
+    <a:masterClrMapping/>
+  </p:clrMapOvr>
+  <mc:AlternateContent xmlns:mc="http://schemas.openxmlformats.org/markup-compatibility/2006">
+    <mc:Choice xmlns:p14="http://schemas.microsoft.com/office/powerpoint/2010/main" xmlns="" Requires="p14">
+      <p:transition spd="slow" p14:dur="2000"/>
+    </mc:Choice>
+    <mc:Fallback>
+      <p:transition spd="slow"/>
+    </mc:Fallback>
+  </mc:AlternateContent>
+  <p:timing>
+    <p:tnLst>
+      <p:par>
+        <p:cTn id="1" dur="indefinite" restart="never" nodeType="tmRoot"/>
+      </p:par>
+    </p:tnLst>
+  </p:timing>
+</p:sld>
+</file>
+
+<file path=ppt/slides/slide30.xml><?xml version="1.0" encoding="utf-8"?>
 <p:sld xmlns:a="http://schemas.openxmlformats.org/drawingml/2006/main" xmlns:r="http://schemas.openxmlformats.org/officeDocument/2006/relationships" xmlns:p="http://schemas.openxmlformats.org/presentationml/2006/main">
   <p:cSld>
     <p:spTree>
@@ -14482,7 +14863,7 @@
             <a:fld id="{990B41CA-569D-40E7-8E58-026C0338B2C8}" type="slidenum">
               <a:rPr lang="en-US" smtClean="0"/>
               <a:pPr/>
-              <a:t>29</a:t>
+              <a:t>30</a:t>
             </a:fld>
             <a:endParaRPr lang="en-US"/>
           </a:p>
@@ -14796,300 +15177,13 @@
     </p:spTree>
     <p:extLst>
       <p:ext uri="{BB962C8B-B14F-4D97-AF65-F5344CB8AC3E}">
-        <p14:creationId xmlns="" xmlns:p14="http://schemas.microsoft.com/office/powerpoint/2010/main" val="3243626544"/>
+        <p14:creationId xmlns:p14="http://schemas.microsoft.com/office/powerpoint/2010/main" xmlns="" val="3243626544"/>
       </p:ext>
     </p:extLst>
   </p:cSld>
   <p:clrMapOvr>
     <a:masterClrMapping/>
   </p:clrMapOvr>
-</p:sld>
-</file>
-
-<file path=ppt/slides/slide3.xml><?xml version="1.0" encoding="utf-8"?>
-<p:sld xmlns:a="http://schemas.openxmlformats.org/drawingml/2006/main" xmlns:r="http://schemas.openxmlformats.org/officeDocument/2006/relationships" xmlns:p="http://schemas.openxmlformats.org/presentationml/2006/main" show="0">
-  <p:cSld>
-    <p:spTree>
-      <p:nvGrpSpPr>
-        <p:cNvPr id="1" name=""/>
-        <p:cNvGrpSpPr/>
-        <p:nvPr/>
-      </p:nvGrpSpPr>
-      <p:grpSpPr>
-        <a:xfrm>
-          <a:off x="0" y="0"/>
-          <a:ext cx="0" cy="0"/>
-          <a:chOff x="0" y="0"/>
-          <a:chExt cx="0" cy="0"/>
-        </a:xfrm>
-      </p:grpSpPr>
-      <p:sp>
-        <p:nvSpPr>
-          <p:cNvPr id="2" name="Titel 1"/>
-          <p:cNvSpPr>
-            <a:spLocks noGrp="1"/>
-          </p:cNvSpPr>
-          <p:nvPr>
-            <p:ph type="title"/>
-          </p:nvPr>
-        </p:nvSpPr>
-        <p:spPr/>
-        <p:txBody>
-          <a:bodyPr/>
-          <a:lstStyle/>
-          <a:p>
-            <a:pPr algn="l"/>
-            <a:r>
-              <a:rPr lang="de-DE" dirty="0" smtClean="0"/>
-              <a:t>Agenda</a:t>
-            </a:r>
-            <a:endParaRPr lang="de-DE" dirty="0"/>
-          </a:p>
-        </p:txBody>
-      </p:sp>
-      <p:sp>
-        <p:nvSpPr>
-          <p:cNvPr id="3" name="Inhaltsplatzhalter 2"/>
-          <p:cNvSpPr>
-            <a:spLocks noGrp="1"/>
-          </p:cNvSpPr>
-          <p:nvPr>
-            <p:ph idx="1"/>
-          </p:nvPr>
-        </p:nvSpPr>
-        <p:spPr/>
-        <p:txBody>
-          <a:bodyPr>
-            <a:noAutofit/>
-          </a:bodyPr>
-          <a:lstStyle/>
-          <a:p>
-            <a:r>
-              <a:rPr lang="de-DE" dirty="0" smtClean="0"/>
-              <a:t>SW-Entwicklungsprozess (vertikale </a:t>
-            </a:r>
-            <a:r>
-              <a:rPr lang="de-DE" dirty="0"/>
-              <a:t>Umsetzung)</a:t>
-            </a:r>
-            <a:endParaRPr lang="de-DE" dirty="0" smtClean="0"/>
-          </a:p>
-          <a:p>
-            <a:pPr lvl="1"/>
-            <a:r>
-              <a:rPr lang="de-DE" dirty="0" smtClean="0"/>
-              <a:t>Funktionale Anforderungen</a:t>
-            </a:r>
-          </a:p>
-          <a:p>
-            <a:pPr lvl="2"/>
-            <a:r>
-              <a:rPr lang="de-DE" dirty="0" smtClean="0"/>
-              <a:t>Login</a:t>
-            </a:r>
-          </a:p>
-          <a:p>
-            <a:pPr lvl="3"/>
-            <a:r>
-              <a:rPr lang="de-DE" dirty="0" smtClean="0"/>
-              <a:t>LH -&gt; PH (</a:t>
-            </a:r>
-            <a:r>
-              <a:rPr lang="de-DE" dirty="0" err="1" smtClean="0"/>
-              <a:t>Mockup</a:t>
-            </a:r>
-            <a:r>
-              <a:rPr lang="de-DE" dirty="0" smtClean="0"/>
-              <a:t>, Aktivitätsdiagramm, Sequenz) -&gt; Live</a:t>
-            </a:r>
-          </a:p>
-          <a:p>
-            <a:pPr lvl="2"/>
-            <a:r>
-              <a:rPr lang="de-DE" dirty="0" smtClean="0"/>
-              <a:t>Event organisieren</a:t>
-            </a:r>
-          </a:p>
-          <a:p>
-            <a:pPr lvl="2"/>
-            <a:r>
-              <a:rPr lang="de-DE" dirty="0" smtClean="0"/>
-              <a:t>Live Demo Detailkonzept</a:t>
-            </a:r>
-          </a:p>
-          <a:p>
-            <a:pPr lvl="2"/>
-            <a:r>
-              <a:rPr lang="de-DE" dirty="0" smtClean="0"/>
-              <a:t>Domänenklassendiagramm Datenbank-Schema</a:t>
-            </a:r>
-          </a:p>
-          <a:p>
-            <a:pPr lvl="1"/>
-            <a:r>
-              <a:rPr lang="de-DE" dirty="0" smtClean="0"/>
-              <a:t>Qualitätsanforderungen</a:t>
-            </a:r>
-          </a:p>
-          <a:p>
-            <a:pPr lvl="1"/>
-            <a:r>
-              <a:rPr lang="de-DE" dirty="0" smtClean="0"/>
-              <a:t>Abnahmekriterien</a:t>
-            </a:r>
-          </a:p>
-          <a:p>
-            <a:r>
-              <a:rPr lang="de-DE" dirty="0" smtClean="0"/>
-              <a:t>Weitere Projektplanung und Ausblick</a:t>
-            </a:r>
-          </a:p>
-          <a:p>
-            <a:pPr marL="82296" indent="0">
-              <a:buNone/>
-            </a:pPr>
-            <a:endParaRPr lang="de-DE" dirty="0"/>
-          </a:p>
-        </p:txBody>
-      </p:sp>
-      <p:sp>
-        <p:nvSpPr>
-          <p:cNvPr id="4" name="Datumsplatzhalter 3"/>
-          <p:cNvSpPr>
-            <a:spLocks noGrp="1"/>
-          </p:cNvSpPr>
-          <p:nvPr>
-            <p:ph type="dt" sz="half" idx="10"/>
-          </p:nvPr>
-        </p:nvSpPr>
-        <p:spPr/>
-        <p:txBody>
-          <a:bodyPr/>
-          <a:lstStyle/>
-          <a:p>
-            <a:r>
-              <a:rPr lang="de-DE" smtClean="0"/>
-              <a:t>21.04.2012</a:t>
-            </a:r>
-            <a:endParaRPr lang="de-DE" dirty="0"/>
-          </a:p>
-        </p:txBody>
-      </p:sp>
-      <p:sp>
-        <p:nvSpPr>
-          <p:cNvPr id="6" name="Fußzeilenplatzhalter 5"/>
-          <p:cNvSpPr>
-            <a:spLocks noGrp="1"/>
-          </p:cNvSpPr>
-          <p:nvPr>
-            <p:ph type="ftr" sz="quarter" idx="11"/>
-          </p:nvPr>
-        </p:nvSpPr>
-        <p:spPr/>
-        <p:txBody>
-          <a:bodyPr/>
-          <a:lstStyle/>
-          <a:p>
-            <a:r>
-              <a:rPr lang="de-DE" dirty="0" smtClean="0"/>
-              <a:t>FST Projekt "</a:t>
-            </a:r>
-            <a:r>
-              <a:rPr lang="de-DE" dirty="0" err="1" smtClean="0"/>
-              <a:t>Eventalizer</a:t>
-            </a:r>
-            <a:r>
-              <a:rPr lang="de-DE" dirty="0" smtClean="0"/>
-              <a:t>" (SS 2012) Team 5</a:t>
-            </a:r>
-            <a:endParaRPr lang="de-DE" dirty="0"/>
-          </a:p>
-        </p:txBody>
-      </p:sp>
-      <p:sp>
-        <p:nvSpPr>
-          <p:cNvPr id="5" name="Foliennummernplatzhalter 4"/>
-          <p:cNvSpPr>
-            <a:spLocks noGrp="1"/>
-          </p:cNvSpPr>
-          <p:nvPr>
-            <p:ph type="sldNum" sz="quarter" idx="12"/>
-          </p:nvPr>
-        </p:nvSpPr>
-        <p:spPr/>
-        <p:txBody>
-          <a:bodyPr/>
-          <a:lstStyle/>
-          <a:p>
-            <a:fld id="{6C6AE60A-B69C-4790-82F7-3882EDF23186}" type="slidenum">
-              <a:rPr lang="de-DE" smtClean="0"/>
-              <a:pPr/>
-              <a:t>3</a:t>
-            </a:fld>
-            <a:endParaRPr lang="de-DE" dirty="0"/>
-          </a:p>
-        </p:txBody>
-      </p:sp>
-      <p:pic>
-        <p:nvPicPr>
-          <p:cNvPr id="7" name="Picture 2" descr="http://homepages.internet.lu/pompjeen-kenzeg/Bilder/agenda.jpg"/>
-          <p:cNvPicPr>
-            <a:picLocks noChangeAspect="1" noChangeArrowheads="1"/>
-          </p:cNvPicPr>
-          <p:nvPr/>
-        </p:nvPicPr>
-        <p:blipFill>
-          <a:blip r:embed="rId3" cstate="print"/>
-          <a:srcRect/>
-          <a:stretch>
-            <a:fillRect/>
-          </a:stretch>
-        </p:blipFill>
-        <p:spPr bwMode="auto">
-          <a:xfrm>
-            <a:off x="6249101" y="-315416"/>
-            <a:ext cx="1643074" cy="1825638"/>
-          </a:xfrm>
-          <a:prstGeom prst="roundRect">
-            <a:avLst>
-              <a:gd name="adj" fmla="val 8594"/>
-            </a:avLst>
-          </a:prstGeom>
-          <a:solidFill>
-            <a:srgbClr val="FFFFFF">
-              <a:shade val="85000"/>
-            </a:srgbClr>
-          </a:solidFill>
-          <a:ln>
-            <a:noFill/>
-          </a:ln>
-          <a:effectLst>
-            <a:reflection blurRad="12700" stA="38000" endPos="28000" dist="5000" dir="5400000" sy="-100000" algn="bl" rotWithShape="0"/>
-          </a:effectLst>
-          <a:scene3d>
-            <a:camera prst="perspectiveLeft"/>
-            <a:lightRig rig="threePt" dir="t"/>
-          </a:scene3d>
-        </p:spPr>
-      </p:pic>
-    </p:spTree>
-    <p:extLst>
-      <p:ext uri="{BB962C8B-B14F-4D97-AF65-F5344CB8AC3E}">
-        <p14:creationId xmlns="" xmlns:p14="http://schemas.microsoft.com/office/powerpoint/2010/main" val="2988266106"/>
-      </p:ext>
-    </p:extLst>
-  </p:cSld>
-  <p:clrMapOvr>
-    <a:masterClrMapping/>
-  </p:clrMapOvr>
-  <mc:AlternateContent xmlns:mc="http://schemas.openxmlformats.org/markup-compatibility/2006">
-    <mc:Choice xmlns="" xmlns:p14="http://schemas.microsoft.com/office/powerpoint/2010/main" Requires="p14">
-      <p:transition spd="slow" p14:dur="2000"/>
-    </mc:Choice>
-    <mc:Fallback>
-      <p:transition spd="slow"/>
-    </mc:Fallback>
-  </mc:AlternateContent>
   <p:timing>
     <p:tnLst>
       <p:par>
@@ -15100,7 +15194,7 @@
 </p:sld>
 </file>
 
-<file path=ppt/slides/slide30.xml><?xml version="1.0" encoding="utf-8"?>
+<file path=ppt/slides/slide31.xml><?xml version="1.0" encoding="utf-8"?>
 <p:sld xmlns:a="http://schemas.openxmlformats.org/drawingml/2006/main" xmlns:r="http://schemas.openxmlformats.org/officeDocument/2006/relationships" xmlns:p="http://schemas.openxmlformats.org/presentationml/2006/main">
   <p:cSld>
     <p:spTree>
@@ -15333,7 +15427,7 @@
             <a:fld id="{990B41CA-569D-40E7-8E58-026C0338B2C8}" type="slidenum">
               <a:rPr lang="en-US" smtClean="0"/>
               <a:pPr/>
-              <a:t>30</a:t>
+              <a:t>31</a:t>
             </a:fld>
             <a:endParaRPr lang="en-US"/>
           </a:p>
@@ -15919,7 +16013,7 @@
     </p:spTree>
     <p:extLst>
       <p:ext uri="{BB962C8B-B14F-4D97-AF65-F5344CB8AC3E}">
-        <p14:creationId xmlns="" xmlns:p14="http://schemas.microsoft.com/office/powerpoint/2010/main" val="3243626544"/>
+        <p14:creationId xmlns:p14="http://schemas.microsoft.com/office/powerpoint/2010/main" xmlns="" val="3243626544"/>
       </p:ext>
     </p:extLst>
   </p:cSld>
@@ -15936,7 +16030,7 @@
 </p:sld>
 </file>
 
-<file path=ppt/slides/slide31.xml><?xml version="1.0" encoding="utf-8"?>
+<file path=ppt/slides/slide32.xml><?xml version="1.0" encoding="utf-8"?>
 <p:sld xmlns:a="http://schemas.openxmlformats.org/drawingml/2006/main" xmlns:r="http://schemas.openxmlformats.org/officeDocument/2006/relationships" xmlns:p="http://schemas.openxmlformats.org/presentationml/2006/main">
   <p:cSld>
     <p:spTree>
@@ -16073,7 +16167,7 @@
             <a:fld id="{990B41CA-569D-40E7-8E58-026C0338B2C8}" type="slidenum">
               <a:rPr lang="en-US" smtClean="0"/>
               <a:pPr/>
-              <a:t>31</a:t>
+              <a:t>32</a:t>
             </a:fld>
             <a:endParaRPr lang="en-US"/>
           </a:p>
@@ -16522,7 +16616,7 @@
     </p:spTree>
     <p:extLst>
       <p:ext uri="{BB962C8B-B14F-4D97-AF65-F5344CB8AC3E}">
-        <p14:creationId xmlns="" xmlns:p14="http://schemas.microsoft.com/office/powerpoint/2010/main" val="3243626544"/>
+        <p14:creationId xmlns:p14="http://schemas.microsoft.com/office/powerpoint/2010/main" xmlns="" val="3243626544"/>
       </p:ext>
     </p:extLst>
   </p:cSld>
@@ -16536,177 +16630,6 @@
       </p:par>
     </p:tnLst>
   </p:timing>
-</p:sld>
-</file>
-
-<file path=ppt/slides/slide32.xml><?xml version="1.0" encoding="utf-8"?>
-<p:sld xmlns:a="http://schemas.openxmlformats.org/drawingml/2006/main" xmlns:r="http://schemas.openxmlformats.org/officeDocument/2006/relationships" xmlns:p="http://schemas.openxmlformats.org/presentationml/2006/main">
-  <p:cSld>
-    <p:spTree>
-      <p:nvGrpSpPr>
-        <p:cNvPr id="1" name=""/>
-        <p:cNvGrpSpPr/>
-        <p:nvPr/>
-      </p:nvGrpSpPr>
-      <p:grpSpPr>
-        <a:xfrm>
-          <a:off x="0" y="0"/>
-          <a:ext cx="0" cy="0"/>
-          <a:chOff x="0" y="0"/>
-          <a:chExt cx="0" cy="0"/>
-        </a:xfrm>
-      </p:grpSpPr>
-      <p:sp>
-        <p:nvSpPr>
-          <p:cNvPr id="2" name="Titel 1"/>
-          <p:cNvSpPr>
-            <a:spLocks noGrp="1"/>
-          </p:cNvSpPr>
-          <p:nvPr>
-            <p:ph type="title"/>
-          </p:nvPr>
-        </p:nvSpPr>
-        <p:spPr/>
-        <p:txBody>
-          <a:bodyPr/>
-          <a:lstStyle/>
-          <a:p>
-            <a:r>
-              <a:rPr lang="de-DE" dirty="0" smtClean="0"/>
-              <a:t>Qualitätsanforderungen</a:t>
-            </a:r>
-            <a:endParaRPr lang="de-DE" dirty="0"/>
-          </a:p>
-        </p:txBody>
-      </p:sp>
-      <p:sp>
-        <p:nvSpPr>
-          <p:cNvPr id="3" name="Inhaltsplatzhalter 2"/>
-          <p:cNvSpPr>
-            <a:spLocks noGrp="1"/>
-          </p:cNvSpPr>
-          <p:nvPr>
-            <p:ph idx="1"/>
-          </p:nvPr>
-        </p:nvSpPr>
-        <p:spPr/>
-        <p:txBody>
-          <a:bodyPr/>
-          <a:lstStyle/>
-          <a:p>
-            <a:endParaRPr lang="de-DE" dirty="0" smtClean="0"/>
-          </a:p>
-          <a:p>
-            <a:r>
-              <a:rPr lang="de-DE" dirty="0" smtClean="0"/>
-              <a:t>Äußere und innere Qualität</a:t>
-            </a:r>
-          </a:p>
-          <a:p>
-            <a:endParaRPr lang="de-DE" dirty="0" smtClean="0"/>
-          </a:p>
-          <a:p>
-            <a:r>
-              <a:rPr lang="de-DE" dirty="0" smtClean="0"/>
-              <a:t>Gebrauchstauglichkeit</a:t>
-            </a:r>
-          </a:p>
-          <a:p>
-            <a:endParaRPr lang="de-DE" dirty="0"/>
-          </a:p>
-          <a:p>
-            <a:r>
-              <a:rPr lang="de-DE" dirty="0" smtClean="0"/>
-              <a:t>Technische Anforderungen</a:t>
-            </a:r>
-          </a:p>
-          <a:p>
-            <a:endParaRPr lang="de-DE" dirty="0" smtClean="0"/>
-          </a:p>
-          <a:p>
-            <a:r>
-              <a:rPr lang="de-DE" dirty="0" smtClean="0"/>
-              <a:t>Lieferumfang</a:t>
-            </a:r>
-            <a:endParaRPr lang="de-DE" dirty="0"/>
-          </a:p>
-        </p:txBody>
-      </p:sp>
-      <p:sp>
-        <p:nvSpPr>
-          <p:cNvPr id="4" name="Datumsplatzhalter 3"/>
-          <p:cNvSpPr>
-            <a:spLocks noGrp="1"/>
-          </p:cNvSpPr>
-          <p:nvPr>
-            <p:ph type="dt" sz="half" idx="10"/>
-          </p:nvPr>
-        </p:nvSpPr>
-        <p:spPr/>
-        <p:txBody>
-          <a:bodyPr/>
-          <a:lstStyle/>
-          <a:p>
-            <a:r>
-              <a:rPr lang="de-DE" smtClean="0"/>
-              <a:t>21.04.2012</a:t>
-            </a:r>
-            <a:endParaRPr lang="en-US"/>
-          </a:p>
-        </p:txBody>
-      </p:sp>
-      <p:sp>
-        <p:nvSpPr>
-          <p:cNvPr id="5" name="Fußzeilenplatzhalter 4"/>
-          <p:cNvSpPr>
-            <a:spLocks noGrp="1"/>
-          </p:cNvSpPr>
-          <p:nvPr>
-            <p:ph type="ftr" sz="quarter" idx="11"/>
-          </p:nvPr>
-        </p:nvSpPr>
-        <p:spPr/>
-        <p:txBody>
-          <a:bodyPr/>
-          <a:lstStyle/>
-          <a:p>
-            <a:r>
-              <a:rPr lang="de-DE" smtClean="0"/>
-              <a:t>FST Projekt "Eventalizer" (SS 2012) Team 5</a:t>
-            </a:r>
-            <a:endParaRPr lang="de-DE" dirty="0"/>
-          </a:p>
-        </p:txBody>
-      </p:sp>
-      <p:sp>
-        <p:nvSpPr>
-          <p:cNvPr id="6" name="Foliennummernplatzhalter 5"/>
-          <p:cNvSpPr>
-            <a:spLocks noGrp="1"/>
-          </p:cNvSpPr>
-          <p:nvPr>
-            <p:ph type="sldNum" sz="quarter" idx="12"/>
-          </p:nvPr>
-        </p:nvSpPr>
-        <p:spPr/>
-        <p:txBody>
-          <a:bodyPr/>
-          <a:lstStyle/>
-          <a:p>
-            <a:fld id="{990B41CA-569D-40E7-8E58-026C0338B2C8}" type="slidenum">
-              <a:rPr lang="en-US" smtClean="0"/>
-              <a:pPr/>
-              <a:t>32</a:t>
-            </a:fld>
-            <a:endParaRPr lang="en-US"/>
-          </a:p>
-        </p:txBody>
-      </p:sp>
-    </p:spTree>
-  </p:cSld>
-  <p:clrMapOvr>
-    <a:masterClrMapping/>
-  </p:clrMapOvr>
 </p:sld>
 </file>
 
@@ -16744,7 +16667,7 @@
           <a:p>
             <a:r>
               <a:rPr lang="de-DE" dirty="0" smtClean="0"/>
-              <a:t>Abnahmekriterien</a:t>
+              <a:t>Qualitätsanforderungen</a:t>
             </a:r>
             <a:endParaRPr lang="de-DE" dirty="0"/>
           </a:p>
@@ -16765,7 +16688,41 @@
           <a:bodyPr/>
           <a:lstStyle/>
           <a:p>
-            <a:endParaRPr lang="de-DE"/>
+            <a:endParaRPr lang="de-DE" dirty="0" smtClean="0"/>
+          </a:p>
+          <a:p>
+            <a:r>
+              <a:rPr lang="de-DE" dirty="0" smtClean="0"/>
+              <a:t>Äußere und innere Qualität</a:t>
+            </a:r>
+          </a:p>
+          <a:p>
+            <a:endParaRPr lang="de-DE" dirty="0" smtClean="0"/>
+          </a:p>
+          <a:p>
+            <a:r>
+              <a:rPr lang="de-DE" dirty="0" smtClean="0"/>
+              <a:t>Gebrauchstauglichkeit</a:t>
+            </a:r>
+          </a:p>
+          <a:p>
+            <a:endParaRPr lang="de-DE" dirty="0"/>
+          </a:p>
+          <a:p>
+            <a:r>
+              <a:rPr lang="de-DE" dirty="0" smtClean="0"/>
+              <a:t>Technische Anforderungen</a:t>
+            </a:r>
+          </a:p>
+          <a:p>
+            <a:endParaRPr lang="de-DE" dirty="0" smtClean="0"/>
+          </a:p>
+          <a:p>
+            <a:r>
+              <a:rPr lang="de-DE" dirty="0" smtClean="0"/>
+              <a:t>Lieferumfang</a:t>
+            </a:r>
+            <a:endParaRPr lang="de-DE" dirty="0"/>
           </a:p>
         </p:txBody>
       </p:sp>
@@ -16840,19 +16797,170 @@
         </p:txBody>
       </p:sp>
     </p:spTree>
+  </p:cSld>
+  <p:clrMapOvr>
+    <a:masterClrMapping/>
+  </p:clrMapOvr>
+  <p:timing>
+    <p:tnLst>
+      <p:par>
+        <p:cTn id="1" dur="indefinite" restart="never" nodeType="tmRoot"/>
+      </p:par>
+    </p:tnLst>
+  </p:timing>
+</p:sld>
+</file>
+
+<file path=ppt/slides/slide34.xml><?xml version="1.0" encoding="utf-8"?>
+<p:sld xmlns:a="http://schemas.openxmlformats.org/drawingml/2006/main" xmlns:r="http://schemas.openxmlformats.org/officeDocument/2006/relationships" xmlns:p="http://schemas.openxmlformats.org/presentationml/2006/main">
+  <p:cSld>
+    <p:spTree>
+      <p:nvGrpSpPr>
+        <p:cNvPr id="1" name=""/>
+        <p:cNvGrpSpPr/>
+        <p:nvPr/>
+      </p:nvGrpSpPr>
+      <p:grpSpPr>
+        <a:xfrm>
+          <a:off x="0" y="0"/>
+          <a:ext cx="0" cy="0"/>
+          <a:chOff x="0" y="0"/>
+          <a:chExt cx="0" cy="0"/>
+        </a:xfrm>
+      </p:grpSpPr>
+      <p:sp>
+        <p:nvSpPr>
+          <p:cNvPr id="2" name="Titel 1"/>
+          <p:cNvSpPr>
+            <a:spLocks noGrp="1"/>
+          </p:cNvSpPr>
+          <p:nvPr>
+            <p:ph type="title"/>
+          </p:nvPr>
+        </p:nvSpPr>
+        <p:spPr/>
+        <p:txBody>
+          <a:bodyPr/>
+          <a:lstStyle/>
+          <a:p>
+            <a:r>
+              <a:rPr lang="de-DE" dirty="0" smtClean="0"/>
+              <a:t>Abnahmekriterien</a:t>
+            </a:r>
+            <a:endParaRPr lang="de-DE" dirty="0"/>
+          </a:p>
+        </p:txBody>
+      </p:sp>
+      <p:sp>
+        <p:nvSpPr>
+          <p:cNvPr id="3" name="Inhaltsplatzhalter 2"/>
+          <p:cNvSpPr>
+            <a:spLocks noGrp="1"/>
+          </p:cNvSpPr>
+          <p:nvPr>
+            <p:ph idx="1"/>
+          </p:nvPr>
+        </p:nvSpPr>
+        <p:spPr/>
+        <p:txBody>
+          <a:bodyPr/>
+          <a:lstStyle/>
+          <a:p>
+            <a:endParaRPr lang="de-DE"/>
+          </a:p>
+        </p:txBody>
+      </p:sp>
+      <p:sp>
+        <p:nvSpPr>
+          <p:cNvPr id="4" name="Datumsplatzhalter 3"/>
+          <p:cNvSpPr>
+            <a:spLocks noGrp="1"/>
+          </p:cNvSpPr>
+          <p:nvPr>
+            <p:ph type="dt" sz="half" idx="10"/>
+          </p:nvPr>
+        </p:nvSpPr>
+        <p:spPr/>
+        <p:txBody>
+          <a:bodyPr/>
+          <a:lstStyle/>
+          <a:p>
+            <a:r>
+              <a:rPr lang="de-DE" smtClean="0"/>
+              <a:t>21.04.2012</a:t>
+            </a:r>
+            <a:endParaRPr lang="en-US"/>
+          </a:p>
+        </p:txBody>
+      </p:sp>
+      <p:sp>
+        <p:nvSpPr>
+          <p:cNvPr id="5" name="Fußzeilenplatzhalter 4"/>
+          <p:cNvSpPr>
+            <a:spLocks noGrp="1"/>
+          </p:cNvSpPr>
+          <p:nvPr>
+            <p:ph type="ftr" sz="quarter" idx="11"/>
+          </p:nvPr>
+        </p:nvSpPr>
+        <p:spPr/>
+        <p:txBody>
+          <a:bodyPr/>
+          <a:lstStyle/>
+          <a:p>
+            <a:r>
+              <a:rPr lang="de-DE" smtClean="0"/>
+              <a:t>FST Projekt "Eventalizer" (SS 2012) Team 5</a:t>
+            </a:r>
+            <a:endParaRPr lang="de-DE" dirty="0"/>
+          </a:p>
+        </p:txBody>
+      </p:sp>
+      <p:sp>
+        <p:nvSpPr>
+          <p:cNvPr id="6" name="Foliennummernplatzhalter 5"/>
+          <p:cNvSpPr>
+            <a:spLocks noGrp="1"/>
+          </p:cNvSpPr>
+          <p:nvPr>
+            <p:ph type="sldNum" sz="quarter" idx="12"/>
+          </p:nvPr>
+        </p:nvSpPr>
+        <p:spPr/>
+        <p:txBody>
+          <a:bodyPr/>
+          <a:lstStyle/>
+          <a:p>
+            <a:fld id="{990B41CA-569D-40E7-8E58-026C0338B2C8}" type="slidenum">
+              <a:rPr lang="en-US" smtClean="0"/>
+              <a:pPr/>
+              <a:t>34</a:t>
+            </a:fld>
+            <a:endParaRPr lang="en-US"/>
+          </a:p>
+        </p:txBody>
+      </p:sp>
+    </p:spTree>
     <p:extLst>
       <p:ext uri="{BB962C8B-B14F-4D97-AF65-F5344CB8AC3E}">
-        <p14:creationId xmlns="" xmlns:p14="http://schemas.microsoft.com/office/powerpoint/2010/main" val="3309636493"/>
+        <p14:creationId xmlns:p14="http://schemas.microsoft.com/office/powerpoint/2010/main" xmlns="" val="3309636493"/>
       </p:ext>
     </p:extLst>
   </p:cSld>
   <p:clrMapOvr>
     <a:masterClrMapping/>
   </p:clrMapOvr>
+  <p:timing>
+    <p:tnLst>
+      <p:par>
+        <p:cTn id="1" dur="indefinite" restart="never" nodeType="tmRoot"/>
+      </p:par>
+    </p:tnLst>
+  </p:timing>
 </p:sld>
 </file>
 
-<file path=ppt/slides/slide34.xml><?xml version="1.0" encoding="utf-8"?>
+<file path=ppt/slides/slide35.xml><?xml version="1.0" encoding="utf-8"?>
 <p:sld xmlns:a="http://schemas.openxmlformats.org/drawingml/2006/main" xmlns:r="http://schemas.openxmlformats.org/officeDocument/2006/relationships" xmlns:p="http://schemas.openxmlformats.org/presentationml/2006/main">
   <p:cSld>
     <p:spTree>
@@ -16940,9 +17048,7 @@
         <p:spPr>
           <a:noFill/>
           <a:ln w="9525">
-            <a:solidFill>
-              <a:schemeClr val="accent1"/>
-            </a:solidFill>
+            <a:noFill/>
             <a:miter lim="800000"/>
             <a:headEnd/>
             <a:tailEnd/>
@@ -17044,7 +17150,7 @@
             <a:fld id="{6C6AE60A-B69C-4790-82F7-3882EDF23186}" type="slidenum">
               <a:rPr lang="de-DE" smtClean="0"/>
               <a:pPr/>
-              <a:t>34</a:t>
+              <a:t>35</a:t>
             </a:fld>
             <a:endParaRPr lang="de-DE" dirty="0"/>
           </a:p>
@@ -17053,7 +17159,7 @@
     </p:spTree>
     <p:extLst>
       <p:ext uri="{BB962C8B-B14F-4D97-AF65-F5344CB8AC3E}">
-        <p14:creationId xmlns="" xmlns:p14="http://schemas.microsoft.com/office/powerpoint/2010/main" val="1012322072"/>
+        <p14:creationId xmlns:p14="http://schemas.microsoft.com/office/powerpoint/2010/main" xmlns="" val="1012322072"/>
       </p:ext>
     </p:extLst>
   </p:cSld>
@@ -17070,7 +17176,7 @@
 </p:sld>
 </file>
 
-<file path=ppt/slides/slide35.xml><?xml version="1.0" encoding="utf-8"?>
+<file path=ppt/slides/slide36.xml><?xml version="1.0" encoding="utf-8"?>
 <p:sld xmlns:a="http://schemas.openxmlformats.org/drawingml/2006/main" xmlns:r="http://schemas.openxmlformats.org/officeDocument/2006/relationships" xmlns:p="http://schemas.openxmlformats.org/presentationml/2006/main">
   <p:cSld>
     <p:spTree>
@@ -17158,9 +17264,7 @@
         <p:spPr>
           <a:noFill/>
           <a:ln w="9525">
-            <a:solidFill>
-              <a:schemeClr val="accent1"/>
-            </a:solidFill>
+            <a:noFill/>
             <a:miter lim="800000"/>
             <a:headEnd/>
             <a:tailEnd/>
@@ -17262,7 +17366,7 @@
             <a:fld id="{6C6AE60A-B69C-4790-82F7-3882EDF23186}" type="slidenum">
               <a:rPr lang="de-DE" smtClean="0"/>
               <a:pPr/>
-              <a:t>35</a:t>
+              <a:t>36</a:t>
             </a:fld>
             <a:endParaRPr lang="de-DE" dirty="0"/>
           </a:p>
@@ -17271,7 +17375,7 @@
     </p:spTree>
     <p:extLst>
       <p:ext uri="{BB962C8B-B14F-4D97-AF65-F5344CB8AC3E}">
-        <p14:creationId xmlns="" xmlns:p14="http://schemas.microsoft.com/office/powerpoint/2010/main" val="1012322072"/>
+        <p14:creationId xmlns:p14="http://schemas.microsoft.com/office/powerpoint/2010/main" xmlns="" val="1012322072"/>
       </p:ext>
     </p:extLst>
   </p:cSld>
@@ -17288,7 +17392,7 @@
 </p:sld>
 </file>
 
-<file path=ppt/slides/slide36.xml><?xml version="1.0" encoding="utf-8"?>
+<file path=ppt/slides/slide37.xml><?xml version="1.0" encoding="utf-8"?>
 <p:sld xmlns:a="http://schemas.openxmlformats.org/drawingml/2006/main" xmlns:r="http://schemas.openxmlformats.org/officeDocument/2006/relationships" xmlns:p="http://schemas.openxmlformats.org/presentationml/2006/main">
   <p:cSld>
     <p:spTree>
@@ -17358,18 +17462,12 @@
             </a:r>
           </a:p>
           <a:p>
-            <a:pPr lvl="2"/>
-            <a:r>
-              <a:rPr lang="de-DE" dirty="0" smtClean="0"/>
-              <a:t>inkl. Rollenkonzept</a:t>
-            </a:r>
-          </a:p>
-          <a:p>
             <a:pPr lvl="1"/>
             <a:r>
               <a:rPr lang="de-DE" dirty="0" smtClean="0"/>
-              <a:t>Event erstellen</a:t>
-            </a:r>
+              <a:t>Event organisieren</a:t>
+            </a:r>
+            <a:endParaRPr lang="de-DE" dirty="0" smtClean="0"/>
           </a:p>
           <a:p>
             <a:pPr lvl="1"/>
@@ -17382,11 +17480,12 @@
             <a:pPr lvl="1"/>
             <a:r>
               <a:rPr lang="de-DE" dirty="0" smtClean="0"/>
-              <a:t>Event suchen</a:t>
-            </a:r>
-          </a:p>
-          <a:p>
-            <a:pPr lvl="1"/>
+              <a:t>Event </a:t>
+            </a:r>
+            <a:r>
+              <a:rPr lang="de-DE" dirty="0" smtClean="0"/>
+              <a:t>suchen</a:t>
+            </a:r>
             <a:endParaRPr lang="de-DE" dirty="0"/>
           </a:p>
           <a:p>
@@ -17468,7 +17567,7 @@
             <a:fld id="{990B41CA-569D-40E7-8E58-026C0338B2C8}" type="slidenum">
               <a:rPr lang="en-US" smtClean="0"/>
               <a:pPr/>
-              <a:t>36</a:t>
+              <a:t>37</a:t>
             </a:fld>
             <a:endParaRPr lang="en-US"/>
           </a:p>
@@ -17486,7 +17585,7 @@
           <a:blip r:embed="rId2" cstate="print">
             <a:extLst>
               <a:ext uri="{BEBA8EAE-BF5A-486C-A8C5-ECC9F3942E4B}">
-                <a14:imgProps xmlns="" xmlns:a14="http://schemas.microsoft.com/office/drawing/2010/main">
+                <a14:imgProps xmlns:a14="http://schemas.microsoft.com/office/drawing/2010/main" xmlns="">
                   <a14:imgLayer r:embed="rId3">
                     <a14:imgEffect>
                       <a14:backgroundRemoval t="6057" b="22942" l="7000" r="29162"/>
@@ -17495,7 +17594,7 @@
                 </a14:imgProps>
               </a:ext>
               <a:ext uri="{28A0092B-C50C-407E-A947-70E740481C1C}">
-                <a14:useLocalDpi xmlns="" xmlns:a14="http://schemas.microsoft.com/office/drawing/2010/main" val="0"/>
+                <a14:useLocalDpi xmlns:a14="http://schemas.microsoft.com/office/drawing/2010/main" xmlns="" val="0"/>
               </a:ext>
             </a:extLst>
           </a:blip>
@@ -17513,7 +17612,7 @@
           <a:noFill/>
           <a:extLst>
             <a:ext uri="{909E8E84-426E-40DD-AFC4-6F175D3DCCD1}">
-              <a14:hiddenFill xmlns="" xmlns:a14="http://schemas.microsoft.com/office/drawing/2010/main">
+              <a14:hiddenFill xmlns:a14="http://schemas.microsoft.com/office/drawing/2010/main" xmlns="">
                 <a:solidFill>
                   <a:srgbClr val="FFFFFF"/>
                 </a:solidFill>
@@ -17534,7 +17633,7 @@
           <a:blip r:embed="rId2" cstate="print">
             <a:extLst>
               <a:ext uri="{BEBA8EAE-BF5A-486C-A8C5-ECC9F3942E4B}">
-                <a14:imgProps xmlns="" xmlns:a14="http://schemas.microsoft.com/office/drawing/2010/main">
+                <a14:imgProps xmlns:a14="http://schemas.microsoft.com/office/drawing/2010/main" xmlns="">
                   <a14:imgLayer r:embed="rId3">
                     <a14:imgEffect>
                       <a14:backgroundRemoval t="6057" b="22942" l="7000" r="29162"/>
@@ -17543,7 +17642,7 @@
                 </a14:imgProps>
               </a:ext>
               <a:ext uri="{28A0092B-C50C-407E-A947-70E740481C1C}">
-                <a14:useLocalDpi xmlns="" xmlns:a14="http://schemas.microsoft.com/office/drawing/2010/main" val="0"/>
+                <a14:useLocalDpi xmlns:a14="http://schemas.microsoft.com/office/drawing/2010/main" xmlns="" val="0"/>
               </a:ext>
             </a:extLst>
           </a:blip>
@@ -17552,7 +17651,7 @@
         </p:blipFill>
         <p:spPr bwMode="auto">
           <a:xfrm>
-            <a:off x="4967098" y="2780928"/>
+            <a:off x="4967098" y="2276872"/>
             <a:ext cx="541006" cy="485040"/>
           </a:xfrm>
           <a:prstGeom prst="rect">
@@ -17561,7 +17660,7 @@
           <a:noFill/>
           <a:extLst>
             <a:ext uri="{909E8E84-426E-40DD-AFC4-6F175D3DCCD1}">
-              <a14:hiddenFill xmlns="" xmlns:a14="http://schemas.microsoft.com/office/drawing/2010/main">
+              <a14:hiddenFill xmlns:a14="http://schemas.microsoft.com/office/drawing/2010/main" xmlns="">
                 <a:solidFill>
                   <a:srgbClr val="FFFFFF"/>
                 </a:solidFill>
@@ -17570,286 +17669,56 @@
           </a:extLst>
         </p:spPr>
       </p:pic>
+      <p:sp>
+        <p:nvSpPr>
+          <p:cNvPr id="9" name="Ellipse 8"/>
+          <p:cNvSpPr/>
+          <p:nvPr/>
+        </p:nvSpPr>
+        <p:spPr>
+          <a:xfrm>
+            <a:off x="4932040" y="1844824"/>
+            <a:ext cx="576064" cy="504056"/>
+          </a:xfrm>
+          <a:prstGeom prst="ellipse">
+            <a:avLst/>
+          </a:prstGeom>
+          <a:noFill/>
+          <a:ln w="38100">
+            <a:solidFill>
+              <a:srgbClr val="FF0000"/>
+            </a:solidFill>
+          </a:ln>
+        </p:spPr>
+        <p:style>
+          <a:lnRef idx="2">
+            <a:schemeClr val="accent1">
+              <a:shade val="50000"/>
+            </a:schemeClr>
+          </a:lnRef>
+          <a:fillRef idx="1">
+            <a:schemeClr val="accent1"/>
+          </a:fillRef>
+          <a:effectRef idx="0">
+            <a:schemeClr val="accent1"/>
+          </a:effectRef>
+          <a:fontRef idx="minor">
+            <a:schemeClr val="lt1"/>
+          </a:fontRef>
+        </p:style>
+        <p:txBody>
+          <a:bodyPr rtlCol="0" anchor="ctr"/>
+          <a:lstStyle/>
+          <a:p>
+            <a:pPr algn="ctr"/>
+            <a:endParaRPr lang="de-DE"/>
+          </a:p>
+        </p:txBody>
+      </p:sp>
     </p:spTree>
     <p:extLst>
       <p:ext uri="{BB962C8B-B14F-4D97-AF65-F5344CB8AC3E}">
-        <p14:creationId xmlns="" xmlns:p14="http://schemas.microsoft.com/office/powerpoint/2010/main" val="2645794681"/>
-      </p:ext>
-    </p:extLst>
-  </p:cSld>
-  <p:clrMapOvr>
-    <a:masterClrMapping/>
-  </p:clrMapOvr>
-</p:sld>
-</file>
-
-<file path=ppt/slides/slide37.xml><?xml version="1.0" encoding="utf-8"?>
-<p:sld xmlns:a="http://schemas.openxmlformats.org/drawingml/2006/main" xmlns:r="http://schemas.openxmlformats.org/officeDocument/2006/relationships" xmlns:p="http://schemas.openxmlformats.org/presentationml/2006/main">
-  <p:cSld>
-    <p:spTree>
-      <p:nvGrpSpPr>
-        <p:cNvPr id="1" name=""/>
-        <p:cNvGrpSpPr/>
-        <p:nvPr/>
-      </p:nvGrpSpPr>
-      <p:grpSpPr>
-        <a:xfrm>
-          <a:off x="0" y="0"/>
-          <a:ext cx="0" cy="0"/>
-          <a:chOff x="0" y="0"/>
-          <a:chExt cx="0" cy="0"/>
-        </a:xfrm>
-      </p:grpSpPr>
-      <p:sp>
-        <p:nvSpPr>
-          <p:cNvPr id="2" name="Titel 1"/>
-          <p:cNvSpPr>
-            <a:spLocks noGrp="1"/>
-          </p:cNvSpPr>
-          <p:nvPr>
-            <p:ph type="title"/>
-          </p:nvPr>
-        </p:nvSpPr>
-        <p:spPr/>
-        <p:txBody>
-          <a:bodyPr>
-            <a:normAutofit/>
-          </a:bodyPr>
-          <a:lstStyle/>
-          <a:p>
-            <a:r>
-              <a:rPr lang="de-DE" dirty="0" smtClean="0"/>
-              <a:t>Ausblick</a:t>
-            </a:r>
-            <a:endParaRPr lang="de-DE" dirty="0"/>
-          </a:p>
-        </p:txBody>
-      </p:sp>
-      <p:sp>
-        <p:nvSpPr>
-          <p:cNvPr id="3" name="Inhaltsplatzhalter 2"/>
-          <p:cNvSpPr>
-            <a:spLocks noGrp="1"/>
-          </p:cNvSpPr>
-          <p:nvPr>
-            <p:ph idx="1"/>
-          </p:nvPr>
-        </p:nvSpPr>
-        <p:spPr/>
-        <p:txBody>
-          <a:bodyPr>
-            <a:noAutofit/>
-          </a:bodyPr>
-          <a:lstStyle/>
-          <a:p>
-            <a:r>
-              <a:rPr lang="de-DE" dirty="0" smtClean="0"/>
-              <a:t>Mobile Website</a:t>
-            </a:r>
-          </a:p>
-          <a:p>
-            <a:r>
-              <a:rPr lang="de-DE" dirty="0" smtClean="0"/>
-              <a:t>Tiefere Integration in sozialen Netzwerken</a:t>
-            </a:r>
-          </a:p>
-          <a:p>
-            <a:pPr lvl="1"/>
-            <a:r>
-              <a:rPr lang="de-DE" dirty="0" smtClean="0"/>
-              <a:t>Posten von Events</a:t>
-            </a:r>
-          </a:p>
-          <a:p>
-            <a:pPr lvl="1"/>
-            <a:r>
-              <a:rPr lang="de-DE" dirty="0" smtClean="0"/>
-              <a:t>Bewertung („I </a:t>
-            </a:r>
-            <a:r>
-              <a:rPr lang="de-DE" dirty="0" err="1" smtClean="0"/>
-              <a:t>Like</a:t>
-            </a:r>
-            <a:r>
-              <a:rPr lang="de-DE" dirty="0" smtClean="0"/>
-              <a:t>“-Button)</a:t>
-            </a:r>
-          </a:p>
-          <a:p>
-            <a:r>
-              <a:rPr lang="de-DE" dirty="0" err="1" smtClean="0"/>
-              <a:t>Tweets</a:t>
-            </a:r>
-            <a:endParaRPr lang="de-DE" dirty="0" smtClean="0"/>
-          </a:p>
-          <a:p>
-            <a:r>
-              <a:rPr lang="de-DE" dirty="0" smtClean="0"/>
-              <a:t>Google </a:t>
-            </a:r>
-            <a:r>
-              <a:rPr lang="de-DE" dirty="0" err="1" smtClean="0"/>
-              <a:t>Maps</a:t>
-            </a:r>
-            <a:endParaRPr lang="de-DE" dirty="0" smtClean="0"/>
-          </a:p>
-          <a:p>
-            <a:r>
-              <a:rPr lang="de-DE" dirty="0" err="1" smtClean="0"/>
-              <a:t>Location</a:t>
-            </a:r>
-            <a:r>
-              <a:rPr lang="de-DE" dirty="0" smtClean="0"/>
-              <a:t>-</a:t>
-            </a:r>
-            <a:r>
-              <a:rPr lang="de-DE" dirty="0" err="1" smtClean="0"/>
-              <a:t>based</a:t>
-            </a:r>
-            <a:r>
-              <a:rPr lang="de-DE" dirty="0" smtClean="0"/>
-              <a:t>-Services</a:t>
-            </a:r>
-          </a:p>
-          <a:p>
-            <a:r>
-              <a:rPr lang="de-DE" dirty="0" smtClean="0"/>
-              <a:t>…</a:t>
-            </a:r>
-            <a:endParaRPr lang="de-DE" dirty="0"/>
-          </a:p>
-        </p:txBody>
-      </p:sp>
-      <p:sp>
-        <p:nvSpPr>
-          <p:cNvPr id="4" name="Datumsplatzhalter 3"/>
-          <p:cNvSpPr>
-            <a:spLocks noGrp="1"/>
-          </p:cNvSpPr>
-          <p:nvPr>
-            <p:ph type="dt" sz="half" idx="10"/>
-          </p:nvPr>
-        </p:nvSpPr>
-        <p:spPr/>
-        <p:txBody>
-          <a:bodyPr/>
-          <a:lstStyle/>
-          <a:p>
-            <a:r>
-              <a:rPr lang="de-DE" smtClean="0"/>
-              <a:t>21.04.2012</a:t>
-            </a:r>
-            <a:endParaRPr lang="de-DE" dirty="0"/>
-          </a:p>
-        </p:txBody>
-      </p:sp>
-      <p:sp>
-        <p:nvSpPr>
-          <p:cNvPr id="5" name="Fußzeilenplatzhalter 4"/>
-          <p:cNvSpPr>
-            <a:spLocks noGrp="1"/>
-          </p:cNvSpPr>
-          <p:nvPr>
-            <p:ph type="ftr" sz="quarter" idx="11"/>
-          </p:nvPr>
-        </p:nvSpPr>
-        <p:spPr/>
-        <p:txBody>
-          <a:bodyPr/>
-          <a:lstStyle/>
-          <a:p>
-            <a:r>
-              <a:rPr lang="de-DE" smtClean="0"/>
-              <a:t>FST Projekt "Eventalizer" (SS 2012) Team 5</a:t>
-            </a:r>
-            <a:endParaRPr lang="de-DE" dirty="0"/>
-          </a:p>
-        </p:txBody>
-      </p:sp>
-      <p:sp>
-        <p:nvSpPr>
-          <p:cNvPr id="6" name="Foliennummernplatzhalter 5"/>
-          <p:cNvSpPr>
-            <a:spLocks noGrp="1"/>
-          </p:cNvSpPr>
-          <p:nvPr>
-            <p:ph type="sldNum" sz="quarter" idx="12"/>
-          </p:nvPr>
-        </p:nvSpPr>
-        <p:spPr/>
-        <p:txBody>
-          <a:bodyPr/>
-          <a:lstStyle/>
-          <a:p>
-            <a:fld id="{6C6AE60A-B69C-4790-82F7-3882EDF23186}" type="slidenum">
-              <a:rPr lang="de-DE" smtClean="0"/>
-              <a:pPr/>
-              <a:t>37</a:t>
-            </a:fld>
-            <a:endParaRPr lang="de-DE" dirty="0"/>
-          </a:p>
-        </p:txBody>
-      </p:sp>
-      <p:pic>
-        <p:nvPicPr>
-          <p:cNvPr id="2050" name="Picture 2"/>
-          <p:cNvPicPr>
-            <a:picLocks noChangeAspect="1" noChangeArrowheads="1"/>
-          </p:cNvPicPr>
-          <p:nvPr/>
-        </p:nvPicPr>
-        <p:blipFill>
-          <a:blip r:embed="rId3" cstate="print">
-            <a:extLst>
-              <a:ext uri="{28A0092B-C50C-407E-A947-70E740481C1C}">
-                <a14:useLocalDpi xmlns="" xmlns:a14="http://schemas.microsoft.com/office/drawing/2010/main" val="0"/>
-              </a:ext>
-            </a:extLst>
-          </a:blip>
-          <a:srcRect/>
-          <a:stretch>
-            <a:fillRect/>
-          </a:stretch>
-        </p:blipFill>
-        <p:spPr bwMode="auto">
-          <a:xfrm>
-            <a:off x="6153844" y="4941168"/>
-            <a:ext cx="2450604" cy="1323890"/>
-          </a:xfrm>
-          <a:prstGeom prst="roundRect">
-            <a:avLst>
-              <a:gd name="adj" fmla="val 8594"/>
-            </a:avLst>
-          </a:prstGeom>
-          <a:solidFill>
-            <a:srgbClr val="FFFFFF">
-              <a:shade val="85000"/>
-            </a:srgbClr>
-          </a:solidFill>
-          <a:ln>
-            <a:noFill/>
-          </a:ln>
-          <a:effectLst>
-            <a:reflection blurRad="12700" stA="38000" endPos="28000" dist="5000" dir="5400000" sy="-100000" algn="bl" rotWithShape="0"/>
-          </a:effectLst>
-          <a:extLst>
-            <a:ext uri="{91240B29-F687-4F45-9708-019B960494DF}">
-              <a14:hiddenLine xmlns="" xmlns:a14="http://schemas.microsoft.com/office/drawing/2010/main" w="9525">
-                <a:solidFill>
-                  <a:schemeClr val="tx1"/>
-                </a:solidFill>
-                <a:miter lim="800000"/>
-                <a:headEnd/>
-                <a:tailEnd/>
-              </a14:hiddenLine>
-            </a:ext>
-          </a:extLst>
-        </p:spPr>
-      </p:pic>
-    </p:spTree>
-    <p:extLst>
-      <p:ext uri="{BB962C8B-B14F-4D97-AF65-F5344CB8AC3E}">
-        <p14:creationId xmlns="" xmlns:p14="http://schemas.microsoft.com/office/powerpoint/2010/main" val="313312729"/>
+        <p14:creationId xmlns:p14="http://schemas.microsoft.com/office/powerpoint/2010/main" xmlns="" val="2645794681"/>
       </p:ext>
     </p:extLst>
   </p:cSld>
@@ -17895,12 +17764,14 @@
         </p:nvSpPr>
         <p:spPr/>
         <p:txBody>
-          <a:bodyPr/>
-          <a:lstStyle/>
-          <a:p>
-            <a:r>
-              <a:rPr lang="de-DE" dirty="0" smtClean="0"/>
-              <a:t>Reflexion</a:t>
+          <a:bodyPr>
+            <a:normAutofit/>
+          </a:bodyPr>
+          <a:lstStyle/>
+          <a:p>
+            <a:r>
+              <a:rPr lang="de-DE" dirty="0" smtClean="0"/>
+              <a:t>Ausblick</a:t>
             </a:r>
             <a:endParaRPr lang="de-DE" dirty="0"/>
           </a:p>
@@ -17918,71 +17789,85 @@
         </p:nvSpPr>
         <p:spPr/>
         <p:txBody>
-          <a:bodyPr/>
-          <a:lstStyle/>
-          <a:p>
-            <a:r>
-              <a:rPr lang="de-DE" dirty="0" smtClean="0"/>
-              <a:t>Verbesserungspotential</a:t>
+          <a:bodyPr>
+            <a:noAutofit/>
+          </a:bodyPr>
+          <a:lstStyle/>
+          <a:p>
+            <a:r>
+              <a:rPr lang="de-DE" dirty="0" smtClean="0"/>
+              <a:t>Mobile Website</a:t>
+            </a:r>
+          </a:p>
+          <a:p>
+            <a:r>
+              <a:rPr lang="de-DE" dirty="0" smtClean="0"/>
+              <a:t>Tiefere Integration in sozialen Netzwerken</a:t>
             </a:r>
           </a:p>
           <a:p>
             <a:pPr lvl="1"/>
             <a:r>
+              <a:rPr lang="de-DE" dirty="0" smtClean="0"/>
+              <a:t>Posten von Events</a:t>
+            </a:r>
+          </a:p>
+          <a:p>
+            <a:pPr lvl="1"/>
+            <a:r>
+              <a:rPr lang="de-DE" dirty="0" smtClean="0"/>
+              <a:t>Bewertung („I </a:t>
+            </a:r>
+            <a:r>
               <a:rPr lang="de-DE" dirty="0" err="1" smtClean="0"/>
-              <a:t>gitHub</a:t>
-            </a:r>
-            <a:r>
-              <a:rPr lang="de-DE" dirty="0" smtClean="0"/>
-              <a:t> und binäre Dateiformate</a:t>
-            </a:r>
-          </a:p>
-          <a:p>
-            <a:pPr lvl="1"/>
-            <a:r>
-              <a:rPr lang="de-DE" dirty="0" smtClean="0"/>
-              <a:t>Projektmanagement stärker verfolgen</a:t>
-            </a:r>
-          </a:p>
-          <a:p>
-            <a:pPr lvl="1"/>
+              <a:t>Like</a:t>
+            </a:r>
+            <a:r>
+              <a:rPr lang="de-DE" dirty="0" smtClean="0"/>
+              <a:t>“-Button)</a:t>
+            </a:r>
+          </a:p>
+          <a:p>
             <a:r>
               <a:rPr lang="de-DE" dirty="0" err="1" smtClean="0"/>
-              <a:t>Workload</a:t>
-            </a:r>
-            <a:endParaRPr lang="de-DE" smtClean="0"/>
-          </a:p>
-          <a:p>
-            <a:pPr lvl="1"/>
+              <a:t>Tweets</a:t>
+            </a:r>
             <a:endParaRPr lang="de-DE" dirty="0" smtClean="0"/>
           </a:p>
           <a:p>
             <a:r>
               <a:rPr lang="de-DE" dirty="0" smtClean="0"/>
-              <a:t>Positiv</a:t>
-            </a:r>
-          </a:p>
-          <a:p>
-            <a:pPr lvl="1"/>
+              <a:t>Google </a:t>
+            </a:r>
             <a:r>
               <a:rPr lang="de-DE" dirty="0" err="1" smtClean="0"/>
-              <a:t>PeerReview</a:t>
-            </a:r>
-            <a:endParaRPr lang="de-DE" dirty="0"/>
-          </a:p>
-          <a:p>
-            <a:pPr lvl="1"/>
-            <a:r>
-              <a:rPr lang="de-DE" dirty="0" smtClean="0"/>
-              <a:t>Teamwork</a:t>
-            </a:r>
-          </a:p>
-          <a:p>
-            <a:pPr lvl="1"/>
-            <a:endParaRPr lang="de-DE" dirty="0"/>
-          </a:p>
-          <a:p>
-            <a:pPr lvl="1"/>
+              <a:t>Maps</a:t>
+            </a:r>
+            <a:endParaRPr lang="de-DE" dirty="0" smtClean="0"/>
+          </a:p>
+          <a:p>
+            <a:r>
+              <a:rPr lang="de-DE" dirty="0" err="1" smtClean="0"/>
+              <a:t>Location</a:t>
+            </a:r>
+            <a:r>
+              <a:rPr lang="de-DE" dirty="0" smtClean="0"/>
+              <a:t>-</a:t>
+            </a:r>
+            <a:r>
+              <a:rPr lang="de-DE" dirty="0" err="1" smtClean="0"/>
+              <a:t>based</a:t>
+            </a:r>
+            <a:r>
+              <a:rPr lang="de-DE" dirty="0" smtClean="0"/>
+              <a:t>-Services</a:t>
+            </a:r>
+          </a:p>
+          <a:p>
+            <a:r>
+              <a:rPr lang="de-DE" dirty="0" smtClean="0"/>
+              <a:t>…</a:t>
+            </a:r>
             <a:endParaRPr lang="de-DE" dirty="0"/>
           </a:p>
         </p:txBody>
@@ -18006,7 +17891,7 @@
               <a:rPr lang="de-DE" smtClean="0"/>
               <a:t>21.04.2012</a:t>
             </a:r>
-            <a:endParaRPr lang="en-US"/>
+            <a:endParaRPr lang="de-DE" dirty="0"/>
           </a:p>
         </p:txBody>
       </p:sp>
@@ -18048,25 +17933,88 @@
           <a:bodyPr/>
           <a:lstStyle/>
           <a:p>
-            <a:fld id="{990B41CA-569D-40E7-8E58-026C0338B2C8}" type="slidenum">
-              <a:rPr lang="en-US" smtClean="0"/>
+            <a:fld id="{6C6AE60A-B69C-4790-82F7-3882EDF23186}" type="slidenum">
+              <a:rPr lang="de-DE" smtClean="0"/>
               <a:pPr/>
               <a:t>38</a:t>
             </a:fld>
-            <a:endParaRPr lang="en-US"/>
-          </a:p>
-        </p:txBody>
-      </p:sp>
+            <a:endParaRPr lang="de-DE" dirty="0"/>
+          </a:p>
+        </p:txBody>
+      </p:sp>
+      <p:pic>
+        <p:nvPicPr>
+          <p:cNvPr id="2050" name="Picture 2"/>
+          <p:cNvPicPr>
+            <a:picLocks noChangeAspect="1" noChangeArrowheads="1"/>
+          </p:cNvPicPr>
+          <p:nvPr/>
+        </p:nvPicPr>
+        <p:blipFill>
+          <a:blip r:embed="rId3" cstate="print">
+            <a:extLst>
+              <a:ext uri="{28A0092B-C50C-407E-A947-70E740481C1C}">
+                <a14:useLocalDpi xmlns:a14="http://schemas.microsoft.com/office/drawing/2010/main" xmlns="" val="0"/>
+              </a:ext>
+            </a:extLst>
+          </a:blip>
+          <a:srcRect/>
+          <a:stretch>
+            <a:fillRect/>
+          </a:stretch>
+        </p:blipFill>
+        <p:spPr bwMode="auto">
+          <a:xfrm>
+            <a:off x="6153844" y="4941168"/>
+            <a:ext cx="2450604" cy="1323890"/>
+          </a:xfrm>
+          <a:prstGeom prst="roundRect">
+            <a:avLst>
+              <a:gd name="adj" fmla="val 8594"/>
+            </a:avLst>
+          </a:prstGeom>
+          <a:solidFill>
+            <a:srgbClr val="FFFFFF">
+              <a:shade val="85000"/>
+            </a:srgbClr>
+          </a:solidFill>
+          <a:ln>
+            <a:noFill/>
+          </a:ln>
+          <a:effectLst>
+            <a:reflection blurRad="12700" stA="38000" endPos="28000" dist="5000" dir="5400000" sy="-100000" algn="bl" rotWithShape="0"/>
+          </a:effectLst>
+          <a:extLst>
+            <a:ext uri="{91240B29-F687-4F45-9708-019B960494DF}">
+              <a14:hiddenLine xmlns:a14="http://schemas.microsoft.com/office/drawing/2010/main" xmlns="" w="9525">
+                <a:solidFill>
+                  <a:schemeClr val="tx1"/>
+                </a:solidFill>
+                <a:miter lim="800000"/>
+                <a:headEnd/>
+                <a:tailEnd/>
+              </a14:hiddenLine>
+            </a:ext>
+          </a:extLst>
+        </p:spPr>
+      </p:pic>
     </p:spTree>
     <p:extLst>
       <p:ext uri="{BB962C8B-B14F-4D97-AF65-F5344CB8AC3E}">
-        <p14:creationId xmlns="" xmlns:p14="http://schemas.microsoft.com/office/powerpoint/2010/main" val="1344880779"/>
+        <p14:creationId xmlns:p14="http://schemas.microsoft.com/office/powerpoint/2010/main" xmlns="" val="313312729"/>
       </p:ext>
     </p:extLst>
   </p:cSld>
   <p:clrMapOvr>
     <a:masterClrMapping/>
   </p:clrMapOvr>
+  <p:timing>
+    <p:tnLst>
+      <p:par>
+        <p:cTn id="1" dur="indefinite" restart="never" nodeType="tmRoot"/>
+      </p:par>
+    </p:tnLst>
+  </p:timing>
 </p:sld>
 </file>
 
@@ -18099,112 +18047,186 @@
         </p:nvSpPr>
         <p:spPr/>
         <p:txBody>
-          <a:bodyPr>
-            <a:normAutofit/>
-          </a:bodyPr>
-          <a:lstStyle/>
-          <a:p>
-            <a:r>
-              <a:rPr lang="de-DE" dirty="0" err="1" smtClean="0"/>
-              <a:t>Eventalizer</a:t>
-            </a:r>
-            <a:endParaRPr lang="de-DE" dirty="0" smtClean="0"/>
-          </a:p>
-        </p:txBody>
-      </p:sp>
-      <p:sp>
-        <p:nvSpPr>
-          <p:cNvPr id="3" name="Untertitel 2"/>
-          <p:cNvSpPr>
-            <a:spLocks noGrp="1"/>
-          </p:cNvSpPr>
-          <p:nvPr>
-            <p:ph type="body" idx="1"/>
-          </p:nvPr>
-        </p:nvSpPr>
-        <p:spPr/>
-        <p:txBody>
-          <a:bodyPr/>
-          <a:lstStyle/>
-          <a:p>
-            <a:r>
-              <a:rPr lang="de-DE" dirty="0" smtClean="0"/>
-              <a:t>Vielen Dank für Ihre Aufmerksamkeit</a:t>
-            </a:r>
-          </a:p>
-          <a:p>
-            <a:r>
-              <a:rPr lang="de-DE" dirty="0" smtClean="0"/>
-              <a:t>Gibt es noch Fragen?</a:t>
+          <a:bodyPr/>
+          <a:lstStyle/>
+          <a:p>
+            <a:r>
+              <a:rPr lang="de-DE" dirty="0" smtClean="0"/>
+              <a:t>Reflexion</a:t>
             </a:r>
             <a:endParaRPr lang="de-DE" dirty="0"/>
           </a:p>
         </p:txBody>
       </p:sp>
-      <p:pic>
-        <p:nvPicPr>
-          <p:cNvPr id="4" name="Grafik 3"/>
-          <p:cNvPicPr>
-            <a:picLocks noChangeAspect="1"/>
-          </p:cNvPicPr>
-          <p:nvPr/>
-        </p:nvPicPr>
-        <p:blipFill>
-          <a:blip r:embed="rId3" cstate="print">
-            <a:extLst>
-              <a:ext uri="{28A0092B-C50C-407E-A947-70E740481C1C}">
-                <a14:useLocalDpi xmlns="" xmlns:a14="http://schemas.microsoft.com/office/drawing/2010/main" val="0"/>
-              </a:ext>
-            </a:extLst>
-          </a:blip>
-          <a:stretch>
-            <a:fillRect/>
-          </a:stretch>
-        </p:blipFill>
+      <p:sp>
+        <p:nvSpPr>
+          <p:cNvPr id="3" name="Inhaltsplatzhalter 2"/>
+          <p:cNvSpPr>
+            <a:spLocks noGrp="1"/>
+          </p:cNvSpPr>
+          <p:nvPr>
+            <p:ph idx="1"/>
+          </p:nvPr>
+        </p:nvSpPr>
         <p:spPr>
           <a:xfrm>
-            <a:off x="4899616" y="6220356"/>
-            <a:ext cx="4199228" cy="593020"/>
+            <a:off x="1435608" y="1447800"/>
+            <a:ext cx="7708392" cy="4800600"/>
           </a:xfrm>
-          <a:prstGeom prst="rect">
-            <a:avLst/>
-          </a:prstGeom>
         </p:spPr>
-      </p:pic>
-      <p:pic>
-        <p:nvPicPr>
-          <p:cNvPr id="5" name="Grafik 4"/>
-          <p:cNvPicPr>
-            <a:picLocks noChangeAspect="1"/>
-          </p:cNvPicPr>
-          <p:nvPr/>
-        </p:nvPicPr>
-        <p:blipFill>
-          <a:blip r:embed="rId4" cstate="print">
-            <a:extLst>
-              <a:ext uri="{28A0092B-C50C-407E-A947-70E740481C1C}">
-                <a14:useLocalDpi xmlns="" xmlns:a14="http://schemas.microsoft.com/office/drawing/2010/main" val="0"/>
-              </a:ext>
-            </a:extLst>
-          </a:blip>
-          <a:stretch>
-            <a:fillRect/>
-          </a:stretch>
-        </p:blipFill>
-        <p:spPr>
-          <a:xfrm>
-            <a:off x="2418775" y="5772287"/>
-            <a:ext cx="1236003" cy="1000125"/>
-          </a:xfrm>
-          <a:prstGeom prst="rect">
-            <a:avLst/>
-          </a:prstGeom>
-        </p:spPr>
-      </p:pic>
+        <p:txBody>
+          <a:bodyPr/>
+          <a:lstStyle/>
+          <a:p>
+            <a:r>
+              <a:rPr lang="de-DE" dirty="0" smtClean="0"/>
+              <a:t>Verbesserungspotential</a:t>
+            </a:r>
+          </a:p>
+          <a:p>
+            <a:pPr lvl="1"/>
+            <a:r>
+              <a:rPr lang="de-DE" dirty="0" smtClean="0"/>
+              <a:t>Bedienung </a:t>
+            </a:r>
+            <a:r>
+              <a:rPr lang="de-DE" dirty="0" err="1" smtClean="0"/>
+              <a:t>gitHub</a:t>
+            </a:r>
+            <a:r>
+              <a:rPr lang="de-DE" dirty="0" smtClean="0"/>
+              <a:t> aufwendig</a:t>
+            </a:r>
+            <a:endParaRPr lang="de-DE" dirty="0" smtClean="0"/>
+          </a:p>
+          <a:p>
+            <a:pPr lvl="1"/>
+            <a:r>
+              <a:rPr lang="de-DE" dirty="0" smtClean="0"/>
+              <a:t>Projektmanagement stärker </a:t>
+            </a:r>
+            <a:r>
+              <a:rPr lang="de-DE" dirty="0" smtClean="0"/>
+              <a:t>verfolgen</a:t>
+            </a:r>
+          </a:p>
+          <a:p>
+            <a:pPr lvl="1"/>
+            <a:r>
+              <a:rPr lang="de-DE" dirty="0" err="1" smtClean="0"/>
+              <a:t>Workload</a:t>
+            </a:r>
+            <a:endParaRPr lang="de-DE" dirty="0" smtClean="0"/>
+          </a:p>
+          <a:p>
+            <a:pPr lvl="1"/>
+            <a:endParaRPr lang="de-DE" dirty="0" smtClean="0"/>
+          </a:p>
+          <a:p>
+            <a:r>
+              <a:rPr lang="de-DE" dirty="0" smtClean="0"/>
+              <a:t>Positiv</a:t>
+            </a:r>
+          </a:p>
+          <a:p>
+            <a:pPr lvl="1"/>
+            <a:r>
+              <a:rPr lang="de-DE" dirty="0" err="1" smtClean="0"/>
+              <a:t>PeerReview</a:t>
+            </a:r>
+            <a:endParaRPr lang="de-DE" dirty="0"/>
+          </a:p>
+          <a:p>
+            <a:pPr lvl="1"/>
+            <a:r>
+              <a:rPr lang="de-DE" dirty="0" smtClean="0"/>
+              <a:t>Teamwork</a:t>
+            </a:r>
+          </a:p>
+          <a:p>
+            <a:pPr lvl="1"/>
+            <a:endParaRPr lang="de-DE" dirty="0"/>
+          </a:p>
+          <a:p>
+            <a:pPr lvl="1"/>
+            <a:endParaRPr lang="de-DE" dirty="0"/>
+          </a:p>
+        </p:txBody>
+      </p:sp>
+      <p:sp>
+        <p:nvSpPr>
+          <p:cNvPr id="4" name="Datumsplatzhalter 3"/>
+          <p:cNvSpPr>
+            <a:spLocks noGrp="1"/>
+          </p:cNvSpPr>
+          <p:nvPr>
+            <p:ph type="dt" sz="half" idx="10"/>
+          </p:nvPr>
+        </p:nvSpPr>
+        <p:spPr/>
+        <p:txBody>
+          <a:bodyPr/>
+          <a:lstStyle/>
+          <a:p>
+            <a:r>
+              <a:rPr lang="de-DE" smtClean="0"/>
+              <a:t>21.04.2012</a:t>
+            </a:r>
+            <a:endParaRPr lang="en-US"/>
+          </a:p>
+        </p:txBody>
+      </p:sp>
+      <p:sp>
+        <p:nvSpPr>
+          <p:cNvPr id="5" name="Fußzeilenplatzhalter 4"/>
+          <p:cNvSpPr>
+            <a:spLocks noGrp="1"/>
+          </p:cNvSpPr>
+          <p:nvPr>
+            <p:ph type="ftr" sz="quarter" idx="11"/>
+          </p:nvPr>
+        </p:nvSpPr>
+        <p:spPr/>
+        <p:txBody>
+          <a:bodyPr/>
+          <a:lstStyle/>
+          <a:p>
+            <a:r>
+              <a:rPr lang="de-DE" smtClean="0"/>
+              <a:t>FST Projekt "Eventalizer" (SS 2012) Team 5</a:t>
+            </a:r>
+            <a:endParaRPr lang="de-DE" dirty="0"/>
+          </a:p>
+        </p:txBody>
+      </p:sp>
+      <p:sp>
+        <p:nvSpPr>
+          <p:cNvPr id="6" name="Foliennummernplatzhalter 5"/>
+          <p:cNvSpPr>
+            <a:spLocks noGrp="1"/>
+          </p:cNvSpPr>
+          <p:nvPr>
+            <p:ph type="sldNum" sz="quarter" idx="12"/>
+          </p:nvPr>
+        </p:nvSpPr>
+        <p:spPr/>
+        <p:txBody>
+          <a:bodyPr/>
+          <a:lstStyle/>
+          <a:p>
+            <a:fld id="{990B41CA-569D-40E7-8E58-026C0338B2C8}" type="slidenum">
+              <a:rPr lang="en-US" smtClean="0"/>
+              <a:pPr/>
+              <a:t>39</a:t>
+            </a:fld>
+            <a:endParaRPr lang="en-US"/>
+          </a:p>
+        </p:txBody>
+      </p:sp>
     </p:spTree>
     <p:extLst>
       <p:ext uri="{BB962C8B-B14F-4D97-AF65-F5344CB8AC3E}">
-        <p14:creationId xmlns="" xmlns:p14="http://schemas.microsoft.com/office/powerpoint/2010/main" val="2565098391"/>
+        <p14:creationId xmlns:p14="http://schemas.microsoft.com/office/powerpoint/2010/main" xmlns="" val="1344880779"/>
       </p:ext>
     </p:extLst>
   </p:cSld>
@@ -18362,84 +18384,18 @@
     </p:spTree>
     <p:extLst>
       <p:ext uri="{BB962C8B-B14F-4D97-AF65-F5344CB8AC3E}">
-        <p14:creationId xmlns="" xmlns:p14="http://schemas.microsoft.com/office/powerpoint/2010/main" val="351671181"/>
+        <p14:creationId xmlns:p14="http://schemas.microsoft.com/office/powerpoint/2010/main" xmlns="" val="351671181"/>
       </p:ext>
     </p:extLst>
   </p:cSld>
   <p:clrMapOvr>
     <a:masterClrMapping/>
   </p:clrMapOvr>
-  <p:transition advClick="0" advTm="2000"/>
+  <p:transition/>
   <p:timing>
     <p:tnLst>
       <p:par>
-        <p:cTn id="1" dur="indefinite" restart="never" nodeType="tmRoot">
-          <p:childTnLst>
-            <p:seq concurrent="1" nextAc="seek">
-              <p:cTn id="2" dur="indefinite" nodeType="mainSeq">
-                <p:childTnLst>
-                  <p:par>
-                    <p:cTn id="3" fill="hold">
-                      <p:stCondLst>
-                        <p:cond delay="indefinite"/>
-                        <p:cond evt="onBegin" delay="0">
-                          <p:tn val="2"/>
-                        </p:cond>
-                      </p:stCondLst>
-                      <p:childTnLst>
-                        <p:par>
-                          <p:cTn id="4" fill="hold">
-                            <p:stCondLst>
-                              <p:cond delay="0"/>
-                            </p:stCondLst>
-                            <p:childTnLst>
-                              <p:par>
-                                <p:cTn id="5" presetID="0" presetClass="path" presetSubtype="0" accel="50000" decel="50000" fill="hold" nodeType="withEffect">
-                                  <p:stCondLst>
-                                    <p:cond delay="0"/>
-                                  </p:stCondLst>
-                                  <p:childTnLst>
-                                    <p:animMotion origin="layout" path="M 0 2.96296E-6 L -0.14358 -0.18797 " pathEditMode="relative" rAng="0" ptsTypes="AA">
-                                      <p:cBhvr>
-                                        <p:cTn id="6" dur="1000" fill="hold"/>
-                                        <p:tgtEl>
-                                          <p:spTgt spid="1027"/>
-                                        </p:tgtEl>
-                                        <p:attrNameLst>
-                                          <p:attrName>ppt_x</p:attrName>
-                                          <p:attrName>ppt_y</p:attrName>
-                                        </p:attrNameLst>
-                                      </p:cBhvr>
-                                      <p:rCtr x="-7200" y="-9400"/>
-                                    </p:animMotion>
-                                  </p:childTnLst>
-                                </p:cTn>
-                              </p:par>
-                            </p:childTnLst>
-                          </p:cTn>
-                        </p:par>
-                      </p:childTnLst>
-                    </p:cTn>
-                  </p:par>
-                </p:childTnLst>
-              </p:cTn>
-              <p:prevCondLst>
-                <p:cond evt="onPrev" delay="0">
-                  <p:tgtEl>
-                    <p:sldTgt/>
-                  </p:tgtEl>
-                </p:cond>
-              </p:prevCondLst>
-              <p:nextCondLst>
-                <p:cond evt="onNext" delay="0">
-                  <p:tgtEl>
-                    <p:sldTgt/>
-                  </p:tgtEl>
-                </p:cond>
-              </p:nextCondLst>
-            </p:seq>
-          </p:childTnLst>
-        </p:cTn>
+        <p:cTn id="1" dur="indefinite" restart="never" nodeType="tmRoot"/>
       </p:par>
     </p:tnLst>
   </p:timing>
@@ -18465,35 +18421,12 @@
       </p:grpSpPr>
       <p:sp>
         <p:nvSpPr>
-          <p:cNvPr id="7" name="Titel 6"/>
+          <p:cNvPr id="2" name="Titel 1"/>
           <p:cNvSpPr>
             <a:spLocks noGrp="1"/>
           </p:cNvSpPr>
           <p:nvPr>
             <p:ph type="title"/>
-          </p:nvPr>
-        </p:nvSpPr>
-        <p:spPr/>
-        <p:txBody>
-          <a:bodyPr/>
-          <a:lstStyle/>
-          <a:p>
-            <a:r>
-              <a:rPr lang="de-DE" dirty="0" smtClean="0"/>
-              <a:t>Quellen</a:t>
-            </a:r>
-            <a:endParaRPr lang="de-DE" dirty="0"/>
-          </a:p>
-        </p:txBody>
-      </p:sp>
-      <p:sp>
-        <p:nvSpPr>
-          <p:cNvPr id="8" name="Inhaltsplatzhalter 7"/>
-          <p:cNvSpPr>
-            <a:spLocks noGrp="1"/>
-          </p:cNvSpPr>
-          <p:nvPr>
-            <p:ph idx="1"/>
           </p:nvPr>
         </p:nvSpPr>
         <p:spPr/>
@@ -18504,186 +18437,367 @@
           <a:lstStyle/>
           <a:p>
             <a:r>
-              <a:rPr lang="de-DE" sz="2000" dirty="0" err="1" smtClean="0"/>
-              <a:t>o.V</a:t>
-            </a:r>
-            <a:r>
-              <a:rPr lang="de-DE" sz="2000" dirty="0" smtClean="0"/>
-              <a:t>.: Spring </a:t>
-            </a:r>
-            <a:r>
-              <a:rPr lang="de-DE" sz="2000" dirty="0" err="1"/>
-              <a:t>Roo</a:t>
-            </a:r>
-            <a:r>
-              <a:rPr lang="de-DE" sz="2000" dirty="0"/>
-              <a:t> - Reference </a:t>
-            </a:r>
-            <a:r>
-              <a:rPr lang="de-DE" sz="2000" dirty="0" err="1" smtClean="0"/>
-              <a:t>Documentation</a:t>
-            </a:r>
-            <a:r>
-              <a:rPr lang="de-DE" sz="2000" dirty="0" smtClean="0"/>
-              <a:t>. http</a:t>
-            </a:r>
-            <a:r>
-              <a:rPr lang="de-DE" sz="2000" dirty="0"/>
-              <a:t>://</a:t>
-            </a:r>
-            <a:r>
-              <a:rPr lang="de-DE" sz="2000" dirty="0" smtClean="0"/>
-              <a:t>www.springsource.org/spring-roo#documentation,  Abgerufen am 14.03.2012</a:t>
-            </a:r>
-            <a:endParaRPr lang="de-DE" sz="2000" dirty="0"/>
-          </a:p>
-          <a:p>
-            <a:r>
-              <a:rPr lang="de-DE" sz="2000" dirty="0" err="1"/>
-              <a:t>Shekhar</a:t>
-            </a:r>
-            <a:r>
-              <a:rPr lang="de-DE" sz="2000" dirty="0"/>
-              <a:t> </a:t>
-            </a:r>
-            <a:r>
-              <a:rPr lang="de-DE" sz="2000" dirty="0" err="1"/>
-              <a:t>Gulati</a:t>
-            </a:r>
-            <a:r>
-              <a:rPr lang="de-DE" sz="2000" dirty="0"/>
-              <a:t>: </a:t>
-            </a:r>
-            <a:r>
-              <a:rPr lang="de-DE" sz="2000" dirty="0" err="1"/>
-              <a:t>Introducing</a:t>
-            </a:r>
-            <a:r>
-              <a:rPr lang="de-DE" sz="2000" dirty="0"/>
-              <a:t> Spring </a:t>
-            </a:r>
-            <a:r>
-              <a:rPr lang="de-DE" sz="2000" dirty="0" err="1" smtClean="0"/>
-              <a:t>Roo</a:t>
-            </a:r>
-            <a:r>
-              <a:rPr lang="de-DE" sz="2000" dirty="0"/>
-              <a:t>. http://www.ibm.com/developerworks/library/os-springroo2</a:t>
-            </a:r>
-            <a:r>
-              <a:rPr lang="de-DE" sz="2000" dirty="0" smtClean="0"/>
-              <a:t>/,  Abgerufen 23.04.2012</a:t>
-            </a:r>
-          </a:p>
-          <a:p>
+              <a:rPr lang="de-DE" dirty="0" err="1" smtClean="0"/>
+              <a:t>Eventalizer</a:t>
+            </a:r>
+            <a:endParaRPr lang="de-DE" dirty="0" smtClean="0"/>
+          </a:p>
+        </p:txBody>
+      </p:sp>
+      <p:sp>
+        <p:nvSpPr>
+          <p:cNvPr id="3" name="Untertitel 2"/>
+          <p:cNvSpPr>
+            <a:spLocks noGrp="1"/>
+          </p:cNvSpPr>
+          <p:nvPr>
+            <p:ph type="body" idx="1"/>
+          </p:nvPr>
+        </p:nvSpPr>
+        <p:spPr/>
+        <p:txBody>
+          <a:bodyPr/>
+          <a:lstStyle/>
+          <a:p>
+            <a:r>
+              <a:rPr lang="de-DE" dirty="0" smtClean="0"/>
+              <a:t>Vielen Dank für Ihre Aufmerksamkeit</a:t>
+            </a:r>
+          </a:p>
+          <a:p>
+            <a:r>
+              <a:rPr lang="de-DE" dirty="0" smtClean="0"/>
+              <a:t>Gibt es noch Fragen?</a:t>
+            </a:r>
             <a:endParaRPr lang="de-DE" dirty="0"/>
           </a:p>
-          <a:p>
-            <a:r>
-              <a:rPr lang="de-DE" sz="2400" dirty="0" smtClean="0"/>
-              <a:t>Dekorative Abbildungen</a:t>
-            </a:r>
-          </a:p>
-          <a:p>
-            <a:pPr lvl="1"/>
-            <a:r>
-              <a:rPr lang="de-DE" sz="2000" dirty="0" smtClean="0"/>
-              <a:t>www.FreeDigitalPhotos.net</a:t>
-            </a:r>
-          </a:p>
-          <a:p>
-            <a:pPr lvl="1"/>
-            <a:r>
-              <a:rPr lang="de-DE" sz="2000" dirty="0"/>
-              <a:t>www.animationfactory.com</a:t>
-            </a:r>
-          </a:p>
-          <a:p>
-            <a:pPr lvl="1"/>
-            <a:endParaRPr lang="de-DE" sz="2000" dirty="0"/>
-          </a:p>
-        </p:txBody>
-      </p:sp>
-      <p:sp>
-        <p:nvSpPr>
-          <p:cNvPr id="4" name="Datumsplatzhalter 3"/>
-          <p:cNvSpPr>
-            <a:spLocks noGrp="1"/>
-          </p:cNvSpPr>
-          <p:nvPr>
-            <p:ph type="dt" sz="half" idx="10"/>
-          </p:nvPr>
-        </p:nvSpPr>
-        <p:spPr/>
-        <p:txBody>
-          <a:bodyPr/>
-          <a:lstStyle/>
-          <a:p>
-            <a:r>
-              <a:rPr lang="de-DE" smtClean="0"/>
-              <a:t>21.04.2012</a:t>
-            </a:r>
-            <a:endParaRPr lang="en-US"/>
-          </a:p>
-        </p:txBody>
-      </p:sp>
-      <p:sp>
-        <p:nvSpPr>
-          <p:cNvPr id="5" name="Fußzeilenplatzhalter 4"/>
-          <p:cNvSpPr>
-            <a:spLocks noGrp="1"/>
-          </p:cNvSpPr>
-          <p:nvPr>
-            <p:ph type="ftr" sz="quarter" idx="11"/>
-          </p:nvPr>
-        </p:nvSpPr>
-        <p:spPr/>
-        <p:txBody>
-          <a:bodyPr/>
-          <a:lstStyle/>
-          <a:p>
-            <a:r>
-              <a:rPr lang="de-DE" smtClean="0"/>
-              <a:t>FST Projekt "Eventalizer" (SS 2012) Team 5</a:t>
-            </a:r>
-            <a:endParaRPr lang="de-DE" dirty="0"/>
-          </a:p>
-        </p:txBody>
-      </p:sp>
-      <p:sp>
-        <p:nvSpPr>
-          <p:cNvPr id="6" name="Foliennummernplatzhalter 5"/>
-          <p:cNvSpPr>
-            <a:spLocks noGrp="1"/>
-          </p:cNvSpPr>
-          <p:nvPr>
-            <p:ph type="sldNum" sz="quarter" idx="12"/>
-          </p:nvPr>
-        </p:nvSpPr>
-        <p:spPr/>
-        <p:txBody>
-          <a:bodyPr/>
-          <a:lstStyle/>
-          <a:p>
-            <a:fld id="{990B41CA-569D-40E7-8E58-026C0338B2C8}" type="slidenum">
-              <a:rPr lang="en-US" smtClean="0"/>
-              <a:pPr/>
-              <a:t>40</a:t>
-            </a:fld>
-            <a:endParaRPr lang="en-US"/>
-          </a:p>
-        </p:txBody>
-      </p:sp>
+        </p:txBody>
+      </p:sp>
+      <p:pic>
+        <p:nvPicPr>
+          <p:cNvPr id="4" name="Grafik 3"/>
+          <p:cNvPicPr>
+            <a:picLocks noChangeAspect="1"/>
+          </p:cNvPicPr>
+          <p:nvPr/>
+        </p:nvPicPr>
+        <p:blipFill>
+          <a:blip r:embed="rId3" cstate="print">
+            <a:extLst>
+              <a:ext uri="{28A0092B-C50C-407E-A947-70E740481C1C}">
+                <a14:useLocalDpi xmlns:a14="http://schemas.microsoft.com/office/drawing/2010/main" xmlns="" val="0"/>
+              </a:ext>
+            </a:extLst>
+          </a:blip>
+          <a:stretch>
+            <a:fillRect/>
+          </a:stretch>
+        </p:blipFill>
+        <p:spPr>
+          <a:xfrm>
+            <a:off x="4899616" y="6220356"/>
+            <a:ext cx="4199228" cy="593020"/>
+          </a:xfrm>
+          <a:prstGeom prst="rect">
+            <a:avLst/>
+          </a:prstGeom>
+        </p:spPr>
+      </p:pic>
+      <p:pic>
+        <p:nvPicPr>
+          <p:cNvPr id="5" name="Grafik 4"/>
+          <p:cNvPicPr>
+            <a:picLocks noChangeAspect="1"/>
+          </p:cNvPicPr>
+          <p:nvPr/>
+        </p:nvPicPr>
+        <p:blipFill>
+          <a:blip r:embed="rId4" cstate="print">
+            <a:extLst>
+              <a:ext uri="{28A0092B-C50C-407E-A947-70E740481C1C}">
+                <a14:useLocalDpi xmlns:a14="http://schemas.microsoft.com/office/drawing/2010/main" xmlns="" val="0"/>
+              </a:ext>
+            </a:extLst>
+          </a:blip>
+          <a:stretch>
+            <a:fillRect/>
+          </a:stretch>
+        </p:blipFill>
+        <p:spPr>
+          <a:xfrm>
+            <a:off x="2418775" y="5772287"/>
+            <a:ext cx="1236003" cy="1000125"/>
+          </a:xfrm>
+          <a:prstGeom prst="rect">
+            <a:avLst/>
+          </a:prstGeom>
+        </p:spPr>
+      </p:pic>
     </p:spTree>
     <p:extLst>
       <p:ext uri="{BB962C8B-B14F-4D97-AF65-F5344CB8AC3E}">
-        <p14:creationId xmlns="" xmlns:p14="http://schemas.microsoft.com/office/powerpoint/2010/main" val="3661383713"/>
+        <p14:creationId xmlns:p14="http://schemas.microsoft.com/office/powerpoint/2010/main" xmlns="" val="2565098391"/>
       </p:ext>
     </p:extLst>
   </p:cSld>
   <p:clrMapOvr>
     <a:masterClrMapping/>
   </p:clrMapOvr>
+  <p:timing>
+    <p:tnLst>
+      <p:par>
+        <p:cTn id="1" dur="indefinite" restart="never" nodeType="tmRoot"/>
+      </p:par>
+    </p:tnLst>
+  </p:timing>
+</p:sld>
+</file>
+
+<file path=ppt/slides/slide41.xml><?xml version="1.0" encoding="utf-8"?>
+<p:sld xmlns:a="http://schemas.openxmlformats.org/drawingml/2006/main" xmlns:r="http://schemas.openxmlformats.org/officeDocument/2006/relationships" xmlns:p="http://schemas.openxmlformats.org/presentationml/2006/main">
+  <p:cSld>
+    <p:spTree>
+      <p:nvGrpSpPr>
+        <p:cNvPr id="1" name=""/>
+        <p:cNvGrpSpPr/>
+        <p:nvPr/>
+      </p:nvGrpSpPr>
+      <p:grpSpPr>
+        <a:xfrm>
+          <a:off x="0" y="0"/>
+          <a:ext cx="0" cy="0"/>
+          <a:chOff x="0" y="0"/>
+          <a:chExt cx="0" cy="0"/>
+        </a:xfrm>
+      </p:grpSpPr>
+      <p:sp>
+        <p:nvSpPr>
+          <p:cNvPr id="7" name="Titel 6"/>
+          <p:cNvSpPr>
+            <a:spLocks noGrp="1"/>
+          </p:cNvSpPr>
+          <p:nvPr>
+            <p:ph type="title"/>
+          </p:nvPr>
+        </p:nvSpPr>
+        <p:spPr/>
+        <p:txBody>
+          <a:bodyPr/>
+          <a:lstStyle/>
+          <a:p>
+            <a:r>
+              <a:rPr lang="de-DE" dirty="0" smtClean="0"/>
+              <a:t>Quellen</a:t>
+            </a:r>
+            <a:endParaRPr lang="de-DE" dirty="0"/>
+          </a:p>
+        </p:txBody>
+      </p:sp>
+      <p:sp>
+        <p:nvSpPr>
+          <p:cNvPr id="8" name="Inhaltsplatzhalter 7"/>
+          <p:cNvSpPr>
+            <a:spLocks noGrp="1"/>
+          </p:cNvSpPr>
+          <p:nvPr>
+            <p:ph idx="1"/>
+          </p:nvPr>
+        </p:nvSpPr>
+        <p:spPr/>
+        <p:txBody>
+          <a:bodyPr>
+            <a:normAutofit/>
+          </a:bodyPr>
+          <a:lstStyle/>
+          <a:p>
+            <a:r>
+              <a:rPr lang="de-DE" sz="2000" dirty="0" err="1" smtClean="0"/>
+              <a:t>o.V</a:t>
+            </a:r>
+            <a:r>
+              <a:rPr lang="de-DE" sz="2000" dirty="0" smtClean="0"/>
+              <a:t>.: Spring </a:t>
+            </a:r>
+            <a:r>
+              <a:rPr lang="de-DE" sz="2000" dirty="0" err="1"/>
+              <a:t>Roo</a:t>
+            </a:r>
+            <a:r>
+              <a:rPr lang="de-DE" sz="2000" dirty="0"/>
+              <a:t> - Reference </a:t>
+            </a:r>
+            <a:r>
+              <a:rPr lang="de-DE" sz="2000" dirty="0" err="1" smtClean="0"/>
+              <a:t>Documentation</a:t>
+            </a:r>
+            <a:r>
+              <a:rPr lang="de-DE" sz="2000" dirty="0" smtClean="0"/>
+              <a:t>. http</a:t>
+            </a:r>
+            <a:r>
+              <a:rPr lang="de-DE" sz="2000" dirty="0"/>
+              <a:t>://</a:t>
+            </a:r>
+            <a:r>
+              <a:rPr lang="de-DE" sz="2000" dirty="0" smtClean="0"/>
+              <a:t>www.springsource.org/spring-roo#documentation,  Abgerufen am 14.03.2012</a:t>
+            </a:r>
+            <a:endParaRPr lang="de-DE" sz="2000" dirty="0"/>
+          </a:p>
+          <a:p>
+            <a:r>
+              <a:rPr lang="de-DE" sz="2000" dirty="0" err="1"/>
+              <a:t>Shekhar</a:t>
+            </a:r>
+            <a:r>
+              <a:rPr lang="de-DE" sz="2000" dirty="0"/>
+              <a:t> </a:t>
+            </a:r>
+            <a:r>
+              <a:rPr lang="de-DE" sz="2000" dirty="0" err="1"/>
+              <a:t>Gulati</a:t>
+            </a:r>
+            <a:r>
+              <a:rPr lang="de-DE" sz="2000" dirty="0"/>
+              <a:t>: </a:t>
+            </a:r>
+            <a:r>
+              <a:rPr lang="de-DE" sz="2000" dirty="0" err="1"/>
+              <a:t>Introducing</a:t>
+            </a:r>
+            <a:r>
+              <a:rPr lang="de-DE" sz="2000" dirty="0"/>
+              <a:t> Spring </a:t>
+            </a:r>
+            <a:r>
+              <a:rPr lang="de-DE" sz="2000" dirty="0" err="1" smtClean="0"/>
+              <a:t>Roo</a:t>
+            </a:r>
+            <a:r>
+              <a:rPr lang="de-DE" sz="2000" dirty="0"/>
+              <a:t>. http://www.ibm.com/developerworks/library/os-springroo2</a:t>
+            </a:r>
+            <a:r>
+              <a:rPr lang="de-DE" sz="2000" dirty="0" smtClean="0"/>
+              <a:t>/,  Abgerufen 23.04.2012</a:t>
+            </a:r>
+          </a:p>
+          <a:p>
+            <a:endParaRPr lang="de-DE" dirty="0"/>
+          </a:p>
+          <a:p>
+            <a:r>
+              <a:rPr lang="de-DE" sz="2400" dirty="0" smtClean="0"/>
+              <a:t>Dekorative Abbildungen</a:t>
+            </a:r>
+          </a:p>
+          <a:p>
+            <a:pPr lvl="1"/>
+            <a:r>
+              <a:rPr lang="de-DE" sz="2000" dirty="0" smtClean="0"/>
+              <a:t>www.FreeDigitalPhotos.net</a:t>
+            </a:r>
+          </a:p>
+          <a:p>
+            <a:pPr lvl="1"/>
+            <a:r>
+              <a:rPr lang="de-DE" sz="2000" dirty="0"/>
+              <a:t>www.animationfactory.com</a:t>
+            </a:r>
+          </a:p>
+          <a:p>
+            <a:pPr lvl="1"/>
+            <a:endParaRPr lang="de-DE" sz="2000" dirty="0"/>
+          </a:p>
+        </p:txBody>
+      </p:sp>
+      <p:sp>
+        <p:nvSpPr>
+          <p:cNvPr id="4" name="Datumsplatzhalter 3"/>
+          <p:cNvSpPr>
+            <a:spLocks noGrp="1"/>
+          </p:cNvSpPr>
+          <p:nvPr>
+            <p:ph type="dt" sz="half" idx="10"/>
+          </p:nvPr>
+        </p:nvSpPr>
+        <p:spPr/>
+        <p:txBody>
+          <a:bodyPr/>
+          <a:lstStyle/>
+          <a:p>
+            <a:r>
+              <a:rPr lang="de-DE" smtClean="0"/>
+              <a:t>21.04.2012</a:t>
+            </a:r>
+            <a:endParaRPr lang="en-US"/>
+          </a:p>
+        </p:txBody>
+      </p:sp>
+      <p:sp>
+        <p:nvSpPr>
+          <p:cNvPr id="5" name="Fußzeilenplatzhalter 4"/>
+          <p:cNvSpPr>
+            <a:spLocks noGrp="1"/>
+          </p:cNvSpPr>
+          <p:nvPr>
+            <p:ph type="ftr" sz="quarter" idx="11"/>
+          </p:nvPr>
+        </p:nvSpPr>
+        <p:spPr/>
+        <p:txBody>
+          <a:bodyPr/>
+          <a:lstStyle/>
+          <a:p>
+            <a:r>
+              <a:rPr lang="de-DE" smtClean="0"/>
+              <a:t>FST Projekt "Eventalizer" (SS 2012) Team 5</a:t>
+            </a:r>
+            <a:endParaRPr lang="de-DE" dirty="0"/>
+          </a:p>
+        </p:txBody>
+      </p:sp>
+      <p:sp>
+        <p:nvSpPr>
+          <p:cNvPr id="6" name="Foliennummernplatzhalter 5"/>
+          <p:cNvSpPr>
+            <a:spLocks noGrp="1"/>
+          </p:cNvSpPr>
+          <p:nvPr>
+            <p:ph type="sldNum" sz="quarter" idx="12"/>
+          </p:nvPr>
+        </p:nvSpPr>
+        <p:spPr/>
+        <p:txBody>
+          <a:bodyPr/>
+          <a:lstStyle/>
+          <a:p>
+            <a:fld id="{990B41CA-569D-40E7-8E58-026C0338B2C8}" type="slidenum">
+              <a:rPr lang="en-US" smtClean="0"/>
+              <a:pPr/>
+              <a:t>41</a:t>
+            </a:fld>
+            <a:endParaRPr lang="en-US"/>
+          </a:p>
+        </p:txBody>
+      </p:sp>
+    </p:spTree>
+    <p:extLst>
+      <p:ext uri="{BB962C8B-B14F-4D97-AF65-F5344CB8AC3E}">
+        <p14:creationId xmlns:p14="http://schemas.microsoft.com/office/powerpoint/2010/main" xmlns="" val="3661383713"/>
+      </p:ext>
+    </p:extLst>
+  </p:cSld>
+  <p:clrMapOvr>
+    <a:masterClrMapping/>
+  </p:clrMapOvr>
+  <p:timing>
+    <p:tnLst>
+      <p:par>
+        <p:cTn id="1" dur="indefinite" restart="never" nodeType="tmRoot"/>
+      </p:par>
+    </p:tnLst>
+  </p:timing>
 </p:sld>
 </file>
 
@@ -19005,7 +19119,7 @@
     </p:spTree>
     <p:extLst>
       <p:ext uri="{BB962C8B-B14F-4D97-AF65-F5344CB8AC3E}">
-        <p14:creationId xmlns="" xmlns:p14="http://schemas.microsoft.com/office/powerpoint/2010/main" val="351671181"/>
+        <p14:creationId xmlns:p14="http://schemas.microsoft.com/office/powerpoint/2010/main" xmlns="" val="351671181"/>
       </p:ext>
     </p:extLst>
   </p:cSld>
@@ -19126,7 +19240,7 @@
           <a:blip r:embed="rId3" cstate="print">
             <a:extLst>
               <a:ext uri="{28A0092B-C50C-407E-A947-70E740481C1C}">
-                <a14:useLocalDpi xmlns="" xmlns:a14="http://schemas.microsoft.com/office/drawing/2010/main" val="0"/>
+                <a14:useLocalDpi xmlns:a14="http://schemas.microsoft.com/office/drawing/2010/main" xmlns="" val="0"/>
               </a:ext>
             </a:extLst>
           </a:blip>
@@ -19177,14 +19291,14 @@
           </a:sp3d>
           <a:extLst>
             <a:ext uri="{909E8E84-426E-40DD-AFC4-6F175D3DCCD1}">
-              <a14:hiddenFill xmlns="" xmlns:a14="http://schemas.microsoft.com/office/drawing/2010/main">
+              <a14:hiddenFill xmlns:a14="http://schemas.microsoft.com/office/drawing/2010/main" xmlns="">
                 <a:solidFill>
                   <a:schemeClr val="accent1"/>
                 </a:solidFill>
               </a14:hiddenFill>
             </a:ext>
             <a:ext uri="{91240B29-F687-4F45-9708-019B960494DF}">
-              <a14:hiddenLine xmlns="" xmlns:a14="http://schemas.microsoft.com/office/drawing/2010/main" w="9525">
+              <a14:hiddenLine xmlns:a14="http://schemas.microsoft.com/office/drawing/2010/main" xmlns="" w="9525">
                 <a:solidFill>
                   <a:schemeClr val="tx1"/>
                 </a:solidFill>
@@ -19194,7 +19308,7 @@
               </a14:hiddenLine>
             </a:ext>
             <a:ext uri="{AF507438-7753-43E0-B8FC-AC1667EBCBE1}">
-              <a14:hiddenEffects xmlns="" xmlns:a14="http://schemas.microsoft.com/office/drawing/2010/main">
+              <a14:hiddenEffects xmlns:a14="http://schemas.microsoft.com/office/drawing/2010/main" xmlns="">
                 <a:effectLst>
                   <a:outerShdw dist="35921" dir="2700000" algn="ctr" rotWithShape="0">
                     <a:schemeClr val="bg2"/>
@@ -19208,7 +19322,7 @@
     </p:spTree>
     <p:extLst>
       <p:ext uri="{BB962C8B-B14F-4D97-AF65-F5344CB8AC3E}">
-        <p14:creationId xmlns="" xmlns:p14="http://schemas.microsoft.com/office/powerpoint/2010/main" val="2681693288"/>
+        <p14:creationId xmlns:p14="http://schemas.microsoft.com/office/powerpoint/2010/main" xmlns="" val="2681693288"/>
       </p:ext>
     </p:extLst>
   </p:cSld>
@@ -19407,7 +19521,7 @@
     </p:spTree>
     <p:extLst>
       <p:ext uri="{BB962C8B-B14F-4D97-AF65-F5344CB8AC3E}">
-        <p14:creationId xmlns="" xmlns:p14="http://schemas.microsoft.com/office/powerpoint/2010/main" val="2681693288"/>
+        <p14:creationId xmlns:p14="http://schemas.microsoft.com/office/powerpoint/2010/main" xmlns="" val="2681693288"/>
       </p:ext>
     </p:extLst>
   </p:cSld>
@@ -19574,7 +19688,7 @@
         </p:nvSpPr>
         <p:spPr>
           <a:xfrm>
-            <a:off x="3851920" y="2409652"/>
+            <a:off x="3491880" y="2771636"/>
             <a:ext cx="2088232" cy="369332"/>
           </a:xfrm>
           <a:prstGeom prst="rect">
@@ -19588,40 +19702,10 @@
           </a:bodyPr>
           <a:lstStyle/>
           <a:p>
-            <a:r>
-              <a:rPr lang="de-DE" dirty="0" err="1" smtClean="0"/>
+            <a:pPr algn="ctr"/>
+            <a:r>
+              <a:rPr lang="de-DE" dirty="0" smtClean="0"/>
               <a:t>Eventalizer</a:t>
-            </a:r>
-            <a:endParaRPr lang="de-DE" dirty="0"/>
-          </a:p>
-        </p:txBody>
-      </p:sp>
-      <p:sp>
-        <p:nvSpPr>
-          <p:cNvPr id="7" name="Textfeld 6"/>
-          <p:cNvSpPr txBox="1"/>
-          <p:nvPr/>
-        </p:nvSpPr>
-        <p:spPr>
-          <a:xfrm>
-            <a:off x="3851920" y="2778984"/>
-            <a:ext cx="1296144" cy="369332"/>
-          </a:xfrm>
-          <a:prstGeom prst="rect">
-            <a:avLst/>
-          </a:prstGeom>
-          <a:noFill/>
-        </p:spPr>
-        <p:txBody>
-          <a:bodyPr wrap="square" rtlCol="0">
-            <a:spAutoFit/>
-          </a:bodyPr>
-          <a:lstStyle/>
-          <a:p>
-            <a:pPr algn="ctr"/>
-            <a:r>
-              <a:rPr lang="de-DE" dirty="0" err="1" smtClean="0"/>
-              <a:t>oAuth</a:t>
             </a:r>
             <a:endParaRPr lang="de-DE" dirty="0"/>
           </a:p>
@@ -19690,9 +19774,7 @@
       <p:cxnSp>
         <p:nvCxnSpPr>
           <p:cNvPr id="16" name="Gerade Verbindung 15"/>
-          <p:cNvCxnSpPr>
-            <a:stCxn id="7" idx="2"/>
-          </p:cNvCxnSpPr>
+          <p:cNvCxnSpPr/>
           <p:nvPr/>
         </p:nvCxnSpPr>
         <p:spPr>
@@ -19722,9 +19804,7 @@
       <p:cxnSp>
         <p:nvCxnSpPr>
           <p:cNvPr id="18" name="Gerade Verbindung 17"/>
-          <p:cNvCxnSpPr>
-            <a:stCxn id="7" idx="2"/>
-          </p:cNvCxnSpPr>
+          <p:cNvCxnSpPr/>
           <p:nvPr/>
         </p:nvCxnSpPr>
         <p:spPr>
@@ -19789,7 +19869,7 @@
         </p:nvSpPr>
         <p:spPr>
           <a:xfrm>
-            <a:off x="6300192" y="4096924"/>
+            <a:off x="6228184" y="4077072"/>
             <a:ext cx="1368152" cy="369332"/>
           </a:xfrm>
           <a:prstGeom prst="rect">
@@ -19871,10 +19951,74 @@
           </a:p>
         </p:txBody>
       </p:sp>
+      <p:cxnSp>
+        <p:nvCxnSpPr>
+          <p:cNvPr id="17" name="Gerade Verbindung 16"/>
+          <p:cNvCxnSpPr/>
+          <p:nvPr/>
+        </p:nvCxnSpPr>
+        <p:spPr>
+          <a:xfrm>
+            <a:off x="4499992" y="3148316"/>
+            <a:ext cx="2664296" cy="280684"/>
+          </a:xfrm>
+          <a:prstGeom prst="line">
+            <a:avLst/>
+          </a:prstGeom>
+        </p:spPr>
+        <p:style>
+          <a:lnRef idx="1">
+            <a:schemeClr val="accent1"/>
+          </a:lnRef>
+          <a:fillRef idx="0">
+            <a:schemeClr val="accent1"/>
+          </a:fillRef>
+          <a:effectRef idx="0">
+            <a:schemeClr val="accent1"/>
+          </a:effectRef>
+          <a:fontRef idx="minor">
+            <a:schemeClr val="tx1"/>
+          </a:fontRef>
+        </p:style>
+      </p:cxnSp>
+      <p:sp>
+        <p:nvSpPr>
+          <p:cNvPr id="26" name="Textfeld 25"/>
+          <p:cNvSpPr txBox="1"/>
+          <p:nvPr/>
+        </p:nvSpPr>
+        <p:spPr>
+          <a:xfrm>
+            <a:off x="7236296" y="3284984"/>
+            <a:ext cx="1368152" cy="646331"/>
+          </a:xfrm>
+          <a:prstGeom prst="rect">
+            <a:avLst/>
+          </a:prstGeom>
+          <a:noFill/>
+        </p:spPr>
+        <p:txBody>
+          <a:bodyPr wrap="square" rtlCol="0">
+            <a:spAutoFit/>
+          </a:bodyPr>
+          <a:lstStyle/>
+          <a:p>
+            <a:r>
+              <a:rPr lang="de-DE" dirty="0" smtClean="0"/>
+              <a:t>Google </a:t>
+            </a:r>
+            <a:r>
+              <a:rPr lang="de-DE" dirty="0" err="1" smtClean="0"/>
+              <a:t>maps</a:t>
+            </a:r>
+            <a:endParaRPr lang="de-DE" dirty="0"/>
+          </a:p>
+        </p:txBody>
+      </p:sp>
     </p:spTree>
     <p:extLst>
       <p:ext uri="{BB962C8B-B14F-4D97-AF65-F5344CB8AC3E}">
-        <p14:creationId xmlns="" xmlns:p14="http://schemas.microsoft.com/office/powerpoint/2010/main" val="2857272158"/>
+        <p14:creationId xmlns:p14="http://schemas.microsoft.com/office/powerpoint/2010/main" xmlns="" val="2857272158"/>
       </p:ext>
     </p:extLst>
   </p:cSld>
@@ -19954,7 +20098,7 @@
           <a:blip r:embed="rId2" cstate="print">
             <a:extLst>
               <a:ext uri="{28A0092B-C50C-407E-A947-70E740481C1C}">
-                <a14:useLocalDpi xmlns="" xmlns:a14="http://schemas.microsoft.com/office/drawing/2010/main" val="0"/>
+                <a14:useLocalDpi xmlns:a14="http://schemas.microsoft.com/office/drawing/2010/main" xmlns="" val="0"/>
               </a:ext>
             </a:extLst>
           </a:blip>
@@ -19977,14 +20121,14 @@
           <a:effectLst/>
           <a:extLst>
             <a:ext uri="{909E8E84-426E-40DD-AFC4-6F175D3DCCD1}">
-              <a14:hiddenFill xmlns="" xmlns:a14="http://schemas.microsoft.com/office/drawing/2010/main">
+              <a14:hiddenFill xmlns:a14="http://schemas.microsoft.com/office/drawing/2010/main" xmlns="">
                 <a:solidFill>
                   <a:schemeClr val="accent1"/>
                 </a:solidFill>
               </a14:hiddenFill>
             </a:ext>
             <a:ext uri="{91240B29-F687-4F45-9708-019B960494DF}">
-              <a14:hiddenLine xmlns="" xmlns:a14="http://schemas.microsoft.com/office/drawing/2010/main" w="9525">
+              <a14:hiddenLine xmlns:a14="http://schemas.microsoft.com/office/drawing/2010/main" xmlns="" w="9525">
                 <a:solidFill>
                   <a:schemeClr val="tx1"/>
                 </a:solidFill>
@@ -19994,7 +20138,7 @@
               </a14:hiddenLine>
             </a:ext>
             <a:ext uri="{AF507438-7753-43E0-B8FC-AC1667EBCBE1}">
-              <a14:hiddenEffects xmlns="" xmlns:a14="http://schemas.microsoft.com/office/drawing/2010/main">
+              <a14:hiddenEffects xmlns:a14="http://schemas.microsoft.com/office/drawing/2010/main" xmlns="">
                 <a:effectLst>
                   <a:outerShdw dist="35921" dir="2700000" algn="ctr" rotWithShape="0">
                     <a:schemeClr val="bg2"/>
@@ -20279,7 +20423,7 @@
     </p:spTree>
     <p:extLst>
       <p:ext uri="{BB962C8B-B14F-4D97-AF65-F5344CB8AC3E}">
-        <p14:creationId xmlns="" xmlns:p14="http://schemas.microsoft.com/office/powerpoint/2010/main" val="3542583579"/>
+        <p14:creationId xmlns:p14="http://schemas.microsoft.com/office/powerpoint/2010/main" xmlns="" val="3542583579"/>
       </p:ext>
     </p:extLst>
   </p:cSld>

--- a/Dokumente/Abschlusspr�si/Abschlusspr�sentation.pptx
+++ b/Dokumente/Abschlusspr�si/Abschlusspr�sentation.pptx
@@ -5,7 +5,7 @@
     <p:sldMasterId id="2147483744" r:id="rId1"/>
   </p:sldMasterIdLst>
   <p:notesMasterIdLst>
-    <p:notesMasterId r:id="rId43"/>
+    <p:notesMasterId r:id="rId42"/>
   </p:notesMasterIdLst>
   <p:sldIdLst>
     <p:sldId id="256" r:id="rId2"/>
@@ -34,21 +34,20 @@
     <p:sldId id="297" r:id="rId25"/>
     <p:sldId id="306" r:id="rId26"/>
     <p:sldId id="341" r:id="rId27"/>
-    <p:sldId id="320" r:id="rId28"/>
-    <p:sldId id="321" r:id="rId29"/>
-    <p:sldId id="322" r:id="rId30"/>
-    <p:sldId id="323" r:id="rId31"/>
-    <p:sldId id="324" r:id="rId32"/>
-    <p:sldId id="325" r:id="rId33"/>
-    <p:sldId id="307" r:id="rId34"/>
-    <p:sldId id="316" r:id="rId35"/>
-    <p:sldId id="309" r:id="rId36"/>
-    <p:sldId id="301" r:id="rId37"/>
-    <p:sldId id="300" r:id="rId38"/>
-    <p:sldId id="303" r:id="rId39"/>
-    <p:sldId id="319" r:id="rId40"/>
-    <p:sldId id="290" r:id="rId41"/>
-    <p:sldId id="318" r:id="rId42"/>
+    <p:sldId id="321" r:id="rId28"/>
+    <p:sldId id="322" r:id="rId29"/>
+    <p:sldId id="323" r:id="rId30"/>
+    <p:sldId id="324" r:id="rId31"/>
+    <p:sldId id="325" r:id="rId32"/>
+    <p:sldId id="307" r:id="rId33"/>
+    <p:sldId id="316" r:id="rId34"/>
+    <p:sldId id="309" r:id="rId35"/>
+    <p:sldId id="301" r:id="rId36"/>
+    <p:sldId id="300" r:id="rId37"/>
+    <p:sldId id="303" r:id="rId38"/>
+    <p:sldId id="319" r:id="rId39"/>
+    <p:sldId id="290" r:id="rId40"/>
+    <p:sldId id="318" r:id="rId41"/>
   </p:sldIdLst>
   <p:sldSz cx="9144000" cy="6858000" type="screen4x3"/>
   <p:notesSz cx="6858000" cy="9144000"/>
@@ -410,7 +409,7 @@
     </p:spTree>
     <p:extLst>
       <p:ext uri="{BB962C8B-B14F-4D97-AF65-F5344CB8AC3E}">
-        <p14:creationId xmlns:p14="http://schemas.microsoft.com/office/powerpoint/2010/main" xmlns="" val="2610097957"/>
+        <p14:creationId xmlns="" xmlns:p14="http://schemas.microsoft.com/office/powerpoint/2010/main" val="2610097957"/>
       </p:ext>
     </p:extLst>
   </p:cSld>
@@ -585,7 +584,7 @@
     </p:spTree>
     <p:extLst>
       <p:ext uri="{BB962C8B-B14F-4D97-AF65-F5344CB8AC3E}">
-        <p14:creationId xmlns:p14="http://schemas.microsoft.com/office/powerpoint/2010/main" xmlns="" val="2116472317"/>
+        <p14:creationId xmlns="" xmlns:p14="http://schemas.microsoft.com/office/powerpoint/2010/main" val="2116472317"/>
       </p:ext>
     </p:extLst>
   </p:cSld>
@@ -682,7 +681,7 @@
     </p:spTree>
     <p:extLst>
       <p:ext uri="{BB962C8B-B14F-4D97-AF65-F5344CB8AC3E}">
-        <p14:creationId xmlns:p14="http://schemas.microsoft.com/office/powerpoint/2010/main" xmlns="" val="2934279750"/>
+        <p14:creationId xmlns="" xmlns:p14="http://schemas.microsoft.com/office/powerpoint/2010/main" val="2934279750"/>
       </p:ext>
     </p:extLst>
   </p:cSld>
@@ -779,7 +778,7 @@
     </p:spTree>
     <p:extLst>
       <p:ext uri="{BB962C8B-B14F-4D97-AF65-F5344CB8AC3E}">
-        <p14:creationId xmlns:p14="http://schemas.microsoft.com/office/powerpoint/2010/main" xmlns="" val="2934279750"/>
+        <p14:creationId xmlns="" xmlns:p14="http://schemas.microsoft.com/office/powerpoint/2010/main" val="2934279750"/>
       </p:ext>
     </p:extLst>
   </p:cSld>
@@ -876,7 +875,7 @@
     </p:spTree>
     <p:extLst>
       <p:ext uri="{BB962C8B-B14F-4D97-AF65-F5344CB8AC3E}">
-        <p14:creationId xmlns:p14="http://schemas.microsoft.com/office/powerpoint/2010/main" xmlns="" val="2934279750"/>
+        <p14:creationId xmlns="" xmlns:p14="http://schemas.microsoft.com/office/powerpoint/2010/main" val="2934279750"/>
       </p:ext>
     </p:extLst>
   </p:cSld>
@@ -965,7 +964,7 @@
     </p:spTree>
     <p:extLst>
       <p:ext uri="{BB962C8B-B14F-4D97-AF65-F5344CB8AC3E}">
-        <p14:creationId xmlns:p14="http://schemas.microsoft.com/office/powerpoint/2010/main" xmlns="" val="135288531"/>
+        <p14:creationId xmlns="" xmlns:p14="http://schemas.microsoft.com/office/powerpoint/2010/main" val="135288531"/>
       </p:ext>
     </p:extLst>
   </p:cSld>
@@ -1058,7 +1057,7 @@
     </p:spTree>
     <p:extLst>
       <p:ext uri="{BB962C8B-B14F-4D97-AF65-F5344CB8AC3E}">
-        <p14:creationId xmlns:p14="http://schemas.microsoft.com/office/powerpoint/2010/main" xmlns="" val="2825845930"/>
+        <p14:creationId xmlns="" xmlns:p14="http://schemas.microsoft.com/office/powerpoint/2010/main" val="2825845930"/>
       </p:ext>
     </p:extLst>
   </p:cSld>
@@ -1159,7 +1158,7 @@
     </p:spTree>
     <p:extLst>
       <p:ext uri="{BB962C8B-B14F-4D97-AF65-F5344CB8AC3E}">
-        <p14:creationId xmlns:p14="http://schemas.microsoft.com/office/powerpoint/2010/main" xmlns="" val="3912581999"/>
+        <p14:creationId xmlns="" xmlns:p14="http://schemas.microsoft.com/office/powerpoint/2010/main" val="3912581999"/>
       </p:ext>
     </p:extLst>
   </p:cSld>
@@ -1292,7 +1291,7 @@
     </p:spTree>
     <p:extLst>
       <p:ext uri="{BB962C8B-B14F-4D97-AF65-F5344CB8AC3E}">
-        <p14:creationId xmlns:p14="http://schemas.microsoft.com/office/powerpoint/2010/main" xmlns="" val="802076649"/>
+        <p14:creationId xmlns="" xmlns:p14="http://schemas.microsoft.com/office/powerpoint/2010/main" val="802076649"/>
       </p:ext>
     </p:extLst>
   </p:cSld>
@@ -1425,7 +1424,7 @@
     </p:spTree>
     <p:extLst>
       <p:ext uri="{BB962C8B-B14F-4D97-AF65-F5344CB8AC3E}">
-        <p14:creationId xmlns:p14="http://schemas.microsoft.com/office/powerpoint/2010/main" xmlns="" val="802076649"/>
+        <p14:creationId xmlns="" xmlns:p14="http://schemas.microsoft.com/office/powerpoint/2010/main" val="802076649"/>
       </p:ext>
     </p:extLst>
   </p:cSld>
@@ -1558,7 +1557,7 @@
     </p:spTree>
     <p:extLst>
       <p:ext uri="{BB962C8B-B14F-4D97-AF65-F5344CB8AC3E}">
-        <p14:creationId xmlns:p14="http://schemas.microsoft.com/office/powerpoint/2010/main" xmlns="" val="802076649"/>
+        <p14:creationId xmlns="" xmlns:p14="http://schemas.microsoft.com/office/powerpoint/2010/main" val="802076649"/>
       </p:ext>
     </p:extLst>
   </p:cSld>
@@ -1691,7 +1690,7 @@
     </p:spTree>
     <p:extLst>
       <p:ext uri="{BB962C8B-B14F-4D97-AF65-F5344CB8AC3E}">
-        <p14:creationId xmlns:p14="http://schemas.microsoft.com/office/powerpoint/2010/main" xmlns="" val="802076649"/>
+        <p14:creationId xmlns="" xmlns:p14="http://schemas.microsoft.com/office/powerpoint/2010/main" val="802076649"/>
       </p:ext>
     </p:extLst>
   </p:cSld>
@@ -2016,7 +2015,7 @@
     </p:spTree>
     <p:extLst>
       <p:ext uri="{BB962C8B-B14F-4D97-AF65-F5344CB8AC3E}">
-        <p14:creationId xmlns:p14="http://schemas.microsoft.com/office/powerpoint/2010/main" xmlns="" val="517533983"/>
+        <p14:creationId xmlns="" xmlns:p14="http://schemas.microsoft.com/office/powerpoint/2010/main" val="517533983"/>
       </p:ext>
     </p:extLst>
   </p:cSld>
@@ -2149,7 +2148,7 @@
     </p:spTree>
     <p:extLst>
       <p:ext uri="{BB962C8B-B14F-4D97-AF65-F5344CB8AC3E}">
-        <p14:creationId xmlns:p14="http://schemas.microsoft.com/office/powerpoint/2010/main" xmlns="" val="802076649"/>
+        <p14:creationId xmlns="" xmlns:p14="http://schemas.microsoft.com/office/powerpoint/2010/main" val="802076649"/>
       </p:ext>
     </p:extLst>
   </p:cSld>
@@ -2282,7 +2281,7 @@
     </p:spTree>
     <p:extLst>
       <p:ext uri="{BB962C8B-B14F-4D97-AF65-F5344CB8AC3E}">
-        <p14:creationId xmlns:p14="http://schemas.microsoft.com/office/powerpoint/2010/main" xmlns="" val="802076649"/>
+        <p14:creationId xmlns="" xmlns:p14="http://schemas.microsoft.com/office/powerpoint/2010/main" val="802076649"/>
       </p:ext>
     </p:extLst>
   </p:cSld>
@@ -2333,57 +2332,135 @@
         </p:nvSpPr>
         <p:spPr/>
         <p:txBody>
-          <a:bodyPr/>
-          <a:lstStyle/>
-          <a:p>
-            <a:r>
-              <a:rPr lang="de-DE" dirty="0" smtClean="0"/>
-              <a:t>Blau: Event </a:t>
-            </a:r>
+          <a:bodyPr>
+            <a:normAutofit fontScale="70000" lnSpcReduction="20000"/>
+          </a:bodyPr>
+          <a:lstStyle/>
+          <a:p>
             <a:r>
               <a:rPr lang="de-DE" dirty="0" err="1" smtClean="0"/>
-              <a:t>anlage</a:t>
-            </a:r>
-            <a:endParaRPr lang="de-DE" dirty="0" smtClean="0"/>
-          </a:p>
-          <a:p>
-            <a:r>
-              <a:rPr lang="de-DE" dirty="0" smtClean="0"/>
-              <a:t>DB Table Event, </a:t>
-            </a:r>
-            <a:r>
-              <a:rPr lang="de-DE" dirty="0" err="1" smtClean="0"/>
-              <a:t>normaliserte</a:t>
-            </a:r>
-            <a:r>
-              <a:rPr lang="de-DE" baseline="0" dirty="0" smtClean="0"/>
-              <a:t> Teilnehmerliste und Ort</a:t>
-            </a:r>
-          </a:p>
-          <a:p>
-            <a:endParaRPr lang="de-DE" baseline="0" dirty="0" smtClean="0"/>
-          </a:p>
-          <a:p>
-            <a:r>
-              <a:rPr lang="de-DE" baseline="0" dirty="0" smtClean="0"/>
-              <a:t>Rot: Login Verknüpfung Session ID aus </a:t>
-            </a:r>
-            <a:r>
-              <a:rPr lang="de-DE" baseline="0" dirty="0" err="1" smtClean="0"/>
-              <a:t>oAuth</a:t>
-            </a:r>
-            <a:r>
-              <a:rPr lang="de-DE" baseline="0" dirty="0" smtClean="0"/>
-              <a:t>, Grunddaten (</a:t>
-            </a:r>
-            <a:r>
-              <a:rPr lang="de-DE" baseline="0" dirty="0" err="1" smtClean="0"/>
-              <a:t>name</a:t>
-            </a:r>
-            <a:r>
-              <a:rPr lang="de-DE" baseline="0" dirty="0" smtClean="0"/>
-              <a:t>, E-Mail-Adresse etc.) werden ausgelesen und persistent gespeichert.</a:t>
-            </a:r>
+              <a:t>ÄUßERE</a:t>
+            </a:r>
+            <a:r>
+              <a:rPr lang="de-DE" dirty="0" smtClean="0"/>
+              <a:t> UND INNERE QUALITÄT	</a:t>
+            </a:r>
+          </a:p>
+          <a:p>
+            <a:r>
+              <a:rPr lang="de-DE" dirty="0" smtClean="0"/>
+              <a:t>	Funktionalität	</a:t>
+            </a:r>
+          </a:p>
+          <a:p>
+            <a:r>
+              <a:rPr lang="de-DE" dirty="0" smtClean="0"/>
+              <a:t>	Zuverlässigkeit	</a:t>
+            </a:r>
+          </a:p>
+          <a:p>
+            <a:r>
+              <a:rPr lang="de-DE" dirty="0" smtClean="0"/>
+              <a:t>	Benutzbarkeit	</a:t>
+            </a:r>
+          </a:p>
+          <a:p>
+            <a:r>
+              <a:rPr lang="de-DE" dirty="0" smtClean="0"/>
+              <a:t>	Effizienz	</a:t>
+            </a:r>
+          </a:p>
+          <a:p>
+            <a:r>
+              <a:rPr lang="de-DE" dirty="0" smtClean="0"/>
+              <a:t>	Wartbarkeit	</a:t>
+            </a:r>
+          </a:p>
+          <a:p>
+            <a:r>
+              <a:rPr lang="de-DE" dirty="0" smtClean="0"/>
+              <a:t>	Portabilität	</a:t>
+            </a:r>
+          </a:p>
+          <a:p>
+            <a:r>
+              <a:rPr lang="de-DE" dirty="0" smtClean="0"/>
+              <a:t>GEBRAUCHSTAUGLICHKEIT	</a:t>
+            </a:r>
+          </a:p>
+          <a:p>
+            <a:r>
+              <a:rPr lang="de-DE" dirty="0" smtClean="0"/>
+              <a:t>	Effektivität	</a:t>
+            </a:r>
+          </a:p>
+          <a:p>
+            <a:r>
+              <a:rPr lang="de-DE" dirty="0" smtClean="0"/>
+              <a:t>	Produktivität	</a:t>
+            </a:r>
+          </a:p>
+          <a:p>
+            <a:r>
+              <a:rPr lang="de-DE" dirty="0" smtClean="0"/>
+              <a:t>	Sicherheit	</a:t>
+            </a:r>
+          </a:p>
+          <a:p>
+            <a:r>
+              <a:rPr lang="de-DE" dirty="0" smtClean="0"/>
+              <a:t>	Zufriedenheit	</a:t>
+            </a:r>
+          </a:p>
+          <a:p>
+            <a:r>
+              <a:rPr lang="de-DE" dirty="0" smtClean="0"/>
+              <a:t>TECHNISCHE ANFORDERUNGEN	</a:t>
+            </a:r>
+          </a:p>
+          <a:p>
+            <a:r>
+              <a:rPr lang="de-DE" dirty="0" smtClean="0"/>
+              <a:t>	Einsatzumgebung	</a:t>
+            </a:r>
+          </a:p>
+          <a:p>
+            <a:r>
+              <a:rPr lang="de-DE" dirty="0" smtClean="0"/>
+              <a:t>	Entwicklungsumgebung	</a:t>
+            </a:r>
+          </a:p>
+          <a:p>
+            <a:r>
+              <a:rPr lang="de-DE" dirty="0" smtClean="0"/>
+              <a:t>LIEFERUMFANG	</a:t>
+            </a:r>
+          </a:p>
+          <a:p>
+            <a:r>
+              <a:rPr lang="de-DE" dirty="0" smtClean="0"/>
+              <a:t>	Ausführbare Programme	</a:t>
+            </a:r>
+          </a:p>
+          <a:p>
+            <a:r>
+              <a:rPr lang="de-DE" dirty="0" smtClean="0"/>
+              <a:t>	Quellcode	</a:t>
+            </a:r>
+          </a:p>
+          <a:p>
+            <a:r>
+              <a:rPr lang="de-DE" dirty="0" smtClean="0"/>
+              <a:t>	Dokumentation	</a:t>
+            </a:r>
+          </a:p>
+          <a:p>
+            <a:r>
+              <a:rPr lang="de-DE" dirty="0" smtClean="0"/>
+              <a:t>	Daten	</a:t>
+            </a:r>
+          </a:p>
+          <a:p>
             <a:endParaRPr lang="de-DE" dirty="0"/>
           </a:p>
         </p:txBody>
@@ -2415,7 +2492,7 @@
     </p:spTree>
     <p:extLst>
       <p:ext uri="{BB962C8B-B14F-4D97-AF65-F5344CB8AC3E}">
-        <p14:creationId xmlns:p14="http://schemas.microsoft.com/office/powerpoint/2010/main" xmlns="" val="802076649"/>
+        <p14:creationId xmlns="" xmlns:p14="http://schemas.microsoft.com/office/powerpoint/2010/main" val="1629754142"/>
       </p:ext>
     </p:extLst>
   </p:cSld>
@@ -2466,135 +2543,49 @@
         </p:nvSpPr>
         <p:spPr/>
         <p:txBody>
-          <a:bodyPr>
-            <a:normAutofit fontScale="70000" lnSpcReduction="20000"/>
-          </a:bodyPr>
-          <a:lstStyle/>
-          <a:p>
+          <a:bodyPr/>
+          <a:lstStyle/>
+          <a:p>
+            <a:r>
+              <a:rPr lang="de-DE" dirty="0" smtClean="0"/>
+              <a:t>Zeitplan</a:t>
+            </a:r>
+          </a:p>
+          <a:p>
+            <a:r>
+              <a:rPr lang="de-DE" dirty="0" smtClean="0"/>
+              <a:t>Fokus aus </a:t>
+            </a:r>
             <a:r>
               <a:rPr lang="de-DE" dirty="0" err="1" smtClean="0"/>
-              <a:t>ÄUßERE</a:t>
-            </a:r>
-            <a:r>
-              <a:rPr lang="de-DE" dirty="0" smtClean="0"/>
-              <a:t> UND INNERE QUALITÄT	</a:t>
-            </a:r>
-          </a:p>
-          <a:p>
-            <a:r>
-              <a:rPr lang="de-DE" dirty="0" smtClean="0"/>
-              <a:t>	Funktionalität	</a:t>
-            </a:r>
-          </a:p>
-          <a:p>
-            <a:r>
-              <a:rPr lang="de-DE" dirty="0" smtClean="0"/>
-              <a:t>	Zuverlässigkeit	</a:t>
-            </a:r>
-          </a:p>
-          <a:p>
-            <a:r>
-              <a:rPr lang="de-DE" dirty="0" smtClean="0"/>
-              <a:t>	Benutzbarkeit	</a:t>
-            </a:r>
-          </a:p>
-          <a:p>
-            <a:r>
-              <a:rPr lang="de-DE" dirty="0" smtClean="0"/>
-              <a:t>	Effizienz	</a:t>
-            </a:r>
-          </a:p>
-          <a:p>
-            <a:r>
-              <a:rPr lang="de-DE" dirty="0" smtClean="0"/>
-              <a:t>	Wartbarkeit	</a:t>
-            </a:r>
-          </a:p>
-          <a:p>
-            <a:r>
-              <a:rPr lang="de-DE" dirty="0" smtClean="0"/>
-              <a:t>	Portabilität	</a:t>
-            </a:r>
-          </a:p>
-          <a:p>
-            <a:r>
-              <a:rPr lang="de-DE" dirty="0" smtClean="0"/>
-              <a:t>GEBRAUCHSTAUGLICHKEIT	</a:t>
-            </a:r>
-          </a:p>
-          <a:p>
-            <a:r>
-              <a:rPr lang="de-DE" dirty="0" smtClean="0"/>
-              <a:t>	Effektivität	</a:t>
-            </a:r>
-          </a:p>
-          <a:p>
-            <a:r>
-              <a:rPr lang="de-DE" dirty="0" smtClean="0"/>
-              <a:t>	Produktivität	</a:t>
-            </a:r>
-          </a:p>
-          <a:p>
-            <a:r>
-              <a:rPr lang="de-DE" dirty="0" smtClean="0"/>
-              <a:t>	Sicherheit	</a:t>
-            </a:r>
-          </a:p>
-          <a:p>
-            <a:r>
-              <a:rPr lang="de-DE" dirty="0" smtClean="0"/>
-              <a:t>	Zufriedenheit	</a:t>
-            </a:r>
-          </a:p>
-          <a:p>
-            <a:r>
-              <a:rPr lang="de-DE" dirty="0" smtClean="0"/>
-              <a:t>TECHNISCHE ANFORDERUNGEN	</a:t>
-            </a:r>
-          </a:p>
-          <a:p>
-            <a:r>
-              <a:rPr lang="de-DE" dirty="0" smtClean="0"/>
-              <a:t>	Einsatzumgebung	</a:t>
-            </a:r>
-          </a:p>
-          <a:p>
-            <a:r>
-              <a:rPr lang="de-DE" dirty="0" smtClean="0"/>
-              <a:t>	Entwicklungsumgebung	</a:t>
-            </a:r>
-          </a:p>
-          <a:p>
-            <a:r>
-              <a:rPr lang="de-DE" dirty="0" smtClean="0"/>
-              <a:t>LIEFERUMFANG	</a:t>
-            </a:r>
-          </a:p>
-          <a:p>
-            <a:r>
-              <a:rPr lang="de-DE" dirty="0" smtClean="0"/>
-              <a:t>	Ausführbare Programme	</a:t>
-            </a:r>
-          </a:p>
-          <a:p>
-            <a:r>
-              <a:rPr lang="de-DE" dirty="0" smtClean="0"/>
-              <a:t>	Quellcode	</a:t>
-            </a:r>
-          </a:p>
-          <a:p>
-            <a:r>
-              <a:rPr lang="de-DE" dirty="0" smtClean="0"/>
-              <a:t>	Dokumentation	</a:t>
-            </a:r>
-          </a:p>
-          <a:p>
-            <a:r>
-              <a:rPr lang="de-DE" dirty="0" smtClean="0"/>
-              <a:t>	Daten	</a:t>
-            </a:r>
-          </a:p>
-          <a:p>
+              <a:t>Inception</a:t>
+            </a:r>
+            <a:r>
+              <a:rPr lang="de-DE" dirty="0" smtClean="0"/>
+              <a:t> / Elaboration</a:t>
+            </a:r>
+          </a:p>
+          <a:p>
+            <a:r>
+              <a:rPr lang="de-DE" dirty="0" smtClean="0"/>
+              <a:t>Aufgrund der Enge des Zeitplans jeweils zwei Iterationen mit</a:t>
+            </a:r>
+            <a:r>
+              <a:rPr lang="de-DE" baseline="0" dirty="0" smtClean="0"/>
+              <a:t> festen Reviews der Ergebnisse etc.</a:t>
+            </a:r>
+          </a:p>
+          <a:p>
+            <a:r>
+              <a:rPr lang="de-DE" baseline="0" dirty="0" smtClean="0"/>
+              <a:t>Aber auch: RUP! Jederzeit auch bei kleineren Änderungen/Feststellungen usw. Überarbeitung.</a:t>
+            </a:r>
+          </a:p>
+          <a:p>
+            <a:r>
+              <a:rPr lang="de-DE" baseline="0" dirty="0" smtClean="0"/>
+              <a:t>Ziel: 11.06. eine prototypische Implementierung der Plattform fertigstellen</a:t>
+            </a:r>
             <a:endParaRPr lang="de-DE" dirty="0"/>
           </a:p>
         </p:txBody>
@@ -2617,7 +2608,7 @@
             <a:fld id="{F7EBFB8C-BBFF-4397-A51C-1E92596422A9}" type="slidenum">
               <a:rPr lang="en-US" smtClean="0"/>
               <a:pPr/>
-              <a:t>33</a:t>
+              <a:t>34</a:t>
             </a:fld>
             <a:endParaRPr lang="en-US" dirty="0"/>
           </a:p>
@@ -2626,7 +2617,7 @@
     </p:spTree>
     <p:extLst>
       <p:ext uri="{BB962C8B-B14F-4D97-AF65-F5344CB8AC3E}">
-        <p14:creationId xmlns:p14="http://schemas.microsoft.com/office/powerpoint/2010/main" xmlns="" val="1629754142"/>
+        <p14:creationId xmlns="" xmlns:p14="http://schemas.microsoft.com/office/powerpoint/2010/main" val="3931682397"/>
       </p:ext>
     </p:extLst>
   </p:cSld>
@@ -2751,7 +2742,7 @@
     </p:spTree>
     <p:extLst>
       <p:ext uri="{BB962C8B-B14F-4D97-AF65-F5344CB8AC3E}">
-        <p14:creationId xmlns:p14="http://schemas.microsoft.com/office/powerpoint/2010/main" xmlns="" val="3931682397"/>
+        <p14:creationId xmlns="" xmlns:p14="http://schemas.microsoft.com/office/powerpoint/2010/main" val="3931682397"/>
       </p:ext>
     </p:extLst>
   </p:cSld>
@@ -2802,49 +2793,11 @@
         </p:nvSpPr>
         <p:spPr/>
         <p:txBody>
-          <a:bodyPr/>
-          <a:lstStyle/>
-          <a:p>
-            <a:r>
-              <a:rPr lang="de-DE" dirty="0" smtClean="0"/>
-              <a:t>Zeitplan</a:t>
-            </a:r>
-          </a:p>
-          <a:p>
-            <a:r>
-              <a:rPr lang="de-DE" dirty="0" smtClean="0"/>
-              <a:t>Fokus aus </a:t>
-            </a:r>
-            <a:r>
-              <a:rPr lang="de-DE" dirty="0" err="1" smtClean="0"/>
-              <a:t>Inception</a:t>
-            </a:r>
-            <a:r>
-              <a:rPr lang="de-DE" dirty="0" smtClean="0"/>
-              <a:t> / Elaboration</a:t>
-            </a:r>
-          </a:p>
-          <a:p>
-            <a:r>
-              <a:rPr lang="de-DE" dirty="0" smtClean="0"/>
-              <a:t>Aufgrund der Enge des Zeitplans jeweils zwei Iterationen mit</a:t>
-            </a:r>
-            <a:r>
-              <a:rPr lang="de-DE" baseline="0" dirty="0" smtClean="0"/>
-              <a:t> festen Reviews der Ergebnisse etc.</a:t>
-            </a:r>
-          </a:p>
-          <a:p>
-            <a:r>
-              <a:rPr lang="de-DE" baseline="0" dirty="0" smtClean="0"/>
-              <a:t>Aber auch: RUP! Jederzeit auch bei kleineren Änderungen/Feststellungen usw. Überarbeitung.</a:t>
-            </a:r>
-          </a:p>
-          <a:p>
-            <a:r>
-              <a:rPr lang="de-DE" baseline="0" dirty="0" smtClean="0"/>
-              <a:t>Ziel: 11.06. eine prototypische Implementierung der Plattform fertigstellen</a:t>
-            </a:r>
+          <a:bodyPr>
+            <a:normAutofit/>
+          </a:bodyPr>
+          <a:lstStyle/>
+          <a:p>
             <a:endParaRPr lang="de-DE" dirty="0"/>
           </a:p>
         </p:txBody>
@@ -2864,21 +2817,16 @@
           <a:bodyPr/>
           <a:lstStyle/>
           <a:p>
-            <a:fld id="{F7EBFB8C-BBFF-4397-A51C-1E92596422A9}" type="slidenum">
-              <a:rPr lang="en-US" smtClean="0"/>
+            <a:fld id="{1EBFF01C-F984-4A51-AF10-254043F7C542}" type="slidenum">
+              <a:rPr lang="de-DE" smtClean="0"/>
               <a:pPr/>
-              <a:t>36</a:t>
+              <a:t>37</a:t>
             </a:fld>
-            <a:endParaRPr lang="en-US" dirty="0"/>
+            <a:endParaRPr lang="de-DE"/>
           </a:p>
         </p:txBody>
       </p:sp>
     </p:spTree>
-    <p:extLst>
-      <p:ext uri="{BB962C8B-B14F-4D97-AF65-F5344CB8AC3E}">
-        <p14:creationId xmlns:p14="http://schemas.microsoft.com/office/powerpoint/2010/main" xmlns="" val="3931682397"/>
-      </p:ext>
-    </p:extLst>
   </p:cSld>
   <p:clrMapOvr>
     <a:masterClrMapping/>
@@ -2927,11 +2875,209 @@
         </p:nvSpPr>
         <p:spPr/>
         <p:txBody>
-          <a:bodyPr>
-            <a:normAutofit/>
-          </a:bodyPr>
-          <a:lstStyle/>
-          <a:p>
+          <a:bodyPr/>
+          <a:lstStyle/>
+          <a:p>
+            <a:r>
+              <a:rPr lang="de-DE" dirty="0" smtClean="0"/>
+              <a:t>Zu </a:t>
+            </a:r>
+            <a:r>
+              <a:rPr lang="de-DE" dirty="0" err="1" smtClean="0"/>
+              <a:t>git</a:t>
+            </a:r>
+            <a:r>
+              <a:rPr lang="de-DE" dirty="0" smtClean="0"/>
+              <a:t>:</a:t>
+            </a:r>
+          </a:p>
+          <a:p>
+            <a:r>
+              <a:rPr lang="de-DE" dirty="0" smtClean="0"/>
+              <a:t>	Dateikonflikte aufwändiges</a:t>
+            </a:r>
+            <a:r>
+              <a:rPr lang="de-DE" baseline="0" dirty="0" smtClean="0"/>
+              <a:t> ein-/auschecken, mit </a:t>
+            </a:r>
+            <a:r>
+              <a:rPr lang="de-DE" baseline="0" dirty="0" err="1" smtClean="0"/>
+              <a:t>dropbox</a:t>
+            </a:r>
+            <a:r>
+              <a:rPr lang="de-DE" baseline="0" dirty="0" smtClean="0"/>
+              <a:t> und </a:t>
+            </a:r>
+            <a:r>
+              <a:rPr lang="de-DE" baseline="0" dirty="0" err="1" smtClean="0"/>
+              <a:t>co</a:t>
+            </a:r>
+            <a:r>
+              <a:rPr lang="de-DE" baseline="0" dirty="0" smtClean="0"/>
+              <a:t> on </a:t>
+            </a:r>
+            <a:r>
+              <a:rPr lang="de-DE" baseline="0" dirty="0" err="1" smtClean="0"/>
+              <a:t>the</a:t>
+            </a:r>
+            <a:r>
+              <a:rPr lang="de-DE" baseline="0" dirty="0" smtClean="0"/>
+              <a:t> </a:t>
+            </a:r>
+            <a:r>
+              <a:rPr lang="de-DE" baseline="0" dirty="0" err="1" smtClean="0"/>
+              <a:t>fly</a:t>
+            </a:r>
+            <a:r>
+              <a:rPr lang="de-DE" baseline="0" dirty="0" smtClean="0"/>
+              <a:t>, automatisch im Hintergrund.</a:t>
+            </a:r>
+          </a:p>
+          <a:p>
+            <a:r>
+              <a:rPr lang="de-DE" baseline="0" dirty="0" smtClean="0"/>
+              <a:t>	evtl. zu früh auf ein Tool festgelegt, oder besser zwei? (</a:t>
+            </a:r>
+            <a:r>
+              <a:rPr lang="de-DE" baseline="0" dirty="0" err="1" smtClean="0"/>
+              <a:t>dropbox</a:t>
+            </a:r>
+            <a:r>
+              <a:rPr lang="de-DE" baseline="0" dirty="0" smtClean="0"/>
+              <a:t> für Dokumente, </a:t>
+            </a:r>
+            <a:r>
+              <a:rPr lang="de-DE" baseline="0" dirty="0" err="1" smtClean="0"/>
+              <a:t>gitHub</a:t>
+            </a:r>
+            <a:r>
+              <a:rPr lang="de-DE" baseline="0" dirty="0" smtClean="0"/>
+              <a:t> für </a:t>
+            </a:r>
+            <a:r>
+              <a:rPr lang="de-DE" baseline="0" dirty="0" err="1" smtClean="0"/>
+              <a:t>Sourcen</a:t>
+            </a:r>
+            <a:r>
+              <a:rPr lang="de-DE" baseline="0" dirty="0" smtClean="0"/>
+              <a:t>)</a:t>
+            </a:r>
+          </a:p>
+          <a:p>
+            <a:r>
+              <a:rPr lang="de-DE" baseline="0" dirty="0" err="1" smtClean="0"/>
+              <a:t>Projektmgm</a:t>
+            </a:r>
+            <a:endParaRPr lang="de-DE" baseline="0" dirty="0" smtClean="0"/>
+          </a:p>
+          <a:p>
+            <a:r>
+              <a:rPr lang="de-DE" baseline="0" dirty="0" smtClean="0"/>
+              <a:t>	Aufgaben stärker </a:t>
+            </a:r>
+            <a:r>
+              <a:rPr lang="de-DE" baseline="0" dirty="0" err="1" smtClean="0"/>
+              <a:t>tracken</a:t>
+            </a:r>
+            <a:r>
+              <a:rPr lang="de-DE" baseline="0" dirty="0" smtClean="0"/>
+              <a:t>, ggf. „</a:t>
+            </a:r>
+            <a:r>
+              <a:rPr lang="de-DE" baseline="0" dirty="0" err="1" smtClean="0"/>
+              <a:t>cut</a:t>
+            </a:r>
+            <a:r>
+              <a:rPr lang="de-DE" baseline="0" dirty="0" smtClean="0"/>
+              <a:t>“ (bei Vertiefung in nicht notwendigen Details (z.B. Risikoanalyse, Wirtschaftlichkeitsbetrachtung)</a:t>
+            </a:r>
+          </a:p>
+          <a:p>
+            <a:endParaRPr lang="de-DE" dirty="0" smtClean="0"/>
+          </a:p>
+          <a:p>
+            <a:r>
+              <a:rPr lang="de-DE" dirty="0" err="1" smtClean="0"/>
+              <a:t>Workload</a:t>
+            </a:r>
+            <a:endParaRPr lang="de-DE" dirty="0" smtClean="0"/>
+          </a:p>
+          <a:p>
+            <a:r>
+              <a:rPr lang="de-DE" dirty="0" smtClean="0"/>
+              <a:t>	</a:t>
+            </a:r>
+            <a:r>
+              <a:rPr lang="de-DE" dirty="0" err="1" smtClean="0"/>
+              <a:t>Höhrer</a:t>
+            </a:r>
+            <a:r>
+              <a:rPr lang="de-DE" dirty="0" smtClean="0"/>
+              <a:t> Aufwand als erwartet, zusätzlicher stress neben der Arbeit. Risikofaktor,</a:t>
+            </a:r>
+            <a:r>
+              <a:rPr lang="de-DE" baseline="0" dirty="0" smtClean="0"/>
+              <a:t> da alle beim gleichen Unternehmen arbeiten (viel zu tun (</a:t>
+            </a:r>
+            <a:r>
+              <a:rPr lang="de-DE" baseline="0" dirty="0" err="1" smtClean="0"/>
+              <a:t>arbeit</a:t>
+            </a:r>
+            <a:r>
+              <a:rPr lang="de-DE" baseline="0" dirty="0" smtClean="0"/>
+              <a:t>) </a:t>
+            </a:r>
+            <a:r>
+              <a:rPr lang="de-DE" baseline="0" dirty="0" smtClean="0">
+                <a:sym typeface="Wingdings" pitchFamily="2" charset="2"/>
+              </a:rPr>
+              <a:t> weniger Zeit (Projekt))</a:t>
+            </a:r>
+            <a:endParaRPr lang="de-DE" dirty="0" smtClean="0"/>
+          </a:p>
+          <a:p>
+            <a:r>
+              <a:rPr lang="de-DE" dirty="0" err="1" smtClean="0"/>
+              <a:t>PeerReview</a:t>
+            </a:r>
+            <a:r>
+              <a:rPr lang="de-DE" dirty="0" smtClean="0"/>
+              <a:t>:</a:t>
+            </a:r>
+          </a:p>
+          <a:p>
+            <a:r>
+              <a:rPr lang="de-DE" dirty="0" smtClean="0"/>
+              <a:t>	Hilfreich eine zweite unabhängige</a:t>
+            </a:r>
+            <a:r>
+              <a:rPr lang="de-DE" baseline="0" dirty="0" smtClean="0"/>
+              <a:t> Meinung; Lücken wurden identifiziert und behoben</a:t>
+            </a:r>
+          </a:p>
+          <a:p>
+            <a:r>
+              <a:rPr lang="de-DE" dirty="0" smtClean="0"/>
+              <a:t>Teamwork:</a:t>
+            </a:r>
+          </a:p>
+          <a:p>
+            <a:r>
+              <a:rPr lang="de-DE" dirty="0" smtClean="0"/>
+              <a:t>	Abstimmungen, Konstruktive </a:t>
+            </a:r>
+            <a:r>
+              <a:rPr lang="de-DE" dirty="0" err="1" smtClean="0"/>
+              <a:t>diskussionen</a:t>
+            </a:r>
+            <a:r>
+              <a:rPr lang="de-DE" dirty="0" smtClean="0"/>
+              <a:t>, Mitglieder</a:t>
+            </a:r>
+            <a:r>
+              <a:rPr lang="de-DE" baseline="0" dirty="0" smtClean="0"/>
+              <a:t> haben sich durch Fach/Spezialwissen gut ergänzt</a:t>
+            </a:r>
             <a:endParaRPr lang="de-DE" dirty="0"/>
           </a:p>
         </p:txBody>
@@ -2951,16 +3097,21 @@
           <a:bodyPr/>
           <a:lstStyle/>
           <a:p>
-            <a:fld id="{1EBFF01C-F984-4A51-AF10-254043F7C542}" type="slidenum">
-              <a:rPr lang="de-DE" smtClean="0"/>
+            <a:fld id="{F7EBFB8C-BBFF-4397-A51C-1E92596422A9}" type="slidenum">
+              <a:rPr lang="en-US" smtClean="0"/>
               <a:pPr/>
               <a:t>38</a:t>
             </a:fld>
-            <a:endParaRPr lang="de-DE"/>
+            <a:endParaRPr lang="en-US" dirty="0"/>
           </a:p>
         </p:txBody>
       </p:sp>
     </p:spTree>
+    <p:extLst>
+      <p:ext uri="{BB962C8B-B14F-4D97-AF65-F5344CB8AC3E}">
+        <p14:creationId xmlns="" xmlns:p14="http://schemas.microsoft.com/office/powerpoint/2010/main" val="1616458392"/>
+      </p:ext>
+    </p:extLst>
   </p:cSld>
   <p:clrMapOvr>
     <a:masterClrMapping/>
@@ -3012,206 +3163,6 @@
           <a:bodyPr/>
           <a:lstStyle/>
           <a:p>
-            <a:r>
-              <a:rPr lang="de-DE" dirty="0" smtClean="0"/>
-              <a:t>Zu </a:t>
-            </a:r>
-            <a:r>
-              <a:rPr lang="de-DE" dirty="0" err="1" smtClean="0"/>
-              <a:t>git</a:t>
-            </a:r>
-            <a:r>
-              <a:rPr lang="de-DE" dirty="0" smtClean="0"/>
-              <a:t>:</a:t>
-            </a:r>
-          </a:p>
-          <a:p>
-            <a:r>
-              <a:rPr lang="de-DE" dirty="0" smtClean="0"/>
-              <a:t>	Dateikonflikte aufwändiges</a:t>
-            </a:r>
-            <a:r>
-              <a:rPr lang="de-DE" baseline="0" dirty="0" smtClean="0"/>
-              <a:t> ein-/auschecken, mit </a:t>
-            </a:r>
-            <a:r>
-              <a:rPr lang="de-DE" baseline="0" dirty="0" err="1" smtClean="0"/>
-              <a:t>dropbox</a:t>
-            </a:r>
-            <a:r>
-              <a:rPr lang="de-DE" baseline="0" dirty="0" smtClean="0"/>
-              <a:t> und </a:t>
-            </a:r>
-            <a:r>
-              <a:rPr lang="de-DE" baseline="0" dirty="0" err="1" smtClean="0"/>
-              <a:t>co</a:t>
-            </a:r>
-            <a:r>
-              <a:rPr lang="de-DE" baseline="0" dirty="0" smtClean="0"/>
-              <a:t> on </a:t>
-            </a:r>
-            <a:r>
-              <a:rPr lang="de-DE" baseline="0" dirty="0" err="1" smtClean="0"/>
-              <a:t>the</a:t>
-            </a:r>
-            <a:r>
-              <a:rPr lang="de-DE" baseline="0" dirty="0" smtClean="0"/>
-              <a:t> </a:t>
-            </a:r>
-            <a:r>
-              <a:rPr lang="de-DE" baseline="0" dirty="0" err="1" smtClean="0"/>
-              <a:t>fly</a:t>
-            </a:r>
-            <a:r>
-              <a:rPr lang="de-DE" baseline="0" dirty="0" smtClean="0"/>
-              <a:t>, automatisch im Hintergrund.</a:t>
-            </a:r>
-          </a:p>
-          <a:p>
-            <a:r>
-              <a:rPr lang="de-DE" baseline="0" dirty="0" smtClean="0"/>
-              <a:t>	evtl. zu früh auf ein Tool festgelegt, oder besser zwei? (</a:t>
-            </a:r>
-            <a:r>
-              <a:rPr lang="de-DE" baseline="0" dirty="0" err="1" smtClean="0"/>
-              <a:t>dropbox</a:t>
-            </a:r>
-            <a:r>
-              <a:rPr lang="de-DE" baseline="0" dirty="0" smtClean="0"/>
-              <a:t> für Dokumente, </a:t>
-            </a:r>
-            <a:r>
-              <a:rPr lang="de-DE" baseline="0" dirty="0" err="1" smtClean="0"/>
-              <a:t>gitHub</a:t>
-            </a:r>
-            <a:r>
-              <a:rPr lang="de-DE" baseline="0" dirty="0" smtClean="0"/>
-              <a:t> für </a:t>
-            </a:r>
-            <a:r>
-              <a:rPr lang="de-DE" baseline="0" dirty="0" err="1" smtClean="0"/>
-              <a:t>Sourcen</a:t>
-            </a:r>
-            <a:r>
-              <a:rPr lang="de-DE" baseline="0" dirty="0" smtClean="0"/>
-              <a:t>)</a:t>
-            </a:r>
-          </a:p>
-          <a:p>
-            <a:r>
-              <a:rPr lang="de-DE" baseline="0" dirty="0" err="1" smtClean="0"/>
-              <a:t>Projektmgm</a:t>
-            </a:r>
-            <a:endParaRPr lang="de-DE" baseline="0" dirty="0" smtClean="0"/>
-          </a:p>
-          <a:p>
-            <a:r>
-              <a:rPr lang="de-DE" baseline="0" dirty="0" smtClean="0"/>
-              <a:t>	Aufgaben stärker </a:t>
-            </a:r>
-            <a:r>
-              <a:rPr lang="de-DE" baseline="0" dirty="0" err="1" smtClean="0"/>
-              <a:t>tracken</a:t>
-            </a:r>
-            <a:r>
-              <a:rPr lang="de-DE" baseline="0" dirty="0" smtClean="0"/>
-              <a:t>, ggf. „</a:t>
-            </a:r>
-            <a:r>
-              <a:rPr lang="de-DE" baseline="0" dirty="0" err="1" smtClean="0"/>
-              <a:t>cut</a:t>
-            </a:r>
-            <a:r>
-              <a:rPr lang="de-DE" baseline="0" dirty="0" smtClean="0"/>
-              <a:t>“ (bei Vertiefung in nicht notwendigen Details (z.B. Risikoanalyse, Wirtschaftlichkeitsbetrachtung)</a:t>
-            </a:r>
-          </a:p>
-          <a:p>
-            <a:endParaRPr lang="de-DE" dirty="0" smtClean="0"/>
-          </a:p>
-          <a:p>
-            <a:r>
-              <a:rPr lang="de-DE" dirty="0" err="1" smtClean="0"/>
-              <a:t>Workload</a:t>
-            </a:r>
-            <a:endParaRPr lang="de-DE" dirty="0" smtClean="0"/>
-          </a:p>
-          <a:p>
-            <a:r>
-              <a:rPr lang="de-DE" dirty="0" smtClean="0"/>
-              <a:t>	</a:t>
-            </a:r>
-            <a:r>
-              <a:rPr lang="de-DE" dirty="0" err="1" smtClean="0"/>
-              <a:t>Höhrer</a:t>
-            </a:r>
-            <a:r>
-              <a:rPr lang="de-DE" dirty="0" smtClean="0"/>
-              <a:t> Aufwand als erwartet, zusätzlicher stress neben der Arbeit. Risikofaktor,</a:t>
-            </a:r>
-            <a:r>
-              <a:rPr lang="de-DE" baseline="0" dirty="0" smtClean="0"/>
-              <a:t> da alle beim gleichen Unternehmen arbeiten (viel zu tun (</a:t>
-            </a:r>
-            <a:r>
-              <a:rPr lang="de-DE" baseline="0" dirty="0" err="1" smtClean="0"/>
-              <a:t>arbeit</a:t>
-            </a:r>
-            <a:r>
-              <a:rPr lang="de-DE" baseline="0" dirty="0" smtClean="0"/>
-              <a:t>) </a:t>
-            </a:r>
-            <a:r>
-              <a:rPr lang="de-DE" baseline="0" dirty="0" smtClean="0">
-                <a:sym typeface="Wingdings" pitchFamily="2" charset="2"/>
-              </a:rPr>
-              <a:t> weniger Zeit (Projekt))</a:t>
-            </a:r>
-            <a:endParaRPr lang="de-DE" dirty="0" smtClean="0"/>
-          </a:p>
-          <a:p>
-            <a:r>
-              <a:rPr lang="de-DE" dirty="0" err="1" smtClean="0"/>
-              <a:t>PeerReview</a:t>
-            </a:r>
-            <a:r>
-              <a:rPr lang="de-DE" dirty="0" smtClean="0"/>
-              <a:t>:</a:t>
-            </a:r>
-          </a:p>
-          <a:p>
-            <a:r>
-              <a:rPr lang="de-DE" dirty="0" smtClean="0"/>
-              <a:t>	Hilfreich eine zweite unabhängige</a:t>
-            </a:r>
-            <a:r>
-              <a:rPr lang="de-DE" baseline="0" dirty="0" smtClean="0"/>
-              <a:t> Meinung; Lücken wurden identifiziert und behoben</a:t>
-            </a:r>
-          </a:p>
-          <a:p>
-            <a:r>
-              <a:rPr lang="de-DE" dirty="0" smtClean="0"/>
-              <a:t>Teamwork:</a:t>
-            </a:r>
-          </a:p>
-          <a:p>
-            <a:r>
-              <a:rPr lang="de-DE" dirty="0" smtClean="0"/>
-              <a:t>	Abstimmungen, Konstruktive </a:t>
-            </a:r>
-            <a:r>
-              <a:rPr lang="de-DE" dirty="0" err="1" smtClean="0"/>
-              <a:t>diskussionen</a:t>
-            </a:r>
-            <a:r>
-              <a:rPr lang="de-DE" dirty="0" smtClean="0"/>
-              <a:t>, Mitglieder</a:t>
-            </a:r>
-            <a:r>
-              <a:rPr lang="de-DE" baseline="0" dirty="0" smtClean="0"/>
-              <a:t> haben sich durch Fach/Spezialwissen gut ergänzt</a:t>
-            </a:r>
             <a:endParaRPr lang="de-DE" dirty="0"/>
           </a:p>
         </p:txBody>
@@ -3243,92 +3194,7 @@
     </p:spTree>
     <p:extLst>
       <p:ext uri="{BB962C8B-B14F-4D97-AF65-F5344CB8AC3E}">
-        <p14:creationId xmlns:p14="http://schemas.microsoft.com/office/powerpoint/2010/main" xmlns="" val="1616458392"/>
-      </p:ext>
-    </p:extLst>
-  </p:cSld>
-  <p:clrMapOvr>
-    <a:masterClrMapping/>
-  </p:clrMapOvr>
-</p:notes>
-</file>
-
-<file path=ppt/notesSlides/notesSlide28.xml><?xml version="1.0" encoding="utf-8"?>
-<p:notes xmlns:a="http://schemas.openxmlformats.org/drawingml/2006/main" xmlns:r="http://schemas.openxmlformats.org/officeDocument/2006/relationships" xmlns:p="http://schemas.openxmlformats.org/presentationml/2006/main">
-  <p:cSld>
-    <p:spTree>
-      <p:nvGrpSpPr>
-        <p:cNvPr id="1" name=""/>
-        <p:cNvGrpSpPr/>
-        <p:nvPr/>
-      </p:nvGrpSpPr>
-      <p:grpSpPr>
-        <a:xfrm>
-          <a:off x="0" y="0"/>
-          <a:ext cx="0" cy="0"/>
-          <a:chOff x="0" y="0"/>
-          <a:chExt cx="0" cy="0"/>
-        </a:xfrm>
-      </p:grpSpPr>
-      <p:sp>
-        <p:nvSpPr>
-          <p:cNvPr id="2" name="Folienbildplatzhalter 1"/>
-          <p:cNvSpPr>
-            <a:spLocks noGrp="1" noRot="1" noChangeAspect="1"/>
-          </p:cNvSpPr>
-          <p:nvPr>
-            <p:ph type="sldImg"/>
-          </p:nvPr>
-        </p:nvSpPr>
-        <p:spPr/>
-      </p:sp>
-      <p:sp>
-        <p:nvSpPr>
-          <p:cNvPr id="3" name="Notizenplatzhalter 2"/>
-          <p:cNvSpPr>
-            <a:spLocks noGrp="1"/>
-          </p:cNvSpPr>
-          <p:nvPr>
-            <p:ph type="body" idx="1"/>
-          </p:nvPr>
-        </p:nvSpPr>
-        <p:spPr/>
-        <p:txBody>
-          <a:bodyPr/>
-          <a:lstStyle/>
-          <a:p>
-            <a:endParaRPr lang="de-DE" dirty="0"/>
-          </a:p>
-        </p:txBody>
-      </p:sp>
-      <p:sp>
-        <p:nvSpPr>
-          <p:cNvPr id="4" name="Foliennummernplatzhalter 3"/>
-          <p:cNvSpPr>
-            <a:spLocks noGrp="1"/>
-          </p:cNvSpPr>
-          <p:nvPr>
-            <p:ph type="sldNum" sz="quarter" idx="10"/>
-          </p:nvPr>
-        </p:nvSpPr>
-        <p:spPr/>
-        <p:txBody>
-          <a:bodyPr/>
-          <a:lstStyle/>
-          <a:p>
-            <a:fld id="{F7EBFB8C-BBFF-4397-A51C-1E92596422A9}" type="slidenum">
-              <a:rPr lang="en-US" smtClean="0"/>
-              <a:pPr/>
-              <a:t>40</a:t>
-            </a:fld>
-            <a:endParaRPr lang="en-US" dirty="0"/>
-          </a:p>
-        </p:txBody>
-      </p:sp>
-    </p:spTree>
-    <p:extLst>
-      <p:ext uri="{BB962C8B-B14F-4D97-AF65-F5344CB8AC3E}">
-        <p14:creationId xmlns:p14="http://schemas.microsoft.com/office/powerpoint/2010/main" xmlns="" val="2116472317"/>
+        <p14:creationId xmlns="" xmlns:p14="http://schemas.microsoft.com/office/powerpoint/2010/main" val="2116472317"/>
       </p:ext>
     </p:extLst>
   </p:cSld>
@@ -3653,7 +3519,7 @@
     </p:spTree>
     <p:extLst>
       <p:ext uri="{BB962C8B-B14F-4D97-AF65-F5344CB8AC3E}">
-        <p14:creationId xmlns:p14="http://schemas.microsoft.com/office/powerpoint/2010/main" xmlns="" val="517533983"/>
+        <p14:creationId xmlns="" xmlns:p14="http://schemas.microsoft.com/office/powerpoint/2010/main" val="517533983"/>
       </p:ext>
     </p:extLst>
   </p:cSld>
@@ -3746,7 +3612,7 @@
     </p:spTree>
     <p:extLst>
       <p:ext uri="{BB962C8B-B14F-4D97-AF65-F5344CB8AC3E}">
-        <p14:creationId xmlns:p14="http://schemas.microsoft.com/office/powerpoint/2010/main" xmlns="" val="2934279750"/>
+        <p14:creationId xmlns="" xmlns:p14="http://schemas.microsoft.com/office/powerpoint/2010/main" val="2934279750"/>
       </p:ext>
     </p:extLst>
   </p:cSld>
@@ -3843,7 +3709,7 @@
     </p:spTree>
     <p:extLst>
       <p:ext uri="{BB962C8B-B14F-4D97-AF65-F5344CB8AC3E}">
-        <p14:creationId xmlns:p14="http://schemas.microsoft.com/office/powerpoint/2010/main" xmlns="" val="2934279750"/>
+        <p14:creationId xmlns="" xmlns:p14="http://schemas.microsoft.com/office/powerpoint/2010/main" val="2934279750"/>
       </p:ext>
     </p:extLst>
   </p:cSld>
@@ -3928,7 +3794,7 @@
     </p:spTree>
     <p:extLst>
       <p:ext uri="{BB962C8B-B14F-4D97-AF65-F5344CB8AC3E}">
-        <p14:creationId xmlns:p14="http://schemas.microsoft.com/office/powerpoint/2010/main" xmlns="" val="2934279750"/>
+        <p14:creationId xmlns="" xmlns:p14="http://schemas.microsoft.com/office/powerpoint/2010/main" val="2934279750"/>
       </p:ext>
     </p:extLst>
   </p:cSld>
@@ -4338,7 +4204,7 @@
     </p:spTree>
     <p:extLst>
       <p:ext uri="{BB962C8B-B14F-4D97-AF65-F5344CB8AC3E}">
-        <p14:creationId xmlns:p14="http://schemas.microsoft.com/office/powerpoint/2010/main" xmlns="" val="2934279750"/>
+        <p14:creationId xmlns="" xmlns:p14="http://schemas.microsoft.com/office/powerpoint/2010/main" val="2934279750"/>
       </p:ext>
     </p:extLst>
   </p:cSld>
@@ -4423,7 +4289,7 @@
     </p:spTree>
     <p:extLst>
       <p:ext uri="{BB962C8B-B14F-4D97-AF65-F5344CB8AC3E}">
-        <p14:creationId xmlns:p14="http://schemas.microsoft.com/office/powerpoint/2010/main" xmlns="" val="3860513045"/>
+        <p14:creationId xmlns="" xmlns:p14="http://schemas.microsoft.com/office/powerpoint/2010/main" val="3860513045"/>
       </p:ext>
     </p:extLst>
   </p:cSld>
@@ -4520,7 +4386,7 @@
     </p:spTree>
     <p:extLst>
       <p:ext uri="{BB962C8B-B14F-4D97-AF65-F5344CB8AC3E}">
-        <p14:creationId xmlns:p14="http://schemas.microsoft.com/office/powerpoint/2010/main" xmlns="" val="2934279750"/>
+        <p14:creationId xmlns="" xmlns:p14="http://schemas.microsoft.com/office/powerpoint/2010/main" val="2934279750"/>
       </p:ext>
     </p:extLst>
   </p:cSld>
@@ -8760,7 +8626,7 @@
           <a:blip r:embed="rId13" cstate="print">
             <a:extLst>
               <a:ext uri="{28A0092B-C50C-407E-A947-70E740481C1C}">
-                <a14:useLocalDpi xmlns:a14="http://schemas.microsoft.com/office/drawing/2010/main" xmlns="" val="0"/>
+                <a14:useLocalDpi xmlns="" xmlns:a14="http://schemas.microsoft.com/office/drawing/2010/main" val="0"/>
               </a:ext>
             </a:extLst>
           </a:blip>
@@ -9258,7 +9124,7 @@
           <a:blip r:embed="rId3" cstate="print">
             <a:extLst>
               <a:ext uri="{28A0092B-C50C-407E-A947-70E740481C1C}">
-                <a14:useLocalDpi xmlns:a14="http://schemas.microsoft.com/office/drawing/2010/main" xmlns="" val="0"/>
+                <a14:useLocalDpi xmlns="" xmlns:a14="http://schemas.microsoft.com/office/drawing/2010/main" val="0"/>
               </a:ext>
             </a:extLst>
           </a:blip>
@@ -9288,7 +9154,7 @@
           <a:blip r:embed="rId4" cstate="print">
             <a:extLst>
               <a:ext uri="{28A0092B-C50C-407E-A947-70E740481C1C}">
-                <a14:useLocalDpi xmlns:a14="http://schemas.microsoft.com/office/drawing/2010/main" xmlns="" val="0"/>
+                <a14:useLocalDpi xmlns="" xmlns:a14="http://schemas.microsoft.com/office/drawing/2010/main" val="0"/>
               </a:ext>
             </a:extLst>
           </a:blip>
@@ -9639,7 +9505,7 @@
     </p:spTree>
     <p:extLst>
       <p:ext uri="{BB962C8B-B14F-4D97-AF65-F5344CB8AC3E}">
-        <p14:creationId xmlns:p14="http://schemas.microsoft.com/office/powerpoint/2010/main" xmlns="" val="351671181"/>
+        <p14:creationId xmlns="" xmlns:p14="http://schemas.microsoft.com/office/powerpoint/2010/main" val="351671181"/>
       </p:ext>
     </p:extLst>
   </p:cSld>
@@ -11627,7 +11493,7 @@
     </p:spTree>
     <p:extLst>
       <p:ext uri="{BB962C8B-B14F-4D97-AF65-F5344CB8AC3E}">
-        <p14:creationId xmlns:p14="http://schemas.microsoft.com/office/powerpoint/2010/main" xmlns="" val="351671181"/>
+        <p14:creationId xmlns="" xmlns:p14="http://schemas.microsoft.com/office/powerpoint/2010/main" val="351671181"/>
       </p:ext>
     </p:extLst>
   </p:cSld>
@@ -11903,7 +11769,7 @@
     </p:spTree>
     <p:extLst>
       <p:ext uri="{BB962C8B-B14F-4D97-AF65-F5344CB8AC3E}">
-        <p14:creationId xmlns:p14="http://schemas.microsoft.com/office/powerpoint/2010/main" xmlns="" val="3616670450"/>
+        <p14:creationId xmlns="" xmlns:p14="http://schemas.microsoft.com/office/powerpoint/2010/main" val="3616670450"/>
       </p:ext>
     </p:extLst>
   </p:cSld>
@@ -12150,7 +12016,7 @@
     </p:spTree>
     <p:extLst>
       <p:ext uri="{BB962C8B-B14F-4D97-AF65-F5344CB8AC3E}">
-        <p14:creationId xmlns:p14="http://schemas.microsoft.com/office/powerpoint/2010/main" xmlns="" val="351671181"/>
+        <p14:creationId xmlns="" xmlns:p14="http://schemas.microsoft.com/office/powerpoint/2010/main" val="351671181"/>
       </p:ext>
     </p:extLst>
   </p:cSld>
@@ -12397,7 +12263,7 @@
     </p:spTree>
     <p:extLst>
       <p:ext uri="{BB962C8B-B14F-4D97-AF65-F5344CB8AC3E}">
-        <p14:creationId xmlns:p14="http://schemas.microsoft.com/office/powerpoint/2010/main" xmlns="" val="351671181"/>
+        <p14:creationId xmlns="" xmlns:p14="http://schemas.microsoft.com/office/powerpoint/2010/main" val="351671181"/>
       </p:ext>
     </p:extLst>
   </p:cSld>
@@ -12561,7 +12427,7 @@
     </p:spTree>
     <p:extLst>
       <p:ext uri="{BB962C8B-B14F-4D97-AF65-F5344CB8AC3E}">
-        <p14:creationId xmlns:p14="http://schemas.microsoft.com/office/powerpoint/2010/main" xmlns="" val="141785747"/>
+        <p14:creationId xmlns="" xmlns:p14="http://schemas.microsoft.com/office/powerpoint/2010/main" val="141785747"/>
       </p:ext>
     </p:extLst>
   </p:cSld>
@@ -12608,7 +12474,7 @@
         <p:spPr/>
         <p:txBody>
           <a:bodyPr>
-            <a:normAutofit/>
+            <a:normAutofit fontScale="90000"/>
           </a:bodyPr>
           <a:lstStyle/>
           <a:p>
@@ -12890,7 +12756,7 @@
     </p:spTree>
     <p:extLst>
       <p:ext uri="{BB962C8B-B14F-4D97-AF65-F5344CB8AC3E}">
-        <p14:creationId xmlns:p14="http://schemas.microsoft.com/office/powerpoint/2010/main" xmlns="" val="2634211947"/>
+        <p14:creationId xmlns="" xmlns:p14="http://schemas.microsoft.com/office/powerpoint/2010/main" val="2634211947"/>
       </p:ext>
     </p:extLst>
   </p:cSld>
@@ -13058,7 +12924,7 @@
     </p:spTree>
     <p:extLst>
       <p:ext uri="{BB962C8B-B14F-4D97-AF65-F5344CB8AC3E}">
-        <p14:creationId xmlns:p14="http://schemas.microsoft.com/office/powerpoint/2010/main" xmlns="" val="3243626544"/>
+        <p14:creationId xmlns="" xmlns:p14="http://schemas.microsoft.com/office/powerpoint/2010/main" val="3243626544"/>
       </p:ext>
     </p:extLst>
   </p:cSld>
@@ -13260,7 +13126,7 @@
       </p:grpSpPr>
       <p:pic>
         <p:nvPicPr>
-          <p:cNvPr id="21" name="Grafik 20" descr="Ubersicht.png"/>
+          <p:cNvPr id="55" name="Grafik 54" descr="Ubersicht.png"/>
           <p:cNvPicPr>
             <a:picLocks noChangeAspect="1"/>
           </p:cNvPicPr>
@@ -13274,8 +13140,8 @@
         </p:blipFill>
         <p:spPr>
           <a:xfrm>
-            <a:off x="1187624" y="1412776"/>
-            <a:ext cx="7488832" cy="5222657"/>
+            <a:off x="1403648" y="1412776"/>
+            <a:ext cx="7416824" cy="5117193"/>
           </a:xfrm>
           <a:prstGeom prst="rect">
             <a:avLst/>
@@ -13330,10 +13196,10 @@
           <a:lstStyle/>
           <a:p>
             <a:r>
-              <a:rPr lang="de-DE" smtClean="0"/>
+              <a:rPr lang="de-DE" dirty="0" smtClean="0"/>
               <a:t>21.04.2012</a:t>
             </a:r>
-            <a:endParaRPr lang="en-US"/>
+            <a:endParaRPr lang="en-US" dirty="0"/>
           </a:p>
         </p:txBody>
       </p:sp>
@@ -13379,217 +13245,6 @@
               <a:rPr lang="en-US" smtClean="0"/>
               <a:pPr/>
               <a:t>27</a:t>
-            </a:fld>
-            <a:endParaRPr lang="en-US"/>
-          </a:p>
-        </p:txBody>
-      </p:sp>
-    </p:spTree>
-    <p:extLst>
-      <p:ext uri="{BB962C8B-B14F-4D97-AF65-F5344CB8AC3E}">
-        <p14:creationId xmlns:p14="http://schemas.microsoft.com/office/powerpoint/2010/main" xmlns="" val="3243626544"/>
-      </p:ext>
-    </p:extLst>
-  </p:cSld>
-  <p:clrMapOvr>
-    <a:masterClrMapping/>
-  </p:clrMapOvr>
-  <p:timing>
-    <p:tnLst>
-      <p:par>
-        <p:cTn id="1" dur="indefinite" restart="never" nodeType="tmRoot"/>
-      </p:par>
-    </p:tnLst>
-  </p:timing>
-</p:sld>
-</file>
-
-<file path=ppt/slides/slide28.xml><?xml version="1.0" encoding="utf-8"?>
-<p:sld xmlns:a="http://schemas.openxmlformats.org/drawingml/2006/main" xmlns:r="http://schemas.openxmlformats.org/officeDocument/2006/relationships" xmlns:p="http://schemas.openxmlformats.org/presentationml/2006/main">
-  <p:cSld>
-    <p:spTree>
-      <p:nvGrpSpPr>
-        <p:cNvPr id="1" name=""/>
-        <p:cNvGrpSpPr/>
-        <p:nvPr/>
-      </p:nvGrpSpPr>
-      <p:grpSpPr>
-        <a:xfrm>
-          <a:off x="0" y="0"/>
-          <a:ext cx="0" cy="0"/>
-          <a:chOff x="0" y="0"/>
-          <a:chExt cx="0" cy="0"/>
-        </a:xfrm>
-      </p:grpSpPr>
-      <p:pic>
-        <p:nvPicPr>
-          <p:cNvPr id="81" name="Inhaltsplatzhalter 18" descr="Ubersicht.png"/>
-          <p:cNvPicPr>
-            <a:picLocks noChangeAspect="1"/>
-          </p:cNvPicPr>
-          <p:nvPr/>
-        </p:nvPicPr>
-        <p:blipFill>
-          <a:blip r:embed="rId3" cstate="print"/>
-          <a:stretch>
-            <a:fillRect/>
-          </a:stretch>
-        </p:blipFill>
-        <p:spPr>
-          <a:xfrm>
-            <a:off x="1043608" y="5229200"/>
-            <a:ext cx="2232248" cy="1556792"/>
-          </a:xfrm>
-          <a:prstGeom prst="rect">
-            <a:avLst/>
-          </a:prstGeom>
-        </p:spPr>
-      </p:pic>
-      <p:pic>
-        <p:nvPicPr>
-          <p:cNvPr id="77" name="Grafik 76" descr="Pfeil.png"/>
-          <p:cNvPicPr>
-            <a:picLocks noChangeAspect="1"/>
-          </p:cNvPicPr>
-          <p:nvPr/>
-        </p:nvPicPr>
-        <p:blipFill>
-          <a:blip r:embed="rId4" cstate="print"/>
-          <a:stretch>
-            <a:fillRect/>
-          </a:stretch>
-        </p:blipFill>
-        <p:spPr>
-          <a:xfrm rot="5400000">
-            <a:off x="5798938" y="4594297"/>
-            <a:ext cx="514422" cy="200053"/>
-          </a:xfrm>
-          <a:prstGeom prst="rect">
-            <a:avLst/>
-          </a:prstGeom>
-        </p:spPr>
-      </p:pic>
-      <p:pic>
-        <p:nvPicPr>
-          <p:cNvPr id="76" name="Grafik 75" descr="Pfeil.png"/>
-          <p:cNvPicPr>
-            <a:picLocks noChangeAspect="1"/>
-          </p:cNvPicPr>
-          <p:nvPr/>
-        </p:nvPicPr>
-        <p:blipFill>
-          <a:blip r:embed="rId4" cstate="print"/>
-          <a:stretch>
-            <a:fillRect/>
-          </a:stretch>
-        </p:blipFill>
-        <p:spPr>
-          <a:xfrm rot="5400000">
-            <a:off x="5782967" y="3586185"/>
-            <a:ext cx="514422" cy="200053"/>
-          </a:xfrm>
-          <a:prstGeom prst="rect">
-            <a:avLst/>
-          </a:prstGeom>
-        </p:spPr>
-      </p:pic>
-      <p:sp>
-        <p:nvSpPr>
-          <p:cNvPr id="2" name="Titel 1"/>
-          <p:cNvSpPr>
-            <a:spLocks noGrp="1"/>
-          </p:cNvSpPr>
-          <p:nvPr>
-            <p:ph type="title"/>
-          </p:nvPr>
-        </p:nvSpPr>
-        <p:spPr/>
-        <p:txBody>
-          <a:bodyPr>
-            <a:normAutofit fontScale="90000"/>
-          </a:bodyPr>
-          <a:lstStyle/>
-          <a:p>
-            <a:r>
-              <a:rPr lang="de-DE" dirty="0" smtClean="0"/>
-              <a:t>Detailkonzept</a:t>
-            </a:r>
-            <a:br>
-              <a:rPr lang="de-DE" dirty="0" smtClean="0"/>
-            </a:br>
-            <a:r>
-              <a:rPr lang="de-DE" dirty="0" smtClean="0"/>
-              <a:t>Datenbankschema - Event</a:t>
-            </a:r>
-            <a:endParaRPr lang="de-DE" dirty="0"/>
-          </a:p>
-        </p:txBody>
-      </p:sp>
-      <p:sp>
-        <p:nvSpPr>
-          <p:cNvPr id="4" name="Datumsplatzhalter 3"/>
-          <p:cNvSpPr>
-            <a:spLocks noGrp="1"/>
-          </p:cNvSpPr>
-          <p:nvPr>
-            <p:ph type="dt" sz="half" idx="10"/>
-          </p:nvPr>
-        </p:nvSpPr>
-        <p:spPr/>
-        <p:txBody>
-          <a:bodyPr/>
-          <a:lstStyle/>
-          <a:p>
-            <a:r>
-              <a:rPr lang="de-DE" dirty="0" smtClean="0"/>
-              <a:t>21.04.2012</a:t>
-            </a:r>
-            <a:endParaRPr lang="en-US" dirty="0"/>
-          </a:p>
-        </p:txBody>
-      </p:sp>
-      <p:sp>
-        <p:nvSpPr>
-          <p:cNvPr id="5" name="Fußzeilenplatzhalter 4"/>
-          <p:cNvSpPr>
-            <a:spLocks noGrp="1"/>
-          </p:cNvSpPr>
-          <p:nvPr>
-            <p:ph type="ftr" sz="quarter" idx="11"/>
-          </p:nvPr>
-        </p:nvSpPr>
-        <p:spPr/>
-        <p:txBody>
-          <a:bodyPr/>
-          <a:lstStyle/>
-          <a:p>
-            <a:r>
-              <a:rPr lang="de-DE" smtClean="0"/>
-              <a:t>FST Projekt "Eventalizer" (SS 2012) Team 5</a:t>
-            </a:r>
-            <a:endParaRPr lang="de-DE" dirty="0"/>
-          </a:p>
-        </p:txBody>
-      </p:sp>
-      <p:sp>
-        <p:nvSpPr>
-          <p:cNvPr id="6" name="Foliennummernplatzhalter 5"/>
-          <p:cNvSpPr>
-            <a:spLocks noGrp="1"/>
-          </p:cNvSpPr>
-          <p:nvPr>
-            <p:ph type="sldNum" sz="quarter" idx="12"/>
-          </p:nvPr>
-        </p:nvSpPr>
-        <p:spPr/>
-        <p:txBody>
-          <a:bodyPr/>
-          <a:lstStyle/>
-          <a:p>
-            <a:fld id="{990B41CA-569D-40E7-8E58-026C0338B2C8}" type="slidenum">
-              <a:rPr lang="en-US" smtClean="0"/>
-              <a:pPr/>
-              <a:t>28</a:t>
             </a:fld>
             <a:endParaRPr lang="en-US"/>
           </a:p>
@@ -13726,7 +13381,7 @@
         </p:nvCxnSpPr>
         <p:spPr>
           <a:xfrm flipH="1">
-            <a:off x="2987824" y="2060848"/>
+            <a:off x="2987824" y="1916832"/>
             <a:ext cx="4176464" cy="0"/>
           </a:xfrm>
           <a:prstGeom prst="straightConnector1">
@@ -13790,66 +13445,6 @@
           </a:fontRef>
         </p:style>
       </p:cxnSp>
-      <p:cxnSp>
-        <p:nvCxnSpPr>
-          <p:cNvPr id="27" name="Gewinkelte Verbindung 26"/>
-          <p:cNvCxnSpPr/>
-          <p:nvPr/>
-        </p:nvCxnSpPr>
-        <p:spPr>
-          <a:xfrm rot="10800000" flipV="1">
-            <a:off x="5127048" y="1700808"/>
-            <a:ext cx="2037240" cy="792088"/>
-          </a:xfrm>
-          <a:prstGeom prst="bentConnector2">
-            <a:avLst/>
-          </a:prstGeom>
-          <a:ln w="19050">
-            <a:solidFill>
-              <a:schemeClr val="tx1"/>
-            </a:solidFill>
-            <a:tailEnd type="arrow"/>
-          </a:ln>
-        </p:spPr>
-        <p:style>
-          <a:lnRef idx="1">
-            <a:schemeClr val="accent1"/>
-          </a:lnRef>
-          <a:fillRef idx="0">
-            <a:schemeClr val="accent1"/>
-          </a:fillRef>
-          <a:effectRef idx="0">
-            <a:schemeClr val="accent1"/>
-          </a:effectRef>
-          <a:fontRef idx="minor">
-            <a:schemeClr val="tx1"/>
-          </a:fontRef>
-        </p:style>
-      </p:cxnSp>
-      <p:pic>
-        <p:nvPicPr>
-          <p:cNvPr id="83" name="Grafik 82" descr="Event.png"/>
-          <p:cNvPicPr>
-            <a:picLocks noChangeAspect="1"/>
-          </p:cNvPicPr>
-          <p:nvPr/>
-        </p:nvPicPr>
-        <p:blipFill>
-          <a:blip r:embed="rId5" cstate="print"/>
-          <a:stretch>
-            <a:fillRect/>
-          </a:stretch>
-        </p:blipFill>
-        <p:spPr>
-          <a:xfrm>
-            <a:off x="1475656" y="1628800"/>
-            <a:ext cx="1486108" cy="3267531"/>
-          </a:xfrm>
-          <a:prstGeom prst="rect">
-            <a:avLst/>
-          </a:prstGeom>
-        </p:spPr>
-      </p:pic>
       <p:pic>
         <p:nvPicPr>
           <p:cNvPr id="84" name="Grafik 83" descr="Benutzer.png"/>
@@ -13859,7 +13454,7 @@
           <p:nvPr/>
         </p:nvPicPr>
         <p:blipFill>
-          <a:blip r:embed="rId6" cstate="print"/>
+          <a:blip r:embed="rId4" cstate="print"/>
           <a:stretch>
             <a:fillRect/>
           </a:stretch>
@@ -13883,7 +13478,7 @@
           <p:nvPr/>
         </p:nvPicPr>
         <p:blipFill>
-          <a:blip r:embed="rId7" cstate="print"/>
+          <a:blip r:embed="rId5" cstate="print"/>
           <a:stretch>
             <a:fillRect/>
           </a:stretch>
@@ -13898,10 +13493,362 @@
           </a:prstGeom>
         </p:spPr>
       </p:pic>
+      <p:pic>
+        <p:nvPicPr>
+          <p:cNvPr id="19" name="Grafik 18" descr="Event.png"/>
+          <p:cNvPicPr>
+            <a:picLocks noChangeAspect="1"/>
+          </p:cNvPicPr>
+          <p:nvPr/>
+        </p:nvPicPr>
+        <p:blipFill>
+          <a:blip r:embed="rId6" cstate="print"/>
+          <a:stretch>
+            <a:fillRect/>
+          </a:stretch>
+        </p:blipFill>
+        <p:spPr>
+          <a:xfrm>
+            <a:off x="1475656" y="1628800"/>
+            <a:ext cx="1486108" cy="3115110"/>
+          </a:xfrm>
+          <a:prstGeom prst="rect">
+            <a:avLst/>
+          </a:prstGeom>
+        </p:spPr>
+      </p:pic>
+      <p:grpSp>
+        <p:nvGrpSpPr>
+          <p:cNvPr id="34" name="Gruppieren 33"/>
+          <p:cNvGrpSpPr/>
+          <p:nvPr/>
+        </p:nvGrpSpPr>
+        <p:grpSpPr>
+          <a:xfrm>
+            <a:off x="5968800" y="3645024"/>
+            <a:ext cx="288032" cy="288032"/>
+            <a:chOff x="6228184" y="3789040"/>
+            <a:chExt cx="288032" cy="288032"/>
+          </a:xfrm>
+        </p:grpSpPr>
+        <p:cxnSp>
+          <p:nvCxnSpPr>
+            <p:cNvPr id="21" name="Gerade Verbindung 20"/>
+            <p:cNvCxnSpPr/>
+            <p:nvPr/>
+          </p:nvCxnSpPr>
+          <p:spPr>
+            <a:xfrm>
+              <a:off x="6228184" y="3789040"/>
+              <a:ext cx="288032" cy="0"/>
+            </a:xfrm>
+            <a:prstGeom prst="line">
+              <a:avLst/>
+            </a:prstGeom>
+            <a:ln w="19050">
+              <a:solidFill>
+                <a:schemeClr val="tx1"/>
+              </a:solidFill>
+            </a:ln>
+          </p:spPr>
+          <p:style>
+            <a:lnRef idx="1">
+              <a:schemeClr val="accent1"/>
+            </a:lnRef>
+            <a:fillRef idx="0">
+              <a:schemeClr val="accent1"/>
+            </a:fillRef>
+            <a:effectRef idx="0">
+              <a:schemeClr val="accent1"/>
+            </a:effectRef>
+            <a:fontRef idx="minor">
+              <a:schemeClr val="tx1"/>
+            </a:fontRef>
+          </p:style>
+        </p:cxnSp>
+        <p:cxnSp>
+          <p:nvCxnSpPr>
+            <p:cNvPr id="22" name="Gerade Verbindung 21"/>
+            <p:cNvCxnSpPr/>
+            <p:nvPr/>
+          </p:nvCxnSpPr>
+          <p:spPr>
+            <a:xfrm>
+              <a:off x="6516216" y="3789040"/>
+              <a:ext cx="0" cy="288032"/>
+            </a:xfrm>
+            <a:prstGeom prst="line">
+              <a:avLst/>
+            </a:prstGeom>
+            <a:ln w="19050">
+              <a:solidFill>
+                <a:schemeClr val="tx1"/>
+              </a:solidFill>
+            </a:ln>
+          </p:spPr>
+          <p:style>
+            <a:lnRef idx="1">
+              <a:schemeClr val="accent1"/>
+            </a:lnRef>
+            <a:fillRef idx="0">
+              <a:schemeClr val="accent1"/>
+            </a:fillRef>
+            <a:effectRef idx="0">
+              <a:schemeClr val="accent1"/>
+            </a:effectRef>
+            <a:fontRef idx="minor">
+              <a:schemeClr val="tx1"/>
+            </a:fontRef>
+          </p:style>
+        </p:cxnSp>
+        <p:cxnSp>
+          <p:nvCxnSpPr>
+            <p:cNvPr id="30" name="Gerade Verbindung mit Pfeil 29"/>
+            <p:cNvCxnSpPr/>
+            <p:nvPr/>
+          </p:nvCxnSpPr>
+          <p:spPr>
+            <a:xfrm flipH="1">
+              <a:off x="6228184" y="4077072"/>
+              <a:ext cx="288032" cy="0"/>
+            </a:xfrm>
+            <a:prstGeom prst="straightConnector1">
+              <a:avLst/>
+            </a:prstGeom>
+            <a:ln w="19050">
+              <a:solidFill>
+                <a:schemeClr val="tx1"/>
+              </a:solidFill>
+              <a:tailEnd type="arrow"/>
+            </a:ln>
+          </p:spPr>
+          <p:style>
+            <a:lnRef idx="1">
+              <a:schemeClr val="accent1"/>
+            </a:lnRef>
+            <a:fillRef idx="0">
+              <a:schemeClr val="accent1"/>
+            </a:fillRef>
+            <a:effectRef idx="0">
+              <a:schemeClr val="accent1"/>
+            </a:effectRef>
+            <a:fontRef idx="minor">
+              <a:schemeClr val="tx1"/>
+            </a:fontRef>
+          </p:style>
+        </p:cxnSp>
+      </p:grpSp>
+      <p:grpSp>
+        <p:nvGrpSpPr>
+          <p:cNvPr id="35" name="Gruppieren 34"/>
+          <p:cNvGrpSpPr/>
+          <p:nvPr/>
+        </p:nvGrpSpPr>
+        <p:grpSpPr>
+          <a:xfrm>
+            <a:off x="5968800" y="4149080"/>
+            <a:ext cx="288032" cy="288032"/>
+            <a:chOff x="6228184" y="3789040"/>
+            <a:chExt cx="288032" cy="288032"/>
+          </a:xfrm>
+        </p:grpSpPr>
+        <p:cxnSp>
+          <p:nvCxnSpPr>
+            <p:cNvPr id="36" name="Gerade Verbindung 35"/>
+            <p:cNvCxnSpPr/>
+            <p:nvPr/>
+          </p:nvCxnSpPr>
+          <p:spPr>
+            <a:xfrm>
+              <a:off x="6228184" y="3789040"/>
+              <a:ext cx="288032" cy="0"/>
+            </a:xfrm>
+            <a:prstGeom prst="line">
+              <a:avLst/>
+            </a:prstGeom>
+            <a:ln w="19050">
+              <a:solidFill>
+                <a:schemeClr val="tx1"/>
+              </a:solidFill>
+            </a:ln>
+          </p:spPr>
+          <p:style>
+            <a:lnRef idx="1">
+              <a:schemeClr val="accent1"/>
+            </a:lnRef>
+            <a:fillRef idx="0">
+              <a:schemeClr val="accent1"/>
+            </a:fillRef>
+            <a:effectRef idx="0">
+              <a:schemeClr val="accent1"/>
+            </a:effectRef>
+            <a:fontRef idx="minor">
+              <a:schemeClr val="tx1"/>
+            </a:fontRef>
+          </p:style>
+        </p:cxnSp>
+        <p:cxnSp>
+          <p:nvCxnSpPr>
+            <p:cNvPr id="37" name="Gerade Verbindung 36"/>
+            <p:cNvCxnSpPr/>
+            <p:nvPr/>
+          </p:nvCxnSpPr>
+          <p:spPr>
+            <a:xfrm>
+              <a:off x="6516216" y="3789040"/>
+              <a:ext cx="0" cy="288032"/>
+            </a:xfrm>
+            <a:prstGeom prst="line">
+              <a:avLst/>
+            </a:prstGeom>
+            <a:ln w="19050">
+              <a:solidFill>
+                <a:schemeClr val="tx1"/>
+              </a:solidFill>
+            </a:ln>
+          </p:spPr>
+          <p:style>
+            <a:lnRef idx="1">
+              <a:schemeClr val="accent1"/>
+            </a:lnRef>
+            <a:fillRef idx="0">
+              <a:schemeClr val="accent1"/>
+            </a:fillRef>
+            <a:effectRef idx="0">
+              <a:schemeClr val="accent1"/>
+            </a:effectRef>
+            <a:fontRef idx="minor">
+              <a:schemeClr val="tx1"/>
+            </a:fontRef>
+          </p:style>
+        </p:cxnSp>
+        <p:cxnSp>
+          <p:nvCxnSpPr>
+            <p:cNvPr id="38" name="Gerade Verbindung mit Pfeil 37"/>
+            <p:cNvCxnSpPr/>
+            <p:nvPr/>
+          </p:nvCxnSpPr>
+          <p:spPr>
+            <a:xfrm flipH="1">
+              <a:off x="6228184" y="4077072"/>
+              <a:ext cx="288032" cy="0"/>
+            </a:xfrm>
+            <a:prstGeom prst="straightConnector1">
+              <a:avLst/>
+            </a:prstGeom>
+            <a:ln w="19050">
+              <a:solidFill>
+                <a:schemeClr val="tx1"/>
+              </a:solidFill>
+              <a:tailEnd type="arrow"/>
+            </a:ln>
+          </p:spPr>
+          <p:style>
+            <a:lnRef idx="1">
+              <a:schemeClr val="accent1"/>
+            </a:lnRef>
+            <a:fillRef idx="0">
+              <a:schemeClr val="accent1"/>
+            </a:fillRef>
+            <a:effectRef idx="0">
+              <a:schemeClr val="accent1"/>
+            </a:effectRef>
+            <a:fontRef idx="minor">
+              <a:schemeClr val="tx1"/>
+            </a:fontRef>
+          </p:style>
+        </p:cxnSp>
+      </p:grpSp>
+      <p:grpSp>
+        <p:nvGrpSpPr>
+          <p:cNvPr id="54" name="Gruppieren 53"/>
+          <p:cNvGrpSpPr/>
+          <p:nvPr/>
+        </p:nvGrpSpPr>
+        <p:grpSpPr>
+          <a:xfrm>
+            <a:off x="5652120" y="2204864"/>
+            <a:ext cx="1512168" cy="288032"/>
+            <a:chOff x="5652120" y="2204864"/>
+            <a:chExt cx="1512168" cy="288032"/>
+          </a:xfrm>
+        </p:grpSpPr>
+        <p:cxnSp>
+          <p:nvCxnSpPr>
+            <p:cNvPr id="44" name="Gerade Verbindung mit Pfeil 43"/>
+            <p:cNvCxnSpPr/>
+            <p:nvPr/>
+          </p:nvCxnSpPr>
+          <p:spPr>
+            <a:xfrm>
+              <a:off x="5652120" y="2204864"/>
+              <a:ext cx="0" cy="288032"/>
+            </a:xfrm>
+            <a:prstGeom prst="straightConnector1">
+              <a:avLst/>
+            </a:prstGeom>
+            <a:ln w="19050">
+              <a:solidFill>
+                <a:schemeClr val="tx1"/>
+              </a:solidFill>
+              <a:tailEnd type="arrow"/>
+            </a:ln>
+          </p:spPr>
+          <p:style>
+            <a:lnRef idx="1">
+              <a:schemeClr val="accent1"/>
+            </a:lnRef>
+            <a:fillRef idx="0">
+              <a:schemeClr val="accent1"/>
+            </a:fillRef>
+            <a:effectRef idx="0">
+              <a:schemeClr val="accent1"/>
+            </a:effectRef>
+            <a:fontRef idx="minor">
+              <a:schemeClr val="tx1"/>
+            </a:fontRef>
+          </p:style>
+        </p:cxnSp>
+        <p:cxnSp>
+          <p:nvCxnSpPr>
+            <p:cNvPr id="46" name="Gerade Verbindung 45"/>
+            <p:cNvCxnSpPr/>
+            <p:nvPr/>
+          </p:nvCxnSpPr>
+          <p:spPr>
+            <a:xfrm flipH="1">
+              <a:off x="5652120" y="2204864"/>
+              <a:ext cx="1512168" cy="0"/>
+            </a:xfrm>
+            <a:prstGeom prst="line">
+              <a:avLst/>
+            </a:prstGeom>
+            <a:ln w="19050">
+              <a:solidFill>
+                <a:schemeClr val="tx1"/>
+              </a:solidFill>
+            </a:ln>
+          </p:spPr>
+          <p:style>
+            <a:lnRef idx="1">
+              <a:schemeClr val="accent1"/>
+            </a:lnRef>
+            <a:fillRef idx="0">
+              <a:schemeClr val="accent1"/>
+            </a:fillRef>
+            <a:effectRef idx="0">
+              <a:schemeClr val="accent1"/>
+            </a:effectRef>
+            <a:fontRef idx="minor">
+              <a:schemeClr val="tx1"/>
+            </a:fontRef>
+          </p:style>
+        </p:cxnSp>
+      </p:grpSp>
     </p:spTree>
     <p:extLst>
       <p:ext uri="{BB962C8B-B14F-4D97-AF65-F5344CB8AC3E}">
-        <p14:creationId xmlns:p14="http://schemas.microsoft.com/office/powerpoint/2010/main" xmlns="" val="3243626544"/>
+        <p14:creationId xmlns="" xmlns:p14="http://schemas.microsoft.com/office/powerpoint/2010/main" val="3243626544"/>
       </p:ext>
     </p:extLst>
   </p:cSld>
@@ -13911,14 +13858,503 @@
   <p:timing>
     <p:tnLst>
       <p:par>
-        <p:cTn id="1" dur="indefinite" restart="never" nodeType="tmRoot"/>
+        <p:cTn id="1" dur="indefinite" restart="never" nodeType="tmRoot">
+          <p:childTnLst>
+            <p:seq concurrent="1" nextAc="seek">
+              <p:cTn id="2" dur="indefinite" nodeType="mainSeq">
+                <p:childTnLst>
+                  <p:par>
+                    <p:cTn id="3" fill="hold">
+                      <p:stCondLst>
+                        <p:cond delay="indefinite"/>
+                      </p:stCondLst>
+                      <p:childTnLst>
+                        <p:par>
+                          <p:cTn id="4" fill="hold">
+                            <p:stCondLst>
+                              <p:cond delay="0"/>
+                            </p:stCondLst>
+                            <p:childTnLst>
+                              <p:par>
+                                <p:cTn id="5" presetID="6" presetClass="emph" presetSubtype="0" fill="hold" nodeType="clickEffect">
+                                  <p:stCondLst>
+                                    <p:cond delay="0"/>
+                                  </p:stCondLst>
+                                  <p:childTnLst>
+                                    <p:animScale>
+                                      <p:cBhvr>
+                                        <p:cTn id="6" dur="2000" fill="hold"/>
+                                        <p:tgtEl>
+                                          <p:spTgt spid="55"/>
+                                        </p:tgtEl>
+                                      </p:cBhvr>
+                                      <p:by x="30000" y="30000"/>
+                                    </p:animScale>
+                                  </p:childTnLst>
+                                </p:cTn>
+                              </p:par>
+                              <p:par>
+                                <p:cTn id="7" presetID="0" presetClass="path" presetSubtype="0" accel="50000" decel="50000" fill="hold" nodeType="withEffect">
+                                  <p:stCondLst>
+                                    <p:cond delay="0"/>
+                                  </p:stCondLst>
+                                  <p:childTnLst>
+                                    <p:animMotion origin="layout" path="M 2.22222E-6 3.70028E-7 L -0.31893 0.2988 " pathEditMode="relative" rAng="0" ptsTypes="AA">
+                                      <p:cBhvr>
+                                        <p:cTn id="8" dur="2000" fill="hold"/>
+                                        <p:tgtEl>
+                                          <p:spTgt spid="55"/>
+                                        </p:tgtEl>
+                                        <p:attrNameLst>
+                                          <p:attrName>ppt_x</p:attrName>
+                                          <p:attrName>ppt_y</p:attrName>
+                                        </p:attrNameLst>
+                                      </p:cBhvr>
+                                      <p:rCtr x="-160" y="149"/>
+                                    </p:animMotion>
+                                  </p:childTnLst>
+                                </p:cTn>
+                              </p:par>
+                            </p:childTnLst>
+                          </p:cTn>
+                        </p:par>
+                        <p:par>
+                          <p:cTn id="9" fill="hold">
+                            <p:stCondLst>
+                              <p:cond delay="2000"/>
+                            </p:stCondLst>
+                            <p:childTnLst>
+                              <p:par>
+                                <p:cTn id="10" presetID="3" presetClass="entr" presetSubtype="10" fill="hold" nodeType="afterEffect">
+                                  <p:stCondLst>
+                                    <p:cond delay="0"/>
+                                  </p:stCondLst>
+                                  <p:childTnLst>
+                                    <p:set>
+                                      <p:cBhvr>
+                                        <p:cTn id="11" dur="1" fill="hold">
+                                          <p:stCondLst>
+                                            <p:cond delay="0"/>
+                                          </p:stCondLst>
+                                        </p:cTn>
+                                        <p:tgtEl>
+                                          <p:spTgt spid="18"/>
+                                        </p:tgtEl>
+                                        <p:attrNameLst>
+                                          <p:attrName>style.visibility</p:attrName>
+                                        </p:attrNameLst>
+                                      </p:cBhvr>
+                                      <p:to>
+                                        <p:strVal val="visible"/>
+                                      </p:to>
+                                    </p:set>
+                                    <p:animEffect transition="in" filter="blinds(horizontal)">
+                                      <p:cBhvr>
+                                        <p:cTn id="12" dur="500"/>
+                                        <p:tgtEl>
+                                          <p:spTgt spid="18"/>
+                                        </p:tgtEl>
+                                      </p:cBhvr>
+                                    </p:animEffect>
+                                  </p:childTnLst>
+                                </p:cTn>
+                              </p:par>
+                              <p:par>
+                                <p:cTn id="13" presetID="3" presetClass="entr" presetSubtype="10" fill="hold" nodeType="withEffect">
+                                  <p:stCondLst>
+                                    <p:cond delay="0"/>
+                                  </p:stCondLst>
+                                  <p:childTnLst>
+                                    <p:set>
+                                      <p:cBhvr>
+                                        <p:cTn id="14" dur="1" fill="hold">
+                                          <p:stCondLst>
+                                            <p:cond delay="0"/>
+                                          </p:stCondLst>
+                                        </p:cTn>
+                                        <p:tgtEl>
+                                          <p:spTgt spid="19"/>
+                                        </p:tgtEl>
+                                        <p:attrNameLst>
+                                          <p:attrName>style.visibility</p:attrName>
+                                        </p:attrNameLst>
+                                      </p:cBhvr>
+                                      <p:to>
+                                        <p:strVal val="visible"/>
+                                      </p:to>
+                                    </p:set>
+                                    <p:animEffect transition="in" filter="blinds(horizontal)">
+                                      <p:cBhvr>
+                                        <p:cTn id="15" dur="500"/>
+                                        <p:tgtEl>
+                                          <p:spTgt spid="19"/>
+                                        </p:tgtEl>
+                                      </p:cBhvr>
+                                    </p:animEffect>
+                                  </p:childTnLst>
+                                </p:cTn>
+                              </p:par>
+                              <p:par>
+                                <p:cTn id="16" presetID="3" presetClass="entr" presetSubtype="10" fill="hold" nodeType="withEffect">
+                                  <p:stCondLst>
+                                    <p:cond delay="0"/>
+                                  </p:stCondLst>
+                                  <p:childTnLst>
+                                    <p:set>
+                                      <p:cBhvr>
+                                        <p:cTn id="17" dur="1" fill="hold">
+                                          <p:stCondLst>
+                                            <p:cond delay="0"/>
+                                          </p:stCondLst>
+                                        </p:cTn>
+                                        <p:tgtEl>
+                                          <p:spTgt spid="23"/>
+                                        </p:tgtEl>
+                                        <p:attrNameLst>
+                                          <p:attrName>style.visibility</p:attrName>
+                                        </p:attrNameLst>
+                                      </p:cBhvr>
+                                      <p:to>
+                                        <p:strVal val="visible"/>
+                                      </p:to>
+                                    </p:set>
+                                    <p:animEffect transition="in" filter="blinds(horizontal)">
+                                      <p:cBhvr>
+                                        <p:cTn id="18" dur="500"/>
+                                        <p:tgtEl>
+                                          <p:spTgt spid="23"/>
+                                        </p:tgtEl>
+                                      </p:cBhvr>
+                                    </p:animEffect>
+                                  </p:childTnLst>
+                                </p:cTn>
+                              </p:par>
+                              <p:par>
+                                <p:cTn id="19" presetID="3" presetClass="entr" presetSubtype="10" fill="hold" nodeType="withEffect">
+                                  <p:stCondLst>
+                                    <p:cond delay="0"/>
+                                  </p:stCondLst>
+                                  <p:childTnLst>
+                                    <p:set>
+                                      <p:cBhvr>
+                                        <p:cTn id="20" dur="1" fill="hold">
+                                          <p:stCondLst>
+                                            <p:cond delay="0"/>
+                                          </p:stCondLst>
+                                        </p:cTn>
+                                        <p:tgtEl>
+                                          <p:spTgt spid="84"/>
+                                        </p:tgtEl>
+                                        <p:attrNameLst>
+                                          <p:attrName>style.visibility</p:attrName>
+                                        </p:attrNameLst>
+                                      </p:cBhvr>
+                                      <p:to>
+                                        <p:strVal val="visible"/>
+                                      </p:to>
+                                    </p:set>
+                                    <p:animEffect transition="in" filter="blinds(horizontal)">
+                                      <p:cBhvr>
+                                        <p:cTn id="21" dur="500"/>
+                                        <p:tgtEl>
+                                          <p:spTgt spid="84"/>
+                                        </p:tgtEl>
+                                      </p:cBhvr>
+                                    </p:animEffect>
+                                  </p:childTnLst>
+                                </p:cTn>
+                              </p:par>
+                              <p:par>
+                                <p:cTn id="22" presetID="3" presetClass="entr" presetSubtype="10" fill="hold" nodeType="withEffect">
+                                  <p:stCondLst>
+                                    <p:cond delay="0"/>
+                                  </p:stCondLst>
+                                  <p:childTnLst>
+                                    <p:set>
+                                      <p:cBhvr>
+                                        <p:cTn id="23" dur="1" fill="hold">
+                                          <p:stCondLst>
+                                            <p:cond delay="0"/>
+                                          </p:stCondLst>
+                                        </p:cTn>
+                                        <p:tgtEl>
+                                          <p:spTgt spid="54"/>
+                                        </p:tgtEl>
+                                        <p:attrNameLst>
+                                          <p:attrName>style.visibility</p:attrName>
+                                        </p:attrNameLst>
+                                      </p:cBhvr>
+                                      <p:to>
+                                        <p:strVal val="visible"/>
+                                      </p:to>
+                                    </p:set>
+                                    <p:animEffect transition="in" filter="blinds(horizontal)">
+                                      <p:cBhvr>
+                                        <p:cTn id="24" dur="500"/>
+                                        <p:tgtEl>
+                                          <p:spTgt spid="54"/>
+                                        </p:tgtEl>
+                                      </p:cBhvr>
+                                    </p:animEffect>
+                                  </p:childTnLst>
+                                </p:cTn>
+                              </p:par>
+                              <p:par>
+                                <p:cTn id="25" presetID="3" presetClass="entr" presetSubtype="10" fill="hold" nodeType="withEffect">
+                                  <p:stCondLst>
+                                    <p:cond delay="0"/>
+                                  </p:stCondLst>
+                                  <p:childTnLst>
+                                    <p:set>
+                                      <p:cBhvr>
+                                        <p:cTn id="26" dur="1" fill="hold">
+                                          <p:stCondLst>
+                                            <p:cond delay="0"/>
+                                          </p:stCondLst>
+                                        </p:cTn>
+                                        <p:tgtEl>
+                                          <p:spTgt spid="85"/>
+                                        </p:tgtEl>
+                                        <p:attrNameLst>
+                                          <p:attrName>style.visibility</p:attrName>
+                                        </p:attrNameLst>
+                                      </p:cBhvr>
+                                      <p:to>
+                                        <p:strVal val="visible"/>
+                                      </p:to>
+                                    </p:set>
+                                    <p:animEffect transition="in" filter="blinds(horizontal)">
+                                      <p:cBhvr>
+                                        <p:cTn id="27" dur="500"/>
+                                        <p:tgtEl>
+                                          <p:spTgt spid="85"/>
+                                        </p:tgtEl>
+                                      </p:cBhvr>
+                                    </p:animEffect>
+                                  </p:childTnLst>
+                                </p:cTn>
+                              </p:par>
+                              <p:par>
+                                <p:cTn id="28" presetID="3" presetClass="entr" presetSubtype="10" fill="hold" nodeType="withEffect">
+                                  <p:stCondLst>
+                                    <p:cond delay="0"/>
+                                  </p:stCondLst>
+                                  <p:childTnLst>
+                                    <p:set>
+                                      <p:cBhvr>
+                                        <p:cTn id="29" dur="1" fill="hold">
+                                          <p:stCondLst>
+                                            <p:cond delay="0"/>
+                                          </p:stCondLst>
+                                        </p:cTn>
+                                        <p:tgtEl>
+                                          <p:spTgt spid="34"/>
+                                        </p:tgtEl>
+                                        <p:attrNameLst>
+                                          <p:attrName>style.visibility</p:attrName>
+                                        </p:attrNameLst>
+                                      </p:cBhvr>
+                                      <p:to>
+                                        <p:strVal val="visible"/>
+                                      </p:to>
+                                    </p:set>
+                                    <p:animEffect transition="in" filter="blinds(horizontal)">
+                                      <p:cBhvr>
+                                        <p:cTn id="30" dur="500"/>
+                                        <p:tgtEl>
+                                          <p:spTgt spid="34"/>
+                                        </p:tgtEl>
+                                      </p:cBhvr>
+                                    </p:animEffect>
+                                  </p:childTnLst>
+                                </p:cTn>
+                              </p:par>
+                              <p:par>
+                                <p:cTn id="31" presetID="3" presetClass="entr" presetSubtype="10" fill="hold" nodeType="withEffect">
+                                  <p:stCondLst>
+                                    <p:cond delay="0"/>
+                                  </p:stCondLst>
+                                  <p:childTnLst>
+                                    <p:set>
+                                      <p:cBhvr>
+                                        <p:cTn id="32" dur="1" fill="hold">
+                                          <p:stCondLst>
+                                            <p:cond delay="0"/>
+                                          </p:stCondLst>
+                                        </p:cTn>
+                                        <p:tgtEl>
+                                          <p:spTgt spid="35"/>
+                                        </p:tgtEl>
+                                        <p:attrNameLst>
+                                          <p:attrName>style.visibility</p:attrName>
+                                        </p:attrNameLst>
+                                      </p:cBhvr>
+                                      <p:to>
+                                        <p:strVal val="visible"/>
+                                      </p:to>
+                                    </p:set>
+                                    <p:animEffect transition="in" filter="blinds(horizontal)">
+                                      <p:cBhvr>
+                                        <p:cTn id="33" dur="500"/>
+                                        <p:tgtEl>
+                                          <p:spTgt spid="35"/>
+                                        </p:tgtEl>
+                                      </p:cBhvr>
+                                    </p:animEffect>
+                                  </p:childTnLst>
+                                </p:cTn>
+                              </p:par>
+                            </p:childTnLst>
+                          </p:cTn>
+                        </p:par>
+                        <p:par>
+                          <p:cTn id="34" fill="hold">
+                            <p:stCondLst>
+                              <p:cond delay="2500"/>
+                            </p:stCondLst>
+                            <p:childTnLst>
+                              <p:par>
+                                <p:cTn id="35" presetID="3" presetClass="entr" presetSubtype="10" fill="hold" grpId="0" nodeType="afterEffect">
+                                  <p:stCondLst>
+                                    <p:cond delay="0"/>
+                                  </p:stCondLst>
+                                  <p:childTnLst>
+                                    <p:set>
+                                      <p:cBhvr>
+                                        <p:cTn id="36" dur="1" fill="hold">
+                                          <p:stCondLst>
+                                            <p:cond delay="0"/>
+                                          </p:stCondLst>
+                                        </p:cTn>
+                                        <p:tgtEl>
+                                          <p:spTgt spid="11"/>
+                                        </p:tgtEl>
+                                        <p:attrNameLst>
+                                          <p:attrName>style.visibility</p:attrName>
+                                        </p:attrNameLst>
+                                      </p:cBhvr>
+                                      <p:to>
+                                        <p:strVal val="visible"/>
+                                      </p:to>
+                                    </p:set>
+                                    <p:animEffect transition="in" filter="blinds(horizontal)">
+                                      <p:cBhvr>
+                                        <p:cTn id="37" dur="500"/>
+                                        <p:tgtEl>
+                                          <p:spTgt spid="11"/>
+                                        </p:tgtEl>
+                                      </p:cBhvr>
+                                    </p:animEffect>
+                                  </p:childTnLst>
+                                </p:cTn>
+                              </p:par>
+                              <p:par>
+                                <p:cTn id="38" presetID="3" presetClass="entr" presetSubtype="10" fill="hold" grpId="0" nodeType="withEffect">
+                                  <p:stCondLst>
+                                    <p:cond delay="0"/>
+                                  </p:stCondLst>
+                                  <p:childTnLst>
+                                    <p:set>
+                                      <p:cBhvr>
+                                        <p:cTn id="39" dur="1" fill="hold">
+                                          <p:stCondLst>
+                                            <p:cond delay="0"/>
+                                          </p:stCondLst>
+                                        </p:cTn>
+                                        <p:tgtEl>
+                                          <p:spTgt spid="9"/>
+                                        </p:tgtEl>
+                                        <p:attrNameLst>
+                                          <p:attrName>style.visibility</p:attrName>
+                                        </p:attrNameLst>
+                                      </p:cBhvr>
+                                      <p:to>
+                                        <p:strVal val="visible"/>
+                                      </p:to>
+                                    </p:set>
+                                    <p:animEffect transition="in" filter="blinds(horizontal)">
+                                      <p:cBhvr>
+                                        <p:cTn id="40" dur="500"/>
+                                        <p:tgtEl>
+                                          <p:spTgt spid="9"/>
+                                        </p:tgtEl>
+                                      </p:cBhvr>
+                                    </p:animEffect>
+                                  </p:childTnLst>
+                                </p:cTn>
+                              </p:par>
+                              <p:par>
+                                <p:cTn id="41" presetID="3" presetClass="entr" presetSubtype="10" fill="hold" grpId="0" nodeType="withEffect">
+                                  <p:stCondLst>
+                                    <p:cond delay="0"/>
+                                  </p:stCondLst>
+                                  <p:childTnLst>
+                                    <p:set>
+                                      <p:cBhvr>
+                                        <p:cTn id="42" dur="1" fill="hold">
+                                          <p:stCondLst>
+                                            <p:cond delay="0"/>
+                                          </p:stCondLst>
+                                        </p:cTn>
+                                        <p:tgtEl>
+                                          <p:spTgt spid="8"/>
+                                        </p:tgtEl>
+                                        <p:attrNameLst>
+                                          <p:attrName>style.visibility</p:attrName>
+                                        </p:attrNameLst>
+                                      </p:cBhvr>
+                                      <p:to>
+                                        <p:strVal val="visible"/>
+                                      </p:to>
+                                    </p:set>
+                                    <p:animEffect transition="in" filter="blinds(horizontal)">
+                                      <p:cBhvr>
+                                        <p:cTn id="43" dur="500"/>
+                                        <p:tgtEl>
+                                          <p:spTgt spid="8"/>
+                                        </p:tgtEl>
+                                      </p:cBhvr>
+                                    </p:animEffect>
+                                  </p:childTnLst>
+                                </p:cTn>
+                              </p:par>
+                            </p:childTnLst>
+                          </p:cTn>
+                        </p:par>
+                      </p:childTnLst>
+                    </p:cTn>
+                  </p:par>
+                </p:childTnLst>
+              </p:cTn>
+              <p:prevCondLst>
+                <p:cond evt="onPrev" delay="0">
+                  <p:tgtEl>
+                    <p:sldTgt/>
+                  </p:tgtEl>
+                </p:cond>
+              </p:prevCondLst>
+              <p:nextCondLst>
+                <p:cond evt="onNext" delay="0">
+                  <p:tgtEl>
+                    <p:sldTgt/>
+                  </p:tgtEl>
+                </p:cond>
+              </p:nextCondLst>
+            </p:seq>
+          </p:childTnLst>
+        </p:cTn>
       </p:par>
     </p:tnLst>
+    <p:bldLst>
+      <p:bldP spid="9" grpId="0" animBg="1"/>
+      <p:bldP spid="8" grpId="0" animBg="1"/>
+      <p:bldP spid="11" grpId="0" animBg="1"/>
+    </p:bldLst>
   </p:timing>
 </p:sld>
 </file>
 
-<file path=ppt/slides/slide29.xml><?xml version="1.0" encoding="utf-8"?>
+<file path=ppt/slides/slide28.xml><?xml version="1.0" encoding="utf-8"?>
 <p:sld xmlns:a="http://schemas.openxmlformats.org/drawingml/2006/main" xmlns:r="http://schemas.openxmlformats.org/officeDocument/2006/relationships" xmlns:p="http://schemas.openxmlformats.org/presentationml/2006/main">
   <p:cSld>
     <p:spTree>
@@ -14103,7 +14539,7 @@
             <a:fld id="{990B41CA-569D-40E7-8E58-026C0338B2C8}" type="slidenum">
               <a:rPr lang="en-US" smtClean="0"/>
               <a:pPr/>
-              <a:t>29</a:t>
+              <a:t>28</a:t>
             </a:fld>
             <a:endParaRPr lang="en-US"/>
           </a:p>
@@ -14415,7 +14851,7 @@
     </p:spTree>
     <p:extLst>
       <p:ext uri="{BB962C8B-B14F-4D97-AF65-F5344CB8AC3E}">
-        <p14:creationId xmlns:p14="http://schemas.microsoft.com/office/powerpoint/2010/main" xmlns="" val="3243626544"/>
+        <p14:creationId xmlns="" xmlns:p14="http://schemas.microsoft.com/office/powerpoint/2010/main" val="3243626544"/>
       </p:ext>
     </p:extLst>
   </p:cSld>
@@ -14432,301 +14868,7 @@
 </p:sld>
 </file>
 
-<file path=ppt/slides/slide3.xml><?xml version="1.0" encoding="utf-8"?>
-<p:sld xmlns:a="http://schemas.openxmlformats.org/drawingml/2006/main" xmlns:r="http://schemas.openxmlformats.org/officeDocument/2006/relationships" xmlns:p="http://schemas.openxmlformats.org/presentationml/2006/main" show="0">
-  <p:cSld>
-    <p:spTree>
-      <p:nvGrpSpPr>
-        <p:cNvPr id="1" name=""/>
-        <p:cNvGrpSpPr/>
-        <p:nvPr/>
-      </p:nvGrpSpPr>
-      <p:grpSpPr>
-        <a:xfrm>
-          <a:off x="0" y="0"/>
-          <a:ext cx="0" cy="0"/>
-          <a:chOff x="0" y="0"/>
-          <a:chExt cx="0" cy="0"/>
-        </a:xfrm>
-      </p:grpSpPr>
-      <p:sp>
-        <p:nvSpPr>
-          <p:cNvPr id="2" name="Titel 1"/>
-          <p:cNvSpPr>
-            <a:spLocks noGrp="1"/>
-          </p:cNvSpPr>
-          <p:nvPr>
-            <p:ph type="title"/>
-          </p:nvPr>
-        </p:nvSpPr>
-        <p:spPr/>
-        <p:txBody>
-          <a:bodyPr/>
-          <a:lstStyle/>
-          <a:p>
-            <a:pPr algn="l"/>
-            <a:r>
-              <a:rPr lang="de-DE" dirty="0" smtClean="0"/>
-              <a:t>Agenda</a:t>
-            </a:r>
-            <a:endParaRPr lang="de-DE" dirty="0"/>
-          </a:p>
-        </p:txBody>
-      </p:sp>
-      <p:sp>
-        <p:nvSpPr>
-          <p:cNvPr id="3" name="Inhaltsplatzhalter 2"/>
-          <p:cNvSpPr>
-            <a:spLocks noGrp="1"/>
-          </p:cNvSpPr>
-          <p:nvPr>
-            <p:ph idx="1"/>
-          </p:nvPr>
-        </p:nvSpPr>
-        <p:spPr/>
-        <p:txBody>
-          <a:bodyPr>
-            <a:noAutofit/>
-          </a:bodyPr>
-          <a:lstStyle/>
-          <a:p>
-            <a:r>
-              <a:rPr lang="de-DE" dirty="0" smtClean="0"/>
-              <a:t>SW-Entwicklungsprozess (vertikale </a:t>
-            </a:r>
-            <a:r>
-              <a:rPr lang="de-DE" dirty="0"/>
-              <a:t>Umsetzung)</a:t>
-            </a:r>
-            <a:endParaRPr lang="de-DE" dirty="0" smtClean="0"/>
-          </a:p>
-          <a:p>
-            <a:pPr lvl="1"/>
-            <a:r>
-              <a:rPr lang="de-DE" dirty="0" smtClean="0"/>
-              <a:t>Funktionale Anforderungen</a:t>
-            </a:r>
-          </a:p>
-          <a:p>
-            <a:pPr lvl="2"/>
-            <a:r>
-              <a:rPr lang="de-DE" dirty="0" smtClean="0"/>
-              <a:t>Login</a:t>
-            </a:r>
-          </a:p>
-          <a:p>
-            <a:pPr lvl="3"/>
-            <a:r>
-              <a:rPr lang="de-DE" dirty="0" smtClean="0"/>
-              <a:t>LH -&gt; PH (</a:t>
-            </a:r>
-            <a:r>
-              <a:rPr lang="de-DE" dirty="0" err="1" smtClean="0"/>
-              <a:t>Mockup</a:t>
-            </a:r>
-            <a:r>
-              <a:rPr lang="de-DE" dirty="0" smtClean="0"/>
-              <a:t>, Aktivitätsdiagramm, Sequenz) -&gt; Live</a:t>
-            </a:r>
-          </a:p>
-          <a:p>
-            <a:pPr lvl="2"/>
-            <a:r>
-              <a:rPr lang="de-DE" dirty="0" smtClean="0"/>
-              <a:t>Event organisieren</a:t>
-            </a:r>
-          </a:p>
-          <a:p>
-            <a:pPr lvl="2"/>
-            <a:r>
-              <a:rPr lang="de-DE" dirty="0" smtClean="0"/>
-              <a:t>Live Demo Detailkonzept</a:t>
-            </a:r>
-          </a:p>
-          <a:p>
-            <a:pPr lvl="2"/>
-            <a:r>
-              <a:rPr lang="de-DE" dirty="0" smtClean="0"/>
-              <a:t>Domänenklassendiagramm Datenbank-Schema</a:t>
-            </a:r>
-          </a:p>
-          <a:p>
-            <a:pPr lvl="1"/>
-            <a:r>
-              <a:rPr lang="de-DE" dirty="0" smtClean="0"/>
-              <a:t>Qualitätsanforderungen</a:t>
-            </a:r>
-          </a:p>
-          <a:p>
-            <a:pPr lvl="1"/>
-            <a:r>
-              <a:rPr lang="de-DE" dirty="0" smtClean="0"/>
-              <a:t>Abnahmekriterien</a:t>
-            </a:r>
-          </a:p>
-          <a:p>
-            <a:r>
-              <a:rPr lang="de-DE" dirty="0" smtClean="0"/>
-              <a:t>Weitere Projektplanung und Ausblick</a:t>
-            </a:r>
-          </a:p>
-          <a:p>
-            <a:pPr marL="82296" indent="0">
-              <a:buNone/>
-            </a:pPr>
-            <a:endParaRPr lang="de-DE" dirty="0"/>
-          </a:p>
-        </p:txBody>
-      </p:sp>
-      <p:sp>
-        <p:nvSpPr>
-          <p:cNvPr id="4" name="Datumsplatzhalter 3"/>
-          <p:cNvSpPr>
-            <a:spLocks noGrp="1"/>
-          </p:cNvSpPr>
-          <p:nvPr>
-            <p:ph type="dt" sz="half" idx="10"/>
-          </p:nvPr>
-        </p:nvSpPr>
-        <p:spPr/>
-        <p:txBody>
-          <a:bodyPr/>
-          <a:lstStyle/>
-          <a:p>
-            <a:r>
-              <a:rPr lang="de-DE" smtClean="0"/>
-              <a:t>21.04.2012</a:t>
-            </a:r>
-            <a:endParaRPr lang="de-DE" dirty="0"/>
-          </a:p>
-        </p:txBody>
-      </p:sp>
-      <p:sp>
-        <p:nvSpPr>
-          <p:cNvPr id="6" name="Fußzeilenplatzhalter 5"/>
-          <p:cNvSpPr>
-            <a:spLocks noGrp="1"/>
-          </p:cNvSpPr>
-          <p:nvPr>
-            <p:ph type="ftr" sz="quarter" idx="11"/>
-          </p:nvPr>
-        </p:nvSpPr>
-        <p:spPr/>
-        <p:txBody>
-          <a:bodyPr/>
-          <a:lstStyle/>
-          <a:p>
-            <a:r>
-              <a:rPr lang="de-DE" dirty="0" smtClean="0"/>
-              <a:t>FST Projekt "</a:t>
-            </a:r>
-            <a:r>
-              <a:rPr lang="de-DE" dirty="0" err="1" smtClean="0"/>
-              <a:t>Eventalizer</a:t>
-            </a:r>
-            <a:r>
-              <a:rPr lang="de-DE" dirty="0" smtClean="0"/>
-              <a:t>" (SS 2012) Team 5</a:t>
-            </a:r>
-            <a:endParaRPr lang="de-DE" dirty="0"/>
-          </a:p>
-        </p:txBody>
-      </p:sp>
-      <p:sp>
-        <p:nvSpPr>
-          <p:cNvPr id="5" name="Foliennummernplatzhalter 4"/>
-          <p:cNvSpPr>
-            <a:spLocks noGrp="1"/>
-          </p:cNvSpPr>
-          <p:nvPr>
-            <p:ph type="sldNum" sz="quarter" idx="12"/>
-          </p:nvPr>
-        </p:nvSpPr>
-        <p:spPr/>
-        <p:txBody>
-          <a:bodyPr/>
-          <a:lstStyle/>
-          <a:p>
-            <a:fld id="{6C6AE60A-B69C-4790-82F7-3882EDF23186}" type="slidenum">
-              <a:rPr lang="de-DE" smtClean="0"/>
-              <a:pPr/>
-              <a:t>3</a:t>
-            </a:fld>
-            <a:endParaRPr lang="de-DE" dirty="0"/>
-          </a:p>
-        </p:txBody>
-      </p:sp>
-      <p:pic>
-        <p:nvPicPr>
-          <p:cNvPr id="7" name="Picture 2" descr="http://homepages.internet.lu/pompjeen-kenzeg/Bilder/agenda.jpg"/>
-          <p:cNvPicPr>
-            <a:picLocks noChangeAspect="1" noChangeArrowheads="1"/>
-          </p:cNvPicPr>
-          <p:nvPr/>
-        </p:nvPicPr>
-        <p:blipFill>
-          <a:blip r:embed="rId3" cstate="print"/>
-          <a:srcRect/>
-          <a:stretch>
-            <a:fillRect/>
-          </a:stretch>
-        </p:blipFill>
-        <p:spPr bwMode="auto">
-          <a:xfrm>
-            <a:off x="6249101" y="-315416"/>
-            <a:ext cx="1643074" cy="1825638"/>
-          </a:xfrm>
-          <a:prstGeom prst="roundRect">
-            <a:avLst>
-              <a:gd name="adj" fmla="val 8594"/>
-            </a:avLst>
-          </a:prstGeom>
-          <a:solidFill>
-            <a:srgbClr val="FFFFFF">
-              <a:shade val="85000"/>
-            </a:srgbClr>
-          </a:solidFill>
-          <a:ln>
-            <a:noFill/>
-          </a:ln>
-          <a:effectLst>
-            <a:reflection blurRad="12700" stA="38000" endPos="28000" dist="5000" dir="5400000" sy="-100000" algn="bl" rotWithShape="0"/>
-          </a:effectLst>
-          <a:scene3d>
-            <a:camera prst="perspectiveLeft"/>
-            <a:lightRig rig="threePt" dir="t"/>
-          </a:scene3d>
-        </p:spPr>
-      </p:pic>
-    </p:spTree>
-    <p:extLst>
-      <p:ext uri="{BB962C8B-B14F-4D97-AF65-F5344CB8AC3E}">
-        <p14:creationId xmlns:p14="http://schemas.microsoft.com/office/powerpoint/2010/main" xmlns="" val="2988266106"/>
-      </p:ext>
-    </p:extLst>
-  </p:cSld>
-  <p:clrMapOvr>
-    <a:masterClrMapping/>
-  </p:clrMapOvr>
-  <mc:AlternateContent xmlns:mc="http://schemas.openxmlformats.org/markup-compatibility/2006">
-    <mc:Choice xmlns:p14="http://schemas.microsoft.com/office/powerpoint/2010/main" xmlns="" Requires="p14">
-      <p:transition spd="slow" p14:dur="2000"/>
-    </mc:Choice>
-    <mc:Fallback>
-      <p:transition spd="slow"/>
-    </mc:Fallback>
-  </mc:AlternateContent>
-  <p:timing>
-    <p:tnLst>
-      <p:par>
-        <p:cTn id="1" dur="indefinite" restart="never" nodeType="tmRoot"/>
-      </p:par>
-    </p:tnLst>
-  </p:timing>
-</p:sld>
-</file>
-
-<file path=ppt/slides/slide30.xml><?xml version="1.0" encoding="utf-8"?>
+<file path=ppt/slides/slide29.xml><?xml version="1.0" encoding="utf-8"?>
 <p:sld xmlns:a="http://schemas.openxmlformats.org/drawingml/2006/main" xmlns:r="http://schemas.openxmlformats.org/officeDocument/2006/relationships" xmlns:p="http://schemas.openxmlformats.org/presentationml/2006/main">
   <p:cSld>
     <p:spTree>
@@ -14863,7 +15005,7 @@
             <a:fld id="{990B41CA-569D-40E7-8E58-026C0338B2C8}" type="slidenum">
               <a:rPr lang="en-US" smtClean="0"/>
               <a:pPr/>
-              <a:t>30</a:t>
+              <a:t>29</a:t>
             </a:fld>
             <a:endParaRPr lang="en-US"/>
           </a:p>
@@ -15177,7 +15319,7 @@
     </p:spTree>
     <p:extLst>
       <p:ext uri="{BB962C8B-B14F-4D97-AF65-F5344CB8AC3E}">
-        <p14:creationId xmlns:p14="http://schemas.microsoft.com/office/powerpoint/2010/main" xmlns="" val="3243626544"/>
+        <p14:creationId xmlns="" xmlns:p14="http://schemas.microsoft.com/office/powerpoint/2010/main" val="3243626544"/>
       </p:ext>
     </p:extLst>
   </p:cSld>
@@ -15194,7 +15336,301 @@
 </p:sld>
 </file>
 
-<file path=ppt/slides/slide31.xml><?xml version="1.0" encoding="utf-8"?>
+<file path=ppt/slides/slide3.xml><?xml version="1.0" encoding="utf-8"?>
+<p:sld xmlns:a="http://schemas.openxmlformats.org/drawingml/2006/main" xmlns:r="http://schemas.openxmlformats.org/officeDocument/2006/relationships" xmlns:p="http://schemas.openxmlformats.org/presentationml/2006/main" show="0">
+  <p:cSld>
+    <p:spTree>
+      <p:nvGrpSpPr>
+        <p:cNvPr id="1" name=""/>
+        <p:cNvGrpSpPr/>
+        <p:nvPr/>
+      </p:nvGrpSpPr>
+      <p:grpSpPr>
+        <a:xfrm>
+          <a:off x="0" y="0"/>
+          <a:ext cx="0" cy="0"/>
+          <a:chOff x="0" y="0"/>
+          <a:chExt cx="0" cy="0"/>
+        </a:xfrm>
+      </p:grpSpPr>
+      <p:sp>
+        <p:nvSpPr>
+          <p:cNvPr id="2" name="Titel 1"/>
+          <p:cNvSpPr>
+            <a:spLocks noGrp="1"/>
+          </p:cNvSpPr>
+          <p:nvPr>
+            <p:ph type="title"/>
+          </p:nvPr>
+        </p:nvSpPr>
+        <p:spPr/>
+        <p:txBody>
+          <a:bodyPr/>
+          <a:lstStyle/>
+          <a:p>
+            <a:pPr algn="l"/>
+            <a:r>
+              <a:rPr lang="de-DE" dirty="0" smtClean="0"/>
+              <a:t>Agenda</a:t>
+            </a:r>
+            <a:endParaRPr lang="de-DE" dirty="0"/>
+          </a:p>
+        </p:txBody>
+      </p:sp>
+      <p:sp>
+        <p:nvSpPr>
+          <p:cNvPr id="3" name="Inhaltsplatzhalter 2"/>
+          <p:cNvSpPr>
+            <a:spLocks noGrp="1"/>
+          </p:cNvSpPr>
+          <p:nvPr>
+            <p:ph idx="1"/>
+          </p:nvPr>
+        </p:nvSpPr>
+        <p:spPr/>
+        <p:txBody>
+          <a:bodyPr>
+            <a:noAutofit/>
+          </a:bodyPr>
+          <a:lstStyle/>
+          <a:p>
+            <a:r>
+              <a:rPr lang="de-DE" dirty="0" smtClean="0"/>
+              <a:t>SW-Entwicklungsprozess (vertikale </a:t>
+            </a:r>
+            <a:r>
+              <a:rPr lang="de-DE" dirty="0"/>
+              <a:t>Umsetzung)</a:t>
+            </a:r>
+            <a:endParaRPr lang="de-DE" dirty="0" smtClean="0"/>
+          </a:p>
+          <a:p>
+            <a:pPr lvl="1"/>
+            <a:r>
+              <a:rPr lang="de-DE" dirty="0" smtClean="0"/>
+              <a:t>Funktionale Anforderungen</a:t>
+            </a:r>
+          </a:p>
+          <a:p>
+            <a:pPr lvl="2"/>
+            <a:r>
+              <a:rPr lang="de-DE" dirty="0" smtClean="0"/>
+              <a:t>Login</a:t>
+            </a:r>
+          </a:p>
+          <a:p>
+            <a:pPr lvl="3"/>
+            <a:r>
+              <a:rPr lang="de-DE" dirty="0" smtClean="0"/>
+              <a:t>LH -&gt; PH (</a:t>
+            </a:r>
+            <a:r>
+              <a:rPr lang="de-DE" dirty="0" err="1" smtClean="0"/>
+              <a:t>Mockup</a:t>
+            </a:r>
+            <a:r>
+              <a:rPr lang="de-DE" dirty="0" smtClean="0"/>
+              <a:t>, Aktivitätsdiagramm, Sequenz) -&gt; Live</a:t>
+            </a:r>
+          </a:p>
+          <a:p>
+            <a:pPr lvl="2"/>
+            <a:r>
+              <a:rPr lang="de-DE" dirty="0" smtClean="0"/>
+              <a:t>Event organisieren</a:t>
+            </a:r>
+          </a:p>
+          <a:p>
+            <a:pPr lvl="2"/>
+            <a:r>
+              <a:rPr lang="de-DE" dirty="0" smtClean="0"/>
+              <a:t>Live Demo Detailkonzept</a:t>
+            </a:r>
+          </a:p>
+          <a:p>
+            <a:pPr lvl="2"/>
+            <a:r>
+              <a:rPr lang="de-DE" dirty="0" smtClean="0"/>
+              <a:t>Domänenklassendiagramm Datenbank-Schema</a:t>
+            </a:r>
+          </a:p>
+          <a:p>
+            <a:pPr lvl="1"/>
+            <a:r>
+              <a:rPr lang="de-DE" dirty="0" smtClean="0"/>
+              <a:t>Qualitätsanforderungen</a:t>
+            </a:r>
+          </a:p>
+          <a:p>
+            <a:pPr lvl="1"/>
+            <a:r>
+              <a:rPr lang="de-DE" dirty="0" smtClean="0"/>
+              <a:t>Abnahmekriterien</a:t>
+            </a:r>
+          </a:p>
+          <a:p>
+            <a:r>
+              <a:rPr lang="de-DE" dirty="0" smtClean="0"/>
+              <a:t>Weitere Projektplanung und Ausblick</a:t>
+            </a:r>
+          </a:p>
+          <a:p>
+            <a:pPr marL="82296" indent="0">
+              <a:buNone/>
+            </a:pPr>
+            <a:endParaRPr lang="de-DE" dirty="0"/>
+          </a:p>
+        </p:txBody>
+      </p:sp>
+      <p:sp>
+        <p:nvSpPr>
+          <p:cNvPr id="4" name="Datumsplatzhalter 3"/>
+          <p:cNvSpPr>
+            <a:spLocks noGrp="1"/>
+          </p:cNvSpPr>
+          <p:nvPr>
+            <p:ph type="dt" sz="half" idx="10"/>
+          </p:nvPr>
+        </p:nvSpPr>
+        <p:spPr/>
+        <p:txBody>
+          <a:bodyPr/>
+          <a:lstStyle/>
+          <a:p>
+            <a:r>
+              <a:rPr lang="de-DE" smtClean="0"/>
+              <a:t>21.04.2012</a:t>
+            </a:r>
+            <a:endParaRPr lang="de-DE" dirty="0"/>
+          </a:p>
+        </p:txBody>
+      </p:sp>
+      <p:sp>
+        <p:nvSpPr>
+          <p:cNvPr id="6" name="Fußzeilenplatzhalter 5"/>
+          <p:cNvSpPr>
+            <a:spLocks noGrp="1"/>
+          </p:cNvSpPr>
+          <p:nvPr>
+            <p:ph type="ftr" sz="quarter" idx="11"/>
+          </p:nvPr>
+        </p:nvSpPr>
+        <p:spPr/>
+        <p:txBody>
+          <a:bodyPr/>
+          <a:lstStyle/>
+          <a:p>
+            <a:r>
+              <a:rPr lang="de-DE" dirty="0" smtClean="0"/>
+              <a:t>FST Projekt "</a:t>
+            </a:r>
+            <a:r>
+              <a:rPr lang="de-DE" dirty="0" err="1" smtClean="0"/>
+              <a:t>Eventalizer</a:t>
+            </a:r>
+            <a:r>
+              <a:rPr lang="de-DE" dirty="0" smtClean="0"/>
+              <a:t>" (SS 2012) Team 5</a:t>
+            </a:r>
+            <a:endParaRPr lang="de-DE" dirty="0"/>
+          </a:p>
+        </p:txBody>
+      </p:sp>
+      <p:sp>
+        <p:nvSpPr>
+          <p:cNvPr id="5" name="Foliennummernplatzhalter 4"/>
+          <p:cNvSpPr>
+            <a:spLocks noGrp="1"/>
+          </p:cNvSpPr>
+          <p:nvPr>
+            <p:ph type="sldNum" sz="quarter" idx="12"/>
+          </p:nvPr>
+        </p:nvSpPr>
+        <p:spPr/>
+        <p:txBody>
+          <a:bodyPr/>
+          <a:lstStyle/>
+          <a:p>
+            <a:fld id="{6C6AE60A-B69C-4790-82F7-3882EDF23186}" type="slidenum">
+              <a:rPr lang="de-DE" smtClean="0"/>
+              <a:pPr/>
+              <a:t>3</a:t>
+            </a:fld>
+            <a:endParaRPr lang="de-DE" dirty="0"/>
+          </a:p>
+        </p:txBody>
+      </p:sp>
+      <p:pic>
+        <p:nvPicPr>
+          <p:cNvPr id="7" name="Picture 2" descr="http://homepages.internet.lu/pompjeen-kenzeg/Bilder/agenda.jpg"/>
+          <p:cNvPicPr>
+            <a:picLocks noChangeAspect="1" noChangeArrowheads="1"/>
+          </p:cNvPicPr>
+          <p:nvPr/>
+        </p:nvPicPr>
+        <p:blipFill>
+          <a:blip r:embed="rId3" cstate="print"/>
+          <a:srcRect/>
+          <a:stretch>
+            <a:fillRect/>
+          </a:stretch>
+        </p:blipFill>
+        <p:spPr bwMode="auto">
+          <a:xfrm>
+            <a:off x="6249101" y="-315416"/>
+            <a:ext cx="1643074" cy="1825638"/>
+          </a:xfrm>
+          <a:prstGeom prst="roundRect">
+            <a:avLst>
+              <a:gd name="adj" fmla="val 8594"/>
+            </a:avLst>
+          </a:prstGeom>
+          <a:solidFill>
+            <a:srgbClr val="FFFFFF">
+              <a:shade val="85000"/>
+            </a:srgbClr>
+          </a:solidFill>
+          <a:ln>
+            <a:noFill/>
+          </a:ln>
+          <a:effectLst>
+            <a:reflection blurRad="12700" stA="38000" endPos="28000" dist="5000" dir="5400000" sy="-100000" algn="bl" rotWithShape="0"/>
+          </a:effectLst>
+          <a:scene3d>
+            <a:camera prst="perspectiveLeft"/>
+            <a:lightRig rig="threePt" dir="t"/>
+          </a:scene3d>
+        </p:spPr>
+      </p:pic>
+    </p:spTree>
+    <p:extLst>
+      <p:ext uri="{BB962C8B-B14F-4D97-AF65-F5344CB8AC3E}">
+        <p14:creationId xmlns="" xmlns:p14="http://schemas.microsoft.com/office/powerpoint/2010/main" val="2988266106"/>
+      </p:ext>
+    </p:extLst>
+  </p:cSld>
+  <p:clrMapOvr>
+    <a:masterClrMapping/>
+  </p:clrMapOvr>
+  <mc:AlternateContent xmlns:mc="http://schemas.openxmlformats.org/markup-compatibility/2006">
+    <mc:Choice xmlns="" xmlns:p14="http://schemas.microsoft.com/office/powerpoint/2010/main" Requires="p14">
+      <p:transition spd="slow" p14:dur="2000"/>
+    </mc:Choice>
+    <mc:Fallback>
+      <p:transition spd="slow"/>
+    </mc:Fallback>
+  </mc:AlternateContent>
+  <p:timing>
+    <p:tnLst>
+      <p:par>
+        <p:cTn id="1" dur="indefinite" restart="never" nodeType="tmRoot"/>
+      </p:par>
+    </p:tnLst>
+  </p:timing>
+</p:sld>
+</file>
+
+<file path=ppt/slides/slide30.xml><?xml version="1.0" encoding="utf-8"?>
 <p:sld xmlns:a="http://schemas.openxmlformats.org/drawingml/2006/main" xmlns:r="http://schemas.openxmlformats.org/officeDocument/2006/relationships" xmlns:p="http://schemas.openxmlformats.org/presentationml/2006/main">
   <p:cSld>
     <p:spTree>
@@ -15427,7 +15863,7 @@
             <a:fld id="{990B41CA-569D-40E7-8E58-026C0338B2C8}" type="slidenum">
               <a:rPr lang="en-US" smtClean="0"/>
               <a:pPr/>
-              <a:t>31</a:t>
+              <a:t>30</a:t>
             </a:fld>
             <a:endParaRPr lang="en-US"/>
           </a:p>
@@ -16013,7 +16449,7 @@
     </p:spTree>
     <p:extLst>
       <p:ext uri="{BB962C8B-B14F-4D97-AF65-F5344CB8AC3E}">
-        <p14:creationId xmlns:p14="http://schemas.microsoft.com/office/powerpoint/2010/main" xmlns="" val="3243626544"/>
+        <p14:creationId xmlns="" xmlns:p14="http://schemas.microsoft.com/office/powerpoint/2010/main" val="3243626544"/>
       </p:ext>
     </p:extLst>
   </p:cSld>
@@ -16030,7 +16466,7 @@
 </p:sld>
 </file>
 
-<file path=ppt/slides/slide32.xml><?xml version="1.0" encoding="utf-8"?>
+<file path=ppt/slides/slide31.xml><?xml version="1.0" encoding="utf-8"?>
 <p:sld xmlns:a="http://schemas.openxmlformats.org/drawingml/2006/main" xmlns:r="http://schemas.openxmlformats.org/officeDocument/2006/relationships" xmlns:p="http://schemas.openxmlformats.org/presentationml/2006/main">
   <p:cSld>
     <p:spTree>
@@ -16167,7 +16603,7 @@
             <a:fld id="{990B41CA-569D-40E7-8E58-026C0338B2C8}" type="slidenum">
               <a:rPr lang="en-US" smtClean="0"/>
               <a:pPr/>
-              <a:t>32</a:t>
+              <a:t>31</a:t>
             </a:fld>
             <a:endParaRPr lang="en-US"/>
           </a:p>
@@ -16616,9 +17052,187 @@
     </p:spTree>
     <p:extLst>
       <p:ext uri="{BB962C8B-B14F-4D97-AF65-F5344CB8AC3E}">
-        <p14:creationId xmlns:p14="http://schemas.microsoft.com/office/powerpoint/2010/main" xmlns="" val="3243626544"/>
+        <p14:creationId xmlns="" xmlns:p14="http://schemas.microsoft.com/office/powerpoint/2010/main" val="3243626544"/>
       </p:ext>
     </p:extLst>
+  </p:cSld>
+  <p:clrMapOvr>
+    <a:masterClrMapping/>
+  </p:clrMapOvr>
+  <p:timing>
+    <p:tnLst>
+      <p:par>
+        <p:cTn id="1" dur="indefinite" restart="never" nodeType="tmRoot"/>
+      </p:par>
+    </p:tnLst>
+  </p:timing>
+</p:sld>
+</file>
+
+<file path=ppt/slides/slide32.xml><?xml version="1.0" encoding="utf-8"?>
+<p:sld xmlns:a="http://schemas.openxmlformats.org/drawingml/2006/main" xmlns:r="http://schemas.openxmlformats.org/officeDocument/2006/relationships" xmlns:p="http://schemas.openxmlformats.org/presentationml/2006/main">
+  <p:cSld>
+    <p:spTree>
+      <p:nvGrpSpPr>
+        <p:cNvPr id="1" name=""/>
+        <p:cNvGrpSpPr/>
+        <p:nvPr/>
+      </p:nvGrpSpPr>
+      <p:grpSpPr>
+        <a:xfrm>
+          <a:off x="0" y="0"/>
+          <a:ext cx="0" cy="0"/>
+          <a:chOff x="0" y="0"/>
+          <a:chExt cx="0" cy="0"/>
+        </a:xfrm>
+      </p:grpSpPr>
+      <p:sp>
+        <p:nvSpPr>
+          <p:cNvPr id="2" name="Titel 1"/>
+          <p:cNvSpPr>
+            <a:spLocks noGrp="1"/>
+          </p:cNvSpPr>
+          <p:nvPr>
+            <p:ph type="title"/>
+          </p:nvPr>
+        </p:nvSpPr>
+        <p:spPr/>
+        <p:txBody>
+          <a:bodyPr/>
+          <a:lstStyle/>
+          <a:p>
+            <a:r>
+              <a:rPr lang="de-DE" dirty="0" smtClean="0"/>
+              <a:t>Qualitätsanforderungen</a:t>
+            </a:r>
+            <a:endParaRPr lang="de-DE" dirty="0"/>
+          </a:p>
+        </p:txBody>
+      </p:sp>
+      <p:sp>
+        <p:nvSpPr>
+          <p:cNvPr id="3" name="Inhaltsplatzhalter 2"/>
+          <p:cNvSpPr>
+            <a:spLocks noGrp="1"/>
+          </p:cNvSpPr>
+          <p:nvPr>
+            <p:ph idx="1"/>
+          </p:nvPr>
+        </p:nvSpPr>
+        <p:spPr/>
+        <p:txBody>
+          <a:bodyPr/>
+          <a:lstStyle/>
+          <a:p>
+            <a:endParaRPr lang="de-DE" dirty="0" smtClean="0"/>
+          </a:p>
+          <a:p>
+            <a:r>
+              <a:rPr lang="de-DE" dirty="0" smtClean="0"/>
+              <a:t>Äußere und innere Qualität</a:t>
+            </a:r>
+          </a:p>
+          <a:p>
+            <a:endParaRPr lang="de-DE" dirty="0" smtClean="0"/>
+          </a:p>
+          <a:p>
+            <a:r>
+              <a:rPr lang="de-DE" dirty="0" smtClean="0"/>
+              <a:t>Gebrauchstauglichkeit</a:t>
+            </a:r>
+          </a:p>
+          <a:p>
+            <a:endParaRPr lang="de-DE" dirty="0"/>
+          </a:p>
+          <a:p>
+            <a:r>
+              <a:rPr lang="de-DE" dirty="0" smtClean="0"/>
+              <a:t>Technische Anforderungen</a:t>
+            </a:r>
+          </a:p>
+          <a:p>
+            <a:endParaRPr lang="de-DE" dirty="0" smtClean="0"/>
+          </a:p>
+          <a:p>
+            <a:r>
+              <a:rPr lang="de-DE" dirty="0" smtClean="0"/>
+              <a:t>Lieferumfang</a:t>
+            </a:r>
+            <a:endParaRPr lang="de-DE" dirty="0"/>
+          </a:p>
+        </p:txBody>
+      </p:sp>
+      <p:sp>
+        <p:nvSpPr>
+          <p:cNvPr id="4" name="Datumsplatzhalter 3"/>
+          <p:cNvSpPr>
+            <a:spLocks noGrp="1"/>
+          </p:cNvSpPr>
+          <p:nvPr>
+            <p:ph type="dt" sz="half" idx="10"/>
+          </p:nvPr>
+        </p:nvSpPr>
+        <p:spPr/>
+        <p:txBody>
+          <a:bodyPr/>
+          <a:lstStyle/>
+          <a:p>
+            <a:r>
+              <a:rPr lang="de-DE" smtClean="0"/>
+              <a:t>21.04.2012</a:t>
+            </a:r>
+            <a:endParaRPr lang="en-US"/>
+          </a:p>
+        </p:txBody>
+      </p:sp>
+      <p:sp>
+        <p:nvSpPr>
+          <p:cNvPr id="5" name="Fußzeilenplatzhalter 4"/>
+          <p:cNvSpPr>
+            <a:spLocks noGrp="1"/>
+          </p:cNvSpPr>
+          <p:nvPr>
+            <p:ph type="ftr" sz="quarter" idx="11"/>
+          </p:nvPr>
+        </p:nvSpPr>
+        <p:spPr/>
+        <p:txBody>
+          <a:bodyPr/>
+          <a:lstStyle/>
+          <a:p>
+            <a:r>
+              <a:rPr lang="de-DE" smtClean="0"/>
+              <a:t>FST Projekt "Eventalizer" (SS 2012) Team 5</a:t>
+            </a:r>
+            <a:endParaRPr lang="de-DE" dirty="0"/>
+          </a:p>
+        </p:txBody>
+      </p:sp>
+      <p:sp>
+        <p:nvSpPr>
+          <p:cNvPr id="6" name="Foliennummernplatzhalter 5"/>
+          <p:cNvSpPr>
+            <a:spLocks noGrp="1"/>
+          </p:cNvSpPr>
+          <p:nvPr>
+            <p:ph type="sldNum" sz="quarter" idx="12"/>
+          </p:nvPr>
+        </p:nvSpPr>
+        <p:spPr/>
+        <p:txBody>
+          <a:bodyPr/>
+          <a:lstStyle/>
+          <a:p>
+            <a:fld id="{990B41CA-569D-40E7-8E58-026C0338B2C8}" type="slidenum">
+              <a:rPr lang="en-US" smtClean="0"/>
+              <a:pPr/>
+              <a:t>32</a:t>
+            </a:fld>
+            <a:endParaRPr lang="en-US"/>
+          </a:p>
+        </p:txBody>
+      </p:sp>
+    </p:spTree>
   </p:cSld>
   <p:clrMapOvr>
     <a:masterClrMapping/>
@@ -16667,7 +17281,7 @@
           <a:p>
             <a:r>
               <a:rPr lang="de-DE" dirty="0" smtClean="0"/>
-              <a:t>Qualitätsanforderungen</a:t>
+              <a:t>Abnahmekriterien</a:t>
             </a:r>
             <a:endParaRPr lang="de-DE" dirty="0"/>
           </a:p>
@@ -16688,41 +17302,7 @@
           <a:bodyPr/>
           <a:lstStyle/>
           <a:p>
-            <a:endParaRPr lang="de-DE" dirty="0" smtClean="0"/>
-          </a:p>
-          <a:p>
-            <a:r>
-              <a:rPr lang="de-DE" dirty="0" smtClean="0"/>
-              <a:t>Äußere und innere Qualität</a:t>
-            </a:r>
-          </a:p>
-          <a:p>
-            <a:endParaRPr lang="de-DE" dirty="0" smtClean="0"/>
-          </a:p>
-          <a:p>
-            <a:r>
-              <a:rPr lang="de-DE" dirty="0" smtClean="0"/>
-              <a:t>Gebrauchstauglichkeit</a:t>
-            </a:r>
-          </a:p>
-          <a:p>
-            <a:endParaRPr lang="de-DE" dirty="0"/>
-          </a:p>
-          <a:p>
-            <a:r>
-              <a:rPr lang="de-DE" dirty="0" smtClean="0"/>
-              <a:t>Technische Anforderungen</a:t>
-            </a:r>
-          </a:p>
-          <a:p>
-            <a:endParaRPr lang="de-DE" dirty="0" smtClean="0"/>
-          </a:p>
-          <a:p>
-            <a:r>
-              <a:rPr lang="de-DE" dirty="0" smtClean="0"/>
-              <a:t>Lieferumfang</a:t>
-            </a:r>
-            <a:endParaRPr lang="de-DE" dirty="0"/>
+            <a:endParaRPr lang="de-DE"/>
           </a:p>
         </p:txBody>
       </p:sp>
@@ -16797,153 +17377,9 @@
         </p:txBody>
       </p:sp>
     </p:spTree>
-  </p:cSld>
-  <p:clrMapOvr>
-    <a:masterClrMapping/>
-  </p:clrMapOvr>
-  <p:timing>
-    <p:tnLst>
-      <p:par>
-        <p:cTn id="1" dur="indefinite" restart="never" nodeType="tmRoot"/>
-      </p:par>
-    </p:tnLst>
-  </p:timing>
-</p:sld>
-</file>
-
-<file path=ppt/slides/slide34.xml><?xml version="1.0" encoding="utf-8"?>
-<p:sld xmlns:a="http://schemas.openxmlformats.org/drawingml/2006/main" xmlns:r="http://schemas.openxmlformats.org/officeDocument/2006/relationships" xmlns:p="http://schemas.openxmlformats.org/presentationml/2006/main">
-  <p:cSld>
-    <p:spTree>
-      <p:nvGrpSpPr>
-        <p:cNvPr id="1" name=""/>
-        <p:cNvGrpSpPr/>
-        <p:nvPr/>
-      </p:nvGrpSpPr>
-      <p:grpSpPr>
-        <a:xfrm>
-          <a:off x="0" y="0"/>
-          <a:ext cx="0" cy="0"/>
-          <a:chOff x="0" y="0"/>
-          <a:chExt cx="0" cy="0"/>
-        </a:xfrm>
-      </p:grpSpPr>
-      <p:sp>
-        <p:nvSpPr>
-          <p:cNvPr id="2" name="Titel 1"/>
-          <p:cNvSpPr>
-            <a:spLocks noGrp="1"/>
-          </p:cNvSpPr>
-          <p:nvPr>
-            <p:ph type="title"/>
-          </p:nvPr>
-        </p:nvSpPr>
-        <p:spPr/>
-        <p:txBody>
-          <a:bodyPr/>
-          <a:lstStyle/>
-          <a:p>
-            <a:r>
-              <a:rPr lang="de-DE" dirty="0" smtClean="0"/>
-              <a:t>Abnahmekriterien</a:t>
-            </a:r>
-            <a:endParaRPr lang="de-DE" dirty="0"/>
-          </a:p>
-        </p:txBody>
-      </p:sp>
-      <p:sp>
-        <p:nvSpPr>
-          <p:cNvPr id="3" name="Inhaltsplatzhalter 2"/>
-          <p:cNvSpPr>
-            <a:spLocks noGrp="1"/>
-          </p:cNvSpPr>
-          <p:nvPr>
-            <p:ph idx="1"/>
-          </p:nvPr>
-        </p:nvSpPr>
-        <p:spPr/>
-        <p:txBody>
-          <a:bodyPr/>
-          <a:lstStyle/>
-          <a:p>
-            <a:endParaRPr lang="de-DE"/>
-          </a:p>
-        </p:txBody>
-      </p:sp>
-      <p:sp>
-        <p:nvSpPr>
-          <p:cNvPr id="4" name="Datumsplatzhalter 3"/>
-          <p:cNvSpPr>
-            <a:spLocks noGrp="1"/>
-          </p:cNvSpPr>
-          <p:nvPr>
-            <p:ph type="dt" sz="half" idx="10"/>
-          </p:nvPr>
-        </p:nvSpPr>
-        <p:spPr/>
-        <p:txBody>
-          <a:bodyPr/>
-          <a:lstStyle/>
-          <a:p>
-            <a:r>
-              <a:rPr lang="de-DE" smtClean="0"/>
-              <a:t>21.04.2012</a:t>
-            </a:r>
-            <a:endParaRPr lang="en-US"/>
-          </a:p>
-        </p:txBody>
-      </p:sp>
-      <p:sp>
-        <p:nvSpPr>
-          <p:cNvPr id="5" name="Fußzeilenplatzhalter 4"/>
-          <p:cNvSpPr>
-            <a:spLocks noGrp="1"/>
-          </p:cNvSpPr>
-          <p:nvPr>
-            <p:ph type="ftr" sz="quarter" idx="11"/>
-          </p:nvPr>
-        </p:nvSpPr>
-        <p:spPr/>
-        <p:txBody>
-          <a:bodyPr/>
-          <a:lstStyle/>
-          <a:p>
-            <a:r>
-              <a:rPr lang="de-DE" smtClean="0"/>
-              <a:t>FST Projekt "Eventalizer" (SS 2012) Team 5</a:t>
-            </a:r>
-            <a:endParaRPr lang="de-DE" dirty="0"/>
-          </a:p>
-        </p:txBody>
-      </p:sp>
-      <p:sp>
-        <p:nvSpPr>
-          <p:cNvPr id="6" name="Foliennummernplatzhalter 5"/>
-          <p:cNvSpPr>
-            <a:spLocks noGrp="1"/>
-          </p:cNvSpPr>
-          <p:nvPr>
-            <p:ph type="sldNum" sz="quarter" idx="12"/>
-          </p:nvPr>
-        </p:nvSpPr>
-        <p:spPr/>
-        <p:txBody>
-          <a:bodyPr/>
-          <a:lstStyle/>
-          <a:p>
-            <a:fld id="{990B41CA-569D-40E7-8E58-026C0338B2C8}" type="slidenum">
-              <a:rPr lang="en-US" smtClean="0"/>
-              <a:pPr/>
-              <a:t>34</a:t>
-            </a:fld>
-            <a:endParaRPr lang="en-US"/>
-          </a:p>
-        </p:txBody>
-      </p:sp>
-    </p:spTree>
     <p:extLst>
       <p:ext uri="{BB962C8B-B14F-4D97-AF65-F5344CB8AC3E}">
-        <p14:creationId xmlns:p14="http://schemas.microsoft.com/office/powerpoint/2010/main" xmlns="" val="3309636493"/>
+        <p14:creationId xmlns="" xmlns:p14="http://schemas.microsoft.com/office/powerpoint/2010/main" val="3309636493"/>
       </p:ext>
     </p:extLst>
   </p:cSld>
@@ -16960,7 +17396,7 @@
 </p:sld>
 </file>
 
-<file path=ppt/slides/slide35.xml><?xml version="1.0" encoding="utf-8"?>
+<file path=ppt/slides/slide34.xml><?xml version="1.0" encoding="utf-8"?>
 <p:sld xmlns:a="http://schemas.openxmlformats.org/drawingml/2006/main" xmlns:r="http://schemas.openxmlformats.org/officeDocument/2006/relationships" xmlns:p="http://schemas.openxmlformats.org/presentationml/2006/main">
   <p:cSld>
     <p:spTree>
@@ -17150,7 +17586,7 @@
             <a:fld id="{6C6AE60A-B69C-4790-82F7-3882EDF23186}" type="slidenum">
               <a:rPr lang="de-DE" smtClean="0"/>
               <a:pPr/>
-              <a:t>35</a:t>
+              <a:t>34</a:t>
             </a:fld>
             <a:endParaRPr lang="de-DE" dirty="0"/>
           </a:p>
@@ -17159,7 +17595,7 @@
     </p:spTree>
     <p:extLst>
       <p:ext uri="{BB962C8B-B14F-4D97-AF65-F5344CB8AC3E}">
-        <p14:creationId xmlns:p14="http://schemas.microsoft.com/office/powerpoint/2010/main" xmlns="" val="1012322072"/>
+        <p14:creationId xmlns="" xmlns:p14="http://schemas.microsoft.com/office/powerpoint/2010/main" val="1012322072"/>
       </p:ext>
     </p:extLst>
   </p:cSld>
@@ -17176,7 +17612,7 @@
 </p:sld>
 </file>
 
-<file path=ppt/slides/slide36.xml><?xml version="1.0" encoding="utf-8"?>
+<file path=ppt/slides/slide35.xml><?xml version="1.0" encoding="utf-8"?>
 <p:sld xmlns:a="http://schemas.openxmlformats.org/drawingml/2006/main" xmlns:r="http://schemas.openxmlformats.org/officeDocument/2006/relationships" xmlns:p="http://schemas.openxmlformats.org/presentationml/2006/main">
   <p:cSld>
     <p:spTree>
@@ -17366,7 +17802,7 @@
             <a:fld id="{6C6AE60A-B69C-4790-82F7-3882EDF23186}" type="slidenum">
               <a:rPr lang="de-DE" smtClean="0"/>
               <a:pPr/>
-              <a:t>36</a:t>
+              <a:t>35</a:t>
             </a:fld>
             <a:endParaRPr lang="de-DE" dirty="0"/>
           </a:p>
@@ -17375,7 +17811,345 @@
     </p:spTree>
     <p:extLst>
       <p:ext uri="{BB962C8B-B14F-4D97-AF65-F5344CB8AC3E}">
-        <p14:creationId xmlns:p14="http://schemas.microsoft.com/office/powerpoint/2010/main" xmlns="" val="1012322072"/>
+        <p14:creationId xmlns="" xmlns:p14="http://schemas.microsoft.com/office/powerpoint/2010/main" val="1012322072"/>
+      </p:ext>
+    </p:extLst>
+  </p:cSld>
+  <p:clrMapOvr>
+    <a:masterClrMapping/>
+  </p:clrMapOvr>
+  <p:timing>
+    <p:tnLst>
+      <p:par>
+        <p:cTn id="1" dur="indefinite" restart="never" nodeType="tmRoot"/>
+      </p:par>
+    </p:tnLst>
+  </p:timing>
+</p:sld>
+</file>
+
+<file path=ppt/slides/slide36.xml><?xml version="1.0" encoding="utf-8"?>
+<p:sld xmlns:a="http://schemas.openxmlformats.org/drawingml/2006/main" xmlns:r="http://schemas.openxmlformats.org/officeDocument/2006/relationships" xmlns:p="http://schemas.openxmlformats.org/presentationml/2006/main">
+  <p:cSld>
+    <p:spTree>
+      <p:nvGrpSpPr>
+        <p:cNvPr id="1" name=""/>
+        <p:cNvGrpSpPr/>
+        <p:nvPr/>
+      </p:nvGrpSpPr>
+      <p:grpSpPr>
+        <a:xfrm>
+          <a:off x="0" y="0"/>
+          <a:ext cx="0" cy="0"/>
+          <a:chOff x="0" y="0"/>
+          <a:chExt cx="0" cy="0"/>
+        </a:xfrm>
+      </p:grpSpPr>
+      <p:sp>
+        <p:nvSpPr>
+          <p:cNvPr id="2" name="Titel 1"/>
+          <p:cNvSpPr>
+            <a:spLocks noGrp="1"/>
+          </p:cNvSpPr>
+          <p:nvPr>
+            <p:ph type="title"/>
+          </p:nvPr>
+        </p:nvSpPr>
+        <p:spPr/>
+        <p:txBody>
+          <a:bodyPr>
+            <a:normAutofit/>
+          </a:bodyPr>
+          <a:lstStyle/>
+          <a:p>
+            <a:r>
+              <a:rPr lang="de-DE" dirty="0" smtClean="0"/>
+              <a:t>Planung bis Projektende</a:t>
+            </a:r>
+            <a:endParaRPr lang="de-DE" dirty="0"/>
+          </a:p>
+        </p:txBody>
+      </p:sp>
+      <p:sp>
+        <p:nvSpPr>
+          <p:cNvPr id="3" name="Inhaltsplatzhalter 2"/>
+          <p:cNvSpPr>
+            <a:spLocks noGrp="1"/>
+          </p:cNvSpPr>
+          <p:nvPr>
+            <p:ph idx="1"/>
+          </p:nvPr>
+        </p:nvSpPr>
+        <p:spPr/>
+        <p:txBody>
+          <a:bodyPr/>
+          <a:lstStyle/>
+          <a:p>
+            <a:r>
+              <a:rPr lang="de-DE" dirty="0" smtClean="0"/>
+              <a:t>Prototypische Implementierung</a:t>
+            </a:r>
+          </a:p>
+          <a:p>
+            <a:pPr lvl="1"/>
+            <a:r>
+              <a:rPr lang="de-DE" dirty="0" smtClean="0"/>
+              <a:t>Login </a:t>
+            </a:r>
+          </a:p>
+          <a:p>
+            <a:pPr lvl="1"/>
+            <a:r>
+              <a:rPr lang="de-DE" dirty="0" smtClean="0"/>
+              <a:t>Event organisieren</a:t>
+            </a:r>
+          </a:p>
+          <a:p>
+            <a:pPr lvl="1"/>
+            <a:r>
+              <a:rPr lang="de-DE" dirty="0" smtClean="0"/>
+              <a:t>Event teilnehmen</a:t>
+            </a:r>
+          </a:p>
+          <a:p>
+            <a:pPr lvl="1"/>
+            <a:r>
+              <a:rPr lang="de-DE" dirty="0" smtClean="0"/>
+              <a:t>Event suchen</a:t>
+            </a:r>
+            <a:endParaRPr lang="de-DE" dirty="0"/>
+          </a:p>
+          <a:p>
+            <a:r>
+              <a:rPr lang="de-DE" dirty="0" smtClean="0"/>
+              <a:t>Abschluss des Projekts</a:t>
+            </a:r>
+          </a:p>
+          <a:p>
+            <a:r>
+              <a:rPr lang="de-DE" dirty="0" smtClean="0"/>
+              <a:t>Reflexionsbericht</a:t>
+            </a:r>
+            <a:endParaRPr lang="de-DE" dirty="0"/>
+          </a:p>
+        </p:txBody>
+      </p:sp>
+      <p:sp>
+        <p:nvSpPr>
+          <p:cNvPr id="4" name="Datumsplatzhalter 3"/>
+          <p:cNvSpPr>
+            <a:spLocks noGrp="1"/>
+          </p:cNvSpPr>
+          <p:nvPr>
+            <p:ph type="dt" sz="half" idx="10"/>
+          </p:nvPr>
+        </p:nvSpPr>
+        <p:spPr/>
+        <p:txBody>
+          <a:bodyPr/>
+          <a:lstStyle/>
+          <a:p>
+            <a:r>
+              <a:rPr lang="de-DE" smtClean="0"/>
+              <a:t>21.04.2012</a:t>
+            </a:r>
+            <a:endParaRPr lang="en-US"/>
+          </a:p>
+        </p:txBody>
+      </p:sp>
+      <p:sp>
+        <p:nvSpPr>
+          <p:cNvPr id="5" name="Fußzeilenplatzhalter 4"/>
+          <p:cNvSpPr>
+            <a:spLocks noGrp="1"/>
+          </p:cNvSpPr>
+          <p:nvPr>
+            <p:ph type="ftr" sz="quarter" idx="11"/>
+          </p:nvPr>
+        </p:nvSpPr>
+        <p:spPr/>
+        <p:txBody>
+          <a:bodyPr/>
+          <a:lstStyle/>
+          <a:p>
+            <a:r>
+              <a:rPr lang="de-DE" smtClean="0"/>
+              <a:t>FST Projekt "Eventalizer" (SS 2012) Team 5</a:t>
+            </a:r>
+            <a:endParaRPr lang="de-DE" dirty="0"/>
+          </a:p>
+        </p:txBody>
+      </p:sp>
+      <p:sp>
+        <p:nvSpPr>
+          <p:cNvPr id="6" name="Foliennummernplatzhalter 5"/>
+          <p:cNvSpPr>
+            <a:spLocks noGrp="1"/>
+          </p:cNvSpPr>
+          <p:nvPr>
+            <p:ph type="sldNum" sz="quarter" idx="12"/>
+          </p:nvPr>
+        </p:nvSpPr>
+        <p:spPr/>
+        <p:txBody>
+          <a:bodyPr/>
+          <a:lstStyle/>
+          <a:p>
+            <a:fld id="{990B41CA-569D-40E7-8E58-026C0338B2C8}" type="slidenum">
+              <a:rPr lang="en-US" smtClean="0"/>
+              <a:pPr/>
+              <a:t>36</a:t>
+            </a:fld>
+            <a:endParaRPr lang="en-US"/>
+          </a:p>
+        </p:txBody>
+      </p:sp>
+      <p:pic>
+        <p:nvPicPr>
+          <p:cNvPr id="3074" name="Picture 2" descr="http://1.1.1.3/bmi/www.stoag.de/uploads/RTEmagicC_Icons_Kontrolle.jpg.jpg"/>
+          <p:cNvPicPr>
+            <a:picLocks noChangeAspect="1" noChangeArrowheads="1"/>
+          </p:cNvPicPr>
+          <p:nvPr/>
+        </p:nvPicPr>
+        <p:blipFill rotWithShape="1">
+          <a:blip r:embed="rId2" cstate="print">
+            <a:extLst>
+              <a:ext uri="{BEBA8EAE-BF5A-486C-A8C5-ECC9F3942E4B}">
+                <a14:imgProps xmlns="" xmlns:a14="http://schemas.microsoft.com/office/drawing/2010/main">
+                  <a14:imgLayer r:embed="rId3">
+                    <a14:imgEffect>
+                      <a14:backgroundRemoval t="6057" b="22942" l="7000" r="29162"/>
+                    </a14:imgEffect>
+                  </a14:imgLayer>
+                </a14:imgProps>
+              </a:ext>
+              <a:ext uri="{28A0092B-C50C-407E-A947-70E740481C1C}">
+                <a14:useLocalDpi xmlns="" xmlns:a14="http://schemas.microsoft.com/office/drawing/2010/main" val="0"/>
+              </a:ext>
+            </a:extLst>
+          </a:blip>
+          <a:srcRect l="4230" t="3946" r="68068" b="74947"/>
+          <a:stretch/>
+        </p:blipFill>
+        <p:spPr bwMode="auto">
+          <a:xfrm>
+            <a:off x="4967098" y="1844824"/>
+            <a:ext cx="541006" cy="485040"/>
+          </a:xfrm>
+          <a:prstGeom prst="rect">
+            <a:avLst/>
+          </a:prstGeom>
+          <a:noFill/>
+          <a:extLst>
+            <a:ext uri="{909E8E84-426E-40DD-AFC4-6F175D3DCCD1}">
+              <a14:hiddenFill xmlns="" xmlns:a14="http://schemas.microsoft.com/office/drawing/2010/main">
+                <a:solidFill>
+                  <a:srgbClr val="FFFFFF"/>
+                </a:solidFill>
+              </a14:hiddenFill>
+            </a:ext>
+          </a:extLst>
+        </p:spPr>
+      </p:pic>
+      <p:pic>
+        <p:nvPicPr>
+          <p:cNvPr id="10" name="Picture 2" descr="http://1.1.1.3/bmi/www.stoag.de/uploads/RTEmagicC_Icons_Kontrolle.jpg.jpg"/>
+          <p:cNvPicPr>
+            <a:picLocks noChangeAspect="1" noChangeArrowheads="1"/>
+          </p:cNvPicPr>
+          <p:nvPr/>
+        </p:nvPicPr>
+        <p:blipFill rotWithShape="1">
+          <a:blip r:embed="rId2" cstate="print">
+            <a:extLst>
+              <a:ext uri="{BEBA8EAE-BF5A-486C-A8C5-ECC9F3942E4B}">
+                <a14:imgProps xmlns="" xmlns:a14="http://schemas.microsoft.com/office/drawing/2010/main">
+                  <a14:imgLayer r:embed="rId3">
+                    <a14:imgEffect>
+                      <a14:backgroundRemoval t="6057" b="22942" l="7000" r="29162"/>
+                    </a14:imgEffect>
+                  </a14:imgLayer>
+                </a14:imgProps>
+              </a:ext>
+              <a:ext uri="{28A0092B-C50C-407E-A947-70E740481C1C}">
+                <a14:useLocalDpi xmlns="" xmlns:a14="http://schemas.microsoft.com/office/drawing/2010/main" val="0"/>
+              </a:ext>
+            </a:extLst>
+          </a:blip>
+          <a:srcRect l="4230" t="3946" r="68068" b="74947"/>
+          <a:stretch/>
+        </p:blipFill>
+        <p:spPr bwMode="auto">
+          <a:xfrm>
+            <a:off x="4967098" y="2276872"/>
+            <a:ext cx="541006" cy="485040"/>
+          </a:xfrm>
+          <a:prstGeom prst="rect">
+            <a:avLst/>
+          </a:prstGeom>
+          <a:noFill/>
+          <a:extLst>
+            <a:ext uri="{909E8E84-426E-40DD-AFC4-6F175D3DCCD1}">
+              <a14:hiddenFill xmlns="" xmlns:a14="http://schemas.microsoft.com/office/drawing/2010/main">
+                <a:solidFill>
+                  <a:srgbClr val="FFFFFF"/>
+                </a:solidFill>
+              </a14:hiddenFill>
+            </a:ext>
+          </a:extLst>
+        </p:spPr>
+      </p:pic>
+      <p:sp>
+        <p:nvSpPr>
+          <p:cNvPr id="9" name="Ellipse 8"/>
+          <p:cNvSpPr/>
+          <p:nvPr/>
+        </p:nvSpPr>
+        <p:spPr>
+          <a:xfrm>
+            <a:off x="4932040" y="1844824"/>
+            <a:ext cx="576064" cy="504056"/>
+          </a:xfrm>
+          <a:prstGeom prst="ellipse">
+            <a:avLst/>
+          </a:prstGeom>
+          <a:noFill/>
+          <a:ln w="38100">
+            <a:solidFill>
+              <a:srgbClr val="FF0000"/>
+            </a:solidFill>
+          </a:ln>
+        </p:spPr>
+        <p:style>
+          <a:lnRef idx="2">
+            <a:schemeClr val="accent1">
+              <a:shade val="50000"/>
+            </a:schemeClr>
+          </a:lnRef>
+          <a:fillRef idx="1">
+            <a:schemeClr val="accent1"/>
+          </a:fillRef>
+          <a:effectRef idx="0">
+            <a:schemeClr val="accent1"/>
+          </a:effectRef>
+          <a:fontRef idx="minor">
+            <a:schemeClr val="lt1"/>
+          </a:fontRef>
+        </p:style>
+        <p:txBody>
+          <a:bodyPr rtlCol="0" anchor="ctr"/>
+          <a:lstStyle/>
+          <a:p>
+            <a:pPr algn="ctr"/>
+            <a:endParaRPr lang="de-DE"/>
+          </a:p>
+        </p:txBody>
+      </p:sp>
+    </p:spTree>
+    <p:extLst>
+      <p:ext uri="{BB962C8B-B14F-4D97-AF65-F5344CB8AC3E}">
+        <p14:creationId xmlns="" xmlns:p14="http://schemas.microsoft.com/office/powerpoint/2010/main" val="2645794681"/>
       </p:ext>
     </p:extLst>
   </p:cSld>
@@ -17428,7 +18202,7 @@
           <a:p>
             <a:r>
               <a:rPr lang="de-DE" dirty="0" smtClean="0"/>
-              <a:t>Planung bis Projektende</a:t>
+              <a:t>Ausblick</a:t>
             </a:r>
             <a:endParaRPr lang="de-DE" dirty="0"/>
           </a:p>
@@ -17446,58 +18220,84 @@
         </p:nvSpPr>
         <p:spPr/>
         <p:txBody>
-          <a:bodyPr/>
-          <a:lstStyle/>
-          <a:p>
-            <a:r>
-              <a:rPr lang="de-DE" dirty="0" smtClean="0"/>
-              <a:t>Prototypische Implementierung</a:t>
+          <a:bodyPr>
+            <a:noAutofit/>
+          </a:bodyPr>
+          <a:lstStyle/>
+          <a:p>
+            <a:r>
+              <a:rPr lang="de-DE" dirty="0" smtClean="0"/>
+              <a:t>Mobile Website</a:t>
+            </a:r>
+          </a:p>
+          <a:p>
+            <a:r>
+              <a:rPr lang="de-DE" dirty="0" smtClean="0"/>
+              <a:t>Tiefere Integration in sozialen Netzwerken</a:t>
             </a:r>
           </a:p>
           <a:p>
             <a:pPr lvl="1"/>
             <a:r>
               <a:rPr lang="de-DE" dirty="0" smtClean="0"/>
-              <a:t>Login </a:t>
+              <a:t>Posten von Events</a:t>
             </a:r>
           </a:p>
           <a:p>
             <a:pPr lvl="1"/>
             <a:r>
               <a:rPr lang="de-DE" dirty="0" smtClean="0"/>
-              <a:t>Event organisieren</a:t>
+              <a:t>Bewertung („I </a:t>
+            </a:r>
+            <a:r>
+              <a:rPr lang="de-DE" dirty="0" err="1" smtClean="0"/>
+              <a:t>Like</a:t>
+            </a:r>
+            <a:r>
+              <a:rPr lang="de-DE" dirty="0" smtClean="0"/>
+              <a:t>“-Button)</a:t>
+            </a:r>
+          </a:p>
+          <a:p>
+            <a:r>
+              <a:rPr lang="de-DE" dirty="0" err="1" smtClean="0"/>
+              <a:t>Tweets</a:t>
             </a:r>
             <a:endParaRPr lang="de-DE" dirty="0" smtClean="0"/>
           </a:p>
           <a:p>
-            <a:pPr lvl="1"/>
-            <a:r>
-              <a:rPr lang="de-DE" dirty="0" smtClean="0"/>
-              <a:t>Event teilnehmen</a:t>
-            </a:r>
-          </a:p>
-          <a:p>
-            <a:pPr lvl="1"/>
-            <a:r>
-              <a:rPr lang="de-DE" dirty="0" smtClean="0"/>
-              <a:t>Event </a:t>
-            </a:r>
-            <a:r>
-              <a:rPr lang="de-DE" dirty="0" smtClean="0"/>
-              <a:t>suchen</a:t>
-            </a:r>
-            <a:endParaRPr lang="de-DE" dirty="0"/>
-          </a:p>
-          <a:p>
-            <a:r>
-              <a:rPr lang="de-DE" dirty="0" smtClean="0"/>
-              <a:t>Abschluss des Projekts</a:t>
-            </a:r>
-          </a:p>
-          <a:p>
-            <a:r>
-              <a:rPr lang="de-DE" dirty="0" smtClean="0"/>
-              <a:t>Reflexionsbericht</a:t>
+            <a:r>
+              <a:rPr lang="de-DE" dirty="0" smtClean="0"/>
+              <a:t>Google </a:t>
+            </a:r>
+            <a:r>
+              <a:rPr lang="de-DE" dirty="0" err="1" smtClean="0"/>
+              <a:t>Maps</a:t>
+            </a:r>
+            <a:endParaRPr lang="de-DE" dirty="0" smtClean="0"/>
+          </a:p>
+          <a:p>
+            <a:r>
+              <a:rPr lang="de-DE" dirty="0" err="1" smtClean="0"/>
+              <a:t>Location</a:t>
+            </a:r>
+            <a:r>
+              <a:rPr lang="de-DE" dirty="0" smtClean="0"/>
+              <a:t>-</a:t>
+            </a:r>
+            <a:r>
+              <a:rPr lang="de-DE" dirty="0" err="1" smtClean="0"/>
+              <a:t>based</a:t>
+            </a:r>
+            <a:r>
+              <a:rPr lang="de-DE" dirty="0" smtClean="0"/>
+              <a:t>-Services</a:t>
+            </a:r>
+          </a:p>
+          <a:p>
+            <a:r>
+              <a:rPr lang="de-DE" dirty="0" smtClean="0"/>
+              <a:t>…</a:t>
             </a:r>
             <a:endParaRPr lang="de-DE" dirty="0"/>
           </a:p>
@@ -17522,7 +18322,7 @@
               <a:rPr lang="de-DE" smtClean="0"/>
               <a:t>21.04.2012</a:t>
             </a:r>
-            <a:endParaRPr lang="en-US"/>
+            <a:endParaRPr lang="de-DE" dirty="0"/>
           </a:p>
         </p:txBody>
       </p:sp>
@@ -17564,161 +18364,75 @@
           <a:bodyPr/>
           <a:lstStyle/>
           <a:p>
-            <a:fld id="{990B41CA-569D-40E7-8E58-026C0338B2C8}" type="slidenum">
-              <a:rPr lang="en-US" smtClean="0"/>
+            <a:fld id="{6C6AE60A-B69C-4790-82F7-3882EDF23186}" type="slidenum">
+              <a:rPr lang="de-DE" smtClean="0"/>
               <a:pPr/>
               <a:t>37</a:t>
             </a:fld>
-            <a:endParaRPr lang="en-US"/>
+            <a:endParaRPr lang="de-DE" dirty="0"/>
           </a:p>
         </p:txBody>
       </p:sp>
       <p:pic>
         <p:nvPicPr>
-          <p:cNvPr id="3074" name="Picture 2" descr="http://1.1.1.3/bmi/www.stoag.de/uploads/RTEmagicC_Icons_Kontrolle.jpg.jpg"/>
+          <p:cNvPr id="2050" name="Picture 2"/>
           <p:cNvPicPr>
             <a:picLocks noChangeAspect="1" noChangeArrowheads="1"/>
           </p:cNvPicPr>
           <p:nvPr/>
         </p:nvPicPr>
-        <p:blipFill rotWithShape="1">
-          <a:blip r:embed="rId2" cstate="print">
+        <p:blipFill>
+          <a:blip r:embed="rId3" cstate="print">
             <a:extLst>
-              <a:ext uri="{BEBA8EAE-BF5A-486C-A8C5-ECC9F3942E4B}">
-                <a14:imgProps xmlns:a14="http://schemas.microsoft.com/office/drawing/2010/main" xmlns="">
-                  <a14:imgLayer r:embed="rId3">
-                    <a14:imgEffect>
-                      <a14:backgroundRemoval t="6057" b="22942" l="7000" r="29162"/>
-                    </a14:imgEffect>
-                  </a14:imgLayer>
-                </a14:imgProps>
-              </a:ext>
               <a:ext uri="{28A0092B-C50C-407E-A947-70E740481C1C}">
-                <a14:useLocalDpi xmlns:a14="http://schemas.microsoft.com/office/drawing/2010/main" xmlns="" val="0"/>
+                <a14:useLocalDpi xmlns="" xmlns:a14="http://schemas.microsoft.com/office/drawing/2010/main" val="0"/>
               </a:ext>
             </a:extLst>
           </a:blip>
-          <a:srcRect l="4230" t="3946" r="68068" b="74947"/>
-          <a:stretch/>
+          <a:srcRect/>
+          <a:stretch>
+            <a:fillRect/>
+          </a:stretch>
         </p:blipFill>
         <p:spPr bwMode="auto">
           <a:xfrm>
-            <a:off x="4967098" y="1844824"/>
-            <a:ext cx="541006" cy="485040"/>
+            <a:off x="6153844" y="4941168"/>
+            <a:ext cx="2450604" cy="1323890"/>
           </a:xfrm>
-          <a:prstGeom prst="rect">
-            <a:avLst/>
+          <a:prstGeom prst="roundRect">
+            <a:avLst>
+              <a:gd name="adj" fmla="val 8594"/>
+            </a:avLst>
           </a:prstGeom>
-          <a:noFill/>
+          <a:solidFill>
+            <a:srgbClr val="FFFFFF">
+              <a:shade val="85000"/>
+            </a:srgbClr>
+          </a:solidFill>
+          <a:ln>
+            <a:noFill/>
+          </a:ln>
+          <a:effectLst>
+            <a:reflection blurRad="12700" stA="38000" endPos="28000" dist="5000" dir="5400000" sy="-100000" algn="bl" rotWithShape="0"/>
+          </a:effectLst>
           <a:extLst>
-            <a:ext uri="{909E8E84-426E-40DD-AFC4-6F175D3DCCD1}">
-              <a14:hiddenFill xmlns:a14="http://schemas.microsoft.com/office/drawing/2010/main" xmlns="">
+            <a:ext uri="{91240B29-F687-4F45-9708-019B960494DF}">
+              <a14:hiddenLine xmlns="" xmlns:a14="http://schemas.microsoft.com/office/drawing/2010/main" w="9525">
                 <a:solidFill>
-                  <a:srgbClr val="FFFFFF"/>
+                  <a:schemeClr val="tx1"/>
                 </a:solidFill>
-              </a14:hiddenFill>
+                <a:miter lim="800000"/>
+                <a:headEnd/>
+                <a:tailEnd/>
+              </a14:hiddenLine>
             </a:ext>
           </a:extLst>
         </p:spPr>
       </p:pic>
-      <p:pic>
-        <p:nvPicPr>
-          <p:cNvPr id="10" name="Picture 2" descr="http://1.1.1.3/bmi/www.stoag.de/uploads/RTEmagicC_Icons_Kontrolle.jpg.jpg"/>
-          <p:cNvPicPr>
-            <a:picLocks noChangeAspect="1" noChangeArrowheads="1"/>
-          </p:cNvPicPr>
-          <p:nvPr/>
-        </p:nvPicPr>
-        <p:blipFill rotWithShape="1">
-          <a:blip r:embed="rId2" cstate="print">
-            <a:extLst>
-              <a:ext uri="{BEBA8EAE-BF5A-486C-A8C5-ECC9F3942E4B}">
-                <a14:imgProps xmlns:a14="http://schemas.microsoft.com/office/drawing/2010/main" xmlns="">
-                  <a14:imgLayer r:embed="rId3">
-                    <a14:imgEffect>
-                      <a14:backgroundRemoval t="6057" b="22942" l="7000" r="29162"/>
-                    </a14:imgEffect>
-                  </a14:imgLayer>
-                </a14:imgProps>
-              </a:ext>
-              <a:ext uri="{28A0092B-C50C-407E-A947-70E740481C1C}">
-                <a14:useLocalDpi xmlns:a14="http://schemas.microsoft.com/office/drawing/2010/main" xmlns="" val="0"/>
-              </a:ext>
-            </a:extLst>
-          </a:blip>
-          <a:srcRect l="4230" t="3946" r="68068" b="74947"/>
-          <a:stretch/>
-        </p:blipFill>
-        <p:spPr bwMode="auto">
-          <a:xfrm>
-            <a:off x="4967098" y="2276872"/>
-            <a:ext cx="541006" cy="485040"/>
-          </a:xfrm>
-          <a:prstGeom prst="rect">
-            <a:avLst/>
-          </a:prstGeom>
-          <a:noFill/>
-          <a:extLst>
-            <a:ext uri="{909E8E84-426E-40DD-AFC4-6F175D3DCCD1}">
-              <a14:hiddenFill xmlns:a14="http://schemas.microsoft.com/office/drawing/2010/main" xmlns="">
-                <a:solidFill>
-                  <a:srgbClr val="FFFFFF"/>
-                </a:solidFill>
-              </a14:hiddenFill>
-            </a:ext>
-          </a:extLst>
-        </p:spPr>
-      </p:pic>
-      <p:sp>
-        <p:nvSpPr>
-          <p:cNvPr id="9" name="Ellipse 8"/>
-          <p:cNvSpPr/>
-          <p:nvPr/>
-        </p:nvSpPr>
-        <p:spPr>
-          <a:xfrm>
-            <a:off x="4932040" y="1844824"/>
-            <a:ext cx="576064" cy="504056"/>
-          </a:xfrm>
-          <a:prstGeom prst="ellipse">
-            <a:avLst/>
-          </a:prstGeom>
-          <a:noFill/>
-          <a:ln w="38100">
-            <a:solidFill>
-              <a:srgbClr val="FF0000"/>
-            </a:solidFill>
-          </a:ln>
-        </p:spPr>
-        <p:style>
-          <a:lnRef idx="2">
-            <a:schemeClr val="accent1">
-              <a:shade val="50000"/>
-            </a:schemeClr>
-          </a:lnRef>
-          <a:fillRef idx="1">
-            <a:schemeClr val="accent1"/>
-          </a:fillRef>
-          <a:effectRef idx="0">
-            <a:schemeClr val="accent1"/>
-          </a:effectRef>
-          <a:fontRef idx="minor">
-            <a:schemeClr val="lt1"/>
-          </a:fontRef>
-        </p:style>
-        <p:txBody>
-          <a:bodyPr rtlCol="0" anchor="ctr"/>
-          <a:lstStyle/>
-          <a:p>
-            <a:pPr algn="ctr"/>
-            <a:endParaRPr lang="de-DE"/>
-          </a:p>
-        </p:txBody>
-      </p:sp>
     </p:spTree>
     <p:extLst>
       <p:ext uri="{BB962C8B-B14F-4D97-AF65-F5344CB8AC3E}">
-        <p14:creationId xmlns:p14="http://schemas.microsoft.com/office/powerpoint/2010/main" xmlns="" val="2645794681"/>
+        <p14:creationId xmlns="" xmlns:p14="http://schemas.microsoft.com/office/powerpoint/2010/main" val="313312729"/>
       </p:ext>
     </p:extLst>
   </p:cSld>
@@ -17764,14 +18478,12 @@
         </p:nvSpPr>
         <p:spPr/>
         <p:txBody>
-          <a:bodyPr>
-            <a:normAutofit/>
-          </a:bodyPr>
-          <a:lstStyle/>
-          <a:p>
-            <a:r>
-              <a:rPr lang="de-DE" dirty="0" smtClean="0"/>
-              <a:t>Ausblick</a:t>
+          <a:bodyPr/>
+          <a:lstStyle/>
+          <a:p>
+            <a:r>
+              <a:rPr lang="de-DE" dirty="0" smtClean="0"/>
+              <a:t>Reflexion</a:t>
             </a:r>
             <a:endParaRPr lang="de-DE" dirty="0"/>
           </a:p>
@@ -17787,87 +18499,82 @@
             <p:ph idx="1"/>
           </p:nvPr>
         </p:nvSpPr>
-        <p:spPr/>
-        <p:txBody>
-          <a:bodyPr>
-            <a:noAutofit/>
-          </a:bodyPr>
-          <a:lstStyle/>
-          <a:p>
-            <a:r>
-              <a:rPr lang="de-DE" dirty="0" smtClean="0"/>
-              <a:t>Mobile Website</a:t>
-            </a:r>
-          </a:p>
-          <a:p>
-            <a:r>
-              <a:rPr lang="de-DE" dirty="0" smtClean="0"/>
-              <a:t>Tiefere Integration in sozialen Netzwerken</a:t>
+        <p:spPr>
+          <a:xfrm>
+            <a:off x="1435608" y="1447800"/>
+            <a:ext cx="7708392" cy="4800600"/>
+          </a:xfrm>
+        </p:spPr>
+        <p:txBody>
+          <a:bodyPr/>
+          <a:lstStyle/>
+          <a:p>
+            <a:r>
+              <a:rPr lang="de-DE" dirty="0" smtClean="0"/>
+              <a:t>Verbesserungspotential</a:t>
             </a:r>
           </a:p>
           <a:p>
             <a:pPr lvl="1"/>
             <a:r>
               <a:rPr lang="de-DE" dirty="0" smtClean="0"/>
-              <a:t>Posten von Events</a:t>
+              <a:t>Bedienung </a:t>
+            </a:r>
+            <a:r>
+              <a:rPr lang="de-DE" dirty="0" err="1" smtClean="0"/>
+              <a:t>gitHub</a:t>
+            </a:r>
+            <a:r>
+              <a:rPr lang="de-DE" dirty="0" smtClean="0"/>
+              <a:t> aufwendig</a:t>
             </a:r>
           </a:p>
           <a:p>
             <a:pPr lvl="1"/>
             <a:r>
               <a:rPr lang="de-DE" dirty="0" smtClean="0"/>
-              <a:t>Bewertung („I </a:t>
-            </a:r>
+              <a:t>Projektmanagement stärker verfolgen</a:t>
+            </a:r>
+          </a:p>
+          <a:p>
+            <a:pPr lvl="1"/>
             <a:r>
               <a:rPr lang="de-DE" dirty="0" err="1" smtClean="0"/>
-              <a:t>Like</a:t>
-            </a:r>
-            <a:r>
-              <a:rPr lang="de-DE" dirty="0" smtClean="0"/>
-              <a:t>“-Button)</a:t>
-            </a:r>
-          </a:p>
-          <a:p>
+              <a:t>Workload</a:t>
+            </a:r>
+            <a:endParaRPr lang="de-DE" dirty="0" smtClean="0"/>
+          </a:p>
+          <a:p>
+            <a:pPr lvl="1"/>
+            <a:endParaRPr lang="de-DE" dirty="0" smtClean="0"/>
+          </a:p>
+          <a:p>
+            <a:r>
+              <a:rPr lang="de-DE" dirty="0" smtClean="0"/>
+              <a:t>Positiv</a:t>
+            </a:r>
+          </a:p>
+          <a:p>
+            <a:pPr lvl="1"/>
             <a:r>
               <a:rPr lang="de-DE" dirty="0" err="1" smtClean="0"/>
-              <a:t>Tweets</a:t>
-            </a:r>
-            <a:endParaRPr lang="de-DE" dirty="0" smtClean="0"/>
-          </a:p>
-          <a:p>
-            <a:r>
-              <a:rPr lang="de-DE" dirty="0" smtClean="0"/>
-              <a:t>Google </a:t>
-            </a:r>
-            <a:r>
-              <a:rPr lang="de-DE" dirty="0" err="1" smtClean="0"/>
-              <a:t>Maps</a:t>
-            </a:r>
-            <a:endParaRPr lang="de-DE" dirty="0" smtClean="0"/>
-          </a:p>
-          <a:p>
-            <a:r>
-              <a:rPr lang="de-DE" dirty="0" err="1" smtClean="0"/>
-              <a:t>Location</a:t>
-            </a:r>
-            <a:r>
-              <a:rPr lang="de-DE" dirty="0" smtClean="0"/>
-              <a:t>-</a:t>
-            </a:r>
-            <a:r>
-              <a:rPr lang="de-DE" dirty="0" err="1" smtClean="0"/>
-              <a:t>based</a:t>
-            </a:r>
-            <a:r>
-              <a:rPr lang="de-DE" dirty="0" smtClean="0"/>
-              <a:t>-Services</a:t>
-            </a:r>
-          </a:p>
-          <a:p>
-            <a:r>
-              <a:rPr lang="de-DE" dirty="0" smtClean="0"/>
-              <a:t>…</a:t>
-            </a:r>
+              <a:t>PeerReview</a:t>
+            </a:r>
+            <a:endParaRPr lang="de-DE" dirty="0"/>
+          </a:p>
+          <a:p>
+            <a:pPr lvl="1"/>
+            <a:r>
+              <a:rPr lang="de-DE" dirty="0" smtClean="0"/>
+              <a:t>Teamwork</a:t>
+            </a:r>
+          </a:p>
+          <a:p>
+            <a:pPr lvl="1"/>
+            <a:endParaRPr lang="de-DE" dirty="0"/>
+          </a:p>
+          <a:p>
+            <a:pPr lvl="1"/>
             <a:endParaRPr lang="de-DE" dirty="0"/>
           </a:p>
         </p:txBody>
@@ -17891,7 +18598,7 @@
               <a:rPr lang="de-DE" smtClean="0"/>
               <a:t>21.04.2012</a:t>
             </a:r>
-            <a:endParaRPr lang="de-DE" dirty="0"/>
+            <a:endParaRPr lang="en-US"/>
           </a:p>
         </p:txBody>
       </p:sp>
@@ -17933,75 +18640,19 @@
           <a:bodyPr/>
           <a:lstStyle/>
           <a:p>
-            <a:fld id="{6C6AE60A-B69C-4790-82F7-3882EDF23186}" type="slidenum">
-              <a:rPr lang="de-DE" smtClean="0"/>
+            <a:fld id="{990B41CA-569D-40E7-8E58-026C0338B2C8}" type="slidenum">
+              <a:rPr lang="en-US" smtClean="0"/>
               <a:pPr/>
               <a:t>38</a:t>
             </a:fld>
-            <a:endParaRPr lang="de-DE" dirty="0"/>
-          </a:p>
-        </p:txBody>
-      </p:sp>
-      <p:pic>
-        <p:nvPicPr>
-          <p:cNvPr id="2050" name="Picture 2"/>
-          <p:cNvPicPr>
-            <a:picLocks noChangeAspect="1" noChangeArrowheads="1"/>
-          </p:cNvPicPr>
-          <p:nvPr/>
-        </p:nvPicPr>
-        <p:blipFill>
-          <a:blip r:embed="rId3" cstate="print">
-            <a:extLst>
-              <a:ext uri="{28A0092B-C50C-407E-A947-70E740481C1C}">
-                <a14:useLocalDpi xmlns:a14="http://schemas.microsoft.com/office/drawing/2010/main" xmlns="" val="0"/>
-              </a:ext>
-            </a:extLst>
-          </a:blip>
-          <a:srcRect/>
-          <a:stretch>
-            <a:fillRect/>
-          </a:stretch>
-        </p:blipFill>
-        <p:spPr bwMode="auto">
-          <a:xfrm>
-            <a:off x="6153844" y="4941168"/>
-            <a:ext cx="2450604" cy="1323890"/>
-          </a:xfrm>
-          <a:prstGeom prst="roundRect">
-            <a:avLst>
-              <a:gd name="adj" fmla="val 8594"/>
-            </a:avLst>
-          </a:prstGeom>
-          <a:solidFill>
-            <a:srgbClr val="FFFFFF">
-              <a:shade val="85000"/>
-            </a:srgbClr>
-          </a:solidFill>
-          <a:ln>
-            <a:noFill/>
-          </a:ln>
-          <a:effectLst>
-            <a:reflection blurRad="12700" stA="38000" endPos="28000" dist="5000" dir="5400000" sy="-100000" algn="bl" rotWithShape="0"/>
-          </a:effectLst>
-          <a:extLst>
-            <a:ext uri="{91240B29-F687-4F45-9708-019B960494DF}">
-              <a14:hiddenLine xmlns:a14="http://schemas.microsoft.com/office/drawing/2010/main" xmlns="" w="9525">
-                <a:solidFill>
-                  <a:schemeClr val="tx1"/>
-                </a:solidFill>
-                <a:miter lim="800000"/>
-                <a:headEnd/>
-                <a:tailEnd/>
-              </a14:hiddenLine>
-            </a:ext>
-          </a:extLst>
-        </p:spPr>
-      </p:pic>
+            <a:endParaRPr lang="en-US"/>
+          </a:p>
+        </p:txBody>
+      </p:sp>
     </p:spTree>
     <p:extLst>
       <p:ext uri="{BB962C8B-B14F-4D97-AF65-F5344CB8AC3E}">
-        <p14:creationId xmlns:p14="http://schemas.microsoft.com/office/powerpoint/2010/main" xmlns="" val="313312729"/>
+        <p14:creationId xmlns="" xmlns:p14="http://schemas.microsoft.com/office/powerpoint/2010/main" val="1344880779"/>
       </p:ext>
     </p:extLst>
   </p:cSld>
@@ -18047,186 +18698,112 @@
         </p:nvSpPr>
         <p:spPr/>
         <p:txBody>
-          <a:bodyPr/>
-          <a:lstStyle/>
-          <a:p>
-            <a:r>
-              <a:rPr lang="de-DE" dirty="0" smtClean="0"/>
-              <a:t>Reflexion</a:t>
+          <a:bodyPr>
+            <a:normAutofit/>
+          </a:bodyPr>
+          <a:lstStyle/>
+          <a:p>
+            <a:r>
+              <a:rPr lang="de-DE" dirty="0" err="1" smtClean="0"/>
+              <a:t>Eventalizer</a:t>
+            </a:r>
+            <a:endParaRPr lang="de-DE" dirty="0" smtClean="0"/>
+          </a:p>
+        </p:txBody>
+      </p:sp>
+      <p:sp>
+        <p:nvSpPr>
+          <p:cNvPr id="3" name="Untertitel 2"/>
+          <p:cNvSpPr>
+            <a:spLocks noGrp="1"/>
+          </p:cNvSpPr>
+          <p:nvPr>
+            <p:ph type="body" idx="1"/>
+          </p:nvPr>
+        </p:nvSpPr>
+        <p:spPr/>
+        <p:txBody>
+          <a:bodyPr/>
+          <a:lstStyle/>
+          <a:p>
+            <a:r>
+              <a:rPr lang="de-DE" dirty="0" smtClean="0"/>
+              <a:t>Vielen Dank für Ihre Aufmerksamkeit</a:t>
+            </a:r>
+          </a:p>
+          <a:p>
+            <a:r>
+              <a:rPr lang="de-DE" dirty="0" smtClean="0"/>
+              <a:t>Gibt es noch Fragen?</a:t>
             </a:r>
             <a:endParaRPr lang="de-DE" dirty="0"/>
           </a:p>
         </p:txBody>
       </p:sp>
-      <p:sp>
-        <p:nvSpPr>
-          <p:cNvPr id="3" name="Inhaltsplatzhalter 2"/>
-          <p:cNvSpPr>
-            <a:spLocks noGrp="1"/>
-          </p:cNvSpPr>
-          <p:nvPr>
-            <p:ph idx="1"/>
-          </p:nvPr>
-        </p:nvSpPr>
+      <p:pic>
+        <p:nvPicPr>
+          <p:cNvPr id="4" name="Grafik 3"/>
+          <p:cNvPicPr>
+            <a:picLocks noChangeAspect="1"/>
+          </p:cNvPicPr>
+          <p:nvPr/>
+        </p:nvPicPr>
+        <p:blipFill>
+          <a:blip r:embed="rId3" cstate="print">
+            <a:extLst>
+              <a:ext uri="{28A0092B-C50C-407E-A947-70E740481C1C}">
+                <a14:useLocalDpi xmlns="" xmlns:a14="http://schemas.microsoft.com/office/drawing/2010/main" val="0"/>
+              </a:ext>
+            </a:extLst>
+          </a:blip>
+          <a:stretch>
+            <a:fillRect/>
+          </a:stretch>
+        </p:blipFill>
         <p:spPr>
           <a:xfrm>
-            <a:off x="1435608" y="1447800"/>
-            <a:ext cx="7708392" cy="4800600"/>
+            <a:off x="4899616" y="6220356"/>
+            <a:ext cx="4199228" cy="593020"/>
           </a:xfrm>
+          <a:prstGeom prst="rect">
+            <a:avLst/>
+          </a:prstGeom>
         </p:spPr>
-        <p:txBody>
-          <a:bodyPr/>
-          <a:lstStyle/>
-          <a:p>
-            <a:r>
-              <a:rPr lang="de-DE" dirty="0" smtClean="0"/>
-              <a:t>Verbesserungspotential</a:t>
-            </a:r>
-          </a:p>
-          <a:p>
-            <a:pPr lvl="1"/>
-            <a:r>
-              <a:rPr lang="de-DE" dirty="0" smtClean="0"/>
-              <a:t>Bedienung </a:t>
-            </a:r>
-            <a:r>
-              <a:rPr lang="de-DE" dirty="0" err="1" smtClean="0"/>
-              <a:t>gitHub</a:t>
-            </a:r>
-            <a:r>
-              <a:rPr lang="de-DE" dirty="0" smtClean="0"/>
-              <a:t> aufwendig</a:t>
-            </a:r>
-            <a:endParaRPr lang="de-DE" dirty="0" smtClean="0"/>
-          </a:p>
-          <a:p>
-            <a:pPr lvl="1"/>
-            <a:r>
-              <a:rPr lang="de-DE" dirty="0" smtClean="0"/>
-              <a:t>Projektmanagement stärker </a:t>
-            </a:r>
-            <a:r>
-              <a:rPr lang="de-DE" dirty="0" smtClean="0"/>
-              <a:t>verfolgen</a:t>
-            </a:r>
-          </a:p>
-          <a:p>
-            <a:pPr lvl="1"/>
-            <a:r>
-              <a:rPr lang="de-DE" dirty="0" err="1" smtClean="0"/>
-              <a:t>Workload</a:t>
-            </a:r>
-            <a:endParaRPr lang="de-DE" dirty="0" smtClean="0"/>
-          </a:p>
-          <a:p>
-            <a:pPr lvl="1"/>
-            <a:endParaRPr lang="de-DE" dirty="0" smtClean="0"/>
-          </a:p>
-          <a:p>
-            <a:r>
-              <a:rPr lang="de-DE" dirty="0" smtClean="0"/>
-              <a:t>Positiv</a:t>
-            </a:r>
-          </a:p>
-          <a:p>
-            <a:pPr lvl="1"/>
-            <a:r>
-              <a:rPr lang="de-DE" dirty="0" err="1" smtClean="0"/>
-              <a:t>PeerReview</a:t>
-            </a:r>
-            <a:endParaRPr lang="de-DE" dirty="0"/>
-          </a:p>
-          <a:p>
-            <a:pPr lvl="1"/>
-            <a:r>
-              <a:rPr lang="de-DE" dirty="0" smtClean="0"/>
-              <a:t>Teamwork</a:t>
-            </a:r>
-          </a:p>
-          <a:p>
-            <a:pPr lvl="1"/>
-            <a:endParaRPr lang="de-DE" dirty="0"/>
-          </a:p>
-          <a:p>
-            <a:pPr lvl="1"/>
-            <a:endParaRPr lang="de-DE" dirty="0"/>
-          </a:p>
-        </p:txBody>
-      </p:sp>
-      <p:sp>
-        <p:nvSpPr>
-          <p:cNvPr id="4" name="Datumsplatzhalter 3"/>
-          <p:cNvSpPr>
-            <a:spLocks noGrp="1"/>
-          </p:cNvSpPr>
-          <p:nvPr>
-            <p:ph type="dt" sz="half" idx="10"/>
-          </p:nvPr>
-        </p:nvSpPr>
-        <p:spPr/>
-        <p:txBody>
-          <a:bodyPr/>
-          <a:lstStyle/>
-          <a:p>
-            <a:r>
-              <a:rPr lang="de-DE" smtClean="0"/>
-              <a:t>21.04.2012</a:t>
-            </a:r>
-            <a:endParaRPr lang="en-US"/>
-          </a:p>
-        </p:txBody>
-      </p:sp>
-      <p:sp>
-        <p:nvSpPr>
-          <p:cNvPr id="5" name="Fußzeilenplatzhalter 4"/>
-          <p:cNvSpPr>
-            <a:spLocks noGrp="1"/>
-          </p:cNvSpPr>
-          <p:nvPr>
-            <p:ph type="ftr" sz="quarter" idx="11"/>
-          </p:nvPr>
-        </p:nvSpPr>
-        <p:spPr/>
-        <p:txBody>
-          <a:bodyPr/>
-          <a:lstStyle/>
-          <a:p>
-            <a:r>
-              <a:rPr lang="de-DE" smtClean="0"/>
-              <a:t>FST Projekt "Eventalizer" (SS 2012) Team 5</a:t>
-            </a:r>
-            <a:endParaRPr lang="de-DE" dirty="0"/>
-          </a:p>
-        </p:txBody>
-      </p:sp>
-      <p:sp>
-        <p:nvSpPr>
-          <p:cNvPr id="6" name="Foliennummernplatzhalter 5"/>
-          <p:cNvSpPr>
-            <a:spLocks noGrp="1"/>
-          </p:cNvSpPr>
-          <p:nvPr>
-            <p:ph type="sldNum" sz="quarter" idx="12"/>
-          </p:nvPr>
-        </p:nvSpPr>
-        <p:spPr/>
-        <p:txBody>
-          <a:bodyPr/>
-          <a:lstStyle/>
-          <a:p>
-            <a:fld id="{990B41CA-569D-40E7-8E58-026C0338B2C8}" type="slidenum">
-              <a:rPr lang="en-US" smtClean="0"/>
-              <a:pPr/>
-              <a:t>39</a:t>
-            </a:fld>
-            <a:endParaRPr lang="en-US"/>
-          </a:p>
-        </p:txBody>
-      </p:sp>
+      </p:pic>
+      <p:pic>
+        <p:nvPicPr>
+          <p:cNvPr id="5" name="Grafik 4"/>
+          <p:cNvPicPr>
+            <a:picLocks noChangeAspect="1"/>
+          </p:cNvPicPr>
+          <p:nvPr/>
+        </p:nvPicPr>
+        <p:blipFill>
+          <a:blip r:embed="rId4" cstate="print">
+            <a:extLst>
+              <a:ext uri="{28A0092B-C50C-407E-A947-70E740481C1C}">
+                <a14:useLocalDpi xmlns="" xmlns:a14="http://schemas.microsoft.com/office/drawing/2010/main" val="0"/>
+              </a:ext>
+            </a:extLst>
+          </a:blip>
+          <a:stretch>
+            <a:fillRect/>
+          </a:stretch>
+        </p:blipFill>
+        <p:spPr>
+          <a:xfrm>
+            <a:off x="2418775" y="5772287"/>
+            <a:ext cx="1236003" cy="1000125"/>
+          </a:xfrm>
+          <a:prstGeom prst="rect">
+            <a:avLst/>
+          </a:prstGeom>
+        </p:spPr>
+      </p:pic>
     </p:spTree>
     <p:extLst>
       <p:ext uri="{BB962C8B-B14F-4D97-AF65-F5344CB8AC3E}">
-        <p14:creationId xmlns:p14="http://schemas.microsoft.com/office/powerpoint/2010/main" xmlns="" val="1344880779"/>
+        <p14:creationId xmlns="" xmlns:p14="http://schemas.microsoft.com/office/powerpoint/2010/main" val="2565098391"/>
       </p:ext>
     </p:extLst>
   </p:cSld>
@@ -18384,7 +18961,7 @@
     </p:spTree>
     <p:extLst>
       <p:ext uri="{BB962C8B-B14F-4D97-AF65-F5344CB8AC3E}">
-        <p14:creationId xmlns:p14="http://schemas.microsoft.com/office/powerpoint/2010/main" xmlns="" val="351671181"/>
+        <p14:creationId xmlns="" xmlns:p14="http://schemas.microsoft.com/office/powerpoint/2010/main" val="351671181"/>
       </p:ext>
     </p:extLst>
   </p:cSld>
@@ -18421,12 +18998,35 @@
       </p:grpSpPr>
       <p:sp>
         <p:nvSpPr>
-          <p:cNvPr id="2" name="Titel 1"/>
+          <p:cNvPr id="7" name="Titel 6"/>
           <p:cNvSpPr>
             <a:spLocks noGrp="1"/>
           </p:cNvSpPr>
           <p:nvPr>
             <p:ph type="title"/>
+          </p:nvPr>
+        </p:nvSpPr>
+        <p:spPr/>
+        <p:txBody>
+          <a:bodyPr/>
+          <a:lstStyle/>
+          <a:p>
+            <a:r>
+              <a:rPr lang="de-DE" dirty="0" smtClean="0"/>
+              <a:t>Quellen</a:t>
+            </a:r>
+            <a:endParaRPr lang="de-DE" dirty="0"/>
+          </a:p>
+        </p:txBody>
+      </p:sp>
+      <p:sp>
+        <p:nvSpPr>
+          <p:cNvPr id="8" name="Inhaltsplatzhalter 7"/>
+          <p:cNvSpPr>
+            <a:spLocks noGrp="1"/>
+          </p:cNvSpPr>
+          <p:nvPr>
+            <p:ph idx="1"/>
           </p:nvPr>
         </p:nvSpPr>
         <p:spPr/>
@@ -18437,354 +19037,180 @@
           <a:lstStyle/>
           <a:p>
             <a:r>
-              <a:rPr lang="de-DE" dirty="0" err="1" smtClean="0"/>
-              <a:t>Eventalizer</a:t>
-            </a:r>
-            <a:endParaRPr lang="de-DE" dirty="0" smtClean="0"/>
-          </a:p>
-        </p:txBody>
-      </p:sp>
-      <p:sp>
-        <p:nvSpPr>
-          <p:cNvPr id="3" name="Untertitel 2"/>
-          <p:cNvSpPr>
-            <a:spLocks noGrp="1"/>
-          </p:cNvSpPr>
-          <p:nvPr>
-            <p:ph type="body" idx="1"/>
-          </p:nvPr>
-        </p:nvSpPr>
-        <p:spPr/>
-        <p:txBody>
-          <a:bodyPr/>
-          <a:lstStyle/>
-          <a:p>
-            <a:r>
-              <a:rPr lang="de-DE" dirty="0" smtClean="0"/>
-              <a:t>Vielen Dank für Ihre Aufmerksamkeit</a:t>
-            </a:r>
-          </a:p>
-          <a:p>
-            <a:r>
-              <a:rPr lang="de-DE" dirty="0" smtClean="0"/>
-              <a:t>Gibt es noch Fragen?</a:t>
-            </a:r>
+              <a:rPr lang="de-DE" sz="2000" dirty="0" err="1" smtClean="0"/>
+              <a:t>o.V</a:t>
+            </a:r>
+            <a:r>
+              <a:rPr lang="de-DE" sz="2000" dirty="0" smtClean="0"/>
+              <a:t>.: Spring </a:t>
+            </a:r>
+            <a:r>
+              <a:rPr lang="de-DE" sz="2000" dirty="0" err="1"/>
+              <a:t>Roo</a:t>
+            </a:r>
+            <a:r>
+              <a:rPr lang="de-DE" sz="2000" dirty="0"/>
+              <a:t> - Reference </a:t>
+            </a:r>
+            <a:r>
+              <a:rPr lang="de-DE" sz="2000" dirty="0" err="1" smtClean="0"/>
+              <a:t>Documentation</a:t>
+            </a:r>
+            <a:r>
+              <a:rPr lang="de-DE" sz="2000" dirty="0" smtClean="0"/>
+              <a:t>. http</a:t>
+            </a:r>
+            <a:r>
+              <a:rPr lang="de-DE" sz="2000" dirty="0"/>
+              <a:t>://</a:t>
+            </a:r>
+            <a:r>
+              <a:rPr lang="de-DE" sz="2000" dirty="0" smtClean="0"/>
+              <a:t>www.springsource.org/spring-roo#documentation,  Abgerufen am 14.03.2012</a:t>
+            </a:r>
+            <a:endParaRPr lang="de-DE" sz="2000" dirty="0"/>
+          </a:p>
+          <a:p>
+            <a:r>
+              <a:rPr lang="de-DE" sz="2000" dirty="0" err="1"/>
+              <a:t>Shekhar</a:t>
+            </a:r>
+            <a:r>
+              <a:rPr lang="de-DE" sz="2000" dirty="0"/>
+              <a:t> </a:t>
+            </a:r>
+            <a:r>
+              <a:rPr lang="de-DE" sz="2000" dirty="0" err="1"/>
+              <a:t>Gulati</a:t>
+            </a:r>
+            <a:r>
+              <a:rPr lang="de-DE" sz="2000" dirty="0"/>
+              <a:t>: </a:t>
+            </a:r>
+            <a:r>
+              <a:rPr lang="de-DE" sz="2000" dirty="0" err="1"/>
+              <a:t>Introducing</a:t>
+            </a:r>
+            <a:r>
+              <a:rPr lang="de-DE" sz="2000" dirty="0"/>
+              <a:t> Spring </a:t>
+            </a:r>
+            <a:r>
+              <a:rPr lang="de-DE" sz="2000" dirty="0" err="1" smtClean="0"/>
+              <a:t>Roo</a:t>
+            </a:r>
+            <a:r>
+              <a:rPr lang="de-DE" sz="2000" dirty="0"/>
+              <a:t>. http://www.ibm.com/developerworks/library/os-springroo2</a:t>
+            </a:r>
+            <a:r>
+              <a:rPr lang="de-DE" sz="2000" dirty="0" smtClean="0"/>
+              <a:t>/,  Abgerufen 23.04.2012</a:t>
+            </a:r>
+          </a:p>
+          <a:p>
             <a:endParaRPr lang="de-DE" dirty="0"/>
           </a:p>
-        </p:txBody>
-      </p:sp>
-      <p:pic>
-        <p:nvPicPr>
-          <p:cNvPr id="4" name="Grafik 3"/>
-          <p:cNvPicPr>
-            <a:picLocks noChangeAspect="1"/>
-          </p:cNvPicPr>
-          <p:nvPr/>
-        </p:nvPicPr>
-        <p:blipFill>
-          <a:blip r:embed="rId3" cstate="print">
-            <a:extLst>
-              <a:ext uri="{28A0092B-C50C-407E-A947-70E740481C1C}">
-                <a14:useLocalDpi xmlns:a14="http://schemas.microsoft.com/office/drawing/2010/main" xmlns="" val="0"/>
-              </a:ext>
-            </a:extLst>
-          </a:blip>
-          <a:stretch>
-            <a:fillRect/>
-          </a:stretch>
-        </p:blipFill>
-        <p:spPr>
-          <a:xfrm>
-            <a:off x="4899616" y="6220356"/>
-            <a:ext cx="4199228" cy="593020"/>
-          </a:xfrm>
-          <a:prstGeom prst="rect">
-            <a:avLst/>
-          </a:prstGeom>
-        </p:spPr>
-      </p:pic>
-      <p:pic>
-        <p:nvPicPr>
-          <p:cNvPr id="5" name="Grafik 4"/>
-          <p:cNvPicPr>
-            <a:picLocks noChangeAspect="1"/>
-          </p:cNvPicPr>
-          <p:nvPr/>
-        </p:nvPicPr>
-        <p:blipFill>
-          <a:blip r:embed="rId4" cstate="print">
-            <a:extLst>
-              <a:ext uri="{28A0092B-C50C-407E-A947-70E740481C1C}">
-                <a14:useLocalDpi xmlns:a14="http://schemas.microsoft.com/office/drawing/2010/main" xmlns="" val="0"/>
-              </a:ext>
-            </a:extLst>
-          </a:blip>
-          <a:stretch>
-            <a:fillRect/>
-          </a:stretch>
-        </p:blipFill>
-        <p:spPr>
-          <a:xfrm>
-            <a:off x="2418775" y="5772287"/>
-            <a:ext cx="1236003" cy="1000125"/>
-          </a:xfrm>
-          <a:prstGeom prst="rect">
-            <a:avLst/>
-          </a:prstGeom>
-        </p:spPr>
-      </p:pic>
+          <a:p>
+            <a:r>
+              <a:rPr lang="de-DE" sz="2400" dirty="0" smtClean="0"/>
+              <a:t>Dekorative Abbildungen</a:t>
+            </a:r>
+          </a:p>
+          <a:p>
+            <a:pPr lvl="1"/>
+            <a:r>
+              <a:rPr lang="de-DE" sz="2000" dirty="0" smtClean="0"/>
+              <a:t>www.FreeDigitalPhotos.net</a:t>
+            </a:r>
+          </a:p>
+          <a:p>
+            <a:pPr lvl="1"/>
+            <a:r>
+              <a:rPr lang="de-DE" sz="2000" dirty="0"/>
+              <a:t>www.animationfactory.com</a:t>
+            </a:r>
+          </a:p>
+          <a:p>
+            <a:pPr lvl="1"/>
+            <a:endParaRPr lang="de-DE" sz="2000" dirty="0"/>
+          </a:p>
+        </p:txBody>
+      </p:sp>
+      <p:sp>
+        <p:nvSpPr>
+          <p:cNvPr id="4" name="Datumsplatzhalter 3"/>
+          <p:cNvSpPr>
+            <a:spLocks noGrp="1"/>
+          </p:cNvSpPr>
+          <p:nvPr>
+            <p:ph type="dt" sz="half" idx="10"/>
+          </p:nvPr>
+        </p:nvSpPr>
+        <p:spPr/>
+        <p:txBody>
+          <a:bodyPr/>
+          <a:lstStyle/>
+          <a:p>
+            <a:r>
+              <a:rPr lang="de-DE" smtClean="0"/>
+              <a:t>21.04.2012</a:t>
+            </a:r>
+            <a:endParaRPr lang="en-US"/>
+          </a:p>
+        </p:txBody>
+      </p:sp>
+      <p:sp>
+        <p:nvSpPr>
+          <p:cNvPr id="5" name="Fußzeilenplatzhalter 4"/>
+          <p:cNvSpPr>
+            <a:spLocks noGrp="1"/>
+          </p:cNvSpPr>
+          <p:nvPr>
+            <p:ph type="ftr" sz="quarter" idx="11"/>
+          </p:nvPr>
+        </p:nvSpPr>
+        <p:spPr/>
+        <p:txBody>
+          <a:bodyPr/>
+          <a:lstStyle/>
+          <a:p>
+            <a:r>
+              <a:rPr lang="de-DE" smtClean="0"/>
+              <a:t>FST Projekt "Eventalizer" (SS 2012) Team 5</a:t>
+            </a:r>
+            <a:endParaRPr lang="de-DE" dirty="0"/>
+          </a:p>
+        </p:txBody>
+      </p:sp>
+      <p:sp>
+        <p:nvSpPr>
+          <p:cNvPr id="6" name="Foliennummernplatzhalter 5"/>
+          <p:cNvSpPr>
+            <a:spLocks noGrp="1"/>
+          </p:cNvSpPr>
+          <p:nvPr>
+            <p:ph type="sldNum" sz="quarter" idx="12"/>
+          </p:nvPr>
+        </p:nvSpPr>
+        <p:spPr/>
+        <p:txBody>
+          <a:bodyPr/>
+          <a:lstStyle/>
+          <a:p>
+            <a:fld id="{990B41CA-569D-40E7-8E58-026C0338B2C8}" type="slidenum">
+              <a:rPr lang="en-US" smtClean="0"/>
+              <a:pPr/>
+              <a:t>40</a:t>
+            </a:fld>
+            <a:endParaRPr lang="en-US"/>
+          </a:p>
+        </p:txBody>
+      </p:sp>
     </p:spTree>
     <p:extLst>
       <p:ext uri="{BB962C8B-B14F-4D97-AF65-F5344CB8AC3E}">
-        <p14:creationId xmlns:p14="http://schemas.microsoft.com/office/powerpoint/2010/main" xmlns="" val="2565098391"/>
-      </p:ext>
-    </p:extLst>
-  </p:cSld>
-  <p:clrMapOvr>
-    <a:masterClrMapping/>
-  </p:clrMapOvr>
-  <p:timing>
-    <p:tnLst>
-      <p:par>
-        <p:cTn id="1" dur="indefinite" restart="never" nodeType="tmRoot"/>
-      </p:par>
-    </p:tnLst>
-  </p:timing>
-</p:sld>
-</file>
-
-<file path=ppt/slides/slide41.xml><?xml version="1.0" encoding="utf-8"?>
-<p:sld xmlns:a="http://schemas.openxmlformats.org/drawingml/2006/main" xmlns:r="http://schemas.openxmlformats.org/officeDocument/2006/relationships" xmlns:p="http://schemas.openxmlformats.org/presentationml/2006/main">
-  <p:cSld>
-    <p:spTree>
-      <p:nvGrpSpPr>
-        <p:cNvPr id="1" name=""/>
-        <p:cNvGrpSpPr/>
-        <p:nvPr/>
-      </p:nvGrpSpPr>
-      <p:grpSpPr>
-        <a:xfrm>
-          <a:off x="0" y="0"/>
-          <a:ext cx="0" cy="0"/>
-          <a:chOff x="0" y="0"/>
-          <a:chExt cx="0" cy="0"/>
-        </a:xfrm>
-      </p:grpSpPr>
-      <p:sp>
-        <p:nvSpPr>
-          <p:cNvPr id="7" name="Titel 6"/>
-          <p:cNvSpPr>
-            <a:spLocks noGrp="1"/>
-          </p:cNvSpPr>
-          <p:nvPr>
-            <p:ph type="title"/>
-          </p:nvPr>
-        </p:nvSpPr>
-        <p:spPr/>
-        <p:txBody>
-          <a:bodyPr/>
-          <a:lstStyle/>
-          <a:p>
-            <a:r>
-              <a:rPr lang="de-DE" dirty="0" smtClean="0"/>
-              <a:t>Quellen</a:t>
-            </a:r>
-            <a:endParaRPr lang="de-DE" dirty="0"/>
-          </a:p>
-        </p:txBody>
-      </p:sp>
-      <p:sp>
-        <p:nvSpPr>
-          <p:cNvPr id="8" name="Inhaltsplatzhalter 7"/>
-          <p:cNvSpPr>
-            <a:spLocks noGrp="1"/>
-          </p:cNvSpPr>
-          <p:nvPr>
-            <p:ph idx="1"/>
-          </p:nvPr>
-        </p:nvSpPr>
-        <p:spPr/>
-        <p:txBody>
-          <a:bodyPr>
-            <a:normAutofit/>
-          </a:bodyPr>
-          <a:lstStyle/>
-          <a:p>
-            <a:r>
-              <a:rPr lang="de-DE" sz="2000" dirty="0" err="1" smtClean="0"/>
-              <a:t>o.V</a:t>
-            </a:r>
-            <a:r>
-              <a:rPr lang="de-DE" sz="2000" dirty="0" smtClean="0"/>
-              <a:t>.: Spring </a:t>
-            </a:r>
-            <a:r>
-              <a:rPr lang="de-DE" sz="2000" dirty="0" err="1"/>
-              <a:t>Roo</a:t>
-            </a:r>
-            <a:r>
-              <a:rPr lang="de-DE" sz="2000" dirty="0"/>
-              <a:t> - Reference </a:t>
-            </a:r>
-            <a:r>
-              <a:rPr lang="de-DE" sz="2000" dirty="0" err="1" smtClean="0"/>
-              <a:t>Documentation</a:t>
-            </a:r>
-            <a:r>
-              <a:rPr lang="de-DE" sz="2000" dirty="0" smtClean="0"/>
-              <a:t>. http</a:t>
-            </a:r>
-            <a:r>
-              <a:rPr lang="de-DE" sz="2000" dirty="0"/>
-              <a:t>://</a:t>
-            </a:r>
-            <a:r>
-              <a:rPr lang="de-DE" sz="2000" dirty="0" smtClean="0"/>
-              <a:t>www.springsource.org/spring-roo#documentation,  Abgerufen am 14.03.2012</a:t>
-            </a:r>
-            <a:endParaRPr lang="de-DE" sz="2000" dirty="0"/>
-          </a:p>
-          <a:p>
-            <a:r>
-              <a:rPr lang="de-DE" sz="2000" dirty="0" err="1"/>
-              <a:t>Shekhar</a:t>
-            </a:r>
-            <a:r>
-              <a:rPr lang="de-DE" sz="2000" dirty="0"/>
-              <a:t> </a:t>
-            </a:r>
-            <a:r>
-              <a:rPr lang="de-DE" sz="2000" dirty="0" err="1"/>
-              <a:t>Gulati</a:t>
-            </a:r>
-            <a:r>
-              <a:rPr lang="de-DE" sz="2000" dirty="0"/>
-              <a:t>: </a:t>
-            </a:r>
-            <a:r>
-              <a:rPr lang="de-DE" sz="2000" dirty="0" err="1"/>
-              <a:t>Introducing</a:t>
-            </a:r>
-            <a:r>
-              <a:rPr lang="de-DE" sz="2000" dirty="0"/>
-              <a:t> Spring </a:t>
-            </a:r>
-            <a:r>
-              <a:rPr lang="de-DE" sz="2000" dirty="0" err="1" smtClean="0"/>
-              <a:t>Roo</a:t>
-            </a:r>
-            <a:r>
-              <a:rPr lang="de-DE" sz="2000" dirty="0"/>
-              <a:t>. http://www.ibm.com/developerworks/library/os-springroo2</a:t>
-            </a:r>
-            <a:r>
-              <a:rPr lang="de-DE" sz="2000" dirty="0" smtClean="0"/>
-              <a:t>/,  Abgerufen 23.04.2012</a:t>
-            </a:r>
-          </a:p>
-          <a:p>
-            <a:endParaRPr lang="de-DE" dirty="0"/>
-          </a:p>
-          <a:p>
-            <a:r>
-              <a:rPr lang="de-DE" sz="2400" dirty="0" smtClean="0"/>
-              <a:t>Dekorative Abbildungen</a:t>
-            </a:r>
-          </a:p>
-          <a:p>
-            <a:pPr lvl="1"/>
-            <a:r>
-              <a:rPr lang="de-DE" sz="2000" dirty="0" smtClean="0"/>
-              <a:t>www.FreeDigitalPhotos.net</a:t>
-            </a:r>
-          </a:p>
-          <a:p>
-            <a:pPr lvl="1"/>
-            <a:r>
-              <a:rPr lang="de-DE" sz="2000" dirty="0"/>
-              <a:t>www.animationfactory.com</a:t>
-            </a:r>
-          </a:p>
-          <a:p>
-            <a:pPr lvl="1"/>
-            <a:endParaRPr lang="de-DE" sz="2000" dirty="0"/>
-          </a:p>
-        </p:txBody>
-      </p:sp>
-      <p:sp>
-        <p:nvSpPr>
-          <p:cNvPr id="4" name="Datumsplatzhalter 3"/>
-          <p:cNvSpPr>
-            <a:spLocks noGrp="1"/>
-          </p:cNvSpPr>
-          <p:nvPr>
-            <p:ph type="dt" sz="half" idx="10"/>
-          </p:nvPr>
-        </p:nvSpPr>
-        <p:spPr/>
-        <p:txBody>
-          <a:bodyPr/>
-          <a:lstStyle/>
-          <a:p>
-            <a:r>
-              <a:rPr lang="de-DE" smtClean="0"/>
-              <a:t>21.04.2012</a:t>
-            </a:r>
-            <a:endParaRPr lang="en-US"/>
-          </a:p>
-        </p:txBody>
-      </p:sp>
-      <p:sp>
-        <p:nvSpPr>
-          <p:cNvPr id="5" name="Fußzeilenplatzhalter 4"/>
-          <p:cNvSpPr>
-            <a:spLocks noGrp="1"/>
-          </p:cNvSpPr>
-          <p:nvPr>
-            <p:ph type="ftr" sz="quarter" idx="11"/>
-          </p:nvPr>
-        </p:nvSpPr>
-        <p:spPr/>
-        <p:txBody>
-          <a:bodyPr/>
-          <a:lstStyle/>
-          <a:p>
-            <a:r>
-              <a:rPr lang="de-DE" smtClean="0"/>
-              <a:t>FST Projekt "Eventalizer" (SS 2012) Team 5</a:t>
-            </a:r>
-            <a:endParaRPr lang="de-DE" dirty="0"/>
-          </a:p>
-        </p:txBody>
-      </p:sp>
-      <p:sp>
-        <p:nvSpPr>
-          <p:cNvPr id="6" name="Foliennummernplatzhalter 5"/>
-          <p:cNvSpPr>
-            <a:spLocks noGrp="1"/>
-          </p:cNvSpPr>
-          <p:nvPr>
-            <p:ph type="sldNum" sz="quarter" idx="12"/>
-          </p:nvPr>
-        </p:nvSpPr>
-        <p:spPr/>
-        <p:txBody>
-          <a:bodyPr/>
-          <a:lstStyle/>
-          <a:p>
-            <a:fld id="{990B41CA-569D-40E7-8E58-026C0338B2C8}" type="slidenum">
-              <a:rPr lang="en-US" smtClean="0"/>
-              <a:pPr/>
-              <a:t>41</a:t>
-            </a:fld>
-            <a:endParaRPr lang="en-US"/>
-          </a:p>
-        </p:txBody>
-      </p:sp>
-    </p:spTree>
-    <p:extLst>
-      <p:ext uri="{BB962C8B-B14F-4D97-AF65-F5344CB8AC3E}">
-        <p14:creationId xmlns:p14="http://schemas.microsoft.com/office/powerpoint/2010/main" xmlns="" val="3661383713"/>
+        <p14:creationId xmlns="" xmlns:p14="http://schemas.microsoft.com/office/powerpoint/2010/main" val="3661383713"/>
       </p:ext>
     </p:extLst>
   </p:cSld>
@@ -19119,7 +19545,7 @@
     </p:spTree>
     <p:extLst>
       <p:ext uri="{BB962C8B-B14F-4D97-AF65-F5344CB8AC3E}">
-        <p14:creationId xmlns:p14="http://schemas.microsoft.com/office/powerpoint/2010/main" xmlns="" val="351671181"/>
+        <p14:creationId xmlns="" xmlns:p14="http://schemas.microsoft.com/office/powerpoint/2010/main" val="351671181"/>
       </p:ext>
     </p:extLst>
   </p:cSld>
@@ -19240,7 +19666,7 @@
           <a:blip r:embed="rId3" cstate="print">
             <a:extLst>
               <a:ext uri="{28A0092B-C50C-407E-A947-70E740481C1C}">
-                <a14:useLocalDpi xmlns:a14="http://schemas.microsoft.com/office/drawing/2010/main" xmlns="" val="0"/>
+                <a14:useLocalDpi xmlns="" xmlns:a14="http://schemas.microsoft.com/office/drawing/2010/main" val="0"/>
               </a:ext>
             </a:extLst>
           </a:blip>
@@ -19291,14 +19717,14 @@
           </a:sp3d>
           <a:extLst>
             <a:ext uri="{909E8E84-426E-40DD-AFC4-6F175D3DCCD1}">
-              <a14:hiddenFill xmlns:a14="http://schemas.microsoft.com/office/drawing/2010/main" xmlns="">
+              <a14:hiddenFill xmlns="" xmlns:a14="http://schemas.microsoft.com/office/drawing/2010/main">
                 <a:solidFill>
                   <a:schemeClr val="accent1"/>
                 </a:solidFill>
               </a14:hiddenFill>
             </a:ext>
             <a:ext uri="{91240B29-F687-4F45-9708-019B960494DF}">
-              <a14:hiddenLine xmlns:a14="http://schemas.microsoft.com/office/drawing/2010/main" xmlns="" w="9525">
+              <a14:hiddenLine xmlns="" xmlns:a14="http://schemas.microsoft.com/office/drawing/2010/main" w="9525">
                 <a:solidFill>
                   <a:schemeClr val="tx1"/>
                 </a:solidFill>
@@ -19308,7 +19734,7 @@
               </a14:hiddenLine>
             </a:ext>
             <a:ext uri="{AF507438-7753-43E0-B8FC-AC1667EBCBE1}">
-              <a14:hiddenEffects xmlns:a14="http://schemas.microsoft.com/office/drawing/2010/main" xmlns="">
+              <a14:hiddenEffects xmlns="" xmlns:a14="http://schemas.microsoft.com/office/drawing/2010/main">
                 <a:effectLst>
                   <a:outerShdw dist="35921" dir="2700000" algn="ctr" rotWithShape="0">
                     <a:schemeClr val="bg2"/>
@@ -19322,7 +19748,7 @@
     </p:spTree>
     <p:extLst>
       <p:ext uri="{BB962C8B-B14F-4D97-AF65-F5344CB8AC3E}">
-        <p14:creationId xmlns:p14="http://schemas.microsoft.com/office/powerpoint/2010/main" xmlns="" val="2681693288"/>
+        <p14:creationId xmlns="" xmlns:p14="http://schemas.microsoft.com/office/powerpoint/2010/main" val="2681693288"/>
       </p:ext>
     </p:extLst>
   </p:cSld>
@@ -19521,7 +19947,7 @@
     </p:spTree>
     <p:extLst>
       <p:ext uri="{BB962C8B-B14F-4D97-AF65-F5344CB8AC3E}">
-        <p14:creationId xmlns:p14="http://schemas.microsoft.com/office/powerpoint/2010/main" xmlns="" val="2681693288"/>
+        <p14:creationId xmlns="" xmlns:p14="http://schemas.microsoft.com/office/powerpoint/2010/main" val="2681693288"/>
       </p:ext>
     </p:extLst>
   </p:cSld>
@@ -20018,7 +20444,7 @@
     </p:spTree>
     <p:extLst>
       <p:ext uri="{BB962C8B-B14F-4D97-AF65-F5344CB8AC3E}">
-        <p14:creationId xmlns:p14="http://schemas.microsoft.com/office/powerpoint/2010/main" xmlns="" val="2857272158"/>
+        <p14:creationId xmlns="" xmlns:p14="http://schemas.microsoft.com/office/powerpoint/2010/main" val="2857272158"/>
       </p:ext>
     </p:extLst>
   </p:cSld>
@@ -20098,7 +20524,7 @@
           <a:blip r:embed="rId2" cstate="print">
             <a:extLst>
               <a:ext uri="{28A0092B-C50C-407E-A947-70E740481C1C}">
-                <a14:useLocalDpi xmlns:a14="http://schemas.microsoft.com/office/drawing/2010/main" xmlns="" val="0"/>
+                <a14:useLocalDpi xmlns="" xmlns:a14="http://schemas.microsoft.com/office/drawing/2010/main" val="0"/>
               </a:ext>
             </a:extLst>
           </a:blip>
@@ -20121,14 +20547,14 @@
           <a:effectLst/>
           <a:extLst>
             <a:ext uri="{909E8E84-426E-40DD-AFC4-6F175D3DCCD1}">
-              <a14:hiddenFill xmlns:a14="http://schemas.microsoft.com/office/drawing/2010/main" xmlns="">
+              <a14:hiddenFill xmlns="" xmlns:a14="http://schemas.microsoft.com/office/drawing/2010/main">
                 <a:solidFill>
                   <a:schemeClr val="accent1"/>
                 </a:solidFill>
               </a14:hiddenFill>
             </a:ext>
             <a:ext uri="{91240B29-F687-4F45-9708-019B960494DF}">
-              <a14:hiddenLine xmlns:a14="http://schemas.microsoft.com/office/drawing/2010/main" xmlns="" w="9525">
+              <a14:hiddenLine xmlns="" xmlns:a14="http://schemas.microsoft.com/office/drawing/2010/main" w="9525">
                 <a:solidFill>
                   <a:schemeClr val="tx1"/>
                 </a:solidFill>
@@ -20138,7 +20564,7 @@
               </a14:hiddenLine>
             </a:ext>
             <a:ext uri="{AF507438-7753-43E0-B8FC-AC1667EBCBE1}">
-              <a14:hiddenEffects xmlns:a14="http://schemas.microsoft.com/office/drawing/2010/main" xmlns="">
+              <a14:hiddenEffects xmlns="" xmlns:a14="http://schemas.microsoft.com/office/drawing/2010/main">
                 <a:effectLst>
                   <a:outerShdw dist="35921" dir="2700000" algn="ctr" rotWithShape="0">
                     <a:schemeClr val="bg2"/>
@@ -20423,7 +20849,7 @@
     </p:spTree>
     <p:extLst>
       <p:ext uri="{BB962C8B-B14F-4D97-AF65-F5344CB8AC3E}">
-        <p14:creationId xmlns:p14="http://schemas.microsoft.com/office/powerpoint/2010/main" xmlns="" val="3542583579"/>
+        <p14:creationId xmlns="" xmlns:p14="http://schemas.microsoft.com/office/powerpoint/2010/main" val="3542583579"/>
       </p:ext>
     </p:extLst>
   </p:cSld>

--- a/Dokumente/Abschlusspr�si/Abschlusspr�sentation.pptx
+++ b/Dokumente/Abschlusspr�si/Abschlusspr�sentation.pptx
@@ -5,50 +5,49 @@
     <p:sldMasterId id="2147483744" r:id="rId1"/>
   </p:sldMasterIdLst>
   <p:notesMasterIdLst>
-    <p:notesMasterId r:id="rId43"/>
+    <p:notesMasterId r:id="rId42"/>
   </p:notesMasterIdLst>
   <p:sldIdLst>
     <p:sldId id="256" r:id="rId2"/>
     <p:sldId id="259" r:id="rId3"/>
-    <p:sldId id="317" r:id="rId4"/>
-    <p:sldId id="295" r:id="rId5"/>
-    <p:sldId id="308" r:id="rId6"/>
-    <p:sldId id="304" r:id="rId7"/>
-    <p:sldId id="293" r:id="rId8"/>
-    <p:sldId id="260" r:id="rId9"/>
-    <p:sldId id="294" r:id="rId10"/>
-    <p:sldId id="326" r:id="rId11"/>
-    <p:sldId id="327" r:id="rId12"/>
-    <p:sldId id="330" r:id="rId13"/>
-    <p:sldId id="331" r:id="rId14"/>
-    <p:sldId id="328" r:id="rId15"/>
-    <p:sldId id="332" r:id="rId16"/>
-    <p:sldId id="329" r:id="rId17"/>
-    <p:sldId id="333" r:id="rId18"/>
-    <p:sldId id="342" r:id="rId19"/>
-    <p:sldId id="338" r:id="rId20"/>
-    <p:sldId id="339" r:id="rId21"/>
-    <p:sldId id="340" r:id="rId22"/>
-    <p:sldId id="298" r:id="rId23"/>
-    <p:sldId id="305" r:id="rId24"/>
-    <p:sldId id="297" r:id="rId25"/>
-    <p:sldId id="306" r:id="rId26"/>
-    <p:sldId id="341" r:id="rId27"/>
-    <p:sldId id="320" r:id="rId28"/>
-    <p:sldId id="321" r:id="rId29"/>
-    <p:sldId id="322" r:id="rId30"/>
-    <p:sldId id="323" r:id="rId31"/>
-    <p:sldId id="324" r:id="rId32"/>
-    <p:sldId id="325" r:id="rId33"/>
-    <p:sldId id="307" r:id="rId34"/>
-    <p:sldId id="316" r:id="rId35"/>
-    <p:sldId id="309" r:id="rId36"/>
-    <p:sldId id="301" r:id="rId37"/>
-    <p:sldId id="300" r:id="rId38"/>
-    <p:sldId id="303" r:id="rId39"/>
-    <p:sldId id="319" r:id="rId40"/>
-    <p:sldId id="290" r:id="rId41"/>
-    <p:sldId id="318" r:id="rId42"/>
+    <p:sldId id="295" r:id="rId4"/>
+    <p:sldId id="308" r:id="rId5"/>
+    <p:sldId id="304" r:id="rId6"/>
+    <p:sldId id="293" r:id="rId7"/>
+    <p:sldId id="260" r:id="rId8"/>
+    <p:sldId id="294" r:id="rId9"/>
+    <p:sldId id="326" r:id="rId10"/>
+    <p:sldId id="327" r:id="rId11"/>
+    <p:sldId id="330" r:id="rId12"/>
+    <p:sldId id="331" r:id="rId13"/>
+    <p:sldId id="328" r:id="rId14"/>
+    <p:sldId id="332" r:id="rId15"/>
+    <p:sldId id="329" r:id="rId16"/>
+    <p:sldId id="333" r:id="rId17"/>
+    <p:sldId id="342" r:id="rId18"/>
+    <p:sldId id="338" r:id="rId19"/>
+    <p:sldId id="339" r:id="rId20"/>
+    <p:sldId id="340" r:id="rId21"/>
+    <p:sldId id="298" r:id="rId22"/>
+    <p:sldId id="305" r:id="rId23"/>
+    <p:sldId id="297" r:id="rId24"/>
+    <p:sldId id="306" r:id="rId25"/>
+    <p:sldId id="341" r:id="rId26"/>
+    <p:sldId id="320" r:id="rId27"/>
+    <p:sldId id="321" r:id="rId28"/>
+    <p:sldId id="322" r:id="rId29"/>
+    <p:sldId id="323" r:id="rId30"/>
+    <p:sldId id="324" r:id="rId31"/>
+    <p:sldId id="325" r:id="rId32"/>
+    <p:sldId id="307" r:id="rId33"/>
+    <p:sldId id="316" r:id="rId34"/>
+    <p:sldId id="309" r:id="rId35"/>
+    <p:sldId id="301" r:id="rId36"/>
+    <p:sldId id="300" r:id="rId37"/>
+    <p:sldId id="303" r:id="rId38"/>
+    <p:sldId id="319" r:id="rId39"/>
+    <p:sldId id="290" r:id="rId40"/>
+    <p:sldId id="318" r:id="rId41"/>
   </p:sldIdLst>
   <p:sldSz cx="9144000" cy="6858000" type="screen4x3"/>
   <p:notesSz cx="6858000" cy="9144000"/>
@@ -410,7 +409,7 @@
     </p:spTree>
     <p:extLst>
       <p:ext uri="{BB962C8B-B14F-4D97-AF65-F5344CB8AC3E}">
-        <p14:creationId xmlns:p14="http://schemas.microsoft.com/office/powerpoint/2010/main" xmlns="" val="2610097957"/>
+        <p14:creationId xmlns:p14="http://schemas.microsoft.com/office/powerpoint/2010/main" val="2610097957"/>
       </p:ext>
     </p:extLst>
   </p:cSld>
@@ -585,7 +584,7 @@
     </p:spTree>
     <p:extLst>
       <p:ext uri="{BB962C8B-B14F-4D97-AF65-F5344CB8AC3E}">
-        <p14:creationId xmlns:p14="http://schemas.microsoft.com/office/powerpoint/2010/main" xmlns="" val="2116472317"/>
+        <p14:creationId xmlns:p14="http://schemas.microsoft.com/office/powerpoint/2010/main" val="2116472317"/>
       </p:ext>
     </p:extLst>
   </p:cSld>
@@ -682,7 +681,7 @@
     </p:spTree>
     <p:extLst>
       <p:ext uri="{BB962C8B-B14F-4D97-AF65-F5344CB8AC3E}">
-        <p14:creationId xmlns:p14="http://schemas.microsoft.com/office/powerpoint/2010/main" xmlns="" val="2934279750"/>
+        <p14:creationId xmlns:p14="http://schemas.microsoft.com/office/powerpoint/2010/main" val="2934279750"/>
       </p:ext>
     </p:extLst>
   </p:cSld>
@@ -779,7 +778,7 @@
     </p:spTree>
     <p:extLst>
       <p:ext uri="{BB962C8B-B14F-4D97-AF65-F5344CB8AC3E}">
-        <p14:creationId xmlns:p14="http://schemas.microsoft.com/office/powerpoint/2010/main" xmlns="" val="2934279750"/>
+        <p14:creationId xmlns:p14="http://schemas.microsoft.com/office/powerpoint/2010/main" val="2934279750"/>
       </p:ext>
     </p:extLst>
   </p:cSld>
@@ -835,15 +834,7 @@
           <a:p>
             <a:r>
               <a:rPr lang="de-DE" dirty="0" smtClean="0"/>
-              <a:t>Schwerpunkt der </a:t>
-            </a:r>
-            <a:r>
-              <a:rPr lang="de-DE" dirty="0" err="1" smtClean="0"/>
-              <a:t>Präsi</a:t>
-            </a:r>
-            <a:r>
-              <a:rPr lang="de-DE" baseline="0" dirty="0" smtClean="0"/>
-              <a:t> auf Anmelden und Event organisieren legen!</a:t>
+              <a:t>Grobe Architektur/Interaktion</a:t>
             </a:r>
             <a:endParaRPr lang="de-DE" dirty="0"/>
           </a:p>
@@ -876,7 +867,7 @@
     </p:spTree>
     <p:extLst>
       <p:ext uri="{BB962C8B-B14F-4D97-AF65-F5344CB8AC3E}">
-        <p14:creationId xmlns:p14="http://schemas.microsoft.com/office/powerpoint/2010/main" xmlns="" val="2934279750"/>
+        <p14:creationId xmlns:p14="http://schemas.microsoft.com/office/powerpoint/2010/main" val="135288531"/>
       </p:ext>
     </p:extLst>
   </p:cSld>
@@ -932,7 +923,11 @@
           <a:p>
             <a:r>
               <a:rPr lang="de-DE" dirty="0" smtClean="0"/>
-              <a:t>Grobe Architektur/Interaktion</a:t>
+              <a:t>Konkretes Beispiel zur vorherigen</a:t>
+            </a:r>
+            <a:r>
+              <a:rPr lang="de-DE" baseline="0" dirty="0" smtClean="0"/>
+              <a:t> Darstellung</a:t>
             </a:r>
             <a:endParaRPr lang="de-DE" dirty="0"/>
           </a:p>
@@ -965,7 +960,7 @@
     </p:spTree>
     <p:extLst>
       <p:ext uri="{BB962C8B-B14F-4D97-AF65-F5344CB8AC3E}">
-        <p14:creationId xmlns:p14="http://schemas.microsoft.com/office/powerpoint/2010/main" xmlns="" val="135288531"/>
+        <p14:creationId xmlns:p14="http://schemas.microsoft.com/office/powerpoint/2010/main" val="2825845930"/>
       </p:ext>
     </p:extLst>
   </p:cSld>
@@ -1021,12 +1016,20 @@
           <a:p>
             <a:r>
               <a:rPr lang="de-DE" dirty="0" smtClean="0"/>
-              <a:t>Konkretes Beispiel zur vorherigen</a:t>
+              <a:t>Vorstellen:</a:t>
+            </a:r>
+          </a:p>
+          <a:p>
+            <a:r>
+              <a:rPr lang="de-DE" dirty="0" smtClean="0"/>
+              <a:t>Login</a:t>
             </a:r>
             <a:r>
               <a:rPr lang="de-DE" baseline="0" dirty="0" smtClean="0"/>
-              <a:t> Darstellung</a:t>
-            </a:r>
+              <a:t> -&gt; Ablauf Sequenzdiagramm praktisch zeigen</a:t>
+            </a:r>
+          </a:p>
+          <a:p>
             <a:endParaRPr lang="de-DE" dirty="0"/>
           </a:p>
         </p:txBody>
@@ -1058,7 +1061,7 @@
     </p:spTree>
     <p:extLst>
       <p:ext uri="{BB962C8B-B14F-4D97-AF65-F5344CB8AC3E}">
-        <p14:creationId xmlns:p14="http://schemas.microsoft.com/office/powerpoint/2010/main" xmlns="" val="2825845930"/>
+        <p14:creationId xmlns:p14="http://schemas.microsoft.com/office/powerpoint/2010/main" val="3912581999"/>
       </p:ext>
     </p:extLst>
   </p:cSld>
@@ -1114,20 +1117,52 @@
           <a:p>
             <a:r>
               <a:rPr lang="de-DE" dirty="0" smtClean="0"/>
-              <a:t>Vorstellen:</a:t>
-            </a:r>
-          </a:p>
-          <a:p>
-            <a:r>
-              <a:rPr lang="de-DE" dirty="0" smtClean="0"/>
-              <a:t>Login</a:t>
+              <a:t>Blau: Event </a:t>
+            </a:r>
+            <a:r>
+              <a:rPr lang="de-DE" dirty="0" err="1" smtClean="0"/>
+              <a:t>anlage</a:t>
+            </a:r>
+            <a:endParaRPr lang="de-DE" dirty="0" smtClean="0"/>
+          </a:p>
+          <a:p>
+            <a:r>
+              <a:rPr lang="de-DE" dirty="0" smtClean="0"/>
+              <a:t>DB Table Event, </a:t>
+            </a:r>
+            <a:r>
+              <a:rPr lang="de-DE" dirty="0" err="1" smtClean="0"/>
+              <a:t>normaliserte</a:t>
             </a:r>
             <a:r>
               <a:rPr lang="de-DE" baseline="0" dirty="0" smtClean="0"/>
-              <a:t> -&gt; Ablauf Sequenzdiagramm praktisch zeigen</a:t>
-            </a:r>
-          </a:p>
-          <a:p>
+              <a:t> Teilnehmerliste und Ort</a:t>
+            </a:r>
+          </a:p>
+          <a:p>
+            <a:endParaRPr lang="de-DE" baseline="0" dirty="0" smtClean="0"/>
+          </a:p>
+          <a:p>
+            <a:r>
+              <a:rPr lang="de-DE" baseline="0" dirty="0" smtClean="0"/>
+              <a:t>Rot: Login Verknüpfung Session ID aus </a:t>
+            </a:r>
+            <a:r>
+              <a:rPr lang="de-DE" baseline="0" dirty="0" err="1" smtClean="0"/>
+              <a:t>oAuth</a:t>
+            </a:r>
+            <a:r>
+              <a:rPr lang="de-DE" baseline="0" dirty="0" smtClean="0"/>
+              <a:t>, Grunddaten (</a:t>
+            </a:r>
+            <a:r>
+              <a:rPr lang="de-DE" baseline="0" dirty="0" err="1" smtClean="0"/>
+              <a:t>name</a:t>
+            </a:r>
+            <a:r>
+              <a:rPr lang="de-DE" baseline="0" dirty="0" smtClean="0"/>
+              <a:t>, E-Mail-Adresse etc.) werden ausgelesen und persistent gespeichert.</a:t>
+            </a:r>
             <a:endParaRPr lang="de-DE" dirty="0"/>
           </a:p>
         </p:txBody>
@@ -1159,7 +1194,7 @@
     </p:spTree>
     <p:extLst>
       <p:ext uri="{BB962C8B-B14F-4D97-AF65-F5344CB8AC3E}">
-        <p14:creationId xmlns:p14="http://schemas.microsoft.com/office/powerpoint/2010/main" xmlns="" val="3912581999"/>
+        <p14:creationId xmlns:p14="http://schemas.microsoft.com/office/powerpoint/2010/main" val="802076649"/>
       </p:ext>
     </p:extLst>
   </p:cSld>
@@ -1283,7 +1318,7 @@
             <a:fld id="{F7EBFB8C-BBFF-4397-A51C-1E92596422A9}" type="slidenum">
               <a:rPr lang="en-US" smtClean="0"/>
               <a:pPr/>
-              <a:t>25</a:t>
+              <a:t>26</a:t>
             </a:fld>
             <a:endParaRPr lang="en-US" dirty="0"/>
           </a:p>
@@ -1292,7 +1327,7 @@
     </p:spTree>
     <p:extLst>
       <p:ext uri="{BB962C8B-B14F-4D97-AF65-F5344CB8AC3E}">
-        <p14:creationId xmlns:p14="http://schemas.microsoft.com/office/powerpoint/2010/main" xmlns="" val="802076649"/>
+        <p14:creationId xmlns:p14="http://schemas.microsoft.com/office/powerpoint/2010/main" val="802076649"/>
       </p:ext>
     </p:extLst>
   </p:cSld>
@@ -1425,7 +1460,7 @@
     </p:spTree>
     <p:extLst>
       <p:ext uri="{BB962C8B-B14F-4D97-AF65-F5344CB8AC3E}">
-        <p14:creationId xmlns:p14="http://schemas.microsoft.com/office/powerpoint/2010/main" xmlns="" val="802076649"/>
+        <p14:creationId xmlns:p14="http://schemas.microsoft.com/office/powerpoint/2010/main" val="802076649"/>
       </p:ext>
     </p:extLst>
   </p:cSld>
@@ -1558,7 +1593,7 @@
     </p:spTree>
     <p:extLst>
       <p:ext uri="{BB962C8B-B14F-4D97-AF65-F5344CB8AC3E}">
-        <p14:creationId xmlns:p14="http://schemas.microsoft.com/office/powerpoint/2010/main" xmlns="" val="802076649"/>
+        <p14:creationId xmlns:p14="http://schemas.microsoft.com/office/powerpoint/2010/main" val="802076649"/>
       </p:ext>
     </p:extLst>
   </p:cSld>
@@ -1691,7 +1726,7 @@
     </p:spTree>
     <p:extLst>
       <p:ext uri="{BB962C8B-B14F-4D97-AF65-F5344CB8AC3E}">
-        <p14:creationId xmlns:p14="http://schemas.microsoft.com/office/powerpoint/2010/main" xmlns="" val="802076649"/>
+        <p14:creationId xmlns:p14="http://schemas.microsoft.com/office/powerpoint/2010/main" val="802076649"/>
       </p:ext>
     </p:extLst>
   </p:cSld>
@@ -2016,7 +2051,7 @@
     </p:spTree>
     <p:extLst>
       <p:ext uri="{BB962C8B-B14F-4D97-AF65-F5344CB8AC3E}">
-        <p14:creationId xmlns:p14="http://schemas.microsoft.com/office/powerpoint/2010/main" xmlns="" val="517533983"/>
+        <p14:creationId xmlns:p14="http://schemas.microsoft.com/office/powerpoint/2010/main" val="517533983"/>
       </p:ext>
     </p:extLst>
   </p:cSld>
@@ -2149,7 +2184,7 @@
     </p:spTree>
     <p:extLst>
       <p:ext uri="{BB962C8B-B14F-4D97-AF65-F5344CB8AC3E}">
-        <p14:creationId xmlns:p14="http://schemas.microsoft.com/office/powerpoint/2010/main" xmlns="" val="802076649"/>
+        <p14:creationId xmlns:p14="http://schemas.microsoft.com/office/powerpoint/2010/main" val="802076649"/>
       </p:ext>
     </p:extLst>
   </p:cSld>
@@ -2282,7 +2317,7 @@
     </p:spTree>
     <p:extLst>
       <p:ext uri="{BB962C8B-B14F-4D97-AF65-F5344CB8AC3E}">
-        <p14:creationId xmlns:p14="http://schemas.microsoft.com/office/powerpoint/2010/main" xmlns="" val="802076649"/>
+        <p14:creationId xmlns:p14="http://schemas.microsoft.com/office/powerpoint/2010/main" val="802076649"/>
       </p:ext>
     </p:extLst>
   </p:cSld>
@@ -2333,57 +2368,135 @@
         </p:nvSpPr>
         <p:spPr/>
         <p:txBody>
-          <a:bodyPr/>
-          <a:lstStyle/>
-          <a:p>
-            <a:r>
-              <a:rPr lang="de-DE" dirty="0" smtClean="0"/>
-              <a:t>Blau: Event </a:t>
-            </a:r>
+          <a:bodyPr>
+            <a:normAutofit fontScale="70000" lnSpcReduction="20000"/>
+          </a:bodyPr>
+          <a:lstStyle/>
+          <a:p>
             <a:r>
               <a:rPr lang="de-DE" dirty="0" err="1" smtClean="0"/>
-              <a:t>anlage</a:t>
-            </a:r>
-            <a:endParaRPr lang="de-DE" dirty="0" smtClean="0"/>
-          </a:p>
-          <a:p>
-            <a:r>
-              <a:rPr lang="de-DE" dirty="0" smtClean="0"/>
-              <a:t>DB Table Event, </a:t>
-            </a:r>
-            <a:r>
-              <a:rPr lang="de-DE" dirty="0" err="1" smtClean="0"/>
-              <a:t>normaliserte</a:t>
-            </a:r>
-            <a:r>
-              <a:rPr lang="de-DE" baseline="0" dirty="0" smtClean="0"/>
-              <a:t> Teilnehmerliste und Ort</a:t>
-            </a:r>
-          </a:p>
-          <a:p>
-            <a:endParaRPr lang="de-DE" baseline="0" dirty="0" smtClean="0"/>
-          </a:p>
-          <a:p>
-            <a:r>
-              <a:rPr lang="de-DE" baseline="0" dirty="0" smtClean="0"/>
-              <a:t>Rot: Login Verknüpfung Session ID aus </a:t>
-            </a:r>
-            <a:r>
-              <a:rPr lang="de-DE" baseline="0" dirty="0" err="1" smtClean="0"/>
-              <a:t>oAuth</a:t>
-            </a:r>
-            <a:r>
-              <a:rPr lang="de-DE" baseline="0" dirty="0" smtClean="0"/>
-              <a:t>, Grunddaten (</a:t>
-            </a:r>
-            <a:r>
-              <a:rPr lang="de-DE" baseline="0" dirty="0" err="1" smtClean="0"/>
-              <a:t>name</a:t>
-            </a:r>
-            <a:r>
-              <a:rPr lang="de-DE" baseline="0" dirty="0" smtClean="0"/>
-              <a:t>, E-Mail-Adresse etc.) werden ausgelesen und persistent gespeichert.</a:t>
-            </a:r>
+              <a:t>ÄUßERE</a:t>
+            </a:r>
+            <a:r>
+              <a:rPr lang="de-DE" dirty="0" smtClean="0"/>
+              <a:t> UND INNERE QUALITÄT	</a:t>
+            </a:r>
+          </a:p>
+          <a:p>
+            <a:r>
+              <a:rPr lang="de-DE" dirty="0" smtClean="0"/>
+              <a:t>	Funktionalität	</a:t>
+            </a:r>
+          </a:p>
+          <a:p>
+            <a:r>
+              <a:rPr lang="de-DE" dirty="0" smtClean="0"/>
+              <a:t>	Zuverlässigkeit	</a:t>
+            </a:r>
+          </a:p>
+          <a:p>
+            <a:r>
+              <a:rPr lang="de-DE" dirty="0" smtClean="0"/>
+              <a:t>	Benutzbarkeit	</a:t>
+            </a:r>
+          </a:p>
+          <a:p>
+            <a:r>
+              <a:rPr lang="de-DE" dirty="0" smtClean="0"/>
+              <a:t>	Effizienz	</a:t>
+            </a:r>
+          </a:p>
+          <a:p>
+            <a:r>
+              <a:rPr lang="de-DE" dirty="0" smtClean="0"/>
+              <a:t>	Wartbarkeit	</a:t>
+            </a:r>
+          </a:p>
+          <a:p>
+            <a:r>
+              <a:rPr lang="de-DE" dirty="0" smtClean="0"/>
+              <a:t>	Portabilität	</a:t>
+            </a:r>
+          </a:p>
+          <a:p>
+            <a:r>
+              <a:rPr lang="de-DE" dirty="0" smtClean="0"/>
+              <a:t>GEBRAUCHSTAUGLICHKEIT	</a:t>
+            </a:r>
+          </a:p>
+          <a:p>
+            <a:r>
+              <a:rPr lang="de-DE" dirty="0" smtClean="0"/>
+              <a:t>	Effektivität	</a:t>
+            </a:r>
+          </a:p>
+          <a:p>
+            <a:r>
+              <a:rPr lang="de-DE" dirty="0" smtClean="0"/>
+              <a:t>	Produktivität	</a:t>
+            </a:r>
+          </a:p>
+          <a:p>
+            <a:r>
+              <a:rPr lang="de-DE" dirty="0" smtClean="0"/>
+              <a:t>	Sicherheit	</a:t>
+            </a:r>
+          </a:p>
+          <a:p>
+            <a:r>
+              <a:rPr lang="de-DE" dirty="0" smtClean="0"/>
+              <a:t>	Zufriedenheit	</a:t>
+            </a:r>
+          </a:p>
+          <a:p>
+            <a:r>
+              <a:rPr lang="de-DE" dirty="0" smtClean="0"/>
+              <a:t>TECHNISCHE ANFORDERUNGEN	</a:t>
+            </a:r>
+          </a:p>
+          <a:p>
+            <a:r>
+              <a:rPr lang="de-DE" dirty="0" smtClean="0"/>
+              <a:t>	Einsatzumgebung	</a:t>
+            </a:r>
+          </a:p>
+          <a:p>
+            <a:r>
+              <a:rPr lang="de-DE" dirty="0" smtClean="0"/>
+              <a:t>	Entwicklungsumgebung	</a:t>
+            </a:r>
+          </a:p>
+          <a:p>
+            <a:r>
+              <a:rPr lang="de-DE" dirty="0" smtClean="0"/>
+              <a:t>LIEFERUMFANG	</a:t>
+            </a:r>
+          </a:p>
+          <a:p>
+            <a:r>
+              <a:rPr lang="de-DE" dirty="0" smtClean="0"/>
+              <a:t>	Ausführbare Programme	</a:t>
+            </a:r>
+          </a:p>
+          <a:p>
+            <a:r>
+              <a:rPr lang="de-DE" dirty="0" smtClean="0"/>
+              <a:t>	Quellcode	</a:t>
+            </a:r>
+          </a:p>
+          <a:p>
+            <a:r>
+              <a:rPr lang="de-DE" dirty="0" smtClean="0"/>
+              <a:t>	Dokumentation	</a:t>
+            </a:r>
+          </a:p>
+          <a:p>
+            <a:r>
+              <a:rPr lang="de-DE" dirty="0" smtClean="0"/>
+              <a:t>	Daten	</a:t>
+            </a:r>
+          </a:p>
+          <a:p>
             <a:endParaRPr lang="de-DE" dirty="0"/>
           </a:p>
         </p:txBody>
@@ -2415,7 +2528,7 @@
     </p:spTree>
     <p:extLst>
       <p:ext uri="{BB962C8B-B14F-4D97-AF65-F5344CB8AC3E}">
-        <p14:creationId xmlns:p14="http://schemas.microsoft.com/office/powerpoint/2010/main" xmlns="" val="802076649"/>
+        <p14:creationId xmlns:p14="http://schemas.microsoft.com/office/powerpoint/2010/main" val="1629754142"/>
       </p:ext>
     </p:extLst>
   </p:cSld>
@@ -2466,135 +2579,49 @@
         </p:nvSpPr>
         <p:spPr/>
         <p:txBody>
-          <a:bodyPr>
-            <a:normAutofit fontScale="70000" lnSpcReduction="20000"/>
-          </a:bodyPr>
-          <a:lstStyle/>
-          <a:p>
+          <a:bodyPr/>
+          <a:lstStyle/>
+          <a:p>
+            <a:r>
+              <a:rPr lang="de-DE" dirty="0" smtClean="0"/>
+              <a:t>Zeitplan</a:t>
+            </a:r>
+          </a:p>
+          <a:p>
+            <a:r>
+              <a:rPr lang="de-DE" dirty="0" smtClean="0"/>
+              <a:t>Fokus aus </a:t>
+            </a:r>
             <a:r>
               <a:rPr lang="de-DE" dirty="0" err="1" smtClean="0"/>
-              <a:t>ÄUßERE</a:t>
-            </a:r>
-            <a:r>
-              <a:rPr lang="de-DE" dirty="0" smtClean="0"/>
-              <a:t> UND INNERE QUALITÄT	</a:t>
-            </a:r>
-          </a:p>
-          <a:p>
-            <a:r>
-              <a:rPr lang="de-DE" dirty="0" smtClean="0"/>
-              <a:t>	Funktionalität	</a:t>
-            </a:r>
-          </a:p>
-          <a:p>
-            <a:r>
-              <a:rPr lang="de-DE" dirty="0" smtClean="0"/>
-              <a:t>	Zuverlässigkeit	</a:t>
-            </a:r>
-          </a:p>
-          <a:p>
-            <a:r>
-              <a:rPr lang="de-DE" dirty="0" smtClean="0"/>
-              <a:t>	Benutzbarkeit	</a:t>
-            </a:r>
-          </a:p>
-          <a:p>
-            <a:r>
-              <a:rPr lang="de-DE" dirty="0" smtClean="0"/>
-              <a:t>	Effizienz	</a:t>
-            </a:r>
-          </a:p>
-          <a:p>
-            <a:r>
-              <a:rPr lang="de-DE" dirty="0" smtClean="0"/>
-              <a:t>	Wartbarkeit	</a:t>
-            </a:r>
-          </a:p>
-          <a:p>
-            <a:r>
-              <a:rPr lang="de-DE" dirty="0" smtClean="0"/>
-              <a:t>	Portabilität	</a:t>
-            </a:r>
-          </a:p>
-          <a:p>
-            <a:r>
-              <a:rPr lang="de-DE" dirty="0" smtClean="0"/>
-              <a:t>GEBRAUCHSTAUGLICHKEIT	</a:t>
-            </a:r>
-          </a:p>
-          <a:p>
-            <a:r>
-              <a:rPr lang="de-DE" dirty="0" smtClean="0"/>
-              <a:t>	Effektivität	</a:t>
-            </a:r>
-          </a:p>
-          <a:p>
-            <a:r>
-              <a:rPr lang="de-DE" dirty="0" smtClean="0"/>
-              <a:t>	Produktivität	</a:t>
-            </a:r>
-          </a:p>
-          <a:p>
-            <a:r>
-              <a:rPr lang="de-DE" dirty="0" smtClean="0"/>
-              <a:t>	Sicherheit	</a:t>
-            </a:r>
-          </a:p>
-          <a:p>
-            <a:r>
-              <a:rPr lang="de-DE" dirty="0" smtClean="0"/>
-              <a:t>	Zufriedenheit	</a:t>
-            </a:r>
-          </a:p>
-          <a:p>
-            <a:r>
-              <a:rPr lang="de-DE" dirty="0" smtClean="0"/>
-              <a:t>TECHNISCHE ANFORDERUNGEN	</a:t>
-            </a:r>
-          </a:p>
-          <a:p>
-            <a:r>
-              <a:rPr lang="de-DE" dirty="0" smtClean="0"/>
-              <a:t>	Einsatzumgebung	</a:t>
-            </a:r>
-          </a:p>
-          <a:p>
-            <a:r>
-              <a:rPr lang="de-DE" dirty="0" smtClean="0"/>
-              <a:t>	Entwicklungsumgebung	</a:t>
-            </a:r>
-          </a:p>
-          <a:p>
-            <a:r>
-              <a:rPr lang="de-DE" dirty="0" smtClean="0"/>
-              <a:t>LIEFERUMFANG	</a:t>
-            </a:r>
-          </a:p>
-          <a:p>
-            <a:r>
-              <a:rPr lang="de-DE" dirty="0" smtClean="0"/>
-              <a:t>	Ausführbare Programme	</a:t>
-            </a:r>
-          </a:p>
-          <a:p>
-            <a:r>
-              <a:rPr lang="de-DE" dirty="0" smtClean="0"/>
-              <a:t>	Quellcode	</a:t>
-            </a:r>
-          </a:p>
-          <a:p>
-            <a:r>
-              <a:rPr lang="de-DE" dirty="0" smtClean="0"/>
-              <a:t>	Dokumentation	</a:t>
-            </a:r>
-          </a:p>
-          <a:p>
-            <a:r>
-              <a:rPr lang="de-DE" dirty="0" smtClean="0"/>
-              <a:t>	Daten	</a:t>
-            </a:r>
-          </a:p>
-          <a:p>
+              <a:t>Inception</a:t>
+            </a:r>
+            <a:r>
+              <a:rPr lang="de-DE" dirty="0" smtClean="0"/>
+              <a:t> / Elaboration</a:t>
+            </a:r>
+          </a:p>
+          <a:p>
+            <a:r>
+              <a:rPr lang="de-DE" dirty="0" smtClean="0"/>
+              <a:t>Aufgrund der Enge des Zeitplans jeweils zwei Iterationen mit</a:t>
+            </a:r>
+            <a:r>
+              <a:rPr lang="de-DE" baseline="0" dirty="0" smtClean="0"/>
+              <a:t> festen Reviews der Ergebnisse etc.</a:t>
+            </a:r>
+          </a:p>
+          <a:p>
+            <a:r>
+              <a:rPr lang="de-DE" baseline="0" dirty="0" smtClean="0"/>
+              <a:t>Aber auch: RUP! Jederzeit auch bei kleineren Änderungen/Feststellungen usw. Überarbeitung.</a:t>
+            </a:r>
+          </a:p>
+          <a:p>
+            <a:r>
+              <a:rPr lang="de-DE" baseline="0" dirty="0" smtClean="0"/>
+              <a:t>Ziel: 11.06. eine prototypische Implementierung der Plattform fertigstellen</a:t>
+            </a:r>
             <a:endParaRPr lang="de-DE" dirty="0"/>
           </a:p>
         </p:txBody>
@@ -2617,7 +2644,7 @@
             <a:fld id="{F7EBFB8C-BBFF-4397-A51C-1E92596422A9}" type="slidenum">
               <a:rPr lang="en-US" smtClean="0"/>
               <a:pPr/>
-              <a:t>33</a:t>
+              <a:t>34</a:t>
             </a:fld>
             <a:endParaRPr lang="en-US" dirty="0"/>
           </a:p>
@@ -2626,7 +2653,7 @@
     </p:spTree>
     <p:extLst>
       <p:ext uri="{BB962C8B-B14F-4D97-AF65-F5344CB8AC3E}">
-        <p14:creationId xmlns:p14="http://schemas.microsoft.com/office/powerpoint/2010/main" xmlns="" val="1629754142"/>
+        <p14:creationId xmlns:p14="http://schemas.microsoft.com/office/powerpoint/2010/main" val="3931682397"/>
       </p:ext>
     </p:extLst>
   </p:cSld>
@@ -2751,7 +2778,7 @@
     </p:spTree>
     <p:extLst>
       <p:ext uri="{BB962C8B-B14F-4D97-AF65-F5344CB8AC3E}">
-        <p14:creationId xmlns:p14="http://schemas.microsoft.com/office/powerpoint/2010/main" xmlns="" val="3931682397"/>
+        <p14:creationId xmlns:p14="http://schemas.microsoft.com/office/powerpoint/2010/main" val="3931682397"/>
       </p:ext>
     </p:extLst>
   </p:cSld>
@@ -2802,49 +2829,11 @@
         </p:nvSpPr>
         <p:spPr/>
         <p:txBody>
-          <a:bodyPr/>
-          <a:lstStyle/>
-          <a:p>
-            <a:r>
-              <a:rPr lang="de-DE" dirty="0" smtClean="0"/>
-              <a:t>Zeitplan</a:t>
-            </a:r>
-          </a:p>
-          <a:p>
-            <a:r>
-              <a:rPr lang="de-DE" dirty="0" smtClean="0"/>
-              <a:t>Fokus aus </a:t>
-            </a:r>
-            <a:r>
-              <a:rPr lang="de-DE" dirty="0" err="1" smtClean="0"/>
-              <a:t>Inception</a:t>
-            </a:r>
-            <a:r>
-              <a:rPr lang="de-DE" dirty="0" smtClean="0"/>
-              <a:t> / Elaboration</a:t>
-            </a:r>
-          </a:p>
-          <a:p>
-            <a:r>
-              <a:rPr lang="de-DE" dirty="0" smtClean="0"/>
-              <a:t>Aufgrund der Enge des Zeitplans jeweils zwei Iterationen mit</a:t>
-            </a:r>
-            <a:r>
-              <a:rPr lang="de-DE" baseline="0" dirty="0" smtClean="0"/>
-              <a:t> festen Reviews der Ergebnisse etc.</a:t>
-            </a:r>
-          </a:p>
-          <a:p>
-            <a:r>
-              <a:rPr lang="de-DE" baseline="0" dirty="0" smtClean="0"/>
-              <a:t>Aber auch: RUP! Jederzeit auch bei kleineren Änderungen/Feststellungen usw. Überarbeitung.</a:t>
-            </a:r>
-          </a:p>
-          <a:p>
-            <a:r>
-              <a:rPr lang="de-DE" baseline="0" dirty="0" smtClean="0"/>
-              <a:t>Ziel: 11.06. eine prototypische Implementierung der Plattform fertigstellen</a:t>
-            </a:r>
+          <a:bodyPr>
+            <a:normAutofit/>
+          </a:bodyPr>
+          <a:lstStyle/>
+          <a:p>
             <a:endParaRPr lang="de-DE" dirty="0"/>
           </a:p>
         </p:txBody>
@@ -2864,21 +2853,16 @@
           <a:bodyPr/>
           <a:lstStyle/>
           <a:p>
-            <a:fld id="{F7EBFB8C-BBFF-4397-A51C-1E92596422A9}" type="slidenum">
-              <a:rPr lang="en-US" smtClean="0"/>
+            <a:fld id="{1EBFF01C-F984-4A51-AF10-254043F7C542}" type="slidenum">
+              <a:rPr lang="de-DE" smtClean="0"/>
               <a:pPr/>
-              <a:t>36</a:t>
+              <a:t>37</a:t>
             </a:fld>
-            <a:endParaRPr lang="en-US" dirty="0"/>
+            <a:endParaRPr lang="de-DE"/>
           </a:p>
         </p:txBody>
       </p:sp>
     </p:spTree>
-    <p:extLst>
-      <p:ext uri="{BB962C8B-B14F-4D97-AF65-F5344CB8AC3E}">
-        <p14:creationId xmlns:p14="http://schemas.microsoft.com/office/powerpoint/2010/main" xmlns="" val="3931682397"/>
-      </p:ext>
-    </p:extLst>
   </p:cSld>
   <p:clrMapOvr>
     <a:masterClrMapping/>
@@ -2927,11 +2911,209 @@
         </p:nvSpPr>
         <p:spPr/>
         <p:txBody>
-          <a:bodyPr>
-            <a:normAutofit/>
-          </a:bodyPr>
-          <a:lstStyle/>
-          <a:p>
+          <a:bodyPr/>
+          <a:lstStyle/>
+          <a:p>
+            <a:r>
+              <a:rPr lang="de-DE" dirty="0" smtClean="0"/>
+              <a:t>Zu </a:t>
+            </a:r>
+            <a:r>
+              <a:rPr lang="de-DE" dirty="0" err="1" smtClean="0"/>
+              <a:t>git</a:t>
+            </a:r>
+            <a:r>
+              <a:rPr lang="de-DE" dirty="0" smtClean="0"/>
+              <a:t>:</a:t>
+            </a:r>
+          </a:p>
+          <a:p>
+            <a:r>
+              <a:rPr lang="de-DE" dirty="0" smtClean="0"/>
+              <a:t>	Dateikonflikte aufwändiges</a:t>
+            </a:r>
+            <a:r>
+              <a:rPr lang="de-DE" baseline="0" dirty="0" smtClean="0"/>
+              <a:t> ein-/auschecken, mit </a:t>
+            </a:r>
+            <a:r>
+              <a:rPr lang="de-DE" baseline="0" dirty="0" err="1" smtClean="0"/>
+              <a:t>dropbox</a:t>
+            </a:r>
+            <a:r>
+              <a:rPr lang="de-DE" baseline="0" dirty="0" smtClean="0"/>
+              <a:t> und </a:t>
+            </a:r>
+            <a:r>
+              <a:rPr lang="de-DE" baseline="0" dirty="0" err="1" smtClean="0"/>
+              <a:t>co</a:t>
+            </a:r>
+            <a:r>
+              <a:rPr lang="de-DE" baseline="0" dirty="0" smtClean="0"/>
+              <a:t> on </a:t>
+            </a:r>
+            <a:r>
+              <a:rPr lang="de-DE" baseline="0" dirty="0" err="1" smtClean="0"/>
+              <a:t>the</a:t>
+            </a:r>
+            <a:r>
+              <a:rPr lang="de-DE" baseline="0" dirty="0" smtClean="0"/>
+              <a:t> </a:t>
+            </a:r>
+            <a:r>
+              <a:rPr lang="de-DE" baseline="0" dirty="0" err="1" smtClean="0"/>
+              <a:t>fly</a:t>
+            </a:r>
+            <a:r>
+              <a:rPr lang="de-DE" baseline="0" dirty="0" smtClean="0"/>
+              <a:t>, automatisch im Hintergrund.</a:t>
+            </a:r>
+          </a:p>
+          <a:p>
+            <a:r>
+              <a:rPr lang="de-DE" baseline="0" dirty="0" smtClean="0"/>
+              <a:t>	evtl. zu früh auf ein Tool festgelegt, oder besser zwei? (</a:t>
+            </a:r>
+            <a:r>
+              <a:rPr lang="de-DE" baseline="0" dirty="0" err="1" smtClean="0"/>
+              <a:t>dropbox</a:t>
+            </a:r>
+            <a:r>
+              <a:rPr lang="de-DE" baseline="0" dirty="0" smtClean="0"/>
+              <a:t> für Dokumente, </a:t>
+            </a:r>
+            <a:r>
+              <a:rPr lang="de-DE" baseline="0" dirty="0" err="1" smtClean="0"/>
+              <a:t>gitHub</a:t>
+            </a:r>
+            <a:r>
+              <a:rPr lang="de-DE" baseline="0" dirty="0" smtClean="0"/>
+              <a:t> für </a:t>
+            </a:r>
+            <a:r>
+              <a:rPr lang="de-DE" baseline="0" dirty="0" err="1" smtClean="0"/>
+              <a:t>Sourcen</a:t>
+            </a:r>
+            <a:r>
+              <a:rPr lang="de-DE" baseline="0" dirty="0" smtClean="0"/>
+              <a:t>)</a:t>
+            </a:r>
+          </a:p>
+          <a:p>
+            <a:r>
+              <a:rPr lang="de-DE" baseline="0" dirty="0" err="1" smtClean="0"/>
+              <a:t>Projektmgm</a:t>
+            </a:r>
+            <a:endParaRPr lang="de-DE" baseline="0" dirty="0" smtClean="0"/>
+          </a:p>
+          <a:p>
+            <a:r>
+              <a:rPr lang="de-DE" baseline="0" dirty="0" smtClean="0"/>
+              <a:t>	Aufgaben stärker </a:t>
+            </a:r>
+            <a:r>
+              <a:rPr lang="de-DE" baseline="0" dirty="0" err="1" smtClean="0"/>
+              <a:t>tracken</a:t>
+            </a:r>
+            <a:r>
+              <a:rPr lang="de-DE" baseline="0" dirty="0" smtClean="0"/>
+              <a:t>, ggf. „</a:t>
+            </a:r>
+            <a:r>
+              <a:rPr lang="de-DE" baseline="0" dirty="0" err="1" smtClean="0"/>
+              <a:t>cut</a:t>
+            </a:r>
+            <a:r>
+              <a:rPr lang="de-DE" baseline="0" dirty="0" smtClean="0"/>
+              <a:t>“ (bei Vertiefung in nicht notwendigen Details (z.B. Risikoanalyse, Wirtschaftlichkeitsbetrachtung)</a:t>
+            </a:r>
+          </a:p>
+          <a:p>
+            <a:endParaRPr lang="de-DE" dirty="0" smtClean="0"/>
+          </a:p>
+          <a:p>
+            <a:r>
+              <a:rPr lang="de-DE" dirty="0" err="1" smtClean="0"/>
+              <a:t>Workload</a:t>
+            </a:r>
+            <a:endParaRPr lang="de-DE" dirty="0" smtClean="0"/>
+          </a:p>
+          <a:p>
+            <a:r>
+              <a:rPr lang="de-DE" dirty="0" smtClean="0"/>
+              <a:t>	</a:t>
+            </a:r>
+            <a:r>
+              <a:rPr lang="de-DE" dirty="0" err="1" smtClean="0"/>
+              <a:t>Höhrer</a:t>
+            </a:r>
+            <a:r>
+              <a:rPr lang="de-DE" dirty="0" smtClean="0"/>
+              <a:t> Aufwand als erwartet, zusätzlicher stress neben der Arbeit. Risikofaktor,</a:t>
+            </a:r>
+            <a:r>
+              <a:rPr lang="de-DE" baseline="0" dirty="0" smtClean="0"/>
+              <a:t> da alle beim gleichen Unternehmen arbeiten (viel zu tun (</a:t>
+            </a:r>
+            <a:r>
+              <a:rPr lang="de-DE" baseline="0" dirty="0" err="1" smtClean="0"/>
+              <a:t>arbeit</a:t>
+            </a:r>
+            <a:r>
+              <a:rPr lang="de-DE" baseline="0" dirty="0" smtClean="0"/>
+              <a:t>) </a:t>
+            </a:r>
+            <a:r>
+              <a:rPr lang="de-DE" baseline="0" dirty="0" smtClean="0">
+                <a:sym typeface="Wingdings" pitchFamily="2" charset="2"/>
+              </a:rPr>
+              <a:t> weniger Zeit (Projekt))</a:t>
+            </a:r>
+            <a:endParaRPr lang="de-DE" dirty="0" smtClean="0"/>
+          </a:p>
+          <a:p>
+            <a:r>
+              <a:rPr lang="de-DE" dirty="0" err="1" smtClean="0"/>
+              <a:t>PeerReview</a:t>
+            </a:r>
+            <a:r>
+              <a:rPr lang="de-DE" dirty="0" smtClean="0"/>
+              <a:t>:</a:t>
+            </a:r>
+          </a:p>
+          <a:p>
+            <a:r>
+              <a:rPr lang="de-DE" dirty="0" smtClean="0"/>
+              <a:t>	Hilfreich eine zweite unabhängige</a:t>
+            </a:r>
+            <a:r>
+              <a:rPr lang="de-DE" baseline="0" dirty="0" smtClean="0"/>
+              <a:t> Meinung; Lücken wurden identifiziert und behoben</a:t>
+            </a:r>
+          </a:p>
+          <a:p>
+            <a:r>
+              <a:rPr lang="de-DE" dirty="0" smtClean="0"/>
+              <a:t>Teamwork:</a:t>
+            </a:r>
+          </a:p>
+          <a:p>
+            <a:r>
+              <a:rPr lang="de-DE" dirty="0" smtClean="0"/>
+              <a:t>	Abstimmungen, Konstruktive </a:t>
+            </a:r>
+            <a:r>
+              <a:rPr lang="de-DE" dirty="0" err="1" smtClean="0"/>
+              <a:t>diskussionen</a:t>
+            </a:r>
+            <a:r>
+              <a:rPr lang="de-DE" dirty="0" smtClean="0"/>
+              <a:t>, Mitglieder</a:t>
+            </a:r>
+            <a:r>
+              <a:rPr lang="de-DE" baseline="0" dirty="0" smtClean="0"/>
+              <a:t> haben sich durch Fach/Spezialwissen gut ergänzt</a:t>
+            </a:r>
             <a:endParaRPr lang="de-DE" dirty="0"/>
           </a:p>
         </p:txBody>
@@ -2951,16 +3133,21 @@
           <a:bodyPr/>
           <a:lstStyle/>
           <a:p>
-            <a:fld id="{1EBFF01C-F984-4A51-AF10-254043F7C542}" type="slidenum">
-              <a:rPr lang="de-DE" smtClean="0"/>
+            <a:fld id="{F7EBFB8C-BBFF-4397-A51C-1E92596422A9}" type="slidenum">
+              <a:rPr lang="en-US" smtClean="0"/>
               <a:pPr/>
               <a:t>38</a:t>
             </a:fld>
-            <a:endParaRPr lang="de-DE"/>
+            <a:endParaRPr lang="en-US" dirty="0"/>
           </a:p>
         </p:txBody>
       </p:sp>
     </p:spTree>
+    <p:extLst>
+      <p:ext uri="{BB962C8B-B14F-4D97-AF65-F5344CB8AC3E}">
+        <p14:creationId xmlns:p14="http://schemas.microsoft.com/office/powerpoint/2010/main" val="1616458392"/>
+      </p:ext>
+    </p:extLst>
   </p:cSld>
   <p:clrMapOvr>
     <a:masterClrMapping/>
@@ -3012,206 +3199,6 @@
           <a:bodyPr/>
           <a:lstStyle/>
           <a:p>
-            <a:r>
-              <a:rPr lang="de-DE" dirty="0" smtClean="0"/>
-              <a:t>Zu </a:t>
-            </a:r>
-            <a:r>
-              <a:rPr lang="de-DE" dirty="0" err="1" smtClean="0"/>
-              <a:t>git</a:t>
-            </a:r>
-            <a:r>
-              <a:rPr lang="de-DE" dirty="0" smtClean="0"/>
-              <a:t>:</a:t>
-            </a:r>
-          </a:p>
-          <a:p>
-            <a:r>
-              <a:rPr lang="de-DE" dirty="0" smtClean="0"/>
-              <a:t>	Dateikonflikte aufwändiges</a:t>
-            </a:r>
-            <a:r>
-              <a:rPr lang="de-DE" baseline="0" dirty="0" smtClean="0"/>
-              <a:t> ein-/auschecken, mit </a:t>
-            </a:r>
-            <a:r>
-              <a:rPr lang="de-DE" baseline="0" dirty="0" err="1" smtClean="0"/>
-              <a:t>dropbox</a:t>
-            </a:r>
-            <a:r>
-              <a:rPr lang="de-DE" baseline="0" dirty="0" smtClean="0"/>
-              <a:t> und </a:t>
-            </a:r>
-            <a:r>
-              <a:rPr lang="de-DE" baseline="0" dirty="0" err="1" smtClean="0"/>
-              <a:t>co</a:t>
-            </a:r>
-            <a:r>
-              <a:rPr lang="de-DE" baseline="0" dirty="0" smtClean="0"/>
-              <a:t> on </a:t>
-            </a:r>
-            <a:r>
-              <a:rPr lang="de-DE" baseline="0" dirty="0" err="1" smtClean="0"/>
-              <a:t>the</a:t>
-            </a:r>
-            <a:r>
-              <a:rPr lang="de-DE" baseline="0" dirty="0" smtClean="0"/>
-              <a:t> </a:t>
-            </a:r>
-            <a:r>
-              <a:rPr lang="de-DE" baseline="0" dirty="0" err="1" smtClean="0"/>
-              <a:t>fly</a:t>
-            </a:r>
-            <a:r>
-              <a:rPr lang="de-DE" baseline="0" dirty="0" smtClean="0"/>
-              <a:t>, automatisch im Hintergrund.</a:t>
-            </a:r>
-          </a:p>
-          <a:p>
-            <a:r>
-              <a:rPr lang="de-DE" baseline="0" dirty="0" smtClean="0"/>
-              <a:t>	evtl. zu früh auf ein Tool festgelegt, oder besser zwei? (</a:t>
-            </a:r>
-            <a:r>
-              <a:rPr lang="de-DE" baseline="0" dirty="0" err="1" smtClean="0"/>
-              <a:t>dropbox</a:t>
-            </a:r>
-            <a:r>
-              <a:rPr lang="de-DE" baseline="0" dirty="0" smtClean="0"/>
-              <a:t> für Dokumente, </a:t>
-            </a:r>
-            <a:r>
-              <a:rPr lang="de-DE" baseline="0" dirty="0" err="1" smtClean="0"/>
-              <a:t>gitHub</a:t>
-            </a:r>
-            <a:r>
-              <a:rPr lang="de-DE" baseline="0" dirty="0" smtClean="0"/>
-              <a:t> für </a:t>
-            </a:r>
-            <a:r>
-              <a:rPr lang="de-DE" baseline="0" dirty="0" err="1" smtClean="0"/>
-              <a:t>Sourcen</a:t>
-            </a:r>
-            <a:r>
-              <a:rPr lang="de-DE" baseline="0" dirty="0" smtClean="0"/>
-              <a:t>)</a:t>
-            </a:r>
-          </a:p>
-          <a:p>
-            <a:r>
-              <a:rPr lang="de-DE" baseline="0" dirty="0" err="1" smtClean="0"/>
-              <a:t>Projektmgm</a:t>
-            </a:r>
-            <a:endParaRPr lang="de-DE" baseline="0" dirty="0" smtClean="0"/>
-          </a:p>
-          <a:p>
-            <a:r>
-              <a:rPr lang="de-DE" baseline="0" dirty="0" smtClean="0"/>
-              <a:t>	Aufgaben stärker </a:t>
-            </a:r>
-            <a:r>
-              <a:rPr lang="de-DE" baseline="0" dirty="0" err="1" smtClean="0"/>
-              <a:t>tracken</a:t>
-            </a:r>
-            <a:r>
-              <a:rPr lang="de-DE" baseline="0" dirty="0" smtClean="0"/>
-              <a:t>, ggf. „</a:t>
-            </a:r>
-            <a:r>
-              <a:rPr lang="de-DE" baseline="0" dirty="0" err="1" smtClean="0"/>
-              <a:t>cut</a:t>
-            </a:r>
-            <a:r>
-              <a:rPr lang="de-DE" baseline="0" dirty="0" smtClean="0"/>
-              <a:t>“ (bei Vertiefung in nicht notwendigen Details (z.B. Risikoanalyse, Wirtschaftlichkeitsbetrachtung)</a:t>
-            </a:r>
-          </a:p>
-          <a:p>
-            <a:endParaRPr lang="de-DE" dirty="0" smtClean="0"/>
-          </a:p>
-          <a:p>
-            <a:r>
-              <a:rPr lang="de-DE" dirty="0" err="1" smtClean="0"/>
-              <a:t>Workload</a:t>
-            </a:r>
-            <a:endParaRPr lang="de-DE" dirty="0" smtClean="0"/>
-          </a:p>
-          <a:p>
-            <a:r>
-              <a:rPr lang="de-DE" dirty="0" smtClean="0"/>
-              <a:t>	</a:t>
-            </a:r>
-            <a:r>
-              <a:rPr lang="de-DE" dirty="0" err="1" smtClean="0"/>
-              <a:t>Höhrer</a:t>
-            </a:r>
-            <a:r>
-              <a:rPr lang="de-DE" dirty="0" smtClean="0"/>
-              <a:t> Aufwand als erwartet, zusätzlicher stress neben der Arbeit. Risikofaktor,</a:t>
-            </a:r>
-            <a:r>
-              <a:rPr lang="de-DE" baseline="0" dirty="0" smtClean="0"/>
-              <a:t> da alle beim gleichen Unternehmen arbeiten (viel zu tun (</a:t>
-            </a:r>
-            <a:r>
-              <a:rPr lang="de-DE" baseline="0" dirty="0" err="1" smtClean="0"/>
-              <a:t>arbeit</a:t>
-            </a:r>
-            <a:r>
-              <a:rPr lang="de-DE" baseline="0" dirty="0" smtClean="0"/>
-              <a:t>) </a:t>
-            </a:r>
-            <a:r>
-              <a:rPr lang="de-DE" baseline="0" dirty="0" smtClean="0">
-                <a:sym typeface="Wingdings" pitchFamily="2" charset="2"/>
-              </a:rPr>
-              <a:t> weniger Zeit (Projekt))</a:t>
-            </a:r>
-            <a:endParaRPr lang="de-DE" dirty="0" smtClean="0"/>
-          </a:p>
-          <a:p>
-            <a:r>
-              <a:rPr lang="de-DE" dirty="0" err="1" smtClean="0"/>
-              <a:t>PeerReview</a:t>
-            </a:r>
-            <a:r>
-              <a:rPr lang="de-DE" dirty="0" smtClean="0"/>
-              <a:t>:</a:t>
-            </a:r>
-          </a:p>
-          <a:p>
-            <a:r>
-              <a:rPr lang="de-DE" dirty="0" smtClean="0"/>
-              <a:t>	Hilfreich eine zweite unabhängige</a:t>
-            </a:r>
-            <a:r>
-              <a:rPr lang="de-DE" baseline="0" dirty="0" smtClean="0"/>
-              <a:t> Meinung; Lücken wurden identifiziert und behoben</a:t>
-            </a:r>
-          </a:p>
-          <a:p>
-            <a:r>
-              <a:rPr lang="de-DE" dirty="0" smtClean="0"/>
-              <a:t>Teamwork:</a:t>
-            </a:r>
-          </a:p>
-          <a:p>
-            <a:r>
-              <a:rPr lang="de-DE" dirty="0" smtClean="0"/>
-              <a:t>	Abstimmungen, Konstruktive </a:t>
-            </a:r>
-            <a:r>
-              <a:rPr lang="de-DE" dirty="0" err="1" smtClean="0"/>
-              <a:t>diskussionen</a:t>
-            </a:r>
-            <a:r>
-              <a:rPr lang="de-DE" dirty="0" smtClean="0"/>
-              <a:t>, Mitglieder</a:t>
-            </a:r>
-            <a:r>
-              <a:rPr lang="de-DE" baseline="0" dirty="0" smtClean="0"/>
-              <a:t> haben sich durch Fach/Spezialwissen gut ergänzt</a:t>
-            </a:r>
             <a:endParaRPr lang="de-DE" dirty="0"/>
           </a:p>
         </p:txBody>
@@ -3243,92 +3230,7 @@
     </p:spTree>
     <p:extLst>
       <p:ext uri="{BB962C8B-B14F-4D97-AF65-F5344CB8AC3E}">
-        <p14:creationId xmlns:p14="http://schemas.microsoft.com/office/powerpoint/2010/main" xmlns="" val="1616458392"/>
-      </p:ext>
-    </p:extLst>
-  </p:cSld>
-  <p:clrMapOvr>
-    <a:masterClrMapping/>
-  </p:clrMapOvr>
-</p:notes>
-</file>
-
-<file path=ppt/notesSlides/notesSlide28.xml><?xml version="1.0" encoding="utf-8"?>
-<p:notes xmlns:a="http://schemas.openxmlformats.org/drawingml/2006/main" xmlns:r="http://schemas.openxmlformats.org/officeDocument/2006/relationships" xmlns:p="http://schemas.openxmlformats.org/presentationml/2006/main">
-  <p:cSld>
-    <p:spTree>
-      <p:nvGrpSpPr>
-        <p:cNvPr id="1" name=""/>
-        <p:cNvGrpSpPr/>
-        <p:nvPr/>
-      </p:nvGrpSpPr>
-      <p:grpSpPr>
-        <a:xfrm>
-          <a:off x="0" y="0"/>
-          <a:ext cx="0" cy="0"/>
-          <a:chOff x="0" y="0"/>
-          <a:chExt cx="0" cy="0"/>
-        </a:xfrm>
-      </p:grpSpPr>
-      <p:sp>
-        <p:nvSpPr>
-          <p:cNvPr id="2" name="Folienbildplatzhalter 1"/>
-          <p:cNvSpPr>
-            <a:spLocks noGrp="1" noRot="1" noChangeAspect="1"/>
-          </p:cNvSpPr>
-          <p:nvPr>
-            <p:ph type="sldImg"/>
-          </p:nvPr>
-        </p:nvSpPr>
-        <p:spPr/>
-      </p:sp>
-      <p:sp>
-        <p:nvSpPr>
-          <p:cNvPr id="3" name="Notizenplatzhalter 2"/>
-          <p:cNvSpPr>
-            <a:spLocks noGrp="1"/>
-          </p:cNvSpPr>
-          <p:nvPr>
-            <p:ph type="body" idx="1"/>
-          </p:nvPr>
-        </p:nvSpPr>
-        <p:spPr/>
-        <p:txBody>
-          <a:bodyPr/>
-          <a:lstStyle/>
-          <a:p>
-            <a:endParaRPr lang="de-DE" dirty="0"/>
-          </a:p>
-        </p:txBody>
-      </p:sp>
-      <p:sp>
-        <p:nvSpPr>
-          <p:cNvPr id="4" name="Foliennummernplatzhalter 3"/>
-          <p:cNvSpPr>
-            <a:spLocks noGrp="1"/>
-          </p:cNvSpPr>
-          <p:nvPr>
-            <p:ph type="sldNum" sz="quarter" idx="10"/>
-          </p:nvPr>
-        </p:nvSpPr>
-        <p:spPr/>
-        <p:txBody>
-          <a:bodyPr/>
-          <a:lstStyle/>
-          <a:p>
-            <a:fld id="{F7EBFB8C-BBFF-4397-A51C-1E92596422A9}" type="slidenum">
-              <a:rPr lang="en-US" smtClean="0"/>
-              <a:pPr/>
-              <a:t>40</a:t>
-            </a:fld>
-            <a:endParaRPr lang="en-US" dirty="0"/>
-          </a:p>
-        </p:txBody>
-      </p:sp>
-    </p:spTree>
-    <p:extLst>
-      <p:ext uri="{BB962C8B-B14F-4D97-AF65-F5344CB8AC3E}">
-        <p14:creationId xmlns:p14="http://schemas.microsoft.com/office/powerpoint/2010/main" xmlns="" val="2116472317"/>
+        <p14:creationId xmlns:p14="http://schemas.microsoft.com/office/powerpoint/2010/main" val="2116472317"/>
       </p:ext>
     </p:extLst>
   </p:cSld>
@@ -3384,244 +3286,12 @@
           <a:p>
             <a:r>
               <a:rPr lang="de-DE" dirty="0" smtClean="0"/>
-              <a:t>SW-Entwicklungsprozess (vertikale Umsetzung)</a:t>
-            </a:r>
-          </a:p>
-          <a:p>
-            <a:pPr lvl="1"/>
-            <a:r>
-              <a:rPr lang="de-DE" dirty="0" smtClean="0"/>
-              <a:t>Funktionale Anforderungen</a:t>
-            </a:r>
-          </a:p>
-          <a:p>
-            <a:pPr lvl="2"/>
-            <a:r>
-              <a:rPr lang="de-DE" dirty="0" smtClean="0"/>
-              <a:t>Login</a:t>
-            </a:r>
-          </a:p>
-          <a:p>
-            <a:pPr lvl="3"/>
-            <a:r>
-              <a:rPr lang="de-DE" dirty="0" smtClean="0"/>
-              <a:t>LH (bis hier MAG)</a:t>
-            </a:r>
-          </a:p>
-          <a:p>
-            <a:pPr lvl="3"/>
-            <a:r>
-              <a:rPr lang="de-DE" dirty="0" smtClean="0"/>
-              <a:t>PH</a:t>
+              <a:t>Kurze Anwendungsfalldiagramm darstellen als Überleitung</a:t>
             </a:r>
             <a:r>
               <a:rPr lang="de-DE" baseline="0" dirty="0" smtClean="0"/>
-              <a:t> Umsetzung Anforderungen im PH,</a:t>
-            </a:r>
-            <a:r>
-              <a:rPr lang="de-DE" dirty="0" smtClean="0"/>
-              <a:t> </a:t>
-            </a:r>
-            <a:r>
-              <a:rPr lang="de-DE" dirty="0" err="1" smtClean="0"/>
-              <a:t>Mockup</a:t>
-            </a:r>
-            <a:r>
-              <a:rPr lang="de-DE" dirty="0" smtClean="0"/>
-              <a:t>, Aktivitätsdiagramm (bis</a:t>
-            </a:r>
-            <a:r>
-              <a:rPr lang="de-DE" baseline="0" dirty="0" smtClean="0"/>
-              <a:t> hier FSM</a:t>
-            </a:r>
-            <a:r>
-              <a:rPr lang="de-DE" dirty="0" smtClean="0"/>
-              <a:t>)</a:t>
-            </a:r>
-          </a:p>
-          <a:p>
-            <a:pPr lvl="3"/>
-            <a:endParaRPr lang="de-DE" dirty="0" smtClean="0"/>
-          </a:p>
-          <a:p>
-            <a:pPr lvl="2"/>
-            <a:r>
-              <a:rPr lang="de-DE" dirty="0" smtClean="0"/>
-              <a:t>Event organisieren</a:t>
-            </a:r>
-          </a:p>
-          <a:p>
-            <a:pPr lvl="2"/>
-            <a:r>
-              <a:rPr lang="de-DE" dirty="0" smtClean="0"/>
-              <a:t>	LH (MAG)</a:t>
-            </a:r>
-          </a:p>
-          <a:p>
-            <a:pPr marL="914400" marR="0" lvl="2" indent="0" algn="l" defTabSz="914400" rtl="0" eaLnBrk="1" fontAlgn="auto" latinLnBrk="0" hangingPunct="1">
-              <a:lnSpc>
-                <a:spcPct val="100000"/>
-              </a:lnSpc>
-              <a:spcBef>
-                <a:spcPts val="0"/>
-              </a:spcBef>
-              <a:spcAft>
-                <a:spcPts val="0"/>
-              </a:spcAft>
-              <a:buClrTx/>
-              <a:buSzTx/>
-              <a:buFontTx/>
-              <a:buNone/>
-              <a:tabLst/>
-              <a:defRPr/>
-            </a:pPr>
-            <a:r>
-              <a:rPr lang="de-DE" dirty="0" smtClean="0"/>
-              <a:t>	PH</a:t>
-            </a:r>
-            <a:r>
-              <a:rPr lang="de-DE" baseline="0" dirty="0" smtClean="0"/>
-              <a:t> Umsetzung Anforderungen im PH,</a:t>
-            </a:r>
-            <a:r>
-              <a:rPr lang="de-DE" dirty="0" smtClean="0"/>
-              <a:t> </a:t>
-            </a:r>
-            <a:r>
-              <a:rPr lang="de-DE" dirty="0" err="1" smtClean="0"/>
-              <a:t>Mockup</a:t>
-            </a:r>
-            <a:r>
-              <a:rPr lang="de-DE" dirty="0" smtClean="0"/>
-              <a:t>, Aktivitätsdiagramm (ALI)</a:t>
-            </a:r>
-          </a:p>
-          <a:p>
-            <a:pPr marL="914400" marR="0" lvl="2" indent="0" algn="l" defTabSz="914400" rtl="0" eaLnBrk="1" fontAlgn="auto" latinLnBrk="0" hangingPunct="1">
-              <a:lnSpc>
-                <a:spcPct val="100000"/>
-              </a:lnSpc>
-              <a:spcBef>
-                <a:spcPts val="0"/>
-              </a:spcBef>
-              <a:spcAft>
-                <a:spcPts val="0"/>
-              </a:spcAft>
-              <a:buClrTx/>
-              <a:buSzTx/>
-              <a:buFontTx/>
-              <a:buNone/>
-              <a:tabLst/>
-              <a:defRPr/>
-            </a:pPr>
-            <a:r>
-              <a:rPr lang="de-DE" dirty="0" smtClean="0"/>
-              <a:t>Sequenzdiagramm</a:t>
-            </a:r>
-            <a:r>
-              <a:rPr lang="de-DE" baseline="0" dirty="0" smtClean="0"/>
-              <a:t> (Login/was da ist) FEW oder MHB ?</a:t>
-            </a:r>
-            <a:endParaRPr lang="de-DE" dirty="0" smtClean="0"/>
-          </a:p>
-          <a:p>
-            <a:pPr lvl="2"/>
-            <a:r>
-              <a:rPr lang="de-DE" dirty="0" smtClean="0"/>
-              <a:t>Live Demo (beides) FEW oder MHB ?</a:t>
-            </a:r>
-          </a:p>
-          <a:p>
-            <a:pPr lvl="1"/>
-            <a:r>
-              <a:rPr lang="de-DE" dirty="0" smtClean="0"/>
-              <a:t>Detailkonzept </a:t>
-            </a:r>
-            <a:r>
-              <a:rPr lang="de-DE" dirty="0" smtClean="0">
-                <a:sym typeface="Wingdings" pitchFamily="2" charset="2"/>
-              </a:rPr>
-              <a:t> MHB oder FEW ?</a:t>
-            </a:r>
-            <a:endParaRPr lang="de-DE" dirty="0" smtClean="0"/>
-          </a:p>
-          <a:p>
-            <a:pPr lvl="2"/>
-            <a:r>
-              <a:rPr lang="de-DE" dirty="0" smtClean="0"/>
-              <a:t>Domänenklassendiagramm </a:t>
-            </a:r>
-            <a:r>
-              <a:rPr lang="de-DE" dirty="0" smtClean="0">
-                <a:sym typeface="Wingdings" pitchFamily="2" charset="2"/>
-              </a:rPr>
-              <a:t></a:t>
-            </a:r>
-            <a:r>
-              <a:rPr lang="de-DE" dirty="0" smtClean="0"/>
-              <a:t> DB-Schema</a:t>
-            </a:r>
-          </a:p>
-          <a:p>
-            <a:pPr lvl="1"/>
-            <a:r>
-              <a:rPr lang="de-DE" dirty="0" smtClean="0"/>
-              <a:t>Qualitätsanforderungen </a:t>
-            </a:r>
-            <a:r>
-              <a:rPr lang="de-DE" dirty="0" smtClean="0">
-                <a:sym typeface="Wingdings" pitchFamily="2" charset="2"/>
-              </a:rPr>
-              <a:t></a:t>
-            </a:r>
-            <a:r>
-              <a:rPr lang="de-DE" dirty="0" smtClean="0"/>
-              <a:t> PAW </a:t>
-            </a:r>
-          </a:p>
-          <a:p>
-            <a:pPr marL="457200" marR="0" lvl="1" indent="0" algn="l" defTabSz="914400" rtl="0" eaLnBrk="1" fontAlgn="auto" latinLnBrk="0" hangingPunct="1">
-              <a:lnSpc>
-                <a:spcPct val="100000"/>
-              </a:lnSpc>
-              <a:spcBef>
-                <a:spcPts val="0"/>
-              </a:spcBef>
-              <a:spcAft>
-                <a:spcPts val="0"/>
-              </a:spcAft>
-              <a:buClrTx/>
-              <a:buSzTx/>
-              <a:buFontTx/>
-              <a:buNone/>
-              <a:tabLst/>
-              <a:defRPr/>
-            </a:pPr>
-            <a:r>
-              <a:rPr lang="de-DE" dirty="0" smtClean="0"/>
-              <a:t>Abnahmekriterien </a:t>
-            </a:r>
-            <a:r>
-              <a:rPr lang="de-DE" dirty="0" smtClean="0">
-                <a:sym typeface="Wingdings" pitchFamily="2" charset="2"/>
-              </a:rPr>
-              <a:t> PAW</a:t>
-            </a:r>
-            <a:endParaRPr lang="de-DE" dirty="0" smtClean="0"/>
-          </a:p>
-          <a:p>
-            <a:r>
-              <a:rPr lang="de-DE" dirty="0" smtClean="0"/>
-              <a:t>Weitere Projektplanung und Ausblick (ALI)</a:t>
-            </a:r>
-          </a:p>
-          <a:p>
-            <a:pPr marL="82296" indent="0">
-              <a:buNone/>
-            </a:pPr>
-            <a:endParaRPr lang="de-DE" dirty="0" smtClean="0"/>
-          </a:p>
-          <a:p>
+              <a:t> von Zwischenpräsentation zur jetzigen Abschlusspräsentation</a:t>
+            </a:r>
             <a:endParaRPr lang="de-DE" dirty="0"/>
           </a:p>
         </p:txBody>
@@ -3653,7 +3323,7 @@
     </p:spTree>
     <p:extLst>
       <p:ext uri="{BB962C8B-B14F-4D97-AF65-F5344CB8AC3E}">
-        <p14:creationId xmlns:p14="http://schemas.microsoft.com/office/powerpoint/2010/main" xmlns="" val="517533983"/>
+        <p14:creationId xmlns:p14="http://schemas.microsoft.com/office/powerpoint/2010/main" val="2934279750"/>
       </p:ext>
     </p:extLst>
   </p:cSld>
@@ -3709,11 +3379,15 @@
           <a:p>
             <a:r>
               <a:rPr lang="de-DE" dirty="0" smtClean="0"/>
-              <a:t>Kurze Anwendungsfalldiagramm darstellen als Überleitung</a:t>
+              <a:t>Schwerpunkt der </a:t>
+            </a:r>
+            <a:r>
+              <a:rPr lang="de-DE" dirty="0" err="1" smtClean="0"/>
+              <a:t>Präsi</a:t>
             </a:r>
             <a:r>
               <a:rPr lang="de-DE" baseline="0" dirty="0" smtClean="0"/>
-              <a:t> von Zwischenpräsentation zur jetzigen Abschlusspräsentation</a:t>
+              <a:t> auf Anmelden und Event organisieren legen!</a:t>
             </a:r>
             <a:endParaRPr lang="de-DE" dirty="0"/>
           </a:p>
@@ -3746,7 +3420,7 @@
     </p:spTree>
     <p:extLst>
       <p:ext uri="{BB962C8B-B14F-4D97-AF65-F5344CB8AC3E}">
-        <p14:creationId xmlns:p14="http://schemas.microsoft.com/office/powerpoint/2010/main" xmlns="" val="2934279750"/>
+        <p14:creationId xmlns:p14="http://schemas.microsoft.com/office/powerpoint/2010/main" val="2934279750"/>
       </p:ext>
     </p:extLst>
   </p:cSld>
@@ -3800,18 +3474,6 @@
           <a:bodyPr/>
           <a:lstStyle/>
           <a:p>
-            <a:r>
-              <a:rPr lang="de-DE" dirty="0" smtClean="0"/>
-              <a:t>Schwerpunkt der </a:t>
-            </a:r>
-            <a:r>
-              <a:rPr lang="de-DE" dirty="0" err="1" smtClean="0"/>
-              <a:t>Präsi</a:t>
-            </a:r>
-            <a:r>
-              <a:rPr lang="de-DE" baseline="0" dirty="0" smtClean="0"/>
-              <a:t> auf Anmelden und Event organisieren legen!</a:t>
-            </a:r>
             <a:endParaRPr lang="de-DE" dirty="0"/>
           </a:p>
         </p:txBody>
@@ -3843,7 +3505,7 @@
     </p:spTree>
     <p:extLst>
       <p:ext uri="{BB962C8B-B14F-4D97-AF65-F5344CB8AC3E}">
-        <p14:creationId xmlns:p14="http://schemas.microsoft.com/office/powerpoint/2010/main" xmlns="" val="2934279750"/>
+        <p14:creationId xmlns:p14="http://schemas.microsoft.com/office/powerpoint/2010/main" val="2934279750"/>
       </p:ext>
     </p:extLst>
   </p:cSld>
@@ -3897,6 +3559,331 @@
           <a:bodyPr/>
           <a:lstStyle/>
           <a:p>
+            <a:r>
+              <a:rPr lang="de-DE" dirty="0" smtClean="0"/>
+              <a:t>Funktionale Anforderung per </a:t>
+            </a:r>
+            <a:r>
+              <a:rPr lang="de-DE" dirty="0" err="1" smtClean="0"/>
+              <a:t>Mockup</a:t>
+            </a:r>
+            <a:r>
+              <a:rPr lang="de-DE" dirty="0" smtClean="0"/>
+              <a:t> dargestellt und textuell ergänzt:</a:t>
+            </a:r>
+          </a:p>
+          <a:p>
+            <a:r>
+              <a:rPr lang="de-DE" sz="1200" kern="1200" dirty="0" smtClean="0">
+                <a:solidFill>
+                  <a:schemeClr val="tx1"/>
+                </a:solidFill>
+                <a:effectLst/>
+                <a:latin typeface="+mn-lt"/>
+                <a:ea typeface="+mn-ea"/>
+                <a:cs typeface="+mn-cs"/>
+              </a:rPr>
+              <a:t>Der beliebiger Internetnutzer kann sich über </a:t>
+            </a:r>
+            <a:r>
+              <a:rPr lang="de-DE" sz="1200" kern="1200" dirty="0" err="1" smtClean="0">
+                <a:solidFill>
+                  <a:schemeClr val="tx1"/>
+                </a:solidFill>
+                <a:effectLst/>
+                <a:latin typeface="+mn-lt"/>
+                <a:ea typeface="+mn-ea"/>
+                <a:cs typeface="+mn-cs"/>
+              </a:rPr>
+              <a:t>oAuth</a:t>
+            </a:r>
+            <a:r>
+              <a:rPr lang="de-DE" sz="1200" kern="1200" dirty="0" smtClean="0">
+                <a:solidFill>
+                  <a:schemeClr val="tx1"/>
+                </a:solidFill>
+                <a:effectLst/>
+                <a:latin typeface="+mn-lt"/>
+                <a:ea typeface="+mn-ea"/>
+                <a:cs typeface="+mn-cs"/>
+              </a:rPr>
+              <a:t> (Google oder Facebook-Account) auf der folgenden Eingabemaske an der Internetplattform </a:t>
+            </a:r>
+            <a:r>
+              <a:rPr lang="de-DE" sz="1200" kern="1200" dirty="0" err="1" smtClean="0">
+                <a:solidFill>
+                  <a:schemeClr val="tx1"/>
+                </a:solidFill>
+                <a:effectLst/>
+                <a:latin typeface="+mn-lt"/>
+                <a:ea typeface="+mn-ea"/>
+                <a:cs typeface="+mn-cs"/>
+              </a:rPr>
+              <a:t>Eventalizer</a:t>
+            </a:r>
+            <a:r>
+              <a:rPr lang="de-DE" sz="1200" kern="1200" dirty="0" smtClean="0">
+                <a:solidFill>
+                  <a:schemeClr val="tx1"/>
+                </a:solidFill>
+                <a:effectLst/>
+                <a:latin typeface="+mn-lt"/>
+                <a:ea typeface="+mn-ea"/>
+                <a:cs typeface="+mn-cs"/>
+              </a:rPr>
+              <a:t> anmelden:</a:t>
+            </a:r>
+            <a:br>
+              <a:rPr lang="de-DE" sz="1200" kern="1200" dirty="0" smtClean="0">
+                <a:solidFill>
+                  <a:schemeClr val="tx1"/>
+                </a:solidFill>
+                <a:effectLst/>
+                <a:latin typeface="+mn-lt"/>
+                <a:ea typeface="+mn-ea"/>
+                <a:cs typeface="+mn-cs"/>
+              </a:rPr>
+            </a:br>
+            <a:r>
+              <a:rPr lang="de-DE" sz="1200" kern="1200" dirty="0" smtClean="0">
+                <a:solidFill>
+                  <a:schemeClr val="tx1"/>
+                </a:solidFill>
+                <a:effectLst/>
+                <a:latin typeface="+mn-lt"/>
+                <a:ea typeface="+mn-ea"/>
+                <a:cs typeface="+mn-cs"/>
+              </a:rPr>
+              <a:t> </a:t>
+            </a:r>
+            <a:br>
+              <a:rPr lang="de-DE" sz="1200" kern="1200" dirty="0" smtClean="0">
+                <a:solidFill>
+                  <a:schemeClr val="tx1"/>
+                </a:solidFill>
+                <a:effectLst/>
+                <a:latin typeface="+mn-lt"/>
+                <a:ea typeface="+mn-ea"/>
+                <a:cs typeface="+mn-cs"/>
+              </a:rPr>
+            </a:br>
+            <a:r>
+              <a:rPr lang="de-DE" sz="1200" kern="1200" dirty="0" smtClean="0">
+                <a:solidFill>
+                  <a:schemeClr val="tx1"/>
+                </a:solidFill>
+                <a:effectLst/>
+                <a:latin typeface="+mn-lt"/>
+                <a:ea typeface="+mn-ea"/>
+                <a:cs typeface="+mn-cs"/>
+              </a:rPr>
+              <a:t>Für eine erfolgreiche Anmeldung ist die Angabe der folgenden Informationen notwendig:</a:t>
+            </a:r>
+          </a:p>
+          <a:p>
+            <a:pPr lvl="0"/>
+            <a:r>
+              <a:rPr lang="de-DE" sz="1200" kern="1200" dirty="0" err="1" smtClean="0">
+                <a:solidFill>
+                  <a:schemeClr val="tx1"/>
+                </a:solidFill>
+                <a:effectLst/>
+                <a:latin typeface="+mn-lt"/>
+                <a:ea typeface="+mn-ea"/>
+                <a:cs typeface="+mn-cs"/>
+              </a:rPr>
+              <a:t>Social</a:t>
+            </a:r>
+            <a:r>
+              <a:rPr lang="de-DE" sz="1200" kern="1200" dirty="0" smtClean="0">
+                <a:solidFill>
+                  <a:schemeClr val="tx1"/>
+                </a:solidFill>
+                <a:effectLst/>
+                <a:latin typeface="+mn-lt"/>
+                <a:ea typeface="+mn-ea"/>
+                <a:cs typeface="+mn-cs"/>
+              </a:rPr>
+              <a:t>-Network-Anbieter</a:t>
+            </a:r>
+          </a:p>
+          <a:p>
+            <a:pPr lvl="0"/>
+            <a:r>
+              <a:rPr lang="de-DE" sz="1200" kern="1200" dirty="0" smtClean="0">
+                <a:solidFill>
+                  <a:schemeClr val="tx1"/>
+                </a:solidFill>
+                <a:effectLst/>
+                <a:latin typeface="+mn-lt"/>
+                <a:ea typeface="+mn-ea"/>
+                <a:cs typeface="+mn-cs"/>
+              </a:rPr>
+              <a:t>Der dort verwendete Benutzername</a:t>
+            </a:r>
+          </a:p>
+          <a:p>
+            <a:pPr lvl="0"/>
+            <a:r>
+              <a:rPr lang="de-DE" sz="1200" kern="1200" dirty="0" smtClean="0">
+                <a:solidFill>
+                  <a:schemeClr val="tx1"/>
+                </a:solidFill>
+                <a:effectLst/>
+                <a:latin typeface="+mn-lt"/>
+                <a:ea typeface="+mn-ea"/>
+                <a:cs typeface="+mn-cs"/>
+              </a:rPr>
+              <a:t>Das dort verwendete persönliche Passwort</a:t>
+            </a:r>
+          </a:p>
+          <a:p>
+            <a:r>
+              <a:rPr lang="de-DE" sz="1200" kern="1200" dirty="0" smtClean="0">
+                <a:solidFill>
+                  <a:schemeClr val="tx1"/>
+                </a:solidFill>
+                <a:effectLst/>
+                <a:latin typeface="+mn-lt"/>
+                <a:ea typeface="+mn-ea"/>
+                <a:cs typeface="+mn-cs"/>
+              </a:rPr>
+              <a:t>Die möglichen </a:t>
+            </a:r>
+            <a:r>
+              <a:rPr lang="de-DE" sz="1200" kern="1200" dirty="0" err="1" smtClean="0">
+                <a:solidFill>
+                  <a:schemeClr val="tx1"/>
+                </a:solidFill>
+                <a:effectLst/>
+                <a:latin typeface="+mn-lt"/>
+                <a:ea typeface="+mn-ea"/>
+                <a:cs typeface="+mn-cs"/>
+              </a:rPr>
+              <a:t>Social</a:t>
+            </a:r>
+            <a:r>
+              <a:rPr lang="de-DE" sz="1200" kern="1200" dirty="0" smtClean="0">
+                <a:solidFill>
+                  <a:schemeClr val="tx1"/>
+                </a:solidFill>
+                <a:effectLst/>
+                <a:latin typeface="+mn-lt"/>
+                <a:ea typeface="+mn-ea"/>
+                <a:cs typeface="+mn-cs"/>
+              </a:rPr>
+              <a:t>-Network-Anbieter werden auf der Eingabemaske aufgeführt. </a:t>
+            </a:r>
+            <a:br>
+              <a:rPr lang="de-DE" sz="1200" kern="1200" dirty="0" smtClean="0">
+                <a:solidFill>
+                  <a:schemeClr val="tx1"/>
+                </a:solidFill>
+                <a:effectLst/>
+                <a:latin typeface="+mn-lt"/>
+                <a:ea typeface="+mn-ea"/>
+                <a:cs typeface="+mn-cs"/>
+              </a:rPr>
+            </a:br>
+            <a:r>
+              <a:rPr lang="de-DE" sz="1200" kern="1200" dirty="0" smtClean="0">
+                <a:solidFill>
+                  <a:schemeClr val="tx1"/>
+                </a:solidFill>
+                <a:effectLst/>
+                <a:latin typeface="+mn-lt"/>
+                <a:ea typeface="+mn-ea"/>
+                <a:cs typeface="+mn-cs"/>
+              </a:rPr>
+              <a:t>Die Anmeldung an der Internetplattform ist erfolgreich, wenn die Antwort des </a:t>
+            </a:r>
+            <a:r>
+              <a:rPr lang="de-DE" sz="1200" kern="1200" dirty="0" err="1" smtClean="0">
+                <a:solidFill>
+                  <a:schemeClr val="tx1"/>
+                </a:solidFill>
+                <a:effectLst/>
+                <a:latin typeface="+mn-lt"/>
+                <a:ea typeface="+mn-ea"/>
+                <a:cs typeface="+mn-cs"/>
+              </a:rPr>
+              <a:t>Social</a:t>
+            </a:r>
+            <a:r>
+              <a:rPr lang="de-DE" sz="1200" kern="1200" dirty="0" smtClean="0">
+                <a:solidFill>
+                  <a:schemeClr val="tx1"/>
+                </a:solidFill>
+                <a:effectLst/>
+                <a:latin typeface="+mn-lt"/>
+                <a:ea typeface="+mn-ea"/>
+                <a:cs typeface="+mn-cs"/>
+              </a:rPr>
+              <a:t>-Network-Anbieters positiv ist, d.h. ist der Benutzer dort authentifiziert wurde und die Benutzerdaten übermittelt worden sind. Kann der Benutzer nicht über den </a:t>
+            </a:r>
+            <a:r>
+              <a:rPr lang="de-DE" sz="1200" kern="1200" dirty="0" err="1" smtClean="0">
+                <a:solidFill>
+                  <a:schemeClr val="tx1"/>
+                </a:solidFill>
+                <a:effectLst/>
+                <a:latin typeface="+mn-lt"/>
+                <a:ea typeface="+mn-ea"/>
+                <a:cs typeface="+mn-cs"/>
+              </a:rPr>
+              <a:t>Social</a:t>
+            </a:r>
+            <a:r>
+              <a:rPr lang="de-DE" sz="1200" kern="1200" dirty="0" smtClean="0">
+                <a:solidFill>
+                  <a:schemeClr val="tx1"/>
+                </a:solidFill>
+                <a:effectLst/>
+                <a:latin typeface="+mn-lt"/>
+                <a:ea typeface="+mn-ea"/>
+                <a:cs typeface="+mn-cs"/>
+              </a:rPr>
+              <a:t>-Network-Anbieter authentifiziert werden, erfolgt auch keine Anmeldung.</a:t>
+            </a:r>
+          </a:p>
+          <a:p>
+            <a:r>
+              <a:rPr lang="de-DE" sz="1200" kern="1200" dirty="0" smtClean="0">
+                <a:solidFill>
+                  <a:schemeClr val="tx1"/>
+                </a:solidFill>
+                <a:effectLst/>
+                <a:latin typeface="+mn-lt"/>
+                <a:ea typeface="+mn-ea"/>
+                <a:cs typeface="+mn-cs"/>
+              </a:rPr>
+              <a:t/>
+            </a:r>
+            <a:br>
+              <a:rPr lang="de-DE" sz="1200" kern="1200" dirty="0" smtClean="0">
+                <a:solidFill>
+                  <a:schemeClr val="tx1"/>
+                </a:solidFill>
+                <a:effectLst/>
+                <a:latin typeface="+mn-lt"/>
+                <a:ea typeface="+mn-ea"/>
+                <a:cs typeface="+mn-cs"/>
+              </a:rPr>
+            </a:br>
+            <a:r>
+              <a:rPr lang="de-DE" sz="1200" kern="1200" dirty="0" smtClean="0">
+                <a:solidFill>
+                  <a:schemeClr val="tx1"/>
+                </a:solidFill>
+                <a:effectLst/>
+                <a:latin typeface="+mn-lt"/>
+                <a:ea typeface="+mn-ea"/>
+                <a:cs typeface="+mn-cs"/>
+              </a:rPr>
+              <a:t>@FSM:  Updaten</a:t>
+            </a:r>
+          </a:p>
+          <a:p>
             <a:endParaRPr lang="de-DE" dirty="0"/>
           </a:p>
         </p:txBody>
@@ -3928,7 +3915,7 @@
     </p:spTree>
     <p:extLst>
       <p:ext uri="{BB962C8B-B14F-4D97-AF65-F5344CB8AC3E}">
-        <p14:creationId xmlns:p14="http://schemas.microsoft.com/office/powerpoint/2010/main" xmlns="" val="2934279750"/>
+        <p14:creationId xmlns:p14="http://schemas.microsoft.com/office/powerpoint/2010/main" val="2934279750"/>
       </p:ext>
     </p:extLst>
   </p:cSld>
@@ -3982,331 +3969,6 @@
           <a:bodyPr/>
           <a:lstStyle/>
           <a:p>
-            <a:r>
-              <a:rPr lang="de-DE" dirty="0" smtClean="0"/>
-              <a:t>Funktionale Anforderung per </a:t>
-            </a:r>
-            <a:r>
-              <a:rPr lang="de-DE" dirty="0" err="1" smtClean="0"/>
-              <a:t>Mockup</a:t>
-            </a:r>
-            <a:r>
-              <a:rPr lang="de-DE" dirty="0" smtClean="0"/>
-              <a:t> dargestellt und textuell ergänzt:</a:t>
-            </a:r>
-          </a:p>
-          <a:p>
-            <a:r>
-              <a:rPr lang="de-DE" sz="1200" kern="1200" dirty="0" smtClean="0">
-                <a:solidFill>
-                  <a:schemeClr val="tx1"/>
-                </a:solidFill>
-                <a:effectLst/>
-                <a:latin typeface="+mn-lt"/>
-                <a:ea typeface="+mn-ea"/>
-                <a:cs typeface="+mn-cs"/>
-              </a:rPr>
-              <a:t>Der beliebiger Internetnutzer kann sich über </a:t>
-            </a:r>
-            <a:r>
-              <a:rPr lang="de-DE" sz="1200" kern="1200" dirty="0" err="1" smtClean="0">
-                <a:solidFill>
-                  <a:schemeClr val="tx1"/>
-                </a:solidFill>
-                <a:effectLst/>
-                <a:latin typeface="+mn-lt"/>
-                <a:ea typeface="+mn-ea"/>
-                <a:cs typeface="+mn-cs"/>
-              </a:rPr>
-              <a:t>oAuth</a:t>
-            </a:r>
-            <a:r>
-              <a:rPr lang="de-DE" sz="1200" kern="1200" dirty="0" smtClean="0">
-                <a:solidFill>
-                  <a:schemeClr val="tx1"/>
-                </a:solidFill>
-                <a:effectLst/>
-                <a:latin typeface="+mn-lt"/>
-                <a:ea typeface="+mn-ea"/>
-                <a:cs typeface="+mn-cs"/>
-              </a:rPr>
-              <a:t> (Google oder Facebook-Account) auf der folgenden Eingabemaske an der Internetplattform </a:t>
-            </a:r>
-            <a:r>
-              <a:rPr lang="de-DE" sz="1200" kern="1200" dirty="0" err="1" smtClean="0">
-                <a:solidFill>
-                  <a:schemeClr val="tx1"/>
-                </a:solidFill>
-                <a:effectLst/>
-                <a:latin typeface="+mn-lt"/>
-                <a:ea typeface="+mn-ea"/>
-                <a:cs typeface="+mn-cs"/>
-              </a:rPr>
-              <a:t>Eventalizer</a:t>
-            </a:r>
-            <a:r>
-              <a:rPr lang="de-DE" sz="1200" kern="1200" dirty="0" smtClean="0">
-                <a:solidFill>
-                  <a:schemeClr val="tx1"/>
-                </a:solidFill>
-                <a:effectLst/>
-                <a:latin typeface="+mn-lt"/>
-                <a:ea typeface="+mn-ea"/>
-                <a:cs typeface="+mn-cs"/>
-              </a:rPr>
-              <a:t> anmelden:</a:t>
-            </a:r>
-            <a:br>
-              <a:rPr lang="de-DE" sz="1200" kern="1200" dirty="0" smtClean="0">
-                <a:solidFill>
-                  <a:schemeClr val="tx1"/>
-                </a:solidFill>
-                <a:effectLst/>
-                <a:latin typeface="+mn-lt"/>
-                <a:ea typeface="+mn-ea"/>
-                <a:cs typeface="+mn-cs"/>
-              </a:rPr>
-            </a:br>
-            <a:r>
-              <a:rPr lang="de-DE" sz="1200" kern="1200" dirty="0" smtClean="0">
-                <a:solidFill>
-                  <a:schemeClr val="tx1"/>
-                </a:solidFill>
-                <a:effectLst/>
-                <a:latin typeface="+mn-lt"/>
-                <a:ea typeface="+mn-ea"/>
-                <a:cs typeface="+mn-cs"/>
-              </a:rPr>
-              <a:t> </a:t>
-            </a:r>
-            <a:br>
-              <a:rPr lang="de-DE" sz="1200" kern="1200" dirty="0" smtClean="0">
-                <a:solidFill>
-                  <a:schemeClr val="tx1"/>
-                </a:solidFill>
-                <a:effectLst/>
-                <a:latin typeface="+mn-lt"/>
-                <a:ea typeface="+mn-ea"/>
-                <a:cs typeface="+mn-cs"/>
-              </a:rPr>
-            </a:br>
-            <a:r>
-              <a:rPr lang="de-DE" sz="1200" kern="1200" dirty="0" smtClean="0">
-                <a:solidFill>
-                  <a:schemeClr val="tx1"/>
-                </a:solidFill>
-                <a:effectLst/>
-                <a:latin typeface="+mn-lt"/>
-                <a:ea typeface="+mn-ea"/>
-                <a:cs typeface="+mn-cs"/>
-              </a:rPr>
-              <a:t>Für eine erfolgreiche Anmeldung ist die Angabe der folgenden Informationen notwendig:</a:t>
-            </a:r>
-          </a:p>
-          <a:p>
-            <a:pPr lvl="0"/>
-            <a:r>
-              <a:rPr lang="de-DE" sz="1200" kern="1200" dirty="0" err="1" smtClean="0">
-                <a:solidFill>
-                  <a:schemeClr val="tx1"/>
-                </a:solidFill>
-                <a:effectLst/>
-                <a:latin typeface="+mn-lt"/>
-                <a:ea typeface="+mn-ea"/>
-                <a:cs typeface="+mn-cs"/>
-              </a:rPr>
-              <a:t>Social</a:t>
-            </a:r>
-            <a:r>
-              <a:rPr lang="de-DE" sz="1200" kern="1200" dirty="0" smtClean="0">
-                <a:solidFill>
-                  <a:schemeClr val="tx1"/>
-                </a:solidFill>
-                <a:effectLst/>
-                <a:latin typeface="+mn-lt"/>
-                <a:ea typeface="+mn-ea"/>
-                <a:cs typeface="+mn-cs"/>
-              </a:rPr>
-              <a:t>-Network-Anbieter</a:t>
-            </a:r>
-          </a:p>
-          <a:p>
-            <a:pPr lvl="0"/>
-            <a:r>
-              <a:rPr lang="de-DE" sz="1200" kern="1200" dirty="0" smtClean="0">
-                <a:solidFill>
-                  <a:schemeClr val="tx1"/>
-                </a:solidFill>
-                <a:effectLst/>
-                <a:latin typeface="+mn-lt"/>
-                <a:ea typeface="+mn-ea"/>
-                <a:cs typeface="+mn-cs"/>
-              </a:rPr>
-              <a:t>Der dort verwendete Benutzername</a:t>
-            </a:r>
-          </a:p>
-          <a:p>
-            <a:pPr lvl="0"/>
-            <a:r>
-              <a:rPr lang="de-DE" sz="1200" kern="1200" dirty="0" smtClean="0">
-                <a:solidFill>
-                  <a:schemeClr val="tx1"/>
-                </a:solidFill>
-                <a:effectLst/>
-                <a:latin typeface="+mn-lt"/>
-                <a:ea typeface="+mn-ea"/>
-                <a:cs typeface="+mn-cs"/>
-              </a:rPr>
-              <a:t>Das dort verwendete persönliche Passwort</a:t>
-            </a:r>
-          </a:p>
-          <a:p>
-            <a:r>
-              <a:rPr lang="de-DE" sz="1200" kern="1200" dirty="0" smtClean="0">
-                <a:solidFill>
-                  <a:schemeClr val="tx1"/>
-                </a:solidFill>
-                <a:effectLst/>
-                <a:latin typeface="+mn-lt"/>
-                <a:ea typeface="+mn-ea"/>
-                <a:cs typeface="+mn-cs"/>
-              </a:rPr>
-              <a:t>Die möglichen </a:t>
-            </a:r>
-            <a:r>
-              <a:rPr lang="de-DE" sz="1200" kern="1200" dirty="0" err="1" smtClean="0">
-                <a:solidFill>
-                  <a:schemeClr val="tx1"/>
-                </a:solidFill>
-                <a:effectLst/>
-                <a:latin typeface="+mn-lt"/>
-                <a:ea typeface="+mn-ea"/>
-                <a:cs typeface="+mn-cs"/>
-              </a:rPr>
-              <a:t>Social</a:t>
-            </a:r>
-            <a:r>
-              <a:rPr lang="de-DE" sz="1200" kern="1200" dirty="0" smtClean="0">
-                <a:solidFill>
-                  <a:schemeClr val="tx1"/>
-                </a:solidFill>
-                <a:effectLst/>
-                <a:latin typeface="+mn-lt"/>
-                <a:ea typeface="+mn-ea"/>
-                <a:cs typeface="+mn-cs"/>
-              </a:rPr>
-              <a:t>-Network-Anbieter werden auf der Eingabemaske aufgeführt. </a:t>
-            </a:r>
-            <a:br>
-              <a:rPr lang="de-DE" sz="1200" kern="1200" dirty="0" smtClean="0">
-                <a:solidFill>
-                  <a:schemeClr val="tx1"/>
-                </a:solidFill>
-                <a:effectLst/>
-                <a:latin typeface="+mn-lt"/>
-                <a:ea typeface="+mn-ea"/>
-                <a:cs typeface="+mn-cs"/>
-              </a:rPr>
-            </a:br>
-            <a:r>
-              <a:rPr lang="de-DE" sz="1200" kern="1200" dirty="0" smtClean="0">
-                <a:solidFill>
-                  <a:schemeClr val="tx1"/>
-                </a:solidFill>
-                <a:effectLst/>
-                <a:latin typeface="+mn-lt"/>
-                <a:ea typeface="+mn-ea"/>
-                <a:cs typeface="+mn-cs"/>
-              </a:rPr>
-              <a:t>Die Anmeldung an der Internetplattform ist erfolgreich, wenn die Antwort des </a:t>
-            </a:r>
-            <a:r>
-              <a:rPr lang="de-DE" sz="1200" kern="1200" dirty="0" err="1" smtClean="0">
-                <a:solidFill>
-                  <a:schemeClr val="tx1"/>
-                </a:solidFill>
-                <a:effectLst/>
-                <a:latin typeface="+mn-lt"/>
-                <a:ea typeface="+mn-ea"/>
-                <a:cs typeface="+mn-cs"/>
-              </a:rPr>
-              <a:t>Social</a:t>
-            </a:r>
-            <a:r>
-              <a:rPr lang="de-DE" sz="1200" kern="1200" dirty="0" smtClean="0">
-                <a:solidFill>
-                  <a:schemeClr val="tx1"/>
-                </a:solidFill>
-                <a:effectLst/>
-                <a:latin typeface="+mn-lt"/>
-                <a:ea typeface="+mn-ea"/>
-                <a:cs typeface="+mn-cs"/>
-              </a:rPr>
-              <a:t>-Network-Anbieters positiv ist, d.h. ist der Benutzer dort authentifiziert wurde und die Benutzerdaten übermittelt worden sind. Kann der Benutzer nicht über den </a:t>
-            </a:r>
-            <a:r>
-              <a:rPr lang="de-DE" sz="1200" kern="1200" dirty="0" err="1" smtClean="0">
-                <a:solidFill>
-                  <a:schemeClr val="tx1"/>
-                </a:solidFill>
-                <a:effectLst/>
-                <a:latin typeface="+mn-lt"/>
-                <a:ea typeface="+mn-ea"/>
-                <a:cs typeface="+mn-cs"/>
-              </a:rPr>
-              <a:t>Social</a:t>
-            </a:r>
-            <a:r>
-              <a:rPr lang="de-DE" sz="1200" kern="1200" dirty="0" smtClean="0">
-                <a:solidFill>
-                  <a:schemeClr val="tx1"/>
-                </a:solidFill>
-                <a:effectLst/>
-                <a:latin typeface="+mn-lt"/>
-                <a:ea typeface="+mn-ea"/>
-                <a:cs typeface="+mn-cs"/>
-              </a:rPr>
-              <a:t>-Network-Anbieter authentifiziert werden, erfolgt auch keine Anmeldung.</a:t>
-            </a:r>
-          </a:p>
-          <a:p>
-            <a:r>
-              <a:rPr lang="de-DE" sz="1200" kern="1200" dirty="0" smtClean="0">
-                <a:solidFill>
-                  <a:schemeClr val="tx1"/>
-                </a:solidFill>
-                <a:effectLst/>
-                <a:latin typeface="+mn-lt"/>
-                <a:ea typeface="+mn-ea"/>
-                <a:cs typeface="+mn-cs"/>
-              </a:rPr>
-              <a:t/>
-            </a:r>
-            <a:br>
-              <a:rPr lang="de-DE" sz="1200" kern="1200" dirty="0" smtClean="0">
-                <a:solidFill>
-                  <a:schemeClr val="tx1"/>
-                </a:solidFill>
-                <a:effectLst/>
-                <a:latin typeface="+mn-lt"/>
-                <a:ea typeface="+mn-ea"/>
-                <a:cs typeface="+mn-cs"/>
-              </a:rPr>
-            </a:br>
-            <a:r>
-              <a:rPr lang="de-DE" sz="1200" kern="1200" dirty="0" smtClean="0">
-                <a:solidFill>
-                  <a:schemeClr val="tx1"/>
-                </a:solidFill>
-                <a:effectLst/>
-                <a:latin typeface="+mn-lt"/>
-                <a:ea typeface="+mn-ea"/>
-                <a:cs typeface="+mn-cs"/>
-              </a:rPr>
-              <a:t>@FSM:  Updaten</a:t>
-            </a:r>
-          </a:p>
-          <a:p>
             <a:endParaRPr lang="de-DE" dirty="0"/>
           </a:p>
         </p:txBody>
@@ -4326,19 +3988,19 @@
           <a:bodyPr/>
           <a:lstStyle/>
           <a:p>
-            <a:fld id="{F7EBFB8C-BBFF-4397-A51C-1E92596422A9}" type="slidenum">
-              <a:rPr lang="en-US" smtClean="0"/>
+            <a:fld id="{1EBFF01C-F984-4A51-AF10-254043F7C542}" type="slidenum">
+              <a:rPr lang="de-DE" smtClean="0"/>
               <a:pPr/>
               <a:t>7</a:t>
             </a:fld>
-            <a:endParaRPr lang="en-US" dirty="0"/>
+            <a:endParaRPr lang="de-DE"/>
           </a:p>
         </p:txBody>
       </p:sp>
     </p:spTree>
     <p:extLst>
       <p:ext uri="{BB962C8B-B14F-4D97-AF65-F5344CB8AC3E}">
-        <p14:creationId xmlns:p14="http://schemas.microsoft.com/office/powerpoint/2010/main" xmlns="" val="2934279750"/>
+        <p14:creationId xmlns:p14="http://schemas.microsoft.com/office/powerpoint/2010/main" val="3860513045"/>
       </p:ext>
     </p:extLst>
   </p:cSld>
@@ -4392,6 +4054,18 @@
           <a:bodyPr/>
           <a:lstStyle/>
           <a:p>
+            <a:r>
+              <a:rPr lang="de-DE" dirty="0" smtClean="0"/>
+              <a:t>Schwerpunkt der </a:t>
+            </a:r>
+            <a:r>
+              <a:rPr lang="de-DE" dirty="0" err="1" smtClean="0"/>
+              <a:t>Präsi</a:t>
+            </a:r>
+            <a:r>
+              <a:rPr lang="de-DE" baseline="0" dirty="0" smtClean="0"/>
+              <a:t> auf Anmelden und Event organisieren legen!</a:t>
+            </a:r>
             <a:endParaRPr lang="de-DE" dirty="0"/>
           </a:p>
         </p:txBody>
@@ -4411,19 +4085,19 @@
           <a:bodyPr/>
           <a:lstStyle/>
           <a:p>
-            <a:fld id="{1EBFF01C-F984-4A51-AF10-254043F7C542}" type="slidenum">
-              <a:rPr lang="de-DE" smtClean="0"/>
+            <a:fld id="{F7EBFB8C-BBFF-4397-A51C-1E92596422A9}" type="slidenum">
+              <a:rPr lang="en-US" smtClean="0"/>
               <a:pPr/>
-              <a:t>8</a:t>
+              <a:t>9</a:t>
             </a:fld>
-            <a:endParaRPr lang="de-DE"/>
+            <a:endParaRPr lang="en-US" dirty="0"/>
           </a:p>
         </p:txBody>
       </p:sp>
     </p:spTree>
     <p:extLst>
       <p:ext uri="{BB962C8B-B14F-4D97-AF65-F5344CB8AC3E}">
-        <p14:creationId xmlns:p14="http://schemas.microsoft.com/office/powerpoint/2010/main" xmlns="" val="3860513045"/>
+        <p14:creationId xmlns:p14="http://schemas.microsoft.com/office/powerpoint/2010/main" val="2934279750"/>
       </p:ext>
     </p:extLst>
   </p:cSld>
@@ -4511,7 +4185,7 @@
             <a:fld id="{F7EBFB8C-BBFF-4397-A51C-1E92596422A9}" type="slidenum">
               <a:rPr lang="en-US" smtClean="0"/>
               <a:pPr/>
-              <a:t>10</a:t>
+              <a:t>18</a:t>
             </a:fld>
             <a:endParaRPr lang="en-US" dirty="0"/>
           </a:p>
@@ -4520,7 +4194,7 @@
     </p:spTree>
     <p:extLst>
       <p:ext uri="{BB962C8B-B14F-4D97-AF65-F5344CB8AC3E}">
-        <p14:creationId xmlns:p14="http://schemas.microsoft.com/office/powerpoint/2010/main" xmlns="" val="2934279750"/>
+        <p14:creationId xmlns:p14="http://schemas.microsoft.com/office/powerpoint/2010/main" val="2934279750"/>
       </p:ext>
     </p:extLst>
   </p:cSld>
@@ -4877,6 +4551,9 @@
   <p:clrMapOvr>
     <a:masterClrMapping/>
   </p:clrMapOvr>
+  <p:transition spd="slow">
+    <p:strips dir="ru"/>
+  </p:transition>
   <p:timing>
     <p:tnLst>
       <p:par>
@@ -5077,6 +4754,9 @@
   <p:clrMapOvr>
     <a:masterClrMapping/>
   </p:clrMapOvr>
+  <p:transition spd="slow">
+    <p:strips dir="ru"/>
+  </p:transition>
 </p:sldLayout>
 </file>
 
@@ -5280,6 +4960,9 @@
   <p:clrMapOvr>
     <a:masterClrMapping/>
   </p:clrMapOvr>
+  <p:transition spd="slow">
+    <p:strips dir="ru"/>
+  </p:transition>
 </p:sldLayout>
 </file>
 
@@ -5473,6 +5156,9 @@
   <p:clrMapOvr>
     <a:masterClrMapping/>
   </p:clrMapOvr>
+  <p:transition spd="slow">
+    <p:strips dir="ru"/>
+  </p:transition>
   <p:timing>
     <p:tnLst>
       <p:par>
@@ -5960,6 +5646,9 @@
   <p:clrMapOvr>
     <a:masterClrMapping/>
   </p:clrMapOvr>
+  <p:transition spd="slow">
+    <p:strips dir="ru"/>
+  </p:transition>
   <p:timing>
     <p:tnLst>
       <p:par>
@@ -6528,6 +6217,9 @@
   <p:clrMapOvr>
     <a:masterClrMapping/>
   </p:clrMapOvr>
+  <p:transition spd="slow">
+    <p:strips dir="ru"/>
+  </p:transition>
   <p:timing>
     <p:tnLst>
       <p:par>
@@ -7037,6 +6729,9 @@
   <p:clrMapOvr>
     <a:masterClrMapping/>
   </p:clrMapOvr>
+  <p:transition spd="slow">
+    <p:strips dir="ru"/>
+  </p:transition>
   <p:timing>
     <p:tnLst>
       <p:par>
@@ -7183,6 +6878,9 @@
   <p:clrMapOvr>
     <a:masterClrMapping/>
   </p:clrMapOvr>
+  <p:transition spd="slow">
+    <p:strips dir="ru"/>
+  </p:transition>
   <p:timing>
     <p:tnLst>
       <p:par>
@@ -7408,6 +7106,9 @@
   <p:clrMapOvr>
     <a:masterClrMapping/>
   </p:clrMapOvr>
+  <p:transition spd="slow">
+    <p:strips dir="ru"/>
+  </p:transition>
 </p:sldLayout>
 </file>
 
@@ -7692,6 +7393,9 @@
   <p:clrMapOvr>
     <a:masterClrMapping/>
   </p:clrMapOvr>
+  <p:transition spd="slow">
+    <p:strips dir="ru"/>
+  </p:transition>
 </p:sldLayout>
 </file>
 
@@ -8146,6 +7850,9 @@
   <p:clrMapOvr>
     <a:masterClrMapping/>
   </p:clrMapOvr>
+  <p:transition spd="slow">
+    <p:strips dir="ru"/>
+  </p:transition>
 </p:sldLayout>
 </file>
 
@@ -8760,7 +8467,7 @@
           <a:blip r:embed="rId13" cstate="print">
             <a:extLst>
               <a:ext uri="{28A0092B-C50C-407E-A947-70E740481C1C}">
-                <a14:useLocalDpi xmlns:a14="http://schemas.microsoft.com/office/drawing/2010/main" xmlns="" val="0"/>
+                <a14:useLocalDpi xmlns:a14="http://schemas.microsoft.com/office/drawing/2010/main" val="0"/>
               </a:ext>
             </a:extLst>
           </a:blip>
@@ -8794,6 +8501,9 @@
     <p:sldLayoutId id="2147483754" r:id="rId10"/>
     <p:sldLayoutId id="2147483755" r:id="rId11"/>
   </p:sldLayoutIdLst>
+  <p:transition spd="slow">
+    <p:strips dir="ru"/>
+  </p:transition>
   <p:timing>
     <p:tnLst>
       <p:par>
@@ -9258,7 +8968,7 @@
           <a:blip r:embed="rId3" cstate="print">
             <a:extLst>
               <a:ext uri="{28A0092B-C50C-407E-A947-70E740481C1C}">
-                <a14:useLocalDpi xmlns:a14="http://schemas.microsoft.com/office/drawing/2010/main" xmlns="" val="0"/>
+                <a14:useLocalDpi xmlns:a14="http://schemas.microsoft.com/office/drawing/2010/main" val="0"/>
               </a:ext>
             </a:extLst>
           </a:blip>
@@ -9288,7 +8998,7 @@
           <a:blip r:embed="rId4" cstate="print">
             <a:extLst>
               <a:ext uri="{28A0092B-C50C-407E-A947-70E740481C1C}">
-                <a14:useLocalDpi xmlns:a14="http://schemas.microsoft.com/office/drawing/2010/main" xmlns="" val="0"/>
+                <a14:useLocalDpi xmlns:a14="http://schemas.microsoft.com/office/drawing/2010/main" val="0"/>
               </a:ext>
             </a:extLst>
           </a:blip>
@@ -9311,6 +9021,9 @@
   <p:clrMapOvr>
     <a:masterClrMapping/>
   </p:clrMapOvr>
+  <p:transition spd="slow">
+    <p:strips dir="ru"/>
+  </p:transition>
   <p:timing>
     <p:tnLst>
       <p:par>
@@ -9338,32 +9051,6 @@
           <a:chExt cx="0" cy="0"/>
         </a:xfrm>
       </p:grpSpPr>
-      <p:pic>
-        <p:nvPicPr>
-          <p:cNvPr id="1027" name="Picture 3" descr="C:\Users\Alexander\Desktop\Anwendungsfalldiagramm Benutzer und Eventfunktionen.png"/>
-          <p:cNvPicPr>
-            <a:picLocks noChangeAspect="1" noChangeArrowheads="1"/>
-          </p:cNvPicPr>
-          <p:nvPr/>
-        </p:nvPicPr>
-        <p:blipFill>
-          <a:blip r:embed="rId3" cstate="print"/>
-          <a:srcRect/>
-          <a:stretch>
-            <a:fillRect/>
-          </a:stretch>
-        </p:blipFill>
-        <p:spPr bwMode="auto">
-          <a:xfrm>
-            <a:off x="1475656" y="1484789"/>
-            <a:ext cx="2628000" cy="2468173"/>
-          </a:xfrm>
-          <a:prstGeom prst="rect">
-            <a:avLst/>
-          </a:prstGeom>
-          <a:noFill/>
-        </p:spPr>
-      </p:pic>
       <p:sp>
         <p:nvSpPr>
           <p:cNvPr id="2" name="Titel 1"/>
@@ -9383,7 +9070,14 @@
           <a:p>
             <a:r>
               <a:rPr lang="de-DE" dirty="0" smtClean="0"/>
-              <a:t>Funktionale Anforderungen Anwendungsfalldiagramm</a:t>
+              <a:t>„Event organisieren“</a:t>
+            </a:r>
+            <a:br>
+              <a:rPr lang="de-DE" dirty="0" smtClean="0"/>
+            </a:br>
+            <a:r>
+              <a:rPr lang="de-DE" dirty="0" smtClean="0"/>
+              <a:t>Lastenheft</a:t>
             </a:r>
             <a:endParaRPr lang="de-DE" dirty="0"/>
           </a:p>
@@ -9454,322 +9148,6 @@
               <a:rPr lang="en-US" smtClean="0"/>
               <a:pPr/>
               <a:t>10</a:t>
-            </a:fld>
-            <a:endParaRPr lang="en-US"/>
-          </a:p>
-        </p:txBody>
-      </p:sp>
-      <p:pic>
-        <p:nvPicPr>
-          <p:cNvPr id="2050" name="Picture 2" descr="C:\Users\Alexander\Desktop\Anwendungsfalldiagramm Benutzer und Eventfunktionen.png"/>
-          <p:cNvPicPr>
-            <a:picLocks noChangeAspect="1" noChangeArrowheads="1"/>
-          </p:cNvPicPr>
-          <p:nvPr/>
-        </p:nvPicPr>
-        <p:blipFill>
-          <a:blip r:embed="rId3" cstate="print"/>
-          <a:srcRect l="37173" t="41284" b="9873"/>
-          <a:stretch>
-            <a:fillRect/>
-          </a:stretch>
-        </p:blipFill>
-        <p:spPr bwMode="auto">
-          <a:xfrm>
-            <a:off x="4499992" y="3140968"/>
-            <a:ext cx="4536504" cy="3312368"/>
-          </a:xfrm>
-          <a:prstGeom prst="rect">
-            <a:avLst/>
-          </a:prstGeom>
-          <a:noFill/>
-          <a:ln w="25400">
-            <a:solidFill>
-              <a:schemeClr val="accent6"/>
-            </a:solidFill>
-          </a:ln>
-        </p:spPr>
-      </p:pic>
-      <p:sp>
-        <p:nvSpPr>
-          <p:cNvPr id="8" name="Rechteck 7"/>
-          <p:cNvSpPr/>
-          <p:nvPr/>
-        </p:nvSpPr>
-        <p:spPr>
-          <a:xfrm>
-            <a:off x="2411760" y="2492896"/>
-            <a:ext cx="1728192" cy="1224136"/>
-          </a:xfrm>
-          <a:prstGeom prst="rect">
-            <a:avLst/>
-          </a:prstGeom>
-          <a:noFill/>
-        </p:spPr>
-        <p:style>
-          <a:lnRef idx="2">
-            <a:schemeClr val="accent6"/>
-          </a:lnRef>
-          <a:fillRef idx="1">
-            <a:schemeClr val="lt1"/>
-          </a:fillRef>
-          <a:effectRef idx="0">
-            <a:schemeClr val="accent6"/>
-          </a:effectRef>
-          <a:fontRef idx="minor">
-            <a:schemeClr val="dk1"/>
-          </a:fontRef>
-        </p:style>
-        <p:txBody>
-          <a:bodyPr rtlCol="0" anchor="ctr"/>
-          <a:lstStyle/>
-          <a:p>
-            <a:pPr algn="ctr"/>
-            <a:endParaRPr lang="de-DE">
-              <a:solidFill>
-                <a:schemeClr val="dk1"/>
-              </a:solidFill>
-            </a:endParaRPr>
-          </a:p>
-        </p:txBody>
-      </p:sp>
-      <p:cxnSp>
-        <p:nvCxnSpPr>
-          <p:cNvPr id="11" name="Gerade Verbindung 10"/>
-          <p:cNvCxnSpPr/>
-          <p:nvPr/>
-        </p:nvCxnSpPr>
-        <p:spPr>
-          <a:xfrm>
-            <a:off x="4139952" y="2492896"/>
-            <a:ext cx="360040" cy="648072"/>
-          </a:xfrm>
-          <a:prstGeom prst="line">
-            <a:avLst/>
-          </a:prstGeom>
-          <a:noFill/>
-        </p:spPr>
-        <p:style>
-          <a:lnRef idx="2">
-            <a:schemeClr val="accent6"/>
-          </a:lnRef>
-          <a:fillRef idx="1">
-            <a:schemeClr val="lt1"/>
-          </a:fillRef>
-          <a:effectRef idx="0">
-            <a:schemeClr val="accent6"/>
-          </a:effectRef>
-          <a:fontRef idx="minor">
-            <a:schemeClr val="dk1"/>
-          </a:fontRef>
-        </p:style>
-      </p:cxnSp>
-      <p:cxnSp>
-        <p:nvCxnSpPr>
-          <p:cNvPr id="12" name="Gerade Verbindung 11"/>
-          <p:cNvCxnSpPr/>
-          <p:nvPr/>
-        </p:nvCxnSpPr>
-        <p:spPr>
-          <a:xfrm>
-            <a:off x="4139952" y="3717032"/>
-            <a:ext cx="360040" cy="2736304"/>
-          </a:xfrm>
-          <a:prstGeom prst="line">
-            <a:avLst/>
-          </a:prstGeom>
-          <a:noFill/>
-        </p:spPr>
-        <p:style>
-          <a:lnRef idx="2">
-            <a:schemeClr val="accent6"/>
-          </a:lnRef>
-          <a:fillRef idx="1">
-            <a:schemeClr val="lt1"/>
-          </a:fillRef>
-          <a:effectRef idx="0">
-            <a:schemeClr val="accent6"/>
-          </a:effectRef>
-          <a:fontRef idx="minor">
-            <a:schemeClr val="dk1"/>
-          </a:fontRef>
-        </p:style>
-      </p:cxnSp>
-      <p:sp>
-        <p:nvSpPr>
-          <p:cNvPr id="15" name="Rechteck 14"/>
-          <p:cNvSpPr/>
-          <p:nvPr/>
-        </p:nvSpPr>
-        <p:spPr>
-          <a:xfrm>
-            <a:off x="5220072" y="4077072"/>
-            <a:ext cx="1368152" cy="648072"/>
-          </a:xfrm>
-          <a:prstGeom prst="rect">
-            <a:avLst/>
-          </a:prstGeom>
-          <a:noFill/>
-        </p:spPr>
-        <p:style>
-          <a:lnRef idx="2">
-            <a:schemeClr val="accent1">
-              <a:shade val="50000"/>
-            </a:schemeClr>
-          </a:lnRef>
-          <a:fillRef idx="1">
-            <a:schemeClr val="accent1"/>
-          </a:fillRef>
-          <a:effectRef idx="0">
-            <a:schemeClr val="accent1"/>
-          </a:effectRef>
-          <a:fontRef idx="minor">
-            <a:schemeClr val="lt1"/>
-          </a:fontRef>
-        </p:style>
-        <p:txBody>
-          <a:bodyPr rtlCol="0" anchor="ctr"/>
-          <a:lstStyle/>
-          <a:p>
-            <a:pPr algn="ctr"/>
-            <a:endParaRPr lang="de-DE"/>
-          </a:p>
-        </p:txBody>
-      </p:sp>
-    </p:spTree>
-    <p:extLst>
-      <p:ext uri="{BB962C8B-B14F-4D97-AF65-F5344CB8AC3E}">
-        <p14:creationId xmlns:p14="http://schemas.microsoft.com/office/powerpoint/2010/main" xmlns="" val="351671181"/>
-      </p:ext>
-    </p:extLst>
-  </p:cSld>
-  <p:clrMapOvr>
-    <a:masterClrMapping/>
-  </p:clrMapOvr>
-  <p:timing>
-    <p:tnLst>
-      <p:par>
-        <p:cTn id="1" dur="indefinite" restart="never" nodeType="tmRoot"/>
-      </p:par>
-    </p:tnLst>
-  </p:timing>
-</p:sld>
-</file>
-
-<file path=ppt/slides/slide11.xml><?xml version="1.0" encoding="utf-8"?>
-<p:sld xmlns:a="http://schemas.openxmlformats.org/drawingml/2006/main" xmlns:r="http://schemas.openxmlformats.org/officeDocument/2006/relationships" xmlns:p="http://schemas.openxmlformats.org/presentationml/2006/main">
-  <p:cSld>
-    <p:spTree>
-      <p:nvGrpSpPr>
-        <p:cNvPr id="1" name=""/>
-        <p:cNvGrpSpPr/>
-        <p:nvPr/>
-      </p:nvGrpSpPr>
-      <p:grpSpPr>
-        <a:xfrm>
-          <a:off x="0" y="0"/>
-          <a:ext cx="0" cy="0"/>
-          <a:chOff x="0" y="0"/>
-          <a:chExt cx="0" cy="0"/>
-        </a:xfrm>
-      </p:grpSpPr>
-      <p:sp>
-        <p:nvSpPr>
-          <p:cNvPr id="2" name="Titel 1"/>
-          <p:cNvSpPr>
-            <a:spLocks noGrp="1"/>
-          </p:cNvSpPr>
-          <p:nvPr>
-            <p:ph type="title"/>
-          </p:nvPr>
-        </p:nvSpPr>
-        <p:spPr/>
-        <p:txBody>
-          <a:bodyPr>
-            <a:normAutofit fontScale="90000"/>
-          </a:bodyPr>
-          <a:lstStyle/>
-          <a:p>
-            <a:r>
-              <a:rPr lang="de-DE" dirty="0" smtClean="0"/>
-              <a:t>„Event organisieren“</a:t>
-            </a:r>
-            <a:br>
-              <a:rPr lang="de-DE" dirty="0" smtClean="0"/>
-            </a:br>
-            <a:r>
-              <a:rPr lang="de-DE" dirty="0" smtClean="0"/>
-              <a:t>Lastenheft</a:t>
-            </a:r>
-            <a:endParaRPr lang="de-DE" dirty="0"/>
-          </a:p>
-        </p:txBody>
-      </p:sp>
-      <p:sp>
-        <p:nvSpPr>
-          <p:cNvPr id="4" name="Datumsplatzhalter 3"/>
-          <p:cNvSpPr>
-            <a:spLocks noGrp="1"/>
-          </p:cNvSpPr>
-          <p:nvPr>
-            <p:ph type="dt" sz="half" idx="10"/>
-          </p:nvPr>
-        </p:nvSpPr>
-        <p:spPr/>
-        <p:txBody>
-          <a:bodyPr/>
-          <a:lstStyle/>
-          <a:p>
-            <a:r>
-              <a:rPr lang="de-DE" smtClean="0"/>
-              <a:t>21.04.2012</a:t>
-            </a:r>
-            <a:endParaRPr lang="en-US"/>
-          </a:p>
-        </p:txBody>
-      </p:sp>
-      <p:sp>
-        <p:nvSpPr>
-          <p:cNvPr id="5" name="Fußzeilenplatzhalter 4"/>
-          <p:cNvSpPr>
-            <a:spLocks noGrp="1"/>
-          </p:cNvSpPr>
-          <p:nvPr>
-            <p:ph type="ftr" sz="quarter" idx="11"/>
-          </p:nvPr>
-        </p:nvSpPr>
-        <p:spPr/>
-        <p:txBody>
-          <a:bodyPr/>
-          <a:lstStyle/>
-          <a:p>
-            <a:r>
-              <a:rPr lang="de-DE" smtClean="0"/>
-              <a:t>FST Projekt "Eventalizer" (SS 2012) Team 5</a:t>
-            </a:r>
-            <a:endParaRPr lang="de-DE" dirty="0"/>
-          </a:p>
-        </p:txBody>
-      </p:sp>
-      <p:sp>
-        <p:nvSpPr>
-          <p:cNvPr id="6" name="Foliennummernplatzhalter 5"/>
-          <p:cNvSpPr>
-            <a:spLocks noGrp="1"/>
-          </p:cNvSpPr>
-          <p:nvPr>
-            <p:ph type="sldNum" sz="quarter" idx="12"/>
-          </p:nvPr>
-        </p:nvSpPr>
-        <p:spPr/>
-        <p:txBody>
-          <a:bodyPr/>
-          <a:lstStyle/>
-          <a:p>
-            <a:fld id="{990B41CA-569D-40E7-8E58-026C0338B2C8}" type="slidenum">
-              <a:rPr lang="en-US" smtClean="0"/>
-              <a:pPr/>
-              <a:t>11</a:t>
             </a:fld>
             <a:endParaRPr lang="en-US"/>
           </a:p>
@@ -9837,6 +9215,260 @@
   <p:clrMapOvr>
     <a:masterClrMapping/>
   </p:clrMapOvr>
+  <p:transition spd="slow">
+    <p:strips dir="ru"/>
+  </p:transition>
+  <p:timing>
+    <p:tnLst>
+      <p:par>
+        <p:cTn id="1" dur="indefinite" restart="never" nodeType="tmRoot"/>
+      </p:par>
+    </p:tnLst>
+  </p:timing>
+</p:sld>
+</file>
+
+<file path=ppt/slides/slide11.xml><?xml version="1.0" encoding="utf-8"?>
+<p:sld xmlns:a="http://schemas.openxmlformats.org/drawingml/2006/main" xmlns:r="http://schemas.openxmlformats.org/officeDocument/2006/relationships" xmlns:p="http://schemas.openxmlformats.org/presentationml/2006/main">
+  <p:cSld>
+    <p:spTree>
+      <p:nvGrpSpPr>
+        <p:cNvPr id="1" name=""/>
+        <p:cNvGrpSpPr/>
+        <p:nvPr/>
+      </p:nvGrpSpPr>
+      <p:grpSpPr>
+        <a:xfrm>
+          <a:off x="0" y="0"/>
+          <a:ext cx="0" cy="0"/>
+          <a:chOff x="0" y="0"/>
+          <a:chExt cx="0" cy="0"/>
+        </a:xfrm>
+      </p:grpSpPr>
+      <p:pic>
+        <p:nvPicPr>
+          <p:cNvPr id="10" name="Picture 10"/>
+          <p:cNvPicPr>
+            <a:picLocks noChangeAspect="1" noChangeArrowheads="1"/>
+          </p:cNvPicPr>
+          <p:nvPr/>
+        </p:nvPicPr>
+        <p:blipFill>
+          <a:blip r:embed="rId2" cstate="print"/>
+          <a:srcRect l="-1545" t="-2690" r="-317" b="-2690"/>
+          <a:stretch>
+            <a:fillRect/>
+          </a:stretch>
+        </p:blipFill>
+        <p:spPr bwMode="auto">
+          <a:xfrm>
+            <a:off x="1368376" y="1700808"/>
+            <a:ext cx="6588000" cy="3651181"/>
+          </a:xfrm>
+          <a:prstGeom prst="rect">
+            <a:avLst/>
+          </a:prstGeom>
+          <a:solidFill>
+            <a:srgbClr val="FFFFFF">
+              <a:shade val="85000"/>
+            </a:srgbClr>
+          </a:solidFill>
+          <a:ln w="190500" cap="sq">
+            <a:solidFill>
+              <a:srgbClr val="FFFFFF"/>
+            </a:solidFill>
+            <a:miter lim="800000"/>
+          </a:ln>
+          <a:effectLst>
+            <a:outerShdw blurRad="65000" dist="50800" dir="12900000" kx="195000" ky="145000" algn="tl" rotWithShape="0">
+              <a:srgbClr val="000000">
+                <a:alpha val="30000"/>
+              </a:srgbClr>
+            </a:outerShdw>
+          </a:effectLst>
+          <a:scene3d>
+            <a:camera prst="orthographicFront">
+              <a:rot lat="0" lon="0" rev="360000"/>
+            </a:camera>
+            <a:lightRig rig="twoPt" dir="t">
+              <a:rot lat="0" lon="0" rev="7200000"/>
+            </a:lightRig>
+          </a:scene3d>
+          <a:sp3d contourW="12700">
+            <a:bevelT w="25400" h="19050"/>
+            <a:contourClr>
+              <a:srgbClr val="969696"/>
+            </a:contourClr>
+          </a:sp3d>
+        </p:spPr>
+      </p:pic>
+      <p:sp>
+        <p:nvSpPr>
+          <p:cNvPr id="2" name="Titel 1"/>
+          <p:cNvSpPr>
+            <a:spLocks noGrp="1"/>
+          </p:cNvSpPr>
+          <p:nvPr>
+            <p:ph type="title"/>
+          </p:nvPr>
+        </p:nvSpPr>
+        <p:spPr/>
+        <p:txBody>
+          <a:bodyPr>
+            <a:normAutofit fontScale="90000"/>
+          </a:bodyPr>
+          <a:lstStyle/>
+          <a:p>
+            <a:r>
+              <a:rPr lang="de-DE" dirty="0" smtClean="0"/>
+              <a:t>„Event organisieren“</a:t>
+            </a:r>
+            <a:br>
+              <a:rPr lang="de-DE" dirty="0" smtClean="0"/>
+            </a:br>
+            <a:r>
+              <a:rPr lang="de-DE" dirty="0" smtClean="0"/>
+              <a:t>Lastenheft</a:t>
+            </a:r>
+            <a:endParaRPr lang="de-DE" dirty="0"/>
+          </a:p>
+        </p:txBody>
+      </p:sp>
+      <p:sp>
+        <p:nvSpPr>
+          <p:cNvPr id="4" name="Datumsplatzhalter 3"/>
+          <p:cNvSpPr>
+            <a:spLocks noGrp="1"/>
+          </p:cNvSpPr>
+          <p:nvPr>
+            <p:ph type="dt" sz="half" idx="10"/>
+          </p:nvPr>
+        </p:nvSpPr>
+        <p:spPr/>
+        <p:txBody>
+          <a:bodyPr/>
+          <a:lstStyle/>
+          <a:p>
+            <a:r>
+              <a:rPr lang="de-DE" smtClean="0"/>
+              <a:t>21.04.2012</a:t>
+            </a:r>
+            <a:endParaRPr lang="en-US"/>
+          </a:p>
+        </p:txBody>
+      </p:sp>
+      <p:sp>
+        <p:nvSpPr>
+          <p:cNvPr id="5" name="Fußzeilenplatzhalter 4"/>
+          <p:cNvSpPr>
+            <a:spLocks noGrp="1"/>
+          </p:cNvSpPr>
+          <p:nvPr>
+            <p:ph type="ftr" sz="quarter" idx="11"/>
+          </p:nvPr>
+        </p:nvSpPr>
+        <p:spPr/>
+        <p:txBody>
+          <a:bodyPr/>
+          <a:lstStyle/>
+          <a:p>
+            <a:r>
+              <a:rPr lang="de-DE" smtClean="0"/>
+              <a:t>FST Projekt "Eventalizer" (SS 2012) Team 5</a:t>
+            </a:r>
+            <a:endParaRPr lang="de-DE" dirty="0"/>
+          </a:p>
+        </p:txBody>
+      </p:sp>
+      <p:sp>
+        <p:nvSpPr>
+          <p:cNvPr id="6" name="Foliennummernplatzhalter 5"/>
+          <p:cNvSpPr>
+            <a:spLocks noGrp="1"/>
+          </p:cNvSpPr>
+          <p:nvPr>
+            <p:ph type="sldNum" sz="quarter" idx="12"/>
+          </p:nvPr>
+        </p:nvSpPr>
+        <p:spPr/>
+        <p:txBody>
+          <a:bodyPr/>
+          <a:lstStyle/>
+          <a:p>
+            <a:fld id="{990B41CA-569D-40E7-8E58-026C0338B2C8}" type="slidenum">
+              <a:rPr lang="en-US" smtClean="0"/>
+              <a:pPr/>
+              <a:t>11</a:t>
+            </a:fld>
+            <a:endParaRPr lang="en-US"/>
+          </a:p>
+        </p:txBody>
+      </p:sp>
+      <p:pic>
+        <p:nvPicPr>
+          <p:cNvPr id="1032" name="Picture 8"/>
+          <p:cNvPicPr>
+            <a:picLocks noChangeAspect="1" noChangeArrowheads="1"/>
+          </p:cNvPicPr>
+          <p:nvPr/>
+        </p:nvPicPr>
+        <p:blipFill>
+          <a:blip r:embed="rId3" cstate="print"/>
+          <a:srcRect l="-1120" t="-3533" r="-799" b="-2447"/>
+          <a:stretch>
+            <a:fillRect/>
+          </a:stretch>
+        </p:blipFill>
+        <p:spPr bwMode="auto">
+          <a:xfrm rot="324393">
+            <a:off x="1676492" y="3053091"/>
+            <a:ext cx="6552728" cy="2160240"/>
+          </a:xfrm>
+          <a:prstGeom prst="rect">
+            <a:avLst/>
+          </a:prstGeom>
+          <a:solidFill>
+            <a:srgbClr val="FFFFFF">
+              <a:shade val="85000"/>
+            </a:srgbClr>
+          </a:solidFill>
+          <a:ln w="190500" cap="sq">
+            <a:solidFill>
+              <a:srgbClr val="FFFFFF"/>
+            </a:solidFill>
+            <a:miter lim="800000"/>
+          </a:ln>
+          <a:effectLst>
+            <a:outerShdw blurRad="65000" dist="50800" dir="12900000" kx="195000" ky="145000" algn="tl" rotWithShape="0">
+              <a:srgbClr val="000000">
+                <a:alpha val="30000"/>
+              </a:srgbClr>
+            </a:outerShdw>
+          </a:effectLst>
+          <a:scene3d>
+            <a:camera prst="orthographicFront">
+              <a:rot lat="0" lon="0" rev="360000"/>
+            </a:camera>
+            <a:lightRig rig="twoPt" dir="t">
+              <a:rot lat="0" lon="0" rev="7200000"/>
+            </a:lightRig>
+          </a:scene3d>
+          <a:sp3d contourW="12700">
+            <a:bevelT w="25400" h="19050"/>
+            <a:contourClr>
+              <a:srgbClr val="969696"/>
+            </a:contourClr>
+          </a:sp3d>
+        </p:spPr>
+      </p:pic>
+    </p:spTree>
+  </p:cSld>
+  <p:clrMapOvr>
+    <a:masterClrMapping/>
+  </p:clrMapOvr>
+  <p:transition spd="slow">
+    <p:strips dir="ru"/>
+  </p:transition>
   <p:timing>
     <p:tnLst>
       <p:par>
@@ -10018,254 +9650,6 @@
               <a:rPr lang="en-US" smtClean="0"/>
               <a:pPr/>
               <a:t>12</a:t>
-            </a:fld>
-            <a:endParaRPr lang="en-US"/>
-          </a:p>
-        </p:txBody>
-      </p:sp>
-      <p:pic>
-        <p:nvPicPr>
-          <p:cNvPr id="1032" name="Picture 8"/>
-          <p:cNvPicPr>
-            <a:picLocks noChangeAspect="1" noChangeArrowheads="1"/>
-          </p:cNvPicPr>
-          <p:nvPr/>
-        </p:nvPicPr>
-        <p:blipFill>
-          <a:blip r:embed="rId3" cstate="print"/>
-          <a:srcRect l="-1120" t="-3533" r="-799" b="-2447"/>
-          <a:stretch>
-            <a:fillRect/>
-          </a:stretch>
-        </p:blipFill>
-        <p:spPr bwMode="auto">
-          <a:xfrm rot="324393">
-            <a:off x="1676492" y="3053091"/>
-            <a:ext cx="6552728" cy="2160240"/>
-          </a:xfrm>
-          <a:prstGeom prst="rect">
-            <a:avLst/>
-          </a:prstGeom>
-          <a:solidFill>
-            <a:srgbClr val="FFFFFF">
-              <a:shade val="85000"/>
-            </a:srgbClr>
-          </a:solidFill>
-          <a:ln w="190500" cap="sq">
-            <a:solidFill>
-              <a:srgbClr val="FFFFFF"/>
-            </a:solidFill>
-            <a:miter lim="800000"/>
-          </a:ln>
-          <a:effectLst>
-            <a:outerShdw blurRad="65000" dist="50800" dir="12900000" kx="195000" ky="145000" algn="tl" rotWithShape="0">
-              <a:srgbClr val="000000">
-                <a:alpha val="30000"/>
-              </a:srgbClr>
-            </a:outerShdw>
-          </a:effectLst>
-          <a:scene3d>
-            <a:camera prst="orthographicFront">
-              <a:rot lat="0" lon="0" rev="360000"/>
-            </a:camera>
-            <a:lightRig rig="twoPt" dir="t">
-              <a:rot lat="0" lon="0" rev="7200000"/>
-            </a:lightRig>
-          </a:scene3d>
-          <a:sp3d contourW="12700">
-            <a:bevelT w="25400" h="19050"/>
-            <a:contourClr>
-              <a:srgbClr val="969696"/>
-            </a:contourClr>
-          </a:sp3d>
-        </p:spPr>
-      </p:pic>
-    </p:spTree>
-  </p:cSld>
-  <p:clrMapOvr>
-    <a:masterClrMapping/>
-  </p:clrMapOvr>
-  <p:timing>
-    <p:tnLst>
-      <p:par>
-        <p:cTn id="1" dur="indefinite" restart="never" nodeType="tmRoot"/>
-      </p:par>
-    </p:tnLst>
-  </p:timing>
-</p:sld>
-</file>
-
-<file path=ppt/slides/slide13.xml><?xml version="1.0" encoding="utf-8"?>
-<p:sld xmlns:a="http://schemas.openxmlformats.org/drawingml/2006/main" xmlns:r="http://schemas.openxmlformats.org/officeDocument/2006/relationships" xmlns:p="http://schemas.openxmlformats.org/presentationml/2006/main">
-  <p:cSld>
-    <p:spTree>
-      <p:nvGrpSpPr>
-        <p:cNvPr id="1" name=""/>
-        <p:cNvGrpSpPr/>
-        <p:nvPr/>
-      </p:nvGrpSpPr>
-      <p:grpSpPr>
-        <a:xfrm>
-          <a:off x="0" y="0"/>
-          <a:ext cx="0" cy="0"/>
-          <a:chOff x="0" y="0"/>
-          <a:chExt cx="0" cy="0"/>
-        </a:xfrm>
-      </p:grpSpPr>
-      <p:pic>
-        <p:nvPicPr>
-          <p:cNvPr id="10" name="Picture 10"/>
-          <p:cNvPicPr>
-            <a:picLocks noChangeAspect="1" noChangeArrowheads="1"/>
-          </p:cNvPicPr>
-          <p:nvPr/>
-        </p:nvPicPr>
-        <p:blipFill>
-          <a:blip r:embed="rId2" cstate="print"/>
-          <a:srcRect l="-1545" t="-2690" r="-317" b="-2690"/>
-          <a:stretch>
-            <a:fillRect/>
-          </a:stretch>
-        </p:blipFill>
-        <p:spPr bwMode="auto">
-          <a:xfrm>
-            <a:off x="1368376" y="1700808"/>
-            <a:ext cx="6588000" cy="3651181"/>
-          </a:xfrm>
-          <a:prstGeom prst="rect">
-            <a:avLst/>
-          </a:prstGeom>
-          <a:solidFill>
-            <a:srgbClr val="FFFFFF">
-              <a:shade val="85000"/>
-            </a:srgbClr>
-          </a:solidFill>
-          <a:ln w="190500" cap="sq">
-            <a:solidFill>
-              <a:srgbClr val="FFFFFF"/>
-            </a:solidFill>
-            <a:miter lim="800000"/>
-          </a:ln>
-          <a:effectLst>
-            <a:outerShdw blurRad="65000" dist="50800" dir="12900000" kx="195000" ky="145000" algn="tl" rotWithShape="0">
-              <a:srgbClr val="000000">
-                <a:alpha val="30000"/>
-              </a:srgbClr>
-            </a:outerShdw>
-          </a:effectLst>
-          <a:scene3d>
-            <a:camera prst="orthographicFront">
-              <a:rot lat="0" lon="0" rev="360000"/>
-            </a:camera>
-            <a:lightRig rig="twoPt" dir="t">
-              <a:rot lat="0" lon="0" rev="7200000"/>
-            </a:lightRig>
-          </a:scene3d>
-          <a:sp3d contourW="12700">
-            <a:bevelT w="25400" h="19050"/>
-            <a:contourClr>
-              <a:srgbClr val="969696"/>
-            </a:contourClr>
-          </a:sp3d>
-        </p:spPr>
-      </p:pic>
-      <p:sp>
-        <p:nvSpPr>
-          <p:cNvPr id="2" name="Titel 1"/>
-          <p:cNvSpPr>
-            <a:spLocks noGrp="1"/>
-          </p:cNvSpPr>
-          <p:nvPr>
-            <p:ph type="title"/>
-          </p:nvPr>
-        </p:nvSpPr>
-        <p:spPr/>
-        <p:txBody>
-          <a:bodyPr>
-            <a:normAutofit fontScale="90000"/>
-          </a:bodyPr>
-          <a:lstStyle/>
-          <a:p>
-            <a:r>
-              <a:rPr lang="de-DE" dirty="0" smtClean="0"/>
-              <a:t>„Event organisieren“</a:t>
-            </a:r>
-            <a:br>
-              <a:rPr lang="de-DE" dirty="0" smtClean="0"/>
-            </a:br>
-            <a:r>
-              <a:rPr lang="de-DE" dirty="0" smtClean="0"/>
-              <a:t>Lastenheft</a:t>
-            </a:r>
-            <a:endParaRPr lang="de-DE" dirty="0"/>
-          </a:p>
-        </p:txBody>
-      </p:sp>
-      <p:sp>
-        <p:nvSpPr>
-          <p:cNvPr id="4" name="Datumsplatzhalter 3"/>
-          <p:cNvSpPr>
-            <a:spLocks noGrp="1"/>
-          </p:cNvSpPr>
-          <p:nvPr>
-            <p:ph type="dt" sz="half" idx="10"/>
-          </p:nvPr>
-        </p:nvSpPr>
-        <p:spPr/>
-        <p:txBody>
-          <a:bodyPr/>
-          <a:lstStyle/>
-          <a:p>
-            <a:r>
-              <a:rPr lang="de-DE" smtClean="0"/>
-              <a:t>21.04.2012</a:t>
-            </a:r>
-            <a:endParaRPr lang="en-US"/>
-          </a:p>
-        </p:txBody>
-      </p:sp>
-      <p:sp>
-        <p:nvSpPr>
-          <p:cNvPr id="5" name="Fußzeilenplatzhalter 4"/>
-          <p:cNvSpPr>
-            <a:spLocks noGrp="1"/>
-          </p:cNvSpPr>
-          <p:nvPr>
-            <p:ph type="ftr" sz="quarter" idx="11"/>
-          </p:nvPr>
-        </p:nvSpPr>
-        <p:spPr/>
-        <p:txBody>
-          <a:bodyPr/>
-          <a:lstStyle/>
-          <a:p>
-            <a:r>
-              <a:rPr lang="de-DE" smtClean="0"/>
-              <a:t>FST Projekt "Eventalizer" (SS 2012) Team 5</a:t>
-            </a:r>
-            <a:endParaRPr lang="de-DE" dirty="0"/>
-          </a:p>
-        </p:txBody>
-      </p:sp>
-      <p:sp>
-        <p:nvSpPr>
-          <p:cNvPr id="6" name="Foliennummernplatzhalter 5"/>
-          <p:cNvSpPr>
-            <a:spLocks noGrp="1"/>
-          </p:cNvSpPr>
-          <p:nvPr>
-            <p:ph type="sldNum" sz="quarter" idx="12"/>
-          </p:nvPr>
-        </p:nvSpPr>
-        <p:spPr/>
-        <p:txBody>
-          <a:bodyPr/>
-          <a:lstStyle/>
-          <a:p>
-            <a:fld id="{990B41CA-569D-40E7-8E58-026C0338B2C8}" type="slidenum">
-              <a:rPr lang="en-US" smtClean="0"/>
-              <a:pPr/>
-              <a:t>13</a:t>
             </a:fld>
             <a:endParaRPr lang="en-US"/>
           </a:p>
@@ -10390,6 +9774,9 @@
   <p:clrMapOvr>
     <a:masterClrMapping/>
   </p:clrMapOvr>
+  <p:transition spd="slow">
+    <p:strips dir="ru"/>
+  </p:transition>
   <p:timing>
     <p:tnLst>
       <p:par>
@@ -10400,7 +9787,7 @@
 </p:sld>
 </file>
 
-<file path=ppt/slides/slide14.xml><?xml version="1.0" encoding="utf-8"?>
+<file path=ppt/slides/slide13.xml><?xml version="1.0" encoding="utf-8"?>
 <p:sld xmlns:a="http://schemas.openxmlformats.org/drawingml/2006/main" xmlns:r="http://schemas.openxmlformats.org/officeDocument/2006/relationships" xmlns:p="http://schemas.openxmlformats.org/presentationml/2006/main">
   <p:cSld>
     <p:spTree>
@@ -10513,7 +9900,7 @@
             <a:fld id="{990B41CA-569D-40E7-8E58-026C0338B2C8}" type="slidenum">
               <a:rPr lang="en-US" smtClean="0"/>
               <a:pPr/>
-              <a:t>14</a:t>
+              <a:t>13</a:t>
             </a:fld>
             <a:endParaRPr lang="en-US"/>
           </a:p>
@@ -10581,6 +9968,9 @@
   <p:clrMapOvr>
     <a:masterClrMapping/>
   </p:clrMapOvr>
+  <p:transition spd="slow">
+    <p:strips dir="ru"/>
+  </p:transition>
   <p:timing>
     <p:tnLst>
       <p:par>
@@ -10591,7 +9981,7 @@
 </p:sld>
 </file>
 
-<file path=ppt/slides/slide15.xml><?xml version="1.0" encoding="utf-8"?>
+<file path=ppt/slides/slide14.xml><?xml version="1.0" encoding="utf-8"?>
 <p:sld xmlns:a="http://schemas.openxmlformats.org/drawingml/2006/main" xmlns:r="http://schemas.openxmlformats.org/officeDocument/2006/relationships" xmlns:p="http://schemas.openxmlformats.org/presentationml/2006/main">
   <p:cSld>
     <p:spTree>
@@ -10704,7 +10094,7 @@
             <a:fld id="{990B41CA-569D-40E7-8E58-026C0338B2C8}" type="slidenum">
               <a:rPr lang="en-US" smtClean="0"/>
               <a:pPr/>
-              <a:t>15</a:t>
+              <a:t>14</a:t>
             </a:fld>
             <a:endParaRPr lang="en-US"/>
           </a:p>
@@ -10829,6 +10219,9 @@
   <p:clrMapOvr>
     <a:masterClrMapping/>
   </p:clrMapOvr>
+  <p:transition spd="slow">
+    <p:strips dir="ru"/>
+  </p:transition>
   <p:timing>
     <p:tnLst>
       <p:par>
@@ -10839,7 +10232,7 @@
 </p:sld>
 </file>
 
-<file path=ppt/slides/slide16.xml><?xml version="1.0" encoding="utf-8"?>
+<file path=ppt/slides/slide15.xml><?xml version="1.0" encoding="utf-8"?>
 <p:sld xmlns:a="http://schemas.openxmlformats.org/drawingml/2006/main" xmlns:r="http://schemas.openxmlformats.org/officeDocument/2006/relationships" xmlns:p="http://schemas.openxmlformats.org/presentationml/2006/main">
   <p:cSld>
     <p:spTree>
@@ -10952,7 +10345,7 @@
             <a:fld id="{990B41CA-569D-40E7-8E58-026C0338B2C8}" type="slidenum">
               <a:rPr lang="en-US" smtClean="0"/>
               <a:pPr/>
-              <a:t>16</a:t>
+              <a:t>15</a:t>
             </a:fld>
             <a:endParaRPr lang="en-US"/>
           </a:p>
@@ -10989,6 +10382,9 @@
   <p:clrMapOvr>
     <a:masterClrMapping/>
   </p:clrMapOvr>
+  <p:transition spd="slow">
+    <p:strips dir="ru"/>
+  </p:transition>
   <p:timing>
     <p:tnLst>
       <p:par>
@@ -10999,7 +10395,7 @@
 </p:sld>
 </file>
 
-<file path=ppt/slides/slide17.xml><?xml version="1.0" encoding="utf-8"?>
+<file path=ppt/slides/slide16.xml><?xml version="1.0" encoding="utf-8"?>
 <p:sld xmlns:a="http://schemas.openxmlformats.org/drawingml/2006/main" xmlns:r="http://schemas.openxmlformats.org/officeDocument/2006/relationships" xmlns:p="http://schemas.openxmlformats.org/presentationml/2006/main">
   <p:cSld>
     <p:spTree>
@@ -11112,7 +10508,7 @@
             <a:fld id="{990B41CA-569D-40E7-8E58-026C0338B2C8}" type="slidenum">
               <a:rPr lang="en-US" smtClean="0"/>
               <a:pPr/>
-              <a:t>17</a:t>
+              <a:t>16</a:t>
             </a:fld>
             <a:endParaRPr lang="en-US"/>
           </a:p>
@@ -11157,6 +10553,9 @@
   <p:clrMapOvr>
     <a:masterClrMapping/>
   </p:clrMapOvr>
+  <p:transition spd="slow">
+    <p:strips dir="ru"/>
+  </p:transition>
   <p:timing>
     <p:tnLst>
       <p:par>
@@ -11167,7 +10566,7 @@
 </p:sld>
 </file>
 
-<file path=ppt/slides/slide18.xml><?xml version="1.0" encoding="utf-8"?>
+<file path=ppt/slides/slide17.xml><?xml version="1.0" encoding="utf-8"?>
 <p:sld xmlns:a="http://schemas.openxmlformats.org/drawingml/2006/main" xmlns:r="http://schemas.openxmlformats.org/officeDocument/2006/relationships" xmlns:p="http://schemas.openxmlformats.org/presentationml/2006/main">
   <p:cSld>
     <p:spTree>
@@ -11280,7 +10679,7 @@
             <a:fld id="{990B41CA-569D-40E7-8E58-026C0338B2C8}" type="slidenum">
               <a:rPr lang="en-US" smtClean="0"/>
               <a:pPr/>
-              <a:t>18</a:t>
+              <a:t>17</a:t>
             </a:fld>
             <a:endParaRPr lang="en-US"/>
           </a:p>
@@ -11325,6 +10724,9 @@
   <p:clrMapOvr>
     <a:masterClrMapping/>
   </p:clrMapOvr>
+  <p:transition spd="slow">
+    <p:strips dir="ru"/>
+  </p:transition>
   <p:timing>
     <p:tnLst>
       <p:par>
@@ -11397,7 +10799,7 @@
 </p:sld>
 </file>
 
-<file path=ppt/slides/slide19.xml><?xml version="1.0" encoding="utf-8"?>
+<file path=ppt/slides/slide18.xml><?xml version="1.0" encoding="utf-8"?>
 <p:sld xmlns:a="http://schemas.openxmlformats.org/drawingml/2006/main" xmlns:r="http://schemas.openxmlformats.org/officeDocument/2006/relationships" xmlns:p="http://schemas.openxmlformats.org/presentationml/2006/main">
   <p:cSld>
     <p:spTree>
@@ -11510,7 +10912,7 @@
             <a:fld id="{990B41CA-569D-40E7-8E58-026C0338B2C8}" type="slidenum">
               <a:rPr lang="en-US" smtClean="0"/>
               <a:pPr/>
-              <a:t>19</a:t>
+              <a:t>18</a:t>
             </a:fld>
             <a:endParaRPr lang="en-US"/>
           </a:p>
@@ -11627,13 +11029,266 @@
     </p:spTree>
     <p:extLst>
       <p:ext uri="{BB962C8B-B14F-4D97-AF65-F5344CB8AC3E}">
-        <p14:creationId xmlns:p14="http://schemas.microsoft.com/office/powerpoint/2010/main" xmlns="" val="351671181"/>
+        <p14:creationId xmlns:p14="http://schemas.microsoft.com/office/powerpoint/2010/main" val="351671181"/>
       </p:ext>
     </p:extLst>
   </p:cSld>
   <p:clrMapOvr>
     <a:masterClrMapping/>
   </p:clrMapOvr>
+  <p:transition spd="slow">
+    <p:strips dir="ru"/>
+  </p:transition>
+  <p:timing>
+    <p:tnLst>
+      <p:par>
+        <p:cTn id="1" dur="indefinite" restart="never" nodeType="tmRoot"/>
+      </p:par>
+    </p:tnLst>
+  </p:timing>
+</p:sld>
+</file>
+
+<file path=ppt/slides/slide19.xml><?xml version="1.0" encoding="utf-8"?>
+<p:sld xmlns:a="http://schemas.openxmlformats.org/drawingml/2006/main" xmlns:r="http://schemas.openxmlformats.org/officeDocument/2006/relationships" xmlns:p="http://schemas.openxmlformats.org/presentationml/2006/main">
+  <p:cSld>
+    <p:spTree>
+      <p:nvGrpSpPr>
+        <p:cNvPr id="1" name=""/>
+        <p:cNvGrpSpPr/>
+        <p:nvPr/>
+      </p:nvGrpSpPr>
+      <p:grpSpPr>
+        <a:xfrm>
+          <a:off x="0" y="0"/>
+          <a:ext cx="0" cy="0"/>
+          <a:chOff x="0" y="0"/>
+          <a:chExt cx="0" cy="0"/>
+        </a:xfrm>
+      </p:grpSpPr>
+      <p:sp>
+        <p:nvSpPr>
+          <p:cNvPr id="2" name="Titel 1"/>
+          <p:cNvSpPr>
+            <a:spLocks noGrp="1"/>
+          </p:cNvSpPr>
+          <p:nvPr>
+            <p:ph type="title"/>
+          </p:nvPr>
+        </p:nvSpPr>
+        <p:spPr/>
+        <p:txBody>
+          <a:bodyPr>
+            <a:normAutofit fontScale="90000"/>
+          </a:bodyPr>
+          <a:lstStyle/>
+          <a:p>
+            <a:r>
+              <a:rPr lang="de-DE" dirty="0" smtClean="0"/>
+              <a:t>„Event organisieren“</a:t>
+            </a:r>
+            <a:br>
+              <a:rPr lang="de-DE" dirty="0" smtClean="0"/>
+            </a:br>
+            <a:r>
+              <a:rPr lang="de-DE" dirty="0" smtClean="0"/>
+              <a:t>Pflichtenheft</a:t>
+            </a:r>
+            <a:endParaRPr lang="de-DE" dirty="0"/>
+          </a:p>
+        </p:txBody>
+      </p:sp>
+      <p:sp>
+        <p:nvSpPr>
+          <p:cNvPr id="4" name="Datumsplatzhalter 3"/>
+          <p:cNvSpPr>
+            <a:spLocks noGrp="1"/>
+          </p:cNvSpPr>
+          <p:nvPr>
+            <p:ph type="dt" sz="half" idx="10"/>
+          </p:nvPr>
+        </p:nvSpPr>
+        <p:spPr/>
+        <p:txBody>
+          <a:bodyPr/>
+          <a:lstStyle/>
+          <a:p>
+            <a:r>
+              <a:rPr lang="de-DE" smtClean="0"/>
+              <a:t>21.04.2012</a:t>
+            </a:r>
+            <a:endParaRPr lang="en-US"/>
+          </a:p>
+        </p:txBody>
+      </p:sp>
+      <p:sp>
+        <p:nvSpPr>
+          <p:cNvPr id="5" name="Fußzeilenplatzhalter 4"/>
+          <p:cNvSpPr>
+            <a:spLocks noGrp="1"/>
+          </p:cNvSpPr>
+          <p:nvPr>
+            <p:ph type="ftr" sz="quarter" idx="11"/>
+          </p:nvPr>
+        </p:nvSpPr>
+        <p:spPr/>
+        <p:txBody>
+          <a:bodyPr/>
+          <a:lstStyle/>
+          <a:p>
+            <a:r>
+              <a:rPr lang="de-DE" smtClean="0"/>
+              <a:t>FST Projekt "Eventalizer" (SS 2012) Team 5</a:t>
+            </a:r>
+            <a:endParaRPr lang="de-DE" dirty="0"/>
+          </a:p>
+        </p:txBody>
+      </p:sp>
+      <p:sp>
+        <p:nvSpPr>
+          <p:cNvPr id="6" name="Foliennummernplatzhalter 5"/>
+          <p:cNvSpPr>
+            <a:spLocks noGrp="1"/>
+          </p:cNvSpPr>
+          <p:nvPr>
+            <p:ph type="sldNum" sz="quarter" idx="12"/>
+          </p:nvPr>
+        </p:nvSpPr>
+        <p:spPr/>
+        <p:txBody>
+          <a:bodyPr/>
+          <a:lstStyle/>
+          <a:p>
+            <a:fld id="{990B41CA-569D-40E7-8E58-026C0338B2C8}" type="slidenum">
+              <a:rPr lang="en-US" smtClean="0"/>
+              <a:pPr/>
+              <a:t>19</a:t>
+            </a:fld>
+            <a:endParaRPr lang="en-US"/>
+          </a:p>
+        </p:txBody>
+      </p:sp>
+      <p:pic>
+        <p:nvPicPr>
+          <p:cNvPr id="13" name="Picture 3"/>
+          <p:cNvPicPr>
+            <a:picLocks noChangeAspect="1" noChangeArrowheads="1"/>
+          </p:cNvPicPr>
+          <p:nvPr/>
+        </p:nvPicPr>
+        <p:blipFill>
+          <a:blip r:embed="rId3" cstate="print"/>
+          <a:srcRect/>
+          <a:stretch>
+            <a:fillRect/>
+          </a:stretch>
+        </p:blipFill>
+        <p:spPr bwMode="auto">
+          <a:xfrm>
+            <a:off x="35496" y="1484784"/>
+            <a:ext cx="1800000" cy="2601600"/>
+          </a:xfrm>
+          <a:prstGeom prst="rect">
+            <a:avLst/>
+          </a:prstGeom>
+          <a:noFill/>
+          <a:ln w="9525">
+            <a:noFill/>
+            <a:miter lim="800000"/>
+            <a:headEnd/>
+            <a:tailEnd/>
+          </a:ln>
+        </p:spPr>
+      </p:pic>
+      <p:sp>
+        <p:nvSpPr>
+          <p:cNvPr id="8" name="Rechteck 7"/>
+          <p:cNvSpPr/>
+          <p:nvPr/>
+        </p:nvSpPr>
+        <p:spPr>
+          <a:xfrm>
+            <a:off x="35496" y="2348880"/>
+            <a:ext cx="1800200" cy="1080120"/>
+          </a:xfrm>
+          <a:prstGeom prst="rect">
+            <a:avLst/>
+          </a:prstGeom>
+          <a:noFill/>
+        </p:spPr>
+        <p:style>
+          <a:lnRef idx="2">
+            <a:schemeClr val="accent6"/>
+          </a:lnRef>
+          <a:fillRef idx="1">
+            <a:schemeClr val="lt1"/>
+          </a:fillRef>
+          <a:effectRef idx="0">
+            <a:schemeClr val="accent6"/>
+          </a:effectRef>
+          <a:fontRef idx="minor">
+            <a:schemeClr val="dk1"/>
+          </a:fontRef>
+        </p:style>
+        <p:txBody>
+          <a:bodyPr rtlCol="0" anchor="ctr"/>
+          <a:lstStyle/>
+          <a:p>
+            <a:pPr algn="ctr"/>
+            <a:endParaRPr lang="de-DE">
+              <a:solidFill>
+                <a:schemeClr val="dk1"/>
+              </a:solidFill>
+            </a:endParaRPr>
+          </a:p>
+        </p:txBody>
+      </p:sp>
+      <p:pic>
+        <p:nvPicPr>
+          <p:cNvPr id="15" name="Picture 3">
+            <a:hlinkClick r:id="rId4" action="ppaction://hlinkfile"/>
+          </p:cNvPr>
+          <p:cNvPicPr>
+            <a:picLocks noChangeAspect="1" noChangeArrowheads="1"/>
+          </p:cNvPicPr>
+          <p:nvPr/>
+        </p:nvPicPr>
+        <p:blipFill>
+          <a:blip r:embed="rId5" cstate="print"/>
+          <a:srcRect t="35464" b="25613"/>
+          <a:stretch>
+            <a:fillRect/>
+          </a:stretch>
+        </p:blipFill>
+        <p:spPr bwMode="auto">
+          <a:xfrm>
+            <a:off x="1979712" y="2504156"/>
+            <a:ext cx="7020000" cy="3949180"/>
+          </a:xfrm>
+          <a:prstGeom prst="rect">
+            <a:avLst/>
+          </a:prstGeom>
+          <a:noFill/>
+          <a:ln w="25400">
+            <a:solidFill>
+              <a:schemeClr val="accent6"/>
+            </a:solidFill>
+          </a:ln>
+        </p:spPr>
+      </p:pic>
+    </p:spTree>
+    <p:extLst>
+      <p:ext uri="{BB962C8B-B14F-4D97-AF65-F5344CB8AC3E}">
+        <p14:creationId xmlns:p14="http://schemas.microsoft.com/office/powerpoint/2010/main" val="351671181"/>
+      </p:ext>
+    </p:extLst>
+  </p:cSld>
+  <p:clrMapOvr>
+    <a:masterClrMapping/>
+  </p:clrMapOvr>
+  <p:transition spd="slow">
+    <p:strips dir="ru"/>
+  </p:transition>
   <p:timing>
     <p:tnLst>
       <p:par>
@@ -11903,13 +11558,16 @@
     </p:spTree>
     <p:extLst>
       <p:ext uri="{BB962C8B-B14F-4D97-AF65-F5344CB8AC3E}">
-        <p14:creationId xmlns:p14="http://schemas.microsoft.com/office/powerpoint/2010/main" xmlns="" val="3616670450"/>
+        <p14:creationId xmlns:p14="http://schemas.microsoft.com/office/powerpoint/2010/main" val="3616670450"/>
       </p:ext>
     </p:extLst>
   </p:cSld>
   <p:clrMapOvr>
     <a:masterClrMapping/>
   </p:clrMapOvr>
+  <p:transition spd="slow">
+    <p:strips dir="ru"/>
+  </p:transition>
   <p:timing>
     <p:tnLst>
       <p:par>
@@ -12034,253 +11692,6 @@
               <a:rPr lang="en-US" smtClean="0"/>
               <a:pPr/>
               <a:t>20</a:t>
-            </a:fld>
-            <a:endParaRPr lang="en-US"/>
-          </a:p>
-        </p:txBody>
-      </p:sp>
-      <p:pic>
-        <p:nvPicPr>
-          <p:cNvPr id="13" name="Picture 3"/>
-          <p:cNvPicPr>
-            <a:picLocks noChangeAspect="1" noChangeArrowheads="1"/>
-          </p:cNvPicPr>
-          <p:nvPr/>
-        </p:nvPicPr>
-        <p:blipFill>
-          <a:blip r:embed="rId3" cstate="print"/>
-          <a:srcRect/>
-          <a:stretch>
-            <a:fillRect/>
-          </a:stretch>
-        </p:blipFill>
-        <p:spPr bwMode="auto">
-          <a:xfrm>
-            <a:off x="35496" y="1484784"/>
-            <a:ext cx="1800000" cy="2601600"/>
-          </a:xfrm>
-          <a:prstGeom prst="rect">
-            <a:avLst/>
-          </a:prstGeom>
-          <a:noFill/>
-          <a:ln w="9525">
-            <a:noFill/>
-            <a:miter lim="800000"/>
-            <a:headEnd/>
-            <a:tailEnd/>
-          </a:ln>
-        </p:spPr>
-      </p:pic>
-      <p:sp>
-        <p:nvSpPr>
-          <p:cNvPr id="8" name="Rechteck 7"/>
-          <p:cNvSpPr/>
-          <p:nvPr/>
-        </p:nvSpPr>
-        <p:spPr>
-          <a:xfrm>
-            <a:off x="35496" y="2348880"/>
-            <a:ext cx="1800200" cy="1080120"/>
-          </a:xfrm>
-          <a:prstGeom prst="rect">
-            <a:avLst/>
-          </a:prstGeom>
-          <a:noFill/>
-        </p:spPr>
-        <p:style>
-          <a:lnRef idx="2">
-            <a:schemeClr val="accent6"/>
-          </a:lnRef>
-          <a:fillRef idx="1">
-            <a:schemeClr val="lt1"/>
-          </a:fillRef>
-          <a:effectRef idx="0">
-            <a:schemeClr val="accent6"/>
-          </a:effectRef>
-          <a:fontRef idx="minor">
-            <a:schemeClr val="dk1"/>
-          </a:fontRef>
-        </p:style>
-        <p:txBody>
-          <a:bodyPr rtlCol="0" anchor="ctr"/>
-          <a:lstStyle/>
-          <a:p>
-            <a:pPr algn="ctr"/>
-            <a:endParaRPr lang="de-DE">
-              <a:solidFill>
-                <a:schemeClr val="dk1"/>
-              </a:solidFill>
-            </a:endParaRPr>
-          </a:p>
-        </p:txBody>
-      </p:sp>
-      <p:pic>
-        <p:nvPicPr>
-          <p:cNvPr id="15" name="Picture 3">
-            <a:hlinkClick r:id="rId4" action="ppaction://hlinkfile"/>
-          </p:cNvPr>
-          <p:cNvPicPr>
-            <a:picLocks noChangeAspect="1" noChangeArrowheads="1"/>
-          </p:cNvPicPr>
-          <p:nvPr/>
-        </p:nvPicPr>
-        <p:blipFill>
-          <a:blip r:embed="rId5" cstate="print"/>
-          <a:srcRect t="35464" b="25613"/>
-          <a:stretch>
-            <a:fillRect/>
-          </a:stretch>
-        </p:blipFill>
-        <p:spPr bwMode="auto">
-          <a:xfrm>
-            <a:off x="1979712" y="2504156"/>
-            <a:ext cx="7020000" cy="3949180"/>
-          </a:xfrm>
-          <a:prstGeom prst="rect">
-            <a:avLst/>
-          </a:prstGeom>
-          <a:noFill/>
-          <a:ln w="25400">
-            <a:solidFill>
-              <a:schemeClr val="accent6"/>
-            </a:solidFill>
-          </a:ln>
-        </p:spPr>
-      </p:pic>
-    </p:spTree>
-    <p:extLst>
-      <p:ext uri="{BB962C8B-B14F-4D97-AF65-F5344CB8AC3E}">
-        <p14:creationId xmlns:p14="http://schemas.microsoft.com/office/powerpoint/2010/main" xmlns="" val="351671181"/>
-      </p:ext>
-    </p:extLst>
-  </p:cSld>
-  <p:clrMapOvr>
-    <a:masterClrMapping/>
-  </p:clrMapOvr>
-  <p:timing>
-    <p:tnLst>
-      <p:par>
-        <p:cTn id="1" dur="indefinite" restart="never" nodeType="tmRoot"/>
-      </p:par>
-    </p:tnLst>
-  </p:timing>
-</p:sld>
-</file>
-
-<file path=ppt/slides/slide21.xml><?xml version="1.0" encoding="utf-8"?>
-<p:sld xmlns:a="http://schemas.openxmlformats.org/drawingml/2006/main" xmlns:r="http://schemas.openxmlformats.org/officeDocument/2006/relationships" xmlns:p="http://schemas.openxmlformats.org/presentationml/2006/main">
-  <p:cSld>
-    <p:spTree>
-      <p:nvGrpSpPr>
-        <p:cNvPr id="1" name=""/>
-        <p:cNvGrpSpPr/>
-        <p:nvPr/>
-      </p:nvGrpSpPr>
-      <p:grpSpPr>
-        <a:xfrm>
-          <a:off x="0" y="0"/>
-          <a:ext cx="0" cy="0"/>
-          <a:chOff x="0" y="0"/>
-          <a:chExt cx="0" cy="0"/>
-        </a:xfrm>
-      </p:grpSpPr>
-      <p:sp>
-        <p:nvSpPr>
-          <p:cNvPr id="2" name="Titel 1"/>
-          <p:cNvSpPr>
-            <a:spLocks noGrp="1"/>
-          </p:cNvSpPr>
-          <p:nvPr>
-            <p:ph type="title"/>
-          </p:nvPr>
-        </p:nvSpPr>
-        <p:spPr/>
-        <p:txBody>
-          <a:bodyPr>
-            <a:normAutofit fontScale="90000"/>
-          </a:bodyPr>
-          <a:lstStyle/>
-          <a:p>
-            <a:r>
-              <a:rPr lang="de-DE" dirty="0" smtClean="0"/>
-              <a:t>„Event organisieren“</a:t>
-            </a:r>
-            <a:br>
-              <a:rPr lang="de-DE" dirty="0" smtClean="0"/>
-            </a:br>
-            <a:r>
-              <a:rPr lang="de-DE" dirty="0" smtClean="0"/>
-              <a:t>Pflichtenheft</a:t>
-            </a:r>
-            <a:endParaRPr lang="de-DE" dirty="0"/>
-          </a:p>
-        </p:txBody>
-      </p:sp>
-      <p:sp>
-        <p:nvSpPr>
-          <p:cNvPr id="4" name="Datumsplatzhalter 3"/>
-          <p:cNvSpPr>
-            <a:spLocks noGrp="1"/>
-          </p:cNvSpPr>
-          <p:nvPr>
-            <p:ph type="dt" sz="half" idx="10"/>
-          </p:nvPr>
-        </p:nvSpPr>
-        <p:spPr/>
-        <p:txBody>
-          <a:bodyPr/>
-          <a:lstStyle/>
-          <a:p>
-            <a:r>
-              <a:rPr lang="de-DE" smtClean="0"/>
-              <a:t>21.04.2012</a:t>
-            </a:r>
-            <a:endParaRPr lang="en-US"/>
-          </a:p>
-        </p:txBody>
-      </p:sp>
-      <p:sp>
-        <p:nvSpPr>
-          <p:cNvPr id="5" name="Fußzeilenplatzhalter 4"/>
-          <p:cNvSpPr>
-            <a:spLocks noGrp="1"/>
-          </p:cNvSpPr>
-          <p:nvPr>
-            <p:ph type="ftr" sz="quarter" idx="11"/>
-          </p:nvPr>
-        </p:nvSpPr>
-        <p:spPr/>
-        <p:txBody>
-          <a:bodyPr/>
-          <a:lstStyle/>
-          <a:p>
-            <a:r>
-              <a:rPr lang="de-DE" smtClean="0"/>
-              <a:t>FST Projekt "Eventalizer" (SS 2012) Team 5</a:t>
-            </a:r>
-            <a:endParaRPr lang="de-DE" dirty="0"/>
-          </a:p>
-        </p:txBody>
-      </p:sp>
-      <p:sp>
-        <p:nvSpPr>
-          <p:cNvPr id="6" name="Foliennummernplatzhalter 5"/>
-          <p:cNvSpPr>
-            <a:spLocks noGrp="1"/>
-          </p:cNvSpPr>
-          <p:nvPr>
-            <p:ph type="sldNum" sz="quarter" idx="12"/>
-          </p:nvPr>
-        </p:nvSpPr>
-        <p:spPr/>
-        <p:txBody>
-          <a:bodyPr/>
-          <a:lstStyle/>
-          <a:p>
-            <a:fld id="{990B41CA-569D-40E7-8E58-026C0338B2C8}" type="slidenum">
-              <a:rPr lang="en-US" smtClean="0"/>
-              <a:pPr/>
-              <a:t>21</a:t>
             </a:fld>
             <a:endParaRPr lang="en-US"/>
           </a:p>
@@ -12397,13 +11808,16 @@
     </p:spTree>
     <p:extLst>
       <p:ext uri="{BB962C8B-B14F-4D97-AF65-F5344CB8AC3E}">
-        <p14:creationId xmlns:p14="http://schemas.microsoft.com/office/powerpoint/2010/main" xmlns="" val="351671181"/>
+        <p14:creationId xmlns:p14="http://schemas.microsoft.com/office/powerpoint/2010/main" val="351671181"/>
       </p:ext>
     </p:extLst>
   </p:cSld>
   <p:clrMapOvr>
     <a:masterClrMapping/>
   </p:clrMapOvr>
+  <p:transition spd="slow">
+    <p:strips dir="ru"/>
+  </p:transition>
   <p:timing>
     <p:tnLst>
       <p:par>
@@ -12414,7 +11828,7 @@
 </p:sld>
 </file>
 
-<file path=ppt/slides/slide22.xml><?xml version="1.0" encoding="utf-8"?>
+<file path=ppt/slides/slide21.xml><?xml version="1.0" encoding="utf-8"?>
 <p:sld xmlns:a="http://schemas.openxmlformats.org/drawingml/2006/main" xmlns:r="http://schemas.openxmlformats.org/officeDocument/2006/relationships" xmlns:p="http://schemas.openxmlformats.org/presentationml/2006/main">
   <p:cSld>
     <p:spTree>
@@ -12518,7 +11932,7 @@
             <a:fld id="{990B41CA-569D-40E7-8E58-026C0338B2C8}" type="slidenum">
               <a:rPr lang="en-US" smtClean="0"/>
               <a:pPr/>
-              <a:t>22</a:t>
+              <a:t>21</a:t>
             </a:fld>
             <a:endParaRPr lang="en-US"/>
           </a:p>
@@ -12561,13 +11975,184 @@
     </p:spTree>
     <p:extLst>
       <p:ext uri="{BB962C8B-B14F-4D97-AF65-F5344CB8AC3E}">
-        <p14:creationId xmlns:p14="http://schemas.microsoft.com/office/powerpoint/2010/main" xmlns="" val="141785747"/>
+        <p14:creationId xmlns:p14="http://schemas.microsoft.com/office/powerpoint/2010/main" val="141785747"/>
       </p:ext>
     </p:extLst>
   </p:cSld>
   <p:clrMapOvr>
     <a:masterClrMapping/>
   </p:clrMapOvr>
+  <p:transition spd="slow">
+    <p:strips dir="ru"/>
+  </p:transition>
+  <p:timing>
+    <p:tnLst>
+      <p:par>
+        <p:cTn id="1" dur="indefinite" restart="never" nodeType="tmRoot"/>
+      </p:par>
+    </p:tnLst>
+  </p:timing>
+</p:sld>
+</file>
+
+<file path=ppt/slides/slide22.xml><?xml version="1.0" encoding="utf-8"?>
+<p:sld xmlns:a="http://schemas.openxmlformats.org/drawingml/2006/main" xmlns:r="http://schemas.openxmlformats.org/officeDocument/2006/relationships" xmlns:p="http://schemas.openxmlformats.org/presentationml/2006/main">
+  <p:cSld>
+    <p:spTree>
+      <p:nvGrpSpPr>
+        <p:cNvPr id="1" name=""/>
+        <p:cNvGrpSpPr/>
+        <p:nvPr/>
+      </p:nvGrpSpPr>
+      <p:grpSpPr>
+        <a:xfrm>
+          <a:off x="0" y="0"/>
+          <a:ext cx="0" cy="0"/>
+          <a:chOff x="0" y="0"/>
+          <a:chExt cx="0" cy="0"/>
+        </a:xfrm>
+      </p:grpSpPr>
+      <p:sp>
+        <p:nvSpPr>
+          <p:cNvPr id="2" name="Titel 1"/>
+          <p:cNvSpPr>
+            <a:spLocks noGrp="1"/>
+          </p:cNvSpPr>
+          <p:nvPr>
+            <p:ph type="title"/>
+          </p:nvPr>
+        </p:nvSpPr>
+        <p:spPr/>
+        <p:txBody>
+          <a:bodyPr>
+            <a:normAutofit/>
+          </a:bodyPr>
+          <a:lstStyle/>
+          <a:p>
+            <a:r>
+              <a:rPr lang="de-DE" dirty="0" smtClean="0"/>
+              <a:t>Sequenzdiagramm Spring </a:t>
+            </a:r>
+            <a:r>
+              <a:rPr lang="de-DE" dirty="0" err="1" smtClean="0"/>
+              <a:t>Roo</a:t>
+            </a:r>
+            <a:endParaRPr lang="de-DE" dirty="0"/>
+          </a:p>
+        </p:txBody>
+      </p:sp>
+      <p:sp>
+        <p:nvSpPr>
+          <p:cNvPr id="10" name="Inhaltsplatzhalter 9"/>
+          <p:cNvSpPr>
+            <a:spLocks noGrp="1"/>
+          </p:cNvSpPr>
+          <p:nvPr>
+            <p:ph idx="1"/>
+          </p:nvPr>
+        </p:nvSpPr>
+        <p:spPr/>
+        <p:txBody>
+          <a:bodyPr/>
+          <a:lstStyle/>
+          <a:p>
+            <a:r>
+              <a:rPr lang="de-DE" dirty="0" smtClean="0"/>
+              <a:t>Für den Login</a:t>
+            </a:r>
+          </a:p>
+          <a:p>
+            <a:pPr lvl="1"/>
+            <a:r>
+              <a:rPr lang="de-DE" dirty="0" smtClean="0"/>
+              <a:t>Durchgriff auf </a:t>
+            </a:r>
+            <a:r>
+              <a:rPr lang="de-DE" dirty="0" err="1" smtClean="0"/>
+              <a:t>Twitter</a:t>
+            </a:r>
+            <a:endParaRPr lang="de-DE" dirty="0"/>
+          </a:p>
+        </p:txBody>
+      </p:sp>
+      <p:sp>
+        <p:nvSpPr>
+          <p:cNvPr id="7" name="Datumsplatzhalter 6"/>
+          <p:cNvSpPr>
+            <a:spLocks noGrp="1"/>
+          </p:cNvSpPr>
+          <p:nvPr>
+            <p:ph type="dt" sz="half" idx="10"/>
+          </p:nvPr>
+        </p:nvSpPr>
+        <p:spPr/>
+        <p:txBody>
+          <a:bodyPr/>
+          <a:lstStyle/>
+          <a:p>
+            <a:r>
+              <a:rPr lang="de-DE" smtClean="0"/>
+              <a:t>21.04.2012</a:t>
+            </a:r>
+            <a:endParaRPr lang="en-US"/>
+          </a:p>
+        </p:txBody>
+      </p:sp>
+      <p:sp>
+        <p:nvSpPr>
+          <p:cNvPr id="8" name="Fußzeilenplatzhalter 7"/>
+          <p:cNvSpPr>
+            <a:spLocks noGrp="1"/>
+          </p:cNvSpPr>
+          <p:nvPr>
+            <p:ph type="ftr" sz="quarter" idx="11"/>
+          </p:nvPr>
+        </p:nvSpPr>
+        <p:spPr/>
+        <p:txBody>
+          <a:bodyPr/>
+          <a:lstStyle/>
+          <a:p>
+            <a:r>
+              <a:rPr lang="de-DE" smtClean="0"/>
+              <a:t>FST Projekt "Eventalizer" (SS 2012) Team 5</a:t>
+            </a:r>
+            <a:endParaRPr lang="de-DE" dirty="0"/>
+          </a:p>
+        </p:txBody>
+      </p:sp>
+      <p:sp>
+        <p:nvSpPr>
+          <p:cNvPr id="9" name="Foliennummernplatzhalter 8"/>
+          <p:cNvSpPr>
+            <a:spLocks noGrp="1"/>
+          </p:cNvSpPr>
+          <p:nvPr>
+            <p:ph type="sldNum" sz="quarter" idx="12"/>
+          </p:nvPr>
+        </p:nvSpPr>
+        <p:spPr/>
+        <p:txBody>
+          <a:bodyPr/>
+          <a:lstStyle/>
+          <a:p>
+            <a:fld id="{990B41CA-569D-40E7-8E58-026C0338B2C8}" type="slidenum">
+              <a:rPr lang="en-US" smtClean="0"/>
+              <a:pPr/>
+              <a:t>22</a:t>
+            </a:fld>
+            <a:endParaRPr lang="en-US"/>
+          </a:p>
+        </p:txBody>
+      </p:sp>
+    </p:spTree>
+  </p:cSld>
+  <p:clrMapOvr>
+    <a:masterClrMapping/>
+  </p:clrMapOvr>
+  <p:transition spd="slow">
+    <p:strips dir="ru"/>
+  </p:transition>
   <p:timing>
     <p:tnLst>
       <p:par>
@@ -12597,7 +12182,7 @@
       </p:grpSpPr>
       <p:sp>
         <p:nvSpPr>
-          <p:cNvPr id="2" name="Titel 1"/>
+          <p:cNvPr id="10" name="Titel 9"/>
           <p:cNvSpPr>
             <a:spLocks noGrp="1"/>
           </p:cNvSpPr>
@@ -12607,18 +12192,12 @@
         </p:nvSpPr>
         <p:spPr/>
         <p:txBody>
-          <a:bodyPr>
-            <a:normAutofit/>
-          </a:bodyPr>
-          <a:lstStyle/>
-          <a:p>
-            <a:r>
-              <a:rPr lang="de-DE" dirty="0" smtClean="0"/>
-              <a:t>Sequenzdiagramm Spring </a:t>
-            </a:r>
+          <a:bodyPr/>
+          <a:lstStyle/>
+          <a:p>
             <a:r>
               <a:rPr lang="de-DE" dirty="0" err="1" smtClean="0"/>
-              <a:t>Roo</a:t>
+              <a:t>LiveDemo</a:t>
             </a:r>
             <a:endParaRPr lang="de-DE" dirty="0"/>
           </a:p>
@@ -12626,33 +12205,33 @@
       </p:sp>
       <p:sp>
         <p:nvSpPr>
-          <p:cNvPr id="10" name="Inhaltsplatzhalter 9"/>
-          <p:cNvSpPr>
-            <a:spLocks noGrp="1"/>
-          </p:cNvSpPr>
-          <p:nvPr>
-            <p:ph idx="1"/>
-          </p:nvPr>
-        </p:nvSpPr>
-        <p:spPr/>
-        <p:txBody>
-          <a:bodyPr/>
-          <a:lstStyle/>
-          <a:p>
-            <a:r>
-              <a:rPr lang="de-DE" dirty="0" smtClean="0"/>
-              <a:t>Für den Login</a:t>
-            </a:r>
-          </a:p>
-          <a:p>
-            <a:pPr lvl="1"/>
-            <a:r>
-              <a:rPr lang="de-DE" dirty="0" smtClean="0"/>
-              <a:t>Durchgriff auf </a:t>
+          <p:cNvPr id="11" name="Textplatzhalter 10"/>
+          <p:cNvSpPr>
+            <a:spLocks noGrp="1"/>
+          </p:cNvSpPr>
+          <p:nvPr>
+            <p:ph type="body" idx="1"/>
+          </p:nvPr>
+        </p:nvSpPr>
+        <p:spPr/>
+        <p:txBody>
+          <a:bodyPr/>
+          <a:lstStyle/>
+          <a:p>
+            <a:r>
+              <a:rPr lang="de-DE" dirty="0" smtClean="0"/>
+              <a:t>Anmelden (Login) via </a:t>
             </a:r>
             <a:r>
               <a:rPr lang="de-DE" dirty="0" err="1" smtClean="0"/>
               <a:t>Twitter</a:t>
+            </a:r>
+            <a:endParaRPr lang="de-DE" dirty="0"/>
+          </a:p>
+          <a:p>
+            <a:r>
+              <a:rPr lang="de-DE" dirty="0" smtClean="0"/>
+              <a:t>Event organisieren</a:t>
             </a:r>
             <a:endParaRPr lang="de-DE" dirty="0"/>
           </a:p>
@@ -12729,10 +12308,18 @@
         </p:txBody>
       </p:sp>
     </p:spTree>
+    <p:extLst>
+      <p:ext uri="{BB962C8B-B14F-4D97-AF65-F5344CB8AC3E}">
+        <p14:creationId xmlns:p14="http://schemas.microsoft.com/office/powerpoint/2010/main" val="2634211947"/>
+      </p:ext>
+    </p:extLst>
   </p:cSld>
   <p:clrMapOvr>
     <a:masterClrMapping/>
   </p:clrMapOvr>
+  <p:transition spd="slow">
+    <p:strips dir="ru"/>
+  </p:transition>
   <p:timing>
     <p:tnLst>
       <p:par>
@@ -12762,7 +12349,7 @@
       </p:grpSpPr>
       <p:sp>
         <p:nvSpPr>
-          <p:cNvPr id="10" name="Titel 9"/>
+          <p:cNvPr id="2" name="Titel 1"/>
           <p:cNvSpPr>
             <a:spLocks noGrp="1"/>
           </p:cNvSpPr>
@@ -12772,12 +12359,21 @@
         </p:nvSpPr>
         <p:spPr/>
         <p:txBody>
-          <a:bodyPr/>
-          <a:lstStyle/>
-          <a:p>
-            <a:r>
-              <a:rPr lang="de-DE" dirty="0" err="1" smtClean="0"/>
-              <a:t>LiveDemo</a:t>
+          <a:bodyPr>
+            <a:normAutofit fontScale="90000"/>
+          </a:bodyPr>
+          <a:lstStyle/>
+          <a:p>
+            <a:r>
+              <a:rPr lang="de-DE" dirty="0" smtClean="0"/>
+              <a:t>Domänenklassendiagramm -</a:t>
+            </a:r>
+            <a:br>
+              <a:rPr lang="de-DE" dirty="0" smtClean="0"/>
+            </a:br>
+            <a:r>
+              <a:rPr lang="de-DE" dirty="0" smtClean="0"/>
+              <a:t>Event</a:t>
             </a:r>
             <a:endParaRPr lang="de-DE" dirty="0"/>
           </a:p>
@@ -12785,41 +12381,36 @@
       </p:sp>
       <p:sp>
         <p:nvSpPr>
-          <p:cNvPr id="11" name="Textplatzhalter 10"/>
-          <p:cNvSpPr>
-            <a:spLocks noGrp="1"/>
-          </p:cNvSpPr>
-          <p:nvPr>
-            <p:ph type="body" idx="1"/>
-          </p:nvPr>
-        </p:nvSpPr>
-        <p:spPr/>
-        <p:txBody>
-          <a:bodyPr/>
-          <a:lstStyle/>
-          <a:p>
-            <a:r>
-              <a:rPr lang="de-DE" dirty="0" smtClean="0"/>
-              <a:t>Anmelden (Login) via </a:t>
-            </a:r>
-            <a:r>
-              <a:rPr lang="de-DE" dirty="0" err="1" smtClean="0"/>
-              <a:t>Twitter</a:t>
+          <p:cNvPr id="3" name="Inhaltsplatzhalter 2"/>
+          <p:cNvSpPr>
+            <a:spLocks noGrp="1"/>
+          </p:cNvSpPr>
+          <p:nvPr>
+            <p:ph idx="1"/>
+          </p:nvPr>
+        </p:nvSpPr>
+        <p:spPr/>
+        <p:txBody>
+          <a:bodyPr/>
+          <a:lstStyle/>
+          <a:p>
+            <a:r>
+              <a:rPr lang="de-DE" dirty="0" smtClean="0"/>
+              <a:t>Kurz: Domänenklassendiagramm vorstellen</a:t>
+            </a:r>
+          </a:p>
+          <a:p>
+            <a:r>
+              <a:rPr lang="de-DE" dirty="0" smtClean="0"/>
+              <a:t>Danach DB Schema als Ableitung davon</a:t>
             </a:r>
             <a:endParaRPr lang="de-DE" dirty="0"/>
           </a:p>
-          <a:p>
-            <a:r>
-              <a:rPr lang="de-DE" dirty="0" smtClean="0"/>
-              <a:t>Event organisieren</a:t>
-            </a:r>
-            <a:endParaRPr lang="de-DE" dirty="0"/>
-          </a:p>
-        </p:txBody>
-      </p:sp>
-      <p:sp>
-        <p:nvSpPr>
-          <p:cNvPr id="7" name="Datumsplatzhalter 6"/>
+        </p:txBody>
+      </p:sp>
+      <p:sp>
+        <p:nvSpPr>
+          <p:cNvPr id="4" name="Datumsplatzhalter 3"/>
           <p:cNvSpPr>
             <a:spLocks noGrp="1"/>
           </p:cNvSpPr>
@@ -12842,7 +12433,7 @@
       </p:sp>
       <p:sp>
         <p:nvSpPr>
-          <p:cNvPr id="8" name="Fußzeilenplatzhalter 7"/>
+          <p:cNvPr id="5" name="Fußzeilenplatzhalter 4"/>
           <p:cNvSpPr>
             <a:spLocks noGrp="1"/>
           </p:cNvSpPr>
@@ -12865,7 +12456,7 @@
       </p:sp>
       <p:sp>
         <p:nvSpPr>
-          <p:cNvPr id="9" name="Foliennummernplatzhalter 8"/>
+          <p:cNvPr id="6" name="Foliennummernplatzhalter 5"/>
           <p:cNvSpPr>
             <a:spLocks noGrp="1"/>
           </p:cNvSpPr>
@@ -12890,13 +12481,16 @@
     </p:spTree>
     <p:extLst>
       <p:ext uri="{BB962C8B-B14F-4D97-AF65-F5344CB8AC3E}">
-        <p14:creationId xmlns:p14="http://schemas.microsoft.com/office/powerpoint/2010/main" xmlns="" val="2634211947"/>
+        <p14:creationId xmlns:p14="http://schemas.microsoft.com/office/powerpoint/2010/main" val="3243626544"/>
       </p:ext>
     </p:extLst>
   </p:cSld>
   <p:clrMapOvr>
     <a:masterClrMapping/>
   </p:clrMapOvr>
+  <p:transition spd="slow">
+    <p:strips dir="ru"/>
+  </p:transition>
   <p:timing>
     <p:tnLst>
       <p:par>
@@ -12958,35 +12552,6 @@
       </p:sp>
       <p:sp>
         <p:nvSpPr>
-          <p:cNvPr id="3" name="Inhaltsplatzhalter 2"/>
-          <p:cNvSpPr>
-            <a:spLocks noGrp="1"/>
-          </p:cNvSpPr>
-          <p:nvPr>
-            <p:ph idx="1"/>
-          </p:nvPr>
-        </p:nvSpPr>
-        <p:spPr/>
-        <p:txBody>
-          <a:bodyPr/>
-          <a:lstStyle/>
-          <a:p>
-            <a:r>
-              <a:rPr lang="de-DE" dirty="0" smtClean="0"/>
-              <a:t>Kurz: Domänenklassendiagramm vorstellen</a:t>
-            </a:r>
-          </a:p>
-          <a:p>
-            <a:r>
-              <a:rPr lang="de-DE" dirty="0" smtClean="0"/>
-              <a:t>Danach DB Schema als Ableitung davon</a:t>
-            </a:r>
-            <a:endParaRPr lang="de-DE" dirty="0"/>
-          </a:p>
-        </p:txBody>
-      </p:sp>
-      <p:sp>
-        <p:nvSpPr>
           <p:cNvPr id="4" name="Datumsplatzhalter 3"/>
           <p:cNvSpPr>
             <a:spLocks noGrp="1"/>
@@ -13050,145 +12615,6 @@
               <a:rPr lang="en-US" smtClean="0"/>
               <a:pPr/>
               <a:t>25</a:t>
-            </a:fld>
-            <a:endParaRPr lang="en-US"/>
-          </a:p>
-        </p:txBody>
-      </p:sp>
-    </p:spTree>
-    <p:extLst>
-      <p:ext uri="{BB962C8B-B14F-4D97-AF65-F5344CB8AC3E}">
-        <p14:creationId xmlns:p14="http://schemas.microsoft.com/office/powerpoint/2010/main" xmlns="" val="3243626544"/>
-      </p:ext>
-    </p:extLst>
-  </p:cSld>
-  <p:clrMapOvr>
-    <a:masterClrMapping/>
-  </p:clrMapOvr>
-  <p:timing>
-    <p:tnLst>
-      <p:par>
-        <p:cTn id="1" dur="indefinite" restart="never" nodeType="tmRoot"/>
-      </p:par>
-    </p:tnLst>
-  </p:timing>
-</p:sld>
-</file>
-
-<file path=ppt/slides/slide26.xml><?xml version="1.0" encoding="utf-8"?>
-<p:sld xmlns:a="http://schemas.openxmlformats.org/drawingml/2006/main" xmlns:r="http://schemas.openxmlformats.org/officeDocument/2006/relationships" xmlns:p="http://schemas.openxmlformats.org/presentationml/2006/main">
-  <p:cSld>
-    <p:spTree>
-      <p:nvGrpSpPr>
-        <p:cNvPr id="1" name=""/>
-        <p:cNvGrpSpPr/>
-        <p:nvPr/>
-      </p:nvGrpSpPr>
-      <p:grpSpPr>
-        <a:xfrm>
-          <a:off x="0" y="0"/>
-          <a:ext cx="0" cy="0"/>
-          <a:chOff x="0" y="0"/>
-          <a:chExt cx="0" cy="0"/>
-        </a:xfrm>
-      </p:grpSpPr>
-      <p:sp>
-        <p:nvSpPr>
-          <p:cNvPr id="2" name="Titel 1"/>
-          <p:cNvSpPr>
-            <a:spLocks noGrp="1"/>
-          </p:cNvSpPr>
-          <p:nvPr>
-            <p:ph type="title"/>
-          </p:nvPr>
-        </p:nvSpPr>
-        <p:spPr/>
-        <p:txBody>
-          <a:bodyPr>
-            <a:normAutofit fontScale="90000"/>
-          </a:bodyPr>
-          <a:lstStyle/>
-          <a:p>
-            <a:r>
-              <a:rPr lang="de-DE" dirty="0" smtClean="0"/>
-              <a:t>Domänenklassendiagramm -</a:t>
-            </a:r>
-            <a:br>
-              <a:rPr lang="de-DE" dirty="0" smtClean="0"/>
-            </a:br>
-            <a:r>
-              <a:rPr lang="de-DE" dirty="0" smtClean="0"/>
-              <a:t>Event</a:t>
-            </a:r>
-            <a:endParaRPr lang="de-DE" dirty="0"/>
-          </a:p>
-        </p:txBody>
-      </p:sp>
-      <p:sp>
-        <p:nvSpPr>
-          <p:cNvPr id="4" name="Datumsplatzhalter 3"/>
-          <p:cNvSpPr>
-            <a:spLocks noGrp="1"/>
-          </p:cNvSpPr>
-          <p:nvPr>
-            <p:ph type="dt" sz="half" idx="10"/>
-          </p:nvPr>
-        </p:nvSpPr>
-        <p:spPr/>
-        <p:txBody>
-          <a:bodyPr/>
-          <a:lstStyle/>
-          <a:p>
-            <a:r>
-              <a:rPr lang="de-DE" smtClean="0"/>
-              <a:t>21.04.2012</a:t>
-            </a:r>
-            <a:endParaRPr lang="en-US"/>
-          </a:p>
-        </p:txBody>
-      </p:sp>
-      <p:sp>
-        <p:nvSpPr>
-          <p:cNvPr id="5" name="Fußzeilenplatzhalter 4"/>
-          <p:cNvSpPr>
-            <a:spLocks noGrp="1"/>
-          </p:cNvSpPr>
-          <p:nvPr>
-            <p:ph type="ftr" sz="quarter" idx="11"/>
-          </p:nvPr>
-        </p:nvSpPr>
-        <p:spPr/>
-        <p:txBody>
-          <a:bodyPr/>
-          <a:lstStyle/>
-          <a:p>
-            <a:r>
-              <a:rPr lang="de-DE" smtClean="0"/>
-              <a:t>FST Projekt "Eventalizer" (SS 2012) Team 5</a:t>
-            </a:r>
-            <a:endParaRPr lang="de-DE" dirty="0"/>
-          </a:p>
-        </p:txBody>
-      </p:sp>
-      <p:sp>
-        <p:nvSpPr>
-          <p:cNvPr id="6" name="Foliennummernplatzhalter 5"/>
-          <p:cNvSpPr>
-            <a:spLocks noGrp="1"/>
-          </p:cNvSpPr>
-          <p:nvPr>
-            <p:ph type="sldNum" sz="quarter" idx="12"/>
-          </p:nvPr>
-        </p:nvSpPr>
-        <p:spPr/>
-        <p:txBody>
-          <a:bodyPr/>
-          <a:lstStyle/>
-          <a:p>
-            <a:fld id="{990B41CA-569D-40E7-8E58-026C0338B2C8}" type="slidenum">
-              <a:rPr lang="en-US" smtClean="0"/>
-              <a:pPr/>
-              <a:t>26</a:t>
             </a:fld>
             <a:endParaRPr lang="en-US"/>
           </a:p>
@@ -13231,6 +12657,9 @@
   <p:clrMapOvr>
     <a:masterClrMapping/>
   </p:clrMapOvr>
+  <p:transition spd="slow">
+    <p:strips dir="ru"/>
+  </p:transition>
   <p:timing>
     <p:tnLst>
       <p:par>
@@ -13241,7 +12670,7 @@
 </p:sld>
 </file>
 
-<file path=ppt/slides/slide27.xml><?xml version="1.0" encoding="utf-8"?>
+<file path=ppt/slides/slide26.xml><?xml version="1.0" encoding="utf-8"?>
 <p:sld xmlns:a="http://schemas.openxmlformats.org/drawingml/2006/main" xmlns:r="http://schemas.openxmlformats.org/officeDocument/2006/relationships" xmlns:p="http://schemas.openxmlformats.org/presentationml/2006/main">
   <p:cSld>
     <p:spTree>
@@ -13378,7 +12807,7 @@
             <a:fld id="{990B41CA-569D-40E7-8E58-026C0338B2C8}" type="slidenum">
               <a:rPr lang="en-US" smtClean="0"/>
               <a:pPr/>
-              <a:t>27</a:t>
+              <a:t>26</a:t>
             </a:fld>
             <a:endParaRPr lang="en-US"/>
           </a:p>
@@ -13387,13 +12816,16 @@
     </p:spTree>
     <p:extLst>
       <p:ext uri="{BB962C8B-B14F-4D97-AF65-F5344CB8AC3E}">
-        <p14:creationId xmlns:p14="http://schemas.microsoft.com/office/powerpoint/2010/main" xmlns="" val="3243626544"/>
+        <p14:creationId xmlns:p14="http://schemas.microsoft.com/office/powerpoint/2010/main" val="3243626544"/>
       </p:ext>
     </p:extLst>
   </p:cSld>
   <p:clrMapOvr>
     <a:masterClrMapping/>
   </p:clrMapOvr>
+  <p:transition spd="slow">
+    <p:strips dir="ru"/>
+  </p:transition>
   <p:timing>
     <p:tnLst>
       <p:par>
@@ -13404,7 +12836,7 @@
 </p:sld>
 </file>
 
-<file path=ppt/slides/slide28.xml><?xml version="1.0" encoding="utf-8"?>
+<file path=ppt/slides/slide27.xml><?xml version="1.0" encoding="utf-8"?>
 <p:sld xmlns:a="http://schemas.openxmlformats.org/drawingml/2006/main" xmlns:r="http://schemas.openxmlformats.org/officeDocument/2006/relationships" xmlns:p="http://schemas.openxmlformats.org/presentationml/2006/main">
   <p:cSld>
     <p:spTree>
@@ -13589,7 +13021,7 @@
             <a:fld id="{990B41CA-569D-40E7-8E58-026C0338B2C8}" type="slidenum">
               <a:rPr lang="en-US" smtClean="0"/>
               <a:pPr/>
-              <a:t>28</a:t>
+              <a:t>27</a:t>
             </a:fld>
             <a:endParaRPr lang="en-US"/>
           </a:p>
@@ -13901,13 +13333,16 @@
     </p:spTree>
     <p:extLst>
       <p:ext uri="{BB962C8B-B14F-4D97-AF65-F5344CB8AC3E}">
-        <p14:creationId xmlns:p14="http://schemas.microsoft.com/office/powerpoint/2010/main" xmlns="" val="3243626544"/>
+        <p14:creationId xmlns:p14="http://schemas.microsoft.com/office/powerpoint/2010/main" val="3243626544"/>
       </p:ext>
     </p:extLst>
   </p:cSld>
   <p:clrMapOvr>
     <a:masterClrMapping/>
   </p:clrMapOvr>
+  <p:transition spd="slow">
+    <p:strips dir="ru"/>
+  </p:transition>
   <p:timing>
     <p:tnLst>
       <p:par>
@@ -13918,7 +13353,7 @@
 </p:sld>
 </file>
 
-<file path=ppt/slides/slide29.xml><?xml version="1.0" encoding="utf-8"?>
+<file path=ppt/slides/slide28.xml><?xml version="1.0" encoding="utf-8"?>
 <p:sld xmlns:a="http://schemas.openxmlformats.org/drawingml/2006/main" xmlns:r="http://schemas.openxmlformats.org/officeDocument/2006/relationships" xmlns:p="http://schemas.openxmlformats.org/presentationml/2006/main">
   <p:cSld>
     <p:spTree>
@@ -14103,7 +13538,7 @@
             <a:fld id="{990B41CA-569D-40E7-8E58-026C0338B2C8}" type="slidenum">
               <a:rPr lang="en-US" smtClean="0"/>
               <a:pPr/>
-              <a:t>29</a:t>
+              <a:t>28</a:t>
             </a:fld>
             <a:endParaRPr lang="en-US"/>
           </a:p>
@@ -14415,13 +13850,16 @@
     </p:spTree>
     <p:extLst>
       <p:ext uri="{BB962C8B-B14F-4D97-AF65-F5344CB8AC3E}">
-        <p14:creationId xmlns:p14="http://schemas.microsoft.com/office/powerpoint/2010/main" xmlns="" val="3243626544"/>
+        <p14:creationId xmlns:p14="http://schemas.microsoft.com/office/powerpoint/2010/main" val="3243626544"/>
       </p:ext>
     </p:extLst>
   </p:cSld>
   <p:clrMapOvr>
     <a:masterClrMapping/>
   </p:clrMapOvr>
+  <p:transition spd="slow">
+    <p:strips dir="ru"/>
+  </p:transition>
   <p:timing>
     <p:tnLst>
       <p:par>
@@ -14432,301 +13870,7 @@
 </p:sld>
 </file>
 
-<file path=ppt/slides/slide3.xml><?xml version="1.0" encoding="utf-8"?>
-<p:sld xmlns:a="http://schemas.openxmlformats.org/drawingml/2006/main" xmlns:r="http://schemas.openxmlformats.org/officeDocument/2006/relationships" xmlns:p="http://schemas.openxmlformats.org/presentationml/2006/main" show="0">
-  <p:cSld>
-    <p:spTree>
-      <p:nvGrpSpPr>
-        <p:cNvPr id="1" name=""/>
-        <p:cNvGrpSpPr/>
-        <p:nvPr/>
-      </p:nvGrpSpPr>
-      <p:grpSpPr>
-        <a:xfrm>
-          <a:off x="0" y="0"/>
-          <a:ext cx="0" cy="0"/>
-          <a:chOff x="0" y="0"/>
-          <a:chExt cx="0" cy="0"/>
-        </a:xfrm>
-      </p:grpSpPr>
-      <p:sp>
-        <p:nvSpPr>
-          <p:cNvPr id="2" name="Titel 1"/>
-          <p:cNvSpPr>
-            <a:spLocks noGrp="1"/>
-          </p:cNvSpPr>
-          <p:nvPr>
-            <p:ph type="title"/>
-          </p:nvPr>
-        </p:nvSpPr>
-        <p:spPr/>
-        <p:txBody>
-          <a:bodyPr/>
-          <a:lstStyle/>
-          <a:p>
-            <a:pPr algn="l"/>
-            <a:r>
-              <a:rPr lang="de-DE" dirty="0" smtClean="0"/>
-              <a:t>Agenda</a:t>
-            </a:r>
-            <a:endParaRPr lang="de-DE" dirty="0"/>
-          </a:p>
-        </p:txBody>
-      </p:sp>
-      <p:sp>
-        <p:nvSpPr>
-          <p:cNvPr id="3" name="Inhaltsplatzhalter 2"/>
-          <p:cNvSpPr>
-            <a:spLocks noGrp="1"/>
-          </p:cNvSpPr>
-          <p:nvPr>
-            <p:ph idx="1"/>
-          </p:nvPr>
-        </p:nvSpPr>
-        <p:spPr/>
-        <p:txBody>
-          <a:bodyPr>
-            <a:noAutofit/>
-          </a:bodyPr>
-          <a:lstStyle/>
-          <a:p>
-            <a:r>
-              <a:rPr lang="de-DE" dirty="0" smtClean="0"/>
-              <a:t>SW-Entwicklungsprozess (vertikale </a:t>
-            </a:r>
-            <a:r>
-              <a:rPr lang="de-DE" dirty="0"/>
-              <a:t>Umsetzung)</a:t>
-            </a:r>
-            <a:endParaRPr lang="de-DE" dirty="0" smtClean="0"/>
-          </a:p>
-          <a:p>
-            <a:pPr lvl="1"/>
-            <a:r>
-              <a:rPr lang="de-DE" dirty="0" smtClean="0"/>
-              <a:t>Funktionale Anforderungen</a:t>
-            </a:r>
-          </a:p>
-          <a:p>
-            <a:pPr lvl="2"/>
-            <a:r>
-              <a:rPr lang="de-DE" dirty="0" smtClean="0"/>
-              <a:t>Login</a:t>
-            </a:r>
-          </a:p>
-          <a:p>
-            <a:pPr lvl="3"/>
-            <a:r>
-              <a:rPr lang="de-DE" dirty="0" smtClean="0"/>
-              <a:t>LH -&gt; PH (</a:t>
-            </a:r>
-            <a:r>
-              <a:rPr lang="de-DE" dirty="0" err="1" smtClean="0"/>
-              <a:t>Mockup</a:t>
-            </a:r>
-            <a:r>
-              <a:rPr lang="de-DE" dirty="0" smtClean="0"/>
-              <a:t>, Aktivitätsdiagramm, Sequenz) -&gt; Live</a:t>
-            </a:r>
-          </a:p>
-          <a:p>
-            <a:pPr lvl="2"/>
-            <a:r>
-              <a:rPr lang="de-DE" dirty="0" smtClean="0"/>
-              <a:t>Event organisieren</a:t>
-            </a:r>
-          </a:p>
-          <a:p>
-            <a:pPr lvl="2"/>
-            <a:r>
-              <a:rPr lang="de-DE" dirty="0" smtClean="0"/>
-              <a:t>Live Demo Detailkonzept</a:t>
-            </a:r>
-          </a:p>
-          <a:p>
-            <a:pPr lvl="2"/>
-            <a:r>
-              <a:rPr lang="de-DE" dirty="0" smtClean="0"/>
-              <a:t>Domänenklassendiagramm Datenbank-Schema</a:t>
-            </a:r>
-          </a:p>
-          <a:p>
-            <a:pPr lvl="1"/>
-            <a:r>
-              <a:rPr lang="de-DE" dirty="0" smtClean="0"/>
-              <a:t>Qualitätsanforderungen</a:t>
-            </a:r>
-          </a:p>
-          <a:p>
-            <a:pPr lvl="1"/>
-            <a:r>
-              <a:rPr lang="de-DE" dirty="0" smtClean="0"/>
-              <a:t>Abnahmekriterien</a:t>
-            </a:r>
-          </a:p>
-          <a:p>
-            <a:r>
-              <a:rPr lang="de-DE" dirty="0" smtClean="0"/>
-              <a:t>Weitere Projektplanung und Ausblick</a:t>
-            </a:r>
-          </a:p>
-          <a:p>
-            <a:pPr marL="82296" indent="0">
-              <a:buNone/>
-            </a:pPr>
-            <a:endParaRPr lang="de-DE" dirty="0"/>
-          </a:p>
-        </p:txBody>
-      </p:sp>
-      <p:sp>
-        <p:nvSpPr>
-          <p:cNvPr id="4" name="Datumsplatzhalter 3"/>
-          <p:cNvSpPr>
-            <a:spLocks noGrp="1"/>
-          </p:cNvSpPr>
-          <p:nvPr>
-            <p:ph type="dt" sz="half" idx="10"/>
-          </p:nvPr>
-        </p:nvSpPr>
-        <p:spPr/>
-        <p:txBody>
-          <a:bodyPr/>
-          <a:lstStyle/>
-          <a:p>
-            <a:r>
-              <a:rPr lang="de-DE" smtClean="0"/>
-              <a:t>21.04.2012</a:t>
-            </a:r>
-            <a:endParaRPr lang="de-DE" dirty="0"/>
-          </a:p>
-        </p:txBody>
-      </p:sp>
-      <p:sp>
-        <p:nvSpPr>
-          <p:cNvPr id="6" name="Fußzeilenplatzhalter 5"/>
-          <p:cNvSpPr>
-            <a:spLocks noGrp="1"/>
-          </p:cNvSpPr>
-          <p:nvPr>
-            <p:ph type="ftr" sz="quarter" idx="11"/>
-          </p:nvPr>
-        </p:nvSpPr>
-        <p:spPr/>
-        <p:txBody>
-          <a:bodyPr/>
-          <a:lstStyle/>
-          <a:p>
-            <a:r>
-              <a:rPr lang="de-DE" dirty="0" smtClean="0"/>
-              <a:t>FST Projekt "</a:t>
-            </a:r>
-            <a:r>
-              <a:rPr lang="de-DE" dirty="0" err="1" smtClean="0"/>
-              <a:t>Eventalizer</a:t>
-            </a:r>
-            <a:r>
-              <a:rPr lang="de-DE" dirty="0" smtClean="0"/>
-              <a:t>" (SS 2012) Team 5</a:t>
-            </a:r>
-            <a:endParaRPr lang="de-DE" dirty="0"/>
-          </a:p>
-        </p:txBody>
-      </p:sp>
-      <p:sp>
-        <p:nvSpPr>
-          <p:cNvPr id="5" name="Foliennummernplatzhalter 4"/>
-          <p:cNvSpPr>
-            <a:spLocks noGrp="1"/>
-          </p:cNvSpPr>
-          <p:nvPr>
-            <p:ph type="sldNum" sz="quarter" idx="12"/>
-          </p:nvPr>
-        </p:nvSpPr>
-        <p:spPr/>
-        <p:txBody>
-          <a:bodyPr/>
-          <a:lstStyle/>
-          <a:p>
-            <a:fld id="{6C6AE60A-B69C-4790-82F7-3882EDF23186}" type="slidenum">
-              <a:rPr lang="de-DE" smtClean="0"/>
-              <a:pPr/>
-              <a:t>3</a:t>
-            </a:fld>
-            <a:endParaRPr lang="de-DE" dirty="0"/>
-          </a:p>
-        </p:txBody>
-      </p:sp>
-      <p:pic>
-        <p:nvPicPr>
-          <p:cNvPr id="7" name="Picture 2" descr="http://homepages.internet.lu/pompjeen-kenzeg/Bilder/agenda.jpg"/>
-          <p:cNvPicPr>
-            <a:picLocks noChangeAspect="1" noChangeArrowheads="1"/>
-          </p:cNvPicPr>
-          <p:nvPr/>
-        </p:nvPicPr>
-        <p:blipFill>
-          <a:blip r:embed="rId3" cstate="print"/>
-          <a:srcRect/>
-          <a:stretch>
-            <a:fillRect/>
-          </a:stretch>
-        </p:blipFill>
-        <p:spPr bwMode="auto">
-          <a:xfrm>
-            <a:off x="6249101" y="-315416"/>
-            <a:ext cx="1643074" cy="1825638"/>
-          </a:xfrm>
-          <a:prstGeom prst="roundRect">
-            <a:avLst>
-              <a:gd name="adj" fmla="val 8594"/>
-            </a:avLst>
-          </a:prstGeom>
-          <a:solidFill>
-            <a:srgbClr val="FFFFFF">
-              <a:shade val="85000"/>
-            </a:srgbClr>
-          </a:solidFill>
-          <a:ln>
-            <a:noFill/>
-          </a:ln>
-          <a:effectLst>
-            <a:reflection blurRad="12700" stA="38000" endPos="28000" dist="5000" dir="5400000" sy="-100000" algn="bl" rotWithShape="0"/>
-          </a:effectLst>
-          <a:scene3d>
-            <a:camera prst="perspectiveLeft"/>
-            <a:lightRig rig="threePt" dir="t"/>
-          </a:scene3d>
-        </p:spPr>
-      </p:pic>
-    </p:spTree>
-    <p:extLst>
-      <p:ext uri="{BB962C8B-B14F-4D97-AF65-F5344CB8AC3E}">
-        <p14:creationId xmlns:p14="http://schemas.microsoft.com/office/powerpoint/2010/main" xmlns="" val="2988266106"/>
-      </p:ext>
-    </p:extLst>
-  </p:cSld>
-  <p:clrMapOvr>
-    <a:masterClrMapping/>
-  </p:clrMapOvr>
-  <mc:AlternateContent xmlns:mc="http://schemas.openxmlformats.org/markup-compatibility/2006">
-    <mc:Choice xmlns:p14="http://schemas.microsoft.com/office/powerpoint/2010/main" xmlns="" Requires="p14">
-      <p:transition spd="slow" p14:dur="2000"/>
-    </mc:Choice>
-    <mc:Fallback>
-      <p:transition spd="slow"/>
-    </mc:Fallback>
-  </mc:AlternateContent>
-  <p:timing>
-    <p:tnLst>
-      <p:par>
-        <p:cTn id="1" dur="indefinite" restart="never" nodeType="tmRoot"/>
-      </p:par>
-    </p:tnLst>
-  </p:timing>
-</p:sld>
-</file>
-
-<file path=ppt/slides/slide30.xml><?xml version="1.0" encoding="utf-8"?>
+<file path=ppt/slides/slide29.xml><?xml version="1.0" encoding="utf-8"?>
 <p:sld xmlns:a="http://schemas.openxmlformats.org/drawingml/2006/main" xmlns:r="http://schemas.openxmlformats.org/officeDocument/2006/relationships" xmlns:p="http://schemas.openxmlformats.org/presentationml/2006/main">
   <p:cSld>
     <p:spTree>
@@ -14863,7 +14007,7 @@
             <a:fld id="{990B41CA-569D-40E7-8E58-026C0338B2C8}" type="slidenum">
               <a:rPr lang="en-US" smtClean="0"/>
               <a:pPr/>
-              <a:t>30</a:t>
+              <a:t>29</a:t>
             </a:fld>
             <a:endParaRPr lang="en-US"/>
           </a:p>
@@ -15177,13 +14321,16 @@
     </p:spTree>
     <p:extLst>
       <p:ext uri="{BB962C8B-B14F-4D97-AF65-F5344CB8AC3E}">
-        <p14:creationId xmlns:p14="http://schemas.microsoft.com/office/powerpoint/2010/main" xmlns="" val="3243626544"/>
+        <p14:creationId xmlns:p14="http://schemas.microsoft.com/office/powerpoint/2010/main" val="3243626544"/>
       </p:ext>
     </p:extLst>
   </p:cSld>
   <p:clrMapOvr>
     <a:masterClrMapping/>
   </p:clrMapOvr>
+  <p:transition spd="slow">
+    <p:strips dir="ru"/>
+  </p:transition>
   <p:timing>
     <p:tnLst>
       <p:par>
@@ -15194,7 +14341,168 @@
 </p:sld>
 </file>
 
-<file path=ppt/slides/slide31.xml><?xml version="1.0" encoding="utf-8"?>
+<file path=ppt/slides/slide3.xml><?xml version="1.0" encoding="utf-8"?>
+<p:sld xmlns:a="http://schemas.openxmlformats.org/drawingml/2006/main" xmlns:r="http://schemas.openxmlformats.org/officeDocument/2006/relationships" xmlns:p="http://schemas.openxmlformats.org/presentationml/2006/main">
+  <p:cSld>
+    <p:spTree>
+      <p:nvGrpSpPr>
+        <p:cNvPr id="1" name=""/>
+        <p:cNvGrpSpPr/>
+        <p:nvPr/>
+      </p:nvGrpSpPr>
+      <p:grpSpPr>
+        <a:xfrm>
+          <a:off x="0" y="0"/>
+          <a:ext cx="0" cy="0"/>
+          <a:chOff x="0" y="0"/>
+          <a:chExt cx="0" cy="0"/>
+        </a:xfrm>
+      </p:grpSpPr>
+      <p:pic>
+        <p:nvPicPr>
+          <p:cNvPr id="1027" name="Picture 3" descr="C:\Users\Alexander\Desktop\Anwendungsfalldiagramm Benutzer und Eventfunktionen.png"/>
+          <p:cNvPicPr>
+            <a:picLocks noChangeAspect="1" noChangeArrowheads="1"/>
+          </p:cNvPicPr>
+          <p:nvPr/>
+        </p:nvPicPr>
+        <p:blipFill>
+          <a:blip r:embed="rId3" cstate="print"/>
+          <a:srcRect/>
+          <a:stretch>
+            <a:fillRect/>
+          </a:stretch>
+        </p:blipFill>
+        <p:spPr bwMode="auto">
+          <a:xfrm>
+            <a:off x="1475656" y="1453751"/>
+            <a:ext cx="5400000" cy="5071593"/>
+          </a:xfrm>
+          <a:prstGeom prst="rect">
+            <a:avLst/>
+          </a:prstGeom>
+          <a:noFill/>
+        </p:spPr>
+      </p:pic>
+      <p:sp>
+        <p:nvSpPr>
+          <p:cNvPr id="2" name="Titel 1"/>
+          <p:cNvSpPr>
+            <a:spLocks noGrp="1"/>
+          </p:cNvSpPr>
+          <p:nvPr>
+            <p:ph type="title"/>
+          </p:nvPr>
+        </p:nvSpPr>
+        <p:spPr/>
+        <p:txBody>
+          <a:bodyPr>
+            <a:normAutofit fontScale="90000"/>
+          </a:bodyPr>
+          <a:lstStyle/>
+          <a:p>
+            <a:r>
+              <a:rPr lang="de-DE" dirty="0" smtClean="0"/>
+              <a:t>Funktionale Anforderungen Anwendungsfalldiagramm</a:t>
+            </a:r>
+            <a:endParaRPr lang="de-DE" dirty="0"/>
+          </a:p>
+        </p:txBody>
+      </p:sp>
+      <p:sp>
+        <p:nvSpPr>
+          <p:cNvPr id="4" name="Datumsplatzhalter 3"/>
+          <p:cNvSpPr>
+            <a:spLocks noGrp="1"/>
+          </p:cNvSpPr>
+          <p:nvPr>
+            <p:ph type="dt" sz="half" idx="10"/>
+          </p:nvPr>
+        </p:nvSpPr>
+        <p:spPr/>
+        <p:txBody>
+          <a:bodyPr/>
+          <a:lstStyle/>
+          <a:p>
+            <a:r>
+              <a:rPr lang="de-DE" smtClean="0"/>
+              <a:t>21.04.2012</a:t>
+            </a:r>
+            <a:endParaRPr lang="en-US"/>
+          </a:p>
+        </p:txBody>
+      </p:sp>
+      <p:sp>
+        <p:nvSpPr>
+          <p:cNvPr id="5" name="Fußzeilenplatzhalter 4"/>
+          <p:cNvSpPr>
+            <a:spLocks noGrp="1"/>
+          </p:cNvSpPr>
+          <p:nvPr>
+            <p:ph type="ftr" sz="quarter" idx="11"/>
+          </p:nvPr>
+        </p:nvSpPr>
+        <p:spPr/>
+        <p:txBody>
+          <a:bodyPr/>
+          <a:lstStyle/>
+          <a:p>
+            <a:r>
+              <a:rPr lang="de-DE" smtClean="0"/>
+              <a:t>FST Projekt "Eventalizer" (SS 2012) Team 5</a:t>
+            </a:r>
+            <a:endParaRPr lang="de-DE" dirty="0"/>
+          </a:p>
+        </p:txBody>
+      </p:sp>
+      <p:sp>
+        <p:nvSpPr>
+          <p:cNvPr id="6" name="Foliennummernplatzhalter 5"/>
+          <p:cNvSpPr>
+            <a:spLocks noGrp="1"/>
+          </p:cNvSpPr>
+          <p:nvPr>
+            <p:ph type="sldNum" sz="quarter" idx="12"/>
+          </p:nvPr>
+        </p:nvSpPr>
+        <p:spPr/>
+        <p:txBody>
+          <a:bodyPr/>
+          <a:lstStyle/>
+          <a:p>
+            <a:fld id="{990B41CA-569D-40E7-8E58-026C0338B2C8}" type="slidenum">
+              <a:rPr lang="en-US" smtClean="0"/>
+              <a:pPr/>
+              <a:t>3</a:t>
+            </a:fld>
+            <a:endParaRPr lang="en-US"/>
+          </a:p>
+        </p:txBody>
+      </p:sp>
+    </p:spTree>
+    <p:extLst>
+      <p:ext uri="{BB962C8B-B14F-4D97-AF65-F5344CB8AC3E}">
+        <p14:creationId xmlns:p14="http://schemas.microsoft.com/office/powerpoint/2010/main" val="351671181"/>
+      </p:ext>
+    </p:extLst>
+  </p:cSld>
+  <p:clrMapOvr>
+    <a:masterClrMapping/>
+  </p:clrMapOvr>
+  <p:transition spd="slow">
+    <p:strips dir="ru"/>
+  </p:transition>
+  <p:timing>
+    <p:tnLst>
+      <p:par>
+        <p:cTn id="1" dur="indefinite" restart="never" nodeType="tmRoot"/>
+      </p:par>
+    </p:tnLst>
+  </p:timing>
+</p:sld>
+</file>
+
+<file path=ppt/slides/slide30.xml><?xml version="1.0" encoding="utf-8"?>
 <p:sld xmlns:a="http://schemas.openxmlformats.org/drawingml/2006/main" xmlns:r="http://schemas.openxmlformats.org/officeDocument/2006/relationships" xmlns:p="http://schemas.openxmlformats.org/presentationml/2006/main">
   <p:cSld>
     <p:spTree>
@@ -15427,7 +14735,7 @@
             <a:fld id="{990B41CA-569D-40E7-8E58-026C0338B2C8}" type="slidenum">
               <a:rPr lang="en-US" smtClean="0"/>
               <a:pPr/>
-              <a:t>31</a:t>
+              <a:t>30</a:t>
             </a:fld>
             <a:endParaRPr lang="en-US"/>
           </a:p>
@@ -16013,13 +15321,16 @@
     </p:spTree>
     <p:extLst>
       <p:ext uri="{BB962C8B-B14F-4D97-AF65-F5344CB8AC3E}">
-        <p14:creationId xmlns:p14="http://schemas.microsoft.com/office/powerpoint/2010/main" xmlns="" val="3243626544"/>
+        <p14:creationId xmlns:p14="http://schemas.microsoft.com/office/powerpoint/2010/main" val="3243626544"/>
       </p:ext>
     </p:extLst>
   </p:cSld>
   <p:clrMapOvr>
     <a:masterClrMapping/>
   </p:clrMapOvr>
+  <p:transition spd="slow">
+    <p:strips dir="ru"/>
+  </p:transition>
   <p:timing>
     <p:tnLst>
       <p:par>
@@ -16030,7 +15341,7 @@
 </p:sld>
 </file>
 
-<file path=ppt/slides/slide32.xml><?xml version="1.0" encoding="utf-8"?>
+<file path=ppt/slides/slide31.xml><?xml version="1.0" encoding="utf-8"?>
 <p:sld xmlns:a="http://schemas.openxmlformats.org/drawingml/2006/main" xmlns:r="http://schemas.openxmlformats.org/officeDocument/2006/relationships" xmlns:p="http://schemas.openxmlformats.org/presentationml/2006/main">
   <p:cSld>
     <p:spTree>
@@ -16167,7 +15478,7 @@
             <a:fld id="{990B41CA-569D-40E7-8E58-026C0338B2C8}" type="slidenum">
               <a:rPr lang="en-US" smtClean="0"/>
               <a:pPr/>
-              <a:t>32</a:t>
+              <a:t>31</a:t>
             </a:fld>
             <a:endParaRPr lang="en-US"/>
           </a:p>
@@ -16616,13 +15927,197 @@
     </p:spTree>
     <p:extLst>
       <p:ext uri="{BB962C8B-B14F-4D97-AF65-F5344CB8AC3E}">
-        <p14:creationId xmlns:p14="http://schemas.microsoft.com/office/powerpoint/2010/main" xmlns="" val="3243626544"/>
+        <p14:creationId xmlns:p14="http://schemas.microsoft.com/office/powerpoint/2010/main" val="3243626544"/>
       </p:ext>
     </p:extLst>
   </p:cSld>
   <p:clrMapOvr>
     <a:masterClrMapping/>
   </p:clrMapOvr>
+  <p:transition spd="slow">
+    <p:strips dir="ru"/>
+  </p:transition>
+  <p:timing>
+    <p:tnLst>
+      <p:par>
+        <p:cTn id="1" dur="indefinite" restart="never" nodeType="tmRoot"/>
+      </p:par>
+    </p:tnLst>
+  </p:timing>
+</p:sld>
+</file>
+
+<file path=ppt/slides/slide32.xml><?xml version="1.0" encoding="utf-8"?>
+<p:sld xmlns:a="http://schemas.openxmlformats.org/drawingml/2006/main" xmlns:r="http://schemas.openxmlformats.org/officeDocument/2006/relationships" xmlns:p="http://schemas.openxmlformats.org/presentationml/2006/main">
+  <p:cSld>
+    <p:spTree>
+      <p:nvGrpSpPr>
+        <p:cNvPr id="1" name=""/>
+        <p:cNvGrpSpPr/>
+        <p:nvPr/>
+      </p:nvGrpSpPr>
+      <p:grpSpPr>
+        <a:xfrm>
+          <a:off x="0" y="0"/>
+          <a:ext cx="0" cy="0"/>
+          <a:chOff x="0" y="0"/>
+          <a:chExt cx="0" cy="0"/>
+        </a:xfrm>
+      </p:grpSpPr>
+      <p:sp>
+        <p:nvSpPr>
+          <p:cNvPr id="2" name="Titel 1"/>
+          <p:cNvSpPr>
+            <a:spLocks noGrp="1"/>
+          </p:cNvSpPr>
+          <p:nvPr>
+            <p:ph type="title"/>
+          </p:nvPr>
+        </p:nvSpPr>
+        <p:spPr/>
+        <p:txBody>
+          <a:bodyPr/>
+          <a:lstStyle/>
+          <a:p>
+            <a:r>
+              <a:rPr lang="de-DE" dirty="0" smtClean="0"/>
+              <a:t>Qualitätsanforderungen</a:t>
+            </a:r>
+            <a:endParaRPr lang="de-DE" dirty="0"/>
+          </a:p>
+        </p:txBody>
+      </p:sp>
+      <p:sp>
+        <p:nvSpPr>
+          <p:cNvPr id="3" name="Inhaltsplatzhalter 2"/>
+          <p:cNvSpPr>
+            <a:spLocks noGrp="1"/>
+          </p:cNvSpPr>
+          <p:nvPr>
+            <p:ph idx="1"/>
+          </p:nvPr>
+        </p:nvSpPr>
+        <p:spPr/>
+        <p:txBody>
+          <a:bodyPr/>
+          <a:lstStyle/>
+          <a:p>
+            <a:endParaRPr lang="de-DE" dirty="0" smtClean="0"/>
+          </a:p>
+          <a:p>
+            <a:r>
+              <a:rPr lang="de-DE" dirty="0" smtClean="0"/>
+              <a:t>Äußere und innere Qualität</a:t>
+            </a:r>
+          </a:p>
+          <a:p>
+            <a:endParaRPr lang="de-DE" dirty="0" smtClean="0"/>
+          </a:p>
+          <a:p>
+            <a:r>
+              <a:rPr lang="de-DE" dirty="0" smtClean="0"/>
+              <a:t>Gebrauchstauglichkeit</a:t>
+            </a:r>
+          </a:p>
+          <a:p>
+            <a:endParaRPr lang="de-DE" dirty="0"/>
+          </a:p>
+          <a:p>
+            <a:r>
+              <a:rPr lang="de-DE" dirty="0" smtClean="0"/>
+              <a:t>Technische Anforderungen</a:t>
+            </a:r>
+          </a:p>
+          <a:p>
+            <a:endParaRPr lang="de-DE" dirty="0" smtClean="0"/>
+          </a:p>
+          <a:p>
+            <a:r>
+              <a:rPr lang="de-DE" dirty="0" smtClean="0"/>
+              <a:t>Lieferumfang</a:t>
+            </a:r>
+            <a:endParaRPr lang="de-DE" dirty="0"/>
+          </a:p>
+        </p:txBody>
+      </p:sp>
+      <p:sp>
+        <p:nvSpPr>
+          <p:cNvPr id="4" name="Datumsplatzhalter 3"/>
+          <p:cNvSpPr>
+            <a:spLocks noGrp="1"/>
+          </p:cNvSpPr>
+          <p:nvPr>
+            <p:ph type="dt" sz="half" idx="10"/>
+          </p:nvPr>
+        </p:nvSpPr>
+        <p:spPr/>
+        <p:txBody>
+          <a:bodyPr/>
+          <a:lstStyle/>
+          <a:p>
+            <a:r>
+              <a:rPr lang="de-DE" smtClean="0"/>
+              <a:t>21.04.2012</a:t>
+            </a:r>
+            <a:endParaRPr lang="en-US"/>
+          </a:p>
+        </p:txBody>
+      </p:sp>
+      <p:sp>
+        <p:nvSpPr>
+          <p:cNvPr id="5" name="Fußzeilenplatzhalter 4"/>
+          <p:cNvSpPr>
+            <a:spLocks noGrp="1"/>
+          </p:cNvSpPr>
+          <p:nvPr>
+            <p:ph type="ftr" sz="quarter" idx="11"/>
+          </p:nvPr>
+        </p:nvSpPr>
+        <p:spPr/>
+        <p:txBody>
+          <a:bodyPr/>
+          <a:lstStyle/>
+          <a:p>
+            <a:r>
+              <a:rPr lang="de-DE" smtClean="0"/>
+              <a:t>FST Projekt "Eventalizer" (SS 2012) Team 5</a:t>
+            </a:r>
+            <a:endParaRPr lang="de-DE" dirty="0"/>
+          </a:p>
+        </p:txBody>
+      </p:sp>
+      <p:sp>
+        <p:nvSpPr>
+          <p:cNvPr id="6" name="Foliennummernplatzhalter 5"/>
+          <p:cNvSpPr>
+            <a:spLocks noGrp="1"/>
+          </p:cNvSpPr>
+          <p:nvPr>
+            <p:ph type="sldNum" sz="quarter" idx="12"/>
+          </p:nvPr>
+        </p:nvSpPr>
+        <p:spPr/>
+        <p:txBody>
+          <a:bodyPr/>
+          <a:lstStyle/>
+          <a:p>
+            <a:fld id="{990B41CA-569D-40E7-8E58-026C0338B2C8}" type="slidenum">
+              <a:rPr lang="en-US" smtClean="0"/>
+              <a:pPr/>
+              <a:t>32</a:t>
+            </a:fld>
+            <a:endParaRPr lang="en-US"/>
+          </a:p>
+        </p:txBody>
+      </p:sp>
+    </p:spTree>
+  </p:cSld>
+  <p:clrMapOvr>
+    <a:masterClrMapping/>
+  </p:clrMapOvr>
+  <p:transition spd="slow">
+    <p:strips dir="ru"/>
+  </p:transition>
   <p:timing>
     <p:tnLst>
       <p:par>
@@ -16667,7 +16162,7 @@
           <a:p>
             <a:r>
               <a:rPr lang="de-DE" dirty="0" smtClean="0"/>
-              <a:t>Qualitätsanforderungen</a:t>
+              <a:t>Abnahmekriterien</a:t>
             </a:r>
             <a:endParaRPr lang="de-DE" dirty="0"/>
           </a:p>
@@ -16688,41 +16183,7 @@
           <a:bodyPr/>
           <a:lstStyle/>
           <a:p>
-            <a:endParaRPr lang="de-DE" dirty="0" smtClean="0"/>
-          </a:p>
-          <a:p>
-            <a:r>
-              <a:rPr lang="de-DE" dirty="0" smtClean="0"/>
-              <a:t>Äußere und innere Qualität</a:t>
-            </a:r>
-          </a:p>
-          <a:p>
-            <a:endParaRPr lang="de-DE" dirty="0" smtClean="0"/>
-          </a:p>
-          <a:p>
-            <a:r>
-              <a:rPr lang="de-DE" dirty="0" smtClean="0"/>
-              <a:t>Gebrauchstauglichkeit</a:t>
-            </a:r>
-          </a:p>
-          <a:p>
-            <a:endParaRPr lang="de-DE" dirty="0"/>
-          </a:p>
-          <a:p>
-            <a:r>
-              <a:rPr lang="de-DE" dirty="0" smtClean="0"/>
-              <a:t>Technische Anforderungen</a:t>
-            </a:r>
-          </a:p>
-          <a:p>
-            <a:endParaRPr lang="de-DE" dirty="0" smtClean="0"/>
-          </a:p>
-          <a:p>
-            <a:r>
-              <a:rPr lang="de-DE" dirty="0" smtClean="0"/>
-              <a:t>Lieferumfang</a:t>
-            </a:r>
-            <a:endParaRPr lang="de-DE" dirty="0"/>
+            <a:endParaRPr lang="de-DE"/>
           </a:p>
         </p:txBody>
       </p:sp>
@@ -16797,10 +16258,18 @@
         </p:txBody>
       </p:sp>
     </p:spTree>
+    <p:extLst>
+      <p:ext uri="{BB962C8B-B14F-4D97-AF65-F5344CB8AC3E}">
+        <p14:creationId xmlns:p14="http://schemas.microsoft.com/office/powerpoint/2010/main" val="3309636493"/>
+      </p:ext>
+    </p:extLst>
   </p:cSld>
   <p:clrMapOvr>
     <a:masterClrMapping/>
   </p:clrMapOvr>
+  <p:transition spd="slow">
+    <p:strips dir="ru"/>
+  </p:transition>
   <p:timing>
     <p:tnLst>
       <p:par>
@@ -16812,155 +16281,6 @@
 </file>
 
 <file path=ppt/slides/slide34.xml><?xml version="1.0" encoding="utf-8"?>
-<p:sld xmlns:a="http://schemas.openxmlformats.org/drawingml/2006/main" xmlns:r="http://schemas.openxmlformats.org/officeDocument/2006/relationships" xmlns:p="http://schemas.openxmlformats.org/presentationml/2006/main">
-  <p:cSld>
-    <p:spTree>
-      <p:nvGrpSpPr>
-        <p:cNvPr id="1" name=""/>
-        <p:cNvGrpSpPr/>
-        <p:nvPr/>
-      </p:nvGrpSpPr>
-      <p:grpSpPr>
-        <a:xfrm>
-          <a:off x="0" y="0"/>
-          <a:ext cx="0" cy="0"/>
-          <a:chOff x="0" y="0"/>
-          <a:chExt cx="0" cy="0"/>
-        </a:xfrm>
-      </p:grpSpPr>
-      <p:sp>
-        <p:nvSpPr>
-          <p:cNvPr id="2" name="Titel 1"/>
-          <p:cNvSpPr>
-            <a:spLocks noGrp="1"/>
-          </p:cNvSpPr>
-          <p:nvPr>
-            <p:ph type="title"/>
-          </p:nvPr>
-        </p:nvSpPr>
-        <p:spPr/>
-        <p:txBody>
-          <a:bodyPr/>
-          <a:lstStyle/>
-          <a:p>
-            <a:r>
-              <a:rPr lang="de-DE" dirty="0" smtClean="0"/>
-              <a:t>Abnahmekriterien</a:t>
-            </a:r>
-            <a:endParaRPr lang="de-DE" dirty="0"/>
-          </a:p>
-        </p:txBody>
-      </p:sp>
-      <p:sp>
-        <p:nvSpPr>
-          <p:cNvPr id="3" name="Inhaltsplatzhalter 2"/>
-          <p:cNvSpPr>
-            <a:spLocks noGrp="1"/>
-          </p:cNvSpPr>
-          <p:nvPr>
-            <p:ph idx="1"/>
-          </p:nvPr>
-        </p:nvSpPr>
-        <p:spPr/>
-        <p:txBody>
-          <a:bodyPr/>
-          <a:lstStyle/>
-          <a:p>
-            <a:endParaRPr lang="de-DE"/>
-          </a:p>
-        </p:txBody>
-      </p:sp>
-      <p:sp>
-        <p:nvSpPr>
-          <p:cNvPr id="4" name="Datumsplatzhalter 3"/>
-          <p:cNvSpPr>
-            <a:spLocks noGrp="1"/>
-          </p:cNvSpPr>
-          <p:nvPr>
-            <p:ph type="dt" sz="half" idx="10"/>
-          </p:nvPr>
-        </p:nvSpPr>
-        <p:spPr/>
-        <p:txBody>
-          <a:bodyPr/>
-          <a:lstStyle/>
-          <a:p>
-            <a:r>
-              <a:rPr lang="de-DE" smtClean="0"/>
-              <a:t>21.04.2012</a:t>
-            </a:r>
-            <a:endParaRPr lang="en-US"/>
-          </a:p>
-        </p:txBody>
-      </p:sp>
-      <p:sp>
-        <p:nvSpPr>
-          <p:cNvPr id="5" name="Fußzeilenplatzhalter 4"/>
-          <p:cNvSpPr>
-            <a:spLocks noGrp="1"/>
-          </p:cNvSpPr>
-          <p:nvPr>
-            <p:ph type="ftr" sz="quarter" idx="11"/>
-          </p:nvPr>
-        </p:nvSpPr>
-        <p:spPr/>
-        <p:txBody>
-          <a:bodyPr/>
-          <a:lstStyle/>
-          <a:p>
-            <a:r>
-              <a:rPr lang="de-DE" smtClean="0"/>
-              <a:t>FST Projekt "Eventalizer" (SS 2012) Team 5</a:t>
-            </a:r>
-            <a:endParaRPr lang="de-DE" dirty="0"/>
-          </a:p>
-        </p:txBody>
-      </p:sp>
-      <p:sp>
-        <p:nvSpPr>
-          <p:cNvPr id="6" name="Foliennummernplatzhalter 5"/>
-          <p:cNvSpPr>
-            <a:spLocks noGrp="1"/>
-          </p:cNvSpPr>
-          <p:nvPr>
-            <p:ph type="sldNum" sz="quarter" idx="12"/>
-          </p:nvPr>
-        </p:nvSpPr>
-        <p:spPr/>
-        <p:txBody>
-          <a:bodyPr/>
-          <a:lstStyle/>
-          <a:p>
-            <a:fld id="{990B41CA-569D-40E7-8E58-026C0338B2C8}" type="slidenum">
-              <a:rPr lang="en-US" smtClean="0"/>
-              <a:pPr/>
-              <a:t>34</a:t>
-            </a:fld>
-            <a:endParaRPr lang="en-US"/>
-          </a:p>
-        </p:txBody>
-      </p:sp>
-    </p:spTree>
-    <p:extLst>
-      <p:ext uri="{BB962C8B-B14F-4D97-AF65-F5344CB8AC3E}">
-        <p14:creationId xmlns:p14="http://schemas.microsoft.com/office/powerpoint/2010/main" xmlns="" val="3309636493"/>
-      </p:ext>
-    </p:extLst>
-  </p:cSld>
-  <p:clrMapOvr>
-    <a:masterClrMapping/>
-  </p:clrMapOvr>
-  <p:timing>
-    <p:tnLst>
-      <p:par>
-        <p:cTn id="1" dur="indefinite" restart="never" nodeType="tmRoot"/>
-      </p:par>
-    </p:tnLst>
-  </p:timing>
-</p:sld>
-</file>
-
-<file path=ppt/slides/slide35.xml><?xml version="1.0" encoding="utf-8"?>
 <p:sld xmlns:a="http://schemas.openxmlformats.org/drawingml/2006/main" xmlns:r="http://schemas.openxmlformats.org/officeDocument/2006/relationships" xmlns:p="http://schemas.openxmlformats.org/presentationml/2006/main">
   <p:cSld>
     <p:spTree>
@@ -17150,7 +16470,7 @@
             <a:fld id="{6C6AE60A-B69C-4790-82F7-3882EDF23186}" type="slidenum">
               <a:rPr lang="de-DE" smtClean="0"/>
               <a:pPr/>
-              <a:t>35</a:t>
+              <a:t>34</a:t>
             </a:fld>
             <a:endParaRPr lang="de-DE" dirty="0"/>
           </a:p>
@@ -17159,13 +16479,16 @@
     </p:spTree>
     <p:extLst>
       <p:ext uri="{BB962C8B-B14F-4D97-AF65-F5344CB8AC3E}">
-        <p14:creationId xmlns:p14="http://schemas.microsoft.com/office/powerpoint/2010/main" xmlns="" val="1012322072"/>
+        <p14:creationId xmlns:p14="http://schemas.microsoft.com/office/powerpoint/2010/main" val="1012322072"/>
       </p:ext>
     </p:extLst>
   </p:cSld>
   <p:clrMapOvr>
     <a:masterClrMapping/>
   </p:clrMapOvr>
+  <p:transition spd="slow">
+    <p:strips dir="ru"/>
+  </p:transition>
   <p:timing>
     <p:tnLst>
       <p:par>
@@ -17176,7 +16499,7 @@
 </p:sld>
 </file>
 
-<file path=ppt/slides/slide36.xml><?xml version="1.0" encoding="utf-8"?>
+<file path=ppt/slides/slide35.xml><?xml version="1.0" encoding="utf-8"?>
 <p:sld xmlns:a="http://schemas.openxmlformats.org/drawingml/2006/main" xmlns:r="http://schemas.openxmlformats.org/officeDocument/2006/relationships" xmlns:p="http://schemas.openxmlformats.org/presentationml/2006/main">
   <p:cSld>
     <p:spTree>
@@ -17366,7 +16689,7 @@
             <a:fld id="{6C6AE60A-B69C-4790-82F7-3882EDF23186}" type="slidenum">
               <a:rPr lang="de-DE" smtClean="0"/>
               <a:pPr/>
-              <a:t>36</a:t>
+              <a:t>35</a:t>
             </a:fld>
             <a:endParaRPr lang="de-DE" dirty="0"/>
           </a:p>
@@ -17375,13 +16698,16 @@
     </p:spTree>
     <p:extLst>
       <p:ext uri="{BB962C8B-B14F-4D97-AF65-F5344CB8AC3E}">
-        <p14:creationId xmlns:p14="http://schemas.microsoft.com/office/powerpoint/2010/main" xmlns="" val="1012322072"/>
+        <p14:creationId xmlns:p14="http://schemas.microsoft.com/office/powerpoint/2010/main" val="1012322072"/>
       </p:ext>
     </p:extLst>
   </p:cSld>
   <p:clrMapOvr>
     <a:masterClrMapping/>
   </p:clrMapOvr>
+  <p:transition spd="slow">
+    <p:strips dir="ru"/>
+  </p:transition>
   <p:timing>
     <p:tnLst>
       <p:par>
@@ -17392,7 +16718,7 @@
 </p:sld>
 </file>
 
-<file path=ppt/slides/slide37.xml><?xml version="1.0" encoding="utf-8"?>
+<file path=ppt/slides/slide36.xml><?xml version="1.0" encoding="utf-8"?>
 <p:sld xmlns:a="http://schemas.openxmlformats.org/drawingml/2006/main" xmlns:r="http://schemas.openxmlformats.org/officeDocument/2006/relationships" xmlns:p="http://schemas.openxmlformats.org/presentationml/2006/main">
   <p:cSld>
     <p:spTree>
@@ -17467,7 +16793,6 @@
               <a:rPr lang="de-DE" dirty="0" smtClean="0"/>
               <a:t>Event organisieren</a:t>
             </a:r>
-            <a:endParaRPr lang="de-DE" dirty="0" smtClean="0"/>
           </a:p>
           <a:p>
             <a:pPr lvl="1"/>
@@ -17480,11 +16805,7 @@
             <a:pPr lvl="1"/>
             <a:r>
               <a:rPr lang="de-DE" dirty="0" smtClean="0"/>
-              <a:t>Event </a:t>
-            </a:r>
-            <a:r>
-              <a:rPr lang="de-DE" dirty="0" smtClean="0"/>
-              <a:t>suchen</a:t>
+              <a:t>Event suchen</a:t>
             </a:r>
             <a:endParaRPr lang="de-DE" dirty="0"/>
           </a:p>
@@ -17567,7 +16888,7 @@
             <a:fld id="{990B41CA-569D-40E7-8E58-026C0338B2C8}" type="slidenum">
               <a:rPr lang="en-US" smtClean="0"/>
               <a:pPr/>
-              <a:t>37</a:t>
+              <a:t>36</a:t>
             </a:fld>
             <a:endParaRPr lang="en-US"/>
           </a:p>
@@ -17585,7 +16906,7 @@
           <a:blip r:embed="rId2" cstate="print">
             <a:extLst>
               <a:ext uri="{BEBA8EAE-BF5A-486C-A8C5-ECC9F3942E4B}">
-                <a14:imgProps xmlns:a14="http://schemas.microsoft.com/office/drawing/2010/main" xmlns="">
+                <a14:imgProps xmlns:a14="http://schemas.microsoft.com/office/drawing/2010/main">
                   <a14:imgLayer r:embed="rId3">
                     <a14:imgEffect>
                       <a14:backgroundRemoval t="6057" b="22942" l="7000" r="29162"/>
@@ -17594,7 +16915,7 @@
                 </a14:imgProps>
               </a:ext>
               <a:ext uri="{28A0092B-C50C-407E-A947-70E740481C1C}">
-                <a14:useLocalDpi xmlns:a14="http://schemas.microsoft.com/office/drawing/2010/main" xmlns="" val="0"/>
+                <a14:useLocalDpi xmlns:a14="http://schemas.microsoft.com/office/drawing/2010/main" val="0"/>
               </a:ext>
             </a:extLst>
           </a:blip>
@@ -17612,7 +16933,7 @@
           <a:noFill/>
           <a:extLst>
             <a:ext uri="{909E8E84-426E-40DD-AFC4-6F175D3DCCD1}">
-              <a14:hiddenFill xmlns:a14="http://schemas.microsoft.com/office/drawing/2010/main" xmlns="">
+              <a14:hiddenFill xmlns:a14="http://schemas.microsoft.com/office/drawing/2010/main">
                 <a:solidFill>
                   <a:srgbClr val="FFFFFF"/>
                 </a:solidFill>
@@ -17633,7 +16954,7 @@
           <a:blip r:embed="rId2" cstate="print">
             <a:extLst>
               <a:ext uri="{BEBA8EAE-BF5A-486C-A8C5-ECC9F3942E4B}">
-                <a14:imgProps xmlns:a14="http://schemas.microsoft.com/office/drawing/2010/main" xmlns="">
+                <a14:imgProps xmlns:a14="http://schemas.microsoft.com/office/drawing/2010/main">
                   <a14:imgLayer r:embed="rId3">
                     <a14:imgEffect>
                       <a14:backgroundRemoval t="6057" b="22942" l="7000" r="29162"/>
@@ -17642,7 +16963,7 @@
                 </a14:imgProps>
               </a:ext>
               <a:ext uri="{28A0092B-C50C-407E-A947-70E740481C1C}">
-                <a14:useLocalDpi xmlns:a14="http://schemas.microsoft.com/office/drawing/2010/main" xmlns="" val="0"/>
+                <a14:useLocalDpi xmlns:a14="http://schemas.microsoft.com/office/drawing/2010/main" val="0"/>
               </a:ext>
             </a:extLst>
           </a:blip>
@@ -17660,7 +16981,7 @@
           <a:noFill/>
           <a:extLst>
             <a:ext uri="{909E8E84-426E-40DD-AFC4-6F175D3DCCD1}">
-              <a14:hiddenFill xmlns:a14="http://schemas.microsoft.com/office/drawing/2010/main" xmlns="">
+              <a14:hiddenFill xmlns:a14="http://schemas.microsoft.com/office/drawing/2010/main">
                 <a:solidFill>
                   <a:srgbClr val="FFFFFF"/>
                 </a:solidFill>
@@ -17718,13 +17039,16 @@
     </p:spTree>
     <p:extLst>
       <p:ext uri="{BB962C8B-B14F-4D97-AF65-F5344CB8AC3E}">
-        <p14:creationId xmlns:p14="http://schemas.microsoft.com/office/powerpoint/2010/main" xmlns="" val="2645794681"/>
+        <p14:creationId xmlns:p14="http://schemas.microsoft.com/office/powerpoint/2010/main" val="2645794681"/>
       </p:ext>
     </p:extLst>
   </p:cSld>
   <p:clrMapOvr>
     <a:masterClrMapping/>
   </p:clrMapOvr>
+  <p:transition spd="slow">
+    <p:strips dir="ru"/>
+  </p:transition>
   <p:timing>
     <p:tnLst>
       <p:par>
@@ -17735,7 +17059,7 @@
 </p:sld>
 </file>
 
-<file path=ppt/slides/slide38.xml><?xml version="1.0" encoding="utf-8"?>
+<file path=ppt/slides/slide37.xml><?xml version="1.0" encoding="utf-8"?>
 <p:sld xmlns:a="http://schemas.openxmlformats.org/drawingml/2006/main" xmlns:r="http://schemas.openxmlformats.org/officeDocument/2006/relationships" xmlns:p="http://schemas.openxmlformats.org/presentationml/2006/main">
   <p:cSld>
     <p:spTree>
@@ -17936,7 +17260,7 @@
             <a:fld id="{6C6AE60A-B69C-4790-82F7-3882EDF23186}" type="slidenum">
               <a:rPr lang="de-DE" smtClean="0"/>
               <a:pPr/>
-              <a:t>38</a:t>
+              <a:t>37</a:t>
             </a:fld>
             <a:endParaRPr lang="de-DE" dirty="0"/>
           </a:p>
@@ -17954,7 +17278,7 @@
           <a:blip r:embed="rId3" cstate="print">
             <a:extLst>
               <a:ext uri="{28A0092B-C50C-407E-A947-70E740481C1C}">
-                <a14:useLocalDpi xmlns:a14="http://schemas.microsoft.com/office/drawing/2010/main" xmlns="" val="0"/>
+                <a14:useLocalDpi xmlns:a14="http://schemas.microsoft.com/office/drawing/2010/main" val="0"/>
               </a:ext>
             </a:extLst>
           </a:blip>
@@ -17986,7 +17310,7 @@
           </a:effectLst>
           <a:extLst>
             <a:ext uri="{91240B29-F687-4F45-9708-019B960494DF}">
-              <a14:hiddenLine xmlns:a14="http://schemas.microsoft.com/office/drawing/2010/main" xmlns="" w="9525">
+              <a14:hiddenLine xmlns:a14="http://schemas.microsoft.com/office/drawing/2010/main" w="9525">
                 <a:solidFill>
                   <a:schemeClr val="tx1"/>
                 </a:solidFill>
@@ -18001,13 +17325,239 @@
     </p:spTree>
     <p:extLst>
       <p:ext uri="{BB962C8B-B14F-4D97-AF65-F5344CB8AC3E}">
-        <p14:creationId xmlns:p14="http://schemas.microsoft.com/office/powerpoint/2010/main" xmlns="" val="313312729"/>
+        <p14:creationId xmlns:p14="http://schemas.microsoft.com/office/powerpoint/2010/main" val="313312729"/>
       </p:ext>
     </p:extLst>
   </p:cSld>
   <p:clrMapOvr>
     <a:masterClrMapping/>
   </p:clrMapOvr>
+  <p:transition spd="slow">
+    <p:strips dir="ru"/>
+  </p:transition>
+  <p:timing>
+    <p:tnLst>
+      <p:par>
+        <p:cTn id="1" dur="indefinite" restart="never" nodeType="tmRoot"/>
+      </p:par>
+    </p:tnLst>
+  </p:timing>
+</p:sld>
+</file>
+
+<file path=ppt/slides/slide38.xml><?xml version="1.0" encoding="utf-8"?>
+<p:sld xmlns:a="http://schemas.openxmlformats.org/drawingml/2006/main" xmlns:r="http://schemas.openxmlformats.org/officeDocument/2006/relationships" xmlns:p="http://schemas.openxmlformats.org/presentationml/2006/main">
+  <p:cSld>
+    <p:spTree>
+      <p:nvGrpSpPr>
+        <p:cNvPr id="1" name=""/>
+        <p:cNvGrpSpPr/>
+        <p:nvPr/>
+      </p:nvGrpSpPr>
+      <p:grpSpPr>
+        <a:xfrm>
+          <a:off x="0" y="0"/>
+          <a:ext cx="0" cy="0"/>
+          <a:chOff x="0" y="0"/>
+          <a:chExt cx="0" cy="0"/>
+        </a:xfrm>
+      </p:grpSpPr>
+      <p:sp>
+        <p:nvSpPr>
+          <p:cNvPr id="2" name="Titel 1"/>
+          <p:cNvSpPr>
+            <a:spLocks noGrp="1"/>
+          </p:cNvSpPr>
+          <p:nvPr>
+            <p:ph type="title"/>
+          </p:nvPr>
+        </p:nvSpPr>
+        <p:spPr/>
+        <p:txBody>
+          <a:bodyPr/>
+          <a:lstStyle/>
+          <a:p>
+            <a:r>
+              <a:rPr lang="de-DE" dirty="0" smtClean="0"/>
+              <a:t>Reflexion</a:t>
+            </a:r>
+            <a:endParaRPr lang="de-DE" dirty="0"/>
+          </a:p>
+        </p:txBody>
+      </p:sp>
+      <p:sp>
+        <p:nvSpPr>
+          <p:cNvPr id="3" name="Inhaltsplatzhalter 2"/>
+          <p:cNvSpPr>
+            <a:spLocks noGrp="1"/>
+          </p:cNvSpPr>
+          <p:nvPr>
+            <p:ph idx="1"/>
+          </p:nvPr>
+        </p:nvSpPr>
+        <p:spPr>
+          <a:xfrm>
+            <a:off x="1435608" y="1447800"/>
+            <a:ext cx="7708392" cy="4800600"/>
+          </a:xfrm>
+        </p:spPr>
+        <p:txBody>
+          <a:bodyPr/>
+          <a:lstStyle/>
+          <a:p>
+            <a:r>
+              <a:rPr lang="de-DE" dirty="0" smtClean="0"/>
+              <a:t>Verbesserungspotential</a:t>
+            </a:r>
+          </a:p>
+          <a:p>
+            <a:pPr lvl="1"/>
+            <a:r>
+              <a:rPr lang="de-DE" dirty="0" smtClean="0"/>
+              <a:t>Bedienung </a:t>
+            </a:r>
+            <a:r>
+              <a:rPr lang="de-DE" dirty="0" err="1" smtClean="0"/>
+              <a:t>gitHub</a:t>
+            </a:r>
+            <a:r>
+              <a:rPr lang="de-DE" dirty="0" smtClean="0"/>
+              <a:t> aufwendig</a:t>
+            </a:r>
+          </a:p>
+          <a:p>
+            <a:pPr lvl="1"/>
+            <a:r>
+              <a:rPr lang="de-DE" dirty="0" smtClean="0"/>
+              <a:t>Projektmanagement stärker verfolgen</a:t>
+            </a:r>
+          </a:p>
+          <a:p>
+            <a:pPr lvl="1"/>
+            <a:r>
+              <a:rPr lang="de-DE" dirty="0" err="1" smtClean="0"/>
+              <a:t>Workload</a:t>
+            </a:r>
+            <a:endParaRPr lang="de-DE" dirty="0" smtClean="0"/>
+          </a:p>
+          <a:p>
+            <a:pPr lvl="1"/>
+            <a:endParaRPr lang="de-DE" dirty="0" smtClean="0"/>
+          </a:p>
+          <a:p>
+            <a:r>
+              <a:rPr lang="de-DE" dirty="0" smtClean="0"/>
+              <a:t>Positiv</a:t>
+            </a:r>
+          </a:p>
+          <a:p>
+            <a:pPr lvl="1"/>
+            <a:r>
+              <a:rPr lang="de-DE" dirty="0" err="1" smtClean="0"/>
+              <a:t>PeerReview</a:t>
+            </a:r>
+            <a:endParaRPr lang="de-DE" dirty="0"/>
+          </a:p>
+          <a:p>
+            <a:pPr lvl="1"/>
+            <a:r>
+              <a:rPr lang="de-DE" dirty="0" smtClean="0"/>
+              <a:t>Teamwork</a:t>
+            </a:r>
+          </a:p>
+          <a:p>
+            <a:pPr lvl="1"/>
+            <a:endParaRPr lang="de-DE" dirty="0"/>
+          </a:p>
+          <a:p>
+            <a:pPr lvl="1"/>
+            <a:endParaRPr lang="de-DE" dirty="0"/>
+          </a:p>
+        </p:txBody>
+      </p:sp>
+      <p:sp>
+        <p:nvSpPr>
+          <p:cNvPr id="4" name="Datumsplatzhalter 3"/>
+          <p:cNvSpPr>
+            <a:spLocks noGrp="1"/>
+          </p:cNvSpPr>
+          <p:nvPr>
+            <p:ph type="dt" sz="half" idx="10"/>
+          </p:nvPr>
+        </p:nvSpPr>
+        <p:spPr/>
+        <p:txBody>
+          <a:bodyPr/>
+          <a:lstStyle/>
+          <a:p>
+            <a:r>
+              <a:rPr lang="de-DE" smtClean="0"/>
+              <a:t>21.04.2012</a:t>
+            </a:r>
+            <a:endParaRPr lang="en-US"/>
+          </a:p>
+        </p:txBody>
+      </p:sp>
+      <p:sp>
+        <p:nvSpPr>
+          <p:cNvPr id="5" name="Fußzeilenplatzhalter 4"/>
+          <p:cNvSpPr>
+            <a:spLocks noGrp="1"/>
+          </p:cNvSpPr>
+          <p:nvPr>
+            <p:ph type="ftr" sz="quarter" idx="11"/>
+          </p:nvPr>
+        </p:nvSpPr>
+        <p:spPr/>
+        <p:txBody>
+          <a:bodyPr/>
+          <a:lstStyle/>
+          <a:p>
+            <a:r>
+              <a:rPr lang="de-DE" smtClean="0"/>
+              <a:t>FST Projekt "Eventalizer" (SS 2012) Team 5</a:t>
+            </a:r>
+            <a:endParaRPr lang="de-DE" dirty="0"/>
+          </a:p>
+        </p:txBody>
+      </p:sp>
+      <p:sp>
+        <p:nvSpPr>
+          <p:cNvPr id="6" name="Foliennummernplatzhalter 5"/>
+          <p:cNvSpPr>
+            <a:spLocks noGrp="1"/>
+          </p:cNvSpPr>
+          <p:nvPr>
+            <p:ph type="sldNum" sz="quarter" idx="12"/>
+          </p:nvPr>
+        </p:nvSpPr>
+        <p:spPr/>
+        <p:txBody>
+          <a:bodyPr/>
+          <a:lstStyle/>
+          <a:p>
+            <a:fld id="{990B41CA-569D-40E7-8E58-026C0338B2C8}" type="slidenum">
+              <a:rPr lang="en-US" smtClean="0"/>
+              <a:pPr/>
+              <a:t>38</a:t>
+            </a:fld>
+            <a:endParaRPr lang="en-US"/>
+          </a:p>
+        </p:txBody>
+      </p:sp>
+    </p:spTree>
+    <p:extLst>
+      <p:ext uri="{BB962C8B-B14F-4D97-AF65-F5344CB8AC3E}">
+        <p14:creationId xmlns:p14="http://schemas.microsoft.com/office/powerpoint/2010/main" val="1344880779"/>
+      </p:ext>
+    </p:extLst>
+  </p:cSld>
+  <p:clrMapOvr>
+    <a:masterClrMapping/>
+  </p:clrMapOvr>
+  <p:transition spd="slow">
+    <p:strips dir="ru"/>
+  </p:transition>
   <p:timing>
     <p:tnLst>
       <p:par>
@@ -18047,192 +17597,121 @@
         </p:nvSpPr>
         <p:spPr/>
         <p:txBody>
-          <a:bodyPr/>
-          <a:lstStyle/>
-          <a:p>
-            <a:r>
-              <a:rPr lang="de-DE" dirty="0" smtClean="0"/>
-              <a:t>Reflexion</a:t>
+          <a:bodyPr>
+            <a:normAutofit/>
+          </a:bodyPr>
+          <a:lstStyle/>
+          <a:p>
+            <a:r>
+              <a:rPr lang="de-DE" dirty="0" err="1" smtClean="0"/>
+              <a:t>Eventalizer</a:t>
+            </a:r>
+            <a:endParaRPr lang="de-DE" dirty="0" smtClean="0"/>
+          </a:p>
+        </p:txBody>
+      </p:sp>
+      <p:sp>
+        <p:nvSpPr>
+          <p:cNvPr id="3" name="Untertitel 2"/>
+          <p:cNvSpPr>
+            <a:spLocks noGrp="1"/>
+          </p:cNvSpPr>
+          <p:nvPr>
+            <p:ph type="body" idx="1"/>
+          </p:nvPr>
+        </p:nvSpPr>
+        <p:spPr/>
+        <p:txBody>
+          <a:bodyPr/>
+          <a:lstStyle/>
+          <a:p>
+            <a:r>
+              <a:rPr lang="de-DE" dirty="0" smtClean="0"/>
+              <a:t>Vielen Dank für Ihre Aufmerksamkeit</a:t>
+            </a:r>
+          </a:p>
+          <a:p>
+            <a:r>
+              <a:rPr lang="de-DE" dirty="0" smtClean="0"/>
+              <a:t>Gibt es noch Fragen?</a:t>
             </a:r>
             <a:endParaRPr lang="de-DE" dirty="0"/>
           </a:p>
         </p:txBody>
       </p:sp>
-      <p:sp>
-        <p:nvSpPr>
-          <p:cNvPr id="3" name="Inhaltsplatzhalter 2"/>
-          <p:cNvSpPr>
-            <a:spLocks noGrp="1"/>
-          </p:cNvSpPr>
-          <p:nvPr>
-            <p:ph idx="1"/>
-          </p:nvPr>
-        </p:nvSpPr>
+      <p:pic>
+        <p:nvPicPr>
+          <p:cNvPr id="4" name="Grafik 3"/>
+          <p:cNvPicPr>
+            <a:picLocks noChangeAspect="1"/>
+          </p:cNvPicPr>
+          <p:nvPr/>
+        </p:nvPicPr>
+        <p:blipFill>
+          <a:blip r:embed="rId3" cstate="print">
+            <a:extLst>
+              <a:ext uri="{28A0092B-C50C-407E-A947-70E740481C1C}">
+                <a14:useLocalDpi xmlns:a14="http://schemas.microsoft.com/office/drawing/2010/main" val="0"/>
+              </a:ext>
+            </a:extLst>
+          </a:blip>
+          <a:stretch>
+            <a:fillRect/>
+          </a:stretch>
+        </p:blipFill>
         <p:spPr>
           <a:xfrm>
-            <a:off x="1435608" y="1447800"/>
-            <a:ext cx="7708392" cy="4800600"/>
+            <a:off x="4899616" y="6220356"/>
+            <a:ext cx="4199228" cy="593020"/>
           </a:xfrm>
+          <a:prstGeom prst="rect">
+            <a:avLst/>
+          </a:prstGeom>
         </p:spPr>
-        <p:txBody>
-          <a:bodyPr/>
-          <a:lstStyle/>
-          <a:p>
-            <a:r>
-              <a:rPr lang="de-DE" dirty="0" smtClean="0"/>
-              <a:t>Verbesserungspotential</a:t>
-            </a:r>
-          </a:p>
-          <a:p>
-            <a:pPr lvl="1"/>
-            <a:r>
-              <a:rPr lang="de-DE" dirty="0" smtClean="0"/>
-              <a:t>Bedienung </a:t>
-            </a:r>
-            <a:r>
-              <a:rPr lang="de-DE" dirty="0" err="1" smtClean="0"/>
-              <a:t>gitHub</a:t>
-            </a:r>
-            <a:r>
-              <a:rPr lang="de-DE" dirty="0" smtClean="0"/>
-              <a:t> aufwendig</a:t>
-            </a:r>
-            <a:endParaRPr lang="de-DE" dirty="0" smtClean="0"/>
-          </a:p>
-          <a:p>
-            <a:pPr lvl="1"/>
-            <a:r>
-              <a:rPr lang="de-DE" dirty="0" smtClean="0"/>
-              <a:t>Projektmanagement stärker </a:t>
-            </a:r>
-            <a:r>
-              <a:rPr lang="de-DE" dirty="0" smtClean="0"/>
-              <a:t>verfolgen</a:t>
-            </a:r>
-          </a:p>
-          <a:p>
-            <a:pPr lvl="1"/>
-            <a:r>
-              <a:rPr lang="de-DE" dirty="0" err="1" smtClean="0"/>
-              <a:t>Workload</a:t>
-            </a:r>
-            <a:endParaRPr lang="de-DE" dirty="0" smtClean="0"/>
-          </a:p>
-          <a:p>
-            <a:pPr lvl="1"/>
-            <a:endParaRPr lang="de-DE" dirty="0" smtClean="0"/>
-          </a:p>
-          <a:p>
-            <a:r>
-              <a:rPr lang="de-DE" dirty="0" smtClean="0"/>
-              <a:t>Positiv</a:t>
-            </a:r>
-          </a:p>
-          <a:p>
-            <a:pPr lvl="1"/>
-            <a:r>
-              <a:rPr lang="de-DE" dirty="0" err="1" smtClean="0"/>
-              <a:t>PeerReview</a:t>
-            </a:r>
-            <a:endParaRPr lang="de-DE" dirty="0"/>
-          </a:p>
-          <a:p>
-            <a:pPr lvl="1"/>
-            <a:r>
-              <a:rPr lang="de-DE" dirty="0" smtClean="0"/>
-              <a:t>Teamwork</a:t>
-            </a:r>
-          </a:p>
-          <a:p>
-            <a:pPr lvl="1"/>
-            <a:endParaRPr lang="de-DE" dirty="0"/>
-          </a:p>
-          <a:p>
-            <a:pPr lvl="1"/>
-            <a:endParaRPr lang="de-DE" dirty="0"/>
-          </a:p>
-        </p:txBody>
-      </p:sp>
-      <p:sp>
-        <p:nvSpPr>
-          <p:cNvPr id="4" name="Datumsplatzhalter 3"/>
-          <p:cNvSpPr>
-            <a:spLocks noGrp="1"/>
-          </p:cNvSpPr>
-          <p:nvPr>
-            <p:ph type="dt" sz="half" idx="10"/>
-          </p:nvPr>
-        </p:nvSpPr>
-        <p:spPr/>
-        <p:txBody>
-          <a:bodyPr/>
-          <a:lstStyle/>
-          <a:p>
-            <a:r>
-              <a:rPr lang="de-DE" smtClean="0"/>
-              <a:t>21.04.2012</a:t>
-            </a:r>
-            <a:endParaRPr lang="en-US"/>
-          </a:p>
-        </p:txBody>
-      </p:sp>
-      <p:sp>
-        <p:nvSpPr>
-          <p:cNvPr id="5" name="Fußzeilenplatzhalter 4"/>
-          <p:cNvSpPr>
-            <a:spLocks noGrp="1"/>
-          </p:cNvSpPr>
-          <p:nvPr>
-            <p:ph type="ftr" sz="quarter" idx="11"/>
-          </p:nvPr>
-        </p:nvSpPr>
-        <p:spPr/>
-        <p:txBody>
-          <a:bodyPr/>
-          <a:lstStyle/>
-          <a:p>
-            <a:r>
-              <a:rPr lang="de-DE" smtClean="0"/>
-              <a:t>FST Projekt "Eventalizer" (SS 2012) Team 5</a:t>
-            </a:r>
-            <a:endParaRPr lang="de-DE" dirty="0"/>
-          </a:p>
-        </p:txBody>
-      </p:sp>
-      <p:sp>
-        <p:nvSpPr>
-          <p:cNvPr id="6" name="Foliennummernplatzhalter 5"/>
-          <p:cNvSpPr>
-            <a:spLocks noGrp="1"/>
-          </p:cNvSpPr>
-          <p:nvPr>
-            <p:ph type="sldNum" sz="quarter" idx="12"/>
-          </p:nvPr>
-        </p:nvSpPr>
-        <p:spPr/>
-        <p:txBody>
-          <a:bodyPr/>
-          <a:lstStyle/>
-          <a:p>
-            <a:fld id="{990B41CA-569D-40E7-8E58-026C0338B2C8}" type="slidenum">
-              <a:rPr lang="en-US" smtClean="0"/>
-              <a:pPr/>
-              <a:t>39</a:t>
-            </a:fld>
-            <a:endParaRPr lang="en-US"/>
-          </a:p>
-        </p:txBody>
-      </p:sp>
+      </p:pic>
+      <p:pic>
+        <p:nvPicPr>
+          <p:cNvPr id="5" name="Grafik 4"/>
+          <p:cNvPicPr>
+            <a:picLocks noChangeAspect="1"/>
+          </p:cNvPicPr>
+          <p:nvPr/>
+        </p:nvPicPr>
+        <p:blipFill>
+          <a:blip r:embed="rId4" cstate="print">
+            <a:extLst>
+              <a:ext uri="{28A0092B-C50C-407E-A947-70E740481C1C}">
+                <a14:useLocalDpi xmlns:a14="http://schemas.microsoft.com/office/drawing/2010/main" val="0"/>
+              </a:ext>
+            </a:extLst>
+          </a:blip>
+          <a:stretch>
+            <a:fillRect/>
+          </a:stretch>
+        </p:blipFill>
+        <p:spPr>
+          <a:xfrm>
+            <a:off x="2418775" y="5772287"/>
+            <a:ext cx="1236003" cy="1000125"/>
+          </a:xfrm>
+          <a:prstGeom prst="rect">
+            <a:avLst/>
+          </a:prstGeom>
+        </p:spPr>
+      </p:pic>
     </p:spTree>
     <p:extLst>
       <p:ext uri="{BB962C8B-B14F-4D97-AF65-F5344CB8AC3E}">
-        <p14:creationId xmlns:p14="http://schemas.microsoft.com/office/powerpoint/2010/main" xmlns="" val="1344880779"/>
+        <p14:creationId xmlns:p14="http://schemas.microsoft.com/office/powerpoint/2010/main" val="2565098391"/>
       </p:ext>
     </p:extLst>
   </p:cSld>
   <p:clrMapOvr>
     <a:masterClrMapping/>
   </p:clrMapOvr>
+  <p:transition spd="slow">
+    <p:strips dir="ru"/>
+  </p:transition>
   <p:timing>
     <p:tnLst>
       <p:par>
@@ -18277,8 +17756,8 @@
         </p:blipFill>
         <p:spPr bwMode="auto">
           <a:xfrm>
-            <a:off x="1475656" y="1453751"/>
-            <a:ext cx="5400000" cy="5071593"/>
+            <a:off x="1108471" y="1484789"/>
+            <a:ext cx="2376793" cy="2232243"/>
           </a:xfrm>
           <a:prstGeom prst="rect">
             <a:avLst/>
@@ -18381,17 +17860,216 @@
           </a:p>
         </p:txBody>
       </p:sp>
+      <p:pic>
+        <p:nvPicPr>
+          <p:cNvPr id="2050" name="Picture 2" descr="C:\Users\Alexander\Desktop\Anwendungsfalldiagramm Benutzer und Eventfunktionen.png"/>
+          <p:cNvPicPr>
+            <a:picLocks noChangeAspect="1" noChangeArrowheads="1"/>
+          </p:cNvPicPr>
+          <p:nvPr/>
+        </p:nvPicPr>
+        <p:blipFill>
+          <a:blip r:embed="rId3" cstate="print"/>
+          <a:srcRect l="37173" t="41284" b="9873"/>
+          <a:stretch>
+            <a:fillRect/>
+          </a:stretch>
+        </p:blipFill>
+        <p:spPr bwMode="auto">
+          <a:xfrm>
+            <a:off x="3760347" y="2600910"/>
+            <a:ext cx="5276149" cy="3852426"/>
+          </a:xfrm>
+          <a:prstGeom prst="rect">
+            <a:avLst/>
+          </a:prstGeom>
+          <a:noFill/>
+          <a:ln w="25400">
+            <a:solidFill>
+              <a:schemeClr val="accent6"/>
+            </a:solidFill>
+          </a:ln>
+        </p:spPr>
+      </p:pic>
+      <p:sp>
+        <p:nvSpPr>
+          <p:cNvPr id="8" name="Rechteck 7"/>
+          <p:cNvSpPr/>
+          <p:nvPr/>
+        </p:nvSpPr>
+        <p:spPr>
+          <a:xfrm>
+            <a:off x="1979712" y="2389935"/>
+            <a:ext cx="1496028" cy="1111073"/>
+          </a:xfrm>
+          <a:prstGeom prst="rect">
+            <a:avLst/>
+          </a:prstGeom>
+          <a:noFill/>
+          <a:ln>
+            <a:solidFill>
+              <a:schemeClr val="accent6"/>
+            </a:solidFill>
+          </a:ln>
+        </p:spPr>
+        <p:style>
+          <a:lnRef idx="2">
+            <a:schemeClr val="accent6"/>
+          </a:lnRef>
+          <a:fillRef idx="1">
+            <a:schemeClr val="lt1"/>
+          </a:fillRef>
+          <a:effectRef idx="0">
+            <a:schemeClr val="accent6"/>
+          </a:effectRef>
+          <a:fontRef idx="minor">
+            <a:schemeClr val="dk1"/>
+          </a:fontRef>
+        </p:style>
+        <p:txBody>
+          <a:bodyPr rtlCol="0" anchor="ctr"/>
+          <a:lstStyle/>
+          <a:p>
+            <a:pPr algn="ctr"/>
+            <a:endParaRPr lang="de-DE">
+              <a:solidFill>
+                <a:schemeClr val="dk1"/>
+              </a:solidFill>
+            </a:endParaRPr>
+          </a:p>
+        </p:txBody>
+      </p:sp>
+      <p:cxnSp>
+        <p:nvCxnSpPr>
+          <p:cNvPr id="11" name="Gerade Verbindung 10"/>
+          <p:cNvCxnSpPr/>
+          <p:nvPr/>
+        </p:nvCxnSpPr>
+        <p:spPr>
+          <a:xfrm>
+            <a:off x="3475740" y="2389935"/>
+            <a:ext cx="284607" cy="210975"/>
+          </a:xfrm>
+          <a:prstGeom prst="line">
+            <a:avLst/>
+          </a:prstGeom>
+          <a:noFill/>
+          <a:ln>
+            <a:solidFill>
+              <a:schemeClr val="accent6"/>
+            </a:solidFill>
+          </a:ln>
+        </p:spPr>
+        <p:style>
+          <a:lnRef idx="2">
+            <a:schemeClr val="accent6"/>
+          </a:lnRef>
+          <a:fillRef idx="1">
+            <a:schemeClr val="lt1"/>
+          </a:fillRef>
+          <a:effectRef idx="0">
+            <a:schemeClr val="accent6"/>
+          </a:effectRef>
+          <a:fontRef idx="minor">
+            <a:schemeClr val="dk1"/>
+          </a:fontRef>
+        </p:style>
+      </p:cxnSp>
+      <p:cxnSp>
+        <p:nvCxnSpPr>
+          <p:cNvPr id="12" name="Gerade Verbindung 11"/>
+          <p:cNvCxnSpPr/>
+          <p:nvPr/>
+        </p:nvCxnSpPr>
+        <p:spPr>
+          <a:xfrm>
+            <a:off x="3475740" y="3501008"/>
+            <a:ext cx="265559" cy="2961852"/>
+          </a:xfrm>
+          <a:prstGeom prst="line">
+            <a:avLst/>
+          </a:prstGeom>
+          <a:noFill/>
+          <a:ln>
+            <a:solidFill>
+              <a:schemeClr val="accent6"/>
+            </a:solidFill>
+          </a:ln>
+        </p:spPr>
+        <p:style>
+          <a:lnRef idx="2">
+            <a:schemeClr val="accent6"/>
+          </a:lnRef>
+          <a:fillRef idx="1">
+            <a:schemeClr val="lt1"/>
+          </a:fillRef>
+          <a:effectRef idx="0">
+            <a:schemeClr val="accent6"/>
+          </a:effectRef>
+          <a:fontRef idx="minor">
+            <a:schemeClr val="dk1"/>
+          </a:fontRef>
+        </p:style>
+      </p:cxnSp>
+      <p:sp>
+        <p:nvSpPr>
+          <p:cNvPr id="25" name="Rechteck 24"/>
+          <p:cNvSpPr/>
+          <p:nvPr/>
+        </p:nvSpPr>
+        <p:spPr>
+          <a:xfrm>
+            <a:off x="3851920" y="5589240"/>
+            <a:ext cx="1584176" cy="720080"/>
+          </a:xfrm>
+          <a:prstGeom prst="rect">
+            <a:avLst/>
+          </a:prstGeom>
+          <a:noFill/>
+          <a:ln>
+            <a:solidFill>
+              <a:schemeClr val="tx2"/>
+            </a:solidFill>
+          </a:ln>
+        </p:spPr>
+        <p:style>
+          <a:lnRef idx="2">
+            <a:schemeClr val="accent1">
+              <a:shade val="50000"/>
+            </a:schemeClr>
+          </a:lnRef>
+          <a:fillRef idx="1">
+            <a:schemeClr val="accent1"/>
+          </a:fillRef>
+          <a:effectRef idx="0">
+            <a:schemeClr val="accent1"/>
+          </a:effectRef>
+          <a:fontRef idx="minor">
+            <a:schemeClr val="lt1"/>
+          </a:fontRef>
+        </p:style>
+        <p:txBody>
+          <a:bodyPr rtlCol="0" anchor="ctr"/>
+          <a:lstStyle/>
+          <a:p>
+            <a:pPr algn="ctr"/>
+            <a:endParaRPr lang="de-DE"/>
+          </a:p>
+        </p:txBody>
+      </p:sp>
     </p:spTree>
     <p:extLst>
       <p:ext uri="{BB962C8B-B14F-4D97-AF65-F5344CB8AC3E}">
-        <p14:creationId xmlns:p14="http://schemas.microsoft.com/office/powerpoint/2010/main" xmlns="" val="351671181"/>
+        <p14:creationId xmlns:p14="http://schemas.microsoft.com/office/powerpoint/2010/main" val="351671181"/>
       </p:ext>
     </p:extLst>
   </p:cSld>
   <p:clrMapOvr>
     <a:masterClrMapping/>
   </p:clrMapOvr>
-  <p:transition/>
+  <p:transition spd="slow">
+    <p:strips dir="ru"/>
+  </p:transition>
   <p:timing>
     <p:tnLst>
       <p:par>
@@ -18421,12 +18099,35 @@
       </p:grpSpPr>
       <p:sp>
         <p:nvSpPr>
-          <p:cNvPr id="2" name="Titel 1"/>
+          <p:cNvPr id="7" name="Titel 6"/>
           <p:cNvSpPr>
             <a:spLocks noGrp="1"/>
           </p:cNvSpPr>
           <p:nvPr>
             <p:ph type="title"/>
+          </p:nvPr>
+        </p:nvSpPr>
+        <p:spPr/>
+        <p:txBody>
+          <a:bodyPr/>
+          <a:lstStyle/>
+          <a:p>
+            <a:r>
+              <a:rPr lang="de-DE" dirty="0" smtClean="0"/>
+              <a:t>Quellen</a:t>
+            </a:r>
+            <a:endParaRPr lang="de-DE" dirty="0"/>
+          </a:p>
+        </p:txBody>
+      </p:sp>
+      <p:sp>
+        <p:nvSpPr>
+          <p:cNvPr id="8" name="Inhaltsplatzhalter 7"/>
+          <p:cNvSpPr>
+            <a:spLocks noGrp="1"/>
+          </p:cNvSpPr>
+          <p:nvPr>
+            <p:ph idx="1"/>
           </p:nvPr>
         </p:nvSpPr>
         <p:spPr/>
@@ -18437,360 +18138,189 @@
           <a:lstStyle/>
           <a:p>
             <a:r>
-              <a:rPr lang="de-DE" dirty="0" err="1" smtClean="0"/>
-              <a:t>Eventalizer</a:t>
-            </a:r>
-            <a:endParaRPr lang="de-DE" dirty="0" smtClean="0"/>
-          </a:p>
-        </p:txBody>
-      </p:sp>
-      <p:sp>
-        <p:nvSpPr>
-          <p:cNvPr id="3" name="Untertitel 2"/>
-          <p:cNvSpPr>
-            <a:spLocks noGrp="1"/>
-          </p:cNvSpPr>
-          <p:nvPr>
-            <p:ph type="body" idx="1"/>
-          </p:nvPr>
-        </p:nvSpPr>
-        <p:spPr/>
-        <p:txBody>
-          <a:bodyPr/>
-          <a:lstStyle/>
-          <a:p>
-            <a:r>
-              <a:rPr lang="de-DE" dirty="0" smtClean="0"/>
-              <a:t>Vielen Dank für Ihre Aufmerksamkeit</a:t>
-            </a:r>
-          </a:p>
-          <a:p>
-            <a:r>
-              <a:rPr lang="de-DE" dirty="0" smtClean="0"/>
-              <a:t>Gibt es noch Fragen?</a:t>
-            </a:r>
+              <a:rPr lang="de-DE" sz="2000" dirty="0" err="1" smtClean="0"/>
+              <a:t>o.V</a:t>
+            </a:r>
+            <a:r>
+              <a:rPr lang="de-DE" sz="2000" dirty="0" smtClean="0"/>
+              <a:t>.: Spring </a:t>
+            </a:r>
+            <a:r>
+              <a:rPr lang="de-DE" sz="2000" dirty="0" err="1"/>
+              <a:t>Roo</a:t>
+            </a:r>
+            <a:r>
+              <a:rPr lang="de-DE" sz="2000" dirty="0"/>
+              <a:t> - Reference </a:t>
+            </a:r>
+            <a:r>
+              <a:rPr lang="de-DE" sz="2000" dirty="0" err="1" smtClean="0"/>
+              <a:t>Documentation</a:t>
+            </a:r>
+            <a:r>
+              <a:rPr lang="de-DE" sz="2000" dirty="0" smtClean="0"/>
+              <a:t>. http</a:t>
+            </a:r>
+            <a:r>
+              <a:rPr lang="de-DE" sz="2000" dirty="0"/>
+              <a:t>://</a:t>
+            </a:r>
+            <a:r>
+              <a:rPr lang="de-DE" sz="2000" dirty="0" smtClean="0"/>
+              <a:t>www.springsource.org/spring-roo#documentation,  Abgerufen am 14.03.2012</a:t>
+            </a:r>
+            <a:endParaRPr lang="de-DE" sz="2000" dirty="0"/>
+          </a:p>
+          <a:p>
+            <a:r>
+              <a:rPr lang="de-DE" sz="2000" dirty="0" err="1"/>
+              <a:t>Shekhar</a:t>
+            </a:r>
+            <a:r>
+              <a:rPr lang="de-DE" sz="2000" dirty="0"/>
+              <a:t> </a:t>
+            </a:r>
+            <a:r>
+              <a:rPr lang="de-DE" sz="2000" dirty="0" err="1"/>
+              <a:t>Gulati</a:t>
+            </a:r>
+            <a:r>
+              <a:rPr lang="de-DE" sz="2000" dirty="0"/>
+              <a:t>: </a:t>
+            </a:r>
+            <a:r>
+              <a:rPr lang="de-DE" sz="2000" dirty="0" err="1"/>
+              <a:t>Introducing</a:t>
+            </a:r>
+            <a:r>
+              <a:rPr lang="de-DE" sz="2000" dirty="0"/>
+              <a:t> Spring </a:t>
+            </a:r>
+            <a:r>
+              <a:rPr lang="de-DE" sz="2000" dirty="0" err="1" smtClean="0"/>
+              <a:t>Roo</a:t>
+            </a:r>
+            <a:r>
+              <a:rPr lang="de-DE" sz="2000" dirty="0"/>
+              <a:t>. http://www.ibm.com/developerworks/library/os-springroo2</a:t>
+            </a:r>
+            <a:r>
+              <a:rPr lang="de-DE" sz="2000" dirty="0" smtClean="0"/>
+              <a:t>/,  Abgerufen 23.04.2012</a:t>
+            </a:r>
+          </a:p>
+          <a:p>
             <a:endParaRPr lang="de-DE" dirty="0"/>
           </a:p>
-        </p:txBody>
-      </p:sp>
-      <p:pic>
-        <p:nvPicPr>
-          <p:cNvPr id="4" name="Grafik 3"/>
-          <p:cNvPicPr>
-            <a:picLocks noChangeAspect="1"/>
-          </p:cNvPicPr>
-          <p:nvPr/>
-        </p:nvPicPr>
-        <p:blipFill>
-          <a:blip r:embed="rId3" cstate="print">
-            <a:extLst>
-              <a:ext uri="{28A0092B-C50C-407E-A947-70E740481C1C}">
-                <a14:useLocalDpi xmlns:a14="http://schemas.microsoft.com/office/drawing/2010/main" xmlns="" val="0"/>
-              </a:ext>
-            </a:extLst>
-          </a:blip>
-          <a:stretch>
-            <a:fillRect/>
-          </a:stretch>
-        </p:blipFill>
-        <p:spPr>
-          <a:xfrm>
-            <a:off x="4899616" y="6220356"/>
-            <a:ext cx="4199228" cy="593020"/>
-          </a:xfrm>
-          <a:prstGeom prst="rect">
-            <a:avLst/>
-          </a:prstGeom>
-        </p:spPr>
-      </p:pic>
-      <p:pic>
-        <p:nvPicPr>
-          <p:cNvPr id="5" name="Grafik 4"/>
-          <p:cNvPicPr>
-            <a:picLocks noChangeAspect="1"/>
-          </p:cNvPicPr>
-          <p:nvPr/>
-        </p:nvPicPr>
-        <p:blipFill>
-          <a:blip r:embed="rId4" cstate="print">
-            <a:extLst>
-              <a:ext uri="{28A0092B-C50C-407E-A947-70E740481C1C}">
-                <a14:useLocalDpi xmlns:a14="http://schemas.microsoft.com/office/drawing/2010/main" xmlns="" val="0"/>
-              </a:ext>
-            </a:extLst>
-          </a:blip>
-          <a:stretch>
-            <a:fillRect/>
-          </a:stretch>
-        </p:blipFill>
-        <p:spPr>
-          <a:xfrm>
-            <a:off x="2418775" y="5772287"/>
-            <a:ext cx="1236003" cy="1000125"/>
-          </a:xfrm>
-          <a:prstGeom prst="rect">
-            <a:avLst/>
-          </a:prstGeom>
-        </p:spPr>
-      </p:pic>
+          <a:p>
+            <a:r>
+              <a:rPr lang="de-DE" sz="2400" dirty="0" smtClean="0"/>
+              <a:t>Dekorative Abbildungen</a:t>
+            </a:r>
+          </a:p>
+          <a:p>
+            <a:pPr lvl="1"/>
+            <a:r>
+              <a:rPr lang="de-DE" sz="2000" dirty="0" smtClean="0"/>
+              <a:t>www.FreeDigitalPhotos.net</a:t>
+            </a:r>
+          </a:p>
+          <a:p>
+            <a:pPr lvl="1"/>
+            <a:r>
+              <a:rPr lang="de-DE" sz="2000" dirty="0"/>
+              <a:t>www.animationfactory.com</a:t>
+            </a:r>
+          </a:p>
+          <a:p>
+            <a:pPr lvl="1"/>
+            <a:endParaRPr lang="de-DE" sz="2000" dirty="0"/>
+          </a:p>
+        </p:txBody>
+      </p:sp>
+      <p:sp>
+        <p:nvSpPr>
+          <p:cNvPr id="4" name="Datumsplatzhalter 3"/>
+          <p:cNvSpPr>
+            <a:spLocks noGrp="1"/>
+          </p:cNvSpPr>
+          <p:nvPr>
+            <p:ph type="dt" sz="half" idx="10"/>
+          </p:nvPr>
+        </p:nvSpPr>
+        <p:spPr/>
+        <p:txBody>
+          <a:bodyPr/>
+          <a:lstStyle/>
+          <a:p>
+            <a:r>
+              <a:rPr lang="de-DE" smtClean="0"/>
+              <a:t>21.04.2012</a:t>
+            </a:r>
+            <a:endParaRPr lang="en-US"/>
+          </a:p>
+        </p:txBody>
+      </p:sp>
+      <p:sp>
+        <p:nvSpPr>
+          <p:cNvPr id="5" name="Fußzeilenplatzhalter 4"/>
+          <p:cNvSpPr>
+            <a:spLocks noGrp="1"/>
+          </p:cNvSpPr>
+          <p:nvPr>
+            <p:ph type="ftr" sz="quarter" idx="11"/>
+          </p:nvPr>
+        </p:nvSpPr>
+        <p:spPr/>
+        <p:txBody>
+          <a:bodyPr/>
+          <a:lstStyle/>
+          <a:p>
+            <a:r>
+              <a:rPr lang="de-DE" smtClean="0"/>
+              <a:t>FST Projekt "Eventalizer" (SS 2012) Team 5</a:t>
+            </a:r>
+            <a:endParaRPr lang="de-DE" dirty="0"/>
+          </a:p>
+        </p:txBody>
+      </p:sp>
+      <p:sp>
+        <p:nvSpPr>
+          <p:cNvPr id="6" name="Foliennummernplatzhalter 5"/>
+          <p:cNvSpPr>
+            <a:spLocks noGrp="1"/>
+          </p:cNvSpPr>
+          <p:nvPr>
+            <p:ph type="sldNum" sz="quarter" idx="12"/>
+          </p:nvPr>
+        </p:nvSpPr>
+        <p:spPr/>
+        <p:txBody>
+          <a:bodyPr/>
+          <a:lstStyle/>
+          <a:p>
+            <a:fld id="{990B41CA-569D-40E7-8E58-026C0338B2C8}" type="slidenum">
+              <a:rPr lang="en-US" smtClean="0"/>
+              <a:pPr/>
+              <a:t>40</a:t>
+            </a:fld>
+            <a:endParaRPr lang="en-US"/>
+          </a:p>
+        </p:txBody>
+      </p:sp>
     </p:spTree>
     <p:extLst>
       <p:ext uri="{BB962C8B-B14F-4D97-AF65-F5344CB8AC3E}">
-        <p14:creationId xmlns:p14="http://schemas.microsoft.com/office/powerpoint/2010/main" xmlns="" val="2565098391"/>
+        <p14:creationId xmlns:p14="http://schemas.microsoft.com/office/powerpoint/2010/main" val="3661383713"/>
       </p:ext>
     </p:extLst>
   </p:cSld>
   <p:clrMapOvr>
     <a:masterClrMapping/>
   </p:clrMapOvr>
-  <p:timing>
-    <p:tnLst>
-      <p:par>
-        <p:cTn id="1" dur="indefinite" restart="never" nodeType="tmRoot"/>
-      </p:par>
-    </p:tnLst>
-  </p:timing>
-</p:sld>
-</file>
-
-<file path=ppt/slides/slide41.xml><?xml version="1.0" encoding="utf-8"?>
-<p:sld xmlns:a="http://schemas.openxmlformats.org/drawingml/2006/main" xmlns:r="http://schemas.openxmlformats.org/officeDocument/2006/relationships" xmlns:p="http://schemas.openxmlformats.org/presentationml/2006/main">
-  <p:cSld>
-    <p:spTree>
-      <p:nvGrpSpPr>
-        <p:cNvPr id="1" name=""/>
-        <p:cNvGrpSpPr/>
-        <p:nvPr/>
-      </p:nvGrpSpPr>
-      <p:grpSpPr>
-        <a:xfrm>
-          <a:off x="0" y="0"/>
-          <a:ext cx="0" cy="0"/>
-          <a:chOff x="0" y="0"/>
-          <a:chExt cx="0" cy="0"/>
-        </a:xfrm>
-      </p:grpSpPr>
-      <p:sp>
-        <p:nvSpPr>
-          <p:cNvPr id="7" name="Titel 6"/>
-          <p:cNvSpPr>
-            <a:spLocks noGrp="1"/>
-          </p:cNvSpPr>
-          <p:nvPr>
-            <p:ph type="title"/>
-          </p:nvPr>
-        </p:nvSpPr>
-        <p:spPr/>
-        <p:txBody>
-          <a:bodyPr/>
-          <a:lstStyle/>
-          <a:p>
-            <a:r>
-              <a:rPr lang="de-DE" dirty="0" smtClean="0"/>
-              <a:t>Quellen</a:t>
-            </a:r>
-            <a:endParaRPr lang="de-DE" dirty="0"/>
-          </a:p>
-        </p:txBody>
-      </p:sp>
-      <p:sp>
-        <p:nvSpPr>
-          <p:cNvPr id="8" name="Inhaltsplatzhalter 7"/>
-          <p:cNvSpPr>
-            <a:spLocks noGrp="1"/>
-          </p:cNvSpPr>
-          <p:nvPr>
-            <p:ph idx="1"/>
-          </p:nvPr>
-        </p:nvSpPr>
-        <p:spPr/>
-        <p:txBody>
-          <a:bodyPr>
-            <a:normAutofit/>
-          </a:bodyPr>
-          <a:lstStyle/>
-          <a:p>
-            <a:r>
-              <a:rPr lang="de-DE" sz="2000" dirty="0" err="1" smtClean="0"/>
-              <a:t>o.V</a:t>
-            </a:r>
-            <a:r>
-              <a:rPr lang="de-DE" sz="2000" dirty="0" smtClean="0"/>
-              <a:t>.: Spring </a:t>
-            </a:r>
-            <a:r>
-              <a:rPr lang="de-DE" sz="2000" dirty="0" err="1"/>
-              <a:t>Roo</a:t>
-            </a:r>
-            <a:r>
-              <a:rPr lang="de-DE" sz="2000" dirty="0"/>
-              <a:t> - Reference </a:t>
-            </a:r>
-            <a:r>
-              <a:rPr lang="de-DE" sz="2000" dirty="0" err="1" smtClean="0"/>
-              <a:t>Documentation</a:t>
-            </a:r>
-            <a:r>
-              <a:rPr lang="de-DE" sz="2000" dirty="0" smtClean="0"/>
-              <a:t>. http</a:t>
-            </a:r>
-            <a:r>
-              <a:rPr lang="de-DE" sz="2000" dirty="0"/>
-              <a:t>://</a:t>
-            </a:r>
-            <a:r>
-              <a:rPr lang="de-DE" sz="2000" dirty="0" smtClean="0"/>
-              <a:t>www.springsource.org/spring-roo#documentation,  Abgerufen am 14.03.2012</a:t>
-            </a:r>
-            <a:endParaRPr lang="de-DE" sz="2000" dirty="0"/>
-          </a:p>
-          <a:p>
-            <a:r>
-              <a:rPr lang="de-DE" sz="2000" dirty="0" err="1"/>
-              <a:t>Shekhar</a:t>
-            </a:r>
-            <a:r>
-              <a:rPr lang="de-DE" sz="2000" dirty="0"/>
-              <a:t> </a:t>
-            </a:r>
-            <a:r>
-              <a:rPr lang="de-DE" sz="2000" dirty="0" err="1"/>
-              <a:t>Gulati</a:t>
-            </a:r>
-            <a:r>
-              <a:rPr lang="de-DE" sz="2000" dirty="0"/>
-              <a:t>: </a:t>
-            </a:r>
-            <a:r>
-              <a:rPr lang="de-DE" sz="2000" dirty="0" err="1"/>
-              <a:t>Introducing</a:t>
-            </a:r>
-            <a:r>
-              <a:rPr lang="de-DE" sz="2000" dirty="0"/>
-              <a:t> Spring </a:t>
-            </a:r>
-            <a:r>
-              <a:rPr lang="de-DE" sz="2000" dirty="0" err="1" smtClean="0"/>
-              <a:t>Roo</a:t>
-            </a:r>
-            <a:r>
-              <a:rPr lang="de-DE" sz="2000" dirty="0"/>
-              <a:t>. http://www.ibm.com/developerworks/library/os-springroo2</a:t>
-            </a:r>
-            <a:r>
-              <a:rPr lang="de-DE" sz="2000" dirty="0" smtClean="0"/>
-              <a:t>/,  Abgerufen 23.04.2012</a:t>
-            </a:r>
-          </a:p>
-          <a:p>
-            <a:endParaRPr lang="de-DE" dirty="0"/>
-          </a:p>
-          <a:p>
-            <a:r>
-              <a:rPr lang="de-DE" sz="2400" dirty="0" smtClean="0"/>
-              <a:t>Dekorative Abbildungen</a:t>
-            </a:r>
-          </a:p>
-          <a:p>
-            <a:pPr lvl="1"/>
-            <a:r>
-              <a:rPr lang="de-DE" sz="2000" dirty="0" smtClean="0"/>
-              <a:t>www.FreeDigitalPhotos.net</a:t>
-            </a:r>
-          </a:p>
-          <a:p>
-            <a:pPr lvl="1"/>
-            <a:r>
-              <a:rPr lang="de-DE" sz="2000" dirty="0"/>
-              <a:t>www.animationfactory.com</a:t>
-            </a:r>
-          </a:p>
-          <a:p>
-            <a:pPr lvl="1"/>
-            <a:endParaRPr lang="de-DE" sz="2000" dirty="0"/>
-          </a:p>
-        </p:txBody>
-      </p:sp>
-      <p:sp>
-        <p:nvSpPr>
-          <p:cNvPr id="4" name="Datumsplatzhalter 3"/>
-          <p:cNvSpPr>
-            <a:spLocks noGrp="1"/>
-          </p:cNvSpPr>
-          <p:nvPr>
-            <p:ph type="dt" sz="half" idx="10"/>
-          </p:nvPr>
-        </p:nvSpPr>
-        <p:spPr/>
-        <p:txBody>
-          <a:bodyPr/>
-          <a:lstStyle/>
-          <a:p>
-            <a:r>
-              <a:rPr lang="de-DE" smtClean="0"/>
-              <a:t>21.04.2012</a:t>
-            </a:r>
-            <a:endParaRPr lang="en-US"/>
-          </a:p>
-        </p:txBody>
-      </p:sp>
-      <p:sp>
-        <p:nvSpPr>
-          <p:cNvPr id="5" name="Fußzeilenplatzhalter 4"/>
-          <p:cNvSpPr>
-            <a:spLocks noGrp="1"/>
-          </p:cNvSpPr>
-          <p:nvPr>
-            <p:ph type="ftr" sz="quarter" idx="11"/>
-          </p:nvPr>
-        </p:nvSpPr>
-        <p:spPr/>
-        <p:txBody>
-          <a:bodyPr/>
-          <a:lstStyle/>
-          <a:p>
-            <a:r>
-              <a:rPr lang="de-DE" smtClean="0"/>
-              <a:t>FST Projekt "Eventalizer" (SS 2012) Team 5</a:t>
-            </a:r>
-            <a:endParaRPr lang="de-DE" dirty="0"/>
-          </a:p>
-        </p:txBody>
-      </p:sp>
-      <p:sp>
-        <p:nvSpPr>
-          <p:cNvPr id="6" name="Foliennummernplatzhalter 5"/>
-          <p:cNvSpPr>
-            <a:spLocks noGrp="1"/>
-          </p:cNvSpPr>
-          <p:nvPr>
-            <p:ph type="sldNum" sz="quarter" idx="12"/>
-          </p:nvPr>
-        </p:nvSpPr>
-        <p:spPr/>
-        <p:txBody>
-          <a:bodyPr/>
-          <a:lstStyle/>
-          <a:p>
-            <a:fld id="{990B41CA-569D-40E7-8E58-026C0338B2C8}" type="slidenum">
-              <a:rPr lang="en-US" smtClean="0"/>
-              <a:pPr/>
-              <a:t>41</a:t>
-            </a:fld>
-            <a:endParaRPr lang="en-US"/>
-          </a:p>
-        </p:txBody>
-      </p:sp>
-    </p:spTree>
-    <p:extLst>
-      <p:ext uri="{BB962C8B-B14F-4D97-AF65-F5344CB8AC3E}">
-        <p14:creationId xmlns:p14="http://schemas.microsoft.com/office/powerpoint/2010/main" xmlns="" val="3661383713"/>
-      </p:ext>
-    </p:extLst>
-  </p:cSld>
-  <p:clrMapOvr>
-    <a:masterClrMapping/>
-  </p:clrMapOvr>
+  <p:transition spd="slow">
+    <p:strips dir="ru"/>
+  </p:transition>
   <p:timing>
     <p:tnLst>
       <p:par>
@@ -18818,32 +18348,6 @@
           <a:chExt cx="0" cy="0"/>
         </a:xfrm>
       </p:grpSpPr>
-      <p:pic>
-        <p:nvPicPr>
-          <p:cNvPr id="1027" name="Picture 3" descr="C:\Users\Alexander\Desktop\Anwendungsfalldiagramm Benutzer und Eventfunktionen.png"/>
-          <p:cNvPicPr>
-            <a:picLocks noChangeAspect="1" noChangeArrowheads="1"/>
-          </p:cNvPicPr>
-          <p:nvPr/>
-        </p:nvPicPr>
-        <p:blipFill>
-          <a:blip r:embed="rId3" cstate="print"/>
-          <a:srcRect/>
-          <a:stretch>
-            <a:fillRect/>
-          </a:stretch>
-        </p:blipFill>
-        <p:spPr bwMode="auto">
-          <a:xfrm>
-            <a:off x="1475656" y="1484789"/>
-            <a:ext cx="2628000" cy="2468173"/>
-          </a:xfrm>
-          <a:prstGeom prst="rect">
-            <a:avLst/>
-          </a:prstGeom>
-          <a:noFill/>
-        </p:spPr>
-      </p:pic>
       <p:sp>
         <p:nvSpPr>
           <p:cNvPr id="2" name="Titel 1"/>
@@ -18863,53 +18367,14 @@
           <a:p>
             <a:r>
               <a:rPr lang="de-DE" dirty="0" smtClean="0"/>
-              <a:t>Funktionale Anforderungen Anwendungsfalldiagramm</a:t>
-            </a:r>
-            <a:endParaRPr lang="de-DE" dirty="0"/>
-          </a:p>
-        </p:txBody>
-      </p:sp>
-      <p:sp>
-        <p:nvSpPr>
-          <p:cNvPr id="4" name="Datumsplatzhalter 3"/>
-          <p:cNvSpPr>
-            <a:spLocks noGrp="1"/>
-          </p:cNvSpPr>
-          <p:nvPr>
-            <p:ph type="dt" sz="half" idx="10"/>
-          </p:nvPr>
-        </p:nvSpPr>
-        <p:spPr/>
-        <p:txBody>
-          <a:bodyPr/>
-          <a:lstStyle/>
-          <a:p>
-            <a:r>
-              <a:rPr lang="de-DE" smtClean="0"/>
-              <a:t>21.04.2012</a:t>
-            </a:r>
-            <a:endParaRPr lang="en-US"/>
-          </a:p>
-        </p:txBody>
-      </p:sp>
-      <p:sp>
-        <p:nvSpPr>
-          <p:cNvPr id="5" name="Fußzeilenplatzhalter 4"/>
-          <p:cNvSpPr>
-            <a:spLocks noGrp="1"/>
-          </p:cNvSpPr>
-          <p:nvPr>
-            <p:ph type="ftr" sz="quarter" idx="11"/>
-          </p:nvPr>
-        </p:nvSpPr>
-        <p:spPr/>
-        <p:txBody>
-          <a:bodyPr/>
-          <a:lstStyle/>
-          <a:p>
-            <a:r>
-              <a:rPr lang="de-DE" smtClean="0"/>
-              <a:t>FST Projekt "Eventalizer" (SS 2012) Team 5</a:t>
+              <a:t>„Anmelden (Login)“</a:t>
+            </a:r>
+            <a:br>
+              <a:rPr lang="de-DE" dirty="0" smtClean="0"/>
+            </a:br>
+            <a:r>
+              <a:rPr lang="de-DE" dirty="0" smtClean="0"/>
+              <a:t>Lastenheft</a:t>
             </a:r>
             <a:endParaRPr lang="de-DE" dirty="0"/>
           </a:p>
@@ -18934,276 +18399,6 @@
               <a:rPr lang="en-US" smtClean="0"/>
               <a:pPr/>
               <a:t>5</a:t>
-            </a:fld>
-            <a:endParaRPr lang="en-US"/>
-          </a:p>
-        </p:txBody>
-      </p:sp>
-      <p:pic>
-        <p:nvPicPr>
-          <p:cNvPr id="2050" name="Picture 2" descr="C:\Users\Alexander\Desktop\Anwendungsfalldiagramm Benutzer und Eventfunktionen.png"/>
-          <p:cNvPicPr>
-            <a:picLocks noChangeAspect="1" noChangeArrowheads="1"/>
-          </p:cNvPicPr>
-          <p:nvPr/>
-        </p:nvPicPr>
-        <p:blipFill>
-          <a:blip r:embed="rId3" cstate="print"/>
-          <a:srcRect l="37173" t="41284" b="9873"/>
-          <a:stretch>
-            <a:fillRect/>
-          </a:stretch>
-        </p:blipFill>
-        <p:spPr bwMode="auto">
-          <a:xfrm>
-            <a:off x="4499992" y="3140968"/>
-            <a:ext cx="4536504" cy="3312368"/>
-          </a:xfrm>
-          <a:prstGeom prst="rect">
-            <a:avLst/>
-          </a:prstGeom>
-          <a:noFill/>
-          <a:ln w="25400">
-            <a:solidFill>
-              <a:schemeClr val="accent6"/>
-            </a:solidFill>
-          </a:ln>
-        </p:spPr>
-      </p:pic>
-      <p:sp>
-        <p:nvSpPr>
-          <p:cNvPr id="8" name="Rechteck 7"/>
-          <p:cNvSpPr/>
-          <p:nvPr/>
-        </p:nvSpPr>
-        <p:spPr>
-          <a:xfrm>
-            <a:off x="2411760" y="2492896"/>
-            <a:ext cx="1728192" cy="1224136"/>
-          </a:xfrm>
-          <a:prstGeom prst="rect">
-            <a:avLst/>
-          </a:prstGeom>
-          <a:noFill/>
-        </p:spPr>
-        <p:style>
-          <a:lnRef idx="2">
-            <a:schemeClr val="accent6"/>
-          </a:lnRef>
-          <a:fillRef idx="1">
-            <a:schemeClr val="lt1"/>
-          </a:fillRef>
-          <a:effectRef idx="0">
-            <a:schemeClr val="accent6"/>
-          </a:effectRef>
-          <a:fontRef idx="minor">
-            <a:schemeClr val="dk1"/>
-          </a:fontRef>
-        </p:style>
-        <p:txBody>
-          <a:bodyPr rtlCol="0" anchor="ctr"/>
-          <a:lstStyle/>
-          <a:p>
-            <a:pPr algn="ctr"/>
-            <a:endParaRPr lang="de-DE">
-              <a:solidFill>
-                <a:schemeClr val="dk1"/>
-              </a:solidFill>
-            </a:endParaRPr>
-          </a:p>
-        </p:txBody>
-      </p:sp>
-      <p:cxnSp>
-        <p:nvCxnSpPr>
-          <p:cNvPr id="11" name="Gerade Verbindung 10"/>
-          <p:cNvCxnSpPr/>
-          <p:nvPr/>
-        </p:nvCxnSpPr>
-        <p:spPr>
-          <a:xfrm>
-            <a:off x="4139952" y="2492896"/>
-            <a:ext cx="360040" cy="648072"/>
-          </a:xfrm>
-          <a:prstGeom prst="line">
-            <a:avLst/>
-          </a:prstGeom>
-          <a:noFill/>
-        </p:spPr>
-        <p:style>
-          <a:lnRef idx="2">
-            <a:schemeClr val="accent6"/>
-          </a:lnRef>
-          <a:fillRef idx="1">
-            <a:schemeClr val="lt1"/>
-          </a:fillRef>
-          <a:effectRef idx="0">
-            <a:schemeClr val="accent6"/>
-          </a:effectRef>
-          <a:fontRef idx="minor">
-            <a:schemeClr val="dk1"/>
-          </a:fontRef>
-        </p:style>
-      </p:cxnSp>
-      <p:cxnSp>
-        <p:nvCxnSpPr>
-          <p:cNvPr id="12" name="Gerade Verbindung 11"/>
-          <p:cNvCxnSpPr/>
-          <p:nvPr/>
-        </p:nvCxnSpPr>
-        <p:spPr>
-          <a:xfrm>
-            <a:off x="4139952" y="3717032"/>
-            <a:ext cx="360040" cy="2736304"/>
-          </a:xfrm>
-          <a:prstGeom prst="line">
-            <a:avLst/>
-          </a:prstGeom>
-          <a:noFill/>
-        </p:spPr>
-        <p:style>
-          <a:lnRef idx="2">
-            <a:schemeClr val="accent6"/>
-          </a:lnRef>
-          <a:fillRef idx="1">
-            <a:schemeClr val="lt1"/>
-          </a:fillRef>
-          <a:effectRef idx="0">
-            <a:schemeClr val="accent6"/>
-          </a:effectRef>
-          <a:fontRef idx="minor">
-            <a:schemeClr val="dk1"/>
-          </a:fontRef>
-        </p:style>
-      </p:cxnSp>
-      <p:sp>
-        <p:nvSpPr>
-          <p:cNvPr id="25" name="Rechteck 24"/>
-          <p:cNvSpPr/>
-          <p:nvPr/>
-        </p:nvSpPr>
-        <p:spPr>
-          <a:xfrm>
-            <a:off x="4572000" y="5733256"/>
-            <a:ext cx="1368152" cy="648072"/>
-          </a:xfrm>
-          <a:prstGeom prst="rect">
-            <a:avLst/>
-          </a:prstGeom>
-          <a:noFill/>
-        </p:spPr>
-        <p:style>
-          <a:lnRef idx="2">
-            <a:schemeClr val="accent1">
-              <a:shade val="50000"/>
-            </a:schemeClr>
-          </a:lnRef>
-          <a:fillRef idx="1">
-            <a:schemeClr val="accent1"/>
-          </a:fillRef>
-          <a:effectRef idx="0">
-            <a:schemeClr val="accent1"/>
-          </a:effectRef>
-          <a:fontRef idx="minor">
-            <a:schemeClr val="lt1"/>
-          </a:fontRef>
-        </p:style>
-        <p:txBody>
-          <a:bodyPr rtlCol="0" anchor="ctr"/>
-          <a:lstStyle/>
-          <a:p>
-            <a:pPr algn="ctr"/>
-            <a:endParaRPr lang="de-DE"/>
-          </a:p>
-        </p:txBody>
-      </p:sp>
-    </p:spTree>
-    <p:extLst>
-      <p:ext uri="{BB962C8B-B14F-4D97-AF65-F5344CB8AC3E}">
-        <p14:creationId xmlns:p14="http://schemas.microsoft.com/office/powerpoint/2010/main" xmlns="" val="351671181"/>
-      </p:ext>
-    </p:extLst>
-  </p:cSld>
-  <p:clrMapOvr>
-    <a:masterClrMapping/>
-  </p:clrMapOvr>
-  <p:timing>
-    <p:tnLst>
-      <p:par>
-        <p:cTn id="1" dur="indefinite" restart="never" nodeType="tmRoot"/>
-      </p:par>
-    </p:tnLst>
-  </p:timing>
-</p:sld>
-</file>
-
-<file path=ppt/slides/slide6.xml><?xml version="1.0" encoding="utf-8"?>
-<p:sld xmlns:a="http://schemas.openxmlformats.org/drawingml/2006/main" xmlns:r="http://schemas.openxmlformats.org/officeDocument/2006/relationships" xmlns:p="http://schemas.openxmlformats.org/presentationml/2006/main">
-  <p:cSld>
-    <p:spTree>
-      <p:nvGrpSpPr>
-        <p:cNvPr id="1" name=""/>
-        <p:cNvGrpSpPr/>
-        <p:nvPr/>
-      </p:nvGrpSpPr>
-      <p:grpSpPr>
-        <a:xfrm>
-          <a:off x="0" y="0"/>
-          <a:ext cx="0" cy="0"/>
-          <a:chOff x="0" y="0"/>
-          <a:chExt cx="0" cy="0"/>
-        </a:xfrm>
-      </p:grpSpPr>
-      <p:sp>
-        <p:nvSpPr>
-          <p:cNvPr id="2" name="Titel 1"/>
-          <p:cNvSpPr>
-            <a:spLocks noGrp="1"/>
-          </p:cNvSpPr>
-          <p:nvPr>
-            <p:ph type="title"/>
-          </p:nvPr>
-        </p:nvSpPr>
-        <p:spPr/>
-        <p:txBody>
-          <a:bodyPr>
-            <a:normAutofit fontScale="90000"/>
-          </a:bodyPr>
-          <a:lstStyle/>
-          <a:p>
-            <a:r>
-              <a:rPr lang="de-DE" dirty="0" smtClean="0"/>
-              <a:t>„Anmelden (Login)“</a:t>
-            </a:r>
-            <a:br>
-              <a:rPr lang="de-DE" dirty="0" smtClean="0"/>
-            </a:br>
-            <a:r>
-              <a:rPr lang="de-DE" dirty="0" smtClean="0"/>
-              <a:t>Lastenheft</a:t>
-            </a:r>
-            <a:endParaRPr lang="de-DE" dirty="0"/>
-          </a:p>
-        </p:txBody>
-      </p:sp>
-      <p:sp>
-        <p:nvSpPr>
-          <p:cNvPr id="6" name="Foliennummernplatzhalter 5"/>
-          <p:cNvSpPr>
-            <a:spLocks noGrp="1"/>
-          </p:cNvSpPr>
-          <p:nvPr>
-            <p:ph type="sldNum" sz="quarter" idx="12"/>
-          </p:nvPr>
-        </p:nvSpPr>
-        <p:spPr/>
-        <p:txBody>
-          <a:bodyPr/>
-          <a:lstStyle/>
-          <a:p>
-            <a:fld id="{990B41CA-569D-40E7-8E58-026C0338B2C8}" type="slidenum">
-              <a:rPr lang="en-US" smtClean="0"/>
-              <a:pPr/>
-              <a:t>6</a:t>
             </a:fld>
             <a:endParaRPr lang="en-US"/>
           </a:p>
@@ -19240,7 +18435,7 @@
           <a:blip r:embed="rId3" cstate="print">
             <a:extLst>
               <a:ext uri="{28A0092B-C50C-407E-A947-70E740481C1C}">
-                <a14:useLocalDpi xmlns:a14="http://schemas.microsoft.com/office/drawing/2010/main" xmlns="" val="0"/>
+                <a14:useLocalDpi xmlns:a14="http://schemas.microsoft.com/office/drawing/2010/main" val="0"/>
               </a:ext>
             </a:extLst>
           </a:blip>
@@ -19289,46 +18484,22 @@
               <a:srgbClr val="969696"/>
             </a:contourClr>
           </a:sp3d>
-          <a:extLst>
-            <a:ext uri="{909E8E84-426E-40DD-AFC4-6F175D3DCCD1}">
-              <a14:hiddenFill xmlns:a14="http://schemas.microsoft.com/office/drawing/2010/main" xmlns="">
-                <a:solidFill>
-                  <a:schemeClr val="accent1"/>
-                </a:solidFill>
-              </a14:hiddenFill>
-            </a:ext>
-            <a:ext uri="{91240B29-F687-4F45-9708-019B960494DF}">
-              <a14:hiddenLine xmlns:a14="http://schemas.microsoft.com/office/drawing/2010/main" xmlns="" w="9525">
-                <a:solidFill>
-                  <a:schemeClr val="tx1"/>
-                </a:solidFill>
-                <a:miter lim="800000"/>
-                <a:headEnd/>
-                <a:tailEnd/>
-              </a14:hiddenLine>
-            </a:ext>
-            <a:ext uri="{AF507438-7753-43E0-B8FC-AC1667EBCBE1}">
-              <a14:hiddenEffects xmlns:a14="http://schemas.microsoft.com/office/drawing/2010/main" xmlns="">
-                <a:effectLst>
-                  <a:outerShdw dist="35921" dir="2700000" algn="ctr" rotWithShape="0">
-                    <a:schemeClr val="bg2"/>
-                  </a:outerShdw>
-                </a:effectLst>
-              </a14:hiddenEffects>
-            </a:ext>
-          </a:extLst>
+          <a:extLst/>
         </p:spPr>
       </p:pic>
     </p:spTree>
     <p:extLst>
       <p:ext uri="{BB962C8B-B14F-4D97-AF65-F5344CB8AC3E}">
-        <p14:creationId xmlns:p14="http://schemas.microsoft.com/office/powerpoint/2010/main" xmlns="" val="2681693288"/>
+        <p14:creationId xmlns:p14="http://schemas.microsoft.com/office/powerpoint/2010/main" val="2681693288"/>
       </p:ext>
     </p:extLst>
   </p:cSld>
   <p:clrMapOvr>
     <a:masterClrMapping/>
   </p:clrMapOvr>
+  <p:transition spd="slow">
+    <p:strips dir="ru"/>
+  </p:transition>
   <p:timing>
     <p:tnLst>
       <p:par>
@@ -19339,7 +18510,7 @@
 </p:sld>
 </file>
 
-<file path=ppt/slides/slide7.xml><?xml version="1.0" encoding="utf-8"?>
+<file path=ppt/slides/slide6.xml><?xml version="1.0" encoding="utf-8"?>
 <p:sld xmlns:a="http://schemas.openxmlformats.org/drawingml/2006/main" xmlns:r="http://schemas.openxmlformats.org/officeDocument/2006/relationships" xmlns:p="http://schemas.openxmlformats.org/presentationml/2006/main">
   <p:cSld>
     <p:spTree>
@@ -19512,7 +18683,7 @@
             <a:fld id="{990B41CA-569D-40E7-8E58-026C0338B2C8}" type="slidenum">
               <a:rPr lang="en-US" smtClean="0"/>
               <a:pPr/>
-              <a:t>7</a:t>
+              <a:t>6</a:t>
             </a:fld>
             <a:endParaRPr lang="en-US"/>
           </a:p>
@@ -19521,13 +18692,16 @@
     </p:spTree>
     <p:extLst>
       <p:ext uri="{BB962C8B-B14F-4D97-AF65-F5344CB8AC3E}">
-        <p14:creationId xmlns:p14="http://schemas.microsoft.com/office/powerpoint/2010/main" xmlns="" val="2681693288"/>
+        <p14:creationId xmlns:p14="http://schemas.microsoft.com/office/powerpoint/2010/main" val="2681693288"/>
       </p:ext>
     </p:extLst>
   </p:cSld>
   <p:clrMapOvr>
     <a:masterClrMapping/>
   </p:clrMapOvr>
+  <p:transition spd="slow">
+    <p:strips dir="ru"/>
+  </p:transition>
   <p:timing>
     <p:tnLst>
       <p:par>
@@ -19538,7 +18712,7 @@
 </p:sld>
 </file>
 
-<file path=ppt/slides/slide8.xml><?xml version="1.0" encoding="utf-8"?>
+<file path=ppt/slides/slide7.xml><?xml version="1.0" encoding="utf-8"?>
 <p:sld xmlns:a="http://schemas.openxmlformats.org/drawingml/2006/main" xmlns:r="http://schemas.openxmlformats.org/officeDocument/2006/relationships" xmlns:p="http://schemas.openxmlformats.org/presentationml/2006/main">
   <p:cSld>
     <p:spTree>
@@ -19628,7 +18802,7 @@
             <a:fld id="{6C6AE60A-B69C-4790-82F7-3882EDF23186}" type="slidenum">
               <a:rPr lang="de-DE" smtClean="0"/>
               <a:pPr/>
-              <a:t>8</a:t>
+              <a:t>7</a:t>
             </a:fld>
             <a:endParaRPr lang="de-DE" dirty="0"/>
           </a:p>
@@ -20018,13 +19192,16 @@
     </p:spTree>
     <p:extLst>
       <p:ext uri="{BB962C8B-B14F-4D97-AF65-F5344CB8AC3E}">
-        <p14:creationId xmlns:p14="http://schemas.microsoft.com/office/powerpoint/2010/main" xmlns="" val="2857272158"/>
+        <p14:creationId xmlns:p14="http://schemas.microsoft.com/office/powerpoint/2010/main" val="2857272158"/>
       </p:ext>
     </p:extLst>
   </p:cSld>
   <p:clrMapOvr>
     <a:masterClrMapping/>
   </p:clrMapOvr>
+  <p:transition spd="slow">
+    <p:strips dir="ru"/>
+  </p:transition>
   <p:timing>
     <p:tnLst>
       <p:par>
@@ -20035,7 +19212,7 @@
 </p:sld>
 </file>
 
-<file path=ppt/slides/slide9.xml><?xml version="1.0" encoding="utf-8"?>
+<file path=ppt/slides/slide8.xml><?xml version="1.0" encoding="utf-8"?>
 <p:sld xmlns:a="http://schemas.openxmlformats.org/drawingml/2006/main" xmlns:r="http://schemas.openxmlformats.org/officeDocument/2006/relationships" xmlns:p="http://schemas.openxmlformats.org/presentationml/2006/main">
   <p:cSld>
     <p:spTree>
@@ -20098,7 +19275,7 @@
           <a:blip r:embed="rId2" cstate="print">
             <a:extLst>
               <a:ext uri="{28A0092B-C50C-407E-A947-70E740481C1C}">
-                <a14:useLocalDpi xmlns:a14="http://schemas.microsoft.com/office/drawing/2010/main" xmlns="" val="0"/>
+                <a14:useLocalDpi xmlns:a14="http://schemas.microsoft.com/office/drawing/2010/main" val="0"/>
               </a:ext>
             </a:extLst>
           </a:blip>
@@ -20121,14 +19298,14 @@
           <a:effectLst/>
           <a:extLst>
             <a:ext uri="{909E8E84-426E-40DD-AFC4-6F175D3DCCD1}">
-              <a14:hiddenFill xmlns:a14="http://schemas.microsoft.com/office/drawing/2010/main" xmlns="">
+              <a14:hiddenFill xmlns:a14="http://schemas.microsoft.com/office/drawing/2010/main">
                 <a:solidFill>
                   <a:schemeClr val="accent1"/>
                 </a:solidFill>
               </a14:hiddenFill>
             </a:ext>
             <a:ext uri="{91240B29-F687-4F45-9708-019B960494DF}">
-              <a14:hiddenLine xmlns:a14="http://schemas.microsoft.com/office/drawing/2010/main" xmlns="" w="9525">
+              <a14:hiddenLine xmlns:a14="http://schemas.microsoft.com/office/drawing/2010/main" w="9525">
                 <a:solidFill>
                   <a:schemeClr val="tx1"/>
                 </a:solidFill>
@@ -20138,7 +19315,7 @@
               </a14:hiddenLine>
             </a:ext>
             <a:ext uri="{AF507438-7753-43E0-B8FC-AC1667EBCBE1}">
-              <a14:hiddenEffects xmlns:a14="http://schemas.microsoft.com/office/drawing/2010/main" xmlns="">
+              <a14:hiddenEffects xmlns:a14="http://schemas.microsoft.com/office/drawing/2010/main">
                 <a:effectLst>
                   <a:outerShdw dist="35921" dir="2700000" algn="ctr" rotWithShape="0">
                     <a:schemeClr val="bg2"/>
@@ -20213,7 +19390,7 @@
             <a:fld id="{990B41CA-569D-40E7-8E58-026C0338B2C8}" type="slidenum">
               <a:rPr lang="en-US" smtClean="0"/>
               <a:pPr/>
-              <a:t>9</a:t>
+              <a:t>8</a:t>
             </a:fld>
             <a:endParaRPr lang="en-US"/>
           </a:p>
@@ -20423,13 +19600,369 @@
     </p:spTree>
     <p:extLst>
       <p:ext uri="{BB962C8B-B14F-4D97-AF65-F5344CB8AC3E}">
-        <p14:creationId xmlns:p14="http://schemas.microsoft.com/office/powerpoint/2010/main" xmlns="" val="3542583579"/>
+        <p14:creationId xmlns:p14="http://schemas.microsoft.com/office/powerpoint/2010/main" val="3542583579"/>
       </p:ext>
     </p:extLst>
   </p:cSld>
   <p:clrMapOvr>
     <a:masterClrMapping/>
   </p:clrMapOvr>
+  <p:transition spd="slow">
+    <p:strips dir="ru"/>
+  </p:transition>
+  <p:timing>
+    <p:tnLst>
+      <p:par>
+        <p:cTn id="1" dur="indefinite" restart="never" nodeType="tmRoot"/>
+      </p:par>
+    </p:tnLst>
+  </p:timing>
+</p:sld>
+</file>
+
+<file path=ppt/slides/slide9.xml><?xml version="1.0" encoding="utf-8"?>
+<p:sld xmlns:a="http://schemas.openxmlformats.org/drawingml/2006/main" xmlns:r="http://schemas.openxmlformats.org/officeDocument/2006/relationships" xmlns:p="http://schemas.openxmlformats.org/presentationml/2006/main">
+  <p:cSld>
+    <p:spTree>
+      <p:nvGrpSpPr>
+        <p:cNvPr id="1" name=""/>
+        <p:cNvGrpSpPr/>
+        <p:nvPr/>
+      </p:nvGrpSpPr>
+      <p:grpSpPr>
+        <a:xfrm>
+          <a:off x="0" y="0"/>
+          <a:ext cx="0" cy="0"/>
+          <a:chOff x="0" y="0"/>
+          <a:chExt cx="0" cy="0"/>
+        </a:xfrm>
+      </p:grpSpPr>
+      <p:pic>
+        <p:nvPicPr>
+          <p:cNvPr id="13" name="Picture 3" descr="C:\Users\Alexander\Desktop\Anwendungsfalldiagramm Benutzer und Eventfunktionen.png"/>
+          <p:cNvPicPr>
+            <a:picLocks noChangeAspect="1" noChangeArrowheads="1"/>
+          </p:cNvPicPr>
+          <p:nvPr/>
+        </p:nvPicPr>
+        <p:blipFill>
+          <a:blip r:embed="rId3" cstate="print"/>
+          <a:srcRect/>
+          <a:stretch>
+            <a:fillRect/>
+          </a:stretch>
+        </p:blipFill>
+        <p:spPr bwMode="auto">
+          <a:xfrm>
+            <a:off x="1108471" y="1484789"/>
+            <a:ext cx="2376793" cy="2232243"/>
+          </a:xfrm>
+          <a:prstGeom prst="rect">
+            <a:avLst/>
+          </a:prstGeom>
+          <a:noFill/>
+        </p:spPr>
+      </p:pic>
+      <p:pic>
+        <p:nvPicPr>
+          <p:cNvPr id="14" name="Picture 2" descr="C:\Users\Alexander\Desktop\Anwendungsfalldiagramm Benutzer und Eventfunktionen.png"/>
+          <p:cNvPicPr>
+            <a:picLocks noChangeAspect="1" noChangeArrowheads="1"/>
+          </p:cNvPicPr>
+          <p:nvPr/>
+        </p:nvPicPr>
+        <p:blipFill>
+          <a:blip r:embed="rId3" cstate="print"/>
+          <a:srcRect l="37173" t="41284" b="9873"/>
+          <a:stretch>
+            <a:fillRect/>
+          </a:stretch>
+        </p:blipFill>
+        <p:spPr bwMode="auto">
+          <a:xfrm>
+            <a:off x="3760347" y="2600910"/>
+            <a:ext cx="5276149" cy="3852426"/>
+          </a:xfrm>
+          <a:prstGeom prst="rect">
+            <a:avLst/>
+          </a:prstGeom>
+          <a:noFill/>
+          <a:ln w="25400">
+            <a:solidFill>
+              <a:schemeClr val="accent6"/>
+            </a:solidFill>
+          </a:ln>
+        </p:spPr>
+      </p:pic>
+      <p:sp>
+        <p:nvSpPr>
+          <p:cNvPr id="16" name="Rechteck 15"/>
+          <p:cNvSpPr/>
+          <p:nvPr/>
+        </p:nvSpPr>
+        <p:spPr>
+          <a:xfrm>
+            <a:off x="1979712" y="2389935"/>
+            <a:ext cx="1496028" cy="1111073"/>
+          </a:xfrm>
+          <a:prstGeom prst="rect">
+            <a:avLst/>
+          </a:prstGeom>
+          <a:noFill/>
+          <a:ln>
+            <a:solidFill>
+              <a:schemeClr val="accent6"/>
+            </a:solidFill>
+          </a:ln>
+        </p:spPr>
+        <p:style>
+          <a:lnRef idx="2">
+            <a:schemeClr val="accent6"/>
+          </a:lnRef>
+          <a:fillRef idx="1">
+            <a:schemeClr val="lt1"/>
+          </a:fillRef>
+          <a:effectRef idx="0">
+            <a:schemeClr val="accent6"/>
+          </a:effectRef>
+          <a:fontRef idx="minor">
+            <a:schemeClr val="dk1"/>
+          </a:fontRef>
+        </p:style>
+        <p:txBody>
+          <a:bodyPr rtlCol="0" anchor="ctr"/>
+          <a:lstStyle/>
+          <a:p>
+            <a:pPr algn="ctr"/>
+            <a:endParaRPr lang="de-DE">
+              <a:solidFill>
+                <a:schemeClr val="dk1"/>
+              </a:solidFill>
+            </a:endParaRPr>
+          </a:p>
+        </p:txBody>
+      </p:sp>
+      <p:cxnSp>
+        <p:nvCxnSpPr>
+          <p:cNvPr id="17" name="Gerade Verbindung 16"/>
+          <p:cNvCxnSpPr/>
+          <p:nvPr/>
+        </p:nvCxnSpPr>
+        <p:spPr>
+          <a:xfrm>
+            <a:off x="3475740" y="2389935"/>
+            <a:ext cx="284607" cy="210975"/>
+          </a:xfrm>
+          <a:prstGeom prst="line">
+            <a:avLst/>
+          </a:prstGeom>
+          <a:noFill/>
+          <a:ln>
+            <a:solidFill>
+              <a:schemeClr val="accent6"/>
+            </a:solidFill>
+          </a:ln>
+        </p:spPr>
+        <p:style>
+          <a:lnRef idx="2">
+            <a:schemeClr val="accent6"/>
+          </a:lnRef>
+          <a:fillRef idx="1">
+            <a:schemeClr val="lt1"/>
+          </a:fillRef>
+          <a:effectRef idx="0">
+            <a:schemeClr val="accent6"/>
+          </a:effectRef>
+          <a:fontRef idx="minor">
+            <a:schemeClr val="dk1"/>
+          </a:fontRef>
+        </p:style>
+      </p:cxnSp>
+      <p:cxnSp>
+        <p:nvCxnSpPr>
+          <p:cNvPr id="18" name="Gerade Verbindung 17"/>
+          <p:cNvCxnSpPr/>
+          <p:nvPr/>
+        </p:nvCxnSpPr>
+        <p:spPr>
+          <a:xfrm>
+            <a:off x="3475740" y="3501008"/>
+            <a:ext cx="265559" cy="2961852"/>
+          </a:xfrm>
+          <a:prstGeom prst="line">
+            <a:avLst/>
+          </a:prstGeom>
+          <a:noFill/>
+          <a:ln>
+            <a:solidFill>
+              <a:schemeClr val="accent6"/>
+            </a:solidFill>
+          </a:ln>
+        </p:spPr>
+        <p:style>
+          <a:lnRef idx="2">
+            <a:schemeClr val="accent6"/>
+          </a:lnRef>
+          <a:fillRef idx="1">
+            <a:schemeClr val="lt1"/>
+          </a:fillRef>
+          <a:effectRef idx="0">
+            <a:schemeClr val="accent6"/>
+          </a:effectRef>
+          <a:fontRef idx="minor">
+            <a:schemeClr val="dk1"/>
+          </a:fontRef>
+        </p:style>
+      </p:cxnSp>
+      <p:sp>
+        <p:nvSpPr>
+          <p:cNvPr id="2" name="Titel 1"/>
+          <p:cNvSpPr>
+            <a:spLocks noGrp="1"/>
+          </p:cNvSpPr>
+          <p:nvPr>
+            <p:ph type="title"/>
+          </p:nvPr>
+        </p:nvSpPr>
+        <p:spPr/>
+        <p:txBody>
+          <a:bodyPr>
+            <a:normAutofit fontScale="90000"/>
+          </a:bodyPr>
+          <a:lstStyle/>
+          <a:p>
+            <a:r>
+              <a:rPr lang="de-DE" dirty="0" smtClean="0"/>
+              <a:t>Funktionale Anforderungen Anwendungsfalldiagramm</a:t>
+            </a:r>
+            <a:endParaRPr lang="de-DE" dirty="0"/>
+          </a:p>
+        </p:txBody>
+      </p:sp>
+      <p:sp>
+        <p:nvSpPr>
+          <p:cNvPr id="4" name="Datumsplatzhalter 3"/>
+          <p:cNvSpPr>
+            <a:spLocks noGrp="1"/>
+          </p:cNvSpPr>
+          <p:nvPr>
+            <p:ph type="dt" sz="half" idx="10"/>
+          </p:nvPr>
+        </p:nvSpPr>
+        <p:spPr/>
+        <p:txBody>
+          <a:bodyPr/>
+          <a:lstStyle/>
+          <a:p>
+            <a:r>
+              <a:rPr lang="de-DE" smtClean="0"/>
+              <a:t>21.04.2012</a:t>
+            </a:r>
+            <a:endParaRPr lang="en-US"/>
+          </a:p>
+        </p:txBody>
+      </p:sp>
+      <p:sp>
+        <p:nvSpPr>
+          <p:cNvPr id="5" name="Fußzeilenplatzhalter 4"/>
+          <p:cNvSpPr>
+            <a:spLocks noGrp="1"/>
+          </p:cNvSpPr>
+          <p:nvPr>
+            <p:ph type="ftr" sz="quarter" idx="11"/>
+          </p:nvPr>
+        </p:nvSpPr>
+        <p:spPr/>
+        <p:txBody>
+          <a:bodyPr/>
+          <a:lstStyle/>
+          <a:p>
+            <a:r>
+              <a:rPr lang="de-DE" smtClean="0"/>
+              <a:t>FST Projekt "Eventalizer" (SS 2012) Team 5</a:t>
+            </a:r>
+            <a:endParaRPr lang="de-DE" dirty="0"/>
+          </a:p>
+        </p:txBody>
+      </p:sp>
+      <p:sp>
+        <p:nvSpPr>
+          <p:cNvPr id="6" name="Foliennummernplatzhalter 5"/>
+          <p:cNvSpPr>
+            <a:spLocks noGrp="1"/>
+          </p:cNvSpPr>
+          <p:nvPr>
+            <p:ph type="sldNum" sz="quarter" idx="12"/>
+          </p:nvPr>
+        </p:nvSpPr>
+        <p:spPr/>
+        <p:txBody>
+          <a:bodyPr/>
+          <a:lstStyle/>
+          <a:p>
+            <a:fld id="{990B41CA-569D-40E7-8E58-026C0338B2C8}" type="slidenum">
+              <a:rPr lang="en-US" smtClean="0"/>
+              <a:pPr/>
+              <a:t>9</a:t>
+            </a:fld>
+            <a:endParaRPr lang="en-US"/>
+          </a:p>
+        </p:txBody>
+      </p:sp>
+      <p:sp>
+        <p:nvSpPr>
+          <p:cNvPr id="15" name="Rechteck 14"/>
+          <p:cNvSpPr/>
+          <p:nvPr/>
+        </p:nvSpPr>
+        <p:spPr>
+          <a:xfrm>
+            <a:off x="4615433" y="3736082"/>
+            <a:ext cx="1512168" cy="648072"/>
+          </a:xfrm>
+          <a:prstGeom prst="rect">
+            <a:avLst/>
+          </a:prstGeom>
+          <a:noFill/>
+        </p:spPr>
+        <p:style>
+          <a:lnRef idx="2">
+            <a:schemeClr val="accent1">
+              <a:shade val="50000"/>
+            </a:schemeClr>
+          </a:lnRef>
+          <a:fillRef idx="1">
+            <a:schemeClr val="accent1"/>
+          </a:fillRef>
+          <a:effectRef idx="0">
+            <a:schemeClr val="accent1"/>
+          </a:effectRef>
+          <a:fontRef idx="minor">
+            <a:schemeClr val="lt1"/>
+          </a:fontRef>
+        </p:style>
+        <p:txBody>
+          <a:bodyPr rtlCol="0" anchor="ctr"/>
+          <a:lstStyle/>
+          <a:p>
+            <a:pPr algn="ctr"/>
+            <a:endParaRPr lang="de-DE"/>
+          </a:p>
+        </p:txBody>
+      </p:sp>
+    </p:spTree>
+    <p:extLst>
+      <p:ext uri="{BB962C8B-B14F-4D97-AF65-F5344CB8AC3E}">
+        <p14:creationId xmlns:p14="http://schemas.microsoft.com/office/powerpoint/2010/main" val="351671181"/>
+      </p:ext>
+    </p:extLst>
+  </p:cSld>
+  <p:clrMapOvr>
+    <a:masterClrMapping/>
+  </p:clrMapOvr>
+  <p:transition spd="slow">
+    <p:strips dir="ru"/>
+  </p:transition>
   <p:timing>
     <p:tnLst>
       <p:par>

--- a/Dokumente/Abschlusspr�si/Abschlusspr�sentation.pptx
+++ b/Dokumente/Abschlusspr�si/Abschlusspr�sentation.pptx
@@ -5,7 +5,7 @@
     <p:sldMasterId id="2147483744" r:id="rId1"/>
   </p:sldMasterIdLst>
   <p:notesMasterIdLst>
-    <p:notesMasterId r:id="rId42"/>
+    <p:notesMasterId r:id="rId39"/>
   </p:notesMasterIdLst>
   <p:sldIdLst>
     <p:sldId id="256" r:id="rId2"/>
@@ -33,21 +33,18 @@
     <p:sldId id="297" r:id="rId24"/>
     <p:sldId id="306" r:id="rId25"/>
     <p:sldId id="341" r:id="rId26"/>
-    <p:sldId id="320" r:id="rId27"/>
-    <p:sldId id="321" r:id="rId28"/>
-    <p:sldId id="322" r:id="rId29"/>
-    <p:sldId id="323" r:id="rId30"/>
-    <p:sldId id="324" r:id="rId31"/>
-    <p:sldId id="325" r:id="rId32"/>
-    <p:sldId id="307" r:id="rId33"/>
-    <p:sldId id="316" r:id="rId34"/>
-    <p:sldId id="309" r:id="rId35"/>
-    <p:sldId id="301" r:id="rId36"/>
-    <p:sldId id="300" r:id="rId37"/>
-    <p:sldId id="303" r:id="rId38"/>
-    <p:sldId id="319" r:id="rId39"/>
-    <p:sldId id="290" r:id="rId40"/>
-    <p:sldId id="318" r:id="rId41"/>
+    <p:sldId id="343" r:id="rId27"/>
+    <p:sldId id="344" r:id="rId28"/>
+    <p:sldId id="345" r:id="rId29"/>
+    <p:sldId id="307" r:id="rId30"/>
+    <p:sldId id="316" r:id="rId31"/>
+    <p:sldId id="309" r:id="rId32"/>
+    <p:sldId id="301" r:id="rId33"/>
+    <p:sldId id="300" r:id="rId34"/>
+    <p:sldId id="303" r:id="rId35"/>
+    <p:sldId id="319" r:id="rId36"/>
+    <p:sldId id="290" r:id="rId37"/>
+    <p:sldId id="318" r:id="rId38"/>
   </p:sldIdLst>
   <p:sldSz cx="9144000" cy="6858000" type="screen4x3"/>
   <p:notesSz cx="6858000" cy="9144000"/>
@@ -409,7 +406,7 @@
     </p:spTree>
     <p:extLst>
       <p:ext uri="{BB962C8B-B14F-4D97-AF65-F5344CB8AC3E}">
-        <p14:creationId xmlns:p14="http://schemas.microsoft.com/office/powerpoint/2010/main" val="2610097957"/>
+        <p14:creationId xmlns:p14="http://schemas.microsoft.com/office/powerpoint/2010/main" xmlns="" val="2610097957"/>
       </p:ext>
     </p:extLst>
   </p:cSld>
@@ -584,7 +581,7 @@
     </p:spTree>
     <p:extLst>
       <p:ext uri="{BB962C8B-B14F-4D97-AF65-F5344CB8AC3E}">
-        <p14:creationId xmlns:p14="http://schemas.microsoft.com/office/powerpoint/2010/main" val="2116472317"/>
+        <p14:creationId xmlns:p14="http://schemas.microsoft.com/office/powerpoint/2010/main" xmlns="" val="2116472317"/>
       </p:ext>
     </p:extLst>
   </p:cSld>
@@ -681,7 +678,7 @@
     </p:spTree>
     <p:extLst>
       <p:ext uri="{BB962C8B-B14F-4D97-AF65-F5344CB8AC3E}">
-        <p14:creationId xmlns:p14="http://schemas.microsoft.com/office/powerpoint/2010/main" val="2934279750"/>
+        <p14:creationId xmlns:p14="http://schemas.microsoft.com/office/powerpoint/2010/main" xmlns="" val="2934279750"/>
       </p:ext>
     </p:extLst>
   </p:cSld>
@@ -778,7 +775,7 @@
     </p:spTree>
     <p:extLst>
       <p:ext uri="{BB962C8B-B14F-4D97-AF65-F5344CB8AC3E}">
-        <p14:creationId xmlns:p14="http://schemas.microsoft.com/office/powerpoint/2010/main" val="2934279750"/>
+        <p14:creationId xmlns:p14="http://schemas.microsoft.com/office/powerpoint/2010/main" xmlns="" val="2934279750"/>
       </p:ext>
     </p:extLst>
   </p:cSld>
@@ -867,7 +864,7 @@
     </p:spTree>
     <p:extLst>
       <p:ext uri="{BB962C8B-B14F-4D97-AF65-F5344CB8AC3E}">
-        <p14:creationId xmlns:p14="http://schemas.microsoft.com/office/powerpoint/2010/main" val="135288531"/>
+        <p14:creationId xmlns:p14="http://schemas.microsoft.com/office/powerpoint/2010/main" xmlns="" val="135288531"/>
       </p:ext>
     </p:extLst>
   </p:cSld>
@@ -960,7 +957,7 @@
     </p:spTree>
     <p:extLst>
       <p:ext uri="{BB962C8B-B14F-4D97-AF65-F5344CB8AC3E}">
-        <p14:creationId xmlns:p14="http://schemas.microsoft.com/office/powerpoint/2010/main" val="2825845930"/>
+        <p14:creationId xmlns:p14="http://schemas.microsoft.com/office/powerpoint/2010/main" xmlns="" val="2825845930"/>
       </p:ext>
     </p:extLst>
   </p:cSld>
@@ -1061,7 +1058,7 @@
     </p:spTree>
     <p:extLst>
       <p:ext uri="{BB962C8B-B14F-4D97-AF65-F5344CB8AC3E}">
-        <p14:creationId xmlns:p14="http://schemas.microsoft.com/office/powerpoint/2010/main" val="3912581999"/>
+        <p14:creationId xmlns:p14="http://schemas.microsoft.com/office/powerpoint/2010/main" xmlns="" val="3912581999"/>
       </p:ext>
     </p:extLst>
   </p:cSld>
@@ -1194,7 +1191,7 @@
     </p:spTree>
     <p:extLst>
       <p:ext uri="{BB962C8B-B14F-4D97-AF65-F5344CB8AC3E}">
-        <p14:creationId xmlns:p14="http://schemas.microsoft.com/office/powerpoint/2010/main" val="802076649"/>
+        <p14:creationId xmlns:p14="http://schemas.microsoft.com/office/powerpoint/2010/main" xmlns="" val="802076649"/>
       </p:ext>
     </p:extLst>
   </p:cSld>
@@ -1327,7 +1324,7 @@
     </p:spTree>
     <p:extLst>
       <p:ext uri="{BB962C8B-B14F-4D97-AF65-F5344CB8AC3E}">
-        <p14:creationId xmlns:p14="http://schemas.microsoft.com/office/powerpoint/2010/main" val="802076649"/>
+        <p14:creationId xmlns="" xmlns:p14="http://schemas.microsoft.com/office/powerpoint/2010/main" val="802076649"/>
       </p:ext>
     </p:extLst>
   </p:cSld>
@@ -1460,7 +1457,7 @@
     </p:spTree>
     <p:extLst>
       <p:ext uri="{BB962C8B-B14F-4D97-AF65-F5344CB8AC3E}">
-        <p14:creationId xmlns:p14="http://schemas.microsoft.com/office/powerpoint/2010/main" val="802076649"/>
+        <p14:creationId xmlns="" xmlns:p14="http://schemas.microsoft.com/office/powerpoint/2010/main" val="802076649"/>
       </p:ext>
     </p:extLst>
   </p:cSld>
@@ -1593,7 +1590,7 @@
     </p:spTree>
     <p:extLst>
       <p:ext uri="{BB962C8B-B14F-4D97-AF65-F5344CB8AC3E}">
-        <p14:creationId xmlns:p14="http://schemas.microsoft.com/office/powerpoint/2010/main" val="802076649"/>
+        <p14:creationId xmlns="" xmlns:p14="http://schemas.microsoft.com/office/powerpoint/2010/main" val="802076649"/>
       </p:ext>
     </p:extLst>
   </p:cSld>
@@ -1644,57 +1641,135 @@
         </p:nvSpPr>
         <p:spPr/>
         <p:txBody>
-          <a:bodyPr/>
-          <a:lstStyle/>
-          <a:p>
-            <a:r>
-              <a:rPr lang="de-DE" dirty="0" smtClean="0"/>
-              <a:t>Blau: Event </a:t>
-            </a:r>
+          <a:bodyPr>
+            <a:normAutofit fontScale="70000" lnSpcReduction="20000"/>
+          </a:bodyPr>
+          <a:lstStyle/>
+          <a:p>
             <a:r>
               <a:rPr lang="de-DE" dirty="0" err="1" smtClean="0"/>
-              <a:t>anlage</a:t>
-            </a:r>
-            <a:endParaRPr lang="de-DE" dirty="0" smtClean="0"/>
-          </a:p>
-          <a:p>
-            <a:r>
-              <a:rPr lang="de-DE" dirty="0" smtClean="0"/>
-              <a:t>DB Table Event, </a:t>
-            </a:r>
-            <a:r>
-              <a:rPr lang="de-DE" dirty="0" err="1" smtClean="0"/>
-              <a:t>normaliserte</a:t>
-            </a:r>
-            <a:r>
-              <a:rPr lang="de-DE" baseline="0" dirty="0" smtClean="0"/>
-              <a:t> Teilnehmerliste und Ort</a:t>
-            </a:r>
-          </a:p>
-          <a:p>
-            <a:endParaRPr lang="de-DE" baseline="0" dirty="0" smtClean="0"/>
-          </a:p>
-          <a:p>
-            <a:r>
-              <a:rPr lang="de-DE" baseline="0" dirty="0" smtClean="0"/>
-              <a:t>Rot: Login Verknüpfung Session ID aus </a:t>
-            </a:r>
-            <a:r>
-              <a:rPr lang="de-DE" baseline="0" dirty="0" err="1" smtClean="0"/>
-              <a:t>oAuth</a:t>
-            </a:r>
-            <a:r>
-              <a:rPr lang="de-DE" baseline="0" dirty="0" smtClean="0"/>
-              <a:t>, Grunddaten (</a:t>
-            </a:r>
-            <a:r>
-              <a:rPr lang="de-DE" baseline="0" dirty="0" err="1" smtClean="0"/>
-              <a:t>name</a:t>
-            </a:r>
-            <a:r>
-              <a:rPr lang="de-DE" baseline="0" dirty="0" smtClean="0"/>
-              <a:t>, E-Mail-Adresse etc.) werden ausgelesen und persistent gespeichert.</a:t>
-            </a:r>
+              <a:t>ÄUßERE</a:t>
+            </a:r>
+            <a:r>
+              <a:rPr lang="de-DE" dirty="0" smtClean="0"/>
+              <a:t> UND INNERE QUALITÄT	</a:t>
+            </a:r>
+          </a:p>
+          <a:p>
+            <a:r>
+              <a:rPr lang="de-DE" dirty="0" smtClean="0"/>
+              <a:t>	Funktionalität	</a:t>
+            </a:r>
+          </a:p>
+          <a:p>
+            <a:r>
+              <a:rPr lang="de-DE" dirty="0" smtClean="0"/>
+              <a:t>	Zuverlässigkeit	</a:t>
+            </a:r>
+          </a:p>
+          <a:p>
+            <a:r>
+              <a:rPr lang="de-DE" dirty="0" smtClean="0"/>
+              <a:t>	Benutzbarkeit	</a:t>
+            </a:r>
+          </a:p>
+          <a:p>
+            <a:r>
+              <a:rPr lang="de-DE" dirty="0" smtClean="0"/>
+              <a:t>	Effizienz	</a:t>
+            </a:r>
+          </a:p>
+          <a:p>
+            <a:r>
+              <a:rPr lang="de-DE" dirty="0" smtClean="0"/>
+              <a:t>	Wartbarkeit	</a:t>
+            </a:r>
+          </a:p>
+          <a:p>
+            <a:r>
+              <a:rPr lang="de-DE" dirty="0" smtClean="0"/>
+              <a:t>	Portabilität	</a:t>
+            </a:r>
+          </a:p>
+          <a:p>
+            <a:r>
+              <a:rPr lang="de-DE" dirty="0" smtClean="0"/>
+              <a:t>GEBRAUCHSTAUGLICHKEIT	</a:t>
+            </a:r>
+          </a:p>
+          <a:p>
+            <a:r>
+              <a:rPr lang="de-DE" dirty="0" smtClean="0"/>
+              <a:t>	Effektivität	</a:t>
+            </a:r>
+          </a:p>
+          <a:p>
+            <a:r>
+              <a:rPr lang="de-DE" dirty="0" smtClean="0"/>
+              <a:t>	Produktivität	</a:t>
+            </a:r>
+          </a:p>
+          <a:p>
+            <a:r>
+              <a:rPr lang="de-DE" dirty="0" smtClean="0"/>
+              <a:t>	Sicherheit	</a:t>
+            </a:r>
+          </a:p>
+          <a:p>
+            <a:r>
+              <a:rPr lang="de-DE" dirty="0" smtClean="0"/>
+              <a:t>	Zufriedenheit	</a:t>
+            </a:r>
+          </a:p>
+          <a:p>
+            <a:r>
+              <a:rPr lang="de-DE" dirty="0" smtClean="0"/>
+              <a:t>TECHNISCHE ANFORDERUNGEN	</a:t>
+            </a:r>
+          </a:p>
+          <a:p>
+            <a:r>
+              <a:rPr lang="de-DE" dirty="0" smtClean="0"/>
+              <a:t>	Einsatzumgebung	</a:t>
+            </a:r>
+          </a:p>
+          <a:p>
+            <a:r>
+              <a:rPr lang="de-DE" dirty="0" smtClean="0"/>
+              <a:t>	Entwicklungsumgebung	</a:t>
+            </a:r>
+          </a:p>
+          <a:p>
+            <a:r>
+              <a:rPr lang="de-DE" dirty="0" smtClean="0"/>
+              <a:t>LIEFERUMFANG	</a:t>
+            </a:r>
+          </a:p>
+          <a:p>
+            <a:r>
+              <a:rPr lang="de-DE" dirty="0" smtClean="0"/>
+              <a:t>	Ausführbare Programme	</a:t>
+            </a:r>
+          </a:p>
+          <a:p>
+            <a:r>
+              <a:rPr lang="de-DE" dirty="0" smtClean="0"/>
+              <a:t>	Quellcode	</a:t>
+            </a:r>
+          </a:p>
+          <a:p>
+            <a:r>
+              <a:rPr lang="de-DE" dirty="0" smtClean="0"/>
+              <a:t>	Dokumentation	</a:t>
+            </a:r>
+          </a:p>
+          <a:p>
+            <a:r>
+              <a:rPr lang="de-DE" dirty="0" smtClean="0"/>
+              <a:t>	Daten	</a:t>
+            </a:r>
+          </a:p>
+          <a:p>
             <a:endParaRPr lang="de-DE" dirty="0"/>
           </a:p>
         </p:txBody>
@@ -1726,7 +1801,7 @@
     </p:spTree>
     <p:extLst>
       <p:ext uri="{BB962C8B-B14F-4D97-AF65-F5344CB8AC3E}">
-        <p14:creationId xmlns:p14="http://schemas.microsoft.com/office/powerpoint/2010/main" val="802076649"/>
+        <p14:creationId xmlns:p14="http://schemas.microsoft.com/office/powerpoint/2010/main" xmlns="" val="1629754142"/>
       </p:ext>
     </p:extLst>
   </p:cSld>
@@ -2051,7 +2126,7 @@
     </p:spTree>
     <p:extLst>
       <p:ext uri="{BB962C8B-B14F-4D97-AF65-F5344CB8AC3E}">
-        <p14:creationId xmlns:p14="http://schemas.microsoft.com/office/powerpoint/2010/main" val="517533983"/>
+        <p14:creationId xmlns:p14="http://schemas.microsoft.com/office/powerpoint/2010/main" xmlns="" val="517533983"/>
       </p:ext>
     </p:extLst>
   </p:cSld>
@@ -2107,51 +2182,43 @@
           <a:p>
             <a:r>
               <a:rPr lang="de-DE" dirty="0" smtClean="0"/>
-              <a:t>Blau: Event </a:t>
+              <a:t>Zeitplan</a:t>
+            </a:r>
+          </a:p>
+          <a:p>
+            <a:r>
+              <a:rPr lang="de-DE" dirty="0" smtClean="0"/>
+              <a:t>Fokus aus </a:t>
             </a:r>
             <a:r>
               <a:rPr lang="de-DE" dirty="0" err="1" smtClean="0"/>
-              <a:t>anlage</a:t>
-            </a:r>
-            <a:endParaRPr lang="de-DE" dirty="0" smtClean="0"/>
-          </a:p>
-          <a:p>
-            <a:r>
-              <a:rPr lang="de-DE" dirty="0" smtClean="0"/>
-              <a:t>DB Table Event, </a:t>
-            </a:r>
-            <a:r>
-              <a:rPr lang="de-DE" dirty="0" err="1" smtClean="0"/>
-              <a:t>normaliserte</a:t>
+              <a:t>Inception</a:t>
+            </a:r>
+            <a:r>
+              <a:rPr lang="de-DE" dirty="0" smtClean="0"/>
+              <a:t> / Elaboration</a:t>
+            </a:r>
+          </a:p>
+          <a:p>
+            <a:r>
+              <a:rPr lang="de-DE" dirty="0" smtClean="0"/>
+              <a:t>Aufgrund der Enge des Zeitplans jeweils zwei Iterationen mit</a:t>
             </a:r>
             <a:r>
               <a:rPr lang="de-DE" baseline="0" dirty="0" smtClean="0"/>
-              <a:t> Teilnehmerliste und Ort</a:t>
-            </a:r>
-          </a:p>
-          <a:p>
-            <a:endParaRPr lang="de-DE" baseline="0" dirty="0" smtClean="0"/>
+              <a:t> festen Reviews der Ergebnisse etc.</a:t>
+            </a:r>
           </a:p>
           <a:p>
             <a:r>
               <a:rPr lang="de-DE" baseline="0" dirty="0" smtClean="0"/>
-              <a:t>Rot: Login Verknüpfung Session ID aus </a:t>
-            </a:r>
-            <a:r>
-              <a:rPr lang="de-DE" baseline="0" dirty="0" err="1" smtClean="0"/>
-              <a:t>oAuth</a:t>
-            </a:r>
+              <a:t>Aber auch: RUP! Jederzeit auch bei kleineren Änderungen/Feststellungen usw. Überarbeitung.</a:t>
+            </a:r>
+          </a:p>
+          <a:p>
             <a:r>
               <a:rPr lang="de-DE" baseline="0" dirty="0" smtClean="0"/>
-              <a:t>, Grunddaten (</a:t>
-            </a:r>
-            <a:r>
-              <a:rPr lang="de-DE" baseline="0" dirty="0" err="1" smtClean="0"/>
-              <a:t>name</a:t>
-            </a:r>
-            <a:r>
-              <a:rPr lang="de-DE" baseline="0" dirty="0" smtClean="0"/>
-              <a:t>, E-Mail-Adresse etc.) werden ausgelesen und persistent gespeichert.</a:t>
+              <a:t>Ziel: 11.06. eine prototypische Implementierung der Plattform fertigstellen</a:t>
             </a:r>
             <a:endParaRPr lang="de-DE" dirty="0"/>
           </a:p>
@@ -2175,7 +2242,7 @@
             <a:fld id="{F7EBFB8C-BBFF-4397-A51C-1E92596422A9}" type="slidenum">
               <a:rPr lang="en-US" smtClean="0"/>
               <a:pPr/>
-              <a:t>30</a:t>
+              <a:t>31</a:t>
             </a:fld>
             <a:endParaRPr lang="en-US" dirty="0"/>
           </a:p>
@@ -2184,7 +2251,7 @@
     </p:spTree>
     <p:extLst>
       <p:ext uri="{BB962C8B-B14F-4D97-AF65-F5344CB8AC3E}">
-        <p14:creationId xmlns:p14="http://schemas.microsoft.com/office/powerpoint/2010/main" val="802076649"/>
+        <p14:creationId xmlns:p14="http://schemas.microsoft.com/office/powerpoint/2010/main" xmlns="" val="3931682397"/>
       </p:ext>
     </p:extLst>
   </p:cSld>
@@ -2240,51 +2307,43 @@
           <a:p>
             <a:r>
               <a:rPr lang="de-DE" dirty="0" smtClean="0"/>
-              <a:t>Blau: Event </a:t>
+              <a:t>Zeitplan</a:t>
+            </a:r>
+          </a:p>
+          <a:p>
+            <a:r>
+              <a:rPr lang="de-DE" dirty="0" smtClean="0"/>
+              <a:t>Fokus aus </a:t>
             </a:r>
             <a:r>
               <a:rPr lang="de-DE" dirty="0" err="1" smtClean="0"/>
-              <a:t>anlage</a:t>
-            </a:r>
-            <a:endParaRPr lang="de-DE" dirty="0" smtClean="0"/>
-          </a:p>
-          <a:p>
-            <a:r>
-              <a:rPr lang="de-DE" dirty="0" smtClean="0"/>
-              <a:t>DB Table Event, </a:t>
-            </a:r>
-            <a:r>
-              <a:rPr lang="de-DE" dirty="0" err="1" smtClean="0"/>
-              <a:t>normaliserte</a:t>
+              <a:t>Inception</a:t>
+            </a:r>
+            <a:r>
+              <a:rPr lang="de-DE" dirty="0" smtClean="0"/>
+              <a:t> / Elaboration</a:t>
+            </a:r>
+          </a:p>
+          <a:p>
+            <a:r>
+              <a:rPr lang="de-DE" dirty="0" smtClean="0"/>
+              <a:t>Aufgrund der Enge des Zeitplans jeweils zwei Iterationen mit</a:t>
             </a:r>
             <a:r>
               <a:rPr lang="de-DE" baseline="0" dirty="0" smtClean="0"/>
-              <a:t> Teilnehmerliste und Ort</a:t>
-            </a:r>
-          </a:p>
-          <a:p>
-            <a:endParaRPr lang="de-DE" baseline="0" dirty="0" smtClean="0"/>
+              <a:t> festen Reviews der Ergebnisse etc.</a:t>
+            </a:r>
           </a:p>
           <a:p>
             <a:r>
               <a:rPr lang="de-DE" baseline="0" dirty="0" smtClean="0"/>
-              <a:t>Rot: Login Verknüpfung Session ID aus </a:t>
-            </a:r>
-            <a:r>
-              <a:rPr lang="de-DE" baseline="0" dirty="0" err="1" smtClean="0"/>
-              <a:t>oAuth</a:t>
-            </a:r>
+              <a:t>Aber auch: RUP! Jederzeit auch bei kleineren Änderungen/Feststellungen usw. Überarbeitung.</a:t>
+            </a:r>
+          </a:p>
+          <a:p>
             <a:r>
               <a:rPr lang="de-DE" baseline="0" dirty="0" smtClean="0"/>
-              <a:t>, Grunddaten (</a:t>
-            </a:r>
-            <a:r>
-              <a:rPr lang="de-DE" baseline="0" dirty="0" err="1" smtClean="0"/>
-              <a:t>name</a:t>
-            </a:r>
-            <a:r>
-              <a:rPr lang="de-DE" baseline="0" dirty="0" smtClean="0"/>
-              <a:t>, E-Mail-Adresse etc.) werden ausgelesen und persistent gespeichert.</a:t>
+              <a:t>Ziel: 11.06. eine prototypische Implementierung der Plattform fertigstellen</a:t>
             </a:r>
             <a:endParaRPr lang="de-DE" dirty="0"/>
           </a:p>
@@ -2308,7 +2367,7 @@
             <a:fld id="{F7EBFB8C-BBFF-4397-A51C-1E92596422A9}" type="slidenum">
               <a:rPr lang="en-US" smtClean="0"/>
               <a:pPr/>
-              <a:t>31</a:t>
+              <a:t>32</a:t>
             </a:fld>
             <a:endParaRPr lang="en-US" dirty="0"/>
           </a:p>
@@ -2317,7 +2376,7 @@
     </p:spTree>
     <p:extLst>
       <p:ext uri="{BB962C8B-B14F-4D97-AF65-F5344CB8AC3E}">
-        <p14:creationId xmlns:p14="http://schemas.microsoft.com/office/powerpoint/2010/main" val="802076649"/>
+        <p14:creationId xmlns:p14="http://schemas.microsoft.com/office/powerpoint/2010/main" xmlns="" val="3931682397"/>
       </p:ext>
     </p:extLst>
   </p:cSld>
@@ -2369,134 +2428,10 @@
         <p:spPr/>
         <p:txBody>
           <a:bodyPr>
-            <a:normAutofit fontScale="70000" lnSpcReduction="20000"/>
+            <a:normAutofit/>
           </a:bodyPr>
           <a:lstStyle/>
           <a:p>
-            <a:r>
-              <a:rPr lang="de-DE" dirty="0" err="1" smtClean="0"/>
-              <a:t>ÄUßERE</a:t>
-            </a:r>
-            <a:r>
-              <a:rPr lang="de-DE" dirty="0" smtClean="0"/>
-              <a:t> UND INNERE QUALITÄT	</a:t>
-            </a:r>
-          </a:p>
-          <a:p>
-            <a:r>
-              <a:rPr lang="de-DE" dirty="0" smtClean="0"/>
-              <a:t>	Funktionalität	</a:t>
-            </a:r>
-          </a:p>
-          <a:p>
-            <a:r>
-              <a:rPr lang="de-DE" dirty="0" smtClean="0"/>
-              <a:t>	Zuverlässigkeit	</a:t>
-            </a:r>
-          </a:p>
-          <a:p>
-            <a:r>
-              <a:rPr lang="de-DE" dirty="0" smtClean="0"/>
-              <a:t>	Benutzbarkeit	</a:t>
-            </a:r>
-          </a:p>
-          <a:p>
-            <a:r>
-              <a:rPr lang="de-DE" dirty="0" smtClean="0"/>
-              <a:t>	Effizienz	</a:t>
-            </a:r>
-          </a:p>
-          <a:p>
-            <a:r>
-              <a:rPr lang="de-DE" dirty="0" smtClean="0"/>
-              <a:t>	Wartbarkeit	</a:t>
-            </a:r>
-          </a:p>
-          <a:p>
-            <a:r>
-              <a:rPr lang="de-DE" dirty="0" smtClean="0"/>
-              <a:t>	Portabilität	</a:t>
-            </a:r>
-          </a:p>
-          <a:p>
-            <a:r>
-              <a:rPr lang="de-DE" dirty="0" smtClean="0"/>
-              <a:t>GEBRAUCHSTAUGLICHKEIT	</a:t>
-            </a:r>
-          </a:p>
-          <a:p>
-            <a:r>
-              <a:rPr lang="de-DE" dirty="0" smtClean="0"/>
-              <a:t>	Effektivität	</a:t>
-            </a:r>
-          </a:p>
-          <a:p>
-            <a:r>
-              <a:rPr lang="de-DE" dirty="0" smtClean="0"/>
-              <a:t>	Produktivität	</a:t>
-            </a:r>
-          </a:p>
-          <a:p>
-            <a:r>
-              <a:rPr lang="de-DE" dirty="0" smtClean="0"/>
-              <a:t>	Sicherheit	</a:t>
-            </a:r>
-          </a:p>
-          <a:p>
-            <a:r>
-              <a:rPr lang="de-DE" dirty="0" smtClean="0"/>
-              <a:t>	Zufriedenheit	</a:t>
-            </a:r>
-          </a:p>
-          <a:p>
-            <a:r>
-              <a:rPr lang="de-DE" dirty="0" smtClean="0"/>
-              <a:t>TECHNISCHE ANFORDERUNGEN	</a:t>
-            </a:r>
-          </a:p>
-          <a:p>
-            <a:r>
-              <a:rPr lang="de-DE" dirty="0" smtClean="0"/>
-              <a:t>	Einsatzumgebung	</a:t>
-            </a:r>
-          </a:p>
-          <a:p>
-            <a:r>
-              <a:rPr lang="de-DE" dirty="0" smtClean="0"/>
-              <a:t>	Entwicklungsumgebung	</a:t>
-            </a:r>
-          </a:p>
-          <a:p>
-            <a:r>
-              <a:rPr lang="de-DE" dirty="0" smtClean="0"/>
-              <a:t>LIEFERUMFANG	</a:t>
-            </a:r>
-          </a:p>
-          <a:p>
-            <a:r>
-              <a:rPr lang="de-DE" dirty="0" smtClean="0"/>
-              <a:t>	Ausführbare Programme	</a:t>
-            </a:r>
-          </a:p>
-          <a:p>
-            <a:r>
-              <a:rPr lang="de-DE" dirty="0" smtClean="0"/>
-              <a:t>	Quellcode	</a:t>
-            </a:r>
-          </a:p>
-          <a:p>
-            <a:r>
-              <a:rPr lang="de-DE" dirty="0" smtClean="0"/>
-              <a:t>	Dokumentation	</a:t>
-            </a:r>
-          </a:p>
-          <a:p>
-            <a:r>
-              <a:rPr lang="de-DE" dirty="0" smtClean="0"/>
-              <a:t>	Daten	</a:t>
-            </a:r>
-          </a:p>
-          <a:p>
             <a:endParaRPr lang="de-DE" dirty="0"/>
           </a:p>
         </p:txBody>
@@ -2516,21 +2451,16 @@
           <a:bodyPr/>
           <a:lstStyle/>
           <a:p>
-            <a:fld id="{F7EBFB8C-BBFF-4397-A51C-1E92596422A9}" type="slidenum">
-              <a:rPr lang="en-US" smtClean="0"/>
+            <a:fld id="{1EBFF01C-F984-4A51-AF10-254043F7C542}" type="slidenum">
+              <a:rPr lang="de-DE" smtClean="0"/>
               <a:pPr/>
-              <a:t>32</a:t>
+              <a:t>34</a:t>
             </a:fld>
-            <a:endParaRPr lang="en-US" dirty="0"/>
+            <a:endParaRPr lang="de-DE"/>
           </a:p>
         </p:txBody>
       </p:sp>
     </p:spTree>
-    <p:extLst>
-      <p:ext uri="{BB962C8B-B14F-4D97-AF65-F5344CB8AC3E}">
-        <p14:creationId xmlns:p14="http://schemas.microsoft.com/office/powerpoint/2010/main" val="1629754142"/>
-      </p:ext>
-    </p:extLst>
   </p:cSld>
   <p:clrMapOvr>
     <a:masterClrMapping/>
@@ -2584,43 +2514,203 @@
           <a:p>
             <a:r>
               <a:rPr lang="de-DE" dirty="0" smtClean="0"/>
-              <a:t>Zeitplan</a:t>
-            </a:r>
-          </a:p>
-          <a:p>
-            <a:r>
-              <a:rPr lang="de-DE" dirty="0" smtClean="0"/>
-              <a:t>Fokus aus </a:t>
+              <a:t>Zu </a:t>
             </a:r>
             <a:r>
               <a:rPr lang="de-DE" dirty="0" err="1" smtClean="0"/>
-              <a:t>Inception</a:t>
-            </a:r>
-            <a:r>
-              <a:rPr lang="de-DE" dirty="0" smtClean="0"/>
-              <a:t> / Elaboration</a:t>
-            </a:r>
-          </a:p>
-          <a:p>
-            <a:r>
-              <a:rPr lang="de-DE" dirty="0" smtClean="0"/>
-              <a:t>Aufgrund der Enge des Zeitplans jeweils zwei Iterationen mit</a:t>
+              <a:t>git</a:t>
+            </a:r>
+            <a:r>
+              <a:rPr lang="de-DE" dirty="0" smtClean="0"/>
+              <a:t>:</a:t>
+            </a:r>
+          </a:p>
+          <a:p>
+            <a:r>
+              <a:rPr lang="de-DE" dirty="0" smtClean="0"/>
+              <a:t>	Dateikonflikte aufwändiges</a:t>
             </a:r>
             <a:r>
               <a:rPr lang="de-DE" baseline="0" dirty="0" smtClean="0"/>
-              <a:t> festen Reviews der Ergebnisse etc.</a:t>
-            </a:r>
-          </a:p>
-          <a:p>
+              <a:t> ein-/auschecken, mit </a:t>
+            </a:r>
+            <a:r>
+              <a:rPr lang="de-DE" baseline="0" dirty="0" err="1" smtClean="0"/>
+              <a:t>dropbox</a:t>
+            </a:r>
             <a:r>
               <a:rPr lang="de-DE" baseline="0" dirty="0" smtClean="0"/>
-              <a:t>Aber auch: RUP! Jederzeit auch bei kleineren Änderungen/Feststellungen usw. Überarbeitung.</a:t>
-            </a:r>
-          </a:p>
-          <a:p>
+              <a:t> und </a:t>
+            </a:r>
+            <a:r>
+              <a:rPr lang="de-DE" baseline="0" dirty="0" err="1" smtClean="0"/>
+              <a:t>co</a:t>
+            </a:r>
             <a:r>
               <a:rPr lang="de-DE" baseline="0" dirty="0" smtClean="0"/>
-              <a:t>Ziel: 11.06. eine prototypische Implementierung der Plattform fertigstellen</a:t>
+              <a:t> on </a:t>
+            </a:r>
+            <a:r>
+              <a:rPr lang="de-DE" baseline="0" dirty="0" err="1" smtClean="0"/>
+              <a:t>the</a:t>
+            </a:r>
+            <a:r>
+              <a:rPr lang="de-DE" baseline="0" dirty="0" smtClean="0"/>
+              <a:t> </a:t>
+            </a:r>
+            <a:r>
+              <a:rPr lang="de-DE" baseline="0" dirty="0" err="1" smtClean="0"/>
+              <a:t>fly</a:t>
+            </a:r>
+            <a:r>
+              <a:rPr lang="de-DE" baseline="0" dirty="0" smtClean="0"/>
+              <a:t>, automatisch im Hintergrund.</a:t>
+            </a:r>
+          </a:p>
+          <a:p>
+            <a:r>
+              <a:rPr lang="de-DE" baseline="0" dirty="0" smtClean="0"/>
+              <a:t>	evtl. zu früh auf ein Tool festgelegt, oder besser zwei? (</a:t>
+            </a:r>
+            <a:r>
+              <a:rPr lang="de-DE" baseline="0" dirty="0" err="1" smtClean="0"/>
+              <a:t>dropbox</a:t>
+            </a:r>
+            <a:r>
+              <a:rPr lang="de-DE" baseline="0" dirty="0" smtClean="0"/>
+              <a:t> für Dokumente, </a:t>
+            </a:r>
+            <a:r>
+              <a:rPr lang="de-DE" baseline="0" dirty="0" err="1" smtClean="0"/>
+              <a:t>gitHub</a:t>
+            </a:r>
+            <a:r>
+              <a:rPr lang="de-DE" baseline="0" dirty="0" smtClean="0"/>
+              <a:t> für </a:t>
+            </a:r>
+            <a:r>
+              <a:rPr lang="de-DE" baseline="0" dirty="0" err="1" smtClean="0"/>
+              <a:t>Sourcen</a:t>
+            </a:r>
+            <a:r>
+              <a:rPr lang="de-DE" baseline="0" dirty="0" smtClean="0"/>
+              <a:t>)</a:t>
+            </a:r>
+          </a:p>
+          <a:p>
+            <a:r>
+              <a:rPr lang="de-DE" baseline="0" dirty="0" err="1" smtClean="0"/>
+              <a:t>Projektmgm</a:t>
+            </a:r>
+            <a:endParaRPr lang="de-DE" baseline="0" dirty="0" smtClean="0"/>
+          </a:p>
+          <a:p>
+            <a:r>
+              <a:rPr lang="de-DE" baseline="0" dirty="0" smtClean="0"/>
+              <a:t>	Aufgaben stärker </a:t>
+            </a:r>
+            <a:r>
+              <a:rPr lang="de-DE" baseline="0" dirty="0" err="1" smtClean="0"/>
+              <a:t>tracken</a:t>
+            </a:r>
+            <a:r>
+              <a:rPr lang="de-DE" baseline="0" dirty="0" smtClean="0"/>
+              <a:t>, ggf. „</a:t>
+            </a:r>
+            <a:r>
+              <a:rPr lang="de-DE" baseline="0" dirty="0" err="1" smtClean="0"/>
+              <a:t>cut</a:t>
+            </a:r>
+            <a:r>
+              <a:rPr lang="de-DE" baseline="0" dirty="0" smtClean="0"/>
+              <a:t>“ (bei Vertiefung in nicht notwendigen Details (z.B. Risikoanalyse, Wirtschaftlichkeitsbetrachtung)</a:t>
+            </a:r>
+          </a:p>
+          <a:p>
+            <a:endParaRPr lang="de-DE" dirty="0" smtClean="0"/>
+          </a:p>
+          <a:p>
+            <a:r>
+              <a:rPr lang="de-DE" dirty="0" err="1" smtClean="0"/>
+              <a:t>Workload</a:t>
+            </a:r>
+            <a:endParaRPr lang="de-DE" dirty="0" smtClean="0"/>
+          </a:p>
+          <a:p>
+            <a:r>
+              <a:rPr lang="de-DE" dirty="0" smtClean="0"/>
+              <a:t>	</a:t>
+            </a:r>
+            <a:r>
+              <a:rPr lang="de-DE" dirty="0" err="1" smtClean="0"/>
+              <a:t>Höhrer</a:t>
+            </a:r>
+            <a:r>
+              <a:rPr lang="de-DE" dirty="0" smtClean="0"/>
+              <a:t> Aufwand als erwartet, zusätzlicher stress neben der Arbeit. Risikofaktor,</a:t>
+            </a:r>
+            <a:r>
+              <a:rPr lang="de-DE" baseline="0" dirty="0" smtClean="0"/>
+              <a:t> da alle beim gleichen Unternehmen arbeiten (viel zu tun (</a:t>
+            </a:r>
+            <a:r>
+              <a:rPr lang="de-DE" baseline="0" dirty="0" err="1" smtClean="0"/>
+              <a:t>arbeit</a:t>
+            </a:r>
+            <a:r>
+              <a:rPr lang="de-DE" baseline="0" dirty="0" smtClean="0"/>
+              <a:t>) </a:t>
+            </a:r>
+            <a:r>
+              <a:rPr lang="de-DE" baseline="0" dirty="0" smtClean="0">
+                <a:sym typeface="Wingdings" pitchFamily="2" charset="2"/>
+              </a:rPr>
+              <a:t> weniger Zeit (Projekt))</a:t>
+            </a:r>
+            <a:endParaRPr lang="de-DE" dirty="0" smtClean="0"/>
+          </a:p>
+          <a:p>
+            <a:r>
+              <a:rPr lang="de-DE" dirty="0" err="1" smtClean="0"/>
+              <a:t>PeerReview</a:t>
+            </a:r>
+            <a:r>
+              <a:rPr lang="de-DE" dirty="0" smtClean="0"/>
+              <a:t>:</a:t>
+            </a:r>
+          </a:p>
+          <a:p>
+            <a:r>
+              <a:rPr lang="de-DE" dirty="0" smtClean="0"/>
+              <a:t>	Hilfreich eine zweite unabhängige</a:t>
+            </a:r>
+            <a:r>
+              <a:rPr lang="de-DE" baseline="0" dirty="0" smtClean="0"/>
+              <a:t> Meinung; Lücken wurden identifiziert und behoben</a:t>
+            </a:r>
+          </a:p>
+          <a:p>
+            <a:r>
+              <a:rPr lang="de-DE" dirty="0" smtClean="0"/>
+              <a:t>Teamwork:</a:t>
+            </a:r>
+          </a:p>
+          <a:p>
+            <a:r>
+              <a:rPr lang="de-DE" dirty="0" smtClean="0"/>
+              <a:t>	Abstimmungen, Konstruktive </a:t>
+            </a:r>
+            <a:r>
+              <a:rPr lang="de-DE" dirty="0" err="1" smtClean="0"/>
+              <a:t>diskussionen</a:t>
+            </a:r>
+            <a:r>
+              <a:rPr lang="de-DE" dirty="0" smtClean="0"/>
+              <a:t>, Mitglieder</a:t>
+            </a:r>
+            <a:r>
+              <a:rPr lang="de-DE" baseline="0" dirty="0" smtClean="0"/>
+              <a:t> haben sich durch Fach/Spezialwissen gut ergänzt</a:t>
             </a:r>
             <a:endParaRPr lang="de-DE" dirty="0"/>
           </a:p>
@@ -2644,7 +2734,7 @@
             <a:fld id="{F7EBFB8C-BBFF-4397-A51C-1E92596422A9}" type="slidenum">
               <a:rPr lang="en-US" smtClean="0"/>
               <a:pPr/>
-              <a:t>34</a:t>
+              <a:t>35</a:t>
             </a:fld>
             <a:endParaRPr lang="en-US" dirty="0"/>
           </a:p>
@@ -2653,7 +2743,7 @@
     </p:spTree>
     <p:extLst>
       <p:ext uri="{BB962C8B-B14F-4D97-AF65-F5344CB8AC3E}">
-        <p14:creationId xmlns:p14="http://schemas.microsoft.com/office/powerpoint/2010/main" val="3931682397"/>
+        <p14:creationId xmlns:p14="http://schemas.microsoft.com/office/powerpoint/2010/main" xmlns="" val="1616458392"/>
       </p:ext>
     </p:extLst>
   </p:cSld>
@@ -2707,46 +2797,6 @@
           <a:bodyPr/>
           <a:lstStyle/>
           <a:p>
-            <a:r>
-              <a:rPr lang="de-DE" dirty="0" smtClean="0"/>
-              <a:t>Zeitplan</a:t>
-            </a:r>
-          </a:p>
-          <a:p>
-            <a:r>
-              <a:rPr lang="de-DE" dirty="0" smtClean="0"/>
-              <a:t>Fokus aus </a:t>
-            </a:r>
-            <a:r>
-              <a:rPr lang="de-DE" dirty="0" err="1" smtClean="0"/>
-              <a:t>Inception</a:t>
-            </a:r>
-            <a:r>
-              <a:rPr lang="de-DE" dirty="0" smtClean="0"/>
-              <a:t> / Elaboration</a:t>
-            </a:r>
-          </a:p>
-          <a:p>
-            <a:r>
-              <a:rPr lang="de-DE" dirty="0" smtClean="0"/>
-              <a:t>Aufgrund der Enge des Zeitplans jeweils zwei Iterationen mit</a:t>
-            </a:r>
-            <a:r>
-              <a:rPr lang="de-DE" baseline="0" dirty="0" smtClean="0"/>
-              <a:t> festen Reviews der Ergebnisse etc.</a:t>
-            </a:r>
-          </a:p>
-          <a:p>
-            <a:r>
-              <a:rPr lang="de-DE" baseline="0" dirty="0" smtClean="0"/>
-              <a:t>Aber auch: RUP! Jederzeit auch bei kleineren Änderungen/Feststellungen usw. Überarbeitung.</a:t>
-            </a:r>
-          </a:p>
-          <a:p>
-            <a:r>
-              <a:rPr lang="de-DE" baseline="0" dirty="0" smtClean="0"/>
-              <a:t>Ziel: 11.06. eine prototypische Implementierung der Plattform fertigstellen</a:t>
-            </a:r>
             <a:endParaRPr lang="de-DE" dirty="0"/>
           </a:p>
         </p:txBody>
@@ -2769,7 +2819,7 @@
             <a:fld id="{F7EBFB8C-BBFF-4397-A51C-1E92596422A9}" type="slidenum">
               <a:rPr lang="en-US" smtClean="0"/>
               <a:pPr/>
-              <a:t>35</a:t>
+              <a:t>36</a:t>
             </a:fld>
             <a:endParaRPr lang="en-US" dirty="0"/>
           </a:p>
@@ -2778,459 +2828,7 @@
     </p:spTree>
     <p:extLst>
       <p:ext uri="{BB962C8B-B14F-4D97-AF65-F5344CB8AC3E}">
-        <p14:creationId xmlns:p14="http://schemas.microsoft.com/office/powerpoint/2010/main" val="3931682397"/>
-      </p:ext>
-    </p:extLst>
-  </p:cSld>
-  <p:clrMapOvr>
-    <a:masterClrMapping/>
-  </p:clrMapOvr>
-</p:notes>
-</file>
-
-<file path=ppt/notesSlides/notesSlide25.xml><?xml version="1.0" encoding="utf-8"?>
-<p:notes xmlns:a="http://schemas.openxmlformats.org/drawingml/2006/main" xmlns:r="http://schemas.openxmlformats.org/officeDocument/2006/relationships" xmlns:p="http://schemas.openxmlformats.org/presentationml/2006/main">
-  <p:cSld>
-    <p:spTree>
-      <p:nvGrpSpPr>
-        <p:cNvPr id="1" name=""/>
-        <p:cNvGrpSpPr/>
-        <p:nvPr/>
-      </p:nvGrpSpPr>
-      <p:grpSpPr>
-        <a:xfrm>
-          <a:off x="0" y="0"/>
-          <a:ext cx="0" cy="0"/>
-          <a:chOff x="0" y="0"/>
-          <a:chExt cx="0" cy="0"/>
-        </a:xfrm>
-      </p:grpSpPr>
-      <p:sp>
-        <p:nvSpPr>
-          <p:cNvPr id="2" name="Folienbildplatzhalter 1"/>
-          <p:cNvSpPr>
-            <a:spLocks noGrp="1" noRot="1" noChangeAspect="1"/>
-          </p:cNvSpPr>
-          <p:nvPr>
-            <p:ph type="sldImg"/>
-          </p:nvPr>
-        </p:nvSpPr>
-        <p:spPr/>
-      </p:sp>
-      <p:sp>
-        <p:nvSpPr>
-          <p:cNvPr id="3" name="Notizenplatzhalter 2"/>
-          <p:cNvSpPr>
-            <a:spLocks noGrp="1"/>
-          </p:cNvSpPr>
-          <p:nvPr>
-            <p:ph type="body" idx="1"/>
-          </p:nvPr>
-        </p:nvSpPr>
-        <p:spPr/>
-        <p:txBody>
-          <a:bodyPr>
-            <a:normAutofit/>
-          </a:bodyPr>
-          <a:lstStyle/>
-          <a:p>
-            <a:endParaRPr lang="de-DE" dirty="0"/>
-          </a:p>
-        </p:txBody>
-      </p:sp>
-      <p:sp>
-        <p:nvSpPr>
-          <p:cNvPr id="4" name="Foliennummernplatzhalter 3"/>
-          <p:cNvSpPr>
-            <a:spLocks noGrp="1"/>
-          </p:cNvSpPr>
-          <p:nvPr>
-            <p:ph type="sldNum" sz="quarter" idx="10"/>
-          </p:nvPr>
-        </p:nvSpPr>
-        <p:spPr/>
-        <p:txBody>
-          <a:bodyPr/>
-          <a:lstStyle/>
-          <a:p>
-            <a:fld id="{1EBFF01C-F984-4A51-AF10-254043F7C542}" type="slidenum">
-              <a:rPr lang="de-DE" smtClean="0"/>
-              <a:pPr/>
-              <a:t>37</a:t>
-            </a:fld>
-            <a:endParaRPr lang="de-DE"/>
-          </a:p>
-        </p:txBody>
-      </p:sp>
-    </p:spTree>
-  </p:cSld>
-  <p:clrMapOvr>
-    <a:masterClrMapping/>
-  </p:clrMapOvr>
-</p:notes>
-</file>
-
-<file path=ppt/notesSlides/notesSlide26.xml><?xml version="1.0" encoding="utf-8"?>
-<p:notes xmlns:a="http://schemas.openxmlformats.org/drawingml/2006/main" xmlns:r="http://schemas.openxmlformats.org/officeDocument/2006/relationships" xmlns:p="http://schemas.openxmlformats.org/presentationml/2006/main">
-  <p:cSld>
-    <p:spTree>
-      <p:nvGrpSpPr>
-        <p:cNvPr id="1" name=""/>
-        <p:cNvGrpSpPr/>
-        <p:nvPr/>
-      </p:nvGrpSpPr>
-      <p:grpSpPr>
-        <a:xfrm>
-          <a:off x="0" y="0"/>
-          <a:ext cx="0" cy="0"/>
-          <a:chOff x="0" y="0"/>
-          <a:chExt cx="0" cy="0"/>
-        </a:xfrm>
-      </p:grpSpPr>
-      <p:sp>
-        <p:nvSpPr>
-          <p:cNvPr id="2" name="Folienbildplatzhalter 1"/>
-          <p:cNvSpPr>
-            <a:spLocks noGrp="1" noRot="1" noChangeAspect="1"/>
-          </p:cNvSpPr>
-          <p:nvPr>
-            <p:ph type="sldImg"/>
-          </p:nvPr>
-        </p:nvSpPr>
-        <p:spPr/>
-      </p:sp>
-      <p:sp>
-        <p:nvSpPr>
-          <p:cNvPr id="3" name="Notizenplatzhalter 2"/>
-          <p:cNvSpPr>
-            <a:spLocks noGrp="1"/>
-          </p:cNvSpPr>
-          <p:nvPr>
-            <p:ph type="body" idx="1"/>
-          </p:nvPr>
-        </p:nvSpPr>
-        <p:spPr/>
-        <p:txBody>
-          <a:bodyPr/>
-          <a:lstStyle/>
-          <a:p>
-            <a:r>
-              <a:rPr lang="de-DE" dirty="0" smtClean="0"/>
-              <a:t>Zu </a:t>
-            </a:r>
-            <a:r>
-              <a:rPr lang="de-DE" dirty="0" err="1" smtClean="0"/>
-              <a:t>git</a:t>
-            </a:r>
-            <a:r>
-              <a:rPr lang="de-DE" dirty="0" smtClean="0"/>
-              <a:t>:</a:t>
-            </a:r>
-          </a:p>
-          <a:p>
-            <a:r>
-              <a:rPr lang="de-DE" dirty="0" smtClean="0"/>
-              <a:t>	Dateikonflikte aufwändiges</a:t>
-            </a:r>
-            <a:r>
-              <a:rPr lang="de-DE" baseline="0" dirty="0" smtClean="0"/>
-              <a:t> ein-/auschecken, mit </a:t>
-            </a:r>
-            <a:r>
-              <a:rPr lang="de-DE" baseline="0" dirty="0" err="1" smtClean="0"/>
-              <a:t>dropbox</a:t>
-            </a:r>
-            <a:r>
-              <a:rPr lang="de-DE" baseline="0" dirty="0" smtClean="0"/>
-              <a:t> und </a:t>
-            </a:r>
-            <a:r>
-              <a:rPr lang="de-DE" baseline="0" dirty="0" err="1" smtClean="0"/>
-              <a:t>co</a:t>
-            </a:r>
-            <a:r>
-              <a:rPr lang="de-DE" baseline="0" dirty="0" smtClean="0"/>
-              <a:t> on </a:t>
-            </a:r>
-            <a:r>
-              <a:rPr lang="de-DE" baseline="0" dirty="0" err="1" smtClean="0"/>
-              <a:t>the</a:t>
-            </a:r>
-            <a:r>
-              <a:rPr lang="de-DE" baseline="0" dirty="0" smtClean="0"/>
-              <a:t> </a:t>
-            </a:r>
-            <a:r>
-              <a:rPr lang="de-DE" baseline="0" dirty="0" err="1" smtClean="0"/>
-              <a:t>fly</a:t>
-            </a:r>
-            <a:r>
-              <a:rPr lang="de-DE" baseline="0" dirty="0" smtClean="0"/>
-              <a:t>, automatisch im Hintergrund.</a:t>
-            </a:r>
-          </a:p>
-          <a:p>
-            <a:r>
-              <a:rPr lang="de-DE" baseline="0" dirty="0" smtClean="0"/>
-              <a:t>	evtl. zu früh auf ein Tool festgelegt, oder besser zwei? (</a:t>
-            </a:r>
-            <a:r>
-              <a:rPr lang="de-DE" baseline="0" dirty="0" err="1" smtClean="0"/>
-              <a:t>dropbox</a:t>
-            </a:r>
-            <a:r>
-              <a:rPr lang="de-DE" baseline="0" dirty="0" smtClean="0"/>
-              <a:t> für Dokumente, </a:t>
-            </a:r>
-            <a:r>
-              <a:rPr lang="de-DE" baseline="0" dirty="0" err="1" smtClean="0"/>
-              <a:t>gitHub</a:t>
-            </a:r>
-            <a:r>
-              <a:rPr lang="de-DE" baseline="0" dirty="0" smtClean="0"/>
-              <a:t> für </a:t>
-            </a:r>
-            <a:r>
-              <a:rPr lang="de-DE" baseline="0" dirty="0" err="1" smtClean="0"/>
-              <a:t>Sourcen</a:t>
-            </a:r>
-            <a:r>
-              <a:rPr lang="de-DE" baseline="0" dirty="0" smtClean="0"/>
-              <a:t>)</a:t>
-            </a:r>
-          </a:p>
-          <a:p>
-            <a:r>
-              <a:rPr lang="de-DE" baseline="0" dirty="0" err="1" smtClean="0"/>
-              <a:t>Projektmgm</a:t>
-            </a:r>
-            <a:endParaRPr lang="de-DE" baseline="0" dirty="0" smtClean="0"/>
-          </a:p>
-          <a:p>
-            <a:r>
-              <a:rPr lang="de-DE" baseline="0" dirty="0" smtClean="0"/>
-              <a:t>	Aufgaben stärker </a:t>
-            </a:r>
-            <a:r>
-              <a:rPr lang="de-DE" baseline="0" dirty="0" err="1" smtClean="0"/>
-              <a:t>tracken</a:t>
-            </a:r>
-            <a:r>
-              <a:rPr lang="de-DE" baseline="0" dirty="0" smtClean="0"/>
-              <a:t>, ggf. „</a:t>
-            </a:r>
-            <a:r>
-              <a:rPr lang="de-DE" baseline="0" dirty="0" err="1" smtClean="0"/>
-              <a:t>cut</a:t>
-            </a:r>
-            <a:r>
-              <a:rPr lang="de-DE" baseline="0" dirty="0" smtClean="0"/>
-              <a:t>“ (bei Vertiefung in nicht notwendigen Details (z.B. Risikoanalyse, Wirtschaftlichkeitsbetrachtung)</a:t>
-            </a:r>
-          </a:p>
-          <a:p>
-            <a:endParaRPr lang="de-DE" dirty="0" smtClean="0"/>
-          </a:p>
-          <a:p>
-            <a:r>
-              <a:rPr lang="de-DE" dirty="0" err="1" smtClean="0"/>
-              <a:t>Workload</a:t>
-            </a:r>
-            <a:endParaRPr lang="de-DE" dirty="0" smtClean="0"/>
-          </a:p>
-          <a:p>
-            <a:r>
-              <a:rPr lang="de-DE" dirty="0" smtClean="0"/>
-              <a:t>	</a:t>
-            </a:r>
-            <a:r>
-              <a:rPr lang="de-DE" dirty="0" err="1" smtClean="0"/>
-              <a:t>Höhrer</a:t>
-            </a:r>
-            <a:r>
-              <a:rPr lang="de-DE" dirty="0" smtClean="0"/>
-              <a:t> Aufwand als erwartet, zusätzlicher stress neben der Arbeit. Risikofaktor,</a:t>
-            </a:r>
-            <a:r>
-              <a:rPr lang="de-DE" baseline="0" dirty="0" smtClean="0"/>
-              <a:t> da alle beim gleichen Unternehmen arbeiten (viel zu tun (</a:t>
-            </a:r>
-            <a:r>
-              <a:rPr lang="de-DE" baseline="0" dirty="0" err="1" smtClean="0"/>
-              <a:t>arbeit</a:t>
-            </a:r>
-            <a:r>
-              <a:rPr lang="de-DE" baseline="0" dirty="0" smtClean="0"/>
-              <a:t>) </a:t>
-            </a:r>
-            <a:r>
-              <a:rPr lang="de-DE" baseline="0" dirty="0" smtClean="0">
-                <a:sym typeface="Wingdings" pitchFamily="2" charset="2"/>
-              </a:rPr>
-              <a:t> weniger Zeit (Projekt))</a:t>
-            </a:r>
-            <a:endParaRPr lang="de-DE" dirty="0" smtClean="0"/>
-          </a:p>
-          <a:p>
-            <a:r>
-              <a:rPr lang="de-DE" dirty="0" err="1" smtClean="0"/>
-              <a:t>PeerReview</a:t>
-            </a:r>
-            <a:r>
-              <a:rPr lang="de-DE" dirty="0" smtClean="0"/>
-              <a:t>:</a:t>
-            </a:r>
-          </a:p>
-          <a:p>
-            <a:r>
-              <a:rPr lang="de-DE" dirty="0" smtClean="0"/>
-              <a:t>	Hilfreich eine zweite unabhängige</a:t>
-            </a:r>
-            <a:r>
-              <a:rPr lang="de-DE" baseline="0" dirty="0" smtClean="0"/>
-              <a:t> Meinung; Lücken wurden identifiziert und behoben</a:t>
-            </a:r>
-          </a:p>
-          <a:p>
-            <a:r>
-              <a:rPr lang="de-DE" dirty="0" smtClean="0"/>
-              <a:t>Teamwork:</a:t>
-            </a:r>
-          </a:p>
-          <a:p>
-            <a:r>
-              <a:rPr lang="de-DE" dirty="0" smtClean="0"/>
-              <a:t>	Abstimmungen, Konstruktive </a:t>
-            </a:r>
-            <a:r>
-              <a:rPr lang="de-DE" dirty="0" err="1" smtClean="0"/>
-              <a:t>diskussionen</a:t>
-            </a:r>
-            <a:r>
-              <a:rPr lang="de-DE" dirty="0" smtClean="0"/>
-              <a:t>, Mitglieder</a:t>
-            </a:r>
-            <a:r>
-              <a:rPr lang="de-DE" baseline="0" dirty="0" smtClean="0"/>
-              <a:t> haben sich durch Fach/Spezialwissen gut ergänzt</a:t>
-            </a:r>
-            <a:endParaRPr lang="de-DE" dirty="0"/>
-          </a:p>
-        </p:txBody>
-      </p:sp>
-      <p:sp>
-        <p:nvSpPr>
-          <p:cNvPr id="4" name="Foliennummernplatzhalter 3"/>
-          <p:cNvSpPr>
-            <a:spLocks noGrp="1"/>
-          </p:cNvSpPr>
-          <p:nvPr>
-            <p:ph type="sldNum" sz="quarter" idx="10"/>
-          </p:nvPr>
-        </p:nvSpPr>
-        <p:spPr/>
-        <p:txBody>
-          <a:bodyPr/>
-          <a:lstStyle/>
-          <a:p>
-            <a:fld id="{F7EBFB8C-BBFF-4397-A51C-1E92596422A9}" type="slidenum">
-              <a:rPr lang="en-US" smtClean="0"/>
-              <a:pPr/>
-              <a:t>38</a:t>
-            </a:fld>
-            <a:endParaRPr lang="en-US" dirty="0"/>
-          </a:p>
-        </p:txBody>
-      </p:sp>
-    </p:spTree>
-    <p:extLst>
-      <p:ext uri="{BB962C8B-B14F-4D97-AF65-F5344CB8AC3E}">
-        <p14:creationId xmlns:p14="http://schemas.microsoft.com/office/powerpoint/2010/main" val="1616458392"/>
-      </p:ext>
-    </p:extLst>
-  </p:cSld>
-  <p:clrMapOvr>
-    <a:masterClrMapping/>
-  </p:clrMapOvr>
-</p:notes>
-</file>
-
-<file path=ppt/notesSlides/notesSlide27.xml><?xml version="1.0" encoding="utf-8"?>
-<p:notes xmlns:a="http://schemas.openxmlformats.org/drawingml/2006/main" xmlns:r="http://schemas.openxmlformats.org/officeDocument/2006/relationships" xmlns:p="http://schemas.openxmlformats.org/presentationml/2006/main">
-  <p:cSld>
-    <p:spTree>
-      <p:nvGrpSpPr>
-        <p:cNvPr id="1" name=""/>
-        <p:cNvGrpSpPr/>
-        <p:nvPr/>
-      </p:nvGrpSpPr>
-      <p:grpSpPr>
-        <a:xfrm>
-          <a:off x="0" y="0"/>
-          <a:ext cx="0" cy="0"/>
-          <a:chOff x="0" y="0"/>
-          <a:chExt cx="0" cy="0"/>
-        </a:xfrm>
-      </p:grpSpPr>
-      <p:sp>
-        <p:nvSpPr>
-          <p:cNvPr id="2" name="Folienbildplatzhalter 1"/>
-          <p:cNvSpPr>
-            <a:spLocks noGrp="1" noRot="1" noChangeAspect="1"/>
-          </p:cNvSpPr>
-          <p:nvPr>
-            <p:ph type="sldImg"/>
-          </p:nvPr>
-        </p:nvSpPr>
-        <p:spPr/>
-      </p:sp>
-      <p:sp>
-        <p:nvSpPr>
-          <p:cNvPr id="3" name="Notizenplatzhalter 2"/>
-          <p:cNvSpPr>
-            <a:spLocks noGrp="1"/>
-          </p:cNvSpPr>
-          <p:nvPr>
-            <p:ph type="body" idx="1"/>
-          </p:nvPr>
-        </p:nvSpPr>
-        <p:spPr/>
-        <p:txBody>
-          <a:bodyPr/>
-          <a:lstStyle/>
-          <a:p>
-            <a:endParaRPr lang="de-DE" dirty="0"/>
-          </a:p>
-        </p:txBody>
-      </p:sp>
-      <p:sp>
-        <p:nvSpPr>
-          <p:cNvPr id="4" name="Foliennummernplatzhalter 3"/>
-          <p:cNvSpPr>
-            <a:spLocks noGrp="1"/>
-          </p:cNvSpPr>
-          <p:nvPr>
-            <p:ph type="sldNum" sz="quarter" idx="10"/>
-          </p:nvPr>
-        </p:nvSpPr>
-        <p:spPr/>
-        <p:txBody>
-          <a:bodyPr/>
-          <a:lstStyle/>
-          <a:p>
-            <a:fld id="{F7EBFB8C-BBFF-4397-A51C-1E92596422A9}" type="slidenum">
-              <a:rPr lang="en-US" smtClean="0"/>
-              <a:pPr/>
-              <a:t>39</a:t>
-            </a:fld>
-            <a:endParaRPr lang="en-US" dirty="0"/>
-          </a:p>
-        </p:txBody>
-      </p:sp>
-    </p:spTree>
-    <p:extLst>
-      <p:ext uri="{BB962C8B-B14F-4D97-AF65-F5344CB8AC3E}">
-        <p14:creationId xmlns:p14="http://schemas.microsoft.com/office/powerpoint/2010/main" val="2116472317"/>
+        <p14:creationId xmlns:p14="http://schemas.microsoft.com/office/powerpoint/2010/main" xmlns="" val="2116472317"/>
       </p:ext>
     </p:extLst>
   </p:cSld>
@@ -3323,7 +2921,7 @@
     </p:spTree>
     <p:extLst>
       <p:ext uri="{BB962C8B-B14F-4D97-AF65-F5344CB8AC3E}">
-        <p14:creationId xmlns:p14="http://schemas.microsoft.com/office/powerpoint/2010/main" val="2934279750"/>
+        <p14:creationId xmlns:p14="http://schemas.microsoft.com/office/powerpoint/2010/main" xmlns="" val="2934279750"/>
       </p:ext>
     </p:extLst>
   </p:cSld>
@@ -3420,7 +3018,7 @@
     </p:spTree>
     <p:extLst>
       <p:ext uri="{BB962C8B-B14F-4D97-AF65-F5344CB8AC3E}">
-        <p14:creationId xmlns:p14="http://schemas.microsoft.com/office/powerpoint/2010/main" val="2934279750"/>
+        <p14:creationId xmlns:p14="http://schemas.microsoft.com/office/powerpoint/2010/main" xmlns="" val="2934279750"/>
       </p:ext>
     </p:extLst>
   </p:cSld>
@@ -3505,7 +3103,7 @@
     </p:spTree>
     <p:extLst>
       <p:ext uri="{BB962C8B-B14F-4D97-AF65-F5344CB8AC3E}">
-        <p14:creationId xmlns:p14="http://schemas.microsoft.com/office/powerpoint/2010/main" val="2934279750"/>
+        <p14:creationId xmlns:p14="http://schemas.microsoft.com/office/powerpoint/2010/main" xmlns="" val="2934279750"/>
       </p:ext>
     </p:extLst>
   </p:cSld>
@@ -3915,7 +3513,7 @@
     </p:spTree>
     <p:extLst>
       <p:ext uri="{BB962C8B-B14F-4D97-AF65-F5344CB8AC3E}">
-        <p14:creationId xmlns:p14="http://schemas.microsoft.com/office/powerpoint/2010/main" val="2934279750"/>
+        <p14:creationId xmlns:p14="http://schemas.microsoft.com/office/powerpoint/2010/main" xmlns="" val="2934279750"/>
       </p:ext>
     </p:extLst>
   </p:cSld>
@@ -4000,7 +3598,7 @@
     </p:spTree>
     <p:extLst>
       <p:ext uri="{BB962C8B-B14F-4D97-AF65-F5344CB8AC3E}">
-        <p14:creationId xmlns:p14="http://schemas.microsoft.com/office/powerpoint/2010/main" val="3860513045"/>
+        <p14:creationId xmlns:p14="http://schemas.microsoft.com/office/powerpoint/2010/main" xmlns="" val="3860513045"/>
       </p:ext>
     </p:extLst>
   </p:cSld>
@@ -4097,7 +3695,7 @@
     </p:spTree>
     <p:extLst>
       <p:ext uri="{BB962C8B-B14F-4D97-AF65-F5344CB8AC3E}">
-        <p14:creationId xmlns:p14="http://schemas.microsoft.com/office/powerpoint/2010/main" val="2934279750"/>
+        <p14:creationId xmlns:p14="http://schemas.microsoft.com/office/powerpoint/2010/main" xmlns="" val="2934279750"/>
       </p:ext>
     </p:extLst>
   </p:cSld>
@@ -4194,7 +3792,7 @@
     </p:spTree>
     <p:extLst>
       <p:ext uri="{BB962C8B-B14F-4D97-AF65-F5344CB8AC3E}">
-        <p14:creationId xmlns:p14="http://schemas.microsoft.com/office/powerpoint/2010/main" val="2934279750"/>
+        <p14:creationId xmlns:p14="http://schemas.microsoft.com/office/powerpoint/2010/main" xmlns="" val="2934279750"/>
       </p:ext>
     </p:extLst>
   </p:cSld>
@@ -8467,7 +8065,7 @@
           <a:blip r:embed="rId13" cstate="print">
             <a:extLst>
               <a:ext uri="{28A0092B-C50C-407E-A947-70E740481C1C}">
-                <a14:useLocalDpi xmlns:a14="http://schemas.microsoft.com/office/drawing/2010/main" val="0"/>
+                <a14:useLocalDpi xmlns:a14="http://schemas.microsoft.com/office/drawing/2010/main" xmlns="" val="0"/>
               </a:ext>
             </a:extLst>
           </a:blip>
@@ -8968,7 +8566,7 @@
           <a:blip r:embed="rId3" cstate="print">
             <a:extLst>
               <a:ext uri="{28A0092B-C50C-407E-A947-70E740481C1C}">
-                <a14:useLocalDpi xmlns:a14="http://schemas.microsoft.com/office/drawing/2010/main" val="0"/>
+                <a14:useLocalDpi xmlns:a14="http://schemas.microsoft.com/office/drawing/2010/main" xmlns="" val="0"/>
               </a:ext>
             </a:extLst>
           </a:blip>
@@ -8998,7 +8596,7 @@
           <a:blip r:embed="rId4" cstate="print">
             <a:extLst>
               <a:ext uri="{28A0092B-C50C-407E-A947-70E740481C1C}">
-                <a14:useLocalDpi xmlns:a14="http://schemas.microsoft.com/office/drawing/2010/main" val="0"/>
+                <a14:useLocalDpi xmlns:a14="http://schemas.microsoft.com/office/drawing/2010/main" xmlns="" val="0"/>
               </a:ext>
             </a:extLst>
           </a:blip>
@@ -11029,7 +10627,7 @@
     </p:spTree>
     <p:extLst>
       <p:ext uri="{BB962C8B-B14F-4D97-AF65-F5344CB8AC3E}">
-        <p14:creationId xmlns:p14="http://schemas.microsoft.com/office/powerpoint/2010/main" val="351671181"/>
+        <p14:creationId xmlns:p14="http://schemas.microsoft.com/office/powerpoint/2010/main" xmlns="" val="351671181"/>
       </p:ext>
     </p:extLst>
   </p:cSld>
@@ -11279,7 +10877,7 @@
     </p:spTree>
     <p:extLst>
       <p:ext uri="{BB962C8B-B14F-4D97-AF65-F5344CB8AC3E}">
-        <p14:creationId xmlns:p14="http://schemas.microsoft.com/office/powerpoint/2010/main" val="351671181"/>
+        <p14:creationId xmlns:p14="http://schemas.microsoft.com/office/powerpoint/2010/main" xmlns="" val="351671181"/>
       </p:ext>
     </p:extLst>
   </p:cSld>
@@ -11558,7 +11156,7 @@
     </p:spTree>
     <p:extLst>
       <p:ext uri="{BB962C8B-B14F-4D97-AF65-F5344CB8AC3E}">
-        <p14:creationId xmlns:p14="http://schemas.microsoft.com/office/powerpoint/2010/main" val="3616670450"/>
+        <p14:creationId xmlns:p14="http://schemas.microsoft.com/office/powerpoint/2010/main" xmlns="" val="3616670450"/>
       </p:ext>
     </p:extLst>
   </p:cSld>
@@ -11808,7 +11406,7 @@
     </p:spTree>
     <p:extLst>
       <p:ext uri="{BB962C8B-B14F-4D97-AF65-F5344CB8AC3E}">
-        <p14:creationId xmlns:p14="http://schemas.microsoft.com/office/powerpoint/2010/main" val="351671181"/>
+        <p14:creationId xmlns:p14="http://schemas.microsoft.com/office/powerpoint/2010/main" xmlns="" val="351671181"/>
       </p:ext>
     </p:extLst>
   </p:cSld>
@@ -11975,7 +11573,7 @@
     </p:spTree>
     <p:extLst>
       <p:ext uri="{BB962C8B-B14F-4D97-AF65-F5344CB8AC3E}">
-        <p14:creationId xmlns:p14="http://schemas.microsoft.com/office/powerpoint/2010/main" val="141785747"/>
+        <p14:creationId xmlns:p14="http://schemas.microsoft.com/office/powerpoint/2010/main" xmlns="" val="141785747"/>
       </p:ext>
     </p:extLst>
   </p:cSld>
@@ -12025,7 +11623,7 @@
         <p:spPr/>
         <p:txBody>
           <a:bodyPr>
-            <a:normAutofit/>
+            <a:normAutofit fontScale="90000"/>
           </a:bodyPr>
           <a:lstStyle/>
           <a:p>
@@ -12310,7 +11908,7 @@
     </p:spTree>
     <p:extLst>
       <p:ext uri="{BB962C8B-B14F-4D97-AF65-F5344CB8AC3E}">
-        <p14:creationId xmlns:p14="http://schemas.microsoft.com/office/powerpoint/2010/main" val="2634211947"/>
+        <p14:creationId xmlns:p14="http://schemas.microsoft.com/office/powerpoint/2010/main" xmlns="" val="2634211947"/>
       </p:ext>
     </p:extLst>
   </p:cSld>
@@ -12481,7 +12079,7 @@
     </p:spTree>
     <p:extLst>
       <p:ext uri="{BB962C8B-B14F-4D97-AF65-F5344CB8AC3E}">
-        <p14:creationId xmlns:p14="http://schemas.microsoft.com/office/powerpoint/2010/main" val="3243626544"/>
+        <p14:creationId xmlns:p14="http://schemas.microsoft.com/office/powerpoint/2010/main" xmlns="" val="3243626544"/>
       </p:ext>
     </p:extLst>
   </p:cSld>
@@ -12689,7 +12287,7 @@
       </p:grpSpPr>
       <p:pic>
         <p:nvPicPr>
-          <p:cNvPr id="21" name="Grafik 20" descr="Ubersicht.png"/>
+          <p:cNvPr id="27" name="Grafik 26" descr="Ubersicht.png"/>
           <p:cNvPicPr>
             <a:picLocks noChangeAspect="1"/>
           </p:cNvPicPr>
@@ -12703,174 +12301,8 @@
         </p:blipFill>
         <p:spPr>
           <a:xfrm>
-            <a:off x="1187624" y="1412776"/>
-            <a:ext cx="7488832" cy="5222657"/>
-          </a:xfrm>
-          <a:prstGeom prst="rect">
-            <a:avLst/>
-          </a:prstGeom>
-        </p:spPr>
-      </p:pic>
-      <p:sp>
-        <p:nvSpPr>
-          <p:cNvPr id="2" name="Titel 1"/>
-          <p:cNvSpPr>
-            <a:spLocks noGrp="1"/>
-          </p:cNvSpPr>
-          <p:nvPr>
-            <p:ph type="title"/>
-          </p:nvPr>
-        </p:nvSpPr>
-        <p:spPr/>
-        <p:txBody>
-          <a:bodyPr>
-            <a:normAutofit fontScale="90000"/>
-          </a:bodyPr>
-          <a:lstStyle/>
-          <a:p>
-            <a:r>
-              <a:rPr lang="de-DE" dirty="0" smtClean="0"/>
-              <a:t>Detailkonzept</a:t>
-            </a:r>
-            <a:br>
-              <a:rPr lang="de-DE" dirty="0" smtClean="0"/>
-            </a:br>
-            <a:r>
-              <a:rPr lang="de-DE" dirty="0" smtClean="0"/>
-              <a:t>Datenbankschema - Event</a:t>
-            </a:r>
-            <a:endParaRPr lang="de-DE" dirty="0"/>
-          </a:p>
-        </p:txBody>
-      </p:sp>
-      <p:sp>
-        <p:nvSpPr>
-          <p:cNvPr id="4" name="Datumsplatzhalter 3"/>
-          <p:cNvSpPr>
-            <a:spLocks noGrp="1"/>
-          </p:cNvSpPr>
-          <p:nvPr>
-            <p:ph type="dt" sz="half" idx="10"/>
-          </p:nvPr>
-        </p:nvSpPr>
-        <p:spPr/>
-        <p:txBody>
-          <a:bodyPr/>
-          <a:lstStyle/>
-          <a:p>
-            <a:r>
-              <a:rPr lang="de-DE" smtClean="0"/>
-              <a:t>21.04.2012</a:t>
-            </a:r>
-            <a:endParaRPr lang="en-US"/>
-          </a:p>
-        </p:txBody>
-      </p:sp>
-      <p:sp>
-        <p:nvSpPr>
-          <p:cNvPr id="5" name="Fußzeilenplatzhalter 4"/>
-          <p:cNvSpPr>
-            <a:spLocks noGrp="1"/>
-          </p:cNvSpPr>
-          <p:nvPr>
-            <p:ph type="ftr" sz="quarter" idx="11"/>
-          </p:nvPr>
-        </p:nvSpPr>
-        <p:spPr/>
-        <p:txBody>
-          <a:bodyPr/>
-          <a:lstStyle/>
-          <a:p>
-            <a:r>
-              <a:rPr lang="de-DE" smtClean="0"/>
-              <a:t>FST Projekt "Eventalizer" (SS 2012) Team 5</a:t>
-            </a:r>
-            <a:endParaRPr lang="de-DE" dirty="0"/>
-          </a:p>
-        </p:txBody>
-      </p:sp>
-      <p:sp>
-        <p:nvSpPr>
-          <p:cNvPr id="6" name="Foliennummernplatzhalter 5"/>
-          <p:cNvSpPr>
-            <a:spLocks noGrp="1"/>
-          </p:cNvSpPr>
-          <p:nvPr>
-            <p:ph type="sldNum" sz="quarter" idx="12"/>
-          </p:nvPr>
-        </p:nvSpPr>
-        <p:spPr/>
-        <p:txBody>
-          <a:bodyPr/>
-          <a:lstStyle/>
-          <a:p>
-            <a:fld id="{990B41CA-569D-40E7-8E58-026C0338B2C8}" type="slidenum">
-              <a:rPr lang="en-US" smtClean="0"/>
-              <a:pPr/>
-              <a:t>26</a:t>
-            </a:fld>
-            <a:endParaRPr lang="en-US"/>
-          </a:p>
-        </p:txBody>
-      </p:sp>
-    </p:spTree>
-    <p:extLst>
-      <p:ext uri="{BB962C8B-B14F-4D97-AF65-F5344CB8AC3E}">
-        <p14:creationId xmlns:p14="http://schemas.microsoft.com/office/powerpoint/2010/main" val="3243626544"/>
-      </p:ext>
-    </p:extLst>
-  </p:cSld>
-  <p:clrMapOvr>
-    <a:masterClrMapping/>
-  </p:clrMapOvr>
-  <p:transition spd="slow">
-    <p:strips dir="ru"/>
-  </p:transition>
-  <p:timing>
-    <p:tnLst>
-      <p:par>
-        <p:cTn id="1" dur="indefinite" restart="never" nodeType="tmRoot"/>
-      </p:par>
-    </p:tnLst>
-  </p:timing>
-</p:sld>
-</file>
-
-<file path=ppt/slides/slide27.xml><?xml version="1.0" encoding="utf-8"?>
-<p:sld xmlns:a="http://schemas.openxmlformats.org/drawingml/2006/main" xmlns:r="http://schemas.openxmlformats.org/officeDocument/2006/relationships" xmlns:p="http://schemas.openxmlformats.org/presentationml/2006/main">
-  <p:cSld>
-    <p:spTree>
-      <p:nvGrpSpPr>
-        <p:cNvPr id="1" name=""/>
-        <p:cNvGrpSpPr/>
-        <p:nvPr/>
-      </p:nvGrpSpPr>
-      <p:grpSpPr>
-        <a:xfrm>
-          <a:off x="0" y="0"/>
-          <a:ext cx="0" cy="0"/>
-          <a:chOff x="0" y="0"/>
-          <a:chExt cx="0" cy="0"/>
-        </a:xfrm>
-      </p:grpSpPr>
-      <p:pic>
-        <p:nvPicPr>
-          <p:cNvPr id="81" name="Inhaltsplatzhalter 18" descr="Ubersicht.png"/>
-          <p:cNvPicPr>
-            <a:picLocks noChangeAspect="1"/>
-          </p:cNvPicPr>
-          <p:nvPr/>
-        </p:nvPicPr>
-        <p:blipFill>
-          <a:blip r:embed="rId3" cstate="print"/>
-          <a:stretch>
-            <a:fillRect/>
-          </a:stretch>
-        </p:blipFill>
-        <p:spPr>
-          <a:xfrm>
-            <a:off x="1043608" y="5229200"/>
-            <a:ext cx="2232248" cy="1556792"/>
+            <a:off x="1044000" y="5230800"/>
+            <a:ext cx="2254096" cy="1555200"/>
           </a:xfrm>
           <a:prstGeom prst="rect">
             <a:avLst/>
@@ -12879,7 +12311,7 @@
       </p:pic>
       <p:pic>
         <p:nvPicPr>
-          <p:cNvPr id="77" name="Grafik 76" descr="Pfeil.png"/>
+          <p:cNvPr id="55" name="Grafik 54" descr="Ubersicht.png"/>
           <p:cNvPicPr>
             <a:picLocks noChangeAspect="1"/>
           </p:cNvPicPr>
@@ -12892,39 +12324,15 @@
           </a:stretch>
         </p:blipFill>
         <p:spPr>
-          <a:xfrm rot="5400000">
-            <a:off x="5798938" y="4594297"/>
-            <a:ext cx="514422" cy="200053"/>
+          <a:xfrm>
+            <a:off x="1403648" y="1412776"/>
+            <a:ext cx="7416824" cy="5117193"/>
           </a:xfrm>
           <a:prstGeom prst="rect">
             <a:avLst/>
           </a:prstGeom>
         </p:spPr>
       </p:pic>
-      <p:pic>
-        <p:nvPicPr>
-          <p:cNvPr id="76" name="Grafik 75" descr="Pfeil.png"/>
-          <p:cNvPicPr>
-            <a:picLocks noChangeAspect="1"/>
-          </p:cNvPicPr>
-          <p:nvPr/>
-        </p:nvPicPr>
-        <p:blipFill>
-          <a:blip r:embed="rId4" cstate="print"/>
-          <a:stretch>
-            <a:fillRect/>
-          </a:stretch>
-        </p:blipFill>
-        <p:spPr>
-          <a:xfrm rot="5400000">
-            <a:off x="5782967" y="3586185"/>
-            <a:ext cx="514422" cy="200053"/>
-          </a:xfrm>
-          <a:prstGeom prst="rect">
-            <a:avLst/>
-          </a:prstGeom>
-        </p:spPr>
-      </p:pic>
       <p:sp>
         <p:nvSpPr>
           <p:cNvPr id="2" name="Titel 1"/>
@@ -13021,7 +12429,7 @@
             <a:fld id="{990B41CA-569D-40E7-8E58-026C0338B2C8}" type="slidenum">
               <a:rPr lang="en-US" smtClean="0"/>
               <a:pPr/>
-              <a:t>27</a:t>
+              <a:t>26</a:t>
             </a:fld>
             <a:endParaRPr lang="en-US"/>
           </a:p>
@@ -13158,7 +12566,7 @@
         </p:nvCxnSpPr>
         <p:spPr>
           <a:xfrm flipH="1">
-            <a:off x="2987824" y="2060848"/>
+            <a:off x="2987824" y="1916832"/>
             <a:ext cx="4176464" cy="0"/>
           </a:xfrm>
           <a:prstGeom prst="straightConnector1">
@@ -13222,66 +12630,6 @@
           </a:fontRef>
         </p:style>
       </p:cxnSp>
-      <p:cxnSp>
-        <p:nvCxnSpPr>
-          <p:cNvPr id="27" name="Gewinkelte Verbindung 26"/>
-          <p:cNvCxnSpPr/>
-          <p:nvPr/>
-        </p:nvCxnSpPr>
-        <p:spPr>
-          <a:xfrm rot="10800000" flipV="1">
-            <a:off x="5127048" y="1700808"/>
-            <a:ext cx="2037240" cy="792088"/>
-          </a:xfrm>
-          <a:prstGeom prst="bentConnector2">
-            <a:avLst/>
-          </a:prstGeom>
-          <a:ln w="19050">
-            <a:solidFill>
-              <a:schemeClr val="tx1"/>
-            </a:solidFill>
-            <a:tailEnd type="arrow"/>
-          </a:ln>
-        </p:spPr>
-        <p:style>
-          <a:lnRef idx="1">
-            <a:schemeClr val="accent1"/>
-          </a:lnRef>
-          <a:fillRef idx="0">
-            <a:schemeClr val="accent1"/>
-          </a:fillRef>
-          <a:effectRef idx="0">
-            <a:schemeClr val="accent1"/>
-          </a:effectRef>
-          <a:fontRef idx="minor">
-            <a:schemeClr val="tx1"/>
-          </a:fontRef>
-        </p:style>
-      </p:cxnSp>
-      <p:pic>
-        <p:nvPicPr>
-          <p:cNvPr id="83" name="Grafik 82" descr="Event.png"/>
-          <p:cNvPicPr>
-            <a:picLocks noChangeAspect="1"/>
-          </p:cNvPicPr>
-          <p:nvPr/>
-        </p:nvPicPr>
-        <p:blipFill>
-          <a:blip r:embed="rId5" cstate="print"/>
-          <a:stretch>
-            <a:fillRect/>
-          </a:stretch>
-        </p:blipFill>
-        <p:spPr>
-          <a:xfrm>
-            <a:off x="1475656" y="1628800"/>
-            <a:ext cx="1486108" cy="3267531"/>
-          </a:xfrm>
-          <a:prstGeom prst="rect">
-            <a:avLst/>
-          </a:prstGeom>
-        </p:spPr>
-      </p:pic>
       <p:pic>
         <p:nvPicPr>
           <p:cNvPr id="84" name="Grafik 83" descr="Benutzer.png"/>
@@ -13291,7 +12639,7 @@
           <p:nvPr/>
         </p:nvPicPr>
         <p:blipFill>
-          <a:blip r:embed="rId6" cstate="print"/>
+          <a:blip r:embed="rId5" cstate="print"/>
           <a:stretch>
             <a:fillRect/>
           </a:stretch>
@@ -13315,7 +12663,7 @@
           <p:nvPr/>
         </p:nvPicPr>
         <p:blipFill>
-          <a:blip r:embed="rId7" cstate="print"/>
+          <a:blip r:embed="rId6" cstate="print"/>
           <a:stretch>
             <a:fillRect/>
           </a:stretch>
@@ -13330,10 +12678,362 @@
           </a:prstGeom>
         </p:spPr>
       </p:pic>
+      <p:pic>
+        <p:nvPicPr>
+          <p:cNvPr id="19" name="Grafik 18" descr="Event.png"/>
+          <p:cNvPicPr>
+            <a:picLocks noChangeAspect="1"/>
+          </p:cNvPicPr>
+          <p:nvPr/>
+        </p:nvPicPr>
+        <p:blipFill>
+          <a:blip r:embed="rId7" cstate="print"/>
+          <a:stretch>
+            <a:fillRect/>
+          </a:stretch>
+        </p:blipFill>
+        <p:spPr>
+          <a:xfrm>
+            <a:off x="1475656" y="1628800"/>
+            <a:ext cx="1486108" cy="3115110"/>
+          </a:xfrm>
+          <a:prstGeom prst="rect">
+            <a:avLst/>
+          </a:prstGeom>
+        </p:spPr>
+      </p:pic>
+      <p:grpSp>
+        <p:nvGrpSpPr>
+          <p:cNvPr id="3" name="Gruppieren 33"/>
+          <p:cNvGrpSpPr/>
+          <p:nvPr/>
+        </p:nvGrpSpPr>
+        <p:grpSpPr>
+          <a:xfrm>
+            <a:off x="5968800" y="3645024"/>
+            <a:ext cx="288032" cy="288032"/>
+            <a:chOff x="6228184" y="3789040"/>
+            <a:chExt cx="288032" cy="288032"/>
+          </a:xfrm>
+        </p:grpSpPr>
+        <p:cxnSp>
+          <p:nvCxnSpPr>
+            <p:cNvPr id="21" name="Gerade Verbindung 20"/>
+            <p:cNvCxnSpPr/>
+            <p:nvPr/>
+          </p:nvCxnSpPr>
+          <p:spPr>
+            <a:xfrm>
+              <a:off x="6228184" y="3789040"/>
+              <a:ext cx="288032" cy="0"/>
+            </a:xfrm>
+            <a:prstGeom prst="line">
+              <a:avLst/>
+            </a:prstGeom>
+            <a:ln w="19050">
+              <a:solidFill>
+                <a:schemeClr val="tx1"/>
+              </a:solidFill>
+            </a:ln>
+          </p:spPr>
+          <p:style>
+            <a:lnRef idx="1">
+              <a:schemeClr val="accent1"/>
+            </a:lnRef>
+            <a:fillRef idx="0">
+              <a:schemeClr val="accent1"/>
+            </a:fillRef>
+            <a:effectRef idx="0">
+              <a:schemeClr val="accent1"/>
+            </a:effectRef>
+            <a:fontRef idx="minor">
+              <a:schemeClr val="tx1"/>
+            </a:fontRef>
+          </p:style>
+        </p:cxnSp>
+        <p:cxnSp>
+          <p:nvCxnSpPr>
+            <p:cNvPr id="22" name="Gerade Verbindung 21"/>
+            <p:cNvCxnSpPr/>
+            <p:nvPr/>
+          </p:nvCxnSpPr>
+          <p:spPr>
+            <a:xfrm>
+              <a:off x="6516216" y="3789040"/>
+              <a:ext cx="0" cy="288032"/>
+            </a:xfrm>
+            <a:prstGeom prst="line">
+              <a:avLst/>
+            </a:prstGeom>
+            <a:ln w="19050">
+              <a:solidFill>
+                <a:schemeClr val="tx1"/>
+              </a:solidFill>
+            </a:ln>
+          </p:spPr>
+          <p:style>
+            <a:lnRef idx="1">
+              <a:schemeClr val="accent1"/>
+            </a:lnRef>
+            <a:fillRef idx="0">
+              <a:schemeClr val="accent1"/>
+            </a:fillRef>
+            <a:effectRef idx="0">
+              <a:schemeClr val="accent1"/>
+            </a:effectRef>
+            <a:fontRef idx="minor">
+              <a:schemeClr val="tx1"/>
+            </a:fontRef>
+          </p:style>
+        </p:cxnSp>
+        <p:cxnSp>
+          <p:nvCxnSpPr>
+            <p:cNvPr id="30" name="Gerade Verbindung mit Pfeil 29"/>
+            <p:cNvCxnSpPr/>
+            <p:nvPr/>
+          </p:nvCxnSpPr>
+          <p:spPr>
+            <a:xfrm flipH="1">
+              <a:off x="6228184" y="4077072"/>
+              <a:ext cx="288032" cy="0"/>
+            </a:xfrm>
+            <a:prstGeom prst="straightConnector1">
+              <a:avLst/>
+            </a:prstGeom>
+            <a:ln w="19050">
+              <a:solidFill>
+                <a:schemeClr val="tx1"/>
+              </a:solidFill>
+              <a:tailEnd type="arrow"/>
+            </a:ln>
+          </p:spPr>
+          <p:style>
+            <a:lnRef idx="1">
+              <a:schemeClr val="accent1"/>
+            </a:lnRef>
+            <a:fillRef idx="0">
+              <a:schemeClr val="accent1"/>
+            </a:fillRef>
+            <a:effectRef idx="0">
+              <a:schemeClr val="accent1"/>
+            </a:effectRef>
+            <a:fontRef idx="minor">
+              <a:schemeClr val="tx1"/>
+            </a:fontRef>
+          </p:style>
+        </p:cxnSp>
+      </p:grpSp>
+      <p:grpSp>
+        <p:nvGrpSpPr>
+          <p:cNvPr id="7" name="Gruppieren 34"/>
+          <p:cNvGrpSpPr/>
+          <p:nvPr/>
+        </p:nvGrpSpPr>
+        <p:grpSpPr>
+          <a:xfrm>
+            <a:off x="5968800" y="4149080"/>
+            <a:ext cx="288032" cy="288032"/>
+            <a:chOff x="6228184" y="3789040"/>
+            <a:chExt cx="288032" cy="288032"/>
+          </a:xfrm>
+        </p:grpSpPr>
+        <p:cxnSp>
+          <p:nvCxnSpPr>
+            <p:cNvPr id="36" name="Gerade Verbindung 35"/>
+            <p:cNvCxnSpPr/>
+            <p:nvPr/>
+          </p:nvCxnSpPr>
+          <p:spPr>
+            <a:xfrm>
+              <a:off x="6228184" y="3789040"/>
+              <a:ext cx="288032" cy="0"/>
+            </a:xfrm>
+            <a:prstGeom prst="line">
+              <a:avLst/>
+            </a:prstGeom>
+            <a:ln w="19050">
+              <a:solidFill>
+                <a:schemeClr val="tx1"/>
+              </a:solidFill>
+            </a:ln>
+          </p:spPr>
+          <p:style>
+            <a:lnRef idx="1">
+              <a:schemeClr val="accent1"/>
+            </a:lnRef>
+            <a:fillRef idx="0">
+              <a:schemeClr val="accent1"/>
+            </a:fillRef>
+            <a:effectRef idx="0">
+              <a:schemeClr val="accent1"/>
+            </a:effectRef>
+            <a:fontRef idx="minor">
+              <a:schemeClr val="tx1"/>
+            </a:fontRef>
+          </p:style>
+        </p:cxnSp>
+        <p:cxnSp>
+          <p:nvCxnSpPr>
+            <p:cNvPr id="37" name="Gerade Verbindung 36"/>
+            <p:cNvCxnSpPr/>
+            <p:nvPr/>
+          </p:nvCxnSpPr>
+          <p:spPr>
+            <a:xfrm>
+              <a:off x="6516216" y="3789040"/>
+              <a:ext cx="0" cy="288032"/>
+            </a:xfrm>
+            <a:prstGeom prst="line">
+              <a:avLst/>
+            </a:prstGeom>
+            <a:ln w="19050">
+              <a:solidFill>
+                <a:schemeClr val="tx1"/>
+              </a:solidFill>
+            </a:ln>
+          </p:spPr>
+          <p:style>
+            <a:lnRef idx="1">
+              <a:schemeClr val="accent1"/>
+            </a:lnRef>
+            <a:fillRef idx="0">
+              <a:schemeClr val="accent1"/>
+            </a:fillRef>
+            <a:effectRef idx="0">
+              <a:schemeClr val="accent1"/>
+            </a:effectRef>
+            <a:fontRef idx="minor">
+              <a:schemeClr val="tx1"/>
+            </a:fontRef>
+          </p:style>
+        </p:cxnSp>
+        <p:cxnSp>
+          <p:nvCxnSpPr>
+            <p:cNvPr id="38" name="Gerade Verbindung mit Pfeil 37"/>
+            <p:cNvCxnSpPr/>
+            <p:nvPr/>
+          </p:nvCxnSpPr>
+          <p:spPr>
+            <a:xfrm flipH="1">
+              <a:off x="6228184" y="4077072"/>
+              <a:ext cx="288032" cy="0"/>
+            </a:xfrm>
+            <a:prstGeom prst="straightConnector1">
+              <a:avLst/>
+            </a:prstGeom>
+            <a:ln w="19050">
+              <a:solidFill>
+                <a:schemeClr val="tx1"/>
+              </a:solidFill>
+              <a:tailEnd type="arrow"/>
+            </a:ln>
+          </p:spPr>
+          <p:style>
+            <a:lnRef idx="1">
+              <a:schemeClr val="accent1"/>
+            </a:lnRef>
+            <a:fillRef idx="0">
+              <a:schemeClr val="accent1"/>
+            </a:fillRef>
+            <a:effectRef idx="0">
+              <a:schemeClr val="accent1"/>
+            </a:effectRef>
+            <a:fontRef idx="minor">
+              <a:schemeClr val="tx1"/>
+            </a:fontRef>
+          </p:style>
+        </p:cxnSp>
+      </p:grpSp>
+      <p:grpSp>
+        <p:nvGrpSpPr>
+          <p:cNvPr id="10" name="Gruppieren 53"/>
+          <p:cNvGrpSpPr/>
+          <p:nvPr/>
+        </p:nvGrpSpPr>
+        <p:grpSpPr>
+          <a:xfrm>
+            <a:off x="5652120" y="2204864"/>
+            <a:ext cx="1512168" cy="288032"/>
+            <a:chOff x="5652120" y="2204864"/>
+            <a:chExt cx="1512168" cy="288032"/>
+          </a:xfrm>
+        </p:grpSpPr>
+        <p:cxnSp>
+          <p:nvCxnSpPr>
+            <p:cNvPr id="44" name="Gerade Verbindung mit Pfeil 43"/>
+            <p:cNvCxnSpPr/>
+            <p:nvPr/>
+          </p:nvCxnSpPr>
+          <p:spPr>
+            <a:xfrm>
+              <a:off x="5652120" y="2204864"/>
+              <a:ext cx="0" cy="288032"/>
+            </a:xfrm>
+            <a:prstGeom prst="straightConnector1">
+              <a:avLst/>
+            </a:prstGeom>
+            <a:ln w="19050">
+              <a:solidFill>
+                <a:schemeClr val="tx1"/>
+              </a:solidFill>
+              <a:tailEnd type="arrow"/>
+            </a:ln>
+          </p:spPr>
+          <p:style>
+            <a:lnRef idx="1">
+              <a:schemeClr val="accent1"/>
+            </a:lnRef>
+            <a:fillRef idx="0">
+              <a:schemeClr val="accent1"/>
+            </a:fillRef>
+            <a:effectRef idx="0">
+              <a:schemeClr val="accent1"/>
+            </a:effectRef>
+            <a:fontRef idx="minor">
+              <a:schemeClr val="tx1"/>
+            </a:fontRef>
+          </p:style>
+        </p:cxnSp>
+        <p:cxnSp>
+          <p:nvCxnSpPr>
+            <p:cNvPr id="46" name="Gerade Verbindung 45"/>
+            <p:cNvCxnSpPr/>
+            <p:nvPr/>
+          </p:nvCxnSpPr>
+          <p:spPr>
+            <a:xfrm flipH="1">
+              <a:off x="5652120" y="2204864"/>
+              <a:ext cx="1512168" cy="0"/>
+            </a:xfrm>
+            <a:prstGeom prst="line">
+              <a:avLst/>
+            </a:prstGeom>
+            <a:ln w="19050">
+              <a:solidFill>
+                <a:schemeClr val="tx1"/>
+              </a:solidFill>
+            </a:ln>
+          </p:spPr>
+          <p:style>
+            <a:lnRef idx="1">
+              <a:schemeClr val="accent1"/>
+            </a:lnRef>
+            <a:fillRef idx="0">
+              <a:schemeClr val="accent1"/>
+            </a:fillRef>
+            <a:effectRef idx="0">
+              <a:schemeClr val="accent1"/>
+            </a:effectRef>
+            <a:fontRef idx="minor">
+              <a:schemeClr val="tx1"/>
+            </a:fontRef>
+          </p:style>
+        </p:cxnSp>
+      </p:grpSp>
     </p:spTree>
     <p:extLst>
       <p:ext uri="{BB962C8B-B14F-4D97-AF65-F5344CB8AC3E}">
-        <p14:creationId xmlns:p14="http://schemas.microsoft.com/office/powerpoint/2010/main" val="3243626544"/>
+        <p14:creationId xmlns="" xmlns:p14="http://schemas.microsoft.com/office/powerpoint/2010/main" val="3243626544"/>
       </p:ext>
     </p:extLst>
   </p:cSld>
@@ -13346,14 +13046,566 @@
   <p:timing>
     <p:tnLst>
       <p:par>
-        <p:cTn id="1" dur="indefinite" restart="never" nodeType="tmRoot"/>
+        <p:cTn id="1" dur="indefinite" restart="never" nodeType="tmRoot">
+          <p:childTnLst>
+            <p:seq concurrent="1" nextAc="seek">
+              <p:cTn id="2" dur="indefinite" nodeType="mainSeq">
+                <p:childTnLst>
+                  <p:par>
+                    <p:cTn id="3" fill="hold">
+                      <p:stCondLst>
+                        <p:cond delay="indefinite"/>
+                      </p:stCondLst>
+                      <p:childTnLst>
+                        <p:par>
+                          <p:cTn id="4" fill="hold">
+                            <p:stCondLst>
+                              <p:cond delay="0"/>
+                            </p:stCondLst>
+                            <p:childTnLst>
+                              <p:par>
+                                <p:cTn id="5" presetID="6" presetClass="emph" presetSubtype="0" fill="hold" nodeType="clickEffect">
+                                  <p:stCondLst>
+                                    <p:cond delay="0"/>
+                                  </p:stCondLst>
+                                  <p:childTnLst>
+                                    <p:animScale>
+                                      <p:cBhvr>
+                                        <p:cTn id="6" dur="2000" fill="hold"/>
+                                        <p:tgtEl>
+                                          <p:spTgt spid="55"/>
+                                        </p:tgtEl>
+                                      </p:cBhvr>
+                                      <p:by x="30000" y="30000"/>
+                                    </p:animScale>
+                                  </p:childTnLst>
+                                </p:cTn>
+                              </p:par>
+                              <p:par>
+                                <p:cTn id="7" presetID="0" presetClass="path" presetSubtype="0" accel="50000" decel="50000" fill="hold" nodeType="withEffect">
+                                  <p:stCondLst>
+                                    <p:cond delay="0"/>
+                                  </p:stCondLst>
+                                  <p:childTnLst>
+                                    <p:animMotion origin="layout" path="M 2.22222E-6 3.70028E-7 L -0.31893 0.2988 " pathEditMode="relative" rAng="0" ptsTypes="AA">
+                                      <p:cBhvr>
+                                        <p:cTn id="8" dur="2000" fill="hold"/>
+                                        <p:tgtEl>
+                                          <p:spTgt spid="55"/>
+                                        </p:tgtEl>
+                                        <p:attrNameLst>
+                                          <p:attrName>ppt_x</p:attrName>
+                                          <p:attrName>ppt_y</p:attrName>
+                                        </p:attrNameLst>
+                                      </p:cBhvr>
+                                      <p:rCtr x="-160" y="149"/>
+                                    </p:animMotion>
+                                  </p:childTnLst>
+                                </p:cTn>
+                              </p:par>
+                            </p:childTnLst>
+                          </p:cTn>
+                        </p:par>
+                        <p:par>
+                          <p:cTn id="9" fill="hold">
+                            <p:stCondLst>
+                              <p:cond delay="2000"/>
+                            </p:stCondLst>
+                            <p:childTnLst>
+                              <p:par>
+                                <p:cTn id="10" presetID="1" presetClass="exit" presetSubtype="0" fill="hold" nodeType="afterEffect">
+                                  <p:stCondLst>
+                                    <p:cond delay="0"/>
+                                  </p:stCondLst>
+                                  <p:childTnLst>
+                                    <p:set>
+                                      <p:cBhvr>
+                                        <p:cTn id="11" dur="1" fill="hold">
+                                          <p:stCondLst>
+                                            <p:cond delay="0"/>
+                                          </p:stCondLst>
+                                        </p:cTn>
+                                        <p:tgtEl>
+                                          <p:spTgt spid="55"/>
+                                        </p:tgtEl>
+                                        <p:attrNameLst>
+                                          <p:attrName>style.visibility</p:attrName>
+                                        </p:attrNameLst>
+                                      </p:cBhvr>
+                                      <p:to>
+                                        <p:strVal val="hidden"/>
+                                      </p:to>
+                                    </p:set>
+                                  </p:childTnLst>
+                                </p:cTn>
+                              </p:par>
+                              <p:par>
+                                <p:cTn id="12" presetID="1" presetClass="entr" presetSubtype="0" fill="hold" nodeType="withEffect">
+                                  <p:stCondLst>
+                                    <p:cond delay="0"/>
+                                  </p:stCondLst>
+                                  <p:childTnLst>
+                                    <p:set>
+                                      <p:cBhvr>
+                                        <p:cTn id="13" dur="1" fill="hold">
+                                          <p:stCondLst>
+                                            <p:cond delay="0"/>
+                                          </p:stCondLst>
+                                        </p:cTn>
+                                        <p:tgtEl>
+                                          <p:spTgt spid="27"/>
+                                        </p:tgtEl>
+                                        <p:attrNameLst>
+                                          <p:attrName>style.visibility</p:attrName>
+                                        </p:attrNameLst>
+                                      </p:cBhvr>
+                                      <p:to>
+                                        <p:strVal val="visible"/>
+                                      </p:to>
+                                    </p:set>
+                                  </p:childTnLst>
+                                </p:cTn>
+                              </p:par>
+                            </p:childTnLst>
+                          </p:cTn>
+                        </p:par>
+                        <p:par>
+                          <p:cTn id="14" fill="hold">
+                            <p:stCondLst>
+                              <p:cond delay="2000"/>
+                            </p:stCondLst>
+                            <p:childTnLst>
+                              <p:par>
+                                <p:cTn id="15" presetID="3" presetClass="entr" presetSubtype="10" fill="hold" nodeType="afterEffect">
+                                  <p:stCondLst>
+                                    <p:cond delay="0"/>
+                                  </p:stCondLst>
+                                  <p:childTnLst>
+                                    <p:set>
+                                      <p:cBhvr>
+                                        <p:cTn id="16" dur="1" fill="hold">
+                                          <p:stCondLst>
+                                            <p:cond delay="0"/>
+                                          </p:stCondLst>
+                                        </p:cTn>
+                                        <p:tgtEl>
+                                          <p:spTgt spid="18"/>
+                                        </p:tgtEl>
+                                        <p:attrNameLst>
+                                          <p:attrName>style.visibility</p:attrName>
+                                        </p:attrNameLst>
+                                      </p:cBhvr>
+                                      <p:to>
+                                        <p:strVal val="visible"/>
+                                      </p:to>
+                                    </p:set>
+                                    <p:animEffect transition="in" filter="blinds(horizontal)">
+                                      <p:cBhvr>
+                                        <p:cTn id="17" dur="500"/>
+                                        <p:tgtEl>
+                                          <p:spTgt spid="18"/>
+                                        </p:tgtEl>
+                                      </p:cBhvr>
+                                    </p:animEffect>
+                                  </p:childTnLst>
+                                </p:cTn>
+                              </p:par>
+                              <p:par>
+                                <p:cTn id="18" presetID="3" presetClass="entr" presetSubtype="10" fill="hold" nodeType="withEffect">
+                                  <p:stCondLst>
+                                    <p:cond delay="0"/>
+                                  </p:stCondLst>
+                                  <p:childTnLst>
+                                    <p:set>
+                                      <p:cBhvr>
+                                        <p:cTn id="19" dur="1" fill="hold">
+                                          <p:stCondLst>
+                                            <p:cond delay="0"/>
+                                          </p:stCondLst>
+                                        </p:cTn>
+                                        <p:tgtEl>
+                                          <p:spTgt spid="19"/>
+                                        </p:tgtEl>
+                                        <p:attrNameLst>
+                                          <p:attrName>style.visibility</p:attrName>
+                                        </p:attrNameLst>
+                                      </p:cBhvr>
+                                      <p:to>
+                                        <p:strVal val="visible"/>
+                                      </p:to>
+                                    </p:set>
+                                    <p:animEffect transition="in" filter="blinds(horizontal)">
+                                      <p:cBhvr>
+                                        <p:cTn id="20" dur="500"/>
+                                        <p:tgtEl>
+                                          <p:spTgt spid="19"/>
+                                        </p:tgtEl>
+                                      </p:cBhvr>
+                                    </p:animEffect>
+                                  </p:childTnLst>
+                                </p:cTn>
+                              </p:par>
+                              <p:par>
+                                <p:cTn id="21" presetID="3" presetClass="entr" presetSubtype="10" fill="hold" nodeType="withEffect">
+                                  <p:stCondLst>
+                                    <p:cond delay="0"/>
+                                  </p:stCondLst>
+                                  <p:childTnLst>
+                                    <p:set>
+                                      <p:cBhvr>
+                                        <p:cTn id="22" dur="1" fill="hold">
+                                          <p:stCondLst>
+                                            <p:cond delay="0"/>
+                                          </p:stCondLst>
+                                        </p:cTn>
+                                        <p:tgtEl>
+                                          <p:spTgt spid="23"/>
+                                        </p:tgtEl>
+                                        <p:attrNameLst>
+                                          <p:attrName>style.visibility</p:attrName>
+                                        </p:attrNameLst>
+                                      </p:cBhvr>
+                                      <p:to>
+                                        <p:strVal val="visible"/>
+                                      </p:to>
+                                    </p:set>
+                                    <p:animEffect transition="in" filter="blinds(horizontal)">
+                                      <p:cBhvr>
+                                        <p:cTn id="23" dur="500"/>
+                                        <p:tgtEl>
+                                          <p:spTgt spid="23"/>
+                                        </p:tgtEl>
+                                      </p:cBhvr>
+                                    </p:animEffect>
+                                  </p:childTnLst>
+                                </p:cTn>
+                              </p:par>
+                              <p:par>
+                                <p:cTn id="24" presetID="3" presetClass="entr" presetSubtype="10" fill="hold" nodeType="withEffect">
+                                  <p:stCondLst>
+                                    <p:cond delay="0"/>
+                                  </p:stCondLst>
+                                  <p:childTnLst>
+                                    <p:set>
+                                      <p:cBhvr>
+                                        <p:cTn id="25" dur="1" fill="hold">
+                                          <p:stCondLst>
+                                            <p:cond delay="0"/>
+                                          </p:stCondLst>
+                                        </p:cTn>
+                                        <p:tgtEl>
+                                          <p:spTgt spid="84"/>
+                                        </p:tgtEl>
+                                        <p:attrNameLst>
+                                          <p:attrName>style.visibility</p:attrName>
+                                        </p:attrNameLst>
+                                      </p:cBhvr>
+                                      <p:to>
+                                        <p:strVal val="visible"/>
+                                      </p:to>
+                                    </p:set>
+                                    <p:animEffect transition="in" filter="blinds(horizontal)">
+                                      <p:cBhvr>
+                                        <p:cTn id="26" dur="500"/>
+                                        <p:tgtEl>
+                                          <p:spTgt spid="84"/>
+                                        </p:tgtEl>
+                                      </p:cBhvr>
+                                    </p:animEffect>
+                                  </p:childTnLst>
+                                </p:cTn>
+                              </p:par>
+                              <p:par>
+                                <p:cTn id="27" presetID="3" presetClass="entr" presetSubtype="10" fill="hold" nodeType="withEffect">
+                                  <p:stCondLst>
+                                    <p:cond delay="0"/>
+                                  </p:stCondLst>
+                                  <p:childTnLst>
+                                    <p:set>
+                                      <p:cBhvr>
+                                        <p:cTn id="28" dur="1" fill="hold">
+                                          <p:stCondLst>
+                                            <p:cond delay="0"/>
+                                          </p:stCondLst>
+                                        </p:cTn>
+                                        <p:tgtEl>
+                                          <p:spTgt spid="10"/>
+                                        </p:tgtEl>
+                                        <p:attrNameLst>
+                                          <p:attrName>style.visibility</p:attrName>
+                                        </p:attrNameLst>
+                                      </p:cBhvr>
+                                      <p:to>
+                                        <p:strVal val="visible"/>
+                                      </p:to>
+                                    </p:set>
+                                    <p:animEffect transition="in" filter="blinds(horizontal)">
+                                      <p:cBhvr>
+                                        <p:cTn id="29" dur="500"/>
+                                        <p:tgtEl>
+                                          <p:spTgt spid="10"/>
+                                        </p:tgtEl>
+                                      </p:cBhvr>
+                                    </p:animEffect>
+                                  </p:childTnLst>
+                                </p:cTn>
+                              </p:par>
+                              <p:par>
+                                <p:cTn id="30" presetID="3" presetClass="entr" presetSubtype="10" fill="hold" nodeType="withEffect">
+                                  <p:stCondLst>
+                                    <p:cond delay="0"/>
+                                  </p:stCondLst>
+                                  <p:childTnLst>
+                                    <p:set>
+                                      <p:cBhvr>
+                                        <p:cTn id="31" dur="1" fill="hold">
+                                          <p:stCondLst>
+                                            <p:cond delay="0"/>
+                                          </p:stCondLst>
+                                        </p:cTn>
+                                        <p:tgtEl>
+                                          <p:spTgt spid="85"/>
+                                        </p:tgtEl>
+                                        <p:attrNameLst>
+                                          <p:attrName>style.visibility</p:attrName>
+                                        </p:attrNameLst>
+                                      </p:cBhvr>
+                                      <p:to>
+                                        <p:strVal val="visible"/>
+                                      </p:to>
+                                    </p:set>
+                                    <p:animEffect transition="in" filter="blinds(horizontal)">
+                                      <p:cBhvr>
+                                        <p:cTn id="32" dur="500"/>
+                                        <p:tgtEl>
+                                          <p:spTgt spid="85"/>
+                                        </p:tgtEl>
+                                      </p:cBhvr>
+                                    </p:animEffect>
+                                  </p:childTnLst>
+                                </p:cTn>
+                              </p:par>
+                              <p:par>
+                                <p:cTn id="33" presetID="3" presetClass="entr" presetSubtype="10" fill="hold" nodeType="withEffect">
+                                  <p:stCondLst>
+                                    <p:cond delay="0"/>
+                                  </p:stCondLst>
+                                  <p:childTnLst>
+                                    <p:set>
+                                      <p:cBhvr>
+                                        <p:cTn id="34" dur="1" fill="hold">
+                                          <p:stCondLst>
+                                            <p:cond delay="0"/>
+                                          </p:stCondLst>
+                                        </p:cTn>
+                                        <p:tgtEl>
+                                          <p:spTgt spid="3"/>
+                                        </p:tgtEl>
+                                        <p:attrNameLst>
+                                          <p:attrName>style.visibility</p:attrName>
+                                        </p:attrNameLst>
+                                      </p:cBhvr>
+                                      <p:to>
+                                        <p:strVal val="visible"/>
+                                      </p:to>
+                                    </p:set>
+                                    <p:animEffect transition="in" filter="blinds(horizontal)">
+                                      <p:cBhvr>
+                                        <p:cTn id="35" dur="500"/>
+                                        <p:tgtEl>
+                                          <p:spTgt spid="3"/>
+                                        </p:tgtEl>
+                                      </p:cBhvr>
+                                    </p:animEffect>
+                                  </p:childTnLst>
+                                </p:cTn>
+                              </p:par>
+                              <p:par>
+                                <p:cTn id="36" presetID="3" presetClass="entr" presetSubtype="10" fill="hold" nodeType="withEffect">
+                                  <p:stCondLst>
+                                    <p:cond delay="0"/>
+                                  </p:stCondLst>
+                                  <p:childTnLst>
+                                    <p:set>
+                                      <p:cBhvr>
+                                        <p:cTn id="37" dur="1" fill="hold">
+                                          <p:stCondLst>
+                                            <p:cond delay="0"/>
+                                          </p:stCondLst>
+                                        </p:cTn>
+                                        <p:tgtEl>
+                                          <p:spTgt spid="7"/>
+                                        </p:tgtEl>
+                                        <p:attrNameLst>
+                                          <p:attrName>style.visibility</p:attrName>
+                                        </p:attrNameLst>
+                                      </p:cBhvr>
+                                      <p:to>
+                                        <p:strVal val="visible"/>
+                                      </p:to>
+                                    </p:set>
+                                    <p:animEffect transition="in" filter="blinds(horizontal)">
+                                      <p:cBhvr>
+                                        <p:cTn id="38" dur="500"/>
+                                        <p:tgtEl>
+                                          <p:spTgt spid="7"/>
+                                        </p:tgtEl>
+                                      </p:cBhvr>
+                                    </p:animEffect>
+                                  </p:childTnLst>
+                                </p:cTn>
+                              </p:par>
+                            </p:childTnLst>
+                          </p:cTn>
+                        </p:par>
+                        <p:par>
+                          <p:cTn id="39" fill="hold">
+                            <p:stCondLst>
+                              <p:cond delay="2500"/>
+                            </p:stCondLst>
+                            <p:childTnLst>
+                              <p:par>
+                                <p:cTn id="40" presetID="3" presetClass="entr" presetSubtype="10" fill="hold" grpId="0" nodeType="afterEffect">
+                                  <p:stCondLst>
+                                    <p:cond delay="0"/>
+                                  </p:stCondLst>
+                                  <p:childTnLst>
+                                    <p:set>
+                                      <p:cBhvr>
+                                        <p:cTn id="41" dur="1" fill="hold">
+                                          <p:stCondLst>
+                                            <p:cond delay="0"/>
+                                          </p:stCondLst>
+                                        </p:cTn>
+                                        <p:tgtEl>
+                                          <p:spTgt spid="11"/>
+                                        </p:tgtEl>
+                                        <p:attrNameLst>
+                                          <p:attrName>style.visibility</p:attrName>
+                                        </p:attrNameLst>
+                                      </p:cBhvr>
+                                      <p:to>
+                                        <p:strVal val="visible"/>
+                                      </p:to>
+                                    </p:set>
+                                    <p:animEffect transition="in" filter="blinds(horizontal)">
+                                      <p:cBhvr>
+                                        <p:cTn id="42" dur="500"/>
+                                        <p:tgtEl>
+                                          <p:spTgt spid="11"/>
+                                        </p:tgtEl>
+                                      </p:cBhvr>
+                                    </p:animEffect>
+                                  </p:childTnLst>
+                                </p:cTn>
+                              </p:par>
+                              <p:par>
+                                <p:cTn id="43" presetID="3" presetClass="entr" presetSubtype="10" fill="hold" grpId="0" nodeType="withEffect">
+                                  <p:stCondLst>
+                                    <p:cond delay="0"/>
+                                  </p:stCondLst>
+                                  <p:childTnLst>
+                                    <p:set>
+                                      <p:cBhvr>
+                                        <p:cTn id="44" dur="1" fill="hold">
+                                          <p:stCondLst>
+                                            <p:cond delay="0"/>
+                                          </p:stCondLst>
+                                        </p:cTn>
+                                        <p:tgtEl>
+                                          <p:spTgt spid="9"/>
+                                        </p:tgtEl>
+                                        <p:attrNameLst>
+                                          <p:attrName>style.visibility</p:attrName>
+                                        </p:attrNameLst>
+                                      </p:cBhvr>
+                                      <p:to>
+                                        <p:strVal val="visible"/>
+                                      </p:to>
+                                    </p:set>
+                                    <p:animEffect transition="in" filter="blinds(horizontal)">
+                                      <p:cBhvr>
+                                        <p:cTn id="45" dur="500"/>
+                                        <p:tgtEl>
+                                          <p:spTgt spid="9"/>
+                                        </p:tgtEl>
+                                      </p:cBhvr>
+                                    </p:animEffect>
+                                  </p:childTnLst>
+                                </p:cTn>
+                              </p:par>
+                              <p:par>
+                                <p:cTn id="46" presetID="3" presetClass="entr" presetSubtype="10" fill="hold" grpId="0" nodeType="withEffect">
+                                  <p:stCondLst>
+                                    <p:cond delay="0"/>
+                                  </p:stCondLst>
+                                  <p:childTnLst>
+                                    <p:set>
+                                      <p:cBhvr>
+                                        <p:cTn id="47" dur="1" fill="hold">
+                                          <p:stCondLst>
+                                            <p:cond delay="0"/>
+                                          </p:stCondLst>
+                                        </p:cTn>
+                                        <p:tgtEl>
+                                          <p:spTgt spid="8"/>
+                                        </p:tgtEl>
+                                        <p:attrNameLst>
+                                          <p:attrName>style.visibility</p:attrName>
+                                        </p:attrNameLst>
+                                      </p:cBhvr>
+                                      <p:to>
+                                        <p:strVal val="visible"/>
+                                      </p:to>
+                                    </p:set>
+                                    <p:animEffect transition="in" filter="blinds(horizontal)">
+                                      <p:cBhvr>
+                                        <p:cTn id="48" dur="500"/>
+                                        <p:tgtEl>
+                                          <p:spTgt spid="8"/>
+                                        </p:tgtEl>
+                                      </p:cBhvr>
+                                    </p:animEffect>
+                                  </p:childTnLst>
+                                </p:cTn>
+                              </p:par>
+                            </p:childTnLst>
+                          </p:cTn>
+                        </p:par>
+                      </p:childTnLst>
+                    </p:cTn>
+                  </p:par>
+                </p:childTnLst>
+              </p:cTn>
+              <p:prevCondLst>
+                <p:cond evt="onPrev" delay="0">
+                  <p:tgtEl>
+                    <p:sldTgt/>
+                  </p:tgtEl>
+                </p:cond>
+              </p:prevCondLst>
+              <p:nextCondLst>
+                <p:cond evt="onNext" delay="0">
+                  <p:tgtEl>
+                    <p:sldTgt/>
+                  </p:tgtEl>
+                </p:cond>
+              </p:nextCondLst>
+            </p:seq>
+          </p:childTnLst>
+        </p:cTn>
       </p:par>
     </p:tnLst>
+    <p:bldLst>
+      <p:bldP spid="9" grpId="0" animBg="1"/>
+      <p:bldP spid="8" grpId="0" animBg="1"/>
+      <p:bldP spid="11" grpId="0" animBg="1"/>
+    </p:bldLst>
   </p:timing>
 </p:sld>
 </file>
 
-<file path=ppt/slides/slide28.xml><?xml version="1.0" encoding="utf-8"?>
+<file path=ppt/slides/slide27.xml><?xml version="1.0" encoding="utf-8"?>
 <p:sld xmlns:a="http://schemas.openxmlformats.org/drawingml/2006/main" xmlns:r="http://schemas.openxmlformats.org/officeDocument/2006/relationships" xmlns:p="http://schemas.openxmlformats.org/presentationml/2006/main">
   <p:cSld>
     <p:spTree>
@@ -13372,7 +13624,7 @@
       </p:grpSpPr>
       <p:pic>
         <p:nvPicPr>
-          <p:cNvPr id="38" name="Inhaltsplatzhalter 18" descr="Ubersicht.png"/>
+          <p:cNvPr id="30" name="Grafik 29" descr="Ubersicht.png"/>
           <p:cNvPicPr>
             <a:picLocks noChangeAspect="1"/>
           </p:cNvPicPr>
@@ -13386,1205 +13638,8 @@
         </p:blipFill>
         <p:spPr>
           <a:xfrm>
-            <a:off x="1043608" y="5229200"/>
-            <a:ext cx="2232248" cy="1556792"/>
-          </a:xfrm>
-          <a:prstGeom prst="rect">
-            <a:avLst/>
-          </a:prstGeom>
-        </p:spPr>
-      </p:pic>
-      <p:pic>
-        <p:nvPicPr>
-          <p:cNvPr id="24" name="Grafik 23" descr="Pfeil.png"/>
-          <p:cNvPicPr>
-            <a:picLocks noChangeAspect="1"/>
-          </p:cNvPicPr>
-          <p:nvPr/>
-        </p:nvPicPr>
-        <p:blipFill>
-          <a:blip r:embed="rId4" cstate="print"/>
-          <a:stretch>
-            <a:fillRect/>
-          </a:stretch>
-        </p:blipFill>
-        <p:spPr>
-          <a:xfrm rot="5400000">
-            <a:off x="8231239" y="3658193"/>
-            <a:ext cx="514422" cy="200053"/>
-          </a:xfrm>
-          <a:prstGeom prst="rect">
-            <a:avLst/>
-          </a:prstGeom>
-        </p:spPr>
-      </p:pic>
-      <p:pic>
-        <p:nvPicPr>
-          <p:cNvPr id="21" name="Grafik 20" descr="Pfeil.png"/>
-          <p:cNvPicPr>
-            <a:picLocks noChangeAspect="1"/>
-          </p:cNvPicPr>
-          <p:nvPr/>
-        </p:nvPicPr>
-        <p:blipFill>
-          <a:blip r:embed="rId4" cstate="print"/>
-          <a:stretch>
-            <a:fillRect/>
-          </a:stretch>
-        </p:blipFill>
-        <p:spPr>
-          <a:xfrm rot="5400000">
-            <a:off x="8231239" y="2794097"/>
-            <a:ext cx="514422" cy="200053"/>
-          </a:xfrm>
-          <a:prstGeom prst="rect">
-            <a:avLst/>
-          </a:prstGeom>
-        </p:spPr>
-      </p:pic>
-      <p:sp>
-        <p:nvSpPr>
-          <p:cNvPr id="2" name="Titel 1"/>
-          <p:cNvSpPr>
-            <a:spLocks noGrp="1"/>
-          </p:cNvSpPr>
-          <p:nvPr>
-            <p:ph type="title"/>
-          </p:nvPr>
-        </p:nvSpPr>
-        <p:spPr/>
-        <p:txBody>
-          <a:bodyPr>
-            <a:normAutofit fontScale="90000"/>
-          </a:bodyPr>
-          <a:lstStyle/>
-          <a:p>
-            <a:r>
-              <a:rPr lang="de-DE" dirty="0" smtClean="0"/>
-              <a:t>Detailkonzept</a:t>
-            </a:r>
-            <a:br>
-              <a:rPr lang="de-DE" dirty="0" smtClean="0"/>
-            </a:br>
-            <a:r>
-              <a:rPr lang="de-DE" dirty="0" smtClean="0"/>
-              <a:t>Datenbankschema - Event</a:t>
-            </a:r>
-            <a:endParaRPr lang="de-DE" dirty="0"/>
-          </a:p>
-        </p:txBody>
-      </p:sp>
-      <p:sp>
-        <p:nvSpPr>
-          <p:cNvPr id="4" name="Datumsplatzhalter 3"/>
-          <p:cNvSpPr>
-            <a:spLocks noGrp="1"/>
-          </p:cNvSpPr>
-          <p:nvPr>
-            <p:ph type="dt" sz="half" idx="10"/>
-          </p:nvPr>
-        </p:nvSpPr>
-        <p:spPr/>
-        <p:txBody>
-          <a:bodyPr/>
-          <a:lstStyle/>
-          <a:p>
-            <a:r>
-              <a:rPr lang="de-DE" smtClean="0"/>
-              <a:t>21.04.2012</a:t>
-            </a:r>
-            <a:endParaRPr lang="en-US"/>
-          </a:p>
-        </p:txBody>
-      </p:sp>
-      <p:sp>
-        <p:nvSpPr>
-          <p:cNvPr id="5" name="Fußzeilenplatzhalter 4"/>
-          <p:cNvSpPr>
-            <a:spLocks noGrp="1"/>
-          </p:cNvSpPr>
-          <p:nvPr>
-            <p:ph type="ftr" sz="quarter" idx="11"/>
-          </p:nvPr>
-        </p:nvSpPr>
-        <p:spPr/>
-        <p:txBody>
-          <a:bodyPr/>
-          <a:lstStyle/>
-          <a:p>
-            <a:r>
-              <a:rPr lang="de-DE" smtClean="0"/>
-              <a:t>FST Projekt "Eventalizer" (SS 2012) Team 5</a:t>
-            </a:r>
-            <a:endParaRPr lang="de-DE" dirty="0"/>
-          </a:p>
-        </p:txBody>
-      </p:sp>
-      <p:sp>
-        <p:nvSpPr>
-          <p:cNvPr id="6" name="Foliennummernplatzhalter 5"/>
-          <p:cNvSpPr>
-            <a:spLocks noGrp="1"/>
-          </p:cNvSpPr>
-          <p:nvPr>
-            <p:ph type="sldNum" sz="quarter" idx="12"/>
-          </p:nvPr>
-        </p:nvSpPr>
-        <p:spPr/>
-        <p:txBody>
-          <a:bodyPr/>
-          <a:lstStyle/>
-          <a:p>
-            <a:fld id="{990B41CA-569D-40E7-8E58-026C0338B2C8}" type="slidenum">
-              <a:rPr lang="en-US" smtClean="0"/>
-              <a:pPr/>
-              <a:t>28</a:t>
-            </a:fld>
-            <a:endParaRPr lang="en-US"/>
-          </a:p>
-        </p:txBody>
-      </p:sp>
-      <p:sp>
-        <p:nvSpPr>
-          <p:cNvPr id="9" name="Rechteck 8"/>
-          <p:cNvSpPr/>
-          <p:nvPr/>
-        </p:nvSpPr>
-        <p:spPr>
-          <a:xfrm>
-            <a:off x="2051720" y="5733256"/>
-            <a:ext cx="360040" cy="720080"/>
-          </a:xfrm>
-          <a:prstGeom prst="rect">
-            <a:avLst/>
-          </a:prstGeom>
-          <a:noFill/>
-        </p:spPr>
-        <p:style>
-          <a:lnRef idx="2">
-            <a:schemeClr val="accent1">
-              <a:shade val="50000"/>
-            </a:schemeClr>
-          </a:lnRef>
-          <a:fillRef idx="1">
-            <a:schemeClr val="accent1"/>
-          </a:fillRef>
-    